--- a/help/data-sheets/assets/EnterpriseSupportDatasheet.pptx
+++ b/help/data-sheets/assets/EnterpriseSupportDatasheet.pptx
@@ -144,12 +144,7 @@
 <file path=ppt/revisionInfo.xml><?xml version="1.0" encoding="utf-8"?>
 <p1510:revInfo xmlns:a="http://schemas.openxmlformats.org/drawingml/2006/main" xmlns:r="http://schemas.openxmlformats.org/officeDocument/2006/relationships" xmlns:p1510="http://schemas.microsoft.com/office/powerpoint/2015/10/main">
   <p1510:revLst>
-    <p1510:client id="{0AB2EF93-BE08-D205-D43E-3B568BB37DAA}" v="26" dt="2021-09-22T23:01:49.517"/>
-    <p1510:client id="{0AC6A3A1-0788-C69A-5EFD-279F3FA2CF0F}" v="51" dt="2021-09-22T18:56:17.553"/>
-    <p1510:client id="{112231ED-4F38-A856-2EFF-9D0F88AC9BDF}" v="3" dt="2021-09-22T19:11:31.474"/>
-    <p1510:client id="{3CA2F123-FAC9-2CDD-7937-C83283BA7837}" v="1" dt="2021-09-16T20:58:19.458"/>
     <p1510:client id="{3F02B349-0406-AE51-D438-E7A0BE890230}" v="20" dt="2021-08-25T18:45:08.206"/>
-    <p1510:client id="{A40C3D7D-993B-38B2-2DDA-C562505A1054}" v="4" dt="2021-09-22T23:00:46.860"/>
     <p1510:client id="{BAC4F85F-6423-7248-85C4-44132DA97563}" v="77" dt="2021-08-07T08:51:03.454"/>
   </p1510:revLst>
 </p1510:revInfo>
@@ -157,94 +152,6 @@
 
 <file path=ppt/changesInfos/changesInfo1.xml><?xml version="1.0" encoding="utf-8"?>
 <pc:chgInfo xmlns:a="http://schemas.openxmlformats.org/drawingml/2006/main" xmlns:r="http://schemas.openxmlformats.org/officeDocument/2006/relationships" xmlns:ac="http://schemas.microsoft.com/office/drawing/2013/main/command" xmlns:pc="http://schemas.microsoft.com/office/powerpoint/2013/main/command">
-  <pc:docChgLst>
-    <pc:chgData name="Akilah Johnson" userId="S::akjohnso@adobe.com::2fa3aa60-0c9c-4d06-bae2-795983241227" providerId="AD" clId="Web-{0AB2EF93-BE08-D205-D43E-3B568BB37DAA}"/>
-    <pc:docChg chg="modSld">
-      <pc:chgData name="Akilah Johnson" userId="S::akjohnso@adobe.com::2fa3aa60-0c9c-4d06-bae2-795983241227" providerId="AD" clId="Web-{0AB2EF93-BE08-D205-D43E-3B568BB37DAA}" dt="2021-09-22T23:01:45.877" v="13"/>
-      <pc:docMkLst>
-        <pc:docMk/>
-      </pc:docMkLst>
-      <pc:sldChg chg="modSp">
-        <pc:chgData name="Akilah Johnson" userId="S::akjohnso@adobe.com::2fa3aa60-0c9c-4d06-bae2-795983241227" providerId="AD" clId="Web-{0AB2EF93-BE08-D205-D43E-3B568BB37DAA}" dt="2021-09-22T23:01:45.877" v="13"/>
-        <pc:sldMkLst>
-          <pc:docMk/>
-          <pc:sldMk cId="1050037809" sldId="261"/>
-        </pc:sldMkLst>
-        <pc:graphicFrameChg chg="mod modGraphic">
-          <ac:chgData name="Akilah Johnson" userId="S::akjohnso@adobe.com::2fa3aa60-0c9c-4d06-bae2-795983241227" providerId="AD" clId="Web-{0AB2EF93-BE08-D205-D43E-3B568BB37DAA}" dt="2021-09-22T23:01:45.877" v="13"/>
-          <ac:graphicFrameMkLst>
-            <pc:docMk/>
-            <pc:sldMk cId="1050037809" sldId="261"/>
-            <ac:graphicFrameMk id="25" creationId="{3A91F5B0-3974-A14D-A146-FB590F2AAD18}"/>
-          </ac:graphicFrameMkLst>
-        </pc:graphicFrameChg>
-      </pc:sldChg>
-    </pc:docChg>
-  </pc:docChgLst>
-  <pc:docChgLst>
-    <pc:chgData name="Akilah Johnson" userId="S::akjohnso@adobe.com::2fa3aa60-0c9c-4d06-bae2-795983241227" providerId="AD" clId="Web-{0AC6A3A1-0788-C69A-5EFD-279F3FA2CF0F}"/>
-    <pc:docChg chg="modSld">
-      <pc:chgData name="Akilah Johnson" userId="S::akjohnso@adobe.com::2fa3aa60-0c9c-4d06-bae2-795983241227" providerId="AD" clId="Web-{0AC6A3A1-0788-C69A-5EFD-279F3FA2CF0F}" dt="2021-09-22T18:56:17.553" v="29"/>
-      <pc:docMkLst>
-        <pc:docMk/>
-      </pc:docMkLst>
-      <pc:sldChg chg="modSp delCm">
-        <pc:chgData name="Akilah Johnson" userId="S::akjohnso@adobe.com::2fa3aa60-0c9c-4d06-bae2-795983241227" providerId="AD" clId="Web-{0AC6A3A1-0788-C69A-5EFD-279F3FA2CF0F}" dt="2021-09-22T18:56:17.553" v="29"/>
-        <pc:sldMkLst>
-          <pc:docMk/>
-          <pc:sldMk cId="1050037809" sldId="261"/>
-        </pc:sldMkLst>
-        <pc:spChg chg="mod">
-          <ac:chgData name="Akilah Johnson" userId="S::akjohnso@adobe.com::2fa3aa60-0c9c-4d06-bae2-795983241227" providerId="AD" clId="Web-{0AC6A3A1-0788-C69A-5EFD-279F3FA2CF0F}" dt="2021-09-22T18:55:46.585" v="16" actId="20577"/>
-          <ac:spMkLst>
-            <pc:docMk/>
-            <pc:sldMk cId="1050037809" sldId="261"/>
-            <ac:spMk id="64" creationId="{41467BDC-3D83-D844-B922-CD07E94E5AAB}"/>
-          </ac:spMkLst>
-        </pc:spChg>
-        <pc:graphicFrameChg chg="mod modGraphic">
-          <ac:chgData name="Akilah Johnson" userId="S::akjohnso@adobe.com::2fa3aa60-0c9c-4d06-bae2-795983241227" providerId="AD" clId="Web-{0AC6A3A1-0788-C69A-5EFD-279F3FA2CF0F}" dt="2021-09-22T18:55:59.928" v="28"/>
-          <ac:graphicFrameMkLst>
-            <pc:docMk/>
-            <pc:sldMk cId="1050037809" sldId="261"/>
-            <ac:graphicFrameMk id="25" creationId="{3A91F5B0-3974-A14D-A146-FB590F2AAD18}"/>
-          </ac:graphicFrameMkLst>
-        </pc:graphicFrameChg>
-      </pc:sldChg>
-    </pc:docChg>
-  </pc:docChgLst>
-  <pc:docChgLst>
-    <pc:chgData name="Akilah Johnson" userId="S::akjohnso@adobe.com::2fa3aa60-0c9c-4d06-bae2-795983241227" providerId="AD" clId="Web-{112231ED-4F38-A856-2EFF-9D0F88AC9BDF}"/>
-    <pc:docChg chg="modSld">
-      <pc:chgData name="Akilah Johnson" userId="S::akjohnso@adobe.com::2fa3aa60-0c9c-4d06-bae2-795983241227" providerId="AD" clId="Web-{112231ED-4F38-A856-2EFF-9D0F88AC9BDF}" dt="2021-09-22T19:11:31.474" v="2" actId="1076"/>
-      <pc:docMkLst>
-        <pc:docMk/>
-      </pc:docMkLst>
-      <pc:sldChg chg="modSp">
-        <pc:chgData name="Akilah Johnson" userId="S::akjohnso@adobe.com::2fa3aa60-0c9c-4d06-bae2-795983241227" providerId="AD" clId="Web-{112231ED-4F38-A856-2EFF-9D0F88AC9BDF}" dt="2021-09-22T19:11:31.474" v="2" actId="1076"/>
-        <pc:sldMkLst>
-          <pc:docMk/>
-          <pc:sldMk cId="1050037809" sldId="261"/>
-        </pc:sldMkLst>
-        <pc:spChg chg="mod">
-          <ac:chgData name="Akilah Johnson" userId="S::akjohnso@adobe.com::2fa3aa60-0c9c-4d06-bae2-795983241227" providerId="AD" clId="Web-{112231ED-4F38-A856-2EFF-9D0F88AC9BDF}" dt="2021-09-22T19:11:31.474" v="2" actId="1076"/>
-          <ac:spMkLst>
-            <pc:docMk/>
-            <pc:sldMk cId="1050037809" sldId="261"/>
-            <ac:spMk id="23" creationId="{00000000-0000-0000-0000-000000000000}"/>
-          </ac:spMkLst>
-        </pc:spChg>
-        <pc:spChg chg="mod">
-          <ac:chgData name="Akilah Johnson" userId="S::akjohnso@adobe.com::2fa3aa60-0c9c-4d06-bae2-795983241227" providerId="AD" clId="Web-{112231ED-4F38-A856-2EFF-9D0F88AC9BDF}" dt="2021-09-22T19:08:28.879" v="0" actId="1076"/>
-          <ac:spMkLst>
-            <pc:docMk/>
-            <pc:sldMk cId="1050037809" sldId="261"/>
-            <ac:spMk id="64" creationId="{41467BDC-3D83-D844-B922-CD07E94E5AAB}"/>
-          </ac:spMkLst>
-        </pc:spChg>
-      </pc:sldChg>
-    </pc:docChg>
-  </pc:docChgLst>
   <pc:docChgLst>
     <pc:chgData name="Andy Witt" userId="S::awitt@adobe.com::e9157bdf-53b2-40e4-9459-936793d75696" providerId="AD" clId="Web-{3F02B349-0406-AE51-D438-E7A0BE890230}"/>
     <pc:docChg chg="modSld">
@@ -269,92 +176,10 @@
       </pc:sldChg>
     </pc:docChg>
   </pc:docChgLst>
-  <pc:docChgLst>
-    <pc:chgData name="Akilah Johnson" userId="S::akjohnso@adobe.com::2fa3aa60-0c9c-4d06-bae2-795983241227" providerId="AD" clId="Web-{3CA2F123-FAC9-2CDD-7937-C83283BA7837}"/>
-    <pc:docChg chg="modSld">
-      <pc:chgData name="Akilah Johnson" userId="S::akjohnso@adobe.com::2fa3aa60-0c9c-4d06-bae2-795983241227" providerId="AD" clId="Web-{3CA2F123-FAC9-2CDD-7937-C83283BA7837}" dt="2021-09-16T20:58:19.458" v="0" actId="1076"/>
-      <pc:docMkLst>
-        <pc:docMk/>
-      </pc:docMkLst>
-      <pc:sldChg chg="modSp">
-        <pc:chgData name="Akilah Johnson" userId="S::akjohnso@adobe.com::2fa3aa60-0c9c-4d06-bae2-795983241227" providerId="AD" clId="Web-{3CA2F123-FAC9-2CDD-7937-C83283BA7837}" dt="2021-09-16T20:58:19.458" v="0" actId="1076"/>
-        <pc:sldMkLst>
-          <pc:docMk/>
-          <pc:sldMk cId="717026355" sldId="266"/>
-        </pc:sldMkLst>
-        <pc:spChg chg="mod">
-          <ac:chgData name="Akilah Johnson" userId="S::akjohnso@adobe.com::2fa3aa60-0c9c-4d06-bae2-795983241227" providerId="AD" clId="Web-{3CA2F123-FAC9-2CDD-7937-C83283BA7837}" dt="2021-09-16T20:58:19.458" v="0" actId="1076"/>
-          <ac:spMkLst>
-            <pc:docMk/>
-            <pc:sldMk cId="717026355" sldId="266"/>
-            <ac:spMk id="83" creationId="{BB34E685-A734-974B-A33A-BE51D1A8BC0D}"/>
-          </ac:spMkLst>
-        </pc:spChg>
-      </pc:sldChg>
-    </pc:docChg>
-  </pc:docChgLst>
-  <pc:docChgLst>
-    <pc:chgData name="Akilah Johnson" userId="S::akjohnso@adobe.com::2fa3aa60-0c9c-4d06-bae2-795983241227" providerId="AD" clId="Web-{A40C3D7D-993B-38B2-2DDA-C562505A1054}"/>
-    <pc:docChg chg="modSld">
-      <pc:chgData name="Akilah Johnson" userId="S::akjohnso@adobe.com::2fa3aa60-0c9c-4d06-bae2-795983241227" providerId="AD" clId="Web-{A40C3D7D-993B-38B2-2DDA-C562505A1054}" dt="2021-09-22T23:00:46.860" v="3"/>
-      <pc:docMkLst>
-        <pc:docMk/>
-      </pc:docMkLst>
-      <pc:sldChg chg="modSp">
-        <pc:chgData name="Akilah Johnson" userId="S::akjohnso@adobe.com::2fa3aa60-0c9c-4d06-bae2-795983241227" providerId="AD" clId="Web-{A40C3D7D-993B-38B2-2DDA-C562505A1054}" dt="2021-09-22T23:00:46.860" v="3"/>
-        <pc:sldMkLst>
-          <pc:docMk/>
-          <pc:sldMk cId="1050037809" sldId="261"/>
-        </pc:sldMkLst>
-        <pc:graphicFrameChg chg="mod modGraphic">
-          <ac:chgData name="Akilah Johnson" userId="S::akjohnso@adobe.com::2fa3aa60-0c9c-4d06-bae2-795983241227" providerId="AD" clId="Web-{A40C3D7D-993B-38B2-2DDA-C562505A1054}" dt="2021-09-22T23:00:46.860" v="3"/>
-          <ac:graphicFrameMkLst>
-            <pc:docMk/>
-            <pc:sldMk cId="1050037809" sldId="261"/>
-            <ac:graphicFrameMk id="25" creationId="{3A91F5B0-3974-A14D-A146-FB590F2AAD18}"/>
-          </ac:graphicFrameMkLst>
-        </pc:graphicFrameChg>
-      </pc:sldChg>
-    </pc:docChg>
-  </pc:docChgLst>
 </pc:chgInfo>
 </file>
 
 <file path=ppt/comments/comment1.xml><?xml version="1.0" encoding="utf-8"?>
-<p:cmLst xmlns:a="http://schemas.openxmlformats.org/drawingml/2006/main" xmlns:r="http://schemas.openxmlformats.org/officeDocument/2006/relationships" xmlns:p="http://schemas.openxmlformats.org/presentationml/2006/main">
-  <p:cm authorId="1" dt="2021-08-04T14:42:10.630" idx="4">
-    <p:pos x="-3291" y="2170"/>
-    <p:text/>
-    <p:extLst>
-      <p:ext uri="{C676402C-5697-4E1C-873F-D02D1690AC5C}">
-        <p15:threadingInfo xmlns:p15="http://schemas.microsoft.com/office/powerpoint/2012/main" timeZoneBias="420"/>
-      </p:ext>
-    </p:extLst>
-  </p:cm>
-  <p:cm authorId="1" dt="2021-08-04T14:42:19.668" idx="5">
-    <p:pos x="4567" y="1502"/>
-    <p:text>Can we add a darker blue line under 'Enterprise Support?'</p:text>
-    <p:extLst>
-      <p:ext uri="{C676402C-5697-4E1C-873F-D02D1690AC5C}">
-        <p15:threadingInfo xmlns:p15="http://schemas.microsoft.com/office/powerpoint/2012/main" timeZoneBias="420"/>
-      </p:ext>
-    </p:extLst>
-  </p:cm>
-  <p:cm authorId="1" dt="2021-08-04T15:01:35.985" idx="8">
-    <p:pos x="4567" y="1598"/>
-    <p:text>Hi Ankita, I did my best to keep the formatting you already worked so hard on. I added a few comments on things I'll need your help with . Thank again so much!</p:text>
-    <p:extLst>
-      <p:ext uri="{C676402C-5697-4E1C-873F-D02D1690AC5C}">
-        <p15:threadingInfo xmlns:p15="http://schemas.microsoft.com/office/powerpoint/2012/main" timeZoneBias="420">
-          <p15:parentCm authorId="1" idx="5"/>
-        </p15:threadingInfo>
-      </p:ext>
-    </p:extLst>
-  </p:cm>
-</p:cmLst>
-</file>
-
-<file path=ppt/comments/comment2.xml><?xml version="1.0" encoding="utf-8"?>
 <p:cmLst xmlns:a="http://schemas.openxmlformats.org/drawingml/2006/main" xmlns:r="http://schemas.openxmlformats.org/officeDocument/2006/relationships" xmlns:p="http://schemas.openxmlformats.org/presentationml/2006/main">
   <p:cm authorId="1" dt="2021-08-04T14:53:07.049" idx="6">
     <p:pos x="10" y="10"/>
@@ -450,7 +275,7 @@
           <a:p>
             <a:fld id="{CCB2A597-803A-C244-97E2-A01066125D19}" type="datetimeFigureOut">
               <a:rPr lang="en-US" smtClean="0"/>
-              <a:t>9/22/2021</a:t>
+              <a:t>10/11/21</a:t>
             </a:fld>
             <a:endParaRPr lang="en-US"/>
           </a:p>
@@ -1231,7 +1056,7 @@
           <a:p>
             <a:fld id="{1D8BD707-D9CF-40AE-B4C6-C98DA3205C09}" type="datetimeFigureOut">
               <a:rPr lang="en-US"/>
-              <a:t>9/22/2021</a:t>
+              <a:t>10/11/21</a:t>
             </a:fld>
             <a:endParaRPr lang="en-US"/>
           </a:p>
@@ -1471,7 +1296,7 @@
           <a:p>
             <a:fld id="{1D8BD707-D9CF-40AE-B4C6-C98DA3205C09}" type="datetimeFigureOut">
               <a:rPr lang="en-US"/>
-              <a:t>9/22/2021</a:t>
+              <a:t>10/11/21</a:t>
             </a:fld>
             <a:endParaRPr lang="en-US"/>
           </a:p>
@@ -1724,7 +1549,7 @@
           <a:p>
             <a:fld id="{1D8BD707-D9CF-40AE-B4C6-C98DA3205C09}" type="datetimeFigureOut">
               <a:rPr lang="en-US"/>
-              <a:t>9/22/2021</a:t>
+              <a:t>10/11/21</a:t>
             </a:fld>
             <a:endParaRPr lang="en-US"/>
           </a:p>
@@ -1911,7 +1736,7 @@
           <a:p>
             <a:fld id="{1D8BD707-D9CF-40AE-B4C6-C98DA3205C09}" type="datetimeFigureOut">
               <a:rPr lang="en-US"/>
-              <a:t>9/22/2021</a:t>
+              <a:t>10/11/21</a:t>
             </a:fld>
             <a:endParaRPr lang="en-US"/>
           </a:p>
@@ -2069,7 +1894,7 @@
           <a:p>
             <a:fld id="{1D8BD707-D9CF-40AE-B4C6-C98DA3205C09}" type="datetimeFigureOut">
               <a:rPr lang="en-US"/>
-              <a:t>9/22/2021</a:t>
+              <a:t>10/11/21</a:t>
             </a:fld>
             <a:endParaRPr lang="en-US"/>
           </a:p>
@@ -2327,7 +2152,7 @@
           <a:p>
             <a:fld id="{1D8BD707-D9CF-40AE-B4C6-C98DA3205C09}" type="datetimeFigureOut">
               <a:rPr lang="en-US"/>
-              <a:t>9/22/2021</a:t>
+              <a:t>10/11/21</a:t>
             </a:fld>
             <a:endParaRPr lang="en-US"/>
           </a:p>
@@ -2580,28 +2405,10 @@
               </a:spcBef>
             </a:pPr>
             <a:r>
-              <a:rPr sz="2300" spc="-229">
+              <a:rPr lang="de-de" sz="2300" spc="-229">
                 <a:latin typeface="Adobe Clean" panose="020B0503020404020204" pitchFamily="34" charset="0"/>
               </a:rPr>
-              <a:t>ADOBE</a:t>
-            </a:r>
-            <a:r>
-              <a:rPr lang="en-US" sz="2300" spc="-229">
-                <a:latin typeface="Adobe Clean" panose="020B0503020404020204" pitchFamily="34" charset="0"/>
-              </a:rPr>
-              <a:t>   </a:t>
-            </a:r>
-            <a:r>
-              <a:rPr sz="2300" spc="-229">
-                <a:latin typeface="Adobe Clean" panose="020B0503020404020204" pitchFamily="34" charset="0"/>
-              </a:rPr>
-              <a:t>SUPPORT</a:t>
-            </a:r>
-            <a:r>
-              <a:rPr lang="en-US" sz="2300" spc="-229">
-                <a:latin typeface="Adobe Clean" panose="020B0503020404020204" pitchFamily="34" charset="0"/>
-              </a:rPr>
-              <a:t>  OFFERINGS</a:t>
+              <a:t>Adobe 支援方案</a:t>
             </a:r>
             <a:endParaRPr sz="2300" spc="-229">
               <a:latin typeface="Adobe Clean" panose="020B0503020404020204" pitchFamily="34" charset="0"/>
@@ -2618,7 +2425,7 @@
         <p:spPr>
           <a:xfrm>
             <a:off x="125148" y="7013546"/>
-            <a:ext cx="2785110" cy="228268"/>
+            <a:ext cx="5246952" cy="228268"/>
           </a:xfrm>
           <a:prstGeom prst="rect">
             <a:avLst/>
@@ -2639,7 +2446,7 @@
               </a:spcBef>
             </a:pPr>
             <a:r>
-              <a:rPr sz="1400" b="1" u="sng" spc="15">
+              <a:rPr lang="de-de" sz="1400" b="1" u="sng" spc="15" dirty="0">
                 <a:solidFill>
                   <a:srgbClr val="020302"/>
                 </a:solidFill>
@@ -2651,70 +2458,10 @@
                 <a:latin typeface="Adobe Clean"/>
                 <a:cs typeface="Adobe Clean"/>
               </a:rPr>
-              <a:t>S</a:t>
-            </a:r>
-            <a:r>
-              <a:rPr sz="1400" b="1" u="sng" spc="5">
-                <a:solidFill>
-                  <a:srgbClr val="020302"/>
-                </a:solidFill>
-                <a:uFill>
-                  <a:solidFill>
-                    <a:srgbClr val="020302"/>
-                  </a:solidFill>
-                </a:uFill>
-                <a:latin typeface="Adobe Clean"/>
-                <a:cs typeface="Adobe Clean"/>
-              </a:rPr>
-              <a:t>er</a:t>
-            </a:r>
-            <a:r>
-              <a:rPr sz="1400" b="1" u="sng" spc="10">
-                <a:solidFill>
-                  <a:srgbClr val="020302"/>
-                </a:solidFill>
-                <a:uFill>
-                  <a:solidFill>
-                    <a:srgbClr val="020302"/>
-                  </a:solidFill>
-                </a:uFill>
-                <a:latin typeface="Adobe Clean"/>
-                <a:cs typeface="Adobe Clean"/>
-              </a:rPr>
-              <a:t>vi</a:t>
-            </a:r>
-            <a:r>
-              <a:rPr sz="1400" b="1" u="sng" spc="5">
-                <a:solidFill>
-                  <a:srgbClr val="020302"/>
-                </a:solidFill>
-                <a:uFill>
-                  <a:solidFill>
-                    <a:srgbClr val="020302"/>
-                  </a:solidFill>
-                </a:uFill>
-                <a:latin typeface="Adobe Clean"/>
-                <a:cs typeface="Adobe Clean"/>
-              </a:rPr>
-              <a:t>c</a:t>
-            </a:r>
-            <a:r>
-              <a:rPr sz="1400" b="1" u="sng">
-                <a:solidFill>
-                  <a:srgbClr val="020302"/>
-                </a:solidFill>
-                <a:uFill>
-                  <a:solidFill>
-                    <a:srgbClr val="020302"/>
-                  </a:solidFill>
-                </a:uFill>
-                <a:latin typeface="Adobe Clean"/>
-                <a:cs typeface="Adobe Clean"/>
-              </a:rPr>
-              <a:t>e</a:t>
-            </a:r>
-            <a:r>
-              <a:rPr sz="1400" b="1" u="sng" spc="20">
+              <a:t>服務層級目標：初始回應</a:t>
+            </a:r>
+            <a:r>
+              <a:rPr lang="de-de" sz="1400" b="1" u="sng" spc="-15" dirty="0">
                 <a:solidFill>
                   <a:srgbClr val="020302"/>
                 </a:solidFill>
@@ -2729,67 +2476,7 @@
               <a:t> </a:t>
             </a:r>
             <a:r>
-              <a:rPr sz="1400" b="1" u="sng" spc="-15">
-                <a:solidFill>
-                  <a:srgbClr val="020302"/>
-                </a:solidFill>
-                <a:uFill>
-                  <a:solidFill>
-                    <a:srgbClr val="020302"/>
-                  </a:solidFill>
-                </a:uFill>
-                <a:latin typeface="Adobe Clean"/>
-                <a:cs typeface="Adobe Clean"/>
-              </a:rPr>
-              <a:t>Le</a:t>
-            </a:r>
-            <a:r>
-              <a:rPr sz="1400" b="1" u="sng" spc="-10">
-                <a:solidFill>
-                  <a:srgbClr val="020302"/>
-                </a:solidFill>
-                <a:uFill>
-                  <a:solidFill>
-                    <a:srgbClr val="020302"/>
-                  </a:solidFill>
-                </a:uFill>
-                <a:latin typeface="Adobe Clean"/>
-                <a:cs typeface="Adobe Clean"/>
-              </a:rPr>
-              <a:t>v</a:t>
-            </a:r>
-            <a:r>
-              <a:rPr sz="1400" b="1" u="sng" spc="-15">
-                <a:solidFill>
-                  <a:srgbClr val="020302"/>
-                </a:solidFill>
-                <a:uFill>
-                  <a:solidFill>
-                    <a:srgbClr val="020302"/>
-                  </a:solidFill>
-                </a:uFill>
-                <a:latin typeface="Adobe Clean"/>
-                <a:cs typeface="Adobe Clean"/>
-              </a:rPr>
-              <a:t>e</a:t>
-            </a:r>
-            <a:r>
-              <a:rPr sz="1400" b="1" u="sng">
-                <a:solidFill>
-                  <a:srgbClr val="020302"/>
-                </a:solidFill>
-                <a:uFill>
-                  <a:solidFill>
-                    <a:srgbClr val="020302"/>
-                  </a:solidFill>
-                </a:uFill>
-                <a:latin typeface="Adobe Clean"/>
-                <a:cs typeface="Adobe Clean"/>
-              </a:rPr>
-              <a:t>l</a:t>
-            </a:r>
-            <a:r>
-              <a:rPr sz="1400" b="1" u="sng" spc="-15">
+              <a:rPr lang="de-de" sz="1400" b="1" u="sng" spc="-85" dirty="0">
                 <a:solidFill>
                   <a:srgbClr val="020302"/>
                 </a:solidFill>
@@ -2804,112 +2491,7 @@
               <a:t> </a:t>
             </a:r>
             <a:r>
-              <a:rPr sz="1400" b="1" u="sng" spc="-55">
-                <a:solidFill>
-                  <a:srgbClr val="020302"/>
-                </a:solidFill>
-                <a:uFill>
-                  <a:solidFill>
-                    <a:srgbClr val="020302"/>
-                  </a:solidFill>
-                </a:uFill>
-                <a:latin typeface="Adobe Clean"/>
-                <a:cs typeface="Adobe Clean"/>
-              </a:rPr>
-              <a:t>T</a:t>
-            </a:r>
-            <a:r>
-              <a:rPr sz="1400" b="1" u="sng" spc="-40">
-                <a:solidFill>
-                  <a:srgbClr val="020302"/>
-                </a:solidFill>
-                <a:uFill>
-                  <a:solidFill>
-                    <a:srgbClr val="020302"/>
-                  </a:solidFill>
-                </a:uFill>
-                <a:latin typeface="Adobe Clean"/>
-                <a:cs typeface="Adobe Clean"/>
-              </a:rPr>
-              <a:t>a</a:t>
-            </a:r>
-            <a:r>
-              <a:rPr sz="1400" b="1" u="sng" spc="-45">
-                <a:solidFill>
-                  <a:srgbClr val="020302"/>
-                </a:solidFill>
-                <a:uFill>
-                  <a:solidFill>
-                    <a:srgbClr val="020302"/>
-                  </a:solidFill>
-                </a:uFill>
-                <a:latin typeface="Adobe Clean"/>
-                <a:cs typeface="Adobe Clean"/>
-              </a:rPr>
-              <a:t>r</a:t>
-            </a:r>
-            <a:r>
-              <a:rPr sz="1400" b="1" u="sng" spc="-40">
-                <a:solidFill>
-                  <a:srgbClr val="020302"/>
-                </a:solidFill>
-                <a:uFill>
-                  <a:solidFill>
-                    <a:srgbClr val="020302"/>
-                  </a:solidFill>
-                </a:uFill>
-                <a:latin typeface="Adobe Clean"/>
-                <a:cs typeface="Adobe Clean"/>
-              </a:rPr>
-              <a:t>g</a:t>
-            </a:r>
-            <a:r>
-              <a:rPr sz="1400" b="1" u="sng" spc="-50">
-                <a:solidFill>
-                  <a:srgbClr val="020302"/>
-                </a:solidFill>
-                <a:uFill>
-                  <a:solidFill>
-                    <a:srgbClr val="020302"/>
-                  </a:solidFill>
-                </a:uFill>
-                <a:latin typeface="Adobe Clean"/>
-                <a:cs typeface="Adobe Clean"/>
-              </a:rPr>
-              <a:t>et</a:t>
-            </a:r>
-            <a:r>
-              <a:rPr sz="1400" b="1" u="sng" spc="-45">
-                <a:solidFill>
-                  <a:srgbClr val="020302"/>
-                </a:solidFill>
-                <a:uFill>
-                  <a:solidFill>
-                    <a:srgbClr val="020302"/>
-                  </a:solidFill>
-                </a:uFill>
-                <a:latin typeface="Adobe Clean"/>
-                <a:cs typeface="Adobe Clean"/>
-              </a:rPr>
-              <a:t>s</a:t>
-            </a:r>
-            <a:r>
-              <a:rPr sz="1400" b="1" u="sng">
-                <a:solidFill>
-                  <a:srgbClr val="020302"/>
-                </a:solidFill>
-                <a:uFill>
-                  <a:solidFill>
-                    <a:srgbClr val="020302"/>
-                  </a:solidFill>
-                </a:uFill>
-                <a:latin typeface="Adobe Clean"/>
-                <a:cs typeface="Adobe Clean"/>
-              </a:rPr>
-              <a:t>:</a:t>
-            </a:r>
-            <a:r>
-              <a:rPr sz="1400" b="1" u="sng" spc="-85">
+              <a:rPr lang="de-de" sz="1400" b="1" u="sng" spc="-145" dirty="0">
                 <a:solidFill>
                   <a:srgbClr val="020302"/>
                 </a:solidFill>
@@ -2923,202 +2505,7 @@
               </a:rPr>
               <a:t> </a:t>
             </a:r>
-            <a:r>
-              <a:rPr sz="1400" b="1" u="sng" spc="-15">
-                <a:solidFill>
-                  <a:srgbClr val="020302"/>
-                </a:solidFill>
-                <a:uFill>
-                  <a:solidFill>
-                    <a:srgbClr val="020302"/>
-                  </a:solidFill>
-                </a:uFill>
-                <a:latin typeface="Adobe Clean"/>
-                <a:cs typeface="Adobe Clean"/>
-              </a:rPr>
-              <a:t>I</a:t>
-            </a:r>
-            <a:r>
-              <a:rPr sz="1400" b="1" u="sng" spc="-10">
-                <a:solidFill>
-                  <a:srgbClr val="020302"/>
-                </a:solidFill>
-                <a:uFill>
-                  <a:solidFill>
-                    <a:srgbClr val="020302"/>
-                  </a:solidFill>
-                </a:uFill>
-                <a:latin typeface="Adobe Clean"/>
-                <a:cs typeface="Adobe Clean"/>
-              </a:rPr>
-              <a:t>ni</a:t>
-            </a:r>
-            <a:r>
-              <a:rPr sz="1400" b="1" u="sng" spc="-15">
-                <a:solidFill>
-                  <a:srgbClr val="020302"/>
-                </a:solidFill>
-                <a:uFill>
-                  <a:solidFill>
-                    <a:srgbClr val="020302"/>
-                  </a:solidFill>
-                </a:uFill>
-                <a:latin typeface="Adobe Clean"/>
-                <a:cs typeface="Adobe Clean"/>
-              </a:rPr>
-              <a:t>t</a:t>
-            </a:r>
-            <a:r>
-              <a:rPr sz="1400" b="1" u="sng" spc="-10">
-                <a:solidFill>
-                  <a:srgbClr val="020302"/>
-                </a:solidFill>
-                <a:uFill>
-                  <a:solidFill>
-                    <a:srgbClr val="020302"/>
-                  </a:solidFill>
-                </a:uFill>
-                <a:latin typeface="Adobe Clean"/>
-                <a:cs typeface="Adobe Clean"/>
-              </a:rPr>
-              <a:t>i</a:t>
-            </a:r>
-            <a:r>
-              <a:rPr sz="1400" b="1" u="sng" spc="-5">
-                <a:solidFill>
-                  <a:srgbClr val="020302"/>
-                </a:solidFill>
-                <a:uFill>
-                  <a:solidFill>
-                    <a:srgbClr val="020302"/>
-                  </a:solidFill>
-                </a:uFill>
-                <a:latin typeface="Adobe Clean"/>
-                <a:cs typeface="Adobe Clean"/>
-              </a:rPr>
-              <a:t>a</a:t>
-            </a:r>
-            <a:r>
-              <a:rPr sz="1400" b="1" u="sng">
-                <a:solidFill>
-                  <a:srgbClr val="020302"/>
-                </a:solidFill>
-                <a:uFill>
-                  <a:solidFill>
-                    <a:srgbClr val="020302"/>
-                  </a:solidFill>
-                </a:uFill>
-                <a:latin typeface="Adobe Clean"/>
-                <a:cs typeface="Adobe Clean"/>
-              </a:rPr>
-              <a:t>l</a:t>
-            </a:r>
-            <a:r>
-              <a:rPr sz="1400" b="1" u="sng" spc="-145">
-                <a:solidFill>
-                  <a:srgbClr val="020302"/>
-                </a:solidFill>
-                <a:uFill>
-                  <a:solidFill>
-                    <a:srgbClr val="020302"/>
-                  </a:solidFill>
-                </a:uFill>
-                <a:latin typeface="Adobe Clean"/>
-                <a:cs typeface="Adobe Clean"/>
-              </a:rPr>
-              <a:t> </a:t>
-            </a:r>
-            <a:r>
-              <a:rPr sz="1400" b="1" u="sng" spc="-15">
-                <a:solidFill>
-                  <a:srgbClr val="020302"/>
-                </a:solidFill>
-                <a:uFill>
-                  <a:solidFill>
-                    <a:srgbClr val="020302"/>
-                  </a:solidFill>
-                </a:uFill>
-                <a:latin typeface="Adobe Clean"/>
-                <a:cs typeface="Adobe Clean"/>
-              </a:rPr>
-              <a:t>R</a:t>
-            </a:r>
-            <a:r>
-              <a:rPr sz="1400" b="1" u="sng" spc="-20">
-                <a:solidFill>
-                  <a:srgbClr val="020302"/>
-                </a:solidFill>
-                <a:uFill>
-                  <a:solidFill>
-                    <a:srgbClr val="020302"/>
-                  </a:solidFill>
-                </a:uFill>
-                <a:latin typeface="Adobe Clean"/>
-                <a:cs typeface="Adobe Clean"/>
-              </a:rPr>
-              <a:t>e</a:t>
-            </a:r>
-            <a:r>
-              <a:rPr sz="1400" b="1" u="sng" spc="-15">
-                <a:solidFill>
-                  <a:srgbClr val="020302"/>
-                </a:solidFill>
-                <a:uFill>
-                  <a:solidFill>
-                    <a:srgbClr val="020302"/>
-                  </a:solidFill>
-                </a:uFill>
-                <a:latin typeface="Adobe Clean"/>
-                <a:cs typeface="Adobe Clean"/>
-              </a:rPr>
-              <a:t>s</a:t>
-            </a:r>
-            <a:r>
-              <a:rPr sz="1400" b="1" u="sng" spc="-20">
-                <a:solidFill>
-                  <a:srgbClr val="020302"/>
-                </a:solidFill>
-                <a:uFill>
-                  <a:solidFill>
-                    <a:srgbClr val="020302"/>
-                  </a:solidFill>
-                </a:uFill>
-                <a:latin typeface="Adobe Clean"/>
-                <a:cs typeface="Adobe Clean"/>
-              </a:rPr>
-              <a:t>p</a:t>
-            </a:r>
-            <a:r>
-              <a:rPr sz="1400" b="1" u="sng" spc="-15">
-                <a:solidFill>
-                  <a:srgbClr val="020302"/>
-                </a:solidFill>
-                <a:uFill>
-                  <a:solidFill>
-                    <a:srgbClr val="020302"/>
-                  </a:solidFill>
-                </a:uFill>
-                <a:latin typeface="Adobe Clean"/>
-                <a:cs typeface="Adobe Clean"/>
-              </a:rPr>
-              <a:t>ons</a:t>
-            </a:r>
-            <a:r>
-              <a:rPr sz="1400" b="1" u="sng">
-                <a:solidFill>
-                  <a:srgbClr val="020302"/>
-                </a:solidFill>
-                <a:uFill>
-                  <a:solidFill>
-                    <a:srgbClr val="020302"/>
-                  </a:solidFill>
-                </a:uFill>
-                <a:latin typeface="Adobe Clean"/>
-                <a:cs typeface="Adobe Clean"/>
-              </a:rPr>
-              <a:t>e</a:t>
-            </a:r>
-            <a:endParaRPr sz="1400" u="sng">
+            <a:endParaRPr sz="1400" u="sng" dirty="0">
               <a:latin typeface="Adobe Clean"/>
               <a:cs typeface="Adobe Clean"/>
             </a:endParaRPr>
@@ -3134,14 +2521,14 @@
           <p:nvPr>
             <p:extLst>
               <p:ext uri="{D42A27DB-BD31-4B8C-83A1-F6EECF244321}">
-                <p14:modId xmlns:p14="http://schemas.microsoft.com/office/powerpoint/2010/main" val="1841332714"/>
+                <p14:modId xmlns:p14="http://schemas.microsoft.com/office/powerpoint/2010/main" val="1256728540"/>
               </p:ext>
             </p:extLst>
           </p:nvPr>
         </p:nvGraphicFramePr>
         <p:xfrm>
           <a:off x="146919" y="7473158"/>
-          <a:ext cx="7477080" cy="2387453"/>
+          <a:ext cx="7477080" cy="2307249"/>
         </p:xfrm>
         <a:graphic>
           <a:graphicData uri="http://schemas.openxmlformats.org/drawingml/2006/table">
@@ -3187,14 +2574,14 @@
                         </a:spcBef>
                       </a:pPr>
                       <a:r>
-                        <a:rPr sz="900" spc="-20">
+                        <a:rPr lang="de-de" sz="900" spc="-20">
                           <a:solidFill>
                             <a:srgbClr val="020302"/>
                           </a:solidFill>
                           <a:latin typeface="Adobe Clean"/>
                           <a:cs typeface="Adobe Clean"/>
                         </a:rPr>
-                        <a:t>Priority</a:t>
+                        <a:t>優先順序</a:t>
                       </a:r>
                       <a:endParaRPr sz="900">
                         <a:latin typeface="Adobe Clean"/>
@@ -3237,7 +2624,7 @@
                     <a:bodyPr/>
                     <a:lstStyle/>
                     <a:p>
-                      <a:pPr marL="381000">
+                      <a:pPr marL="381000" algn="ctr">
                         <a:lnSpc>
                           <a:spcPct val="100000"/>
                         </a:lnSpc>
@@ -3246,16 +2633,16 @@
                         </a:spcBef>
                       </a:pPr>
                       <a:r>
-                        <a:rPr sz="900" spc="0">
+                        <a:rPr lang="de-de" sz="900" spc="0" dirty="0" err="1">
                           <a:solidFill>
                             <a:srgbClr val="020302"/>
                           </a:solidFill>
                           <a:latin typeface="Adobe Clean"/>
                           <a:cs typeface="Adobe Clean"/>
                         </a:rPr>
-                        <a:t>Online Support</a:t>
+                        <a:t>線上支援</a:t>
                       </a:r>
-                      <a:endParaRPr sz="900" spc="0">
+                      <a:endParaRPr sz="900" spc="0" dirty="0">
                         <a:latin typeface="Adobe Clean"/>
                         <a:cs typeface="Adobe Clean"/>
                       </a:endParaRPr>
@@ -3296,7 +2683,7 @@
                     <a:bodyPr/>
                     <a:lstStyle/>
                     <a:p>
-                      <a:pPr marL="260985">
+                      <a:pPr marL="260985" algn="ctr">
                         <a:lnSpc>
                           <a:spcPct val="100000"/>
                         </a:lnSpc>
@@ -3305,16 +2692,16 @@
                         </a:spcBef>
                       </a:pPr>
                       <a:r>
-                        <a:rPr sz="900" spc="0">
+                        <a:rPr lang="de-de" sz="900" spc="0" dirty="0" err="1">
                           <a:solidFill>
                             <a:srgbClr val="FFFFFF"/>
                           </a:solidFill>
                           <a:latin typeface="Adobe Clean"/>
                           <a:cs typeface="Adobe Clean"/>
                         </a:rPr>
-                        <a:t>Enterprise Support</a:t>
+                        <a:t>企業支援</a:t>
                       </a:r>
-                      <a:endParaRPr sz="900" spc="0">
+                      <a:endParaRPr sz="900" spc="0" dirty="0">
                         <a:latin typeface="Adobe Clean"/>
                         <a:cs typeface="Adobe Clean"/>
                       </a:endParaRPr>
@@ -3377,87 +2764,17 @@
                         </a:spcBef>
                       </a:pPr>
                       <a:r>
-                        <a:rPr sz="900" b="1" spc="-15">
+                        <a:rPr lang="de-de" sz="900" b="1" spc="-15">
                           <a:solidFill>
                             <a:srgbClr val="020302"/>
                           </a:solidFill>
                           <a:latin typeface="Adobe Clean"/>
                           <a:cs typeface="Adobe Clean"/>
                         </a:rPr>
-                        <a:t>P</a:t>
+                        <a:t>優先順序</a:t>
                       </a:r>
                       <a:r>
-                        <a:rPr sz="900" b="1" spc="-20">
-                          <a:solidFill>
-                            <a:srgbClr val="020302"/>
-                          </a:solidFill>
-                          <a:latin typeface="Adobe Clean"/>
-                          <a:cs typeface="Adobe Clean"/>
-                        </a:rPr>
-                        <a:t>R</a:t>
-                      </a:r>
-                      <a:r>
-                        <a:rPr sz="900" b="1" spc="-25">
-                          <a:solidFill>
-                            <a:srgbClr val="020302"/>
-                          </a:solidFill>
-                          <a:latin typeface="Adobe Clean"/>
-                          <a:cs typeface="Adobe Clean"/>
-                        </a:rPr>
-                        <a:t>I</a:t>
-                      </a:r>
-                      <a:r>
-                        <a:rPr sz="900" b="1" spc="-15">
-                          <a:solidFill>
-                            <a:srgbClr val="020302"/>
-                          </a:solidFill>
-                          <a:latin typeface="Adobe Clean"/>
-                          <a:cs typeface="Adobe Clean"/>
-                        </a:rPr>
-                        <a:t>O</a:t>
-                      </a:r>
-                      <a:r>
-                        <a:rPr sz="900" b="1" spc="-20">
-                          <a:solidFill>
-                            <a:srgbClr val="020302"/>
-                          </a:solidFill>
-                          <a:latin typeface="Adobe Clean"/>
-                          <a:cs typeface="Adobe Clean"/>
-                        </a:rPr>
-                        <a:t>R</a:t>
-                      </a:r>
-                      <a:r>
-                        <a:rPr sz="900" b="1" spc="-25">
-                          <a:solidFill>
-                            <a:srgbClr val="020302"/>
-                          </a:solidFill>
-                          <a:latin typeface="Adobe Clean"/>
-                          <a:cs typeface="Adobe Clean"/>
-                        </a:rPr>
-                        <a:t>I</a:t>
-                      </a:r>
-                      <a:r>
-                        <a:rPr sz="900" b="1" spc="-15">
-                          <a:solidFill>
-                            <a:srgbClr val="020302"/>
-                          </a:solidFill>
-                          <a:latin typeface="Adobe Clean"/>
-                          <a:cs typeface="Adobe Clean"/>
-                        </a:rPr>
-                        <a:t>T</a:t>
-                      </a:r>
-                      <a:r>
-                        <a:rPr sz="900" b="1">
-                          <a:solidFill>
-                            <a:srgbClr val="020302"/>
-                          </a:solidFill>
-                          <a:latin typeface="Adobe Clean"/>
-                          <a:cs typeface="Adobe Clean"/>
-                        </a:rPr>
-                        <a:t>Y</a:t>
-                      </a:r>
-                      <a:r>
-                        <a:rPr sz="900" b="1" spc="-40">
+                        <a:rPr lang="de-de" sz="900" b="1" spc="-40">
                           <a:solidFill>
                             <a:srgbClr val="020302"/>
                           </a:solidFill>
@@ -3467,7 +2784,7 @@
                         <a:t> </a:t>
                       </a:r>
                       <a:r>
-                        <a:rPr sz="900" b="1">
+                        <a:rPr lang="de-de" sz="900" b="1">
                           <a:solidFill>
                             <a:srgbClr val="020302"/>
                           </a:solidFill>
@@ -3500,7 +2817,7 @@
                         <a:defRPr/>
                       </a:pPr>
                       <a:r>
-                        <a:rPr lang="en-US" sz="900" b="0" i="0" spc="-130">
+                        <a:rPr lang="de-de" sz="900" b="0" i="0" spc="-130">
                           <a:solidFill>
                             <a:srgbClr val="020302"/>
                           </a:solidFill>
@@ -3510,7 +2827,7 @@
                         <a:t> </a:t>
                       </a:r>
                       <a:r>
-                        <a:rPr lang="en-US" sz="900" b="0" i="0" u="none" strike="noStrike">
+                        <a:rPr lang="de-de" sz="900" b="0" i="0" u="none" strike="noStrike">
                           <a:solidFill>
                             <a:schemeClr val="tx1"/>
                           </a:solidFill>
@@ -3519,7 +2836,7 @@
                           <a:ea typeface="+mn-ea"/>
                           <a:cs typeface="+mn-cs"/>
                         </a:rPr>
-                        <a:t>Customer's production business functions are down or has significant data loss or degradation of services and immediate attention is required to restore functionality and usability</a:t>
+                        <a:t>客戶的生產業務功能已停止或發生重大資料遺失或服務降級狀況，需要立即關注以恢復功能與可用性</a:t>
                       </a:r>
                       <a:endParaRPr lang="en-US" sz="900" b="0" i="0">
                         <a:latin typeface="Adobe Clean Light" panose="020B0303020404020204" pitchFamily="34" charset="0"/>
@@ -3559,23 +2876,23 @@
                     <a:bodyPr/>
                     <a:lstStyle/>
                     <a:p>
-                      <a:pPr marL="542925" marR="492125" algn="l">
+                      <a:pPr marL="542925" marR="492125" algn="ctr">
                         <a:lnSpc>
                           <a:spcPct val="102200"/>
                         </a:lnSpc>
                       </a:pPr>
                       <a:r>
-                        <a:rPr sz="900" spc="-15">
+                        <a:rPr lang="de-de" sz="900" spc="-15" dirty="0">
                           <a:solidFill>
                             <a:srgbClr val="020302"/>
                           </a:solidFill>
                           <a:latin typeface="AdobeClean-Light"/>
                           <a:cs typeface="AdobeClean-Light"/>
                         </a:rPr>
-                        <a:t>24x7</a:t>
+                        <a:t>全年無休 / </a:t>
                       </a:r>
                       <a:r>
-                        <a:rPr lang="en-US" sz="900" spc="-15">
+                        <a:rPr lang="de-de" sz="900" spc="-200" dirty="0">
                           <a:solidFill>
                             <a:srgbClr val="020302"/>
                           </a:solidFill>
@@ -3585,27 +2902,17 @@
                         <a:t> </a:t>
                       </a:r>
                       <a:r>
-                        <a:rPr sz="900" spc="-15">
+                        <a:rPr lang="de-de" sz="900" dirty="0">
                           <a:solidFill>
                             <a:srgbClr val="020302"/>
                           </a:solidFill>
                           <a:latin typeface="AdobeClean-Light"/>
                           <a:cs typeface="AdobeClean-Light"/>
                         </a:rPr>
-                        <a:t>/</a:t>
+                        <a:t>1</a:t>
                       </a:r>
                       <a:r>
-                        <a:rPr lang="en-US" sz="900" spc="-15">
-                          <a:solidFill>
-                            <a:srgbClr val="020302"/>
-                          </a:solidFill>
-                          <a:latin typeface="AdobeClean-Light"/>
-                          <a:cs typeface="AdobeClean-Light"/>
-                        </a:rPr>
-                        <a:t>         </a:t>
-                      </a:r>
-                      <a:r>
-                        <a:rPr sz="900" spc="-15">
+                        <a:rPr lang="de-de" sz="900" spc="-90" dirty="0">
                           <a:solidFill>
                             <a:srgbClr val="020302"/>
                           </a:solidFill>
@@ -3615,7 +2922,73 @@
                         <a:t> </a:t>
                       </a:r>
                       <a:r>
-                        <a:rPr sz="900" spc="-200">
+                        <a:rPr lang="de-de" sz="900" spc="-15" dirty="0">
+                          <a:solidFill>
+                            <a:srgbClr val="020302"/>
+                          </a:solidFill>
+                          <a:latin typeface="AdobeClean-Light"/>
+                          <a:cs typeface="AdobeClean-Light"/>
+                        </a:rPr>
+                        <a:t>小時</a:t>
+                      </a:r>
+                      <a:endParaRPr sz="900" dirty="0">
+                        <a:latin typeface="AdobeClean-Light"/>
+                        <a:cs typeface="AdobeClean-Light"/>
+                      </a:endParaRPr>
+                    </a:p>
+                  </a:txBody>
+                  <a:tcPr marL="0" marR="0" marT="0" marB="0" anchor="ctr">
+                    <a:lnL w="6350">
+                      <a:solidFill>
+                        <a:srgbClr val="B7B8B8"/>
+                      </a:solidFill>
+                      <a:prstDash val="solid"/>
+                    </a:lnL>
+                    <a:lnR w="6350">
+                      <a:solidFill>
+                        <a:srgbClr val="B7B8B8"/>
+                      </a:solidFill>
+                      <a:prstDash val="solid"/>
+                    </a:lnR>
+                    <a:lnT w="76200">
+                      <a:solidFill>
+                        <a:srgbClr val="B3B3B3"/>
+                      </a:solidFill>
+                      <a:prstDash val="solid"/>
+                    </a:lnT>
+                    <a:lnB w="6350">
+                      <a:solidFill>
+                        <a:srgbClr val="B7B8B8"/>
+                      </a:solidFill>
+                      <a:prstDash val="solid"/>
+                    </a:lnB>
+                  </a:tcPr>
+                </a:tc>
+                <a:tc>
+                  <a:txBody>
+                    <a:bodyPr/>
+                    <a:lstStyle/>
+                    <a:p>
+                      <a:pPr marL="352425" marR="476250" indent="111125" algn="ctr">
+                        <a:lnSpc>
+                          <a:spcPct val="100000"/>
+                        </a:lnSpc>
+                        <a:spcBef>
+                          <a:spcPts val="700"/>
+                        </a:spcBef>
+                      </a:pPr>
+                      <a:r>
+                        <a:rPr lang="de-de" sz="900" spc="-25" dirty="0">
+                          <a:solidFill>
+                            <a:srgbClr val="020302"/>
+                          </a:solidFill>
+                          <a:latin typeface="AdobeClean-Light"/>
+                          <a:cs typeface="AdobeClean-Light"/>
+                        </a:rPr>
+                        <a:t>全年無休</a:t>
+                      </a:r>
+                      <a:r>
+                        <a:rPr lang="de-de" sz="900" spc="-35" dirty="0">
                           <a:solidFill>
                             <a:srgbClr val="020302"/>
                           </a:solidFill>
@@ -3625,153 +2998,17 @@
                         <a:t> </a:t>
                       </a:r>
                       <a:r>
-                        <a:rPr sz="900">
+                        <a:rPr lang="de-de" sz="900" dirty="0">
                           <a:solidFill>
                             <a:srgbClr val="020302"/>
                           </a:solidFill>
                           <a:latin typeface="AdobeClean-Light"/>
                           <a:cs typeface="AdobeClean-Light"/>
                         </a:rPr>
-                        <a:t>1</a:t>
+                        <a:t>/ </a:t>
                       </a:r>
                       <a:r>
-                        <a:rPr sz="900" spc="-90">
-                          <a:solidFill>
-                            <a:srgbClr val="020302"/>
-                          </a:solidFill>
-                          <a:latin typeface="AdobeClean-Light"/>
-                          <a:cs typeface="AdobeClean-Light"/>
-                        </a:rPr>
-                        <a:t> </a:t>
-                      </a:r>
-                      <a:r>
-                        <a:rPr sz="900" spc="-15">
-                          <a:solidFill>
-                            <a:srgbClr val="020302"/>
-                          </a:solidFill>
-                          <a:latin typeface="AdobeClean-Light"/>
-                          <a:cs typeface="AdobeClean-Light"/>
-                        </a:rPr>
-                        <a:t>h</a:t>
-                      </a:r>
-                      <a:r>
-                        <a:rPr sz="900" spc="-20">
-                          <a:solidFill>
-                            <a:srgbClr val="020302"/>
-                          </a:solidFill>
-                          <a:latin typeface="AdobeClean-Light"/>
-                          <a:cs typeface="AdobeClean-Light"/>
-                        </a:rPr>
-                        <a:t>ou</a:t>
-                      </a:r>
-                      <a:r>
-                        <a:rPr sz="900">
-                          <a:solidFill>
-                            <a:srgbClr val="020302"/>
-                          </a:solidFill>
-                          <a:latin typeface="AdobeClean-Light"/>
-                          <a:cs typeface="AdobeClean-Light"/>
-                        </a:rPr>
-                        <a:t>r</a:t>
-                      </a:r>
-                      <a:endParaRPr sz="900">
-                        <a:latin typeface="AdobeClean-Light"/>
-                        <a:cs typeface="AdobeClean-Light"/>
-                      </a:endParaRPr>
-                    </a:p>
-                  </a:txBody>
-                  <a:tcPr marL="0" marR="0" marT="0" marB="0" anchor="ctr">
-                    <a:lnL w="6350">
-                      <a:solidFill>
-                        <a:srgbClr val="B7B8B8"/>
-                      </a:solidFill>
-                      <a:prstDash val="solid"/>
-                    </a:lnL>
-                    <a:lnR w="6350">
-                      <a:solidFill>
-                        <a:srgbClr val="B7B8B8"/>
-                      </a:solidFill>
-                      <a:prstDash val="solid"/>
-                    </a:lnR>
-                    <a:lnT w="76200">
-                      <a:solidFill>
-                        <a:srgbClr val="B3B3B3"/>
-                      </a:solidFill>
-                      <a:prstDash val="solid"/>
-                    </a:lnT>
-                    <a:lnB w="6350">
-                      <a:solidFill>
-                        <a:srgbClr val="B7B8B8"/>
-                      </a:solidFill>
-                      <a:prstDash val="solid"/>
-                    </a:lnB>
-                  </a:tcPr>
-                </a:tc>
-                <a:tc>
-                  <a:txBody>
-                    <a:bodyPr/>
-                    <a:lstStyle/>
-                    <a:p>
-                      <a:pPr marL="352425" marR="476250" indent="111125">
-                        <a:lnSpc>
-                          <a:spcPct val="100000"/>
-                        </a:lnSpc>
-                        <a:spcBef>
-                          <a:spcPts val="700"/>
-                        </a:spcBef>
-                      </a:pPr>
-                      <a:r>
-                        <a:rPr sz="900" spc="-25">
-                          <a:solidFill>
-                            <a:srgbClr val="020302"/>
-                          </a:solidFill>
-                          <a:latin typeface="AdobeClean-Light"/>
-                          <a:cs typeface="AdobeClean-Light"/>
-                        </a:rPr>
-                        <a:t>24</a:t>
-                      </a:r>
-                      <a:r>
-                        <a:rPr sz="900" spc="-20">
-                          <a:solidFill>
-                            <a:srgbClr val="020302"/>
-                          </a:solidFill>
-                          <a:latin typeface="AdobeClean-Light"/>
-                          <a:cs typeface="AdobeClean-Light"/>
-                        </a:rPr>
-                        <a:t>x</a:t>
-                      </a:r>
-                      <a:r>
-                        <a:rPr sz="900">
-                          <a:solidFill>
-                            <a:srgbClr val="020302"/>
-                          </a:solidFill>
-                          <a:latin typeface="AdobeClean-Light"/>
-                          <a:cs typeface="AdobeClean-Light"/>
-                        </a:rPr>
-                        <a:t>7</a:t>
-                      </a:r>
-                      <a:r>
-                        <a:rPr sz="900" spc="-35">
-                          <a:solidFill>
-                            <a:srgbClr val="020302"/>
-                          </a:solidFill>
-                          <a:latin typeface="AdobeClean-Light"/>
-                          <a:cs typeface="AdobeClean-Light"/>
-                        </a:rPr>
-                        <a:t> </a:t>
-                      </a:r>
-                      <a:r>
-                        <a:rPr sz="900">
-                          <a:solidFill>
-                            <a:srgbClr val="020302"/>
-                          </a:solidFill>
-                          <a:latin typeface="AdobeClean-Light"/>
-                          <a:cs typeface="AdobeClean-Light"/>
-                        </a:rPr>
-                        <a:t>/  </a:t>
-                      </a:r>
-                      <a:r>
-                        <a:rPr sz="900" spc="-20">
+                        <a:rPr lang="de-de" sz="900" spc="-20" dirty="0">
                           <a:solidFill>
                             <a:srgbClr val="020302"/>
                           </a:solidFill>
@@ -3781,7 +3018,7 @@
                         <a:t>3</a:t>
                       </a:r>
                       <a:r>
-                        <a:rPr sz="900" spc="50">
+                        <a:rPr lang="de-de" sz="900" spc="50" dirty="0">
                           <a:solidFill>
                             <a:srgbClr val="020302"/>
                           </a:solidFill>
@@ -3791,76 +3028,16 @@
                         <a:t>0</a:t>
                       </a:r>
                       <a:r>
-                        <a:rPr sz="900" spc="-20">
+                        <a:rPr lang="de-de" sz="900" spc="-20" dirty="0">
                           <a:solidFill>
                             <a:srgbClr val="020302"/>
                           </a:solidFill>
                           <a:latin typeface="AdobeClean-Light"/>
                           <a:cs typeface="AdobeClean-Light"/>
                         </a:rPr>
-                        <a:t>m</a:t>
+                        <a:t> 分鐘</a:t>
                       </a:r>
-                      <a:r>
-                        <a:rPr sz="900" spc="-35">
-                          <a:solidFill>
-                            <a:srgbClr val="020302"/>
-                          </a:solidFill>
-                          <a:latin typeface="AdobeClean-Light"/>
-                          <a:cs typeface="AdobeClean-Light"/>
-                        </a:rPr>
-                        <a:t>i</a:t>
-                      </a:r>
-                      <a:r>
-                        <a:rPr sz="900" spc="-30">
-                          <a:solidFill>
-                            <a:srgbClr val="020302"/>
-                          </a:solidFill>
-                          <a:latin typeface="AdobeClean-Light"/>
-                          <a:cs typeface="AdobeClean-Light"/>
-                        </a:rPr>
-                        <a:t>n</a:t>
-                      </a:r>
-                      <a:r>
-                        <a:rPr sz="900" spc="-20">
-                          <a:solidFill>
-                            <a:srgbClr val="020302"/>
-                          </a:solidFill>
-                          <a:latin typeface="AdobeClean-Light"/>
-                          <a:cs typeface="AdobeClean-Light"/>
-                        </a:rPr>
-                        <a:t>u</a:t>
-                      </a:r>
-                      <a:r>
-                        <a:rPr sz="900" spc="-15">
-                          <a:solidFill>
-                            <a:srgbClr val="020302"/>
-                          </a:solidFill>
-                          <a:latin typeface="AdobeClean-Light"/>
-                          <a:cs typeface="AdobeClean-Light"/>
-                        </a:rPr>
-                        <a:t>t</a:t>
-                      </a:r>
-                      <a:r>
-                        <a:rPr sz="900" spc="-25">
-                          <a:solidFill>
-                            <a:srgbClr val="020302"/>
-                          </a:solidFill>
-                          <a:latin typeface="AdobeClean-Light"/>
-                          <a:cs typeface="AdobeClean-Light"/>
-                        </a:rPr>
-                        <a:t>e</a:t>
-                      </a:r>
-                      <a:r>
-                        <a:rPr sz="900">
-                          <a:solidFill>
-                            <a:srgbClr val="020302"/>
-                          </a:solidFill>
-                          <a:latin typeface="AdobeClean-Light"/>
-                          <a:cs typeface="AdobeClean-Light"/>
-                        </a:rPr>
-                        <a:t>s</a:t>
-                      </a:r>
-                      <a:endParaRPr sz="900">
+                      <a:endParaRPr sz="900" dirty="0">
                         <a:latin typeface="AdobeClean-Light"/>
                         <a:cs typeface="AdobeClean-Light"/>
                       </a:endParaRPr>
@@ -3925,87 +3102,17 @@
                         </a:spcBef>
                       </a:pPr>
                       <a:r>
-                        <a:rPr sz="900" b="1" spc="-15">
+                        <a:rPr lang="de-de" sz="900" b="1" spc="-15">
                           <a:solidFill>
                             <a:srgbClr val="020302"/>
                           </a:solidFill>
                           <a:latin typeface="Adobe Clean"/>
                           <a:cs typeface="Adobe Clean"/>
                         </a:rPr>
-                        <a:t>P</a:t>
+                        <a:t>優先順序</a:t>
                       </a:r>
                       <a:r>
-                        <a:rPr sz="900" b="1" spc="-20">
-                          <a:solidFill>
-                            <a:srgbClr val="020302"/>
-                          </a:solidFill>
-                          <a:latin typeface="Adobe Clean"/>
-                          <a:cs typeface="Adobe Clean"/>
-                        </a:rPr>
-                        <a:t>R</a:t>
-                      </a:r>
-                      <a:r>
-                        <a:rPr sz="900" b="1" spc="-25">
-                          <a:solidFill>
-                            <a:srgbClr val="020302"/>
-                          </a:solidFill>
-                          <a:latin typeface="Adobe Clean"/>
-                          <a:cs typeface="Adobe Clean"/>
-                        </a:rPr>
-                        <a:t>I</a:t>
-                      </a:r>
-                      <a:r>
-                        <a:rPr sz="900" b="1" spc="-15">
-                          <a:solidFill>
-                            <a:srgbClr val="020302"/>
-                          </a:solidFill>
-                          <a:latin typeface="Adobe Clean"/>
-                          <a:cs typeface="Adobe Clean"/>
-                        </a:rPr>
-                        <a:t>O</a:t>
-                      </a:r>
-                      <a:r>
-                        <a:rPr sz="900" b="1" spc="-20">
-                          <a:solidFill>
-                            <a:srgbClr val="020302"/>
-                          </a:solidFill>
-                          <a:latin typeface="Adobe Clean"/>
-                          <a:cs typeface="Adobe Clean"/>
-                        </a:rPr>
-                        <a:t>R</a:t>
-                      </a:r>
-                      <a:r>
-                        <a:rPr sz="900" b="1" spc="-25">
-                          <a:solidFill>
-                            <a:srgbClr val="020302"/>
-                          </a:solidFill>
-                          <a:latin typeface="Adobe Clean"/>
-                          <a:cs typeface="Adobe Clean"/>
-                        </a:rPr>
-                        <a:t>I</a:t>
-                      </a:r>
-                      <a:r>
-                        <a:rPr sz="900" b="1" spc="-15">
-                          <a:solidFill>
-                            <a:srgbClr val="020302"/>
-                          </a:solidFill>
-                          <a:latin typeface="Adobe Clean"/>
-                          <a:cs typeface="Adobe Clean"/>
-                        </a:rPr>
-                        <a:t>T</a:t>
-                      </a:r>
-                      <a:r>
-                        <a:rPr sz="900" b="1">
-                          <a:solidFill>
-                            <a:srgbClr val="020302"/>
-                          </a:solidFill>
-                          <a:latin typeface="Adobe Clean"/>
-                          <a:cs typeface="Adobe Clean"/>
-                        </a:rPr>
-                        <a:t>Y</a:t>
-                      </a:r>
-                      <a:r>
-                        <a:rPr sz="900" b="1" spc="-40">
+                        <a:rPr lang="de-de" sz="900" b="1" spc="-40">
                           <a:solidFill>
                             <a:srgbClr val="020302"/>
                           </a:solidFill>
@@ -4015,7 +3122,7 @@
                         <a:t> </a:t>
                       </a:r>
                       <a:r>
-                        <a:rPr sz="900" b="1">
+                        <a:rPr lang="de-de" sz="900" b="1">
                           <a:solidFill>
                             <a:srgbClr val="020302"/>
                           </a:solidFill>
@@ -4039,7 +3146,7 @@
                         </a:spcBef>
                       </a:pPr>
                       <a:r>
-                        <a:rPr lang="en-US" sz="900" b="0" i="0" u="none" strike="noStrike">
+                        <a:rPr lang="de-de" sz="900" b="0" i="0" u="none" strike="noStrike">
                           <a:solidFill>
                             <a:schemeClr val="tx1"/>
                           </a:solidFill>
@@ -4048,7 +3155,7 @@
                           <a:ea typeface="+mn-ea"/>
                           <a:cs typeface="+mn-cs"/>
                         </a:rPr>
-                        <a:t>Customer's business functions has major degradation of services, or potential of data loss or unavailability of services, or a major feature is impacted</a:t>
+                        <a:t>客戶的業務功能發生嚴重的服務降級狀況，或是可能發生資料遺失或服務無法使用的狀況，或是主要功能受到了影響</a:t>
                       </a:r>
                       <a:endParaRPr lang="en-US" sz="900" b="0" i="0">
                         <a:latin typeface="Adobe Clean Light" panose="020B0303020404020204" pitchFamily="34" charset="0"/>
@@ -4088,23 +3195,33 @@
                     <a:bodyPr/>
                     <a:lstStyle/>
                     <a:p>
-                      <a:pPr marL="473709" marR="343535" indent="-175895">
+                      <a:pPr marL="473709" marR="343535" indent="-175895" algn="ctr">
                         <a:lnSpc>
                           <a:spcPct val="102200"/>
                         </a:lnSpc>
                       </a:pPr>
                       <a:r>
-                        <a:rPr sz="900" spc="-30">
+                        <a:rPr lang="de-de" sz="900" spc="-30" dirty="0">
                           <a:solidFill>
                             <a:srgbClr val="020302"/>
                           </a:solidFill>
                           <a:latin typeface="AdobeClean-Light"/>
                           <a:cs typeface="AdobeClean-Light"/>
                         </a:rPr>
-                        <a:t>Business hours</a:t>
+                        <a:t>營業時間 </a:t>
                       </a:r>
                       <a:r>
-                        <a:rPr lang="en-US" sz="900" spc="-30">
+                        <a:rPr lang="de-de" sz="900" dirty="0">
+                          <a:solidFill>
+                            <a:srgbClr val="020302"/>
+                          </a:solidFill>
+                          <a:latin typeface="AdobeClean-Light"/>
+                          <a:cs typeface="AdobeClean-Light"/>
+                        </a:rPr>
+                        <a:t>/ 4</a:t>
+                      </a:r>
+                      <a:r>
+                        <a:rPr lang="de-de" sz="900" spc="-100" dirty="0">
                           <a:solidFill>
                             <a:srgbClr val="020302"/>
                           </a:solidFill>
@@ -4114,76 +3231,16 @@
                         <a:t> </a:t>
                       </a:r>
                       <a:r>
-                        <a:rPr sz="900">
+                        <a:rPr lang="de-de" sz="900" spc="-15" dirty="0">
                           <a:solidFill>
                             <a:srgbClr val="020302"/>
                           </a:solidFill>
                           <a:latin typeface="AdobeClean-Light"/>
                           <a:cs typeface="AdobeClean-Light"/>
                         </a:rPr>
-                        <a:t>/  </a:t>
+                        <a:t>小時</a:t>
                       </a:r>
-                      <a:r>
-                        <a:rPr lang="en-US" sz="900">
-                          <a:solidFill>
-                            <a:srgbClr val="020302"/>
-                          </a:solidFill>
-                          <a:latin typeface="AdobeClean-Light"/>
-                          <a:cs typeface="AdobeClean-Light"/>
-                        </a:rPr>
-                        <a:t>     </a:t>
-                      </a:r>
-                      <a:r>
-                        <a:rPr sz="900">
-                          <a:solidFill>
-                            <a:srgbClr val="020302"/>
-                          </a:solidFill>
-                          <a:latin typeface="AdobeClean-Light"/>
-                          <a:cs typeface="AdobeClean-Light"/>
-                        </a:rPr>
-                        <a:t>4</a:t>
-                      </a:r>
-                      <a:r>
-                        <a:rPr sz="900" spc="-100">
-                          <a:solidFill>
-                            <a:srgbClr val="020302"/>
-                          </a:solidFill>
-                          <a:latin typeface="AdobeClean-Light"/>
-                          <a:cs typeface="AdobeClean-Light"/>
-                        </a:rPr>
-                        <a:t> </a:t>
-                      </a:r>
-                      <a:r>
-                        <a:rPr sz="900" spc="-15">
-                          <a:solidFill>
-                            <a:srgbClr val="020302"/>
-                          </a:solidFill>
-                          <a:latin typeface="AdobeClean-Light"/>
-                          <a:cs typeface="AdobeClean-Light"/>
-                        </a:rPr>
-                        <a:t>h</a:t>
-                      </a:r>
-                      <a:r>
-                        <a:rPr sz="900" spc="-20">
-                          <a:solidFill>
-                            <a:srgbClr val="020302"/>
-                          </a:solidFill>
-                          <a:latin typeface="AdobeClean-Light"/>
-                          <a:cs typeface="AdobeClean-Light"/>
-                        </a:rPr>
-                        <a:t>our</a:t>
-                      </a:r>
-                      <a:r>
-                        <a:rPr sz="900">
-                          <a:solidFill>
-                            <a:srgbClr val="020302"/>
-                          </a:solidFill>
-                          <a:latin typeface="AdobeClean-Light"/>
-                          <a:cs typeface="AdobeClean-Light"/>
-                        </a:rPr>
-                        <a:t>s</a:t>
-                      </a:r>
-                      <a:endParaRPr sz="900">
+                      <a:endParaRPr sz="900" dirty="0">
                         <a:latin typeface="AdobeClean-Light"/>
                         <a:cs typeface="AdobeClean-Light"/>
                       </a:endParaRPr>
@@ -4221,13 +3278,13 @@
                     <a:bodyPr/>
                     <a:lstStyle/>
                     <a:p>
-                      <a:pPr marL="542925" marR="492125" algn="l">
+                      <a:pPr marL="542925" marR="492125" algn="ctr">
                         <a:lnSpc>
                           <a:spcPct val="102200"/>
                         </a:lnSpc>
                       </a:pPr>
                       <a:r>
-                        <a:rPr lang="en-US" sz="900" spc="-15">
+                        <a:rPr lang="de-de" sz="900" spc="-15" dirty="0">
                           <a:solidFill>
                             <a:srgbClr val="020302"/>
                           </a:solidFill>
@@ -4235,7 +3292,7 @@
                           <a:ea typeface="+mn-ea"/>
                           <a:cs typeface="AdobeClean-Light"/>
                         </a:rPr>
-                        <a:t>24x5 /           1 hour</a:t>
+                        <a:t>24x5 /         1 小時</a:t>
                       </a:r>
                     </a:p>
                   </a:txBody>
@@ -4295,87 +3352,17 @@
                         </a:spcBef>
                       </a:pPr>
                       <a:r>
-                        <a:rPr sz="900" b="1" spc="-15">
+                        <a:rPr lang="de-de" sz="900" b="1" spc="-15">
                           <a:solidFill>
                             <a:srgbClr val="020302"/>
                           </a:solidFill>
                           <a:latin typeface="Adobe Clean"/>
                           <a:cs typeface="Adobe Clean"/>
                         </a:rPr>
-                        <a:t>P</a:t>
+                        <a:t>優先順序</a:t>
                       </a:r>
                       <a:r>
-                        <a:rPr sz="900" b="1" spc="-20">
-                          <a:solidFill>
-                            <a:srgbClr val="020302"/>
-                          </a:solidFill>
-                          <a:latin typeface="Adobe Clean"/>
-                          <a:cs typeface="Adobe Clean"/>
-                        </a:rPr>
-                        <a:t>R</a:t>
-                      </a:r>
-                      <a:r>
-                        <a:rPr sz="900" b="1" spc="-25">
-                          <a:solidFill>
-                            <a:srgbClr val="020302"/>
-                          </a:solidFill>
-                          <a:latin typeface="Adobe Clean"/>
-                          <a:cs typeface="Adobe Clean"/>
-                        </a:rPr>
-                        <a:t>I</a:t>
-                      </a:r>
-                      <a:r>
-                        <a:rPr sz="900" b="1" spc="-15">
-                          <a:solidFill>
-                            <a:srgbClr val="020302"/>
-                          </a:solidFill>
-                          <a:latin typeface="Adobe Clean"/>
-                          <a:cs typeface="Adobe Clean"/>
-                        </a:rPr>
-                        <a:t>O</a:t>
-                      </a:r>
-                      <a:r>
-                        <a:rPr sz="900" b="1" spc="-20">
-                          <a:solidFill>
-                            <a:srgbClr val="020302"/>
-                          </a:solidFill>
-                          <a:latin typeface="Adobe Clean"/>
-                          <a:cs typeface="Adobe Clean"/>
-                        </a:rPr>
-                        <a:t>R</a:t>
-                      </a:r>
-                      <a:r>
-                        <a:rPr sz="900" b="1" spc="-25">
-                          <a:solidFill>
-                            <a:srgbClr val="020302"/>
-                          </a:solidFill>
-                          <a:latin typeface="Adobe Clean"/>
-                          <a:cs typeface="Adobe Clean"/>
-                        </a:rPr>
-                        <a:t>I</a:t>
-                      </a:r>
-                      <a:r>
-                        <a:rPr sz="900" b="1" spc="-15">
-                          <a:solidFill>
-                            <a:srgbClr val="020302"/>
-                          </a:solidFill>
-                          <a:latin typeface="Adobe Clean"/>
-                          <a:cs typeface="Adobe Clean"/>
-                        </a:rPr>
-                        <a:t>T</a:t>
-                      </a:r>
-                      <a:r>
-                        <a:rPr sz="900" b="1">
-                          <a:solidFill>
-                            <a:srgbClr val="020302"/>
-                          </a:solidFill>
-                          <a:latin typeface="Adobe Clean"/>
-                          <a:cs typeface="Adobe Clean"/>
-                        </a:rPr>
-                        <a:t>Y</a:t>
-                      </a:r>
-                      <a:r>
-                        <a:rPr sz="900" b="1" spc="-40">
+                        <a:rPr lang="de-de" sz="900" b="1" spc="-40">
                           <a:solidFill>
                             <a:srgbClr val="020302"/>
                           </a:solidFill>
@@ -4385,7 +3372,7 @@
                         <a:t> </a:t>
                       </a:r>
                       <a:r>
-                        <a:rPr sz="900" b="1">
+                        <a:rPr lang="de-de" sz="900" b="1">
                           <a:solidFill>
                             <a:srgbClr val="020302"/>
                           </a:solidFill>
@@ -4409,7 +3396,7 @@
                         </a:spcBef>
                       </a:pPr>
                       <a:r>
-                        <a:rPr lang="en-US" sz="900" b="0" i="0" u="none" strike="noStrike">
+                        <a:rPr lang="de-de" sz="900" b="0" i="0" u="none" strike="noStrike">
                           <a:solidFill>
                             <a:schemeClr val="tx1"/>
                           </a:solidFill>
@@ -4418,7 +3405,7 @@
                           <a:ea typeface="+mn-ea"/>
                           <a:cs typeface="+mn-cs"/>
                         </a:rPr>
-                        <a:t>Customer's business functions has minor to no degradation of services with a solution/workaround allowing business functions to continue.  </a:t>
+                        <a:t>優先順序 3客戶的業務功能發生了輕微服務降級狀況或沒有降級，但有解決/變通方法讓業務功能得以繼續運作。</a:t>
                       </a:r>
                       <a:endParaRPr lang="en-US" sz="900" b="0" i="0">
                         <a:latin typeface="Adobe Clean Light" panose="020B0303020404020204" pitchFamily="34" charset="0"/>
@@ -4458,33 +3445,33 @@
                     <a:bodyPr/>
                     <a:lstStyle/>
                     <a:p>
-                      <a:pPr marL="473709" marR="343535" indent="-175895">
+                      <a:pPr marL="473709" marR="343535" indent="-175895" algn="ctr">
                         <a:lnSpc>
                           <a:spcPct val="102200"/>
                         </a:lnSpc>
                       </a:pPr>
                       <a:r>
-                        <a:rPr lang="en-US" sz="900" spc="-30">
+                        <a:rPr lang="de-de" sz="900" spc="-30" dirty="0">
                           <a:solidFill>
                             <a:srgbClr val="020302"/>
                           </a:solidFill>
                           <a:latin typeface="AdobeClean-Light"/>
                           <a:cs typeface="AdobeClean-Light"/>
                         </a:rPr>
-                        <a:t>Business hours </a:t>
+                        <a:t>營業時間</a:t>
                       </a:r>
                       <a:r>
-                        <a:rPr lang="en-US" sz="900">
+                        <a:rPr lang="de-de" sz="900" dirty="0">
                           <a:solidFill>
                             <a:srgbClr val="020302"/>
                           </a:solidFill>
                           <a:latin typeface="AdobeClean-Light"/>
                           <a:cs typeface="AdobeClean-Light"/>
                         </a:rPr>
-                        <a:t>/       6</a:t>
+                        <a:t>/ 6</a:t>
                       </a:r>
                       <a:r>
-                        <a:rPr lang="en-US" sz="900" spc="-100">
+                        <a:rPr lang="de-de" sz="900" spc="-100" dirty="0">
                           <a:solidFill>
                             <a:srgbClr val="020302"/>
                           </a:solidFill>
@@ -4494,36 +3481,16 @@
                         <a:t> </a:t>
                       </a:r>
                       <a:r>
-                        <a:rPr lang="en-US" sz="900" spc="-15">
+                        <a:rPr lang="de-de" sz="900" spc="-15" dirty="0">
                           <a:solidFill>
                             <a:srgbClr val="020302"/>
                           </a:solidFill>
                           <a:latin typeface="AdobeClean-Light"/>
                           <a:cs typeface="AdobeClean-Light"/>
                         </a:rPr>
-                        <a:t>h</a:t>
+                        <a:t>小時</a:t>
                       </a:r>
-                      <a:r>
-                        <a:rPr lang="en-US" sz="900" spc="-20">
-                          <a:solidFill>
-                            <a:srgbClr val="020302"/>
-                          </a:solidFill>
-                          <a:latin typeface="AdobeClean-Light"/>
-                          <a:cs typeface="AdobeClean-Light"/>
-                        </a:rPr>
-                        <a:t>our</a:t>
-                      </a:r>
-                      <a:r>
-                        <a:rPr lang="en-US" sz="900">
-                          <a:solidFill>
-                            <a:srgbClr val="020302"/>
-                          </a:solidFill>
-                          <a:latin typeface="AdobeClean-Light"/>
-                          <a:cs typeface="AdobeClean-Light"/>
-                        </a:rPr>
-                        <a:t>s</a:t>
-                      </a:r>
-                      <a:endParaRPr lang="en-US" sz="900">
+                      <a:endParaRPr lang="en-US" sz="900" dirty="0">
                         <a:latin typeface="AdobeClean-Light"/>
                         <a:cs typeface="AdobeClean-Light"/>
                       </a:endParaRPr>
@@ -4561,7 +3528,7 @@
                     <a:bodyPr/>
                     <a:lstStyle/>
                     <a:p>
-                      <a:pPr marL="428625" marR="398780" indent="-198120">
+                      <a:pPr marL="428625" marR="398780" indent="-198120" algn="ctr">
                         <a:lnSpc>
                           <a:spcPct val="102200"/>
                         </a:lnSpc>
@@ -4570,77 +3537,17 @@
                         </a:spcBef>
                       </a:pPr>
                       <a:r>
-                        <a:rPr sz="900" spc="-30">
+                        <a:rPr lang="de-de" sz="900" spc="-30" dirty="0">
                           <a:solidFill>
                             <a:srgbClr val="020302"/>
                           </a:solidFill>
                           <a:latin typeface="AdobeClean-Light"/>
                           <a:cs typeface="AdobeClean-Light"/>
                         </a:rPr>
-                        <a:t>B</a:t>
+                        <a:t>營業時間</a:t>
                       </a:r>
                       <a:r>
-                        <a:rPr sz="900" spc="-20">
-                          <a:solidFill>
-                            <a:srgbClr val="020302"/>
-                          </a:solidFill>
-                          <a:latin typeface="AdobeClean-Light"/>
-                          <a:cs typeface="AdobeClean-Light"/>
-                        </a:rPr>
-                        <a:t>us</a:t>
-                      </a:r>
-                      <a:r>
-                        <a:rPr sz="900" spc="-15">
-                          <a:solidFill>
-                            <a:srgbClr val="020302"/>
-                          </a:solidFill>
-                          <a:latin typeface="AdobeClean-Light"/>
-                          <a:cs typeface="AdobeClean-Light"/>
-                        </a:rPr>
-                        <a:t>i</a:t>
-                      </a:r>
-                      <a:r>
-                        <a:rPr sz="900" spc="-30">
-                          <a:solidFill>
-                            <a:srgbClr val="020302"/>
-                          </a:solidFill>
-                          <a:latin typeface="AdobeClean-Light"/>
-                          <a:cs typeface="AdobeClean-Light"/>
-                        </a:rPr>
-                        <a:t>n</a:t>
-                      </a:r>
-                      <a:r>
-                        <a:rPr sz="900" spc="-25">
-                          <a:solidFill>
-                            <a:srgbClr val="020302"/>
-                          </a:solidFill>
-                          <a:latin typeface="AdobeClean-Light"/>
-                          <a:cs typeface="AdobeClean-Light"/>
-                        </a:rPr>
-                        <a:t>e</a:t>
-                      </a:r>
-                      <a:r>
-                        <a:rPr sz="900" spc="-20">
-                          <a:solidFill>
-                            <a:srgbClr val="020302"/>
-                          </a:solidFill>
-                          <a:latin typeface="AdobeClean-Light"/>
-                          <a:cs typeface="AdobeClean-Light"/>
-                        </a:rPr>
-                        <a:t>s</a:t>
-                      </a:r>
-                      <a:r>
-                        <a:rPr sz="900">
-                          <a:solidFill>
-                            <a:srgbClr val="020302"/>
-                          </a:solidFill>
-                          <a:latin typeface="AdobeClean-Light"/>
-                          <a:cs typeface="AdobeClean-Light"/>
-                        </a:rPr>
-                        <a:t>s</a:t>
-                      </a:r>
-                      <a:r>
-                        <a:rPr lang="en-US" sz="900" spc="-120">
+                        <a:rPr lang="de-de" sz="900" spc="-120" dirty="0">
                           <a:solidFill>
                             <a:srgbClr val="020302"/>
                           </a:solidFill>
@@ -4650,27 +3557,7 @@
                         <a:t> </a:t>
                       </a:r>
                       <a:r>
-                        <a:rPr sz="900">
-                          <a:solidFill>
-                            <a:srgbClr val="020302"/>
-                          </a:solidFill>
-                          <a:latin typeface="AdobeClean-Light"/>
-                          <a:cs typeface="AdobeClean-Light"/>
-                        </a:rPr>
-                        <a:t>h</a:t>
-                      </a:r>
-                      <a:r>
-                        <a:rPr sz="900" spc="-5">
-                          <a:solidFill>
-                            <a:srgbClr val="020302"/>
-                          </a:solidFill>
-                          <a:latin typeface="AdobeClean-Light"/>
-                          <a:cs typeface="AdobeClean-Light"/>
-                        </a:rPr>
-                        <a:t>ours</a:t>
-                      </a:r>
-                      <a:r>
-                        <a:rPr lang="en-US" sz="900" spc="-5">
+                        <a:rPr lang="de-de" sz="900" spc="-5" dirty="0">
                           <a:solidFill>
                             <a:srgbClr val="020302"/>
                           </a:solidFill>
@@ -4680,17 +3567,17 @@
                         <a:t> </a:t>
                       </a:r>
                       <a:r>
-                        <a:rPr sz="900">
+                        <a:rPr lang="de-de" sz="900" dirty="0">
                           <a:solidFill>
                             <a:srgbClr val="020302"/>
                           </a:solidFill>
                           <a:latin typeface="AdobeClean-Light"/>
                           <a:cs typeface="AdobeClean-Light"/>
                         </a:rPr>
-                        <a:t>/  2</a:t>
+                        <a:t>/ 2</a:t>
                       </a:r>
                       <a:r>
-                        <a:rPr sz="900" spc="-100">
+                        <a:rPr lang="de-de" sz="900" spc="-100" dirty="0">
                           <a:solidFill>
                             <a:srgbClr val="020302"/>
                           </a:solidFill>
@@ -4700,36 +3587,16 @@
                         <a:t> </a:t>
                       </a:r>
                       <a:r>
-                        <a:rPr sz="900" spc="-15">
+                        <a:rPr lang="de-de" sz="900" spc="-15" dirty="0">
                           <a:solidFill>
                             <a:srgbClr val="020302"/>
                           </a:solidFill>
                           <a:latin typeface="AdobeClean-Light"/>
                           <a:cs typeface="AdobeClean-Light"/>
                         </a:rPr>
-                        <a:t>h</a:t>
+                        <a:t>小時</a:t>
                       </a:r>
-                      <a:r>
-                        <a:rPr sz="900" spc="-20">
-                          <a:solidFill>
-                            <a:srgbClr val="020302"/>
-                          </a:solidFill>
-                          <a:latin typeface="AdobeClean-Light"/>
-                          <a:cs typeface="AdobeClean-Light"/>
-                        </a:rPr>
-                        <a:t>our</a:t>
-                      </a:r>
-                      <a:r>
-                        <a:rPr sz="900">
-                          <a:solidFill>
-                            <a:srgbClr val="020302"/>
-                          </a:solidFill>
-                          <a:latin typeface="AdobeClean-Light"/>
-                          <a:cs typeface="AdobeClean-Light"/>
-                        </a:rPr>
-                        <a:t>s</a:t>
-                      </a:r>
-                      <a:endParaRPr sz="900">
+                      <a:endParaRPr sz="900" dirty="0">
                         <a:latin typeface="AdobeClean-Light"/>
                         <a:cs typeface="AdobeClean-Light"/>
                       </a:endParaRPr>
@@ -4791,87 +3658,17 @@
                         </a:spcBef>
                       </a:pPr>
                       <a:r>
-                        <a:rPr sz="900" b="1" spc="-15">
+                        <a:rPr lang="de-de" sz="900" b="1" spc="-15">
                           <a:solidFill>
                             <a:srgbClr val="020302"/>
                           </a:solidFill>
                           <a:latin typeface="Adobe Clean"/>
                           <a:cs typeface="Adobe Clean"/>
                         </a:rPr>
-                        <a:t>P</a:t>
+                        <a:t>優先順序</a:t>
                       </a:r>
                       <a:r>
-                        <a:rPr sz="900" b="1" spc="-20">
-                          <a:solidFill>
-                            <a:srgbClr val="020302"/>
-                          </a:solidFill>
-                          <a:latin typeface="Adobe Clean"/>
-                          <a:cs typeface="Adobe Clean"/>
-                        </a:rPr>
-                        <a:t>R</a:t>
-                      </a:r>
-                      <a:r>
-                        <a:rPr sz="900" b="1" spc="-25">
-                          <a:solidFill>
-                            <a:srgbClr val="020302"/>
-                          </a:solidFill>
-                          <a:latin typeface="Adobe Clean"/>
-                          <a:cs typeface="Adobe Clean"/>
-                        </a:rPr>
-                        <a:t>I</a:t>
-                      </a:r>
-                      <a:r>
-                        <a:rPr sz="900" b="1" spc="-15">
-                          <a:solidFill>
-                            <a:srgbClr val="020302"/>
-                          </a:solidFill>
-                          <a:latin typeface="Adobe Clean"/>
-                          <a:cs typeface="Adobe Clean"/>
-                        </a:rPr>
-                        <a:t>O</a:t>
-                      </a:r>
-                      <a:r>
-                        <a:rPr sz="900" b="1" spc="-20">
-                          <a:solidFill>
-                            <a:srgbClr val="020302"/>
-                          </a:solidFill>
-                          <a:latin typeface="Adobe Clean"/>
-                          <a:cs typeface="Adobe Clean"/>
-                        </a:rPr>
-                        <a:t>R</a:t>
-                      </a:r>
-                      <a:r>
-                        <a:rPr sz="900" b="1" spc="-25">
-                          <a:solidFill>
-                            <a:srgbClr val="020302"/>
-                          </a:solidFill>
-                          <a:latin typeface="Adobe Clean"/>
-                          <a:cs typeface="Adobe Clean"/>
-                        </a:rPr>
-                        <a:t>I</a:t>
-                      </a:r>
-                      <a:r>
-                        <a:rPr sz="900" b="1" spc="-15">
-                          <a:solidFill>
-                            <a:srgbClr val="020302"/>
-                          </a:solidFill>
-                          <a:latin typeface="Adobe Clean"/>
-                          <a:cs typeface="Adobe Clean"/>
-                        </a:rPr>
-                        <a:t>T</a:t>
-                      </a:r>
-                      <a:r>
-                        <a:rPr sz="900" b="1">
-                          <a:solidFill>
-                            <a:srgbClr val="020302"/>
-                          </a:solidFill>
-                          <a:latin typeface="Adobe Clean"/>
-                          <a:cs typeface="Adobe Clean"/>
-                        </a:rPr>
-                        <a:t>Y</a:t>
-                      </a:r>
-                      <a:r>
-                        <a:rPr sz="900" b="1" spc="-40">
+                        <a:rPr lang="de-de" sz="900" b="1" spc="-40">
                           <a:solidFill>
                             <a:srgbClr val="020302"/>
                           </a:solidFill>
@@ -4881,7 +3678,7 @@
                         <a:t> </a:t>
                       </a:r>
                       <a:r>
-                        <a:rPr sz="900" b="1">
+                        <a:rPr lang="de-de" sz="900" b="1">
                           <a:solidFill>
                             <a:srgbClr val="020302"/>
                           </a:solidFill>
@@ -4905,7 +3702,7 @@
                         </a:spcBef>
                       </a:pPr>
                       <a:r>
-                        <a:rPr lang="en-US" sz="900" b="1" spc="-90">
+                        <a:rPr lang="de-de" sz="900" b="1" spc="-90">
                           <a:solidFill>
                             <a:srgbClr val="020302"/>
                           </a:solidFill>
@@ -4915,7 +3712,7 @@
                         <a:t> </a:t>
                       </a:r>
                       <a:r>
-                        <a:rPr lang="en-US" sz="900" b="0" i="0" u="none" strike="noStrike">
+                        <a:rPr lang="de-de" sz="900" b="0" i="0" u="none" strike="noStrike">
                           <a:solidFill>
                             <a:schemeClr val="tx1"/>
                           </a:solidFill>
@@ -4924,7 +3721,7 @@
                           <a:ea typeface="+mn-ea"/>
                           <a:cs typeface="+mn-cs"/>
                         </a:rPr>
-                        <a:t>General question regarding current product functionality or an enhancement request</a:t>
+                        <a:t>有關目前產品功能或增強要求的一般性問題</a:t>
                       </a:r>
                       <a:endParaRPr lang="en-US" sz="900" b="0" i="0">
                         <a:latin typeface="Adobe Clean Light" panose="020B0303020404020204" pitchFamily="34" charset="0"/>
@@ -4964,33 +3761,33 @@
                     <a:bodyPr/>
                     <a:lstStyle/>
                     <a:p>
-                      <a:pPr marL="473709" marR="343535" indent="-175895">
+                      <a:pPr marL="473709" marR="343535" indent="-175895" algn="ctr">
                         <a:lnSpc>
                           <a:spcPct val="102200"/>
                         </a:lnSpc>
                       </a:pPr>
                       <a:r>
-                        <a:rPr lang="en-US" sz="900" spc="-30">
+                        <a:rPr lang="de-de" sz="900" spc="-30" dirty="0">
                           <a:solidFill>
                             <a:srgbClr val="020302"/>
                           </a:solidFill>
                           <a:latin typeface="AdobeClean-Light"/>
                           <a:cs typeface="AdobeClean-Light"/>
                         </a:rPr>
-                        <a:t>Business days </a:t>
+                        <a:t>營業日 </a:t>
                       </a:r>
                       <a:r>
-                        <a:rPr lang="en-US" sz="900">
+                        <a:rPr lang="de-de" sz="900" dirty="0">
                           <a:solidFill>
                             <a:srgbClr val="020302"/>
                           </a:solidFill>
                           <a:latin typeface="AdobeClean-Light"/>
                           <a:cs typeface="AdobeClean-Light"/>
                         </a:rPr>
-                        <a:t>/        3</a:t>
+                        <a:t>/ 3</a:t>
                       </a:r>
                       <a:r>
-                        <a:rPr lang="en-US" sz="900" spc="-100">
+                        <a:rPr lang="de-de" sz="900" spc="-100" dirty="0">
                           <a:solidFill>
                             <a:srgbClr val="020302"/>
                           </a:solidFill>
@@ -5000,26 +3797,16 @@
                         <a:t> </a:t>
                       </a:r>
                       <a:r>
-                        <a:rPr lang="en-US" sz="900" spc="-15">
+                        <a:rPr lang="de-de" sz="900" spc="-15" dirty="0">
                           <a:solidFill>
                             <a:srgbClr val="020302"/>
                           </a:solidFill>
                           <a:latin typeface="AdobeClean-Light"/>
                           <a:cs typeface="AdobeClean-Light"/>
                         </a:rPr>
-                        <a:t>day</a:t>
+                        <a:t>天</a:t>
                       </a:r>
-                      <a:r>
-                        <a:rPr lang="en-US" sz="900">
-                          <a:solidFill>
-                            <a:srgbClr val="020302"/>
-                          </a:solidFill>
-                          <a:latin typeface="AdobeClean-Light"/>
-                          <a:cs typeface="AdobeClean-Light"/>
-                        </a:rPr>
-                        <a:t>s</a:t>
-                      </a:r>
-                      <a:endParaRPr lang="en-US" sz="900">
+                      <a:endParaRPr lang="en-US" sz="900" dirty="0">
                         <a:latin typeface="AdobeClean-Light"/>
                         <a:cs typeface="AdobeClean-Light"/>
                       </a:endParaRPr>
@@ -5057,33 +3844,33 @@
                     <a:bodyPr/>
                     <a:lstStyle/>
                     <a:p>
-                      <a:pPr marL="473709" marR="343535" indent="-175895">
+                      <a:pPr marL="473709" marR="343535" indent="-175895" algn="ctr">
                         <a:lnSpc>
                           <a:spcPct val="102200"/>
                         </a:lnSpc>
                       </a:pPr>
                       <a:r>
-                        <a:rPr lang="en-US" sz="900" spc="-30">
+                        <a:rPr lang="de-de" sz="900" spc="-30" dirty="0">
                           <a:solidFill>
                             <a:srgbClr val="020302"/>
                           </a:solidFill>
                           <a:latin typeface="AdobeClean-Light"/>
                           <a:cs typeface="AdobeClean-Light"/>
                         </a:rPr>
-                        <a:t>Business days </a:t>
+                        <a:t>營業日 </a:t>
                       </a:r>
                       <a:r>
-                        <a:rPr lang="en-US" sz="900">
+                        <a:rPr lang="de-de" sz="900" dirty="0">
                           <a:solidFill>
                             <a:srgbClr val="020302"/>
                           </a:solidFill>
                           <a:latin typeface="AdobeClean-Light"/>
                           <a:cs typeface="AdobeClean-Light"/>
                         </a:rPr>
-                        <a:t>/       1</a:t>
+                        <a:t>/ 1</a:t>
                       </a:r>
                       <a:r>
-                        <a:rPr lang="en-US" sz="900" spc="-100">
+                        <a:rPr lang="de-de" sz="900" spc="-100" dirty="0">
                           <a:solidFill>
                             <a:srgbClr val="020302"/>
                           </a:solidFill>
@@ -5093,16 +3880,16 @@
                         <a:t> </a:t>
                       </a:r>
                       <a:r>
-                        <a:rPr lang="en-US" sz="900" spc="-15">
+                        <a:rPr lang="de-de" sz="900" spc="-15" dirty="0">
                           <a:solidFill>
                             <a:srgbClr val="020302"/>
                           </a:solidFill>
                           <a:latin typeface="AdobeClean-Light"/>
                           <a:cs typeface="AdobeClean-Light"/>
                         </a:rPr>
-                        <a:t>day</a:t>
+                        <a:t>天</a:t>
                       </a:r>
-                      <a:endParaRPr lang="en-US" sz="900">
+                      <a:endParaRPr lang="en-US" sz="900" dirty="0">
                         <a:latin typeface="AdobeClean-Light"/>
                         <a:cs typeface="AdobeClean-Light"/>
                       </a:endParaRPr>
@@ -5188,7 +3975,7 @@
         <p:spPr>
           <a:xfrm>
             <a:off x="97788" y="9888626"/>
-            <a:ext cx="2245360" cy="133370"/>
+            <a:ext cx="5437598" cy="133370"/>
           </a:xfrm>
           <a:prstGeom prst="rect">
             <a:avLst/>
@@ -5209,40 +3996,36 @@
               </a:spcBef>
             </a:pPr>
             <a:r>
-              <a:rPr spc="-10"/>
-              <a:t>©202</a:t>
-            </a:r>
-            <a:r>
-              <a:rPr lang="en-US" spc="-10"/>
-              <a:t>1</a:t>
-            </a:r>
-            <a:r>
-              <a:rPr spc="-5"/>
-              <a:t> Adobe. All</a:t>
-            </a:r>
-            <a:r>
-              <a:rPr spc="-10"/>
+              <a:rPr lang="de-de" spc="-10" dirty="0"/>
+              <a:t>©2021</a:t>
+            </a:r>
+            <a:r>
+              <a:rPr lang="de-de" spc="-5" dirty="0"/>
+              <a:t> Adobe。All</a:t>
+            </a:r>
+            <a:r>
+              <a:rPr lang="de-de" spc="-10" dirty="0"/>
               <a:t> Rights</a:t>
             </a:r>
             <a:r>
-              <a:rPr spc="-5"/>
+              <a:rPr lang="de-de" spc="-5" dirty="0"/>
               <a:t> </a:t>
             </a:r>
             <a:r>
-              <a:rPr spc="-10"/>
-              <a:t>Reserved.</a:t>
-            </a:r>
-            <a:r>
-              <a:rPr spc="-5"/>
-              <a:t> Adobe</a:t>
-            </a:r>
-            <a:r>
-              <a:rPr spc="60"/>
+              <a:rPr lang="de-de" spc="-10" dirty="0"/>
+              <a:t>Reserved。</a:t>
+            </a:r>
+            <a:r>
+              <a:rPr lang="de-de" spc="-5" dirty="0"/>
+              <a:t>Adobe</a:t>
+            </a:r>
+            <a:r>
+              <a:rPr lang="de-de" spc="60" dirty="0"/>
               <a:t> </a:t>
             </a:r>
             <a:r>
-              <a:rPr spc="-10"/>
-              <a:t>Confidential.</a:t>
+              <a:rPr lang="de-de" spc="-10" dirty="0"/>
+              <a:t>機密資訊。</a:t>
             </a:r>
           </a:p>
         </p:txBody>
@@ -5276,7 +4059,7 @@
           <a:lstStyle/>
           <a:p>
             <a:r>
-              <a:rPr lang="en-US" sz="700" i="1">
+              <a:rPr lang="de-de" sz="700" i="1">
                 <a:solidFill>
                   <a:schemeClr val="bg1"/>
                 </a:solidFill>
@@ -5322,16 +4105,16 @@
               </a:spcBef>
             </a:pPr>
             <a:r>
-              <a:rPr lang="en-US" sz="1200">
+              <a:rPr lang="de-de" sz="1200">
                 <a:solidFill>
                   <a:schemeClr val="bg1"/>
                 </a:solidFill>
                 <a:latin typeface="Adobe Clean Light" panose="020B0303020404020204" pitchFamily="34" charset="0"/>
               </a:rPr>
-              <a:t>Online | Business |</a:t>
-            </a:r>
-            <a:r>
-              <a:rPr lang="en-US" sz="1200" b="1">
+              <a:t>線上 | 商務 |</a:t>
+            </a:r>
+            <a:r>
+              <a:rPr lang="de-de" sz="1200" b="1">
                 <a:solidFill>
                   <a:schemeClr val="bg1"/>
                 </a:solidFill>
@@ -5340,15 +4123,15 @@
               <a:t> </a:t>
             </a:r>
             <a:r>
-              <a:rPr lang="en-US" sz="1200" b="1">
+              <a:rPr lang="de-de" sz="1200" b="1">
                 <a:solidFill>
                   <a:schemeClr val="bg1"/>
                 </a:solidFill>
               </a:rPr>
-              <a:t>Enterprise</a:t>
-            </a:r>
-            <a:r>
-              <a:rPr lang="en-US" sz="1200" b="1">
+              <a:t>企業</a:t>
+            </a:r>
+            <a:r>
+              <a:rPr lang="de-de" sz="1200" b="1">
                 <a:solidFill>
                   <a:schemeClr val="bg1"/>
                 </a:solidFill>
@@ -5357,30 +4140,23 @@
               <a:t> </a:t>
             </a:r>
             <a:r>
-              <a:rPr lang="en-US" sz="1200">
+              <a:rPr lang="de-de" sz="1200">
                 <a:solidFill>
                   <a:schemeClr val="bg1"/>
                 </a:solidFill>
                 <a:latin typeface="Adobe Clean Light" panose="020B0303020404020204" pitchFamily="34" charset="0"/>
               </a:rPr>
-              <a:t>| Elite</a:t>
-            </a:r>
-            <a:br>
-              <a:rPr lang="en-US" sz="900">
-                <a:solidFill>
-                  <a:schemeClr val="bg1"/>
-                </a:solidFill>
-                <a:latin typeface="Adobe Clean Light" panose="020B0303020404020204" pitchFamily="34" charset="0"/>
-              </a:rPr>
-            </a:br>
-            <a:r>
-              <a:rPr lang="en-US" sz="900">
+              <a:t>| 菁英</a:t>
+            </a:r>
+            <a:br/>
+            <a:r>
+              <a:rPr lang="de-de" sz="900">
                 <a:solidFill>
                   <a:schemeClr val="bg1"/>
                 </a:solidFill>
                 <a:latin typeface="Adobe Clean SemiLight" panose="020B0403020404020204" pitchFamily="34" charset="0"/>
               </a:rPr>
-              <a:t>ENTERPRISE support includes access to personalized learning paths and monitored community forums via the Adobe Experience League. You can also take advantage of our detailed and in-depth technical product documentation and current release notes. ENTERPRISE customers will also be provided with a Named Support Engineer who acts as your designated technical contact in the Adobe Support Team. With deep experience in your designated Experience Cloud solution, your support team will work in partnership with you and your technical teams to ensure timely resolution of all support requests. Your support team can also help coordinate and arrange delivery of the additional ENTERPRISE benefits ensuring minimal disruption to your business at the most critical time. </a:t>
+              <a:t>企業支援包括透過 Adobe Experience League 存取個人化的學習路徑和監控的社群論壇。您還可以利用我們詳細和深入的技術產品文件和目前的版本注意事項。企業客戶還將得到一個指定的支援工程師，他是您在 Adobe 支援團隊中的指定技術聯絡人。憑藉對您指定的 Experience Cloud 解決方案的深厚經驗，您的支援團隊將與您和您的技術團隊合作，確保及時解決所有支援請求。您的支援團隊還可以幫助協調和安排交付額外的企業利益，確保在最關鍵的時刻對您的業務造成最小的干擾。</a:t>
             </a:r>
             <a:endParaRPr lang="en-US" sz="900">
               <a:solidFill>
@@ -5458,7 +4234,7 @@
                     <a:bodyPr/>
                     <a:lstStyle/>
                     <a:p>
-                      <a:endParaRPr lang="en-US"/>
+                      <a:endParaRPr lang="en-US" dirty="0"/>
                     </a:p>
                   </a:txBody>
                   <a:tcPr/>
@@ -5496,14 +4272,14 @@
                         <a:defRPr/>
                       </a:pPr>
                       <a:r>
-                        <a:rPr lang="en-US" sz="900" spc="0">
+                        <a:rPr lang="de-de" sz="900" spc="0">
                           <a:solidFill>
                             <a:srgbClr val="404040"/>
                           </a:solidFill>
                           <a:latin typeface="Adobe Clean"/>
                           <a:cs typeface="Adobe Clean"/>
                         </a:rPr>
-                        <a:t>Online  Support</a:t>
+                        <a:t>線上支援</a:t>
                       </a:r>
                       <a:endParaRPr lang="en-US" sz="900" spc="0">
                         <a:latin typeface="Adobe Clean"/>
@@ -5549,24 +4325,14 @@
                         </a:spcBef>
                       </a:pPr>
                       <a:r>
-                        <a:rPr lang="en-US" sz="900" spc="0">
+                        <a:rPr lang="de-de" sz="900" spc="0">
                           <a:solidFill>
                             <a:srgbClr val="FFFFFF"/>
                           </a:solidFill>
                           <a:latin typeface="Adobe Clean"/>
                           <a:cs typeface="Adobe Clean"/>
                         </a:rPr>
-                        <a:t>Enterprise </a:t>
-                      </a:r>
-                      <a:r>
-                        <a:rPr sz="900" spc="0">
-                          <a:solidFill>
-                            <a:srgbClr val="FFFFFF"/>
-                          </a:solidFill>
-                          <a:latin typeface="Adobe Clean"/>
-                          <a:cs typeface="Adobe Clean"/>
-                        </a:rPr>
-                        <a:t>Support</a:t>
+                        <a:t>企業支援</a:t>
                       </a:r>
                       <a:endParaRPr sz="900" spc="0">
                         <a:latin typeface="Adobe Clean"/>
@@ -5656,7 +4422,7 @@
                         <a:tabLst/>
                         <a:defRPr/>
                       </a:pPr>
-                      <a:endParaRPr lang="en-US" sz="800" i="1">
+                      <a:endParaRPr lang="en-US" sz="800" i="1" dirty="0">
                         <a:solidFill>
                           <a:sysClr val="windowText" lastClr="000000"/>
                         </a:solidFill>
@@ -5720,13 +4486,13 @@
                         <a:defRPr/>
                       </a:pPr>
                       <a:r>
-                        <a:rPr lang="en-US" sz="800" i="1">
+                        <a:rPr lang="de-de" sz="800" i="1">
                           <a:solidFill>
                             <a:schemeClr val="bg1"/>
                           </a:solidFill>
                           <a:latin typeface="Adobe Clean Light" panose="020B0303020404020204" pitchFamily="34" charset="0"/>
                         </a:rPr>
-                        <a:t>Paid Support ($)</a:t>
+                        <a:t>付費支援 ($)</a:t>
                       </a:r>
                     </a:p>
                   </a:txBody>
@@ -5790,14 +4556,14 @@
                         </a:spcBef>
                       </a:pPr>
                       <a:r>
-                        <a:rPr lang="en-US" sz="1000" b="1" i="0" spc="0">
+                        <a:rPr lang="de-de" sz="1000" b="1" i="0" spc="0">
                           <a:solidFill>
                             <a:schemeClr val="bg1"/>
                           </a:solidFill>
                           <a:latin typeface="Adobe Clean" panose="020B0503020404020204" pitchFamily="34" charset="0"/>
                           <a:cs typeface="AdobeClean-Light"/>
                         </a:rPr>
-                        <a:t>Assigned Experts</a:t>
+                        <a:t>指派的專家</a:t>
                       </a:r>
                       <a:endParaRPr sz="1000" b="1" i="0" spc="0">
                         <a:solidFill>
@@ -5852,14 +4618,14 @@
                         </a:spcBef>
                       </a:pPr>
                       <a:r>
-                        <a:rPr sz="900" spc="0">
+                        <a:rPr lang="de-de" sz="900" spc="0">
                           <a:solidFill>
                             <a:srgbClr val="020302"/>
                           </a:solidFill>
                           <a:latin typeface="AdobeClean-Light"/>
                           <a:cs typeface="AdobeClean-Light"/>
                         </a:rPr>
-                        <a:t>Account Support Lead</a:t>
+                        <a:t>帳戶支援負責人</a:t>
                       </a:r>
                       <a:endParaRPr sz="900" spc="0">
                         <a:latin typeface="AdobeClean-Light"/>
@@ -6029,14 +4795,14 @@
                         </a:spcBef>
                       </a:pPr>
                       <a:r>
-                        <a:rPr sz="900" spc="0">
+                        <a:rPr lang="de-de" sz="900" spc="0">
                           <a:solidFill>
                             <a:srgbClr val="020302"/>
                           </a:solidFill>
                           <a:latin typeface="AdobeClean-Light"/>
                           <a:cs typeface="AdobeClean-Light"/>
                         </a:rPr>
-                        <a:t>Named Support Engineer</a:t>
+                        <a:t>指定的支援工程師</a:t>
                       </a:r>
                       <a:endParaRPr sz="900" spc="0">
                         <a:latin typeface="AdobeClean-Light"/>
@@ -6111,7 +4877,7 @@
                         <a:defRPr/>
                       </a:pPr>
                       <a:r>
-                        <a:rPr lang="en-US" sz="900">
+                        <a:rPr lang="de-de" sz="900">
                           <a:solidFill>
                             <a:srgbClr val="020302"/>
                           </a:solidFill>
@@ -6204,14 +4970,14 @@
                         </a:spcBef>
                       </a:pPr>
                       <a:r>
-                        <a:rPr sz="900" spc="0">
+                        <a:rPr lang="de-de" sz="900" spc="0">
                           <a:solidFill>
                             <a:srgbClr val="020302"/>
                           </a:solidFill>
                           <a:latin typeface="AdobeClean-Light"/>
                           <a:cs typeface="AdobeClean-Light"/>
                         </a:rPr>
-                        <a:t>Technical Account Manager</a:t>
+                        <a:t>技術客戶經理</a:t>
                       </a:r>
                       <a:endParaRPr sz="900" spc="0">
                         <a:latin typeface="AdobeClean-Light"/>
@@ -6334,16 +5100,16 @@
                         </a:spcBef>
                       </a:pPr>
                       <a:r>
-                        <a:rPr lang="en-US" sz="1000" b="1" i="0" spc="0">
+                        <a:rPr lang="de-de" sz="1000" b="1" i="0" spc="0" dirty="0">
                           <a:solidFill>
                             <a:schemeClr val="bg1"/>
                           </a:solidFill>
                           <a:latin typeface="Adobe Clean" panose="020B0503020404020204" pitchFamily="34" charset="0"/>
                           <a:cs typeface="AdobeClean-Light"/>
                         </a:rPr>
-                        <a:t>Support Services</a:t>
+                        <a:t>支援服務</a:t>
                       </a:r>
-                      <a:endParaRPr sz="1000" b="1" i="0" spc="0">
+                      <a:endParaRPr sz="1000" b="1" i="0" spc="0" dirty="0">
                         <a:solidFill>
                           <a:schemeClr val="bg1"/>
                         </a:solidFill>
@@ -6405,24 +5171,14 @@
                         </a:spcBef>
                       </a:pPr>
                       <a:r>
-                        <a:rPr lang="en-US" sz="900" spc="0">
+                        <a:rPr lang="de-de" sz="900" spc="0">
                           <a:solidFill>
                             <a:srgbClr val="020302"/>
                           </a:solidFill>
                           <a:latin typeface="AdobeClean-Light"/>
                           <a:cs typeface="AdobeClean-Light"/>
                         </a:rPr>
-                        <a:t>Online</a:t>
-                      </a:r>
-                      <a:r>
-                        <a:rPr sz="900" spc="0">
-                          <a:solidFill>
-                            <a:srgbClr val="020302"/>
-                          </a:solidFill>
-                          <a:latin typeface="AdobeClean-Light"/>
-                          <a:cs typeface="AdobeClean-Light"/>
-                        </a:rPr>
-                        <a:t> Support</a:t>
+                        <a:t>線上支援</a:t>
                       </a:r>
                       <a:endParaRPr sz="900" spc="0">
                         <a:latin typeface="AdobeClean-Light"/>
@@ -6465,34 +5221,14 @@
                         </a:spcBef>
                       </a:pPr>
                       <a:r>
-                        <a:rPr sz="900" spc="-25">
+                        <a:rPr lang="de-de" sz="900" spc="-25">
                           <a:solidFill>
                             <a:srgbClr val="020302"/>
                           </a:solidFill>
                           <a:latin typeface="AdobeClean-Light"/>
                           <a:cs typeface="AdobeClean-Light"/>
                         </a:rPr>
-                        <a:t>Business</a:t>
-                      </a:r>
-                      <a:r>
-                        <a:rPr sz="900" spc="-15">
-                          <a:solidFill>
-                            <a:srgbClr val="020302"/>
-                          </a:solidFill>
-                          <a:latin typeface="AdobeClean-Light"/>
-                          <a:cs typeface="AdobeClean-Light"/>
-                        </a:rPr>
-                        <a:t> </a:t>
-                      </a:r>
-                      <a:r>
-                        <a:rPr sz="900" spc="-30">
-                          <a:solidFill>
-                            <a:srgbClr val="020302"/>
-                          </a:solidFill>
-                          <a:latin typeface="AdobeClean-Light"/>
-                          <a:cs typeface="AdobeClean-Light"/>
-                        </a:rPr>
-                        <a:t>hours</a:t>
+                        <a:t>營業時間</a:t>
                       </a:r>
                       <a:endParaRPr sz="900">
                         <a:latin typeface="AdobeClean-Light"/>
@@ -6536,7 +5272,7 @@
                         </a:spcBef>
                       </a:pPr>
                       <a:r>
-                        <a:rPr lang="en-US" sz="900" spc="-25">
+                        <a:rPr lang="de-de" sz="900" spc="-25">
                           <a:solidFill>
                             <a:srgbClr val="020302"/>
                           </a:solidFill>
@@ -6631,34 +5367,14 @@
                         </a:spcBef>
                       </a:pPr>
                       <a:r>
-                        <a:rPr sz="900" spc="0">
+                        <a:rPr lang="de-de" sz="900" spc="0">
                           <a:solidFill>
                             <a:srgbClr val="020302"/>
                           </a:solidFill>
                           <a:latin typeface="AdobeClean-Light"/>
                           <a:cs typeface="AdobeClean-Light"/>
                         </a:rPr>
-                        <a:t>24x7</a:t>
-                      </a:r>
-                      <a:r>
-                        <a:rPr lang="en-US" sz="900" spc="0">
-                          <a:solidFill>
-                            <a:srgbClr val="020302"/>
-                          </a:solidFill>
-                          <a:latin typeface="AdobeClean-Light"/>
-                          <a:cs typeface="AdobeClean-Light"/>
-                        </a:rPr>
-                        <a:t>x365</a:t>
-                      </a:r>
-                      <a:r>
-                        <a:rPr sz="900" spc="0">
-                          <a:solidFill>
-                            <a:srgbClr val="020302"/>
-                          </a:solidFill>
-                          <a:latin typeface="AdobeClean-Light"/>
-                          <a:cs typeface="AdobeClean-Light"/>
-                        </a:rPr>
-                        <a:t> P1 Issue Support</a:t>
+                        <a:t>全年無休 P1 問題支援</a:t>
                       </a:r>
                       <a:endParaRPr sz="900" spc="0">
                         <a:latin typeface="AdobeClean-Light"/>
@@ -6695,7 +5411,7 @@
                         </a:spcBef>
                       </a:pPr>
                       <a:r>
-                        <a:rPr sz="900">
+                        <a:rPr lang="de-de" sz="900">
                           <a:solidFill>
                             <a:srgbClr val="020302"/>
                           </a:solidFill>
@@ -6737,7 +5453,7 @@
                         </a:spcBef>
                       </a:pPr>
                       <a:r>
-                        <a:rPr sz="900">
+                        <a:rPr lang="de-de" sz="900">
                           <a:solidFill>
                             <a:srgbClr val="020302"/>
                           </a:solidFill>
@@ -6830,14 +5546,14 @@
                         </a:spcBef>
                       </a:pPr>
                       <a:r>
-                        <a:rPr lang="en-US" sz="900" spc="0">
+                        <a:rPr lang="de-de" sz="900" spc="0">
                           <a:solidFill>
                             <a:srgbClr val="020302"/>
                           </a:solidFill>
                           <a:latin typeface="AdobeClean-Light"/>
                           <a:cs typeface="AdobeClean-Light"/>
                         </a:rPr>
-                        <a:t>Named Support Contacts (per product)</a:t>
+                        <a:t>指定的支援聯絡人 (依據產品)</a:t>
                       </a:r>
                       <a:endParaRPr sz="900" spc="0">
                         <a:latin typeface="AdobeClean-Light"/>
@@ -6880,7 +5596,7 @@
                         </a:spcBef>
                       </a:pPr>
                       <a:r>
-                        <a:rPr sz="900">
+                        <a:rPr lang="de-de" sz="900">
                           <a:solidFill>
                             <a:srgbClr val="020302"/>
                           </a:solidFill>
@@ -6922,7 +5638,7 @@
                         </a:spcBef>
                       </a:pPr>
                       <a:r>
-                        <a:rPr lang="en-US" sz="900">
+                        <a:rPr lang="de-de" sz="900">
                           <a:solidFill>
                             <a:srgbClr val="020302"/>
                           </a:solidFill>
@@ -7006,14 +5722,14 @@
                         </a:spcBef>
                       </a:pPr>
                       <a:r>
-                        <a:rPr lang="en-US" sz="900" spc="0">
+                        <a:rPr lang="de-de" sz="900" spc="0">
                           <a:solidFill>
                             <a:srgbClr val="020302"/>
                           </a:solidFill>
                           <a:latin typeface="AdobeClean-Light"/>
                           <a:cs typeface="AdobeClean-Light"/>
                         </a:rPr>
-                        <a:t>Live Telephone Support</a:t>
+                        <a:t>即時電話支援</a:t>
                       </a:r>
                       <a:endParaRPr sz="900" spc="0">
                         <a:latin typeface="AdobeClean-Light"/>
@@ -7082,7 +5798,7 @@
                         </a:spcBef>
                       </a:pPr>
                       <a:r>
-                        <a:rPr sz="900">
+                        <a:rPr lang="de-de" sz="900">
                           <a:solidFill>
                             <a:srgbClr val="020302"/>
                           </a:solidFill>
@@ -7166,14 +5882,14 @@
                         </a:spcBef>
                       </a:pPr>
                       <a:r>
-                        <a:rPr sz="900" spc="0">
+                        <a:rPr lang="de-de" sz="900" spc="0">
                           <a:solidFill>
                             <a:srgbClr val="020302"/>
                           </a:solidFill>
                           <a:latin typeface="AdobeClean-Light"/>
                           <a:cs typeface="AdobeClean-Light"/>
                         </a:rPr>
-                        <a:t>Escalation Management</a:t>
+                        <a:t>向上呈報管理</a:t>
                       </a:r>
                       <a:endParaRPr sz="900" spc="0">
                         <a:latin typeface="AdobeClean-Light"/>
@@ -7242,7 +5958,7 @@
                         </a:spcBef>
                       </a:pPr>
                       <a:r>
-                        <a:rPr sz="900">
+                        <a:rPr lang="de-de" sz="900">
                           <a:solidFill>
                             <a:srgbClr val="020302"/>
                           </a:solidFill>
@@ -7326,24 +6042,14 @@
                         </a:spcBef>
                       </a:pPr>
                       <a:r>
-                        <a:rPr sz="900" spc="0">
+                        <a:rPr lang="de-de" sz="900" spc="0">
                           <a:solidFill>
                             <a:srgbClr val="020302"/>
                           </a:solidFill>
                           <a:latin typeface="AdobeClean-Light"/>
                           <a:cs typeface="AdobeClean-Light"/>
                         </a:rPr>
-                        <a:t>Service Reviews </a:t>
-                      </a:r>
-                      <a:r>
-                        <a:rPr lang="en-US" sz="900" spc="0">
-                          <a:solidFill>
-                            <a:srgbClr val="020302"/>
-                          </a:solidFill>
-                          <a:latin typeface="AdobeClean-Light"/>
-                          <a:cs typeface="AdobeClean-Light"/>
-                        </a:rPr>
-                        <a:t>per Year</a:t>
+                        <a:t>每年的服務審查</a:t>
                       </a:r>
                       <a:endParaRPr sz="900" spc="0">
                         <a:latin typeface="AdobeClean-Light"/>
@@ -7406,7 +6112,7 @@
                         </a:lnSpc>
                       </a:pPr>
                       <a:r>
-                        <a:rPr lang="en-US" sz="900">
+                        <a:rPr lang="de-de" sz="900">
                           <a:latin typeface="Times New Roman"/>
                           <a:cs typeface="Times New Roman"/>
                         </a:rPr>
@@ -7457,13 +6163,13 @@
                         </a:spcBef>
                       </a:pPr>
                       <a:r>
-                        <a:rPr lang="en-US" sz="900" spc="0">
+                        <a:rPr lang="de-de" sz="900" spc="0" dirty="0">
                           <a:latin typeface="AdobeClean-Light"/>
                           <a:cs typeface="AdobeClean-Light"/>
                         </a:rPr>
-                        <a:t>Expert Sessions per Year</a:t>
+                        <a:t>每年的專家諮詢</a:t>
                       </a:r>
-                      <a:endParaRPr sz="900" spc="0">
+                      <a:endParaRPr sz="900" spc="0" dirty="0">
                         <a:latin typeface="AdobeClean-Light"/>
                         <a:cs typeface="AdobeClean-Light"/>
                       </a:endParaRPr>
@@ -7530,7 +6236,7 @@
                         </a:lnSpc>
                       </a:pPr>
                       <a:r>
-                        <a:rPr lang="en-US" sz="900">
+                        <a:rPr lang="de-de" sz="900">
                           <a:latin typeface="Times New Roman"/>
                           <a:cs typeface="Times New Roman"/>
                         </a:rPr>
@@ -7581,13 +6287,13 @@
                         </a:spcBef>
                       </a:pPr>
                       <a:r>
-                        <a:rPr lang="en-US" sz="900" spc="0">
+                        <a:rPr lang="de-de" sz="900" spc="0" dirty="0">
                           <a:latin typeface="AdobeClean-Light"/>
                           <a:cs typeface="AdobeClean-Light"/>
                         </a:rPr>
-                        <a:t>Case Reviews</a:t>
+                        <a:t>案件審查</a:t>
                       </a:r>
-                      <a:endParaRPr sz="900" spc="0">
+                      <a:endParaRPr sz="900" spc="0" dirty="0">
                         <a:latin typeface="AdobeClean-Light"/>
                         <a:cs typeface="AdobeClean-Light"/>
                       </a:endParaRPr>
@@ -7624,7 +6330,7 @@
                           <a:spcPct val="100000"/>
                         </a:lnSpc>
                       </a:pPr>
-                      <a:endParaRPr sz="900">
+                      <a:endParaRPr sz="900" dirty="0">
                         <a:latin typeface="Times New Roman"/>
                         <a:cs typeface="Times New Roman"/>
                       </a:endParaRPr>
@@ -7666,7 +6372,7 @@
                         <a:defRPr/>
                       </a:pPr>
                       <a:r>
-                        <a:rPr lang="en-US" sz="900">
+                        <a:rPr lang="de-de" sz="900" dirty="0">
                           <a:solidFill>
                             <a:srgbClr val="020302"/>
                           </a:solidFill>
@@ -7675,7 +6381,7 @@
                         </a:rPr>
                         <a:t></a:t>
                       </a:r>
-                      <a:endParaRPr lang="en-US" sz="900">
+                      <a:endParaRPr lang="en-US" sz="900" dirty="0">
                         <a:latin typeface="Wingdings"/>
                         <a:cs typeface="Wingdings"/>
                       </a:endParaRPr>
@@ -7759,24 +6465,14 @@
                         </a:spcBef>
                       </a:pPr>
                       <a:r>
-                        <a:rPr sz="900" spc="0">
+                        <a:rPr lang="de-de" sz="900" spc="0">
                           <a:solidFill>
                             <a:srgbClr val="020302"/>
                           </a:solidFill>
                           <a:latin typeface="AdobeClean-Light"/>
                           <a:cs typeface="AdobeClean-Light"/>
                         </a:rPr>
-                        <a:t>Event </a:t>
-                      </a:r>
-                      <a:r>
-                        <a:rPr lang="en-US" sz="900" spc="0">
-                          <a:solidFill>
-                            <a:srgbClr val="020302"/>
-                          </a:solidFill>
-                          <a:latin typeface="AdobeClean-Light"/>
-                          <a:cs typeface="AdobeClean-Light"/>
-                        </a:rPr>
-                        <a:t>Management</a:t>
+                        <a:t>事件管理</a:t>
                       </a:r>
                       <a:endParaRPr sz="900" spc="0">
                         <a:latin typeface="AdobeClean-Light"/>
@@ -7919,34 +6615,14 @@
                         </a:spcBef>
                       </a:pPr>
                       <a:r>
-                        <a:rPr sz="900" spc="0">
+                        <a:rPr lang="de-de" sz="900" spc="0">
                           <a:solidFill>
                             <a:srgbClr val="020302"/>
                           </a:solidFill>
                           <a:latin typeface="AdobeClean-Light"/>
                           <a:cs typeface="AdobeClean-Light"/>
                         </a:rPr>
-                        <a:t>Environment</a:t>
-                      </a:r>
-                      <a:r>
-                        <a:rPr lang="en-US" sz="900" spc="0">
-                          <a:solidFill>
-                            <a:srgbClr val="020302"/>
-                          </a:solidFill>
-                          <a:latin typeface="AdobeClean-Light"/>
-                          <a:cs typeface="AdobeClean-Light"/>
-                        </a:rPr>
-                        <a:t> </a:t>
-                      </a:r>
-                      <a:r>
-                        <a:rPr sz="900" spc="0">
-                          <a:solidFill>
-                            <a:srgbClr val="020302"/>
-                          </a:solidFill>
-                          <a:latin typeface="AdobeClean-Light"/>
-                          <a:cs typeface="AdobeClean-Light"/>
-                        </a:rPr>
-                        <a:t>Review, Maintenance &amp; Monitoring</a:t>
+                        <a:t>環境審查、維護與監控</a:t>
                       </a:r>
                       <a:endParaRPr sz="900" spc="0">
                         <a:latin typeface="AdobeClean-Light"/>
@@ -8083,14 +6759,14 @@
                         </a:spcBef>
                       </a:pPr>
                       <a:r>
-                        <a:rPr sz="900" spc="0">
+                        <a:rPr lang="de-de" sz="900" spc="0">
                           <a:solidFill>
                             <a:srgbClr val="020302"/>
                           </a:solidFill>
                           <a:latin typeface="AdobeClean-Light"/>
                           <a:cs typeface="AdobeClean-Light"/>
                         </a:rPr>
-                        <a:t>Release, Migration, Upgrade &amp; Product Roadmap Review</a:t>
+                        <a:t>發行、遷移、升級及產品藍圖審查</a:t>
                       </a:r>
                       <a:endParaRPr sz="900" spc="0">
                         <a:latin typeface="AdobeClean-Light"/>
@@ -8236,11 +6912,11 @@
                         </a:spcBef>
                       </a:pPr>
                       <a:r>
-                        <a:rPr sz="900" spc="0">
+                        <a:rPr lang="de-de" sz="900" spc="0">
                           <a:latin typeface="AdobeClean-Light"/>
                           <a:cs typeface="AdobeClean-Light"/>
                         </a:rPr>
-                        <a:t>Cloud Support Activities – Experience Manager as Cloud</a:t>
+                        <a:t>雲端支援活動 – 雲端形式的 Experience Manager</a:t>
                       </a:r>
                     </a:p>
                   </a:txBody>
@@ -8326,7 +7002,7 @@
                         <a:defRPr/>
                       </a:pPr>
                       <a:r>
-                        <a:rPr lang="en-US" sz="900">
+                        <a:rPr lang="de-de" sz="900" dirty="0">
                           <a:solidFill>
                             <a:srgbClr val="020302"/>
                           </a:solidFill>
@@ -8335,7 +7011,7 @@
                         </a:rPr>
                         <a:t></a:t>
                       </a:r>
-                      <a:endParaRPr lang="en-US" sz="900">
+                      <a:endParaRPr lang="en-US" sz="900" dirty="0">
                         <a:latin typeface="Wingdings"/>
                         <a:cs typeface="Wingdings"/>
                       </a:endParaRPr>
@@ -8358,7 +7034,7 @@
                         <a:tabLst/>
                         <a:defRPr/>
                       </a:pPr>
-                      <a:endParaRPr lang="en-US" sz="900">
+                      <a:endParaRPr lang="en-US" sz="900" dirty="0">
                         <a:latin typeface="Wingdings"/>
                         <a:cs typeface="Wingdings"/>
                       </a:endParaRPr>
@@ -8404,16 +7080,16 @@
                         </a:spcBef>
                       </a:pPr>
                       <a:r>
-                        <a:rPr lang="en-US" sz="1000" b="1" i="0" spc="0">
+                        <a:rPr lang="de-de" sz="1000" b="1" i="0" spc="0" dirty="0">
                           <a:solidFill>
                             <a:schemeClr val="bg1"/>
                           </a:solidFill>
                           <a:latin typeface="Adobe Clean" panose="020B0503020404020204" pitchFamily="34" charset="0"/>
                           <a:cs typeface="AdobeClean-Light"/>
                         </a:rPr>
-                        <a:t>Field Services</a:t>
+                        <a:t>現場服務</a:t>
                       </a:r>
-                      <a:endParaRPr sz="1000" b="1" i="0" spc="0">
+                      <a:endParaRPr sz="1000" b="1" i="0" spc="0" dirty="0">
                         <a:solidFill>
                           <a:schemeClr val="bg1"/>
                         </a:solidFill>
@@ -8472,14 +7148,14 @@
                         </a:spcBef>
                       </a:pPr>
                       <a:r>
-                        <a:rPr sz="900" spc="0">
+                        <a:rPr lang="de-de" sz="900" spc="0">
                           <a:solidFill>
                             <a:srgbClr val="020302"/>
                           </a:solidFill>
                           <a:latin typeface="AdobeClean-Light"/>
                           <a:cs typeface="AdobeClean-Light"/>
                         </a:rPr>
-                        <a:t>Launch Advisory Services – First Year of new solution</a:t>
+                        <a:t>上市諮詢服務 – 新解決方案的第一年</a:t>
                       </a:r>
                     </a:p>
                   </a:txBody>
@@ -8575,7 +7251,7 @@
                         <a:defRPr/>
                       </a:pPr>
                       <a:r>
-                        <a:rPr lang="en-US" sz="900">
+                        <a:rPr lang="de-de" sz="900">
                           <a:solidFill>
                             <a:srgbClr val="020302"/>
                           </a:solidFill>
@@ -8708,7 +7384,7 @@
                         <a:defRPr/>
                       </a:pPr>
                       <a:r>
-                        <a:rPr lang="en-US" sz="900">
+                        <a:rPr lang="de-de" sz="900">
                           <a:solidFill>
                             <a:srgbClr val="020302"/>
                           </a:solidFill>
@@ -8777,11 +7453,11 @@
                         <a:defRPr/>
                       </a:pPr>
                       <a:r>
-                        <a:rPr lang="en-US" sz="900" spc="0">
+                        <a:rPr lang="de-de" sz="900" spc="0" dirty="0">
                           <a:latin typeface="AdobeClean-Light"/>
                           <a:cs typeface="AdobeClean-Light"/>
                         </a:rPr>
-                        <a:t>Field Service Activities </a:t>
+                        <a:t>現場服務活動</a:t>
                       </a:r>
                     </a:p>
                   </a:txBody>
@@ -8940,144 +7616,84 @@
               </a:tabLst>
             </a:pPr>
             <a:r>
-              <a:rPr sz="1000" spc="-20">
+              <a:rPr lang="de-de" sz="1000" spc="-20">
                 <a:solidFill>
                   <a:srgbClr val="020302"/>
                 </a:solidFill>
                 <a:latin typeface="AdobeClean-Light"/>
                 <a:cs typeface="AdobeClean-Light"/>
               </a:rPr>
-              <a:t>Start </a:t>
-            </a:r>
-            <a:r>
-              <a:rPr sz="1000">
+              <a:t>開始</a:t>
+            </a:r>
+            <a:r>
+              <a:rPr lang="de-de" sz="1000" spc="-15">
                 <a:solidFill>
                   <a:srgbClr val="020302"/>
                 </a:solidFill>
                 <a:latin typeface="AdobeClean-Light"/>
                 <a:cs typeface="AdobeClean-Light"/>
               </a:rPr>
-              <a:t>a </a:t>
-            </a:r>
-            <a:r>
-              <a:rPr sz="1000" spc="-15">
+              <a:t>聊天式</a:t>
+            </a:r>
+            <a:r>
+              <a:rPr lang="de-de" sz="1000" spc="-10">
                 <a:solidFill>
                   <a:srgbClr val="020302"/>
                 </a:solidFill>
                 <a:latin typeface="AdobeClean-Light"/>
                 <a:cs typeface="AdobeClean-Light"/>
               </a:rPr>
-              <a:t>chat </a:t>
-            </a:r>
-            <a:r>
-              <a:rPr sz="1000" spc="-10">
+              <a:t>諮詢，</a:t>
+            </a:r>
+            <a:r>
+              <a:rPr lang="de-de" sz="1000" spc="-5">
                 <a:solidFill>
                   <a:srgbClr val="020302"/>
                 </a:solidFill>
                 <a:latin typeface="AdobeClean-Light"/>
                 <a:cs typeface="AdobeClean-Light"/>
               </a:rPr>
-              <a:t>session </a:t>
-            </a:r>
-            <a:r>
-              <a:rPr sz="1000" spc="-5">
+              <a:t>以獲得</a:t>
+            </a:r>
+            <a:r>
+              <a:rPr lang="de-de" sz="1000" spc="-10">
                 <a:solidFill>
                   <a:srgbClr val="020302"/>
                 </a:solidFill>
                 <a:latin typeface="AdobeClean-Light"/>
                 <a:cs typeface="AdobeClean-Light"/>
               </a:rPr>
-              <a:t>to </a:t>
-            </a:r>
-            <a:r>
-              <a:rPr sz="1000" spc="-10">
+              <a:t>案件提交的</a:t>
+            </a:r>
+            <a:r>
+              <a:rPr lang="de-de" sz="1000" spc="-20">
                 <a:solidFill>
                   <a:srgbClr val="020302"/>
                 </a:solidFill>
                 <a:latin typeface="AdobeClean-Light"/>
                 <a:cs typeface="AdobeClean-Light"/>
               </a:rPr>
-              <a:t>get </a:t>
-            </a:r>
-            <a:r>
-              <a:rPr sz="1000" spc="-20">
+              <a:t>解答</a:t>
+            </a:r>
+            <a:r>
+              <a:rPr lang="de-de" sz="1000">
                 <a:solidFill>
                   <a:srgbClr val="020302"/>
                 </a:solidFill>
                 <a:latin typeface="AdobeClean-Light"/>
                 <a:cs typeface="AdobeClean-Light"/>
               </a:rPr>
-              <a:t>answers</a:t>
-            </a:r>
-            <a:r>
-              <a:rPr lang="en-US" sz="1000" spc="-45">
+              <a:t>與</a:t>
+            </a:r>
+            <a:r>
+              <a:rPr lang="de-de" sz="1000" spc="-15">
                 <a:solidFill>
                   <a:srgbClr val="020302"/>
                 </a:solidFill>
                 <a:latin typeface="AdobeClean-Light"/>
                 <a:cs typeface="AdobeClean-Light"/>
               </a:rPr>
-              <a:t> </a:t>
-            </a:r>
-            <a:r>
-              <a:rPr lang="en-US" sz="1000">
-                <a:solidFill>
-                  <a:srgbClr val="020302"/>
-                </a:solidFill>
-                <a:latin typeface="AdobeClean-Light"/>
-                <a:cs typeface="AdobeClean-Light"/>
-              </a:rPr>
-              <a:t>&amp; </a:t>
-            </a:r>
-            <a:r>
-              <a:rPr sz="1000" spc="-15">
-                <a:solidFill>
-                  <a:srgbClr val="020302"/>
-                </a:solidFill>
-                <a:latin typeface="AdobeClean-Light"/>
-                <a:cs typeface="AdobeClean-Light"/>
-              </a:rPr>
-              <a:t>help </a:t>
-            </a:r>
-            <a:r>
-              <a:rPr sz="1000" spc="-10">
-                <a:solidFill>
-                  <a:srgbClr val="020302"/>
-                </a:solidFill>
-                <a:latin typeface="AdobeClean-Light"/>
-                <a:cs typeface="AdobeClean-Light"/>
-              </a:rPr>
-              <a:t>with</a:t>
-            </a:r>
-            <a:r>
-              <a:rPr sz="1000" spc="85">
-                <a:solidFill>
-                  <a:srgbClr val="020302"/>
-                </a:solidFill>
-                <a:latin typeface="AdobeClean-Light"/>
-                <a:cs typeface="AdobeClean-Light"/>
-              </a:rPr>
-              <a:t> </a:t>
-            </a:r>
-            <a:r>
-              <a:rPr sz="1000" spc="-10">
-                <a:solidFill>
-                  <a:srgbClr val="020302"/>
-                </a:solidFill>
-                <a:latin typeface="AdobeClean-Light"/>
-                <a:cs typeface="AdobeClean-Light"/>
-              </a:rPr>
-              <a:t>case </a:t>
-            </a:r>
-            <a:r>
-              <a:rPr sz="1000" spc="-20">
-                <a:solidFill>
-                  <a:srgbClr val="020302"/>
-                </a:solidFill>
-                <a:latin typeface="AdobeClean-Light"/>
-                <a:cs typeface="AdobeClean-Light"/>
-              </a:rPr>
-              <a:t>submission</a:t>
+              <a:t>協助</a:t>
             </a:r>
             <a:endParaRPr lang="en-US" sz="1000" spc="-20">
               <a:solidFill>
@@ -9100,34 +7716,34 @@
               </a:tabLst>
             </a:pPr>
             <a:r>
-              <a:rPr sz="1000" i="1" spc="-10">
+              <a:rPr lang="de-de" sz="1000" i="1" spc="-10">
                 <a:solidFill>
                   <a:srgbClr val="7A7A7A"/>
                 </a:solidFill>
                 <a:latin typeface="AdobeClean-LightIt"/>
                 <a:cs typeface="AdobeClean-LightIt"/>
               </a:rPr>
-              <a:t>*Not all </a:t>
-            </a:r>
-            <a:r>
-              <a:rPr sz="1000" i="1" spc="-20">
+              <a:t>*並非</a:t>
+            </a:r>
+            <a:r>
+              <a:rPr lang="de-de" sz="1000" i="1" spc="-20">
                 <a:solidFill>
                   <a:srgbClr val="7A7A7A"/>
                 </a:solidFill>
                 <a:latin typeface="AdobeClean-LightIt"/>
                 <a:cs typeface="AdobeClean-LightIt"/>
               </a:rPr>
-              <a:t>products have live chat support</a:t>
-            </a:r>
-            <a:r>
-              <a:rPr sz="900" i="1" spc="-20">
+              <a:t>所有產品都有提供即時聊天支援</a:t>
+            </a:r>
+            <a:r>
+              <a:rPr lang="de-de" sz="900" i="1" spc="-20">
                 <a:solidFill>
                   <a:srgbClr val="7A7A7A"/>
                 </a:solidFill>
                 <a:latin typeface="AdobeClean-LightIt"/>
                 <a:cs typeface="AdobeClean-LightIt"/>
               </a:rPr>
-              <a:t>.  </a:t>
+              <a:t>。</a:t>
             </a:r>
             <a:endParaRPr sz="900">
               <a:latin typeface="AdobeClean-Light"/>
@@ -9179,12 +7795,12 @@
               <a:defRPr/>
             </a:pPr>
             <a:r>
-              <a:rPr lang="en-US" sz="1200">
+              <a:rPr lang="de-de" sz="1200">
                 <a:solidFill>
                   <a:srgbClr val="000000"/>
                 </a:solidFill>
               </a:rPr>
-              <a:t>Community Forums</a:t>
+              <a:t>社群論壇</a:t>
             </a:r>
           </a:p>
         </p:txBody>
@@ -9227,12 +7843,12 @@
               </a:spcAft>
             </a:pPr>
             <a:r>
-              <a:rPr lang="en-US" sz="1200" b="1">
+              <a:rPr lang="de-de" sz="1200" b="1">
                 <a:latin typeface="+mj-lt"/>
                 <a:ea typeface="Open Sans" pitchFamily="34" charset="0"/>
                 <a:cs typeface="Open Sans" pitchFamily="34" charset="0"/>
               </a:rPr>
-              <a:t>Online Forums</a:t>
+              <a:t>線上論壇</a:t>
             </a:r>
           </a:p>
         </p:txBody>
@@ -9265,13 +7881,13 @@
           <a:lstStyle/>
           <a:p>
             <a:r>
-              <a:rPr lang="en-US" sz="1000">
+              <a:rPr lang="de-de" sz="1000">
                 <a:solidFill>
                   <a:srgbClr val="4B4B4B"/>
                 </a:solidFill>
                 <a:latin typeface="Adobe Clean Light" panose="020B0303020404020204" pitchFamily="34" charset="0"/>
               </a:rPr>
-              <a:t>Continuous online access to a growing database of technical solutions, product documentation, FAQs and more. Connect with practitioners and other customers on Adobe Community to share best practices and lessons learned</a:t>
+              <a:t>可持續在線上存取不斷增加的技術解決方案、產品文件、常見問答等內容的資料庫。與 Adobe 社群上的從業人員和其他客戶交流，彼此分享學到的最佳實務和經驗教訓</a:t>
             </a:r>
           </a:p>
         </p:txBody>
@@ -9319,7 +7935,7 @@
               <a:defRPr/>
             </a:pPr>
             <a:r>
-              <a:rPr lang="en-US" sz="1200">
+              <a:rPr lang="de-de" sz="1200">
                 <a:solidFill>
                   <a:srgbClr val="000000"/>
                 </a:solidFill>
@@ -9367,12 +7983,12 @@
               </a:spcAft>
             </a:pPr>
             <a:r>
-              <a:rPr lang="en-US" sz="1200" b="1">
+              <a:rPr lang="de-de" sz="1200" b="1">
                 <a:latin typeface="+mj-lt"/>
                 <a:ea typeface="Open Sans" pitchFamily="34" charset="0"/>
                 <a:cs typeface="Open Sans" pitchFamily="34" charset="0"/>
               </a:rPr>
-              <a:t>Self-guided Journeys</a:t>
+              <a:t>自我引導式旅程</a:t>
             </a:r>
           </a:p>
         </p:txBody>
@@ -9405,13 +8021,13 @@
           <a:lstStyle/>
           <a:p>
             <a:r>
-              <a:rPr lang="en-US" sz="1000">
+              <a:rPr lang="de-de" sz="1000">
                 <a:solidFill>
                   <a:srgbClr val="4B4B4B"/>
                 </a:solidFill>
                 <a:latin typeface="Adobe Clean Light" panose="020B0303020404020204" pitchFamily="34" charset="0"/>
               </a:rPr>
-              <a:t>Experience Makers are made with Experience League. Customers can kickstart their Customer Experience Management abilities with personalized learning to develop skills, engage with a global community of peers, and earn career advancing recognition</a:t>
+              <a:t>Experience League 賦予體驗製作者強大的功能。客戶可以透過個人化學習來開始培養自己的客戶體驗管理能力，以發展各項技能、與全球的同行社群互動，並獲得職業提升的認可</a:t>
             </a:r>
           </a:p>
         </p:txBody>
@@ -9459,12 +8075,12 @@
               <a:defRPr/>
             </a:pPr>
             <a:r>
-              <a:rPr lang="en-US" sz="1200">
+              <a:rPr lang="de-de" sz="1200">
                 <a:solidFill>
                   <a:srgbClr val="000000"/>
                 </a:solidFill>
               </a:rPr>
-              <a:t>Live Chat  Support*</a:t>
+              <a:t>即時聊天支援*</a:t>
             </a:r>
           </a:p>
         </p:txBody>
@@ -9507,12 +8123,12 @@
               </a:spcAft>
             </a:pPr>
             <a:r>
-              <a:rPr lang="en-US" sz="1200" b="1">
+              <a:rPr lang="de-de" sz="1200" b="1">
                 <a:latin typeface="+mj-lt"/>
                 <a:ea typeface="Open Sans" pitchFamily="34" charset="0"/>
                 <a:cs typeface="Open Sans" pitchFamily="34" charset="0"/>
               </a:rPr>
-              <a:t>Chat Support</a:t>
+              <a:t>聊天支援</a:t>
             </a:r>
           </a:p>
         </p:txBody>
@@ -9560,12 +8176,12 @@
               <a:defRPr/>
             </a:pPr>
             <a:r>
-              <a:rPr lang="en-US" sz="1200">
+              <a:rPr lang="de-de" sz="1200">
                 <a:solidFill>
                   <a:srgbClr val="000000"/>
                 </a:solidFill>
               </a:rPr>
-              <a:t>24X7 P1 </a:t>
+              <a:t>全年無休 P1 </a:t>
             </a:r>
           </a:p>
         </p:txBody>
@@ -9608,12 +8224,12 @@
               </a:spcAft>
             </a:pPr>
             <a:r>
-              <a:rPr lang="en-US" sz="1200" b="1">
+              <a:rPr lang="de-de" sz="1200" b="1">
                 <a:latin typeface="+mj-lt"/>
                 <a:ea typeface="Open Sans" pitchFamily="34" charset="0"/>
                 <a:cs typeface="Open Sans" pitchFamily="34" charset="0"/>
               </a:rPr>
-              <a:t>Phone  Support</a:t>
+              <a:t>電話支援</a:t>
             </a:r>
           </a:p>
         </p:txBody>
@@ -9646,28 +8262,28 @@
           <a:lstStyle/>
           <a:p>
             <a:r>
-              <a:rPr lang="en-US" sz="1000">
+              <a:rPr lang="de-de" sz="1000">
                 <a:solidFill>
                   <a:srgbClr val="020302"/>
                 </a:solidFill>
                 <a:latin typeface="AdobeClean-Light"/>
               </a:rPr>
-              <a:t>Authorized users or </a:t>
-            </a:r>
-            <a:r>
-              <a:rPr lang="en-US" sz="1000" b="1">
+              <a:t>授權的使用者或</a:t>
+            </a:r>
+            <a:r>
+              <a:rPr lang="de-de" sz="1000" b="1">
                 <a:solidFill>
                   <a:srgbClr val="020302"/>
                 </a:solidFill>
                 <a:latin typeface="AdobeClean-Light"/>
               </a:rPr>
-              <a:t>Named Support Contacts </a:t>
-            </a:r>
-            <a:r>
-              <a:rPr lang="en-US" sz="1000">
+              <a:t>指定的支援聯絡人</a:t>
+            </a:r>
+            <a:r>
+              <a:rPr lang="de-de" sz="1000">
                 <a:latin typeface="Adobe Clean Light" panose="020B0303020404020204" pitchFamily="34" charset="0"/>
               </a:rPr>
-              <a:t>can submit issues through all available  channels (including phone for P1) and interact with our technical support team on behalf of your company. </a:t>
+              <a:t>可透過所有可用管道 (包括 P1 適用的電話) 來提交問題，並代表貴公司與我們的技術支援團隊互動。</a:t>
             </a:r>
             <a:endParaRPr lang="en-US" sz="1000">
               <a:solidFill>
@@ -9762,14 +8378,14 @@
               </a:spcBef>
             </a:pPr>
             <a:r>
-              <a:rPr lang="en-US" sz="1400" b="1" spc="-10">
+              <a:rPr lang="de-de" sz="1400" b="1" spc="-10">
                 <a:solidFill>
                   <a:srgbClr val="020302"/>
                 </a:solidFill>
                 <a:latin typeface="Adobe Clean"/>
                 <a:cs typeface="Adobe Clean"/>
               </a:rPr>
-              <a:t>Online Support Features</a:t>
+              <a:t>線上支援特色</a:t>
             </a:r>
             <a:endParaRPr lang="en-US" sz="1400">
               <a:latin typeface="Adobe Clean"/>
@@ -9821,12 +8437,12 @@
               <a:defRPr/>
             </a:pPr>
             <a:r>
-              <a:rPr lang="en-US" sz="1200">
+              <a:rPr lang="de-de" sz="1200">
                 <a:solidFill>
                   <a:srgbClr val="000000"/>
                 </a:solidFill>
               </a:rPr>
-              <a:t>Office Hours</a:t>
+              <a:t>諮詢時間</a:t>
             </a:r>
           </a:p>
         </p:txBody>
@@ -9869,12 +8485,12 @@
               </a:spcAft>
             </a:pPr>
             <a:r>
-              <a:rPr lang="en-US" sz="1200" b="1">
+              <a:rPr lang="de-de" sz="1200" b="1">
                 <a:latin typeface="+mj-lt"/>
                 <a:ea typeface="Open Sans" pitchFamily="34" charset="0"/>
                 <a:cs typeface="Open Sans" pitchFamily="34" charset="0"/>
               </a:rPr>
-              <a:t>Webinars</a:t>
+              <a:t>網路研討會</a:t>
             </a:r>
           </a:p>
         </p:txBody>
@@ -9907,13 +8523,13 @@
           <a:lstStyle/>
           <a:p>
             <a:r>
-              <a:rPr lang="en-US" sz="1000">
+              <a:rPr lang="de-de" sz="1000">
                 <a:solidFill>
                   <a:srgbClr val="4B4B4B"/>
                 </a:solidFill>
                 <a:latin typeface="Adobe Clean Light" panose="020B0303020404020204" pitchFamily="34" charset="0"/>
               </a:rPr>
-              <a:t>Office Hours led by the Adobe Customer Support team includes sessions designed to inform as well as help participants troubleshoot problems and provide tips and tricks for success with Adobe solutions. </a:t>
+              <a:t>「諮詢時間」是由 Adobe 客戶支援團隊主導的一項計劃，其中的研討會的設計目的是為了提供資訊以及協助參與者排除問題，並提供成功使用 Adobe 解決方案的秘訣與技巧。</a:t>
             </a:r>
           </a:p>
         </p:txBody>
@@ -9961,12 +8577,12 @@
               <a:defRPr/>
             </a:pPr>
             <a:r>
-              <a:rPr lang="en-US" sz="1200">
+              <a:rPr lang="de-de" sz="1200">
                 <a:solidFill>
                   <a:srgbClr val="000000"/>
                 </a:solidFill>
               </a:rPr>
-              <a:t>Self-help Portals</a:t>
+              <a:t>自助式入口網站</a:t>
             </a:r>
           </a:p>
         </p:txBody>
@@ -10009,12 +8625,12 @@
               </a:spcAft>
             </a:pPr>
             <a:r>
-              <a:rPr lang="en-US" sz="1200" b="1">
+              <a:rPr lang="de-de" sz="1200" b="1">
                 <a:latin typeface="+mj-lt"/>
                 <a:ea typeface="Open Sans" pitchFamily="34" charset="0"/>
                 <a:cs typeface="Open Sans" pitchFamily="34" charset="0"/>
               </a:rPr>
-              <a:t>24/7 Support Portal</a:t>
+              <a:t>24/7 支援入口網站</a:t>
             </a:r>
           </a:p>
         </p:txBody>
@@ -10047,30 +8663,23 @@
           <a:lstStyle/>
           <a:p>
             <a:r>
-              <a:rPr lang="en-US" sz="1000">
+              <a:rPr lang="de-de" sz="1000">
                 <a:solidFill>
                   <a:srgbClr val="4B4B4B"/>
                 </a:solidFill>
                 <a:latin typeface="Adobe Clean Light" panose="020B0303020404020204" pitchFamily="34" charset="0"/>
               </a:rPr>
-              <a:t>On-demand access to the online </a:t>
-            </a:r>
-            <a:br>
-              <a:rPr lang="en-US" sz="1000">
+              <a:t>隨需存取線上</a:t>
+            </a:r>
+            <a:br/>
+            <a:r>
+              <a:rPr lang="de-de" sz="1000">
                 <a:solidFill>
                   <a:srgbClr val="4B4B4B"/>
                 </a:solidFill>
                 <a:latin typeface="Adobe Clean Light" panose="020B0303020404020204" pitchFamily="34" charset="0"/>
               </a:rPr>
-            </a:br>
-            <a:r>
-              <a:rPr lang="en-US" sz="1000">
-                <a:solidFill>
-                  <a:srgbClr val="4B4B4B"/>
-                </a:solidFill>
-                <a:latin typeface="Adobe Clean Light" panose="020B0303020404020204" pitchFamily="34" charset="0"/>
-              </a:rPr>
-              <a:t>Self-help Support Portal to submit support requests, review case status, and browse other resources, like our knowledgebase, news and alerts, featured tips, and more.</a:t>
+              <a:t>自助式支援入口網站，以提交支援請求、檢閱案件狀態，並瀏覽其他資源，像是我們的知識庫、新聞與提醒、特定的提示等。</a:t>
             </a:r>
           </a:p>
         </p:txBody>
@@ -10091,8 +8700,8 @@
         </p:nvSpPr>
         <p:spPr>
           <a:xfrm>
-            <a:off x="97788" y="9888626"/>
-            <a:ext cx="2245360" cy="133370"/>
+            <a:off x="97788" y="9888625"/>
+            <a:ext cx="6254026" cy="133370"/>
           </a:xfrm>
           <a:prstGeom prst="rect">
             <a:avLst/>
@@ -10204,36 +8813,36 @@
               </a:spcBef>
             </a:pPr>
             <a:r>
-              <a:rPr lang="en-US" spc="-10"/>
+              <a:rPr lang="de-de" spc="-10"/>
               <a:t>©2021</a:t>
             </a:r>
             <a:r>
-              <a:rPr lang="en-US" spc="-5"/>
-              <a:t> Adobe. All</a:t>
-            </a:r>
-            <a:r>
-              <a:rPr lang="en-US" spc="-10"/>
+              <a:rPr lang="de-de" spc="-5"/>
+              <a:t> Adobe。All</a:t>
+            </a:r>
+            <a:r>
+              <a:rPr lang="de-de" spc="-10"/>
               <a:t> Rights</a:t>
             </a:r>
             <a:r>
-              <a:rPr lang="en-US" spc="-5"/>
+              <a:rPr lang="de-de" spc="-5"/>
               <a:t> </a:t>
             </a:r>
             <a:r>
-              <a:rPr lang="en-US" spc="-10"/>
-              <a:t>Reserved.</a:t>
-            </a:r>
-            <a:r>
-              <a:rPr lang="en-US" spc="-5"/>
-              <a:t> Adobe</a:t>
-            </a:r>
-            <a:r>
-              <a:rPr lang="en-US" spc="60"/>
+              <a:rPr lang="de-de" spc="-10"/>
+              <a:t>Reserved。</a:t>
+            </a:r>
+            <a:r>
+              <a:rPr lang="de-de" spc="-5"/>
+              <a:t>Adobe</a:t>
+            </a:r>
+            <a:r>
+              <a:rPr lang="de-de" spc="60"/>
               <a:t> </a:t>
             </a:r>
             <a:r>
-              <a:rPr lang="en-US" spc="-10"/>
-              <a:t>Confidential.</a:t>
+              <a:rPr lang="de-de" spc="-10"/>
+              <a:t>機密資訊。</a:t>
             </a:r>
           </a:p>
         </p:txBody>
@@ -10322,14 +8931,14 @@
               </a:spcBef>
             </a:pPr>
             <a:r>
-              <a:rPr lang="en-US" sz="1400" b="1" spc="-10">
+              <a:rPr lang="de-de" sz="1400" b="1" spc="-10">
                 <a:solidFill>
                   <a:srgbClr val="020302"/>
                 </a:solidFill>
                 <a:latin typeface="Adobe Clean"/>
                 <a:cs typeface="Adobe Clean"/>
               </a:rPr>
-              <a:t>Enterprise Support Features</a:t>
+              <a:t>企業支援特色</a:t>
             </a:r>
             <a:endParaRPr lang="en-US" sz="1400">
               <a:latin typeface="Adobe Clean"/>
@@ -10374,107 +8983,17 @@
               </a:spcBef>
             </a:pPr>
             <a:r>
-              <a:rPr sz="1200" b="1" spc="-25">
+              <a:rPr lang="de-de" sz="1200" b="1" spc="-25">
                 <a:solidFill>
                   <a:srgbClr val="020302"/>
                 </a:solidFill>
                 <a:latin typeface="Adobe Clean"/>
                 <a:cs typeface="Adobe Clean"/>
               </a:rPr>
-              <a:t>E</a:t>
-            </a:r>
-            <a:r>
-              <a:rPr sz="1200" b="1" spc="-20">
-                <a:solidFill>
-                  <a:srgbClr val="020302"/>
-                </a:solidFill>
-                <a:latin typeface="Adobe Clean"/>
-                <a:cs typeface="Adobe Clean"/>
-              </a:rPr>
-              <a:t>s</a:t>
-            </a:r>
-            <a:r>
-              <a:rPr sz="1200" b="1" spc="-30">
-                <a:solidFill>
-                  <a:srgbClr val="020302"/>
-                </a:solidFill>
-                <a:latin typeface="Adobe Clean"/>
-                <a:cs typeface="Adobe Clean"/>
-              </a:rPr>
-              <a:t>c</a:t>
-            </a:r>
-            <a:r>
-              <a:rPr sz="1200" b="1" spc="-20">
-                <a:solidFill>
-                  <a:srgbClr val="020302"/>
-                </a:solidFill>
-                <a:latin typeface="Adobe Clean"/>
-                <a:cs typeface="Adobe Clean"/>
-              </a:rPr>
-              <a:t>a</a:t>
-            </a:r>
-            <a:r>
-              <a:rPr sz="1200" b="1" spc="-25">
-                <a:solidFill>
-                  <a:srgbClr val="020302"/>
-                </a:solidFill>
-                <a:latin typeface="Adobe Clean"/>
-                <a:cs typeface="Adobe Clean"/>
-              </a:rPr>
-              <a:t>l</a:t>
-            </a:r>
-            <a:r>
-              <a:rPr sz="1200" b="1" spc="-20">
-                <a:solidFill>
-                  <a:srgbClr val="020302"/>
-                </a:solidFill>
-                <a:latin typeface="Adobe Clean"/>
-                <a:cs typeface="Adobe Clean"/>
-              </a:rPr>
-              <a:t>a</a:t>
-            </a:r>
-            <a:r>
-              <a:rPr sz="1200" b="1" spc="-25">
-                <a:solidFill>
-                  <a:srgbClr val="020302"/>
-                </a:solidFill>
-                <a:latin typeface="Adobe Clean"/>
-                <a:cs typeface="Adobe Clean"/>
-              </a:rPr>
-              <a:t>t</a:t>
-            </a:r>
-            <a:r>
-              <a:rPr sz="1200" b="1" spc="-20">
-                <a:solidFill>
-                  <a:srgbClr val="020302"/>
-                </a:solidFill>
-                <a:latin typeface="Adobe Clean"/>
-                <a:cs typeface="Adobe Clean"/>
-              </a:rPr>
-              <a:t>i</a:t>
-            </a:r>
-            <a:r>
-              <a:rPr sz="1200" b="1" spc="-15">
-                <a:solidFill>
-                  <a:srgbClr val="020302"/>
-                </a:solidFill>
-                <a:latin typeface="Adobe Clean"/>
-                <a:cs typeface="Adobe Clean"/>
-              </a:rPr>
-              <a:t>o</a:t>
-            </a:r>
-            <a:r>
-              <a:rPr sz="1200" b="1">
-                <a:solidFill>
-                  <a:srgbClr val="020302"/>
-                </a:solidFill>
-                <a:latin typeface="Adobe Clean"/>
-                <a:cs typeface="Adobe Clean"/>
-              </a:rPr>
-              <a:t>n</a:t>
-            </a:r>
-            <a:r>
-              <a:rPr sz="1200" b="1" spc="-55">
+              <a:t>向上呈報管理</a:t>
+            </a:r>
+            <a:r>
+              <a:rPr lang="de-de" sz="1200" b="1" spc="-55">
                 <a:solidFill>
                   <a:srgbClr val="020302"/>
                 </a:solidFill>
@@ -10482,86 +9001,6 @@
                 <a:cs typeface="Adobe Clean"/>
               </a:rPr>
               <a:t> </a:t>
-            </a:r>
-            <a:r>
-              <a:rPr sz="1200" b="1" spc="-35">
-                <a:solidFill>
-                  <a:srgbClr val="020302"/>
-                </a:solidFill>
-                <a:latin typeface="Adobe Clean"/>
-                <a:cs typeface="Adobe Clean"/>
-              </a:rPr>
-              <a:t>M</a:t>
-            </a:r>
-            <a:r>
-              <a:rPr sz="1200" b="1" spc="-25">
-                <a:solidFill>
-                  <a:srgbClr val="020302"/>
-                </a:solidFill>
-                <a:latin typeface="Adobe Clean"/>
-                <a:cs typeface="Adobe Clean"/>
-              </a:rPr>
-              <a:t>a</a:t>
-            </a:r>
-            <a:r>
-              <a:rPr sz="1200" b="1" spc="-30">
-                <a:solidFill>
-                  <a:srgbClr val="020302"/>
-                </a:solidFill>
-                <a:latin typeface="Adobe Clean"/>
-                <a:cs typeface="Adobe Clean"/>
-              </a:rPr>
-              <a:t>n</a:t>
-            </a:r>
-            <a:r>
-              <a:rPr sz="1200" b="1" spc="-25">
-                <a:solidFill>
-                  <a:srgbClr val="020302"/>
-                </a:solidFill>
-                <a:latin typeface="Adobe Clean"/>
-                <a:cs typeface="Adobe Clean"/>
-              </a:rPr>
-              <a:t>a</a:t>
-            </a:r>
-            <a:r>
-              <a:rPr sz="1200" b="1" spc="-30">
-                <a:solidFill>
-                  <a:srgbClr val="020302"/>
-                </a:solidFill>
-                <a:latin typeface="Adobe Clean"/>
-                <a:cs typeface="Adobe Clean"/>
-              </a:rPr>
-              <a:t>ge</a:t>
-            </a:r>
-            <a:r>
-              <a:rPr sz="1200" b="1" spc="-25">
-                <a:solidFill>
-                  <a:srgbClr val="020302"/>
-                </a:solidFill>
-                <a:latin typeface="Adobe Clean"/>
-                <a:cs typeface="Adobe Clean"/>
-              </a:rPr>
-              <a:t>m</a:t>
-            </a:r>
-            <a:r>
-              <a:rPr sz="1200" b="1" spc="-30">
-                <a:solidFill>
-                  <a:srgbClr val="020302"/>
-                </a:solidFill>
-                <a:latin typeface="Adobe Clean"/>
-                <a:cs typeface="Adobe Clean"/>
-              </a:rPr>
-              <a:t>en</a:t>
-            </a:r>
-            <a:r>
-              <a:rPr sz="1200" b="1">
-                <a:solidFill>
-                  <a:srgbClr val="020302"/>
-                </a:solidFill>
-                <a:latin typeface="Adobe Clean"/>
-                <a:cs typeface="Adobe Clean"/>
-              </a:rPr>
-              <a:t>t</a:t>
             </a:r>
             <a:endParaRPr sz="1200">
               <a:latin typeface="Adobe Clean"/>
@@ -10606,13 +9045,13 @@
               </a:spcBef>
             </a:pPr>
             <a:r>
-              <a:rPr lang="en-US" sz="1000">
+              <a:rPr lang="de-de" sz="1000">
                 <a:solidFill>
                   <a:srgbClr val="4B4B4B"/>
                 </a:solidFill>
                 <a:latin typeface="Adobe Clean Light" panose="020B0303020404020204" pitchFamily="34" charset="0"/>
               </a:rPr>
-              <a:t>A designated point of contact within Adobe who can provide escalation assistance, regular updates and ensure priority is given to your most critical open support requests.</a:t>
+              <a:t>Adobe 內的指定聯絡人，他可提供向上呈報協助、定期更新，並確保優先處理您最緊急且未解決的支援請求。</a:t>
             </a:r>
             <a:endParaRPr sz="1000">
               <a:latin typeface="Adobe Clean Light" panose="020B0303020404020204" pitchFamily="34" charset="0"/>
@@ -10657,77 +9096,17 @@
               </a:spcBef>
             </a:pPr>
             <a:r>
-              <a:rPr sz="1200" b="1" spc="-20">
+              <a:rPr lang="de-de" sz="1200" b="1" spc="-20">
                 <a:solidFill>
                   <a:srgbClr val="020302"/>
                 </a:solidFill>
                 <a:latin typeface="Adobe Clean"/>
                 <a:cs typeface="Adobe Clean"/>
               </a:rPr>
-              <a:t>S</a:t>
-            </a:r>
-            <a:r>
-              <a:rPr sz="1200" b="1" spc="-25">
-                <a:solidFill>
-                  <a:srgbClr val="020302"/>
-                </a:solidFill>
-                <a:latin typeface="Adobe Clean"/>
-                <a:cs typeface="Adobe Clean"/>
-              </a:rPr>
-              <a:t>e</a:t>
-            </a:r>
-            <a:r>
-              <a:rPr sz="1200" b="1" spc="-20">
-                <a:solidFill>
-                  <a:srgbClr val="020302"/>
-                </a:solidFill>
-                <a:latin typeface="Adobe Clean"/>
-                <a:cs typeface="Adobe Clean"/>
-              </a:rPr>
-              <a:t>r</a:t>
-            </a:r>
-            <a:r>
-              <a:rPr sz="1200" b="1" spc="-25">
-                <a:solidFill>
-                  <a:srgbClr val="020302"/>
-                </a:solidFill>
-                <a:latin typeface="Adobe Clean"/>
-                <a:cs typeface="Adobe Clean"/>
-              </a:rPr>
-              <a:t>v</a:t>
-            </a:r>
-            <a:r>
-              <a:rPr sz="1200" b="1" spc="-20">
-                <a:solidFill>
-                  <a:srgbClr val="020302"/>
-                </a:solidFill>
-                <a:latin typeface="Adobe Clean"/>
-                <a:cs typeface="Adobe Clean"/>
-              </a:rPr>
-              <a:t>i</a:t>
-            </a:r>
-            <a:r>
-              <a:rPr sz="1200" b="1" spc="-30">
-                <a:solidFill>
-                  <a:srgbClr val="020302"/>
-                </a:solidFill>
-                <a:latin typeface="Adobe Clean"/>
-                <a:cs typeface="Adobe Clean"/>
-              </a:rPr>
-              <a:t>c</a:t>
-            </a:r>
-            <a:r>
-              <a:rPr sz="1200" b="1">
-                <a:solidFill>
-                  <a:srgbClr val="020302"/>
-                </a:solidFill>
-                <a:latin typeface="Adobe Clean"/>
-                <a:cs typeface="Adobe Clean"/>
-              </a:rPr>
-              <a:t>e</a:t>
-            </a:r>
-            <a:r>
-              <a:rPr sz="1200" b="1" spc="-80">
+              <a:t>服務審查</a:t>
+            </a:r>
+            <a:r>
+              <a:rPr lang="de-de" sz="1200" b="1" spc="-80">
                 <a:solidFill>
                   <a:srgbClr val="020302"/>
                 </a:solidFill>
@@ -10735,66 +9114,6 @@
                 <a:cs typeface="Adobe Clean"/>
               </a:rPr>
               <a:t> </a:t>
-            </a:r>
-            <a:r>
-              <a:rPr sz="1200" b="1" spc="-20">
-                <a:solidFill>
-                  <a:srgbClr val="020302"/>
-                </a:solidFill>
-                <a:latin typeface="Adobe Clean"/>
-                <a:cs typeface="Adobe Clean"/>
-              </a:rPr>
-              <a:t>R</a:t>
-            </a:r>
-            <a:r>
-              <a:rPr sz="1200" b="1" spc="-25">
-                <a:solidFill>
-                  <a:srgbClr val="020302"/>
-                </a:solidFill>
-                <a:latin typeface="Adobe Clean"/>
-                <a:cs typeface="Adobe Clean"/>
-              </a:rPr>
-              <a:t>e</a:t>
-            </a:r>
-            <a:r>
-              <a:rPr sz="1200" b="1" spc="-30">
-                <a:solidFill>
-                  <a:srgbClr val="020302"/>
-                </a:solidFill>
-                <a:latin typeface="Adobe Clean"/>
-                <a:cs typeface="Adobe Clean"/>
-              </a:rPr>
-              <a:t>v</a:t>
-            </a:r>
-            <a:r>
-              <a:rPr sz="1200" b="1" spc="-20">
-                <a:solidFill>
-                  <a:srgbClr val="020302"/>
-                </a:solidFill>
-                <a:latin typeface="Adobe Clean"/>
-                <a:cs typeface="Adobe Clean"/>
-              </a:rPr>
-              <a:t>i</a:t>
-            </a:r>
-            <a:r>
-              <a:rPr sz="1200" b="1" spc="-25">
-                <a:solidFill>
-                  <a:srgbClr val="020302"/>
-                </a:solidFill>
-                <a:latin typeface="Adobe Clean"/>
-                <a:cs typeface="Adobe Clean"/>
-              </a:rPr>
-              <a:t>ew</a:t>
-            </a:r>
-            <a:r>
-              <a:rPr sz="1200" b="1">
-                <a:solidFill>
-                  <a:srgbClr val="020302"/>
-                </a:solidFill>
-                <a:latin typeface="Adobe Clean"/>
-                <a:cs typeface="Adobe Clean"/>
-              </a:rPr>
-              <a:t>s</a:t>
             </a:r>
             <a:endParaRPr sz="1200">
               <a:latin typeface="Adobe Clean"/>
@@ -10839,13 +9158,13 @@
               </a:spcBef>
             </a:pPr>
             <a:r>
-              <a:rPr lang="en-US" sz="1000">
+              <a:rPr lang="de-de" sz="1000">
                 <a:solidFill>
                   <a:srgbClr val="4B4B4B"/>
                 </a:solidFill>
                 <a:latin typeface="Adobe Clean Light" panose="020B0303020404020204" pitchFamily="34" charset="0"/>
               </a:rPr>
-              <a:t>A bi-annual comprehensive review of  Enterprise program services, benefits and support metrics.</a:t>
+              <a:t>每兩年對企業計劃服務、權益和支援指標進行一次全面審查。</a:t>
             </a:r>
             <a:endParaRPr sz="1000">
               <a:latin typeface="Adobe Clean Light" panose="020B0303020404020204" pitchFamily="34" charset="0"/>
@@ -10890,13 +9209,13 @@
               </a:spcBef>
             </a:pPr>
             <a:r>
-              <a:rPr lang="en-US" sz="1000">
+              <a:rPr lang="de-de" sz="1000">
                 <a:solidFill>
                   <a:srgbClr val="4B4B4B"/>
                 </a:solidFill>
                 <a:latin typeface="Adobe Clean Light" panose="020B0303020404020204" pitchFamily="34" charset="0"/>
               </a:rPr>
-              <a:t>A 60-minute session focusing on a specific product feature and how it can be utilized to solve common business problems.</a:t>
+              <a:t>60 分鐘的諮詢，聚焦於特定產品功能以及如何利用它來解決常見的業務問題。</a:t>
             </a:r>
             <a:endParaRPr sz="1000">
               <a:latin typeface="Adobe Clean Light" panose="020B0303020404020204" pitchFamily="34" charset="0"/>
@@ -10941,13 +9260,13 @@
               </a:spcBef>
             </a:pPr>
             <a:r>
-              <a:rPr lang="en-US" sz="1000">
+              <a:rPr lang="de-de" sz="1000">
                 <a:solidFill>
                   <a:srgbClr val="4B4B4B"/>
                 </a:solidFill>
                 <a:latin typeface="Adobe Clean Light" panose="020B0303020404020204" pitchFamily="34" charset="0"/>
               </a:rPr>
-              <a:t>Drive adoption of customization best practices and core components in AEM as a Cloud Service</a:t>
+              <a:t>推動採用 AEM as a Cloud Service 中的自訂最佳實務和核心元件</a:t>
             </a:r>
             <a:endParaRPr sz="1000">
               <a:solidFill>
@@ -10994,13 +9313,13 @@
               </a:spcBef>
             </a:pPr>
             <a:r>
-              <a:rPr lang="en-US" sz="1000">
+              <a:rPr lang="de-de" sz="1000">
                 <a:solidFill>
                   <a:srgbClr val="4B4B4B"/>
                 </a:solidFill>
                 <a:latin typeface="Adobe Clean Light" panose="020B0303020404020204" pitchFamily="34" charset="0"/>
               </a:rPr>
-              <a:t>Identify, review and provide recommendations on customized solution adoption areas that have opportunities for optimization</a:t>
+              <a:t>識別、審查有機會最佳化的自訂解決方案採用領域，並提供相關建議</a:t>
             </a:r>
             <a:endParaRPr sz="1000">
               <a:solidFill>
@@ -11047,13 +9366,13 @@
               </a:spcBef>
             </a:pPr>
             <a:r>
-              <a:rPr lang="en-US" sz="1000">
+              <a:rPr lang="de-de" sz="1000">
                 <a:solidFill>
                   <a:srgbClr val="4B4B4B"/>
                 </a:solidFill>
                 <a:latin typeface="Adobe Clean Light" panose="020B0303020404020204" pitchFamily="34" charset="0"/>
               </a:rPr>
-              <a:t>Technical &amp; operational governance to assist AEM as a Cloud Service Customers in adhering to industry standards and best practices for AEM as a Cloud Service</a:t>
+              <a:t>為了協助 AEM as a Cloud Service 客戶遵守 AEM as a Cloud Service 的產業標準和最佳實務所進行的技術與營運控管</a:t>
             </a:r>
             <a:endParaRPr sz="1000">
               <a:solidFill>
@@ -11097,13 +9416,13 @@
               </a:spcBef>
             </a:pPr>
             <a:r>
-              <a:rPr lang="en-US" sz="1000">
+              <a:rPr lang="de-de" sz="1000">
                 <a:solidFill>
                   <a:srgbClr val="4B4B4B"/>
                 </a:solidFill>
                 <a:latin typeface="Adobe Clean Light" panose="020B0303020404020204" pitchFamily="34" charset="0"/>
               </a:rPr>
-              <a:t>A designated support engineer who becomes familiar with your solution environment and business goals. The NSE is an experienced support engineer that helps coordinate your Enterprise Support experience..</a:t>
+              <a:t>已熟悉您的解決方案環境與業務目標的指定支援工程師。NSE 是經驗豐富的支援工程師，可幫忙協調您的企業支援體驗。</a:t>
             </a:r>
             <a:endParaRPr lang="en-US" sz="1000">
               <a:solidFill>
@@ -11152,20 +9471,20 @@
               </a:spcAft>
             </a:pPr>
             <a:r>
-              <a:rPr lang="en-US" sz="1200" b="1" spc="-10">
+              <a:rPr lang="de-de" sz="1200" b="1" spc="-10">
                 <a:solidFill>
                   <a:srgbClr val="020302"/>
                 </a:solidFill>
                 <a:latin typeface="+mj-lt"/>
               </a:rPr>
-              <a:t>Named Support Engineer</a:t>
+              <a:t>指定的支援工程師</a:t>
             </a:r>
           </a:p>
         </p:txBody>
       </p:sp>
       <p:pic>
         <p:nvPicPr>
-          <p:cNvPr id="142" name="Graphic 141" descr="User outline">
+          <p:cNvPr id="142" name="Graphic 141" descr="使用者大綱">
             <a:extLst>
               <a:ext uri="{FF2B5EF4-FFF2-40B4-BE49-F238E27FC236}">
                 <a16:creationId xmlns:a16="http://schemas.microsoft.com/office/drawing/2014/main" id="{D810B7C8-EC8A-8D4D-9EEC-977E8C8AB016}"/>
@@ -11238,14 +9557,14 @@
               </a:spcBef>
             </a:pPr>
             <a:r>
-              <a:rPr lang="en-US" sz="1200" b="1" spc="-20">
+              <a:rPr lang="de-de" sz="1200" b="1" spc="-20">
                 <a:solidFill>
                   <a:srgbClr val="020302"/>
                 </a:solidFill>
                 <a:latin typeface="Adobe Clean"/>
                 <a:cs typeface="Adobe Clean"/>
               </a:rPr>
-              <a:t>Expert Sessions</a:t>
+              <a:t>專家諮詢</a:t>
             </a:r>
             <a:endParaRPr sz="1200">
               <a:latin typeface="Adobe Clean"/>
@@ -11281,497 +9600,30 @@
           </a:bodyPr>
           <a:lstStyle/>
           <a:p>
-            <a:pPr marL="12700">
-              <a:lnSpc>
-                <a:spcPct val="100000"/>
-              </a:lnSpc>
-              <a:spcBef>
-                <a:spcPts val="100"/>
-              </a:spcBef>
-            </a:pPr>
-            <a:r>
-              <a:rPr lang="en-US" sz="1200" b="1" spc="-15">
+            <a:pPr algn="l"/>
+            <a:r>
+              <a:rPr lang="en-US" altLang="zh-TW" sz="1200" b="1" spc="-25" dirty="0">
                 <a:solidFill>
                   <a:srgbClr val="020302"/>
                 </a:solidFill>
                 <a:latin typeface="Adobe Clean"/>
-                <a:cs typeface="Adobe Clean"/>
               </a:rPr>
-              <a:t>C</a:t>
-            </a:r>
-            <a:r>
-              <a:rPr lang="en-US" sz="1200" b="1" spc="-20">
+              <a:t>AEM as a Cloud Service </a:t>
+            </a:r>
+            <a:r>
+              <a:rPr lang="zh-TW" altLang="en-US" sz="1200" b="1" spc="-25" dirty="0">
                 <a:solidFill>
                   <a:srgbClr val="020302"/>
                 </a:solidFill>
                 <a:latin typeface="Adobe Clean"/>
-                <a:cs typeface="Adobe Clean"/>
               </a:rPr>
-              <a:t>u</a:t>
-            </a:r>
-            <a:r>
-              <a:rPr lang="en-US" sz="1200" b="1" spc="-25">
-                <a:solidFill>
-                  <a:srgbClr val="020302"/>
-                </a:solidFill>
-                <a:latin typeface="Adobe Clean"/>
-                <a:cs typeface="Adobe Clean"/>
-              </a:rPr>
-              <a:t>st</a:t>
-            </a:r>
-            <a:r>
-              <a:rPr lang="en-US" sz="1200" b="1" spc="-15">
-                <a:solidFill>
-                  <a:srgbClr val="020302"/>
-                </a:solidFill>
-                <a:latin typeface="Adobe Clean"/>
-                <a:cs typeface="Adobe Clean"/>
-              </a:rPr>
-              <a:t>o</a:t>
-            </a:r>
-            <a:r>
-              <a:rPr lang="en-US" sz="1200" b="1" spc="-20">
-                <a:solidFill>
-                  <a:srgbClr val="020302"/>
-                </a:solidFill>
-                <a:latin typeface="Adobe Clean"/>
-                <a:cs typeface="Adobe Clean"/>
-              </a:rPr>
-              <a:t>miza</a:t>
-            </a:r>
-            <a:r>
-              <a:rPr lang="en-US" sz="1200" b="1" spc="-25">
-                <a:solidFill>
-                  <a:srgbClr val="020302"/>
-                </a:solidFill>
-                <a:latin typeface="Adobe Clean"/>
-                <a:cs typeface="Adobe Clean"/>
-              </a:rPr>
-              <a:t>t</a:t>
-            </a:r>
-            <a:r>
-              <a:rPr lang="en-US" sz="1200" b="1" spc="-20">
-                <a:solidFill>
-                  <a:srgbClr val="020302"/>
-                </a:solidFill>
-                <a:latin typeface="Adobe Clean"/>
-                <a:cs typeface="Adobe Clean"/>
-              </a:rPr>
-              <a:t>i</a:t>
-            </a:r>
-            <a:r>
-              <a:rPr lang="en-US" sz="1200" b="1" spc="-15">
-                <a:solidFill>
-                  <a:srgbClr val="020302"/>
-                </a:solidFill>
-                <a:latin typeface="Adobe Clean"/>
-                <a:cs typeface="Adobe Clean"/>
-              </a:rPr>
-              <a:t>o</a:t>
-            </a:r>
-            <a:r>
-              <a:rPr lang="en-US" sz="1200" b="1">
-                <a:solidFill>
-                  <a:srgbClr val="020302"/>
-                </a:solidFill>
-                <a:latin typeface="Adobe Clean"/>
-                <a:cs typeface="Adobe Clean"/>
-              </a:rPr>
-              <a:t>n</a:t>
-            </a:r>
-            <a:r>
-              <a:rPr lang="en-US" sz="1200" b="1" spc="-50">
-                <a:solidFill>
-                  <a:srgbClr val="020302"/>
-                </a:solidFill>
-                <a:latin typeface="Adobe Clean"/>
-                <a:cs typeface="Adobe Clean"/>
-              </a:rPr>
-              <a:t> </a:t>
-            </a:r>
-            <a:r>
-              <a:rPr lang="en-US" sz="1200" b="1" spc="-20">
-                <a:solidFill>
-                  <a:srgbClr val="020302"/>
-                </a:solidFill>
-                <a:latin typeface="Adobe Clean"/>
-                <a:cs typeface="Adobe Clean"/>
-              </a:rPr>
-              <a:t>B</a:t>
-            </a:r>
-            <a:r>
-              <a:rPr lang="en-US" sz="1200" b="1" spc="-25">
-                <a:solidFill>
-                  <a:srgbClr val="020302"/>
-                </a:solidFill>
-                <a:latin typeface="Adobe Clean"/>
-                <a:cs typeface="Adobe Clean"/>
-              </a:rPr>
-              <a:t>es</a:t>
-            </a:r>
-            <a:r>
-              <a:rPr lang="en-US" sz="1200" b="1">
-                <a:solidFill>
-                  <a:srgbClr val="020302"/>
-                </a:solidFill>
-                <a:latin typeface="Adobe Clean"/>
-                <a:cs typeface="Adobe Clean"/>
-              </a:rPr>
-              <a:t>t</a:t>
-            </a:r>
-            <a:r>
-              <a:rPr lang="en-US" sz="1200" b="1" spc="-50">
-                <a:solidFill>
-                  <a:srgbClr val="020302"/>
-                </a:solidFill>
-                <a:latin typeface="Adobe Clean"/>
-                <a:cs typeface="Adobe Clean"/>
-              </a:rPr>
-              <a:t> </a:t>
-            </a:r>
-            <a:r>
-              <a:rPr lang="en-US" sz="1200" b="1" spc="-25">
-                <a:solidFill>
-                  <a:srgbClr val="020302"/>
-                </a:solidFill>
-                <a:latin typeface="Adobe Clean"/>
-                <a:cs typeface="Adobe Clean"/>
-              </a:rPr>
-              <a:t>P</a:t>
-            </a:r>
-            <a:r>
-              <a:rPr lang="en-US" sz="1200" b="1" spc="-20">
-                <a:solidFill>
-                  <a:srgbClr val="020302"/>
-                </a:solidFill>
-                <a:latin typeface="Adobe Clean"/>
-                <a:cs typeface="Adobe Clean"/>
-              </a:rPr>
-              <a:t>ra</a:t>
-            </a:r>
-            <a:r>
-              <a:rPr lang="en-US" sz="1200" b="1" spc="-30">
-                <a:solidFill>
-                  <a:srgbClr val="020302"/>
-                </a:solidFill>
-                <a:latin typeface="Adobe Clean"/>
-                <a:cs typeface="Adobe Clean"/>
-              </a:rPr>
-              <a:t>c</a:t>
-            </a:r>
-            <a:r>
-              <a:rPr lang="en-US" sz="1200" b="1" spc="-25">
-                <a:solidFill>
-                  <a:srgbClr val="020302"/>
-                </a:solidFill>
-                <a:latin typeface="Adobe Clean"/>
-                <a:cs typeface="Adobe Clean"/>
-              </a:rPr>
-              <a:t>t</a:t>
-            </a:r>
-            <a:r>
-              <a:rPr lang="en-US" sz="1200" b="1" spc="-20">
-                <a:solidFill>
-                  <a:srgbClr val="020302"/>
-                </a:solidFill>
-                <a:latin typeface="Adobe Clean"/>
-                <a:cs typeface="Adobe Clean"/>
-              </a:rPr>
-              <a:t>i</a:t>
-            </a:r>
-            <a:r>
-              <a:rPr lang="en-US" sz="1200" b="1" spc="-30">
-                <a:solidFill>
-                  <a:srgbClr val="020302"/>
-                </a:solidFill>
-                <a:latin typeface="Adobe Clean"/>
-                <a:cs typeface="Adobe Clean"/>
-              </a:rPr>
-              <a:t>c</a:t>
-            </a:r>
-            <a:r>
-              <a:rPr lang="en-US" sz="1200" b="1" spc="-25">
-                <a:solidFill>
-                  <a:srgbClr val="020302"/>
-                </a:solidFill>
-                <a:latin typeface="Adobe Clean"/>
-                <a:cs typeface="Adobe Clean"/>
-              </a:rPr>
-              <a:t>e</a:t>
-            </a:r>
-            <a:r>
-              <a:rPr lang="en-US" sz="1200" b="1">
-                <a:solidFill>
-                  <a:srgbClr val="020302"/>
-                </a:solidFill>
-                <a:latin typeface="Adobe Clean"/>
-                <a:cs typeface="Adobe Clean"/>
-              </a:rPr>
-              <a:t>s</a:t>
-            </a:r>
-            <a:r>
-              <a:rPr lang="en-US" sz="1200" b="1" spc="-45">
-                <a:solidFill>
-                  <a:srgbClr val="020302"/>
-                </a:solidFill>
-                <a:latin typeface="Adobe Clean"/>
-                <a:cs typeface="Adobe Clean"/>
-              </a:rPr>
-              <a:t> </a:t>
-            </a:r>
-            <a:r>
-              <a:rPr lang="en-US" sz="1200" b="1" spc="-25">
-                <a:solidFill>
-                  <a:srgbClr val="020302"/>
-                </a:solidFill>
-                <a:latin typeface="Adobe Clean"/>
-                <a:cs typeface="Adobe Clean"/>
-              </a:rPr>
-              <a:t>f</a:t>
-            </a:r>
-            <a:r>
-              <a:rPr lang="en-US" sz="1200" b="1" spc="-15">
-                <a:solidFill>
-                  <a:srgbClr val="020302"/>
-                </a:solidFill>
-                <a:latin typeface="Adobe Clean"/>
-                <a:cs typeface="Adobe Clean"/>
-              </a:rPr>
-              <a:t>o</a:t>
-            </a:r>
-            <a:r>
-              <a:rPr lang="en-US" sz="1200" b="1">
-                <a:solidFill>
-                  <a:srgbClr val="020302"/>
-                </a:solidFill>
-                <a:latin typeface="Adobe Clean"/>
-                <a:cs typeface="Adobe Clean"/>
-              </a:rPr>
-              <a:t>r</a:t>
-            </a:r>
-            <a:r>
-              <a:rPr lang="en-US" sz="1200" b="1" spc="-45">
-                <a:solidFill>
-                  <a:srgbClr val="020302"/>
-                </a:solidFill>
-                <a:latin typeface="Adobe Clean"/>
-                <a:cs typeface="Adobe Clean"/>
-              </a:rPr>
-              <a:t> </a:t>
-            </a:r>
-            <a:r>
-              <a:rPr lang="en-US" sz="1200" b="1" spc="-30">
-                <a:solidFill>
-                  <a:srgbClr val="020302"/>
-                </a:solidFill>
-                <a:latin typeface="Adobe Clean"/>
-                <a:cs typeface="Adobe Clean"/>
-              </a:rPr>
-              <a:t>AE</a:t>
-            </a:r>
-            <a:r>
-              <a:rPr lang="en-US" sz="1200" b="1">
-                <a:solidFill>
-                  <a:srgbClr val="020302"/>
-                </a:solidFill>
-                <a:latin typeface="Adobe Clean"/>
-                <a:cs typeface="Adobe Clean"/>
-              </a:rPr>
-              <a:t>M</a:t>
-            </a:r>
-            <a:r>
-              <a:rPr lang="en-US" sz="1200" b="1" spc="-55">
-                <a:solidFill>
-                  <a:srgbClr val="020302"/>
-                </a:solidFill>
-                <a:latin typeface="Adobe Clean"/>
-                <a:cs typeface="Adobe Clean"/>
-              </a:rPr>
-              <a:t> </a:t>
-            </a:r>
-            <a:r>
-              <a:rPr lang="en-US" sz="1200" b="1" spc="-20">
-                <a:solidFill>
-                  <a:srgbClr val="020302"/>
-                </a:solidFill>
-                <a:latin typeface="Adobe Clean"/>
-                <a:cs typeface="Adobe Clean"/>
-              </a:rPr>
-              <a:t>a</a:t>
-            </a:r>
-            <a:r>
-              <a:rPr lang="en-US" sz="1200" b="1">
-                <a:solidFill>
-                  <a:srgbClr val="020302"/>
-                </a:solidFill>
-                <a:latin typeface="Adobe Clean"/>
-                <a:cs typeface="Adobe Clean"/>
-              </a:rPr>
-              <a:t>s</a:t>
-            </a:r>
-            <a:r>
-              <a:rPr lang="en-US" sz="1200" b="1" spc="-45">
-                <a:solidFill>
-                  <a:srgbClr val="020302"/>
-                </a:solidFill>
-                <a:latin typeface="Adobe Clean"/>
-                <a:cs typeface="Adobe Clean"/>
-              </a:rPr>
-              <a:t> </a:t>
-            </a:r>
-            <a:r>
-              <a:rPr lang="en-US" sz="1200" b="1">
-                <a:solidFill>
-                  <a:srgbClr val="020302"/>
-                </a:solidFill>
-                <a:latin typeface="Adobe Clean"/>
-                <a:cs typeface="Adobe Clean"/>
-              </a:rPr>
-              <a:t>a</a:t>
-            </a:r>
-            <a:r>
-              <a:rPr lang="en-US" sz="1200" b="1" spc="-45">
-                <a:solidFill>
-                  <a:srgbClr val="020302"/>
-                </a:solidFill>
-                <a:latin typeface="Adobe Clean"/>
-                <a:cs typeface="Adobe Clean"/>
-              </a:rPr>
-              <a:t> </a:t>
-            </a:r>
-            <a:r>
-              <a:rPr lang="en-US" sz="1200" b="1" spc="-15">
-                <a:solidFill>
-                  <a:srgbClr val="020302"/>
-                </a:solidFill>
-                <a:latin typeface="Adobe Clean"/>
-                <a:cs typeface="Adobe Clean"/>
-              </a:rPr>
-              <a:t>C</a:t>
-            </a:r>
-            <a:r>
-              <a:rPr lang="en-US" sz="1200" b="1" spc="-25">
-                <a:solidFill>
-                  <a:srgbClr val="020302"/>
-                </a:solidFill>
-                <a:latin typeface="Adobe Clean"/>
-                <a:cs typeface="Adobe Clean"/>
-              </a:rPr>
-              <a:t>l</a:t>
-            </a:r>
-            <a:r>
-              <a:rPr lang="en-US" sz="1200" b="1" spc="-15">
-                <a:solidFill>
-                  <a:srgbClr val="020302"/>
-                </a:solidFill>
-                <a:latin typeface="Adobe Clean"/>
-                <a:cs typeface="Adobe Clean"/>
-              </a:rPr>
-              <a:t>o</a:t>
-            </a:r>
-            <a:r>
-              <a:rPr lang="en-US" sz="1200" b="1" spc="-20">
-                <a:solidFill>
-                  <a:srgbClr val="020302"/>
-                </a:solidFill>
-                <a:latin typeface="Adobe Clean"/>
-                <a:cs typeface="Adobe Clean"/>
-              </a:rPr>
-              <a:t>u</a:t>
-            </a:r>
-            <a:r>
-              <a:rPr lang="en-US" sz="1200" b="1">
-                <a:solidFill>
-                  <a:srgbClr val="020302"/>
-                </a:solidFill>
-                <a:latin typeface="Adobe Clean"/>
-                <a:cs typeface="Adobe Clean"/>
-              </a:rPr>
-              <a:t>d</a:t>
-            </a:r>
-            <a:r>
-              <a:rPr lang="en-US" sz="1200" b="1" spc="-50">
-                <a:solidFill>
-                  <a:srgbClr val="020302"/>
-                </a:solidFill>
-                <a:latin typeface="Adobe Clean"/>
-                <a:cs typeface="Adobe Clean"/>
-              </a:rPr>
-              <a:t> </a:t>
-            </a:r>
-            <a:r>
-              <a:rPr lang="en-US" sz="1200" b="1" spc="-20">
-                <a:solidFill>
-                  <a:srgbClr val="020302"/>
-                </a:solidFill>
-                <a:latin typeface="Adobe Clean"/>
-                <a:cs typeface="Adobe Clean"/>
-              </a:rPr>
-              <a:t>S</a:t>
-            </a:r>
-            <a:r>
-              <a:rPr lang="en-US" sz="1200" b="1" spc="-25">
-                <a:solidFill>
-                  <a:srgbClr val="020302"/>
-                </a:solidFill>
-                <a:latin typeface="Adobe Clean"/>
-                <a:cs typeface="Adobe Clean"/>
-              </a:rPr>
-              <a:t>e</a:t>
-            </a:r>
-            <a:r>
-              <a:rPr lang="en-US" sz="1200" b="1" spc="-20">
-                <a:solidFill>
-                  <a:srgbClr val="020302"/>
-                </a:solidFill>
-                <a:latin typeface="Adobe Clean"/>
-                <a:cs typeface="Adobe Clean"/>
-              </a:rPr>
-              <a:t>r</a:t>
-            </a:r>
-            <a:r>
-              <a:rPr lang="en-US" sz="1200" b="1" spc="-30">
-                <a:solidFill>
-                  <a:srgbClr val="020302"/>
-                </a:solidFill>
-                <a:latin typeface="Adobe Clean"/>
-                <a:cs typeface="Adobe Clean"/>
-              </a:rPr>
-              <a:t>v</a:t>
-            </a:r>
-            <a:r>
-              <a:rPr lang="en-US" sz="1200" b="1" spc="-20">
-                <a:solidFill>
-                  <a:srgbClr val="020302"/>
-                </a:solidFill>
-                <a:latin typeface="Adobe Clean"/>
-                <a:cs typeface="Adobe Clean"/>
-              </a:rPr>
-              <a:t>i</a:t>
-            </a:r>
-            <a:r>
-              <a:rPr lang="en-US" sz="1200" b="1" spc="-30">
-                <a:solidFill>
-                  <a:srgbClr val="020302"/>
-                </a:solidFill>
-                <a:latin typeface="Adobe Clean"/>
-                <a:cs typeface="Adobe Clean"/>
-              </a:rPr>
-              <a:t>c</a:t>
-            </a:r>
-            <a:r>
-              <a:rPr lang="en-US" sz="1200" b="1">
-                <a:solidFill>
-                  <a:srgbClr val="020302"/>
-                </a:solidFill>
-                <a:latin typeface="Adobe Clean"/>
-                <a:cs typeface="Adobe Clean"/>
-              </a:rPr>
-              <a:t>e</a:t>
-            </a:r>
-            <a:endParaRPr lang="en-US" sz="1200">
+              <a:t>的自訂最佳實務</a:t>
+            </a:r>
+            <a:endParaRPr lang="en-US" sz="1200" b="1" spc="-25" dirty="0">
+              <a:solidFill>
+                <a:srgbClr val="020302"/>
+              </a:solidFill>
               <a:latin typeface="Adobe Clean"/>
-              <a:cs typeface="Adobe Clean"/>
             </a:endParaRPr>
           </a:p>
         </p:txBody>
@@ -11812,16 +9664,16 @@
               </a:spcBef>
             </a:pPr>
             <a:r>
-              <a:rPr lang="en-US" sz="1200" b="1" spc="-25">
+              <a:rPr lang="de-de" sz="1200" b="1" spc="-25" dirty="0">
                 <a:solidFill>
                   <a:srgbClr val="020302"/>
                 </a:solidFill>
                 <a:latin typeface="Adobe Clean"/>
                 <a:cs typeface="Adobe Clean"/>
               </a:rPr>
-              <a:t>Value-added Services for AEM as a Cloud Service</a:t>
-            </a:r>
-            <a:endParaRPr lang="en-US" sz="1200">
+              <a:t>AEM as a Cloud Service 的增值服務</a:t>
+            </a:r>
+            <a:endParaRPr lang="en-US" sz="1200" dirty="0">
               <a:latin typeface="Adobe Clean"/>
               <a:cs typeface="Adobe Clean"/>
             </a:endParaRPr>
@@ -11843,7 +9695,7 @@
         <p:spPr>
           <a:xfrm>
             <a:off x="381000" y="4438394"/>
-            <a:ext cx="1998943" cy="461665"/>
+            <a:ext cx="2119971" cy="276999"/>
           </a:xfrm>
           <a:prstGeom prst="rect">
             <a:avLst/>
@@ -11856,373 +9708,49 @@
           <a:lstStyle/>
           <a:p>
             <a:pPr marL="12700">
-              <a:lnSpc>
-                <a:spcPct val="100000"/>
-              </a:lnSpc>
               <a:spcBef>
                 <a:spcPts val="100"/>
               </a:spcBef>
             </a:pPr>
             <a:r>
-              <a:rPr lang="en-US" sz="1200" b="1" spc="-20">
+              <a:rPr lang="de-de" sz="1200" b="1" spc="-25" dirty="0">
                 <a:solidFill>
                   <a:srgbClr val="020302"/>
                 </a:solidFill>
                 <a:latin typeface="Adobe Clean"/>
-                <a:cs typeface="Adobe Clean"/>
-              </a:rPr>
-              <a:t>G</a:t>
-            </a:r>
-            <a:r>
-              <a:rPr lang="en-US" sz="1200" b="1" spc="-15">
-                <a:solidFill>
-                  <a:srgbClr val="020302"/>
-                </a:solidFill>
-                <a:latin typeface="Adobe Clean"/>
-                <a:cs typeface="Adobe Clean"/>
-              </a:rPr>
-              <a:t>o</a:t>
-            </a:r>
-            <a:r>
-              <a:rPr lang="en-US" sz="1200" b="1" spc="-25">
-                <a:solidFill>
-                  <a:srgbClr val="020302"/>
-                </a:solidFill>
-                <a:latin typeface="Adobe Clean"/>
-                <a:cs typeface="Adobe Clean"/>
-              </a:rPr>
-              <a:t>ve</a:t>
-            </a:r>
-            <a:r>
-              <a:rPr lang="en-US" sz="1200" b="1" spc="-20">
-                <a:solidFill>
-                  <a:srgbClr val="020302"/>
-                </a:solidFill>
-                <a:latin typeface="Adobe Clean"/>
-                <a:cs typeface="Adobe Clean"/>
-              </a:rPr>
-              <a:t>r</a:t>
-            </a:r>
-            <a:r>
-              <a:rPr lang="en-US" sz="1200" b="1" spc="-25">
-                <a:solidFill>
-                  <a:srgbClr val="020302"/>
-                </a:solidFill>
-                <a:latin typeface="Adobe Clean"/>
-                <a:cs typeface="Adobe Clean"/>
-              </a:rPr>
-              <a:t>n</a:t>
-            </a:r>
-            <a:r>
-              <a:rPr lang="en-US" sz="1200" b="1" spc="-20">
-                <a:solidFill>
-                  <a:srgbClr val="020302"/>
-                </a:solidFill>
-                <a:latin typeface="Adobe Clean"/>
-                <a:cs typeface="Adobe Clean"/>
-              </a:rPr>
-              <a:t>a</a:t>
-            </a:r>
-            <a:r>
-              <a:rPr lang="en-US" sz="1200" b="1" spc="-25">
-                <a:solidFill>
-                  <a:srgbClr val="020302"/>
-                </a:solidFill>
-                <a:latin typeface="Adobe Clean"/>
-                <a:cs typeface="Adobe Clean"/>
-              </a:rPr>
-              <a:t>n</a:t>
-            </a:r>
-            <a:r>
-              <a:rPr lang="en-US" sz="1200" b="1" spc="-30">
-                <a:solidFill>
-                  <a:srgbClr val="020302"/>
-                </a:solidFill>
-                <a:latin typeface="Adobe Clean"/>
-                <a:cs typeface="Adobe Clean"/>
-              </a:rPr>
-              <a:t>c</a:t>
-            </a:r>
-            <a:r>
-              <a:rPr lang="en-US" sz="1200" b="1">
-                <a:solidFill>
-                  <a:srgbClr val="020302"/>
-                </a:solidFill>
-                <a:latin typeface="Adobe Clean"/>
-                <a:cs typeface="Adobe Clean"/>
-              </a:rPr>
-              <a:t>e</a:t>
-            </a:r>
-            <a:r>
-              <a:rPr lang="en-US" sz="1200" b="1" spc="-50">
-                <a:solidFill>
-                  <a:srgbClr val="020302"/>
-                </a:solidFill>
-                <a:latin typeface="Adobe Clean"/>
-                <a:cs typeface="Adobe Clean"/>
               </a:rPr>
               <a:t> </a:t>
             </a:r>
             <a:r>
-              <a:rPr lang="en-US" sz="1200" b="1" spc="-25">
+              <a:rPr lang="pt-BR" altLang="zh-TW" sz="1200" b="1" spc="-25" dirty="0">
                 <a:solidFill>
                   <a:srgbClr val="020302"/>
                 </a:solidFill>
                 <a:latin typeface="Adobe Clean"/>
-                <a:cs typeface="Adobe Clean"/>
               </a:rPr>
-              <a:t>f</a:t>
-            </a:r>
-            <a:r>
-              <a:rPr lang="en-US" sz="1200" b="1" spc="-15">
+              <a:t>AEM as a Cloud Service </a:t>
+            </a:r>
+            <a:r>
+              <a:rPr lang="zh-TW" altLang="pt-BR" sz="1200" b="1" spc="-25" dirty="0">
                 <a:solidFill>
                   <a:srgbClr val="020302"/>
                 </a:solidFill>
                 <a:latin typeface="Adobe Clean"/>
-                <a:cs typeface="Adobe Clean"/>
               </a:rPr>
-              <a:t>o</a:t>
-            </a:r>
-            <a:r>
-              <a:rPr lang="en-US" sz="1200" b="1">
-                <a:solidFill>
-                  <a:srgbClr val="020302"/>
-                </a:solidFill>
-                <a:latin typeface="Adobe Clean"/>
-                <a:cs typeface="Adobe Clean"/>
-              </a:rPr>
-              <a:t>r</a:t>
-            </a:r>
-            <a:r>
-              <a:rPr lang="en-US" sz="1200" b="1" spc="-45">
-                <a:solidFill>
-                  <a:srgbClr val="020302"/>
-                </a:solidFill>
-                <a:latin typeface="Adobe Clean"/>
-                <a:cs typeface="Adobe Clean"/>
-              </a:rPr>
-              <a:t> </a:t>
-            </a:r>
-            <a:r>
-              <a:rPr lang="en-US" sz="1200" b="1" spc="-30">
-                <a:solidFill>
-                  <a:srgbClr val="020302"/>
-                </a:solidFill>
-                <a:latin typeface="Adobe Clean"/>
-                <a:cs typeface="Adobe Clean"/>
-              </a:rPr>
-              <a:t>A</a:t>
-            </a:r>
-            <a:r>
-              <a:rPr lang="en-US" sz="1200" b="1" spc="-25">
-                <a:solidFill>
-                  <a:srgbClr val="020302"/>
-                </a:solidFill>
-                <a:latin typeface="Adobe Clean"/>
-                <a:cs typeface="Adobe Clean"/>
-              </a:rPr>
-              <a:t>E</a:t>
-            </a:r>
-            <a:r>
-              <a:rPr lang="en-US" sz="1200" b="1">
-                <a:solidFill>
-                  <a:srgbClr val="020302"/>
-                </a:solidFill>
-                <a:latin typeface="Adobe Clean"/>
-                <a:cs typeface="Adobe Clean"/>
-              </a:rPr>
-              <a:t>M</a:t>
-            </a:r>
-            <a:r>
-              <a:rPr lang="en-US" sz="1200" b="1" spc="-50">
-                <a:solidFill>
-                  <a:srgbClr val="020302"/>
-                </a:solidFill>
-                <a:latin typeface="Adobe Clean"/>
-                <a:cs typeface="Adobe Clean"/>
-              </a:rPr>
-              <a:t> </a:t>
-            </a:r>
-            <a:r>
-              <a:rPr lang="en-US" sz="1200" b="1" spc="-20">
-                <a:solidFill>
-                  <a:srgbClr val="020302"/>
-                </a:solidFill>
-                <a:latin typeface="Adobe Clean"/>
-                <a:cs typeface="Adobe Clean"/>
-              </a:rPr>
-              <a:t>a</a:t>
-            </a:r>
-            <a:r>
-              <a:rPr lang="en-US" sz="1200" b="1">
-                <a:solidFill>
-                  <a:srgbClr val="020302"/>
-                </a:solidFill>
-                <a:latin typeface="Adobe Clean"/>
-                <a:cs typeface="Adobe Clean"/>
-              </a:rPr>
-              <a:t>s</a:t>
-            </a:r>
-            <a:r>
-              <a:rPr lang="en-US" sz="1200" b="1" spc="-45">
-                <a:solidFill>
-                  <a:srgbClr val="020302"/>
-                </a:solidFill>
-                <a:latin typeface="Adobe Clean"/>
-                <a:cs typeface="Adobe Clean"/>
-              </a:rPr>
-              <a:t> </a:t>
-            </a:r>
-            <a:r>
-              <a:rPr lang="en-US" sz="1200" b="1">
-                <a:solidFill>
-                  <a:srgbClr val="020302"/>
-                </a:solidFill>
-                <a:latin typeface="Adobe Clean"/>
-                <a:cs typeface="Adobe Clean"/>
-              </a:rPr>
-              <a:t>a</a:t>
-            </a:r>
-            <a:r>
-              <a:rPr lang="en-US" sz="1200" b="1" spc="-40">
-                <a:solidFill>
-                  <a:srgbClr val="020302"/>
-                </a:solidFill>
-                <a:latin typeface="Adobe Clean"/>
-                <a:cs typeface="Adobe Clean"/>
-              </a:rPr>
-              <a:t> </a:t>
-            </a:r>
-            <a:r>
-              <a:rPr lang="en-US" sz="1200" b="1" spc="-15">
-                <a:solidFill>
-                  <a:srgbClr val="020302"/>
-                </a:solidFill>
-                <a:latin typeface="Adobe Clean"/>
-                <a:cs typeface="Adobe Clean"/>
-              </a:rPr>
-              <a:t>C</a:t>
-            </a:r>
-            <a:r>
-              <a:rPr lang="en-US" sz="1200" b="1" spc="-25">
-                <a:solidFill>
-                  <a:srgbClr val="020302"/>
-                </a:solidFill>
-                <a:latin typeface="Adobe Clean"/>
-                <a:cs typeface="Adobe Clean"/>
-              </a:rPr>
-              <a:t>l</a:t>
-            </a:r>
-            <a:r>
-              <a:rPr lang="en-US" sz="1200" b="1" spc="-15">
-                <a:solidFill>
-                  <a:srgbClr val="020302"/>
-                </a:solidFill>
-                <a:latin typeface="Adobe Clean"/>
-                <a:cs typeface="Adobe Clean"/>
-              </a:rPr>
-              <a:t>ou</a:t>
-            </a:r>
-            <a:r>
-              <a:rPr lang="en-US" sz="1200" b="1">
-                <a:solidFill>
-                  <a:srgbClr val="020302"/>
-                </a:solidFill>
-                <a:latin typeface="Adobe Clean"/>
-                <a:cs typeface="Adobe Clean"/>
-              </a:rPr>
-              <a:t>d</a:t>
-            </a:r>
-            <a:r>
-              <a:rPr lang="en-US" sz="1200" b="1" spc="-50">
-                <a:solidFill>
-                  <a:srgbClr val="020302"/>
-                </a:solidFill>
-                <a:latin typeface="Adobe Clean"/>
-                <a:cs typeface="Adobe Clean"/>
-              </a:rPr>
-              <a:t> </a:t>
-            </a:r>
-            <a:r>
-              <a:rPr lang="en-US" sz="1200" b="1" spc="-20">
-                <a:solidFill>
-                  <a:srgbClr val="020302"/>
-                </a:solidFill>
-                <a:latin typeface="Adobe Clean"/>
-                <a:cs typeface="Adobe Clean"/>
-              </a:rPr>
-              <a:t>S</a:t>
-            </a:r>
-            <a:r>
-              <a:rPr lang="en-US" sz="1200" b="1" spc="-25">
-                <a:solidFill>
-                  <a:srgbClr val="020302"/>
-                </a:solidFill>
-                <a:latin typeface="Adobe Clean"/>
-                <a:cs typeface="Adobe Clean"/>
-              </a:rPr>
-              <a:t>e</a:t>
-            </a:r>
-            <a:r>
-              <a:rPr lang="en-US" sz="1200" b="1" spc="-20">
-                <a:solidFill>
-                  <a:srgbClr val="020302"/>
-                </a:solidFill>
-                <a:latin typeface="Adobe Clean"/>
-                <a:cs typeface="Adobe Clean"/>
-              </a:rPr>
-              <a:t>r</a:t>
-            </a:r>
-            <a:r>
-              <a:rPr lang="en-US" sz="1200" b="1" spc="-25">
-                <a:solidFill>
-                  <a:srgbClr val="020302"/>
-                </a:solidFill>
-                <a:latin typeface="Adobe Clean"/>
-                <a:cs typeface="Adobe Clean"/>
-              </a:rPr>
-              <a:t>v</a:t>
-            </a:r>
-            <a:r>
-              <a:rPr lang="en-US" sz="1200" b="1" spc="-20">
-                <a:solidFill>
-                  <a:srgbClr val="020302"/>
-                </a:solidFill>
-                <a:latin typeface="Adobe Clean"/>
-                <a:cs typeface="Adobe Clean"/>
-              </a:rPr>
-              <a:t>i</a:t>
-            </a:r>
-            <a:r>
-              <a:rPr lang="en-US" sz="1200" b="1" spc="-30">
-                <a:solidFill>
-                  <a:srgbClr val="020302"/>
-                </a:solidFill>
-                <a:latin typeface="Adobe Clean"/>
-                <a:cs typeface="Adobe Clean"/>
-              </a:rPr>
-              <a:t>c</a:t>
-            </a:r>
-            <a:r>
-              <a:rPr lang="en-US" sz="1200" b="1">
-                <a:solidFill>
-                  <a:srgbClr val="020302"/>
-                </a:solidFill>
-                <a:latin typeface="Adobe Clean"/>
-                <a:cs typeface="Adobe Clean"/>
-              </a:rPr>
-              <a:t>e</a:t>
-            </a:r>
-            <a:endParaRPr lang="en-US" sz="1200">
+              <a:t>的控管</a:t>
+            </a:r>
+            <a:endParaRPr lang="en-US" sz="1200" b="1" spc="-25" dirty="0">
+              <a:solidFill>
+                <a:srgbClr val="020302"/>
+              </a:solidFill>
               <a:latin typeface="Adobe Clean"/>
-              <a:cs typeface="Adobe Clean"/>
             </a:endParaRPr>
           </a:p>
         </p:txBody>
       </p:sp>
       <p:pic>
         <p:nvPicPr>
-          <p:cNvPr id="151" name="Graphic 150" descr="Director's Chair outline">
+          <p:cNvPr id="151" name="Graphic 150" descr="Director's Chair 大綱">
             <a:extLst>
               <a:ext uri="{FF2B5EF4-FFF2-40B4-BE49-F238E27FC236}">
                 <a16:creationId xmlns:a16="http://schemas.microsoft.com/office/drawing/2014/main" id="{921858E2-75CF-3B40-8734-4CE41782FC9B}"/>
@@ -12261,7 +9789,7 @@
       </p:pic>
       <p:pic>
         <p:nvPicPr>
-          <p:cNvPr id="153" name="Graphic 152" descr="Rating 3 Star with solid fill">
+          <p:cNvPr id="153" name="Graphic 152" descr="評等 3 個星 (實心)">
             <a:extLst>
               <a:ext uri="{FF2B5EF4-FFF2-40B4-BE49-F238E27FC236}">
                 <a16:creationId xmlns:a16="http://schemas.microsoft.com/office/drawing/2014/main" id="{D5B000DA-4203-6A40-88BA-0E899DF2822C}"/>
@@ -12334,94 +9862,14 @@
               </a:spcBef>
             </a:pPr>
             <a:r>
-              <a:rPr lang="en-US" sz="1200" b="1" spc="-20">
+              <a:rPr lang="de-de" sz="1200" b="1" spc="-20">
                 <a:solidFill>
                   <a:srgbClr val="020302"/>
                 </a:solidFill>
                 <a:latin typeface="Adobe Clean"/>
                 <a:cs typeface="Adobe Clean"/>
               </a:rPr>
-              <a:t>Cas</a:t>
-            </a:r>
-            <a:r>
-              <a:rPr sz="1200" b="1">
-                <a:solidFill>
-                  <a:srgbClr val="020302"/>
-                </a:solidFill>
-                <a:latin typeface="Adobe Clean"/>
-                <a:cs typeface="Adobe Clean"/>
-              </a:rPr>
-              <a:t>e</a:t>
-            </a:r>
-            <a:r>
-              <a:rPr sz="1200" b="1" spc="-80">
-                <a:solidFill>
-                  <a:srgbClr val="020302"/>
-                </a:solidFill>
-                <a:latin typeface="Adobe Clean"/>
-                <a:cs typeface="Adobe Clean"/>
-              </a:rPr>
-              <a:t> </a:t>
-            </a:r>
-            <a:r>
-              <a:rPr sz="1200" b="1" spc="-20">
-                <a:solidFill>
-                  <a:srgbClr val="020302"/>
-                </a:solidFill>
-                <a:latin typeface="Adobe Clean"/>
-                <a:cs typeface="Adobe Clean"/>
-              </a:rPr>
-              <a:t>R</a:t>
-            </a:r>
-            <a:r>
-              <a:rPr sz="1200" b="1" spc="-25">
-                <a:solidFill>
-                  <a:srgbClr val="020302"/>
-                </a:solidFill>
-                <a:latin typeface="Adobe Clean"/>
-                <a:cs typeface="Adobe Clean"/>
-              </a:rPr>
-              <a:t>e</a:t>
-            </a:r>
-            <a:r>
-              <a:rPr sz="1200" b="1" spc="-30">
-                <a:solidFill>
-                  <a:srgbClr val="020302"/>
-                </a:solidFill>
-                <a:latin typeface="Adobe Clean"/>
-                <a:cs typeface="Adobe Clean"/>
-              </a:rPr>
-              <a:t>v</a:t>
-            </a:r>
-            <a:r>
-              <a:rPr sz="1200" b="1" spc="-20">
-                <a:solidFill>
-                  <a:srgbClr val="020302"/>
-                </a:solidFill>
-                <a:latin typeface="Adobe Clean"/>
-                <a:cs typeface="Adobe Clean"/>
-              </a:rPr>
-              <a:t>i</a:t>
-            </a:r>
-            <a:r>
-              <a:rPr sz="1200" b="1" spc="-25">
-                <a:solidFill>
-                  <a:srgbClr val="020302"/>
-                </a:solidFill>
-                <a:latin typeface="Adobe Clean"/>
-                <a:cs typeface="Adobe Clean"/>
-              </a:rPr>
-              <a:t>ew</a:t>
-            </a:r>
-            <a:r>
-              <a:rPr sz="1200" b="1">
-                <a:solidFill>
-                  <a:srgbClr val="020302"/>
-                </a:solidFill>
-                <a:latin typeface="Adobe Clean"/>
-                <a:cs typeface="Adobe Clean"/>
-              </a:rPr>
-              <a:t>s</a:t>
+              <a:t>案件審查</a:t>
             </a:r>
             <a:endParaRPr sz="1200">
               <a:latin typeface="Adobe Clean"/>
@@ -12432,7 +9880,7 @@
       </p:sp>
       <p:pic>
         <p:nvPicPr>
-          <p:cNvPr id="5" name="Graphic 4" descr="Customer review outline">
+          <p:cNvPr id="5" name="Graphic 4" descr="客戶審查大綱">
             <a:extLst>
               <a:ext uri="{FF2B5EF4-FFF2-40B4-BE49-F238E27FC236}">
                 <a16:creationId xmlns:a16="http://schemas.microsoft.com/office/drawing/2014/main" id="{8CCEB8E9-4EDC-FD45-900B-6151B8F604B7}"/>
@@ -12505,13 +9953,13 @@
               </a:spcBef>
             </a:pPr>
             <a:r>
-              <a:rPr lang="en-US" sz="1000">
+              <a:rPr lang="de-de" sz="1000">
                 <a:solidFill>
                   <a:srgbClr val="4B4B4B"/>
                 </a:solidFill>
                 <a:latin typeface="Adobe Clean Light" panose="020B0303020404020204" pitchFamily="34" charset="0"/>
               </a:rPr>
-              <a:t>Regular scheduled review of open support requests, ensuring customer alignment on case description, business impact, status, priority and agreement on next steps required to ensure an expedient resolution.</a:t>
+              <a:t>定期審查未解決的支援請求，以確保客戶在案件描述、業務影響、狀態、優先順序及確保快速解決所需的後續步驟方面都達成一致。</a:t>
             </a:r>
             <a:endParaRPr sz="1000">
               <a:latin typeface="Adobe Clean Light" panose="020B0303020404020204" pitchFamily="34" charset="0"/>
@@ -12556,14 +10004,14 @@
               </a:spcBef>
             </a:pPr>
             <a:r>
-              <a:rPr lang="en-US" sz="1400" b="1" spc="-10">
+              <a:rPr lang="de-de" sz="1400" b="1" spc="-10">
                 <a:solidFill>
                   <a:srgbClr val="020302"/>
                 </a:solidFill>
                 <a:latin typeface="Adobe Clean"/>
                 <a:cs typeface="Adobe Clean"/>
               </a:rPr>
-              <a:t>Cloud Support Activities - AEM</a:t>
+              <a:t>雲端支援活動 - AEM</a:t>
             </a:r>
             <a:endParaRPr lang="en-US" sz="1400">
               <a:latin typeface="Adobe Clean"/>
@@ -12622,7 +10070,7 @@
       </p:sp>
       <p:pic>
         <p:nvPicPr>
-          <p:cNvPr id="9" name="Graphic 8" descr="Syncing cloud outline">
+          <p:cNvPr id="9" name="Graphic 8" descr="同步雲端大綱">
             <a:extLst>
               <a:ext uri="{FF2B5EF4-FFF2-40B4-BE49-F238E27FC236}">
                 <a16:creationId xmlns:a16="http://schemas.microsoft.com/office/drawing/2014/main" id="{ABD4F6D3-5974-B843-8E65-3F7D52C02A1E}"/>
@@ -12661,7 +10109,7 @@
       </p:pic>
       <p:pic>
         <p:nvPicPr>
-          <p:cNvPr id="67" name="Graphic 66" descr="Speaker phone outline">
+          <p:cNvPr id="67" name="Graphic 66" descr="揚聲器大綱">
             <a:extLst>
               <a:ext uri="{FF2B5EF4-FFF2-40B4-BE49-F238E27FC236}">
                 <a16:creationId xmlns:a16="http://schemas.microsoft.com/office/drawing/2014/main" id="{9CF25698-88B0-EB4D-88EB-74AEDE37DB92}"/>
@@ -12700,7 +10148,7 @@
       </p:pic>
       <p:pic>
         <p:nvPicPr>
-          <p:cNvPr id="70" name="Graphic 69" descr="Remote learning language outline">
+          <p:cNvPr id="70" name="Graphic 69" descr="遠端學習語言大綱">
             <a:extLst>
               <a:ext uri="{FF2B5EF4-FFF2-40B4-BE49-F238E27FC236}">
                 <a16:creationId xmlns:a16="http://schemas.microsoft.com/office/drawing/2014/main" id="{AAC2DE22-688A-D04D-BBF0-41B971602471}"/>
@@ -12739,7 +10187,7 @@
       </p:pic>
       <p:pic>
         <p:nvPicPr>
-          <p:cNvPr id="72" name="Graphic 71" descr="Customer review outline">
+          <p:cNvPr id="72" name="Graphic 71" descr="客戶審查大綱">
             <a:extLst>
               <a:ext uri="{FF2B5EF4-FFF2-40B4-BE49-F238E27FC236}">
                 <a16:creationId xmlns:a16="http://schemas.microsoft.com/office/drawing/2014/main" id="{21B3E732-0813-BE43-B793-4BD9034C6B18}"/>
@@ -12778,7 +10226,7 @@
       </p:pic>
       <p:pic>
         <p:nvPicPr>
-          <p:cNvPr id="73" name="Graphic 72" descr="Signpost outline">
+          <p:cNvPr id="73" name="Graphic 72" descr="路標大綱">
             <a:extLst>
               <a:ext uri="{FF2B5EF4-FFF2-40B4-BE49-F238E27FC236}">
                 <a16:creationId xmlns:a16="http://schemas.microsoft.com/office/drawing/2014/main" id="{1F982738-B503-9740-BDCB-05ED93867DE3}"/>
@@ -12817,7 +10265,7 @@
       </p:pic>
       <p:pic>
         <p:nvPicPr>
-          <p:cNvPr id="76" name="Graphic 75" descr="Internet outline">
+          <p:cNvPr id="76" name="Graphic 75" descr="網際網路大綱">
             <a:extLst>
               <a:ext uri="{FF2B5EF4-FFF2-40B4-BE49-F238E27FC236}">
                 <a16:creationId xmlns:a16="http://schemas.microsoft.com/office/drawing/2014/main" id="{F6C8836B-077B-BC4F-9C12-02BE56023684}"/>
@@ -12856,7 +10304,7 @@
       </p:pic>
       <p:pic>
         <p:nvPicPr>
-          <p:cNvPr id="77" name="Graphic 76" descr="Chat bubble outline">
+          <p:cNvPr id="77" name="Graphic 76" descr="聊天泡泡大綱">
             <a:extLst>
               <a:ext uri="{FF2B5EF4-FFF2-40B4-BE49-F238E27FC236}">
                 <a16:creationId xmlns:a16="http://schemas.microsoft.com/office/drawing/2014/main" id="{B6F9981D-CBCE-514B-8F7F-0F0CAFEDBE44}"/>
@@ -12895,7 +10343,7 @@
       </p:pic>
       <p:pic>
         <p:nvPicPr>
-          <p:cNvPr id="78" name="Graphic 77" descr="Playbook outline">
+          <p:cNvPr id="78" name="Graphic 77" descr="Playbook 大綱">
             <a:extLst>
               <a:ext uri="{FF2B5EF4-FFF2-40B4-BE49-F238E27FC236}">
                 <a16:creationId xmlns:a16="http://schemas.microsoft.com/office/drawing/2014/main" id="{C027C0A6-1CBA-8A4F-819C-F6A9FD0038FD}"/>
@@ -13056,7 +10504,7 @@
         </p:nvGrpSpPr>
         <p:grpSpPr>
           <a:xfrm rot="5400000">
-            <a:off x="1154159" y="-868525"/>
+            <a:off x="1134964" y="-868526"/>
             <a:ext cx="5661921" cy="7931849"/>
             <a:chOff x="-247019" y="421767"/>
             <a:chExt cx="3875281" cy="7641336"/>
@@ -13447,37 +10895,27 @@
               </a:lnSpc>
             </a:pPr>
             <a:r>
-              <a:rPr sz="800" spc="-10">
+              <a:rPr lang="de-de" sz="800" spc="-10">
                 <a:solidFill>
                   <a:srgbClr val="6D6D6D"/>
                 </a:solidFill>
                 <a:latin typeface="Adobe Clean"/>
                 <a:cs typeface="Adobe Clean"/>
               </a:rPr>
-              <a:t>©202</a:t>
-            </a:r>
-            <a:r>
-              <a:rPr lang="en-US" sz="800" spc="-10">
+              <a:t>©2021</a:t>
+            </a:r>
+            <a:r>
+              <a:rPr lang="de-de" sz="800" spc="-5">
                 <a:solidFill>
                   <a:srgbClr val="6D6D6D"/>
                 </a:solidFill>
                 <a:latin typeface="Adobe Clean"/>
                 <a:cs typeface="Adobe Clean"/>
               </a:rPr>
-              <a:t>1</a:t>
-            </a:r>
-            <a:r>
-              <a:rPr sz="800" spc="-5">
-                <a:solidFill>
-                  <a:srgbClr val="6D6D6D"/>
-                </a:solidFill>
-                <a:latin typeface="Adobe Clean"/>
-                <a:cs typeface="Adobe Clean"/>
-              </a:rPr>
-              <a:t> Adobe. All</a:t>
-            </a:r>
-            <a:r>
-              <a:rPr sz="800" spc="-15">
+              <a:t> Adobe。All</a:t>
+            </a:r>
+            <a:r>
+              <a:rPr lang="de-de" sz="800" spc="-15">
                 <a:solidFill>
                   <a:srgbClr val="6D6D6D"/>
                 </a:solidFill>
@@ -13487,7 +10925,7 @@
               <a:t> </a:t>
             </a:r>
             <a:r>
-              <a:rPr sz="800" spc="-10">
+              <a:rPr lang="de-de" sz="800" spc="-10">
                 <a:solidFill>
                   <a:srgbClr val="6D6D6D"/>
                 </a:solidFill>
@@ -13497,7 +10935,7 @@
               <a:t>Rights</a:t>
             </a:r>
             <a:r>
-              <a:rPr sz="800" spc="-5">
+              <a:rPr lang="de-de" sz="800" spc="-5">
                 <a:solidFill>
                   <a:srgbClr val="6D6D6D"/>
                 </a:solidFill>
@@ -13507,27 +10945,27 @@
               <a:t> </a:t>
             </a:r>
             <a:r>
-              <a:rPr sz="800" spc="-10">
+              <a:rPr lang="de-de" sz="800" spc="-10">
                 <a:solidFill>
                   <a:srgbClr val="6D6D6D"/>
                 </a:solidFill>
                 <a:latin typeface="Adobe Clean"/>
                 <a:cs typeface="Adobe Clean"/>
               </a:rPr>
-              <a:t>Reserved.</a:t>
-            </a:r>
-            <a:r>
-              <a:rPr sz="800" spc="-5">
+              <a:t>Reserved。</a:t>
+            </a:r>
+            <a:r>
+              <a:rPr lang="de-de" sz="800" spc="-5">
                 <a:solidFill>
                   <a:srgbClr val="6D6D6D"/>
                 </a:solidFill>
                 <a:latin typeface="Adobe Clean"/>
                 <a:cs typeface="Adobe Clean"/>
               </a:rPr>
-              <a:t> Adobe</a:t>
-            </a:r>
-            <a:r>
-              <a:rPr sz="800" spc="75">
+              <a:t>Adobe</a:t>
+            </a:r>
+            <a:r>
+              <a:rPr lang="de-de" sz="800" spc="75">
                 <a:solidFill>
                   <a:srgbClr val="6D6D6D"/>
                 </a:solidFill>
@@ -13537,14 +10975,14 @@
               <a:t> </a:t>
             </a:r>
             <a:r>
-              <a:rPr sz="800" spc="-10">
+              <a:rPr lang="de-de" sz="800" spc="-10">
                 <a:solidFill>
                   <a:srgbClr val="6D6D6D"/>
                 </a:solidFill>
                 <a:latin typeface="Adobe Clean"/>
                 <a:cs typeface="Adobe Clean"/>
               </a:rPr>
-              <a:t>Confidential.</a:t>
+              <a:t>機密資訊。</a:t>
             </a:r>
             <a:endParaRPr sz="800">
               <a:latin typeface="Adobe Clean"/>
@@ -13603,7 +11041,7 @@
         </p:nvSpPr>
         <p:spPr>
           <a:xfrm>
-            <a:off x="4843270" y="589788"/>
+            <a:off x="4440314" y="589788"/>
             <a:ext cx="2588260" cy="228268"/>
           </a:xfrm>
           <a:prstGeom prst="rect">
@@ -13616,7 +11054,7 @@
           </a:bodyPr>
           <a:lstStyle/>
           <a:p>
-            <a:pPr marL="12700">
+            <a:pPr marL="12700" algn="ctr">
               <a:lnSpc>
                 <a:spcPct val="100000"/>
               </a:lnSpc>
@@ -13625,47 +11063,17 @@
               </a:spcBef>
             </a:pPr>
             <a:r>
-              <a:rPr sz="1400" b="1" spc="-25">
+              <a:rPr lang="de-de" sz="1400" b="1" spc="-25" dirty="0" err="1">
                 <a:solidFill>
                   <a:srgbClr val="020302"/>
                 </a:solidFill>
                 <a:latin typeface="Adobe Clean"/>
                 <a:cs typeface="Adobe Clean"/>
               </a:rPr>
-              <a:t>Fi</a:t>
-            </a:r>
-            <a:r>
-              <a:rPr sz="1400" b="1" spc="-30">
-                <a:solidFill>
-                  <a:srgbClr val="020302"/>
-                </a:solidFill>
-                <a:latin typeface="Adobe Clean"/>
-                <a:cs typeface="Adobe Clean"/>
-              </a:rPr>
-              <a:t>e</a:t>
-            </a:r>
-            <a:r>
-              <a:rPr sz="1400" b="1" spc="-25">
-                <a:solidFill>
-                  <a:srgbClr val="020302"/>
-                </a:solidFill>
-                <a:latin typeface="Adobe Clean"/>
-                <a:cs typeface="Adobe Clean"/>
-              </a:rPr>
-              <a:t>l</a:t>
-            </a:r>
-            <a:r>
-              <a:rPr sz="1400" b="1">
-                <a:solidFill>
-                  <a:srgbClr val="020302"/>
-                </a:solidFill>
-                <a:latin typeface="Adobe Clean"/>
-                <a:cs typeface="Adobe Clean"/>
-              </a:rPr>
-              <a:t>d</a:t>
-            </a:r>
-            <a:r>
-              <a:rPr sz="1400" b="1" spc="-45">
+              <a:t>現場服務活動</a:t>
+            </a:r>
+            <a:r>
+              <a:rPr lang="de-de" sz="1400" b="1" spc="-190" dirty="0">
                 <a:solidFill>
                   <a:srgbClr val="020302"/>
                 </a:solidFill>
@@ -13674,127 +11082,7 @@
               </a:rPr>
               <a:t> </a:t>
             </a:r>
-            <a:r>
-              <a:rPr sz="1400" b="1" spc="20">
-                <a:solidFill>
-                  <a:srgbClr val="020302"/>
-                </a:solidFill>
-                <a:latin typeface="Adobe Clean"/>
-                <a:cs typeface="Adobe Clean"/>
-              </a:rPr>
-              <a:t>S</a:t>
-            </a:r>
-            <a:r>
-              <a:rPr sz="1400" b="1" spc="10">
-                <a:solidFill>
-                  <a:srgbClr val="020302"/>
-                </a:solidFill>
-                <a:latin typeface="Adobe Clean"/>
-                <a:cs typeface="Adobe Clean"/>
-              </a:rPr>
-              <a:t>e</a:t>
-            </a:r>
-            <a:r>
-              <a:rPr sz="1400" b="1" spc="15">
-                <a:solidFill>
-                  <a:srgbClr val="020302"/>
-                </a:solidFill>
-                <a:latin typeface="Adobe Clean"/>
-                <a:cs typeface="Adobe Clean"/>
-              </a:rPr>
-              <a:t>rvi</a:t>
-            </a:r>
-            <a:r>
-              <a:rPr sz="1400" b="1" spc="10">
-                <a:solidFill>
-                  <a:srgbClr val="020302"/>
-                </a:solidFill>
-                <a:latin typeface="Adobe Clean"/>
-                <a:cs typeface="Adobe Clean"/>
-              </a:rPr>
-              <a:t>c</a:t>
-            </a:r>
-            <a:r>
-              <a:rPr sz="1400" b="1">
-                <a:solidFill>
-                  <a:srgbClr val="020302"/>
-                </a:solidFill>
-                <a:latin typeface="Adobe Clean"/>
-                <a:cs typeface="Adobe Clean"/>
-              </a:rPr>
-              <a:t>e</a:t>
-            </a:r>
-            <a:r>
-              <a:rPr sz="1400" b="1" spc="-190">
-                <a:solidFill>
-                  <a:srgbClr val="020302"/>
-                </a:solidFill>
-                <a:latin typeface="Adobe Clean"/>
-                <a:cs typeface="Adobe Clean"/>
-              </a:rPr>
-              <a:t> </a:t>
-            </a:r>
-            <a:r>
-              <a:rPr sz="1400" b="1" spc="5">
-                <a:solidFill>
-                  <a:srgbClr val="020302"/>
-                </a:solidFill>
-                <a:latin typeface="Adobe Clean"/>
-                <a:cs typeface="Adobe Clean"/>
-              </a:rPr>
-              <a:t>A</a:t>
-            </a:r>
-            <a:r>
-              <a:rPr sz="1400" b="1">
-                <a:solidFill>
-                  <a:srgbClr val="020302"/>
-                </a:solidFill>
-                <a:latin typeface="Adobe Clean"/>
-                <a:cs typeface="Adobe Clean"/>
-              </a:rPr>
-              <a:t>ct</a:t>
-            </a:r>
-            <a:r>
-              <a:rPr sz="1400" b="1" spc="5">
-                <a:solidFill>
-                  <a:srgbClr val="020302"/>
-                </a:solidFill>
-                <a:latin typeface="Adobe Clean"/>
-                <a:cs typeface="Adobe Clean"/>
-              </a:rPr>
-              <a:t>ivi</a:t>
-            </a:r>
-            <a:r>
-              <a:rPr sz="1400" b="1">
-                <a:solidFill>
-                  <a:srgbClr val="020302"/>
-                </a:solidFill>
-                <a:latin typeface="Adobe Clean"/>
-                <a:cs typeface="Adobe Clean"/>
-              </a:rPr>
-              <a:t>t</a:t>
-            </a:r>
-            <a:r>
-              <a:rPr sz="1400" b="1" spc="5">
-                <a:solidFill>
-                  <a:srgbClr val="020302"/>
-                </a:solidFill>
-                <a:latin typeface="Adobe Clean"/>
-                <a:cs typeface="Adobe Clean"/>
-              </a:rPr>
-              <a:t>i</a:t>
-            </a:r>
-            <a:r>
-              <a:rPr sz="1400" b="1">
-                <a:solidFill>
-                  <a:srgbClr val="020302"/>
-                </a:solidFill>
-                <a:latin typeface="Adobe Clean"/>
-                <a:cs typeface="Adobe Clean"/>
-              </a:rPr>
-              <a:t>es</a:t>
-            </a:r>
-            <a:endParaRPr sz="1400">
+            <a:endParaRPr sz="1400" dirty="0">
               <a:latin typeface="Adobe Clean"/>
               <a:cs typeface="Adobe Clean"/>
             </a:endParaRPr>
@@ -13809,7 +11097,7 @@
         </p:nvSpPr>
         <p:spPr>
           <a:xfrm>
-            <a:off x="914399" y="589788"/>
+            <a:off x="588933" y="589788"/>
             <a:ext cx="1937004" cy="228268"/>
           </a:xfrm>
           <a:prstGeom prst="rect">
@@ -13822,7 +11110,7 @@
           </a:bodyPr>
           <a:lstStyle/>
           <a:p>
-            <a:pPr marL="12700">
+            <a:pPr marL="12700" algn="ctr">
               <a:lnSpc>
                 <a:spcPct val="100000"/>
               </a:lnSpc>
@@ -13831,96 +11119,16 @@
               </a:spcBef>
             </a:pPr>
             <a:r>
-              <a:rPr sz="1400" b="1" spc="-20">
+              <a:rPr lang="de-de" sz="1400" b="1" spc="-20" dirty="0" err="1">
                 <a:solidFill>
                   <a:srgbClr val="020302"/>
                 </a:solidFill>
                 <a:latin typeface="Adobe Clean"/>
                 <a:cs typeface="Adobe Clean"/>
               </a:rPr>
-              <a:t>L</a:t>
-            </a:r>
-            <a:r>
-              <a:rPr sz="1400" b="1" spc="-10">
-                <a:solidFill>
-                  <a:srgbClr val="020302"/>
-                </a:solidFill>
-                <a:latin typeface="Adobe Clean"/>
-                <a:cs typeface="Adobe Clean"/>
-              </a:rPr>
-              <a:t>a</a:t>
-            </a:r>
-            <a:r>
-              <a:rPr sz="1400" b="1" spc="-15">
-                <a:solidFill>
-                  <a:srgbClr val="020302"/>
-                </a:solidFill>
-                <a:latin typeface="Adobe Clean"/>
-                <a:cs typeface="Adobe Clean"/>
-              </a:rPr>
-              <a:t>un</a:t>
-            </a:r>
-            <a:r>
-              <a:rPr sz="1400" b="1" spc="-20">
-                <a:solidFill>
-                  <a:srgbClr val="020302"/>
-                </a:solidFill>
-                <a:latin typeface="Adobe Clean"/>
-                <a:cs typeface="Adobe Clean"/>
-              </a:rPr>
-              <a:t>c</a:t>
-            </a:r>
-            <a:r>
-              <a:rPr sz="1400" b="1">
-                <a:solidFill>
-                  <a:srgbClr val="020302"/>
-                </a:solidFill>
-                <a:latin typeface="Adobe Clean"/>
-                <a:cs typeface="Adobe Clean"/>
-              </a:rPr>
-              <a:t>h</a:t>
-            </a:r>
-            <a:r>
-              <a:rPr sz="1400" b="1" spc="-30">
-                <a:solidFill>
-                  <a:srgbClr val="020302"/>
-                </a:solidFill>
-                <a:latin typeface="Adobe Clean"/>
-                <a:cs typeface="Adobe Clean"/>
-              </a:rPr>
-              <a:t> </a:t>
-            </a:r>
-            <a:r>
-              <a:rPr sz="1400" b="1" spc="-10">
-                <a:solidFill>
-                  <a:srgbClr val="020302"/>
-                </a:solidFill>
-                <a:latin typeface="Adobe Clean"/>
-                <a:cs typeface="Adobe Clean"/>
-              </a:rPr>
-              <a:t>Advisor</a:t>
-            </a:r>
-            <a:r>
-              <a:rPr sz="1400" b="1">
-                <a:solidFill>
-                  <a:srgbClr val="020302"/>
-                </a:solidFill>
-                <a:latin typeface="Adobe Clean"/>
-                <a:cs typeface="Adobe Clean"/>
-              </a:rPr>
-              <a:t>y</a:t>
-            </a:r>
-            <a:r>
-              <a:rPr sz="1400" b="1" spc="-60">
-                <a:solidFill>
-                  <a:srgbClr val="020302"/>
-                </a:solidFill>
-                <a:latin typeface="Adobe Clean"/>
-                <a:cs typeface="Adobe Clean"/>
-              </a:rPr>
-              <a:t> </a:t>
-            </a:r>
-            <a:endParaRPr sz="1400">
+              <a:t>上市諮詢</a:t>
+            </a:r>
+            <a:endParaRPr sz="1400" dirty="0">
               <a:latin typeface="Adobe Clean"/>
               <a:cs typeface="Adobe Clean"/>
             </a:endParaRPr>
@@ -13954,108 +11162,36 @@
               </a:spcBef>
             </a:pPr>
             <a:r>
-              <a:rPr lang="en-US" sz="1000">
+              <a:rPr lang="de-de" sz="1000">
                 <a:solidFill>
                   <a:srgbClr val="1F1F1F"/>
                 </a:solidFill>
                 <a:latin typeface="AdobeClean-Light"/>
                 <a:cs typeface="AdobeClean-Light"/>
               </a:rPr>
-              <a:t>For customers </a:t>
-            </a:r>
-            <a:r>
-              <a:rPr sz="1000">
-                <a:solidFill>
-                  <a:srgbClr val="1F1F1F"/>
-                </a:solidFill>
-                <a:latin typeface="AdobeClean-Light"/>
-                <a:cs typeface="AdobeClean-Light"/>
-              </a:rPr>
-              <a:t>implementing a </a:t>
-            </a:r>
-            <a:r>
-              <a:rPr sz="1000" b="1">
+              <a:t>對於正在實作新的</a:t>
+            </a:r>
+            <a:r>
+              <a:rPr lang="de-de" sz="1000" b="1">
                 <a:solidFill>
                   <a:srgbClr val="1F1F1F"/>
                 </a:solidFill>
                 <a:latin typeface="Adobe Clean"/>
                 <a:cs typeface="Adobe Clean"/>
               </a:rPr>
-              <a:t>new Adobe Experience Cloud solution</a:t>
-            </a:r>
-            <a:r>
-              <a:rPr lang="en-US" sz="1000" b="1">
-                <a:solidFill>
-                  <a:srgbClr val="1F1F1F"/>
-                </a:solidFill>
-                <a:latin typeface="Adobe Clean"/>
-                <a:cs typeface="Adobe Clean"/>
-              </a:rPr>
-              <a:t>, </a:t>
-            </a:r>
-            <a:r>
-              <a:rPr lang="en-US" sz="1000">
-                <a:latin typeface="Adobe Clean Light" charset="0"/>
-                <a:ea typeface="Adobe Clean Light" charset="0"/>
-                <a:cs typeface="Adobe Clean Light" charset="0"/>
-              </a:rPr>
-              <a:t>Launch Advisory </a:t>
-            </a:r>
-            <a:r>
-              <a:rPr lang="en-US" sz="1000">
-                <a:solidFill>
-                  <a:srgbClr val="000000"/>
-                </a:solidFill>
-                <a:latin typeface="Adobe Clean SemiLight" panose="020B0403020404020204" pitchFamily="34" charset="0"/>
-              </a:rPr>
-              <a:t>is a </a:t>
-            </a:r>
-            <a:r>
-              <a:rPr lang="en-US" sz="1000" b="1">
-                <a:solidFill>
-                  <a:srgbClr val="000000"/>
-                </a:solidFill>
-                <a:latin typeface="Adobe Clean SemiLight" panose="020B0403020404020204" pitchFamily="34" charset="0"/>
-              </a:rPr>
-              <a:t>core set of advisory services </a:t>
-            </a:r>
-            <a:r>
-              <a:rPr lang="en-US" sz="1000">
-                <a:latin typeface="Adobe Clean Light" charset="0"/>
-                <a:ea typeface="Adobe Clean Light" charset="0"/>
-                <a:cs typeface="Adobe Clean Light" charset="0"/>
-              </a:rPr>
-              <a:t>and recommendations that </a:t>
-            </a:r>
-            <a:r>
-              <a:rPr lang="en-US" sz="1000">
+              <a:t> Adobe Experience Cloud 解決方案的客戶，</a:t>
+            </a:r>
+            <a:r>
+              <a:rPr lang="de-de" sz="1000" b="1">
                 <a:latin typeface="Adobe Clean Light" charset="0"/>
               </a:rPr>
-              <a:t>are proven to </a:t>
-            </a:r>
-            <a:r>
-              <a:rPr lang="en-US" sz="1000" b="1">
+              <a:t>上市諮詢服務是一組核心諮詢服務與建議，這些服務與建議已被證明可支援成功部署及加快實現價值</a:t>
+            </a:r>
+            <a:r>
+              <a:rPr lang="de-de" sz="1000">
                 <a:latin typeface="Adobe Clean Light" charset="0"/>
               </a:rPr>
-              <a:t>support successful deployments </a:t>
-            </a:r>
-            <a:r>
-              <a:rPr lang="en-US" sz="1000">
-                <a:latin typeface="Adobe Clean Light" charset="0"/>
-              </a:rPr>
-              <a:t>and </a:t>
-            </a:r>
-            <a:r>
-              <a:rPr lang="en-US" sz="1000" b="1">
-                <a:latin typeface="Adobe Clean Light" charset="0"/>
-              </a:rPr>
-              <a:t>accelerate time-to-value</a:t>
-            </a:r>
-            <a:r>
-              <a:rPr lang="en-US" sz="1000">
-                <a:latin typeface="Adobe Clean Light" charset="0"/>
-              </a:rPr>
-              <a:t>.</a:t>
+              <a:t>。</a:t>
             </a:r>
           </a:p>
         </p:txBody>
@@ -14114,67 +11250,58 @@
               </a:spcBef>
             </a:pPr>
             <a:r>
-              <a:rPr lang="en-US" sz="1000">
+              <a:rPr lang="de-de" sz="1000">
                 <a:solidFill>
                   <a:srgbClr val="4B4B4B"/>
                 </a:solidFill>
                 <a:latin typeface="Adobe Clean Light" panose="020B0303020404020204" pitchFamily="34" charset="0"/>
               </a:rPr>
-              <a:t>Field Services are used for </a:t>
-            </a:r>
-            <a:r>
-              <a:rPr lang="en-US" sz="1000" b="1">
+              <a:t>現場服務是用於</a:t>
+            </a:r>
+            <a:r>
+              <a:rPr lang="de-de" sz="1000" b="1">
                 <a:solidFill>
                   <a:srgbClr val="4B4B4B"/>
                 </a:solidFill>
                 <a:latin typeface="Adobe Clean" panose="020B0503020404020204" pitchFamily="34" charset="0"/>
               </a:rPr>
-              <a:t>quick resolution</a:t>
-            </a:r>
-            <a:r>
-              <a:rPr lang="en-US" sz="1000">
+              <a:t>快速解決問題</a:t>
+            </a:r>
+            <a:r>
+              <a:rPr lang="de-de" sz="1000">
                 <a:solidFill>
                   <a:srgbClr val="4B4B4B"/>
                 </a:solidFill>
                 <a:latin typeface="Adobe Clean Light" panose="020B0303020404020204" pitchFamily="34" charset="0"/>
               </a:rPr>
-              <a:t>, focused customer success and accelerated</a:t>
-            </a:r>
-            <a:r>
-              <a:rPr lang="en-US" sz="1000" b="1">
+              <a:t>，聚焦於客戶成功及加快</a:t>
+            </a:r>
+            <a:r>
+              <a:rPr lang="de-de" sz="1000" b="1">
                 <a:solidFill>
                   <a:srgbClr val="4B4B4B"/>
                 </a:solidFill>
                 <a:latin typeface="Adobe Clean" panose="020B0503020404020204" pitchFamily="34" charset="0"/>
               </a:rPr>
-              <a:t> time-to-value</a:t>
-            </a:r>
-            <a:r>
-              <a:rPr lang="en-US" sz="1000">
+              <a:t>價值實現</a:t>
+            </a:r>
+            <a:r>
+              <a:rPr lang="de-de" sz="1000">
                 <a:solidFill>
                   <a:srgbClr val="4B4B4B"/>
                 </a:solidFill>
                 <a:latin typeface="Adobe Clean Light" panose="020B0303020404020204" pitchFamily="34" charset="0"/>
               </a:rPr>
-              <a:t>. If Launch advisory is active there will be </a:t>
-            </a:r>
-            <a:r>
-              <a:rPr lang="en-US" sz="1000" b="1">
+              <a:t>。對於 Adobe 支援合約涵蓋的任何解決方案產品而言，</a:t>
+            </a:r>
+            <a:r>
+              <a:rPr lang="de-de" sz="1000" b="1">
                 <a:solidFill>
                   <a:srgbClr val="4B4B4B"/>
                 </a:solidFill>
                 <a:latin typeface="Adobe Clean" panose="020B0503020404020204" pitchFamily="34" charset="0"/>
               </a:rPr>
-              <a:t>no Field Services in year 1 </a:t>
-            </a:r>
-            <a:r>
-              <a:rPr lang="en-US" sz="1000">
-                <a:solidFill>
-                  <a:srgbClr val="4B4B4B"/>
-                </a:solidFill>
-                <a:latin typeface="Adobe Clean Light" panose="020B0303020404020204" pitchFamily="34" charset="0"/>
-              </a:rPr>
-              <a:t>for any solution product covered by an Adobe Support contract. </a:t>
+              <a:t>如果上市諮詢服務作用中，第 1 年將不會有現場服務。</a:t>
             </a:r>
             <a:endParaRPr lang="en-US" sz="1000">
               <a:solidFill>
@@ -14377,37 +11504,52 @@
               </a:spcBef>
             </a:pPr>
             <a:r>
-              <a:rPr lang="en-US" sz="1000">
+              <a:rPr lang="de-de" sz="1000" dirty="0">
                 <a:latin typeface="Adobe Clean Light" charset="0"/>
               </a:rPr>
-              <a:t>Adobe solution experts help validate requirements, architecture, development process, and launch readiness reviews </a:t>
-            </a:r>
-            <a:r>
-              <a:rPr lang="en-US" sz="1000">
+              <a:t>Adobe </a:t>
+            </a:r>
+            <a:r>
+              <a:rPr lang="de-de" sz="1000" dirty="0" err="1">
+                <a:latin typeface="Adobe Clean Light" charset="0"/>
+              </a:rPr>
+              <a:t>解決方案專家可向客戶</a:t>
+            </a:r>
+            <a:r>
+              <a:rPr lang="de-de" sz="1000" dirty="0" err="1">
                 <a:solidFill>
                   <a:srgbClr val="000000"/>
                 </a:solidFill>
                 <a:latin typeface="Adobe Clean SemiLight" panose="020B0403020404020204" pitchFamily="34" charset="0"/>
               </a:rPr>
-              <a:t>with </a:t>
-            </a:r>
-            <a:r>
-              <a:rPr lang="en-US" sz="1000" b="1">
+              <a:t>和實作</a:t>
+            </a:r>
+            <a:r>
+              <a:rPr lang="de-de" sz="1000" b="1" dirty="0" err="1">
                 <a:solidFill>
                   <a:srgbClr val="000000"/>
                 </a:solidFill>
                 <a:latin typeface="Adobe Clean SemiLight" panose="020B0403020404020204" pitchFamily="34" charset="0"/>
               </a:rPr>
-              <a:t>best practice-based guidance </a:t>
-            </a:r>
-            <a:r>
-              <a:rPr lang="en-US" sz="1000">
+              <a:t>合作夥伴</a:t>
+            </a:r>
+            <a:r>
+              <a:rPr lang="de-de" sz="1000" dirty="0" err="1">
                 <a:solidFill>
                   <a:srgbClr val="000000"/>
                 </a:solidFill>
                 <a:latin typeface="Adobe Clean SemiLight" panose="020B0403020404020204" pitchFamily="34" charset="0"/>
               </a:rPr>
-              <a:t>to customers and implementation partners.</a:t>
+              <a:t>提供以最佳實務為根據的指引，以協助驗證需求、架構、開發流程和上市整備情況審查</a:t>
+            </a:r>
+            <a:r>
+              <a:rPr lang="de-de" sz="1000" dirty="0">
+                <a:solidFill>
+                  <a:srgbClr val="000000"/>
+                </a:solidFill>
+                <a:latin typeface="Adobe Clean SemiLight" panose="020B0403020404020204" pitchFamily="34" charset="0"/>
+              </a:rPr>
+              <a:t>。</a:t>
             </a:r>
           </a:p>
           <a:p>
@@ -14416,7 +11558,7 @@
                 <a:spcPts val="100"/>
               </a:spcBef>
             </a:pPr>
-            <a:endParaRPr lang="en-US" sz="1000">
+            <a:endParaRPr lang="en-US" sz="1000" dirty="0">
               <a:solidFill>
                 <a:srgbClr val="1F1F1F"/>
               </a:solidFill>
@@ -14431,22 +11573,40 @@
               </a:spcBef>
             </a:pPr>
             <a:r>
-              <a:rPr lang="en-US" sz="1000">
+              <a:rPr lang="de-de" sz="1000" dirty="0" err="1">
                 <a:latin typeface="Adobe Clean Light" charset="0"/>
               </a:rPr>
-              <a:t>Launch Advisory will align with your project schedule through common milestones (</a:t>
-            </a:r>
-            <a:r>
-              <a:rPr lang="en-US" sz="1000" b="1">
+              <a:t>上市諮詢服務將透過常見的里程碑</a:t>
+            </a:r>
+            <a:r>
+              <a:rPr lang="de-de" sz="1000" dirty="0">
                 <a:latin typeface="Adobe Clean Light" charset="0"/>
               </a:rPr>
-              <a:t>Kickoff, Define, Design, Go-live and Post Launch</a:t>
-            </a:r>
-            <a:r>
-              <a:rPr lang="en-US" sz="1000">
+              <a:t> (</a:t>
+            </a:r>
+            <a:r>
+              <a:rPr lang="de-de" sz="1000" b="1" dirty="0" err="1">
                 <a:latin typeface="Adobe Clean Light" charset="0"/>
               </a:rPr>
-              <a:t>) to guide, validate, assess and make recommendations.</a:t>
+              <a:t>開展、定義、設計、上線和上市後</a:t>
+            </a:r>
+            <a:r>
+              <a:rPr lang="de-de" sz="1000" dirty="0">
+                <a:latin typeface="Adobe Clean Light" charset="0"/>
+              </a:rPr>
+              <a:t>) </a:t>
+            </a:r>
+            <a:r>
+              <a:rPr lang="de-de" sz="1000" dirty="0" err="1">
+                <a:latin typeface="Adobe Clean Light" charset="0"/>
+              </a:rPr>
+              <a:t>與您的專案時間表保持一致，以便指導、驗證、評估及提出建議</a:t>
+            </a:r>
+            <a:r>
+              <a:rPr lang="de-de" sz="1000" dirty="0">
+                <a:latin typeface="Adobe Clean Light" charset="0"/>
+              </a:rPr>
+              <a:t>。</a:t>
             </a:r>
           </a:p>
           <a:p>
@@ -14455,7 +11615,7 @@
                 <a:spcPts val="100"/>
               </a:spcBef>
             </a:pPr>
-            <a:endParaRPr lang="en-US" sz="1000">
+            <a:endParaRPr lang="en-US" sz="1000" dirty="0">
               <a:latin typeface="Adobe Clean Light" charset="0"/>
             </a:endParaRPr>
           </a:p>
@@ -14466,10 +11626,16 @@
               </a:spcBef>
             </a:pPr>
             <a:r>
-              <a:rPr lang="en-US" sz="1000">
+              <a:rPr lang="de-de" sz="1000" dirty="0" err="1">
                 <a:latin typeface="Adobe Clean Light" charset="0"/>
               </a:rPr>
-              <a:t>Key Deliverables include:</a:t>
+              <a:t>主要交付成果包括</a:t>
+            </a:r>
+            <a:r>
+              <a:rPr lang="de-de" sz="1000" dirty="0">
+                <a:latin typeface="Adobe Clean Light" charset="0"/>
+              </a:rPr>
+              <a:t>：</a:t>
             </a:r>
           </a:p>
           <a:p>
@@ -14481,9 +11647,26 @@
               <a:buChar char="•"/>
             </a:pPr>
             <a:r>
-              <a:rPr lang="en-US" sz="1000"/>
-              <a:t>Kickoff (including project collaboration plan) deck</a:t>
-            </a:r>
+              <a:rPr lang="de-de" sz="1000" dirty="0" err="1"/>
+              <a:t>專案啟動</a:t>
+            </a:r>
+            <a:r>
+              <a:rPr lang="de-de" sz="1000" dirty="0"/>
+              <a:t> (</a:t>
+            </a:r>
+            <a:r>
+              <a:rPr lang="de-de" sz="1000" dirty="0" err="1"/>
+              <a:t>包括專案共同作業計劃</a:t>
+            </a:r>
+            <a:r>
+              <a:rPr lang="de-de" sz="1000" dirty="0"/>
+              <a:t>) </a:t>
+            </a:r>
+            <a:r>
+              <a:rPr lang="de-de" sz="1000" dirty="0" err="1"/>
+              <a:t>投影片組</a:t>
+            </a:r>
+            <a:endParaRPr lang="de-de" sz="1000" dirty="0"/>
           </a:p>
           <a:p>
             <a:pPr marL="184150" marR="5080" indent="-171450">
@@ -14494,8 +11677,8 @@
               <a:buChar char="•"/>
             </a:pPr>
             <a:r>
-              <a:rPr lang="en-US" sz="1000"/>
-              <a:t>Assessment &amp; recommendations document(s)</a:t>
+              <a:rPr lang="de-de" sz="1000"/>
+              <a:t>評估與建議文件</a:t>
             </a:r>
           </a:p>
           <a:p>
@@ -14507,9 +11690,10 @@
               <a:buChar char="•"/>
             </a:pPr>
             <a:r>
-              <a:rPr lang="en-US" sz="1000"/>
-              <a:t>Engagement summary</a:t>
-            </a:r>
+              <a:rPr lang="de-de" sz="1000" dirty="0" err="1"/>
+              <a:t>投入摘要</a:t>
+            </a:r>
+            <a:endParaRPr lang="de-de" sz="1000" dirty="0"/>
           </a:p>
         </p:txBody>
       </p:sp>
@@ -14612,8 +11796,8 @@
           <a:p>
             <a:pPr algn="ctr"/>
             <a:r>
-              <a:rPr lang="en-US" sz="1600"/>
-              <a:t>Run &amp; Operate</a:t>
+              <a:rPr lang="de-de" sz="1600"/>
+              <a:t>執行與營運</a:t>
             </a:r>
           </a:p>
         </p:txBody>
@@ -14718,8 +11902,8 @@
           <a:p>
             <a:pPr algn="ctr"/>
             <a:r>
-              <a:rPr lang="en-US" sz="1600"/>
-              <a:t>Implementation</a:t>
+              <a:rPr lang="de-de" sz="1600"/>
+              <a:t>實作</a:t>
             </a:r>
           </a:p>
         </p:txBody>
@@ -14754,8 +11938,8 @@
           <a:p>
             <a:pPr algn="ctr"/>
             <a:r>
-              <a:rPr lang="en-US" sz="1100"/>
-              <a:t>Post Launch</a:t>
+              <a:rPr lang="de-de" sz="1100"/>
+              <a:t>上市後</a:t>
             </a:r>
           </a:p>
         </p:txBody>
@@ -14877,22 +12061,22 @@
               </a:spcBef>
             </a:pPr>
             <a:r>
-              <a:rPr lang="en-US" sz="1000" b="1">
+              <a:rPr lang="de-de" sz="1000" b="1">
                 <a:solidFill>
                   <a:srgbClr val="000000"/>
                 </a:solidFill>
                 <a:latin typeface="+mj-lt"/>
               </a:rPr>
-              <a:t>Technical Track Activities </a:t>
-            </a:r>
-            <a:r>
-              <a:rPr lang="en-US" sz="1000">
+              <a:t>技術路徑活動可確保客戶擁有健全的技術，</a:t>
+            </a:r>
+            <a:r>
+              <a:rPr lang="de-de" sz="1000">
                 <a:solidFill>
                   <a:srgbClr val="000000"/>
                 </a:solidFill>
                 <a:latin typeface="Adobe Clean Light" panose="020B0303020404020204" pitchFamily="34" charset="0"/>
               </a:rPr>
-              <a:t>ensure customers are technically sound and maximizing their tool adoption. Specifically, these types of activities include support and recommendations related to platform configurations, integrations and troubleshooting</a:t>
+              <a:t>並且最大限度地採用他們的工具。具體而言，這些類型的活動包含與平台組態設定、整合和疑難排解有關的支援和建議</a:t>
             </a:r>
           </a:p>
           <a:p>
@@ -14912,10 +12096,10 @@
               </a:spcBef>
             </a:pPr>
             <a:r>
-              <a:rPr lang="en-US" sz="1000">
+              <a:rPr lang="de-de" sz="1000">
                 <a:latin typeface="Adobe Clean Light" charset="0"/>
               </a:rPr>
-              <a:t>Types of technical activities available::</a:t>
+              <a:t>可用的技術活動類型：</a:t>
             </a:r>
           </a:p>
           <a:p>
@@ -14930,8 +12114,8 @@
               <a:buChar char="ü"/>
             </a:pPr>
             <a:r>
-              <a:rPr lang="en-US" sz="1000"/>
-              <a:t>Health audit</a:t>
+              <a:rPr lang="de-de" sz="1000"/>
+              <a:t>健康稽核</a:t>
             </a:r>
           </a:p>
           <a:p>
@@ -14946,8 +12130,8 @@
               <a:buChar char="ü"/>
             </a:pPr>
             <a:r>
-              <a:rPr lang="en-US" sz="1000"/>
-              <a:t>Platform audit</a:t>
+              <a:rPr lang="de-de" sz="1000"/>
+              <a:t>平台稽核</a:t>
             </a:r>
           </a:p>
           <a:p>
@@ -14962,8 +12146,8 @@
               <a:buChar char="ü"/>
             </a:pPr>
             <a:r>
-              <a:rPr lang="en-US" sz="1000"/>
-              <a:t>Feature set enablement</a:t>
+              <a:rPr lang="de-de" sz="1000"/>
+              <a:t>功能集啟用</a:t>
             </a:r>
           </a:p>
           <a:p>
@@ -14978,8 +12162,8 @@
               <a:buChar char="ü"/>
             </a:pPr>
             <a:r>
-              <a:rPr lang="en-US" sz="1000"/>
-              <a:t>Basic integrations and configurations</a:t>
+              <a:rPr lang="de-de" sz="1000"/>
+              <a:t>基本整合與組態設定</a:t>
             </a:r>
           </a:p>
           <a:p>
@@ -14994,8 +12178,8 @@
               <a:buChar char="ü"/>
             </a:pPr>
             <a:r>
-              <a:rPr lang="en-US" sz="1000"/>
-              <a:t>Customer solution troubleshooting</a:t>
+              <a:rPr lang="de-de" sz="1000"/>
+              <a:t>客戶解決方案疑難排解</a:t>
             </a:r>
           </a:p>
           <a:p>
@@ -15010,8 +12194,8 @@
               <a:buChar char="ü"/>
             </a:pPr>
             <a:r>
-              <a:rPr lang="en-US" sz="1000"/>
-              <a:t>Cloud service support</a:t>
+              <a:rPr lang="de-de" sz="1000"/>
+              <a:t>雲端服務支援</a:t>
             </a:r>
           </a:p>
         </p:txBody>
@@ -15030,7 +12214,7 @@
         </p:nvSpPr>
         <p:spPr>
           <a:xfrm>
-            <a:off x="3851397" y="7249456"/>
+            <a:off x="3851397" y="7048896"/>
             <a:ext cx="3525469" cy="2054409"/>
           </a:xfrm>
           <a:prstGeom prst="rect">
@@ -15049,22 +12233,22 @@
               </a:spcBef>
             </a:pPr>
             <a:r>
-              <a:rPr lang="en-US" sz="1000" b="1">
+              <a:rPr lang="de-de" sz="1000" b="1">
                 <a:solidFill>
                   <a:srgbClr val="000000"/>
                 </a:solidFill>
                 <a:latin typeface="+mj-lt"/>
               </a:rPr>
-              <a:t>Strategic Track Activities </a:t>
-            </a:r>
-            <a:r>
-              <a:rPr lang="en-US" sz="1000">
+              <a:t>策略路徑活動可尋找機會</a:t>
+            </a:r>
+            <a:r>
+              <a:rPr lang="de-de" sz="1000">
                 <a:solidFill>
                   <a:srgbClr val="000000"/>
                 </a:solidFill>
                 <a:latin typeface="Adobe Clean Light" panose="020B0303020404020204" pitchFamily="34" charset="0"/>
               </a:rPr>
-              <a:t>locate opportunities to ensure value is being realized from a customer’s Adobe solutions. They include support recommendations related to strategy, measurement and maturity to drive value realization across one or more Adobe solutions.</a:t>
+              <a:t>，以確保可從客戶的 Adobe 解決方案實現價值。這類活動包括與策略、衡量和成熟度有關的支援建議，以推動一個或多個 Adobe 解決方案的價值實現。</a:t>
             </a:r>
           </a:p>
           <a:p>
@@ -15084,10 +12268,10 @@
               </a:spcBef>
             </a:pPr>
             <a:r>
-              <a:rPr lang="en-US" sz="1000">
+              <a:rPr lang="de-de" sz="1000">
                 <a:latin typeface="Adobe Clean Light" charset="0"/>
               </a:rPr>
-              <a:t>Types of strategic activities available::</a:t>
+              <a:t>可用的策略活動類型：</a:t>
             </a:r>
           </a:p>
           <a:p>
@@ -15102,8 +12286,8 @@
               <a:buChar char="ü"/>
             </a:pPr>
             <a:r>
-              <a:rPr lang="en-US" sz="1000"/>
-              <a:t>Maturity Roadmap</a:t>
+              <a:rPr lang="de-de" sz="1000"/>
+              <a:t>成熟度藍圖</a:t>
             </a:r>
           </a:p>
           <a:p>
@@ -15118,8 +12302,8 @@
               <a:buChar char="ü"/>
             </a:pPr>
             <a:r>
-              <a:rPr lang="en-US" sz="1000"/>
-              <a:t>Use case development/measurement</a:t>
+              <a:rPr lang="de-de" sz="1000"/>
+              <a:t>使用案例開發/衡量</a:t>
             </a:r>
           </a:p>
           <a:p>
@@ -15134,8 +12318,8 @@
               <a:buChar char="ü"/>
             </a:pPr>
             <a:r>
-              <a:rPr lang="en-US" sz="1000"/>
-              <a:t>Reporting &amp; analysis</a:t>
+              <a:rPr lang="de-de" sz="1000"/>
+              <a:t>報告與分析</a:t>
             </a:r>
           </a:p>
           <a:p>
@@ -15150,8 +12334,8 @@
               <a:buChar char="ü"/>
             </a:pPr>
             <a:r>
-              <a:rPr lang="en-US" sz="1000"/>
-              <a:t>Best practices enablement</a:t>
+              <a:rPr lang="de-de" sz="1000"/>
+              <a:t>啟用最佳實務</a:t>
             </a:r>
           </a:p>
         </p:txBody>
@@ -15190,80 +12374,80 @@
               </a:spcBef>
             </a:pPr>
             <a:r>
-              <a:rPr lang="en-US" sz="1000">
+              <a:rPr lang="de-de" sz="1000">
                 <a:solidFill>
                   <a:srgbClr val="1F1F1F"/>
                 </a:solidFill>
                 <a:latin typeface="Adobe Clean" panose="020B0503020404020204" pitchFamily="34" charset="0"/>
                 <a:cs typeface="AdobeClean-Light"/>
               </a:rPr>
-              <a:t>As an Enterprise customer, you are eligible for</a:t>
-            </a:r>
-            <a:r>
-              <a:rPr lang="en-US" sz="1200" b="1" u="sng">
+              <a:t>您身為企業客戶，有資格透過以下兩個路徑每年參與 </a:t>
+            </a:r>
+            <a:r>
+              <a:rPr lang="de-de" sz="1200" b="1" u="sng">
                 <a:solidFill>
                   <a:srgbClr val="1F1F1F"/>
                 </a:solidFill>
                 <a:cs typeface="AdobeClean-Light"/>
               </a:rPr>
-              <a:t> 2 </a:t>
-            </a:r>
-            <a:r>
-              <a:rPr lang="en-US" sz="1000" b="1" u="sng">
+              <a:t>2</a:t>
+            </a:r>
+            <a:r>
+              <a:rPr lang="de-de" sz="1000" b="1" u="sng">
                 <a:solidFill>
                   <a:srgbClr val="1F1F1F"/>
                 </a:solidFill>
                 <a:cs typeface="AdobeClean-Light"/>
               </a:rPr>
-              <a:t>activities per year </a:t>
-            </a:r>
-            <a:r>
-              <a:rPr lang="en-US" sz="1000">
+              <a:t> 項活動</a:t>
+            </a:r>
+            <a:r>
+              <a:rPr lang="de-de" sz="1000">
                 <a:solidFill>
                   <a:srgbClr val="1F1F1F"/>
                 </a:solidFill>
                 <a:latin typeface="Adobe Clean" panose="020B0503020404020204" pitchFamily="34" charset="0"/>
                 <a:cs typeface="AdobeClean-Light"/>
               </a:rPr>
-              <a:t>from the following two tracks:</a:t>
-            </a:r>
-            <a:r>
-              <a:rPr lang="en-US" sz="1000" b="1">
+              <a:t>：</a:t>
+            </a:r>
+            <a:r>
+              <a:rPr lang="de-de" sz="1000" b="1">
                 <a:solidFill>
                   <a:srgbClr val="1F1F1F"/>
                 </a:solidFill>
                 <a:cs typeface="AdobeClean-Light"/>
               </a:rPr>
-              <a:t> Technical </a:t>
-            </a:r>
-            <a:r>
-              <a:rPr lang="en-US" sz="1000">
+              <a:t>技術</a:t>
+            </a:r>
+            <a:r>
+              <a:rPr lang="de-de" sz="1000">
                 <a:solidFill>
                   <a:srgbClr val="1F1F1F"/>
                 </a:solidFill>
                 <a:latin typeface="Adobe Clean" panose="020B0503020404020204" pitchFamily="34" charset="0"/>
                 <a:cs typeface="AdobeClean-Light"/>
               </a:rPr>
-              <a:t>and/or </a:t>
-            </a:r>
-            <a:r>
-              <a:rPr lang="en-US" sz="1000" b="1">
+              <a:t>及/或</a:t>
+            </a:r>
+            <a:r>
+              <a:rPr lang="de-de" sz="1000" b="1">
                 <a:solidFill>
                   <a:srgbClr val="1F1F1F"/>
                 </a:solidFill>
                 <a:cs typeface="AdobeClean-Light"/>
               </a:rPr>
-              <a:t>Strategic</a:t>
-            </a:r>
-            <a:r>
-              <a:rPr lang="en-US" sz="1000">
+              <a:t>策略</a:t>
+            </a:r>
+            <a:r>
+              <a:rPr lang="de-de" sz="1000">
                 <a:solidFill>
                   <a:srgbClr val="1F1F1F"/>
                 </a:solidFill>
                 <a:latin typeface="Adobe Clean Light" panose="020B0303020404020204" pitchFamily="34" charset="0"/>
                 <a:cs typeface="AdobeClean-Light"/>
               </a:rPr>
-              <a:t>.</a:t>
+              <a:t>。</a:t>
             </a:r>
             <a:endParaRPr lang="en-US" sz="1000" b="1">
               <a:solidFill>
@@ -15304,8 +12488,8 @@
           <a:p>
             <a:pPr algn="ctr"/>
             <a:r>
-              <a:rPr lang="en-US" sz="1100"/>
-              <a:t>Go-Live</a:t>
+              <a:rPr lang="de-de" sz="1100"/>
+              <a:t>上線</a:t>
             </a:r>
           </a:p>
         </p:txBody>
@@ -15340,8 +12524,8 @@
           <a:p>
             <a:pPr algn="ctr"/>
             <a:r>
-              <a:rPr lang="en-US" sz="1100"/>
-              <a:t>Define</a:t>
+              <a:rPr lang="de-de" sz="1100"/>
+              <a:t>定義</a:t>
             </a:r>
           </a:p>
         </p:txBody>
@@ -15376,8 +12560,8 @@
           <a:p>
             <a:pPr algn="ctr"/>
             <a:r>
-              <a:rPr lang="en-US" sz="1100"/>
-              <a:t>Kickoff</a:t>
+              <a:rPr lang="de-de" sz="1100"/>
+              <a:t>開展</a:t>
             </a:r>
           </a:p>
         </p:txBody>
@@ -15412,8 +12596,8 @@
           <a:p>
             <a:pPr algn="ctr"/>
             <a:r>
-              <a:rPr lang="en-US" sz="1100"/>
-              <a:t>Design</a:t>
+              <a:rPr lang="de-de" sz="1100"/>
+              <a:t>設計</a:t>
             </a:r>
           </a:p>
         </p:txBody>
@@ -15470,18 +12654,746 @@
           <a:p>
             <a:pPr algn="ctr"/>
             <a:r>
-              <a:rPr lang="en-US">
+              <a:rPr lang="de-de">
                 <a:solidFill>
                   <a:schemeClr val="accent1">
                     <a:lumMod val="50000"/>
                   </a:schemeClr>
                 </a:solidFill>
               </a:rPr>
-              <a:t>2 Activities per Year</a:t>
+              <a:t>每年 2 個活動</a:t>
             </a:r>
           </a:p>
         </p:txBody>
       </p:sp>
+      <p:graphicFrame>
+        <p:nvGraphicFramePr>
+          <p:cNvPr id="43" name="Table 42">
+            <a:extLst>
+              <a:ext uri="{FF2B5EF4-FFF2-40B4-BE49-F238E27FC236}">
+                <a16:creationId xmlns:a16="http://schemas.microsoft.com/office/drawing/2014/main" id="{1D3ABED2-2902-5346-AD61-8791F4B24654}"/>
+              </a:ext>
+            </a:extLst>
+          </p:cNvPr>
+          <p:cNvGraphicFramePr>
+            <a:graphicFrameLocks noGrp="1"/>
+          </p:cNvGraphicFramePr>
+          <p:nvPr>
+            <p:extLst>
+              <p:ext uri="{D42A27DB-BD31-4B8C-83A1-F6EECF244321}">
+                <p14:modId xmlns:p14="http://schemas.microsoft.com/office/powerpoint/2010/main" val="3661084522"/>
+              </p:ext>
+            </p:extLst>
+          </p:nvPr>
+        </p:nvGraphicFramePr>
+        <p:xfrm>
+          <a:off x="1524000" y="7488265"/>
+          <a:ext cx="609600" cy="457200"/>
+        </p:xfrm>
+        <a:graphic>
+          <a:graphicData uri="http://schemas.openxmlformats.org/drawingml/2006/table">
+            <a:tbl>
+              <a:tblPr>
+                <a:tableStyleId>{5C22544A-7EE6-4342-B048-85BDC9FD1C3A}</a:tableStyleId>
+              </a:tblPr>
+              <a:tblGrid>
+                <a:gridCol w="609600">
+                  <a:extLst>
+                    <a:ext uri="{9D8B030D-6E8A-4147-A177-3AD203B41FA5}">
+                      <a16:colId xmlns:a16="http://schemas.microsoft.com/office/drawing/2014/main" val="1835503658"/>
+                    </a:ext>
+                  </a:extLst>
+                </a:gridCol>
+              </a:tblGrid>
+              <a:tr h="457200">
+                <a:tc>
+                  <a:txBody>
+                    <a:bodyPr/>
+                    <a:lstStyle/>
+                    <a:p>
+                      <a:pPr algn="ctr" fontAlgn="b"/>
+                      <a:r>
+                        <a:rPr lang="ko-KR" altLang="en-US" sz="1100" u="none" strike="noStrike" dirty="0" err="1">
+                          <a:effectLst/>
+                        </a:rPr>
+                        <a:t>上市諮詢</a:t>
+                      </a:r>
+                      <a:endParaRPr lang="ko-KR" altLang="en-US" sz="1100" b="0" i="0" u="none" strike="noStrike" dirty="0">
+                        <a:solidFill>
+                          <a:srgbClr val="000000"/>
+                        </a:solidFill>
+                        <a:effectLst/>
+                        <a:latin typeface="Calibri" panose="020F0502020204030204" pitchFamily="34" charset="0"/>
+                      </a:endParaRPr>
+                    </a:p>
+                  </a:txBody>
+                  <a:tcPr marL="9525" marR="9525" marT="9525" marB="0" anchor="ctr">
+                    <a:solidFill>
+                      <a:schemeClr val="bg1"/>
+                    </a:solidFill>
+                  </a:tcPr>
+                </a:tc>
+                <a:extLst>
+                  <a:ext uri="{0D108BD9-81ED-4DB2-BD59-A6C34878D82A}">
+                    <a16:rowId xmlns:a16="http://schemas.microsoft.com/office/drawing/2014/main" val="2771767287"/>
+                  </a:ext>
+                </a:extLst>
+              </a:tr>
+            </a:tbl>
+          </a:graphicData>
+        </a:graphic>
+      </p:graphicFrame>
+      <p:graphicFrame>
+        <p:nvGraphicFramePr>
+          <p:cNvPr id="44" name="Table 43">
+            <a:extLst>
+              <a:ext uri="{FF2B5EF4-FFF2-40B4-BE49-F238E27FC236}">
+                <a16:creationId xmlns:a16="http://schemas.microsoft.com/office/drawing/2014/main" id="{9FA2B8AA-2505-1046-B10D-83D9B1F93495}"/>
+              </a:ext>
+            </a:extLst>
+          </p:cNvPr>
+          <p:cNvGraphicFramePr>
+            <a:graphicFrameLocks noGrp="1"/>
+          </p:cNvGraphicFramePr>
+          <p:nvPr>
+            <p:extLst>
+              <p:ext uri="{D42A27DB-BD31-4B8C-83A1-F6EECF244321}">
+                <p14:modId xmlns:p14="http://schemas.microsoft.com/office/powerpoint/2010/main" val="736048030"/>
+              </p:ext>
+            </p:extLst>
+          </p:nvPr>
+        </p:nvGraphicFramePr>
+        <p:xfrm>
+          <a:off x="1524000" y="6345265"/>
+          <a:ext cx="609600" cy="457200"/>
+        </p:xfrm>
+        <a:graphic>
+          <a:graphicData uri="http://schemas.openxmlformats.org/drawingml/2006/table">
+            <a:tbl>
+              <a:tblPr>
+                <a:tableStyleId>{5C22544A-7EE6-4342-B048-85BDC9FD1C3A}</a:tableStyleId>
+              </a:tblPr>
+              <a:tblGrid>
+                <a:gridCol w="609600">
+                  <a:extLst>
+                    <a:ext uri="{9D8B030D-6E8A-4147-A177-3AD203B41FA5}">
+                      <a16:colId xmlns:a16="http://schemas.microsoft.com/office/drawing/2014/main" val="1835503658"/>
+                    </a:ext>
+                  </a:extLst>
+                </a:gridCol>
+              </a:tblGrid>
+              <a:tr h="457200">
+                <a:tc>
+                  <a:txBody>
+                    <a:bodyPr/>
+                    <a:lstStyle/>
+                    <a:p>
+                      <a:pPr algn="ctr" fontAlgn="b"/>
+                      <a:r>
+                        <a:rPr lang="ko-KR" altLang="en-US" sz="800" u="none" strike="noStrike" dirty="0" err="1">
+                          <a:effectLst/>
+                          <a:latin typeface="Adobe Clean" panose="020B0503020404020204" pitchFamily="34" charset="0"/>
+                        </a:rPr>
+                        <a:t>資深</a:t>
+                      </a:r>
+                      <a:r>
+                        <a:rPr lang="ko-KR" altLang="en-US" sz="800" u="none" strike="noStrike" dirty="0">
+                          <a:effectLst/>
+                          <a:latin typeface="Adobe Clean" panose="020B0503020404020204" pitchFamily="34" charset="0"/>
+                        </a:rPr>
+                        <a:t> </a:t>
+                      </a:r>
+                      <a:r>
+                        <a:rPr lang="en-US" altLang="ko-KR" sz="800" u="none" strike="noStrike" dirty="0">
+                          <a:effectLst/>
+                          <a:latin typeface="Adobe Clean" panose="020B0503020404020204" pitchFamily="34" charset="0"/>
+                        </a:rPr>
+                        <a:t>Adobe </a:t>
+                      </a:r>
+                      <a:r>
+                        <a:rPr lang="ko-KR" altLang="en-US" sz="800" u="none" strike="noStrike" dirty="0" err="1">
+                          <a:effectLst/>
+                          <a:latin typeface="Adobe Clean" panose="020B0503020404020204" pitchFamily="34" charset="0"/>
+                        </a:rPr>
+                        <a:t>專業知識</a:t>
+                      </a:r>
+                      <a:endParaRPr lang="ko-KR" altLang="en-US" sz="800" b="0" i="0" u="none" strike="noStrike" dirty="0">
+                        <a:solidFill>
+                          <a:srgbClr val="000000"/>
+                        </a:solidFill>
+                        <a:effectLst/>
+                        <a:latin typeface="Adobe Clean" panose="020B0503020404020204" pitchFamily="34" charset="0"/>
+                      </a:endParaRPr>
+                    </a:p>
+                  </a:txBody>
+                  <a:tcPr marL="9525" marR="9525" marT="9525" marB="0">
+                    <a:solidFill>
+                      <a:schemeClr val="bg1"/>
+                    </a:solidFill>
+                  </a:tcPr>
+                </a:tc>
+                <a:extLst>
+                  <a:ext uri="{0D108BD9-81ED-4DB2-BD59-A6C34878D82A}">
+                    <a16:rowId xmlns:a16="http://schemas.microsoft.com/office/drawing/2014/main" val="2771767287"/>
+                  </a:ext>
+                </a:extLst>
+              </a:tr>
+            </a:tbl>
+          </a:graphicData>
+        </a:graphic>
+      </p:graphicFrame>
+      <p:graphicFrame>
+        <p:nvGraphicFramePr>
+          <p:cNvPr id="45" name="Table 44">
+            <a:extLst>
+              <a:ext uri="{FF2B5EF4-FFF2-40B4-BE49-F238E27FC236}">
+                <a16:creationId xmlns:a16="http://schemas.microsoft.com/office/drawing/2014/main" id="{E731F3F0-095B-7147-AA58-BAFE19529903}"/>
+              </a:ext>
+            </a:extLst>
+          </p:cNvPr>
+          <p:cNvGraphicFramePr>
+            <a:graphicFrameLocks noGrp="1"/>
+          </p:cNvGraphicFramePr>
+          <p:nvPr>
+            <p:extLst>
+              <p:ext uri="{D42A27DB-BD31-4B8C-83A1-F6EECF244321}">
+                <p14:modId xmlns:p14="http://schemas.microsoft.com/office/powerpoint/2010/main" val="3469511024"/>
+              </p:ext>
+            </p:extLst>
+          </p:nvPr>
+        </p:nvGraphicFramePr>
+        <p:xfrm>
+          <a:off x="2514600" y="6650065"/>
+          <a:ext cx="609600" cy="457200"/>
+        </p:xfrm>
+        <a:graphic>
+          <a:graphicData uri="http://schemas.openxmlformats.org/drawingml/2006/table">
+            <a:tbl>
+              <a:tblPr>
+                <a:tableStyleId>{5C22544A-7EE6-4342-B048-85BDC9FD1C3A}</a:tableStyleId>
+              </a:tblPr>
+              <a:tblGrid>
+                <a:gridCol w="609600">
+                  <a:extLst>
+                    <a:ext uri="{9D8B030D-6E8A-4147-A177-3AD203B41FA5}">
+                      <a16:colId xmlns:a16="http://schemas.microsoft.com/office/drawing/2014/main" val="1835503658"/>
+                    </a:ext>
+                  </a:extLst>
+                </a:gridCol>
+              </a:tblGrid>
+              <a:tr h="457200">
+                <a:tc>
+                  <a:txBody>
+                    <a:bodyPr/>
+                    <a:lstStyle/>
+                    <a:p>
+                      <a:pPr algn="ctr" fontAlgn="b"/>
+                      <a:r>
+                        <a:rPr lang="ja-JP" altLang="en-US" sz="800" u="none" strike="noStrike">
+                          <a:effectLst/>
+                          <a:latin typeface="Adobe Clean" panose="020B0503020404020204" pitchFamily="34" charset="0"/>
+                        </a:rPr>
+                        <a:t>直接聯繫 </a:t>
+                      </a:r>
+                      <a:r>
+                        <a:rPr lang="en-US" altLang="ko-KR" sz="800" u="none" strike="noStrike" dirty="0">
+                          <a:effectLst/>
+                          <a:latin typeface="Adobe Clean" panose="020B0503020404020204" pitchFamily="34" charset="0"/>
+                        </a:rPr>
+                        <a:t>Adobe </a:t>
+                      </a:r>
+                      <a:r>
+                        <a:rPr lang="ja-JP" altLang="en-US" sz="800" u="none" strike="noStrike">
+                          <a:effectLst/>
+                          <a:latin typeface="Adobe Clean" panose="020B0503020404020204" pitchFamily="34" charset="0"/>
+                        </a:rPr>
+                        <a:t>工程部</a:t>
+                      </a:r>
+                      <a:endParaRPr lang="ko-KR" altLang="en-US" sz="800" b="0" i="0" u="none" strike="noStrike" dirty="0">
+                        <a:solidFill>
+                          <a:srgbClr val="000000"/>
+                        </a:solidFill>
+                        <a:effectLst/>
+                        <a:latin typeface="Adobe Clean" panose="020B0503020404020204" pitchFamily="34" charset="0"/>
+                      </a:endParaRPr>
+                    </a:p>
+                  </a:txBody>
+                  <a:tcPr marL="9525" marR="9525" marT="9525" marB="0">
+                    <a:solidFill>
+                      <a:schemeClr val="bg1"/>
+                    </a:solidFill>
+                  </a:tcPr>
+                </a:tc>
+                <a:extLst>
+                  <a:ext uri="{0D108BD9-81ED-4DB2-BD59-A6C34878D82A}">
+                    <a16:rowId xmlns:a16="http://schemas.microsoft.com/office/drawing/2014/main" val="2771767287"/>
+                  </a:ext>
+                </a:extLst>
+              </a:tr>
+            </a:tbl>
+          </a:graphicData>
+        </a:graphic>
+      </p:graphicFrame>
+      <p:graphicFrame>
+        <p:nvGraphicFramePr>
+          <p:cNvPr id="46" name="Table 45">
+            <a:extLst>
+              <a:ext uri="{FF2B5EF4-FFF2-40B4-BE49-F238E27FC236}">
+                <a16:creationId xmlns:a16="http://schemas.microsoft.com/office/drawing/2014/main" id="{59AD68C2-C0C9-B74C-87B5-56A08A7382DD}"/>
+              </a:ext>
+            </a:extLst>
+          </p:cNvPr>
+          <p:cNvGraphicFramePr>
+            <a:graphicFrameLocks noGrp="1"/>
+          </p:cNvGraphicFramePr>
+          <p:nvPr>
+            <p:extLst>
+              <p:ext uri="{D42A27DB-BD31-4B8C-83A1-F6EECF244321}">
+                <p14:modId xmlns:p14="http://schemas.microsoft.com/office/powerpoint/2010/main" val="477747724"/>
+              </p:ext>
+            </p:extLst>
+          </p:nvPr>
+        </p:nvGraphicFramePr>
+        <p:xfrm>
+          <a:off x="2819400" y="7793064"/>
+          <a:ext cx="609600" cy="665135"/>
+        </p:xfrm>
+        <a:graphic>
+          <a:graphicData uri="http://schemas.openxmlformats.org/drawingml/2006/table">
+            <a:tbl>
+              <a:tblPr>
+                <a:tableStyleId>{5C22544A-7EE6-4342-B048-85BDC9FD1C3A}</a:tableStyleId>
+              </a:tblPr>
+              <a:tblGrid>
+                <a:gridCol w="609600">
+                  <a:extLst>
+                    <a:ext uri="{9D8B030D-6E8A-4147-A177-3AD203B41FA5}">
+                      <a16:colId xmlns:a16="http://schemas.microsoft.com/office/drawing/2014/main" val="1835503658"/>
+                    </a:ext>
+                  </a:extLst>
+                </a:gridCol>
+              </a:tblGrid>
+              <a:tr h="665135">
+                <a:tc>
+                  <a:txBody>
+                    <a:bodyPr/>
+                    <a:lstStyle/>
+                    <a:p>
+                      <a:pPr algn="ctr" fontAlgn="b"/>
+                      <a:r>
+                        <a:rPr lang="ko-KR" altLang="en-US" sz="800" u="none" strike="noStrike" dirty="0" err="1">
+                          <a:effectLst/>
+                          <a:latin typeface="Adobe Clean" panose="020B0503020404020204" pitchFamily="34" charset="0"/>
+                        </a:rPr>
+                        <a:t>含建議後續步驟的上市後摘要</a:t>
+                      </a:r>
+                      <a:endParaRPr lang="ko-KR" altLang="en-US" sz="800" b="0" i="0" u="none" strike="noStrike" dirty="0">
+                        <a:solidFill>
+                          <a:srgbClr val="000000"/>
+                        </a:solidFill>
+                        <a:effectLst/>
+                        <a:latin typeface="Adobe Clean" panose="020B0503020404020204" pitchFamily="34" charset="0"/>
+                      </a:endParaRPr>
+                    </a:p>
+                  </a:txBody>
+                  <a:tcPr marL="9525" marR="9525" marT="9525" marB="0">
+                    <a:solidFill>
+                      <a:schemeClr val="bg1"/>
+                    </a:solidFill>
+                  </a:tcPr>
+                </a:tc>
+                <a:extLst>
+                  <a:ext uri="{0D108BD9-81ED-4DB2-BD59-A6C34878D82A}">
+                    <a16:rowId xmlns:a16="http://schemas.microsoft.com/office/drawing/2014/main" val="2771767287"/>
+                  </a:ext>
+                </a:extLst>
+              </a:tr>
+            </a:tbl>
+          </a:graphicData>
+        </a:graphic>
+      </p:graphicFrame>
+      <p:graphicFrame>
+        <p:nvGraphicFramePr>
+          <p:cNvPr id="47" name="Table 46">
+            <a:extLst>
+              <a:ext uri="{FF2B5EF4-FFF2-40B4-BE49-F238E27FC236}">
+                <a16:creationId xmlns:a16="http://schemas.microsoft.com/office/drawing/2014/main" id="{FFD4AA75-4372-D548-8A65-95953E5BB6E8}"/>
+              </a:ext>
+            </a:extLst>
+          </p:cNvPr>
+          <p:cNvGraphicFramePr>
+            <a:graphicFrameLocks noGrp="1"/>
+          </p:cNvGraphicFramePr>
+          <p:nvPr>
+            <p:extLst>
+              <p:ext uri="{D42A27DB-BD31-4B8C-83A1-F6EECF244321}">
+                <p14:modId xmlns:p14="http://schemas.microsoft.com/office/powerpoint/2010/main" val="2446713920"/>
+              </p:ext>
+            </p:extLst>
+          </p:nvPr>
+        </p:nvGraphicFramePr>
+        <p:xfrm>
+          <a:off x="2057400" y="8707464"/>
+          <a:ext cx="609600" cy="588935"/>
+        </p:xfrm>
+        <a:graphic>
+          <a:graphicData uri="http://schemas.openxmlformats.org/drawingml/2006/table">
+            <a:tbl>
+              <a:tblPr>
+                <a:tableStyleId>{5C22544A-7EE6-4342-B048-85BDC9FD1C3A}</a:tableStyleId>
+              </a:tblPr>
+              <a:tblGrid>
+                <a:gridCol w="609600">
+                  <a:extLst>
+                    <a:ext uri="{9D8B030D-6E8A-4147-A177-3AD203B41FA5}">
+                      <a16:colId xmlns:a16="http://schemas.microsoft.com/office/drawing/2014/main" val="1835503658"/>
+                    </a:ext>
+                  </a:extLst>
+                </a:gridCol>
+              </a:tblGrid>
+              <a:tr h="588935">
+                <a:tc>
+                  <a:txBody>
+                    <a:bodyPr/>
+                    <a:lstStyle/>
+                    <a:p>
+                      <a:pPr algn="ctr" fontAlgn="b"/>
+                      <a:r>
+                        <a:rPr lang="ko-KR" altLang="en-US" sz="800" u="none" strike="noStrike" dirty="0" err="1">
+                          <a:effectLst/>
+                          <a:latin typeface="Adobe Clean" panose="020B0503020404020204" pitchFamily="34" charset="0"/>
+                        </a:rPr>
+                        <a:t>上線整備</a:t>
+                      </a:r>
+                      <a:r>
+                        <a:rPr lang="ko-KR" altLang="en-US" sz="800" u="none" strike="noStrike" dirty="0">
+                          <a:effectLst/>
+                          <a:latin typeface="Adobe Clean" panose="020B0503020404020204" pitchFamily="34" charset="0"/>
+                        </a:rPr>
+                        <a:t> </a:t>
+                      </a:r>
+                      <a:r>
+                        <a:rPr lang="en-US" altLang="ko-KR" sz="800" u="none" strike="noStrike" dirty="0">
+                          <a:effectLst/>
+                          <a:latin typeface="Adobe Clean" panose="020B0503020404020204" pitchFamily="34" charset="0"/>
+                        </a:rPr>
+                        <a:t>+ </a:t>
+                      </a:r>
+                      <a:r>
+                        <a:rPr lang="ko-KR" altLang="en-US" sz="800" u="none" strike="noStrike" dirty="0" err="1">
+                          <a:effectLst/>
+                          <a:latin typeface="Adobe Clean" panose="020B0503020404020204" pitchFamily="34" charset="0"/>
+                        </a:rPr>
+                        <a:t>效能最佳化</a:t>
+                      </a:r>
+                      <a:endParaRPr lang="ko-KR" altLang="en-US" sz="800" b="0" i="0" u="none" strike="noStrike" dirty="0">
+                        <a:solidFill>
+                          <a:srgbClr val="000000"/>
+                        </a:solidFill>
+                        <a:effectLst/>
+                        <a:latin typeface="Adobe Clean" panose="020B0503020404020204" pitchFamily="34" charset="0"/>
+                      </a:endParaRPr>
+                    </a:p>
+                  </a:txBody>
+                  <a:tcPr marL="9525" marR="9525" marT="9525" marB="0">
+                    <a:solidFill>
+                      <a:schemeClr val="bg1"/>
+                    </a:solidFill>
+                  </a:tcPr>
+                </a:tc>
+                <a:extLst>
+                  <a:ext uri="{0D108BD9-81ED-4DB2-BD59-A6C34878D82A}">
+                    <a16:rowId xmlns:a16="http://schemas.microsoft.com/office/drawing/2014/main" val="2771767287"/>
+                  </a:ext>
+                </a:extLst>
+              </a:tr>
+            </a:tbl>
+          </a:graphicData>
+        </a:graphic>
+      </p:graphicFrame>
+      <p:graphicFrame>
+        <p:nvGraphicFramePr>
+          <p:cNvPr id="48" name="Table 47">
+            <a:extLst>
+              <a:ext uri="{FF2B5EF4-FFF2-40B4-BE49-F238E27FC236}">
+                <a16:creationId xmlns:a16="http://schemas.microsoft.com/office/drawing/2014/main" id="{B22514A3-F0CD-1F44-8671-55B836DC891A}"/>
+              </a:ext>
+            </a:extLst>
+          </p:cNvPr>
+          <p:cNvGraphicFramePr>
+            <a:graphicFrameLocks noGrp="1"/>
+          </p:cNvGraphicFramePr>
+          <p:nvPr>
+            <p:extLst>
+              <p:ext uri="{D42A27DB-BD31-4B8C-83A1-F6EECF244321}">
+                <p14:modId xmlns:p14="http://schemas.microsoft.com/office/powerpoint/2010/main" val="3387353005"/>
+              </p:ext>
+            </p:extLst>
+          </p:nvPr>
+        </p:nvGraphicFramePr>
+        <p:xfrm>
+          <a:off x="990600" y="8707465"/>
+          <a:ext cx="609600" cy="457200"/>
+        </p:xfrm>
+        <a:graphic>
+          <a:graphicData uri="http://schemas.openxmlformats.org/drawingml/2006/table">
+            <a:tbl>
+              <a:tblPr>
+                <a:tableStyleId>{5C22544A-7EE6-4342-B048-85BDC9FD1C3A}</a:tableStyleId>
+              </a:tblPr>
+              <a:tblGrid>
+                <a:gridCol w="609600">
+                  <a:extLst>
+                    <a:ext uri="{9D8B030D-6E8A-4147-A177-3AD203B41FA5}">
+                      <a16:colId xmlns:a16="http://schemas.microsoft.com/office/drawing/2014/main" val="1835503658"/>
+                    </a:ext>
+                  </a:extLst>
+                </a:gridCol>
+              </a:tblGrid>
+              <a:tr h="457200">
+                <a:tc>
+                  <a:txBody>
+                    <a:bodyPr/>
+                    <a:lstStyle/>
+                    <a:p>
+                      <a:pPr algn="ctr" fontAlgn="b"/>
+                      <a:r>
+                        <a:rPr lang="ko-KR" altLang="en-US" sz="800" u="none" strike="noStrike" dirty="0">
+                          <a:effectLst/>
+                          <a:latin typeface="Adobe Clean" panose="020B0503020404020204" pitchFamily="34" charset="0"/>
+                        </a:rPr>
+                        <a:t> </a:t>
+                      </a:r>
+                      <a:r>
+                        <a:rPr lang="ko-KR" altLang="en-US" sz="800" u="none" strike="noStrike" dirty="0" err="1">
+                          <a:effectLst/>
+                          <a:latin typeface="Adobe Clean" panose="020B0503020404020204" pitchFamily="34" charset="0"/>
+                        </a:rPr>
+                        <a:t>架構審核</a:t>
+                      </a:r>
+                      <a:r>
+                        <a:rPr lang="ko-KR" altLang="en-US" sz="800" u="none" strike="noStrike" dirty="0">
+                          <a:effectLst/>
+                          <a:latin typeface="Adobe Clean" panose="020B0503020404020204" pitchFamily="34" charset="0"/>
+                        </a:rPr>
+                        <a:t> </a:t>
+                      </a:r>
+                      <a:r>
+                        <a:rPr lang="en-US" altLang="ko-KR" sz="800" u="none" strike="noStrike" dirty="0">
+                          <a:effectLst/>
+                          <a:latin typeface="Adobe Clean" panose="020B0503020404020204" pitchFamily="34" charset="0"/>
+                        </a:rPr>
+                        <a:t>+ </a:t>
+                      </a:r>
+                      <a:r>
+                        <a:rPr lang="ko-KR" altLang="en-US" sz="800" u="none" strike="noStrike" dirty="0" err="1">
+                          <a:effectLst/>
+                          <a:latin typeface="Adobe Clean" panose="020B0503020404020204" pitchFamily="34" charset="0"/>
+                        </a:rPr>
+                        <a:t>指導方針</a:t>
+                      </a:r>
+                      <a:endParaRPr lang="ko-KR" altLang="en-US" sz="800" b="0" i="0" u="none" strike="noStrike" dirty="0">
+                        <a:solidFill>
+                          <a:srgbClr val="000000"/>
+                        </a:solidFill>
+                        <a:effectLst/>
+                        <a:latin typeface="Adobe Clean" panose="020B0503020404020204" pitchFamily="34" charset="0"/>
+                      </a:endParaRPr>
+                    </a:p>
+                  </a:txBody>
+                  <a:tcPr marL="9525" marR="9525" marT="9525" marB="0">
+                    <a:solidFill>
+                      <a:schemeClr val="bg1"/>
+                    </a:solidFill>
+                  </a:tcPr>
+                </a:tc>
+                <a:extLst>
+                  <a:ext uri="{0D108BD9-81ED-4DB2-BD59-A6C34878D82A}">
+                    <a16:rowId xmlns:a16="http://schemas.microsoft.com/office/drawing/2014/main" val="2771767287"/>
+                  </a:ext>
+                </a:extLst>
+              </a:tr>
+            </a:tbl>
+          </a:graphicData>
+        </a:graphic>
+      </p:graphicFrame>
+      <p:graphicFrame>
+        <p:nvGraphicFramePr>
+          <p:cNvPr id="49" name="Table 48">
+            <a:extLst>
+              <a:ext uri="{FF2B5EF4-FFF2-40B4-BE49-F238E27FC236}">
+                <a16:creationId xmlns:a16="http://schemas.microsoft.com/office/drawing/2014/main" id="{5E584A08-DDE5-0945-9EF0-308782D9FB34}"/>
+              </a:ext>
+            </a:extLst>
+          </p:cNvPr>
+          <p:cNvGraphicFramePr>
+            <a:graphicFrameLocks noGrp="1"/>
+          </p:cNvGraphicFramePr>
+          <p:nvPr>
+            <p:extLst>
+              <p:ext uri="{D42A27DB-BD31-4B8C-83A1-F6EECF244321}">
+                <p14:modId xmlns:p14="http://schemas.microsoft.com/office/powerpoint/2010/main" val="2632618095"/>
+              </p:ext>
+            </p:extLst>
+          </p:nvPr>
+        </p:nvGraphicFramePr>
+        <p:xfrm>
+          <a:off x="304800" y="7793065"/>
+          <a:ext cx="609600" cy="457200"/>
+        </p:xfrm>
+        <a:graphic>
+          <a:graphicData uri="http://schemas.openxmlformats.org/drawingml/2006/table">
+            <a:tbl>
+              <a:tblPr>
+                <a:tableStyleId>{5C22544A-7EE6-4342-B048-85BDC9FD1C3A}</a:tableStyleId>
+              </a:tblPr>
+              <a:tblGrid>
+                <a:gridCol w="609600">
+                  <a:extLst>
+                    <a:ext uri="{9D8B030D-6E8A-4147-A177-3AD203B41FA5}">
+                      <a16:colId xmlns:a16="http://schemas.microsoft.com/office/drawing/2014/main" val="1835503658"/>
+                    </a:ext>
+                  </a:extLst>
+                </a:gridCol>
+              </a:tblGrid>
+              <a:tr h="457200">
+                <a:tc>
+                  <a:txBody>
+                    <a:bodyPr/>
+                    <a:lstStyle/>
+                    <a:p>
+                      <a:pPr algn="ctr" fontAlgn="b"/>
+                      <a:r>
+                        <a:rPr lang="ko-KR" altLang="en-US" sz="800" u="none" strike="noStrike" dirty="0" err="1">
+                          <a:effectLst/>
+                          <a:latin typeface="Adobe Clean" panose="020B0503020404020204" pitchFamily="34" charset="0"/>
+                        </a:rPr>
+                        <a:t>專案藍圖</a:t>
+                      </a:r>
+                      <a:r>
+                        <a:rPr lang="ko-KR" altLang="en-US" sz="800" u="none" strike="noStrike" dirty="0">
+                          <a:effectLst/>
+                          <a:latin typeface="Adobe Clean" panose="020B0503020404020204" pitchFamily="34" charset="0"/>
+                        </a:rPr>
+                        <a:t> </a:t>
+                      </a:r>
+                      <a:r>
+                        <a:rPr lang="en-US" altLang="ko-KR" sz="800" u="none" strike="noStrike" dirty="0">
+                          <a:effectLst/>
+                          <a:latin typeface="Adobe Clean" panose="020B0503020404020204" pitchFamily="34" charset="0"/>
+                        </a:rPr>
+                        <a:t>+ </a:t>
+                      </a:r>
+                      <a:r>
+                        <a:rPr lang="ko-KR" altLang="en-US" sz="800" u="none" strike="noStrike" dirty="0" err="1">
+                          <a:effectLst/>
+                          <a:latin typeface="Adobe Clean" panose="020B0503020404020204" pitchFamily="34" charset="0"/>
+                        </a:rPr>
+                        <a:t>規劃</a:t>
+                      </a:r>
+                      <a:endParaRPr lang="ko-KR" altLang="en-US" sz="800" b="0" i="0" u="none" strike="noStrike" dirty="0">
+                        <a:solidFill>
+                          <a:srgbClr val="000000"/>
+                        </a:solidFill>
+                        <a:effectLst/>
+                        <a:latin typeface="Adobe Clean" panose="020B0503020404020204" pitchFamily="34" charset="0"/>
+                      </a:endParaRPr>
+                    </a:p>
+                  </a:txBody>
+                  <a:tcPr marL="9525" marR="9525" marT="9525" marB="0">
+                    <a:solidFill>
+                      <a:schemeClr val="bg1"/>
+                    </a:solidFill>
+                  </a:tcPr>
+                </a:tc>
+                <a:extLst>
+                  <a:ext uri="{0D108BD9-81ED-4DB2-BD59-A6C34878D82A}">
+                    <a16:rowId xmlns:a16="http://schemas.microsoft.com/office/drawing/2014/main" val="2771767287"/>
+                  </a:ext>
+                </a:extLst>
+              </a:tr>
+            </a:tbl>
+          </a:graphicData>
+        </a:graphic>
+      </p:graphicFrame>
+      <p:graphicFrame>
+        <p:nvGraphicFramePr>
+          <p:cNvPr id="50" name="Table 49">
+            <a:extLst>
+              <a:ext uri="{FF2B5EF4-FFF2-40B4-BE49-F238E27FC236}">
+                <a16:creationId xmlns:a16="http://schemas.microsoft.com/office/drawing/2014/main" id="{9F217B3A-90E1-5E44-B78A-AE1880016A64}"/>
+              </a:ext>
+            </a:extLst>
+          </p:cNvPr>
+          <p:cNvGraphicFramePr>
+            <a:graphicFrameLocks noGrp="1"/>
+          </p:cNvGraphicFramePr>
+          <p:nvPr>
+            <p:extLst>
+              <p:ext uri="{D42A27DB-BD31-4B8C-83A1-F6EECF244321}">
+                <p14:modId xmlns:p14="http://schemas.microsoft.com/office/powerpoint/2010/main" val="3488793164"/>
+              </p:ext>
+            </p:extLst>
+          </p:nvPr>
+        </p:nvGraphicFramePr>
+        <p:xfrm>
+          <a:off x="609600" y="6650065"/>
+          <a:ext cx="609600" cy="497205"/>
+        </p:xfrm>
+        <a:graphic>
+          <a:graphicData uri="http://schemas.openxmlformats.org/drawingml/2006/table">
+            <a:tbl>
+              <a:tblPr>
+                <a:tableStyleId>{5C22544A-7EE6-4342-B048-85BDC9FD1C3A}</a:tableStyleId>
+              </a:tblPr>
+              <a:tblGrid>
+                <a:gridCol w="609600">
+                  <a:extLst>
+                    <a:ext uri="{9D8B030D-6E8A-4147-A177-3AD203B41FA5}">
+                      <a16:colId xmlns:a16="http://schemas.microsoft.com/office/drawing/2014/main" val="1835503658"/>
+                    </a:ext>
+                  </a:extLst>
+                </a:gridCol>
+              </a:tblGrid>
+              <a:tr h="457200">
+                <a:tc>
+                  <a:txBody>
+                    <a:bodyPr/>
+                    <a:lstStyle/>
+                    <a:p>
+                      <a:pPr algn="ctr" fontAlgn="b"/>
+                      <a:r>
+                        <a:rPr lang="ko-KR" altLang="en-US" sz="800" u="none" strike="noStrike" dirty="0" err="1">
+                          <a:effectLst/>
+                          <a:latin typeface="Adobe Clean" panose="020B0503020404020204" pitchFamily="34" charset="0"/>
+                        </a:rPr>
+                        <a:t>從數以千計的部署和整合中獲得經驗</a:t>
+                      </a:r>
+                      <a:endParaRPr lang="ko-KR" altLang="en-US" sz="800" b="0" i="0" u="none" strike="noStrike" dirty="0">
+                        <a:solidFill>
+                          <a:srgbClr val="000000"/>
+                        </a:solidFill>
+                        <a:effectLst/>
+                        <a:latin typeface="Adobe Clean" panose="020B0503020404020204" pitchFamily="34" charset="0"/>
+                      </a:endParaRPr>
+                    </a:p>
+                  </a:txBody>
+                  <a:tcPr marL="9525" marR="9525" marT="9525" marB="0">
+                    <a:solidFill>
+                      <a:schemeClr val="bg1"/>
+                    </a:solidFill>
+                  </a:tcPr>
+                </a:tc>
+                <a:extLst>
+                  <a:ext uri="{0D108BD9-81ED-4DB2-BD59-A6C34878D82A}">
+                    <a16:rowId xmlns:a16="http://schemas.microsoft.com/office/drawing/2014/main" val="2771767287"/>
+                  </a:ext>
+                </a:extLst>
+              </a:tr>
+            </a:tbl>
+          </a:graphicData>
+        </a:graphic>
+      </p:graphicFrame>
     </p:spTree>
     <p:extLst>
       <p:ext uri="{BB962C8B-B14F-4D97-AF65-F5344CB8AC3E}">
@@ -15539,17 +13451,17 @@
               </a:lnSpc>
             </a:pPr>
             <a:r>
-              <a:rPr sz="500" spc="-5">
+              <a:rPr lang="de-de" sz="500" spc="-5">
                 <a:solidFill>
                   <a:srgbClr val="6C6C6C"/>
                 </a:solidFill>
                 <a:latin typeface="Adobe Clean"/>
                 <a:cs typeface="Adobe Clean"/>
               </a:rPr>
-              <a:t>©2020 Adobe. All Rights Reserved. </a:t>
-            </a:r>
-            <a:r>
-              <a:rPr sz="500">
+              <a:t>© 2020 Adobe. All rights reserved.</a:t>
+            </a:r>
+            <a:r>
+              <a:rPr lang="de-de" sz="500">
                 <a:solidFill>
                   <a:srgbClr val="6C6C6C"/>
                 </a:solidFill>
@@ -15559,7 +13471,7 @@
               <a:t>Adobe</a:t>
             </a:r>
             <a:r>
-              <a:rPr sz="500" spc="5">
+              <a:rPr lang="de-de" sz="500" spc="5">
                 <a:solidFill>
                   <a:srgbClr val="6C6C6C"/>
                 </a:solidFill>
@@ -15569,14 +13481,14 @@
               <a:t> </a:t>
             </a:r>
             <a:r>
-              <a:rPr sz="500" spc="-5">
+              <a:rPr lang="de-de" sz="500" spc="-5">
                 <a:solidFill>
                   <a:srgbClr val="6C6C6C"/>
                 </a:solidFill>
                 <a:latin typeface="Adobe Clean"/>
                 <a:cs typeface="Adobe Clean"/>
               </a:rPr>
-              <a:t>Confidential.</a:t>
+              <a:t> 機密資訊。</a:t>
             </a:r>
             <a:endParaRPr sz="500">
               <a:latin typeface="Adobe Clean"/>
@@ -15607,17 +13519,17 @@
               </a:spcBef>
             </a:pPr>
             <a:r>
-              <a:rPr sz="800" spc="-5">
+              <a:rPr lang="de-de" sz="800" spc="-5">
                 <a:solidFill>
                   <a:srgbClr val="6D6D6D"/>
                 </a:solidFill>
                 <a:latin typeface="Adobe Clean"/>
                 <a:cs typeface="Adobe Clean"/>
               </a:rPr>
-              <a:t>©2020 Adobe. All Rights Reserved. Adobe</a:t>
-            </a:r>
-            <a:r>
-              <a:rPr sz="800" spc="75">
+              <a:t>© 2020 Adobe. All rights reserved.Adobe</a:t>
+            </a:r>
+            <a:r>
+              <a:rPr lang="de-de" sz="800" spc="75">
                 <a:solidFill>
                   <a:srgbClr val="6D6D6D"/>
                 </a:solidFill>
@@ -15627,14 +13539,14 @@
               <a:t> </a:t>
             </a:r>
             <a:r>
-              <a:rPr sz="800" spc="-5">
+              <a:rPr lang="de-de" sz="800" spc="-5">
                 <a:solidFill>
                   <a:srgbClr val="6D6D6D"/>
                 </a:solidFill>
                 <a:latin typeface="Adobe Clean"/>
                 <a:cs typeface="Adobe Clean"/>
               </a:rPr>
-              <a:t>Confidential.</a:t>
+              <a:t>機密資訊。</a:t>
             </a:r>
             <a:endParaRPr sz="800">
               <a:latin typeface="Adobe Clean"/>
@@ -15701,7 +13613,7 @@
         </p:nvSpPr>
         <p:spPr>
           <a:xfrm>
-            <a:off x="170410" y="575594"/>
+            <a:off x="1070991" y="562540"/>
             <a:ext cx="3476626" cy="332783"/>
           </a:xfrm>
           <a:prstGeom prst="rect">
@@ -15723,14 +13635,14 @@
               </a:spcBef>
             </a:pPr>
             <a:r>
-              <a:rPr lang="en-US" sz="1400" b="1" spc="-15">
+              <a:rPr lang="de-de" sz="1400" b="1" spc="-15">
                 <a:solidFill>
                   <a:srgbClr val="020302"/>
                 </a:solidFill>
                 <a:latin typeface="Adobe Clean"/>
                 <a:cs typeface="Adobe Clean"/>
               </a:rPr>
-              <a:t>Resources</a:t>
+              <a:t>資源</a:t>
             </a:r>
             <a:endParaRPr sz="1400">
               <a:latin typeface="Adobe Clean"/>
@@ -15769,7 +13681,7 @@
               </a:spcBef>
             </a:pPr>
             <a:r>
-              <a:rPr sz="800" spc="-15">
+              <a:rPr lang="de-de" sz="800" spc="-15">
                 <a:solidFill>
                   <a:srgbClr val="777879"/>
                 </a:solidFill>
@@ -15790,7 +13702,7 @@
               </a:lnSpc>
             </a:pPr>
             <a:r>
-              <a:rPr sz="800" spc="-15">
+              <a:rPr lang="de-de" sz="800" spc="-15">
                 <a:solidFill>
                   <a:srgbClr val="777879"/>
                 </a:solidFill>
@@ -15800,7 +13712,7 @@
               <a:t>345 Park</a:t>
             </a:r>
             <a:r>
-              <a:rPr sz="800" spc="-100">
+              <a:rPr lang="de-de" sz="800" spc="-100">
                 <a:solidFill>
                   <a:srgbClr val="777879"/>
                 </a:solidFill>
@@ -15810,7 +13722,7 @@
               <a:t> </a:t>
             </a:r>
             <a:r>
-              <a:rPr sz="800" spc="-15">
+              <a:rPr lang="de-de" sz="800" spc="-15">
                 <a:solidFill>
                   <a:srgbClr val="777879"/>
                 </a:solidFill>
@@ -15831,7 +13743,7 @@
               </a:lnSpc>
             </a:pPr>
             <a:r>
-              <a:rPr sz="800" spc="-10">
+              <a:rPr lang="de-de" sz="800" spc="-10">
                 <a:solidFill>
                   <a:srgbClr val="777879"/>
                 </a:solidFill>
@@ -15841,7 +13753,7 @@
               <a:t>San </a:t>
             </a:r>
             <a:r>
-              <a:rPr sz="800" spc="-15">
+              <a:rPr lang="de-de" sz="800" spc="-15">
                 <a:solidFill>
                   <a:srgbClr val="777879"/>
                 </a:solidFill>
@@ -15851,7 +13763,7 @@
               <a:t>Jose,</a:t>
             </a:r>
             <a:r>
-              <a:rPr sz="800" spc="-140">
+              <a:rPr lang="de-de" sz="800" spc="-140">
                 <a:solidFill>
                   <a:srgbClr val="777879"/>
                 </a:solidFill>
@@ -15861,7 +13773,7 @@
               <a:t> </a:t>
             </a:r>
             <a:r>
-              <a:rPr sz="800" spc="-20">
+              <a:rPr lang="de-de" sz="800" spc="-20">
                 <a:solidFill>
                   <a:srgbClr val="777879"/>
                 </a:solidFill>
@@ -15885,7 +13797,7 @@
               </a:spcBef>
             </a:pPr>
             <a:r>
-              <a:rPr sz="800" spc="-10">
+              <a:rPr lang="de-de" sz="800" spc="-10">
                 <a:solidFill>
                   <a:srgbClr val="777879"/>
                 </a:solidFill>
@@ -15909,7 +13821,7 @@
               </a:spcBef>
             </a:pPr>
             <a:r>
-              <a:rPr sz="800" u="sng" spc="-25">
+              <a:rPr lang="de-de" sz="800" u="sng" spc="-25">
                 <a:solidFill>
                   <a:srgbClr val="5F5F5F"/>
                 </a:solidFill>
@@ -15922,7 +13834,7 @@
                 <a:cs typeface="Adobe Clean"/>
                 <a:hlinkClick r:id="rId3"/>
               </a:rPr>
-              <a:t>www.adobe.com</a:t>
+              <a:t>www.adobe.com/tw/</a:t>
             </a:r>
             <a:endParaRPr sz="800">
               <a:latin typeface="Adobe Clean"/>
@@ -16102,17 +14014,27 @@
               </a:spcBef>
             </a:pPr>
             <a:r>
-              <a:rPr sz="1100" i="1" spc="-10">
+              <a:rPr lang="de-de" sz="1100" i="1" spc="-10">
                 <a:solidFill>
                   <a:srgbClr val="777879"/>
                 </a:solidFill>
                 <a:latin typeface="AdobeClean-LightIt"/>
                 <a:cs typeface="AdobeClean-LightIt"/>
               </a:rPr>
-              <a:t>To</a:t>
-            </a:r>
-            <a:r>
-              <a:rPr sz="1100" i="1" spc="-50">
+              <a:t>如需</a:t>
+            </a:r>
+            <a:r>
+              <a:rPr lang="de-de" sz="1100" i="1" spc="-15">
+                <a:solidFill>
+                  <a:srgbClr val="777879"/>
+                </a:solidFill>
+                <a:latin typeface="AdobeClean-LightIt"/>
+                <a:cs typeface="AdobeClean-LightIt"/>
+              </a:rPr>
+              <a:t>了解</a:t>
+            </a:r>
+            <a:r>
+              <a:rPr lang="de-de" sz="1100" i="1" spc="-40">
                 <a:solidFill>
                   <a:srgbClr val="777879"/>
                 </a:solidFill>
@@ -16122,17 +14044,7 @@
               <a:t> </a:t>
             </a:r>
             <a:r>
-              <a:rPr sz="1100" i="1" spc="-15">
-                <a:solidFill>
-                  <a:srgbClr val="777879"/>
-                </a:solidFill>
-                <a:latin typeface="AdobeClean-LightIt"/>
-                <a:cs typeface="AdobeClean-LightIt"/>
-              </a:rPr>
-              <a:t>learn</a:t>
-            </a:r>
-            <a:r>
-              <a:rPr sz="1100" i="1" spc="-40">
+              <a:rPr lang="de-de" sz="1100" i="1" spc="-45">
                 <a:solidFill>
                   <a:srgbClr val="777879"/>
                 </a:solidFill>
@@ -16142,17 +14054,17 @@
               <a:t> </a:t>
             </a:r>
             <a:r>
-              <a:rPr sz="1100" i="1" spc="-15">
+              <a:rPr lang="de-de" sz="1100" i="1" spc="-15">
                 <a:solidFill>
                   <a:srgbClr val="777879"/>
                 </a:solidFill>
                 <a:latin typeface="AdobeClean-LightIt"/>
                 <a:cs typeface="AdobeClean-LightIt"/>
               </a:rPr>
-              <a:t>more</a:t>
-            </a:r>
-            <a:r>
-              <a:rPr sz="1100" i="1" spc="-45">
+              <a:t>Adobe</a:t>
+            </a:r>
+            <a:r>
+              <a:rPr lang="de-de" sz="1100" i="1" spc="-50">
                 <a:solidFill>
                   <a:srgbClr val="777879"/>
                 </a:solidFill>
@@ -16162,287 +14074,57 @@
               <a:t> </a:t>
             </a:r>
             <a:r>
-              <a:rPr sz="1100" i="1" spc="-15">
+              <a:rPr lang="de-de" sz="1100" i="1" spc="-15">
                 <a:solidFill>
                   <a:srgbClr val="777879"/>
                 </a:solidFill>
                 <a:latin typeface="AdobeClean-LightIt"/>
                 <a:cs typeface="AdobeClean-LightIt"/>
               </a:rPr>
-              <a:t>about</a:t>
-            </a:r>
-            <a:r>
-              <a:rPr sz="1100" i="1" spc="-45">
+              <a:t>支援方案</a:t>
+            </a:r>
+            <a:r>
+              <a:rPr lang="de-de" sz="1100" i="1" spc="-75">
                 <a:solidFill>
                   <a:srgbClr val="777879"/>
                 </a:solidFill>
                 <a:latin typeface="AdobeClean-LightIt"/>
                 <a:cs typeface="AdobeClean-LightIt"/>
               </a:rPr>
-              <a:t> </a:t>
-            </a:r>
-            <a:r>
-              <a:rPr sz="1100" i="1" spc="-15">
+              <a:t>的詳細資訊</a:t>
+            </a:r>
+            <a:r>
+              <a:rPr lang="de-de" sz="1100" i="1" spc="-15">
                 <a:solidFill>
                   <a:srgbClr val="777879"/>
                 </a:solidFill>
                 <a:latin typeface="AdobeClean-LightIt"/>
                 <a:cs typeface="AdobeClean-LightIt"/>
               </a:rPr>
-              <a:t>Adobe</a:t>
-            </a:r>
-            <a:r>
-              <a:rPr sz="1100" i="1" spc="-50">
+              <a:t>以及適合您的層級，請聯絡您指定的</a:t>
+            </a:r>
+            <a:r>
+              <a:rPr lang="de-de" sz="1100" i="1" spc="-25">
                 <a:solidFill>
                   <a:srgbClr val="777879"/>
                 </a:solidFill>
                 <a:latin typeface="AdobeClean-LightIt"/>
                 <a:cs typeface="AdobeClean-LightIt"/>
               </a:rPr>
-              <a:t> </a:t>
-            </a:r>
-            <a:r>
-              <a:rPr sz="1100" i="1" spc="-15">
+              <a:t>帳戶</a:t>
+            </a:r>
+            <a:r>
+              <a:rPr lang="de-de" sz="1100" i="1" spc="-20">
                 <a:solidFill>
                   <a:srgbClr val="777879"/>
                 </a:solidFill>
                 <a:latin typeface="AdobeClean-LightIt"/>
                 <a:cs typeface="AdobeClean-LightIt"/>
               </a:rPr>
-              <a:t>Support</a:t>
-            </a:r>
-            <a:r>
-              <a:rPr lang="en-US" sz="1100" i="1" spc="-15">
-                <a:solidFill>
-                  <a:srgbClr val="777879"/>
-                </a:solidFill>
-                <a:latin typeface="AdobeClean-LightIt"/>
-                <a:cs typeface="AdobeClean-LightIt"/>
-              </a:rPr>
-              <a:t> Offerings</a:t>
-            </a:r>
-            <a:r>
-              <a:rPr sz="1100" i="1" spc="-75">
-                <a:solidFill>
-                  <a:srgbClr val="777879"/>
-                </a:solidFill>
-                <a:latin typeface="AdobeClean-LightIt"/>
-                <a:cs typeface="AdobeClean-LightIt"/>
-              </a:rPr>
-              <a:t> </a:t>
-            </a:r>
-            <a:r>
-              <a:rPr sz="1100" i="1" spc="-15">
-                <a:solidFill>
-                  <a:srgbClr val="777879"/>
-                </a:solidFill>
-                <a:latin typeface="AdobeClean-LightIt"/>
-                <a:cs typeface="AdobeClean-LightIt"/>
-              </a:rPr>
-              <a:t>and</a:t>
-            </a:r>
-            <a:r>
-              <a:rPr sz="1100" i="1" spc="-50">
-                <a:solidFill>
-                  <a:srgbClr val="777879"/>
-                </a:solidFill>
-                <a:latin typeface="AdobeClean-LightIt"/>
-                <a:cs typeface="AdobeClean-LightIt"/>
-              </a:rPr>
-              <a:t> </a:t>
-            </a:r>
-            <a:r>
-              <a:rPr sz="1100" i="1" spc="-15">
-                <a:solidFill>
-                  <a:srgbClr val="777879"/>
-                </a:solidFill>
-                <a:latin typeface="AdobeClean-LightIt"/>
-                <a:cs typeface="AdobeClean-LightIt"/>
-              </a:rPr>
-              <a:t>the</a:t>
-            </a:r>
-            <a:r>
-              <a:rPr sz="1100" i="1" spc="-55">
-                <a:solidFill>
-                  <a:srgbClr val="777879"/>
-                </a:solidFill>
-                <a:latin typeface="AdobeClean-LightIt"/>
-                <a:cs typeface="AdobeClean-LightIt"/>
-              </a:rPr>
-              <a:t> </a:t>
-            </a:r>
-            <a:r>
-              <a:rPr sz="1100" i="1" spc="-15">
-                <a:solidFill>
-                  <a:srgbClr val="777879"/>
-                </a:solidFill>
-                <a:latin typeface="AdobeClean-LightIt"/>
-                <a:cs typeface="AdobeClean-LightIt"/>
-              </a:rPr>
-              <a:t>right</a:t>
-            </a:r>
-            <a:r>
-              <a:rPr sz="1100" i="1" spc="-95">
-                <a:solidFill>
-                  <a:srgbClr val="777879"/>
-                </a:solidFill>
-                <a:latin typeface="AdobeClean-LightIt"/>
-                <a:cs typeface="AdobeClean-LightIt"/>
-              </a:rPr>
-              <a:t> </a:t>
-            </a:r>
-            <a:r>
-              <a:rPr sz="1100" i="1" spc="-15">
-                <a:solidFill>
-                  <a:srgbClr val="777879"/>
-                </a:solidFill>
-                <a:latin typeface="AdobeClean-LightIt"/>
-                <a:cs typeface="AdobeClean-LightIt"/>
-              </a:rPr>
-              <a:t>level</a:t>
-            </a:r>
-            <a:r>
-              <a:rPr sz="1100" i="1" spc="-55">
-                <a:solidFill>
-                  <a:srgbClr val="777879"/>
-                </a:solidFill>
-                <a:latin typeface="AdobeClean-LightIt"/>
-                <a:cs typeface="AdobeClean-LightIt"/>
-              </a:rPr>
-              <a:t> </a:t>
-            </a:r>
-            <a:r>
-              <a:rPr sz="1100" i="1" spc="-15">
-                <a:solidFill>
-                  <a:srgbClr val="777879"/>
-                </a:solidFill>
-                <a:latin typeface="AdobeClean-LightIt"/>
-                <a:cs typeface="AdobeClean-LightIt"/>
-              </a:rPr>
-              <a:t>for</a:t>
-            </a:r>
-            <a:r>
-              <a:rPr sz="1100" i="1" spc="-85">
-                <a:solidFill>
-                  <a:srgbClr val="777879"/>
-                </a:solidFill>
-                <a:latin typeface="AdobeClean-LightIt"/>
-                <a:cs typeface="AdobeClean-LightIt"/>
-              </a:rPr>
-              <a:t> </a:t>
-            </a:r>
-            <a:r>
-              <a:rPr sz="1100" i="1" spc="-15">
-                <a:solidFill>
-                  <a:srgbClr val="777879"/>
-                </a:solidFill>
-                <a:latin typeface="AdobeClean-LightIt"/>
-                <a:cs typeface="AdobeClean-LightIt"/>
-              </a:rPr>
-              <a:t>you,</a:t>
-            </a:r>
-            <a:r>
-              <a:rPr sz="1100" i="1" spc="-65">
-                <a:solidFill>
-                  <a:srgbClr val="777879"/>
-                </a:solidFill>
-                <a:latin typeface="AdobeClean-LightIt"/>
-                <a:cs typeface="AdobeClean-LightIt"/>
-              </a:rPr>
-              <a:t> </a:t>
-            </a:r>
-            <a:r>
-              <a:rPr sz="1100" i="1" spc="-15">
-                <a:solidFill>
-                  <a:srgbClr val="777879"/>
-                </a:solidFill>
-                <a:latin typeface="AdobeClean-LightIt"/>
-                <a:cs typeface="AdobeClean-LightIt"/>
-              </a:rPr>
-              <a:t>contact</a:t>
-            </a:r>
-            <a:r>
-              <a:rPr sz="1100" i="1" spc="-85">
-                <a:solidFill>
-                  <a:srgbClr val="777879"/>
-                </a:solidFill>
-                <a:latin typeface="AdobeClean-LightIt"/>
-                <a:cs typeface="AdobeClean-LightIt"/>
-              </a:rPr>
-              <a:t> </a:t>
-            </a:r>
-            <a:r>
-              <a:rPr sz="1100" i="1" spc="-15">
-                <a:solidFill>
-                  <a:srgbClr val="777879"/>
-                </a:solidFill>
-                <a:latin typeface="AdobeClean-LightIt"/>
-                <a:cs typeface="AdobeClean-LightIt"/>
-              </a:rPr>
-              <a:t>your</a:t>
-            </a:r>
-            <a:r>
-              <a:rPr sz="1100" i="1" spc="-70">
-                <a:solidFill>
-                  <a:srgbClr val="777879"/>
-                </a:solidFill>
-                <a:latin typeface="AdobeClean-LightIt"/>
-                <a:cs typeface="AdobeClean-LightIt"/>
-              </a:rPr>
-              <a:t> </a:t>
-            </a:r>
-            <a:r>
-              <a:rPr sz="1100" i="1" spc="-15">
-                <a:solidFill>
-                  <a:srgbClr val="777879"/>
-                </a:solidFill>
-                <a:latin typeface="AdobeClean-LightIt"/>
-                <a:cs typeface="AdobeClean-LightIt"/>
-              </a:rPr>
-              <a:t>Named</a:t>
-            </a:r>
-            <a:r>
-              <a:rPr sz="1100" i="1" spc="-55">
-                <a:solidFill>
-                  <a:srgbClr val="777879"/>
-                </a:solidFill>
-                <a:latin typeface="AdobeClean-LightIt"/>
-                <a:cs typeface="AdobeClean-LightIt"/>
-              </a:rPr>
-              <a:t> </a:t>
-            </a:r>
-            <a:r>
-              <a:rPr sz="1100" i="1" spc="-25">
-                <a:solidFill>
-                  <a:srgbClr val="777879"/>
-                </a:solidFill>
-                <a:latin typeface="AdobeClean-LightIt"/>
-                <a:cs typeface="AdobeClean-LightIt"/>
-              </a:rPr>
-              <a:t>Account</a:t>
-            </a:r>
-            <a:r>
-              <a:rPr sz="1100" i="1" spc="-120">
-                <a:solidFill>
-                  <a:srgbClr val="777879"/>
-                </a:solidFill>
-                <a:latin typeface="AdobeClean-LightIt"/>
-                <a:cs typeface="AdobeClean-LightIt"/>
-              </a:rPr>
-              <a:t> </a:t>
-            </a:r>
-            <a:r>
-              <a:rPr sz="1100" i="1" spc="-20">
-                <a:solidFill>
-                  <a:srgbClr val="777879"/>
-                </a:solidFill>
-                <a:latin typeface="AdobeClean-LightIt"/>
-                <a:cs typeface="AdobeClean-LightIt"/>
-              </a:rPr>
-              <a:t>Manager  </a:t>
-            </a:r>
-            <a:r>
-              <a:rPr sz="1100" i="1" spc="-15">
+              <a:t>經理 </a:t>
+            </a:r>
+            <a:r>
+              <a:rPr lang="de-de" sz="1100" i="1" spc="-15">
                 <a:solidFill>
                   <a:srgbClr val="777879"/>
                 </a:solidFill>
@@ -16452,56 +14134,46 @@
               <a:t>(NAM) </a:t>
             </a:r>
             <a:r>
-              <a:rPr sz="1100" i="1" spc="-10">
+              <a:rPr lang="de-de" sz="1100" i="1" spc="-10">
                 <a:solidFill>
                   <a:srgbClr val="777879"/>
                 </a:solidFill>
                 <a:latin typeface="AdobeClean-LightIt"/>
                 <a:cs typeface="AdobeClean-LightIt"/>
               </a:rPr>
-              <a:t>or </a:t>
-            </a:r>
-            <a:r>
-              <a:rPr sz="1100" i="1" spc="-15">
+              <a:t>或</a:t>
+            </a:r>
+            <a:r>
+              <a:rPr lang="de-de" sz="1100" i="1" spc="-15">
                 <a:solidFill>
                   <a:srgbClr val="777879"/>
                 </a:solidFill>
                 <a:latin typeface="AdobeClean-LightIt"/>
                 <a:cs typeface="AdobeClean-LightIt"/>
               </a:rPr>
-              <a:t>Customer </a:t>
-            </a:r>
-            <a:r>
-              <a:rPr sz="1100" i="1" spc="-20">
+              <a:t>客戶</a:t>
+            </a:r>
+            <a:r>
+              <a:rPr lang="de-de" sz="1100" i="1" spc="-20">
                 <a:solidFill>
                   <a:srgbClr val="777879"/>
                 </a:solidFill>
                 <a:latin typeface="AdobeClean-LightIt"/>
                 <a:cs typeface="AdobeClean-LightIt"/>
               </a:rPr>
-              <a:t>Success</a:t>
-            </a:r>
-            <a:r>
-              <a:rPr sz="1100" i="1" spc="-180">
+              <a:t>成功</a:t>
+            </a:r>
+            <a:r>
+              <a:rPr lang="de-de" sz="1100" i="1" spc="-15">
                 <a:solidFill>
                   <a:srgbClr val="777879"/>
                 </a:solidFill>
                 <a:latin typeface="AdobeClean-LightIt"/>
                 <a:cs typeface="AdobeClean-LightIt"/>
               </a:rPr>
-              <a:t> </a:t>
-            </a:r>
-            <a:r>
-              <a:rPr sz="1100" i="1" spc="-15">
-                <a:solidFill>
-                  <a:srgbClr val="777879"/>
-                </a:solidFill>
-                <a:latin typeface="AdobeClean-LightIt"/>
-                <a:cs typeface="AdobeClean-LightIt"/>
-              </a:rPr>
-              <a:t>Manager(CSM)</a:t>
-            </a:r>
-            <a:endParaRPr sz="1100">
+              <a:t>經理 (CSM)</a:t>
+            </a:r>
+            <a:endParaRPr sz="1100" dirty="0">
               <a:latin typeface="AdobeClean-LightIt"/>
               <a:cs typeface="AdobeClean-LightIt"/>
             </a:endParaRPr>
@@ -16516,37 +14188,17 @@
               </a:spcBef>
             </a:pPr>
             <a:r>
-              <a:rPr sz="800" spc="-5">
+              <a:rPr lang="de-de" sz="800" spc="-5" dirty="0">
                 <a:solidFill>
                   <a:srgbClr val="6D6D6D"/>
                 </a:solidFill>
                 <a:latin typeface="Adobe Clean"/>
                 <a:cs typeface="Adobe Clean"/>
               </a:rPr>
-              <a:t>©202</a:t>
-            </a:r>
-            <a:r>
-              <a:rPr lang="en-US" sz="800" spc="-5">
-                <a:solidFill>
-                  <a:srgbClr val="6D6D6D"/>
-                </a:solidFill>
-                <a:latin typeface="Adobe Clean"/>
-                <a:cs typeface="Adobe Clean"/>
-              </a:rPr>
-              <a:t>1</a:t>
-            </a:r>
-            <a:r>
-              <a:rPr sz="800" spc="-5">
-                <a:solidFill>
-                  <a:srgbClr val="6D6D6D"/>
-                </a:solidFill>
-                <a:latin typeface="Adobe Clean"/>
-                <a:cs typeface="Adobe Clean"/>
-              </a:rPr>
-              <a:t> Adobe. All Rights Reserved. Adobe</a:t>
-            </a:r>
-            <a:r>
-              <a:rPr sz="800" spc="75">
+              <a:t>©2021 Adobe。All rights reserved.Adobe</a:t>
+            </a:r>
+            <a:r>
+              <a:rPr lang="de-de" sz="800" spc="75" dirty="0">
                 <a:solidFill>
                   <a:srgbClr val="6D6D6D"/>
                 </a:solidFill>
@@ -16556,16 +14208,16 @@
               <a:t> </a:t>
             </a:r>
             <a:r>
-              <a:rPr sz="800" spc="-5">
+              <a:rPr lang="de-de" sz="800" spc="-5" dirty="0">
                 <a:solidFill>
                   <a:srgbClr val="6D6D6D"/>
                 </a:solidFill>
                 <a:latin typeface="Adobe Clean"/>
                 <a:cs typeface="Adobe Clean"/>
               </a:rPr>
-              <a:t>Confidential.</a:t>
-            </a:r>
-            <a:endParaRPr sz="800">
+              <a:t>機密資訊。</a:t>
+            </a:r>
+            <a:endParaRPr sz="800" dirty="0">
               <a:latin typeface="Adobe Clean"/>
               <a:cs typeface="Adobe Clean"/>
             </a:endParaRPr>
@@ -16586,7 +14238,7 @@
         </p:nvSpPr>
         <p:spPr>
           <a:xfrm>
-            <a:off x="190707" y="4913781"/>
+            <a:off x="171129" y="5057379"/>
             <a:ext cx="6476646" cy="755976"/>
           </a:xfrm>
           <a:prstGeom prst="rect">
@@ -16594,47 +14246,126 @@
           </a:prstGeom>
         </p:spPr>
         <p:txBody>
-          <a:bodyPr vert="horz" wrap="square" lIns="0" tIns="116205" rIns="0" bIns="0" rtlCol="0" anchor="t">
+          <a:bodyPr vert="horz" wrap="square" lIns="0" tIns="116205" rIns="0" bIns="0" rtlCol="0">
             <a:spAutoFit/>
           </a:bodyPr>
           <a:lstStyle/>
           <a:p>
-            <a:pPr>
+            <a:pPr lvl="0">
               <a:spcBef>
                 <a:spcPts val="915"/>
               </a:spcBef>
             </a:pPr>
             <a:r>
-              <a:rPr lang="en-US" sz="1400" b="1" spc="-15">
+              <a:rPr lang="en-US" altLang="zh-TW" sz="1400" b="1" spc="-15" dirty="0">
                 <a:solidFill>
                   <a:srgbClr val="020302"/>
                 </a:solidFill>
                 <a:latin typeface="Adobe Clean"/>
                 <a:cs typeface="Adobe Clean"/>
               </a:rPr>
-              <a:t>Regional scope of Adobe Support, Local Hours Of Operation And Language Support</a:t>
-            </a:r>
-            <a:endParaRPr lang="en-US" sz="1400" spc="-15">
-              <a:ea typeface="+mn-lt"/>
-              <a:cs typeface="+mn-lt"/>
+              <a:t>Adobe </a:t>
+            </a:r>
+            <a:r>
+              <a:rPr lang="zh-TW" altLang="en-US" sz="1400" b="1" spc="-15" dirty="0">
+                <a:solidFill>
+                  <a:srgbClr val="020302"/>
+                </a:solidFill>
+                <a:latin typeface="Adobe Clean"/>
+                <a:cs typeface="Adobe Clean"/>
+              </a:rPr>
+              <a:t>支援的區域範圍、當地營業時間和語言支援</a:t>
+            </a:r>
+            <a:endParaRPr lang="pl-PL" altLang="zh-TW" sz="1400" b="1" spc="-15" dirty="0">
+              <a:solidFill>
+                <a:srgbClr val="020302"/>
+              </a:solidFill>
+              <a:latin typeface="Adobe Clean"/>
+              <a:cs typeface="Adobe Clean"/>
             </a:endParaRPr>
           </a:p>
           <a:p>
-            <a:pPr>
+            <a:pPr lvl="0">
               <a:spcBef>
                 <a:spcPts val="915"/>
               </a:spcBef>
             </a:pPr>
             <a:r>
-              <a:rPr lang="en-US" sz="1000" spc="-15">
+              <a:rPr lang="en-US" altLang="zh-TW" sz="1000" spc="-15" dirty="0">
                 <a:solidFill>
                   <a:srgbClr val="1F1F1F"/>
                 </a:solidFill>
                 <a:latin typeface="AdobeClean-Light"/>
               </a:rPr>
-              <a:t>The regional scope of Adobe Support is established by aligning the customer's billing address (via the Sales Order or other Adobe Support purchasing document) to one of the following regions:</a:t>
-            </a:r>
-            <a:endParaRPr lang="en-US" sz="1000">
+              <a:t>Adobe </a:t>
+            </a:r>
+            <a:r>
+              <a:rPr lang="zh-TW" altLang="en-US" sz="1000" spc="-15" dirty="0">
+                <a:solidFill>
+                  <a:srgbClr val="1F1F1F"/>
+                </a:solidFill>
+                <a:latin typeface="AdobeClean-Light"/>
+              </a:rPr>
+              <a:t>支援的區域範圍是透過將客戶的帳單地址 </a:t>
+            </a:r>
+            <a:r>
+              <a:rPr lang="en-US" altLang="zh-TW" sz="1000" spc="-15" dirty="0">
+                <a:solidFill>
+                  <a:srgbClr val="1F1F1F"/>
+                </a:solidFill>
+                <a:latin typeface="AdobeClean-Light"/>
+              </a:rPr>
+              <a:t>(</a:t>
+            </a:r>
+            <a:r>
+              <a:rPr lang="zh-TW" altLang="en-US" sz="1000" spc="-15" dirty="0">
+                <a:solidFill>
+                  <a:srgbClr val="1F1F1F"/>
+                </a:solidFill>
+                <a:latin typeface="AdobeClean-Light"/>
+              </a:rPr>
+              <a:t>通過銷售訂單或其他 </a:t>
+            </a:r>
+            <a:r>
+              <a:rPr lang="en-US" altLang="zh-TW" sz="1000" spc="-15" dirty="0">
+                <a:solidFill>
+                  <a:srgbClr val="1F1F1F"/>
+                </a:solidFill>
+                <a:latin typeface="AdobeClean-Light"/>
+              </a:rPr>
+              <a:t>Adobe </a:t>
+            </a:r>
+            <a:r>
+              <a:rPr lang="zh-TW" altLang="en-US" sz="1000" spc="-15" dirty="0">
+                <a:solidFill>
+                  <a:srgbClr val="1F1F1F"/>
+                </a:solidFill>
+                <a:latin typeface="AdobeClean-Light"/>
+              </a:rPr>
+              <a:t>支援採購文件</a:t>
+            </a:r>
+            <a:r>
+              <a:rPr lang="en-US" altLang="zh-TW" sz="1000" spc="-15" dirty="0">
+                <a:solidFill>
+                  <a:srgbClr val="1F1F1F"/>
+                </a:solidFill>
+                <a:latin typeface="AdobeClean-Light"/>
+              </a:rPr>
+              <a:t>) </a:t>
+            </a:r>
+            <a:r>
+              <a:rPr lang="zh-TW" altLang="en-US" sz="1000" spc="-15" dirty="0">
+                <a:solidFill>
+                  <a:srgbClr val="1F1F1F"/>
+                </a:solidFill>
+                <a:latin typeface="AdobeClean-Light"/>
+              </a:rPr>
+              <a:t>歸納於以下區域之一來建立的：</a:t>
+            </a:r>
+            <a:endParaRPr lang="de-de" sz="1000" spc="-15" dirty="0">
+              <a:solidFill>
+                <a:srgbClr val="1F1F1F"/>
+              </a:solidFill>
               <a:latin typeface="AdobeClean-Light"/>
             </a:endParaRPr>
           </a:p>
@@ -16655,14 +14386,14 @@
           <p:nvPr>
             <p:extLst>
               <p:ext uri="{D42A27DB-BD31-4B8C-83A1-F6EECF244321}">
-                <p14:modId xmlns:p14="http://schemas.microsoft.com/office/powerpoint/2010/main" val="1291534283"/>
+                <p14:modId xmlns:p14="http://schemas.microsoft.com/office/powerpoint/2010/main" val="3866538785"/>
               </p:ext>
             </p:extLst>
           </p:nvPr>
         </p:nvGraphicFramePr>
         <p:xfrm>
           <a:off x="171128" y="5907213"/>
-          <a:ext cx="7391400" cy="1391920"/>
+          <a:ext cx="7391400" cy="1336040"/>
         </p:xfrm>
         <a:graphic>
           <a:graphicData uri="http://schemas.openxmlformats.org/drawingml/2006/table">
@@ -16708,13 +14439,13 @@
                     <a:p>
                       <a:pPr algn="ctr"/>
                       <a:r>
-                        <a:rPr lang="en-US" sz="1100">
+                        <a:rPr lang="de-de" sz="1100">
                           <a:solidFill>
                             <a:schemeClr val="tx1"/>
                           </a:solidFill>
-                          <a:latin typeface="Adobe Clean"/>
+                          <a:latin typeface="Adobe Clean" panose="020B0503020404020204" pitchFamily="34" charset="0"/>
                         </a:rPr>
-                        <a:t>Americas</a:t>
+                        <a:t>美洲</a:t>
                       </a:r>
                     </a:p>
                   </a:txBody>
@@ -16773,13 +14504,13 @@
                     <a:p>
                       <a:pPr algn="ctr"/>
                       <a:r>
-                        <a:rPr lang="en-US" sz="1100">
+                        <a:rPr lang="de-de" sz="1100">
                           <a:solidFill>
                             <a:schemeClr val="tx1"/>
                           </a:solidFill>
-                          <a:latin typeface="Adobe Clean"/>
+                          <a:latin typeface="Adobe Clean" panose="020B0503020404020204" pitchFamily="34" charset="0"/>
                         </a:rPr>
-                        <a:t>Europe, Middle East &amp; Africa</a:t>
+                        <a:t>歐洲、中東與非洲</a:t>
                       </a:r>
                     </a:p>
                   </a:txBody>
@@ -16838,13 +14569,13 @@
                     <a:p>
                       <a:pPr algn="ctr"/>
                       <a:r>
-                        <a:rPr lang="en-US" sz="1100">
+                        <a:rPr lang="de-de" sz="1100">
                           <a:solidFill>
                             <a:schemeClr val="tx1"/>
                           </a:solidFill>
-                          <a:latin typeface="Adobe Clean"/>
+                          <a:latin typeface="Adobe Clean" panose="020B0503020404020204" pitchFamily="34" charset="0"/>
                         </a:rPr>
-                        <a:t>Asia Pacific</a:t>
+                        <a:t>亞太地區</a:t>
                       </a:r>
                     </a:p>
                   </a:txBody>
@@ -16903,22 +14634,22 @@
                     <a:p>
                       <a:pPr algn="ctr"/>
                       <a:r>
-                        <a:rPr lang="en-US" sz="1100">
+                        <a:rPr lang="de-de" sz="1100">
                           <a:solidFill>
                             <a:schemeClr val="tx1"/>
                           </a:solidFill>
                           <a:latin typeface="Adobe Clean"/>
                         </a:rPr>
-                        <a:t>Japan </a:t>
+                        <a:t>日本 </a:t>
                       </a:r>
                       <a:r>
-                        <a:rPr lang="en-US" sz="1100" baseline="30000">
+                        <a:rPr lang="de-de" sz="1100" baseline="30000">
                           <a:solidFill>
                             <a:schemeClr val="tx1"/>
                           </a:solidFill>
                           <a:latin typeface="Adobe Clean"/>
                         </a:rPr>
-                        <a:t>1 </a:t>
+                        <a:t>1</a:t>
                       </a:r>
                       <a:endParaRPr lang="en-US" sz="1100">
                         <a:solidFill>
@@ -16990,13 +14721,13 @@
                     <a:p>
                       <a:pPr algn="ctr"/>
                       <a:r>
-                        <a:rPr lang="en-US" sz="1100">
+                        <a:rPr lang="de-de" sz="1100">
                           <a:solidFill>
                             <a:schemeClr val="tx1"/>
                           </a:solidFill>
-                          <a:latin typeface="Adobe Clean"/>
+                          <a:latin typeface="Adobe Clean" panose="020B0503020404020204" pitchFamily="34" charset="0"/>
                         </a:rPr>
-                        <a:t>6 am – 5:30 pm</a:t>
+                        <a:t>上午 6 點 – 下午 5:30</a:t>
                       </a:r>
                     </a:p>
                   </a:txBody>
@@ -17055,13 +14786,13 @@
                     <a:p>
                       <a:pPr algn="ctr"/>
                       <a:r>
-                        <a:rPr lang="en-US" sz="1100">
+                        <a:rPr lang="de-de" sz="1100">
                           <a:solidFill>
                             <a:schemeClr val="tx1"/>
                           </a:solidFill>
-                          <a:latin typeface="Adobe Clean"/>
+                          <a:latin typeface="Adobe Clean" panose="020B0503020404020204" pitchFamily="34" charset="0"/>
                         </a:rPr>
-                        <a:t>9 am – 5 pm</a:t>
+                        <a:t>上午 9 點 – 下午 5 點</a:t>
                       </a:r>
                     </a:p>
                   </a:txBody>
@@ -17120,13 +14851,13 @@
                     <a:p>
                       <a:pPr algn="ctr"/>
                       <a:r>
-                        <a:rPr lang="en-US" sz="1100">
+                        <a:rPr lang="de-de" sz="1100">
                           <a:solidFill>
                             <a:schemeClr val="tx1"/>
                           </a:solidFill>
-                          <a:latin typeface="Adobe Clean"/>
+                          <a:latin typeface="Adobe Clean" panose="020B0503020404020204" pitchFamily="34" charset="0"/>
                         </a:rPr>
-                        <a:t>9 am – 5 pm</a:t>
+                        <a:t>上午 9 點 – 下午 5 點</a:t>
                       </a:r>
                     </a:p>
                   </a:txBody>
@@ -17185,13 +14916,13 @@
                     <a:p>
                       <a:pPr algn="ctr"/>
                       <a:r>
-                        <a:rPr lang="en-US" sz="1100">
+                        <a:rPr lang="de-de" sz="1100">
                           <a:solidFill>
                             <a:schemeClr val="tx1"/>
                           </a:solidFill>
-                          <a:latin typeface="Adobe Clean"/>
+                          <a:latin typeface="Adobe Clean" panose="020B0503020404020204" pitchFamily="34" charset="0"/>
                         </a:rPr>
-                        <a:t>9 am – 5:30 pm</a:t>
+                        <a:t>上午 9 點 – 下午 5:30</a:t>
                       </a:r>
                     </a:p>
                   </a:txBody>
@@ -17268,9 +14999,10 @@
                         <a:buNone/>
                       </a:pPr>
                       <a:r>
-                        <a:rPr lang="en-US" sz="1100" b="0" i="0" u="none" strike="noStrike" noProof="0"/>
-                        <a:t>Language support is only available in English and Japanese.</a:t>
+                        <a:rPr lang="de-de" sz="1100" b="0" i="0" u="none" strike="noStrike" noProof="0" dirty="0"/>
+                        <a:t>僅提供英文和日文的語言支援</a:t>
                       </a:r>
+                      <a:endParaRPr lang="en-US" dirty="0"/>
                     </a:p>
                     <a:p>
                       <a:pPr lvl="0" algn="ctr">
@@ -17285,7 +15017,7 @@
                         </a:spcAft>
                         <a:buNone/>
                       </a:pPr>
-                      <a:endParaRPr lang="en-US" sz="1100" b="0" i="0" u="none" strike="noStrike" noProof="0"/>
+                      <a:endParaRPr lang="en-US" sz="1100" b="0" i="0" u="none" strike="noStrike" noProof="0" dirty="0"/>
                     </a:p>
                     <a:p>
                       <a:pPr lvl="0" algn="ctr">
@@ -17301,18 +15033,22 @@
                         <a:buNone/>
                       </a:pPr>
                       <a:r>
-                        <a:rPr lang="en-US" sz="1100" b="0" i="0" u="none" strike="noStrike" noProof="0"/>
-                        <a:t> </a:t>
+                        <a:rPr lang="de-de" sz="1100" b="0" i="0" u="none" strike="noStrike" noProof="0" dirty="0"/>
+                        <a:t> </a:t>
                       </a:r>
                       <a:r>
-                        <a:rPr lang="en-US" sz="1100" b="0" i="0" u="none" strike="noStrike" baseline="30000" noProof="0"/>
+                        <a:rPr lang="de-de" sz="1100" b="0" i="0" u="none" strike="noStrike" baseline="30000" noProof="0" dirty="0"/>
                         <a:t>1 </a:t>
                       </a:r>
                       <a:r>
-                        <a:rPr lang="en-US" sz="1100" b="0" i="0" u="none" strike="noStrike" noProof="0"/>
-                        <a:t>P2, P3, P4 cases are limited to business hours only in Japan.</a:t>
+                        <a:rPr lang="de-de" sz="1100" b="0" i="0" u="none" strike="noStrike" noProof="0" dirty="0"/>
+                        <a:t>P2、P3、P4 </a:t>
                       </a:r>
-                      <a:endParaRPr lang="en-US" sz="1100" b="1" i="0" u="none" strike="noStrike" noProof="0"/>
+                      <a:r>
+                        <a:rPr lang="zh-TW" altLang="en-US" sz="1100" b="0" i="0" u="none" strike="noStrike" noProof="0"/>
+                        <a:t> 案件僅限於在日本的營業時間提交。</a:t>
+                      </a:r>
+                      <a:endParaRPr lang="en-US" dirty="0"/>
                     </a:p>
                   </a:txBody>
                   <a:tcPr anchor="ctr">
@@ -17676,124 +15412,34 @@
               </a:spcBef>
             </a:pPr>
             <a:r>
-              <a:rPr sz="1200" b="1" spc="-15">
+              <a:rPr lang="de-de" sz="1200" b="1" spc="-15">
                 <a:solidFill>
                   <a:srgbClr val="FFFFFF"/>
                 </a:solidFill>
                 <a:latin typeface="Adobe Clean"/>
                 <a:cs typeface="Adobe Clean"/>
               </a:rPr>
-              <a:t>U</a:t>
-            </a:r>
-            <a:r>
-              <a:rPr sz="1200" b="1" spc="-20">
+              <a:t>無與倫比的</a:t>
+            </a:r>
+            <a:r>
+              <a:rPr lang="de-de" sz="1200" b="1" spc="-20">
                 <a:solidFill>
                   <a:srgbClr val="FFFFFF"/>
                 </a:solidFill>
                 <a:latin typeface="Adobe Clean"/>
                 <a:cs typeface="Adobe Clean"/>
               </a:rPr>
-              <a:t>n</a:t>
-            </a:r>
-            <a:r>
-              <a:rPr sz="1200" b="1" spc="-25">
+              <a:t>專業知識</a:t>
+            </a:r>
+            <a:r>
+              <a:rPr lang="de-de" sz="1200" b="1">
                 <a:solidFill>
                   <a:srgbClr val="FFFFFF"/>
                 </a:solidFill>
                 <a:latin typeface="Adobe Clean"/>
                 <a:cs typeface="Adobe Clean"/>
               </a:rPr>
-              <a:t>p</a:t>
-            </a:r>
-            <a:r>
-              <a:rPr sz="1200" b="1" spc="-15">
-                <a:solidFill>
-                  <a:srgbClr val="FFFFFF"/>
-                </a:solidFill>
-                <a:latin typeface="Adobe Clean"/>
-                <a:cs typeface="Adobe Clean"/>
-              </a:rPr>
-              <a:t>a</a:t>
-            </a:r>
-            <a:r>
-              <a:rPr sz="1200" b="1" spc="-25">
-                <a:solidFill>
-                  <a:srgbClr val="FFFFFF"/>
-                </a:solidFill>
-                <a:latin typeface="Adobe Clean"/>
-                <a:cs typeface="Adobe Clean"/>
-              </a:rPr>
-              <a:t>r</a:t>
-            </a:r>
-            <a:r>
-              <a:rPr sz="1200" b="1" spc="-15">
-                <a:solidFill>
-                  <a:srgbClr val="FFFFFF"/>
-                </a:solidFill>
-                <a:latin typeface="Adobe Clean"/>
-                <a:cs typeface="Adobe Clean"/>
-              </a:rPr>
-              <a:t>a</a:t>
-            </a:r>
-            <a:r>
-              <a:rPr sz="1200" b="1" spc="-30">
-                <a:solidFill>
-                  <a:srgbClr val="FFFFFF"/>
-                </a:solidFill>
-                <a:latin typeface="Adobe Clean"/>
-                <a:cs typeface="Adobe Clean"/>
-              </a:rPr>
-              <a:t>ll</a:t>
-            </a:r>
-            <a:r>
-              <a:rPr sz="1200" b="1" spc="-25">
-                <a:solidFill>
-                  <a:srgbClr val="FFFFFF"/>
-                </a:solidFill>
-                <a:latin typeface="Adobe Clean"/>
-                <a:cs typeface="Adobe Clean"/>
-              </a:rPr>
-              <a:t>e</a:t>
-            </a:r>
-            <a:r>
-              <a:rPr sz="1200" b="1" spc="-30">
-                <a:solidFill>
-                  <a:srgbClr val="FFFFFF"/>
-                </a:solidFill>
-                <a:latin typeface="Adobe Clean"/>
-                <a:cs typeface="Adobe Clean"/>
-              </a:rPr>
-              <a:t>l</a:t>
-            </a:r>
-            <a:r>
-              <a:rPr sz="1200" b="1" spc="-25">
-                <a:solidFill>
-                  <a:srgbClr val="FFFFFF"/>
-                </a:solidFill>
-                <a:latin typeface="Adobe Clean"/>
-                <a:cs typeface="Adobe Clean"/>
-              </a:rPr>
-              <a:t>e</a:t>
-            </a:r>
-            <a:r>
-              <a:rPr sz="1200" b="1">
-                <a:solidFill>
-                  <a:srgbClr val="FFFFFF"/>
-                </a:solidFill>
-                <a:latin typeface="Adobe Clean"/>
-                <a:cs typeface="Adobe Clean"/>
-              </a:rPr>
-              <a:t>d  </a:t>
-            </a:r>
-            <a:r>
-              <a:rPr sz="1200" b="1" spc="-25">
-                <a:solidFill>
-                  <a:srgbClr val="FFFFFF"/>
-                </a:solidFill>
-                <a:latin typeface="Adobe Clean"/>
-                <a:cs typeface="Adobe Clean"/>
-              </a:rPr>
-              <a:t>Expertise</a:t>
+              <a:t> </a:t>
             </a:r>
             <a:endParaRPr sz="1200">
               <a:latin typeface="Adobe Clean"/>
@@ -17838,14 +15484,14 @@
               </a:spcBef>
             </a:pPr>
             <a:r>
-              <a:rPr lang="en-US" sz="1200" b="1" spc="-15">
+              <a:rPr lang="de-de" sz="1200" b="1" spc="-15">
                 <a:solidFill>
                   <a:srgbClr val="FFFFFF"/>
                 </a:solidFill>
                 <a:latin typeface="Adobe Clean"/>
                 <a:cs typeface="Adobe Clean"/>
               </a:rPr>
-              <a:t>Accelerated Support</a:t>
+              <a:t>加速支援</a:t>
             </a:r>
             <a:endParaRPr sz="1200">
               <a:latin typeface="Adobe Clean"/>
@@ -17890,104 +15536,44 @@
               </a:spcBef>
             </a:pPr>
             <a:r>
-              <a:rPr sz="1200" b="1" spc="-50">
+              <a:rPr lang="de-de" sz="1200" b="1" spc="-50">
                 <a:solidFill>
                   <a:srgbClr val="FFFFFF"/>
                 </a:solidFill>
                 <a:latin typeface="Adobe Clean"/>
                 <a:cs typeface="Adobe Clean"/>
               </a:rPr>
-              <a:t>S</a:t>
-            </a:r>
-            <a:r>
-              <a:rPr sz="1200" b="1" spc="-20">
+              <a:t>策</a:t>
+            </a:r>
+            <a:r>
+              <a:rPr lang="de-de" sz="1200" b="1" spc="-20">
                 <a:solidFill>
                   <a:srgbClr val="FFFFFF"/>
                 </a:solidFill>
                 <a:latin typeface="Adobe Clean"/>
                 <a:cs typeface="Adobe Clean"/>
               </a:rPr>
-              <a:t>t</a:t>
-            </a:r>
-            <a:r>
-              <a:rPr sz="1200" b="1" spc="-75">
+              <a:t>略</a:t>
+            </a:r>
+            <a:r>
+              <a:rPr lang="de-de" sz="1200" b="1" spc="-75">
                 <a:solidFill>
                   <a:srgbClr val="FFFFFF"/>
                 </a:solidFill>
                 <a:latin typeface="Adobe Clean"/>
                 <a:cs typeface="Adobe Clean"/>
               </a:rPr>
-              <a:t>r</a:t>
-            </a:r>
-            <a:r>
-              <a:rPr sz="1200" b="1" spc="-90">
+              <a:t>性</a:t>
+            </a:r>
+            <a:r>
+              <a:rPr lang="de-de" sz="1200" b="1" spc="-45">
                 <a:solidFill>
                   <a:srgbClr val="FFFFFF"/>
                 </a:solidFill>
                 <a:latin typeface="Adobe Clean"/>
                 <a:cs typeface="Adobe Clean"/>
               </a:rPr>
-              <a:t>a</a:t>
-            </a:r>
-            <a:r>
-              <a:rPr sz="1200" b="1" spc="-55">
-                <a:solidFill>
-                  <a:srgbClr val="FFFFFF"/>
-                </a:solidFill>
-                <a:latin typeface="Adobe Clean"/>
-                <a:cs typeface="Adobe Clean"/>
-              </a:rPr>
-              <a:t>t</a:t>
-            </a:r>
-            <a:r>
-              <a:rPr sz="1200" b="1" spc="-100">
-                <a:solidFill>
-                  <a:srgbClr val="FFFFFF"/>
-                </a:solidFill>
-                <a:latin typeface="Adobe Clean"/>
-                <a:cs typeface="Adobe Clean"/>
-              </a:rPr>
-              <a:t>e</a:t>
-            </a:r>
-            <a:r>
-              <a:rPr sz="1200" b="1" spc="-80">
-                <a:solidFill>
-                  <a:srgbClr val="FFFFFF"/>
-                </a:solidFill>
-                <a:latin typeface="Adobe Clean"/>
-                <a:cs typeface="Adobe Clean"/>
-              </a:rPr>
-              <a:t>g</a:t>
-            </a:r>
-            <a:r>
-              <a:rPr sz="1200" b="1" spc="-35">
-                <a:solidFill>
-                  <a:srgbClr val="FFFFFF"/>
-                </a:solidFill>
-                <a:latin typeface="Adobe Clean"/>
-                <a:cs typeface="Adobe Clean"/>
-              </a:rPr>
-              <a:t>i</a:t>
-            </a:r>
-            <a:r>
-              <a:rPr sz="1200" b="1">
-                <a:solidFill>
-                  <a:srgbClr val="FFFFFF"/>
-                </a:solidFill>
-                <a:latin typeface="Adobe Clean"/>
-                <a:cs typeface="Adobe Clean"/>
-              </a:rPr>
-              <a:t>c  </a:t>
-            </a:r>
-            <a:r>
-              <a:rPr sz="1200" b="1" spc="-45">
-                <a:solidFill>
-                  <a:srgbClr val="FFFFFF"/>
-                </a:solidFill>
-                <a:latin typeface="Adobe Clean"/>
-                <a:cs typeface="Adobe Clean"/>
-              </a:rPr>
-              <a:t>Advice</a:t>
+              <a:t>建議</a:t>
             </a:r>
             <a:endParaRPr sz="1200">
               <a:latin typeface="Adobe Clean"/>
@@ -18018,7 +15604,7 @@
         </p:nvGraphicFramePr>
         <p:xfrm>
           <a:off x="194237" y="1272353"/>
-          <a:ext cx="7368291" cy="3235960"/>
+          <a:ext cx="7368291" cy="2473960"/>
         </p:xfrm>
         <a:graphic>
           <a:graphicData uri="http://schemas.openxmlformats.org/drawingml/2006/table">
@@ -18049,7 +15635,7 @@
                     <a:lstStyle/>
                     <a:p>
                       <a:r>
-                        <a:rPr lang="en-US" sz="1100" b="0">
+                        <a:rPr lang="de-de" sz="1100" b="0">
                           <a:solidFill>
                             <a:schemeClr val="tx1"/>
                           </a:solidFill>
@@ -18141,7 +15727,7 @@
                         <a:defRPr/>
                       </a:pPr>
                       <a:r>
-                        <a:rPr lang="en-US" sz="1000" b="0" kern="1200">
+                        <a:rPr lang="de-de" sz="1000" b="0" kern="1200">
                           <a:solidFill>
                             <a:srgbClr val="000000"/>
                           </a:solidFill>
@@ -18149,7 +15735,7 @@
                           <a:ea typeface="+mn-ea"/>
                           <a:cs typeface="+mn-cs"/>
                         </a:rPr>
-                        <a:t>Experience League is how Adobe helps businesses achieve the value they expect from their Adobe investment. It’s the unified place where customers can learn, connect, and grow along a personalized path to success that includes self-help tutorials, product documentation, instructor-led training, community and technical support. </a:t>
+                        <a:t>Experience League 是 Adobe 幫助企業經由其所做的 Adobe 投資來實現預期價值的方式。這是一個統一的位置，客戶可以在這裡學習、交流並沿著個人化的成功路徑而成長，這裡有提供自助式教學課程、產品文件、由講師授課的培訓課程、社群及技術支援。</a:t>
                       </a:r>
                     </a:p>
                   </a:txBody>
@@ -18231,7 +15817,7 @@
                         <a:defRPr/>
                       </a:pPr>
                       <a:r>
-                        <a:rPr lang="en-US" sz="1100">
+                        <a:rPr lang="de-de" sz="1100">
                           <a:solidFill>
                             <a:schemeClr val="dk1"/>
                           </a:solidFill>
@@ -18241,19 +15827,7 @@
                           <a:cs typeface="+mn-cs"/>
                           <a:hlinkClick r:id="rId8"/>
                         </a:rPr>
-                        <a:t>Training</a:t>
-                      </a:r>
-                      <a:r>
-                        <a:rPr lang="en-US" sz="1100">
-                          <a:solidFill>
-                            <a:schemeClr val="dk1"/>
-                          </a:solidFill>
-                          <a:effectLst/>
-                          <a:latin typeface="Adobe Clean" panose="020B0503020404020204" pitchFamily="34" charset="0"/>
-                          <a:ea typeface="+mn-ea"/>
-                          <a:cs typeface="+mn-cs"/>
-                        </a:rPr>
-                        <a:t> </a:t>
+                        <a:t>培訓</a:t>
                       </a:r>
                       <a:endParaRPr lang="en-US" sz="1100">
                         <a:solidFill>
@@ -18337,7 +15911,7 @@
                         <a:defRPr/>
                       </a:pPr>
                       <a:r>
-                        <a:rPr lang="en-US" sz="1000" kern="1200">
+                        <a:rPr lang="de-de" sz="1000" kern="1200">
                           <a:solidFill>
                             <a:srgbClr val="000000"/>
                           </a:solidFill>
@@ -18345,7 +15919,7 @@
                           <a:ea typeface="+mn-ea"/>
                           <a:cs typeface="+mn-cs"/>
                         </a:rPr>
-                        <a:t>Adobe Digital Learning Services courses are accessible from Experience League. Learning courses integrate both on-demand and instructor-led lessons.  Here you can accrue skills that have recognized market value and position them to drive success in your organizations.</a:t>
+                        <a:t>您可以從 Experience League 存取 Adobe 數位學習服務課程。學習課程整合了隨需和教師指導的課程。在這裡，您可以習取市場公認價值的技能，並將其定位以促進貴組織獲致成功。</a:t>
                       </a:r>
                     </a:p>
                   </a:txBody>
@@ -18427,7 +16001,7 @@
                         <a:defRPr/>
                       </a:pPr>
                       <a:r>
-                        <a:rPr lang="en-US" sz="1100">
+                        <a:rPr lang="de-de" sz="1100">
                           <a:solidFill>
                             <a:schemeClr val="tx1"/>
                           </a:solidFill>
@@ -18437,7 +16011,7 @@
                           <a:cs typeface="+mn-cs"/>
                           <a:hlinkClick r:id="rId9"/>
                         </a:rPr>
-                        <a:t>Production Issues &amp; System Outages</a:t>
+                        <a:t>生產問題與系統中斷</a:t>
                       </a:r>
                       <a:endParaRPr lang="en-US" sz="1100">
                         <a:solidFill>
@@ -18521,7 +16095,7 @@
                         <a:defRPr/>
                       </a:pPr>
                       <a:r>
-                        <a:rPr lang="en-US" sz="1000" kern="1200">
+                        <a:rPr lang="de-de" sz="1000" kern="1200">
                           <a:solidFill>
                             <a:srgbClr val="000000"/>
                           </a:solidFill>
@@ -18529,7 +16103,7 @@
                           <a:ea typeface="+mn-ea"/>
                           <a:cs typeface="+mn-cs"/>
                         </a:rPr>
-                        <a:t>Status.adobe.com conveys the health information of all Adobe products and services that are deployed in multi-tenant environments. Customers can choose their subscription preferences to get email notifications whenever Adobe creates, updates or resolves a product event. This can include scheduled maintenance or service issues of varying levels of severity. </a:t>
+                        <a:t>Status.adobe.com 會傳達所有在多租用戶環境中部署的 Adobe 產品與服務的健康資訊。客戶可以選擇其訂閱偏好設定，以便在 Adobe 建立、更新或解決產品事件時收到電子郵件通知。這可以包括預定的維護或是不同嚴重性等級的服務問題。</a:t>
                       </a:r>
                     </a:p>
                   </a:txBody>
@@ -18611,7 +16185,7 @@
                         <a:defRPr/>
                       </a:pPr>
                       <a:r>
-                        <a:rPr lang="en-US" sz="1100">
+                        <a:rPr lang="de-de" sz="1100">
                           <a:solidFill>
                             <a:schemeClr val="tx1"/>
                           </a:solidFill>
@@ -18621,7 +16195,7 @@
                           <a:cs typeface="+mn-cs"/>
                           <a:hlinkClick r:id="rId10"/>
                         </a:rPr>
-                        <a:t>Terms and Conditions</a:t>
+                        <a:t>條款與條件</a:t>
                       </a:r>
                       <a:endParaRPr lang="en-US" sz="1100">
                         <a:solidFill>
@@ -18688,7 +16262,7 @@
                     <a:lstStyle/>
                     <a:p>
                       <a:r>
-                        <a:rPr lang="en-US" sz="1000" kern="1200">
+                        <a:rPr lang="de-de" sz="1000" kern="1200">
                           <a:solidFill>
                             <a:srgbClr val="000000"/>
                           </a:solidFill>
@@ -18696,7 +16270,7 @@
                           <a:ea typeface="+mn-ea"/>
                           <a:cs typeface="+mn-cs"/>
                         </a:rPr>
-                        <a:t>Terms and conditions detailing Support Services offerings</a:t>
+                        <a:t>詳述支援服務方案的條款與條件</a:t>
                       </a:r>
                     </a:p>
                   </a:txBody>
@@ -18760,7 +16334,7 @@
       </p:graphicFrame>
       <p:pic>
         <p:nvPicPr>
-          <p:cNvPr id="8" name="Graphic 7" descr="Target outline">
+          <p:cNvPr id="8" name="Graphic 7" descr="目標大綱">
             <a:extLst>
               <a:ext uri="{FF2B5EF4-FFF2-40B4-BE49-F238E27FC236}">
                 <a16:creationId xmlns:a16="http://schemas.microsoft.com/office/drawing/2014/main" id="{1EAA263E-04A7-0D46-952E-EA3033B45116}"/>
@@ -18799,7 +16373,7 @@
       </p:pic>
       <p:pic>
         <p:nvPicPr>
-          <p:cNvPr id="10" name="Graphic 9" descr="Rocket outline">
+          <p:cNvPr id="10" name="Graphic 9" descr="火箭大綱">
             <a:extLst>
               <a:ext uri="{FF2B5EF4-FFF2-40B4-BE49-F238E27FC236}">
                 <a16:creationId xmlns:a16="http://schemas.microsoft.com/office/drawing/2014/main" id="{A068EBC3-B418-4E4A-A520-101CA4B39F23}"/>
@@ -18838,7 +16412,7 @@
       </p:pic>
       <p:pic>
         <p:nvPicPr>
-          <p:cNvPr id="12" name="Graphic 11" descr="Medal outline">
+          <p:cNvPr id="12" name="Graphic 11" descr="獎章概述">
             <a:extLst>
               <a:ext uri="{FF2B5EF4-FFF2-40B4-BE49-F238E27FC236}">
                 <a16:creationId xmlns:a16="http://schemas.microsoft.com/office/drawing/2014/main" id="{C7BEFC2D-0CA6-0448-B9FA-6E1581CA6D36}"/>
@@ -19467,15 +17041,6 @@
 </file>
 
 <file path=customXml/item1.xml><?xml version="1.0" encoding="utf-8"?>
-<?mso-contentType ?>
-<FormTemplates xmlns="http://schemas.microsoft.com/sharepoint/v3/contenttype/forms">
-  <Display>DocumentLibraryForm</Display>
-  <Edit>DocumentLibraryForm</Edit>
-  <New>DocumentLibraryForm</New>
-</FormTemplates>
-</file>
-
-<file path=customXml/item2.xml><?xml version="1.0" encoding="utf-8"?>
 <ct:contentTypeSchema xmlns:ct="http://schemas.microsoft.com/office/2006/metadata/contentType" xmlns:ma="http://schemas.microsoft.com/office/2006/metadata/properties/metaAttributes" ct:_="" ma:_="" ma:contentTypeName="Document" ma:contentTypeID="0x010100E783BF6876BCC646A459363AF21A7736" ma:contentTypeVersion="10" ma:contentTypeDescription="Create a new document." ma:contentTypeScope="" ma:versionID="c4ffda7f4f415767600769e454c2ea87">
   <xsd:schema xmlns:xsd="http://www.w3.org/2001/XMLSchema" xmlns:xs="http://www.w3.org/2001/XMLSchema" xmlns:p="http://schemas.microsoft.com/office/2006/metadata/properties" xmlns:ns2="8a053bff-88be-49e4-9a87-e748e18b8b62" xmlns:ns3="6c8368ec-3776-49b5-a5bb-90648cf9530f" targetNamespace="http://schemas.microsoft.com/office/2006/metadata/properties" ma:root="true" ma:fieldsID="df3ec33bccc23e23bce7bc897fad43d1" ns2:_="" ns3:_="">
     <xsd:import namespace="8a053bff-88be-49e4-9a87-e748e18b8b62"/>
@@ -19680,21 +17245,22 @@
 </ct:contentTypeSchema>
 </file>
 
-<file path=customXml/item3.xml><?xml version="1.0" encoding="utf-8"?>
+<file path=customXml/item2.xml><?xml version="1.0" encoding="utf-8"?>
 <p:properties xmlns:p="http://schemas.microsoft.com/office/2006/metadata/properties" xmlns:xsi="http://www.w3.org/2001/XMLSchema-instance" xmlns:pc="http://schemas.microsoft.com/office/infopath/2007/PartnerControls">
   <documentManagement/>
 </p:properties>
 </file>
 
-<file path=customXml/itemProps1.xml><?xml version="1.0" encoding="utf-8"?>
-<ds:datastoreItem xmlns:ds="http://schemas.openxmlformats.org/officeDocument/2006/customXml" ds:itemID="{941989CE-20BB-4A6A-A33F-71A1AE469C3E}">
-  <ds:schemaRefs>
-    <ds:schemaRef ds:uri="http://schemas.microsoft.com/sharepoint/v3/contenttype/forms"/>
-  </ds:schemaRefs>
-</ds:datastoreItem>
+<file path=customXml/item3.xml><?xml version="1.0" encoding="utf-8"?>
+<?mso-contentType ?>
+<FormTemplates xmlns="http://schemas.microsoft.com/sharepoint/v3/contenttype/forms">
+  <Display>DocumentLibraryForm</Display>
+  <Edit>DocumentLibraryForm</Edit>
+  <New>DocumentLibraryForm</New>
+</FormTemplates>
 </file>
 
-<file path=customXml/itemProps2.xml><?xml version="1.0" encoding="utf-8"?>
+<file path=customXml/itemProps1.xml><?xml version="1.0" encoding="utf-8"?>
 <ds:datastoreItem xmlns:ds="http://schemas.openxmlformats.org/officeDocument/2006/customXml" ds:itemID="{FB2EBF8D-136B-48EC-8FC0-F70C0583664B}">
   <ds:schemaRefs>
     <ds:schemaRef ds:uri="6c8368ec-3776-49b5-a5bb-90648cf9530f"/>
@@ -19713,11 +17279,19 @@
 </ds:datastoreItem>
 </file>
 
-<file path=customXml/itemProps3.xml><?xml version="1.0" encoding="utf-8"?>
+<file path=customXml/itemProps2.xml><?xml version="1.0" encoding="utf-8"?>
 <ds:datastoreItem xmlns:ds="http://schemas.openxmlformats.org/officeDocument/2006/customXml" ds:itemID="{ED4099BE-EDEC-4FF1-8378-446617236015}">
   <ds:schemaRefs>
     <ds:schemaRef ds:uri="http://schemas.microsoft.com/office/2006/metadata/properties"/>
     <ds:schemaRef ds:uri="http://schemas.microsoft.com/office/infopath/2007/PartnerControls"/>
   </ds:schemaRefs>
 </ds:datastoreItem>
+</file>
+
+<file path=customXml/itemProps3.xml><?xml version="1.0" encoding="utf-8"?>
+<ds:datastoreItem xmlns:ds="http://schemas.openxmlformats.org/officeDocument/2006/customXml" ds:itemID="{941989CE-20BB-4A6A-A33F-71A1AE469C3E}">
+  <ds:schemaRefs>
+    <ds:schemaRef ds:uri="http://schemas.microsoft.com/sharepoint/v3/contenttype/forms"/>
+  </ds:schemaRefs>
+</ds:datastoreItem>
 </file>
--- a/help/data-sheets/assets/EnterpriseSupportDatasheet.pptx
+++ b/help/data-sheets/assets/EnterpriseSupportDatasheet.pptx
@@ -144,14 +144,151 @@
 <file path=ppt/revisionInfo.xml><?xml version="1.0" encoding="utf-8"?>
 <p1510:revInfo xmlns:a="http://schemas.openxmlformats.org/drawingml/2006/main" xmlns:r="http://schemas.openxmlformats.org/officeDocument/2006/relationships" xmlns:p1510="http://schemas.microsoft.com/office/powerpoint/2015/10/main">
   <p1510:revLst>
-    <p1510:client id="{3F02B349-0406-AE51-D438-E7A0BE890230}" v="20" dt="2021-08-25T18:45:08.206"/>
-    <p1510:client id="{BAC4F85F-6423-7248-85C4-44132DA97563}" v="77" dt="2021-08-07T08:51:03.454"/>
+    <p1510:client id="{19826C17-B3F5-53A1-AAFF-C7771804C7A7}" v="128" dt="2021-10-13T18:50:39.613"/>
+    <p1510:client id="{1A3D389F-0E00-444F-BDF7-5C174E20EEC2}" v="2" dt="2021-10-13T19:33:05.183"/>
+    <p1510:client id="{D02E726A-82A5-CF13-9EBE-9B674D878D37}" v="22" dt="2021-10-12T19:51:27.470"/>
   </p1510:revLst>
 </p1510:revInfo>
 </file>
 
 <file path=ppt/changesInfos/changesInfo1.xml><?xml version="1.0" encoding="utf-8"?>
 <pc:chgInfo xmlns:a="http://schemas.openxmlformats.org/drawingml/2006/main" xmlns:r="http://schemas.openxmlformats.org/officeDocument/2006/relationships" xmlns:ac="http://schemas.microsoft.com/office/drawing/2013/main/command" xmlns:pc="http://schemas.microsoft.com/office/powerpoint/2013/main/command">
+  <pc:docChgLst>
+    <pc:chgData name="Akilah Johnson" userId="S::akjohnso@adobe.com::2fa3aa60-0c9c-4d06-bae2-795983241227" providerId="AD" clId="Web-{A40C3D7D-993B-38B2-2DDA-C562505A1054}"/>
+    <pc:docChg chg="modSld">
+      <pc:chgData name="Akilah Johnson" userId="S::akjohnso@adobe.com::2fa3aa60-0c9c-4d06-bae2-795983241227" providerId="AD" clId="Web-{A40C3D7D-993B-38B2-2DDA-C562505A1054}" dt="2021-09-22T23:00:46.860" v="3"/>
+      <pc:docMkLst>
+        <pc:docMk/>
+      </pc:docMkLst>
+      <pc:sldChg chg="modSp">
+        <pc:chgData name="Akilah Johnson" userId="S::akjohnso@adobe.com::2fa3aa60-0c9c-4d06-bae2-795983241227" providerId="AD" clId="Web-{A40C3D7D-993B-38B2-2DDA-C562505A1054}" dt="2021-09-22T23:00:46.860" v="3"/>
+        <pc:sldMkLst>
+          <pc:docMk/>
+          <pc:sldMk cId="1050037809" sldId="261"/>
+        </pc:sldMkLst>
+        <pc:graphicFrameChg chg="mod modGraphic">
+          <ac:chgData name="Akilah Johnson" userId="S::akjohnso@adobe.com::2fa3aa60-0c9c-4d06-bae2-795983241227" providerId="AD" clId="Web-{A40C3D7D-993B-38B2-2DDA-C562505A1054}" dt="2021-09-22T23:00:46.860" v="3"/>
+          <ac:graphicFrameMkLst>
+            <pc:docMk/>
+            <pc:sldMk cId="1050037809" sldId="261"/>
+            <ac:graphicFrameMk id="25" creationId="{3A91F5B0-3974-A14D-A146-FB590F2AAD18}"/>
+          </ac:graphicFrameMkLst>
+        </pc:graphicFrameChg>
+      </pc:sldChg>
+    </pc:docChg>
+  </pc:docChgLst>
+  <pc:docChgLst>
+    <pc:chgData name="Akilah Johnson" userId="S::akjohnso@adobe.com::2fa3aa60-0c9c-4d06-bae2-795983241227" providerId="AD" clId="Web-{112231ED-4F38-A856-2EFF-9D0F88AC9BDF}"/>
+    <pc:docChg chg="modSld">
+      <pc:chgData name="Akilah Johnson" userId="S::akjohnso@adobe.com::2fa3aa60-0c9c-4d06-bae2-795983241227" providerId="AD" clId="Web-{112231ED-4F38-A856-2EFF-9D0F88AC9BDF}" dt="2021-09-22T19:11:31.474" v="2" actId="1076"/>
+      <pc:docMkLst>
+        <pc:docMk/>
+      </pc:docMkLst>
+      <pc:sldChg chg="modSp">
+        <pc:chgData name="Akilah Johnson" userId="S::akjohnso@adobe.com::2fa3aa60-0c9c-4d06-bae2-795983241227" providerId="AD" clId="Web-{112231ED-4F38-A856-2EFF-9D0F88AC9BDF}" dt="2021-09-22T19:11:31.474" v="2" actId="1076"/>
+        <pc:sldMkLst>
+          <pc:docMk/>
+          <pc:sldMk cId="1050037809" sldId="261"/>
+        </pc:sldMkLst>
+        <pc:spChg chg="mod">
+          <ac:chgData name="Akilah Johnson" userId="S::akjohnso@adobe.com::2fa3aa60-0c9c-4d06-bae2-795983241227" providerId="AD" clId="Web-{112231ED-4F38-A856-2EFF-9D0F88AC9BDF}" dt="2021-09-22T19:11:31.474" v="2" actId="1076"/>
+          <ac:spMkLst>
+            <pc:docMk/>
+            <pc:sldMk cId="1050037809" sldId="261"/>
+            <ac:spMk id="23" creationId="{00000000-0000-0000-0000-000000000000}"/>
+          </ac:spMkLst>
+        </pc:spChg>
+        <pc:spChg chg="mod">
+          <ac:chgData name="Akilah Johnson" userId="S::akjohnso@adobe.com::2fa3aa60-0c9c-4d06-bae2-795983241227" providerId="AD" clId="Web-{112231ED-4F38-A856-2EFF-9D0F88AC9BDF}" dt="2021-09-22T19:08:28.879" v="0" actId="1076"/>
+          <ac:spMkLst>
+            <pc:docMk/>
+            <pc:sldMk cId="1050037809" sldId="261"/>
+            <ac:spMk id="64" creationId="{41467BDC-3D83-D844-B922-CD07E94E5AAB}"/>
+          </ac:spMkLst>
+        </pc:spChg>
+      </pc:sldChg>
+    </pc:docChg>
+  </pc:docChgLst>
+  <pc:docChgLst>
+    <pc:chgData name="Akilah Johnson" userId="S::akjohnso@adobe.com::2fa3aa60-0c9c-4d06-bae2-795983241227" providerId="AD" clId="Web-{0AC6A3A1-0788-C69A-5EFD-279F3FA2CF0F}"/>
+    <pc:docChg chg="modSld">
+      <pc:chgData name="Akilah Johnson" userId="S::akjohnso@adobe.com::2fa3aa60-0c9c-4d06-bae2-795983241227" providerId="AD" clId="Web-{0AC6A3A1-0788-C69A-5EFD-279F3FA2CF0F}" dt="2021-09-22T18:56:17.553" v="29"/>
+      <pc:docMkLst>
+        <pc:docMk/>
+      </pc:docMkLst>
+      <pc:sldChg chg="modSp delCm">
+        <pc:chgData name="Akilah Johnson" userId="S::akjohnso@adobe.com::2fa3aa60-0c9c-4d06-bae2-795983241227" providerId="AD" clId="Web-{0AC6A3A1-0788-C69A-5EFD-279F3FA2CF0F}" dt="2021-09-22T18:56:17.553" v="29"/>
+        <pc:sldMkLst>
+          <pc:docMk/>
+          <pc:sldMk cId="1050037809" sldId="261"/>
+        </pc:sldMkLst>
+        <pc:spChg chg="mod">
+          <ac:chgData name="Akilah Johnson" userId="S::akjohnso@adobe.com::2fa3aa60-0c9c-4d06-bae2-795983241227" providerId="AD" clId="Web-{0AC6A3A1-0788-C69A-5EFD-279F3FA2CF0F}" dt="2021-09-22T18:55:46.585" v="16" actId="20577"/>
+          <ac:spMkLst>
+            <pc:docMk/>
+            <pc:sldMk cId="1050037809" sldId="261"/>
+            <ac:spMk id="64" creationId="{41467BDC-3D83-D844-B922-CD07E94E5AAB}"/>
+          </ac:spMkLst>
+        </pc:spChg>
+        <pc:graphicFrameChg chg="mod modGraphic">
+          <ac:chgData name="Akilah Johnson" userId="S::akjohnso@adobe.com::2fa3aa60-0c9c-4d06-bae2-795983241227" providerId="AD" clId="Web-{0AC6A3A1-0788-C69A-5EFD-279F3FA2CF0F}" dt="2021-09-22T18:55:59.928" v="28"/>
+          <ac:graphicFrameMkLst>
+            <pc:docMk/>
+            <pc:sldMk cId="1050037809" sldId="261"/>
+            <ac:graphicFrameMk id="25" creationId="{3A91F5B0-3974-A14D-A146-FB590F2AAD18}"/>
+          </ac:graphicFrameMkLst>
+        </pc:graphicFrameChg>
+      </pc:sldChg>
+    </pc:docChg>
+  </pc:docChgLst>
+  <pc:docChgLst>
+    <pc:chgData name="Akilah Johnson" userId="S::akjohnso@adobe.com::2fa3aa60-0c9c-4d06-bae2-795983241227" providerId="AD" clId="Web-{D02E726A-82A5-CF13-9EBE-9B674D878D37}"/>
+    <pc:docChg chg="modSld">
+      <pc:chgData name="Akilah Johnson" userId="S::akjohnso@adobe.com::2fa3aa60-0c9c-4d06-bae2-795983241227" providerId="AD" clId="Web-{D02E726A-82A5-CF13-9EBE-9B674D878D37}" dt="2021-10-12T19:51:27.470" v="10"/>
+      <pc:docMkLst>
+        <pc:docMk/>
+      </pc:docMkLst>
+      <pc:sldChg chg="modSp delCm">
+        <pc:chgData name="Akilah Johnson" userId="S::akjohnso@adobe.com::2fa3aa60-0c9c-4d06-bae2-795983241227" providerId="AD" clId="Web-{D02E726A-82A5-CF13-9EBE-9B674D878D37}" dt="2021-10-12T19:51:27.470" v="10"/>
+        <pc:sldMkLst>
+          <pc:docMk/>
+          <pc:sldMk cId="2161849182" sldId="267"/>
+        </pc:sldMkLst>
+        <pc:spChg chg="mod">
+          <ac:chgData name="Akilah Johnson" userId="S::akjohnso@adobe.com::2fa3aa60-0c9c-4d06-bae2-795983241227" providerId="AD" clId="Web-{D02E726A-82A5-CF13-9EBE-9B674D878D37}" dt="2021-10-12T19:51:04.127" v="8" actId="20577"/>
+          <ac:spMkLst>
+            <pc:docMk/>
+            <pc:sldMk cId="2161849182" sldId="267"/>
+            <ac:spMk id="2" creationId="{00000000-0000-0000-0000-000000000000}"/>
+          </ac:spMkLst>
+        </pc:spChg>
+      </pc:sldChg>
+    </pc:docChg>
+  </pc:docChgLst>
+  <pc:docChgLst>
+    <pc:chgData name="Akilah Johnson" userId="S::akjohnso@adobe.com::2fa3aa60-0c9c-4d06-bae2-795983241227" providerId="AD" clId="Web-{0AB2EF93-BE08-D205-D43E-3B568BB37DAA}"/>
+    <pc:docChg chg="modSld">
+      <pc:chgData name="Akilah Johnson" userId="S::akjohnso@adobe.com::2fa3aa60-0c9c-4d06-bae2-795983241227" providerId="AD" clId="Web-{0AB2EF93-BE08-D205-D43E-3B568BB37DAA}" dt="2021-09-22T23:01:45.877" v="13"/>
+      <pc:docMkLst>
+        <pc:docMk/>
+      </pc:docMkLst>
+      <pc:sldChg chg="modSp">
+        <pc:chgData name="Akilah Johnson" userId="S::akjohnso@adobe.com::2fa3aa60-0c9c-4d06-bae2-795983241227" providerId="AD" clId="Web-{0AB2EF93-BE08-D205-D43E-3B568BB37DAA}" dt="2021-09-22T23:01:45.877" v="13"/>
+        <pc:sldMkLst>
+          <pc:docMk/>
+          <pc:sldMk cId="1050037809" sldId="261"/>
+        </pc:sldMkLst>
+        <pc:graphicFrameChg chg="mod modGraphic">
+          <ac:chgData name="Akilah Johnson" userId="S::akjohnso@adobe.com::2fa3aa60-0c9c-4d06-bae2-795983241227" providerId="AD" clId="Web-{0AB2EF93-BE08-D205-D43E-3B568BB37DAA}" dt="2021-09-22T23:01:45.877" v="13"/>
+          <ac:graphicFrameMkLst>
+            <pc:docMk/>
+            <pc:sldMk cId="1050037809" sldId="261"/>
+            <ac:graphicFrameMk id="25" creationId="{3A91F5B0-3974-A14D-A146-FB590F2AAD18}"/>
+          </ac:graphicFrameMkLst>
+        </pc:graphicFrameChg>
+      </pc:sldChg>
+    </pc:docChg>
+  </pc:docChgLst>
   <pc:docChgLst>
     <pc:chgData name="Andy Witt" userId="S::awitt@adobe.com::e9157bdf-53b2-40e4-9459-936793d75696" providerId="AD" clId="Web-{3F02B349-0406-AE51-D438-E7A0BE890230}"/>
     <pc:docChg chg="modSld">
@@ -171,6 +308,218 @@
             <pc:docMk/>
             <pc:sldMk cId="1050037809" sldId="261"/>
             <ac:graphicFrameMk id="25" creationId="{3A91F5B0-3974-A14D-A146-FB590F2AAD18}"/>
+          </ac:graphicFrameMkLst>
+        </pc:graphicFrameChg>
+      </pc:sldChg>
+    </pc:docChg>
+  </pc:docChgLst>
+  <pc:docChgLst>
+    <pc:chgData name="Lauren Schutte" userId="6e08b2d3-447a-4d66-86be-444d50df187f" providerId="ADAL" clId="{1A3D389F-0E00-444F-BDF7-5C174E20EEC2}"/>
+    <pc:docChg chg="undo custSel modSld">
+      <pc:chgData name="Lauren Schutte" userId="6e08b2d3-447a-4d66-86be-444d50df187f" providerId="ADAL" clId="{1A3D389F-0E00-444F-BDF7-5C174E20EEC2}" dt="2021-10-13T19:40:59.066" v="67" actId="20577"/>
+      <pc:docMkLst>
+        <pc:docMk/>
+      </pc:docMkLst>
+      <pc:sldChg chg="delSp modSp mod">
+        <pc:chgData name="Lauren Schutte" userId="6e08b2d3-447a-4d66-86be-444d50df187f" providerId="ADAL" clId="{1A3D389F-0E00-444F-BDF7-5C174E20EEC2}" dt="2021-10-13T19:40:25.578" v="61" actId="478"/>
+        <pc:sldMkLst>
+          <pc:docMk/>
+          <pc:sldMk cId="5960377" sldId="259"/>
+        </pc:sldMkLst>
+        <pc:spChg chg="mod">
+          <ac:chgData name="Lauren Schutte" userId="6e08b2d3-447a-4d66-86be-444d50df187f" providerId="ADAL" clId="{1A3D389F-0E00-444F-BDF7-5C174E20EEC2}" dt="2021-10-13T19:33:45.182" v="59" actId="20577"/>
+          <ac:spMkLst>
+            <pc:docMk/>
+            <pc:sldMk cId="5960377" sldId="259"/>
+            <ac:spMk id="127" creationId="{BB896A03-8E7E-344F-BDE1-37C49461FF04}"/>
+          </ac:spMkLst>
+        </pc:spChg>
+        <pc:grpChg chg="del mod">
+          <ac:chgData name="Lauren Schutte" userId="6e08b2d3-447a-4d66-86be-444d50df187f" providerId="ADAL" clId="{1A3D389F-0E00-444F-BDF7-5C174E20EEC2}" dt="2021-10-13T19:40:25.578" v="61" actId="478"/>
+          <ac:grpSpMkLst>
+            <pc:docMk/>
+            <pc:sldMk cId="5960377" sldId="259"/>
+            <ac:grpSpMk id="62" creationId="{C539739D-1D3E-204D-9819-C44D9AE36DE8}"/>
+          </ac:grpSpMkLst>
+        </pc:grpChg>
+      </pc:sldChg>
+      <pc:sldChg chg="modSp mod">
+        <pc:chgData name="Lauren Schutte" userId="6e08b2d3-447a-4d66-86be-444d50df187f" providerId="ADAL" clId="{1A3D389F-0E00-444F-BDF7-5C174E20EEC2}" dt="2021-10-13T19:40:59.066" v="67" actId="20577"/>
+        <pc:sldMkLst>
+          <pc:docMk/>
+          <pc:sldMk cId="2161849182" sldId="267"/>
+        </pc:sldMkLst>
+        <pc:spChg chg="mod">
+          <ac:chgData name="Lauren Schutte" userId="6e08b2d3-447a-4d66-86be-444d50df187f" providerId="ADAL" clId="{1A3D389F-0E00-444F-BDF7-5C174E20EEC2}" dt="2021-10-13T19:40:59.066" v="67" actId="20577"/>
+          <ac:spMkLst>
+            <pc:docMk/>
+            <pc:sldMk cId="2161849182" sldId="267"/>
+            <ac:spMk id="2" creationId="{00000000-0000-0000-0000-000000000000}"/>
+          </ac:spMkLst>
+        </pc:spChg>
+        <pc:graphicFrameChg chg="mod modGraphic">
+          <ac:chgData name="Lauren Schutte" userId="6e08b2d3-447a-4d66-86be-444d50df187f" providerId="ADAL" clId="{1A3D389F-0E00-444F-BDF7-5C174E20EEC2}" dt="2021-10-13T19:33:05.183" v="58"/>
+          <ac:graphicFrameMkLst>
+            <pc:docMk/>
+            <pc:sldMk cId="2161849182" sldId="267"/>
+            <ac:graphicFrameMk id="9" creationId="{00000000-0000-0000-0000-000000000000}"/>
+          </ac:graphicFrameMkLst>
+        </pc:graphicFrameChg>
+      </pc:sldChg>
+    </pc:docChg>
+  </pc:docChgLst>
+  <pc:docChgLst>
+    <pc:chgData name="Akilah Johnson" userId="S::akjohnso@adobe.com::2fa3aa60-0c9c-4d06-bae2-795983241227" providerId="AD" clId="Web-{3CA2F123-FAC9-2CDD-7937-C83283BA7837}"/>
+    <pc:docChg chg="modSld">
+      <pc:chgData name="Akilah Johnson" userId="S::akjohnso@adobe.com::2fa3aa60-0c9c-4d06-bae2-795983241227" providerId="AD" clId="Web-{3CA2F123-FAC9-2CDD-7937-C83283BA7837}" dt="2021-09-16T20:58:19.458" v="0" actId="1076"/>
+      <pc:docMkLst>
+        <pc:docMk/>
+      </pc:docMkLst>
+      <pc:sldChg chg="modSp">
+        <pc:chgData name="Akilah Johnson" userId="S::akjohnso@adobe.com::2fa3aa60-0c9c-4d06-bae2-795983241227" providerId="AD" clId="Web-{3CA2F123-FAC9-2CDD-7937-C83283BA7837}" dt="2021-09-16T20:58:19.458" v="0" actId="1076"/>
+        <pc:sldMkLst>
+          <pc:docMk/>
+          <pc:sldMk cId="717026355" sldId="266"/>
+        </pc:sldMkLst>
+        <pc:spChg chg="mod">
+          <ac:chgData name="Akilah Johnson" userId="S::akjohnso@adobe.com::2fa3aa60-0c9c-4d06-bae2-795983241227" providerId="AD" clId="Web-{3CA2F123-FAC9-2CDD-7937-C83283BA7837}" dt="2021-09-16T20:58:19.458" v="0" actId="1076"/>
+          <ac:spMkLst>
+            <pc:docMk/>
+            <pc:sldMk cId="717026355" sldId="266"/>
+            <ac:spMk id="83" creationId="{BB34E685-A734-974B-A33A-BE51D1A8BC0D}"/>
+          </ac:spMkLst>
+        </pc:spChg>
+      </pc:sldChg>
+    </pc:docChg>
+  </pc:docChgLst>
+  <pc:docChgLst>
+    <pc:chgData name="Akilah Johnson" userId="S::akjohnso@adobe.com::2fa3aa60-0c9c-4d06-bae2-795983241227" providerId="AD" clId="Web-{19826C17-B3F5-53A1-AAFF-C7771804C7A7}"/>
+    <pc:docChg chg="modSld">
+      <pc:chgData name="Akilah Johnson" userId="S::akjohnso@adobe.com::2fa3aa60-0c9c-4d06-bae2-795983241227" providerId="AD" clId="Web-{19826C17-B3F5-53A1-AAFF-C7771804C7A7}" dt="2021-10-13T18:50:21.160" v="67"/>
+      <pc:docMkLst>
+        <pc:docMk/>
+      </pc:docMkLst>
+      <pc:sldChg chg="modSp">
+        <pc:chgData name="Akilah Johnson" userId="S::akjohnso@adobe.com::2fa3aa60-0c9c-4d06-bae2-795983241227" providerId="AD" clId="Web-{19826C17-B3F5-53A1-AAFF-C7771804C7A7}" dt="2021-10-13T18:38:26.810" v="9" actId="20577"/>
+        <pc:sldMkLst>
+          <pc:docMk/>
+          <pc:sldMk cId="5960377" sldId="259"/>
+        </pc:sldMkLst>
+        <pc:spChg chg="mod">
+          <ac:chgData name="Akilah Johnson" userId="S::akjohnso@adobe.com::2fa3aa60-0c9c-4d06-bae2-795983241227" providerId="AD" clId="Web-{19826C17-B3F5-53A1-AAFF-C7771804C7A7}" dt="2021-10-13T18:38:26.810" v="9" actId="20577"/>
+          <ac:spMkLst>
+            <pc:docMk/>
+            <pc:sldMk cId="5960377" sldId="259"/>
+            <ac:spMk id="75" creationId="{4602CC83-B0C7-8445-9007-87E67CDDD9D0}"/>
+          </ac:spMkLst>
+        </pc:spChg>
+        <pc:spChg chg="mod">
+          <ac:chgData name="Akilah Johnson" userId="S::akjohnso@adobe.com::2fa3aa60-0c9c-4d06-bae2-795983241227" providerId="AD" clId="Web-{19826C17-B3F5-53A1-AAFF-C7771804C7A7}" dt="2021-10-13T18:38:17.716" v="5" actId="20577"/>
+          <ac:spMkLst>
+            <pc:docMk/>
+            <pc:sldMk cId="5960377" sldId="259"/>
+            <ac:spMk id="83" creationId="{7A016ADC-2A30-8A4B-BE07-A9AB6C1898A7}"/>
+          </ac:spMkLst>
+        </pc:spChg>
+        <pc:spChg chg="mod">
+          <ac:chgData name="Akilah Johnson" userId="S::akjohnso@adobe.com::2fa3aa60-0c9c-4d06-bae2-795983241227" providerId="AD" clId="Web-{19826C17-B3F5-53A1-AAFF-C7771804C7A7}" dt="2021-10-13T18:38:19.654" v="6" actId="20577"/>
+          <ac:spMkLst>
+            <pc:docMk/>
+            <pc:sldMk cId="5960377" sldId="259"/>
+            <ac:spMk id="87" creationId="{57C0C871-6516-F145-97DA-27A143E6185C}"/>
+          </ac:spMkLst>
+        </pc:spChg>
+        <pc:spChg chg="mod">
+          <ac:chgData name="Akilah Johnson" userId="S::akjohnso@adobe.com::2fa3aa60-0c9c-4d06-bae2-795983241227" providerId="AD" clId="Web-{19826C17-B3F5-53A1-AAFF-C7771804C7A7}" dt="2021-10-13T18:38:14.044" v="4" actId="20577"/>
+          <ac:spMkLst>
+            <pc:docMk/>
+            <pc:sldMk cId="5960377" sldId="259"/>
+            <ac:spMk id="124" creationId="{14AAF776-9013-4C40-92F9-FFFE22C4038F}"/>
+          </ac:spMkLst>
+        </pc:spChg>
+        <pc:spChg chg="mod">
+          <ac:chgData name="Akilah Johnson" userId="S::akjohnso@adobe.com::2fa3aa60-0c9c-4d06-bae2-795983241227" providerId="AD" clId="Web-{19826C17-B3F5-53A1-AAFF-C7771804C7A7}" dt="2021-10-13T18:38:10.013" v="2" actId="20577"/>
+          <ac:spMkLst>
+            <pc:docMk/>
+            <pc:sldMk cId="5960377" sldId="259"/>
+            <ac:spMk id="125" creationId="{AF4EBBF5-5438-A043-B9AA-3822381D52EE}"/>
+          </ac:spMkLst>
+        </pc:spChg>
+        <pc:spChg chg="mod">
+          <ac:chgData name="Akilah Johnson" userId="S::akjohnso@adobe.com::2fa3aa60-0c9c-4d06-bae2-795983241227" providerId="AD" clId="Web-{19826C17-B3F5-53A1-AAFF-C7771804C7A7}" dt="2021-10-13T18:38:12.263" v="3" actId="20577"/>
+          <ac:spMkLst>
+            <pc:docMk/>
+            <pc:sldMk cId="5960377" sldId="259"/>
+            <ac:spMk id="126" creationId="{7F65676D-32E4-7B4B-BB85-4D504B5882BD}"/>
+          </ac:spMkLst>
+        </pc:spChg>
+      </pc:sldChg>
+      <pc:sldChg chg="modSp">
+        <pc:chgData name="Akilah Johnson" userId="S::akjohnso@adobe.com::2fa3aa60-0c9c-4d06-bae2-795983241227" providerId="AD" clId="Web-{19826C17-B3F5-53A1-AAFF-C7771804C7A7}" dt="2021-10-13T18:40:23.717" v="19" actId="20577"/>
+        <pc:sldMkLst>
+          <pc:docMk/>
+          <pc:sldMk cId="1050037809" sldId="261"/>
+        </pc:sldMkLst>
+        <pc:spChg chg="mod">
+          <ac:chgData name="Akilah Johnson" userId="S::akjohnso@adobe.com::2fa3aa60-0c9c-4d06-bae2-795983241227" providerId="AD" clId="Web-{19826C17-B3F5-53A1-AAFF-C7771804C7A7}" dt="2021-10-13T18:40:23.717" v="19" actId="20577"/>
+          <ac:spMkLst>
+            <pc:docMk/>
+            <pc:sldMk cId="1050037809" sldId="261"/>
+            <ac:spMk id="56" creationId="{00000000-0000-0000-0000-000000000000}"/>
+          </ac:spMkLst>
+        </pc:spChg>
+        <pc:graphicFrameChg chg="mod modGraphic">
+          <ac:chgData name="Akilah Johnson" userId="S::akjohnso@adobe.com::2fa3aa60-0c9c-4d06-bae2-795983241227" providerId="AD" clId="Web-{19826C17-B3F5-53A1-AAFF-C7771804C7A7}" dt="2021-10-13T18:39:38.154" v="17"/>
+          <ac:graphicFrameMkLst>
+            <pc:docMk/>
+            <pc:sldMk cId="1050037809" sldId="261"/>
+            <ac:graphicFrameMk id="111" creationId="{D8653CEC-4213-DE40-9BAF-D1E3318FF89C}"/>
+          </ac:graphicFrameMkLst>
+        </pc:graphicFrameChg>
+      </pc:sldChg>
+      <pc:sldChg chg="modSp">
+        <pc:chgData name="Akilah Johnson" userId="S::akjohnso@adobe.com::2fa3aa60-0c9c-4d06-bae2-795983241227" providerId="AD" clId="Web-{19826C17-B3F5-53A1-AAFF-C7771804C7A7}" dt="2021-10-13T18:39:10.373" v="15" actId="20577"/>
+        <pc:sldMkLst>
+          <pc:docMk/>
+          <pc:sldMk cId="717026355" sldId="266"/>
+        </pc:sldMkLst>
+        <pc:spChg chg="mod">
+          <ac:chgData name="Akilah Johnson" userId="S::akjohnso@adobe.com::2fa3aa60-0c9c-4d06-bae2-795983241227" providerId="AD" clId="Web-{19826C17-B3F5-53A1-AAFF-C7771804C7A7}" dt="2021-10-13T18:39:10.373" v="15" actId="20577"/>
+          <ac:spMkLst>
+            <pc:docMk/>
+            <pc:sldMk cId="717026355" sldId="266"/>
+            <ac:spMk id="9" creationId="{00000000-0000-0000-0000-000000000000}"/>
+          </ac:spMkLst>
+        </pc:spChg>
+        <pc:spChg chg="mod">
+          <ac:chgData name="Akilah Johnson" userId="S::akjohnso@adobe.com::2fa3aa60-0c9c-4d06-bae2-795983241227" providerId="AD" clId="Web-{19826C17-B3F5-53A1-AAFF-C7771804C7A7}" dt="2021-10-13T18:38:44.029" v="11" actId="20577"/>
+          <ac:spMkLst>
+            <pc:docMk/>
+            <pc:sldMk cId="717026355" sldId="266"/>
+            <ac:spMk id="82" creationId="{F6061E8D-9723-464D-AA49-7A3A3A02BE92}"/>
+          </ac:spMkLst>
+        </pc:spChg>
+        <pc:spChg chg="mod">
+          <ac:chgData name="Akilah Johnson" userId="S::akjohnso@adobe.com::2fa3aa60-0c9c-4d06-bae2-795983241227" providerId="AD" clId="Web-{19826C17-B3F5-53A1-AAFF-C7771804C7A7}" dt="2021-10-13T18:39:00.638" v="13" actId="20577"/>
+          <ac:spMkLst>
+            <pc:docMk/>
+            <pc:sldMk cId="717026355" sldId="266"/>
+            <ac:spMk id="83" creationId="{BB34E685-A734-974B-A33A-BE51D1A8BC0D}"/>
+          </ac:spMkLst>
+        </pc:spChg>
+      </pc:sldChg>
+      <pc:sldChg chg="modSp">
+        <pc:chgData name="Akilah Johnson" userId="S::akjohnso@adobe.com::2fa3aa60-0c9c-4d06-bae2-795983241227" providerId="AD" clId="Web-{19826C17-B3F5-53A1-AAFF-C7771804C7A7}" dt="2021-10-13T18:50:21.160" v="67"/>
+        <pc:sldMkLst>
+          <pc:docMk/>
+          <pc:sldMk cId="2161849182" sldId="267"/>
+        </pc:sldMkLst>
+        <pc:graphicFrameChg chg="mod modGraphic">
+          <ac:chgData name="Akilah Johnson" userId="S::akjohnso@adobe.com::2fa3aa60-0c9c-4d06-bae2-795983241227" providerId="AD" clId="Web-{19826C17-B3F5-53A1-AAFF-C7771804C7A7}" dt="2021-10-13T18:50:21.160" v="67"/>
+          <ac:graphicFrameMkLst>
+            <pc:docMk/>
+            <pc:sldMk cId="2161849182" sldId="267"/>
+            <ac:graphicFrameMk id="9" creationId="{00000000-0000-0000-0000-000000000000}"/>
           </ac:graphicFrameMkLst>
         </pc:graphicFrameChg>
       </pc:sldChg>
@@ -275,7 +624,7 @@
           <a:p>
             <a:fld id="{CCB2A597-803A-C244-97E2-A01066125D19}" type="datetimeFigureOut">
               <a:rPr lang="en-US" smtClean="0"/>
-              <a:t>10/11/21</a:t>
+              <a:t>10/13/21</a:t>
             </a:fld>
             <a:endParaRPr lang="en-US"/>
           </a:p>
@@ -1056,7 +1405,7 @@
           <a:p>
             <a:fld id="{1D8BD707-D9CF-40AE-B4C6-C98DA3205C09}" type="datetimeFigureOut">
               <a:rPr lang="en-US"/>
-              <a:t>10/11/21</a:t>
+              <a:t>10/13/21</a:t>
             </a:fld>
             <a:endParaRPr lang="en-US"/>
           </a:p>
@@ -1296,7 +1645,7 @@
           <a:p>
             <a:fld id="{1D8BD707-D9CF-40AE-B4C6-C98DA3205C09}" type="datetimeFigureOut">
               <a:rPr lang="en-US"/>
-              <a:t>10/11/21</a:t>
+              <a:t>10/13/21</a:t>
             </a:fld>
             <a:endParaRPr lang="en-US"/>
           </a:p>
@@ -1549,7 +1898,7 @@
           <a:p>
             <a:fld id="{1D8BD707-D9CF-40AE-B4C6-C98DA3205C09}" type="datetimeFigureOut">
               <a:rPr lang="en-US"/>
-              <a:t>10/11/21</a:t>
+              <a:t>10/13/21</a:t>
             </a:fld>
             <a:endParaRPr lang="en-US"/>
           </a:p>
@@ -1736,7 +2085,7 @@
           <a:p>
             <a:fld id="{1D8BD707-D9CF-40AE-B4C6-C98DA3205C09}" type="datetimeFigureOut">
               <a:rPr lang="en-US"/>
-              <a:t>10/11/21</a:t>
+              <a:t>10/13/21</a:t>
             </a:fld>
             <a:endParaRPr lang="en-US"/>
           </a:p>
@@ -1894,7 +2243,7 @@
           <a:p>
             <a:fld id="{1D8BD707-D9CF-40AE-B4C6-C98DA3205C09}" type="datetimeFigureOut">
               <a:rPr lang="en-US"/>
-              <a:t>10/11/21</a:t>
+              <a:t>10/13/21</a:t>
             </a:fld>
             <a:endParaRPr lang="en-US"/>
           </a:p>
@@ -2152,7 +2501,7 @@
           <a:p>
             <a:fld id="{1D8BD707-D9CF-40AE-B4C6-C98DA3205C09}" type="datetimeFigureOut">
               <a:rPr lang="en-US"/>
-              <a:t>10/11/21</a:t>
+              <a:t>10/13/21</a:t>
             </a:fld>
             <a:endParaRPr lang="en-US"/>
           </a:p>
@@ -2391,26 +2740,41 @@
           </a:prstGeom>
         </p:spPr>
         <p:txBody>
-          <a:bodyPr vert="horz" wrap="square" lIns="0" tIns="12700" rIns="0" bIns="0" rtlCol="0">
+          <a:bodyPr vert="horz" wrap="square" lIns="0" tIns="12700" rIns="0" bIns="0" rtlCol="0" anchor="t">
             <a:spAutoFit/>
           </a:bodyPr>
           <a:lstStyle/>
           <a:p>
             <a:pPr marL="12700">
-              <a:lnSpc>
-                <a:spcPct val="100000"/>
-              </a:lnSpc>
               <a:spcBef>
                 <a:spcPts val="100"/>
               </a:spcBef>
             </a:pPr>
             <a:r>
-              <a:rPr lang="de-de" sz="2300" spc="-229">
-                <a:latin typeface="Adobe Clean" panose="020B0503020404020204" pitchFamily="34" charset="0"/>
-              </a:rPr>
-              <a:t>Adobe 支援方案</a:t>
-            </a:r>
-            <a:endParaRPr sz="2300" spc="-229">
+              <a:rPr sz="2300" dirty="0">
+                <a:latin typeface="Adobe Clean"/>
+              </a:rPr>
+              <a:t>ADOBE</a:t>
+            </a:r>
+            <a:r>
+              <a:rPr lang="en-US" sz="2300" dirty="0">
+                <a:latin typeface="Adobe Clean"/>
+              </a:rPr>
+              <a:t> </a:t>
+            </a:r>
+            <a:r>
+              <a:rPr sz="2300" dirty="0">
+                <a:latin typeface="Adobe Clean"/>
+              </a:rPr>
+              <a:t>SUPPORT</a:t>
+            </a:r>
+            <a:r>
+              <a:rPr lang="en-US" sz="2300" dirty="0">
+                <a:latin typeface="Adobe Clean"/>
+              </a:rPr>
+              <a:t> PLANS</a:t>
+            </a:r>
+            <a:endParaRPr sz="2300" dirty="0">
               <a:latin typeface="Adobe Clean" panose="020B0503020404020204" pitchFamily="34" charset="0"/>
             </a:endParaRPr>
           </a:p>
@@ -2425,7 +2789,7 @@
         <p:spPr>
           <a:xfrm>
             <a:off x="125148" y="7013546"/>
-            <a:ext cx="5246952" cy="228268"/>
+            <a:ext cx="2785110" cy="228268"/>
           </a:xfrm>
           <a:prstGeom prst="rect">
             <a:avLst/>
@@ -2446,7 +2810,7 @@
               </a:spcBef>
             </a:pPr>
             <a:r>
-              <a:rPr lang="de-de" sz="1400" b="1" u="sng" spc="15" dirty="0">
+              <a:rPr sz="1400" b="1" u="sng" spc="15">
                 <a:solidFill>
                   <a:srgbClr val="020302"/>
                 </a:solidFill>
@@ -2458,10 +2822,10 @@
                 <a:latin typeface="Adobe Clean"/>
                 <a:cs typeface="Adobe Clean"/>
               </a:rPr>
-              <a:t>服務層級目標：初始回應</a:t>
-            </a:r>
-            <a:r>
-              <a:rPr lang="de-de" sz="1400" b="1" u="sng" spc="-15" dirty="0">
+              <a:t>S</a:t>
+            </a:r>
+            <a:r>
+              <a:rPr sz="1400" b="1" u="sng" spc="5">
                 <a:solidFill>
                   <a:srgbClr val="020302"/>
                 </a:solidFill>
@@ -2473,10 +2837,10 @@
                 <a:latin typeface="Adobe Clean"/>
                 <a:cs typeface="Adobe Clean"/>
               </a:rPr>
-              <a:t> </a:t>
-            </a:r>
-            <a:r>
-              <a:rPr lang="de-de" sz="1400" b="1" u="sng" spc="-85" dirty="0">
+              <a:t>er</a:t>
+            </a:r>
+            <a:r>
+              <a:rPr sz="1400" b="1" u="sng" spc="10">
                 <a:solidFill>
                   <a:srgbClr val="020302"/>
                 </a:solidFill>
@@ -2488,10 +2852,10 @@
                 <a:latin typeface="Adobe Clean"/>
                 <a:cs typeface="Adobe Clean"/>
               </a:rPr>
-              <a:t> </a:t>
-            </a:r>
-            <a:r>
-              <a:rPr lang="de-de" sz="1400" b="1" u="sng" spc="-145" dirty="0">
+              <a:t>vi</a:t>
+            </a:r>
+            <a:r>
+              <a:rPr sz="1400" b="1" u="sng" spc="5">
                 <a:solidFill>
                   <a:srgbClr val="020302"/>
                 </a:solidFill>
@@ -2503,9 +2867,429 @@
                 <a:latin typeface="Adobe Clean"/>
                 <a:cs typeface="Adobe Clean"/>
               </a:rPr>
+              <a:t>c</a:t>
+            </a:r>
+            <a:r>
+              <a:rPr sz="1400" b="1" u="sng">
+                <a:solidFill>
+                  <a:srgbClr val="020302"/>
+                </a:solidFill>
+                <a:uFill>
+                  <a:solidFill>
+                    <a:srgbClr val="020302"/>
+                  </a:solidFill>
+                </a:uFill>
+                <a:latin typeface="Adobe Clean"/>
+                <a:cs typeface="Adobe Clean"/>
+              </a:rPr>
+              <a:t>e</a:t>
+            </a:r>
+            <a:r>
+              <a:rPr sz="1400" b="1" u="sng" spc="20">
+                <a:solidFill>
+                  <a:srgbClr val="020302"/>
+                </a:solidFill>
+                <a:uFill>
+                  <a:solidFill>
+                    <a:srgbClr val="020302"/>
+                  </a:solidFill>
+                </a:uFill>
+                <a:latin typeface="Adobe Clean"/>
+                <a:cs typeface="Adobe Clean"/>
+              </a:rPr>
               <a:t> </a:t>
             </a:r>
-            <a:endParaRPr sz="1400" u="sng" dirty="0">
+            <a:r>
+              <a:rPr sz="1400" b="1" u="sng" spc="-15">
+                <a:solidFill>
+                  <a:srgbClr val="020302"/>
+                </a:solidFill>
+                <a:uFill>
+                  <a:solidFill>
+                    <a:srgbClr val="020302"/>
+                  </a:solidFill>
+                </a:uFill>
+                <a:latin typeface="Adobe Clean"/>
+                <a:cs typeface="Adobe Clean"/>
+              </a:rPr>
+              <a:t>Le</a:t>
+            </a:r>
+            <a:r>
+              <a:rPr sz="1400" b="1" u="sng" spc="-10">
+                <a:solidFill>
+                  <a:srgbClr val="020302"/>
+                </a:solidFill>
+                <a:uFill>
+                  <a:solidFill>
+                    <a:srgbClr val="020302"/>
+                  </a:solidFill>
+                </a:uFill>
+                <a:latin typeface="Adobe Clean"/>
+                <a:cs typeface="Adobe Clean"/>
+              </a:rPr>
+              <a:t>v</a:t>
+            </a:r>
+            <a:r>
+              <a:rPr sz="1400" b="1" u="sng" spc="-15">
+                <a:solidFill>
+                  <a:srgbClr val="020302"/>
+                </a:solidFill>
+                <a:uFill>
+                  <a:solidFill>
+                    <a:srgbClr val="020302"/>
+                  </a:solidFill>
+                </a:uFill>
+                <a:latin typeface="Adobe Clean"/>
+                <a:cs typeface="Adobe Clean"/>
+              </a:rPr>
+              <a:t>e</a:t>
+            </a:r>
+            <a:r>
+              <a:rPr sz="1400" b="1" u="sng">
+                <a:solidFill>
+                  <a:srgbClr val="020302"/>
+                </a:solidFill>
+                <a:uFill>
+                  <a:solidFill>
+                    <a:srgbClr val="020302"/>
+                  </a:solidFill>
+                </a:uFill>
+                <a:latin typeface="Adobe Clean"/>
+                <a:cs typeface="Adobe Clean"/>
+              </a:rPr>
+              <a:t>l</a:t>
+            </a:r>
+            <a:r>
+              <a:rPr sz="1400" b="1" u="sng" spc="-15">
+                <a:solidFill>
+                  <a:srgbClr val="020302"/>
+                </a:solidFill>
+                <a:uFill>
+                  <a:solidFill>
+                    <a:srgbClr val="020302"/>
+                  </a:solidFill>
+                </a:uFill>
+                <a:latin typeface="Adobe Clean"/>
+                <a:cs typeface="Adobe Clean"/>
+              </a:rPr>
+              <a:t> </a:t>
+            </a:r>
+            <a:r>
+              <a:rPr sz="1400" b="1" u="sng" spc="-55">
+                <a:solidFill>
+                  <a:srgbClr val="020302"/>
+                </a:solidFill>
+                <a:uFill>
+                  <a:solidFill>
+                    <a:srgbClr val="020302"/>
+                  </a:solidFill>
+                </a:uFill>
+                <a:latin typeface="Adobe Clean"/>
+                <a:cs typeface="Adobe Clean"/>
+              </a:rPr>
+              <a:t>T</a:t>
+            </a:r>
+            <a:r>
+              <a:rPr sz="1400" b="1" u="sng" spc="-40">
+                <a:solidFill>
+                  <a:srgbClr val="020302"/>
+                </a:solidFill>
+                <a:uFill>
+                  <a:solidFill>
+                    <a:srgbClr val="020302"/>
+                  </a:solidFill>
+                </a:uFill>
+                <a:latin typeface="Adobe Clean"/>
+                <a:cs typeface="Adobe Clean"/>
+              </a:rPr>
+              <a:t>a</a:t>
+            </a:r>
+            <a:r>
+              <a:rPr sz="1400" b="1" u="sng" spc="-45">
+                <a:solidFill>
+                  <a:srgbClr val="020302"/>
+                </a:solidFill>
+                <a:uFill>
+                  <a:solidFill>
+                    <a:srgbClr val="020302"/>
+                  </a:solidFill>
+                </a:uFill>
+                <a:latin typeface="Adobe Clean"/>
+                <a:cs typeface="Adobe Clean"/>
+              </a:rPr>
+              <a:t>r</a:t>
+            </a:r>
+            <a:r>
+              <a:rPr sz="1400" b="1" u="sng" spc="-40">
+                <a:solidFill>
+                  <a:srgbClr val="020302"/>
+                </a:solidFill>
+                <a:uFill>
+                  <a:solidFill>
+                    <a:srgbClr val="020302"/>
+                  </a:solidFill>
+                </a:uFill>
+                <a:latin typeface="Adobe Clean"/>
+                <a:cs typeface="Adobe Clean"/>
+              </a:rPr>
+              <a:t>g</a:t>
+            </a:r>
+            <a:r>
+              <a:rPr sz="1400" b="1" u="sng" spc="-50">
+                <a:solidFill>
+                  <a:srgbClr val="020302"/>
+                </a:solidFill>
+                <a:uFill>
+                  <a:solidFill>
+                    <a:srgbClr val="020302"/>
+                  </a:solidFill>
+                </a:uFill>
+                <a:latin typeface="Adobe Clean"/>
+                <a:cs typeface="Adobe Clean"/>
+              </a:rPr>
+              <a:t>et</a:t>
+            </a:r>
+            <a:r>
+              <a:rPr sz="1400" b="1" u="sng" spc="-45">
+                <a:solidFill>
+                  <a:srgbClr val="020302"/>
+                </a:solidFill>
+                <a:uFill>
+                  <a:solidFill>
+                    <a:srgbClr val="020302"/>
+                  </a:solidFill>
+                </a:uFill>
+                <a:latin typeface="Adobe Clean"/>
+                <a:cs typeface="Adobe Clean"/>
+              </a:rPr>
+              <a:t>s</a:t>
+            </a:r>
+            <a:r>
+              <a:rPr sz="1400" b="1" u="sng">
+                <a:solidFill>
+                  <a:srgbClr val="020302"/>
+                </a:solidFill>
+                <a:uFill>
+                  <a:solidFill>
+                    <a:srgbClr val="020302"/>
+                  </a:solidFill>
+                </a:uFill>
+                <a:latin typeface="Adobe Clean"/>
+                <a:cs typeface="Adobe Clean"/>
+              </a:rPr>
+              <a:t>:</a:t>
+            </a:r>
+            <a:r>
+              <a:rPr sz="1400" b="1" u="sng" spc="-85">
+                <a:solidFill>
+                  <a:srgbClr val="020302"/>
+                </a:solidFill>
+                <a:uFill>
+                  <a:solidFill>
+                    <a:srgbClr val="020302"/>
+                  </a:solidFill>
+                </a:uFill>
+                <a:latin typeface="Adobe Clean"/>
+                <a:cs typeface="Adobe Clean"/>
+              </a:rPr>
+              <a:t> </a:t>
+            </a:r>
+            <a:r>
+              <a:rPr sz="1400" b="1" u="sng" spc="-15">
+                <a:solidFill>
+                  <a:srgbClr val="020302"/>
+                </a:solidFill>
+                <a:uFill>
+                  <a:solidFill>
+                    <a:srgbClr val="020302"/>
+                  </a:solidFill>
+                </a:uFill>
+                <a:latin typeface="Adobe Clean"/>
+                <a:cs typeface="Adobe Clean"/>
+              </a:rPr>
+              <a:t>I</a:t>
+            </a:r>
+            <a:r>
+              <a:rPr sz="1400" b="1" u="sng" spc="-10">
+                <a:solidFill>
+                  <a:srgbClr val="020302"/>
+                </a:solidFill>
+                <a:uFill>
+                  <a:solidFill>
+                    <a:srgbClr val="020302"/>
+                  </a:solidFill>
+                </a:uFill>
+                <a:latin typeface="Adobe Clean"/>
+                <a:cs typeface="Adobe Clean"/>
+              </a:rPr>
+              <a:t>ni</a:t>
+            </a:r>
+            <a:r>
+              <a:rPr sz="1400" b="1" u="sng" spc="-15">
+                <a:solidFill>
+                  <a:srgbClr val="020302"/>
+                </a:solidFill>
+                <a:uFill>
+                  <a:solidFill>
+                    <a:srgbClr val="020302"/>
+                  </a:solidFill>
+                </a:uFill>
+                <a:latin typeface="Adobe Clean"/>
+                <a:cs typeface="Adobe Clean"/>
+              </a:rPr>
+              <a:t>t</a:t>
+            </a:r>
+            <a:r>
+              <a:rPr sz="1400" b="1" u="sng" spc="-10">
+                <a:solidFill>
+                  <a:srgbClr val="020302"/>
+                </a:solidFill>
+                <a:uFill>
+                  <a:solidFill>
+                    <a:srgbClr val="020302"/>
+                  </a:solidFill>
+                </a:uFill>
+                <a:latin typeface="Adobe Clean"/>
+                <a:cs typeface="Adobe Clean"/>
+              </a:rPr>
+              <a:t>i</a:t>
+            </a:r>
+            <a:r>
+              <a:rPr sz="1400" b="1" u="sng" spc="-5">
+                <a:solidFill>
+                  <a:srgbClr val="020302"/>
+                </a:solidFill>
+                <a:uFill>
+                  <a:solidFill>
+                    <a:srgbClr val="020302"/>
+                  </a:solidFill>
+                </a:uFill>
+                <a:latin typeface="Adobe Clean"/>
+                <a:cs typeface="Adobe Clean"/>
+              </a:rPr>
+              <a:t>a</a:t>
+            </a:r>
+            <a:r>
+              <a:rPr sz="1400" b="1" u="sng">
+                <a:solidFill>
+                  <a:srgbClr val="020302"/>
+                </a:solidFill>
+                <a:uFill>
+                  <a:solidFill>
+                    <a:srgbClr val="020302"/>
+                  </a:solidFill>
+                </a:uFill>
+                <a:latin typeface="Adobe Clean"/>
+                <a:cs typeface="Adobe Clean"/>
+              </a:rPr>
+              <a:t>l</a:t>
+            </a:r>
+            <a:r>
+              <a:rPr sz="1400" b="1" u="sng" spc="-145">
+                <a:solidFill>
+                  <a:srgbClr val="020302"/>
+                </a:solidFill>
+                <a:uFill>
+                  <a:solidFill>
+                    <a:srgbClr val="020302"/>
+                  </a:solidFill>
+                </a:uFill>
+                <a:latin typeface="Adobe Clean"/>
+                <a:cs typeface="Adobe Clean"/>
+              </a:rPr>
+              <a:t> </a:t>
+            </a:r>
+            <a:r>
+              <a:rPr sz="1400" b="1" u="sng" spc="-15">
+                <a:solidFill>
+                  <a:srgbClr val="020302"/>
+                </a:solidFill>
+                <a:uFill>
+                  <a:solidFill>
+                    <a:srgbClr val="020302"/>
+                  </a:solidFill>
+                </a:uFill>
+                <a:latin typeface="Adobe Clean"/>
+                <a:cs typeface="Adobe Clean"/>
+              </a:rPr>
+              <a:t>R</a:t>
+            </a:r>
+            <a:r>
+              <a:rPr sz="1400" b="1" u="sng" spc="-20">
+                <a:solidFill>
+                  <a:srgbClr val="020302"/>
+                </a:solidFill>
+                <a:uFill>
+                  <a:solidFill>
+                    <a:srgbClr val="020302"/>
+                  </a:solidFill>
+                </a:uFill>
+                <a:latin typeface="Adobe Clean"/>
+                <a:cs typeface="Adobe Clean"/>
+              </a:rPr>
+              <a:t>e</a:t>
+            </a:r>
+            <a:r>
+              <a:rPr sz="1400" b="1" u="sng" spc="-15">
+                <a:solidFill>
+                  <a:srgbClr val="020302"/>
+                </a:solidFill>
+                <a:uFill>
+                  <a:solidFill>
+                    <a:srgbClr val="020302"/>
+                  </a:solidFill>
+                </a:uFill>
+                <a:latin typeface="Adobe Clean"/>
+                <a:cs typeface="Adobe Clean"/>
+              </a:rPr>
+              <a:t>s</a:t>
+            </a:r>
+            <a:r>
+              <a:rPr sz="1400" b="1" u="sng" spc="-20">
+                <a:solidFill>
+                  <a:srgbClr val="020302"/>
+                </a:solidFill>
+                <a:uFill>
+                  <a:solidFill>
+                    <a:srgbClr val="020302"/>
+                  </a:solidFill>
+                </a:uFill>
+                <a:latin typeface="Adobe Clean"/>
+                <a:cs typeface="Adobe Clean"/>
+              </a:rPr>
+              <a:t>p</a:t>
+            </a:r>
+            <a:r>
+              <a:rPr sz="1400" b="1" u="sng" spc="-15">
+                <a:solidFill>
+                  <a:srgbClr val="020302"/>
+                </a:solidFill>
+                <a:uFill>
+                  <a:solidFill>
+                    <a:srgbClr val="020302"/>
+                  </a:solidFill>
+                </a:uFill>
+                <a:latin typeface="Adobe Clean"/>
+                <a:cs typeface="Adobe Clean"/>
+              </a:rPr>
+              <a:t>ons</a:t>
+            </a:r>
+            <a:r>
+              <a:rPr sz="1400" b="1" u="sng">
+                <a:solidFill>
+                  <a:srgbClr val="020302"/>
+                </a:solidFill>
+                <a:uFill>
+                  <a:solidFill>
+                    <a:srgbClr val="020302"/>
+                  </a:solidFill>
+                </a:uFill>
+                <a:latin typeface="Adobe Clean"/>
+                <a:cs typeface="Adobe Clean"/>
+              </a:rPr>
+              <a:t>e</a:t>
+            </a:r>
+            <a:endParaRPr sz="1400" u="sng">
               <a:latin typeface="Adobe Clean"/>
               <a:cs typeface="Adobe Clean"/>
             </a:endParaRPr>
@@ -2521,14 +3305,14 @@
           <p:nvPr>
             <p:extLst>
               <p:ext uri="{D42A27DB-BD31-4B8C-83A1-F6EECF244321}">
-                <p14:modId xmlns:p14="http://schemas.microsoft.com/office/powerpoint/2010/main" val="1256728540"/>
+                <p14:modId xmlns:p14="http://schemas.microsoft.com/office/powerpoint/2010/main" val="3450047932"/>
               </p:ext>
             </p:extLst>
           </p:nvPr>
         </p:nvGraphicFramePr>
         <p:xfrm>
           <a:off x="146919" y="7473158"/>
-          <a:ext cx="7477080" cy="2307249"/>
+          <a:ext cx="7477080" cy="2190409"/>
         </p:xfrm>
         <a:graphic>
           <a:graphicData uri="http://schemas.openxmlformats.org/drawingml/2006/table">
@@ -2574,16 +3358,16 @@
                         </a:spcBef>
                       </a:pPr>
                       <a:r>
-                        <a:rPr lang="de-de" sz="900" spc="-20">
+                        <a:rPr sz="900" spc="-20" dirty="0">
                           <a:solidFill>
                             <a:srgbClr val="020302"/>
                           </a:solidFill>
                           <a:latin typeface="Adobe Clean"/>
                           <a:cs typeface="Adobe Clean"/>
                         </a:rPr>
-                        <a:t>優先順序</a:t>
+                        <a:t>Priority</a:t>
                       </a:r>
-                      <a:endParaRPr sz="900">
+                      <a:endParaRPr sz="900" dirty="0">
                         <a:latin typeface="Adobe Clean"/>
                         <a:cs typeface="Adobe Clean"/>
                       </a:endParaRPr>
@@ -2624,7 +3408,7 @@
                     <a:bodyPr/>
                     <a:lstStyle/>
                     <a:p>
-                      <a:pPr marL="381000" algn="ctr">
+                      <a:pPr marL="381000">
                         <a:lnSpc>
                           <a:spcPct val="100000"/>
                         </a:lnSpc>
@@ -2633,14 +3417,14 @@
                         </a:spcBef>
                       </a:pPr>
                       <a:r>
-                        <a:rPr lang="de-de" sz="900" spc="0" dirty="0" err="1">
+                        <a:rPr sz="900" spc="0" dirty="0">
                           <a:solidFill>
                             <a:srgbClr val="020302"/>
                           </a:solidFill>
                           <a:latin typeface="Adobe Clean"/>
                           <a:cs typeface="Adobe Clean"/>
                         </a:rPr>
-                        <a:t>線上支援</a:t>
+                        <a:t>Online Support</a:t>
                       </a:r>
                       <a:endParaRPr sz="900" spc="0" dirty="0">
                         <a:latin typeface="Adobe Clean"/>
@@ -2648,7 +3432,7 @@
                       </a:endParaRPr>
                     </a:p>
                   </a:txBody>
-                  <a:tcPr marL="0" marR="0" marT="6985" marB="0" anchor="ctr">
+                  <a:tcPr marL="0" marR="0" marT="0" marB="0" anchor="ctr">
                     <a:lnL w="6350">
                       <a:solidFill>
                         <a:srgbClr val="B7B8B8"/>
@@ -2667,11 +3451,14 @@
                       </a:solidFill>
                       <a:prstDash val="solid"/>
                     </a:lnT>
-                    <a:lnB w="76200">
+                    <a:lnB w="76200" cap="flat" cmpd="sng" algn="ctr">
                       <a:solidFill>
                         <a:srgbClr val="B3B3B3"/>
                       </a:solidFill>
                       <a:prstDash val="solid"/>
+                      <a:round/>
+                      <a:headEnd type="none" w="med" len="med"/>
+                      <a:tailEnd type="none" w="med" len="med"/>
                     </a:lnB>
                     <a:solidFill>
                       <a:srgbClr val="D9D9D9"/>
@@ -2683,7 +3470,7 @@
                     <a:bodyPr/>
                     <a:lstStyle/>
                     <a:p>
-                      <a:pPr marL="260985" algn="ctr">
+                      <a:pPr marL="260985">
                         <a:lnSpc>
                           <a:spcPct val="100000"/>
                         </a:lnSpc>
@@ -2692,14 +3479,14 @@
                         </a:spcBef>
                       </a:pPr>
                       <a:r>
-                        <a:rPr lang="de-de" sz="900" spc="0" dirty="0" err="1">
+                        <a:rPr sz="900" spc="0" dirty="0">
                           <a:solidFill>
                             <a:srgbClr val="FFFFFF"/>
                           </a:solidFill>
                           <a:latin typeface="Adobe Clean"/>
                           <a:cs typeface="Adobe Clean"/>
                         </a:rPr>
-                        <a:t>企業支援</a:t>
+                        <a:t>Enterprise Support</a:t>
                       </a:r>
                       <a:endParaRPr sz="900" spc="0" dirty="0">
                         <a:latin typeface="Adobe Clean"/>
@@ -2707,7 +3494,7 @@
                       </a:endParaRPr>
                     </a:p>
                   </a:txBody>
-                  <a:tcPr marL="0" marR="0" marT="10160" marB="0" anchor="ctr">
+                  <a:tcPr marL="0" marR="0" marT="0" marB="0" anchor="ctr">
                     <a:lnL w="6350">
                       <a:solidFill>
                         <a:srgbClr val="B7B8B8"/>
@@ -2764,17 +3551,87 @@
                         </a:spcBef>
                       </a:pPr>
                       <a:r>
-                        <a:rPr lang="de-de" sz="900" b="1" spc="-15">
+                        <a:rPr sz="900" b="1" spc="-15" dirty="0">
                           <a:solidFill>
                             <a:srgbClr val="020302"/>
                           </a:solidFill>
                           <a:latin typeface="Adobe Clean"/>
                           <a:cs typeface="Adobe Clean"/>
                         </a:rPr>
-                        <a:t>優先順序</a:t>
+                        <a:t>P</a:t>
                       </a:r>
                       <a:r>
-                        <a:rPr lang="de-de" sz="900" b="1" spc="-40">
+                        <a:rPr sz="900" b="1" spc="-20" dirty="0">
+                          <a:solidFill>
+                            <a:srgbClr val="020302"/>
+                          </a:solidFill>
+                          <a:latin typeface="Adobe Clean"/>
+                          <a:cs typeface="Adobe Clean"/>
+                        </a:rPr>
+                        <a:t>R</a:t>
+                      </a:r>
+                      <a:r>
+                        <a:rPr sz="900" b="1" spc="-25" dirty="0">
+                          <a:solidFill>
+                            <a:srgbClr val="020302"/>
+                          </a:solidFill>
+                          <a:latin typeface="Adobe Clean"/>
+                          <a:cs typeface="Adobe Clean"/>
+                        </a:rPr>
+                        <a:t>I</a:t>
+                      </a:r>
+                      <a:r>
+                        <a:rPr sz="900" b="1" spc="-15" dirty="0">
+                          <a:solidFill>
+                            <a:srgbClr val="020302"/>
+                          </a:solidFill>
+                          <a:latin typeface="Adobe Clean"/>
+                          <a:cs typeface="Adobe Clean"/>
+                        </a:rPr>
+                        <a:t>O</a:t>
+                      </a:r>
+                      <a:r>
+                        <a:rPr sz="900" b="1" spc="-20" dirty="0">
+                          <a:solidFill>
+                            <a:srgbClr val="020302"/>
+                          </a:solidFill>
+                          <a:latin typeface="Adobe Clean"/>
+                          <a:cs typeface="Adobe Clean"/>
+                        </a:rPr>
+                        <a:t>R</a:t>
+                      </a:r>
+                      <a:r>
+                        <a:rPr sz="900" b="1" spc="-25" dirty="0">
+                          <a:solidFill>
+                            <a:srgbClr val="020302"/>
+                          </a:solidFill>
+                          <a:latin typeface="Adobe Clean"/>
+                          <a:cs typeface="Adobe Clean"/>
+                        </a:rPr>
+                        <a:t>I</a:t>
+                      </a:r>
+                      <a:r>
+                        <a:rPr sz="900" b="1" spc="-15" dirty="0">
+                          <a:solidFill>
+                            <a:srgbClr val="020302"/>
+                          </a:solidFill>
+                          <a:latin typeface="Adobe Clean"/>
+                          <a:cs typeface="Adobe Clean"/>
+                        </a:rPr>
+                        <a:t>T</a:t>
+                      </a:r>
+                      <a:r>
+                        <a:rPr sz="900" b="1" dirty="0">
+                          <a:solidFill>
+                            <a:srgbClr val="020302"/>
+                          </a:solidFill>
+                          <a:latin typeface="Adobe Clean"/>
+                          <a:cs typeface="Adobe Clean"/>
+                        </a:rPr>
+                        <a:t>Y</a:t>
+                      </a:r>
+                      <a:r>
+                        <a:rPr sz="900" b="1" spc="-40" dirty="0">
                           <a:solidFill>
                             <a:srgbClr val="020302"/>
                           </a:solidFill>
@@ -2784,7 +3641,7 @@
                         <a:t> </a:t>
                       </a:r>
                       <a:r>
-                        <a:rPr lang="de-de" sz="900" b="1">
+                        <a:rPr sz="900" b="1" dirty="0">
                           <a:solidFill>
                             <a:srgbClr val="020302"/>
                           </a:solidFill>
@@ -2793,13 +3650,13 @@
                         </a:rPr>
                         <a:t>1</a:t>
                       </a:r>
-                      <a:endParaRPr sz="900">
+                      <a:endParaRPr sz="900" dirty="0">
                         <a:latin typeface="Adobe Clean"/>
                         <a:cs typeface="Adobe Clean"/>
                       </a:endParaRPr>
                     </a:p>
                     <a:p>
-                      <a:pPr marL="50800" marR="387985" lvl="0" indent="0" defTabSz="914400" eaLnBrk="1" fontAlgn="auto" latinLnBrk="0" hangingPunct="1">
+                      <a:pPr marL="50800" marR="387985" lvl="0" indent="0" eaLnBrk="1" fontAlgn="auto" latinLnBrk="0" hangingPunct="1">
                         <a:lnSpc>
                           <a:spcPts val="1000"/>
                         </a:lnSpc>
@@ -2813,33 +3670,31 @@
                         <a:buSzTx/>
                         <a:buFontTx/>
                         <a:buNone/>
-                        <a:tabLst/>
-                        <a:defRPr/>
                       </a:pPr>
                       <a:r>
-                        <a:rPr lang="de-de" sz="900" b="0" i="0" spc="-130">
+                        <a:rPr lang="en-US" sz="900" b="0" i="0" spc="-130" dirty="0">
                           <a:solidFill>
                             <a:srgbClr val="020302"/>
                           </a:solidFill>
-                          <a:latin typeface="Adobe Clean Light" panose="020B0303020404020204" pitchFamily="34" charset="0"/>
-                          <a:cs typeface="Adobe Clean"/>
+                          <a:latin typeface="Adobe Clean Light"/>
+                          <a:cs typeface="+mn-cs"/>
                         </a:rPr>
-                        <a:t> </a:t>
+                        <a:t> </a:t>
                       </a:r>
                       <a:r>
-                        <a:rPr lang="de-de" sz="900" b="0" i="0" u="none" strike="noStrike">
+                        <a:rPr lang="en-US" sz="900" b="0" i="0" u="none" strike="noStrike" dirty="0">
                           <a:solidFill>
                             <a:schemeClr val="tx1"/>
                           </a:solidFill>
                           <a:effectLst/>
-                          <a:latin typeface="Adobe Clean Light" panose="020B0303020404020204" pitchFamily="34" charset="0"/>
+                          <a:latin typeface="Adobe Clean Light"/>
                           <a:ea typeface="+mn-ea"/>
                           <a:cs typeface="+mn-cs"/>
                         </a:rPr>
-                        <a:t>客戶的生產業務功能已停止或發生重大資料遺失或服務降級狀況，需要立即關注以恢復功能與可用性</a:t>
+                        <a:t>Customer's production business functions are down or has significant data loss or degradation of services and immediate attention is required to restore functionality and usability</a:t>
                       </a:r>
-                      <a:endParaRPr lang="en-US" sz="900" b="0" i="0">
-                        <a:latin typeface="Adobe Clean Light" panose="020B0303020404020204" pitchFamily="34" charset="0"/>
+                      <a:endParaRPr lang="en-US" sz="900" b="0" i="0" dirty="0">
+                        <a:latin typeface="Adobe Clean Light"/>
                         <a:cs typeface="AdobeClean-Light"/>
                       </a:endParaRPr>
                     </a:p>
@@ -2851,11 +3706,14 @@
                       </a:solidFill>
                       <a:prstDash val="solid"/>
                     </a:lnL>
-                    <a:lnR w="6350">
+                    <a:lnR w="6350" cap="flat" cmpd="sng" algn="ctr">
                       <a:solidFill>
                         <a:srgbClr val="B7B8B8"/>
                       </a:solidFill>
                       <a:prstDash val="solid"/>
+                      <a:round/>
+                      <a:headEnd type="none" w="med" len="med"/>
+                      <a:tailEnd type="none" w="med" len="med"/>
                     </a:lnR>
                     <a:lnT w="6350">
                       <a:solidFill>
@@ -2876,79 +3734,34 @@
                     <a:bodyPr/>
                     <a:lstStyle/>
                     <a:p>
-                      <a:pPr marL="542925" marR="492125" algn="ctr">
-                        <a:lnSpc>
-                          <a:spcPct val="102200"/>
-                        </a:lnSpc>
-                      </a:pPr>
+                      <a:pPr algn="ctr" fontAlgn="ctr"/>
                       <a:r>
-                        <a:rPr lang="de-de" sz="900" spc="-15" dirty="0">
+                        <a:rPr lang="en-US" sz="900" b="0" i="0" u="none" strike="noStrike" dirty="0">
                           <a:solidFill>
                             <a:srgbClr val="020302"/>
                           </a:solidFill>
-                          <a:latin typeface="AdobeClean-Light"/>
-                          <a:cs typeface="AdobeClean-Light"/>
+                          <a:effectLst/>
+                          <a:latin typeface="AdobeClean-Light" panose="020B0503020404020204" pitchFamily="34" charset="0"/>
                         </a:rPr>
-                        <a:t>全年無休 / </a:t>
+                        <a:t>24x7 /  1 hour</a:t>
                       </a:r>
-                      <a:r>
-                        <a:rPr lang="de-de" sz="900" spc="-200" dirty="0">
-                          <a:solidFill>
-                            <a:srgbClr val="020302"/>
-                          </a:solidFill>
-                          <a:latin typeface="AdobeClean-Light"/>
-                          <a:cs typeface="AdobeClean-Light"/>
-                        </a:rPr>
-                        <a:t> </a:t>
-                      </a:r>
-                      <a:r>
-                        <a:rPr lang="de-de" sz="900" dirty="0">
-                          <a:solidFill>
-                            <a:srgbClr val="020302"/>
-                          </a:solidFill>
-                          <a:latin typeface="AdobeClean-Light"/>
-                          <a:cs typeface="AdobeClean-Light"/>
-                        </a:rPr>
-                        <a:t>1</a:t>
-                      </a:r>
-                      <a:r>
-                        <a:rPr lang="de-de" sz="900" spc="-90" dirty="0">
-                          <a:solidFill>
-                            <a:srgbClr val="020302"/>
-                          </a:solidFill>
-                          <a:latin typeface="AdobeClean-Light"/>
-                          <a:cs typeface="AdobeClean-Light"/>
-                        </a:rPr>
-                        <a:t> </a:t>
-                      </a:r>
-                      <a:r>
-                        <a:rPr lang="de-de" sz="900" spc="-15" dirty="0">
-                          <a:solidFill>
-                            <a:srgbClr val="020302"/>
-                          </a:solidFill>
-                          <a:latin typeface="AdobeClean-Light"/>
-                          <a:cs typeface="AdobeClean-Light"/>
-                        </a:rPr>
-                        <a:t>小時</a:t>
-                      </a:r>
-                      <a:endParaRPr sz="900" dirty="0">
-                        <a:latin typeface="AdobeClean-Light"/>
-                        <a:cs typeface="AdobeClean-Light"/>
-                      </a:endParaRPr>
                     </a:p>
                   </a:txBody>
-                  <a:tcPr marL="0" marR="0" marT="0" marB="0" anchor="ctr">
+                  <a:tcPr marL="9525" marR="9525" marT="9525" marB="0" anchor="ctr">
                     <a:lnL w="6350">
                       <a:solidFill>
                         <a:srgbClr val="B7B8B8"/>
                       </a:solidFill>
                       <a:prstDash val="solid"/>
                     </a:lnL>
-                    <a:lnR w="6350">
+                    <a:lnR w="6350" cap="flat" cmpd="sng" algn="ctr">
                       <a:solidFill>
                         <a:srgbClr val="B7B8B8"/>
                       </a:solidFill>
                       <a:prstDash val="solid"/>
+                      <a:round/>
+                      <a:headEnd type="none" w="med" len="med"/>
+                      <a:tailEnd type="none" w="med" len="med"/>
                     </a:lnR>
                     <a:lnT w="76200">
                       <a:solidFill>
@@ -2969,86 +3782,28 @@
                     <a:bodyPr/>
                     <a:lstStyle/>
                     <a:p>
-                      <a:pPr marL="352425" marR="476250" indent="111125" algn="ctr">
-                        <a:lnSpc>
-                          <a:spcPct val="100000"/>
-                        </a:lnSpc>
-                        <a:spcBef>
-                          <a:spcPts val="700"/>
-                        </a:spcBef>
-                      </a:pPr>
+                      <a:pPr algn="ctr" fontAlgn="ctr"/>
                       <a:r>
-                        <a:rPr lang="de-de" sz="900" spc="-25" dirty="0">
+                        <a:rPr lang="en-US" sz="900" b="0" i="0" u="none" strike="noStrike">
                           <a:solidFill>
                             <a:srgbClr val="020302"/>
                           </a:solidFill>
-                          <a:latin typeface="AdobeClean-Light"/>
-                          <a:cs typeface="AdobeClean-Light"/>
+                          <a:effectLst/>
+                          <a:latin typeface="AdobeClean-Light" panose="020B0503020404020204" pitchFamily="34" charset="0"/>
                         </a:rPr>
-                        <a:t>全年無休</a:t>
+                        <a:t>24x7 / 30 minutes</a:t>
                       </a:r>
-                      <a:r>
-                        <a:rPr lang="de-de" sz="900" spc="-35" dirty="0">
-                          <a:solidFill>
-                            <a:srgbClr val="020302"/>
-                          </a:solidFill>
-                          <a:latin typeface="AdobeClean-Light"/>
-                          <a:cs typeface="AdobeClean-Light"/>
-                        </a:rPr>
-                        <a:t> </a:t>
-                      </a:r>
-                      <a:r>
-                        <a:rPr lang="de-de" sz="900" dirty="0">
-                          <a:solidFill>
-                            <a:srgbClr val="020302"/>
-                          </a:solidFill>
-                          <a:latin typeface="AdobeClean-Light"/>
-                          <a:cs typeface="AdobeClean-Light"/>
-                        </a:rPr>
-                        <a:t>/ </a:t>
-                      </a:r>
-                      <a:r>
-                        <a:rPr lang="de-de" sz="900" spc="-20" dirty="0">
-                          <a:solidFill>
-                            <a:srgbClr val="020302"/>
-                          </a:solidFill>
-                          <a:latin typeface="AdobeClean-Light"/>
-                          <a:cs typeface="AdobeClean-Light"/>
-                        </a:rPr>
-                        <a:t>3</a:t>
-                      </a:r>
-                      <a:r>
-                        <a:rPr lang="de-de" sz="900" spc="50" dirty="0">
-                          <a:solidFill>
-                            <a:srgbClr val="020302"/>
-                          </a:solidFill>
-                          <a:latin typeface="AdobeClean-Light"/>
-                          <a:cs typeface="AdobeClean-Light"/>
-                        </a:rPr>
-                        <a:t>0</a:t>
-                      </a:r>
-                      <a:r>
-                        <a:rPr lang="de-de" sz="900" spc="-20" dirty="0">
-                          <a:solidFill>
-                            <a:srgbClr val="020302"/>
-                          </a:solidFill>
-                          <a:latin typeface="AdobeClean-Light"/>
-                          <a:cs typeface="AdobeClean-Light"/>
-                        </a:rPr>
-                        <a:t> 分鐘</a:t>
-                      </a:r>
-                      <a:endParaRPr sz="900" dirty="0">
-                        <a:latin typeface="AdobeClean-Light"/>
-                        <a:cs typeface="AdobeClean-Light"/>
-                      </a:endParaRPr>
                     </a:p>
                   </a:txBody>
-                  <a:tcPr marL="0" marR="0" marT="0" marB="0" anchor="ctr">
-                    <a:lnL w="6350">
+                  <a:tcPr marL="9525" marR="9525" marT="9525" marB="0" anchor="ctr">
+                    <a:lnL w="6350" cap="flat" cmpd="sng" algn="ctr">
                       <a:solidFill>
                         <a:srgbClr val="B7B8B8"/>
                       </a:solidFill>
                       <a:prstDash val="solid"/>
+                      <a:round/>
+                      <a:headEnd type="none" w="med" len="med"/>
+                      <a:tailEnd type="none" w="med" len="med"/>
                     </a:lnL>
                     <a:lnR w="6350" cap="flat" cmpd="sng" algn="ctr">
                       <a:solidFill>
@@ -3087,7 +3842,7 @@
                   </a:ext>
                 </a:extLst>
               </a:tr>
-              <a:tr h="484755">
+              <a:tr h="0">
                 <a:tc>
                   <a:txBody>
                     <a:bodyPr/>
@@ -3102,17 +3857,87 @@
                         </a:spcBef>
                       </a:pPr>
                       <a:r>
-                        <a:rPr lang="de-de" sz="900" b="1" spc="-15">
+                        <a:rPr sz="900" b="1" spc="-15" dirty="0">
                           <a:solidFill>
                             <a:srgbClr val="020302"/>
                           </a:solidFill>
                           <a:latin typeface="Adobe Clean"/>
                           <a:cs typeface="Adobe Clean"/>
                         </a:rPr>
-                        <a:t>優先順序</a:t>
+                        <a:t>P</a:t>
                       </a:r>
                       <a:r>
-                        <a:rPr lang="de-de" sz="900" b="1" spc="-40">
+                        <a:rPr sz="900" b="1" spc="-20" dirty="0">
+                          <a:solidFill>
+                            <a:srgbClr val="020302"/>
+                          </a:solidFill>
+                          <a:latin typeface="Adobe Clean"/>
+                          <a:cs typeface="Adobe Clean"/>
+                        </a:rPr>
+                        <a:t>R</a:t>
+                      </a:r>
+                      <a:r>
+                        <a:rPr sz="900" b="1" spc="-25" dirty="0">
+                          <a:solidFill>
+                            <a:srgbClr val="020302"/>
+                          </a:solidFill>
+                          <a:latin typeface="Adobe Clean"/>
+                          <a:cs typeface="Adobe Clean"/>
+                        </a:rPr>
+                        <a:t>I</a:t>
+                      </a:r>
+                      <a:r>
+                        <a:rPr sz="900" b="1" spc="-15" dirty="0">
+                          <a:solidFill>
+                            <a:srgbClr val="020302"/>
+                          </a:solidFill>
+                          <a:latin typeface="Adobe Clean"/>
+                          <a:cs typeface="Adobe Clean"/>
+                        </a:rPr>
+                        <a:t>O</a:t>
+                      </a:r>
+                      <a:r>
+                        <a:rPr sz="900" b="1" spc="-20" dirty="0">
+                          <a:solidFill>
+                            <a:srgbClr val="020302"/>
+                          </a:solidFill>
+                          <a:latin typeface="Adobe Clean"/>
+                          <a:cs typeface="Adobe Clean"/>
+                        </a:rPr>
+                        <a:t>R</a:t>
+                      </a:r>
+                      <a:r>
+                        <a:rPr sz="900" b="1" spc="-25" dirty="0">
+                          <a:solidFill>
+                            <a:srgbClr val="020302"/>
+                          </a:solidFill>
+                          <a:latin typeface="Adobe Clean"/>
+                          <a:cs typeface="Adobe Clean"/>
+                        </a:rPr>
+                        <a:t>I</a:t>
+                      </a:r>
+                      <a:r>
+                        <a:rPr sz="900" b="1" spc="-15" dirty="0">
+                          <a:solidFill>
+                            <a:srgbClr val="020302"/>
+                          </a:solidFill>
+                          <a:latin typeface="Adobe Clean"/>
+                          <a:cs typeface="Adobe Clean"/>
+                        </a:rPr>
+                        <a:t>T</a:t>
+                      </a:r>
+                      <a:r>
+                        <a:rPr sz="900" b="1" dirty="0">
+                          <a:solidFill>
+                            <a:srgbClr val="020302"/>
+                          </a:solidFill>
+                          <a:latin typeface="Adobe Clean"/>
+                          <a:cs typeface="Adobe Clean"/>
+                        </a:rPr>
+                        <a:t>Y</a:t>
+                      </a:r>
+                      <a:r>
+                        <a:rPr sz="900" b="1" spc="-40" dirty="0">
                           <a:solidFill>
                             <a:srgbClr val="020302"/>
                           </a:solidFill>
@@ -3122,7 +3947,7 @@
                         <a:t> </a:t>
                       </a:r>
                       <a:r>
-                        <a:rPr lang="de-de" sz="900" b="1">
+                        <a:rPr sz="900" b="1" dirty="0">
                           <a:solidFill>
                             <a:srgbClr val="020302"/>
                           </a:solidFill>
@@ -3131,7 +3956,7 @@
                         </a:rPr>
                         <a:t>2</a:t>
                       </a:r>
-                      <a:endParaRPr sz="900">
+                      <a:endParaRPr sz="900" dirty="0">
                         <a:latin typeface="Adobe Clean"/>
                         <a:cs typeface="Adobe Clean"/>
                       </a:endParaRPr>
@@ -3146,19 +3971,19 @@
                         </a:spcBef>
                       </a:pPr>
                       <a:r>
-                        <a:rPr lang="de-de" sz="900" b="0" i="0" u="none" strike="noStrike">
+                        <a:rPr lang="en-US" sz="900" b="0" i="0" u="none" strike="noStrike" dirty="0">
                           <a:solidFill>
                             <a:schemeClr val="tx1"/>
                           </a:solidFill>
                           <a:effectLst/>
-                          <a:latin typeface="Adobe Clean Light" panose="020B0303020404020204" pitchFamily="34" charset="0"/>
+                          <a:latin typeface="Adobe Clean Light"/>
                           <a:ea typeface="+mn-ea"/>
                           <a:cs typeface="+mn-cs"/>
                         </a:rPr>
-                        <a:t>客戶的業務功能發生嚴重的服務降級狀況，或是可能發生資料遺失或服務無法使用的狀況，或是主要功能受到了影響</a:t>
+                        <a:t>Customer's business functions has major degradation of services, or potential of data loss or unavailability of services, or a major feature is impacted</a:t>
                       </a:r>
-                      <a:endParaRPr lang="en-US" sz="900" b="0" i="0">
-                        <a:latin typeface="Adobe Clean Light" panose="020B0303020404020204" pitchFamily="34" charset="0"/>
+                      <a:endParaRPr lang="en-US" sz="900" b="0" i="0" dirty="0">
+                        <a:latin typeface="Adobe Clean Light"/>
                         <a:cs typeface="AdobeClean-Light"/>
                       </a:endParaRPr>
                     </a:p>
@@ -3170,11 +3995,14 @@
                       </a:solidFill>
                       <a:prstDash val="solid"/>
                     </a:lnL>
-                    <a:lnR w="6350">
+                    <a:lnR w="6350" cap="flat" cmpd="sng" algn="ctr">
                       <a:solidFill>
                         <a:srgbClr val="B7B8B8"/>
                       </a:solidFill>
                       <a:prstDash val="solid"/>
+                      <a:round/>
+                      <a:headEnd type="none" w="med" len="med"/>
+                      <a:tailEnd type="none" w="med" len="med"/>
                     </a:lnR>
                     <a:lnT w="6350">
                       <a:solidFill>
@@ -3195,69 +4023,34 @@
                     <a:bodyPr/>
                     <a:lstStyle/>
                     <a:p>
-                      <a:pPr marL="473709" marR="343535" indent="-175895" algn="ctr">
-                        <a:lnSpc>
-                          <a:spcPct val="102200"/>
-                        </a:lnSpc>
-                      </a:pPr>
+                      <a:pPr algn="ctr" fontAlgn="ctr"/>
                       <a:r>
-                        <a:rPr lang="de-de" sz="900" spc="-30" dirty="0">
+                        <a:rPr lang="en-US" sz="900" b="0" i="0" u="none" strike="noStrike" dirty="0">
                           <a:solidFill>
                             <a:srgbClr val="020302"/>
                           </a:solidFill>
-                          <a:latin typeface="AdobeClean-Light"/>
-                          <a:cs typeface="AdobeClean-Light"/>
+                          <a:effectLst/>
+                          <a:latin typeface="AdobeClean-Light" panose="020B0503020404020204" pitchFamily="34" charset="0"/>
                         </a:rPr>
-                        <a:t>營業時間 </a:t>
+                        <a:t>Business hours / 4 hours</a:t>
                       </a:r>
-                      <a:r>
-                        <a:rPr lang="de-de" sz="900" dirty="0">
-                          <a:solidFill>
-                            <a:srgbClr val="020302"/>
-                          </a:solidFill>
-                          <a:latin typeface="AdobeClean-Light"/>
-                          <a:cs typeface="AdobeClean-Light"/>
-                        </a:rPr>
-                        <a:t>/ 4</a:t>
-                      </a:r>
-                      <a:r>
-                        <a:rPr lang="de-de" sz="900" spc="-100" dirty="0">
-                          <a:solidFill>
-                            <a:srgbClr val="020302"/>
-                          </a:solidFill>
-                          <a:latin typeface="AdobeClean-Light"/>
-                          <a:cs typeface="AdobeClean-Light"/>
-                        </a:rPr>
-                        <a:t> </a:t>
-                      </a:r>
-                      <a:r>
-                        <a:rPr lang="de-de" sz="900" spc="-15" dirty="0">
-                          <a:solidFill>
-                            <a:srgbClr val="020302"/>
-                          </a:solidFill>
-                          <a:latin typeface="AdobeClean-Light"/>
-                          <a:cs typeface="AdobeClean-Light"/>
-                        </a:rPr>
-                        <a:t>小時</a:t>
-                      </a:r>
-                      <a:endParaRPr sz="900" dirty="0">
-                        <a:latin typeface="AdobeClean-Light"/>
-                        <a:cs typeface="AdobeClean-Light"/>
-                      </a:endParaRPr>
                     </a:p>
                   </a:txBody>
-                  <a:tcPr marL="0" marR="0" marT="0" marB="0" anchor="ctr">
+                  <a:tcPr marL="9525" marR="9525" marT="9525" marB="0" anchor="ctr">
                     <a:lnL w="6350">
                       <a:solidFill>
                         <a:srgbClr val="B7B8B8"/>
                       </a:solidFill>
                       <a:prstDash val="solid"/>
                     </a:lnL>
-                    <a:lnR w="6350">
+                    <a:lnR w="6350" cap="flat" cmpd="sng" algn="ctr">
                       <a:solidFill>
                         <a:srgbClr val="B7B8B8"/>
                       </a:solidFill>
                       <a:prstDash val="solid"/>
+                      <a:round/>
+                      <a:headEnd type="none" w="med" len="med"/>
+                      <a:tailEnd type="none" w="med" len="med"/>
                     </a:lnR>
                     <a:lnT w="6350">
                       <a:solidFill>
@@ -3278,30 +4071,28 @@
                     <a:bodyPr/>
                     <a:lstStyle/>
                     <a:p>
-                      <a:pPr marL="542925" marR="492125" algn="ctr">
-                        <a:lnSpc>
-                          <a:spcPct val="102200"/>
-                        </a:lnSpc>
-                      </a:pPr>
+                      <a:pPr algn="ctr" fontAlgn="ctr"/>
                       <a:r>
-                        <a:rPr lang="de-de" sz="900" spc="-15" dirty="0">
+                        <a:rPr lang="en-US" sz="900" b="0" i="0" u="none" strike="noStrike">
                           <a:solidFill>
                             <a:srgbClr val="020302"/>
                           </a:solidFill>
-                          <a:latin typeface="AdobeClean-Light"/>
-                          <a:ea typeface="+mn-ea"/>
-                          <a:cs typeface="AdobeClean-Light"/>
+                          <a:effectLst/>
+                          <a:latin typeface="AdobeClean-Light" panose="020B0503020404020204" pitchFamily="34" charset="0"/>
                         </a:rPr>
-                        <a:t>24x5 /         1 小時</a:t>
+                        <a:t>24x5 / 1 hour</a:t>
                       </a:r>
                     </a:p>
                   </a:txBody>
-                  <a:tcPr marL="0" marR="0" marT="0" marB="0" anchor="ctr">
-                    <a:lnL w="6350">
+                  <a:tcPr marL="9525" marR="9525" marT="9525" marB="0" anchor="ctr">
+                    <a:lnL w="6350" cap="flat" cmpd="sng" algn="ctr">
                       <a:solidFill>
                         <a:srgbClr val="B7B8B8"/>
                       </a:solidFill>
                       <a:prstDash val="solid"/>
+                      <a:round/>
+                      <a:headEnd type="none" w="med" len="med"/>
+                      <a:tailEnd type="none" w="med" len="med"/>
                     </a:lnL>
                     <a:lnR w="6350" cap="flat" cmpd="sng" algn="ctr">
                       <a:solidFill>
@@ -3352,17 +4143,87 @@
                         </a:spcBef>
                       </a:pPr>
                       <a:r>
-                        <a:rPr lang="de-de" sz="900" b="1" spc="-15">
+                        <a:rPr sz="900" b="1" spc="-15" dirty="0">
                           <a:solidFill>
                             <a:srgbClr val="020302"/>
                           </a:solidFill>
                           <a:latin typeface="Adobe Clean"/>
                           <a:cs typeface="Adobe Clean"/>
                         </a:rPr>
-                        <a:t>優先順序</a:t>
+                        <a:t>P</a:t>
                       </a:r>
                       <a:r>
-                        <a:rPr lang="de-de" sz="900" b="1" spc="-40">
+                        <a:rPr sz="900" b="1" spc="-20" dirty="0">
+                          <a:solidFill>
+                            <a:srgbClr val="020302"/>
+                          </a:solidFill>
+                          <a:latin typeface="Adobe Clean"/>
+                          <a:cs typeface="Adobe Clean"/>
+                        </a:rPr>
+                        <a:t>R</a:t>
+                      </a:r>
+                      <a:r>
+                        <a:rPr sz="900" b="1" spc="-25" dirty="0">
+                          <a:solidFill>
+                            <a:srgbClr val="020302"/>
+                          </a:solidFill>
+                          <a:latin typeface="Adobe Clean"/>
+                          <a:cs typeface="Adobe Clean"/>
+                        </a:rPr>
+                        <a:t>I</a:t>
+                      </a:r>
+                      <a:r>
+                        <a:rPr sz="900" b="1" spc="-15" dirty="0">
+                          <a:solidFill>
+                            <a:srgbClr val="020302"/>
+                          </a:solidFill>
+                          <a:latin typeface="Adobe Clean"/>
+                          <a:cs typeface="Adobe Clean"/>
+                        </a:rPr>
+                        <a:t>O</a:t>
+                      </a:r>
+                      <a:r>
+                        <a:rPr sz="900" b="1" spc="-20" dirty="0">
+                          <a:solidFill>
+                            <a:srgbClr val="020302"/>
+                          </a:solidFill>
+                          <a:latin typeface="Adobe Clean"/>
+                          <a:cs typeface="Adobe Clean"/>
+                        </a:rPr>
+                        <a:t>R</a:t>
+                      </a:r>
+                      <a:r>
+                        <a:rPr sz="900" b="1" spc="-25" dirty="0">
+                          <a:solidFill>
+                            <a:srgbClr val="020302"/>
+                          </a:solidFill>
+                          <a:latin typeface="Adobe Clean"/>
+                          <a:cs typeface="Adobe Clean"/>
+                        </a:rPr>
+                        <a:t>I</a:t>
+                      </a:r>
+                      <a:r>
+                        <a:rPr sz="900" b="1" spc="-15" dirty="0">
+                          <a:solidFill>
+                            <a:srgbClr val="020302"/>
+                          </a:solidFill>
+                          <a:latin typeface="Adobe Clean"/>
+                          <a:cs typeface="Adobe Clean"/>
+                        </a:rPr>
+                        <a:t>T</a:t>
+                      </a:r>
+                      <a:r>
+                        <a:rPr sz="900" b="1" dirty="0">
+                          <a:solidFill>
+                            <a:srgbClr val="020302"/>
+                          </a:solidFill>
+                          <a:latin typeface="Adobe Clean"/>
+                          <a:cs typeface="Adobe Clean"/>
+                        </a:rPr>
+                        <a:t>Y</a:t>
+                      </a:r>
+                      <a:r>
+                        <a:rPr sz="900" b="1" spc="-40" dirty="0">
                           <a:solidFill>
                             <a:srgbClr val="020302"/>
                           </a:solidFill>
@@ -3372,7 +4233,7 @@
                         <a:t> </a:t>
                       </a:r>
                       <a:r>
-                        <a:rPr lang="de-de" sz="900" b="1">
+                        <a:rPr sz="900" b="1" dirty="0">
                           <a:solidFill>
                             <a:srgbClr val="020302"/>
                           </a:solidFill>
@@ -3381,7 +4242,7 @@
                         </a:rPr>
                         <a:t>3</a:t>
                       </a:r>
-                      <a:endParaRPr sz="900">
+                      <a:endParaRPr sz="900" dirty="0">
                         <a:latin typeface="Adobe Clean"/>
                         <a:cs typeface="Adobe Clean"/>
                       </a:endParaRPr>
@@ -3396,19 +4257,19 @@
                         </a:spcBef>
                       </a:pPr>
                       <a:r>
-                        <a:rPr lang="de-de" sz="900" b="0" i="0" u="none" strike="noStrike">
+                        <a:rPr lang="en-US" sz="900" b="0" i="0" u="none" strike="noStrike" dirty="0">
                           <a:solidFill>
                             <a:schemeClr val="tx1"/>
                           </a:solidFill>
                           <a:effectLst/>
-                          <a:latin typeface="Adobe Clean Light" panose="020B0303020404020204" pitchFamily="34" charset="0"/>
+                          <a:latin typeface="Adobe Clean Light"/>
                           <a:ea typeface="+mn-ea"/>
                           <a:cs typeface="+mn-cs"/>
                         </a:rPr>
-                        <a:t>優先順序 3客戶的業務功能發生了輕微服務降級狀況或沒有降級，但有解決/變通方法讓業務功能得以繼續運作。</a:t>
+                        <a:t>Customer's business functions has minor to no degradation of services with a solution/workaround allowing business functions to continue </a:t>
                       </a:r>
-                      <a:endParaRPr lang="en-US" sz="900" b="0" i="0">
-                        <a:latin typeface="Adobe Clean Light" panose="020B0303020404020204" pitchFamily="34" charset="0"/>
+                      <a:endParaRPr lang="en-US" sz="900" b="0" i="0" dirty="0">
+                        <a:latin typeface="Adobe Clean Light"/>
                         <a:cs typeface="AdobeClean-Light"/>
                       </a:endParaRPr>
                     </a:p>
@@ -3420,11 +4281,14 @@
                       </a:solidFill>
                       <a:prstDash val="solid"/>
                     </a:lnL>
-                    <a:lnR w="6350">
+                    <a:lnR w="6350" cap="flat" cmpd="sng" algn="ctr">
                       <a:solidFill>
                         <a:srgbClr val="B7B8B8"/>
                       </a:solidFill>
                       <a:prstDash val="solid"/>
+                      <a:round/>
+                      <a:headEnd type="none" w="med" len="med"/>
+                      <a:tailEnd type="none" w="med" len="med"/>
                     </a:lnR>
                     <a:lnT w="6350">
                       <a:solidFill>
@@ -3445,69 +4309,34 @@
                     <a:bodyPr/>
                     <a:lstStyle/>
                     <a:p>
-                      <a:pPr marL="473709" marR="343535" indent="-175895" algn="ctr">
-                        <a:lnSpc>
-                          <a:spcPct val="102200"/>
-                        </a:lnSpc>
-                      </a:pPr>
+                      <a:pPr algn="ctr" fontAlgn="ctr"/>
                       <a:r>
-                        <a:rPr lang="de-de" sz="900" spc="-30" dirty="0">
+                        <a:rPr lang="en-US" sz="900" b="0" i="0" u="none" strike="noStrike" dirty="0">
                           <a:solidFill>
                             <a:srgbClr val="020302"/>
                           </a:solidFill>
-                          <a:latin typeface="AdobeClean-Light"/>
-                          <a:cs typeface="AdobeClean-Light"/>
+                          <a:effectLst/>
+                          <a:latin typeface="AdobeClean-Light" panose="020B0503020404020204" pitchFamily="34" charset="0"/>
                         </a:rPr>
-                        <a:t>營業時間</a:t>
+                        <a:t>Business hours / 6 hours</a:t>
                       </a:r>
-                      <a:r>
-                        <a:rPr lang="de-de" sz="900" dirty="0">
-                          <a:solidFill>
-                            <a:srgbClr val="020302"/>
-                          </a:solidFill>
-                          <a:latin typeface="AdobeClean-Light"/>
-                          <a:cs typeface="AdobeClean-Light"/>
-                        </a:rPr>
-                        <a:t>/ 6</a:t>
-                      </a:r>
-                      <a:r>
-                        <a:rPr lang="de-de" sz="900" spc="-100" dirty="0">
-                          <a:solidFill>
-                            <a:srgbClr val="020302"/>
-                          </a:solidFill>
-                          <a:latin typeface="AdobeClean-Light"/>
-                          <a:cs typeface="AdobeClean-Light"/>
-                        </a:rPr>
-                        <a:t> </a:t>
-                      </a:r>
-                      <a:r>
-                        <a:rPr lang="de-de" sz="900" spc="-15" dirty="0">
-                          <a:solidFill>
-                            <a:srgbClr val="020302"/>
-                          </a:solidFill>
-                          <a:latin typeface="AdobeClean-Light"/>
-                          <a:cs typeface="AdobeClean-Light"/>
-                        </a:rPr>
-                        <a:t>小時</a:t>
-                      </a:r>
-                      <a:endParaRPr lang="en-US" sz="900" dirty="0">
-                        <a:latin typeface="AdobeClean-Light"/>
-                        <a:cs typeface="AdobeClean-Light"/>
-                      </a:endParaRPr>
                     </a:p>
                   </a:txBody>
-                  <a:tcPr marL="0" marR="0" marT="0" marB="0" anchor="ctr">
+                  <a:tcPr marL="9525" marR="9525" marT="9525" marB="0" anchor="ctr">
                     <a:lnL w="6350">
                       <a:solidFill>
                         <a:srgbClr val="B7B8B8"/>
                       </a:solidFill>
                       <a:prstDash val="solid"/>
                     </a:lnL>
-                    <a:lnR w="6350">
+                    <a:lnR w="6350" cap="flat" cmpd="sng" algn="ctr">
                       <a:solidFill>
                         <a:srgbClr val="B7B8B8"/>
                       </a:solidFill>
                       <a:prstDash val="solid"/>
+                      <a:round/>
+                      <a:headEnd type="none" w="med" len="med"/>
+                      <a:tailEnd type="none" w="med" len="med"/>
                     </a:lnR>
                     <a:lnT w="6350">
                       <a:solidFill>
@@ -3528,86 +4357,28 @@
                     <a:bodyPr/>
                     <a:lstStyle/>
                     <a:p>
-                      <a:pPr marL="428625" marR="398780" indent="-198120" algn="ctr">
-                        <a:lnSpc>
-                          <a:spcPct val="102200"/>
-                        </a:lnSpc>
-                        <a:spcBef>
-                          <a:spcPts val="675"/>
-                        </a:spcBef>
-                      </a:pPr>
+                      <a:pPr algn="ctr" fontAlgn="ctr"/>
                       <a:r>
-                        <a:rPr lang="de-de" sz="900" spc="-30" dirty="0">
+                        <a:rPr lang="en-US" sz="900" b="0" i="0" u="none" strike="noStrike">
                           <a:solidFill>
                             <a:srgbClr val="020302"/>
                           </a:solidFill>
-                          <a:latin typeface="AdobeClean-Light"/>
-                          <a:cs typeface="AdobeClean-Light"/>
+                          <a:effectLst/>
+                          <a:latin typeface="AdobeClean-Light" panose="020B0503020404020204" pitchFamily="34" charset="0"/>
                         </a:rPr>
-                        <a:t>營業時間</a:t>
+                        <a:t>Business hours / 2 hours</a:t>
                       </a:r>
-                      <a:r>
-                        <a:rPr lang="de-de" sz="900" spc="-120" dirty="0">
-                          <a:solidFill>
-                            <a:srgbClr val="020302"/>
-                          </a:solidFill>
-                          <a:latin typeface="AdobeClean-Light"/>
-                          <a:cs typeface="AdobeClean-Light"/>
-                        </a:rPr>
-                        <a:t> </a:t>
-                      </a:r>
-                      <a:r>
-                        <a:rPr lang="de-de" sz="900" spc="-5" dirty="0">
-                          <a:solidFill>
-                            <a:srgbClr val="020302"/>
-                          </a:solidFill>
-                          <a:latin typeface="AdobeClean-Light"/>
-                          <a:cs typeface="AdobeClean-Light"/>
-                        </a:rPr>
-                        <a:t> </a:t>
-                      </a:r>
-                      <a:r>
-                        <a:rPr lang="de-de" sz="900" dirty="0">
-                          <a:solidFill>
-                            <a:srgbClr val="020302"/>
-                          </a:solidFill>
-                          <a:latin typeface="AdobeClean-Light"/>
-                          <a:cs typeface="AdobeClean-Light"/>
-                        </a:rPr>
-                        <a:t>/ 2</a:t>
-                      </a:r>
-                      <a:r>
-                        <a:rPr lang="de-de" sz="900" spc="-100" dirty="0">
-                          <a:solidFill>
-                            <a:srgbClr val="020302"/>
-                          </a:solidFill>
-                          <a:latin typeface="AdobeClean-Light"/>
-                          <a:cs typeface="AdobeClean-Light"/>
-                        </a:rPr>
-                        <a:t> </a:t>
-                      </a:r>
-                      <a:r>
-                        <a:rPr lang="de-de" sz="900" spc="-15" dirty="0">
-                          <a:solidFill>
-                            <a:srgbClr val="020302"/>
-                          </a:solidFill>
-                          <a:latin typeface="AdobeClean-Light"/>
-                          <a:cs typeface="AdobeClean-Light"/>
-                        </a:rPr>
-                        <a:t>小時</a:t>
-                      </a:r>
-                      <a:endParaRPr sz="900" dirty="0">
-                        <a:latin typeface="AdobeClean-Light"/>
-                        <a:cs typeface="AdobeClean-Light"/>
-                      </a:endParaRPr>
                     </a:p>
                   </a:txBody>
-                  <a:tcPr marL="0" marR="0" marT="0" marB="0" anchor="ctr">
-                    <a:lnL w="6350">
+                  <a:tcPr marL="9525" marR="9525" marT="9525" marB="0" anchor="ctr">
+                    <a:lnL w="6350" cap="flat" cmpd="sng" algn="ctr">
                       <a:solidFill>
                         <a:srgbClr val="B7B8B8"/>
                       </a:solidFill>
                       <a:prstDash val="solid"/>
+                      <a:round/>
+                      <a:headEnd type="none" w="med" len="med"/>
+                      <a:tailEnd type="none" w="med" len="med"/>
                     </a:lnL>
                     <a:lnR w="6350" cap="flat" cmpd="sng" algn="ctr">
                       <a:solidFill>
@@ -3658,17 +4429,87 @@
                         </a:spcBef>
                       </a:pPr>
                       <a:r>
-                        <a:rPr lang="de-de" sz="900" b="1" spc="-15">
+                        <a:rPr sz="900" b="1" spc="-15" dirty="0">
                           <a:solidFill>
                             <a:srgbClr val="020302"/>
                           </a:solidFill>
                           <a:latin typeface="Adobe Clean"/>
                           <a:cs typeface="Adobe Clean"/>
                         </a:rPr>
-                        <a:t>優先順序</a:t>
+                        <a:t>P</a:t>
                       </a:r>
                       <a:r>
-                        <a:rPr lang="de-de" sz="900" b="1" spc="-40">
+                        <a:rPr sz="900" b="1" spc="-20" dirty="0">
+                          <a:solidFill>
+                            <a:srgbClr val="020302"/>
+                          </a:solidFill>
+                          <a:latin typeface="Adobe Clean"/>
+                          <a:cs typeface="Adobe Clean"/>
+                        </a:rPr>
+                        <a:t>R</a:t>
+                      </a:r>
+                      <a:r>
+                        <a:rPr sz="900" b="1" spc="-25" dirty="0">
+                          <a:solidFill>
+                            <a:srgbClr val="020302"/>
+                          </a:solidFill>
+                          <a:latin typeface="Adobe Clean"/>
+                          <a:cs typeface="Adobe Clean"/>
+                        </a:rPr>
+                        <a:t>I</a:t>
+                      </a:r>
+                      <a:r>
+                        <a:rPr sz="900" b="1" spc="-15" dirty="0">
+                          <a:solidFill>
+                            <a:srgbClr val="020302"/>
+                          </a:solidFill>
+                          <a:latin typeface="Adobe Clean"/>
+                          <a:cs typeface="Adobe Clean"/>
+                        </a:rPr>
+                        <a:t>O</a:t>
+                      </a:r>
+                      <a:r>
+                        <a:rPr sz="900" b="1" spc="-20" dirty="0">
+                          <a:solidFill>
+                            <a:srgbClr val="020302"/>
+                          </a:solidFill>
+                          <a:latin typeface="Adobe Clean"/>
+                          <a:cs typeface="Adobe Clean"/>
+                        </a:rPr>
+                        <a:t>R</a:t>
+                      </a:r>
+                      <a:r>
+                        <a:rPr sz="900" b="1" spc="-25" dirty="0">
+                          <a:solidFill>
+                            <a:srgbClr val="020302"/>
+                          </a:solidFill>
+                          <a:latin typeface="Adobe Clean"/>
+                          <a:cs typeface="Adobe Clean"/>
+                        </a:rPr>
+                        <a:t>I</a:t>
+                      </a:r>
+                      <a:r>
+                        <a:rPr sz="900" b="1" spc="-15" dirty="0">
+                          <a:solidFill>
+                            <a:srgbClr val="020302"/>
+                          </a:solidFill>
+                          <a:latin typeface="Adobe Clean"/>
+                          <a:cs typeface="Adobe Clean"/>
+                        </a:rPr>
+                        <a:t>T</a:t>
+                      </a:r>
+                      <a:r>
+                        <a:rPr sz="900" b="1" dirty="0">
+                          <a:solidFill>
+                            <a:srgbClr val="020302"/>
+                          </a:solidFill>
+                          <a:latin typeface="Adobe Clean"/>
+                          <a:cs typeface="Adobe Clean"/>
+                        </a:rPr>
+                        <a:t>Y</a:t>
+                      </a:r>
+                      <a:r>
+                        <a:rPr sz="900" b="1" spc="-40" dirty="0">
                           <a:solidFill>
                             <a:srgbClr val="020302"/>
                           </a:solidFill>
@@ -3678,7 +4519,7 @@
                         <a:t> </a:t>
                       </a:r>
                       <a:r>
-                        <a:rPr lang="de-de" sz="900" b="1">
+                        <a:rPr sz="900" b="1" dirty="0">
                           <a:solidFill>
                             <a:srgbClr val="020302"/>
                           </a:solidFill>
@@ -3687,7 +4528,7 @@
                         </a:rPr>
                         <a:t>4</a:t>
                       </a:r>
-                      <a:endParaRPr sz="900">
+                      <a:endParaRPr sz="900" dirty="0">
                         <a:latin typeface="Adobe Clean"/>
                         <a:cs typeface="Adobe Clean"/>
                       </a:endParaRPr>
@@ -3702,29 +4543,29 @@
                         </a:spcBef>
                       </a:pPr>
                       <a:r>
-                        <a:rPr lang="de-de" sz="900" b="1" spc="-90">
+                        <a:rPr lang="en-US" sz="900" b="1" spc="-90" dirty="0">
                           <a:solidFill>
                             <a:srgbClr val="020302"/>
                           </a:solidFill>
                           <a:latin typeface="Adobe Clean"/>
-                          <a:cs typeface="Adobe Clean"/>
+                          <a:cs typeface="+mn-cs"/>
                         </a:rPr>
-                        <a:t> </a:t>
+                        <a:t> </a:t>
                       </a:r>
                       <a:r>
-                        <a:rPr lang="de-de" sz="900" b="0" i="0" u="none" strike="noStrike">
+                        <a:rPr lang="en-US" sz="900" b="0" i="0" u="none" strike="noStrike" dirty="0">
                           <a:solidFill>
                             <a:schemeClr val="tx1"/>
                           </a:solidFill>
                           <a:effectLst/>
-                          <a:latin typeface="Adobe Clean Light" panose="020B0303020404020204" pitchFamily="34" charset="0"/>
+                          <a:latin typeface="Adobe Clean Light"/>
                           <a:ea typeface="+mn-ea"/>
                           <a:cs typeface="+mn-cs"/>
                         </a:rPr>
-                        <a:t>有關目前產品功能或增強要求的一般性問題</a:t>
+                        <a:t>General question regarding current product functionality or an enhancement request</a:t>
                       </a:r>
-                      <a:endParaRPr lang="en-US" sz="900" b="0" i="0">
-                        <a:latin typeface="Adobe Clean Light" panose="020B0303020404020204" pitchFamily="34" charset="0"/>
+                      <a:endParaRPr lang="en-US" sz="900" b="0" i="0" dirty="0">
+                        <a:latin typeface="Adobe Clean Light"/>
                         <a:cs typeface="AdobeClean-Light"/>
                       </a:endParaRPr>
                     </a:p>
@@ -3736,11 +4577,14 @@
                       </a:solidFill>
                       <a:prstDash val="solid"/>
                     </a:lnL>
-                    <a:lnR w="6350">
+                    <a:lnR w="6350" cap="flat" cmpd="sng" algn="ctr">
                       <a:solidFill>
                         <a:srgbClr val="B7B8B8"/>
                       </a:solidFill>
                       <a:prstDash val="solid"/>
+                      <a:round/>
+                      <a:headEnd type="none" w="med" len="med"/>
+                      <a:tailEnd type="none" w="med" len="med"/>
                     </a:lnR>
                     <a:lnT w="6350">
                       <a:solidFill>
@@ -3761,69 +4605,34 @@
                     <a:bodyPr/>
                     <a:lstStyle/>
                     <a:p>
-                      <a:pPr marL="473709" marR="343535" indent="-175895" algn="ctr">
-                        <a:lnSpc>
-                          <a:spcPct val="102200"/>
-                        </a:lnSpc>
-                      </a:pPr>
+                      <a:pPr algn="ctr" fontAlgn="ctr"/>
                       <a:r>
-                        <a:rPr lang="de-de" sz="900" spc="-30" dirty="0">
+                        <a:rPr lang="en-US" sz="900" b="0" i="0" u="none" strike="noStrike" dirty="0">
                           <a:solidFill>
                             <a:srgbClr val="020302"/>
                           </a:solidFill>
-                          <a:latin typeface="AdobeClean-Light"/>
-                          <a:cs typeface="AdobeClean-Light"/>
+                          <a:effectLst/>
+                          <a:latin typeface="AdobeClean-Light" panose="020B0503020404020204" pitchFamily="34" charset="0"/>
                         </a:rPr>
-                        <a:t>營業日 </a:t>
+                        <a:t>Business days / 3 days</a:t>
                       </a:r>
-                      <a:r>
-                        <a:rPr lang="de-de" sz="900" dirty="0">
-                          <a:solidFill>
-                            <a:srgbClr val="020302"/>
-                          </a:solidFill>
-                          <a:latin typeface="AdobeClean-Light"/>
-                          <a:cs typeface="AdobeClean-Light"/>
-                        </a:rPr>
-                        <a:t>/ 3</a:t>
-                      </a:r>
-                      <a:r>
-                        <a:rPr lang="de-de" sz="900" spc="-100" dirty="0">
-                          <a:solidFill>
-                            <a:srgbClr val="020302"/>
-                          </a:solidFill>
-                          <a:latin typeface="AdobeClean-Light"/>
-                          <a:cs typeface="AdobeClean-Light"/>
-                        </a:rPr>
-                        <a:t> </a:t>
-                      </a:r>
-                      <a:r>
-                        <a:rPr lang="de-de" sz="900" spc="-15" dirty="0">
-                          <a:solidFill>
-                            <a:srgbClr val="020302"/>
-                          </a:solidFill>
-                          <a:latin typeface="AdobeClean-Light"/>
-                          <a:cs typeface="AdobeClean-Light"/>
-                        </a:rPr>
-                        <a:t>天</a:t>
-                      </a:r>
-                      <a:endParaRPr lang="en-US" sz="900" dirty="0">
-                        <a:latin typeface="AdobeClean-Light"/>
-                        <a:cs typeface="AdobeClean-Light"/>
-                      </a:endParaRPr>
                     </a:p>
                   </a:txBody>
-                  <a:tcPr marL="0" marR="0" marT="0" marB="0" anchor="ctr">
+                  <a:tcPr marL="9525" marR="9525" marT="9525" marB="0" anchor="ctr">
                     <a:lnL w="6350">
                       <a:solidFill>
                         <a:srgbClr val="B7B8B8"/>
                       </a:solidFill>
                       <a:prstDash val="solid"/>
                     </a:lnL>
-                    <a:lnR w="6350">
+                    <a:lnR w="6350" cap="flat" cmpd="sng" algn="ctr">
                       <a:solidFill>
                         <a:srgbClr val="B7B8B8"/>
                       </a:solidFill>
                       <a:prstDash val="solid"/>
+                      <a:round/>
+                      <a:headEnd type="none" w="med" len="med"/>
+                      <a:tailEnd type="none" w="med" len="med"/>
                     </a:lnR>
                     <a:lnT w="6350">
                       <a:solidFill>
@@ -3844,63 +4653,28 @@
                     <a:bodyPr/>
                     <a:lstStyle/>
                     <a:p>
-                      <a:pPr marL="473709" marR="343535" indent="-175895" algn="ctr">
-                        <a:lnSpc>
-                          <a:spcPct val="102200"/>
-                        </a:lnSpc>
-                      </a:pPr>
+                      <a:pPr algn="ctr" fontAlgn="ctr"/>
                       <a:r>
-                        <a:rPr lang="de-de" sz="900" spc="-30" dirty="0">
+                        <a:rPr lang="en-US" sz="900" b="0" i="0" u="none" strike="noStrike" dirty="0">
                           <a:solidFill>
                             <a:srgbClr val="020302"/>
                           </a:solidFill>
-                          <a:latin typeface="AdobeClean-Light"/>
-                          <a:cs typeface="AdobeClean-Light"/>
+                          <a:effectLst/>
+                          <a:latin typeface="AdobeClean-Light" panose="020B0503020404020204" pitchFamily="34" charset="0"/>
                         </a:rPr>
-                        <a:t>營業日 </a:t>
+                        <a:t>Business days / 1 day</a:t>
                       </a:r>
-                      <a:r>
-                        <a:rPr lang="de-de" sz="900" dirty="0">
-                          <a:solidFill>
-                            <a:srgbClr val="020302"/>
-                          </a:solidFill>
-                          <a:latin typeface="AdobeClean-Light"/>
-                          <a:cs typeface="AdobeClean-Light"/>
-                        </a:rPr>
-                        <a:t>/ 1</a:t>
-                      </a:r>
-                      <a:r>
-                        <a:rPr lang="de-de" sz="900" spc="-100" dirty="0">
-                          <a:solidFill>
-                            <a:srgbClr val="020302"/>
-                          </a:solidFill>
-                          <a:latin typeface="AdobeClean-Light"/>
-                          <a:cs typeface="AdobeClean-Light"/>
-                        </a:rPr>
-                        <a:t> </a:t>
-                      </a:r>
-                      <a:r>
-                        <a:rPr lang="de-de" sz="900" spc="-15" dirty="0">
-                          <a:solidFill>
-                            <a:srgbClr val="020302"/>
-                          </a:solidFill>
-                          <a:latin typeface="AdobeClean-Light"/>
-                          <a:cs typeface="AdobeClean-Light"/>
-                        </a:rPr>
-                        <a:t>天</a:t>
-                      </a:r>
-                      <a:endParaRPr lang="en-US" sz="900" dirty="0">
-                        <a:latin typeface="AdobeClean-Light"/>
-                        <a:cs typeface="AdobeClean-Light"/>
-                      </a:endParaRPr>
                     </a:p>
                   </a:txBody>
-                  <a:tcPr marL="0" marR="0" marT="0" marB="0" anchor="ctr">
-                    <a:lnL w="6350">
+                  <a:tcPr marL="9525" marR="9525" marT="9525" marB="0" anchor="ctr">
+                    <a:lnL w="6350" cap="flat" cmpd="sng" algn="ctr">
                       <a:solidFill>
                         <a:srgbClr val="B7B8B8"/>
                       </a:solidFill>
                       <a:prstDash val="solid"/>
+                      <a:round/>
+                      <a:headEnd type="none" w="med" len="med"/>
+                      <a:tailEnd type="none" w="med" len="med"/>
                     </a:lnL>
                     <a:lnR w="6350" cap="flat" cmpd="sng" algn="ctr">
                       <a:solidFill>
@@ -3975,7 +4749,7 @@
         <p:spPr>
           <a:xfrm>
             <a:off x="97788" y="9888626"/>
-            <a:ext cx="5437598" cy="133370"/>
+            <a:ext cx="2245360" cy="133370"/>
           </a:xfrm>
           <a:prstGeom prst="rect">
             <a:avLst/>
@@ -3996,36 +4770,40 @@
               </a:spcBef>
             </a:pPr>
             <a:r>
-              <a:rPr lang="de-de" spc="-10" dirty="0"/>
-              <a:t>©2021</a:t>
-            </a:r>
-            <a:r>
-              <a:rPr lang="de-de" spc="-5" dirty="0"/>
-              <a:t> Adobe。All</a:t>
-            </a:r>
-            <a:r>
-              <a:rPr lang="de-de" spc="-10" dirty="0"/>
+              <a:rPr spc="-10"/>
+              <a:t>©202</a:t>
+            </a:r>
+            <a:r>
+              <a:rPr lang="en-US" spc="-10"/>
+              <a:t>1</a:t>
+            </a:r>
+            <a:r>
+              <a:rPr spc="-5"/>
+              <a:t> Adobe. All</a:t>
+            </a:r>
+            <a:r>
+              <a:rPr spc="-10"/>
               <a:t> Rights</a:t>
             </a:r>
             <a:r>
-              <a:rPr lang="de-de" spc="-5" dirty="0"/>
+              <a:rPr spc="-5"/>
               <a:t> </a:t>
             </a:r>
             <a:r>
-              <a:rPr lang="de-de" spc="-10" dirty="0"/>
-              <a:t>Reserved。</a:t>
-            </a:r>
-            <a:r>
-              <a:rPr lang="de-de" spc="-5" dirty="0"/>
-              <a:t>Adobe</a:t>
-            </a:r>
-            <a:r>
-              <a:rPr lang="de-de" spc="60" dirty="0"/>
+              <a:rPr spc="-10"/>
+              <a:t>Reserved.</a:t>
+            </a:r>
+            <a:r>
+              <a:rPr spc="-5"/>
+              <a:t> Adobe</a:t>
+            </a:r>
+            <a:r>
+              <a:rPr spc="60"/>
               <a:t> </a:t>
             </a:r>
             <a:r>
-              <a:rPr lang="de-de" spc="-10" dirty="0"/>
-              <a:t>機密資訊。</a:t>
+              <a:rPr spc="-10"/>
+              <a:t>Confidential.</a:t>
             </a:r>
           </a:p>
         </p:txBody>
@@ -4059,7 +4837,7 @@
           <a:lstStyle/>
           <a:p>
             <a:r>
-              <a:rPr lang="de-de" sz="700" i="1">
+              <a:rPr lang="en-US" sz="700" i="1">
                 <a:solidFill>
                   <a:schemeClr val="bg1"/>
                 </a:solidFill>
@@ -4105,16 +4883,16 @@
               </a:spcBef>
             </a:pPr>
             <a:r>
-              <a:rPr lang="de-de" sz="1200">
+              <a:rPr lang="en-US" sz="1200" dirty="0">
                 <a:solidFill>
                   <a:schemeClr val="bg1"/>
                 </a:solidFill>
                 <a:latin typeface="Adobe Clean Light" panose="020B0303020404020204" pitchFamily="34" charset="0"/>
               </a:rPr>
-              <a:t>線上 | 商務 |</a:t>
-            </a:r>
-            <a:r>
-              <a:rPr lang="de-de" sz="1200" b="1">
+              <a:t>Online | Business |</a:t>
+            </a:r>
+            <a:r>
+              <a:rPr lang="en-US" sz="1200" b="1" dirty="0">
                 <a:solidFill>
                   <a:schemeClr val="bg1"/>
                 </a:solidFill>
@@ -4123,15 +4901,15 @@
               <a:t> </a:t>
             </a:r>
             <a:r>
-              <a:rPr lang="de-de" sz="1200" b="1">
+              <a:rPr lang="en-US" sz="1200" b="1" dirty="0">
                 <a:solidFill>
                   <a:schemeClr val="bg1"/>
                 </a:solidFill>
               </a:rPr>
-              <a:t>企業</a:t>
-            </a:r>
-            <a:r>
-              <a:rPr lang="de-de" sz="1200" b="1">
+              <a:t>Enterprise</a:t>
+            </a:r>
+            <a:r>
+              <a:rPr lang="en-US" sz="1200" b="1" dirty="0">
                 <a:solidFill>
                   <a:schemeClr val="bg1"/>
                 </a:solidFill>
@@ -4140,25 +4918,32 @@
               <a:t> </a:t>
             </a:r>
             <a:r>
-              <a:rPr lang="de-de" sz="1200">
+              <a:rPr lang="en-US" sz="1200" dirty="0">
                 <a:solidFill>
                   <a:schemeClr val="bg1"/>
                 </a:solidFill>
                 <a:latin typeface="Adobe Clean Light" panose="020B0303020404020204" pitchFamily="34" charset="0"/>
               </a:rPr>
-              <a:t>| 菁英</a:t>
-            </a:r>
-            <a:br/>
-            <a:r>
-              <a:rPr lang="de-de" sz="900">
+              <a:t>| Elite</a:t>
+            </a:r>
+            <a:br>
+              <a:rPr lang="en-US" sz="900" dirty="0">
                 <a:solidFill>
                   <a:schemeClr val="bg1"/>
                 </a:solidFill>
+                <a:latin typeface="Adobe Clean Light" panose="020B0303020404020204" pitchFamily="34" charset="0"/>
+              </a:rPr>
+            </a:br>
+            <a:r>
+              <a:rPr lang="en-US" sz="900" dirty="0">
+                <a:solidFill>
+                  <a:schemeClr val="bg1"/>
+                </a:solidFill>
                 <a:latin typeface="Adobe Clean SemiLight" panose="020B0403020404020204" pitchFamily="34" charset="0"/>
               </a:rPr>
-              <a:t>企業支援包括透過 Adobe Experience League 存取個人化的學習路徑和監控的社群論壇。您還可以利用我們詳細和深入的技術產品文件和目前的版本注意事項。企業客戶還將得到一個指定的支援工程師，他是您在 Adobe 支援團隊中的指定技術聯絡人。憑藉對您指定的 Experience Cloud 解決方案的深厚經驗，您的支援團隊將與您和您的技術團隊合作，確保及時解決所有支援請求。您的支援團隊還可以幫助協調和安排交付額外的企業利益，確保在最關鍵的時刻對您的業務造成最小的干擾。</a:t>
-            </a:r>
-            <a:endParaRPr lang="en-US" sz="900">
+              <a:t>ENTERPRISE support includes access to personalized learning paths and monitored community forums via the Adobe Experience League. You can also take advantage of our detailed and in-depth technical product documentation and current release notes. ENTERPRISE customers will also be provided with a Named Support Engineer who acts as your designated technical contact in the Adobe Support Team. With deep experience in your designated Experience Cloud solution, your support team will work in partnership with you and your technical teams to ensure timely resolution of all support requests. Your support team can also help coordinate and arrange delivery of the additional ENTERPRISE benefits ensuring minimal disruption to your business at the most critical time. </a:t>
+            </a:r>
+            <a:endParaRPr lang="en-US" sz="900" dirty="0">
               <a:solidFill>
                 <a:schemeClr val="bg1"/>
               </a:solidFill>
@@ -4234,7 +5019,7 @@
                     <a:bodyPr/>
                     <a:lstStyle/>
                     <a:p>
-                      <a:endParaRPr lang="en-US" dirty="0"/>
+                      <a:endParaRPr lang="en-US"/>
                     </a:p>
                   </a:txBody>
                   <a:tcPr/>
@@ -4272,14 +5057,14 @@
                         <a:defRPr/>
                       </a:pPr>
                       <a:r>
-                        <a:rPr lang="de-de" sz="900" spc="0">
+                        <a:rPr lang="en-US" sz="900" spc="0">
                           <a:solidFill>
                             <a:srgbClr val="404040"/>
                           </a:solidFill>
                           <a:latin typeface="Adobe Clean"/>
                           <a:cs typeface="Adobe Clean"/>
                         </a:rPr>
-                        <a:t>線上支援</a:t>
+                        <a:t>Online  Support</a:t>
                       </a:r>
                       <a:endParaRPr lang="en-US" sz="900" spc="0">
                         <a:latin typeface="Adobe Clean"/>
@@ -4325,14 +5110,24 @@
                         </a:spcBef>
                       </a:pPr>
                       <a:r>
-                        <a:rPr lang="de-de" sz="900" spc="0">
+                        <a:rPr lang="en-US" sz="900" spc="0">
                           <a:solidFill>
                             <a:srgbClr val="FFFFFF"/>
                           </a:solidFill>
                           <a:latin typeface="Adobe Clean"/>
                           <a:cs typeface="Adobe Clean"/>
                         </a:rPr>
-                        <a:t>企業支援</a:t>
+                        <a:t>Enterprise </a:t>
+                      </a:r>
+                      <a:r>
+                        <a:rPr sz="900" spc="0">
+                          <a:solidFill>
+                            <a:srgbClr val="FFFFFF"/>
+                          </a:solidFill>
+                          <a:latin typeface="Adobe Clean"/>
+                          <a:cs typeface="Adobe Clean"/>
+                        </a:rPr>
+                        <a:t>Support</a:t>
                       </a:r>
                       <a:endParaRPr sz="900" spc="0">
                         <a:latin typeface="Adobe Clean"/>
@@ -4422,7 +5217,7 @@
                         <a:tabLst/>
                         <a:defRPr/>
                       </a:pPr>
-                      <a:endParaRPr lang="en-US" sz="800" i="1" dirty="0">
+                      <a:endParaRPr lang="en-US" sz="800" i="1">
                         <a:solidFill>
                           <a:sysClr val="windowText" lastClr="000000"/>
                         </a:solidFill>
@@ -4486,13 +5281,13 @@
                         <a:defRPr/>
                       </a:pPr>
                       <a:r>
-                        <a:rPr lang="de-de" sz="800" i="1">
+                        <a:rPr lang="en-US" sz="800" i="1">
                           <a:solidFill>
                             <a:schemeClr val="bg1"/>
                           </a:solidFill>
                           <a:latin typeface="Adobe Clean Light" panose="020B0303020404020204" pitchFamily="34" charset="0"/>
                         </a:rPr>
-                        <a:t>付費支援 ($)</a:t>
+                        <a:t>Paid Support ($)</a:t>
                       </a:r>
                     </a:p>
                   </a:txBody>
@@ -4556,14 +5351,14 @@
                         </a:spcBef>
                       </a:pPr>
                       <a:r>
-                        <a:rPr lang="de-de" sz="1000" b="1" i="0" spc="0">
+                        <a:rPr lang="en-US" sz="1000" b="1" i="0" spc="0">
                           <a:solidFill>
                             <a:schemeClr val="bg1"/>
                           </a:solidFill>
                           <a:latin typeface="Adobe Clean" panose="020B0503020404020204" pitchFamily="34" charset="0"/>
                           <a:cs typeface="AdobeClean-Light"/>
                         </a:rPr>
-                        <a:t>指派的專家</a:t>
+                        <a:t>Assigned Experts</a:t>
                       </a:r>
                       <a:endParaRPr sz="1000" b="1" i="0" spc="0">
                         <a:solidFill>
@@ -4618,14 +5413,14 @@
                         </a:spcBef>
                       </a:pPr>
                       <a:r>
-                        <a:rPr lang="de-de" sz="900" spc="0">
+                        <a:rPr sz="900" spc="0">
                           <a:solidFill>
                             <a:srgbClr val="020302"/>
                           </a:solidFill>
                           <a:latin typeface="AdobeClean-Light"/>
                           <a:cs typeface="AdobeClean-Light"/>
                         </a:rPr>
-                        <a:t>帳戶支援負責人</a:t>
+                        <a:t>Account Support Lead</a:t>
                       </a:r>
                       <a:endParaRPr sz="900" spc="0">
                         <a:latin typeface="AdobeClean-Light"/>
@@ -4795,14 +5590,14 @@
                         </a:spcBef>
                       </a:pPr>
                       <a:r>
-                        <a:rPr lang="de-de" sz="900" spc="0">
+                        <a:rPr sz="900" spc="0">
                           <a:solidFill>
                             <a:srgbClr val="020302"/>
                           </a:solidFill>
                           <a:latin typeface="AdobeClean-Light"/>
                           <a:cs typeface="AdobeClean-Light"/>
                         </a:rPr>
-                        <a:t>指定的支援工程師</a:t>
+                        <a:t>Named Support Engineer</a:t>
                       </a:r>
                       <a:endParaRPr sz="900" spc="0">
                         <a:latin typeface="AdobeClean-Light"/>
@@ -4877,7 +5672,7 @@
                         <a:defRPr/>
                       </a:pPr>
                       <a:r>
-                        <a:rPr lang="de-de" sz="900">
+                        <a:rPr lang="en-US" sz="900">
                           <a:solidFill>
                             <a:srgbClr val="020302"/>
                           </a:solidFill>
@@ -4970,14 +5765,14 @@
                         </a:spcBef>
                       </a:pPr>
                       <a:r>
-                        <a:rPr lang="de-de" sz="900" spc="0">
+                        <a:rPr sz="900" spc="0">
                           <a:solidFill>
                             <a:srgbClr val="020302"/>
                           </a:solidFill>
                           <a:latin typeface="AdobeClean-Light"/>
                           <a:cs typeface="AdobeClean-Light"/>
                         </a:rPr>
-                        <a:t>技術客戶經理</a:t>
+                        <a:t>Technical Account Manager</a:t>
                       </a:r>
                       <a:endParaRPr sz="900" spc="0">
                         <a:latin typeface="AdobeClean-Light"/>
@@ -5100,16 +5895,16 @@
                         </a:spcBef>
                       </a:pPr>
                       <a:r>
-                        <a:rPr lang="de-de" sz="1000" b="1" i="0" spc="0" dirty="0">
+                        <a:rPr lang="en-US" sz="1000" b="1" i="0" spc="0">
                           <a:solidFill>
                             <a:schemeClr val="bg1"/>
                           </a:solidFill>
                           <a:latin typeface="Adobe Clean" panose="020B0503020404020204" pitchFamily="34" charset="0"/>
                           <a:cs typeface="AdobeClean-Light"/>
                         </a:rPr>
-                        <a:t>支援服務</a:t>
+                        <a:t>Support Services</a:t>
                       </a:r>
-                      <a:endParaRPr sz="1000" b="1" i="0" spc="0" dirty="0">
+                      <a:endParaRPr sz="1000" b="1" i="0" spc="0">
                         <a:solidFill>
                           <a:schemeClr val="bg1"/>
                         </a:solidFill>
@@ -5171,14 +5966,24 @@
                         </a:spcBef>
                       </a:pPr>
                       <a:r>
-                        <a:rPr lang="de-de" sz="900" spc="0">
+                        <a:rPr lang="en-US" sz="900" spc="0">
                           <a:solidFill>
                             <a:srgbClr val="020302"/>
                           </a:solidFill>
                           <a:latin typeface="AdobeClean-Light"/>
                           <a:cs typeface="AdobeClean-Light"/>
                         </a:rPr>
-                        <a:t>線上支援</a:t>
+                        <a:t>Online</a:t>
+                      </a:r>
+                      <a:r>
+                        <a:rPr sz="900" spc="0">
+                          <a:solidFill>
+                            <a:srgbClr val="020302"/>
+                          </a:solidFill>
+                          <a:latin typeface="AdobeClean-Light"/>
+                          <a:cs typeface="AdobeClean-Light"/>
+                        </a:rPr>
+                        <a:t> Support</a:t>
                       </a:r>
                       <a:endParaRPr sz="900" spc="0">
                         <a:latin typeface="AdobeClean-Light"/>
@@ -5221,14 +6026,34 @@
                         </a:spcBef>
                       </a:pPr>
                       <a:r>
-                        <a:rPr lang="de-de" sz="900" spc="-25">
+                        <a:rPr sz="900" spc="-25">
                           <a:solidFill>
                             <a:srgbClr val="020302"/>
                           </a:solidFill>
                           <a:latin typeface="AdobeClean-Light"/>
                           <a:cs typeface="AdobeClean-Light"/>
                         </a:rPr>
-                        <a:t>營業時間</a:t>
+                        <a:t>Business</a:t>
+                      </a:r>
+                      <a:r>
+                        <a:rPr sz="900" spc="-15">
+                          <a:solidFill>
+                            <a:srgbClr val="020302"/>
+                          </a:solidFill>
+                          <a:latin typeface="AdobeClean-Light"/>
+                          <a:cs typeface="AdobeClean-Light"/>
+                        </a:rPr>
+                        <a:t> </a:t>
+                      </a:r>
+                      <a:r>
+                        <a:rPr sz="900" spc="-30">
+                          <a:solidFill>
+                            <a:srgbClr val="020302"/>
+                          </a:solidFill>
+                          <a:latin typeface="AdobeClean-Light"/>
+                          <a:cs typeface="AdobeClean-Light"/>
+                        </a:rPr>
+                        <a:t>hours</a:t>
                       </a:r>
                       <a:endParaRPr sz="900">
                         <a:latin typeface="AdobeClean-Light"/>
@@ -5272,7 +6097,7 @@
                         </a:spcBef>
                       </a:pPr>
                       <a:r>
-                        <a:rPr lang="de-de" sz="900" spc="-25">
+                        <a:rPr lang="en-US" sz="900" spc="-25">
                           <a:solidFill>
                             <a:srgbClr val="020302"/>
                           </a:solidFill>
@@ -5367,14 +6192,34 @@
                         </a:spcBef>
                       </a:pPr>
                       <a:r>
-                        <a:rPr lang="de-de" sz="900" spc="0">
+                        <a:rPr sz="900" spc="0">
                           <a:solidFill>
                             <a:srgbClr val="020302"/>
                           </a:solidFill>
                           <a:latin typeface="AdobeClean-Light"/>
                           <a:cs typeface="AdobeClean-Light"/>
                         </a:rPr>
-                        <a:t>全年無休 P1 問題支援</a:t>
+                        <a:t>24x7</a:t>
+                      </a:r>
+                      <a:r>
+                        <a:rPr lang="en-US" sz="900" spc="0">
+                          <a:solidFill>
+                            <a:srgbClr val="020302"/>
+                          </a:solidFill>
+                          <a:latin typeface="AdobeClean-Light"/>
+                          <a:cs typeface="AdobeClean-Light"/>
+                        </a:rPr>
+                        <a:t>x365</a:t>
+                      </a:r>
+                      <a:r>
+                        <a:rPr sz="900" spc="0">
+                          <a:solidFill>
+                            <a:srgbClr val="020302"/>
+                          </a:solidFill>
+                          <a:latin typeface="AdobeClean-Light"/>
+                          <a:cs typeface="AdobeClean-Light"/>
+                        </a:rPr>
+                        <a:t> P1 Issue Support</a:t>
                       </a:r>
                       <a:endParaRPr sz="900" spc="0">
                         <a:latin typeface="AdobeClean-Light"/>
@@ -5411,7 +6256,7 @@
                         </a:spcBef>
                       </a:pPr>
                       <a:r>
-                        <a:rPr lang="de-de" sz="900">
+                        <a:rPr sz="900">
                           <a:solidFill>
                             <a:srgbClr val="020302"/>
                           </a:solidFill>
@@ -5453,7 +6298,7 @@
                         </a:spcBef>
                       </a:pPr>
                       <a:r>
-                        <a:rPr lang="de-de" sz="900">
+                        <a:rPr sz="900">
                           <a:solidFill>
                             <a:srgbClr val="020302"/>
                           </a:solidFill>
@@ -5546,14 +6391,14 @@
                         </a:spcBef>
                       </a:pPr>
                       <a:r>
-                        <a:rPr lang="de-de" sz="900" spc="0">
+                        <a:rPr lang="en-US" sz="900" spc="0">
                           <a:solidFill>
                             <a:srgbClr val="020302"/>
                           </a:solidFill>
                           <a:latin typeface="AdobeClean-Light"/>
                           <a:cs typeface="AdobeClean-Light"/>
                         </a:rPr>
-                        <a:t>指定的支援聯絡人 (依據產品)</a:t>
+                        <a:t>Named Support Contacts (per product)</a:t>
                       </a:r>
                       <a:endParaRPr sz="900" spc="0">
                         <a:latin typeface="AdobeClean-Light"/>
@@ -5596,7 +6441,7 @@
                         </a:spcBef>
                       </a:pPr>
                       <a:r>
-                        <a:rPr lang="de-de" sz="900">
+                        <a:rPr sz="900">
                           <a:solidFill>
                             <a:srgbClr val="020302"/>
                           </a:solidFill>
@@ -5638,7 +6483,7 @@
                         </a:spcBef>
                       </a:pPr>
                       <a:r>
-                        <a:rPr lang="de-de" sz="900">
+                        <a:rPr lang="en-US" sz="900">
                           <a:solidFill>
                             <a:srgbClr val="020302"/>
                           </a:solidFill>
@@ -5722,14 +6567,14 @@
                         </a:spcBef>
                       </a:pPr>
                       <a:r>
-                        <a:rPr lang="de-de" sz="900" spc="0">
+                        <a:rPr lang="en-US" sz="900" spc="0">
                           <a:solidFill>
                             <a:srgbClr val="020302"/>
                           </a:solidFill>
                           <a:latin typeface="AdobeClean-Light"/>
                           <a:cs typeface="AdobeClean-Light"/>
                         </a:rPr>
-                        <a:t>即時電話支援</a:t>
+                        <a:t>Live Telephone Support</a:t>
                       </a:r>
                       <a:endParaRPr sz="900" spc="0">
                         <a:latin typeface="AdobeClean-Light"/>
@@ -5798,7 +6643,7 @@
                         </a:spcBef>
                       </a:pPr>
                       <a:r>
-                        <a:rPr lang="de-de" sz="900">
+                        <a:rPr sz="900">
                           <a:solidFill>
                             <a:srgbClr val="020302"/>
                           </a:solidFill>
@@ -5882,14 +6727,14 @@
                         </a:spcBef>
                       </a:pPr>
                       <a:r>
-                        <a:rPr lang="de-de" sz="900" spc="0">
+                        <a:rPr sz="900" spc="0">
                           <a:solidFill>
                             <a:srgbClr val="020302"/>
                           </a:solidFill>
                           <a:latin typeface="AdobeClean-Light"/>
                           <a:cs typeface="AdobeClean-Light"/>
                         </a:rPr>
-                        <a:t>向上呈報管理</a:t>
+                        <a:t>Escalation Management</a:t>
                       </a:r>
                       <a:endParaRPr sz="900" spc="0">
                         <a:latin typeface="AdobeClean-Light"/>
@@ -5958,7 +6803,7 @@
                         </a:spcBef>
                       </a:pPr>
                       <a:r>
-                        <a:rPr lang="de-de" sz="900">
+                        <a:rPr sz="900">
                           <a:solidFill>
                             <a:srgbClr val="020302"/>
                           </a:solidFill>
@@ -6042,14 +6887,24 @@
                         </a:spcBef>
                       </a:pPr>
                       <a:r>
-                        <a:rPr lang="de-de" sz="900" spc="0">
+                        <a:rPr sz="900" spc="0">
                           <a:solidFill>
                             <a:srgbClr val="020302"/>
                           </a:solidFill>
                           <a:latin typeface="AdobeClean-Light"/>
                           <a:cs typeface="AdobeClean-Light"/>
                         </a:rPr>
-                        <a:t>每年的服務審查</a:t>
+                        <a:t>Service Reviews </a:t>
+                      </a:r>
+                      <a:r>
+                        <a:rPr lang="en-US" sz="900" spc="0">
+                          <a:solidFill>
+                            <a:srgbClr val="020302"/>
+                          </a:solidFill>
+                          <a:latin typeface="AdobeClean-Light"/>
+                          <a:cs typeface="AdobeClean-Light"/>
+                        </a:rPr>
+                        <a:t>per Year</a:t>
                       </a:r>
                       <a:endParaRPr sz="900" spc="0">
                         <a:latin typeface="AdobeClean-Light"/>
@@ -6112,7 +6967,7 @@
                         </a:lnSpc>
                       </a:pPr>
                       <a:r>
-                        <a:rPr lang="de-de" sz="900">
+                        <a:rPr lang="en-US" sz="900">
                           <a:latin typeface="Times New Roman"/>
                           <a:cs typeface="Times New Roman"/>
                         </a:rPr>
@@ -6163,13 +7018,13 @@
                         </a:spcBef>
                       </a:pPr>
                       <a:r>
-                        <a:rPr lang="de-de" sz="900" spc="0" dirty="0">
+                        <a:rPr lang="en-US" sz="900" spc="0">
                           <a:latin typeface="AdobeClean-Light"/>
                           <a:cs typeface="AdobeClean-Light"/>
                         </a:rPr>
-                        <a:t>每年的專家諮詢</a:t>
+                        <a:t>Expert Sessions per Year</a:t>
                       </a:r>
-                      <a:endParaRPr sz="900" spc="0" dirty="0">
+                      <a:endParaRPr sz="900" spc="0">
                         <a:latin typeface="AdobeClean-Light"/>
                         <a:cs typeface="AdobeClean-Light"/>
                       </a:endParaRPr>
@@ -6236,7 +7091,7 @@
                         </a:lnSpc>
                       </a:pPr>
                       <a:r>
-                        <a:rPr lang="de-de" sz="900">
+                        <a:rPr lang="en-US" sz="900">
                           <a:latin typeface="Times New Roman"/>
                           <a:cs typeface="Times New Roman"/>
                         </a:rPr>
@@ -6287,13 +7142,13 @@
                         </a:spcBef>
                       </a:pPr>
                       <a:r>
-                        <a:rPr lang="de-de" sz="900" spc="0" dirty="0">
+                        <a:rPr lang="en-US" sz="900" spc="0">
                           <a:latin typeface="AdobeClean-Light"/>
                           <a:cs typeface="AdobeClean-Light"/>
                         </a:rPr>
-                        <a:t>案件審查</a:t>
+                        <a:t>Case Reviews</a:t>
                       </a:r>
-                      <a:endParaRPr sz="900" spc="0" dirty="0">
+                      <a:endParaRPr sz="900" spc="0">
                         <a:latin typeface="AdobeClean-Light"/>
                         <a:cs typeface="AdobeClean-Light"/>
                       </a:endParaRPr>
@@ -6330,7 +7185,7 @@
                           <a:spcPct val="100000"/>
                         </a:lnSpc>
                       </a:pPr>
-                      <a:endParaRPr sz="900" dirty="0">
+                      <a:endParaRPr sz="900">
                         <a:latin typeface="Times New Roman"/>
                         <a:cs typeface="Times New Roman"/>
                       </a:endParaRPr>
@@ -6372,7 +7227,7 @@
                         <a:defRPr/>
                       </a:pPr>
                       <a:r>
-                        <a:rPr lang="de-de" sz="900" dirty="0">
+                        <a:rPr lang="en-US" sz="900">
                           <a:solidFill>
                             <a:srgbClr val="020302"/>
                           </a:solidFill>
@@ -6381,7 +7236,7 @@
                         </a:rPr>
                         <a:t></a:t>
                       </a:r>
-                      <a:endParaRPr lang="en-US" sz="900" dirty="0">
+                      <a:endParaRPr lang="en-US" sz="900">
                         <a:latin typeface="Wingdings"/>
                         <a:cs typeface="Wingdings"/>
                       </a:endParaRPr>
@@ -6465,14 +7320,24 @@
                         </a:spcBef>
                       </a:pPr>
                       <a:r>
-                        <a:rPr lang="de-de" sz="900" spc="0">
+                        <a:rPr sz="900" spc="0">
                           <a:solidFill>
                             <a:srgbClr val="020302"/>
                           </a:solidFill>
                           <a:latin typeface="AdobeClean-Light"/>
                           <a:cs typeface="AdobeClean-Light"/>
                         </a:rPr>
-                        <a:t>事件管理</a:t>
+                        <a:t>Event </a:t>
+                      </a:r>
+                      <a:r>
+                        <a:rPr lang="en-US" sz="900" spc="0">
+                          <a:solidFill>
+                            <a:srgbClr val="020302"/>
+                          </a:solidFill>
+                          <a:latin typeface="AdobeClean-Light"/>
+                          <a:cs typeface="AdobeClean-Light"/>
+                        </a:rPr>
+                        <a:t>Management</a:t>
                       </a:r>
                       <a:endParaRPr sz="900" spc="0">
                         <a:latin typeface="AdobeClean-Light"/>
@@ -6615,14 +7480,34 @@
                         </a:spcBef>
                       </a:pPr>
                       <a:r>
-                        <a:rPr lang="de-de" sz="900" spc="0">
+                        <a:rPr sz="900" spc="0">
                           <a:solidFill>
                             <a:srgbClr val="020302"/>
                           </a:solidFill>
                           <a:latin typeface="AdobeClean-Light"/>
                           <a:cs typeface="AdobeClean-Light"/>
                         </a:rPr>
-                        <a:t>環境審查、維護與監控</a:t>
+                        <a:t>Environment</a:t>
+                      </a:r>
+                      <a:r>
+                        <a:rPr lang="en-US" sz="900" spc="0">
+                          <a:solidFill>
+                            <a:srgbClr val="020302"/>
+                          </a:solidFill>
+                          <a:latin typeface="AdobeClean-Light"/>
+                          <a:cs typeface="AdobeClean-Light"/>
+                        </a:rPr>
+                        <a:t> </a:t>
+                      </a:r>
+                      <a:r>
+                        <a:rPr sz="900" spc="0">
+                          <a:solidFill>
+                            <a:srgbClr val="020302"/>
+                          </a:solidFill>
+                          <a:latin typeface="AdobeClean-Light"/>
+                          <a:cs typeface="AdobeClean-Light"/>
+                        </a:rPr>
+                        <a:t>Review, Maintenance &amp; Monitoring</a:t>
                       </a:r>
                       <a:endParaRPr sz="900" spc="0">
                         <a:latin typeface="AdobeClean-Light"/>
@@ -6759,14 +7644,14 @@
                         </a:spcBef>
                       </a:pPr>
                       <a:r>
-                        <a:rPr lang="de-de" sz="900" spc="0">
+                        <a:rPr sz="900" spc="0">
                           <a:solidFill>
                             <a:srgbClr val="020302"/>
                           </a:solidFill>
                           <a:latin typeface="AdobeClean-Light"/>
                           <a:cs typeface="AdobeClean-Light"/>
                         </a:rPr>
-                        <a:t>發行、遷移、升級及產品藍圖審查</a:t>
+                        <a:t>Release, Migration, Upgrade &amp; Product Roadmap Review</a:t>
                       </a:r>
                       <a:endParaRPr sz="900" spc="0">
                         <a:latin typeface="AdobeClean-Light"/>
@@ -6912,11 +7797,11 @@
                         </a:spcBef>
                       </a:pPr>
                       <a:r>
-                        <a:rPr lang="de-de" sz="900" spc="0">
+                        <a:rPr sz="900" spc="0">
                           <a:latin typeface="AdobeClean-Light"/>
                           <a:cs typeface="AdobeClean-Light"/>
                         </a:rPr>
-                        <a:t>雲端支援活動 – 雲端形式的 Experience Manager</a:t>
+                        <a:t>Cloud Support Activities – Experience Manager as Cloud</a:t>
                       </a:r>
                     </a:p>
                   </a:txBody>
@@ -7002,7 +7887,7 @@
                         <a:defRPr/>
                       </a:pPr>
                       <a:r>
-                        <a:rPr lang="de-de" sz="900" dirty="0">
+                        <a:rPr lang="en-US" sz="900">
                           <a:solidFill>
                             <a:srgbClr val="020302"/>
                           </a:solidFill>
@@ -7011,7 +7896,7 @@
                         </a:rPr>
                         <a:t></a:t>
                       </a:r>
-                      <a:endParaRPr lang="en-US" sz="900" dirty="0">
+                      <a:endParaRPr lang="en-US" sz="900">
                         <a:latin typeface="Wingdings"/>
                         <a:cs typeface="Wingdings"/>
                       </a:endParaRPr>
@@ -7034,7 +7919,7 @@
                         <a:tabLst/>
                         <a:defRPr/>
                       </a:pPr>
-                      <a:endParaRPr lang="en-US" sz="900" dirty="0">
+                      <a:endParaRPr lang="en-US" sz="900">
                         <a:latin typeface="Wingdings"/>
                         <a:cs typeface="Wingdings"/>
                       </a:endParaRPr>
@@ -7080,16 +7965,16 @@
                         </a:spcBef>
                       </a:pPr>
                       <a:r>
-                        <a:rPr lang="de-de" sz="1000" b="1" i="0" spc="0" dirty="0">
+                        <a:rPr lang="en-US" sz="1000" b="1" i="0" spc="0">
                           <a:solidFill>
                             <a:schemeClr val="bg1"/>
                           </a:solidFill>
                           <a:latin typeface="Adobe Clean" panose="020B0503020404020204" pitchFamily="34" charset="0"/>
                           <a:cs typeface="AdobeClean-Light"/>
                         </a:rPr>
-                        <a:t>現場服務</a:t>
+                        <a:t>Field Services</a:t>
                       </a:r>
-                      <a:endParaRPr sz="1000" b="1" i="0" spc="0" dirty="0">
+                      <a:endParaRPr sz="1000" b="1" i="0" spc="0">
                         <a:solidFill>
                           <a:schemeClr val="bg1"/>
                         </a:solidFill>
@@ -7148,14 +8033,14 @@
                         </a:spcBef>
                       </a:pPr>
                       <a:r>
-                        <a:rPr lang="de-de" sz="900" spc="0">
+                        <a:rPr sz="900" spc="0">
                           <a:solidFill>
                             <a:srgbClr val="020302"/>
                           </a:solidFill>
                           <a:latin typeface="AdobeClean-Light"/>
                           <a:cs typeface="AdobeClean-Light"/>
                         </a:rPr>
-                        <a:t>上市諮詢服務 – 新解決方案的第一年</a:t>
+                        <a:t>Launch Advisory Services – First Year of new solution</a:t>
                       </a:r>
                     </a:p>
                   </a:txBody>
@@ -7251,7 +8136,7 @@
                         <a:defRPr/>
                       </a:pPr>
                       <a:r>
-                        <a:rPr lang="de-de" sz="900">
+                        <a:rPr lang="en-US" sz="900">
                           <a:solidFill>
                             <a:srgbClr val="020302"/>
                           </a:solidFill>
@@ -7384,7 +8269,7 @@
                         <a:defRPr/>
                       </a:pPr>
                       <a:r>
-                        <a:rPr lang="de-de" sz="900">
+                        <a:rPr lang="en-US" sz="900">
                           <a:solidFill>
                             <a:srgbClr val="020302"/>
                           </a:solidFill>
@@ -7453,11 +8338,11 @@
                         <a:defRPr/>
                       </a:pPr>
                       <a:r>
-                        <a:rPr lang="de-de" sz="900" spc="0" dirty="0">
+                        <a:rPr lang="en-US" sz="900" spc="0">
                           <a:latin typeface="AdobeClean-Light"/>
                           <a:cs typeface="AdobeClean-Light"/>
                         </a:rPr>
-                        <a:t>現場服務活動</a:t>
+                        <a:t>Field Service Activities </a:t>
                       </a:r>
                     </a:p>
                   </a:txBody>
@@ -7592,14 +8477,14 @@
         <p:spPr>
           <a:xfrm>
             <a:off x="2835999" y="9021041"/>
-            <a:ext cx="2194560" cy="487313"/>
+            <a:ext cx="2194560" cy="641201"/>
           </a:xfrm>
           <a:prstGeom prst="rect">
             <a:avLst/>
           </a:prstGeom>
         </p:spPr>
         <p:txBody>
-          <a:bodyPr vert="horz" wrap="square" lIns="0" tIns="12700" rIns="0" bIns="0" rtlCol="0">
+          <a:bodyPr vert="horz" wrap="square" lIns="0" tIns="12700" rIns="0" bIns="0" rtlCol="0" anchor="t">
             <a:spAutoFit/>
           </a:bodyPr>
           <a:lstStyle/>
@@ -7616,98 +8501,158 @@
               </a:tabLst>
             </a:pPr>
             <a:r>
-              <a:rPr lang="de-de" sz="1000" spc="-20">
+              <a:rPr sz="1000" spc="-20" dirty="0">
                 <a:solidFill>
                   <a:srgbClr val="020302"/>
                 </a:solidFill>
                 <a:latin typeface="AdobeClean-Light"/>
                 <a:cs typeface="AdobeClean-Light"/>
               </a:rPr>
-              <a:t>開始</a:t>
-            </a:r>
-            <a:r>
-              <a:rPr lang="de-de" sz="1000" spc="-15">
+              <a:t>Start </a:t>
+            </a:r>
+            <a:r>
+              <a:rPr sz="1000" dirty="0">
                 <a:solidFill>
                   <a:srgbClr val="020302"/>
                 </a:solidFill>
                 <a:latin typeface="AdobeClean-Light"/>
                 <a:cs typeface="AdobeClean-Light"/>
               </a:rPr>
-              <a:t>聊天式</a:t>
-            </a:r>
-            <a:r>
-              <a:rPr lang="de-de" sz="1000" spc="-10">
+              <a:t>a </a:t>
+            </a:r>
+            <a:r>
+              <a:rPr sz="1000" spc="-15" dirty="0">
                 <a:solidFill>
                   <a:srgbClr val="020302"/>
                 </a:solidFill>
                 <a:latin typeface="AdobeClean-Light"/>
                 <a:cs typeface="AdobeClean-Light"/>
               </a:rPr>
-              <a:t>諮詢，</a:t>
-            </a:r>
-            <a:r>
-              <a:rPr lang="de-de" sz="1000" spc="-5">
+              <a:t>chat </a:t>
+            </a:r>
+            <a:r>
+              <a:rPr sz="1000" spc="-10" dirty="0">
                 <a:solidFill>
                   <a:srgbClr val="020302"/>
                 </a:solidFill>
                 <a:latin typeface="AdobeClean-Light"/>
                 <a:cs typeface="AdobeClean-Light"/>
               </a:rPr>
-              <a:t>以獲得</a:t>
-            </a:r>
-            <a:r>
-              <a:rPr lang="de-de" sz="1000" spc="-10">
+              <a:t>session </a:t>
+            </a:r>
+            <a:r>
+              <a:rPr sz="1000" spc="-5" dirty="0">
                 <a:solidFill>
                   <a:srgbClr val="020302"/>
                 </a:solidFill>
                 <a:latin typeface="AdobeClean-Light"/>
                 <a:cs typeface="AdobeClean-Light"/>
               </a:rPr>
-              <a:t>案件提交的</a:t>
-            </a:r>
-            <a:r>
-              <a:rPr lang="de-de" sz="1000" spc="-20">
+              <a:t>to </a:t>
+            </a:r>
+            <a:r>
+              <a:rPr sz="1000" spc="-10" dirty="0">
                 <a:solidFill>
                   <a:srgbClr val="020302"/>
                 </a:solidFill>
                 <a:latin typeface="AdobeClean-Light"/>
                 <a:cs typeface="AdobeClean-Light"/>
               </a:rPr>
-              <a:t>解答</a:t>
-            </a:r>
-            <a:r>
-              <a:rPr lang="de-de" sz="1000">
+              <a:t>get </a:t>
+            </a:r>
+            <a:r>
+              <a:rPr sz="1000" spc="-20" dirty="0">
                 <a:solidFill>
                   <a:srgbClr val="020302"/>
                 </a:solidFill>
                 <a:latin typeface="AdobeClean-Light"/>
                 <a:cs typeface="AdobeClean-Light"/>
               </a:rPr>
-              <a:t>與</a:t>
-            </a:r>
-            <a:r>
-              <a:rPr lang="de-de" sz="1000" spc="-15">
+              <a:t>answers</a:t>
+            </a:r>
+            <a:r>
+              <a:rPr lang="en-US" sz="1000" spc="-45" dirty="0">
                 <a:solidFill>
                   <a:srgbClr val="020302"/>
                 </a:solidFill>
                 <a:latin typeface="AdobeClean-Light"/>
                 <a:cs typeface="AdobeClean-Light"/>
               </a:rPr>
-              <a:t>協助</a:t>
-            </a:r>
-            <a:endParaRPr lang="en-US" sz="1000" spc="-20">
-              <a:solidFill>
-                <a:srgbClr val="020302"/>
-              </a:solidFill>
-              <a:latin typeface="AdobeClean-Light"/>
-              <a:cs typeface="AdobeClean-Light"/>
-            </a:endParaRPr>
+              <a:t> </a:t>
+            </a:r>
+            <a:r>
+              <a:rPr lang="en-US" sz="1000" dirty="0">
+                <a:solidFill>
+                  <a:srgbClr val="020302"/>
+                </a:solidFill>
+                <a:latin typeface="AdobeClean-Light"/>
+                <a:cs typeface="AdobeClean-Light"/>
+              </a:rPr>
+              <a:t>&amp; </a:t>
+            </a:r>
+            <a:r>
+              <a:rPr sz="1000" spc="-15" dirty="0">
+                <a:solidFill>
+                  <a:srgbClr val="020302"/>
+                </a:solidFill>
+                <a:latin typeface="AdobeClean-Light"/>
+                <a:cs typeface="AdobeClean-Light"/>
+              </a:rPr>
+              <a:t>help </a:t>
+            </a:r>
+            <a:r>
+              <a:rPr sz="1000" spc="-10" dirty="0">
+                <a:solidFill>
+                  <a:srgbClr val="020302"/>
+                </a:solidFill>
+                <a:latin typeface="AdobeClean-Light"/>
+                <a:cs typeface="AdobeClean-Light"/>
+              </a:rPr>
+              <a:t>with</a:t>
+            </a:r>
+            <a:r>
+              <a:rPr sz="1000" spc="85" dirty="0">
+                <a:solidFill>
+                  <a:srgbClr val="020302"/>
+                </a:solidFill>
+                <a:latin typeface="AdobeClean-Light"/>
+                <a:cs typeface="AdobeClean-Light"/>
+              </a:rPr>
+              <a:t> </a:t>
+            </a:r>
+            <a:r>
+              <a:rPr sz="1000" spc="-10" dirty="0">
+                <a:solidFill>
+                  <a:srgbClr val="020302"/>
+                </a:solidFill>
+                <a:latin typeface="AdobeClean-Light"/>
+                <a:cs typeface="AdobeClean-Light"/>
+              </a:rPr>
+              <a:t>case </a:t>
+            </a:r>
+            <a:r>
+              <a:rPr sz="1000" spc="-20">
+                <a:solidFill>
+                  <a:srgbClr val="020302"/>
+                </a:solidFill>
+                <a:latin typeface="AdobeClean-Light"/>
+                <a:cs typeface="AdobeClean-Light"/>
+              </a:rPr>
+              <a:t>submission</a:t>
+            </a:r>
+            <a:r>
+              <a:rPr lang="en-US" sz="1000" spc="-20">
+                <a:solidFill>
+                  <a:srgbClr val="020302"/>
+                </a:solidFill>
+                <a:latin typeface="AdobeClean-Light"/>
+                <a:cs typeface="AdobeClean-Light"/>
+              </a:rPr>
+              <a:t>.</a:t>
+            </a:r>
           </a:p>
           <a:p>
             <a:pPr marL="33020" marR="159385">
-              <a:lnSpc>
-                <a:spcPct val="100000"/>
-              </a:lnSpc>
               <a:spcBef>
                 <a:spcPts val="100"/>
               </a:spcBef>
@@ -7716,34 +8661,44 @@
               </a:tabLst>
             </a:pPr>
             <a:r>
-              <a:rPr lang="de-de" sz="1000" i="1" spc="-10">
+              <a:rPr sz="1000" i="1" spc="-10" dirty="0">
                 <a:solidFill>
                   <a:srgbClr val="7A7A7A"/>
                 </a:solidFill>
                 <a:latin typeface="AdobeClean-LightIt"/>
                 <a:cs typeface="AdobeClean-LightIt"/>
               </a:rPr>
-              <a:t>*並非</a:t>
-            </a:r>
-            <a:r>
-              <a:rPr lang="de-de" sz="1000" i="1" spc="-20">
+              <a:t>*Not all </a:t>
+            </a:r>
+            <a:r>
+              <a:rPr sz="1000" i="1" spc="-20" dirty="0">
                 <a:solidFill>
                   <a:srgbClr val="7A7A7A"/>
                 </a:solidFill>
                 <a:latin typeface="AdobeClean-LightIt"/>
                 <a:cs typeface="AdobeClean-LightIt"/>
               </a:rPr>
-              <a:t>所有產品都有提供即時聊天支援</a:t>
-            </a:r>
-            <a:r>
-              <a:rPr lang="de-de" sz="900" i="1" spc="-20">
+              <a:t>products have live chat support</a:t>
+            </a:r>
+            <a:r>
+              <a:rPr sz="900" i="1" spc="-20" dirty="0">
                 <a:solidFill>
                   <a:srgbClr val="7A7A7A"/>
                 </a:solidFill>
                 <a:latin typeface="AdobeClean-LightIt"/>
                 <a:cs typeface="AdobeClean-LightIt"/>
               </a:rPr>
-              <a:t>。</a:t>
+              <a:t>.</a:t>
+            </a:r>
+            <a:r>
+              <a:rPr lang="en-US" sz="900" i="1" spc="-20" dirty="0">
+                <a:solidFill>
+                  <a:srgbClr val="7A7A7A"/>
+                </a:solidFill>
+                <a:latin typeface="AdobeClean-LightIt"/>
+                <a:cs typeface="AdobeClean-LightIt"/>
+              </a:rPr>
+              <a:t>  </a:t>
             </a:r>
             <a:endParaRPr sz="900">
               <a:latin typeface="AdobeClean-Light"/>
@@ -7795,12 +8750,12 @@
               <a:defRPr/>
             </a:pPr>
             <a:r>
-              <a:rPr lang="de-de" sz="1200">
+              <a:rPr lang="en-US" sz="1200">
                 <a:solidFill>
                   <a:srgbClr val="000000"/>
                 </a:solidFill>
               </a:rPr>
-              <a:t>社群論壇</a:t>
+              <a:t>Community Forums</a:t>
             </a:r>
           </a:p>
         </p:txBody>
@@ -7843,12 +8798,12 @@
               </a:spcAft>
             </a:pPr>
             <a:r>
-              <a:rPr lang="de-de" sz="1200" b="1">
+              <a:rPr lang="en-US" sz="1200" b="1">
                 <a:latin typeface="+mj-lt"/>
                 <a:ea typeface="Open Sans" pitchFamily="34" charset="0"/>
                 <a:cs typeface="Open Sans" pitchFamily="34" charset="0"/>
               </a:rPr>
-              <a:t>線上論壇</a:t>
+              <a:t>Online Forums</a:t>
             </a:r>
           </a:p>
         </p:txBody>
@@ -7875,20 +8830,26 @@
           </a:prstGeom>
         </p:spPr>
         <p:txBody>
-          <a:bodyPr vert="horz" wrap="square" lIns="0" tIns="35560" rIns="0" bIns="0" rtlCol="0">
+          <a:bodyPr vert="horz" wrap="square" lIns="0" tIns="35560" rIns="0" bIns="0" rtlCol="0" anchor="t">
             <a:spAutoFit/>
           </a:bodyPr>
           <a:lstStyle/>
           <a:p>
             <a:r>
-              <a:rPr lang="de-de" sz="1000">
+              <a:rPr lang="en-US" sz="1000" dirty="0">
                 <a:solidFill>
                   <a:srgbClr val="4B4B4B"/>
                 </a:solidFill>
-                <a:latin typeface="Adobe Clean Light" panose="020B0303020404020204" pitchFamily="34" charset="0"/>
-              </a:rPr>
-              <a:t>可持續在線上存取不斷增加的技術解決方案、產品文件、常見問答等內容的資料庫。與 Adobe 社群上的從業人員和其他客戶交流，彼此分享學到的最佳實務和經驗教訓</a:t>
-            </a:r>
+                <a:latin typeface="Adobe Clean Light"/>
+              </a:rPr>
+              <a:t>Continuous online access to a growing database of technical solutions, product documentation, FAQs and more. Connect with practitioners and other customers on Adobe Community to share best practices and lessons learned.</a:t>
+            </a:r>
+            <a:endParaRPr lang="en-US" sz="1000" dirty="0">
+              <a:solidFill>
+                <a:srgbClr val="4B4B4B"/>
+              </a:solidFill>
+              <a:latin typeface="Adobe Clean Light" panose="020B0303020404020204" pitchFamily="34" charset="0"/>
+            </a:endParaRPr>
           </a:p>
         </p:txBody>
       </p:sp>
@@ -7935,7 +8896,7 @@
               <a:defRPr/>
             </a:pPr>
             <a:r>
-              <a:rPr lang="de-de" sz="1200">
+              <a:rPr lang="en-US" sz="1200">
                 <a:solidFill>
                   <a:srgbClr val="000000"/>
                 </a:solidFill>
@@ -7983,12 +8944,12 @@
               </a:spcAft>
             </a:pPr>
             <a:r>
-              <a:rPr lang="de-de" sz="1200" b="1">
+              <a:rPr lang="en-US" sz="1200" b="1">
                 <a:latin typeface="+mj-lt"/>
                 <a:ea typeface="Open Sans" pitchFamily="34" charset="0"/>
                 <a:cs typeface="Open Sans" pitchFamily="34" charset="0"/>
               </a:rPr>
-              <a:t>自我引導式旅程</a:t>
+              <a:t>Self-guided Journeys</a:t>
             </a:r>
           </a:p>
         </p:txBody>
@@ -8015,20 +8976,26 @@
           </a:prstGeom>
         </p:spPr>
         <p:txBody>
-          <a:bodyPr vert="horz" wrap="square" lIns="0" tIns="35560" rIns="0" bIns="0" rtlCol="0">
+          <a:bodyPr vert="horz" wrap="square" lIns="0" tIns="35560" rIns="0" bIns="0" rtlCol="0" anchor="t">
             <a:spAutoFit/>
           </a:bodyPr>
           <a:lstStyle/>
           <a:p>
             <a:r>
-              <a:rPr lang="de-de" sz="1000">
+              <a:rPr lang="en-US" sz="1000" dirty="0">
                 <a:solidFill>
                   <a:srgbClr val="4B4B4B"/>
                 </a:solidFill>
-                <a:latin typeface="Adobe Clean Light" panose="020B0303020404020204" pitchFamily="34" charset="0"/>
-              </a:rPr>
-              <a:t>Experience League 賦予體驗製作者強大的功能。客戶可以透過個人化學習來開始培養自己的客戶體驗管理能力，以發展各項技能、與全球的同行社群互動，並獲得職業提升的認可</a:t>
-            </a:r>
+                <a:latin typeface="Adobe Clean Light"/>
+              </a:rPr>
+              <a:t>Experience Makers are made with Experience League. Customers can kickstart their Customer Experience Management abilities with personalized learning to develop skills, engage with a global community of peers, and earn career advancing recognition.</a:t>
+            </a:r>
+            <a:endParaRPr lang="en-US" sz="1000" dirty="0">
+              <a:solidFill>
+                <a:srgbClr val="4B4B4B"/>
+              </a:solidFill>
+              <a:latin typeface="Adobe Clean Light" panose="020B0303020404020204" pitchFamily="34" charset="0"/>
+            </a:endParaRPr>
           </a:p>
         </p:txBody>
       </p:sp>
@@ -8075,12 +9042,12 @@
               <a:defRPr/>
             </a:pPr>
             <a:r>
-              <a:rPr lang="de-de" sz="1200">
+              <a:rPr lang="en-US" sz="1200">
                 <a:solidFill>
                   <a:srgbClr val="000000"/>
                 </a:solidFill>
               </a:rPr>
-              <a:t>即時聊天支援*</a:t>
+              <a:t>Live Chat  Support*</a:t>
             </a:r>
           </a:p>
         </p:txBody>
@@ -8123,12 +9090,12 @@
               </a:spcAft>
             </a:pPr>
             <a:r>
-              <a:rPr lang="de-de" sz="1200" b="1">
+              <a:rPr lang="en-US" sz="1200" b="1">
                 <a:latin typeface="+mj-lt"/>
                 <a:ea typeface="Open Sans" pitchFamily="34" charset="0"/>
                 <a:cs typeface="Open Sans" pitchFamily="34" charset="0"/>
               </a:rPr>
-              <a:t>聊天支援</a:t>
+              <a:t>Chat Support</a:t>
             </a:r>
           </a:p>
         </p:txBody>
@@ -8176,12 +9143,12 @@
               <a:defRPr/>
             </a:pPr>
             <a:r>
-              <a:rPr lang="de-de" sz="1200">
+              <a:rPr lang="en-US" sz="1200">
                 <a:solidFill>
                   <a:srgbClr val="000000"/>
                 </a:solidFill>
               </a:rPr>
-              <a:t>全年無休 P1 </a:t>
+              <a:t>24X7 P1 </a:t>
             </a:r>
           </a:p>
         </p:txBody>
@@ -8224,12 +9191,12 @@
               </a:spcAft>
             </a:pPr>
             <a:r>
-              <a:rPr lang="de-de" sz="1200" b="1">
+              <a:rPr lang="en-US" sz="1200" b="1">
                 <a:latin typeface="+mj-lt"/>
                 <a:ea typeface="Open Sans" pitchFamily="34" charset="0"/>
                 <a:cs typeface="Open Sans" pitchFamily="34" charset="0"/>
               </a:rPr>
-              <a:t>電話支援</a:t>
+              <a:t>Phone  Support</a:t>
             </a:r>
           </a:p>
         </p:txBody>
@@ -8262,28 +9229,28 @@
           <a:lstStyle/>
           <a:p>
             <a:r>
-              <a:rPr lang="de-de" sz="1000">
+              <a:rPr lang="en-US" sz="1000">
                 <a:solidFill>
                   <a:srgbClr val="020302"/>
                 </a:solidFill>
                 <a:latin typeface="AdobeClean-Light"/>
               </a:rPr>
-              <a:t>授權的使用者或</a:t>
-            </a:r>
-            <a:r>
-              <a:rPr lang="de-de" sz="1000" b="1">
+              <a:t>Authorized users or </a:t>
+            </a:r>
+            <a:r>
+              <a:rPr lang="en-US" sz="1000" b="1">
                 <a:solidFill>
                   <a:srgbClr val="020302"/>
                 </a:solidFill>
                 <a:latin typeface="AdobeClean-Light"/>
               </a:rPr>
-              <a:t>指定的支援聯絡人</a:t>
-            </a:r>
-            <a:r>
-              <a:rPr lang="de-de" sz="1000">
+              <a:t>Named Support Contacts </a:t>
+            </a:r>
+            <a:r>
+              <a:rPr lang="en-US" sz="1000">
                 <a:latin typeface="Adobe Clean Light" panose="020B0303020404020204" pitchFamily="34" charset="0"/>
               </a:rPr>
-              <a:t>可透過所有可用管道 (包括 P1 適用的電話) 來提交問題，並代表貴公司與我們的技術支援團隊互動。</a:t>
+              <a:t>can submit issues through all available  channels (including phone for P1) and interact with our technical support team on behalf of your company. </a:t>
             </a:r>
             <a:endParaRPr lang="en-US" sz="1000">
               <a:solidFill>
@@ -8378,14 +9345,14 @@
               </a:spcBef>
             </a:pPr>
             <a:r>
-              <a:rPr lang="de-de" sz="1400" b="1" spc="-10">
-                <a:solidFill>
-                  <a:srgbClr val="020302"/>
-                </a:solidFill>
-                <a:latin typeface="Adobe Clean"/>
-                <a:cs typeface="Adobe Clean"/>
-              </a:rPr>
-              <a:t>線上支援特色</a:t>
+              <a:rPr lang="en-US" sz="1400" b="1" spc="-10">
+                <a:solidFill>
+                  <a:srgbClr val="020302"/>
+                </a:solidFill>
+                <a:latin typeface="Adobe Clean"/>
+                <a:cs typeface="Adobe Clean"/>
+              </a:rPr>
+              <a:t>Online Support Features</a:t>
             </a:r>
             <a:endParaRPr lang="en-US" sz="1400">
               <a:latin typeface="Adobe Clean"/>
@@ -8437,12 +9404,12 @@
               <a:defRPr/>
             </a:pPr>
             <a:r>
-              <a:rPr lang="de-de" sz="1200">
+              <a:rPr lang="en-US" sz="1200">
                 <a:solidFill>
                   <a:srgbClr val="000000"/>
                 </a:solidFill>
               </a:rPr>
-              <a:t>諮詢時間</a:t>
+              <a:t>Office Hours</a:t>
             </a:r>
           </a:p>
         </p:txBody>
@@ -8485,12 +9452,12 @@
               </a:spcAft>
             </a:pPr>
             <a:r>
-              <a:rPr lang="de-de" sz="1200" b="1">
+              <a:rPr lang="en-US" sz="1200" b="1">
                 <a:latin typeface="+mj-lt"/>
                 <a:ea typeface="Open Sans" pitchFamily="34" charset="0"/>
                 <a:cs typeface="Open Sans" pitchFamily="34" charset="0"/>
               </a:rPr>
-              <a:t>網路研討會</a:t>
+              <a:t>Webinars</a:t>
             </a:r>
           </a:p>
         </p:txBody>
@@ -8523,13 +9490,13 @@
           <a:lstStyle/>
           <a:p>
             <a:r>
-              <a:rPr lang="de-de" sz="1000">
+              <a:rPr lang="en-US" sz="1000">
                 <a:solidFill>
                   <a:srgbClr val="4B4B4B"/>
                 </a:solidFill>
                 <a:latin typeface="Adobe Clean Light" panose="020B0303020404020204" pitchFamily="34" charset="0"/>
               </a:rPr>
-              <a:t>「諮詢時間」是由 Adobe 客戶支援團隊主導的一項計劃，其中的研討會的設計目的是為了提供資訊以及協助參與者排除問題，並提供成功使用 Adobe 解決方案的秘訣與技巧。</a:t>
+              <a:t>Office Hours led by the Adobe Customer Support team includes sessions designed to inform as well as help participants troubleshoot problems and provide tips and tricks for success with Adobe solutions. </a:t>
             </a:r>
           </a:p>
         </p:txBody>
@@ -8577,12 +9544,12 @@
               <a:defRPr/>
             </a:pPr>
             <a:r>
-              <a:rPr lang="de-de" sz="1200">
+              <a:rPr lang="en-US" sz="1200">
                 <a:solidFill>
                   <a:srgbClr val="000000"/>
                 </a:solidFill>
               </a:rPr>
-              <a:t>自助式入口網站</a:t>
+              <a:t>Self-help Portals</a:t>
             </a:r>
           </a:p>
         </p:txBody>
@@ -8625,12 +9592,12 @@
               </a:spcAft>
             </a:pPr>
             <a:r>
-              <a:rPr lang="de-de" sz="1200" b="1">
+              <a:rPr lang="en-US" sz="1200" b="1">
                 <a:latin typeface="+mj-lt"/>
                 <a:ea typeface="Open Sans" pitchFamily="34" charset="0"/>
                 <a:cs typeface="Open Sans" pitchFamily="34" charset="0"/>
               </a:rPr>
-              <a:t>24/7 支援入口網站</a:t>
+              <a:t>24/7 Support Portal</a:t>
             </a:r>
           </a:p>
         </p:txBody>
@@ -8663,23 +9630,30 @@
           <a:lstStyle/>
           <a:p>
             <a:r>
-              <a:rPr lang="de-de" sz="1000">
+              <a:rPr lang="en-US" sz="1000">
                 <a:solidFill>
                   <a:srgbClr val="4B4B4B"/>
                 </a:solidFill>
                 <a:latin typeface="Adobe Clean Light" panose="020B0303020404020204" pitchFamily="34" charset="0"/>
               </a:rPr>
-              <a:t>隨需存取線上</a:t>
-            </a:r>
-            <a:br/>
-            <a:r>
-              <a:rPr lang="de-de" sz="1000">
+              <a:t>On-demand access to the online </a:t>
+            </a:r>
+            <a:br>
+              <a:rPr lang="en-US" sz="1000">
                 <a:solidFill>
                   <a:srgbClr val="4B4B4B"/>
                 </a:solidFill>
                 <a:latin typeface="Adobe Clean Light" panose="020B0303020404020204" pitchFamily="34" charset="0"/>
               </a:rPr>
-              <a:t>自助式支援入口網站，以提交支援請求、檢閱案件狀態，並瀏覽其他資源，像是我們的知識庫、新聞與提醒、特定的提示等。</a:t>
+            </a:br>
+            <a:r>
+              <a:rPr lang="en-US" sz="1000">
+                <a:solidFill>
+                  <a:srgbClr val="4B4B4B"/>
+                </a:solidFill>
+                <a:latin typeface="Adobe Clean Light" panose="020B0303020404020204" pitchFamily="34" charset="0"/>
+              </a:rPr>
+              <a:t>Self-help Support Portal to submit support requests, review case status, and browse other resources, like our knowledgebase, news and alerts, featured tips, and more.</a:t>
             </a:r>
           </a:p>
         </p:txBody>
@@ -8700,8 +9674,8 @@
         </p:nvSpPr>
         <p:spPr>
           <a:xfrm>
-            <a:off x="97788" y="9888625"/>
-            <a:ext cx="6254026" cy="133370"/>
+            <a:off x="97788" y="9888626"/>
+            <a:ext cx="2245360" cy="133370"/>
           </a:xfrm>
           <a:prstGeom prst="rect">
             <a:avLst/>
@@ -8813,36 +9787,36 @@
               </a:spcBef>
             </a:pPr>
             <a:r>
-              <a:rPr lang="de-de" spc="-10"/>
+              <a:rPr lang="en-US" spc="-10"/>
               <a:t>©2021</a:t>
             </a:r>
             <a:r>
-              <a:rPr lang="de-de" spc="-5"/>
-              <a:t> Adobe。All</a:t>
-            </a:r>
-            <a:r>
-              <a:rPr lang="de-de" spc="-10"/>
+              <a:rPr lang="en-US" spc="-5"/>
+              <a:t> Adobe. All</a:t>
+            </a:r>
+            <a:r>
+              <a:rPr lang="en-US" spc="-10"/>
               <a:t> Rights</a:t>
             </a:r>
             <a:r>
-              <a:rPr lang="de-de" spc="-5"/>
+              <a:rPr lang="en-US" spc="-5"/>
               <a:t> </a:t>
             </a:r>
             <a:r>
-              <a:rPr lang="de-de" spc="-10"/>
-              <a:t>Reserved。</a:t>
-            </a:r>
-            <a:r>
-              <a:rPr lang="de-de" spc="-5"/>
-              <a:t>Adobe</a:t>
-            </a:r>
-            <a:r>
-              <a:rPr lang="de-de" spc="60"/>
+              <a:rPr lang="en-US" spc="-10"/>
+              <a:t>Reserved.</a:t>
+            </a:r>
+            <a:r>
+              <a:rPr lang="en-US" spc="-5"/>
+              <a:t> Adobe</a:t>
+            </a:r>
+            <a:r>
+              <a:rPr lang="en-US" spc="60"/>
               <a:t> </a:t>
             </a:r>
             <a:r>
-              <a:rPr lang="de-de" spc="-10"/>
-              <a:t>機密資訊。</a:t>
+              <a:rPr lang="en-US" spc="-10"/>
+              <a:t>Confidential.</a:t>
             </a:r>
           </a:p>
         </p:txBody>
@@ -8931,14 +9905,14 @@
               </a:spcBef>
             </a:pPr>
             <a:r>
-              <a:rPr lang="de-de" sz="1400" b="1" spc="-10">
-                <a:solidFill>
-                  <a:srgbClr val="020302"/>
-                </a:solidFill>
-                <a:latin typeface="Adobe Clean"/>
-                <a:cs typeface="Adobe Clean"/>
-              </a:rPr>
-              <a:t>企業支援特色</a:t>
+              <a:rPr lang="en-US" sz="1400" b="1" spc="-10">
+                <a:solidFill>
+                  <a:srgbClr val="020302"/>
+                </a:solidFill>
+                <a:latin typeface="Adobe Clean"/>
+                <a:cs typeface="Adobe Clean"/>
+              </a:rPr>
+              <a:t>Enterprise Support Features</a:t>
             </a:r>
             <a:endParaRPr lang="en-US" sz="1400">
               <a:latin typeface="Adobe Clean"/>
@@ -8983,17 +9957,107 @@
               </a:spcBef>
             </a:pPr>
             <a:r>
-              <a:rPr lang="de-de" sz="1200" b="1" spc="-25">
-                <a:solidFill>
-                  <a:srgbClr val="020302"/>
-                </a:solidFill>
-                <a:latin typeface="Adobe Clean"/>
-                <a:cs typeface="Adobe Clean"/>
-              </a:rPr>
-              <a:t>向上呈報管理</a:t>
-            </a:r>
-            <a:r>
-              <a:rPr lang="de-de" sz="1200" b="1" spc="-55">
+              <a:rPr sz="1200" b="1" spc="-25">
+                <a:solidFill>
+                  <a:srgbClr val="020302"/>
+                </a:solidFill>
+                <a:latin typeface="Adobe Clean"/>
+                <a:cs typeface="Adobe Clean"/>
+              </a:rPr>
+              <a:t>E</a:t>
+            </a:r>
+            <a:r>
+              <a:rPr sz="1200" b="1" spc="-20">
+                <a:solidFill>
+                  <a:srgbClr val="020302"/>
+                </a:solidFill>
+                <a:latin typeface="Adobe Clean"/>
+                <a:cs typeface="Adobe Clean"/>
+              </a:rPr>
+              <a:t>s</a:t>
+            </a:r>
+            <a:r>
+              <a:rPr sz="1200" b="1" spc="-30">
+                <a:solidFill>
+                  <a:srgbClr val="020302"/>
+                </a:solidFill>
+                <a:latin typeface="Adobe Clean"/>
+                <a:cs typeface="Adobe Clean"/>
+              </a:rPr>
+              <a:t>c</a:t>
+            </a:r>
+            <a:r>
+              <a:rPr sz="1200" b="1" spc="-20">
+                <a:solidFill>
+                  <a:srgbClr val="020302"/>
+                </a:solidFill>
+                <a:latin typeface="Adobe Clean"/>
+                <a:cs typeface="Adobe Clean"/>
+              </a:rPr>
+              <a:t>a</a:t>
+            </a:r>
+            <a:r>
+              <a:rPr sz="1200" b="1" spc="-25">
+                <a:solidFill>
+                  <a:srgbClr val="020302"/>
+                </a:solidFill>
+                <a:latin typeface="Adobe Clean"/>
+                <a:cs typeface="Adobe Clean"/>
+              </a:rPr>
+              <a:t>l</a:t>
+            </a:r>
+            <a:r>
+              <a:rPr sz="1200" b="1" spc="-20">
+                <a:solidFill>
+                  <a:srgbClr val="020302"/>
+                </a:solidFill>
+                <a:latin typeface="Adobe Clean"/>
+                <a:cs typeface="Adobe Clean"/>
+              </a:rPr>
+              <a:t>a</a:t>
+            </a:r>
+            <a:r>
+              <a:rPr sz="1200" b="1" spc="-25">
+                <a:solidFill>
+                  <a:srgbClr val="020302"/>
+                </a:solidFill>
+                <a:latin typeface="Adobe Clean"/>
+                <a:cs typeface="Adobe Clean"/>
+              </a:rPr>
+              <a:t>t</a:t>
+            </a:r>
+            <a:r>
+              <a:rPr sz="1200" b="1" spc="-20">
+                <a:solidFill>
+                  <a:srgbClr val="020302"/>
+                </a:solidFill>
+                <a:latin typeface="Adobe Clean"/>
+                <a:cs typeface="Adobe Clean"/>
+              </a:rPr>
+              <a:t>i</a:t>
+            </a:r>
+            <a:r>
+              <a:rPr sz="1200" b="1" spc="-15">
+                <a:solidFill>
+                  <a:srgbClr val="020302"/>
+                </a:solidFill>
+                <a:latin typeface="Adobe Clean"/>
+                <a:cs typeface="Adobe Clean"/>
+              </a:rPr>
+              <a:t>o</a:t>
+            </a:r>
+            <a:r>
+              <a:rPr sz="1200" b="1">
+                <a:solidFill>
+                  <a:srgbClr val="020302"/>
+                </a:solidFill>
+                <a:latin typeface="Adobe Clean"/>
+                <a:cs typeface="Adobe Clean"/>
+              </a:rPr>
+              <a:t>n</a:t>
+            </a:r>
+            <a:r>
+              <a:rPr sz="1200" b="1" spc="-55">
                 <a:solidFill>
                   <a:srgbClr val="020302"/>
                 </a:solidFill>
@@ -9001,6 +10065,86 @@
                 <a:cs typeface="Adobe Clean"/>
               </a:rPr>
               <a:t> </a:t>
+            </a:r>
+            <a:r>
+              <a:rPr sz="1200" b="1" spc="-35">
+                <a:solidFill>
+                  <a:srgbClr val="020302"/>
+                </a:solidFill>
+                <a:latin typeface="Adobe Clean"/>
+                <a:cs typeface="Adobe Clean"/>
+              </a:rPr>
+              <a:t>M</a:t>
+            </a:r>
+            <a:r>
+              <a:rPr sz="1200" b="1" spc="-25">
+                <a:solidFill>
+                  <a:srgbClr val="020302"/>
+                </a:solidFill>
+                <a:latin typeface="Adobe Clean"/>
+                <a:cs typeface="Adobe Clean"/>
+              </a:rPr>
+              <a:t>a</a:t>
+            </a:r>
+            <a:r>
+              <a:rPr sz="1200" b="1" spc="-30">
+                <a:solidFill>
+                  <a:srgbClr val="020302"/>
+                </a:solidFill>
+                <a:latin typeface="Adobe Clean"/>
+                <a:cs typeface="Adobe Clean"/>
+              </a:rPr>
+              <a:t>n</a:t>
+            </a:r>
+            <a:r>
+              <a:rPr sz="1200" b="1" spc="-25">
+                <a:solidFill>
+                  <a:srgbClr val="020302"/>
+                </a:solidFill>
+                <a:latin typeface="Adobe Clean"/>
+                <a:cs typeface="Adobe Clean"/>
+              </a:rPr>
+              <a:t>a</a:t>
+            </a:r>
+            <a:r>
+              <a:rPr sz="1200" b="1" spc="-30">
+                <a:solidFill>
+                  <a:srgbClr val="020302"/>
+                </a:solidFill>
+                <a:latin typeface="Adobe Clean"/>
+                <a:cs typeface="Adobe Clean"/>
+              </a:rPr>
+              <a:t>ge</a:t>
+            </a:r>
+            <a:r>
+              <a:rPr sz="1200" b="1" spc="-25">
+                <a:solidFill>
+                  <a:srgbClr val="020302"/>
+                </a:solidFill>
+                <a:latin typeface="Adobe Clean"/>
+                <a:cs typeface="Adobe Clean"/>
+              </a:rPr>
+              <a:t>m</a:t>
+            </a:r>
+            <a:r>
+              <a:rPr sz="1200" b="1" spc="-30">
+                <a:solidFill>
+                  <a:srgbClr val="020302"/>
+                </a:solidFill>
+                <a:latin typeface="Adobe Clean"/>
+                <a:cs typeface="Adobe Clean"/>
+              </a:rPr>
+              <a:t>en</a:t>
+            </a:r>
+            <a:r>
+              <a:rPr sz="1200" b="1">
+                <a:solidFill>
+                  <a:srgbClr val="020302"/>
+                </a:solidFill>
+                <a:latin typeface="Adobe Clean"/>
+                <a:cs typeface="Adobe Clean"/>
+              </a:rPr>
+              <a:t>t</a:t>
             </a:r>
             <a:endParaRPr sz="1200">
               <a:latin typeface="Adobe Clean"/>
@@ -9045,13 +10189,13 @@
               </a:spcBef>
             </a:pPr>
             <a:r>
-              <a:rPr lang="de-de" sz="1000">
+              <a:rPr lang="en-US" sz="1000">
                 <a:solidFill>
                   <a:srgbClr val="4B4B4B"/>
                 </a:solidFill>
                 <a:latin typeface="Adobe Clean Light" panose="020B0303020404020204" pitchFamily="34" charset="0"/>
               </a:rPr>
-              <a:t>Adobe 內的指定聯絡人，他可提供向上呈報協助、定期更新，並確保優先處理您最緊急且未解決的支援請求。</a:t>
+              <a:t>A designated point of contact within Adobe who can provide escalation assistance, regular updates and ensure priority is given to your most critical open support requests.</a:t>
             </a:r>
             <a:endParaRPr sz="1000">
               <a:latin typeface="Adobe Clean Light" panose="020B0303020404020204" pitchFamily="34" charset="0"/>
@@ -9096,17 +10240,77 @@
               </a:spcBef>
             </a:pPr>
             <a:r>
-              <a:rPr lang="de-de" sz="1200" b="1" spc="-20">
-                <a:solidFill>
-                  <a:srgbClr val="020302"/>
-                </a:solidFill>
-                <a:latin typeface="Adobe Clean"/>
-                <a:cs typeface="Adobe Clean"/>
-              </a:rPr>
-              <a:t>服務審查</a:t>
-            </a:r>
-            <a:r>
-              <a:rPr lang="de-de" sz="1200" b="1" spc="-80">
+              <a:rPr sz="1200" b="1" spc="-20">
+                <a:solidFill>
+                  <a:srgbClr val="020302"/>
+                </a:solidFill>
+                <a:latin typeface="Adobe Clean"/>
+                <a:cs typeface="Adobe Clean"/>
+              </a:rPr>
+              <a:t>S</a:t>
+            </a:r>
+            <a:r>
+              <a:rPr sz="1200" b="1" spc="-25">
+                <a:solidFill>
+                  <a:srgbClr val="020302"/>
+                </a:solidFill>
+                <a:latin typeface="Adobe Clean"/>
+                <a:cs typeface="Adobe Clean"/>
+              </a:rPr>
+              <a:t>e</a:t>
+            </a:r>
+            <a:r>
+              <a:rPr sz="1200" b="1" spc="-20">
+                <a:solidFill>
+                  <a:srgbClr val="020302"/>
+                </a:solidFill>
+                <a:latin typeface="Adobe Clean"/>
+                <a:cs typeface="Adobe Clean"/>
+              </a:rPr>
+              <a:t>r</a:t>
+            </a:r>
+            <a:r>
+              <a:rPr sz="1200" b="1" spc="-25">
+                <a:solidFill>
+                  <a:srgbClr val="020302"/>
+                </a:solidFill>
+                <a:latin typeface="Adobe Clean"/>
+                <a:cs typeface="Adobe Clean"/>
+              </a:rPr>
+              <a:t>v</a:t>
+            </a:r>
+            <a:r>
+              <a:rPr sz="1200" b="1" spc="-20">
+                <a:solidFill>
+                  <a:srgbClr val="020302"/>
+                </a:solidFill>
+                <a:latin typeface="Adobe Clean"/>
+                <a:cs typeface="Adobe Clean"/>
+              </a:rPr>
+              <a:t>i</a:t>
+            </a:r>
+            <a:r>
+              <a:rPr sz="1200" b="1" spc="-30">
+                <a:solidFill>
+                  <a:srgbClr val="020302"/>
+                </a:solidFill>
+                <a:latin typeface="Adobe Clean"/>
+                <a:cs typeface="Adobe Clean"/>
+              </a:rPr>
+              <a:t>c</a:t>
+            </a:r>
+            <a:r>
+              <a:rPr sz="1200" b="1">
+                <a:solidFill>
+                  <a:srgbClr val="020302"/>
+                </a:solidFill>
+                <a:latin typeface="Adobe Clean"/>
+                <a:cs typeface="Adobe Clean"/>
+              </a:rPr>
+              <a:t>e</a:t>
+            </a:r>
+            <a:r>
+              <a:rPr sz="1200" b="1" spc="-80">
                 <a:solidFill>
                   <a:srgbClr val="020302"/>
                 </a:solidFill>
@@ -9114,6 +10318,66 @@
                 <a:cs typeface="Adobe Clean"/>
               </a:rPr>
               <a:t> </a:t>
+            </a:r>
+            <a:r>
+              <a:rPr sz="1200" b="1" spc="-20">
+                <a:solidFill>
+                  <a:srgbClr val="020302"/>
+                </a:solidFill>
+                <a:latin typeface="Adobe Clean"/>
+                <a:cs typeface="Adobe Clean"/>
+              </a:rPr>
+              <a:t>R</a:t>
+            </a:r>
+            <a:r>
+              <a:rPr sz="1200" b="1" spc="-25">
+                <a:solidFill>
+                  <a:srgbClr val="020302"/>
+                </a:solidFill>
+                <a:latin typeface="Adobe Clean"/>
+                <a:cs typeface="Adobe Clean"/>
+              </a:rPr>
+              <a:t>e</a:t>
+            </a:r>
+            <a:r>
+              <a:rPr sz="1200" b="1" spc="-30">
+                <a:solidFill>
+                  <a:srgbClr val="020302"/>
+                </a:solidFill>
+                <a:latin typeface="Adobe Clean"/>
+                <a:cs typeface="Adobe Clean"/>
+              </a:rPr>
+              <a:t>v</a:t>
+            </a:r>
+            <a:r>
+              <a:rPr sz="1200" b="1" spc="-20">
+                <a:solidFill>
+                  <a:srgbClr val="020302"/>
+                </a:solidFill>
+                <a:latin typeface="Adobe Clean"/>
+                <a:cs typeface="Adobe Clean"/>
+              </a:rPr>
+              <a:t>i</a:t>
+            </a:r>
+            <a:r>
+              <a:rPr sz="1200" b="1" spc="-25">
+                <a:solidFill>
+                  <a:srgbClr val="020302"/>
+                </a:solidFill>
+                <a:latin typeface="Adobe Clean"/>
+                <a:cs typeface="Adobe Clean"/>
+              </a:rPr>
+              <a:t>ew</a:t>
+            </a:r>
+            <a:r>
+              <a:rPr sz="1200" b="1">
+                <a:solidFill>
+                  <a:srgbClr val="020302"/>
+                </a:solidFill>
+                <a:latin typeface="Adobe Clean"/>
+                <a:cs typeface="Adobe Clean"/>
+              </a:rPr>
+              <a:t>s</a:t>
             </a:r>
             <a:endParaRPr sz="1200">
               <a:latin typeface="Adobe Clean"/>
@@ -9158,13 +10422,13 @@
               </a:spcBef>
             </a:pPr>
             <a:r>
-              <a:rPr lang="de-de" sz="1000">
+              <a:rPr lang="en-US" sz="1000">
                 <a:solidFill>
                   <a:srgbClr val="4B4B4B"/>
                 </a:solidFill>
                 <a:latin typeface="Adobe Clean Light" panose="020B0303020404020204" pitchFamily="34" charset="0"/>
               </a:rPr>
-              <a:t>每兩年對企業計劃服務、權益和支援指標進行一次全面審查。</a:t>
+              <a:t>A bi-annual comprehensive review of  Enterprise program services, benefits and support metrics.</a:t>
             </a:r>
             <a:endParaRPr sz="1000">
               <a:latin typeface="Adobe Clean Light" panose="020B0303020404020204" pitchFamily="34" charset="0"/>
@@ -9209,13 +10473,13 @@
               </a:spcBef>
             </a:pPr>
             <a:r>
-              <a:rPr lang="de-de" sz="1000">
+              <a:rPr lang="en-US" sz="1000">
                 <a:solidFill>
                   <a:srgbClr val="4B4B4B"/>
                 </a:solidFill>
                 <a:latin typeface="Adobe Clean Light" panose="020B0303020404020204" pitchFamily="34" charset="0"/>
               </a:rPr>
-              <a:t>60 分鐘的諮詢，聚焦於特定產品功能以及如何利用它來解決常見的業務問題。</a:t>
+              <a:t>A 60-minute session focusing on a specific product feature and how it can be utilized to solve common business problems.</a:t>
             </a:r>
             <a:endParaRPr sz="1000">
               <a:latin typeface="Adobe Clean Light" panose="020B0303020404020204" pitchFamily="34" charset="0"/>
@@ -9246,7 +10510,7 @@
           </a:prstGeom>
         </p:spPr>
         <p:txBody>
-          <a:bodyPr vert="horz" wrap="square" lIns="0" tIns="12700" rIns="0" bIns="0" rtlCol="0">
+          <a:bodyPr vert="horz" wrap="square" lIns="0" tIns="12700" rIns="0" bIns="0" rtlCol="0" anchor="t">
             <a:spAutoFit/>
           </a:bodyPr>
           <a:lstStyle/>
@@ -9260,15 +10524,15 @@
               </a:spcBef>
             </a:pPr>
             <a:r>
-              <a:rPr lang="de-de" sz="1000">
+              <a:rPr lang="en-US" sz="1000" dirty="0">
                 <a:solidFill>
                   <a:srgbClr val="4B4B4B"/>
                 </a:solidFill>
-                <a:latin typeface="Adobe Clean Light" panose="020B0303020404020204" pitchFamily="34" charset="0"/>
-              </a:rPr>
-              <a:t>推動採用 AEM as a Cloud Service 中的自訂最佳實務和核心元件</a:t>
-            </a:r>
-            <a:endParaRPr sz="1000">
+                <a:latin typeface="Adobe Clean Light"/>
+              </a:rPr>
+              <a:t>Drive adoption of customization best practices and core components in AEM as a Cloud Service.</a:t>
+            </a:r>
+            <a:endParaRPr sz="1000" dirty="0">
               <a:solidFill>
                 <a:srgbClr val="4B4B4B"/>
               </a:solidFill>
@@ -9299,12 +10563,12 @@
           </a:prstGeom>
         </p:spPr>
         <p:txBody>
-          <a:bodyPr vert="horz" wrap="square" lIns="0" tIns="12700" rIns="0" bIns="0" rtlCol="0">
+          <a:bodyPr vert="horz" wrap="square" lIns="0" tIns="12700" rIns="0" bIns="0" rtlCol="0" anchor="t">
             <a:spAutoFit/>
           </a:bodyPr>
           <a:lstStyle/>
           <a:p>
-            <a:pPr marL="14604" marR="5080" indent="-1905">
+            <a:pPr marL="13970" marR="5080" indent="-1905">
               <a:lnSpc>
                 <a:spcPct val="117000"/>
               </a:lnSpc>
@@ -9313,15 +10577,15 @@
               </a:spcBef>
             </a:pPr>
             <a:r>
-              <a:rPr lang="de-de" sz="1000">
+              <a:rPr lang="en-US" sz="1000" dirty="0">
                 <a:solidFill>
                   <a:srgbClr val="4B4B4B"/>
                 </a:solidFill>
-                <a:latin typeface="Adobe Clean Light" panose="020B0303020404020204" pitchFamily="34" charset="0"/>
-              </a:rPr>
-              <a:t>識別、審查有機會最佳化的自訂解決方案採用領域，並提供相關建議</a:t>
-            </a:r>
-            <a:endParaRPr sz="1000">
+                <a:latin typeface="Adobe Clean Light"/>
+              </a:rPr>
+              <a:t>Identify, review and provide recommendations on customized solution adoption areas that have opportunities for optimization.</a:t>
+            </a:r>
+            <a:endParaRPr lang="en-US" sz="1000" dirty="0">
               <a:solidFill>
                 <a:srgbClr val="4B4B4B"/>
               </a:solidFill>
@@ -9352,7 +10616,7 @@
           </a:prstGeom>
         </p:spPr>
         <p:txBody>
-          <a:bodyPr vert="horz" wrap="square" lIns="0" tIns="12700" rIns="0" bIns="0" rtlCol="0">
+          <a:bodyPr vert="horz" wrap="square" lIns="0" tIns="12700" rIns="0" bIns="0" rtlCol="0" anchor="t">
             <a:spAutoFit/>
           </a:bodyPr>
           <a:lstStyle/>
@@ -9366,15 +10630,15 @@
               </a:spcBef>
             </a:pPr>
             <a:r>
-              <a:rPr lang="de-de" sz="1000">
+              <a:rPr lang="en-US" sz="1000" dirty="0">
                 <a:solidFill>
                   <a:srgbClr val="4B4B4B"/>
                 </a:solidFill>
-                <a:latin typeface="Adobe Clean Light" panose="020B0303020404020204" pitchFamily="34" charset="0"/>
-              </a:rPr>
-              <a:t>為了協助 AEM as a Cloud Service 客戶遵守 AEM as a Cloud Service 的產業標準和最佳實務所進行的技術與營運控管</a:t>
-            </a:r>
-            <a:endParaRPr sz="1000">
+                <a:latin typeface="Adobe Clean Light"/>
+              </a:rPr>
+              <a:t>Technical &amp; operational governance to assist AEM as a Cloud Service Customers in adhering to industry standards and best practices for AEM as a Cloud Service.</a:t>
+            </a:r>
+            <a:endParaRPr sz="1000" dirty="0">
               <a:solidFill>
                 <a:srgbClr val="4B4B4B"/>
               </a:solidFill>
@@ -9416,15 +10680,15 @@
               </a:spcBef>
             </a:pPr>
             <a:r>
-              <a:rPr lang="de-de" sz="1000">
+              <a:rPr lang="en-US" sz="1000" dirty="0">
                 <a:solidFill>
                   <a:srgbClr val="4B4B4B"/>
                 </a:solidFill>
                 <a:latin typeface="Adobe Clean Light" panose="020B0303020404020204" pitchFamily="34" charset="0"/>
               </a:rPr>
-              <a:t>已熟悉您的解決方案環境與業務目標的指定支援工程師。NSE 是經驗豐富的支援工程師，可幫忙協調您的企業支援體驗。</a:t>
-            </a:r>
-            <a:endParaRPr lang="en-US" sz="1000">
+              <a:t>A designated support engineer who becomes familiar with your solution environment and business goals. The NSE is an experienced support engineer that helps coordinate your Enterprise Support experience.</a:t>
+            </a:r>
+            <a:endParaRPr lang="en-US" sz="1000" dirty="0">
               <a:solidFill>
                 <a:srgbClr val="000000"/>
               </a:solidFill>
@@ -9471,20 +10735,20 @@
               </a:spcAft>
             </a:pPr>
             <a:r>
-              <a:rPr lang="de-de" sz="1200" b="1" spc="-10">
+              <a:rPr lang="en-US" sz="1200" b="1" spc="-10">
                 <a:solidFill>
                   <a:srgbClr val="020302"/>
                 </a:solidFill>
                 <a:latin typeface="+mj-lt"/>
               </a:rPr>
-              <a:t>指定的支援工程師</a:t>
+              <a:t>Named Support Engineer</a:t>
             </a:r>
           </a:p>
         </p:txBody>
       </p:sp>
       <p:pic>
         <p:nvPicPr>
-          <p:cNvPr id="142" name="Graphic 141" descr="使用者大綱">
+          <p:cNvPr id="142" name="Graphic 141" descr="User outline">
             <a:extLst>
               <a:ext uri="{FF2B5EF4-FFF2-40B4-BE49-F238E27FC236}">
                 <a16:creationId xmlns:a16="http://schemas.microsoft.com/office/drawing/2014/main" id="{D810B7C8-EC8A-8D4D-9EEC-977E8C8AB016}"/>
@@ -9557,14 +10821,14 @@
               </a:spcBef>
             </a:pPr>
             <a:r>
-              <a:rPr lang="de-de" sz="1200" b="1" spc="-20">
-                <a:solidFill>
-                  <a:srgbClr val="020302"/>
-                </a:solidFill>
-                <a:latin typeface="Adobe Clean"/>
-                <a:cs typeface="Adobe Clean"/>
-              </a:rPr>
-              <a:t>專家諮詢</a:t>
+              <a:rPr lang="en-US" sz="1200" b="1" spc="-20">
+                <a:solidFill>
+                  <a:srgbClr val="020302"/>
+                </a:solidFill>
+                <a:latin typeface="Adobe Clean"/>
+                <a:cs typeface="Adobe Clean"/>
+              </a:rPr>
+              <a:t>Expert Sessions</a:t>
             </a:r>
             <a:endParaRPr sz="1200">
               <a:latin typeface="Adobe Clean"/>
@@ -9600,30 +10864,497 @@
           </a:bodyPr>
           <a:lstStyle/>
           <a:p>
-            <a:pPr algn="l"/>
-            <a:r>
-              <a:rPr lang="en-US" altLang="zh-TW" sz="1200" b="1" spc="-25" dirty="0">
-                <a:solidFill>
-                  <a:srgbClr val="020302"/>
-                </a:solidFill>
-                <a:latin typeface="Adobe Clean"/>
-              </a:rPr>
-              <a:t>AEM as a Cloud Service </a:t>
-            </a:r>
-            <a:r>
-              <a:rPr lang="zh-TW" altLang="en-US" sz="1200" b="1" spc="-25" dirty="0">
-                <a:solidFill>
-                  <a:srgbClr val="020302"/>
-                </a:solidFill>
-                <a:latin typeface="Adobe Clean"/>
-              </a:rPr>
-              <a:t>的自訂最佳實務</a:t>
-            </a:r>
-            <a:endParaRPr lang="en-US" sz="1200" b="1" spc="-25" dirty="0">
-              <a:solidFill>
-                <a:srgbClr val="020302"/>
-              </a:solidFill>
+            <a:pPr marL="12700">
+              <a:lnSpc>
+                <a:spcPct val="100000"/>
+              </a:lnSpc>
+              <a:spcBef>
+                <a:spcPts val="100"/>
+              </a:spcBef>
+            </a:pPr>
+            <a:r>
+              <a:rPr lang="en-US" sz="1200" b="1" spc="-15">
+                <a:solidFill>
+                  <a:srgbClr val="020302"/>
+                </a:solidFill>
+                <a:latin typeface="Adobe Clean"/>
+                <a:cs typeface="Adobe Clean"/>
+              </a:rPr>
+              <a:t>C</a:t>
+            </a:r>
+            <a:r>
+              <a:rPr lang="en-US" sz="1200" b="1" spc="-20">
+                <a:solidFill>
+                  <a:srgbClr val="020302"/>
+                </a:solidFill>
+                <a:latin typeface="Adobe Clean"/>
+                <a:cs typeface="Adobe Clean"/>
+              </a:rPr>
+              <a:t>u</a:t>
+            </a:r>
+            <a:r>
+              <a:rPr lang="en-US" sz="1200" b="1" spc="-25">
+                <a:solidFill>
+                  <a:srgbClr val="020302"/>
+                </a:solidFill>
+                <a:latin typeface="Adobe Clean"/>
+                <a:cs typeface="Adobe Clean"/>
+              </a:rPr>
+              <a:t>st</a:t>
+            </a:r>
+            <a:r>
+              <a:rPr lang="en-US" sz="1200" b="1" spc="-15">
+                <a:solidFill>
+                  <a:srgbClr val="020302"/>
+                </a:solidFill>
+                <a:latin typeface="Adobe Clean"/>
+                <a:cs typeface="Adobe Clean"/>
+              </a:rPr>
+              <a:t>o</a:t>
+            </a:r>
+            <a:r>
+              <a:rPr lang="en-US" sz="1200" b="1" spc="-20">
+                <a:solidFill>
+                  <a:srgbClr val="020302"/>
+                </a:solidFill>
+                <a:latin typeface="Adobe Clean"/>
+                <a:cs typeface="Adobe Clean"/>
+              </a:rPr>
+              <a:t>miza</a:t>
+            </a:r>
+            <a:r>
+              <a:rPr lang="en-US" sz="1200" b="1" spc="-25">
+                <a:solidFill>
+                  <a:srgbClr val="020302"/>
+                </a:solidFill>
+                <a:latin typeface="Adobe Clean"/>
+                <a:cs typeface="Adobe Clean"/>
+              </a:rPr>
+              <a:t>t</a:t>
+            </a:r>
+            <a:r>
+              <a:rPr lang="en-US" sz="1200" b="1" spc="-20">
+                <a:solidFill>
+                  <a:srgbClr val="020302"/>
+                </a:solidFill>
+                <a:latin typeface="Adobe Clean"/>
+                <a:cs typeface="Adobe Clean"/>
+              </a:rPr>
+              <a:t>i</a:t>
+            </a:r>
+            <a:r>
+              <a:rPr lang="en-US" sz="1200" b="1" spc="-15">
+                <a:solidFill>
+                  <a:srgbClr val="020302"/>
+                </a:solidFill>
+                <a:latin typeface="Adobe Clean"/>
+                <a:cs typeface="Adobe Clean"/>
+              </a:rPr>
+              <a:t>o</a:t>
+            </a:r>
+            <a:r>
+              <a:rPr lang="en-US" sz="1200" b="1">
+                <a:solidFill>
+                  <a:srgbClr val="020302"/>
+                </a:solidFill>
+                <a:latin typeface="Adobe Clean"/>
+                <a:cs typeface="Adobe Clean"/>
+              </a:rPr>
+              <a:t>n</a:t>
+            </a:r>
+            <a:r>
+              <a:rPr lang="en-US" sz="1200" b="1" spc="-50">
+                <a:solidFill>
+                  <a:srgbClr val="020302"/>
+                </a:solidFill>
+                <a:latin typeface="Adobe Clean"/>
+                <a:cs typeface="Adobe Clean"/>
+              </a:rPr>
+              <a:t> </a:t>
+            </a:r>
+            <a:r>
+              <a:rPr lang="en-US" sz="1200" b="1" spc="-20">
+                <a:solidFill>
+                  <a:srgbClr val="020302"/>
+                </a:solidFill>
+                <a:latin typeface="Adobe Clean"/>
+                <a:cs typeface="Adobe Clean"/>
+              </a:rPr>
+              <a:t>B</a:t>
+            </a:r>
+            <a:r>
+              <a:rPr lang="en-US" sz="1200" b="1" spc="-25">
+                <a:solidFill>
+                  <a:srgbClr val="020302"/>
+                </a:solidFill>
+                <a:latin typeface="Adobe Clean"/>
+                <a:cs typeface="Adobe Clean"/>
+              </a:rPr>
+              <a:t>es</a:t>
+            </a:r>
+            <a:r>
+              <a:rPr lang="en-US" sz="1200" b="1">
+                <a:solidFill>
+                  <a:srgbClr val="020302"/>
+                </a:solidFill>
+                <a:latin typeface="Adobe Clean"/>
+                <a:cs typeface="Adobe Clean"/>
+              </a:rPr>
+              <a:t>t</a:t>
+            </a:r>
+            <a:r>
+              <a:rPr lang="en-US" sz="1200" b="1" spc="-50">
+                <a:solidFill>
+                  <a:srgbClr val="020302"/>
+                </a:solidFill>
+                <a:latin typeface="Adobe Clean"/>
+                <a:cs typeface="Adobe Clean"/>
+              </a:rPr>
+              <a:t> </a:t>
+            </a:r>
+            <a:r>
+              <a:rPr lang="en-US" sz="1200" b="1" spc="-25">
+                <a:solidFill>
+                  <a:srgbClr val="020302"/>
+                </a:solidFill>
+                <a:latin typeface="Adobe Clean"/>
+                <a:cs typeface="Adobe Clean"/>
+              </a:rPr>
+              <a:t>P</a:t>
+            </a:r>
+            <a:r>
+              <a:rPr lang="en-US" sz="1200" b="1" spc="-20">
+                <a:solidFill>
+                  <a:srgbClr val="020302"/>
+                </a:solidFill>
+                <a:latin typeface="Adobe Clean"/>
+                <a:cs typeface="Adobe Clean"/>
+              </a:rPr>
+              <a:t>ra</a:t>
+            </a:r>
+            <a:r>
+              <a:rPr lang="en-US" sz="1200" b="1" spc="-30">
+                <a:solidFill>
+                  <a:srgbClr val="020302"/>
+                </a:solidFill>
+                <a:latin typeface="Adobe Clean"/>
+                <a:cs typeface="Adobe Clean"/>
+              </a:rPr>
+              <a:t>c</a:t>
+            </a:r>
+            <a:r>
+              <a:rPr lang="en-US" sz="1200" b="1" spc="-25">
+                <a:solidFill>
+                  <a:srgbClr val="020302"/>
+                </a:solidFill>
+                <a:latin typeface="Adobe Clean"/>
+                <a:cs typeface="Adobe Clean"/>
+              </a:rPr>
+              <a:t>t</a:t>
+            </a:r>
+            <a:r>
+              <a:rPr lang="en-US" sz="1200" b="1" spc="-20">
+                <a:solidFill>
+                  <a:srgbClr val="020302"/>
+                </a:solidFill>
+                <a:latin typeface="Adobe Clean"/>
+                <a:cs typeface="Adobe Clean"/>
+              </a:rPr>
+              <a:t>i</a:t>
+            </a:r>
+            <a:r>
+              <a:rPr lang="en-US" sz="1200" b="1" spc="-30">
+                <a:solidFill>
+                  <a:srgbClr val="020302"/>
+                </a:solidFill>
+                <a:latin typeface="Adobe Clean"/>
+                <a:cs typeface="Adobe Clean"/>
+              </a:rPr>
+              <a:t>c</a:t>
+            </a:r>
+            <a:r>
+              <a:rPr lang="en-US" sz="1200" b="1" spc="-25">
+                <a:solidFill>
+                  <a:srgbClr val="020302"/>
+                </a:solidFill>
+                <a:latin typeface="Adobe Clean"/>
+                <a:cs typeface="Adobe Clean"/>
+              </a:rPr>
+              <a:t>e</a:t>
+            </a:r>
+            <a:r>
+              <a:rPr lang="en-US" sz="1200" b="1">
+                <a:solidFill>
+                  <a:srgbClr val="020302"/>
+                </a:solidFill>
+                <a:latin typeface="Adobe Clean"/>
+                <a:cs typeface="Adobe Clean"/>
+              </a:rPr>
+              <a:t>s</a:t>
+            </a:r>
+            <a:r>
+              <a:rPr lang="en-US" sz="1200" b="1" spc="-45">
+                <a:solidFill>
+                  <a:srgbClr val="020302"/>
+                </a:solidFill>
+                <a:latin typeface="Adobe Clean"/>
+                <a:cs typeface="Adobe Clean"/>
+              </a:rPr>
+              <a:t> </a:t>
+            </a:r>
+            <a:r>
+              <a:rPr lang="en-US" sz="1200" b="1" spc="-25">
+                <a:solidFill>
+                  <a:srgbClr val="020302"/>
+                </a:solidFill>
+                <a:latin typeface="Adobe Clean"/>
+                <a:cs typeface="Adobe Clean"/>
+              </a:rPr>
+              <a:t>f</a:t>
+            </a:r>
+            <a:r>
+              <a:rPr lang="en-US" sz="1200" b="1" spc="-15">
+                <a:solidFill>
+                  <a:srgbClr val="020302"/>
+                </a:solidFill>
+                <a:latin typeface="Adobe Clean"/>
+                <a:cs typeface="Adobe Clean"/>
+              </a:rPr>
+              <a:t>o</a:t>
+            </a:r>
+            <a:r>
+              <a:rPr lang="en-US" sz="1200" b="1">
+                <a:solidFill>
+                  <a:srgbClr val="020302"/>
+                </a:solidFill>
+                <a:latin typeface="Adobe Clean"/>
+                <a:cs typeface="Adobe Clean"/>
+              </a:rPr>
+              <a:t>r</a:t>
+            </a:r>
+            <a:r>
+              <a:rPr lang="en-US" sz="1200" b="1" spc="-45">
+                <a:solidFill>
+                  <a:srgbClr val="020302"/>
+                </a:solidFill>
+                <a:latin typeface="Adobe Clean"/>
+                <a:cs typeface="Adobe Clean"/>
+              </a:rPr>
+              <a:t> </a:t>
+            </a:r>
+            <a:r>
+              <a:rPr lang="en-US" sz="1200" b="1" spc="-30">
+                <a:solidFill>
+                  <a:srgbClr val="020302"/>
+                </a:solidFill>
+                <a:latin typeface="Adobe Clean"/>
+                <a:cs typeface="Adobe Clean"/>
+              </a:rPr>
+              <a:t>AE</a:t>
+            </a:r>
+            <a:r>
+              <a:rPr lang="en-US" sz="1200" b="1">
+                <a:solidFill>
+                  <a:srgbClr val="020302"/>
+                </a:solidFill>
+                <a:latin typeface="Adobe Clean"/>
+                <a:cs typeface="Adobe Clean"/>
+              </a:rPr>
+              <a:t>M</a:t>
+            </a:r>
+            <a:r>
+              <a:rPr lang="en-US" sz="1200" b="1" spc="-55">
+                <a:solidFill>
+                  <a:srgbClr val="020302"/>
+                </a:solidFill>
+                <a:latin typeface="Adobe Clean"/>
+                <a:cs typeface="Adobe Clean"/>
+              </a:rPr>
+              <a:t> </a:t>
+            </a:r>
+            <a:r>
+              <a:rPr lang="en-US" sz="1200" b="1" spc="-20">
+                <a:solidFill>
+                  <a:srgbClr val="020302"/>
+                </a:solidFill>
+                <a:latin typeface="Adobe Clean"/>
+                <a:cs typeface="Adobe Clean"/>
+              </a:rPr>
+              <a:t>a</a:t>
+            </a:r>
+            <a:r>
+              <a:rPr lang="en-US" sz="1200" b="1">
+                <a:solidFill>
+                  <a:srgbClr val="020302"/>
+                </a:solidFill>
+                <a:latin typeface="Adobe Clean"/>
+                <a:cs typeface="Adobe Clean"/>
+              </a:rPr>
+              <a:t>s</a:t>
+            </a:r>
+            <a:r>
+              <a:rPr lang="en-US" sz="1200" b="1" spc="-45">
+                <a:solidFill>
+                  <a:srgbClr val="020302"/>
+                </a:solidFill>
+                <a:latin typeface="Adobe Clean"/>
+                <a:cs typeface="Adobe Clean"/>
+              </a:rPr>
+              <a:t> </a:t>
+            </a:r>
+            <a:r>
+              <a:rPr lang="en-US" sz="1200" b="1">
+                <a:solidFill>
+                  <a:srgbClr val="020302"/>
+                </a:solidFill>
+                <a:latin typeface="Adobe Clean"/>
+                <a:cs typeface="Adobe Clean"/>
+              </a:rPr>
+              <a:t>a</a:t>
+            </a:r>
+            <a:r>
+              <a:rPr lang="en-US" sz="1200" b="1" spc="-45">
+                <a:solidFill>
+                  <a:srgbClr val="020302"/>
+                </a:solidFill>
+                <a:latin typeface="Adobe Clean"/>
+                <a:cs typeface="Adobe Clean"/>
+              </a:rPr>
+              <a:t> </a:t>
+            </a:r>
+            <a:r>
+              <a:rPr lang="en-US" sz="1200" b="1" spc="-15">
+                <a:solidFill>
+                  <a:srgbClr val="020302"/>
+                </a:solidFill>
+                <a:latin typeface="Adobe Clean"/>
+                <a:cs typeface="Adobe Clean"/>
+              </a:rPr>
+              <a:t>C</a:t>
+            </a:r>
+            <a:r>
+              <a:rPr lang="en-US" sz="1200" b="1" spc="-25">
+                <a:solidFill>
+                  <a:srgbClr val="020302"/>
+                </a:solidFill>
+                <a:latin typeface="Adobe Clean"/>
+                <a:cs typeface="Adobe Clean"/>
+              </a:rPr>
+              <a:t>l</a:t>
+            </a:r>
+            <a:r>
+              <a:rPr lang="en-US" sz="1200" b="1" spc="-15">
+                <a:solidFill>
+                  <a:srgbClr val="020302"/>
+                </a:solidFill>
+                <a:latin typeface="Adobe Clean"/>
+                <a:cs typeface="Adobe Clean"/>
+              </a:rPr>
+              <a:t>o</a:t>
+            </a:r>
+            <a:r>
+              <a:rPr lang="en-US" sz="1200" b="1" spc="-20">
+                <a:solidFill>
+                  <a:srgbClr val="020302"/>
+                </a:solidFill>
+                <a:latin typeface="Adobe Clean"/>
+                <a:cs typeface="Adobe Clean"/>
+              </a:rPr>
+              <a:t>u</a:t>
+            </a:r>
+            <a:r>
+              <a:rPr lang="en-US" sz="1200" b="1">
+                <a:solidFill>
+                  <a:srgbClr val="020302"/>
+                </a:solidFill>
+                <a:latin typeface="Adobe Clean"/>
+                <a:cs typeface="Adobe Clean"/>
+              </a:rPr>
+              <a:t>d</a:t>
+            </a:r>
+            <a:r>
+              <a:rPr lang="en-US" sz="1200" b="1" spc="-50">
+                <a:solidFill>
+                  <a:srgbClr val="020302"/>
+                </a:solidFill>
+                <a:latin typeface="Adobe Clean"/>
+                <a:cs typeface="Adobe Clean"/>
+              </a:rPr>
+              <a:t> </a:t>
+            </a:r>
+            <a:r>
+              <a:rPr lang="en-US" sz="1200" b="1" spc="-20">
+                <a:solidFill>
+                  <a:srgbClr val="020302"/>
+                </a:solidFill>
+                <a:latin typeface="Adobe Clean"/>
+                <a:cs typeface="Adobe Clean"/>
+              </a:rPr>
+              <a:t>S</a:t>
+            </a:r>
+            <a:r>
+              <a:rPr lang="en-US" sz="1200" b="1" spc="-25">
+                <a:solidFill>
+                  <a:srgbClr val="020302"/>
+                </a:solidFill>
+                <a:latin typeface="Adobe Clean"/>
+                <a:cs typeface="Adobe Clean"/>
+              </a:rPr>
+              <a:t>e</a:t>
+            </a:r>
+            <a:r>
+              <a:rPr lang="en-US" sz="1200" b="1" spc="-20">
+                <a:solidFill>
+                  <a:srgbClr val="020302"/>
+                </a:solidFill>
+                <a:latin typeface="Adobe Clean"/>
+                <a:cs typeface="Adobe Clean"/>
+              </a:rPr>
+              <a:t>r</a:t>
+            </a:r>
+            <a:r>
+              <a:rPr lang="en-US" sz="1200" b="1" spc="-30">
+                <a:solidFill>
+                  <a:srgbClr val="020302"/>
+                </a:solidFill>
+                <a:latin typeface="Adobe Clean"/>
+                <a:cs typeface="Adobe Clean"/>
+              </a:rPr>
+              <a:t>v</a:t>
+            </a:r>
+            <a:r>
+              <a:rPr lang="en-US" sz="1200" b="1" spc="-20">
+                <a:solidFill>
+                  <a:srgbClr val="020302"/>
+                </a:solidFill>
+                <a:latin typeface="Adobe Clean"/>
+                <a:cs typeface="Adobe Clean"/>
+              </a:rPr>
+              <a:t>i</a:t>
+            </a:r>
+            <a:r>
+              <a:rPr lang="en-US" sz="1200" b="1" spc="-30">
+                <a:solidFill>
+                  <a:srgbClr val="020302"/>
+                </a:solidFill>
+                <a:latin typeface="Adobe Clean"/>
+                <a:cs typeface="Adobe Clean"/>
+              </a:rPr>
+              <a:t>c</a:t>
+            </a:r>
+            <a:r>
+              <a:rPr lang="en-US" sz="1200" b="1">
+                <a:solidFill>
+                  <a:srgbClr val="020302"/>
+                </a:solidFill>
+                <a:latin typeface="Adobe Clean"/>
+                <a:cs typeface="Adobe Clean"/>
+              </a:rPr>
+              <a:t>e</a:t>
+            </a:r>
+            <a:endParaRPr lang="en-US" sz="1200">
               <a:latin typeface="Adobe Clean"/>
+              <a:cs typeface="Adobe Clean"/>
             </a:endParaRPr>
           </a:p>
         </p:txBody>
@@ -9664,16 +11395,16 @@
               </a:spcBef>
             </a:pPr>
             <a:r>
-              <a:rPr lang="de-de" sz="1200" b="1" spc="-25" dirty="0">
-                <a:solidFill>
-                  <a:srgbClr val="020302"/>
-                </a:solidFill>
-                <a:latin typeface="Adobe Clean"/>
-                <a:cs typeface="Adobe Clean"/>
-              </a:rPr>
-              <a:t>AEM as a Cloud Service 的增值服務</a:t>
-            </a:r>
-            <a:endParaRPr lang="en-US" sz="1200" dirty="0">
+              <a:rPr lang="en-US" sz="1200" b="1" spc="-25">
+                <a:solidFill>
+                  <a:srgbClr val="020302"/>
+                </a:solidFill>
+                <a:latin typeface="Adobe Clean"/>
+                <a:cs typeface="Adobe Clean"/>
+              </a:rPr>
+              <a:t>Value-added Services for AEM as a Cloud Service</a:t>
+            </a:r>
+            <a:endParaRPr lang="en-US" sz="1200">
               <a:latin typeface="Adobe Clean"/>
               <a:cs typeface="Adobe Clean"/>
             </a:endParaRPr>
@@ -9695,7 +11426,7 @@
         <p:spPr>
           <a:xfrm>
             <a:off x="381000" y="4438394"/>
-            <a:ext cx="2119971" cy="276999"/>
+            <a:ext cx="1998943" cy="461665"/>
           </a:xfrm>
           <a:prstGeom prst="rect">
             <a:avLst/>
@@ -9708,49 +11439,373 @@
           <a:lstStyle/>
           <a:p>
             <a:pPr marL="12700">
+              <a:lnSpc>
+                <a:spcPct val="100000"/>
+              </a:lnSpc>
               <a:spcBef>
                 <a:spcPts val="100"/>
               </a:spcBef>
             </a:pPr>
             <a:r>
-              <a:rPr lang="de-de" sz="1200" b="1" spc="-25" dirty="0">
-                <a:solidFill>
-                  <a:srgbClr val="020302"/>
-                </a:solidFill>
-                <a:latin typeface="Adobe Clean"/>
+              <a:rPr lang="en-US" sz="1200" b="1" spc="-20">
+                <a:solidFill>
+                  <a:srgbClr val="020302"/>
+                </a:solidFill>
+                <a:latin typeface="Adobe Clean"/>
+                <a:cs typeface="Adobe Clean"/>
+              </a:rPr>
+              <a:t>G</a:t>
+            </a:r>
+            <a:r>
+              <a:rPr lang="en-US" sz="1200" b="1" spc="-15">
+                <a:solidFill>
+                  <a:srgbClr val="020302"/>
+                </a:solidFill>
+                <a:latin typeface="Adobe Clean"/>
+                <a:cs typeface="Adobe Clean"/>
+              </a:rPr>
+              <a:t>o</a:t>
+            </a:r>
+            <a:r>
+              <a:rPr lang="en-US" sz="1200" b="1" spc="-25">
+                <a:solidFill>
+                  <a:srgbClr val="020302"/>
+                </a:solidFill>
+                <a:latin typeface="Adobe Clean"/>
+                <a:cs typeface="Adobe Clean"/>
+              </a:rPr>
+              <a:t>ve</a:t>
+            </a:r>
+            <a:r>
+              <a:rPr lang="en-US" sz="1200" b="1" spc="-20">
+                <a:solidFill>
+                  <a:srgbClr val="020302"/>
+                </a:solidFill>
+                <a:latin typeface="Adobe Clean"/>
+                <a:cs typeface="Adobe Clean"/>
+              </a:rPr>
+              <a:t>r</a:t>
+            </a:r>
+            <a:r>
+              <a:rPr lang="en-US" sz="1200" b="1" spc="-25">
+                <a:solidFill>
+                  <a:srgbClr val="020302"/>
+                </a:solidFill>
+                <a:latin typeface="Adobe Clean"/>
+                <a:cs typeface="Adobe Clean"/>
+              </a:rPr>
+              <a:t>n</a:t>
+            </a:r>
+            <a:r>
+              <a:rPr lang="en-US" sz="1200" b="1" spc="-20">
+                <a:solidFill>
+                  <a:srgbClr val="020302"/>
+                </a:solidFill>
+                <a:latin typeface="Adobe Clean"/>
+                <a:cs typeface="Adobe Clean"/>
+              </a:rPr>
+              <a:t>a</a:t>
+            </a:r>
+            <a:r>
+              <a:rPr lang="en-US" sz="1200" b="1" spc="-25">
+                <a:solidFill>
+                  <a:srgbClr val="020302"/>
+                </a:solidFill>
+                <a:latin typeface="Adobe Clean"/>
+                <a:cs typeface="Adobe Clean"/>
+              </a:rPr>
+              <a:t>n</a:t>
+            </a:r>
+            <a:r>
+              <a:rPr lang="en-US" sz="1200" b="1" spc="-30">
+                <a:solidFill>
+                  <a:srgbClr val="020302"/>
+                </a:solidFill>
+                <a:latin typeface="Adobe Clean"/>
+                <a:cs typeface="Adobe Clean"/>
+              </a:rPr>
+              <a:t>c</a:t>
+            </a:r>
+            <a:r>
+              <a:rPr lang="en-US" sz="1200" b="1">
+                <a:solidFill>
+                  <a:srgbClr val="020302"/>
+                </a:solidFill>
+                <a:latin typeface="Adobe Clean"/>
+                <a:cs typeface="Adobe Clean"/>
+              </a:rPr>
+              <a:t>e</a:t>
+            </a:r>
+            <a:r>
+              <a:rPr lang="en-US" sz="1200" b="1" spc="-50">
+                <a:solidFill>
+                  <a:srgbClr val="020302"/>
+                </a:solidFill>
+                <a:latin typeface="Adobe Clean"/>
+                <a:cs typeface="Adobe Clean"/>
               </a:rPr>
               <a:t> </a:t>
             </a:r>
             <a:r>
-              <a:rPr lang="pt-BR" altLang="zh-TW" sz="1200" b="1" spc="-25" dirty="0">
-                <a:solidFill>
-                  <a:srgbClr val="020302"/>
-                </a:solidFill>
-                <a:latin typeface="Adobe Clean"/>
-              </a:rPr>
-              <a:t>AEM as a Cloud Service </a:t>
-            </a:r>
-            <a:r>
-              <a:rPr lang="zh-TW" altLang="pt-BR" sz="1200" b="1" spc="-25" dirty="0">
-                <a:solidFill>
-                  <a:srgbClr val="020302"/>
-                </a:solidFill>
-                <a:latin typeface="Adobe Clean"/>
-              </a:rPr>
-              <a:t>的控管</a:t>
-            </a:r>
-            <a:endParaRPr lang="en-US" sz="1200" b="1" spc="-25" dirty="0">
-              <a:solidFill>
-                <a:srgbClr val="020302"/>
-              </a:solidFill>
+              <a:rPr lang="en-US" sz="1200" b="1" spc="-25">
+                <a:solidFill>
+                  <a:srgbClr val="020302"/>
+                </a:solidFill>
+                <a:latin typeface="Adobe Clean"/>
+                <a:cs typeface="Adobe Clean"/>
+              </a:rPr>
+              <a:t>f</a:t>
+            </a:r>
+            <a:r>
+              <a:rPr lang="en-US" sz="1200" b="1" spc="-15">
+                <a:solidFill>
+                  <a:srgbClr val="020302"/>
+                </a:solidFill>
+                <a:latin typeface="Adobe Clean"/>
+                <a:cs typeface="Adobe Clean"/>
+              </a:rPr>
+              <a:t>o</a:t>
+            </a:r>
+            <a:r>
+              <a:rPr lang="en-US" sz="1200" b="1">
+                <a:solidFill>
+                  <a:srgbClr val="020302"/>
+                </a:solidFill>
+                <a:latin typeface="Adobe Clean"/>
+                <a:cs typeface="Adobe Clean"/>
+              </a:rPr>
+              <a:t>r</a:t>
+            </a:r>
+            <a:r>
+              <a:rPr lang="en-US" sz="1200" b="1" spc="-45">
+                <a:solidFill>
+                  <a:srgbClr val="020302"/>
+                </a:solidFill>
+                <a:latin typeface="Adobe Clean"/>
+                <a:cs typeface="Adobe Clean"/>
+              </a:rPr>
+              <a:t> </a:t>
+            </a:r>
+            <a:r>
+              <a:rPr lang="en-US" sz="1200" b="1" spc="-30">
+                <a:solidFill>
+                  <a:srgbClr val="020302"/>
+                </a:solidFill>
+                <a:latin typeface="Adobe Clean"/>
+                <a:cs typeface="Adobe Clean"/>
+              </a:rPr>
+              <a:t>A</a:t>
+            </a:r>
+            <a:r>
+              <a:rPr lang="en-US" sz="1200" b="1" spc="-25">
+                <a:solidFill>
+                  <a:srgbClr val="020302"/>
+                </a:solidFill>
+                <a:latin typeface="Adobe Clean"/>
+                <a:cs typeface="Adobe Clean"/>
+              </a:rPr>
+              <a:t>E</a:t>
+            </a:r>
+            <a:r>
+              <a:rPr lang="en-US" sz="1200" b="1">
+                <a:solidFill>
+                  <a:srgbClr val="020302"/>
+                </a:solidFill>
+                <a:latin typeface="Adobe Clean"/>
+                <a:cs typeface="Adobe Clean"/>
+              </a:rPr>
+              <a:t>M</a:t>
+            </a:r>
+            <a:r>
+              <a:rPr lang="en-US" sz="1200" b="1" spc="-50">
+                <a:solidFill>
+                  <a:srgbClr val="020302"/>
+                </a:solidFill>
+                <a:latin typeface="Adobe Clean"/>
+                <a:cs typeface="Adobe Clean"/>
+              </a:rPr>
+              <a:t> </a:t>
+            </a:r>
+            <a:r>
+              <a:rPr lang="en-US" sz="1200" b="1" spc="-20">
+                <a:solidFill>
+                  <a:srgbClr val="020302"/>
+                </a:solidFill>
+                <a:latin typeface="Adobe Clean"/>
+                <a:cs typeface="Adobe Clean"/>
+              </a:rPr>
+              <a:t>a</a:t>
+            </a:r>
+            <a:r>
+              <a:rPr lang="en-US" sz="1200" b="1">
+                <a:solidFill>
+                  <a:srgbClr val="020302"/>
+                </a:solidFill>
+                <a:latin typeface="Adobe Clean"/>
+                <a:cs typeface="Adobe Clean"/>
+              </a:rPr>
+              <a:t>s</a:t>
+            </a:r>
+            <a:r>
+              <a:rPr lang="en-US" sz="1200" b="1" spc="-45">
+                <a:solidFill>
+                  <a:srgbClr val="020302"/>
+                </a:solidFill>
+                <a:latin typeface="Adobe Clean"/>
+                <a:cs typeface="Adobe Clean"/>
+              </a:rPr>
+              <a:t> </a:t>
+            </a:r>
+            <a:r>
+              <a:rPr lang="en-US" sz="1200" b="1">
+                <a:solidFill>
+                  <a:srgbClr val="020302"/>
+                </a:solidFill>
+                <a:latin typeface="Adobe Clean"/>
+                <a:cs typeface="Adobe Clean"/>
+              </a:rPr>
+              <a:t>a</a:t>
+            </a:r>
+            <a:r>
+              <a:rPr lang="en-US" sz="1200" b="1" spc="-40">
+                <a:solidFill>
+                  <a:srgbClr val="020302"/>
+                </a:solidFill>
+                <a:latin typeface="Adobe Clean"/>
+                <a:cs typeface="Adobe Clean"/>
+              </a:rPr>
+              <a:t> </a:t>
+            </a:r>
+            <a:r>
+              <a:rPr lang="en-US" sz="1200" b="1" spc="-15">
+                <a:solidFill>
+                  <a:srgbClr val="020302"/>
+                </a:solidFill>
+                <a:latin typeface="Adobe Clean"/>
+                <a:cs typeface="Adobe Clean"/>
+              </a:rPr>
+              <a:t>C</a:t>
+            </a:r>
+            <a:r>
+              <a:rPr lang="en-US" sz="1200" b="1" spc="-25">
+                <a:solidFill>
+                  <a:srgbClr val="020302"/>
+                </a:solidFill>
+                <a:latin typeface="Adobe Clean"/>
+                <a:cs typeface="Adobe Clean"/>
+              </a:rPr>
+              <a:t>l</a:t>
+            </a:r>
+            <a:r>
+              <a:rPr lang="en-US" sz="1200" b="1" spc="-15">
+                <a:solidFill>
+                  <a:srgbClr val="020302"/>
+                </a:solidFill>
+                <a:latin typeface="Adobe Clean"/>
+                <a:cs typeface="Adobe Clean"/>
+              </a:rPr>
+              <a:t>ou</a:t>
+            </a:r>
+            <a:r>
+              <a:rPr lang="en-US" sz="1200" b="1">
+                <a:solidFill>
+                  <a:srgbClr val="020302"/>
+                </a:solidFill>
+                <a:latin typeface="Adobe Clean"/>
+                <a:cs typeface="Adobe Clean"/>
+              </a:rPr>
+              <a:t>d</a:t>
+            </a:r>
+            <a:r>
+              <a:rPr lang="en-US" sz="1200" b="1" spc="-50">
+                <a:solidFill>
+                  <a:srgbClr val="020302"/>
+                </a:solidFill>
+                <a:latin typeface="Adobe Clean"/>
+                <a:cs typeface="Adobe Clean"/>
+              </a:rPr>
+              <a:t> </a:t>
+            </a:r>
+            <a:r>
+              <a:rPr lang="en-US" sz="1200" b="1" spc="-20">
+                <a:solidFill>
+                  <a:srgbClr val="020302"/>
+                </a:solidFill>
+                <a:latin typeface="Adobe Clean"/>
+                <a:cs typeface="Adobe Clean"/>
+              </a:rPr>
+              <a:t>S</a:t>
+            </a:r>
+            <a:r>
+              <a:rPr lang="en-US" sz="1200" b="1" spc="-25">
+                <a:solidFill>
+                  <a:srgbClr val="020302"/>
+                </a:solidFill>
+                <a:latin typeface="Adobe Clean"/>
+                <a:cs typeface="Adobe Clean"/>
+              </a:rPr>
+              <a:t>e</a:t>
+            </a:r>
+            <a:r>
+              <a:rPr lang="en-US" sz="1200" b="1" spc="-20">
+                <a:solidFill>
+                  <a:srgbClr val="020302"/>
+                </a:solidFill>
+                <a:latin typeface="Adobe Clean"/>
+                <a:cs typeface="Adobe Clean"/>
+              </a:rPr>
+              <a:t>r</a:t>
+            </a:r>
+            <a:r>
+              <a:rPr lang="en-US" sz="1200" b="1" spc="-25">
+                <a:solidFill>
+                  <a:srgbClr val="020302"/>
+                </a:solidFill>
+                <a:latin typeface="Adobe Clean"/>
+                <a:cs typeface="Adobe Clean"/>
+              </a:rPr>
+              <a:t>v</a:t>
+            </a:r>
+            <a:r>
+              <a:rPr lang="en-US" sz="1200" b="1" spc="-20">
+                <a:solidFill>
+                  <a:srgbClr val="020302"/>
+                </a:solidFill>
+                <a:latin typeface="Adobe Clean"/>
+                <a:cs typeface="Adobe Clean"/>
+              </a:rPr>
+              <a:t>i</a:t>
+            </a:r>
+            <a:r>
+              <a:rPr lang="en-US" sz="1200" b="1" spc="-30">
+                <a:solidFill>
+                  <a:srgbClr val="020302"/>
+                </a:solidFill>
+                <a:latin typeface="Adobe Clean"/>
+                <a:cs typeface="Adobe Clean"/>
+              </a:rPr>
+              <a:t>c</a:t>
+            </a:r>
+            <a:r>
+              <a:rPr lang="en-US" sz="1200" b="1">
+                <a:solidFill>
+                  <a:srgbClr val="020302"/>
+                </a:solidFill>
+                <a:latin typeface="Adobe Clean"/>
+                <a:cs typeface="Adobe Clean"/>
+              </a:rPr>
+              <a:t>e</a:t>
+            </a:r>
+            <a:endParaRPr lang="en-US" sz="1200">
               <a:latin typeface="Adobe Clean"/>
+              <a:cs typeface="Adobe Clean"/>
             </a:endParaRPr>
           </a:p>
         </p:txBody>
       </p:sp>
       <p:pic>
         <p:nvPicPr>
-          <p:cNvPr id="151" name="Graphic 150" descr="Director's Chair 大綱">
+          <p:cNvPr id="151" name="Graphic 150" descr="Director's Chair outline">
             <a:extLst>
               <a:ext uri="{FF2B5EF4-FFF2-40B4-BE49-F238E27FC236}">
                 <a16:creationId xmlns:a16="http://schemas.microsoft.com/office/drawing/2014/main" id="{921858E2-75CF-3B40-8734-4CE41782FC9B}"/>
@@ -9789,7 +11844,7 @@
       </p:pic>
       <p:pic>
         <p:nvPicPr>
-          <p:cNvPr id="153" name="Graphic 152" descr="評等 3 個星 (實心)">
+          <p:cNvPr id="153" name="Graphic 152" descr="Rating 3 Star with solid fill">
             <a:extLst>
               <a:ext uri="{FF2B5EF4-FFF2-40B4-BE49-F238E27FC236}">
                 <a16:creationId xmlns:a16="http://schemas.microsoft.com/office/drawing/2014/main" id="{D5B000DA-4203-6A40-88BA-0E899DF2822C}"/>
@@ -9862,14 +11917,94 @@
               </a:spcBef>
             </a:pPr>
             <a:r>
-              <a:rPr lang="de-de" sz="1200" b="1" spc="-20">
-                <a:solidFill>
-                  <a:srgbClr val="020302"/>
-                </a:solidFill>
-                <a:latin typeface="Adobe Clean"/>
-                <a:cs typeface="Adobe Clean"/>
-              </a:rPr>
-              <a:t>案件審查</a:t>
+              <a:rPr lang="en-US" sz="1200" b="1" spc="-20">
+                <a:solidFill>
+                  <a:srgbClr val="020302"/>
+                </a:solidFill>
+                <a:latin typeface="Adobe Clean"/>
+                <a:cs typeface="Adobe Clean"/>
+              </a:rPr>
+              <a:t>Cas</a:t>
+            </a:r>
+            <a:r>
+              <a:rPr sz="1200" b="1">
+                <a:solidFill>
+                  <a:srgbClr val="020302"/>
+                </a:solidFill>
+                <a:latin typeface="Adobe Clean"/>
+                <a:cs typeface="Adobe Clean"/>
+              </a:rPr>
+              <a:t>e</a:t>
+            </a:r>
+            <a:r>
+              <a:rPr sz="1200" b="1" spc="-80">
+                <a:solidFill>
+                  <a:srgbClr val="020302"/>
+                </a:solidFill>
+                <a:latin typeface="Adobe Clean"/>
+                <a:cs typeface="Adobe Clean"/>
+              </a:rPr>
+              <a:t> </a:t>
+            </a:r>
+            <a:r>
+              <a:rPr sz="1200" b="1" spc="-20">
+                <a:solidFill>
+                  <a:srgbClr val="020302"/>
+                </a:solidFill>
+                <a:latin typeface="Adobe Clean"/>
+                <a:cs typeface="Adobe Clean"/>
+              </a:rPr>
+              <a:t>R</a:t>
+            </a:r>
+            <a:r>
+              <a:rPr sz="1200" b="1" spc="-25">
+                <a:solidFill>
+                  <a:srgbClr val="020302"/>
+                </a:solidFill>
+                <a:latin typeface="Adobe Clean"/>
+                <a:cs typeface="Adobe Clean"/>
+              </a:rPr>
+              <a:t>e</a:t>
+            </a:r>
+            <a:r>
+              <a:rPr sz="1200" b="1" spc="-30">
+                <a:solidFill>
+                  <a:srgbClr val="020302"/>
+                </a:solidFill>
+                <a:latin typeface="Adobe Clean"/>
+                <a:cs typeface="Adobe Clean"/>
+              </a:rPr>
+              <a:t>v</a:t>
+            </a:r>
+            <a:r>
+              <a:rPr sz="1200" b="1" spc="-20">
+                <a:solidFill>
+                  <a:srgbClr val="020302"/>
+                </a:solidFill>
+                <a:latin typeface="Adobe Clean"/>
+                <a:cs typeface="Adobe Clean"/>
+              </a:rPr>
+              <a:t>i</a:t>
+            </a:r>
+            <a:r>
+              <a:rPr sz="1200" b="1" spc="-25">
+                <a:solidFill>
+                  <a:srgbClr val="020302"/>
+                </a:solidFill>
+                <a:latin typeface="Adobe Clean"/>
+                <a:cs typeface="Adobe Clean"/>
+              </a:rPr>
+              <a:t>ew</a:t>
+            </a:r>
+            <a:r>
+              <a:rPr sz="1200" b="1">
+                <a:solidFill>
+                  <a:srgbClr val="020302"/>
+                </a:solidFill>
+                <a:latin typeface="Adobe Clean"/>
+                <a:cs typeface="Adobe Clean"/>
+              </a:rPr>
+              <a:t>s</a:t>
             </a:r>
             <a:endParaRPr sz="1200">
               <a:latin typeface="Adobe Clean"/>
@@ -9880,7 +12015,7 @@
       </p:sp>
       <p:pic>
         <p:nvPicPr>
-          <p:cNvPr id="5" name="Graphic 4" descr="客戶審查大綱">
+          <p:cNvPr id="5" name="Graphic 4" descr="Customer review outline">
             <a:extLst>
               <a:ext uri="{FF2B5EF4-FFF2-40B4-BE49-F238E27FC236}">
                 <a16:creationId xmlns:a16="http://schemas.microsoft.com/office/drawing/2014/main" id="{8CCEB8E9-4EDC-FD45-900B-6151B8F604B7}"/>
@@ -9953,13 +12088,13 @@
               </a:spcBef>
             </a:pPr>
             <a:r>
-              <a:rPr lang="de-de" sz="1000">
+              <a:rPr lang="en-US" sz="1000">
                 <a:solidFill>
                   <a:srgbClr val="4B4B4B"/>
                 </a:solidFill>
                 <a:latin typeface="Adobe Clean Light" panose="020B0303020404020204" pitchFamily="34" charset="0"/>
               </a:rPr>
-              <a:t>定期審查未解決的支援請求，以確保客戶在案件描述、業務影響、狀態、優先順序及確保快速解決所需的後續步驟方面都達成一致。</a:t>
+              <a:t>Regular scheduled review of open support requests, ensuring customer alignment on case description, business impact, status, priority and agreement on next steps required to ensure an expedient resolution.</a:t>
             </a:r>
             <a:endParaRPr sz="1000">
               <a:latin typeface="Adobe Clean Light" panose="020B0303020404020204" pitchFamily="34" charset="0"/>
@@ -10004,14 +12139,14 @@
               </a:spcBef>
             </a:pPr>
             <a:r>
-              <a:rPr lang="de-de" sz="1400" b="1" spc="-10">
-                <a:solidFill>
-                  <a:srgbClr val="020302"/>
-                </a:solidFill>
-                <a:latin typeface="Adobe Clean"/>
-                <a:cs typeface="Adobe Clean"/>
-              </a:rPr>
-              <a:t>雲端支援活動 - AEM</a:t>
+              <a:rPr lang="en-US" sz="1400" b="1" spc="-10">
+                <a:solidFill>
+                  <a:srgbClr val="020302"/>
+                </a:solidFill>
+                <a:latin typeface="Adobe Clean"/>
+                <a:cs typeface="Adobe Clean"/>
+              </a:rPr>
+              <a:t>Cloud Support Activities - AEM</a:t>
             </a:r>
             <a:endParaRPr lang="en-US" sz="1400">
               <a:latin typeface="Adobe Clean"/>
@@ -10070,7 +12205,7 @@
       </p:sp>
       <p:pic>
         <p:nvPicPr>
-          <p:cNvPr id="9" name="Graphic 8" descr="同步雲端大綱">
+          <p:cNvPr id="9" name="Graphic 8" descr="Syncing cloud outline">
             <a:extLst>
               <a:ext uri="{FF2B5EF4-FFF2-40B4-BE49-F238E27FC236}">
                 <a16:creationId xmlns:a16="http://schemas.microsoft.com/office/drawing/2014/main" id="{ABD4F6D3-5974-B843-8E65-3F7D52C02A1E}"/>
@@ -10109,7 +12244,7 @@
       </p:pic>
       <p:pic>
         <p:nvPicPr>
-          <p:cNvPr id="67" name="Graphic 66" descr="揚聲器大綱">
+          <p:cNvPr id="67" name="Graphic 66" descr="Speaker phone outline">
             <a:extLst>
               <a:ext uri="{FF2B5EF4-FFF2-40B4-BE49-F238E27FC236}">
                 <a16:creationId xmlns:a16="http://schemas.microsoft.com/office/drawing/2014/main" id="{9CF25698-88B0-EB4D-88EB-74AEDE37DB92}"/>
@@ -10148,7 +12283,7 @@
       </p:pic>
       <p:pic>
         <p:nvPicPr>
-          <p:cNvPr id="70" name="Graphic 69" descr="遠端學習語言大綱">
+          <p:cNvPr id="70" name="Graphic 69" descr="Remote learning language outline">
             <a:extLst>
               <a:ext uri="{FF2B5EF4-FFF2-40B4-BE49-F238E27FC236}">
                 <a16:creationId xmlns:a16="http://schemas.microsoft.com/office/drawing/2014/main" id="{AAC2DE22-688A-D04D-BBF0-41B971602471}"/>
@@ -10187,7 +12322,7 @@
       </p:pic>
       <p:pic>
         <p:nvPicPr>
-          <p:cNvPr id="72" name="Graphic 71" descr="客戶審查大綱">
+          <p:cNvPr id="72" name="Graphic 71" descr="Customer review outline">
             <a:extLst>
               <a:ext uri="{FF2B5EF4-FFF2-40B4-BE49-F238E27FC236}">
                 <a16:creationId xmlns:a16="http://schemas.microsoft.com/office/drawing/2014/main" id="{21B3E732-0813-BE43-B793-4BD9034C6B18}"/>
@@ -10226,7 +12361,7 @@
       </p:pic>
       <p:pic>
         <p:nvPicPr>
-          <p:cNvPr id="73" name="Graphic 72" descr="路標大綱">
+          <p:cNvPr id="73" name="Graphic 72" descr="Signpost outline">
             <a:extLst>
               <a:ext uri="{FF2B5EF4-FFF2-40B4-BE49-F238E27FC236}">
                 <a16:creationId xmlns:a16="http://schemas.microsoft.com/office/drawing/2014/main" id="{1F982738-B503-9740-BDCB-05ED93867DE3}"/>
@@ -10265,7 +12400,7 @@
       </p:pic>
       <p:pic>
         <p:nvPicPr>
-          <p:cNvPr id="76" name="Graphic 75" descr="網際網路大綱">
+          <p:cNvPr id="76" name="Graphic 75" descr="Internet outline">
             <a:extLst>
               <a:ext uri="{FF2B5EF4-FFF2-40B4-BE49-F238E27FC236}">
                 <a16:creationId xmlns:a16="http://schemas.microsoft.com/office/drawing/2014/main" id="{F6C8836B-077B-BC4F-9C12-02BE56023684}"/>
@@ -10304,7 +12439,7 @@
       </p:pic>
       <p:pic>
         <p:nvPicPr>
-          <p:cNvPr id="77" name="Graphic 76" descr="聊天泡泡大綱">
+          <p:cNvPr id="77" name="Graphic 76" descr="Chat bubble outline">
             <a:extLst>
               <a:ext uri="{FF2B5EF4-FFF2-40B4-BE49-F238E27FC236}">
                 <a16:creationId xmlns:a16="http://schemas.microsoft.com/office/drawing/2014/main" id="{B6F9981D-CBCE-514B-8F7F-0F0CAFEDBE44}"/>
@@ -10343,7 +12478,7 @@
       </p:pic>
       <p:pic>
         <p:nvPicPr>
-          <p:cNvPr id="78" name="Graphic 77" descr="Playbook 大綱">
+          <p:cNvPr id="78" name="Graphic 77" descr="Playbook outline">
             <a:extLst>
               <a:ext uri="{FF2B5EF4-FFF2-40B4-BE49-F238E27FC236}">
                 <a16:creationId xmlns:a16="http://schemas.microsoft.com/office/drawing/2014/main" id="{C027C0A6-1CBA-8A4F-819C-F6A9FD0038FD}"/>
@@ -10490,133 +12625,6 @@
           </a:p>
         </p:txBody>
       </p:sp>
-      <p:grpSp>
-        <p:nvGrpSpPr>
-          <p:cNvPr id="62" name="object 3">
-            <a:extLst>
-              <a:ext uri="{FF2B5EF4-FFF2-40B4-BE49-F238E27FC236}">
-                <a16:creationId xmlns:a16="http://schemas.microsoft.com/office/drawing/2014/main" id="{C539739D-1D3E-204D-9819-C44D9AE36DE8}"/>
-              </a:ext>
-            </a:extLst>
-          </p:cNvPr>
-          <p:cNvGrpSpPr/>
-          <p:nvPr/>
-        </p:nvGrpSpPr>
-        <p:grpSpPr>
-          <a:xfrm rot="5400000">
-            <a:off x="1134964" y="-868526"/>
-            <a:ext cx="5661921" cy="7931849"/>
-            <a:chOff x="-247019" y="421767"/>
-            <a:chExt cx="3875281" cy="7641336"/>
-          </a:xfrm>
-        </p:grpSpPr>
-        <p:sp>
-          <p:nvSpPr>
-            <p:cNvPr id="63" name="object 4">
-              <a:extLst>
-                <a:ext uri="{FF2B5EF4-FFF2-40B4-BE49-F238E27FC236}">
-                  <a16:creationId xmlns:a16="http://schemas.microsoft.com/office/drawing/2014/main" id="{F41DD51E-EC9C-7B44-BE42-FA9C42B94675}"/>
-                </a:ext>
-              </a:extLst>
-            </p:cNvPr>
-            <p:cNvSpPr/>
-            <p:nvPr/>
-          </p:nvSpPr>
-          <p:spPr>
-            <a:xfrm>
-              <a:off x="3628262" y="576453"/>
-              <a:ext cx="0" cy="7486650"/>
-            </a:xfrm>
-            <a:custGeom>
-              <a:avLst/>
-              <a:gdLst/>
-              <a:ahLst/>
-              <a:cxnLst/>
-              <a:rect l="l" t="t" r="r" b="b"/>
-              <a:pathLst>
-                <a:path h="7486650">
-                  <a:moveTo>
-                    <a:pt x="0" y="0"/>
-                  </a:moveTo>
-                  <a:lnTo>
-                    <a:pt x="0" y="7486408"/>
-                  </a:lnTo>
-                </a:path>
-              </a:pathLst>
-            </a:custGeom>
-            <a:ln w="61722">
-              <a:solidFill>
-                <a:srgbClr val="EAEAEB"/>
-              </a:solidFill>
-            </a:ln>
-          </p:spPr>
-          <p:txBody>
-            <a:bodyPr wrap="square" lIns="0" tIns="0" rIns="0" bIns="0" rtlCol="0"/>
-            <a:lstStyle/>
-            <a:p>
-              <a:endParaRPr/>
-            </a:p>
-          </p:txBody>
-        </p:sp>
-        <p:sp>
-          <p:nvSpPr>
-            <p:cNvPr id="64" name="object 5">
-              <a:extLst>
-                <a:ext uri="{FF2B5EF4-FFF2-40B4-BE49-F238E27FC236}">
-                  <a16:creationId xmlns:a16="http://schemas.microsoft.com/office/drawing/2014/main" id="{6E97A2E1-56BC-2B46-9873-F675D66FF621}"/>
-                </a:ext>
-              </a:extLst>
-            </p:cNvPr>
-            <p:cNvSpPr/>
-            <p:nvPr/>
-          </p:nvSpPr>
-          <p:spPr>
-            <a:xfrm>
-              <a:off x="-247019" y="421767"/>
-              <a:ext cx="3844040" cy="7600950"/>
-            </a:xfrm>
-            <a:custGeom>
-              <a:avLst/>
-              <a:gdLst/>
-              <a:ahLst/>
-              <a:cxnLst/>
-              <a:rect l="l" t="t" r="r" b="b"/>
-              <a:pathLst>
-                <a:path w="3409950" h="7600950">
-                  <a:moveTo>
-                    <a:pt x="0" y="7600569"/>
-                  </a:moveTo>
-                  <a:lnTo>
-                    <a:pt x="3409492" y="7600569"/>
-                  </a:lnTo>
-                  <a:lnTo>
-                    <a:pt x="3409492" y="0"/>
-                  </a:lnTo>
-                  <a:lnTo>
-                    <a:pt x="0" y="0"/>
-                  </a:lnTo>
-                  <a:lnTo>
-                    <a:pt x="0" y="7600569"/>
-                  </a:lnTo>
-                  <a:close/>
-                </a:path>
-              </a:pathLst>
-            </a:custGeom>
-            <a:ln w="12954">
-              <a:solidFill>
-                <a:srgbClr val="EBEBEB"/>
-              </a:solidFill>
-            </a:ln>
-          </p:spPr>
-          <p:txBody>
-            <a:bodyPr wrap="square" lIns="0" tIns="0" rIns="0" bIns="0" rtlCol="0"/>
-            <a:lstStyle/>
-            <a:p>
-              <a:endParaRPr/>
-            </a:p>
-          </p:txBody>
-        </p:sp>
-      </p:grpSp>
     </p:spTree>
     <p:extLst>
       <p:ext uri="{BB962C8B-B14F-4D97-AF65-F5344CB8AC3E}">
@@ -10895,37 +12903,47 @@
               </a:lnSpc>
             </a:pPr>
             <a:r>
-              <a:rPr lang="de-de" sz="800" spc="-10">
+              <a:rPr sz="800" spc="-10">
                 <a:solidFill>
                   <a:srgbClr val="6D6D6D"/>
                 </a:solidFill>
                 <a:latin typeface="Adobe Clean"/>
                 <a:cs typeface="Adobe Clean"/>
               </a:rPr>
-              <a:t>©2021</a:t>
-            </a:r>
-            <a:r>
-              <a:rPr lang="de-de" sz="800" spc="-5">
+              <a:t>©202</a:t>
+            </a:r>
+            <a:r>
+              <a:rPr lang="en-US" sz="800" spc="-10">
                 <a:solidFill>
                   <a:srgbClr val="6D6D6D"/>
                 </a:solidFill>
                 <a:latin typeface="Adobe Clean"/>
                 <a:cs typeface="Adobe Clean"/>
               </a:rPr>
-              <a:t> Adobe。All</a:t>
-            </a:r>
-            <a:r>
-              <a:rPr lang="de-de" sz="800" spc="-15">
+              <a:t>1</a:t>
+            </a:r>
+            <a:r>
+              <a:rPr sz="800" spc="-5">
                 <a:solidFill>
                   <a:srgbClr val="6D6D6D"/>
                 </a:solidFill>
                 <a:latin typeface="Adobe Clean"/>
                 <a:cs typeface="Adobe Clean"/>
               </a:rPr>
+              <a:t> Adobe. All</a:t>
+            </a:r>
+            <a:r>
+              <a:rPr sz="800" spc="-15">
+                <a:solidFill>
+                  <a:srgbClr val="6D6D6D"/>
+                </a:solidFill>
+                <a:latin typeface="Adobe Clean"/>
+                <a:cs typeface="Adobe Clean"/>
+              </a:rPr>
               <a:t> </a:t>
             </a:r>
             <a:r>
-              <a:rPr lang="de-de" sz="800" spc="-10">
+              <a:rPr sz="800" spc="-10">
                 <a:solidFill>
                   <a:srgbClr val="6D6D6D"/>
                 </a:solidFill>
@@ -10935,7 +12953,7 @@
               <a:t>Rights</a:t>
             </a:r>
             <a:r>
-              <a:rPr lang="de-de" sz="800" spc="-5">
+              <a:rPr sz="800" spc="-5">
                 <a:solidFill>
                   <a:srgbClr val="6D6D6D"/>
                 </a:solidFill>
@@ -10945,27 +12963,27 @@
               <a:t> </a:t>
             </a:r>
             <a:r>
-              <a:rPr lang="de-de" sz="800" spc="-10">
+              <a:rPr sz="800" spc="-10">
                 <a:solidFill>
                   <a:srgbClr val="6D6D6D"/>
                 </a:solidFill>
                 <a:latin typeface="Adobe Clean"/>
                 <a:cs typeface="Adobe Clean"/>
               </a:rPr>
-              <a:t>Reserved。</a:t>
-            </a:r>
-            <a:r>
-              <a:rPr lang="de-de" sz="800" spc="-5">
+              <a:t>Reserved.</a:t>
+            </a:r>
+            <a:r>
+              <a:rPr sz="800" spc="-5">
                 <a:solidFill>
                   <a:srgbClr val="6D6D6D"/>
                 </a:solidFill>
                 <a:latin typeface="Adobe Clean"/>
                 <a:cs typeface="Adobe Clean"/>
               </a:rPr>
-              <a:t>Adobe</a:t>
-            </a:r>
-            <a:r>
-              <a:rPr lang="de-de" sz="800" spc="75">
+              <a:t> Adobe</a:t>
+            </a:r>
+            <a:r>
+              <a:rPr sz="800" spc="75">
                 <a:solidFill>
                   <a:srgbClr val="6D6D6D"/>
                 </a:solidFill>
@@ -10975,14 +12993,14 @@
               <a:t> </a:t>
             </a:r>
             <a:r>
-              <a:rPr lang="de-de" sz="800" spc="-10">
+              <a:rPr sz="800" spc="-10">
                 <a:solidFill>
                   <a:srgbClr val="6D6D6D"/>
                 </a:solidFill>
                 <a:latin typeface="Adobe Clean"/>
                 <a:cs typeface="Adobe Clean"/>
               </a:rPr>
-              <a:t>機密資訊。</a:t>
+              <a:t>Confidential.</a:t>
             </a:r>
             <a:endParaRPr sz="800">
               <a:latin typeface="Adobe Clean"/>
@@ -11041,7 +13059,7 @@
         </p:nvSpPr>
         <p:spPr>
           <a:xfrm>
-            <a:off x="4440314" y="589788"/>
+            <a:off x="4843270" y="589788"/>
             <a:ext cx="2588260" cy="228268"/>
           </a:xfrm>
           <a:prstGeom prst="rect">
@@ -11049,31 +13067,58 @@
           </a:prstGeom>
         </p:spPr>
         <p:txBody>
-          <a:bodyPr vert="horz" wrap="square" lIns="0" tIns="12700" rIns="0" bIns="0" rtlCol="0">
+          <a:bodyPr vert="horz" wrap="square" lIns="0" tIns="12700" rIns="0" bIns="0" rtlCol="0" anchor="t">
             <a:spAutoFit/>
           </a:bodyPr>
           <a:lstStyle/>
           <a:p>
-            <a:pPr marL="12700" algn="ctr">
-              <a:lnSpc>
-                <a:spcPct val="100000"/>
-              </a:lnSpc>
+            <a:pPr marL="12700">
               <a:spcBef>
                 <a:spcPts val="100"/>
               </a:spcBef>
             </a:pPr>
             <a:r>
-              <a:rPr lang="de-de" sz="1400" b="1" spc="-25" dirty="0" err="1">
-                <a:solidFill>
-                  <a:srgbClr val="020302"/>
-                </a:solidFill>
-                <a:latin typeface="Adobe Clean"/>
-                <a:cs typeface="Adobe Clean"/>
-              </a:rPr>
-              <a:t>現場服務活動</a:t>
-            </a:r>
-            <a:r>
-              <a:rPr lang="de-de" sz="1400" b="1" spc="-190" dirty="0">
+              <a:rPr sz="1400" b="1" spc="-25" dirty="0">
+                <a:solidFill>
+                  <a:srgbClr val="020302"/>
+                </a:solidFill>
+                <a:latin typeface="Adobe Clean"/>
+                <a:cs typeface="Adobe Clean"/>
+              </a:rPr>
+              <a:t>Fi</a:t>
+            </a:r>
+            <a:r>
+              <a:rPr sz="1400" b="1" spc="-30" dirty="0">
+                <a:solidFill>
+                  <a:srgbClr val="020302"/>
+                </a:solidFill>
+                <a:latin typeface="Adobe Clean"/>
+                <a:cs typeface="Adobe Clean"/>
+              </a:rPr>
+              <a:t>e</a:t>
+            </a:r>
+            <a:r>
+              <a:rPr sz="1400" b="1" spc="-25" dirty="0">
+                <a:solidFill>
+                  <a:srgbClr val="020302"/>
+                </a:solidFill>
+                <a:latin typeface="Adobe Clean"/>
+                <a:cs typeface="Adobe Clean"/>
+              </a:rPr>
+              <a:t>l</a:t>
+            </a:r>
+            <a:r>
+              <a:rPr sz="1400" b="1" dirty="0">
+                <a:solidFill>
+                  <a:srgbClr val="020302"/>
+                </a:solidFill>
+                <a:latin typeface="Adobe Clean"/>
+                <a:cs typeface="Adobe Clean"/>
+              </a:rPr>
+              <a:t>d</a:t>
+            </a:r>
+            <a:r>
+              <a:rPr sz="1400" b="1" spc="-45" dirty="0">
                 <a:solidFill>
                   <a:srgbClr val="020302"/>
                 </a:solidFill>
@@ -11081,6 +13126,126 @@
                 <a:cs typeface="Adobe Clean"/>
               </a:rPr>
               <a:t> </a:t>
+            </a:r>
+            <a:r>
+              <a:rPr sz="1400" b="1" spc="20" dirty="0">
+                <a:solidFill>
+                  <a:srgbClr val="020302"/>
+                </a:solidFill>
+                <a:latin typeface="Adobe Clean"/>
+                <a:cs typeface="Adobe Clean"/>
+              </a:rPr>
+              <a:t>S</a:t>
+            </a:r>
+            <a:r>
+              <a:rPr sz="1400" b="1" spc="10" dirty="0">
+                <a:solidFill>
+                  <a:srgbClr val="020302"/>
+                </a:solidFill>
+                <a:latin typeface="Adobe Clean"/>
+                <a:cs typeface="Adobe Clean"/>
+              </a:rPr>
+              <a:t>e</a:t>
+            </a:r>
+            <a:r>
+              <a:rPr sz="1400" b="1" spc="15" dirty="0">
+                <a:solidFill>
+                  <a:srgbClr val="020302"/>
+                </a:solidFill>
+                <a:latin typeface="Adobe Clean"/>
+                <a:cs typeface="Adobe Clean"/>
+              </a:rPr>
+              <a:t>rvi</a:t>
+            </a:r>
+            <a:r>
+              <a:rPr sz="1400" b="1" spc="10" dirty="0">
+                <a:solidFill>
+                  <a:srgbClr val="020302"/>
+                </a:solidFill>
+                <a:latin typeface="Adobe Clean"/>
+                <a:cs typeface="Adobe Clean"/>
+              </a:rPr>
+              <a:t>c</a:t>
+            </a:r>
+            <a:r>
+              <a:rPr sz="1400" b="1" dirty="0">
+                <a:solidFill>
+                  <a:srgbClr val="020302"/>
+                </a:solidFill>
+                <a:latin typeface="Adobe Clean"/>
+                <a:cs typeface="Adobe Clean"/>
+              </a:rPr>
+              <a:t>e</a:t>
+            </a:r>
+            <a:r>
+              <a:rPr lang="en-US" sz="1400" b="1" dirty="0">
+                <a:solidFill>
+                  <a:srgbClr val="020302"/>
+                </a:solidFill>
+                <a:latin typeface="Adobe Clean"/>
+                <a:cs typeface="Adobe Clean"/>
+              </a:rPr>
+              <a:t> </a:t>
+            </a:r>
+            <a:r>
+              <a:rPr sz="1400" b="1" spc="5" dirty="0">
+                <a:solidFill>
+                  <a:srgbClr val="020302"/>
+                </a:solidFill>
+                <a:latin typeface="Adobe Clean"/>
+                <a:cs typeface="Adobe Clean"/>
+              </a:rPr>
+              <a:t>A</a:t>
+            </a:r>
+            <a:r>
+              <a:rPr sz="1400" b="1" dirty="0">
+                <a:solidFill>
+                  <a:srgbClr val="020302"/>
+                </a:solidFill>
+                <a:latin typeface="Adobe Clean"/>
+                <a:cs typeface="Adobe Clean"/>
+              </a:rPr>
+              <a:t>ct</a:t>
+            </a:r>
+            <a:r>
+              <a:rPr sz="1400" b="1" spc="5" dirty="0">
+                <a:solidFill>
+                  <a:srgbClr val="020302"/>
+                </a:solidFill>
+                <a:latin typeface="Adobe Clean"/>
+                <a:cs typeface="Adobe Clean"/>
+              </a:rPr>
+              <a:t>ivi</a:t>
+            </a:r>
+            <a:r>
+              <a:rPr sz="1400" b="1" dirty="0">
+                <a:solidFill>
+                  <a:srgbClr val="020302"/>
+                </a:solidFill>
+                <a:latin typeface="Adobe Clean"/>
+                <a:cs typeface="Adobe Clean"/>
+              </a:rPr>
+              <a:t>t</a:t>
+            </a:r>
+            <a:r>
+              <a:rPr sz="1400" b="1" spc="5" dirty="0">
+                <a:solidFill>
+                  <a:srgbClr val="020302"/>
+                </a:solidFill>
+                <a:latin typeface="Adobe Clean"/>
+                <a:cs typeface="Adobe Clean"/>
+              </a:rPr>
+              <a:t>i</a:t>
+            </a:r>
+            <a:r>
+              <a:rPr sz="1400" b="1" dirty="0">
+                <a:solidFill>
+                  <a:srgbClr val="020302"/>
+                </a:solidFill>
+                <a:latin typeface="Adobe Clean"/>
+                <a:cs typeface="Adobe Clean"/>
+              </a:rPr>
+              <a:t>es</a:t>
             </a:r>
             <a:endParaRPr sz="1400" dirty="0">
               <a:latin typeface="Adobe Clean"/>
@@ -11097,7 +13262,7 @@
         </p:nvSpPr>
         <p:spPr>
           <a:xfrm>
-            <a:off x="588933" y="589788"/>
+            <a:off x="914399" y="589788"/>
             <a:ext cx="1937004" cy="228268"/>
           </a:xfrm>
           <a:prstGeom prst="rect">
@@ -11110,7 +13275,7 @@
           </a:bodyPr>
           <a:lstStyle/>
           <a:p>
-            <a:pPr marL="12700" algn="ctr">
+            <a:pPr marL="12700">
               <a:lnSpc>
                 <a:spcPct val="100000"/>
               </a:lnSpc>
@@ -11119,16 +13284,96 @@
               </a:spcBef>
             </a:pPr>
             <a:r>
-              <a:rPr lang="de-de" sz="1400" b="1" spc="-20" dirty="0" err="1">
-                <a:solidFill>
-                  <a:srgbClr val="020302"/>
-                </a:solidFill>
-                <a:latin typeface="Adobe Clean"/>
-                <a:cs typeface="Adobe Clean"/>
-              </a:rPr>
-              <a:t>上市諮詢</a:t>
-            </a:r>
-            <a:endParaRPr sz="1400" dirty="0">
+              <a:rPr sz="1400" b="1" spc="-20">
+                <a:solidFill>
+                  <a:srgbClr val="020302"/>
+                </a:solidFill>
+                <a:latin typeface="Adobe Clean"/>
+                <a:cs typeface="Adobe Clean"/>
+              </a:rPr>
+              <a:t>L</a:t>
+            </a:r>
+            <a:r>
+              <a:rPr sz="1400" b="1" spc="-10">
+                <a:solidFill>
+                  <a:srgbClr val="020302"/>
+                </a:solidFill>
+                <a:latin typeface="Adobe Clean"/>
+                <a:cs typeface="Adobe Clean"/>
+              </a:rPr>
+              <a:t>a</a:t>
+            </a:r>
+            <a:r>
+              <a:rPr sz="1400" b="1" spc="-15">
+                <a:solidFill>
+                  <a:srgbClr val="020302"/>
+                </a:solidFill>
+                <a:latin typeface="Adobe Clean"/>
+                <a:cs typeface="Adobe Clean"/>
+              </a:rPr>
+              <a:t>un</a:t>
+            </a:r>
+            <a:r>
+              <a:rPr sz="1400" b="1" spc="-20">
+                <a:solidFill>
+                  <a:srgbClr val="020302"/>
+                </a:solidFill>
+                <a:latin typeface="Adobe Clean"/>
+                <a:cs typeface="Adobe Clean"/>
+              </a:rPr>
+              <a:t>c</a:t>
+            </a:r>
+            <a:r>
+              <a:rPr sz="1400" b="1">
+                <a:solidFill>
+                  <a:srgbClr val="020302"/>
+                </a:solidFill>
+                <a:latin typeface="Adobe Clean"/>
+                <a:cs typeface="Adobe Clean"/>
+              </a:rPr>
+              <a:t>h</a:t>
+            </a:r>
+            <a:r>
+              <a:rPr sz="1400" b="1" spc="-30">
+                <a:solidFill>
+                  <a:srgbClr val="020302"/>
+                </a:solidFill>
+                <a:latin typeface="Adobe Clean"/>
+                <a:cs typeface="Adobe Clean"/>
+              </a:rPr>
+              <a:t> </a:t>
+            </a:r>
+            <a:r>
+              <a:rPr sz="1400" b="1" spc="-10">
+                <a:solidFill>
+                  <a:srgbClr val="020302"/>
+                </a:solidFill>
+                <a:latin typeface="Adobe Clean"/>
+                <a:cs typeface="Adobe Clean"/>
+              </a:rPr>
+              <a:t>Advisor</a:t>
+            </a:r>
+            <a:r>
+              <a:rPr sz="1400" b="1">
+                <a:solidFill>
+                  <a:srgbClr val="020302"/>
+                </a:solidFill>
+                <a:latin typeface="Adobe Clean"/>
+                <a:cs typeface="Adobe Clean"/>
+              </a:rPr>
+              <a:t>y</a:t>
+            </a:r>
+            <a:r>
+              <a:rPr sz="1400" b="1" spc="-60">
+                <a:solidFill>
+                  <a:srgbClr val="020302"/>
+                </a:solidFill>
+                <a:latin typeface="Adobe Clean"/>
+                <a:cs typeface="Adobe Clean"/>
+              </a:rPr>
+              <a:t> </a:t>
+            </a:r>
+            <a:endParaRPr sz="1400">
               <a:latin typeface="Adobe Clean"/>
               <a:cs typeface="Adobe Clean"/>
             </a:endParaRPr>
@@ -11162,36 +13407,108 @@
               </a:spcBef>
             </a:pPr>
             <a:r>
-              <a:rPr lang="de-de" sz="1000">
+              <a:rPr lang="en-US" sz="1000">
                 <a:solidFill>
                   <a:srgbClr val="1F1F1F"/>
                 </a:solidFill>
                 <a:latin typeface="AdobeClean-Light"/>
                 <a:cs typeface="AdobeClean-Light"/>
               </a:rPr>
-              <a:t>對於正在實作新的</a:t>
-            </a:r>
-            <a:r>
-              <a:rPr lang="de-de" sz="1000" b="1">
+              <a:t>For customers </a:t>
+            </a:r>
+            <a:r>
+              <a:rPr sz="1000">
                 <a:solidFill>
                   <a:srgbClr val="1F1F1F"/>
                 </a:solidFill>
-                <a:latin typeface="Adobe Clean"/>
-                <a:cs typeface="Adobe Clean"/>
-              </a:rPr>
-              <a:t> Adobe Experience Cloud 解決方案的客戶，</a:t>
-            </a:r>
-            <a:r>
-              <a:rPr lang="de-de" sz="1000" b="1">
+                <a:latin typeface="AdobeClean-Light"/>
+                <a:cs typeface="AdobeClean-Light"/>
+              </a:rPr>
+              <a:t>implementing a </a:t>
+            </a:r>
+            <a:r>
+              <a:rPr sz="1000" b="1">
+                <a:solidFill>
+                  <a:srgbClr val="1F1F1F"/>
+                </a:solidFill>
+                <a:latin typeface="Adobe Clean"/>
+                <a:cs typeface="Adobe Clean"/>
+              </a:rPr>
+              <a:t>new Adobe Experience Cloud solution</a:t>
+            </a:r>
+            <a:r>
+              <a:rPr lang="en-US" sz="1000" b="1">
+                <a:solidFill>
+                  <a:srgbClr val="1F1F1F"/>
+                </a:solidFill>
+                <a:latin typeface="Adobe Clean"/>
+                <a:cs typeface="Adobe Clean"/>
+              </a:rPr>
+              <a:t>, </a:t>
+            </a:r>
+            <a:r>
+              <a:rPr lang="en-US" sz="1000">
                 <a:latin typeface="Adobe Clean Light" charset="0"/>
-              </a:rPr>
-              <a:t>上市諮詢服務是一組核心諮詢服務與建議，這些服務與建議已被證明可支援成功部署及加快實現價值</a:t>
-            </a:r>
-            <a:r>
-              <a:rPr lang="de-de" sz="1000">
+                <a:ea typeface="Adobe Clean Light" charset="0"/>
+                <a:cs typeface="Adobe Clean Light" charset="0"/>
+              </a:rPr>
+              <a:t>Launch Advisory </a:t>
+            </a:r>
+            <a:r>
+              <a:rPr lang="en-US" sz="1000">
+                <a:solidFill>
+                  <a:srgbClr val="000000"/>
+                </a:solidFill>
+                <a:latin typeface="Adobe Clean SemiLight" panose="020B0403020404020204" pitchFamily="34" charset="0"/>
+              </a:rPr>
+              <a:t>is a </a:t>
+            </a:r>
+            <a:r>
+              <a:rPr lang="en-US" sz="1000" b="1">
+                <a:solidFill>
+                  <a:srgbClr val="000000"/>
+                </a:solidFill>
+                <a:latin typeface="Adobe Clean SemiLight" panose="020B0403020404020204" pitchFamily="34" charset="0"/>
+              </a:rPr>
+              <a:t>core set of advisory services </a:t>
+            </a:r>
+            <a:r>
+              <a:rPr lang="en-US" sz="1000">
                 <a:latin typeface="Adobe Clean Light" charset="0"/>
-              </a:rPr>
-              <a:t>。</a:t>
+                <a:ea typeface="Adobe Clean Light" charset="0"/>
+                <a:cs typeface="Adobe Clean Light" charset="0"/>
+              </a:rPr>
+              <a:t>and recommendations that </a:t>
+            </a:r>
+            <a:r>
+              <a:rPr lang="en-US" sz="1000">
+                <a:latin typeface="Adobe Clean Light" charset="0"/>
+              </a:rPr>
+              <a:t>are proven to </a:t>
+            </a:r>
+            <a:r>
+              <a:rPr lang="en-US" sz="1000" b="1">
+                <a:latin typeface="Adobe Clean Light" charset="0"/>
+              </a:rPr>
+              <a:t>support successful deployments </a:t>
+            </a:r>
+            <a:r>
+              <a:rPr lang="en-US" sz="1000">
+                <a:latin typeface="Adobe Clean Light" charset="0"/>
+              </a:rPr>
+              <a:t>and </a:t>
+            </a:r>
+            <a:r>
+              <a:rPr lang="en-US" sz="1000" b="1">
+                <a:latin typeface="Adobe Clean Light" charset="0"/>
+              </a:rPr>
+              <a:t>accelerate time-to-value</a:t>
+            </a:r>
+            <a:r>
+              <a:rPr lang="en-US" sz="1000">
+                <a:latin typeface="Adobe Clean Light" charset="0"/>
+              </a:rPr>
+              <a:t>.</a:t>
             </a:r>
           </a:p>
         </p:txBody>
@@ -11250,58 +13567,67 @@
               </a:spcBef>
             </a:pPr>
             <a:r>
-              <a:rPr lang="de-de" sz="1000">
+              <a:rPr lang="en-US" sz="1000">
                 <a:solidFill>
                   <a:srgbClr val="4B4B4B"/>
                 </a:solidFill>
                 <a:latin typeface="Adobe Clean Light" panose="020B0303020404020204" pitchFamily="34" charset="0"/>
               </a:rPr>
-              <a:t>現場服務是用於</a:t>
-            </a:r>
-            <a:r>
-              <a:rPr lang="de-de" sz="1000" b="1">
+              <a:t>Field Services are used for </a:t>
+            </a:r>
+            <a:r>
+              <a:rPr lang="en-US" sz="1000" b="1">
                 <a:solidFill>
                   <a:srgbClr val="4B4B4B"/>
                 </a:solidFill>
                 <a:latin typeface="Adobe Clean" panose="020B0503020404020204" pitchFamily="34" charset="0"/>
               </a:rPr>
-              <a:t>快速解決問題</a:t>
-            </a:r>
-            <a:r>
-              <a:rPr lang="de-de" sz="1000">
+              <a:t>quick resolution</a:t>
+            </a:r>
+            <a:r>
+              <a:rPr lang="en-US" sz="1000">
                 <a:solidFill>
                   <a:srgbClr val="4B4B4B"/>
                 </a:solidFill>
                 <a:latin typeface="Adobe Clean Light" panose="020B0303020404020204" pitchFamily="34" charset="0"/>
               </a:rPr>
-              <a:t>，聚焦於客戶成功及加快</a:t>
-            </a:r>
-            <a:r>
-              <a:rPr lang="de-de" sz="1000" b="1">
+              <a:t>, focused customer success and accelerated</a:t>
+            </a:r>
+            <a:r>
+              <a:rPr lang="en-US" sz="1000" b="1">
                 <a:solidFill>
                   <a:srgbClr val="4B4B4B"/>
                 </a:solidFill>
                 <a:latin typeface="Adobe Clean" panose="020B0503020404020204" pitchFamily="34" charset="0"/>
               </a:rPr>
-              <a:t>價值實現</a:t>
-            </a:r>
-            <a:r>
-              <a:rPr lang="de-de" sz="1000">
+              <a:t> time-to-value</a:t>
+            </a:r>
+            <a:r>
+              <a:rPr lang="en-US" sz="1000">
                 <a:solidFill>
                   <a:srgbClr val="4B4B4B"/>
                 </a:solidFill>
                 <a:latin typeface="Adobe Clean Light" panose="020B0303020404020204" pitchFamily="34" charset="0"/>
               </a:rPr>
-              <a:t>。對於 Adobe 支援合約涵蓋的任何解決方案產品而言，</a:t>
-            </a:r>
-            <a:r>
-              <a:rPr lang="de-de" sz="1000" b="1">
+              <a:t>. If Launch advisory is active there will be </a:t>
+            </a:r>
+            <a:r>
+              <a:rPr lang="en-US" sz="1000" b="1">
                 <a:solidFill>
                   <a:srgbClr val="4B4B4B"/>
                 </a:solidFill>
                 <a:latin typeface="Adobe Clean" panose="020B0503020404020204" pitchFamily="34" charset="0"/>
               </a:rPr>
-              <a:t>如果上市諮詢服務作用中，第 1 年將不會有現場服務。</a:t>
+              <a:t>no Field Services in year 1 </a:t>
+            </a:r>
+            <a:r>
+              <a:rPr lang="en-US" sz="1000">
+                <a:solidFill>
+                  <a:srgbClr val="4B4B4B"/>
+                </a:solidFill>
+                <a:latin typeface="Adobe Clean Light" panose="020B0303020404020204" pitchFamily="34" charset="0"/>
+              </a:rPr>
+              <a:t>for any solution product covered by an Adobe Support contract. </a:t>
             </a:r>
             <a:endParaRPr lang="en-US" sz="1000">
               <a:solidFill>
@@ -11504,52 +13830,37 @@
               </a:spcBef>
             </a:pPr>
             <a:r>
-              <a:rPr lang="de-de" sz="1000" dirty="0">
+              <a:rPr lang="en-US" sz="1000">
                 <a:latin typeface="Adobe Clean Light" charset="0"/>
               </a:rPr>
-              <a:t>Adobe </a:t>
-            </a:r>
-            <a:r>
-              <a:rPr lang="de-de" sz="1000" dirty="0" err="1">
-                <a:latin typeface="Adobe Clean Light" charset="0"/>
-              </a:rPr>
-              <a:t>解決方案專家可向客戶</a:t>
-            </a:r>
-            <a:r>
-              <a:rPr lang="de-de" sz="1000" dirty="0" err="1">
+              <a:t>Adobe solution experts help validate requirements, architecture, development process, and launch readiness reviews </a:t>
+            </a:r>
+            <a:r>
+              <a:rPr lang="en-US" sz="1000">
                 <a:solidFill>
                   <a:srgbClr val="000000"/>
                 </a:solidFill>
                 <a:latin typeface="Adobe Clean SemiLight" panose="020B0403020404020204" pitchFamily="34" charset="0"/>
               </a:rPr>
-              <a:t>和實作</a:t>
-            </a:r>
-            <a:r>
-              <a:rPr lang="de-de" sz="1000" b="1" dirty="0" err="1">
+              <a:t>with </a:t>
+            </a:r>
+            <a:r>
+              <a:rPr lang="en-US" sz="1000" b="1">
                 <a:solidFill>
                   <a:srgbClr val="000000"/>
                 </a:solidFill>
                 <a:latin typeface="Adobe Clean SemiLight" panose="020B0403020404020204" pitchFamily="34" charset="0"/>
               </a:rPr>
-              <a:t>合作夥伴</a:t>
-            </a:r>
-            <a:r>
-              <a:rPr lang="de-de" sz="1000" dirty="0" err="1">
+              <a:t>best practice-based guidance </a:t>
+            </a:r>
+            <a:r>
+              <a:rPr lang="en-US" sz="1000">
                 <a:solidFill>
                   <a:srgbClr val="000000"/>
                 </a:solidFill>
                 <a:latin typeface="Adobe Clean SemiLight" panose="020B0403020404020204" pitchFamily="34" charset="0"/>
               </a:rPr>
-              <a:t>提供以最佳實務為根據的指引，以協助驗證需求、架構、開發流程和上市整備情況審查</a:t>
-            </a:r>
-            <a:r>
-              <a:rPr lang="de-de" sz="1000" dirty="0">
-                <a:solidFill>
-                  <a:srgbClr val="000000"/>
-                </a:solidFill>
-                <a:latin typeface="Adobe Clean SemiLight" panose="020B0403020404020204" pitchFamily="34" charset="0"/>
-              </a:rPr>
-              <a:t>。</a:t>
+              <a:t>to customers and implementation partners.</a:t>
             </a:r>
           </a:p>
           <a:p>
@@ -11558,7 +13869,7 @@
                 <a:spcPts val="100"/>
               </a:spcBef>
             </a:pPr>
-            <a:endParaRPr lang="en-US" sz="1000" dirty="0">
+            <a:endParaRPr lang="en-US" sz="1000">
               <a:solidFill>
                 <a:srgbClr val="1F1F1F"/>
               </a:solidFill>
@@ -11573,40 +13884,22 @@
               </a:spcBef>
             </a:pPr>
             <a:r>
-              <a:rPr lang="de-de" sz="1000" dirty="0" err="1">
+              <a:rPr lang="en-US" sz="1000">
                 <a:latin typeface="Adobe Clean Light" charset="0"/>
               </a:rPr>
-              <a:t>上市諮詢服務將透過常見的里程碑</a:t>
-            </a:r>
-            <a:r>
-              <a:rPr lang="de-de" sz="1000" dirty="0">
+              <a:t>Launch Advisory will align with your project schedule through common milestones (</a:t>
+            </a:r>
+            <a:r>
+              <a:rPr lang="en-US" sz="1000" b="1">
                 <a:latin typeface="Adobe Clean Light" charset="0"/>
               </a:rPr>
-              <a:t> (</a:t>
-            </a:r>
-            <a:r>
-              <a:rPr lang="de-de" sz="1000" b="1" dirty="0" err="1">
+              <a:t>Kickoff, Define, Design, Go-live and Post Launch</a:t>
+            </a:r>
+            <a:r>
+              <a:rPr lang="en-US" sz="1000">
                 <a:latin typeface="Adobe Clean Light" charset="0"/>
               </a:rPr>
-              <a:t>開展、定義、設計、上線和上市後</a:t>
-            </a:r>
-            <a:r>
-              <a:rPr lang="de-de" sz="1000" dirty="0">
-                <a:latin typeface="Adobe Clean Light" charset="0"/>
-              </a:rPr>
-              <a:t>) </a:t>
-            </a:r>
-            <a:r>
-              <a:rPr lang="de-de" sz="1000" dirty="0" err="1">
-                <a:latin typeface="Adobe Clean Light" charset="0"/>
-              </a:rPr>
-              <a:t>與您的專案時間表保持一致，以便指導、驗證、評估及提出建議</a:t>
-            </a:r>
-            <a:r>
-              <a:rPr lang="de-de" sz="1000" dirty="0">
-                <a:latin typeface="Adobe Clean Light" charset="0"/>
-              </a:rPr>
-              <a:t>。</a:t>
+              <a:t>) to guide, validate, assess and make recommendations.</a:t>
             </a:r>
           </a:p>
           <a:p>
@@ -11615,7 +13908,7 @@
                 <a:spcPts val="100"/>
               </a:spcBef>
             </a:pPr>
-            <a:endParaRPr lang="en-US" sz="1000" dirty="0">
+            <a:endParaRPr lang="en-US" sz="1000">
               <a:latin typeface="Adobe Clean Light" charset="0"/>
             </a:endParaRPr>
           </a:p>
@@ -11626,16 +13919,10 @@
               </a:spcBef>
             </a:pPr>
             <a:r>
-              <a:rPr lang="de-de" sz="1000" dirty="0" err="1">
+              <a:rPr lang="en-US" sz="1000">
                 <a:latin typeface="Adobe Clean Light" charset="0"/>
               </a:rPr>
-              <a:t>主要交付成果包括</a:t>
-            </a:r>
-            <a:r>
-              <a:rPr lang="de-de" sz="1000" dirty="0">
-                <a:latin typeface="Adobe Clean Light" charset="0"/>
-              </a:rPr>
-              <a:t>：</a:t>
+              <a:t>Key Deliverables include:</a:t>
             </a:r>
           </a:p>
           <a:p>
@@ -11647,26 +13934,9 @@
               <a:buChar char="•"/>
             </a:pPr>
             <a:r>
-              <a:rPr lang="de-de" sz="1000" dirty="0" err="1"/>
-              <a:t>專案啟動</a:t>
-            </a:r>
-            <a:r>
-              <a:rPr lang="de-de" sz="1000" dirty="0"/>
-              <a:t> (</a:t>
-            </a:r>
-            <a:r>
-              <a:rPr lang="de-de" sz="1000" dirty="0" err="1"/>
-              <a:t>包括專案共同作業計劃</a:t>
-            </a:r>
-            <a:r>
-              <a:rPr lang="de-de" sz="1000" dirty="0"/>
-              <a:t>) </a:t>
-            </a:r>
-            <a:r>
-              <a:rPr lang="de-de" sz="1000" dirty="0" err="1"/>
-              <a:t>投影片組</a:t>
-            </a:r>
-            <a:endParaRPr lang="de-de" sz="1000" dirty="0"/>
+              <a:rPr lang="en-US" sz="1000"/>
+              <a:t>Kickoff (including project collaboration plan) deck</a:t>
+            </a:r>
           </a:p>
           <a:p>
             <a:pPr marL="184150" marR="5080" indent="-171450">
@@ -11677,8 +13947,8 @@
               <a:buChar char="•"/>
             </a:pPr>
             <a:r>
-              <a:rPr lang="de-de" sz="1000"/>
-              <a:t>評估與建議文件</a:t>
+              <a:rPr lang="en-US" sz="1000"/>
+              <a:t>Assessment &amp; recommendations document(s)</a:t>
             </a:r>
           </a:p>
           <a:p>
@@ -11690,10 +13960,9 @@
               <a:buChar char="•"/>
             </a:pPr>
             <a:r>
-              <a:rPr lang="de-de" sz="1000" dirty="0" err="1"/>
-              <a:t>投入摘要</a:t>
-            </a:r>
-            <a:endParaRPr lang="de-de" sz="1000" dirty="0"/>
+              <a:rPr lang="en-US" sz="1000"/>
+              <a:t>Engagement summary</a:t>
+            </a:r>
           </a:p>
         </p:txBody>
       </p:sp>
@@ -11796,8 +14065,8 @@
           <a:p>
             <a:pPr algn="ctr"/>
             <a:r>
-              <a:rPr lang="de-de" sz="1600"/>
-              <a:t>執行與營運</a:t>
+              <a:rPr lang="en-US" sz="1600"/>
+              <a:t>Run &amp; Operate</a:t>
             </a:r>
           </a:p>
         </p:txBody>
@@ -11902,8 +14171,8 @@
           <a:p>
             <a:pPr algn="ctr"/>
             <a:r>
-              <a:rPr lang="de-de" sz="1600"/>
-              <a:t>實作</a:t>
+              <a:rPr lang="en-US" sz="1600"/>
+              <a:t>Implementation</a:t>
             </a:r>
           </a:p>
         </p:txBody>
@@ -11938,8 +14207,8 @@
           <a:p>
             <a:pPr algn="ctr"/>
             <a:r>
-              <a:rPr lang="de-de" sz="1100"/>
-              <a:t>上市後</a:t>
+              <a:rPr lang="en-US" sz="1100"/>
+              <a:t>Post Launch</a:t>
             </a:r>
           </a:p>
         </p:txBody>
@@ -12043,14 +14312,14 @@
         <p:spPr>
           <a:xfrm>
             <a:off x="3855907" y="4694431"/>
-            <a:ext cx="3525469" cy="2310889"/>
+            <a:ext cx="3525469" cy="2464777"/>
           </a:xfrm>
           <a:prstGeom prst="rect">
             <a:avLst/>
           </a:prstGeom>
         </p:spPr>
         <p:txBody>
-          <a:bodyPr wrap="square">
+          <a:bodyPr wrap="square" lIns="91440" tIns="45720" rIns="91440" bIns="45720" anchor="t">
             <a:spAutoFit/>
           </a:bodyPr>
           <a:lstStyle/>
@@ -12061,23 +14330,29 @@
               </a:spcBef>
             </a:pPr>
             <a:r>
-              <a:rPr lang="de-de" sz="1000" b="1">
+              <a:rPr lang="en-US" sz="1000" b="1" dirty="0">
                 <a:solidFill>
                   <a:srgbClr val="000000"/>
                 </a:solidFill>
                 <a:latin typeface="+mj-lt"/>
               </a:rPr>
-              <a:t>技術路徑活動可確保客戶擁有健全的技術，</a:t>
-            </a:r>
-            <a:r>
-              <a:rPr lang="de-de" sz="1000">
+              <a:t>Technical Track Activities </a:t>
+            </a:r>
+            <a:r>
+              <a:rPr lang="en-US" sz="1000" dirty="0">
                 <a:solidFill>
                   <a:srgbClr val="000000"/>
                 </a:solidFill>
-                <a:latin typeface="Adobe Clean Light" panose="020B0303020404020204" pitchFamily="34" charset="0"/>
-              </a:rPr>
-              <a:t>並且最大限度地採用他們的工具。具體而言，這些類型的活動包含與平台組態設定、整合和疑難排解有關的支援和建議</a:t>
-            </a:r>
+                <a:latin typeface="Adobe Clean Light"/>
+              </a:rPr>
+              <a:t>ensure customers are technically sound and maximizing their tool adoption. Specifically, these types of activities include support and recommendations related to platform configurations, integrations and troubleshooting.</a:t>
+            </a:r>
+            <a:endParaRPr lang="en-US" sz="1000" dirty="0">
+              <a:solidFill>
+                <a:srgbClr val="000000"/>
+              </a:solidFill>
+              <a:latin typeface="Adobe Clean Light" panose="020B0303020404020204" pitchFamily="34" charset="0"/>
+            </a:endParaRPr>
           </a:p>
           <a:p>
             <a:pPr marL="12700" marR="5080">
@@ -12096,10 +14371,10 @@
               </a:spcBef>
             </a:pPr>
             <a:r>
-              <a:rPr lang="de-de" sz="1000">
-                <a:latin typeface="Adobe Clean Light" charset="0"/>
-              </a:rPr>
-              <a:t>可用的技術活動類型：</a:t>
+              <a:rPr lang="en-US" sz="1000" dirty="0">
+                <a:latin typeface="Adobe Clean Light"/>
+              </a:rPr>
+              <a:t>Types of technical activities available::</a:t>
             </a:r>
           </a:p>
           <a:p>
@@ -12114,9 +14389,12 @@
               <a:buChar char="ü"/>
             </a:pPr>
             <a:r>
-              <a:rPr lang="de-de" sz="1000"/>
-              <a:t>健康稽核</a:t>
-            </a:r>
+              <a:rPr lang="en-US" sz="1000" dirty="0"/>
+              <a:t>Health audit</a:t>
+            </a:r>
+            <a:endParaRPr lang="en-US" sz="1000" dirty="0">
+              <a:cs typeface="Calibri"/>
+            </a:endParaRPr>
           </a:p>
           <a:p>
             <a:pPr marL="184150" marR="5080" indent="-171450">
@@ -12130,9 +14408,12 @@
               <a:buChar char="ü"/>
             </a:pPr>
             <a:r>
-              <a:rPr lang="de-de" sz="1000"/>
-              <a:t>平台稽核</a:t>
-            </a:r>
+              <a:rPr lang="en-US" sz="1000" dirty="0"/>
+              <a:t>Platform audit</a:t>
+            </a:r>
+            <a:endParaRPr lang="en-US" sz="1000" dirty="0">
+              <a:cs typeface="Calibri"/>
+            </a:endParaRPr>
           </a:p>
           <a:p>
             <a:pPr marL="184150" marR="5080" indent="-171450">
@@ -12146,9 +14427,12 @@
               <a:buChar char="ü"/>
             </a:pPr>
             <a:r>
-              <a:rPr lang="de-de" sz="1000"/>
-              <a:t>功能集啟用</a:t>
-            </a:r>
+              <a:rPr lang="en-US" sz="1000" dirty="0"/>
+              <a:t>Feature set enablement</a:t>
+            </a:r>
+            <a:endParaRPr lang="en-US" sz="1000" dirty="0">
+              <a:cs typeface="Calibri"/>
+            </a:endParaRPr>
           </a:p>
           <a:p>
             <a:pPr marL="184150" marR="5080" indent="-171450">
@@ -12162,9 +14446,12 @@
               <a:buChar char="ü"/>
             </a:pPr>
             <a:r>
-              <a:rPr lang="de-de" sz="1000"/>
-              <a:t>基本整合與組態設定</a:t>
-            </a:r>
+              <a:rPr lang="en-US" sz="1000" dirty="0"/>
+              <a:t>Basic integrations and configurations</a:t>
+            </a:r>
+            <a:endParaRPr lang="en-US" sz="1000" dirty="0">
+              <a:cs typeface="Calibri"/>
+            </a:endParaRPr>
           </a:p>
           <a:p>
             <a:pPr marL="184150" marR="5080" indent="-171450">
@@ -12178,9 +14465,12 @@
               <a:buChar char="ü"/>
             </a:pPr>
             <a:r>
-              <a:rPr lang="de-de" sz="1000"/>
-              <a:t>客戶解決方案疑難排解</a:t>
-            </a:r>
+              <a:rPr lang="en-US" sz="1000" dirty="0"/>
+              <a:t>Customer solution troubleshooting</a:t>
+            </a:r>
+            <a:endParaRPr lang="en-US" sz="1000" dirty="0">
+              <a:cs typeface="Calibri"/>
+            </a:endParaRPr>
           </a:p>
           <a:p>
             <a:pPr marL="184150" marR="5080" indent="-171450">
@@ -12194,9 +14484,12 @@
               <a:buChar char="ü"/>
             </a:pPr>
             <a:r>
-              <a:rPr lang="de-de" sz="1000"/>
-              <a:t>雲端服務支援</a:t>
-            </a:r>
+              <a:rPr lang="en-US" sz="1000" dirty="0"/>
+              <a:t>Cloud service support</a:t>
+            </a:r>
+            <a:endParaRPr lang="en-US" sz="1000" dirty="0">
+              <a:cs typeface="Calibri"/>
+            </a:endParaRPr>
           </a:p>
         </p:txBody>
       </p:sp>
@@ -12214,7 +14507,7 @@
         </p:nvSpPr>
         <p:spPr>
           <a:xfrm>
-            <a:off x="3851397" y="7048896"/>
+            <a:off x="3851397" y="7249456"/>
             <a:ext cx="3525469" cy="2054409"/>
           </a:xfrm>
           <a:prstGeom prst="rect">
@@ -12222,7 +14515,7 @@
           </a:prstGeom>
         </p:spPr>
         <p:txBody>
-          <a:bodyPr wrap="square">
+          <a:bodyPr wrap="square" lIns="91440" tIns="45720" rIns="91440" bIns="45720" anchor="t">
             <a:spAutoFit/>
           </a:bodyPr>
           <a:lstStyle/>
@@ -12233,22 +14526,22 @@
               </a:spcBef>
             </a:pPr>
             <a:r>
-              <a:rPr lang="de-de" sz="1000" b="1">
+              <a:rPr lang="en-US" sz="1000" b="1" dirty="0">
                 <a:solidFill>
                   <a:srgbClr val="000000"/>
                 </a:solidFill>
                 <a:latin typeface="+mj-lt"/>
               </a:rPr>
-              <a:t>策略路徑活動可尋找機會</a:t>
-            </a:r>
-            <a:r>
-              <a:rPr lang="de-de" sz="1000">
+              <a:t>Strategic Track Activities </a:t>
+            </a:r>
+            <a:r>
+              <a:rPr lang="en-US" sz="1000" dirty="0">
                 <a:solidFill>
                   <a:srgbClr val="000000"/>
                 </a:solidFill>
-                <a:latin typeface="Adobe Clean Light" panose="020B0303020404020204" pitchFamily="34" charset="0"/>
-              </a:rPr>
-              <a:t>，以確保可從客戶的 Adobe 解決方案實現價值。這類活動包括與策略、衡量和成熟度有關的支援建議，以推動一個或多個 Adobe 解決方案的價值實現。</a:t>
+                <a:latin typeface="Adobe Clean Light"/>
+              </a:rPr>
+              <a:t>locate opportunities to ensure value is being realized from a customer’s Adobe solutions. They include support recommendations related to strategy, measurement and maturity to drive value realization across one or more Adobe solutions.</a:t>
             </a:r>
           </a:p>
           <a:p>
@@ -12268,11 +14561,14 @@
               </a:spcBef>
             </a:pPr>
             <a:r>
-              <a:rPr lang="de-de" sz="1000">
-                <a:latin typeface="Adobe Clean Light" charset="0"/>
-              </a:rPr>
-              <a:t>可用的策略活動類型：</a:t>
-            </a:r>
+              <a:rPr lang="en-US" sz="1000" dirty="0">
+                <a:latin typeface="Adobe Clean Light"/>
+              </a:rPr>
+              <a:t>Types of strategic activities available:</a:t>
+            </a:r>
+            <a:endParaRPr lang="en-US" sz="1000" dirty="0">
+              <a:latin typeface="Adobe Clean Light" charset="0"/>
+            </a:endParaRPr>
           </a:p>
           <a:p>
             <a:pPr marL="241300" marR="5080" indent="-228600">
@@ -12286,9 +14582,12 @@
               <a:buChar char="ü"/>
             </a:pPr>
             <a:r>
-              <a:rPr lang="de-de" sz="1000"/>
-              <a:t>成熟度藍圖</a:t>
-            </a:r>
+              <a:rPr lang="en-US" sz="1000" dirty="0"/>
+              <a:t>Maturity Roadmap</a:t>
+            </a:r>
+            <a:endParaRPr lang="en-US" sz="1000" dirty="0">
+              <a:cs typeface="Calibri"/>
+            </a:endParaRPr>
           </a:p>
           <a:p>
             <a:pPr marL="241300" marR="5080" indent="-228600">
@@ -12302,9 +14601,12 @@
               <a:buChar char="ü"/>
             </a:pPr>
             <a:r>
-              <a:rPr lang="de-de" sz="1000"/>
-              <a:t>使用案例開發/衡量</a:t>
-            </a:r>
+              <a:rPr lang="en-US" sz="1000" dirty="0"/>
+              <a:t>Use case development/measurement</a:t>
+            </a:r>
+            <a:endParaRPr lang="en-US" sz="1000" dirty="0">
+              <a:cs typeface="Calibri"/>
+            </a:endParaRPr>
           </a:p>
           <a:p>
             <a:pPr marL="241300" marR="5080" indent="-228600">
@@ -12318,9 +14620,12 @@
               <a:buChar char="ü"/>
             </a:pPr>
             <a:r>
-              <a:rPr lang="de-de" sz="1000"/>
-              <a:t>報告與分析</a:t>
-            </a:r>
+              <a:rPr lang="en-US" sz="1000" dirty="0"/>
+              <a:t>Reporting &amp; analysis</a:t>
+            </a:r>
+            <a:endParaRPr lang="en-US" sz="1000" dirty="0">
+              <a:cs typeface="Calibri"/>
+            </a:endParaRPr>
           </a:p>
           <a:p>
             <a:pPr marL="241300" marR="5080" indent="-228600">
@@ -12334,9 +14639,12 @@
               <a:buChar char="ü"/>
             </a:pPr>
             <a:r>
-              <a:rPr lang="de-de" sz="1000"/>
-              <a:t>啟用最佳實務</a:t>
-            </a:r>
+              <a:rPr lang="en-US" sz="1000" dirty="0"/>
+              <a:t>Best practices enablement</a:t>
+            </a:r>
+            <a:endParaRPr lang="en-US" sz="1000" dirty="0">
+              <a:cs typeface="Calibri"/>
+            </a:endParaRPr>
           </a:p>
         </p:txBody>
       </p:sp>
@@ -12374,80 +14682,80 @@
               </a:spcBef>
             </a:pPr>
             <a:r>
-              <a:rPr lang="de-de" sz="1000">
+              <a:rPr lang="en-US" sz="1000">
                 <a:solidFill>
                   <a:srgbClr val="1F1F1F"/>
                 </a:solidFill>
                 <a:latin typeface="Adobe Clean" panose="020B0503020404020204" pitchFamily="34" charset="0"/>
                 <a:cs typeface="AdobeClean-Light"/>
               </a:rPr>
-              <a:t>您身為企業客戶，有資格透過以下兩個路徑每年參與 </a:t>
-            </a:r>
-            <a:r>
-              <a:rPr lang="de-de" sz="1200" b="1" u="sng">
+              <a:t>As an Enterprise customer, you are eligible for</a:t>
+            </a:r>
+            <a:r>
+              <a:rPr lang="en-US" sz="1200" b="1" u="sng">
                 <a:solidFill>
                   <a:srgbClr val="1F1F1F"/>
                 </a:solidFill>
                 <a:cs typeface="AdobeClean-Light"/>
               </a:rPr>
-              <a:t>2</a:t>
-            </a:r>
-            <a:r>
-              <a:rPr lang="de-de" sz="1000" b="1" u="sng">
+              <a:t> 2 </a:t>
+            </a:r>
+            <a:r>
+              <a:rPr lang="en-US" sz="1000" b="1" u="sng">
                 <a:solidFill>
                   <a:srgbClr val="1F1F1F"/>
                 </a:solidFill>
                 <a:cs typeface="AdobeClean-Light"/>
               </a:rPr>
-              <a:t> 項活動</a:t>
-            </a:r>
-            <a:r>
-              <a:rPr lang="de-de" sz="1000">
+              <a:t>activities per year </a:t>
+            </a:r>
+            <a:r>
+              <a:rPr lang="en-US" sz="1000">
                 <a:solidFill>
                   <a:srgbClr val="1F1F1F"/>
                 </a:solidFill>
                 <a:latin typeface="Adobe Clean" panose="020B0503020404020204" pitchFamily="34" charset="0"/>
                 <a:cs typeface="AdobeClean-Light"/>
               </a:rPr>
-              <a:t>：</a:t>
-            </a:r>
-            <a:r>
-              <a:rPr lang="de-de" sz="1000" b="1">
+              <a:t>from the following two tracks:</a:t>
+            </a:r>
+            <a:r>
+              <a:rPr lang="en-US" sz="1000" b="1">
                 <a:solidFill>
                   <a:srgbClr val="1F1F1F"/>
                 </a:solidFill>
                 <a:cs typeface="AdobeClean-Light"/>
               </a:rPr>
-              <a:t>技術</a:t>
-            </a:r>
-            <a:r>
-              <a:rPr lang="de-de" sz="1000">
+              <a:t> Technical </a:t>
+            </a:r>
+            <a:r>
+              <a:rPr lang="en-US" sz="1000">
                 <a:solidFill>
                   <a:srgbClr val="1F1F1F"/>
                 </a:solidFill>
                 <a:latin typeface="Adobe Clean" panose="020B0503020404020204" pitchFamily="34" charset="0"/>
                 <a:cs typeface="AdobeClean-Light"/>
               </a:rPr>
-              <a:t>及/或</a:t>
-            </a:r>
-            <a:r>
-              <a:rPr lang="de-de" sz="1000" b="1">
+              <a:t>and/or </a:t>
+            </a:r>
+            <a:r>
+              <a:rPr lang="en-US" sz="1000" b="1">
                 <a:solidFill>
                   <a:srgbClr val="1F1F1F"/>
                 </a:solidFill>
                 <a:cs typeface="AdobeClean-Light"/>
               </a:rPr>
-              <a:t>策略</a:t>
-            </a:r>
-            <a:r>
-              <a:rPr lang="de-de" sz="1000">
+              <a:t>Strategic</a:t>
+            </a:r>
+            <a:r>
+              <a:rPr lang="en-US" sz="1000">
                 <a:solidFill>
                   <a:srgbClr val="1F1F1F"/>
                 </a:solidFill>
                 <a:latin typeface="Adobe Clean Light" panose="020B0303020404020204" pitchFamily="34" charset="0"/>
                 <a:cs typeface="AdobeClean-Light"/>
               </a:rPr>
-              <a:t>。</a:t>
+              <a:t>.</a:t>
             </a:r>
             <a:endParaRPr lang="en-US" sz="1000" b="1">
               <a:solidFill>
@@ -12488,8 +14796,8 @@
           <a:p>
             <a:pPr algn="ctr"/>
             <a:r>
-              <a:rPr lang="de-de" sz="1100"/>
-              <a:t>上線</a:t>
+              <a:rPr lang="en-US" sz="1100"/>
+              <a:t>Go-Live</a:t>
             </a:r>
           </a:p>
         </p:txBody>
@@ -12524,8 +14832,8 @@
           <a:p>
             <a:pPr algn="ctr"/>
             <a:r>
-              <a:rPr lang="de-de" sz="1100"/>
-              <a:t>定義</a:t>
+              <a:rPr lang="en-US" sz="1100"/>
+              <a:t>Define</a:t>
             </a:r>
           </a:p>
         </p:txBody>
@@ -12560,8 +14868,8 @@
           <a:p>
             <a:pPr algn="ctr"/>
             <a:r>
-              <a:rPr lang="de-de" sz="1100"/>
-              <a:t>開展</a:t>
+              <a:rPr lang="en-US" sz="1100"/>
+              <a:t>Kickoff</a:t>
             </a:r>
           </a:p>
         </p:txBody>
@@ -12596,8 +14904,8 @@
           <a:p>
             <a:pPr algn="ctr"/>
             <a:r>
-              <a:rPr lang="de-de" sz="1100"/>
-              <a:t>設計</a:t>
+              <a:rPr lang="en-US" sz="1100"/>
+              <a:t>Design</a:t>
             </a:r>
           </a:p>
         </p:txBody>
@@ -12654,746 +14962,18 @@
           <a:p>
             <a:pPr algn="ctr"/>
             <a:r>
-              <a:rPr lang="de-de">
+              <a:rPr lang="en-US">
                 <a:solidFill>
                   <a:schemeClr val="accent1">
                     <a:lumMod val="50000"/>
                   </a:schemeClr>
                 </a:solidFill>
               </a:rPr>
-              <a:t>每年 2 個活動</a:t>
+              <a:t>2 Activities per Year</a:t>
             </a:r>
           </a:p>
         </p:txBody>
       </p:sp>
-      <p:graphicFrame>
-        <p:nvGraphicFramePr>
-          <p:cNvPr id="43" name="Table 42">
-            <a:extLst>
-              <a:ext uri="{FF2B5EF4-FFF2-40B4-BE49-F238E27FC236}">
-                <a16:creationId xmlns:a16="http://schemas.microsoft.com/office/drawing/2014/main" id="{1D3ABED2-2902-5346-AD61-8791F4B24654}"/>
-              </a:ext>
-            </a:extLst>
-          </p:cNvPr>
-          <p:cNvGraphicFramePr>
-            <a:graphicFrameLocks noGrp="1"/>
-          </p:cNvGraphicFramePr>
-          <p:nvPr>
-            <p:extLst>
-              <p:ext uri="{D42A27DB-BD31-4B8C-83A1-F6EECF244321}">
-                <p14:modId xmlns:p14="http://schemas.microsoft.com/office/powerpoint/2010/main" val="3661084522"/>
-              </p:ext>
-            </p:extLst>
-          </p:nvPr>
-        </p:nvGraphicFramePr>
-        <p:xfrm>
-          <a:off x="1524000" y="7488265"/>
-          <a:ext cx="609600" cy="457200"/>
-        </p:xfrm>
-        <a:graphic>
-          <a:graphicData uri="http://schemas.openxmlformats.org/drawingml/2006/table">
-            <a:tbl>
-              <a:tblPr>
-                <a:tableStyleId>{5C22544A-7EE6-4342-B048-85BDC9FD1C3A}</a:tableStyleId>
-              </a:tblPr>
-              <a:tblGrid>
-                <a:gridCol w="609600">
-                  <a:extLst>
-                    <a:ext uri="{9D8B030D-6E8A-4147-A177-3AD203B41FA5}">
-                      <a16:colId xmlns:a16="http://schemas.microsoft.com/office/drawing/2014/main" val="1835503658"/>
-                    </a:ext>
-                  </a:extLst>
-                </a:gridCol>
-              </a:tblGrid>
-              <a:tr h="457200">
-                <a:tc>
-                  <a:txBody>
-                    <a:bodyPr/>
-                    <a:lstStyle/>
-                    <a:p>
-                      <a:pPr algn="ctr" fontAlgn="b"/>
-                      <a:r>
-                        <a:rPr lang="ko-KR" altLang="en-US" sz="1100" u="none" strike="noStrike" dirty="0" err="1">
-                          <a:effectLst/>
-                        </a:rPr>
-                        <a:t>上市諮詢</a:t>
-                      </a:r>
-                      <a:endParaRPr lang="ko-KR" altLang="en-US" sz="1100" b="0" i="0" u="none" strike="noStrike" dirty="0">
-                        <a:solidFill>
-                          <a:srgbClr val="000000"/>
-                        </a:solidFill>
-                        <a:effectLst/>
-                        <a:latin typeface="Calibri" panose="020F0502020204030204" pitchFamily="34" charset="0"/>
-                      </a:endParaRPr>
-                    </a:p>
-                  </a:txBody>
-                  <a:tcPr marL="9525" marR="9525" marT="9525" marB="0" anchor="ctr">
-                    <a:solidFill>
-                      <a:schemeClr val="bg1"/>
-                    </a:solidFill>
-                  </a:tcPr>
-                </a:tc>
-                <a:extLst>
-                  <a:ext uri="{0D108BD9-81ED-4DB2-BD59-A6C34878D82A}">
-                    <a16:rowId xmlns:a16="http://schemas.microsoft.com/office/drawing/2014/main" val="2771767287"/>
-                  </a:ext>
-                </a:extLst>
-              </a:tr>
-            </a:tbl>
-          </a:graphicData>
-        </a:graphic>
-      </p:graphicFrame>
-      <p:graphicFrame>
-        <p:nvGraphicFramePr>
-          <p:cNvPr id="44" name="Table 43">
-            <a:extLst>
-              <a:ext uri="{FF2B5EF4-FFF2-40B4-BE49-F238E27FC236}">
-                <a16:creationId xmlns:a16="http://schemas.microsoft.com/office/drawing/2014/main" id="{9FA2B8AA-2505-1046-B10D-83D9B1F93495}"/>
-              </a:ext>
-            </a:extLst>
-          </p:cNvPr>
-          <p:cNvGraphicFramePr>
-            <a:graphicFrameLocks noGrp="1"/>
-          </p:cNvGraphicFramePr>
-          <p:nvPr>
-            <p:extLst>
-              <p:ext uri="{D42A27DB-BD31-4B8C-83A1-F6EECF244321}">
-                <p14:modId xmlns:p14="http://schemas.microsoft.com/office/powerpoint/2010/main" val="736048030"/>
-              </p:ext>
-            </p:extLst>
-          </p:nvPr>
-        </p:nvGraphicFramePr>
-        <p:xfrm>
-          <a:off x="1524000" y="6345265"/>
-          <a:ext cx="609600" cy="457200"/>
-        </p:xfrm>
-        <a:graphic>
-          <a:graphicData uri="http://schemas.openxmlformats.org/drawingml/2006/table">
-            <a:tbl>
-              <a:tblPr>
-                <a:tableStyleId>{5C22544A-7EE6-4342-B048-85BDC9FD1C3A}</a:tableStyleId>
-              </a:tblPr>
-              <a:tblGrid>
-                <a:gridCol w="609600">
-                  <a:extLst>
-                    <a:ext uri="{9D8B030D-6E8A-4147-A177-3AD203B41FA5}">
-                      <a16:colId xmlns:a16="http://schemas.microsoft.com/office/drawing/2014/main" val="1835503658"/>
-                    </a:ext>
-                  </a:extLst>
-                </a:gridCol>
-              </a:tblGrid>
-              <a:tr h="457200">
-                <a:tc>
-                  <a:txBody>
-                    <a:bodyPr/>
-                    <a:lstStyle/>
-                    <a:p>
-                      <a:pPr algn="ctr" fontAlgn="b"/>
-                      <a:r>
-                        <a:rPr lang="ko-KR" altLang="en-US" sz="800" u="none" strike="noStrike" dirty="0" err="1">
-                          <a:effectLst/>
-                          <a:latin typeface="Adobe Clean" panose="020B0503020404020204" pitchFamily="34" charset="0"/>
-                        </a:rPr>
-                        <a:t>資深</a:t>
-                      </a:r>
-                      <a:r>
-                        <a:rPr lang="ko-KR" altLang="en-US" sz="800" u="none" strike="noStrike" dirty="0">
-                          <a:effectLst/>
-                          <a:latin typeface="Adobe Clean" panose="020B0503020404020204" pitchFamily="34" charset="0"/>
-                        </a:rPr>
-                        <a:t> </a:t>
-                      </a:r>
-                      <a:r>
-                        <a:rPr lang="en-US" altLang="ko-KR" sz="800" u="none" strike="noStrike" dirty="0">
-                          <a:effectLst/>
-                          <a:latin typeface="Adobe Clean" panose="020B0503020404020204" pitchFamily="34" charset="0"/>
-                        </a:rPr>
-                        <a:t>Adobe </a:t>
-                      </a:r>
-                      <a:r>
-                        <a:rPr lang="ko-KR" altLang="en-US" sz="800" u="none" strike="noStrike" dirty="0" err="1">
-                          <a:effectLst/>
-                          <a:latin typeface="Adobe Clean" panose="020B0503020404020204" pitchFamily="34" charset="0"/>
-                        </a:rPr>
-                        <a:t>專業知識</a:t>
-                      </a:r>
-                      <a:endParaRPr lang="ko-KR" altLang="en-US" sz="800" b="0" i="0" u="none" strike="noStrike" dirty="0">
-                        <a:solidFill>
-                          <a:srgbClr val="000000"/>
-                        </a:solidFill>
-                        <a:effectLst/>
-                        <a:latin typeface="Adobe Clean" panose="020B0503020404020204" pitchFamily="34" charset="0"/>
-                      </a:endParaRPr>
-                    </a:p>
-                  </a:txBody>
-                  <a:tcPr marL="9525" marR="9525" marT="9525" marB="0">
-                    <a:solidFill>
-                      <a:schemeClr val="bg1"/>
-                    </a:solidFill>
-                  </a:tcPr>
-                </a:tc>
-                <a:extLst>
-                  <a:ext uri="{0D108BD9-81ED-4DB2-BD59-A6C34878D82A}">
-                    <a16:rowId xmlns:a16="http://schemas.microsoft.com/office/drawing/2014/main" val="2771767287"/>
-                  </a:ext>
-                </a:extLst>
-              </a:tr>
-            </a:tbl>
-          </a:graphicData>
-        </a:graphic>
-      </p:graphicFrame>
-      <p:graphicFrame>
-        <p:nvGraphicFramePr>
-          <p:cNvPr id="45" name="Table 44">
-            <a:extLst>
-              <a:ext uri="{FF2B5EF4-FFF2-40B4-BE49-F238E27FC236}">
-                <a16:creationId xmlns:a16="http://schemas.microsoft.com/office/drawing/2014/main" id="{E731F3F0-095B-7147-AA58-BAFE19529903}"/>
-              </a:ext>
-            </a:extLst>
-          </p:cNvPr>
-          <p:cNvGraphicFramePr>
-            <a:graphicFrameLocks noGrp="1"/>
-          </p:cNvGraphicFramePr>
-          <p:nvPr>
-            <p:extLst>
-              <p:ext uri="{D42A27DB-BD31-4B8C-83A1-F6EECF244321}">
-                <p14:modId xmlns:p14="http://schemas.microsoft.com/office/powerpoint/2010/main" val="3469511024"/>
-              </p:ext>
-            </p:extLst>
-          </p:nvPr>
-        </p:nvGraphicFramePr>
-        <p:xfrm>
-          <a:off x="2514600" y="6650065"/>
-          <a:ext cx="609600" cy="457200"/>
-        </p:xfrm>
-        <a:graphic>
-          <a:graphicData uri="http://schemas.openxmlformats.org/drawingml/2006/table">
-            <a:tbl>
-              <a:tblPr>
-                <a:tableStyleId>{5C22544A-7EE6-4342-B048-85BDC9FD1C3A}</a:tableStyleId>
-              </a:tblPr>
-              <a:tblGrid>
-                <a:gridCol w="609600">
-                  <a:extLst>
-                    <a:ext uri="{9D8B030D-6E8A-4147-A177-3AD203B41FA5}">
-                      <a16:colId xmlns:a16="http://schemas.microsoft.com/office/drawing/2014/main" val="1835503658"/>
-                    </a:ext>
-                  </a:extLst>
-                </a:gridCol>
-              </a:tblGrid>
-              <a:tr h="457200">
-                <a:tc>
-                  <a:txBody>
-                    <a:bodyPr/>
-                    <a:lstStyle/>
-                    <a:p>
-                      <a:pPr algn="ctr" fontAlgn="b"/>
-                      <a:r>
-                        <a:rPr lang="ja-JP" altLang="en-US" sz="800" u="none" strike="noStrike">
-                          <a:effectLst/>
-                          <a:latin typeface="Adobe Clean" panose="020B0503020404020204" pitchFamily="34" charset="0"/>
-                        </a:rPr>
-                        <a:t>直接聯繫 </a:t>
-                      </a:r>
-                      <a:r>
-                        <a:rPr lang="en-US" altLang="ko-KR" sz="800" u="none" strike="noStrike" dirty="0">
-                          <a:effectLst/>
-                          <a:latin typeface="Adobe Clean" panose="020B0503020404020204" pitchFamily="34" charset="0"/>
-                        </a:rPr>
-                        <a:t>Adobe </a:t>
-                      </a:r>
-                      <a:r>
-                        <a:rPr lang="ja-JP" altLang="en-US" sz="800" u="none" strike="noStrike">
-                          <a:effectLst/>
-                          <a:latin typeface="Adobe Clean" panose="020B0503020404020204" pitchFamily="34" charset="0"/>
-                        </a:rPr>
-                        <a:t>工程部</a:t>
-                      </a:r>
-                      <a:endParaRPr lang="ko-KR" altLang="en-US" sz="800" b="0" i="0" u="none" strike="noStrike" dirty="0">
-                        <a:solidFill>
-                          <a:srgbClr val="000000"/>
-                        </a:solidFill>
-                        <a:effectLst/>
-                        <a:latin typeface="Adobe Clean" panose="020B0503020404020204" pitchFamily="34" charset="0"/>
-                      </a:endParaRPr>
-                    </a:p>
-                  </a:txBody>
-                  <a:tcPr marL="9525" marR="9525" marT="9525" marB="0">
-                    <a:solidFill>
-                      <a:schemeClr val="bg1"/>
-                    </a:solidFill>
-                  </a:tcPr>
-                </a:tc>
-                <a:extLst>
-                  <a:ext uri="{0D108BD9-81ED-4DB2-BD59-A6C34878D82A}">
-                    <a16:rowId xmlns:a16="http://schemas.microsoft.com/office/drawing/2014/main" val="2771767287"/>
-                  </a:ext>
-                </a:extLst>
-              </a:tr>
-            </a:tbl>
-          </a:graphicData>
-        </a:graphic>
-      </p:graphicFrame>
-      <p:graphicFrame>
-        <p:nvGraphicFramePr>
-          <p:cNvPr id="46" name="Table 45">
-            <a:extLst>
-              <a:ext uri="{FF2B5EF4-FFF2-40B4-BE49-F238E27FC236}">
-                <a16:creationId xmlns:a16="http://schemas.microsoft.com/office/drawing/2014/main" id="{59AD68C2-C0C9-B74C-87B5-56A08A7382DD}"/>
-              </a:ext>
-            </a:extLst>
-          </p:cNvPr>
-          <p:cNvGraphicFramePr>
-            <a:graphicFrameLocks noGrp="1"/>
-          </p:cNvGraphicFramePr>
-          <p:nvPr>
-            <p:extLst>
-              <p:ext uri="{D42A27DB-BD31-4B8C-83A1-F6EECF244321}">
-                <p14:modId xmlns:p14="http://schemas.microsoft.com/office/powerpoint/2010/main" val="477747724"/>
-              </p:ext>
-            </p:extLst>
-          </p:nvPr>
-        </p:nvGraphicFramePr>
-        <p:xfrm>
-          <a:off x="2819400" y="7793064"/>
-          <a:ext cx="609600" cy="665135"/>
-        </p:xfrm>
-        <a:graphic>
-          <a:graphicData uri="http://schemas.openxmlformats.org/drawingml/2006/table">
-            <a:tbl>
-              <a:tblPr>
-                <a:tableStyleId>{5C22544A-7EE6-4342-B048-85BDC9FD1C3A}</a:tableStyleId>
-              </a:tblPr>
-              <a:tblGrid>
-                <a:gridCol w="609600">
-                  <a:extLst>
-                    <a:ext uri="{9D8B030D-6E8A-4147-A177-3AD203B41FA5}">
-                      <a16:colId xmlns:a16="http://schemas.microsoft.com/office/drawing/2014/main" val="1835503658"/>
-                    </a:ext>
-                  </a:extLst>
-                </a:gridCol>
-              </a:tblGrid>
-              <a:tr h="665135">
-                <a:tc>
-                  <a:txBody>
-                    <a:bodyPr/>
-                    <a:lstStyle/>
-                    <a:p>
-                      <a:pPr algn="ctr" fontAlgn="b"/>
-                      <a:r>
-                        <a:rPr lang="ko-KR" altLang="en-US" sz="800" u="none" strike="noStrike" dirty="0" err="1">
-                          <a:effectLst/>
-                          <a:latin typeface="Adobe Clean" panose="020B0503020404020204" pitchFamily="34" charset="0"/>
-                        </a:rPr>
-                        <a:t>含建議後續步驟的上市後摘要</a:t>
-                      </a:r>
-                      <a:endParaRPr lang="ko-KR" altLang="en-US" sz="800" b="0" i="0" u="none" strike="noStrike" dirty="0">
-                        <a:solidFill>
-                          <a:srgbClr val="000000"/>
-                        </a:solidFill>
-                        <a:effectLst/>
-                        <a:latin typeface="Adobe Clean" panose="020B0503020404020204" pitchFamily="34" charset="0"/>
-                      </a:endParaRPr>
-                    </a:p>
-                  </a:txBody>
-                  <a:tcPr marL="9525" marR="9525" marT="9525" marB="0">
-                    <a:solidFill>
-                      <a:schemeClr val="bg1"/>
-                    </a:solidFill>
-                  </a:tcPr>
-                </a:tc>
-                <a:extLst>
-                  <a:ext uri="{0D108BD9-81ED-4DB2-BD59-A6C34878D82A}">
-                    <a16:rowId xmlns:a16="http://schemas.microsoft.com/office/drawing/2014/main" val="2771767287"/>
-                  </a:ext>
-                </a:extLst>
-              </a:tr>
-            </a:tbl>
-          </a:graphicData>
-        </a:graphic>
-      </p:graphicFrame>
-      <p:graphicFrame>
-        <p:nvGraphicFramePr>
-          <p:cNvPr id="47" name="Table 46">
-            <a:extLst>
-              <a:ext uri="{FF2B5EF4-FFF2-40B4-BE49-F238E27FC236}">
-                <a16:creationId xmlns:a16="http://schemas.microsoft.com/office/drawing/2014/main" id="{FFD4AA75-4372-D548-8A65-95953E5BB6E8}"/>
-              </a:ext>
-            </a:extLst>
-          </p:cNvPr>
-          <p:cNvGraphicFramePr>
-            <a:graphicFrameLocks noGrp="1"/>
-          </p:cNvGraphicFramePr>
-          <p:nvPr>
-            <p:extLst>
-              <p:ext uri="{D42A27DB-BD31-4B8C-83A1-F6EECF244321}">
-                <p14:modId xmlns:p14="http://schemas.microsoft.com/office/powerpoint/2010/main" val="2446713920"/>
-              </p:ext>
-            </p:extLst>
-          </p:nvPr>
-        </p:nvGraphicFramePr>
-        <p:xfrm>
-          <a:off x="2057400" y="8707464"/>
-          <a:ext cx="609600" cy="588935"/>
-        </p:xfrm>
-        <a:graphic>
-          <a:graphicData uri="http://schemas.openxmlformats.org/drawingml/2006/table">
-            <a:tbl>
-              <a:tblPr>
-                <a:tableStyleId>{5C22544A-7EE6-4342-B048-85BDC9FD1C3A}</a:tableStyleId>
-              </a:tblPr>
-              <a:tblGrid>
-                <a:gridCol w="609600">
-                  <a:extLst>
-                    <a:ext uri="{9D8B030D-6E8A-4147-A177-3AD203B41FA5}">
-                      <a16:colId xmlns:a16="http://schemas.microsoft.com/office/drawing/2014/main" val="1835503658"/>
-                    </a:ext>
-                  </a:extLst>
-                </a:gridCol>
-              </a:tblGrid>
-              <a:tr h="588935">
-                <a:tc>
-                  <a:txBody>
-                    <a:bodyPr/>
-                    <a:lstStyle/>
-                    <a:p>
-                      <a:pPr algn="ctr" fontAlgn="b"/>
-                      <a:r>
-                        <a:rPr lang="ko-KR" altLang="en-US" sz="800" u="none" strike="noStrike" dirty="0" err="1">
-                          <a:effectLst/>
-                          <a:latin typeface="Adobe Clean" panose="020B0503020404020204" pitchFamily="34" charset="0"/>
-                        </a:rPr>
-                        <a:t>上線整備</a:t>
-                      </a:r>
-                      <a:r>
-                        <a:rPr lang="ko-KR" altLang="en-US" sz="800" u="none" strike="noStrike" dirty="0">
-                          <a:effectLst/>
-                          <a:latin typeface="Adobe Clean" panose="020B0503020404020204" pitchFamily="34" charset="0"/>
-                        </a:rPr>
-                        <a:t> </a:t>
-                      </a:r>
-                      <a:r>
-                        <a:rPr lang="en-US" altLang="ko-KR" sz="800" u="none" strike="noStrike" dirty="0">
-                          <a:effectLst/>
-                          <a:latin typeface="Adobe Clean" panose="020B0503020404020204" pitchFamily="34" charset="0"/>
-                        </a:rPr>
-                        <a:t>+ </a:t>
-                      </a:r>
-                      <a:r>
-                        <a:rPr lang="ko-KR" altLang="en-US" sz="800" u="none" strike="noStrike" dirty="0" err="1">
-                          <a:effectLst/>
-                          <a:latin typeface="Adobe Clean" panose="020B0503020404020204" pitchFamily="34" charset="0"/>
-                        </a:rPr>
-                        <a:t>效能最佳化</a:t>
-                      </a:r>
-                      <a:endParaRPr lang="ko-KR" altLang="en-US" sz="800" b="0" i="0" u="none" strike="noStrike" dirty="0">
-                        <a:solidFill>
-                          <a:srgbClr val="000000"/>
-                        </a:solidFill>
-                        <a:effectLst/>
-                        <a:latin typeface="Adobe Clean" panose="020B0503020404020204" pitchFamily="34" charset="0"/>
-                      </a:endParaRPr>
-                    </a:p>
-                  </a:txBody>
-                  <a:tcPr marL="9525" marR="9525" marT="9525" marB="0">
-                    <a:solidFill>
-                      <a:schemeClr val="bg1"/>
-                    </a:solidFill>
-                  </a:tcPr>
-                </a:tc>
-                <a:extLst>
-                  <a:ext uri="{0D108BD9-81ED-4DB2-BD59-A6C34878D82A}">
-                    <a16:rowId xmlns:a16="http://schemas.microsoft.com/office/drawing/2014/main" val="2771767287"/>
-                  </a:ext>
-                </a:extLst>
-              </a:tr>
-            </a:tbl>
-          </a:graphicData>
-        </a:graphic>
-      </p:graphicFrame>
-      <p:graphicFrame>
-        <p:nvGraphicFramePr>
-          <p:cNvPr id="48" name="Table 47">
-            <a:extLst>
-              <a:ext uri="{FF2B5EF4-FFF2-40B4-BE49-F238E27FC236}">
-                <a16:creationId xmlns:a16="http://schemas.microsoft.com/office/drawing/2014/main" id="{B22514A3-F0CD-1F44-8671-55B836DC891A}"/>
-              </a:ext>
-            </a:extLst>
-          </p:cNvPr>
-          <p:cNvGraphicFramePr>
-            <a:graphicFrameLocks noGrp="1"/>
-          </p:cNvGraphicFramePr>
-          <p:nvPr>
-            <p:extLst>
-              <p:ext uri="{D42A27DB-BD31-4B8C-83A1-F6EECF244321}">
-                <p14:modId xmlns:p14="http://schemas.microsoft.com/office/powerpoint/2010/main" val="3387353005"/>
-              </p:ext>
-            </p:extLst>
-          </p:nvPr>
-        </p:nvGraphicFramePr>
-        <p:xfrm>
-          <a:off x="990600" y="8707465"/>
-          <a:ext cx="609600" cy="457200"/>
-        </p:xfrm>
-        <a:graphic>
-          <a:graphicData uri="http://schemas.openxmlformats.org/drawingml/2006/table">
-            <a:tbl>
-              <a:tblPr>
-                <a:tableStyleId>{5C22544A-7EE6-4342-B048-85BDC9FD1C3A}</a:tableStyleId>
-              </a:tblPr>
-              <a:tblGrid>
-                <a:gridCol w="609600">
-                  <a:extLst>
-                    <a:ext uri="{9D8B030D-6E8A-4147-A177-3AD203B41FA5}">
-                      <a16:colId xmlns:a16="http://schemas.microsoft.com/office/drawing/2014/main" val="1835503658"/>
-                    </a:ext>
-                  </a:extLst>
-                </a:gridCol>
-              </a:tblGrid>
-              <a:tr h="457200">
-                <a:tc>
-                  <a:txBody>
-                    <a:bodyPr/>
-                    <a:lstStyle/>
-                    <a:p>
-                      <a:pPr algn="ctr" fontAlgn="b"/>
-                      <a:r>
-                        <a:rPr lang="ko-KR" altLang="en-US" sz="800" u="none" strike="noStrike" dirty="0">
-                          <a:effectLst/>
-                          <a:latin typeface="Adobe Clean" panose="020B0503020404020204" pitchFamily="34" charset="0"/>
-                        </a:rPr>
-                        <a:t> </a:t>
-                      </a:r>
-                      <a:r>
-                        <a:rPr lang="ko-KR" altLang="en-US" sz="800" u="none" strike="noStrike" dirty="0" err="1">
-                          <a:effectLst/>
-                          <a:latin typeface="Adobe Clean" panose="020B0503020404020204" pitchFamily="34" charset="0"/>
-                        </a:rPr>
-                        <a:t>架構審核</a:t>
-                      </a:r>
-                      <a:r>
-                        <a:rPr lang="ko-KR" altLang="en-US" sz="800" u="none" strike="noStrike" dirty="0">
-                          <a:effectLst/>
-                          <a:latin typeface="Adobe Clean" panose="020B0503020404020204" pitchFamily="34" charset="0"/>
-                        </a:rPr>
-                        <a:t> </a:t>
-                      </a:r>
-                      <a:r>
-                        <a:rPr lang="en-US" altLang="ko-KR" sz="800" u="none" strike="noStrike" dirty="0">
-                          <a:effectLst/>
-                          <a:latin typeface="Adobe Clean" panose="020B0503020404020204" pitchFamily="34" charset="0"/>
-                        </a:rPr>
-                        <a:t>+ </a:t>
-                      </a:r>
-                      <a:r>
-                        <a:rPr lang="ko-KR" altLang="en-US" sz="800" u="none" strike="noStrike" dirty="0" err="1">
-                          <a:effectLst/>
-                          <a:latin typeface="Adobe Clean" panose="020B0503020404020204" pitchFamily="34" charset="0"/>
-                        </a:rPr>
-                        <a:t>指導方針</a:t>
-                      </a:r>
-                      <a:endParaRPr lang="ko-KR" altLang="en-US" sz="800" b="0" i="0" u="none" strike="noStrike" dirty="0">
-                        <a:solidFill>
-                          <a:srgbClr val="000000"/>
-                        </a:solidFill>
-                        <a:effectLst/>
-                        <a:latin typeface="Adobe Clean" panose="020B0503020404020204" pitchFamily="34" charset="0"/>
-                      </a:endParaRPr>
-                    </a:p>
-                  </a:txBody>
-                  <a:tcPr marL="9525" marR="9525" marT="9525" marB="0">
-                    <a:solidFill>
-                      <a:schemeClr val="bg1"/>
-                    </a:solidFill>
-                  </a:tcPr>
-                </a:tc>
-                <a:extLst>
-                  <a:ext uri="{0D108BD9-81ED-4DB2-BD59-A6C34878D82A}">
-                    <a16:rowId xmlns:a16="http://schemas.microsoft.com/office/drawing/2014/main" val="2771767287"/>
-                  </a:ext>
-                </a:extLst>
-              </a:tr>
-            </a:tbl>
-          </a:graphicData>
-        </a:graphic>
-      </p:graphicFrame>
-      <p:graphicFrame>
-        <p:nvGraphicFramePr>
-          <p:cNvPr id="49" name="Table 48">
-            <a:extLst>
-              <a:ext uri="{FF2B5EF4-FFF2-40B4-BE49-F238E27FC236}">
-                <a16:creationId xmlns:a16="http://schemas.microsoft.com/office/drawing/2014/main" id="{5E584A08-DDE5-0945-9EF0-308782D9FB34}"/>
-              </a:ext>
-            </a:extLst>
-          </p:cNvPr>
-          <p:cNvGraphicFramePr>
-            <a:graphicFrameLocks noGrp="1"/>
-          </p:cNvGraphicFramePr>
-          <p:nvPr>
-            <p:extLst>
-              <p:ext uri="{D42A27DB-BD31-4B8C-83A1-F6EECF244321}">
-                <p14:modId xmlns:p14="http://schemas.microsoft.com/office/powerpoint/2010/main" val="2632618095"/>
-              </p:ext>
-            </p:extLst>
-          </p:nvPr>
-        </p:nvGraphicFramePr>
-        <p:xfrm>
-          <a:off x="304800" y="7793065"/>
-          <a:ext cx="609600" cy="457200"/>
-        </p:xfrm>
-        <a:graphic>
-          <a:graphicData uri="http://schemas.openxmlformats.org/drawingml/2006/table">
-            <a:tbl>
-              <a:tblPr>
-                <a:tableStyleId>{5C22544A-7EE6-4342-B048-85BDC9FD1C3A}</a:tableStyleId>
-              </a:tblPr>
-              <a:tblGrid>
-                <a:gridCol w="609600">
-                  <a:extLst>
-                    <a:ext uri="{9D8B030D-6E8A-4147-A177-3AD203B41FA5}">
-                      <a16:colId xmlns:a16="http://schemas.microsoft.com/office/drawing/2014/main" val="1835503658"/>
-                    </a:ext>
-                  </a:extLst>
-                </a:gridCol>
-              </a:tblGrid>
-              <a:tr h="457200">
-                <a:tc>
-                  <a:txBody>
-                    <a:bodyPr/>
-                    <a:lstStyle/>
-                    <a:p>
-                      <a:pPr algn="ctr" fontAlgn="b"/>
-                      <a:r>
-                        <a:rPr lang="ko-KR" altLang="en-US" sz="800" u="none" strike="noStrike" dirty="0" err="1">
-                          <a:effectLst/>
-                          <a:latin typeface="Adobe Clean" panose="020B0503020404020204" pitchFamily="34" charset="0"/>
-                        </a:rPr>
-                        <a:t>專案藍圖</a:t>
-                      </a:r>
-                      <a:r>
-                        <a:rPr lang="ko-KR" altLang="en-US" sz="800" u="none" strike="noStrike" dirty="0">
-                          <a:effectLst/>
-                          <a:latin typeface="Adobe Clean" panose="020B0503020404020204" pitchFamily="34" charset="0"/>
-                        </a:rPr>
-                        <a:t> </a:t>
-                      </a:r>
-                      <a:r>
-                        <a:rPr lang="en-US" altLang="ko-KR" sz="800" u="none" strike="noStrike" dirty="0">
-                          <a:effectLst/>
-                          <a:latin typeface="Adobe Clean" panose="020B0503020404020204" pitchFamily="34" charset="0"/>
-                        </a:rPr>
-                        <a:t>+ </a:t>
-                      </a:r>
-                      <a:r>
-                        <a:rPr lang="ko-KR" altLang="en-US" sz="800" u="none" strike="noStrike" dirty="0" err="1">
-                          <a:effectLst/>
-                          <a:latin typeface="Adobe Clean" panose="020B0503020404020204" pitchFamily="34" charset="0"/>
-                        </a:rPr>
-                        <a:t>規劃</a:t>
-                      </a:r>
-                      <a:endParaRPr lang="ko-KR" altLang="en-US" sz="800" b="0" i="0" u="none" strike="noStrike" dirty="0">
-                        <a:solidFill>
-                          <a:srgbClr val="000000"/>
-                        </a:solidFill>
-                        <a:effectLst/>
-                        <a:latin typeface="Adobe Clean" panose="020B0503020404020204" pitchFamily="34" charset="0"/>
-                      </a:endParaRPr>
-                    </a:p>
-                  </a:txBody>
-                  <a:tcPr marL="9525" marR="9525" marT="9525" marB="0">
-                    <a:solidFill>
-                      <a:schemeClr val="bg1"/>
-                    </a:solidFill>
-                  </a:tcPr>
-                </a:tc>
-                <a:extLst>
-                  <a:ext uri="{0D108BD9-81ED-4DB2-BD59-A6C34878D82A}">
-                    <a16:rowId xmlns:a16="http://schemas.microsoft.com/office/drawing/2014/main" val="2771767287"/>
-                  </a:ext>
-                </a:extLst>
-              </a:tr>
-            </a:tbl>
-          </a:graphicData>
-        </a:graphic>
-      </p:graphicFrame>
-      <p:graphicFrame>
-        <p:nvGraphicFramePr>
-          <p:cNvPr id="50" name="Table 49">
-            <a:extLst>
-              <a:ext uri="{FF2B5EF4-FFF2-40B4-BE49-F238E27FC236}">
-                <a16:creationId xmlns:a16="http://schemas.microsoft.com/office/drawing/2014/main" id="{9F217B3A-90E1-5E44-B78A-AE1880016A64}"/>
-              </a:ext>
-            </a:extLst>
-          </p:cNvPr>
-          <p:cNvGraphicFramePr>
-            <a:graphicFrameLocks noGrp="1"/>
-          </p:cNvGraphicFramePr>
-          <p:nvPr>
-            <p:extLst>
-              <p:ext uri="{D42A27DB-BD31-4B8C-83A1-F6EECF244321}">
-                <p14:modId xmlns:p14="http://schemas.microsoft.com/office/powerpoint/2010/main" val="3488793164"/>
-              </p:ext>
-            </p:extLst>
-          </p:nvPr>
-        </p:nvGraphicFramePr>
-        <p:xfrm>
-          <a:off x="609600" y="6650065"/>
-          <a:ext cx="609600" cy="497205"/>
-        </p:xfrm>
-        <a:graphic>
-          <a:graphicData uri="http://schemas.openxmlformats.org/drawingml/2006/table">
-            <a:tbl>
-              <a:tblPr>
-                <a:tableStyleId>{5C22544A-7EE6-4342-B048-85BDC9FD1C3A}</a:tableStyleId>
-              </a:tblPr>
-              <a:tblGrid>
-                <a:gridCol w="609600">
-                  <a:extLst>
-                    <a:ext uri="{9D8B030D-6E8A-4147-A177-3AD203B41FA5}">
-                      <a16:colId xmlns:a16="http://schemas.microsoft.com/office/drawing/2014/main" val="1835503658"/>
-                    </a:ext>
-                  </a:extLst>
-                </a:gridCol>
-              </a:tblGrid>
-              <a:tr h="457200">
-                <a:tc>
-                  <a:txBody>
-                    <a:bodyPr/>
-                    <a:lstStyle/>
-                    <a:p>
-                      <a:pPr algn="ctr" fontAlgn="b"/>
-                      <a:r>
-                        <a:rPr lang="ko-KR" altLang="en-US" sz="800" u="none" strike="noStrike" dirty="0" err="1">
-                          <a:effectLst/>
-                          <a:latin typeface="Adobe Clean" panose="020B0503020404020204" pitchFamily="34" charset="0"/>
-                        </a:rPr>
-                        <a:t>從數以千計的部署和整合中獲得經驗</a:t>
-                      </a:r>
-                      <a:endParaRPr lang="ko-KR" altLang="en-US" sz="800" b="0" i="0" u="none" strike="noStrike" dirty="0">
-                        <a:solidFill>
-                          <a:srgbClr val="000000"/>
-                        </a:solidFill>
-                        <a:effectLst/>
-                        <a:latin typeface="Adobe Clean" panose="020B0503020404020204" pitchFamily="34" charset="0"/>
-                      </a:endParaRPr>
-                    </a:p>
-                  </a:txBody>
-                  <a:tcPr marL="9525" marR="9525" marT="9525" marB="0">
-                    <a:solidFill>
-                      <a:schemeClr val="bg1"/>
-                    </a:solidFill>
-                  </a:tcPr>
-                </a:tc>
-                <a:extLst>
-                  <a:ext uri="{0D108BD9-81ED-4DB2-BD59-A6C34878D82A}">
-                    <a16:rowId xmlns:a16="http://schemas.microsoft.com/office/drawing/2014/main" val="2771767287"/>
-                  </a:ext>
-                </a:extLst>
-              </a:tr>
-            </a:tbl>
-          </a:graphicData>
-        </a:graphic>
-      </p:graphicFrame>
     </p:spTree>
     <p:extLst>
       <p:ext uri="{BB962C8B-B14F-4D97-AF65-F5344CB8AC3E}">
@@ -13451,17 +15031,17 @@
               </a:lnSpc>
             </a:pPr>
             <a:r>
-              <a:rPr lang="de-de" sz="500" spc="-5">
+              <a:rPr sz="500" spc="-5">
                 <a:solidFill>
                   <a:srgbClr val="6C6C6C"/>
                 </a:solidFill>
                 <a:latin typeface="Adobe Clean"/>
                 <a:cs typeface="Adobe Clean"/>
               </a:rPr>
-              <a:t>© 2020 Adobe. All rights reserved.</a:t>
-            </a:r>
-            <a:r>
-              <a:rPr lang="de-de" sz="500">
+              <a:t>©2020 Adobe. All Rights Reserved. </a:t>
+            </a:r>
+            <a:r>
+              <a:rPr sz="500">
                 <a:solidFill>
                   <a:srgbClr val="6C6C6C"/>
                 </a:solidFill>
@@ -13471,7 +15051,7 @@
               <a:t>Adobe</a:t>
             </a:r>
             <a:r>
-              <a:rPr lang="de-de" sz="500" spc="5">
+              <a:rPr sz="500" spc="5">
                 <a:solidFill>
                   <a:srgbClr val="6C6C6C"/>
                 </a:solidFill>
@@ -13481,14 +15061,14 @@
               <a:t> </a:t>
             </a:r>
             <a:r>
-              <a:rPr lang="de-de" sz="500" spc="-5">
+              <a:rPr sz="500" spc="-5">
                 <a:solidFill>
                   <a:srgbClr val="6C6C6C"/>
                 </a:solidFill>
                 <a:latin typeface="Adobe Clean"/>
                 <a:cs typeface="Adobe Clean"/>
               </a:rPr>
-              <a:t> 機密資訊。</a:t>
+              <a:t>Confidential.</a:t>
             </a:r>
             <a:endParaRPr sz="500">
               <a:latin typeface="Adobe Clean"/>
@@ -13519,17 +15099,17 @@
               </a:spcBef>
             </a:pPr>
             <a:r>
-              <a:rPr lang="de-de" sz="800" spc="-5">
+              <a:rPr sz="800" spc="-5">
                 <a:solidFill>
                   <a:srgbClr val="6D6D6D"/>
                 </a:solidFill>
                 <a:latin typeface="Adobe Clean"/>
                 <a:cs typeface="Adobe Clean"/>
               </a:rPr>
-              <a:t>© 2020 Adobe. All rights reserved.Adobe</a:t>
-            </a:r>
-            <a:r>
-              <a:rPr lang="de-de" sz="800" spc="75">
+              <a:t>©2020 Adobe. All Rights Reserved. Adobe</a:t>
+            </a:r>
+            <a:r>
+              <a:rPr sz="800" spc="75">
                 <a:solidFill>
                   <a:srgbClr val="6D6D6D"/>
                 </a:solidFill>
@@ -13539,14 +15119,14 @@
               <a:t> </a:t>
             </a:r>
             <a:r>
-              <a:rPr lang="de-de" sz="800" spc="-5">
+              <a:rPr sz="800" spc="-5">
                 <a:solidFill>
                   <a:srgbClr val="6D6D6D"/>
                 </a:solidFill>
                 <a:latin typeface="Adobe Clean"/>
                 <a:cs typeface="Adobe Clean"/>
               </a:rPr>
-              <a:t>機密資訊。</a:t>
+              <a:t>Confidential.</a:t>
             </a:r>
             <a:endParaRPr sz="800">
               <a:latin typeface="Adobe Clean"/>
@@ -13613,7 +15193,7 @@
         </p:nvSpPr>
         <p:spPr>
           <a:xfrm>
-            <a:off x="1070991" y="562540"/>
+            <a:off x="170410" y="575594"/>
             <a:ext cx="3476626" cy="332783"/>
           </a:xfrm>
           <a:prstGeom prst="rect">
@@ -13635,14 +15215,14 @@
               </a:spcBef>
             </a:pPr>
             <a:r>
-              <a:rPr lang="de-de" sz="1400" b="1" spc="-15">
-                <a:solidFill>
-                  <a:srgbClr val="020302"/>
-                </a:solidFill>
-                <a:latin typeface="Adobe Clean"/>
-                <a:cs typeface="Adobe Clean"/>
-              </a:rPr>
-              <a:t>資源</a:t>
+              <a:rPr lang="en-US" sz="1400" b="1" spc="-15">
+                <a:solidFill>
+                  <a:srgbClr val="020302"/>
+                </a:solidFill>
+                <a:latin typeface="Adobe Clean"/>
+                <a:cs typeface="Adobe Clean"/>
+              </a:rPr>
+              <a:t>Resources</a:t>
             </a:r>
             <a:endParaRPr sz="1400">
               <a:latin typeface="Adobe Clean"/>
@@ -13681,7 +15261,7 @@
               </a:spcBef>
             </a:pPr>
             <a:r>
-              <a:rPr lang="de-de" sz="800" spc="-15">
+              <a:rPr sz="800" spc="-15">
                 <a:solidFill>
                   <a:srgbClr val="777879"/>
                 </a:solidFill>
@@ -13702,7 +15282,7 @@
               </a:lnSpc>
             </a:pPr>
             <a:r>
-              <a:rPr lang="de-de" sz="800" spc="-15">
+              <a:rPr sz="800" spc="-15">
                 <a:solidFill>
                   <a:srgbClr val="777879"/>
                 </a:solidFill>
@@ -13712,7 +15292,7 @@
               <a:t>345 Park</a:t>
             </a:r>
             <a:r>
-              <a:rPr lang="de-de" sz="800" spc="-100">
+              <a:rPr sz="800" spc="-100">
                 <a:solidFill>
                   <a:srgbClr val="777879"/>
                 </a:solidFill>
@@ -13722,7 +15302,7 @@
               <a:t> </a:t>
             </a:r>
             <a:r>
-              <a:rPr lang="de-de" sz="800" spc="-15">
+              <a:rPr sz="800" spc="-15">
                 <a:solidFill>
                   <a:srgbClr val="777879"/>
                 </a:solidFill>
@@ -13743,7 +15323,7 @@
               </a:lnSpc>
             </a:pPr>
             <a:r>
-              <a:rPr lang="de-de" sz="800" spc="-10">
+              <a:rPr sz="800" spc="-10">
                 <a:solidFill>
                   <a:srgbClr val="777879"/>
                 </a:solidFill>
@@ -13753,7 +15333,7 @@
               <a:t>San </a:t>
             </a:r>
             <a:r>
-              <a:rPr lang="de-de" sz="800" spc="-15">
+              <a:rPr sz="800" spc="-15">
                 <a:solidFill>
                   <a:srgbClr val="777879"/>
                 </a:solidFill>
@@ -13763,7 +15343,7 @@
               <a:t>Jose,</a:t>
             </a:r>
             <a:r>
-              <a:rPr lang="de-de" sz="800" spc="-140">
+              <a:rPr sz="800" spc="-140">
                 <a:solidFill>
                   <a:srgbClr val="777879"/>
                 </a:solidFill>
@@ -13773,7 +15353,7 @@
               <a:t> </a:t>
             </a:r>
             <a:r>
-              <a:rPr lang="de-de" sz="800" spc="-20">
+              <a:rPr sz="800" spc="-20">
                 <a:solidFill>
                   <a:srgbClr val="777879"/>
                 </a:solidFill>
@@ -13797,7 +15377,7 @@
               </a:spcBef>
             </a:pPr>
             <a:r>
-              <a:rPr lang="de-de" sz="800" spc="-10">
+              <a:rPr sz="800" spc="-10">
                 <a:solidFill>
                   <a:srgbClr val="777879"/>
                 </a:solidFill>
@@ -13821,7 +15401,7 @@
               </a:spcBef>
             </a:pPr>
             <a:r>
-              <a:rPr lang="de-de" sz="800" u="sng" spc="-25">
+              <a:rPr sz="800" u="sng" spc="-25">
                 <a:solidFill>
                   <a:srgbClr val="5F5F5F"/>
                 </a:solidFill>
@@ -13834,7 +15414,7 @@
                 <a:cs typeface="Adobe Clean"/>
                 <a:hlinkClick r:id="rId3"/>
               </a:rPr>
-              <a:t>www.adobe.com/tw/</a:t>
+              <a:t>www.adobe.com</a:t>
             </a:r>
             <a:endParaRPr sz="800">
               <a:latin typeface="Adobe Clean"/>
@@ -14000,7 +15580,7 @@
           </a:prstGeom>
         </p:spPr>
         <p:txBody>
-          <a:bodyPr vert="horz" wrap="square" lIns="0" tIns="29845" rIns="0" bIns="0" rtlCol="0">
+          <a:bodyPr vert="horz" wrap="square" lIns="0" tIns="29845" rIns="0" bIns="0" rtlCol="0" anchor="t">
             <a:spAutoFit/>
           </a:bodyPr>
           <a:lstStyle/>
@@ -14014,37 +15594,37 @@
               </a:spcBef>
             </a:pPr>
             <a:r>
-              <a:rPr lang="de-de" sz="1100" i="1" spc="-10">
+              <a:rPr sz="1100" i="1" spc="-10" dirty="0">
                 <a:solidFill>
                   <a:srgbClr val="777879"/>
                 </a:solidFill>
                 <a:latin typeface="AdobeClean-LightIt"/>
                 <a:cs typeface="AdobeClean-LightIt"/>
               </a:rPr>
-              <a:t>如需</a:t>
-            </a:r>
-            <a:r>
-              <a:rPr lang="de-de" sz="1100" i="1" spc="-15">
+              <a:t>To</a:t>
+            </a:r>
+            <a:r>
+              <a:rPr sz="1100" i="1" spc="-50" dirty="0">
                 <a:solidFill>
                   <a:srgbClr val="777879"/>
                 </a:solidFill>
                 <a:latin typeface="AdobeClean-LightIt"/>
                 <a:cs typeface="AdobeClean-LightIt"/>
               </a:rPr>
-              <a:t>了解</a:t>
-            </a:r>
-            <a:r>
-              <a:rPr lang="de-de" sz="1100" i="1" spc="-40">
+              <a:t> </a:t>
+            </a:r>
+            <a:r>
+              <a:rPr sz="1100" i="1" spc="-15" dirty="0">
                 <a:solidFill>
                   <a:srgbClr val="777879"/>
                 </a:solidFill>
                 <a:latin typeface="AdobeClean-LightIt"/>
                 <a:cs typeface="AdobeClean-LightIt"/>
               </a:rPr>
-              <a:t> </a:t>
-            </a:r>
-            <a:r>
-              <a:rPr lang="de-de" sz="1100" i="1" spc="-45">
+              <a:t>learn</a:t>
+            </a:r>
+            <a:r>
+              <a:rPr sz="1100" i="1" spc="-40" dirty="0">
                 <a:solidFill>
                   <a:srgbClr val="777879"/>
                 </a:solidFill>
@@ -14054,17 +15634,17 @@
               <a:t> </a:t>
             </a:r>
             <a:r>
-              <a:rPr lang="de-de" sz="1100" i="1" spc="-15">
+              <a:rPr sz="1100" i="1" spc="-15" dirty="0">
                 <a:solidFill>
                   <a:srgbClr val="777879"/>
                 </a:solidFill>
                 <a:latin typeface="AdobeClean-LightIt"/>
                 <a:cs typeface="AdobeClean-LightIt"/>
               </a:rPr>
-              <a:t>Adobe</a:t>
-            </a:r>
-            <a:r>
-              <a:rPr lang="de-de" sz="1100" i="1" spc="-50">
+              <a:t>more</a:t>
+            </a:r>
+            <a:r>
+              <a:rPr sz="1100" i="1" spc="-45" dirty="0">
                 <a:solidFill>
                   <a:srgbClr val="777879"/>
                 </a:solidFill>
@@ -14074,104 +15654,384 @@
               <a:t> </a:t>
             </a:r>
             <a:r>
-              <a:rPr lang="de-de" sz="1100" i="1" spc="-15">
+              <a:rPr sz="1100" i="1" spc="-15" dirty="0">
                 <a:solidFill>
                   <a:srgbClr val="777879"/>
                 </a:solidFill>
                 <a:latin typeface="AdobeClean-LightIt"/>
                 <a:cs typeface="AdobeClean-LightIt"/>
               </a:rPr>
-              <a:t>支援方案</a:t>
-            </a:r>
-            <a:r>
-              <a:rPr lang="de-de" sz="1100" i="1" spc="-75">
+              <a:t>about</a:t>
+            </a:r>
+            <a:r>
+              <a:rPr sz="1100" i="1" spc="-45" dirty="0">
                 <a:solidFill>
                   <a:srgbClr val="777879"/>
                 </a:solidFill>
                 <a:latin typeface="AdobeClean-LightIt"/>
                 <a:cs typeface="AdobeClean-LightIt"/>
               </a:rPr>
-              <a:t>的詳細資訊</a:t>
-            </a:r>
-            <a:r>
-              <a:rPr lang="de-de" sz="1100" i="1" spc="-15">
+              <a:t> </a:t>
+            </a:r>
+            <a:r>
+              <a:rPr sz="1100" i="1" spc="-15" dirty="0">
                 <a:solidFill>
                   <a:srgbClr val="777879"/>
                 </a:solidFill>
                 <a:latin typeface="AdobeClean-LightIt"/>
                 <a:cs typeface="AdobeClean-LightIt"/>
               </a:rPr>
-              <a:t>以及適合您的層級，請聯絡您指定的</a:t>
-            </a:r>
-            <a:r>
-              <a:rPr lang="de-de" sz="1100" i="1" spc="-25">
+              <a:t>Adobe</a:t>
+            </a:r>
+            <a:r>
+              <a:rPr sz="1100" i="1" spc="-50" dirty="0">
                 <a:solidFill>
                   <a:srgbClr val="777879"/>
                 </a:solidFill>
                 <a:latin typeface="AdobeClean-LightIt"/>
                 <a:cs typeface="AdobeClean-LightIt"/>
               </a:rPr>
-              <a:t>帳戶</a:t>
-            </a:r>
-            <a:r>
-              <a:rPr lang="de-de" sz="1100" i="1" spc="-20">
+              <a:t> </a:t>
+            </a:r>
+            <a:r>
+              <a:rPr sz="1100" i="1" spc="-15" dirty="0">
                 <a:solidFill>
                   <a:srgbClr val="777879"/>
                 </a:solidFill>
                 <a:latin typeface="AdobeClean-LightIt"/>
                 <a:cs typeface="AdobeClean-LightIt"/>
               </a:rPr>
-              <a:t>經理 </a:t>
-            </a:r>
-            <a:r>
-              <a:rPr lang="de-de" sz="1100" i="1" spc="-15">
+              <a:t>Support</a:t>
+            </a:r>
+            <a:r>
+              <a:rPr lang="en-US" sz="1100" i="1" spc="-15" dirty="0">
                 <a:solidFill>
                   <a:srgbClr val="777879"/>
                 </a:solidFill>
                 <a:latin typeface="AdobeClean-LightIt"/>
                 <a:cs typeface="AdobeClean-LightIt"/>
               </a:rPr>
-              <a:t>(NAM) </a:t>
-            </a:r>
-            <a:r>
-              <a:rPr lang="de-de" sz="1100" i="1" spc="-10">
+              <a:t> Offerings</a:t>
+            </a:r>
+            <a:r>
+              <a:rPr sz="1100" i="1" spc="-75" dirty="0">
                 <a:solidFill>
                   <a:srgbClr val="777879"/>
                 </a:solidFill>
                 <a:latin typeface="AdobeClean-LightIt"/>
                 <a:cs typeface="AdobeClean-LightIt"/>
               </a:rPr>
-              <a:t>或</a:t>
-            </a:r>
-            <a:r>
-              <a:rPr lang="de-de" sz="1100" i="1" spc="-15">
+              <a:t> </a:t>
+            </a:r>
+            <a:r>
+              <a:rPr sz="1100" i="1" spc="-15" dirty="0">
                 <a:solidFill>
                   <a:srgbClr val="777879"/>
                 </a:solidFill>
                 <a:latin typeface="AdobeClean-LightIt"/>
                 <a:cs typeface="AdobeClean-LightIt"/>
               </a:rPr>
-              <a:t>客戶</a:t>
-            </a:r>
-            <a:r>
-              <a:rPr lang="de-de" sz="1100" i="1" spc="-20">
+              <a:t>and</a:t>
+            </a:r>
+            <a:r>
+              <a:rPr sz="1100" i="1" spc="-50" dirty="0">
                 <a:solidFill>
                   <a:srgbClr val="777879"/>
                 </a:solidFill>
                 <a:latin typeface="AdobeClean-LightIt"/>
                 <a:cs typeface="AdobeClean-LightIt"/>
               </a:rPr>
-              <a:t>成功</a:t>
-            </a:r>
-            <a:r>
-              <a:rPr lang="de-de" sz="1100" i="1" spc="-15">
+              <a:t> </a:t>
+            </a:r>
+            <a:r>
+              <a:rPr sz="1100" i="1" spc="-15" dirty="0">
                 <a:solidFill>
                   <a:srgbClr val="777879"/>
                 </a:solidFill>
                 <a:latin typeface="AdobeClean-LightIt"/>
                 <a:cs typeface="AdobeClean-LightIt"/>
               </a:rPr>
-              <a:t>經理 (CSM)</a:t>
+              <a:t>the</a:t>
+            </a:r>
+            <a:r>
+              <a:rPr sz="1100" i="1" spc="-55" dirty="0">
+                <a:solidFill>
+                  <a:srgbClr val="777879"/>
+                </a:solidFill>
+                <a:latin typeface="AdobeClean-LightIt"/>
+                <a:cs typeface="AdobeClean-LightIt"/>
+              </a:rPr>
+              <a:t> </a:t>
+            </a:r>
+            <a:r>
+              <a:rPr sz="1100" i="1" spc="-15" dirty="0">
+                <a:solidFill>
+                  <a:srgbClr val="777879"/>
+                </a:solidFill>
+                <a:latin typeface="AdobeClean-LightIt"/>
+                <a:cs typeface="AdobeClean-LightIt"/>
+              </a:rPr>
+              <a:t>right</a:t>
+            </a:r>
+            <a:r>
+              <a:rPr sz="1100" i="1" spc="-95" dirty="0">
+                <a:solidFill>
+                  <a:srgbClr val="777879"/>
+                </a:solidFill>
+                <a:latin typeface="AdobeClean-LightIt"/>
+                <a:cs typeface="AdobeClean-LightIt"/>
+              </a:rPr>
+              <a:t> </a:t>
+            </a:r>
+            <a:r>
+              <a:rPr sz="1100" i="1" spc="-15" dirty="0">
+                <a:solidFill>
+                  <a:srgbClr val="777879"/>
+                </a:solidFill>
+                <a:latin typeface="AdobeClean-LightIt"/>
+                <a:cs typeface="AdobeClean-LightIt"/>
+              </a:rPr>
+              <a:t>level</a:t>
+            </a:r>
+            <a:r>
+              <a:rPr sz="1100" i="1" spc="-55" dirty="0">
+                <a:solidFill>
+                  <a:srgbClr val="777879"/>
+                </a:solidFill>
+                <a:latin typeface="AdobeClean-LightIt"/>
+                <a:cs typeface="AdobeClean-LightIt"/>
+              </a:rPr>
+              <a:t> </a:t>
+            </a:r>
+            <a:r>
+              <a:rPr sz="1100" i="1" spc="-15" dirty="0">
+                <a:solidFill>
+                  <a:srgbClr val="777879"/>
+                </a:solidFill>
+                <a:latin typeface="AdobeClean-LightIt"/>
+                <a:cs typeface="AdobeClean-LightIt"/>
+              </a:rPr>
+              <a:t>for</a:t>
+            </a:r>
+            <a:r>
+              <a:rPr sz="1100" i="1" spc="-85" dirty="0">
+                <a:solidFill>
+                  <a:srgbClr val="777879"/>
+                </a:solidFill>
+                <a:latin typeface="AdobeClean-LightIt"/>
+                <a:cs typeface="AdobeClean-LightIt"/>
+              </a:rPr>
+              <a:t> </a:t>
+            </a:r>
+            <a:r>
+              <a:rPr sz="1100" i="1" spc="-15" dirty="0">
+                <a:solidFill>
+                  <a:srgbClr val="777879"/>
+                </a:solidFill>
+                <a:latin typeface="AdobeClean-LightIt"/>
+                <a:cs typeface="AdobeClean-LightIt"/>
+              </a:rPr>
+              <a:t>you,</a:t>
+            </a:r>
+            <a:r>
+              <a:rPr sz="1100" i="1" spc="-65" dirty="0">
+                <a:solidFill>
+                  <a:srgbClr val="777879"/>
+                </a:solidFill>
+                <a:latin typeface="AdobeClean-LightIt"/>
+                <a:cs typeface="AdobeClean-LightIt"/>
+              </a:rPr>
+              <a:t> </a:t>
+            </a:r>
+            <a:r>
+              <a:rPr sz="1100" i="1" spc="-15" dirty="0">
+                <a:solidFill>
+                  <a:srgbClr val="777879"/>
+                </a:solidFill>
+                <a:latin typeface="AdobeClean-LightIt"/>
+                <a:cs typeface="AdobeClean-LightIt"/>
+              </a:rPr>
+              <a:t>contact</a:t>
+            </a:r>
+            <a:r>
+              <a:rPr sz="1100" i="1" spc="-85" dirty="0">
+                <a:solidFill>
+                  <a:srgbClr val="777879"/>
+                </a:solidFill>
+                <a:latin typeface="AdobeClean-LightIt"/>
+                <a:cs typeface="AdobeClean-LightIt"/>
+              </a:rPr>
+              <a:t> </a:t>
+            </a:r>
+            <a:r>
+              <a:rPr sz="1100" i="1" spc="-15" dirty="0">
+                <a:solidFill>
+                  <a:srgbClr val="777879"/>
+                </a:solidFill>
+                <a:latin typeface="AdobeClean-LightIt"/>
+                <a:cs typeface="AdobeClean-LightIt"/>
+              </a:rPr>
+              <a:t>your</a:t>
+            </a:r>
+            <a:r>
+              <a:rPr sz="1100" i="1" spc="-70" dirty="0">
+                <a:solidFill>
+                  <a:srgbClr val="777879"/>
+                </a:solidFill>
+                <a:latin typeface="AdobeClean-LightIt"/>
+                <a:cs typeface="AdobeClean-LightIt"/>
+              </a:rPr>
+              <a:t> </a:t>
+            </a:r>
+            <a:r>
+              <a:rPr sz="1100" i="1" spc="-15" dirty="0">
+                <a:solidFill>
+                  <a:srgbClr val="777879"/>
+                </a:solidFill>
+                <a:latin typeface="AdobeClean-LightIt"/>
+                <a:cs typeface="AdobeClean-LightIt"/>
+              </a:rPr>
+              <a:t>Named</a:t>
+            </a:r>
+            <a:r>
+              <a:rPr sz="1100" i="1" spc="-55" dirty="0">
+                <a:solidFill>
+                  <a:srgbClr val="777879"/>
+                </a:solidFill>
+                <a:latin typeface="AdobeClean-LightIt"/>
+                <a:cs typeface="AdobeClean-LightIt"/>
+              </a:rPr>
+              <a:t> </a:t>
+            </a:r>
+            <a:r>
+              <a:rPr sz="1100" i="1" spc="-25" dirty="0">
+                <a:solidFill>
+                  <a:srgbClr val="777879"/>
+                </a:solidFill>
+                <a:latin typeface="AdobeClean-LightIt"/>
+                <a:cs typeface="AdobeClean-LightIt"/>
+              </a:rPr>
+              <a:t>Account</a:t>
+            </a:r>
+            <a:r>
+              <a:rPr sz="1100" i="1" spc="-120" dirty="0">
+                <a:solidFill>
+                  <a:srgbClr val="777879"/>
+                </a:solidFill>
+                <a:latin typeface="AdobeClean-LightIt"/>
+                <a:cs typeface="AdobeClean-LightIt"/>
+              </a:rPr>
+              <a:t> </a:t>
+            </a:r>
+            <a:r>
+              <a:rPr sz="1100" i="1" spc="-20" dirty="0">
+                <a:solidFill>
+                  <a:srgbClr val="777879"/>
+                </a:solidFill>
+                <a:latin typeface="AdobeClean-LightIt"/>
+                <a:cs typeface="AdobeClean-LightIt"/>
+              </a:rPr>
+              <a:t>Manager</a:t>
+            </a:r>
+            <a:r>
+              <a:rPr lang="en-US" sz="1100" i="1" spc="-20" dirty="0">
+                <a:solidFill>
+                  <a:srgbClr val="777879"/>
+                </a:solidFill>
+                <a:latin typeface="AdobeClean-LightIt"/>
+                <a:cs typeface="AdobeClean-LightIt"/>
+              </a:rPr>
+              <a:t> </a:t>
+            </a:r>
+            <a:r>
+              <a:rPr sz="1100" i="1" spc="-20" dirty="0">
+                <a:solidFill>
+                  <a:srgbClr val="777879"/>
+                </a:solidFill>
+                <a:latin typeface="AdobeClean-LightIt"/>
+                <a:cs typeface="AdobeClean-LightIt"/>
+              </a:rPr>
+              <a:t> </a:t>
+            </a:r>
+            <a:r>
+              <a:rPr sz="1100" i="1" spc="-15" dirty="0">
+                <a:solidFill>
+                  <a:srgbClr val="777879"/>
+                </a:solidFill>
+                <a:latin typeface="AdobeClean-LightIt"/>
+                <a:cs typeface="AdobeClean-LightIt"/>
+              </a:rPr>
+              <a:t>(NAM) </a:t>
+            </a:r>
+            <a:r>
+              <a:rPr sz="1100" i="1" spc="-10" dirty="0">
+                <a:solidFill>
+                  <a:srgbClr val="777879"/>
+                </a:solidFill>
+                <a:latin typeface="AdobeClean-LightIt"/>
+                <a:cs typeface="AdobeClean-LightIt"/>
+              </a:rPr>
+              <a:t>or </a:t>
+            </a:r>
+            <a:r>
+              <a:rPr sz="1100" i="1" spc="-15" dirty="0">
+                <a:solidFill>
+                  <a:srgbClr val="777879"/>
+                </a:solidFill>
+                <a:latin typeface="AdobeClean-LightIt"/>
+                <a:cs typeface="AdobeClean-LightIt"/>
+              </a:rPr>
+              <a:t>Customer </a:t>
+            </a:r>
+            <a:r>
+              <a:rPr sz="1100" i="1" spc="-20" dirty="0">
+                <a:solidFill>
+                  <a:srgbClr val="777879"/>
+                </a:solidFill>
+                <a:latin typeface="AdobeClean-LightIt"/>
+                <a:cs typeface="AdobeClean-LightIt"/>
+              </a:rPr>
+              <a:t>Success</a:t>
+            </a:r>
+            <a:r>
+              <a:rPr sz="1100" i="1" spc="-180" dirty="0">
+                <a:solidFill>
+                  <a:srgbClr val="777879"/>
+                </a:solidFill>
+                <a:latin typeface="AdobeClean-LightIt"/>
+                <a:cs typeface="AdobeClean-LightIt"/>
+              </a:rPr>
+              <a:t> </a:t>
+            </a:r>
+            <a:r>
+              <a:rPr sz="1100" i="1" spc="-15" dirty="0">
+                <a:solidFill>
+                  <a:srgbClr val="777879"/>
+                </a:solidFill>
+                <a:latin typeface="AdobeClean-LightIt"/>
+                <a:cs typeface="AdobeClean-LightIt"/>
+              </a:rPr>
+              <a:t>Manager</a:t>
+            </a:r>
+            <a:r>
+              <a:rPr lang="en-US" sz="1100" i="1" spc="-15" dirty="0">
+                <a:solidFill>
+                  <a:srgbClr val="777879"/>
+                </a:solidFill>
+                <a:latin typeface="AdobeClean-LightIt"/>
+                <a:cs typeface="AdobeClean-LightIt"/>
+              </a:rPr>
+              <a:t> </a:t>
+            </a:r>
+            <a:r>
+              <a:rPr sz="1100" i="1" spc="-15" dirty="0">
+                <a:solidFill>
+                  <a:srgbClr val="777879"/>
+                </a:solidFill>
+                <a:latin typeface="AdobeClean-LightIt"/>
+                <a:cs typeface="AdobeClean-LightIt"/>
+              </a:rPr>
+              <a:t>(CSM)</a:t>
             </a:r>
             <a:endParaRPr sz="1100" dirty="0">
               <a:latin typeface="AdobeClean-LightIt"/>
@@ -14188,34 +16048,54 @@
               </a:spcBef>
             </a:pPr>
             <a:r>
-              <a:rPr lang="de-de" sz="800" spc="-5" dirty="0">
+              <a:rPr sz="800" spc="-5" dirty="0">
                 <a:solidFill>
                   <a:srgbClr val="6D6D6D"/>
                 </a:solidFill>
                 <a:latin typeface="Adobe Clean"/>
                 <a:cs typeface="Adobe Clean"/>
               </a:rPr>
-              <a:t>©2021 Adobe。All rights reserved.Adobe</a:t>
-            </a:r>
-            <a:r>
-              <a:rPr lang="de-de" sz="800" spc="75" dirty="0">
+              <a:t>©202</a:t>
+            </a:r>
+            <a:r>
+              <a:rPr lang="en-US" sz="800" spc="-5" dirty="0">
                 <a:solidFill>
                   <a:srgbClr val="6D6D6D"/>
                 </a:solidFill>
                 <a:latin typeface="Adobe Clean"/>
                 <a:cs typeface="Adobe Clean"/>
               </a:rPr>
+              <a:t>1</a:t>
+            </a:r>
+            <a:r>
+              <a:rPr sz="800" spc="-5" dirty="0">
+                <a:solidFill>
+                  <a:srgbClr val="6D6D6D"/>
+                </a:solidFill>
+                <a:latin typeface="Adobe Clean"/>
+                <a:cs typeface="Adobe Clean"/>
+              </a:rPr>
+              <a:t> Adobe. All Rights Reserved. Adobe</a:t>
+            </a:r>
+            <a:r>
+              <a:rPr sz="800" spc="75" dirty="0">
+                <a:solidFill>
+                  <a:srgbClr val="6D6D6D"/>
+                </a:solidFill>
+                <a:latin typeface="Adobe Clean"/>
+                <a:cs typeface="Adobe Clean"/>
+              </a:rPr>
               <a:t> </a:t>
             </a:r>
             <a:r>
-              <a:rPr lang="de-de" sz="800" spc="-5" dirty="0">
+              <a:rPr sz="800" spc="-5" dirty="0">
                 <a:solidFill>
                   <a:srgbClr val="6D6D6D"/>
                 </a:solidFill>
                 <a:latin typeface="Adobe Clean"/>
                 <a:cs typeface="Adobe Clean"/>
               </a:rPr>
-              <a:t>機密資訊。</a:t>
+              <a:t>Confidential.</a:t>
             </a:r>
             <a:endParaRPr sz="800" dirty="0">
               <a:latin typeface="Adobe Clean"/>
@@ -14238,7 +16118,7 @@
         </p:nvSpPr>
         <p:spPr>
           <a:xfrm>
-            <a:off x="171129" y="5057379"/>
+            <a:off x="190707" y="4913781"/>
             <a:ext cx="6476646" cy="755976"/>
           </a:xfrm>
           <a:prstGeom prst="rect">
@@ -14246,126 +16126,47 @@
           </a:prstGeom>
         </p:spPr>
         <p:txBody>
-          <a:bodyPr vert="horz" wrap="square" lIns="0" tIns="116205" rIns="0" bIns="0" rtlCol="0">
+          <a:bodyPr vert="horz" wrap="square" lIns="0" tIns="116205" rIns="0" bIns="0" rtlCol="0" anchor="t">
             <a:spAutoFit/>
           </a:bodyPr>
           <a:lstStyle/>
           <a:p>
-            <a:pPr lvl="0">
+            <a:pPr>
               <a:spcBef>
                 <a:spcPts val="915"/>
               </a:spcBef>
             </a:pPr>
             <a:r>
-              <a:rPr lang="en-US" altLang="zh-TW" sz="1400" b="1" spc="-15" dirty="0">
-                <a:solidFill>
-                  <a:srgbClr val="020302"/>
-                </a:solidFill>
-                <a:latin typeface="Adobe Clean"/>
-                <a:cs typeface="Adobe Clean"/>
-              </a:rPr>
-              <a:t>Adobe </a:t>
-            </a:r>
-            <a:r>
-              <a:rPr lang="zh-TW" altLang="en-US" sz="1400" b="1" spc="-15" dirty="0">
-                <a:solidFill>
-                  <a:srgbClr val="020302"/>
-                </a:solidFill>
-                <a:latin typeface="Adobe Clean"/>
-                <a:cs typeface="Adobe Clean"/>
-              </a:rPr>
-              <a:t>支援的區域範圍、當地營業時間和語言支援</a:t>
-            </a:r>
-            <a:endParaRPr lang="pl-PL" altLang="zh-TW" sz="1400" b="1" spc="-15" dirty="0">
-              <a:solidFill>
-                <a:srgbClr val="020302"/>
-              </a:solidFill>
-              <a:latin typeface="Adobe Clean"/>
-              <a:cs typeface="Adobe Clean"/>
+              <a:rPr lang="en-US" sz="1400" b="1" spc="-15">
+                <a:solidFill>
+                  <a:srgbClr val="020302"/>
+                </a:solidFill>
+                <a:latin typeface="Adobe Clean"/>
+                <a:cs typeface="Adobe Clean"/>
+              </a:rPr>
+              <a:t>Regional scope of Adobe Support, Local Hours Of Operation And Language Support</a:t>
+            </a:r>
+            <a:endParaRPr lang="en-US" sz="1400" spc="-15">
+              <a:ea typeface="+mn-lt"/>
+              <a:cs typeface="+mn-lt"/>
             </a:endParaRPr>
           </a:p>
           <a:p>
-            <a:pPr lvl="0">
+            <a:pPr>
               <a:spcBef>
                 <a:spcPts val="915"/>
               </a:spcBef>
             </a:pPr>
             <a:r>
-              <a:rPr lang="en-US" altLang="zh-TW" sz="1000" spc="-15" dirty="0">
+              <a:rPr lang="en-US" sz="1000" spc="-15">
                 <a:solidFill>
                   <a:srgbClr val="1F1F1F"/>
                 </a:solidFill>
                 <a:latin typeface="AdobeClean-Light"/>
               </a:rPr>
-              <a:t>Adobe </a:t>
-            </a:r>
-            <a:r>
-              <a:rPr lang="zh-TW" altLang="en-US" sz="1000" spc="-15" dirty="0">
-                <a:solidFill>
-                  <a:srgbClr val="1F1F1F"/>
-                </a:solidFill>
-                <a:latin typeface="AdobeClean-Light"/>
-              </a:rPr>
-              <a:t>支援的區域範圍是透過將客戶的帳單地址 </a:t>
-            </a:r>
-            <a:r>
-              <a:rPr lang="en-US" altLang="zh-TW" sz="1000" spc="-15" dirty="0">
-                <a:solidFill>
-                  <a:srgbClr val="1F1F1F"/>
-                </a:solidFill>
-                <a:latin typeface="AdobeClean-Light"/>
-              </a:rPr>
-              <a:t>(</a:t>
-            </a:r>
-            <a:r>
-              <a:rPr lang="zh-TW" altLang="en-US" sz="1000" spc="-15" dirty="0">
-                <a:solidFill>
-                  <a:srgbClr val="1F1F1F"/>
-                </a:solidFill>
-                <a:latin typeface="AdobeClean-Light"/>
-              </a:rPr>
-              <a:t>通過銷售訂單或其他 </a:t>
-            </a:r>
-            <a:r>
-              <a:rPr lang="en-US" altLang="zh-TW" sz="1000" spc="-15" dirty="0">
-                <a:solidFill>
-                  <a:srgbClr val="1F1F1F"/>
-                </a:solidFill>
-                <a:latin typeface="AdobeClean-Light"/>
-              </a:rPr>
-              <a:t>Adobe </a:t>
-            </a:r>
-            <a:r>
-              <a:rPr lang="zh-TW" altLang="en-US" sz="1000" spc="-15" dirty="0">
-                <a:solidFill>
-                  <a:srgbClr val="1F1F1F"/>
-                </a:solidFill>
-                <a:latin typeface="AdobeClean-Light"/>
-              </a:rPr>
-              <a:t>支援採購文件</a:t>
-            </a:r>
-            <a:r>
-              <a:rPr lang="en-US" altLang="zh-TW" sz="1000" spc="-15" dirty="0">
-                <a:solidFill>
-                  <a:srgbClr val="1F1F1F"/>
-                </a:solidFill>
-                <a:latin typeface="AdobeClean-Light"/>
-              </a:rPr>
-              <a:t>) </a:t>
-            </a:r>
-            <a:r>
-              <a:rPr lang="zh-TW" altLang="en-US" sz="1000" spc="-15" dirty="0">
-                <a:solidFill>
-                  <a:srgbClr val="1F1F1F"/>
-                </a:solidFill>
-                <a:latin typeface="AdobeClean-Light"/>
-              </a:rPr>
-              <a:t>歸納於以下區域之一來建立的：</a:t>
-            </a:r>
-            <a:endParaRPr lang="de-de" sz="1000" spc="-15" dirty="0">
-              <a:solidFill>
-                <a:srgbClr val="1F1F1F"/>
-              </a:solidFill>
+              <a:t>The regional scope of Adobe Support is established by aligning the customer's billing address (via the Sales Order or other Adobe Support purchasing document) to one of the following regions:</a:t>
+            </a:r>
+            <a:endParaRPr lang="en-US" sz="1000">
               <a:latin typeface="AdobeClean-Light"/>
             </a:endParaRPr>
           </a:p>
@@ -14386,14 +16187,14 @@
           <p:nvPr>
             <p:extLst>
               <p:ext uri="{D42A27DB-BD31-4B8C-83A1-F6EECF244321}">
-                <p14:modId xmlns:p14="http://schemas.microsoft.com/office/powerpoint/2010/main" val="3866538785"/>
+                <p14:modId xmlns:p14="http://schemas.microsoft.com/office/powerpoint/2010/main" val="1291534283"/>
               </p:ext>
             </p:extLst>
           </p:nvPr>
         </p:nvGraphicFramePr>
         <p:xfrm>
           <a:off x="171128" y="5907213"/>
-          <a:ext cx="7391400" cy="1336040"/>
+          <a:ext cx="7391400" cy="1391920"/>
         </p:xfrm>
         <a:graphic>
           <a:graphicData uri="http://schemas.openxmlformats.org/drawingml/2006/table">
@@ -14439,13 +16240,13 @@
                     <a:p>
                       <a:pPr algn="ctr"/>
                       <a:r>
-                        <a:rPr lang="de-de" sz="1100">
+                        <a:rPr lang="en-US" sz="1100">
                           <a:solidFill>
                             <a:schemeClr val="tx1"/>
                           </a:solidFill>
-                          <a:latin typeface="Adobe Clean" panose="020B0503020404020204" pitchFamily="34" charset="0"/>
+                          <a:latin typeface="Adobe Clean"/>
                         </a:rPr>
-                        <a:t>美洲</a:t>
+                        <a:t>Americas</a:t>
                       </a:r>
                     </a:p>
                   </a:txBody>
@@ -14504,13 +16305,13 @@
                     <a:p>
                       <a:pPr algn="ctr"/>
                       <a:r>
-                        <a:rPr lang="de-de" sz="1100">
+                        <a:rPr lang="en-US" sz="1100">
                           <a:solidFill>
                             <a:schemeClr val="tx1"/>
                           </a:solidFill>
-                          <a:latin typeface="Adobe Clean" panose="020B0503020404020204" pitchFamily="34" charset="0"/>
+                          <a:latin typeface="Adobe Clean"/>
                         </a:rPr>
-                        <a:t>歐洲、中東與非洲</a:t>
+                        <a:t>Europe, Middle East &amp; Africa</a:t>
                       </a:r>
                     </a:p>
                   </a:txBody>
@@ -14569,13 +16370,13 @@
                     <a:p>
                       <a:pPr algn="ctr"/>
                       <a:r>
-                        <a:rPr lang="de-de" sz="1100">
+                        <a:rPr lang="en-US" sz="1100">
                           <a:solidFill>
                             <a:schemeClr val="tx1"/>
                           </a:solidFill>
-                          <a:latin typeface="Adobe Clean" panose="020B0503020404020204" pitchFamily="34" charset="0"/>
+                          <a:latin typeface="Adobe Clean"/>
                         </a:rPr>
-                        <a:t>亞太地區</a:t>
+                        <a:t>Asia Pacific</a:t>
                       </a:r>
                     </a:p>
                   </a:txBody>
@@ -14634,22 +16435,22 @@
                     <a:p>
                       <a:pPr algn="ctr"/>
                       <a:r>
-                        <a:rPr lang="de-de" sz="1100">
+                        <a:rPr lang="en-US" sz="1100">
                           <a:solidFill>
                             <a:schemeClr val="tx1"/>
                           </a:solidFill>
                           <a:latin typeface="Adobe Clean"/>
                         </a:rPr>
-                        <a:t>日本 </a:t>
+                        <a:t>Japan </a:t>
                       </a:r>
                       <a:r>
-                        <a:rPr lang="de-de" sz="1100" baseline="30000">
+                        <a:rPr lang="en-US" sz="1100" baseline="30000">
                           <a:solidFill>
                             <a:schemeClr val="tx1"/>
                           </a:solidFill>
                           <a:latin typeface="Adobe Clean"/>
                         </a:rPr>
-                        <a:t>1</a:t>
+                        <a:t>1 </a:t>
                       </a:r>
                       <a:endParaRPr lang="en-US" sz="1100">
                         <a:solidFill>
@@ -14721,13 +16522,13 @@
                     <a:p>
                       <a:pPr algn="ctr"/>
                       <a:r>
-                        <a:rPr lang="de-de" sz="1100">
+                        <a:rPr lang="en-US" sz="1100">
                           <a:solidFill>
                             <a:schemeClr val="tx1"/>
                           </a:solidFill>
-                          <a:latin typeface="Adobe Clean" panose="020B0503020404020204" pitchFamily="34" charset="0"/>
+                          <a:latin typeface="Adobe Clean"/>
                         </a:rPr>
-                        <a:t>上午 6 點 – 下午 5:30</a:t>
+                        <a:t>6 am – 5:30 pm</a:t>
                       </a:r>
                     </a:p>
                   </a:txBody>
@@ -14786,13 +16587,13 @@
                     <a:p>
                       <a:pPr algn="ctr"/>
                       <a:r>
-                        <a:rPr lang="de-de" sz="1100">
+                        <a:rPr lang="en-US" sz="1100">
                           <a:solidFill>
                             <a:schemeClr val="tx1"/>
                           </a:solidFill>
-                          <a:latin typeface="Adobe Clean" panose="020B0503020404020204" pitchFamily="34" charset="0"/>
+                          <a:latin typeface="Adobe Clean"/>
                         </a:rPr>
-                        <a:t>上午 9 點 – 下午 5 點</a:t>
+                        <a:t>9 am – 5 pm</a:t>
                       </a:r>
                     </a:p>
                   </a:txBody>
@@ -14851,13 +16652,13 @@
                     <a:p>
                       <a:pPr algn="ctr"/>
                       <a:r>
-                        <a:rPr lang="de-de" sz="1100">
+                        <a:rPr lang="en-US" sz="1100">
                           <a:solidFill>
                             <a:schemeClr val="tx1"/>
                           </a:solidFill>
-                          <a:latin typeface="Adobe Clean" panose="020B0503020404020204" pitchFamily="34" charset="0"/>
+                          <a:latin typeface="Adobe Clean"/>
                         </a:rPr>
-                        <a:t>上午 9 點 – 下午 5 點</a:t>
+                        <a:t>9 am – 5 pm</a:t>
                       </a:r>
                     </a:p>
                   </a:txBody>
@@ -14916,13 +16717,13 @@
                     <a:p>
                       <a:pPr algn="ctr"/>
                       <a:r>
-                        <a:rPr lang="de-de" sz="1100">
+                        <a:rPr lang="en-US" sz="1100">
                           <a:solidFill>
                             <a:schemeClr val="tx1"/>
                           </a:solidFill>
-                          <a:latin typeface="Adobe Clean" panose="020B0503020404020204" pitchFamily="34" charset="0"/>
+                          <a:latin typeface="Adobe Clean"/>
                         </a:rPr>
-                        <a:t>上午 9 點 – 下午 5:30</a:t>
+                        <a:t>9 am – 5:30 pm</a:t>
                       </a:r>
                     </a:p>
                   </a:txBody>
@@ -14999,10 +16800,9 @@
                         <a:buNone/>
                       </a:pPr>
                       <a:r>
-                        <a:rPr lang="de-de" sz="1100" b="0" i="0" u="none" strike="noStrike" noProof="0" dirty="0"/>
-                        <a:t>僅提供英文和日文的語言支援</a:t>
+                        <a:rPr lang="en-US" sz="1100" b="0" i="0" u="none" strike="noStrike" noProof="0"/>
+                        <a:t>Language support is only available in English and Japanese.</a:t>
                       </a:r>
-                      <a:endParaRPr lang="en-US" dirty="0"/>
                     </a:p>
                     <a:p>
                       <a:pPr lvl="0" algn="ctr">
@@ -15017,7 +16817,7 @@
                         </a:spcAft>
                         <a:buNone/>
                       </a:pPr>
-                      <a:endParaRPr lang="en-US" sz="1100" b="0" i="0" u="none" strike="noStrike" noProof="0" dirty="0"/>
+                      <a:endParaRPr lang="en-US" sz="1100" b="0" i="0" u="none" strike="noStrike" noProof="0"/>
                     </a:p>
                     <a:p>
                       <a:pPr lvl="0" algn="ctr">
@@ -15033,22 +16833,18 @@
                         <a:buNone/>
                       </a:pPr>
                       <a:r>
-                        <a:rPr lang="de-de" sz="1100" b="0" i="0" u="none" strike="noStrike" noProof="0" dirty="0"/>
-                        <a:t> </a:t>
+                        <a:rPr lang="en-US" sz="1100" b="0" i="0" u="none" strike="noStrike" noProof="0"/>
+                        <a:t> </a:t>
                       </a:r>
                       <a:r>
-                        <a:rPr lang="de-de" sz="1100" b="0" i="0" u="none" strike="noStrike" baseline="30000" noProof="0" dirty="0"/>
+                        <a:rPr lang="en-US" sz="1100" b="0" i="0" u="none" strike="noStrike" baseline="30000" noProof="0"/>
                         <a:t>1 </a:t>
                       </a:r>
                       <a:r>
-                        <a:rPr lang="de-de" sz="1100" b="0" i="0" u="none" strike="noStrike" noProof="0" dirty="0"/>
-                        <a:t>P2、P3、P4 </a:t>
+                        <a:rPr lang="en-US" sz="1100" b="0" i="0" u="none" strike="noStrike" noProof="0"/>
+                        <a:t>P2, P3, P4 cases are limited to business hours only in Japan.</a:t>
                       </a:r>
-                      <a:r>
-                        <a:rPr lang="zh-TW" altLang="en-US" sz="1100" b="0" i="0" u="none" strike="noStrike" noProof="0"/>
-                        <a:t> 案件僅限於在日本的營業時間提交。</a:t>
-                      </a:r>
-                      <a:endParaRPr lang="en-US" dirty="0"/>
+                      <a:endParaRPr lang="en-US" sz="1100" b="1" i="0" u="none" strike="noStrike" noProof="0"/>
                     </a:p>
                   </a:txBody>
                   <a:tcPr anchor="ctr">
@@ -15412,34 +17208,124 @@
               </a:spcBef>
             </a:pPr>
             <a:r>
-              <a:rPr lang="de-de" sz="1200" b="1" spc="-15">
+              <a:rPr sz="1200" b="1" spc="-15">
                 <a:solidFill>
                   <a:srgbClr val="FFFFFF"/>
                 </a:solidFill>
                 <a:latin typeface="Adobe Clean"/>
                 <a:cs typeface="Adobe Clean"/>
               </a:rPr>
-              <a:t>無與倫比的</a:t>
-            </a:r>
-            <a:r>
-              <a:rPr lang="de-de" sz="1200" b="1" spc="-20">
+              <a:t>U</a:t>
+            </a:r>
+            <a:r>
+              <a:rPr sz="1200" b="1" spc="-20">
                 <a:solidFill>
                   <a:srgbClr val="FFFFFF"/>
                 </a:solidFill>
                 <a:latin typeface="Adobe Clean"/>
                 <a:cs typeface="Adobe Clean"/>
               </a:rPr>
-              <a:t>專業知識</a:t>
-            </a:r>
-            <a:r>
-              <a:rPr lang="de-de" sz="1200" b="1">
+              <a:t>n</a:t>
+            </a:r>
+            <a:r>
+              <a:rPr sz="1200" b="1" spc="-25">
                 <a:solidFill>
                   <a:srgbClr val="FFFFFF"/>
                 </a:solidFill>
                 <a:latin typeface="Adobe Clean"/>
                 <a:cs typeface="Adobe Clean"/>
               </a:rPr>
-              <a:t> </a:t>
+              <a:t>p</a:t>
+            </a:r>
+            <a:r>
+              <a:rPr sz="1200" b="1" spc="-15">
+                <a:solidFill>
+                  <a:srgbClr val="FFFFFF"/>
+                </a:solidFill>
+                <a:latin typeface="Adobe Clean"/>
+                <a:cs typeface="Adobe Clean"/>
+              </a:rPr>
+              <a:t>a</a:t>
+            </a:r>
+            <a:r>
+              <a:rPr sz="1200" b="1" spc="-25">
+                <a:solidFill>
+                  <a:srgbClr val="FFFFFF"/>
+                </a:solidFill>
+                <a:latin typeface="Adobe Clean"/>
+                <a:cs typeface="Adobe Clean"/>
+              </a:rPr>
+              <a:t>r</a:t>
+            </a:r>
+            <a:r>
+              <a:rPr sz="1200" b="1" spc="-15">
+                <a:solidFill>
+                  <a:srgbClr val="FFFFFF"/>
+                </a:solidFill>
+                <a:latin typeface="Adobe Clean"/>
+                <a:cs typeface="Adobe Clean"/>
+              </a:rPr>
+              <a:t>a</a:t>
+            </a:r>
+            <a:r>
+              <a:rPr sz="1200" b="1" spc="-30">
+                <a:solidFill>
+                  <a:srgbClr val="FFFFFF"/>
+                </a:solidFill>
+                <a:latin typeface="Adobe Clean"/>
+                <a:cs typeface="Adobe Clean"/>
+              </a:rPr>
+              <a:t>ll</a:t>
+            </a:r>
+            <a:r>
+              <a:rPr sz="1200" b="1" spc="-25">
+                <a:solidFill>
+                  <a:srgbClr val="FFFFFF"/>
+                </a:solidFill>
+                <a:latin typeface="Adobe Clean"/>
+                <a:cs typeface="Adobe Clean"/>
+              </a:rPr>
+              <a:t>e</a:t>
+            </a:r>
+            <a:r>
+              <a:rPr sz="1200" b="1" spc="-30">
+                <a:solidFill>
+                  <a:srgbClr val="FFFFFF"/>
+                </a:solidFill>
+                <a:latin typeface="Adobe Clean"/>
+                <a:cs typeface="Adobe Clean"/>
+              </a:rPr>
+              <a:t>l</a:t>
+            </a:r>
+            <a:r>
+              <a:rPr sz="1200" b="1" spc="-25">
+                <a:solidFill>
+                  <a:srgbClr val="FFFFFF"/>
+                </a:solidFill>
+                <a:latin typeface="Adobe Clean"/>
+                <a:cs typeface="Adobe Clean"/>
+              </a:rPr>
+              <a:t>e</a:t>
+            </a:r>
+            <a:r>
+              <a:rPr sz="1200" b="1">
+                <a:solidFill>
+                  <a:srgbClr val="FFFFFF"/>
+                </a:solidFill>
+                <a:latin typeface="Adobe Clean"/>
+                <a:cs typeface="Adobe Clean"/>
+              </a:rPr>
+              <a:t>d  </a:t>
+            </a:r>
+            <a:r>
+              <a:rPr sz="1200" b="1" spc="-25">
+                <a:solidFill>
+                  <a:srgbClr val="FFFFFF"/>
+                </a:solidFill>
+                <a:latin typeface="Adobe Clean"/>
+                <a:cs typeface="Adobe Clean"/>
+              </a:rPr>
+              <a:t>Expertise</a:t>
             </a:r>
             <a:endParaRPr sz="1200">
               <a:latin typeface="Adobe Clean"/>
@@ -15484,14 +17370,14 @@
               </a:spcBef>
             </a:pPr>
             <a:r>
-              <a:rPr lang="de-de" sz="1200" b="1" spc="-15">
+              <a:rPr lang="en-US" sz="1200" b="1" spc="-15">
                 <a:solidFill>
                   <a:srgbClr val="FFFFFF"/>
                 </a:solidFill>
                 <a:latin typeface="Adobe Clean"/>
                 <a:cs typeface="Adobe Clean"/>
               </a:rPr>
-              <a:t>加速支援</a:t>
+              <a:t>Accelerated Support</a:t>
             </a:r>
             <a:endParaRPr sz="1200">
               <a:latin typeface="Adobe Clean"/>
@@ -15536,44 +17422,104 @@
               </a:spcBef>
             </a:pPr>
             <a:r>
-              <a:rPr lang="de-de" sz="1200" b="1" spc="-50">
+              <a:rPr sz="1200" b="1" spc="-50">
                 <a:solidFill>
                   <a:srgbClr val="FFFFFF"/>
                 </a:solidFill>
                 <a:latin typeface="Adobe Clean"/>
                 <a:cs typeface="Adobe Clean"/>
               </a:rPr>
-              <a:t>策</a:t>
-            </a:r>
-            <a:r>
-              <a:rPr lang="de-de" sz="1200" b="1" spc="-20">
+              <a:t>S</a:t>
+            </a:r>
+            <a:r>
+              <a:rPr sz="1200" b="1" spc="-20">
                 <a:solidFill>
                   <a:srgbClr val="FFFFFF"/>
                 </a:solidFill>
                 <a:latin typeface="Adobe Clean"/>
                 <a:cs typeface="Adobe Clean"/>
               </a:rPr>
-              <a:t>略</a:t>
-            </a:r>
-            <a:r>
-              <a:rPr lang="de-de" sz="1200" b="1" spc="-75">
+              <a:t>t</a:t>
+            </a:r>
+            <a:r>
+              <a:rPr sz="1200" b="1" spc="-75">
                 <a:solidFill>
                   <a:srgbClr val="FFFFFF"/>
                 </a:solidFill>
                 <a:latin typeface="Adobe Clean"/>
                 <a:cs typeface="Adobe Clean"/>
               </a:rPr>
-              <a:t>性</a:t>
-            </a:r>
-            <a:r>
-              <a:rPr lang="de-de" sz="1200" b="1" spc="-45">
+              <a:t>r</a:t>
+            </a:r>
+            <a:r>
+              <a:rPr sz="1200" b="1" spc="-90">
                 <a:solidFill>
                   <a:srgbClr val="FFFFFF"/>
                 </a:solidFill>
                 <a:latin typeface="Adobe Clean"/>
                 <a:cs typeface="Adobe Clean"/>
               </a:rPr>
-              <a:t>建議</a:t>
+              <a:t>a</a:t>
+            </a:r>
+            <a:r>
+              <a:rPr sz="1200" b="1" spc="-55">
+                <a:solidFill>
+                  <a:srgbClr val="FFFFFF"/>
+                </a:solidFill>
+                <a:latin typeface="Adobe Clean"/>
+                <a:cs typeface="Adobe Clean"/>
+              </a:rPr>
+              <a:t>t</a:t>
+            </a:r>
+            <a:r>
+              <a:rPr sz="1200" b="1" spc="-100">
+                <a:solidFill>
+                  <a:srgbClr val="FFFFFF"/>
+                </a:solidFill>
+                <a:latin typeface="Adobe Clean"/>
+                <a:cs typeface="Adobe Clean"/>
+              </a:rPr>
+              <a:t>e</a:t>
+            </a:r>
+            <a:r>
+              <a:rPr sz="1200" b="1" spc="-80">
+                <a:solidFill>
+                  <a:srgbClr val="FFFFFF"/>
+                </a:solidFill>
+                <a:latin typeface="Adobe Clean"/>
+                <a:cs typeface="Adobe Clean"/>
+              </a:rPr>
+              <a:t>g</a:t>
+            </a:r>
+            <a:r>
+              <a:rPr sz="1200" b="1" spc="-35">
+                <a:solidFill>
+                  <a:srgbClr val="FFFFFF"/>
+                </a:solidFill>
+                <a:latin typeface="Adobe Clean"/>
+                <a:cs typeface="Adobe Clean"/>
+              </a:rPr>
+              <a:t>i</a:t>
+            </a:r>
+            <a:r>
+              <a:rPr sz="1200" b="1">
+                <a:solidFill>
+                  <a:srgbClr val="FFFFFF"/>
+                </a:solidFill>
+                <a:latin typeface="Adobe Clean"/>
+                <a:cs typeface="Adobe Clean"/>
+              </a:rPr>
+              <a:t>c  </a:t>
+            </a:r>
+            <a:r>
+              <a:rPr sz="1200" b="1" spc="-45">
+                <a:solidFill>
+                  <a:srgbClr val="FFFFFF"/>
+                </a:solidFill>
+                <a:latin typeface="Adobe Clean"/>
+                <a:cs typeface="Adobe Clean"/>
+              </a:rPr>
+              <a:t>Advice</a:t>
             </a:r>
             <a:endParaRPr sz="1200">
               <a:latin typeface="Adobe Clean"/>
@@ -15597,14 +17543,14 @@
           <p:nvPr>
             <p:extLst>
               <p:ext uri="{D42A27DB-BD31-4B8C-83A1-F6EECF244321}">
-                <p14:modId xmlns:p14="http://schemas.microsoft.com/office/powerpoint/2010/main" val="1502969284"/>
+                <p14:modId xmlns:p14="http://schemas.microsoft.com/office/powerpoint/2010/main" val="4232335107"/>
               </p:ext>
             </p:extLst>
           </p:nvPr>
         </p:nvGraphicFramePr>
         <p:xfrm>
           <a:off x="194237" y="1272353"/>
-          <a:ext cx="7368291" cy="2473960"/>
+          <a:ext cx="7368291" cy="2931160"/>
         </p:xfrm>
         <a:graphic>
           <a:graphicData uri="http://schemas.openxmlformats.org/drawingml/2006/table">
@@ -15635,22 +17581,22 @@
                     <a:lstStyle/>
                     <a:p>
                       <a:r>
-                        <a:rPr lang="de-de" sz="1100" b="0">
+                        <a:rPr lang="en-US" sz="1100" b="0" dirty="0">
                           <a:solidFill>
                             <a:schemeClr val="tx1"/>
                           </a:solidFill>
-                          <a:latin typeface="Adobe Clean" panose="020B0503020404020204" pitchFamily="34" charset="0"/>
+                          <a:latin typeface="Adobe Clean"/>
                           <a:ea typeface="+mn-ea"/>
                           <a:cs typeface="+mn-cs"/>
                           <a:hlinkClick r:id="rId7"/>
                         </a:rPr>
                         <a:t>Experience League</a:t>
                       </a:r>
-                      <a:endParaRPr lang="en-US" sz="1100" b="0">
+                      <a:endParaRPr lang="en-US" sz="1100" b="0" dirty="0">
                         <a:solidFill>
                           <a:schemeClr val="tx1"/>
                         </a:solidFill>
-                        <a:latin typeface="Adobe Clean" panose="020B0503020404020204" pitchFamily="34" charset="0"/>
+                        <a:latin typeface="Adobe Clean"/>
                         <a:ea typeface="+mn-ea"/>
                         <a:cs typeface="+mn-cs"/>
                       </a:endParaRPr>
@@ -15709,7 +17655,7 @@
                     <a:bodyPr/>
                     <a:lstStyle/>
                     <a:p>
-                      <a:pPr marL="0" marR="0" lvl="0" indent="0" defTabSz="914400" eaLnBrk="1" fontAlgn="auto" latinLnBrk="0" hangingPunct="1">
+                      <a:pPr marL="0" marR="0" lvl="0" indent="0" eaLnBrk="1" fontAlgn="auto" latinLnBrk="0" hangingPunct="1">
                         <a:lnSpc>
                           <a:spcPct val="100000"/>
                         </a:lnSpc>
@@ -15723,20 +17669,26 @@
                         <a:buSzTx/>
                         <a:buFontTx/>
                         <a:buNone/>
-                        <a:tabLst/>
-                        <a:defRPr/>
                       </a:pPr>
                       <a:r>
-                        <a:rPr lang="de-de" sz="1000" b="0" kern="1200">
+                        <a:rPr lang="en-US" sz="1000" b="0" kern="1200" dirty="0">
                           <a:solidFill>
                             <a:srgbClr val="000000"/>
                           </a:solidFill>
-                          <a:latin typeface="Adobe Clean Light" panose="020B0303020404020204" pitchFamily="34" charset="0"/>
+                          <a:latin typeface="Adobe Clean Light"/>
                           <a:ea typeface="+mn-ea"/>
                           <a:cs typeface="+mn-cs"/>
                         </a:rPr>
-                        <a:t>Experience League 是 Adobe 幫助企業經由其所做的 Adobe 投資來實現預期價值的方式。這是一個統一的位置，客戶可以在這裡學習、交流並沿著個人化的成功路徑而成長，這裡有提供自助式教學課程、產品文件、由講師授課的培訓課程、社群及技術支援。</a:t>
+                        <a:t>Experience League is how Adobe helps businesses achieve the value they expect from their Adobe investment. It’s the unified place where customers can learn, connect, and grow along a personalized path to success that includes self-help tutorials, product documentation, instructor-led training, community and technical support. </a:t>
                       </a:r>
+                      <a:endParaRPr lang="en-US" sz="1000" b="0" kern="1200">
+                        <a:solidFill>
+                          <a:srgbClr val="000000"/>
+                        </a:solidFill>
+                        <a:latin typeface="Adobe Clean Light" panose="020B0303020404020204" pitchFamily="34" charset="0"/>
+                        <a:ea typeface="+mn-ea"/>
+                        <a:cs typeface="+mn-cs"/>
+                      </a:endParaRPr>
                     </a:p>
                   </a:txBody>
                   <a:tcPr anchor="ctr">
@@ -15817,24 +17769,36 @@
                         <a:defRPr/>
                       </a:pPr>
                       <a:r>
-                        <a:rPr lang="de-de" sz="1100">
+                        <a:rPr lang="en-US" sz="1100" dirty="0">
                           <a:solidFill>
                             <a:schemeClr val="dk1"/>
                           </a:solidFill>
                           <a:effectLst/>
-                          <a:latin typeface="Adobe Clean" panose="020B0503020404020204" pitchFamily="34" charset="0"/>
+                          <a:latin typeface="Adobe Clean"/>
                           <a:ea typeface="+mn-ea"/>
                           <a:cs typeface="+mn-cs"/>
                           <a:hlinkClick r:id="rId8"/>
                         </a:rPr>
-                        <a:t>培訓</a:t>
+                        <a:t>Training</a:t>
                       </a:r>
-                      <a:endParaRPr lang="en-US" sz="1100">
+                      <a:r>
+                        <a:rPr lang="en-US" sz="1100" dirty="0">
+                          <a:solidFill>
+                            <a:schemeClr val="dk1"/>
+                          </a:solidFill>
+                          <a:effectLst/>
+                          <a:latin typeface="Adobe Clean"/>
+                          <a:ea typeface="+mn-ea"/>
+                          <a:cs typeface="+mn-cs"/>
+                        </a:rPr>
+                        <a:t> </a:t>
+                      </a:r>
+                      <a:endParaRPr lang="en-US" sz="1100" dirty="0">
                         <a:solidFill>
                           <a:schemeClr val="tx1"/>
                         </a:solidFill>
                         <a:effectLst/>
-                        <a:latin typeface="Adobe Clean" panose="020B0503020404020204" pitchFamily="34" charset="0"/>
+                        <a:latin typeface="Adobe Clean"/>
                         <a:ea typeface="+mn-ea"/>
                         <a:cs typeface="+mn-cs"/>
                       </a:endParaRPr>
@@ -15911,15 +17875,15 @@
                         <a:defRPr/>
                       </a:pPr>
                       <a:r>
-                        <a:rPr lang="de-de" sz="1000" kern="1200">
+                        <a:rPr lang="en-US" sz="1000" kern="1200" dirty="0">
                           <a:solidFill>
                             <a:srgbClr val="000000"/>
                           </a:solidFill>
-                          <a:latin typeface="Adobe Clean Light" panose="020B0303020404020204" pitchFamily="34" charset="0"/>
+                          <a:latin typeface="Adobe Clean Light"/>
                           <a:ea typeface="+mn-ea"/>
                           <a:cs typeface="+mn-cs"/>
                         </a:rPr>
-                        <a:t>您可以從 Experience League 存取 Adobe 數位學習服務課程。學習課程整合了隨需和教師指導的課程。在這裡，您可以習取市場公認價值的技能，並將其定位以促進貴組織獲致成功。</a:t>
+                        <a:t>Adobe Digital Learning Services courses are accessible from Experience League. Learning courses integrate both on-demand and instructor-led lessons.  Here you can accrue skills that have recognized market value and position them to drive success in your organizations.</a:t>
                       </a:r>
                     </a:p>
                   </a:txBody>
@@ -16001,24 +17965,24 @@
                         <a:defRPr/>
                       </a:pPr>
                       <a:r>
-                        <a:rPr lang="de-de" sz="1100">
+                        <a:rPr lang="en-US" sz="1100" dirty="0">
                           <a:solidFill>
                             <a:schemeClr val="tx1"/>
                           </a:solidFill>
                           <a:effectLst/>
-                          <a:latin typeface="Adobe Clean" panose="020B0503020404020204" pitchFamily="34" charset="0"/>
+                          <a:latin typeface="Adobe Clean"/>
                           <a:ea typeface="+mn-ea"/>
                           <a:cs typeface="+mn-cs"/>
                           <a:hlinkClick r:id="rId9"/>
                         </a:rPr>
-                        <a:t>生產問題與系統中斷</a:t>
+                        <a:t>Production Issues &amp; System Outages</a:t>
                       </a:r>
-                      <a:endParaRPr lang="en-US" sz="1100">
+                      <a:endParaRPr lang="en-US" sz="1100" dirty="0">
                         <a:solidFill>
                           <a:schemeClr val="tx1"/>
                         </a:solidFill>
                         <a:effectLst/>
-                        <a:latin typeface="Adobe Clean" panose="020B0503020404020204" pitchFamily="34" charset="0"/>
+                        <a:latin typeface="Adobe Clean"/>
                         <a:ea typeface="+mn-ea"/>
                         <a:cs typeface="+mn-cs"/>
                       </a:endParaRPr>
@@ -16077,7 +18041,7 @@
                     <a:bodyPr/>
                     <a:lstStyle/>
                     <a:p>
-                      <a:pPr marL="0" marR="0" lvl="0" indent="0" defTabSz="914400" eaLnBrk="1" fontAlgn="auto" latinLnBrk="0" hangingPunct="1">
+                      <a:pPr marL="0" marR="0" lvl="0" indent="0" eaLnBrk="1" fontAlgn="auto" latinLnBrk="0" hangingPunct="1">
                         <a:lnSpc>
                           <a:spcPct val="100000"/>
                         </a:lnSpc>
@@ -16091,20 +18055,26 @@
                         <a:buSzTx/>
                         <a:buFontTx/>
                         <a:buNone/>
-                        <a:tabLst/>
-                        <a:defRPr/>
                       </a:pPr>
                       <a:r>
-                        <a:rPr lang="de-de" sz="1000" kern="1200">
+                        <a:rPr lang="en-US" sz="1000" kern="1200" dirty="0">
                           <a:solidFill>
                             <a:srgbClr val="000000"/>
                           </a:solidFill>
-                          <a:latin typeface="Adobe Clean Light" panose="020B0303020404020204" pitchFamily="34" charset="0"/>
+                          <a:latin typeface="Adobe Clean Light"/>
                           <a:ea typeface="+mn-ea"/>
                           <a:cs typeface="+mn-cs"/>
                         </a:rPr>
-                        <a:t>Status.adobe.com 會傳達所有在多租用戶環境中部署的 Adobe 產品與服務的健康資訊。客戶可以選擇其訂閱偏好設定，以便在 Adobe 建立、更新或解決產品事件時收到電子郵件通知。這可以包括預定的維護或是不同嚴重性等級的服務問題。</a:t>
+                        <a:t>Status.adobe.com conveys the health information of all Adobe products and services that are deployed in multi-tenant environments. Customers can choose their subscription preferences to get email notifications whenever Adobe creates, updates or resolves a product event. This can include scheduled maintenance or service issues of varying levels of severity. </a:t>
                       </a:r>
+                      <a:endParaRPr lang="en-US" sz="1000" kern="1200">
+                        <a:solidFill>
+                          <a:srgbClr val="000000"/>
+                        </a:solidFill>
+                        <a:latin typeface="Adobe Clean Light" panose="020B0303020404020204" pitchFamily="34" charset="0"/>
+                        <a:ea typeface="+mn-ea"/>
+                        <a:cs typeface="+mn-cs"/>
+                      </a:endParaRPr>
                     </a:p>
                   </a:txBody>
                   <a:tcPr anchor="ctr">
@@ -16185,24 +18155,24 @@
                         <a:defRPr/>
                       </a:pPr>
                       <a:r>
-                        <a:rPr lang="de-de" sz="1100">
+                        <a:rPr lang="en-US" sz="1100" dirty="0">
                           <a:solidFill>
                             <a:schemeClr val="tx1"/>
                           </a:solidFill>
                           <a:effectLst/>
-                          <a:latin typeface="Adobe Clean" panose="020B0503020404020204" pitchFamily="34" charset="0"/>
+                          <a:latin typeface="Adobe Clean"/>
                           <a:ea typeface="+mn-ea"/>
                           <a:cs typeface="+mn-cs"/>
                           <a:hlinkClick r:id="rId10"/>
                         </a:rPr>
-                        <a:t>條款與條件</a:t>
+                        <a:t>Terms and Conditions</a:t>
                       </a:r>
-                      <a:endParaRPr lang="en-US" sz="1100">
+                      <a:endParaRPr lang="en-US" sz="1100" dirty="0">
                         <a:solidFill>
                           <a:schemeClr val="tx1"/>
                         </a:solidFill>
                         <a:effectLst/>
-                        <a:latin typeface="Adobe Clean" panose="020B0503020404020204" pitchFamily="34" charset="0"/>
+                        <a:latin typeface="Adobe Clean"/>
                         <a:ea typeface="+mn-ea"/>
                         <a:cs typeface="+mn-cs"/>
                       </a:endParaRPr>
@@ -16262,16 +18232,24 @@
                     <a:lstStyle/>
                     <a:p>
                       <a:r>
-                        <a:rPr lang="de-de" sz="1000" kern="1200">
+                        <a:rPr lang="en-US" sz="1000" kern="1200" dirty="0">
                           <a:solidFill>
                             <a:srgbClr val="000000"/>
                           </a:solidFill>
-                          <a:latin typeface="Adobe Clean Light" panose="020B0303020404020204" pitchFamily="34" charset="0"/>
+                          <a:latin typeface="Adobe Clean Light"/>
                           <a:ea typeface="+mn-ea"/>
                           <a:cs typeface="+mn-cs"/>
                         </a:rPr>
-                        <a:t>詳述支援服務方案的條款與條件</a:t>
+                        <a:t>Terms and conditions detailing Support Services offerings.</a:t>
                       </a:r>
+                      <a:endParaRPr lang="en-US" sz="1000" kern="1200" dirty="0">
+                        <a:solidFill>
+                          <a:srgbClr val="000000"/>
+                        </a:solidFill>
+                        <a:latin typeface="Adobe Clean Light" panose="020B0303020404020204" pitchFamily="34" charset="0"/>
+                        <a:ea typeface="+mn-ea"/>
+                        <a:cs typeface="+mn-cs"/>
+                      </a:endParaRPr>
                     </a:p>
                   </a:txBody>
                   <a:tcPr anchor="ctr">
@@ -16334,7 +18312,7 @@
       </p:graphicFrame>
       <p:pic>
         <p:nvPicPr>
-          <p:cNvPr id="8" name="Graphic 7" descr="目標大綱">
+          <p:cNvPr id="8" name="Graphic 7" descr="Target outline">
             <a:extLst>
               <a:ext uri="{FF2B5EF4-FFF2-40B4-BE49-F238E27FC236}">
                 <a16:creationId xmlns:a16="http://schemas.microsoft.com/office/drawing/2014/main" id="{1EAA263E-04A7-0D46-952E-EA3033B45116}"/>
@@ -16373,7 +18351,7 @@
       </p:pic>
       <p:pic>
         <p:nvPicPr>
-          <p:cNvPr id="10" name="Graphic 9" descr="火箭大綱">
+          <p:cNvPr id="10" name="Graphic 9" descr="Rocket outline">
             <a:extLst>
               <a:ext uri="{FF2B5EF4-FFF2-40B4-BE49-F238E27FC236}">
                 <a16:creationId xmlns:a16="http://schemas.microsoft.com/office/drawing/2014/main" id="{A068EBC3-B418-4E4A-A520-101CA4B39F23}"/>
@@ -16412,7 +18390,7 @@
       </p:pic>
       <p:pic>
         <p:nvPicPr>
-          <p:cNvPr id="12" name="Graphic 11" descr="獎章概述">
+          <p:cNvPr id="12" name="Graphic 11" descr="Medal outline">
             <a:extLst>
               <a:ext uri="{FF2B5EF4-FFF2-40B4-BE49-F238E27FC236}">
                 <a16:creationId xmlns:a16="http://schemas.microsoft.com/office/drawing/2014/main" id="{C7BEFC2D-0CA6-0448-B9FA-6E1581CA6D36}"/>
@@ -17246,18 +19224,18 @@
 </file>
 
 <file path=customXml/item2.xml><?xml version="1.0" encoding="utf-8"?>
-<p:properties xmlns:p="http://schemas.microsoft.com/office/2006/metadata/properties" xmlns:xsi="http://www.w3.org/2001/XMLSchema-instance" xmlns:pc="http://schemas.microsoft.com/office/infopath/2007/PartnerControls">
-  <documentManagement/>
-</p:properties>
-</file>
-
-<file path=customXml/item3.xml><?xml version="1.0" encoding="utf-8"?>
 <?mso-contentType ?>
 <FormTemplates xmlns="http://schemas.microsoft.com/sharepoint/v3/contenttype/forms">
   <Display>DocumentLibraryForm</Display>
   <Edit>DocumentLibraryForm</Edit>
   <New>DocumentLibraryForm</New>
 </FormTemplates>
+</file>
+
+<file path=customXml/item3.xml><?xml version="1.0" encoding="utf-8"?>
+<p:properties xmlns:p="http://schemas.microsoft.com/office/2006/metadata/properties" xmlns:xsi="http://www.w3.org/2001/XMLSchema-instance" xmlns:pc="http://schemas.microsoft.com/office/infopath/2007/PartnerControls">
+  <documentManagement/>
+</p:properties>
 </file>
 
 <file path=customXml/itemProps1.xml><?xml version="1.0" encoding="utf-8"?>
@@ -17280,18 +19258,26 @@
 </file>
 
 <file path=customXml/itemProps2.xml><?xml version="1.0" encoding="utf-8"?>
-<ds:datastoreItem xmlns:ds="http://schemas.openxmlformats.org/officeDocument/2006/customXml" ds:itemID="{ED4099BE-EDEC-4FF1-8378-446617236015}">
+<ds:datastoreItem xmlns:ds="http://schemas.openxmlformats.org/officeDocument/2006/customXml" ds:itemID="{941989CE-20BB-4A6A-A33F-71A1AE469C3E}">
   <ds:schemaRefs>
-    <ds:schemaRef ds:uri="http://schemas.microsoft.com/office/2006/metadata/properties"/>
-    <ds:schemaRef ds:uri="http://schemas.microsoft.com/office/infopath/2007/PartnerControls"/>
+    <ds:schemaRef ds:uri="http://schemas.microsoft.com/sharepoint/v3/contenttype/forms"/>
   </ds:schemaRefs>
 </ds:datastoreItem>
 </file>
 
 <file path=customXml/itemProps3.xml><?xml version="1.0" encoding="utf-8"?>
-<ds:datastoreItem xmlns:ds="http://schemas.openxmlformats.org/officeDocument/2006/customXml" ds:itemID="{941989CE-20BB-4A6A-A33F-71A1AE469C3E}">
+<ds:datastoreItem xmlns:ds="http://schemas.openxmlformats.org/officeDocument/2006/customXml" ds:itemID="{ED4099BE-EDEC-4FF1-8378-446617236015}">
   <ds:schemaRefs>
-    <ds:schemaRef ds:uri="http://schemas.microsoft.com/sharepoint/v3/contenttype/forms"/>
+    <ds:schemaRef ds:uri="6c8368ec-3776-49b5-a5bb-90648cf9530f"/>
+    <ds:schemaRef ds:uri="8a053bff-88be-49e4-9a87-e748e18b8b62"/>
+    <ds:schemaRef ds:uri="http://purl.org/dc/dcmitype/"/>
+    <ds:schemaRef ds:uri="http://purl.org/dc/elements/1.1/"/>
+    <ds:schemaRef ds:uri="http://purl.org/dc/terms/"/>
+    <ds:schemaRef ds:uri="http://schemas.microsoft.com/office/2006/documentManagement/types"/>
+    <ds:schemaRef ds:uri="http://schemas.microsoft.com/office/2006/metadata/properties"/>
+    <ds:schemaRef ds:uri="http://schemas.microsoft.com/office/infopath/2007/PartnerControls"/>
+    <ds:schemaRef ds:uri="http://schemas.openxmlformats.org/package/2006/metadata/core-properties"/>
+    <ds:schemaRef ds:uri="http://www.w3.org/XML/1998/namespace"/>
   </ds:schemaRefs>
 </ds:datastoreItem>
 </file>
--- a/help/data-sheets/assets/EnterpriseSupportDatasheet.pptx
+++ b/help/data-sheets/assets/EnterpriseSupportDatasheet.pptx
@@ -144,151 +144,14 @@
 <file path=ppt/revisionInfo.xml><?xml version="1.0" encoding="utf-8"?>
 <p1510:revInfo xmlns:a="http://schemas.openxmlformats.org/drawingml/2006/main" xmlns:r="http://schemas.openxmlformats.org/officeDocument/2006/relationships" xmlns:p1510="http://schemas.microsoft.com/office/powerpoint/2015/10/main">
   <p1510:revLst>
-    <p1510:client id="{19826C17-B3F5-53A1-AAFF-C7771804C7A7}" v="128" dt="2021-10-13T18:50:39.613"/>
-    <p1510:client id="{1A3D389F-0E00-444F-BDF7-5C174E20EEC2}" v="2" dt="2021-10-13T19:33:05.183"/>
-    <p1510:client id="{D02E726A-82A5-CF13-9EBE-9B674D878D37}" v="22" dt="2021-10-12T19:51:27.470"/>
+    <p1510:client id="{3F02B349-0406-AE51-D438-E7A0BE890230}" v="20" dt="2021-08-25T18:45:08.206"/>
+    <p1510:client id="{BAC4F85F-6423-7248-85C4-44132DA97563}" v="77" dt="2021-08-07T08:51:03.454"/>
   </p1510:revLst>
 </p1510:revInfo>
 </file>
 
 <file path=ppt/changesInfos/changesInfo1.xml><?xml version="1.0" encoding="utf-8"?>
 <pc:chgInfo xmlns:a="http://schemas.openxmlformats.org/drawingml/2006/main" xmlns:r="http://schemas.openxmlformats.org/officeDocument/2006/relationships" xmlns:ac="http://schemas.microsoft.com/office/drawing/2013/main/command" xmlns:pc="http://schemas.microsoft.com/office/powerpoint/2013/main/command">
-  <pc:docChgLst>
-    <pc:chgData name="Akilah Johnson" userId="S::akjohnso@adobe.com::2fa3aa60-0c9c-4d06-bae2-795983241227" providerId="AD" clId="Web-{A40C3D7D-993B-38B2-2DDA-C562505A1054}"/>
-    <pc:docChg chg="modSld">
-      <pc:chgData name="Akilah Johnson" userId="S::akjohnso@adobe.com::2fa3aa60-0c9c-4d06-bae2-795983241227" providerId="AD" clId="Web-{A40C3D7D-993B-38B2-2DDA-C562505A1054}" dt="2021-09-22T23:00:46.860" v="3"/>
-      <pc:docMkLst>
-        <pc:docMk/>
-      </pc:docMkLst>
-      <pc:sldChg chg="modSp">
-        <pc:chgData name="Akilah Johnson" userId="S::akjohnso@adobe.com::2fa3aa60-0c9c-4d06-bae2-795983241227" providerId="AD" clId="Web-{A40C3D7D-993B-38B2-2DDA-C562505A1054}" dt="2021-09-22T23:00:46.860" v="3"/>
-        <pc:sldMkLst>
-          <pc:docMk/>
-          <pc:sldMk cId="1050037809" sldId="261"/>
-        </pc:sldMkLst>
-        <pc:graphicFrameChg chg="mod modGraphic">
-          <ac:chgData name="Akilah Johnson" userId="S::akjohnso@adobe.com::2fa3aa60-0c9c-4d06-bae2-795983241227" providerId="AD" clId="Web-{A40C3D7D-993B-38B2-2DDA-C562505A1054}" dt="2021-09-22T23:00:46.860" v="3"/>
-          <ac:graphicFrameMkLst>
-            <pc:docMk/>
-            <pc:sldMk cId="1050037809" sldId="261"/>
-            <ac:graphicFrameMk id="25" creationId="{3A91F5B0-3974-A14D-A146-FB590F2AAD18}"/>
-          </ac:graphicFrameMkLst>
-        </pc:graphicFrameChg>
-      </pc:sldChg>
-    </pc:docChg>
-  </pc:docChgLst>
-  <pc:docChgLst>
-    <pc:chgData name="Akilah Johnson" userId="S::akjohnso@adobe.com::2fa3aa60-0c9c-4d06-bae2-795983241227" providerId="AD" clId="Web-{112231ED-4F38-A856-2EFF-9D0F88AC9BDF}"/>
-    <pc:docChg chg="modSld">
-      <pc:chgData name="Akilah Johnson" userId="S::akjohnso@adobe.com::2fa3aa60-0c9c-4d06-bae2-795983241227" providerId="AD" clId="Web-{112231ED-4F38-A856-2EFF-9D0F88AC9BDF}" dt="2021-09-22T19:11:31.474" v="2" actId="1076"/>
-      <pc:docMkLst>
-        <pc:docMk/>
-      </pc:docMkLst>
-      <pc:sldChg chg="modSp">
-        <pc:chgData name="Akilah Johnson" userId="S::akjohnso@adobe.com::2fa3aa60-0c9c-4d06-bae2-795983241227" providerId="AD" clId="Web-{112231ED-4F38-A856-2EFF-9D0F88AC9BDF}" dt="2021-09-22T19:11:31.474" v="2" actId="1076"/>
-        <pc:sldMkLst>
-          <pc:docMk/>
-          <pc:sldMk cId="1050037809" sldId="261"/>
-        </pc:sldMkLst>
-        <pc:spChg chg="mod">
-          <ac:chgData name="Akilah Johnson" userId="S::akjohnso@adobe.com::2fa3aa60-0c9c-4d06-bae2-795983241227" providerId="AD" clId="Web-{112231ED-4F38-A856-2EFF-9D0F88AC9BDF}" dt="2021-09-22T19:11:31.474" v="2" actId="1076"/>
-          <ac:spMkLst>
-            <pc:docMk/>
-            <pc:sldMk cId="1050037809" sldId="261"/>
-            <ac:spMk id="23" creationId="{00000000-0000-0000-0000-000000000000}"/>
-          </ac:spMkLst>
-        </pc:spChg>
-        <pc:spChg chg="mod">
-          <ac:chgData name="Akilah Johnson" userId="S::akjohnso@adobe.com::2fa3aa60-0c9c-4d06-bae2-795983241227" providerId="AD" clId="Web-{112231ED-4F38-A856-2EFF-9D0F88AC9BDF}" dt="2021-09-22T19:08:28.879" v="0" actId="1076"/>
-          <ac:spMkLst>
-            <pc:docMk/>
-            <pc:sldMk cId="1050037809" sldId="261"/>
-            <ac:spMk id="64" creationId="{41467BDC-3D83-D844-B922-CD07E94E5AAB}"/>
-          </ac:spMkLst>
-        </pc:spChg>
-      </pc:sldChg>
-    </pc:docChg>
-  </pc:docChgLst>
-  <pc:docChgLst>
-    <pc:chgData name="Akilah Johnson" userId="S::akjohnso@adobe.com::2fa3aa60-0c9c-4d06-bae2-795983241227" providerId="AD" clId="Web-{0AC6A3A1-0788-C69A-5EFD-279F3FA2CF0F}"/>
-    <pc:docChg chg="modSld">
-      <pc:chgData name="Akilah Johnson" userId="S::akjohnso@adobe.com::2fa3aa60-0c9c-4d06-bae2-795983241227" providerId="AD" clId="Web-{0AC6A3A1-0788-C69A-5EFD-279F3FA2CF0F}" dt="2021-09-22T18:56:17.553" v="29"/>
-      <pc:docMkLst>
-        <pc:docMk/>
-      </pc:docMkLst>
-      <pc:sldChg chg="modSp delCm">
-        <pc:chgData name="Akilah Johnson" userId="S::akjohnso@adobe.com::2fa3aa60-0c9c-4d06-bae2-795983241227" providerId="AD" clId="Web-{0AC6A3A1-0788-C69A-5EFD-279F3FA2CF0F}" dt="2021-09-22T18:56:17.553" v="29"/>
-        <pc:sldMkLst>
-          <pc:docMk/>
-          <pc:sldMk cId="1050037809" sldId="261"/>
-        </pc:sldMkLst>
-        <pc:spChg chg="mod">
-          <ac:chgData name="Akilah Johnson" userId="S::akjohnso@adobe.com::2fa3aa60-0c9c-4d06-bae2-795983241227" providerId="AD" clId="Web-{0AC6A3A1-0788-C69A-5EFD-279F3FA2CF0F}" dt="2021-09-22T18:55:46.585" v="16" actId="20577"/>
-          <ac:spMkLst>
-            <pc:docMk/>
-            <pc:sldMk cId="1050037809" sldId="261"/>
-            <ac:spMk id="64" creationId="{41467BDC-3D83-D844-B922-CD07E94E5AAB}"/>
-          </ac:spMkLst>
-        </pc:spChg>
-        <pc:graphicFrameChg chg="mod modGraphic">
-          <ac:chgData name="Akilah Johnson" userId="S::akjohnso@adobe.com::2fa3aa60-0c9c-4d06-bae2-795983241227" providerId="AD" clId="Web-{0AC6A3A1-0788-C69A-5EFD-279F3FA2CF0F}" dt="2021-09-22T18:55:59.928" v="28"/>
-          <ac:graphicFrameMkLst>
-            <pc:docMk/>
-            <pc:sldMk cId="1050037809" sldId="261"/>
-            <ac:graphicFrameMk id="25" creationId="{3A91F5B0-3974-A14D-A146-FB590F2AAD18}"/>
-          </ac:graphicFrameMkLst>
-        </pc:graphicFrameChg>
-      </pc:sldChg>
-    </pc:docChg>
-  </pc:docChgLst>
-  <pc:docChgLst>
-    <pc:chgData name="Akilah Johnson" userId="S::akjohnso@adobe.com::2fa3aa60-0c9c-4d06-bae2-795983241227" providerId="AD" clId="Web-{D02E726A-82A5-CF13-9EBE-9B674D878D37}"/>
-    <pc:docChg chg="modSld">
-      <pc:chgData name="Akilah Johnson" userId="S::akjohnso@adobe.com::2fa3aa60-0c9c-4d06-bae2-795983241227" providerId="AD" clId="Web-{D02E726A-82A5-CF13-9EBE-9B674D878D37}" dt="2021-10-12T19:51:27.470" v="10"/>
-      <pc:docMkLst>
-        <pc:docMk/>
-      </pc:docMkLst>
-      <pc:sldChg chg="modSp delCm">
-        <pc:chgData name="Akilah Johnson" userId="S::akjohnso@adobe.com::2fa3aa60-0c9c-4d06-bae2-795983241227" providerId="AD" clId="Web-{D02E726A-82A5-CF13-9EBE-9B674D878D37}" dt="2021-10-12T19:51:27.470" v="10"/>
-        <pc:sldMkLst>
-          <pc:docMk/>
-          <pc:sldMk cId="2161849182" sldId="267"/>
-        </pc:sldMkLst>
-        <pc:spChg chg="mod">
-          <ac:chgData name="Akilah Johnson" userId="S::akjohnso@adobe.com::2fa3aa60-0c9c-4d06-bae2-795983241227" providerId="AD" clId="Web-{D02E726A-82A5-CF13-9EBE-9B674D878D37}" dt="2021-10-12T19:51:04.127" v="8" actId="20577"/>
-          <ac:spMkLst>
-            <pc:docMk/>
-            <pc:sldMk cId="2161849182" sldId="267"/>
-            <ac:spMk id="2" creationId="{00000000-0000-0000-0000-000000000000}"/>
-          </ac:spMkLst>
-        </pc:spChg>
-      </pc:sldChg>
-    </pc:docChg>
-  </pc:docChgLst>
-  <pc:docChgLst>
-    <pc:chgData name="Akilah Johnson" userId="S::akjohnso@adobe.com::2fa3aa60-0c9c-4d06-bae2-795983241227" providerId="AD" clId="Web-{0AB2EF93-BE08-D205-D43E-3B568BB37DAA}"/>
-    <pc:docChg chg="modSld">
-      <pc:chgData name="Akilah Johnson" userId="S::akjohnso@adobe.com::2fa3aa60-0c9c-4d06-bae2-795983241227" providerId="AD" clId="Web-{0AB2EF93-BE08-D205-D43E-3B568BB37DAA}" dt="2021-09-22T23:01:45.877" v="13"/>
-      <pc:docMkLst>
-        <pc:docMk/>
-      </pc:docMkLst>
-      <pc:sldChg chg="modSp">
-        <pc:chgData name="Akilah Johnson" userId="S::akjohnso@adobe.com::2fa3aa60-0c9c-4d06-bae2-795983241227" providerId="AD" clId="Web-{0AB2EF93-BE08-D205-D43E-3B568BB37DAA}" dt="2021-09-22T23:01:45.877" v="13"/>
-        <pc:sldMkLst>
-          <pc:docMk/>
-          <pc:sldMk cId="1050037809" sldId="261"/>
-        </pc:sldMkLst>
-        <pc:graphicFrameChg chg="mod modGraphic">
-          <ac:chgData name="Akilah Johnson" userId="S::akjohnso@adobe.com::2fa3aa60-0c9c-4d06-bae2-795983241227" providerId="AD" clId="Web-{0AB2EF93-BE08-D205-D43E-3B568BB37DAA}" dt="2021-09-22T23:01:45.877" v="13"/>
-          <ac:graphicFrameMkLst>
-            <pc:docMk/>
-            <pc:sldMk cId="1050037809" sldId="261"/>
-            <ac:graphicFrameMk id="25" creationId="{3A91F5B0-3974-A14D-A146-FB590F2AAD18}"/>
-          </ac:graphicFrameMkLst>
-        </pc:graphicFrameChg>
-      </pc:sldChg>
-    </pc:docChg>
-  </pc:docChgLst>
   <pc:docChgLst>
     <pc:chgData name="Andy Witt" userId="S::awitt@adobe.com::e9157bdf-53b2-40e4-9459-936793d75696" providerId="AD" clId="Web-{3F02B349-0406-AE51-D438-E7A0BE890230}"/>
     <pc:docChg chg="modSld">
@@ -308,218 +171,6 @@
             <pc:docMk/>
             <pc:sldMk cId="1050037809" sldId="261"/>
             <ac:graphicFrameMk id="25" creationId="{3A91F5B0-3974-A14D-A146-FB590F2AAD18}"/>
-          </ac:graphicFrameMkLst>
-        </pc:graphicFrameChg>
-      </pc:sldChg>
-    </pc:docChg>
-  </pc:docChgLst>
-  <pc:docChgLst>
-    <pc:chgData name="Lauren Schutte" userId="6e08b2d3-447a-4d66-86be-444d50df187f" providerId="ADAL" clId="{1A3D389F-0E00-444F-BDF7-5C174E20EEC2}"/>
-    <pc:docChg chg="undo custSel modSld">
-      <pc:chgData name="Lauren Schutte" userId="6e08b2d3-447a-4d66-86be-444d50df187f" providerId="ADAL" clId="{1A3D389F-0E00-444F-BDF7-5C174E20EEC2}" dt="2021-10-13T19:40:59.066" v="67" actId="20577"/>
-      <pc:docMkLst>
-        <pc:docMk/>
-      </pc:docMkLst>
-      <pc:sldChg chg="delSp modSp mod">
-        <pc:chgData name="Lauren Schutte" userId="6e08b2d3-447a-4d66-86be-444d50df187f" providerId="ADAL" clId="{1A3D389F-0E00-444F-BDF7-5C174E20EEC2}" dt="2021-10-13T19:40:25.578" v="61" actId="478"/>
-        <pc:sldMkLst>
-          <pc:docMk/>
-          <pc:sldMk cId="5960377" sldId="259"/>
-        </pc:sldMkLst>
-        <pc:spChg chg="mod">
-          <ac:chgData name="Lauren Schutte" userId="6e08b2d3-447a-4d66-86be-444d50df187f" providerId="ADAL" clId="{1A3D389F-0E00-444F-BDF7-5C174E20EEC2}" dt="2021-10-13T19:33:45.182" v="59" actId="20577"/>
-          <ac:spMkLst>
-            <pc:docMk/>
-            <pc:sldMk cId="5960377" sldId="259"/>
-            <ac:spMk id="127" creationId="{BB896A03-8E7E-344F-BDE1-37C49461FF04}"/>
-          </ac:spMkLst>
-        </pc:spChg>
-        <pc:grpChg chg="del mod">
-          <ac:chgData name="Lauren Schutte" userId="6e08b2d3-447a-4d66-86be-444d50df187f" providerId="ADAL" clId="{1A3D389F-0E00-444F-BDF7-5C174E20EEC2}" dt="2021-10-13T19:40:25.578" v="61" actId="478"/>
-          <ac:grpSpMkLst>
-            <pc:docMk/>
-            <pc:sldMk cId="5960377" sldId="259"/>
-            <ac:grpSpMk id="62" creationId="{C539739D-1D3E-204D-9819-C44D9AE36DE8}"/>
-          </ac:grpSpMkLst>
-        </pc:grpChg>
-      </pc:sldChg>
-      <pc:sldChg chg="modSp mod">
-        <pc:chgData name="Lauren Schutte" userId="6e08b2d3-447a-4d66-86be-444d50df187f" providerId="ADAL" clId="{1A3D389F-0E00-444F-BDF7-5C174E20EEC2}" dt="2021-10-13T19:40:59.066" v="67" actId="20577"/>
-        <pc:sldMkLst>
-          <pc:docMk/>
-          <pc:sldMk cId="2161849182" sldId="267"/>
-        </pc:sldMkLst>
-        <pc:spChg chg="mod">
-          <ac:chgData name="Lauren Schutte" userId="6e08b2d3-447a-4d66-86be-444d50df187f" providerId="ADAL" clId="{1A3D389F-0E00-444F-BDF7-5C174E20EEC2}" dt="2021-10-13T19:40:59.066" v="67" actId="20577"/>
-          <ac:spMkLst>
-            <pc:docMk/>
-            <pc:sldMk cId="2161849182" sldId="267"/>
-            <ac:spMk id="2" creationId="{00000000-0000-0000-0000-000000000000}"/>
-          </ac:spMkLst>
-        </pc:spChg>
-        <pc:graphicFrameChg chg="mod modGraphic">
-          <ac:chgData name="Lauren Schutte" userId="6e08b2d3-447a-4d66-86be-444d50df187f" providerId="ADAL" clId="{1A3D389F-0E00-444F-BDF7-5C174E20EEC2}" dt="2021-10-13T19:33:05.183" v="58"/>
-          <ac:graphicFrameMkLst>
-            <pc:docMk/>
-            <pc:sldMk cId="2161849182" sldId="267"/>
-            <ac:graphicFrameMk id="9" creationId="{00000000-0000-0000-0000-000000000000}"/>
-          </ac:graphicFrameMkLst>
-        </pc:graphicFrameChg>
-      </pc:sldChg>
-    </pc:docChg>
-  </pc:docChgLst>
-  <pc:docChgLst>
-    <pc:chgData name="Akilah Johnson" userId="S::akjohnso@adobe.com::2fa3aa60-0c9c-4d06-bae2-795983241227" providerId="AD" clId="Web-{3CA2F123-FAC9-2CDD-7937-C83283BA7837}"/>
-    <pc:docChg chg="modSld">
-      <pc:chgData name="Akilah Johnson" userId="S::akjohnso@adobe.com::2fa3aa60-0c9c-4d06-bae2-795983241227" providerId="AD" clId="Web-{3CA2F123-FAC9-2CDD-7937-C83283BA7837}" dt="2021-09-16T20:58:19.458" v="0" actId="1076"/>
-      <pc:docMkLst>
-        <pc:docMk/>
-      </pc:docMkLst>
-      <pc:sldChg chg="modSp">
-        <pc:chgData name="Akilah Johnson" userId="S::akjohnso@adobe.com::2fa3aa60-0c9c-4d06-bae2-795983241227" providerId="AD" clId="Web-{3CA2F123-FAC9-2CDD-7937-C83283BA7837}" dt="2021-09-16T20:58:19.458" v="0" actId="1076"/>
-        <pc:sldMkLst>
-          <pc:docMk/>
-          <pc:sldMk cId="717026355" sldId="266"/>
-        </pc:sldMkLst>
-        <pc:spChg chg="mod">
-          <ac:chgData name="Akilah Johnson" userId="S::akjohnso@adobe.com::2fa3aa60-0c9c-4d06-bae2-795983241227" providerId="AD" clId="Web-{3CA2F123-FAC9-2CDD-7937-C83283BA7837}" dt="2021-09-16T20:58:19.458" v="0" actId="1076"/>
-          <ac:spMkLst>
-            <pc:docMk/>
-            <pc:sldMk cId="717026355" sldId="266"/>
-            <ac:spMk id="83" creationId="{BB34E685-A734-974B-A33A-BE51D1A8BC0D}"/>
-          </ac:spMkLst>
-        </pc:spChg>
-      </pc:sldChg>
-    </pc:docChg>
-  </pc:docChgLst>
-  <pc:docChgLst>
-    <pc:chgData name="Akilah Johnson" userId="S::akjohnso@adobe.com::2fa3aa60-0c9c-4d06-bae2-795983241227" providerId="AD" clId="Web-{19826C17-B3F5-53A1-AAFF-C7771804C7A7}"/>
-    <pc:docChg chg="modSld">
-      <pc:chgData name="Akilah Johnson" userId="S::akjohnso@adobe.com::2fa3aa60-0c9c-4d06-bae2-795983241227" providerId="AD" clId="Web-{19826C17-B3F5-53A1-AAFF-C7771804C7A7}" dt="2021-10-13T18:50:21.160" v="67"/>
-      <pc:docMkLst>
-        <pc:docMk/>
-      </pc:docMkLst>
-      <pc:sldChg chg="modSp">
-        <pc:chgData name="Akilah Johnson" userId="S::akjohnso@adobe.com::2fa3aa60-0c9c-4d06-bae2-795983241227" providerId="AD" clId="Web-{19826C17-B3F5-53A1-AAFF-C7771804C7A7}" dt="2021-10-13T18:38:26.810" v="9" actId="20577"/>
-        <pc:sldMkLst>
-          <pc:docMk/>
-          <pc:sldMk cId="5960377" sldId="259"/>
-        </pc:sldMkLst>
-        <pc:spChg chg="mod">
-          <ac:chgData name="Akilah Johnson" userId="S::akjohnso@adobe.com::2fa3aa60-0c9c-4d06-bae2-795983241227" providerId="AD" clId="Web-{19826C17-B3F5-53A1-AAFF-C7771804C7A7}" dt="2021-10-13T18:38:26.810" v="9" actId="20577"/>
-          <ac:spMkLst>
-            <pc:docMk/>
-            <pc:sldMk cId="5960377" sldId="259"/>
-            <ac:spMk id="75" creationId="{4602CC83-B0C7-8445-9007-87E67CDDD9D0}"/>
-          </ac:spMkLst>
-        </pc:spChg>
-        <pc:spChg chg="mod">
-          <ac:chgData name="Akilah Johnson" userId="S::akjohnso@adobe.com::2fa3aa60-0c9c-4d06-bae2-795983241227" providerId="AD" clId="Web-{19826C17-B3F5-53A1-AAFF-C7771804C7A7}" dt="2021-10-13T18:38:17.716" v="5" actId="20577"/>
-          <ac:spMkLst>
-            <pc:docMk/>
-            <pc:sldMk cId="5960377" sldId="259"/>
-            <ac:spMk id="83" creationId="{7A016ADC-2A30-8A4B-BE07-A9AB6C1898A7}"/>
-          </ac:spMkLst>
-        </pc:spChg>
-        <pc:spChg chg="mod">
-          <ac:chgData name="Akilah Johnson" userId="S::akjohnso@adobe.com::2fa3aa60-0c9c-4d06-bae2-795983241227" providerId="AD" clId="Web-{19826C17-B3F5-53A1-AAFF-C7771804C7A7}" dt="2021-10-13T18:38:19.654" v="6" actId="20577"/>
-          <ac:spMkLst>
-            <pc:docMk/>
-            <pc:sldMk cId="5960377" sldId="259"/>
-            <ac:spMk id="87" creationId="{57C0C871-6516-F145-97DA-27A143E6185C}"/>
-          </ac:spMkLst>
-        </pc:spChg>
-        <pc:spChg chg="mod">
-          <ac:chgData name="Akilah Johnson" userId="S::akjohnso@adobe.com::2fa3aa60-0c9c-4d06-bae2-795983241227" providerId="AD" clId="Web-{19826C17-B3F5-53A1-AAFF-C7771804C7A7}" dt="2021-10-13T18:38:14.044" v="4" actId="20577"/>
-          <ac:spMkLst>
-            <pc:docMk/>
-            <pc:sldMk cId="5960377" sldId="259"/>
-            <ac:spMk id="124" creationId="{14AAF776-9013-4C40-92F9-FFFE22C4038F}"/>
-          </ac:spMkLst>
-        </pc:spChg>
-        <pc:spChg chg="mod">
-          <ac:chgData name="Akilah Johnson" userId="S::akjohnso@adobe.com::2fa3aa60-0c9c-4d06-bae2-795983241227" providerId="AD" clId="Web-{19826C17-B3F5-53A1-AAFF-C7771804C7A7}" dt="2021-10-13T18:38:10.013" v="2" actId="20577"/>
-          <ac:spMkLst>
-            <pc:docMk/>
-            <pc:sldMk cId="5960377" sldId="259"/>
-            <ac:spMk id="125" creationId="{AF4EBBF5-5438-A043-B9AA-3822381D52EE}"/>
-          </ac:spMkLst>
-        </pc:spChg>
-        <pc:spChg chg="mod">
-          <ac:chgData name="Akilah Johnson" userId="S::akjohnso@adobe.com::2fa3aa60-0c9c-4d06-bae2-795983241227" providerId="AD" clId="Web-{19826C17-B3F5-53A1-AAFF-C7771804C7A7}" dt="2021-10-13T18:38:12.263" v="3" actId="20577"/>
-          <ac:spMkLst>
-            <pc:docMk/>
-            <pc:sldMk cId="5960377" sldId="259"/>
-            <ac:spMk id="126" creationId="{7F65676D-32E4-7B4B-BB85-4D504B5882BD}"/>
-          </ac:spMkLst>
-        </pc:spChg>
-      </pc:sldChg>
-      <pc:sldChg chg="modSp">
-        <pc:chgData name="Akilah Johnson" userId="S::akjohnso@adobe.com::2fa3aa60-0c9c-4d06-bae2-795983241227" providerId="AD" clId="Web-{19826C17-B3F5-53A1-AAFF-C7771804C7A7}" dt="2021-10-13T18:40:23.717" v="19" actId="20577"/>
-        <pc:sldMkLst>
-          <pc:docMk/>
-          <pc:sldMk cId="1050037809" sldId="261"/>
-        </pc:sldMkLst>
-        <pc:spChg chg="mod">
-          <ac:chgData name="Akilah Johnson" userId="S::akjohnso@adobe.com::2fa3aa60-0c9c-4d06-bae2-795983241227" providerId="AD" clId="Web-{19826C17-B3F5-53A1-AAFF-C7771804C7A7}" dt="2021-10-13T18:40:23.717" v="19" actId="20577"/>
-          <ac:spMkLst>
-            <pc:docMk/>
-            <pc:sldMk cId="1050037809" sldId="261"/>
-            <ac:spMk id="56" creationId="{00000000-0000-0000-0000-000000000000}"/>
-          </ac:spMkLst>
-        </pc:spChg>
-        <pc:graphicFrameChg chg="mod modGraphic">
-          <ac:chgData name="Akilah Johnson" userId="S::akjohnso@adobe.com::2fa3aa60-0c9c-4d06-bae2-795983241227" providerId="AD" clId="Web-{19826C17-B3F5-53A1-AAFF-C7771804C7A7}" dt="2021-10-13T18:39:38.154" v="17"/>
-          <ac:graphicFrameMkLst>
-            <pc:docMk/>
-            <pc:sldMk cId="1050037809" sldId="261"/>
-            <ac:graphicFrameMk id="111" creationId="{D8653CEC-4213-DE40-9BAF-D1E3318FF89C}"/>
-          </ac:graphicFrameMkLst>
-        </pc:graphicFrameChg>
-      </pc:sldChg>
-      <pc:sldChg chg="modSp">
-        <pc:chgData name="Akilah Johnson" userId="S::akjohnso@adobe.com::2fa3aa60-0c9c-4d06-bae2-795983241227" providerId="AD" clId="Web-{19826C17-B3F5-53A1-AAFF-C7771804C7A7}" dt="2021-10-13T18:39:10.373" v="15" actId="20577"/>
-        <pc:sldMkLst>
-          <pc:docMk/>
-          <pc:sldMk cId="717026355" sldId="266"/>
-        </pc:sldMkLst>
-        <pc:spChg chg="mod">
-          <ac:chgData name="Akilah Johnson" userId="S::akjohnso@adobe.com::2fa3aa60-0c9c-4d06-bae2-795983241227" providerId="AD" clId="Web-{19826C17-B3F5-53A1-AAFF-C7771804C7A7}" dt="2021-10-13T18:39:10.373" v="15" actId="20577"/>
-          <ac:spMkLst>
-            <pc:docMk/>
-            <pc:sldMk cId="717026355" sldId="266"/>
-            <ac:spMk id="9" creationId="{00000000-0000-0000-0000-000000000000}"/>
-          </ac:spMkLst>
-        </pc:spChg>
-        <pc:spChg chg="mod">
-          <ac:chgData name="Akilah Johnson" userId="S::akjohnso@adobe.com::2fa3aa60-0c9c-4d06-bae2-795983241227" providerId="AD" clId="Web-{19826C17-B3F5-53A1-AAFF-C7771804C7A7}" dt="2021-10-13T18:38:44.029" v="11" actId="20577"/>
-          <ac:spMkLst>
-            <pc:docMk/>
-            <pc:sldMk cId="717026355" sldId="266"/>
-            <ac:spMk id="82" creationId="{F6061E8D-9723-464D-AA49-7A3A3A02BE92}"/>
-          </ac:spMkLst>
-        </pc:spChg>
-        <pc:spChg chg="mod">
-          <ac:chgData name="Akilah Johnson" userId="S::akjohnso@adobe.com::2fa3aa60-0c9c-4d06-bae2-795983241227" providerId="AD" clId="Web-{19826C17-B3F5-53A1-AAFF-C7771804C7A7}" dt="2021-10-13T18:39:00.638" v="13" actId="20577"/>
-          <ac:spMkLst>
-            <pc:docMk/>
-            <pc:sldMk cId="717026355" sldId="266"/>
-            <ac:spMk id="83" creationId="{BB34E685-A734-974B-A33A-BE51D1A8BC0D}"/>
-          </ac:spMkLst>
-        </pc:spChg>
-      </pc:sldChg>
-      <pc:sldChg chg="modSp">
-        <pc:chgData name="Akilah Johnson" userId="S::akjohnso@adobe.com::2fa3aa60-0c9c-4d06-bae2-795983241227" providerId="AD" clId="Web-{19826C17-B3F5-53A1-AAFF-C7771804C7A7}" dt="2021-10-13T18:50:21.160" v="67"/>
-        <pc:sldMkLst>
-          <pc:docMk/>
-          <pc:sldMk cId="2161849182" sldId="267"/>
-        </pc:sldMkLst>
-        <pc:graphicFrameChg chg="mod modGraphic">
-          <ac:chgData name="Akilah Johnson" userId="S::akjohnso@adobe.com::2fa3aa60-0c9c-4d06-bae2-795983241227" providerId="AD" clId="Web-{19826C17-B3F5-53A1-AAFF-C7771804C7A7}" dt="2021-10-13T18:50:21.160" v="67"/>
-          <ac:graphicFrameMkLst>
-            <pc:docMk/>
-            <pc:sldMk cId="2161849182" sldId="267"/>
-            <ac:graphicFrameMk id="9" creationId="{00000000-0000-0000-0000-000000000000}"/>
           </ac:graphicFrameMkLst>
         </pc:graphicFrameChg>
       </pc:sldChg>
@@ -624,7 +275,7 @@
           <a:p>
             <a:fld id="{CCB2A597-803A-C244-97E2-A01066125D19}" type="datetimeFigureOut">
               <a:rPr lang="en-US" smtClean="0"/>
-              <a:t>10/13/21</a:t>
+              <a:t>10/11/21</a:t>
             </a:fld>
             <a:endParaRPr lang="en-US"/>
           </a:p>
@@ -1405,7 +1056,7 @@
           <a:p>
             <a:fld id="{1D8BD707-D9CF-40AE-B4C6-C98DA3205C09}" type="datetimeFigureOut">
               <a:rPr lang="en-US"/>
-              <a:t>10/13/21</a:t>
+              <a:t>10/11/21</a:t>
             </a:fld>
             <a:endParaRPr lang="en-US"/>
           </a:p>
@@ -1645,7 +1296,7 @@
           <a:p>
             <a:fld id="{1D8BD707-D9CF-40AE-B4C6-C98DA3205C09}" type="datetimeFigureOut">
               <a:rPr lang="en-US"/>
-              <a:t>10/13/21</a:t>
+              <a:t>10/11/21</a:t>
             </a:fld>
             <a:endParaRPr lang="en-US"/>
           </a:p>
@@ -1898,7 +1549,7 @@
           <a:p>
             <a:fld id="{1D8BD707-D9CF-40AE-B4C6-C98DA3205C09}" type="datetimeFigureOut">
               <a:rPr lang="en-US"/>
-              <a:t>10/13/21</a:t>
+              <a:t>10/11/21</a:t>
             </a:fld>
             <a:endParaRPr lang="en-US"/>
           </a:p>
@@ -2085,7 +1736,7 @@
           <a:p>
             <a:fld id="{1D8BD707-D9CF-40AE-B4C6-C98DA3205C09}" type="datetimeFigureOut">
               <a:rPr lang="en-US"/>
-              <a:t>10/13/21</a:t>
+              <a:t>10/11/21</a:t>
             </a:fld>
             <a:endParaRPr lang="en-US"/>
           </a:p>
@@ -2243,7 +1894,7 @@
           <a:p>
             <a:fld id="{1D8BD707-D9CF-40AE-B4C6-C98DA3205C09}" type="datetimeFigureOut">
               <a:rPr lang="en-US"/>
-              <a:t>10/13/21</a:t>
+              <a:t>10/11/21</a:t>
             </a:fld>
             <a:endParaRPr lang="en-US"/>
           </a:p>
@@ -2501,7 +2152,7 @@
           <a:p>
             <a:fld id="{1D8BD707-D9CF-40AE-B4C6-C98DA3205C09}" type="datetimeFigureOut">
               <a:rPr lang="en-US"/>
-              <a:t>10/13/21</a:t>
+              <a:t>10/11/21</a:t>
             </a:fld>
             <a:endParaRPr lang="en-US"/>
           </a:p>
@@ -2740,41 +2391,26 @@
           </a:prstGeom>
         </p:spPr>
         <p:txBody>
-          <a:bodyPr vert="horz" wrap="square" lIns="0" tIns="12700" rIns="0" bIns="0" rtlCol="0" anchor="t">
+          <a:bodyPr vert="horz" wrap="square" lIns="0" tIns="12700" rIns="0" bIns="0" rtlCol="0">
             <a:spAutoFit/>
           </a:bodyPr>
           <a:lstStyle/>
           <a:p>
             <a:pPr marL="12700">
+              <a:lnSpc>
+                <a:spcPct val="100000"/>
+              </a:lnSpc>
               <a:spcBef>
                 <a:spcPts val="100"/>
               </a:spcBef>
             </a:pPr>
             <a:r>
-              <a:rPr sz="2300" dirty="0">
-                <a:latin typeface="Adobe Clean"/>
+              <a:rPr lang="de-de" sz="2300" spc="-229">
+                <a:latin typeface="Adobe Clean" panose="020B0503020404020204" pitchFamily="34" charset="0"/>
               </a:rPr>
-              <a:t>ADOBE</a:t>
-            </a:r>
-            <a:r>
-              <a:rPr lang="en-US" sz="2300" dirty="0">
-                <a:latin typeface="Adobe Clean"/>
-              </a:rPr>
-              <a:t> </a:t>
-            </a:r>
-            <a:r>
-              <a:rPr sz="2300" dirty="0">
-                <a:latin typeface="Adobe Clean"/>
-              </a:rPr>
-              <a:t>SUPPORT</a:t>
-            </a:r>
-            <a:r>
-              <a:rPr lang="en-US" sz="2300" dirty="0">
-                <a:latin typeface="Adobe Clean"/>
-              </a:rPr>
-              <a:t> PLANS</a:t>
-            </a:r>
-            <a:endParaRPr sz="2300" dirty="0">
+              <a:t>Adobe 支援方案</a:t>
+            </a:r>
+            <a:endParaRPr sz="2300" spc="-229">
               <a:latin typeface="Adobe Clean" panose="020B0503020404020204" pitchFamily="34" charset="0"/>
             </a:endParaRPr>
           </a:p>
@@ -2789,7 +2425,7 @@
         <p:spPr>
           <a:xfrm>
             <a:off x="125148" y="7013546"/>
-            <a:ext cx="2785110" cy="228268"/>
+            <a:ext cx="5246952" cy="228268"/>
           </a:xfrm>
           <a:prstGeom prst="rect">
             <a:avLst/>
@@ -2810,7 +2446,7 @@
               </a:spcBef>
             </a:pPr>
             <a:r>
-              <a:rPr sz="1400" b="1" u="sng" spc="15">
+              <a:rPr lang="de-de" sz="1400" b="1" u="sng" spc="15" dirty="0">
                 <a:solidFill>
                   <a:srgbClr val="020302"/>
                 </a:solidFill>
@@ -2822,70 +2458,10 @@
                 <a:latin typeface="Adobe Clean"/>
                 <a:cs typeface="Adobe Clean"/>
               </a:rPr>
-              <a:t>S</a:t>
-            </a:r>
-            <a:r>
-              <a:rPr sz="1400" b="1" u="sng" spc="5">
-                <a:solidFill>
-                  <a:srgbClr val="020302"/>
-                </a:solidFill>
-                <a:uFill>
-                  <a:solidFill>
-                    <a:srgbClr val="020302"/>
-                  </a:solidFill>
-                </a:uFill>
-                <a:latin typeface="Adobe Clean"/>
-                <a:cs typeface="Adobe Clean"/>
-              </a:rPr>
-              <a:t>er</a:t>
-            </a:r>
-            <a:r>
-              <a:rPr sz="1400" b="1" u="sng" spc="10">
-                <a:solidFill>
-                  <a:srgbClr val="020302"/>
-                </a:solidFill>
-                <a:uFill>
-                  <a:solidFill>
-                    <a:srgbClr val="020302"/>
-                  </a:solidFill>
-                </a:uFill>
-                <a:latin typeface="Adobe Clean"/>
-                <a:cs typeface="Adobe Clean"/>
-              </a:rPr>
-              <a:t>vi</a:t>
-            </a:r>
-            <a:r>
-              <a:rPr sz="1400" b="1" u="sng" spc="5">
-                <a:solidFill>
-                  <a:srgbClr val="020302"/>
-                </a:solidFill>
-                <a:uFill>
-                  <a:solidFill>
-                    <a:srgbClr val="020302"/>
-                  </a:solidFill>
-                </a:uFill>
-                <a:latin typeface="Adobe Clean"/>
-                <a:cs typeface="Adobe Clean"/>
-              </a:rPr>
-              <a:t>c</a:t>
-            </a:r>
-            <a:r>
-              <a:rPr sz="1400" b="1" u="sng">
-                <a:solidFill>
-                  <a:srgbClr val="020302"/>
-                </a:solidFill>
-                <a:uFill>
-                  <a:solidFill>
-                    <a:srgbClr val="020302"/>
-                  </a:solidFill>
-                </a:uFill>
-                <a:latin typeface="Adobe Clean"/>
-                <a:cs typeface="Adobe Clean"/>
-              </a:rPr>
-              <a:t>e</a:t>
-            </a:r>
-            <a:r>
-              <a:rPr sz="1400" b="1" u="sng" spc="20">
+              <a:t>服務層級目標：初始回應</a:t>
+            </a:r>
+            <a:r>
+              <a:rPr lang="de-de" sz="1400" b="1" u="sng" spc="-15" dirty="0">
                 <a:solidFill>
                   <a:srgbClr val="020302"/>
                 </a:solidFill>
@@ -2900,67 +2476,7 @@
               <a:t> </a:t>
             </a:r>
             <a:r>
-              <a:rPr sz="1400" b="1" u="sng" spc="-15">
-                <a:solidFill>
-                  <a:srgbClr val="020302"/>
-                </a:solidFill>
-                <a:uFill>
-                  <a:solidFill>
-                    <a:srgbClr val="020302"/>
-                  </a:solidFill>
-                </a:uFill>
-                <a:latin typeface="Adobe Clean"/>
-                <a:cs typeface="Adobe Clean"/>
-              </a:rPr>
-              <a:t>Le</a:t>
-            </a:r>
-            <a:r>
-              <a:rPr sz="1400" b="1" u="sng" spc="-10">
-                <a:solidFill>
-                  <a:srgbClr val="020302"/>
-                </a:solidFill>
-                <a:uFill>
-                  <a:solidFill>
-                    <a:srgbClr val="020302"/>
-                  </a:solidFill>
-                </a:uFill>
-                <a:latin typeface="Adobe Clean"/>
-                <a:cs typeface="Adobe Clean"/>
-              </a:rPr>
-              <a:t>v</a:t>
-            </a:r>
-            <a:r>
-              <a:rPr sz="1400" b="1" u="sng" spc="-15">
-                <a:solidFill>
-                  <a:srgbClr val="020302"/>
-                </a:solidFill>
-                <a:uFill>
-                  <a:solidFill>
-                    <a:srgbClr val="020302"/>
-                  </a:solidFill>
-                </a:uFill>
-                <a:latin typeface="Adobe Clean"/>
-                <a:cs typeface="Adobe Clean"/>
-              </a:rPr>
-              <a:t>e</a:t>
-            </a:r>
-            <a:r>
-              <a:rPr sz="1400" b="1" u="sng">
-                <a:solidFill>
-                  <a:srgbClr val="020302"/>
-                </a:solidFill>
-                <a:uFill>
-                  <a:solidFill>
-                    <a:srgbClr val="020302"/>
-                  </a:solidFill>
-                </a:uFill>
-                <a:latin typeface="Adobe Clean"/>
-                <a:cs typeface="Adobe Clean"/>
-              </a:rPr>
-              <a:t>l</a:t>
-            </a:r>
-            <a:r>
-              <a:rPr sz="1400" b="1" u="sng" spc="-15">
+              <a:rPr lang="de-de" sz="1400" b="1" u="sng" spc="-85" dirty="0">
                 <a:solidFill>
                   <a:srgbClr val="020302"/>
                 </a:solidFill>
@@ -2975,112 +2491,7 @@
               <a:t> </a:t>
             </a:r>
             <a:r>
-              <a:rPr sz="1400" b="1" u="sng" spc="-55">
-                <a:solidFill>
-                  <a:srgbClr val="020302"/>
-                </a:solidFill>
-                <a:uFill>
-                  <a:solidFill>
-                    <a:srgbClr val="020302"/>
-                  </a:solidFill>
-                </a:uFill>
-                <a:latin typeface="Adobe Clean"/>
-                <a:cs typeface="Adobe Clean"/>
-              </a:rPr>
-              <a:t>T</a:t>
-            </a:r>
-            <a:r>
-              <a:rPr sz="1400" b="1" u="sng" spc="-40">
-                <a:solidFill>
-                  <a:srgbClr val="020302"/>
-                </a:solidFill>
-                <a:uFill>
-                  <a:solidFill>
-                    <a:srgbClr val="020302"/>
-                  </a:solidFill>
-                </a:uFill>
-                <a:latin typeface="Adobe Clean"/>
-                <a:cs typeface="Adobe Clean"/>
-              </a:rPr>
-              <a:t>a</a:t>
-            </a:r>
-            <a:r>
-              <a:rPr sz="1400" b="1" u="sng" spc="-45">
-                <a:solidFill>
-                  <a:srgbClr val="020302"/>
-                </a:solidFill>
-                <a:uFill>
-                  <a:solidFill>
-                    <a:srgbClr val="020302"/>
-                  </a:solidFill>
-                </a:uFill>
-                <a:latin typeface="Adobe Clean"/>
-                <a:cs typeface="Adobe Clean"/>
-              </a:rPr>
-              <a:t>r</a:t>
-            </a:r>
-            <a:r>
-              <a:rPr sz="1400" b="1" u="sng" spc="-40">
-                <a:solidFill>
-                  <a:srgbClr val="020302"/>
-                </a:solidFill>
-                <a:uFill>
-                  <a:solidFill>
-                    <a:srgbClr val="020302"/>
-                  </a:solidFill>
-                </a:uFill>
-                <a:latin typeface="Adobe Clean"/>
-                <a:cs typeface="Adobe Clean"/>
-              </a:rPr>
-              <a:t>g</a:t>
-            </a:r>
-            <a:r>
-              <a:rPr sz="1400" b="1" u="sng" spc="-50">
-                <a:solidFill>
-                  <a:srgbClr val="020302"/>
-                </a:solidFill>
-                <a:uFill>
-                  <a:solidFill>
-                    <a:srgbClr val="020302"/>
-                  </a:solidFill>
-                </a:uFill>
-                <a:latin typeface="Adobe Clean"/>
-                <a:cs typeface="Adobe Clean"/>
-              </a:rPr>
-              <a:t>et</a:t>
-            </a:r>
-            <a:r>
-              <a:rPr sz="1400" b="1" u="sng" spc="-45">
-                <a:solidFill>
-                  <a:srgbClr val="020302"/>
-                </a:solidFill>
-                <a:uFill>
-                  <a:solidFill>
-                    <a:srgbClr val="020302"/>
-                  </a:solidFill>
-                </a:uFill>
-                <a:latin typeface="Adobe Clean"/>
-                <a:cs typeface="Adobe Clean"/>
-              </a:rPr>
-              <a:t>s</a:t>
-            </a:r>
-            <a:r>
-              <a:rPr sz="1400" b="1" u="sng">
-                <a:solidFill>
-                  <a:srgbClr val="020302"/>
-                </a:solidFill>
-                <a:uFill>
-                  <a:solidFill>
-                    <a:srgbClr val="020302"/>
-                  </a:solidFill>
-                </a:uFill>
-                <a:latin typeface="Adobe Clean"/>
-                <a:cs typeface="Adobe Clean"/>
-              </a:rPr>
-              <a:t>:</a:t>
-            </a:r>
-            <a:r>
-              <a:rPr sz="1400" b="1" u="sng" spc="-85">
+              <a:rPr lang="de-de" sz="1400" b="1" u="sng" spc="-145" dirty="0">
                 <a:solidFill>
                   <a:srgbClr val="020302"/>
                 </a:solidFill>
@@ -3094,202 +2505,7 @@
               </a:rPr>
               <a:t> </a:t>
             </a:r>
-            <a:r>
-              <a:rPr sz="1400" b="1" u="sng" spc="-15">
-                <a:solidFill>
-                  <a:srgbClr val="020302"/>
-                </a:solidFill>
-                <a:uFill>
-                  <a:solidFill>
-                    <a:srgbClr val="020302"/>
-                  </a:solidFill>
-                </a:uFill>
-                <a:latin typeface="Adobe Clean"/>
-                <a:cs typeface="Adobe Clean"/>
-              </a:rPr>
-              <a:t>I</a:t>
-            </a:r>
-            <a:r>
-              <a:rPr sz="1400" b="1" u="sng" spc="-10">
-                <a:solidFill>
-                  <a:srgbClr val="020302"/>
-                </a:solidFill>
-                <a:uFill>
-                  <a:solidFill>
-                    <a:srgbClr val="020302"/>
-                  </a:solidFill>
-                </a:uFill>
-                <a:latin typeface="Adobe Clean"/>
-                <a:cs typeface="Adobe Clean"/>
-              </a:rPr>
-              <a:t>ni</a:t>
-            </a:r>
-            <a:r>
-              <a:rPr sz="1400" b="1" u="sng" spc="-15">
-                <a:solidFill>
-                  <a:srgbClr val="020302"/>
-                </a:solidFill>
-                <a:uFill>
-                  <a:solidFill>
-                    <a:srgbClr val="020302"/>
-                  </a:solidFill>
-                </a:uFill>
-                <a:latin typeface="Adobe Clean"/>
-                <a:cs typeface="Adobe Clean"/>
-              </a:rPr>
-              <a:t>t</a:t>
-            </a:r>
-            <a:r>
-              <a:rPr sz="1400" b="1" u="sng" spc="-10">
-                <a:solidFill>
-                  <a:srgbClr val="020302"/>
-                </a:solidFill>
-                <a:uFill>
-                  <a:solidFill>
-                    <a:srgbClr val="020302"/>
-                  </a:solidFill>
-                </a:uFill>
-                <a:latin typeface="Adobe Clean"/>
-                <a:cs typeface="Adobe Clean"/>
-              </a:rPr>
-              <a:t>i</a:t>
-            </a:r>
-            <a:r>
-              <a:rPr sz="1400" b="1" u="sng" spc="-5">
-                <a:solidFill>
-                  <a:srgbClr val="020302"/>
-                </a:solidFill>
-                <a:uFill>
-                  <a:solidFill>
-                    <a:srgbClr val="020302"/>
-                  </a:solidFill>
-                </a:uFill>
-                <a:latin typeface="Adobe Clean"/>
-                <a:cs typeface="Adobe Clean"/>
-              </a:rPr>
-              <a:t>a</a:t>
-            </a:r>
-            <a:r>
-              <a:rPr sz="1400" b="1" u="sng">
-                <a:solidFill>
-                  <a:srgbClr val="020302"/>
-                </a:solidFill>
-                <a:uFill>
-                  <a:solidFill>
-                    <a:srgbClr val="020302"/>
-                  </a:solidFill>
-                </a:uFill>
-                <a:latin typeface="Adobe Clean"/>
-                <a:cs typeface="Adobe Clean"/>
-              </a:rPr>
-              <a:t>l</a:t>
-            </a:r>
-            <a:r>
-              <a:rPr sz="1400" b="1" u="sng" spc="-145">
-                <a:solidFill>
-                  <a:srgbClr val="020302"/>
-                </a:solidFill>
-                <a:uFill>
-                  <a:solidFill>
-                    <a:srgbClr val="020302"/>
-                  </a:solidFill>
-                </a:uFill>
-                <a:latin typeface="Adobe Clean"/>
-                <a:cs typeface="Adobe Clean"/>
-              </a:rPr>
-              <a:t> </a:t>
-            </a:r>
-            <a:r>
-              <a:rPr sz="1400" b="1" u="sng" spc="-15">
-                <a:solidFill>
-                  <a:srgbClr val="020302"/>
-                </a:solidFill>
-                <a:uFill>
-                  <a:solidFill>
-                    <a:srgbClr val="020302"/>
-                  </a:solidFill>
-                </a:uFill>
-                <a:latin typeface="Adobe Clean"/>
-                <a:cs typeface="Adobe Clean"/>
-              </a:rPr>
-              <a:t>R</a:t>
-            </a:r>
-            <a:r>
-              <a:rPr sz="1400" b="1" u="sng" spc="-20">
-                <a:solidFill>
-                  <a:srgbClr val="020302"/>
-                </a:solidFill>
-                <a:uFill>
-                  <a:solidFill>
-                    <a:srgbClr val="020302"/>
-                  </a:solidFill>
-                </a:uFill>
-                <a:latin typeface="Adobe Clean"/>
-                <a:cs typeface="Adobe Clean"/>
-              </a:rPr>
-              <a:t>e</a:t>
-            </a:r>
-            <a:r>
-              <a:rPr sz="1400" b="1" u="sng" spc="-15">
-                <a:solidFill>
-                  <a:srgbClr val="020302"/>
-                </a:solidFill>
-                <a:uFill>
-                  <a:solidFill>
-                    <a:srgbClr val="020302"/>
-                  </a:solidFill>
-                </a:uFill>
-                <a:latin typeface="Adobe Clean"/>
-                <a:cs typeface="Adobe Clean"/>
-              </a:rPr>
-              <a:t>s</a:t>
-            </a:r>
-            <a:r>
-              <a:rPr sz="1400" b="1" u="sng" spc="-20">
-                <a:solidFill>
-                  <a:srgbClr val="020302"/>
-                </a:solidFill>
-                <a:uFill>
-                  <a:solidFill>
-                    <a:srgbClr val="020302"/>
-                  </a:solidFill>
-                </a:uFill>
-                <a:latin typeface="Adobe Clean"/>
-                <a:cs typeface="Adobe Clean"/>
-              </a:rPr>
-              <a:t>p</a:t>
-            </a:r>
-            <a:r>
-              <a:rPr sz="1400" b="1" u="sng" spc="-15">
-                <a:solidFill>
-                  <a:srgbClr val="020302"/>
-                </a:solidFill>
-                <a:uFill>
-                  <a:solidFill>
-                    <a:srgbClr val="020302"/>
-                  </a:solidFill>
-                </a:uFill>
-                <a:latin typeface="Adobe Clean"/>
-                <a:cs typeface="Adobe Clean"/>
-              </a:rPr>
-              <a:t>ons</a:t>
-            </a:r>
-            <a:r>
-              <a:rPr sz="1400" b="1" u="sng">
-                <a:solidFill>
-                  <a:srgbClr val="020302"/>
-                </a:solidFill>
-                <a:uFill>
-                  <a:solidFill>
-                    <a:srgbClr val="020302"/>
-                  </a:solidFill>
-                </a:uFill>
-                <a:latin typeface="Adobe Clean"/>
-                <a:cs typeface="Adobe Clean"/>
-              </a:rPr>
-              <a:t>e</a:t>
-            </a:r>
-            <a:endParaRPr sz="1400" u="sng">
+            <a:endParaRPr sz="1400" u="sng" dirty="0">
               <a:latin typeface="Adobe Clean"/>
               <a:cs typeface="Adobe Clean"/>
             </a:endParaRPr>
@@ -3305,14 +2521,14 @@
           <p:nvPr>
             <p:extLst>
               <p:ext uri="{D42A27DB-BD31-4B8C-83A1-F6EECF244321}">
-                <p14:modId xmlns:p14="http://schemas.microsoft.com/office/powerpoint/2010/main" val="3450047932"/>
+                <p14:modId xmlns:p14="http://schemas.microsoft.com/office/powerpoint/2010/main" val="1256728540"/>
               </p:ext>
             </p:extLst>
           </p:nvPr>
         </p:nvGraphicFramePr>
         <p:xfrm>
           <a:off x="146919" y="7473158"/>
-          <a:ext cx="7477080" cy="2190409"/>
+          <a:ext cx="7477080" cy="2307249"/>
         </p:xfrm>
         <a:graphic>
           <a:graphicData uri="http://schemas.openxmlformats.org/drawingml/2006/table">
@@ -3358,16 +2574,16 @@
                         </a:spcBef>
                       </a:pPr>
                       <a:r>
-                        <a:rPr sz="900" spc="-20" dirty="0">
+                        <a:rPr lang="de-de" sz="900" spc="-20">
                           <a:solidFill>
                             <a:srgbClr val="020302"/>
                           </a:solidFill>
                           <a:latin typeface="Adobe Clean"/>
                           <a:cs typeface="Adobe Clean"/>
                         </a:rPr>
-                        <a:t>Priority</a:t>
+                        <a:t>優先順序</a:t>
                       </a:r>
-                      <a:endParaRPr sz="900" dirty="0">
+                      <a:endParaRPr sz="900">
                         <a:latin typeface="Adobe Clean"/>
                         <a:cs typeface="Adobe Clean"/>
                       </a:endParaRPr>
@@ -3408,7 +2624,7 @@
                     <a:bodyPr/>
                     <a:lstStyle/>
                     <a:p>
-                      <a:pPr marL="381000">
+                      <a:pPr marL="381000" algn="ctr">
                         <a:lnSpc>
                           <a:spcPct val="100000"/>
                         </a:lnSpc>
@@ -3417,14 +2633,14 @@
                         </a:spcBef>
                       </a:pPr>
                       <a:r>
-                        <a:rPr sz="900" spc="0" dirty="0">
+                        <a:rPr lang="de-de" sz="900" spc="0" dirty="0" err="1">
                           <a:solidFill>
                             <a:srgbClr val="020302"/>
                           </a:solidFill>
                           <a:latin typeface="Adobe Clean"/>
                           <a:cs typeface="Adobe Clean"/>
                         </a:rPr>
-                        <a:t>Online Support</a:t>
+                        <a:t>線上支援</a:t>
                       </a:r>
                       <a:endParaRPr sz="900" spc="0" dirty="0">
                         <a:latin typeface="Adobe Clean"/>
@@ -3432,7 +2648,7 @@
                       </a:endParaRPr>
                     </a:p>
                   </a:txBody>
-                  <a:tcPr marL="0" marR="0" marT="0" marB="0" anchor="ctr">
+                  <a:tcPr marL="0" marR="0" marT="6985" marB="0" anchor="ctr">
                     <a:lnL w="6350">
                       <a:solidFill>
                         <a:srgbClr val="B7B8B8"/>
@@ -3451,14 +2667,11 @@
                       </a:solidFill>
                       <a:prstDash val="solid"/>
                     </a:lnT>
-                    <a:lnB w="76200" cap="flat" cmpd="sng" algn="ctr">
+                    <a:lnB w="76200">
                       <a:solidFill>
                         <a:srgbClr val="B3B3B3"/>
                       </a:solidFill>
                       <a:prstDash val="solid"/>
-                      <a:round/>
-                      <a:headEnd type="none" w="med" len="med"/>
-                      <a:tailEnd type="none" w="med" len="med"/>
                     </a:lnB>
                     <a:solidFill>
                       <a:srgbClr val="D9D9D9"/>
@@ -3470,7 +2683,7 @@
                     <a:bodyPr/>
                     <a:lstStyle/>
                     <a:p>
-                      <a:pPr marL="260985">
+                      <a:pPr marL="260985" algn="ctr">
                         <a:lnSpc>
                           <a:spcPct val="100000"/>
                         </a:lnSpc>
@@ -3479,14 +2692,14 @@
                         </a:spcBef>
                       </a:pPr>
                       <a:r>
-                        <a:rPr sz="900" spc="0" dirty="0">
+                        <a:rPr lang="de-de" sz="900" spc="0" dirty="0" err="1">
                           <a:solidFill>
                             <a:srgbClr val="FFFFFF"/>
                           </a:solidFill>
                           <a:latin typeface="Adobe Clean"/>
                           <a:cs typeface="Adobe Clean"/>
                         </a:rPr>
-                        <a:t>Enterprise Support</a:t>
+                        <a:t>企業支援</a:t>
                       </a:r>
                       <a:endParaRPr sz="900" spc="0" dirty="0">
                         <a:latin typeface="Adobe Clean"/>
@@ -3494,7 +2707,7 @@
                       </a:endParaRPr>
                     </a:p>
                   </a:txBody>
-                  <a:tcPr marL="0" marR="0" marT="0" marB="0" anchor="ctr">
+                  <a:tcPr marL="0" marR="0" marT="10160" marB="0" anchor="ctr">
                     <a:lnL w="6350">
                       <a:solidFill>
                         <a:srgbClr val="B7B8B8"/>
@@ -3551,87 +2764,17 @@
                         </a:spcBef>
                       </a:pPr>
                       <a:r>
-                        <a:rPr sz="900" b="1" spc="-15" dirty="0">
+                        <a:rPr lang="de-de" sz="900" b="1" spc="-15">
                           <a:solidFill>
                             <a:srgbClr val="020302"/>
                           </a:solidFill>
                           <a:latin typeface="Adobe Clean"/>
                           <a:cs typeface="Adobe Clean"/>
                         </a:rPr>
-                        <a:t>P</a:t>
+                        <a:t>優先順序</a:t>
                       </a:r>
                       <a:r>
-                        <a:rPr sz="900" b="1" spc="-20" dirty="0">
-                          <a:solidFill>
-                            <a:srgbClr val="020302"/>
-                          </a:solidFill>
-                          <a:latin typeface="Adobe Clean"/>
-                          <a:cs typeface="Adobe Clean"/>
-                        </a:rPr>
-                        <a:t>R</a:t>
-                      </a:r>
-                      <a:r>
-                        <a:rPr sz="900" b="1" spc="-25" dirty="0">
-                          <a:solidFill>
-                            <a:srgbClr val="020302"/>
-                          </a:solidFill>
-                          <a:latin typeface="Adobe Clean"/>
-                          <a:cs typeface="Adobe Clean"/>
-                        </a:rPr>
-                        <a:t>I</a:t>
-                      </a:r>
-                      <a:r>
-                        <a:rPr sz="900" b="1" spc="-15" dirty="0">
-                          <a:solidFill>
-                            <a:srgbClr val="020302"/>
-                          </a:solidFill>
-                          <a:latin typeface="Adobe Clean"/>
-                          <a:cs typeface="Adobe Clean"/>
-                        </a:rPr>
-                        <a:t>O</a:t>
-                      </a:r>
-                      <a:r>
-                        <a:rPr sz="900" b="1" spc="-20" dirty="0">
-                          <a:solidFill>
-                            <a:srgbClr val="020302"/>
-                          </a:solidFill>
-                          <a:latin typeface="Adobe Clean"/>
-                          <a:cs typeface="Adobe Clean"/>
-                        </a:rPr>
-                        <a:t>R</a:t>
-                      </a:r>
-                      <a:r>
-                        <a:rPr sz="900" b="1" spc="-25" dirty="0">
-                          <a:solidFill>
-                            <a:srgbClr val="020302"/>
-                          </a:solidFill>
-                          <a:latin typeface="Adobe Clean"/>
-                          <a:cs typeface="Adobe Clean"/>
-                        </a:rPr>
-                        <a:t>I</a:t>
-                      </a:r>
-                      <a:r>
-                        <a:rPr sz="900" b="1" spc="-15" dirty="0">
-                          <a:solidFill>
-                            <a:srgbClr val="020302"/>
-                          </a:solidFill>
-                          <a:latin typeface="Adobe Clean"/>
-                          <a:cs typeface="Adobe Clean"/>
-                        </a:rPr>
-                        <a:t>T</a:t>
-                      </a:r>
-                      <a:r>
-                        <a:rPr sz="900" b="1" dirty="0">
-                          <a:solidFill>
-                            <a:srgbClr val="020302"/>
-                          </a:solidFill>
-                          <a:latin typeface="Adobe Clean"/>
-                          <a:cs typeface="Adobe Clean"/>
-                        </a:rPr>
-                        <a:t>Y</a:t>
-                      </a:r>
-                      <a:r>
-                        <a:rPr sz="900" b="1" spc="-40" dirty="0">
+                        <a:rPr lang="de-de" sz="900" b="1" spc="-40">
                           <a:solidFill>
                             <a:srgbClr val="020302"/>
                           </a:solidFill>
@@ -3641,7 +2784,7 @@
                         <a:t> </a:t>
                       </a:r>
                       <a:r>
-                        <a:rPr sz="900" b="1" dirty="0">
+                        <a:rPr lang="de-de" sz="900" b="1">
                           <a:solidFill>
                             <a:srgbClr val="020302"/>
                           </a:solidFill>
@@ -3650,13 +2793,13 @@
                         </a:rPr>
                         <a:t>1</a:t>
                       </a:r>
-                      <a:endParaRPr sz="900" dirty="0">
+                      <a:endParaRPr sz="900">
                         <a:latin typeface="Adobe Clean"/>
                         <a:cs typeface="Adobe Clean"/>
                       </a:endParaRPr>
                     </a:p>
                     <a:p>
-                      <a:pPr marL="50800" marR="387985" lvl="0" indent="0" eaLnBrk="1" fontAlgn="auto" latinLnBrk="0" hangingPunct="1">
+                      <a:pPr marL="50800" marR="387985" lvl="0" indent="0" defTabSz="914400" eaLnBrk="1" fontAlgn="auto" latinLnBrk="0" hangingPunct="1">
                         <a:lnSpc>
                           <a:spcPts val="1000"/>
                         </a:lnSpc>
@@ -3670,31 +2813,33 @@
                         <a:buSzTx/>
                         <a:buFontTx/>
                         <a:buNone/>
+                        <a:tabLst/>
+                        <a:defRPr/>
                       </a:pPr>
                       <a:r>
-                        <a:rPr lang="en-US" sz="900" b="0" i="0" spc="-130" dirty="0">
+                        <a:rPr lang="de-de" sz="900" b="0" i="0" spc="-130">
                           <a:solidFill>
                             <a:srgbClr val="020302"/>
                           </a:solidFill>
-                          <a:latin typeface="Adobe Clean Light"/>
-                          <a:cs typeface="+mn-cs"/>
+                          <a:latin typeface="Adobe Clean Light" panose="020B0303020404020204" pitchFamily="34" charset="0"/>
+                          <a:cs typeface="Adobe Clean"/>
                         </a:rPr>
-                        <a:t> </a:t>
+                        <a:t> </a:t>
                       </a:r>
                       <a:r>
-                        <a:rPr lang="en-US" sz="900" b="0" i="0" u="none" strike="noStrike" dirty="0">
+                        <a:rPr lang="de-de" sz="900" b="0" i="0" u="none" strike="noStrike">
                           <a:solidFill>
                             <a:schemeClr val="tx1"/>
                           </a:solidFill>
                           <a:effectLst/>
-                          <a:latin typeface="Adobe Clean Light"/>
+                          <a:latin typeface="Adobe Clean Light" panose="020B0303020404020204" pitchFamily="34" charset="0"/>
                           <a:ea typeface="+mn-ea"/>
                           <a:cs typeface="+mn-cs"/>
                         </a:rPr>
-                        <a:t>Customer's production business functions are down or has significant data loss or degradation of services and immediate attention is required to restore functionality and usability</a:t>
+                        <a:t>客戶的生產業務功能已停止或發生重大資料遺失或服務降級狀況，需要立即關注以恢復功能與可用性</a:t>
                       </a:r>
-                      <a:endParaRPr lang="en-US" sz="900" b="0" i="0" dirty="0">
-                        <a:latin typeface="Adobe Clean Light"/>
+                      <a:endParaRPr lang="en-US" sz="900" b="0" i="0">
+                        <a:latin typeface="Adobe Clean Light" panose="020B0303020404020204" pitchFamily="34" charset="0"/>
                         <a:cs typeface="AdobeClean-Light"/>
                       </a:endParaRPr>
                     </a:p>
@@ -3706,14 +2851,11 @@
                       </a:solidFill>
                       <a:prstDash val="solid"/>
                     </a:lnL>
-                    <a:lnR w="6350" cap="flat" cmpd="sng" algn="ctr">
+                    <a:lnR w="6350">
                       <a:solidFill>
                         <a:srgbClr val="B7B8B8"/>
                       </a:solidFill>
                       <a:prstDash val="solid"/>
-                      <a:round/>
-                      <a:headEnd type="none" w="med" len="med"/>
-                      <a:tailEnd type="none" w="med" len="med"/>
                     </a:lnR>
                     <a:lnT w="6350">
                       <a:solidFill>
@@ -3734,34 +2876,79 @@
                     <a:bodyPr/>
                     <a:lstStyle/>
                     <a:p>
-                      <a:pPr algn="ctr" fontAlgn="ctr"/>
+                      <a:pPr marL="542925" marR="492125" algn="ctr">
+                        <a:lnSpc>
+                          <a:spcPct val="102200"/>
+                        </a:lnSpc>
+                      </a:pPr>
                       <a:r>
-                        <a:rPr lang="en-US" sz="900" b="0" i="0" u="none" strike="noStrike" dirty="0">
+                        <a:rPr lang="de-de" sz="900" spc="-15" dirty="0">
                           <a:solidFill>
                             <a:srgbClr val="020302"/>
                           </a:solidFill>
-                          <a:effectLst/>
-                          <a:latin typeface="AdobeClean-Light" panose="020B0503020404020204" pitchFamily="34" charset="0"/>
+                          <a:latin typeface="AdobeClean-Light"/>
+                          <a:cs typeface="AdobeClean-Light"/>
                         </a:rPr>
-                        <a:t>24x7 /  1 hour</a:t>
+                        <a:t>全年無休 / </a:t>
                       </a:r>
+                      <a:r>
+                        <a:rPr lang="de-de" sz="900" spc="-200" dirty="0">
+                          <a:solidFill>
+                            <a:srgbClr val="020302"/>
+                          </a:solidFill>
+                          <a:latin typeface="AdobeClean-Light"/>
+                          <a:cs typeface="AdobeClean-Light"/>
+                        </a:rPr>
+                        <a:t> </a:t>
+                      </a:r>
+                      <a:r>
+                        <a:rPr lang="de-de" sz="900" dirty="0">
+                          <a:solidFill>
+                            <a:srgbClr val="020302"/>
+                          </a:solidFill>
+                          <a:latin typeface="AdobeClean-Light"/>
+                          <a:cs typeface="AdobeClean-Light"/>
+                        </a:rPr>
+                        <a:t>1</a:t>
+                      </a:r>
+                      <a:r>
+                        <a:rPr lang="de-de" sz="900" spc="-90" dirty="0">
+                          <a:solidFill>
+                            <a:srgbClr val="020302"/>
+                          </a:solidFill>
+                          <a:latin typeface="AdobeClean-Light"/>
+                          <a:cs typeface="AdobeClean-Light"/>
+                        </a:rPr>
+                        <a:t> </a:t>
+                      </a:r>
+                      <a:r>
+                        <a:rPr lang="de-de" sz="900" spc="-15" dirty="0">
+                          <a:solidFill>
+                            <a:srgbClr val="020302"/>
+                          </a:solidFill>
+                          <a:latin typeface="AdobeClean-Light"/>
+                          <a:cs typeface="AdobeClean-Light"/>
+                        </a:rPr>
+                        <a:t>小時</a:t>
+                      </a:r>
+                      <a:endParaRPr sz="900" dirty="0">
+                        <a:latin typeface="AdobeClean-Light"/>
+                        <a:cs typeface="AdobeClean-Light"/>
+                      </a:endParaRPr>
                     </a:p>
                   </a:txBody>
-                  <a:tcPr marL="9525" marR="9525" marT="9525" marB="0" anchor="ctr">
+                  <a:tcPr marL="0" marR="0" marT="0" marB="0" anchor="ctr">
                     <a:lnL w="6350">
                       <a:solidFill>
                         <a:srgbClr val="B7B8B8"/>
                       </a:solidFill>
                       <a:prstDash val="solid"/>
                     </a:lnL>
-                    <a:lnR w="6350" cap="flat" cmpd="sng" algn="ctr">
+                    <a:lnR w="6350">
                       <a:solidFill>
                         <a:srgbClr val="B7B8B8"/>
                       </a:solidFill>
                       <a:prstDash val="solid"/>
-                      <a:round/>
-                      <a:headEnd type="none" w="med" len="med"/>
-                      <a:tailEnd type="none" w="med" len="med"/>
                     </a:lnR>
                     <a:lnT w="76200">
                       <a:solidFill>
@@ -3782,28 +2969,86 @@
                     <a:bodyPr/>
                     <a:lstStyle/>
                     <a:p>
-                      <a:pPr algn="ctr" fontAlgn="ctr"/>
+                      <a:pPr marL="352425" marR="476250" indent="111125" algn="ctr">
+                        <a:lnSpc>
+                          <a:spcPct val="100000"/>
+                        </a:lnSpc>
+                        <a:spcBef>
+                          <a:spcPts val="700"/>
+                        </a:spcBef>
+                      </a:pPr>
                       <a:r>
-                        <a:rPr lang="en-US" sz="900" b="0" i="0" u="none" strike="noStrike">
+                        <a:rPr lang="de-de" sz="900" spc="-25" dirty="0">
                           <a:solidFill>
                             <a:srgbClr val="020302"/>
                           </a:solidFill>
-                          <a:effectLst/>
-                          <a:latin typeface="AdobeClean-Light" panose="020B0503020404020204" pitchFamily="34" charset="0"/>
+                          <a:latin typeface="AdobeClean-Light"/>
+                          <a:cs typeface="AdobeClean-Light"/>
                         </a:rPr>
-                        <a:t>24x7 / 30 minutes</a:t>
+                        <a:t>全年無休</a:t>
                       </a:r>
+                      <a:r>
+                        <a:rPr lang="de-de" sz="900" spc="-35" dirty="0">
+                          <a:solidFill>
+                            <a:srgbClr val="020302"/>
+                          </a:solidFill>
+                          <a:latin typeface="AdobeClean-Light"/>
+                          <a:cs typeface="AdobeClean-Light"/>
+                        </a:rPr>
+                        <a:t> </a:t>
+                      </a:r>
+                      <a:r>
+                        <a:rPr lang="de-de" sz="900" dirty="0">
+                          <a:solidFill>
+                            <a:srgbClr val="020302"/>
+                          </a:solidFill>
+                          <a:latin typeface="AdobeClean-Light"/>
+                          <a:cs typeface="AdobeClean-Light"/>
+                        </a:rPr>
+                        <a:t>/ </a:t>
+                      </a:r>
+                      <a:r>
+                        <a:rPr lang="de-de" sz="900" spc="-20" dirty="0">
+                          <a:solidFill>
+                            <a:srgbClr val="020302"/>
+                          </a:solidFill>
+                          <a:latin typeface="AdobeClean-Light"/>
+                          <a:cs typeface="AdobeClean-Light"/>
+                        </a:rPr>
+                        <a:t>3</a:t>
+                      </a:r>
+                      <a:r>
+                        <a:rPr lang="de-de" sz="900" spc="50" dirty="0">
+                          <a:solidFill>
+                            <a:srgbClr val="020302"/>
+                          </a:solidFill>
+                          <a:latin typeface="AdobeClean-Light"/>
+                          <a:cs typeface="AdobeClean-Light"/>
+                        </a:rPr>
+                        <a:t>0</a:t>
+                      </a:r>
+                      <a:r>
+                        <a:rPr lang="de-de" sz="900" spc="-20" dirty="0">
+                          <a:solidFill>
+                            <a:srgbClr val="020302"/>
+                          </a:solidFill>
+                          <a:latin typeface="AdobeClean-Light"/>
+                          <a:cs typeface="AdobeClean-Light"/>
+                        </a:rPr>
+                        <a:t> 分鐘</a:t>
+                      </a:r>
+                      <a:endParaRPr sz="900" dirty="0">
+                        <a:latin typeface="AdobeClean-Light"/>
+                        <a:cs typeface="AdobeClean-Light"/>
+                      </a:endParaRPr>
                     </a:p>
                   </a:txBody>
-                  <a:tcPr marL="9525" marR="9525" marT="9525" marB="0" anchor="ctr">
-                    <a:lnL w="6350" cap="flat" cmpd="sng" algn="ctr">
+                  <a:tcPr marL="0" marR="0" marT="0" marB="0" anchor="ctr">
+                    <a:lnL w="6350">
                       <a:solidFill>
                         <a:srgbClr val="B7B8B8"/>
                       </a:solidFill>
                       <a:prstDash val="solid"/>
-                      <a:round/>
-                      <a:headEnd type="none" w="med" len="med"/>
-                      <a:tailEnd type="none" w="med" len="med"/>
                     </a:lnL>
                     <a:lnR w="6350" cap="flat" cmpd="sng" algn="ctr">
                       <a:solidFill>
@@ -3842,7 +3087,7 @@
                   </a:ext>
                 </a:extLst>
               </a:tr>
-              <a:tr h="0">
+              <a:tr h="484755">
                 <a:tc>
                   <a:txBody>
                     <a:bodyPr/>
@@ -3857,87 +3102,17 @@
                         </a:spcBef>
                       </a:pPr>
                       <a:r>
-                        <a:rPr sz="900" b="1" spc="-15" dirty="0">
+                        <a:rPr lang="de-de" sz="900" b="1" spc="-15">
                           <a:solidFill>
                             <a:srgbClr val="020302"/>
                           </a:solidFill>
                           <a:latin typeface="Adobe Clean"/>
                           <a:cs typeface="Adobe Clean"/>
                         </a:rPr>
-                        <a:t>P</a:t>
+                        <a:t>優先順序</a:t>
                       </a:r>
                       <a:r>
-                        <a:rPr sz="900" b="1" spc="-20" dirty="0">
-                          <a:solidFill>
-                            <a:srgbClr val="020302"/>
-                          </a:solidFill>
-                          <a:latin typeface="Adobe Clean"/>
-                          <a:cs typeface="Adobe Clean"/>
-                        </a:rPr>
-                        <a:t>R</a:t>
-                      </a:r>
-                      <a:r>
-                        <a:rPr sz="900" b="1" spc="-25" dirty="0">
-                          <a:solidFill>
-                            <a:srgbClr val="020302"/>
-                          </a:solidFill>
-                          <a:latin typeface="Adobe Clean"/>
-                          <a:cs typeface="Adobe Clean"/>
-                        </a:rPr>
-                        <a:t>I</a:t>
-                      </a:r>
-                      <a:r>
-                        <a:rPr sz="900" b="1" spc="-15" dirty="0">
-                          <a:solidFill>
-                            <a:srgbClr val="020302"/>
-                          </a:solidFill>
-                          <a:latin typeface="Adobe Clean"/>
-                          <a:cs typeface="Adobe Clean"/>
-                        </a:rPr>
-                        <a:t>O</a:t>
-                      </a:r>
-                      <a:r>
-                        <a:rPr sz="900" b="1" spc="-20" dirty="0">
-                          <a:solidFill>
-                            <a:srgbClr val="020302"/>
-                          </a:solidFill>
-                          <a:latin typeface="Adobe Clean"/>
-                          <a:cs typeface="Adobe Clean"/>
-                        </a:rPr>
-                        <a:t>R</a:t>
-                      </a:r>
-                      <a:r>
-                        <a:rPr sz="900" b="1" spc="-25" dirty="0">
-                          <a:solidFill>
-                            <a:srgbClr val="020302"/>
-                          </a:solidFill>
-                          <a:latin typeface="Adobe Clean"/>
-                          <a:cs typeface="Adobe Clean"/>
-                        </a:rPr>
-                        <a:t>I</a:t>
-                      </a:r>
-                      <a:r>
-                        <a:rPr sz="900" b="1" spc="-15" dirty="0">
-                          <a:solidFill>
-                            <a:srgbClr val="020302"/>
-                          </a:solidFill>
-                          <a:latin typeface="Adobe Clean"/>
-                          <a:cs typeface="Adobe Clean"/>
-                        </a:rPr>
-                        <a:t>T</a:t>
-                      </a:r>
-                      <a:r>
-                        <a:rPr sz="900" b="1" dirty="0">
-                          <a:solidFill>
-                            <a:srgbClr val="020302"/>
-                          </a:solidFill>
-                          <a:latin typeface="Adobe Clean"/>
-                          <a:cs typeface="Adobe Clean"/>
-                        </a:rPr>
-                        <a:t>Y</a:t>
-                      </a:r>
-                      <a:r>
-                        <a:rPr sz="900" b="1" spc="-40" dirty="0">
+                        <a:rPr lang="de-de" sz="900" b="1" spc="-40">
                           <a:solidFill>
                             <a:srgbClr val="020302"/>
                           </a:solidFill>
@@ -3947,7 +3122,7 @@
                         <a:t> </a:t>
                       </a:r>
                       <a:r>
-                        <a:rPr sz="900" b="1" dirty="0">
+                        <a:rPr lang="de-de" sz="900" b="1">
                           <a:solidFill>
                             <a:srgbClr val="020302"/>
                           </a:solidFill>
@@ -3956,7 +3131,7 @@
                         </a:rPr>
                         <a:t>2</a:t>
                       </a:r>
-                      <a:endParaRPr sz="900" dirty="0">
+                      <a:endParaRPr sz="900">
                         <a:latin typeface="Adobe Clean"/>
                         <a:cs typeface="Adobe Clean"/>
                       </a:endParaRPr>
@@ -3971,19 +3146,19 @@
                         </a:spcBef>
                       </a:pPr>
                       <a:r>
-                        <a:rPr lang="en-US" sz="900" b="0" i="0" u="none" strike="noStrike" dirty="0">
+                        <a:rPr lang="de-de" sz="900" b="0" i="0" u="none" strike="noStrike">
                           <a:solidFill>
                             <a:schemeClr val="tx1"/>
                           </a:solidFill>
                           <a:effectLst/>
-                          <a:latin typeface="Adobe Clean Light"/>
+                          <a:latin typeface="Adobe Clean Light" panose="020B0303020404020204" pitchFamily="34" charset="0"/>
                           <a:ea typeface="+mn-ea"/>
                           <a:cs typeface="+mn-cs"/>
                         </a:rPr>
-                        <a:t>Customer's business functions has major degradation of services, or potential of data loss or unavailability of services, or a major feature is impacted</a:t>
+                        <a:t>客戶的業務功能發生嚴重的服務降級狀況，或是可能發生資料遺失或服務無法使用的狀況，或是主要功能受到了影響</a:t>
                       </a:r>
-                      <a:endParaRPr lang="en-US" sz="900" b="0" i="0" dirty="0">
-                        <a:latin typeface="Adobe Clean Light"/>
+                      <a:endParaRPr lang="en-US" sz="900" b="0" i="0">
+                        <a:latin typeface="Adobe Clean Light" panose="020B0303020404020204" pitchFamily="34" charset="0"/>
                         <a:cs typeface="AdobeClean-Light"/>
                       </a:endParaRPr>
                     </a:p>
@@ -3995,14 +3170,11 @@
                       </a:solidFill>
                       <a:prstDash val="solid"/>
                     </a:lnL>
-                    <a:lnR w="6350" cap="flat" cmpd="sng" algn="ctr">
+                    <a:lnR w="6350">
                       <a:solidFill>
                         <a:srgbClr val="B7B8B8"/>
                       </a:solidFill>
                       <a:prstDash val="solid"/>
-                      <a:round/>
-                      <a:headEnd type="none" w="med" len="med"/>
-                      <a:tailEnd type="none" w="med" len="med"/>
                     </a:lnR>
                     <a:lnT w="6350">
                       <a:solidFill>
@@ -4023,34 +3195,69 @@
                     <a:bodyPr/>
                     <a:lstStyle/>
                     <a:p>
-                      <a:pPr algn="ctr" fontAlgn="ctr"/>
+                      <a:pPr marL="473709" marR="343535" indent="-175895" algn="ctr">
+                        <a:lnSpc>
+                          <a:spcPct val="102200"/>
+                        </a:lnSpc>
+                      </a:pPr>
                       <a:r>
-                        <a:rPr lang="en-US" sz="900" b="0" i="0" u="none" strike="noStrike" dirty="0">
+                        <a:rPr lang="de-de" sz="900" spc="-30" dirty="0">
                           <a:solidFill>
                             <a:srgbClr val="020302"/>
                           </a:solidFill>
-                          <a:effectLst/>
-                          <a:latin typeface="AdobeClean-Light" panose="020B0503020404020204" pitchFamily="34" charset="0"/>
+                          <a:latin typeface="AdobeClean-Light"/>
+                          <a:cs typeface="AdobeClean-Light"/>
                         </a:rPr>
-                        <a:t>Business hours / 4 hours</a:t>
+                        <a:t>營業時間 </a:t>
                       </a:r>
+                      <a:r>
+                        <a:rPr lang="de-de" sz="900" dirty="0">
+                          <a:solidFill>
+                            <a:srgbClr val="020302"/>
+                          </a:solidFill>
+                          <a:latin typeface="AdobeClean-Light"/>
+                          <a:cs typeface="AdobeClean-Light"/>
+                        </a:rPr>
+                        <a:t>/ 4</a:t>
+                      </a:r>
+                      <a:r>
+                        <a:rPr lang="de-de" sz="900" spc="-100" dirty="0">
+                          <a:solidFill>
+                            <a:srgbClr val="020302"/>
+                          </a:solidFill>
+                          <a:latin typeface="AdobeClean-Light"/>
+                          <a:cs typeface="AdobeClean-Light"/>
+                        </a:rPr>
+                        <a:t> </a:t>
+                      </a:r>
+                      <a:r>
+                        <a:rPr lang="de-de" sz="900" spc="-15" dirty="0">
+                          <a:solidFill>
+                            <a:srgbClr val="020302"/>
+                          </a:solidFill>
+                          <a:latin typeface="AdobeClean-Light"/>
+                          <a:cs typeface="AdobeClean-Light"/>
+                        </a:rPr>
+                        <a:t>小時</a:t>
+                      </a:r>
+                      <a:endParaRPr sz="900" dirty="0">
+                        <a:latin typeface="AdobeClean-Light"/>
+                        <a:cs typeface="AdobeClean-Light"/>
+                      </a:endParaRPr>
                     </a:p>
                   </a:txBody>
-                  <a:tcPr marL="9525" marR="9525" marT="9525" marB="0" anchor="ctr">
+                  <a:tcPr marL="0" marR="0" marT="0" marB="0" anchor="ctr">
                     <a:lnL w="6350">
                       <a:solidFill>
                         <a:srgbClr val="B7B8B8"/>
                       </a:solidFill>
                       <a:prstDash val="solid"/>
                     </a:lnL>
-                    <a:lnR w="6350" cap="flat" cmpd="sng" algn="ctr">
+                    <a:lnR w="6350">
                       <a:solidFill>
                         <a:srgbClr val="B7B8B8"/>
                       </a:solidFill>
                       <a:prstDash val="solid"/>
-                      <a:round/>
-                      <a:headEnd type="none" w="med" len="med"/>
-                      <a:tailEnd type="none" w="med" len="med"/>
                     </a:lnR>
                     <a:lnT w="6350">
                       <a:solidFill>
@@ -4071,28 +3278,30 @@
                     <a:bodyPr/>
                     <a:lstStyle/>
                     <a:p>
-                      <a:pPr algn="ctr" fontAlgn="ctr"/>
+                      <a:pPr marL="542925" marR="492125" algn="ctr">
+                        <a:lnSpc>
+                          <a:spcPct val="102200"/>
+                        </a:lnSpc>
+                      </a:pPr>
                       <a:r>
-                        <a:rPr lang="en-US" sz="900" b="0" i="0" u="none" strike="noStrike">
+                        <a:rPr lang="de-de" sz="900" spc="-15" dirty="0">
                           <a:solidFill>
                             <a:srgbClr val="020302"/>
                           </a:solidFill>
-                          <a:effectLst/>
-                          <a:latin typeface="AdobeClean-Light" panose="020B0503020404020204" pitchFamily="34" charset="0"/>
+                          <a:latin typeface="AdobeClean-Light"/>
+                          <a:ea typeface="+mn-ea"/>
+                          <a:cs typeface="AdobeClean-Light"/>
                         </a:rPr>
-                        <a:t>24x5 / 1 hour</a:t>
+                        <a:t>24x5 /         1 小時</a:t>
                       </a:r>
                     </a:p>
                   </a:txBody>
-                  <a:tcPr marL="9525" marR="9525" marT="9525" marB="0" anchor="ctr">
-                    <a:lnL w="6350" cap="flat" cmpd="sng" algn="ctr">
+                  <a:tcPr marL="0" marR="0" marT="0" marB="0" anchor="ctr">
+                    <a:lnL w="6350">
                       <a:solidFill>
                         <a:srgbClr val="B7B8B8"/>
                       </a:solidFill>
                       <a:prstDash val="solid"/>
-                      <a:round/>
-                      <a:headEnd type="none" w="med" len="med"/>
-                      <a:tailEnd type="none" w="med" len="med"/>
                     </a:lnL>
                     <a:lnR w="6350" cap="flat" cmpd="sng" algn="ctr">
                       <a:solidFill>
@@ -4143,87 +3352,17 @@
                         </a:spcBef>
                       </a:pPr>
                       <a:r>
-                        <a:rPr sz="900" b="1" spc="-15" dirty="0">
+                        <a:rPr lang="de-de" sz="900" b="1" spc="-15">
                           <a:solidFill>
                             <a:srgbClr val="020302"/>
                           </a:solidFill>
                           <a:latin typeface="Adobe Clean"/>
                           <a:cs typeface="Adobe Clean"/>
                         </a:rPr>
-                        <a:t>P</a:t>
+                        <a:t>優先順序</a:t>
                       </a:r>
                       <a:r>
-                        <a:rPr sz="900" b="1" spc="-20" dirty="0">
-                          <a:solidFill>
-                            <a:srgbClr val="020302"/>
-                          </a:solidFill>
-                          <a:latin typeface="Adobe Clean"/>
-                          <a:cs typeface="Adobe Clean"/>
-                        </a:rPr>
-                        <a:t>R</a:t>
-                      </a:r>
-                      <a:r>
-                        <a:rPr sz="900" b="1" spc="-25" dirty="0">
-                          <a:solidFill>
-                            <a:srgbClr val="020302"/>
-                          </a:solidFill>
-                          <a:latin typeface="Adobe Clean"/>
-                          <a:cs typeface="Adobe Clean"/>
-                        </a:rPr>
-                        <a:t>I</a:t>
-                      </a:r>
-                      <a:r>
-                        <a:rPr sz="900" b="1" spc="-15" dirty="0">
-                          <a:solidFill>
-                            <a:srgbClr val="020302"/>
-                          </a:solidFill>
-                          <a:latin typeface="Adobe Clean"/>
-                          <a:cs typeface="Adobe Clean"/>
-                        </a:rPr>
-                        <a:t>O</a:t>
-                      </a:r>
-                      <a:r>
-                        <a:rPr sz="900" b="1" spc="-20" dirty="0">
-                          <a:solidFill>
-                            <a:srgbClr val="020302"/>
-                          </a:solidFill>
-                          <a:latin typeface="Adobe Clean"/>
-                          <a:cs typeface="Adobe Clean"/>
-                        </a:rPr>
-                        <a:t>R</a:t>
-                      </a:r>
-                      <a:r>
-                        <a:rPr sz="900" b="1" spc="-25" dirty="0">
-                          <a:solidFill>
-                            <a:srgbClr val="020302"/>
-                          </a:solidFill>
-                          <a:latin typeface="Adobe Clean"/>
-                          <a:cs typeface="Adobe Clean"/>
-                        </a:rPr>
-                        <a:t>I</a:t>
-                      </a:r>
-                      <a:r>
-                        <a:rPr sz="900" b="1" spc="-15" dirty="0">
-                          <a:solidFill>
-                            <a:srgbClr val="020302"/>
-                          </a:solidFill>
-                          <a:latin typeface="Adobe Clean"/>
-                          <a:cs typeface="Adobe Clean"/>
-                        </a:rPr>
-                        <a:t>T</a:t>
-                      </a:r>
-                      <a:r>
-                        <a:rPr sz="900" b="1" dirty="0">
-                          <a:solidFill>
-                            <a:srgbClr val="020302"/>
-                          </a:solidFill>
-                          <a:latin typeface="Adobe Clean"/>
-                          <a:cs typeface="Adobe Clean"/>
-                        </a:rPr>
-                        <a:t>Y</a:t>
-                      </a:r>
-                      <a:r>
-                        <a:rPr sz="900" b="1" spc="-40" dirty="0">
+                        <a:rPr lang="de-de" sz="900" b="1" spc="-40">
                           <a:solidFill>
                             <a:srgbClr val="020302"/>
                           </a:solidFill>
@@ -4233,7 +3372,7 @@
                         <a:t> </a:t>
                       </a:r>
                       <a:r>
-                        <a:rPr sz="900" b="1" dirty="0">
+                        <a:rPr lang="de-de" sz="900" b="1">
                           <a:solidFill>
                             <a:srgbClr val="020302"/>
                           </a:solidFill>
@@ -4242,7 +3381,7 @@
                         </a:rPr>
                         <a:t>3</a:t>
                       </a:r>
-                      <a:endParaRPr sz="900" dirty="0">
+                      <a:endParaRPr sz="900">
                         <a:latin typeface="Adobe Clean"/>
                         <a:cs typeface="Adobe Clean"/>
                       </a:endParaRPr>
@@ -4257,19 +3396,19 @@
                         </a:spcBef>
                       </a:pPr>
                       <a:r>
-                        <a:rPr lang="en-US" sz="900" b="0" i="0" u="none" strike="noStrike" dirty="0">
+                        <a:rPr lang="de-de" sz="900" b="0" i="0" u="none" strike="noStrike">
                           <a:solidFill>
                             <a:schemeClr val="tx1"/>
                           </a:solidFill>
                           <a:effectLst/>
-                          <a:latin typeface="Adobe Clean Light"/>
+                          <a:latin typeface="Adobe Clean Light" panose="020B0303020404020204" pitchFamily="34" charset="0"/>
                           <a:ea typeface="+mn-ea"/>
                           <a:cs typeface="+mn-cs"/>
                         </a:rPr>
-                        <a:t>Customer's business functions has minor to no degradation of services with a solution/workaround allowing business functions to continue </a:t>
+                        <a:t>優先順序 3客戶的業務功能發生了輕微服務降級狀況或沒有降級，但有解決/變通方法讓業務功能得以繼續運作。</a:t>
                       </a:r>
-                      <a:endParaRPr lang="en-US" sz="900" b="0" i="0" dirty="0">
-                        <a:latin typeface="Adobe Clean Light"/>
+                      <a:endParaRPr lang="en-US" sz="900" b="0" i="0">
+                        <a:latin typeface="Adobe Clean Light" panose="020B0303020404020204" pitchFamily="34" charset="0"/>
                         <a:cs typeface="AdobeClean-Light"/>
                       </a:endParaRPr>
                     </a:p>
@@ -4281,14 +3420,11 @@
                       </a:solidFill>
                       <a:prstDash val="solid"/>
                     </a:lnL>
-                    <a:lnR w="6350" cap="flat" cmpd="sng" algn="ctr">
+                    <a:lnR w="6350">
                       <a:solidFill>
                         <a:srgbClr val="B7B8B8"/>
                       </a:solidFill>
                       <a:prstDash val="solid"/>
-                      <a:round/>
-                      <a:headEnd type="none" w="med" len="med"/>
-                      <a:tailEnd type="none" w="med" len="med"/>
                     </a:lnR>
                     <a:lnT w="6350">
                       <a:solidFill>
@@ -4309,34 +3445,69 @@
                     <a:bodyPr/>
                     <a:lstStyle/>
                     <a:p>
-                      <a:pPr algn="ctr" fontAlgn="ctr"/>
+                      <a:pPr marL="473709" marR="343535" indent="-175895" algn="ctr">
+                        <a:lnSpc>
+                          <a:spcPct val="102200"/>
+                        </a:lnSpc>
+                      </a:pPr>
                       <a:r>
-                        <a:rPr lang="en-US" sz="900" b="0" i="0" u="none" strike="noStrike" dirty="0">
+                        <a:rPr lang="de-de" sz="900" spc="-30" dirty="0">
                           <a:solidFill>
                             <a:srgbClr val="020302"/>
                           </a:solidFill>
-                          <a:effectLst/>
-                          <a:latin typeface="AdobeClean-Light" panose="020B0503020404020204" pitchFamily="34" charset="0"/>
+                          <a:latin typeface="AdobeClean-Light"/>
+                          <a:cs typeface="AdobeClean-Light"/>
                         </a:rPr>
-                        <a:t>Business hours / 6 hours</a:t>
+                        <a:t>營業時間</a:t>
                       </a:r>
+                      <a:r>
+                        <a:rPr lang="de-de" sz="900" dirty="0">
+                          <a:solidFill>
+                            <a:srgbClr val="020302"/>
+                          </a:solidFill>
+                          <a:latin typeface="AdobeClean-Light"/>
+                          <a:cs typeface="AdobeClean-Light"/>
+                        </a:rPr>
+                        <a:t>/ 6</a:t>
+                      </a:r>
+                      <a:r>
+                        <a:rPr lang="de-de" sz="900" spc="-100" dirty="0">
+                          <a:solidFill>
+                            <a:srgbClr val="020302"/>
+                          </a:solidFill>
+                          <a:latin typeface="AdobeClean-Light"/>
+                          <a:cs typeface="AdobeClean-Light"/>
+                        </a:rPr>
+                        <a:t> </a:t>
+                      </a:r>
+                      <a:r>
+                        <a:rPr lang="de-de" sz="900" spc="-15" dirty="0">
+                          <a:solidFill>
+                            <a:srgbClr val="020302"/>
+                          </a:solidFill>
+                          <a:latin typeface="AdobeClean-Light"/>
+                          <a:cs typeface="AdobeClean-Light"/>
+                        </a:rPr>
+                        <a:t>小時</a:t>
+                      </a:r>
+                      <a:endParaRPr lang="en-US" sz="900" dirty="0">
+                        <a:latin typeface="AdobeClean-Light"/>
+                        <a:cs typeface="AdobeClean-Light"/>
+                      </a:endParaRPr>
                     </a:p>
                   </a:txBody>
-                  <a:tcPr marL="9525" marR="9525" marT="9525" marB="0" anchor="ctr">
+                  <a:tcPr marL="0" marR="0" marT="0" marB="0" anchor="ctr">
                     <a:lnL w="6350">
                       <a:solidFill>
                         <a:srgbClr val="B7B8B8"/>
                       </a:solidFill>
                       <a:prstDash val="solid"/>
                     </a:lnL>
-                    <a:lnR w="6350" cap="flat" cmpd="sng" algn="ctr">
+                    <a:lnR w="6350">
                       <a:solidFill>
                         <a:srgbClr val="B7B8B8"/>
                       </a:solidFill>
                       <a:prstDash val="solid"/>
-                      <a:round/>
-                      <a:headEnd type="none" w="med" len="med"/>
-                      <a:tailEnd type="none" w="med" len="med"/>
                     </a:lnR>
                     <a:lnT w="6350">
                       <a:solidFill>
@@ -4357,28 +3528,86 @@
                     <a:bodyPr/>
                     <a:lstStyle/>
                     <a:p>
-                      <a:pPr algn="ctr" fontAlgn="ctr"/>
+                      <a:pPr marL="428625" marR="398780" indent="-198120" algn="ctr">
+                        <a:lnSpc>
+                          <a:spcPct val="102200"/>
+                        </a:lnSpc>
+                        <a:spcBef>
+                          <a:spcPts val="675"/>
+                        </a:spcBef>
+                      </a:pPr>
                       <a:r>
-                        <a:rPr lang="en-US" sz="900" b="0" i="0" u="none" strike="noStrike">
+                        <a:rPr lang="de-de" sz="900" spc="-30" dirty="0">
                           <a:solidFill>
                             <a:srgbClr val="020302"/>
                           </a:solidFill>
-                          <a:effectLst/>
-                          <a:latin typeface="AdobeClean-Light" panose="020B0503020404020204" pitchFamily="34" charset="0"/>
+                          <a:latin typeface="AdobeClean-Light"/>
+                          <a:cs typeface="AdobeClean-Light"/>
                         </a:rPr>
-                        <a:t>Business hours / 2 hours</a:t>
+                        <a:t>營業時間</a:t>
                       </a:r>
+                      <a:r>
+                        <a:rPr lang="de-de" sz="900" spc="-120" dirty="0">
+                          <a:solidFill>
+                            <a:srgbClr val="020302"/>
+                          </a:solidFill>
+                          <a:latin typeface="AdobeClean-Light"/>
+                          <a:cs typeface="AdobeClean-Light"/>
+                        </a:rPr>
+                        <a:t> </a:t>
+                      </a:r>
+                      <a:r>
+                        <a:rPr lang="de-de" sz="900" spc="-5" dirty="0">
+                          <a:solidFill>
+                            <a:srgbClr val="020302"/>
+                          </a:solidFill>
+                          <a:latin typeface="AdobeClean-Light"/>
+                          <a:cs typeface="AdobeClean-Light"/>
+                        </a:rPr>
+                        <a:t> </a:t>
+                      </a:r>
+                      <a:r>
+                        <a:rPr lang="de-de" sz="900" dirty="0">
+                          <a:solidFill>
+                            <a:srgbClr val="020302"/>
+                          </a:solidFill>
+                          <a:latin typeface="AdobeClean-Light"/>
+                          <a:cs typeface="AdobeClean-Light"/>
+                        </a:rPr>
+                        <a:t>/ 2</a:t>
+                      </a:r>
+                      <a:r>
+                        <a:rPr lang="de-de" sz="900" spc="-100" dirty="0">
+                          <a:solidFill>
+                            <a:srgbClr val="020302"/>
+                          </a:solidFill>
+                          <a:latin typeface="AdobeClean-Light"/>
+                          <a:cs typeface="AdobeClean-Light"/>
+                        </a:rPr>
+                        <a:t> </a:t>
+                      </a:r>
+                      <a:r>
+                        <a:rPr lang="de-de" sz="900" spc="-15" dirty="0">
+                          <a:solidFill>
+                            <a:srgbClr val="020302"/>
+                          </a:solidFill>
+                          <a:latin typeface="AdobeClean-Light"/>
+                          <a:cs typeface="AdobeClean-Light"/>
+                        </a:rPr>
+                        <a:t>小時</a:t>
+                      </a:r>
+                      <a:endParaRPr sz="900" dirty="0">
+                        <a:latin typeface="AdobeClean-Light"/>
+                        <a:cs typeface="AdobeClean-Light"/>
+                      </a:endParaRPr>
                     </a:p>
                   </a:txBody>
-                  <a:tcPr marL="9525" marR="9525" marT="9525" marB="0" anchor="ctr">
-                    <a:lnL w="6350" cap="flat" cmpd="sng" algn="ctr">
+                  <a:tcPr marL="0" marR="0" marT="0" marB="0" anchor="ctr">
+                    <a:lnL w="6350">
                       <a:solidFill>
                         <a:srgbClr val="B7B8B8"/>
                       </a:solidFill>
                       <a:prstDash val="solid"/>
-                      <a:round/>
-                      <a:headEnd type="none" w="med" len="med"/>
-                      <a:tailEnd type="none" w="med" len="med"/>
                     </a:lnL>
                     <a:lnR w="6350" cap="flat" cmpd="sng" algn="ctr">
                       <a:solidFill>
@@ -4429,87 +3658,17 @@
                         </a:spcBef>
                       </a:pPr>
                       <a:r>
-                        <a:rPr sz="900" b="1" spc="-15" dirty="0">
+                        <a:rPr lang="de-de" sz="900" b="1" spc="-15">
                           <a:solidFill>
                             <a:srgbClr val="020302"/>
                           </a:solidFill>
                           <a:latin typeface="Adobe Clean"/>
                           <a:cs typeface="Adobe Clean"/>
                         </a:rPr>
-                        <a:t>P</a:t>
+                        <a:t>優先順序</a:t>
                       </a:r>
                       <a:r>
-                        <a:rPr sz="900" b="1" spc="-20" dirty="0">
-                          <a:solidFill>
-                            <a:srgbClr val="020302"/>
-                          </a:solidFill>
-                          <a:latin typeface="Adobe Clean"/>
-                          <a:cs typeface="Adobe Clean"/>
-                        </a:rPr>
-                        <a:t>R</a:t>
-                      </a:r>
-                      <a:r>
-                        <a:rPr sz="900" b="1" spc="-25" dirty="0">
-                          <a:solidFill>
-                            <a:srgbClr val="020302"/>
-                          </a:solidFill>
-                          <a:latin typeface="Adobe Clean"/>
-                          <a:cs typeface="Adobe Clean"/>
-                        </a:rPr>
-                        <a:t>I</a:t>
-                      </a:r>
-                      <a:r>
-                        <a:rPr sz="900" b="1" spc="-15" dirty="0">
-                          <a:solidFill>
-                            <a:srgbClr val="020302"/>
-                          </a:solidFill>
-                          <a:latin typeface="Adobe Clean"/>
-                          <a:cs typeface="Adobe Clean"/>
-                        </a:rPr>
-                        <a:t>O</a:t>
-                      </a:r>
-                      <a:r>
-                        <a:rPr sz="900" b="1" spc="-20" dirty="0">
-                          <a:solidFill>
-                            <a:srgbClr val="020302"/>
-                          </a:solidFill>
-                          <a:latin typeface="Adobe Clean"/>
-                          <a:cs typeface="Adobe Clean"/>
-                        </a:rPr>
-                        <a:t>R</a:t>
-                      </a:r>
-                      <a:r>
-                        <a:rPr sz="900" b="1" spc="-25" dirty="0">
-                          <a:solidFill>
-                            <a:srgbClr val="020302"/>
-                          </a:solidFill>
-                          <a:latin typeface="Adobe Clean"/>
-                          <a:cs typeface="Adobe Clean"/>
-                        </a:rPr>
-                        <a:t>I</a:t>
-                      </a:r>
-                      <a:r>
-                        <a:rPr sz="900" b="1" spc="-15" dirty="0">
-                          <a:solidFill>
-                            <a:srgbClr val="020302"/>
-                          </a:solidFill>
-                          <a:latin typeface="Adobe Clean"/>
-                          <a:cs typeface="Adobe Clean"/>
-                        </a:rPr>
-                        <a:t>T</a:t>
-                      </a:r>
-                      <a:r>
-                        <a:rPr sz="900" b="1" dirty="0">
-                          <a:solidFill>
-                            <a:srgbClr val="020302"/>
-                          </a:solidFill>
-                          <a:latin typeface="Adobe Clean"/>
-                          <a:cs typeface="Adobe Clean"/>
-                        </a:rPr>
-                        <a:t>Y</a:t>
-                      </a:r>
-                      <a:r>
-                        <a:rPr sz="900" b="1" spc="-40" dirty="0">
+                        <a:rPr lang="de-de" sz="900" b="1" spc="-40">
                           <a:solidFill>
                             <a:srgbClr val="020302"/>
                           </a:solidFill>
@@ -4519,7 +3678,7 @@
                         <a:t> </a:t>
                       </a:r>
                       <a:r>
-                        <a:rPr sz="900" b="1" dirty="0">
+                        <a:rPr lang="de-de" sz="900" b="1">
                           <a:solidFill>
                             <a:srgbClr val="020302"/>
                           </a:solidFill>
@@ -4528,7 +3687,7 @@
                         </a:rPr>
                         <a:t>4</a:t>
                       </a:r>
-                      <a:endParaRPr sz="900" dirty="0">
+                      <a:endParaRPr sz="900">
                         <a:latin typeface="Adobe Clean"/>
                         <a:cs typeface="Adobe Clean"/>
                       </a:endParaRPr>
@@ -4543,29 +3702,29 @@
                         </a:spcBef>
                       </a:pPr>
                       <a:r>
-                        <a:rPr lang="en-US" sz="900" b="1" spc="-90" dirty="0">
+                        <a:rPr lang="de-de" sz="900" b="1" spc="-90">
                           <a:solidFill>
                             <a:srgbClr val="020302"/>
                           </a:solidFill>
                           <a:latin typeface="Adobe Clean"/>
-                          <a:cs typeface="+mn-cs"/>
+                          <a:cs typeface="Adobe Clean"/>
                         </a:rPr>
-                        <a:t> </a:t>
+                        <a:t> </a:t>
                       </a:r>
                       <a:r>
-                        <a:rPr lang="en-US" sz="900" b="0" i="0" u="none" strike="noStrike" dirty="0">
+                        <a:rPr lang="de-de" sz="900" b="0" i="0" u="none" strike="noStrike">
                           <a:solidFill>
                             <a:schemeClr val="tx1"/>
                           </a:solidFill>
                           <a:effectLst/>
-                          <a:latin typeface="Adobe Clean Light"/>
+                          <a:latin typeface="Adobe Clean Light" panose="020B0303020404020204" pitchFamily="34" charset="0"/>
                           <a:ea typeface="+mn-ea"/>
                           <a:cs typeface="+mn-cs"/>
                         </a:rPr>
-                        <a:t>General question regarding current product functionality or an enhancement request</a:t>
+                        <a:t>有關目前產品功能或增強要求的一般性問題</a:t>
                       </a:r>
-                      <a:endParaRPr lang="en-US" sz="900" b="0" i="0" dirty="0">
-                        <a:latin typeface="Adobe Clean Light"/>
+                      <a:endParaRPr lang="en-US" sz="900" b="0" i="0">
+                        <a:latin typeface="Adobe Clean Light" panose="020B0303020404020204" pitchFamily="34" charset="0"/>
                         <a:cs typeface="AdobeClean-Light"/>
                       </a:endParaRPr>
                     </a:p>
@@ -4577,14 +3736,11 @@
                       </a:solidFill>
                       <a:prstDash val="solid"/>
                     </a:lnL>
-                    <a:lnR w="6350" cap="flat" cmpd="sng" algn="ctr">
+                    <a:lnR w="6350">
                       <a:solidFill>
                         <a:srgbClr val="B7B8B8"/>
                       </a:solidFill>
                       <a:prstDash val="solid"/>
-                      <a:round/>
-                      <a:headEnd type="none" w="med" len="med"/>
-                      <a:tailEnd type="none" w="med" len="med"/>
                     </a:lnR>
                     <a:lnT w="6350">
                       <a:solidFill>
@@ -4605,34 +3761,69 @@
                     <a:bodyPr/>
                     <a:lstStyle/>
                     <a:p>
-                      <a:pPr algn="ctr" fontAlgn="ctr"/>
+                      <a:pPr marL="473709" marR="343535" indent="-175895" algn="ctr">
+                        <a:lnSpc>
+                          <a:spcPct val="102200"/>
+                        </a:lnSpc>
+                      </a:pPr>
                       <a:r>
-                        <a:rPr lang="en-US" sz="900" b="0" i="0" u="none" strike="noStrike" dirty="0">
+                        <a:rPr lang="de-de" sz="900" spc="-30" dirty="0">
                           <a:solidFill>
                             <a:srgbClr val="020302"/>
                           </a:solidFill>
-                          <a:effectLst/>
-                          <a:latin typeface="AdobeClean-Light" panose="020B0503020404020204" pitchFamily="34" charset="0"/>
+                          <a:latin typeface="AdobeClean-Light"/>
+                          <a:cs typeface="AdobeClean-Light"/>
                         </a:rPr>
-                        <a:t>Business days / 3 days</a:t>
+                        <a:t>營業日 </a:t>
                       </a:r>
+                      <a:r>
+                        <a:rPr lang="de-de" sz="900" dirty="0">
+                          <a:solidFill>
+                            <a:srgbClr val="020302"/>
+                          </a:solidFill>
+                          <a:latin typeface="AdobeClean-Light"/>
+                          <a:cs typeface="AdobeClean-Light"/>
+                        </a:rPr>
+                        <a:t>/ 3</a:t>
+                      </a:r>
+                      <a:r>
+                        <a:rPr lang="de-de" sz="900" spc="-100" dirty="0">
+                          <a:solidFill>
+                            <a:srgbClr val="020302"/>
+                          </a:solidFill>
+                          <a:latin typeface="AdobeClean-Light"/>
+                          <a:cs typeface="AdobeClean-Light"/>
+                        </a:rPr>
+                        <a:t> </a:t>
+                      </a:r>
+                      <a:r>
+                        <a:rPr lang="de-de" sz="900" spc="-15" dirty="0">
+                          <a:solidFill>
+                            <a:srgbClr val="020302"/>
+                          </a:solidFill>
+                          <a:latin typeface="AdobeClean-Light"/>
+                          <a:cs typeface="AdobeClean-Light"/>
+                        </a:rPr>
+                        <a:t>天</a:t>
+                      </a:r>
+                      <a:endParaRPr lang="en-US" sz="900" dirty="0">
+                        <a:latin typeface="AdobeClean-Light"/>
+                        <a:cs typeface="AdobeClean-Light"/>
+                      </a:endParaRPr>
                     </a:p>
                   </a:txBody>
-                  <a:tcPr marL="9525" marR="9525" marT="9525" marB="0" anchor="ctr">
+                  <a:tcPr marL="0" marR="0" marT="0" marB="0" anchor="ctr">
                     <a:lnL w="6350">
                       <a:solidFill>
                         <a:srgbClr val="B7B8B8"/>
                       </a:solidFill>
                       <a:prstDash val="solid"/>
                     </a:lnL>
-                    <a:lnR w="6350" cap="flat" cmpd="sng" algn="ctr">
+                    <a:lnR w="6350">
                       <a:solidFill>
                         <a:srgbClr val="B7B8B8"/>
                       </a:solidFill>
                       <a:prstDash val="solid"/>
-                      <a:round/>
-                      <a:headEnd type="none" w="med" len="med"/>
-                      <a:tailEnd type="none" w="med" len="med"/>
                     </a:lnR>
                     <a:lnT w="6350">
                       <a:solidFill>
@@ -4653,28 +3844,63 @@
                     <a:bodyPr/>
                     <a:lstStyle/>
                     <a:p>
-                      <a:pPr algn="ctr" fontAlgn="ctr"/>
+                      <a:pPr marL="473709" marR="343535" indent="-175895" algn="ctr">
+                        <a:lnSpc>
+                          <a:spcPct val="102200"/>
+                        </a:lnSpc>
+                      </a:pPr>
                       <a:r>
-                        <a:rPr lang="en-US" sz="900" b="0" i="0" u="none" strike="noStrike" dirty="0">
+                        <a:rPr lang="de-de" sz="900" spc="-30" dirty="0">
                           <a:solidFill>
                             <a:srgbClr val="020302"/>
                           </a:solidFill>
-                          <a:effectLst/>
-                          <a:latin typeface="AdobeClean-Light" panose="020B0503020404020204" pitchFamily="34" charset="0"/>
+                          <a:latin typeface="AdobeClean-Light"/>
+                          <a:cs typeface="AdobeClean-Light"/>
                         </a:rPr>
-                        <a:t>Business days / 1 day</a:t>
+                        <a:t>營業日 </a:t>
                       </a:r>
+                      <a:r>
+                        <a:rPr lang="de-de" sz="900" dirty="0">
+                          <a:solidFill>
+                            <a:srgbClr val="020302"/>
+                          </a:solidFill>
+                          <a:latin typeface="AdobeClean-Light"/>
+                          <a:cs typeface="AdobeClean-Light"/>
+                        </a:rPr>
+                        <a:t>/ 1</a:t>
+                      </a:r>
+                      <a:r>
+                        <a:rPr lang="de-de" sz="900" spc="-100" dirty="0">
+                          <a:solidFill>
+                            <a:srgbClr val="020302"/>
+                          </a:solidFill>
+                          <a:latin typeface="AdobeClean-Light"/>
+                          <a:cs typeface="AdobeClean-Light"/>
+                        </a:rPr>
+                        <a:t> </a:t>
+                      </a:r>
+                      <a:r>
+                        <a:rPr lang="de-de" sz="900" spc="-15" dirty="0">
+                          <a:solidFill>
+                            <a:srgbClr val="020302"/>
+                          </a:solidFill>
+                          <a:latin typeface="AdobeClean-Light"/>
+                          <a:cs typeface="AdobeClean-Light"/>
+                        </a:rPr>
+                        <a:t>天</a:t>
+                      </a:r>
+                      <a:endParaRPr lang="en-US" sz="900" dirty="0">
+                        <a:latin typeface="AdobeClean-Light"/>
+                        <a:cs typeface="AdobeClean-Light"/>
+                      </a:endParaRPr>
                     </a:p>
                   </a:txBody>
-                  <a:tcPr marL="9525" marR="9525" marT="9525" marB="0" anchor="ctr">
-                    <a:lnL w="6350" cap="flat" cmpd="sng" algn="ctr">
+                  <a:tcPr marL="0" marR="0" marT="0" marB="0" anchor="ctr">
+                    <a:lnL w="6350">
                       <a:solidFill>
                         <a:srgbClr val="B7B8B8"/>
                       </a:solidFill>
                       <a:prstDash val="solid"/>
-                      <a:round/>
-                      <a:headEnd type="none" w="med" len="med"/>
-                      <a:tailEnd type="none" w="med" len="med"/>
                     </a:lnL>
                     <a:lnR w="6350" cap="flat" cmpd="sng" algn="ctr">
                       <a:solidFill>
@@ -4749,7 +3975,7 @@
         <p:spPr>
           <a:xfrm>
             <a:off x="97788" y="9888626"/>
-            <a:ext cx="2245360" cy="133370"/>
+            <a:ext cx="5437598" cy="133370"/>
           </a:xfrm>
           <a:prstGeom prst="rect">
             <a:avLst/>
@@ -4770,40 +3996,36 @@
               </a:spcBef>
             </a:pPr>
             <a:r>
-              <a:rPr spc="-10"/>
-              <a:t>©202</a:t>
-            </a:r>
-            <a:r>
-              <a:rPr lang="en-US" spc="-10"/>
-              <a:t>1</a:t>
-            </a:r>
-            <a:r>
-              <a:rPr spc="-5"/>
-              <a:t> Adobe. All</a:t>
-            </a:r>
-            <a:r>
-              <a:rPr spc="-10"/>
+              <a:rPr lang="de-de" spc="-10" dirty="0"/>
+              <a:t>©2021</a:t>
+            </a:r>
+            <a:r>
+              <a:rPr lang="de-de" spc="-5" dirty="0"/>
+              <a:t> Adobe。All</a:t>
+            </a:r>
+            <a:r>
+              <a:rPr lang="de-de" spc="-10" dirty="0"/>
               <a:t> Rights</a:t>
             </a:r>
             <a:r>
-              <a:rPr spc="-5"/>
+              <a:rPr lang="de-de" spc="-5" dirty="0"/>
               <a:t> </a:t>
             </a:r>
             <a:r>
-              <a:rPr spc="-10"/>
-              <a:t>Reserved.</a:t>
-            </a:r>
-            <a:r>
-              <a:rPr spc="-5"/>
-              <a:t> Adobe</a:t>
-            </a:r>
-            <a:r>
-              <a:rPr spc="60"/>
+              <a:rPr lang="de-de" spc="-10" dirty="0"/>
+              <a:t>Reserved。</a:t>
+            </a:r>
+            <a:r>
+              <a:rPr lang="de-de" spc="-5" dirty="0"/>
+              <a:t>Adobe</a:t>
+            </a:r>
+            <a:r>
+              <a:rPr lang="de-de" spc="60" dirty="0"/>
               <a:t> </a:t>
             </a:r>
             <a:r>
-              <a:rPr spc="-10"/>
-              <a:t>Confidential.</a:t>
+              <a:rPr lang="de-de" spc="-10" dirty="0"/>
+              <a:t>機密資訊。</a:t>
             </a:r>
           </a:p>
         </p:txBody>
@@ -4837,7 +4059,7 @@
           <a:lstStyle/>
           <a:p>
             <a:r>
-              <a:rPr lang="en-US" sz="700" i="1">
+              <a:rPr lang="de-de" sz="700" i="1">
                 <a:solidFill>
                   <a:schemeClr val="bg1"/>
                 </a:solidFill>
@@ -4883,16 +4105,16 @@
               </a:spcBef>
             </a:pPr>
             <a:r>
-              <a:rPr lang="en-US" sz="1200" dirty="0">
+              <a:rPr lang="de-de" sz="1200">
                 <a:solidFill>
                   <a:schemeClr val="bg1"/>
                 </a:solidFill>
                 <a:latin typeface="Adobe Clean Light" panose="020B0303020404020204" pitchFamily="34" charset="0"/>
               </a:rPr>
-              <a:t>Online | Business |</a:t>
-            </a:r>
-            <a:r>
-              <a:rPr lang="en-US" sz="1200" b="1" dirty="0">
+              <a:t>線上 | 商務 |</a:t>
+            </a:r>
+            <a:r>
+              <a:rPr lang="de-de" sz="1200" b="1">
                 <a:solidFill>
                   <a:schemeClr val="bg1"/>
                 </a:solidFill>
@@ -4901,15 +4123,15 @@
               <a:t> </a:t>
             </a:r>
             <a:r>
-              <a:rPr lang="en-US" sz="1200" b="1" dirty="0">
+              <a:rPr lang="de-de" sz="1200" b="1">
                 <a:solidFill>
                   <a:schemeClr val="bg1"/>
                 </a:solidFill>
               </a:rPr>
-              <a:t>Enterprise</a:t>
-            </a:r>
-            <a:r>
-              <a:rPr lang="en-US" sz="1200" b="1" dirty="0">
+              <a:t>企業</a:t>
+            </a:r>
+            <a:r>
+              <a:rPr lang="de-de" sz="1200" b="1">
                 <a:solidFill>
                   <a:schemeClr val="bg1"/>
                 </a:solidFill>
@@ -4918,32 +4140,25 @@
               <a:t> </a:t>
             </a:r>
             <a:r>
-              <a:rPr lang="en-US" sz="1200" dirty="0">
+              <a:rPr lang="de-de" sz="1200">
                 <a:solidFill>
                   <a:schemeClr val="bg1"/>
                 </a:solidFill>
                 <a:latin typeface="Adobe Clean Light" panose="020B0303020404020204" pitchFamily="34" charset="0"/>
               </a:rPr>
-              <a:t>| Elite</a:t>
-            </a:r>
-            <a:br>
-              <a:rPr lang="en-US" sz="900" dirty="0">
-                <a:solidFill>
-                  <a:schemeClr val="bg1"/>
-                </a:solidFill>
-                <a:latin typeface="Adobe Clean Light" panose="020B0303020404020204" pitchFamily="34" charset="0"/>
-              </a:rPr>
-            </a:br>
-            <a:r>
-              <a:rPr lang="en-US" sz="900" dirty="0">
+              <a:t>| 菁英</a:t>
+            </a:r>
+            <a:br/>
+            <a:r>
+              <a:rPr lang="de-de" sz="900">
                 <a:solidFill>
                   <a:schemeClr val="bg1"/>
                 </a:solidFill>
                 <a:latin typeface="Adobe Clean SemiLight" panose="020B0403020404020204" pitchFamily="34" charset="0"/>
               </a:rPr>
-              <a:t>ENTERPRISE support includes access to personalized learning paths and monitored community forums via the Adobe Experience League. You can also take advantage of our detailed and in-depth technical product documentation and current release notes. ENTERPRISE customers will also be provided with a Named Support Engineer who acts as your designated technical contact in the Adobe Support Team. With deep experience in your designated Experience Cloud solution, your support team will work in partnership with you and your technical teams to ensure timely resolution of all support requests. Your support team can also help coordinate and arrange delivery of the additional ENTERPRISE benefits ensuring minimal disruption to your business at the most critical time. </a:t>
-            </a:r>
-            <a:endParaRPr lang="en-US" sz="900" dirty="0">
+              <a:t>企業支援包括透過 Adobe Experience League 存取個人化的學習路徑和監控的社群論壇。您還可以利用我們詳細和深入的技術產品文件和目前的版本注意事項。企業客戶還將得到一個指定的支援工程師，他是您在 Adobe 支援團隊中的指定技術聯絡人。憑藉對您指定的 Experience Cloud 解決方案的深厚經驗，您的支援團隊將與您和您的技術團隊合作，確保及時解決所有支援請求。您的支援團隊還可以幫助協調和安排交付額外的企業利益，確保在最關鍵的時刻對您的業務造成最小的干擾。</a:t>
+            </a:r>
+            <a:endParaRPr lang="en-US" sz="900">
               <a:solidFill>
                 <a:schemeClr val="bg1"/>
               </a:solidFill>
@@ -5019,7 +4234,7 @@
                     <a:bodyPr/>
                     <a:lstStyle/>
                     <a:p>
-                      <a:endParaRPr lang="en-US"/>
+                      <a:endParaRPr lang="en-US" dirty="0"/>
                     </a:p>
                   </a:txBody>
                   <a:tcPr/>
@@ -5057,14 +4272,14 @@
                         <a:defRPr/>
                       </a:pPr>
                       <a:r>
-                        <a:rPr lang="en-US" sz="900" spc="0">
+                        <a:rPr lang="de-de" sz="900" spc="0">
                           <a:solidFill>
                             <a:srgbClr val="404040"/>
                           </a:solidFill>
                           <a:latin typeface="Adobe Clean"/>
                           <a:cs typeface="Adobe Clean"/>
                         </a:rPr>
-                        <a:t>Online  Support</a:t>
+                        <a:t>線上支援</a:t>
                       </a:r>
                       <a:endParaRPr lang="en-US" sz="900" spc="0">
                         <a:latin typeface="Adobe Clean"/>
@@ -5110,24 +4325,14 @@
                         </a:spcBef>
                       </a:pPr>
                       <a:r>
-                        <a:rPr lang="en-US" sz="900" spc="0">
+                        <a:rPr lang="de-de" sz="900" spc="0">
                           <a:solidFill>
                             <a:srgbClr val="FFFFFF"/>
                           </a:solidFill>
                           <a:latin typeface="Adobe Clean"/>
                           <a:cs typeface="Adobe Clean"/>
                         </a:rPr>
-                        <a:t>Enterprise </a:t>
-                      </a:r>
-                      <a:r>
-                        <a:rPr sz="900" spc="0">
-                          <a:solidFill>
-                            <a:srgbClr val="FFFFFF"/>
-                          </a:solidFill>
-                          <a:latin typeface="Adobe Clean"/>
-                          <a:cs typeface="Adobe Clean"/>
-                        </a:rPr>
-                        <a:t>Support</a:t>
+                        <a:t>企業支援</a:t>
                       </a:r>
                       <a:endParaRPr sz="900" spc="0">
                         <a:latin typeface="Adobe Clean"/>
@@ -5217,7 +4422,7 @@
                         <a:tabLst/>
                         <a:defRPr/>
                       </a:pPr>
-                      <a:endParaRPr lang="en-US" sz="800" i="1">
+                      <a:endParaRPr lang="en-US" sz="800" i="1" dirty="0">
                         <a:solidFill>
                           <a:sysClr val="windowText" lastClr="000000"/>
                         </a:solidFill>
@@ -5281,13 +4486,13 @@
                         <a:defRPr/>
                       </a:pPr>
                       <a:r>
-                        <a:rPr lang="en-US" sz="800" i="1">
+                        <a:rPr lang="de-de" sz="800" i="1">
                           <a:solidFill>
                             <a:schemeClr val="bg1"/>
                           </a:solidFill>
                           <a:latin typeface="Adobe Clean Light" panose="020B0303020404020204" pitchFamily="34" charset="0"/>
                         </a:rPr>
-                        <a:t>Paid Support ($)</a:t>
+                        <a:t>付費支援 ($)</a:t>
                       </a:r>
                     </a:p>
                   </a:txBody>
@@ -5351,14 +4556,14 @@
                         </a:spcBef>
                       </a:pPr>
                       <a:r>
-                        <a:rPr lang="en-US" sz="1000" b="1" i="0" spc="0">
+                        <a:rPr lang="de-de" sz="1000" b="1" i="0" spc="0">
                           <a:solidFill>
                             <a:schemeClr val="bg1"/>
                           </a:solidFill>
                           <a:latin typeface="Adobe Clean" panose="020B0503020404020204" pitchFamily="34" charset="0"/>
                           <a:cs typeface="AdobeClean-Light"/>
                         </a:rPr>
-                        <a:t>Assigned Experts</a:t>
+                        <a:t>指派的專家</a:t>
                       </a:r>
                       <a:endParaRPr sz="1000" b="1" i="0" spc="0">
                         <a:solidFill>
@@ -5413,14 +4618,14 @@
                         </a:spcBef>
                       </a:pPr>
                       <a:r>
-                        <a:rPr sz="900" spc="0">
+                        <a:rPr lang="de-de" sz="900" spc="0">
                           <a:solidFill>
                             <a:srgbClr val="020302"/>
                           </a:solidFill>
                           <a:latin typeface="AdobeClean-Light"/>
                           <a:cs typeface="AdobeClean-Light"/>
                         </a:rPr>
-                        <a:t>Account Support Lead</a:t>
+                        <a:t>帳戶支援負責人</a:t>
                       </a:r>
                       <a:endParaRPr sz="900" spc="0">
                         <a:latin typeface="AdobeClean-Light"/>
@@ -5590,14 +4795,14 @@
                         </a:spcBef>
                       </a:pPr>
                       <a:r>
-                        <a:rPr sz="900" spc="0">
+                        <a:rPr lang="de-de" sz="900" spc="0">
                           <a:solidFill>
                             <a:srgbClr val="020302"/>
                           </a:solidFill>
                           <a:latin typeface="AdobeClean-Light"/>
                           <a:cs typeface="AdobeClean-Light"/>
                         </a:rPr>
-                        <a:t>Named Support Engineer</a:t>
+                        <a:t>指定的支援工程師</a:t>
                       </a:r>
                       <a:endParaRPr sz="900" spc="0">
                         <a:latin typeface="AdobeClean-Light"/>
@@ -5672,7 +4877,7 @@
                         <a:defRPr/>
                       </a:pPr>
                       <a:r>
-                        <a:rPr lang="en-US" sz="900">
+                        <a:rPr lang="de-de" sz="900">
                           <a:solidFill>
                             <a:srgbClr val="020302"/>
                           </a:solidFill>
@@ -5765,14 +4970,14 @@
                         </a:spcBef>
                       </a:pPr>
                       <a:r>
-                        <a:rPr sz="900" spc="0">
+                        <a:rPr lang="de-de" sz="900" spc="0">
                           <a:solidFill>
                             <a:srgbClr val="020302"/>
                           </a:solidFill>
                           <a:latin typeface="AdobeClean-Light"/>
                           <a:cs typeface="AdobeClean-Light"/>
                         </a:rPr>
-                        <a:t>Technical Account Manager</a:t>
+                        <a:t>技術客戶經理</a:t>
                       </a:r>
                       <a:endParaRPr sz="900" spc="0">
                         <a:latin typeface="AdobeClean-Light"/>
@@ -5895,16 +5100,16 @@
                         </a:spcBef>
                       </a:pPr>
                       <a:r>
-                        <a:rPr lang="en-US" sz="1000" b="1" i="0" spc="0">
+                        <a:rPr lang="de-de" sz="1000" b="1" i="0" spc="0" dirty="0">
                           <a:solidFill>
                             <a:schemeClr val="bg1"/>
                           </a:solidFill>
                           <a:latin typeface="Adobe Clean" panose="020B0503020404020204" pitchFamily="34" charset="0"/>
                           <a:cs typeface="AdobeClean-Light"/>
                         </a:rPr>
-                        <a:t>Support Services</a:t>
+                        <a:t>支援服務</a:t>
                       </a:r>
-                      <a:endParaRPr sz="1000" b="1" i="0" spc="0">
+                      <a:endParaRPr sz="1000" b="1" i="0" spc="0" dirty="0">
                         <a:solidFill>
                           <a:schemeClr val="bg1"/>
                         </a:solidFill>
@@ -5966,24 +5171,14 @@
                         </a:spcBef>
                       </a:pPr>
                       <a:r>
-                        <a:rPr lang="en-US" sz="900" spc="0">
+                        <a:rPr lang="de-de" sz="900" spc="0">
                           <a:solidFill>
                             <a:srgbClr val="020302"/>
                           </a:solidFill>
                           <a:latin typeface="AdobeClean-Light"/>
                           <a:cs typeface="AdobeClean-Light"/>
                         </a:rPr>
-                        <a:t>Online</a:t>
-                      </a:r>
-                      <a:r>
-                        <a:rPr sz="900" spc="0">
-                          <a:solidFill>
-                            <a:srgbClr val="020302"/>
-                          </a:solidFill>
-                          <a:latin typeface="AdobeClean-Light"/>
-                          <a:cs typeface="AdobeClean-Light"/>
-                        </a:rPr>
-                        <a:t> Support</a:t>
+                        <a:t>線上支援</a:t>
                       </a:r>
                       <a:endParaRPr sz="900" spc="0">
                         <a:latin typeface="AdobeClean-Light"/>
@@ -6026,34 +5221,14 @@
                         </a:spcBef>
                       </a:pPr>
                       <a:r>
-                        <a:rPr sz="900" spc="-25">
+                        <a:rPr lang="de-de" sz="900" spc="-25">
                           <a:solidFill>
                             <a:srgbClr val="020302"/>
                           </a:solidFill>
                           <a:latin typeface="AdobeClean-Light"/>
                           <a:cs typeface="AdobeClean-Light"/>
                         </a:rPr>
-                        <a:t>Business</a:t>
-                      </a:r>
-                      <a:r>
-                        <a:rPr sz="900" spc="-15">
-                          <a:solidFill>
-                            <a:srgbClr val="020302"/>
-                          </a:solidFill>
-                          <a:latin typeface="AdobeClean-Light"/>
-                          <a:cs typeface="AdobeClean-Light"/>
-                        </a:rPr>
-                        <a:t> </a:t>
-                      </a:r>
-                      <a:r>
-                        <a:rPr sz="900" spc="-30">
-                          <a:solidFill>
-                            <a:srgbClr val="020302"/>
-                          </a:solidFill>
-                          <a:latin typeface="AdobeClean-Light"/>
-                          <a:cs typeface="AdobeClean-Light"/>
-                        </a:rPr>
-                        <a:t>hours</a:t>
+                        <a:t>營業時間</a:t>
                       </a:r>
                       <a:endParaRPr sz="900">
                         <a:latin typeface="AdobeClean-Light"/>
@@ -6097,7 +5272,7 @@
                         </a:spcBef>
                       </a:pPr>
                       <a:r>
-                        <a:rPr lang="en-US" sz="900" spc="-25">
+                        <a:rPr lang="de-de" sz="900" spc="-25">
                           <a:solidFill>
                             <a:srgbClr val="020302"/>
                           </a:solidFill>
@@ -6192,34 +5367,14 @@
                         </a:spcBef>
                       </a:pPr>
                       <a:r>
-                        <a:rPr sz="900" spc="0">
+                        <a:rPr lang="de-de" sz="900" spc="0">
                           <a:solidFill>
                             <a:srgbClr val="020302"/>
                           </a:solidFill>
                           <a:latin typeface="AdobeClean-Light"/>
                           <a:cs typeface="AdobeClean-Light"/>
                         </a:rPr>
-                        <a:t>24x7</a:t>
-                      </a:r>
-                      <a:r>
-                        <a:rPr lang="en-US" sz="900" spc="0">
-                          <a:solidFill>
-                            <a:srgbClr val="020302"/>
-                          </a:solidFill>
-                          <a:latin typeface="AdobeClean-Light"/>
-                          <a:cs typeface="AdobeClean-Light"/>
-                        </a:rPr>
-                        <a:t>x365</a:t>
-                      </a:r>
-                      <a:r>
-                        <a:rPr sz="900" spc="0">
-                          <a:solidFill>
-                            <a:srgbClr val="020302"/>
-                          </a:solidFill>
-                          <a:latin typeface="AdobeClean-Light"/>
-                          <a:cs typeface="AdobeClean-Light"/>
-                        </a:rPr>
-                        <a:t> P1 Issue Support</a:t>
+                        <a:t>全年無休 P1 問題支援</a:t>
                       </a:r>
                       <a:endParaRPr sz="900" spc="0">
                         <a:latin typeface="AdobeClean-Light"/>
@@ -6256,7 +5411,7 @@
                         </a:spcBef>
                       </a:pPr>
                       <a:r>
-                        <a:rPr sz="900">
+                        <a:rPr lang="de-de" sz="900">
                           <a:solidFill>
                             <a:srgbClr val="020302"/>
                           </a:solidFill>
@@ -6298,7 +5453,7 @@
                         </a:spcBef>
                       </a:pPr>
                       <a:r>
-                        <a:rPr sz="900">
+                        <a:rPr lang="de-de" sz="900">
                           <a:solidFill>
                             <a:srgbClr val="020302"/>
                           </a:solidFill>
@@ -6391,14 +5546,14 @@
                         </a:spcBef>
                       </a:pPr>
                       <a:r>
-                        <a:rPr lang="en-US" sz="900" spc="0">
+                        <a:rPr lang="de-de" sz="900" spc="0">
                           <a:solidFill>
                             <a:srgbClr val="020302"/>
                           </a:solidFill>
                           <a:latin typeface="AdobeClean-Light"/>
                           <a:cs typeface="AdobeClean-Light"/>
                         </a:rPr>
-                        <a:t>Named Support Contacts (per product)</a:t>
+                        <a:t>指定的支援聯絡人 (依據產品)</a:t>
                       </a:r>
                       <a:endParaRPr sz="900" spc="0">
                         <a:latin typeface="AdobeClean-Light"/>
@@ -6441,7 +5596,7 @@
                         </a:spcBef>
                       </a:pPr>
                       <a:r>
-                        <a:rPr sz="900">
+                        <a:rPr lang="de-de" sz="900">
                           <a:solidFill>
                             <a:srgbClr val="020302"/>
                           </a:solidFill>
@@ -6483,7 +5638,7 @@
                         </a:spcBef>
                       </a:pPr>
                       <a:r>
-                        <a:rPr lang="en-US" sz="900">
+                        <a:rPr lang="de-de" sz="900">
                           <a:solidFill>
                             <a:srgbClr val="020302"/>
                           </a:solidFill>
@@ -6567,14 +5722,14 @@
                         </a:spcBef>
                       </a:pPr>
                       <a:r>
-                        <a:rPr lang="en-US" sz="900" spc="0">
+                        <a:rPr lang="de-de" sz="900" spc="0">
                           <a:solidFill>
                             <a:srgbClr val="020302"/>
                           </a:solidFill>
                           <a:latin typeface="AdobeClean-Light"/>
                           <a:cs typeface="AdobeClean-Light"/>
                         </a:rPr>
-                        <a:t>Live Telephone Support</a:t>
+                        <a:t>即時電話支援</a:t>
                       </a:r>
                       <a:endParaRPr sz="900" spc="0">
                         <a:latin typeface="AdobeClean-Light"/>
@@ -6643,7 +5798,7 @@
                         </a:spcBef>
                       </a:pPr>
                       <a:r>
-                        <a:rPr sz="900">
+                        <a:rPr lang="de-de" sz="900">
                           <a:solidFill>
                             <a:srgbClr val="020302"/>
                           </a:solidFill>
@@ -6727,14 +5882,14 @@
                         </a:spcBef>
                       </a:pPr>
                       <a:r>
-                        <a:rPr sz="900" spc="0">
+                        <a:rPr lang="de-de" sz="900" spc="0">
                           <a:solidFill>
                             <a:srgbClr val="020302"/>
                           </a:solidFill>
                           <a:latin typeface="AdobeClean-Light"/>
                           <a:cs typeface="AdobeClean-Light"/>
                         </a:rPr>
-                        <a:t>Escalation Management</a:t>
+                        <a:t>向上呈報管理</a:t>
                       </a:r>
                       <a:endParaRPr sz="900" spc="0">
                         <a:latin typeface="AdobeClean-Light"/>
@@ -6803,7 +5958,7 @@
                         </a:spcBef>
                       </a:pPr>
                       <a:r>
-                        <a:rPr sz="900">
+                        <a:rPr lang="de-de" sz="900">
                           <a:solidFill>
                             <a:srgbClr val="020302"/>
                           </a:solidFill>
@@ -6887,24 +6042,14 @@
                         </a:spcBef>
                       </a:pPr>
                       <a:r>
-                        <a:rPr sz="900" spc="0">
+                        <a:rPr lang="de-de" sz="900" spc="0">
                           <a:solidFill>
                             <a:srgbClr val="020302"/>
                           </a:solidFill>
                           <a:latin typeface="AdobeClean-Light"/>
                           <a:cs typeface="AdobeClean-Light"/>
                         </a:rPr>
-                        <a:t>Service Reviews </a:t>
-                      </a:r>
-                      <a:r>
-                        <a:rPr lang="en-US" sz="900" spc="0">
-                          <a:solidFill>
-                            <a:srgbClr val="020302"/>
-                          </a:solidFill>
-                          <a:latin typeface="AdobeClean-Light"/>
-                          <a:cs typeface="AdobeClean-Light"/>
-                        </a:rPr>
-                        <a:t>per Year</a:t>
+                        <a:t>每年的服務審查</a:t>
                       </a:r>
                       <a:endParaRPr sz="900" spc="0">
                         <a:latin typeface="AdobeClean-Light"/>
@@ -6967,7 +6112,7 @@
                         </a:lnSpc>
                       </a:pPr>
                       <a:r>
-                        <a:rPr lang="en-US" sz="900">
+                        <a:rPr lang="de-de" sz="900">
                           <a:latin typeface="Times New Roman"/>
                           <a:cs typeface="Times New Roman"/>
                         </a:rPr>
@@ -7018,13 +6163,13 @@
                         </a:spcBef>
                       </a:pPr>
                       <a:r>
-                        <a:rPr lang="en-US" sz="900" spc="0">
+                        <a:rPr lang="de-de" sz="900" spc="0" dirty="0">
                           <a:latin typeface="AdobeClean-Light"/>
                           <a:cs typeface="AdobeClean-Light"/>
                         </a:rPr>
-                        <a:t>Expert Sessions per Year</a:t>
+                        <a:t>每年的專家諮詢</a:t>
                       </a:r>
-                      <a:endParaRPr sz="900" spc="0">
+                      <a:endParaRPr sz="900" spc="0" dirty="0">
                         <a:latin typeface="AdobeClean-Light"/>
                         <a:cs typeface="AdobeClean-Light"/>
                       </a:endParaRPr>
@@ -7091,7 +6236,7 @@
                         </a:lnSpc>
                       </a:pPr>
                       <a:r>
-                        <a:rPr lang="en-US" sz="900">
+                        <a:rPr lang="de-de" sz="900">
                           <a:latin typeface="Times New Roman"/>
                           <a:cs typeface="Times New Roman"/>
                         </a:rPr>
@@ -7142,13 +6287,13 @@
                         </a:spcBef>
                       </a:pPr>
                       <a:r>
-                        <a:rPr lang="en-US" sz="900" spc="0">
+                        <a:rPr lang="de-de" sz="900" spc="0" dirty="0">
                           <a:latin typeface="AdobeClean-Light"/>
                           <a:cs typeface="AdobeClean-Light"/>
                         </a:rPr>
-                        <a:t>Case Reviews</a:t>
+                        <a:t>案件審查</a:t>
                       </a:r>
-                      <a:endParaRPr sz="900" spc="0">
+                      <a:endParaRPr sz="900" spc="0" dirty="0">
                         <a:latin typeface="AdobeClean-Light"/>
                         <a:cs typeface="AdobeClean-Light"/>
                       </a:endParaRPr>
@@ -7185,7 +6330,7 @@
                           <a:spcPct val="100000"/>
                         </a:lnSpc>
                       </a:pPr>
-                      <a:endParaRPr sz="900">
+                      <a:endParaRPr sz="900" dirty="0">
                         <a:latin typeface="Times New Roman"/>
                         <a:cs typeface="Times New Roman"/>
                       </a:endParaRPr>
@@ -7227,7 +6372,7 @@
                         <a:defRPr/>
                       </a:pPr>
                       <a:r>
-                        <a:rPr lang="en-US" sz="900">
+                        <a:rPr lang="de-de" sz="900" dirty="0">
                           <a:solidFill>
                             <a:srgbClr val="020302"/>
                           </a:solidFill>
@@ -7236,7 +6381,7 @@
                         </a:rPr>
                         <a:t></a:t>
                       </a:r>
-                      <a:endParaRPr lang="en-US" sz="900">
+                      <a:endParaRPr lang="en-US" sz="900" dirty="0">
                         <a:latin typeface="Wingdings"/>
                         <a:cs typeface="Wingdings"/>
                       </a:endParaRPr>
@@ -7320,24 +6465,14 @@
                         </a:spcBef>
                       </a:pPr>
                       <a:r>
-                        <a:rPr sz="900" spc="0">
+                        <a:rPr lang="de-de" sz="900" spc="0">
                           <a:solidFill>
                             <a:srgbClr val="020302"/>
                           </a:solidFill>
                           <a:latin typeface="AdobeClean-Light"/>
                           <a:cs typeface="AdobeClean-Light"/>
                         </a:rPr>
-                        <a:t>Event </a:t>
-                      </a:r>
-                      <a:r>
-                        <a:rPr lang="en-US" sz="900" spc="0">
-                          <a:solidFill>
-                            <a:srgbClr val="020302"/>
-                          </a:solidFill>
-                          <a:latin typeface="AdobeClean-Light"/>
-                          <a:cs typeface="AdobeClean-Light"/>
-                        </a:rPr>
-                        <a:t>Management</a:t>
+                        <a:t>事件管理</a:t>
                       </a:r>
                       <a:endParaRPr sz="900" spc="0">
                         <a:latin typeface="AdobeClean-Light"/>
@@ -7480,34 +6615,14 @@
                         </a:spcBef>
                       </a:pPr>
                       <a:r>
-                        <a:rPr sz="900" spc="0">
+                        <a:rPr lang="de-de" sz="900" spc="0">
                           <a:solidFill>
                             <a:srgbClr val="020302"/>
                           </a:solidFill>
                           <a:latin typeface="AdobeClean-Light"/>
                           <a:cs typeface="AdobeClean-Light"/>
                         </a:rPr>
-                        <a:t>Environment</a:t>
-                      </a:r>
-                      <a:r>
-                        <a:rPr lang="en-US" sz="900" spc="0">
-                          <a:solidFill>
-                            <a:srgbClr val="020302"/>
-                          </a:solidFill>
-                          <a:latin typeface="AdobeClean-Light"/>
-                          <a:cs typeface="AdobeClean-Light"/>
-                        </a:rPr>
-                        <a:t> </a:t>
-                      </a:r>
-                      <a:r>
-                        <a:rPr sz="900" spc="0">
-                          <a:solidFill>
-                            <a:srgbClr val="020302"/>
-                          </a:solidFill>
-                          <a:latin typeface="AdobeClean-Light"/>
-                          <a:cs typeface="AdobeClean-Light"/>
-                        </a:rPr>
-                        <a:t>Review, Maintenance &amp; Monitoring</a:t>
+                        <a:t>環境審查、維護與監控</a:t>
                       </a:r>
                       <a:endParaRPr sz="900" spc="0">
                         <a:latin typeface="AdobeClean-Light"/>
@@ -7644,14 +6759,14 @@
                         </a:spcBef>
                       </a:pPr>
                       <a:r>
-                        <a:rPr sz="900" spc="0">
+                        <a:rPr lang="de-de" sz="900" spc="0">
                           <a:solidFill>
                             <a:srgbClr val="020302"/>
                           </a:solidFill>
                           <a:latin typeface="AdobeClean-Light"/>
                           <a:cs typeface="AdobeClean-Light"/>
                         </a:rPr>
-                        <a:t>Release, Migration, Upgrade &amp; Product Roadmap Review</a:t>
+                        <a:t>發行、遷移、升級及產品藍圖審查</a:t>
                       </a:r>
                       <a:endParaRPr sz="900" spc="0">
                         <a:latin typeface="AdobeClean-Light"/>
@@ -7797,11 +6912,11 @@
                         </a:spcBef>
                       </a:pPr>
                       <a:r>
-                        <a:rPr sz="900" spc="0">
+                        <a:rPr lang="de-de" sz="900" spc="0">
                           <a:latin typeface="AdobeClean-Light"/>
                           <a:cs typeface="AdobeClean-Light"/>
                         </a:rPr>
-                        <a:t>Cloud Support Activities – Experience Manager as Cloud</a:t>
+                        <a:t>雲端支援活動 – 雲端形式的 Experience Manager</a:t>
                       </a:r>
                     </a:p>
                   </a:txBody>
@@ -7887,7 +7002,7 @@
                         <a:defRPr/>
                       </a:pPr>
                       <a:r>
-                        <a:rPr lang="en-US" sz="900">
+                        <a:rPr lang="de-de" sz="900" dirty="0">
                           <a:solidFill>
                             <a:srgbClr val="020302"/>
                           </a:solidFill>
@@ -7896,7 +7011,7 @@
                         </a:rPr>
                         <a:t></a:t>
                       </a:r>
-                      <a:endParaRPr lang="en-US" sz="900">
+                      <a:endParaRPr lang="en-US" sz="900" dirty="0">
                         <a:latin typeface="Wingdings"/>
                         <a:cs typeface="Wingdings"/>
                       </a:endParaRPr>
@@ -7919,7 +7034,7 @@
                         <a:tabLst/>
                         <a:defRPr/>
                       </a:pPr>
-                      <a:endParaRPr lang="en-US" sz="900">
+                      <a:endParaRPr lang="en-US" sz="900" dirty="0">
                         <a:latin typeface="Wingdings"/>
                         <a:cs typeface="Wingdings"/>
                       </a:endParaRPr>
@@ -7965,16 +7080,16 @@
                         </a:spcBef>
                       </a:pPr>
                       <a:r>
-                        <a:rPr lang="en-US" sz="1000" b="1" i="0" spc="0">
+                        <a:rPr lang="de-de" sz="1000" b="1" i="0" spc="0" dirty="0">
                           <a:solidFill>
                             <a:schemeClr val="bg1"/>
                           </a:solidFill>
                           <a:latin typeface="Adobe Clean" panose="020B0503020404020204" pitchFamily="34" charset="0"/>
                           <a:cs typeface="AdobeClean-Light"/>
                         </a:rPr>
-                        <a:t>Field Services</a:t>
+                        <a:t>現場服務</a:t>
                       </a:r>
-                      <a:endParaRPr sz="1000" b="1" i="0" spc="0">
+                      <a:endParaRPr sz="1000" b="1" i="0" spc="0" dirty="0">
                         <a:solidFill>
                           <a:schemeClr val="bg1"/>
                         </a:solidFill>
@@ -8033,14 +7148,14 @@
                         </a:spcBef>
                       </a:pPr>
                       <a:r>
-                        <a:rPr sz="900" spc="0">
+                        <a:rPr lang="de-de" sz="900" spc="0">
                           <a:solidFill>
                             <a:srgbClr val="020302"/>
                           </a:solidFill>
                           <a:latin typeface="AdobeClean-Light"/>
                           <a:cs typeface="AdobeClean-Light"/>
                         </a:rPr>
-                        <a:t>Launch Advisory Services – First Year of new solution</a:t>
+                        <a:t>上市諮詢服務 – 新解決方案的第一年</a:t>
                       </a:r>
                     </a:p>
                   </a:txBody>
@@ -8136,7 +7251,7 @@
                         <a:defRPr/>
                       </a:pPr>
                       <a:r>
-                        <a:rPr lang="en-US" sz="900">
+                        <a:rPr lang="de-de" sz="900">
                           <a:solidFill>
                             <a:srgbClr val="020302"/>
                           </a:solidFill>
@@ -8269,7 +7384,7 @@
                         <a:defRPr/>
                       </a:pPr>
                       <a:r>
-                        <a:rPr lang="en-US" sz="900">
+                        <a:rPr lang="de-de" sz="900">
                           <a:solidFill>
                             <a:srgbClr val="020302"/>
                           </a:solidFill>
@@ -8338,11 +7453,11 @@
                         <a:defRPr/>
                       </a:pPr>
                       <a:r>
-                        <a:rPr lang="en-US" sz="900" spc="0">
+                        <a:rPr lang="de-de" sz="900" spc="0" dirty="0">
                           <a:latin typeface="AdobeClean-Light"/>
                           <a:cs typeface="AdobeClean-Light"/>
                         </a:rPr>
-                        <a:t>Field Service Activities </a:t>
+                        <a:t>現場服務活動</a:t>
                       </a:r>
                     </a:p>
                   </a:txBody>
@@ -8477,14 +7592,14 @@
         <p:spPr>
           <a:xfrm>
             <a:off x="2835999" y="9021041"/>
-            <a:ext cx="2194560" cy="641201"/>
+            <a:ext cx="2194560" cy="487313"/>
           </a:xfrm>
           <a:prstGeom prst="rect">
             <a:avLst/>
           </a:prstGeom>
         </p:spPr>
         <p:txBody>
-          <a:bodyPr vert="horz" wrap="square" lIns="0" tIns="12700" rIns="0" bIns="0" rtlCol="0" anchor="t">
+          <a:bodyPr vert="horz" wrap="square" lIns="0" tIns="12700" rIns="0" bIns="0" rtlCol="0">
             <a:spAutoFit/>
           </a:bodyPr>
           <a:lstStyle/>
@@ -8501,158 +7616,98 @@
               </a:tabLst>
             </a:pPr>
             <a:r>
-              <a:rPr sz="1000" spc="-20" dirty="0">
+              <a:rPr lang="de-de" sz="1000" spc="-20">
                 <a:solidFill>
                   <a:srgbClr val="020302"/>
                 </a:solidFill>
                 <a:latin typeface="AdobeClean-Light"/>
                 <a:cs typeface="AdobeClean-Light"/>
               </a:rPr>
-              <a:t>Start </a:t>
-            </a:r>
-            <a:r>
-              <a:rPr sz="1000" dirty="0">
+              <a:t>開始</a:t>
+            </a:r>
+            <a:r>
+              <a:rPr lang="de-de" sz="1000" spc="-15">
                 <a:solidFill>
                   <a:srgbClr val="020302"/>
                 </a:solidFill>
                 <a:latin typeface="AdobeClean-Light"/>
                 <a:cs typeface="AdobeClean-Light"/>
               </a:rPr>
-              <a:t>a </a:t>
-            </a:r>
-            <a:r>
-              <a:rPr sz="1000" spc="-15" dirty="0">
+              <a:t>聊天式</a:t>
+            </a:r>
+            <a:r>
+              <a:rPr lang="de-de" sz="1000" spc="-10">
                 <a:solidFill>
                   <a:srgbClr val="020302"/>
                 </a:solidFill>
                 <a:latin typeface="AdobeClean-Light"/>
                 <a:cs typeface="AdobeClean-Light"/>
               </a:rPr>
-              <a:t>chat </a:t>
-            </a:r>
-            <a:r>
-              <a:rPr sz="1000" spc="-10" dirty="0">
+              <a:t>諮詢，</a:t>
+            </a:r>
+            <a:r>
+              <a:rPr lang="de-de" sz="1000" spc="-5">
                 <a:solidFill>
                   <a:srgbClr val="020302"/>
                 </a:solidFill>
                 <a:latin typeface="AdobeClean-Light"/>
                 <a:cs typeface="AdobeClean-Light"/>
               </a:rPr>
-              <a:t>session </a:t>
-            </a:r>
-            <a:r>
-              <a:rPr sz="1000" spc="-5" dirty="0">
+              <a:t>以獲得</a:t>
+            </a:r>
+            <a:r>
+              <a:rPr lang="de-de" sz="1000" spc="-10">
                 <a:solidFill>
                   <a:srgbClr val="020302"/>
                 </a:solidFill>
                 <a:latin typeface="AdobeClean-Light"/>
                 <a:cs typeface="AdobeClean-Light"/>
               </a:rPr>
-              <a:t>to </a:t>
-            </a:r>
-            <a:r>
-              <a:rPr sz="1000" spc="-10" dirty="0">
+              <a:t>案件提交的</a:t>
+            </a:r>
+            <a:r>
+              <a:rPr lang="de-de" sz="1000" spc="-20">
                 <a:solidFill>
                   <a:srgbClr val="020302"/>
                 </a:solidFill>
                 <a:latin typeface="AdobeClean-Light"/>
                 <a:cs typeface="AdobeClean-Light"/>
               </a:rPr>
-              <a:t>get </a:t>
-            </a:r>
-            <a:r>
-              <a:rPr sz="1000" spc="-20" dirty="0">
+              <a:t>解答</a:t>
+            </a:r>
+            <a:r>
+              <a:rPr lang="de-de" sz="1000">
                 <a:solidFill>
                   <a:srgbClr val="020302"/>
                 </a:solidFill>
                 <a:latin typeface="AdobeClean-Light"/>
                 <a:cs typeface="AdobeClean-Light"/>
               </a:rPr>
-              <a:t>answers</a:t>
-            </a:r>
-            <a:r>
-              <a:rPr lang="en-US" sz="1000" spc="-45" dirty="0">
+              <a:t>與</a:t>
+            </a:r>
+            <a:r>
+              <a:rPr lang="de-de" sz="1000" spc="-15">
                 <a:solidFill>
                   <a:srgbClr val="020302"/>
                 </a:solidFill>
                 <a:latin typeface="AdobeClean-Light"/>
                 <a:cs typeface="AdobeClean-Light"/>
               </a:rPr>
-              <a:t> </a:t>
-            </a:r>
-            <a:r>
-              <a:rPr lang="en-US" sz="1000" dirty="0">
-                <a:solidFill>
-                  <a:srgbClr val="020302"/>
-                </a:solidFill>
-                <a:latin typeface="AdobeClean-Light"/>
-                <a:cs typeface="AdobeClean-Light"/>
-              </a:rPr>
-              <a:t>&amp; </a:t>
-            </a:r>
-            <a:r>
-              <a:rPr sz="1000" spc="-15" dirty="0">
-                <a:solidFill>
-                  <a:srgbClr val="020302"/>
-                </a:solidFill>
-                <a:latin typeface="AdobeClean-Light"/>
-                <a:cs typeface="AdobeClean-Light"/>
-              </a:rPr>
-              <a:t>help </a:t>
-            </a:r>
-            <a:r>
-              <a:rPr sz="1000" spc="-10" dirty="0">
-                <a:solidFill>
-                  <a:srgbClr val="020302"/>
-                </a:solidFill>
-                <a:latin typeface="AdobeClean-Light"/>
-                <a:cs typeface="AdobeClean-Light"/>
-              </a:rPr>
-              <a:t>with</a:t>
-            </a:r>
-            <a:r>
-              <a:rPr sz="1000" spc="85" dirty="0">
-                <a:solidFill>
-                  <a:srgbClr val="020302"/>
-                </a:solidFill>
-                <a:latin typeface="AdobeClean-Light"/>
-                <a:cs typeface="AdobeClean-Light"/>
-              </a:rPr>
-              <a:t> </a:t>
-            </a:r>
-            <a:r>
-              <a:rPr sz="1000" spc="-10" dirty="0">
-                <a:solidFill>
-                  <a:srgbClr val="020302"/>
-                </a:solidFill>
-                <a:latin typeface="AdobeClean-Light"/>
-                <a:cs typeface="AdobeClean-Light"/>
-              </a:rPr>
-              <a:t>case </a:t>
-            </a:r>
-            <a:r>
-              <a:rPr sz="1000" spc="-20">
-                <a:solidFill>
-                  <a:srgbClr val="020302"/>
-                </a:solidFill>
-                <a:latin typeface="AdobeClean-Light"/>
-                <a:cs typeface="AdobeClean-Light"/>
-              </a:rPr>
-              <a:t>submission</a:t>
-            </a:r>
-            <a:r>
-              <a:rPr lang="en-US" sz="1000" spc="-20">
-                <a:solidFill>
-                  <a:srgbClr val="020302"/>
-                </a:solidFill>
-                <a:latin typeface="AdobeClean-Light"/>
-                <a:cs typeface="AdobeClean-Light"/>
-              </a:rPr>
-              <a:t>.</a:t>
-            </a:r>
+              <a:t>協助</a:t>
+            </a:r>
+            <a:endParaRPr lang="en-US" sz="1000" spc="-20">
+              <a:solidFill>
+                <a:srgbClr val="020302"/>
+              </a:solidFill>
+              <a:latin typeface="AdobeClean-Light"/>
+              <a:cs typeface="AdobeClean-Light"/>
+            </a:endParaRPr>
           </a:p>
           <a:p>
             <a:pPr marL="33020" marR="159385">
+              <a:lnSpc>
+                <a:spcPct val="100000"/>
+              </a:lnSpc>
               <a:spcBef>
                 <a:spcPts val="100"/>
               </a:spcBef>
@@ -8661,44 +7716,34 @@
               </a:tabLst>
             </a:pPr>
             <a:r>
-              <a:rPr sz="1000" i="1" spc="-10" dirty="0">
+              <a:rPr lang="de-de" sz="1000" i="1" spc="-10">
                 <a:solidFill>
                   <a:srgbClr val="7A7A7A"/>
                 </a:solidFill>
                 <a:latin typeface="AdobeClean-LightIt"/>
                 <a:cs typeface="AdobeClean-LightIt"/>
               </a:rPr>
-              <a:t>*Not all </a:t>
-            </a:r>
-            <a:r>
-              <a:rPr sz="1000" i="1" spc="-20" dirty="0">
+              <a:t>*並非</a:t>
+            </a:r>
+            <a:r>
+              <a:rPr lang="de-de" sz="1000" i="1" spc="-20">
                 <a:solidFill>
                   <a:srgbClr val="7A7A7A"/>
                 </a:solidFill>
                 <a:latin typeface="AdobeClean-LightIt"/>
                 <a:cs typeface="AdobeClean-LightIt"/>
               </a:rPr>
-              <a:t>products have live chat support</a:t>
-            </a:r>
-            <a:r>
-              <a:rPr sz="900" i="1" spc="-20" dirty="0">
+              <a:t>所有產品都有提供即時聊天支援</a:t>
+            </a:r>
+            <a:r>
+              <a:rPr lang="de-de" sz="900" i="1" spc="-20">
                 <a:solidFill>
                   <a:srgbClr val="7A7A7A"/>
                 </a:solidFill>
                 <a:latin typeface="AdobeClean-LightIt"/>
                 <a:cs typeface="AdobeClean-LightIt"/>
               </a:rPr>
-              <a:t>.</a:t>
-            </a:r>
-            <a:r>
-              <a:rPr lang="en-US" sz="900" i="1" spc="-20" dirty="0">
-                <a:solidFill>
-                  <a:srgbClr val="7A7A7A"/>
-                </a:solidFill>
-                <a:latin typeface="AdobeClean-LightIt"/>
-                <a:cs typeface="AdobeClean-LightIt"/>
-              </a:rPr>
-              <a:t>  </a:t>
+              <a:t>。</a:t>
             </a:r>
             <a:endParaRPr sz="900">
               <a:latin typeface="AdobeClean-Light"/>
@@ -8750,12 +7795,12 @@
               <a:defRPr/>
             </a:pPr>
             <a:r>
-              <a:rPr lang="en-US" sz="1200">
+              <a:rPr lang="de-de" sz="1200">
                 <a:solidFill>
                   <a:srgbClr val="000000"/>
                 </a:solidFill>
               </a:rPr>
-              <a:t>Community Forums</a:t>
+              <a:t>社群論壇</a:t>
             </a:r>
           </a:p>
         </p:txBody>
@@ -8798,12 +7843,12 @@
               </a:spcAft>
             </a:pPr>
             <a:r>
-              <a:rPr lang="en-US" sz="1200" b="1">
+              <a:rPr lang="de-de" sz="1200" b="1">
                 <a:latin typeface="+mj-lt"/>
                 <a:ea typeface="Open Sans" pitchFamily="34" charset="0"/>
                 <a:cs typeface="Open Sans" pitchFamily="34" charset="0"/>
               </a:rPr>
-              <a:t>Online Forums</a:t>
+              <a:t>線上論壇</a:t>
             </a:r>
           </a:p>
         </p:txBody>
@@ -8830,26 +7875,20 @@
           </a:prstGeom>
         </p:spPr>
         <p:txBody>
-          <a:bodyPr vert="horz" wrap="square" lIns="0" tIns="35560" rIns="0" bIns="0" rtlCol="0" anchor="t">
+          <a:bodyPr vert="horz" wrap="square" lIns="0" tIns="35560" rIns="0" bIns="0" rtlCol="0">
             <a:spAutoFit/>
           </a:bodyPr>
           <a:lstStyle/>
           <a:p>
             <a:r>
-              <a:rPr lang="en-US" sz="1000" dirty="0">
+              <a:rPr lang="de-de" sz="1000">
                 <a:solidFill>
                   <a:srgbClr val="4B4B4B"/>
                 </a:solidFill>
-                <a:latin typeface="Adobe Clean Light"/>
+                <a:latin typeface="Adobe Clean Light" panose="020B0303020404020204" pitchFamily="34" charset="0"/>
               </a:rPr>
-              <a:t>Continuous online access to a growing database of technical solutions, product documentation, FAQs and more. Connect with practitioners and other customers on Adobe Community to share best practices and lessons learned.</a:t>
-            </a:r>
-            <a:endParaRPr lang="en-US" sz="1000" dirty="0">
-              <a:solidFill>
-                <a:srgbClr val="4B4B4B"/>
-              </a:solidFill>
-              <a:latin typeface="Adobe Clean Light" panose="020B0303020404020204" pitchFamily="34" charset="0"/>
-            </a:endParaRPr>
+              <a:t>可持續在線上存取不斷增加的技術解決方案、產品文件、常見問答等內容的資料庫。與 Adobe 社群上的從業人員和其他客戶交流，彼此分享學到的最佳實務和經驗教訓</a:t>
+            </a:r>
           </a:p>
         </p:txBody>
       </p:sp>
@@ -8896,7 +7935,7 @@
               <a:defRPr/>
             </a:pPr>
             <a:r>
-              <a:rPr lang="en-US" sz="1200">
+              <a:rPr lang="de-de" sz="1200">
                 <a:solidFill>
                   <a:srgbClr val="000000"/>
                 </a:solidFill>
@@ -8944,12 +7983,12 @@
               </a:spcAft>
             </a:pPr>
             <a:r>
-              <a:rPr lang="en-US" sz="1200" b="1">
+              <a:rPr lang="de-de" sz="1200" b="1">
                 <a:latin typeface="+mj-lt"/>
                 <a:ea typeface="Open Sans" pitchFamily="34" charset="0"/>
                 <a:cs typeface="Open Sans" pitchFamily="34" charset="0"/>
               </a:rPr>
-              <a:t>Self-guided Journeys</a:t>
+              <a:t>自我引導式旅程</a:t>
             </a:r>
           </a:p>
         </p:txBody>
@@ -8976,26 +8015,20 @@
           </a:prstGeom>
         </p:spPr>
         <p:txBody>
-          <a:bodyPr vert="horz" wrap="square" lIns="0" tIns="35560" rIns="0" bIns="0" rtlCol="0" anchor="t">
+          <a:bodyPr vert="horz" wrap="square" lIns="0" tIns="35560" rIns="0" bIns="0" rtlCol="0">
             <a:spAutoFit/>
           </a:bodyPr>
           <a:lstStyle/>
           <a:p>
             <a:r>
-              <a:rPr lang="en-US" sz="1000" dirty="0">
+              <a:rPr lang="de-de" sz="1000">
                 <a:solidFill>
                   <a:srgbClr val="4B4B4B"/>
                 </a:solidFill>
-                <a:latin typeface="Adobe Clean Light"/>
+                <a:latin typeface="Adobe Clean Light" panose="020B0303020404020204" pitchFamily="34" charset="0"/>
               </a:rPr>
-              <a:t>Experience Makers are made with Experience League. Customers can kickstart their Customer Experience Management abilities with personalized learning to develop skills, engage with a global community of peers, and earn career advancing recognition.</a:t>
-            </a:r>
-            <a:endParaRPr lang="en-US" sz="1000" dirty="0">
-              <a:solidFill>
-                <a:srgbClr val="4B4B4B"/>
-              </a:solidFill>
-              <a:latin typeface="Adobe Clean Light" panose="020B0303020404020204" pitchFamily="34" charset="0"/>
-            </a:endParaRPr>
+              <a:t>Experience League 賦予體驗製作者強大的功能。客戶可以透過個人化學習來開始培養自己的客戶體驗管理能力，以發展各項技能、與全球的同行社群互動，並獲得職業提升的認可</a:t>
+            </a:r>
           </a:p>
         </p:txBody>
       </p:sp>
@@ -9042,12 +8075,12 @@
               <a:defRPr/>
             </a:pPr>
             <a:r>
-              <a:rPr lang="en-US" sz="1200">
+              <a:rPr lang="de-de" sz="1200">
                 <a:solidFill>
                   <a:srgbClr val="000000"/>
                 </a:solidFill>
               </a:rPr>
-              <a:t>Live Chat  Support*</a:t>
+              <a:t>即時聊天支援*</a:t>
             </a:r>
           </a:p>
         </p:txBody>
@@ -9090,12 +8123,12 @@
               </a:spcAft>
             </a:pPr>
             <a:r>
-              <a:rPr lang="en-US" sz="1200" b="1">
+              <a:rPr lang="de-de" sz="1200" b="1">
                 <a:latin typeface="+mj-lt"/>
                 <a:ea typeface="Open Sans" pitchFamily="34" charset="0"/>
                 <a:cs typeface="Open Sans" pitchFamily="34" charset="0"/>
               </a:rPr>
-              <a:t>Chat Support</a:t>
+              <a:t>聊天支援</a:t>
             </a:r>
           </a:p>
         </p:txBody>
@@ -9143,12 +8176,12 @@
               <a:defRPr/>
             </a:pPr>
             <a:r>
-              <a:rPr lang="en-US" sz="1200">
+              <a:rPr lang="de-de" sz="1200">
                 <a:solidFill>
                   <a:srgbClr val="000000"/>
                 </a:solidFill>
               </a:rPr>
-              <a:t>24X7 P1 </a:t>
+              <a:t>全年無休 P1 </a:t>
             </a:r>
           </a:p>
         </p:txBody>
@@ -9191,12 +8224,12 @@
               </a:spcAft>
             </a:pPr>
             <a:r>
-              <a:rPr lang="en-US" sz="1200" b="1">
+              <a:rPr lang="de-de" sz="1200" b="1">
                 <a:latin typeface="+mj-lt"/>
                 <a:ea typeface="Open Sans" pitchFamily="34" charset="0"/>
                 <a:cs typeface="Open Sans" pitchFamily="34" charset="0"/>
               </a:rPr>
-              <a:t>Phone  Support</a:t>
+              <a:t>電話支援</a:t>
             </a:r>
           </a:p>
         </p:txBody>
@@ -9229,28 +8262,28 @@
           <a:lstStyle/>
           <a:p>
             <a:r>
-              <a:rPr lang="en-US" sz="1000">
+              <a:rPr lang="de-de" sz="1000">
                 <a:solidFill>
                   <a:srgbClr val="020302"/>
                 </a:solidFill>
                 <a:latin typeface="AdobeClean-Light"/>
               </a:rPr>
-              <a:t>Authorized users or </a:t>
-            </a:r>
-            <a:r>
-              <a:rPr lang="en-US" sz="1000" b="1">
+              <a:t>授權的使用者或</a:t>
+            </a:r>
+            <a:r>
+              <a:rPr lang="de-de" sz="1000" b="1">
                 <a:solidFill>
                   <a:srgbClr val="020302"/>
                 </a:solidFill>
                 <a:latin typeface="AdobeClean-Light"/>
               </a:rPr>
-              <a:t>Named Support Contacts </a:t>
-            </a:r>
-            <a:r>
-              <a:rPr lang="en-US" sz="1000">
+              <a:t>指定的支援聯絡人</a:t>
+            </a:r>
+            <a:r>
+              <a:rPr lang="de-de" sz="1000">
                 <a:latin typeface="Adobe Clean Light" panose="020B0303020404020204" pitchFamily="34" charset="0"/>
               </a:rPr>
-              <a:t>can submit issues through all available  channels (including phone for P1) and interact with our technical support team on behalf of your company. </a:t>
+              <a:t>可透過所有可用管道 (包括 P1 適用的電話) 來提交問題，並代表貴公司與我們的技術支援團隊互動。</a:t>
             </a:r>
             <a:endParaRPr lang="en-US" sz="1000">
               <a:solidFill>
@@ -9345,14 +8378,14 @@
               </a:spcBef>
             </a:pPr>
             <a:r>
-              <a:rPr lang="en-US" sz="1400" b="1" spc="-10">
+              <a:rPr lang="de-de" sz="1400" b="1" spc="-10">
                 <a:solidFill>
                   <a:srgbClr val="020302"/>
                 </a:solidFill>
                 <a:latin typeface="Adobe Clean"/>
                 <a:cs typeface="Adobe Clean"/>
               </a:rPr>
-              <a:t>Online Support Features</a:t>
+              <a:t>線上支援特色</a:t>
             </a:r>
             <a:endParaRPr lang="en-US" sz="1400">
               <a:latin typeface="Adobe Clean"/>
@@ -9404,12 +8437,12 @@
               <a:defRPr/>
             </a:pPr>
             <a:r>
-              <a:rPr lang="en-US" sz="1200">
+              <a:rPr lang="de-de" sz="1200">
                 <a:solidFill>
                   <a:srgbClr val="000000"/>
                 </a:solidFill>
               </a:rPr>
-              <a:t>Office Hours</a:t>
+              <a:t>諮詢時間</a:t>
             </a:r>
           </a:p>
         </p:txBody>
@@ -9452,12 +8485,12 @@
               </a:spcAft>
             </a:pPr>
             <a:r>
-              <a:rPr lang="en-US" sz="1200" b="1">
+              <a:rPr lang="de-de" sz="1200" b="1">
                 <a:latin typeface="+mj-lt"/>
                 <a:ea typeface="Open Sans" pitchFamily="34" charset="0"/>
                 <a:cs typeface="Open Sans" pitchFamily="34" charset="0"/>
               </a:rPr>
-              <a:t>Webinars</a:t>
+              <a:t>網路研討會</a:t>
             </a:r>
           </a:p>
         </p:txBody>
@@ -9490,13 +8523,13 @@
           <a:lstStyle/>
           <a:p>
             <a:r>
-              <a:rPr lang="en-US" sz="1000">
+              <a:rPr lang="de-de" sz="1000">
                 <a:solidFill>
                   <a:srgbClr val="4B4B4B"/>
                 </a:solidFill>
                 <a:latin typeface="Adobe Clean Light" panose="020B0303020404020204" pitchFamily="34" charset="0"/>
               </a:rPr>
-              <a:t>Office Hours led by the Adobe Customer Support team includes sessions designed to inform as well as help participants troubleshoot problems and provide tips and tricks for success with Adobe solutions. </a:t>
+              <a:t>「諮詢時間」是由 Adobe 客戶支援團隊主導的一項計劃，其中的研討會的設計目的是為了提供資訊以及協助參與者排除問題，並提供成功使用 Adobe 解決方案的秘訣與技巧。</a:t>
             </a:r>
           </a:p>
         </p:txBody>
@@ -9544,12 +8577,12 @@
               <a:defRPr/>
             </a:pPr>
             <a:r>
-              <a:rPr lang="en-US" sz="1200">
+              <a:rPr lang="de-de" sz="1200">
                 <a:solidFill>
                   <a:srgbClr val="000000"/>
                 </a:solidFill>
               </a:rPr>
-              <a:t>Self-help Portals</a:t>
+              <a:t>自助式入口網站</a:t>
             </a:r>
           </a:p>
         </p:txBody>
@@ -9592,12 +8625,12 @@
               </a:spcAft>
             </a:pPr>
             <a:r>
-              <a:rPr lang="en-US" sz="1200" b="1">
+              <a:rPr lang="de-de" sz="1200" b="1">
                 <a:latin typeface="+mj-lt"/>
                 <a:ea typeface="Open Sans" pitchFamily="34" charset="0"/>
                 <a:cs typeface="Open Sans" pitchFamily="34" charset="0"/>
               </a:rPr>
-              <a:t>24/7 Support Portal</a:t>
+              <a:t>24/7 支援入口網站</a:t>
             </a:r>
           </a:p>
         </p:txBody>
@@ -9630,30 +8663,23 @@
           <a:lstStyle/>
           <a:p>
             <a:r>
-              <a:rPr lang="en-US" sz="1000">
+              <a:rPr lang="de-de" sz="1000">
                 <a:solidFill>
                   <a:srgbClr val="4B4B4B"/>
                 </a:solidFill>
                 <a:latin typeface="Adobe Clean Light" panose="020B0303020404020204" pitchFamily="34" charset="0"/>
               </a:rPr>
-              <a:t>On-demand access to the online </a:t>
-            </a:r>
-            <a:br>
-              <a:rPr lang="en-US" sz="1000">
+              <a:t>隨需存取線上</a:t>
+            </a:r>
+            <a:br/>
+            <a:r>
+              <a:rPr lang="de-de" sz="1000">
                 <a:solidFill>
                   <a:srgbClr val="4B4B4B"/>
                 </a:solidFill>
                 <a:latin typeface="Adobe Clean Light" panose="020B0303020404020204" pitchFamily="34" charset="0"/>
               </a:rPr>
-            </a:br>
-            <a:r>
-              <a:rPr lang="en-US" sz="1000">
-                <a:solidFill>
-                  <a:srgbClr val="4B4B4B"/>
-                </a:solidFill>
-                <a:latin typeface="Adobe Clean Light" panose="020B0303020404020204" pitchFamily="34" charset="0"/>
-              </a:rPr>
-              <a:t>Self-help Support Portal to submit support requests, review case status, and browse other resources, like our knowledgebase, news and alerts, featured tips, and more.</a:t>
+              <a:t>自助式支援入口網站，以提交支援請求、檢閱案件狀態，並瀏覽其他資源，像是我們的知識庫、新聞與提醒、特定的提示等。</a:t>
             </a:r>
           </a:p>
         </p:txBody>
@@ -9674,8 +8700,8 @@
         </p:nvSpPr>
         <p:spPr>
           <a:xfrm>
-            <a:off x="97788" y="9888626"/>
-            <a:ext cx="2245360" cy="133370"/>
+            <a:off x="97788" y="9888625"/>
+            <a:ext cx="6254026" cy="133370"/>
           </a:xfrm>
           <a:prstGeom prst="rect">
             <a:avLst/>
@@ -9787,36 +8813,36 @@
               </a:spcBef>
             </a:pPr>
             <a:r>
-              <a:rPr lang="en-US" spc="-10"/>
+              <a:rPr lang="de-de" spc="-10"/>
               <a:t>©2021</a:t>
             </a:r>
             <a:r>
-              <a:rPr lang="en-US" spc="-5"/>
-              <a:t> Adobe. All</a:t>
-            </a:r>
-            <a:r>
-              <a:rPr lang="en-US" spc="-10"/>
+              <a:rPr lang="de-de" spc="-5"/>
+              <a:t> Adobe。All</a:t>
+            </a:r>
+            <a:r>
+              <a:rPr lang="de-de" spc="-10"/>
               <a:t> Rights</a:t>
             </a:r>
             <a:r>
-              <a:rPr lang="en-US" spc="-5"/>
+              <a:rPr lang="de-de" spc="-5"/>
               <a:t> </a:t>
             </a:r>
             <a:r>
-              <a:rPr lang="en-US" spc="-10"/>
-              <a:t>Reserved.</a:t>
-            </a:r>
-            <a:r>
-              <a:rPr lang="en-US" spc="-5"/>
-              <a:t> Adobe</a:t>
-            </a:r>
-            <a:r>
-              <a:rPr lang="en-US" spc="60"/>
+              <a:rPr lang="de-de" spc="-10"/>
+              <a:t>Reserved。</a:t>
+            </a:r>
+            <a:r>
+              <a:rPr lang="de-de" spc="-5"/>
+              <a:t>Adobe</a:t>
+            </a:r>
+            <a:r>
+              <a:rPr lang="de-de" spc="60"/>
               <a:t> </a:t>
             </a:r>
             <a:r>
-              <a:rPr lang="en-US" spc="-10"/>
-              <a:t>Confidential.</a:t>
+              <a:rPr lang="de-de" spc="-10"/>
+              <a:t>機密資訊。</a:t>
             </a:r>
           </a:p>
         </p:txBody>
@@ -9905,14 +8931,14 @@
               </a:spcBef>
             </a:pPr>
             <a:r>
-              <a:rPr lang="en-US" sz="1400" b="1" spc="-10">
+              <a:rPr lang="de-de" sz="1400" b="1" spc="-10">
                 <a:solidFill>
                   <a:srgbClr val="020302"/>
                 </a:solidFill>
                 <a:latin typeface="Adobe Clean"/>
                 <a:cs typeface="Adobe Clean"/>
               </a:rPr>
-              <a:t>Enterprise Support Features</a:t>
+              <a:t>企業支援特色</a:t>
             </a:r>
             <a:endParaRPr lang="en-US" sz="1400">
               <a:latin typeface="Adobe Clean"/>
@@ -9957,107 +8983,17 @@
               </a:spcBef>
             </a:pPr>
             <a:r>
-              <a:rPr sz="1200" b="1" spc="-25">
+              <a:rPr lang="de-de" sz="1200" b="1" spc="-25">
                 <a:solidFill>
                   <a:srgbClr val="020302"/>
                 </a:solidFill>
                 <a:latin typeface="Adobe Clean"/>
                 <a:cs typeface="Adobe Clean"/>
               </a:rPr>
-              <a:t>E</a:t>
-            </a:r>
-            <a:r>
-              <a:rPr sz="1200" b="1" spc="-20">
-                <a:solidFill>
-                  <a:srgbClr val="020302"/>
-                </a:solidFill>
-                <a:latin typeface="Adobe Clean"/>
-                <a:cs typeface="Adobe Clean"/>
-              </a:rPr>
-              <a:t>s</a:t>
-            </a:r>
-            <a:r>
-              <a:rPr sz="1200" b="1" spc="-30">
-                <a:solidFill>
-                  <a:srgbClr val="020302"/>
-                </a:solidFill>
-                <a:latin typeface="Adobe Clean"/>
-                <a:cs typeface="Adobe Clean"/>
-              </a:rPr>
-              <a:t>c</a:t>
-            </a:r>
-            <a:r>
-              <a:rPr sz="1200" b="1" spc="-20">
-                <a:solidFill>
-                  <a:srgbClr val="020302"/>
-                </a:solidFill>
-                <a:latin typeface="Adobe Clean"/>
-                <a:cs typeface="Adobe Clean"/>
-              </a:rPr>
-              <a:t>a</a:t>
-            </a:r>
-            <a:r>
-              <a:rPr sz="1200" b="1" spc="-25">
-                <a:solidFill>
-                  <a:srgbClr val="020302"/>
-                </a:solidFill>
-                <a:latin typeface="Adobe Clean"/>
-                <a:cs typeface="Adobe Clean"/>
-              </a:rPr>
-              <a:t>l</a:t>
-            </a:r>
-            <a:r>
-              <a:rPr sz="1200" b="1" spc="-20">
-                <a:solidFill>
-                  <a:srgbClr val="020302"/>
-                </a:solidFill>
-                <a:latin typeface="Adobe Clean"/>
-                <a:cs typeface="Adobe Clean"/>
-              </a:rPr>
-              <a:t>a</a:t>
-            </a:r>
-            <a:r>
-              <a:rPr sz="1200" b="1" spc="-25">
-                <a:solidFill>
-                  <a:srgbClr val="020302"/>
-                </a:solidFill>
-                <a:latin typeface="Adobe Clean"/>
-                <a:cs typeface="Adobe Clean"/>
-              </a:rPr>
-              <a:t>t</a:t>
-            </a:r>
-            <a:r>
-              <a:rPr sz="1200" b="1" spc="-20">
-                <a:solidFill>
-                  <a:srgbClr val="020302"/>
-                </a:solidFill>
-                <a:latin typeface="Adobe Clean"/>
-                <a:cs typeface="Adobe Clean"/>
-              </a:rPr>
-              <a:t>i</a:t>
-            </a:r>
-            <a:r>
-              <a:rPr sz="1200" b="1" spc="-15">
-                <a:solidFill>
-                  <a:srgbClr val="020302"/>
-                </a:solidFill>
-                <a:latin typeface="Adobe Clean"/>
-                <a:cs typeface="Adobe Clean"/>
-              </a:rPr>
-              <a:t>o</a:t>
-            </a:r>
-            <a:r>
-              <a:rPr sz="1200" b="1">
-                <a:solidFill>
-                  <a:srgbClr val="020302"/>
-                </a:solidFill>
-                <a:latin typeface="Adobe Clean"/>
-                <a:cs typeface="Adobe Clean"/>
-              </a:rPr>
-              <a:t>n</a:t>
-            </a:r>
-            <a:r>
-              <a:rPr sz="1200" b="1" spc="-55">
+              <a:t>向上呈報管理</a:t>
+            </a:r>
+            <a:r>
+              <a:rPr lang="de-de" sz="1200" b="1" spc="-55">
                 <a:solidFill>
                   <a:srgbClr val="020302"/>
                 </a:solidFill>
@@ -10065,86 +9001,6 @@
                 <a:cs typeface="Adobe Clean"/>
               </a:rPr>
               <a:t> </a:t>
-            </a:r>
-            <a:r>
-              <a:rPr sz="1200" b="1" spc="-35">
-                <a:solidFill>
-                  <a:srgbClr val="020302"/>
-                </a:solidFill>
-                <a:latin typeface="Adobe Clean"/>
-                <a:cs typeface="Adobe Clean"/>
-              </a:rPr>
-              <a:t>M</a:t>
-            </a:r>
-            <a:r>
-              <a:rPr sz="1200" b="1" spc="-25">
-                <a:solidFill>
-                  <a:srgbClr val="020302"/>
-                </a:solidFill>
-                <a:latin typeface="Adobe Clean"/>
-                <a:cs typeface="Adobe Clean"/>
-              </a:rPr>
-              <a:t>a</a:t>
-            </a:r>
-            <a:r>
-              <a:rPr sz="1200" b="1" spc="-30">
-                <a:solidFill>
-                  <a:srgbClr val="020302"/>
-                </a:solidFill>
-                <a:latin typeface="Adobe Clean"/>
-                <a:cs typeface="Adobe Clean"/>
-              </a:rPr>
-              <a:t>n</a:t>
-            </a:r>
-            <a:r>
-              <a:rPr sz="1200" b="1" spc="-25">
-                <a:solidFill>
-                  <a:srgbClr val="020302"/>
-                </a:solidFill>
-                <a:latin typeface="Adobe Clean"/>
-                <a:cs typeface="Adobe Clean"/>
-              </a:rPr>
-              <a:t>a</a:t>
-            </a:r>
-            <a:r>
-              <a:rPr sz="1200" b="1" spc="-30">
-                <a:solidFill>
-                  <a:srgbClr val="020302"/>
-                </a:solidFill>
-                <a:latin typeface="Adobe Clean"/>
-                <a:cs typeface="Adobe Clean"/>
-              </a:rPr>
-              <a:t>ge</a:t>
-            </a:r>
-            <a:r>
-              <a:rPr sz="1200" b="1" spc="-25">
-                <a:solidFill>
-                  <a:srgbClr val="020302"/>
-                </a:solidFill>
-                <a:latin typeface="Adobe Clean"/>
-                <a:cs typeface="Adobe Clean"/>
-              </a:rPr>
-              <a:t>m</a:t>
-            </a:r>
-            <a:r>
-              <a:rPr sz="1200" b="1" spc="-30">
-                <a:solidFill>
-                  <a:srgbClr val="020302"/>
-                </a:solidFill>
-                <a:latin typeface="Adobe Clean"/>
-                <a:cs typeface="Adobe Clean"/>
-              </a:rPr>
-              <a:t>en</a:t>
-            </a:r>
-            <a:r>
-              <a:rPr sz="1200" b="1">
-                <a:solidFill>
-                  <a:srgbClr val="020302"/>
-                </a:solidFill>
-                <a:latin typeface="Adobe Clean"/>
-                <a:cs typeface="Adobe Clean"/>
-              </a:rPr>
-              <a:t>t</a:t>
             </a:r>
             <a:endParaRPr sz="1200">
               <a:latin typeface="Adobe Clean"/>
@@ -10189,13 +9045,13 @@
               </a:spcBef>
             </a:pPr>
             <a:r>
-              <a:rPr lang="en-US" sz="1000">
+              <a:rPr lang="de-de" sz="1000">
                 <a:solidFill>
                   <a:srgbClr val="4B4B4B"/>
                 </a:solidFill>
                 <a:latin typeface="Adobe Clean Light" panose="020B0303020404020204" pitchFamily="34" charset="0"/>
               </a:rPr>
-              <a:t>A designated point of contact within Adobe who can provide escalation assistance, regular updates and ensure priority is given to your most critical open support requests.</a:t>
+              <a:t>Adobe 內的指定聯絡人，他可提供向上呈報協助、定期更新，並確保優先處理您最緊急且未解決的支援請求。</a:t>
             </a:r>
             <a:endParaRPr sz="1000">
               <a:latin typeface="Adobe Clean Light" panose="020B0303020404020204" pitchFamily="34" charset="0"/>
@@ -10240,77 +9096,17 @@
               </a:spcBef>
             </a:pPr>
             <a:r>
-              <a:rPr sz="1200" b="1" spc="-20">
+              <a:rPr lang="de-de" sz="1200" b="1" spc="-20">
                 <a:solidFill>
                   <a:srgbClr val="020302"/>
                 </a:solidFill>
                 <a:latin typeface="Adobe Clean"/>
                 <a:cs typeface="Adobe Clean"/>
               </a:rPr>
-              <a:t>S</a:t>
-            </a:r>
-            <a:r>
-              <a:rPr sz="1200" b="1" spc="-25">
-                <a:solidFill>
-                  <a:srgbClr val="020302"/>
-                </a:solidFill>
-                <a:latin typeface="Adobe Clean"/>
-                <a:cs typeface="Adobe Clean"/>
-              </a:rPr>
-              <a:t>e</a:t>
-            </a:r>
-            <a:r>
-              <a:rPr sz="1200" b="1" spc="-20">
-                <a:solidFill>
-                  <a:srgbClr val="020302"/>
-                </a:solidFill>
-                <a:latin typeface="Adobe Clean"/>
-                <a:cs typeface="Adobe Clean"/>
-              </a:rPr>
-              <a:t>r</a:t>
-            </a:r>
-            <a:r>
-              <a:rPr sz="1200" b="1" spc="-25">
-                <a:solidFill>
-                  <a:srgbClr val="020302"/>
-                </a:solidFill>
-                <a:latin typeface="Adobe Clean"/>
-                <a:cs typeface="Adobe Clean"/>
-              </a:rPr>
-              <a:t>v</a:t>
-            </a:r>
-            <a:r>
-              <a:rPr sz="1200" b="1" spc="-20">
-                <a:solidFill>
-                  <a:srgbClr val="020302"/>
-                </a:solidFill>
-                <a:latin typeface="Adobe Clean"/>
-                <a:cs typeface="Adobe Clean"/>
-              </a:rPr>
-              <a:t>i</a:t>
-            </a:r>
-            <a:r>
-              <a:rPr sz="1200" b="1" spc="-30">
-                <a:solidFill>
-                  <a:srgbClr val="020302"/>
-                </a:solidFill>
-                <a:latin typeface="Adobe Clean"/>
-                <a:cs typeface="Adobe Clean"/>
-              </a:rPr>
-              <a:t>c</a:t>
-            </a:r>
-            <a:r>
-              <a:rPr sz="1200" b="1">
-                <a:solidFill>
-                  <a:srgbClr val="020302"/>
-                </a:solidFill>
-                <a:latin typeface="Adobe Clean"/>
-                <a:cs typeface="Adobe Clean"/>
-              </a:rPr>
-              <a:t>e</a:t>
-            </a:r>
-            <a:r>
-              <a:rPr sz="1200" b="1" spc="-80">
+              <a:t>服務審查</a:t>
+            </a:r>
+            <a:r>
+              <a:rPr lang="de-de" sz="1200" b="1" spc="-80">
                 <a:solidFill>
                   <a:srgbClr val="020302"/>
                 </a:solidFill>
@@ -10318,66 +9114,6 @@
                 <a:cs typeface="Adobe Clean"/>
               </a:rPr>
               <a:t> </a:t>
-            </a:r>
-            <a:r>
-              <a:rPr sz="1200" b="1" spc="-20">
-                <a:solidFill>
-                  <a:srgbClr val="020302"/>
-                </a:solidFill>
-                <a:latin typeface="Adobe Clean"/>
-                <a:cs typeface="Adobe Clean"/>
-              </a:rPr>
-              <a:t>R</a:t>
-            </a:r>
-            <a:r>
-              <a:rPr sz="1200" b="1" spc="-25">
-                <a:solidFill>
-                  <a:srgbClr val="020302"/>
-                </a:solidFill>
-                <a:latin typeface="Adobe Clean"/>
-                <a:cs typeface="Adobe Clean"/>
-              </a:rPr>
-              <a:t>e</a:t>
-            </a:r>
-            <a:r>
-              <a:rPr sz="1200" b="1" spc="-30">
-                <a:solidFill>
-                  <a:srgbClr val="020302"/>
-                </a:solidFill>
-                <a:latin typeface="Adobe Clean"/>
-                <a:cs typeface="Adobe Clean"/>
-              </a:rPr>
-              <a:t>v</a:t>
-            </a:r>
-            <a:r>
-              <a:rPr sz="1200" b="1" spc="-20">
-                <a:solidFill>
-                  <a:srgbClr val="020302"/>
-                </a:solidFill>
-                <a:latin typeface="Adobe Clean"/>
-                <a:cs typeface="Adobe Clean"/>
-              </a:rPr>
-              <a:t>i</a:t>
-            </a:r>
-            <a:r>
-              <a:rPr sz="1200" b="1" spc="-25">
-                <a:solidFill>
-                  <a:srgbClr val="020302"/>
-                </a:solidFill>
-                <a:latin typeface="Adobe Clean"/>
-                <a:cs typeface="Adobe Clean"/>
-              </a:rPr>
-              <a:t>ew</a:t>
-            </a:r>
-            <a:r>
-              <a:rPr sz="1200" b="1">
-                <a:solidFill>
-                  <a:srgbClr val="020302"/>
-                </a:solidFill>
-                <a:latin typeface="Adobe Clean"/>
-                <a:cs typeface="Adobe Clean"/>
-              </a:rPr>
-              <a:t>s</a:t>
             </a:r>
             <a:endParaRPr sz="1200">
               <a:latin typeface="Adobe Clean"/>
@@ -10422,13 +9158,13 @@
               </a:spcBef>
             </a:pPr>
             <a:r>
-              <a:rPr lang="en-US" sz="1000">
+              <a:rPr lang="de-de" sz="1000">
                 <a:solidFill>
                   <a:srgbClr val="4B4B4B"/>
                 </a:solidFill>
                 <a:latin typeface="Adobe Clean Light" panose="020B0303020404020204" pitchFamily="34" charset="0"/>
               </a:rPr>
-              <a:t>A bi-annual comprehensive review of  Enterprise program services, benefits and support metrics.</a:t>
+              <a:t>每兩年對企業計劃服務、權益和支援指標進行一次全面審查。</a:t>
             </a:r>
             <a:endParaRPr sz="1000">
               <a:latin typeface="Adobe Clean Light" panose="020B0303020404020204" pitchFamily="34" charset="0"/>
@@ -10473,13 +9209,13 @@
               </a:spcBef>
             </a:pPr>
             <a:r>
-              <a:rPr lang="en-US" sz="1000">
+              <a:rPr lang="de-de" sz="1000">
                 <a:solidFill>
                   <a:srgbClr val="4B4B4B"/>
                 </a:solidFill>
                 <a:latin typeface="Adobe Clean Light" panose="020B0303020404020204" pitchFamily="34" charset="0"/>
               </a:rPr>
-              <a:t>A 60-minute session focusing on a specific product feature and how it can be utilized to solve common business problems.</a:t>
+              <a:t>60 分鐘的諮詢，聚焦於特定產品功能以及如何利用它來解決常見的業務問題。</a:t>
             </a:r>
             <a:endParaRPr sz="1000">
               <a:latin typeface="Adobe Clean Light" panose="020B0303020404020204" pitchFamily="34" charset="0"/>
@@ -10510,7 +9246,7 @@
           </a:prstGeom>
         </p:spPr>
         <p:txBody>
-          <a:bodyPr vert="horz" wrap="square" lIns="0" tIns="12700" rIns="0" bIns="0" rtlCol="0" anchor="t">
+          <a:bodyPr vert="horz" wrap="square" lIns="0" tIns="12700" rIns="0" bIns="0" rtlCol="0">
             <a:spAutoFit/>
           </a:bodyPr>
           <a:lstStyle/>
@@ -10524,15 +9260,15 @@
               </a:spcBef>
             </a:pPr>
             <a:r>
-              <a:rPr lang="en-US" sz="1000" dirty="0">
+              <a:rPr lang="de-de" sz="1000">
                 <a:solidFill>
                   <a:srgbClr val="4B4B4B"/>
                 </a:solidFill>
-                <a:latin typeface="Adobe Clean Light"/>
+                <a:latin typeface="Adobe Clean Light" panose="020B0303020404020204" pitchFamily="34" charset="0"/>
               </a:rPr>
-              <a:t>Drive adoption of customization best practices and core components in AEM as a Cloud Service.</a:t>
-            </a:r>
-            <a:endParaRPr sz="1000" dirty="0">
+              <a:t>推動採用 AEM as a Cloud Service 中的自訂最佳實務和核心元件</a:t>
+            </a:r>
+            <a:endParaRPr sz="1000">
               <a:solidFill>
                 <a:srgbClr val="4B4B4B"/>
               </a:solidFill>
@@ -10563,12 +9299,12 @@
           </a:prstGeom>
         </p:spPr>
         <p:txBody>
-          <a:bodyPr vert="horz" wrap="square" lIns="0" tIns="12700" rIns="0" bIns="0" rtlCol="0" anchor="t">
+          <a:bodyPr vert="horz" wrap="square" lIns="0" tIns="12700" rIns="0" bIns="0" rtlCol="0">
             <a:spAutoFit/>
           </a:bodyPr>
           <a:lstStyle/>
           <a:p>
-            <a:pPr marL="13970" marR="5080" indent="-1905">
+            <a:pPr marL="14604" marR="5080" indent="-1905">
               <a:lnSpc>
                 <a:spcPct val="117000"/>
               </a:lnSpc>
@@ -10577,15 +9313,15 @@
               </a:spcBef>
             </a:pPr>
             <a:r>
-              <a:rPr lang="en-US" sz="1000" dirty="0">
+              <a:rPr lang="de-de" sz="1000">
                 <a:solidFill>
                   <a:srgbClr val="4B4B4B"/>
                 </a:solidFill>
-                <a:latin typeface="Adobe Clean Light"/>
+                <a:latin typeface="Adobe Clean Light" panose="020B0303020404020204" pitchFamily="34" charset="0"/>
               </a:rPr>
-              <a:t>Identify, review and provide recommendations on customized solution adoption areas that have opportunities for optimization.</a:t>
-            </a:r>
-            <a:endParaRPr lang="en-US" sz="1000" dirty="0">
+              <a:t>識別、審查有機會最佳化的自訂解決方案採用領域，並提供相關建議</a:t>
+            </a:r>
+            <a:endParaRPr sz="1000">
               <a:solidFill>
                 <a:srgbClr val="4B4B4B"/>
               </a:solidFill>
@@ -10616,7 +9352,7 @@
           </a:prstGeom>
         </p:spPr>
         <p:txBody>
-          <a:bodyPr vert="horz" wrap="square" lIns="0" tIns="12700" rIns="0" bIns="0" rtlCol="0" anchor="t">
+          <a:bodyPr vert="horz" wrap="square" lIns="0" tIns="12700" rIns="0" bIns="0" rtlCol="0">
             <a:spAutoFit/>
           </a:bodyPr>
           <a:lstStyle/>
@@ -10630,15 +9366,15 @@
               </a:spcBef>
             </a:pPr>
             <a:r>
-              <a:rPr lang="en-US" sz="1000" dirty="0">
+              <a:rPr lang="de-de" sz="1000">
                 <a:solidFill>
                   <a:srgbClr val="4B4B4B"/>
                 </a:solidFill>
-                <a:latin typeface="Adobe Clean Light"/>
+                <a:latin typeface="Adobe Clean Light" panose="020B0303020404020204" pitchFamily="34" charset="0"/>
               </a:rPr>
-              <a:t>Technical &amp; operational governance to assist AEM as a Cloud Service Customers in adhering to industry standards and best practices for AEM as a Cloud Service.</a:t>
-            </a:r>
-            <a:endParaRPr sz="1000" dirty="0">
+              <a:t>為了協助 AEM as a Cloud Service 客戶遵守 AEM as a Cloud Service 的產業標準和最佳實務所進行的技術與營運控管</a:t>
+            </a:r>
+            <a:endParaRPr sz="1000">
               <a:solidFill>
                 <a:srgbClr val="4B4B4B"/>
               </a:solidFill>
@@ -10680,15 +9416,15 @@
               </a:spcBef>
             </a:pPr>
             <a:r>
-              <a:rPr lang="en-US" sz="1000" dirty="0">
+              <a:rPr lang="de-de" sz="1000">
                 <a:solidFill>
                   <a:srgbClr val="4B4B4B"/>
                 </a:solidFill>
                 <a:latin typeface="Adobe Clean Light" panose="020B0303020404020204" pitchFamily="34" charset="0"/>
               </a:rPr>
-              <a:t>A designated support engineer who becomes familiar with your solution environment and business goals. The NSE is an experienced support engineer that helps coordinate your Enterprise Support experience.</a:t>
-            </a:r>
-            <a:endParaRPr lang="en-US" sz="1000" dirty="0">
+              <a:t>已熟悉您的解決方案環境與業務目標的指定支援工程師。NSE 是經驗豐富的支援工程師，可幫忙協調您的企業支援體驗。</a:t>
+            </a:r>
+            <a:endParaRPr lang="en-US" sz="1000">
               <a:solidFill>
                 <a:srgbClr val="000000"/>
               </a:solidFill>
@@ -10735,20 +9471,20 @@
               </a:spcAft>
             </a:pPr>
             <a:r>
-              <a:rPr lang="en-US" sz="1200" b="1" spc="-10">
+              <a:rPr lang="de-de" sz="1200" b="1" spc="-10">
                 <a:solidFill>
                   <a:srgbClr val="020302"/>
                 </a:solidFill>
                 <a:latin typeface="+mj-lt"/>
               </a:rPr>
-              <a:t>Named Support Engineer</a:t>
+              <a:t>指定的支援工程師</a:t>
             </a:r>
           </a:p>
         </p:txBody>
       </p:sp>
       <p:pic>
         <p:nvPicPr>
-          <p:cNvPr id="142" name="Graphic 141" descr="User outline">
+          <p:cNvPr id="142" name="Graphic 141" descr="使用者大綱">
             <a:extLst>
               <a:ext uri="{FF2B5EF4-FFF2-40B4-BE49-F238E27FC236}">
                 <a16:creationId xmlns:a16="http://schemas.microsoft.com/office/drawing/2014/main" id="{D810B7C8-EC8A-8D4D-9EEC-977E8C8AB016}"/>
@@ -10821,14 +9557,14 @@
               </a:spcBef>
             </a:pPr>
             <a:r>
-              <a:rPr lang="en-US" sz="1200" b="1" spc="-20">
+              <a:rPr lang="de-de" sz="1200" b="1" spc="-20">
                 <a:solidFill>
                   <a:srgbClr val="020302"/>
                 </a:solidFill>
                 <a:latin typeface="Adobe Clean"/>
                 <a:cs typeface="Adobe Clean"/>
               </a:rPr>
-              <a:t>Expert Sessions</a:t>
+              <a:t>專家諮詢</a:t>
             </a:r>
             <a:endParaRPr sz="1200">
               <a:latin typeface="Adobe Clean"/>
@@ -10864,497 +9600,30 @@
           </a:bodyPr>
           <a:lstStyle/>
           <a:p>
-            <a:pPr marL="12700">
-              <a:lnSpc>
-                <a:spcPct val="100000"/>
-              </a:lnSpc>
-              <a:spcBef>
-                <a:spcPts val="100"/>
-              </a:spcBef>
-            </a:pPr>
-            <a:r>
-              <a:rPr lang="en-US" sz="1200" b="1" spc="-15">
+            <a:pPr algn="l"/>
+            <a:r>
+              <a:rPr lang="en-US" altLang="zh-TW" sz="1200" b="1" spc="-25" dirty="0">
                 <a:solidFill>
                   <a:srgbClr val="020302"/>
                 </a:solidFill>
                 <a:latin typeface="Adobe Clean"/>
-                <a:cs typeface="Adobe Clean"/>
               </a:rPr>
-              <a:t>C</a:t>
-            </a:r>
-            <a:r>
-              <a:rPr lang="en-US" sz="1200" b="1" spc="-20">
+              <a:t>AEM as a Cloud Service </a:t>
+            </a:r>
+            <a:r>
+              <a:rPr lang="zh-TW" altLang="en-US" sz="1200" b="1" spc="-25" dirty="0">
                 <a:solidFill>
                   <a:srgbClr val="020302"/>
                 </a:solidFill>
                 <a:latin typeface="Adobe Clean"/>
-                <a:cs typeface="Adobe Clean"/>
               </a:rPr>
-              <a:t>u</a:t>
-            </a:r>
-            <a:r>
-              <a:rPr lang="en-US" sz="1200" b="1" spc="-25">
-                <a:solidFill>
-                  <a:srgbClr val="020302"/>
-                </a:solidFill>
-                <a:latin typeface="Adobe Clean"/>
-                <a:cs typeface="Adobe Clean"/>
-              </a:rPr>
-              <a:t>st</a:t>
-            </a:r>
-            <a:r>
-              <a:rPr lang="en-US" sz="1200" b="1" spc="-15">
-                <a:solidFill>
-                  <a:srgbClr val="020302"/>
-                </a:solidFill>
-                <a:latin typeface="Adobe Clean"/>
-                <a:cs typeface="Adobe Clean"/>
-              </a:rPr>
-              <a:t>o</a:t>
-            </a:r>
-            <a:r>
-              <a:rPr lang="en-US" sz="1200" b="1" spc="-20">
-                <a:solidFill>
-                  <a:srgbClr val="020302"/>
-                </a:solidFill>
-                <a:latin typeface="Adobe Clean"/>
-                <a:cs typeface="Adobe Clean"/>
-              </a:rPr>
-              <a:t>miza</a:t>
-            </a:r>
-            <a:r>
-              <a:rPr lang="en-US" sz="1200" b="1" spc="-25">
-                <a:solidFill>
-                  <a:srgbClr val="020302"/>
-                </a:solidFill>
-                <a:latin typeface="Adobe Clean"/>
-                <a:cs typeface="Adobe Clean"/>
-              </a:rPr>
-              <a:t>t</a:t>
-            </a:r>
-            <a:r>
-              <a:rPr lang="en-US" sz="1200" b="1" spc="-20">
-                <a:solidFill>
-                  <a:srgbClr val="020302"/>
-                </a:solidFill>
-                <a:latin typeface="Adobe Clean"/>
-                <a:cs typeface="Adobe Clean"/>
-              </a:rPr>
-              <a:t>i</a:t>
-            </a:r>
-            <a:r>
-              <a:rPr lang="en-US" sz="1200" b="1" spc="-15">
-                <a:solidFill>
-                  <a:srgbClr val="020302"/>
-                </a:solidFill>
-                <a:latin typeface="Adobe Clean"/>
-                <a:cs typeface="Adobe Clean"/>
-              </a:rPr>
-              <a:t>o</a:t>
-            </a:r>
-            <a:r>
-              <a:rPr lang="en-US" sz="1200" b="1">
-                <a:solidFill>
-                  <a:srgbClr val="020302"/>
-                </a:solidFill>
-                <a:latin typeface="Adobe Clean"/>
-                <a:cs typeface="Adobe Clean"/>
-              </a:rPr>
-              <a:t>n</a:t>
-            </a:r>
-            <a:r>
-              <a:rPr lang="en-US" sz="1200" b="1" spc="-50">
-                <a:solidFill>
-                  <a:srgbClr val="020302"/>
-                </a:solidFill>
-                <a:latin typeface="Adobe Clean"/>
-                <a:cs typeface="Adobe Clean"/>
-              </a:rPr>
-              <a:t> </a:t>
-            </a:r>
-            <a:r>
-              <a:rPr lang="en-US" sz="1200" b="1" spc="-20">
-                <a:solidFill>
-                  <a:srgbClr val="020302"/>
-                </a:solidFill>
-                <a:latin typeface="Adobe Clean"/>
-                <a:cs typeface="Adobe Clean"/>
-              </a:rPr>
-              <a:t>B</a:t>
-            </a:r>
-            <a:r>
-              <a:rPr lang="en-US" sz="1200" b="1" spc="-25">
-                <a:solidFill>
-                  <a:srgbClr val="020302"/>
-                </a:solidFill>
-                <a:latin typeface="Adobe Clean"/>
-                <a:cs typeface="Adobe Clean"/>
-              </a:rPr>
-              <a:t>es</a:t>
-            </a:r>
-            <a:r>
-              <a:rPr lang="en-US" sz="1200" b="1">
-                <a:solidFill>
-                  <a:srgbClr val="020302"/>
-                </a:solidFill>
-                <a:latin typeface="Adobe Clean"/>
-                <a:cs typeface="Adobe Clean"/>
-              </a:rPr>
-              <a:t>t</a:t>
-            </a:r>
-            <a:r>
-              <a:rPr lang="en-US" sz="1200" b="1" spc="-50">
-                <a:solidFill>
-                  <a:srgbClr val="020302"/>
-                </a:solidFill>
-                <a:latin typeface="Adobe Clean"/>
-                <a:cs typeface="Adobe Clean"/>
-              </a:rPr>
-              <a:t> </a:t>
-            </a:r>
-            <a:r>
-              <a:rPr lang="en-US" sz="1200" b="1" spc="-25">
-                <a:solidFill>
-                  <a:srgbClr val="020302"/>
-                </a:solidFill>
-                <a:latin typeface="Adobe Clean"/>
-                <a:cs typeface="Adobe Clean"/>
-              </a:rPr>
-              <a:t>P</a:t>
-            </a:r>
-            <a:r>
-              <a:rPr lang="en-US" sz="1200" b="1" spc="-20">
-                <a:solidFill>
-                  <a:srgbClr val="020302"/>
-                </a:solidFill>
-                <a:latin typeface="Adobe Clean"/>
-                <a:cs typeface="Adobe Clean"/>
-              </a:rPr>
-              <a:t>ra</a:t>
-            </a:r>
-            <a:r>
-              <a:rPr lang="en-US" sz="1200" b="1" spc="-30">
-                <a:solidFill>
-                  <a:srgbClr val="020302"/>
-                </a:solidFill>
-                <a:latin typeface="Adobe Clean"/>
-                <a:cs typeface="Adobe Clean"/>
-              </a:rPr>
-              <a:t>c</a:t>
-            </a:r>
-            <a:r>
-              <a:rPr lang="en-US" sz="1200" b="1" spc="-25">
-                <a:solidFill>
-                  <a:srgbClr val="020302"/>
-                </a:solidFill>
-                <a:latin typeface="Adobe Clean"/>
-                <a:cs typeface="Adobe Clean"/>
-              </a:rPr>
-              <a:t>t</a:t>
-            </a:r>
-            <a:r>
-              <a:rPr lang="en-US" sz="1200" b="1" spc="-20">
-                <a:solidFill>
-                  <a:srgbClr val="020302"/>
-                </a:solidFill>
-                <a:latin typeface="Adobe Clean"/>
-                <a:cs typeface="Adobe Clean"/>
-              </a:rPr>
-              <a:t>i</a:t>
-            </a:r>
-            <a:r>
-              <a:rPr lang="en-US" sz="1200" b="1" spc="-30">
-                <a:solidFill>
-                  <a:srgbClr val="020302"/>
-                </a:solidFill>
-                <a:latin typeface="Adobe Clean"/>
-                <a:cs typeface="Adobe Clean"/>
-              </a:rPr>
-              <a:t>c</a:t>
-            </a:r>
-            <a:r>
-              <a:rPr lang="en-US" sz="1200" b="1" spc="-25">
-                <a:solidFill>
-                  <a:srgbClr val="020302"/>
-                </a:solidFill>
-                <a:latin typeface="Adobe Clean"/>
-                <a:cs typeface="Adobe Clean"/>
-              </a:rPr>
-              <a:t>e</a:t>
-            </a:r>
-            <a:r>
-              <a:rPr lang="en-US" sz="1200" b="1">
-                <a:solidFill>
-                  <a:srgbClr val="020302"/>
-                </a:solidFill>
-                <a:latin typeface="Adobe Clean"/>
-                <a:cs typeface="Adobe Clean"/>
-              </a:rPr>
-              <a:t>s</a:t>
-            </a:r>
-            <a:r>
-              <a:rPr lang="en-US" sz="1200" b="1" spc="-45">
-                <a:solidFill>
-                  <a:srgbClr val="020302"/>
-                </a:solidFill>
-                <a:latin typeface="Adobe Clean"/>
-                <a:cs typeface="Adobe Clean"/>
-              </a:rPr>
-              <a:t> </a:t>
-            </a:r>
-            <a:r>
-              <a:rPr lang="en-US" sz="1200" b="1" spc="-25">
-                <a:solidFill>
-                  <a:srgbClr val="020302"/>
-                </a:solidFill>
-                <a:latin typeface="Adobe Clean"/>
-                <a:cs typeface="Adobe Clean"/>
-              </a:rPr>
-              <a:t>f</a:t>
-            </a:r>
-            <a:r>
-              <a:rPr lang="en-US" sz="1200" b="1" spc="-15">
-                <a:solidFill>
-                  <a:srgbClr val="020302"/>
-                </a:solidFill>
-                <a:latin typeface="Adobe Clean"/>
-                <a:cs typeface="Adobe Clean"/>
-              </a:rPr>
-              <a:t>o</a:t>
-            </a:r>
-            <a:r>
-              <a:rPr lang="en-US" sz="1200" b="1">
-                <a:solidFill>
-                  <a:srgbClr val="020302"/>
-                </a:solidFill>
-                <a:latin typeface="Adobe Clean"/>
-                <a:cs typeface="Adobe Clean"/>
-              </a:rPr>
-              <a:t>r</a:t>
-            </a:r>
-            <a:r>
-              <a:rPr lang="en-US" sz="1200" b="1" spc="-45">
-                <a:solidFill>
-                  <a:srgbClr val="020302"/>
-                </a:solidFill>
-                <a:latin typeface="Adobe Clean"/>
-                <a:cs typeface="Adobe Clean"/>
-              </a:rPr>
-              <a:t> </a:t>
-            </a:r>
-            <a:r>
-              <a:rPr lang="en-US" sz="1200" b="1" spc="-30">
-                <a:solidFill>
-                  <a:srgbClr val="020302"/>
-                </a:solidFill>
-                <a:latin typeface="Adobe Clean"/>
-                <a:cs typeface="Adobe Clean"/>
-              </a:rPr>
-              <a:t>AE</a:t>
-            </a:r>
-            <a:r>
-              <a:rPr lang="en-US" sz="1200" b="1">
-                <a:solidFill>
-                  <a:srgbClr val="020302"/>
-                </a:solidFill>
-                <a:latin typeface="Adobe Clean"/>
-                <a:cs typeface="Adobe Clean"/>
-              </a:rPr>
-              <a:t>M</a:t>
-            </a:r>
-            <a:r>
-              <a:rPr lang="en-US" sz="1200" b="1" spc="-55">
-                <a:solidFill>
-                  <a:srgbClr val="020302"/>
-                </a:solidFill>
-                <a:latin typeface="Adobe Clean"/>
-                <a:cs typeface="Adobe Clean"/>
-              </a:rPr>
-              <a:t> </a:t>
-            </a:r>
-            <a:r>
-              <a:rPr lang="en-US" sz="1200" b="1" spc="-20">
-                <a:solidFill>
-                  <a:srgbClr val="020302"/>
-                </a:solidFill>
-                <a:latin typeface="Adobe Clean"/>
-                <a:cs typeface="Adobe Clean"/>
-              </a:rPr>
-              <a:t>a</a:t>
-            </a:r>
-            <a:r>
-              <a:rPr lang="en-US" sz="1200" b="1">
-                <a:solidFill>
-                  <a:srgbClr val="020302"/>
-                </a:solidFill>
-                <a:latin typeface="Adobe Clean"/>
-                <a:cs typeface="Adobe Clean"/>
-              </a:rPr>
-              <a:t>s</a:t>
-            </a:r>
-            <a:r>
-              <a:rPr lang="en-US" sz="1200" b="1" spc="-45">
-                <a:solidFill>
-                  <a:srgbClr val="020302"/>
-                </a:solidFill>
-                <a:latin typeface="Adobe Clean"/>
-                <a:cs typeface="Adobe Clean"/>
-              </a:rPr>
-              <a:t> </a:t>
-            </a:r>
-            <a:r>
-              <a:rPr lang="en-US" sz="1200" b="1">
-                <a:solidFill>
-                  <a:srgbClr val="020302"/>
-                </a:solidFill>
-                <a:latin typeface="Adobe Clean"/>
-                <a:cs typeface="Adobe Clean"/>
-              </a:rPr>
-              <a:t>a</a:t>
-            </a:r>
-            <a:r>
-              <a:rPr lang="en-US" sz="1200" b="1" spc="-45">
-                <a:solidFill>
-                  <a:srgbClr val="020302"/>
-                </a:solidFill>
-                <a:latin typeface="Adobe Clean"/>
-                <a:cs typeface="Adobe Clean"/>
-              </a:rPr>
-              <a:t> </a:t>
-            </a:r>
-            <a:r>
-              <a:rPr lang="en-US" sz="1200" b="1" spc="-15">
-                <a:solidFill>
-                  <a:srgbClr val="020302"/>
-                </a:solidFill>
-                <a:latin typeface="Adobe Clean"/>
-                <a:cs typeface="Adobe Clean"/>
-              </a:rPr>
-              <a:t>C</a:t>
-            </a:r>
-            <a:r>
-              <a:rPr lang="en-US" sz="1200" b="1" spc="-25">
-                <a:solidFill>
-                  <a:srgbClr val="020302"/>
-                </a:solidFill>
-                <a:latin typeface="Adobe Clean"/>
-                <a:cs typeface="Adobe Clean"/>
-              </a:rPr>
-              <a:t>l</a:t>
-            </a:r>
-            <a:r>
-              <a:rPr lang="en-US" sz="1200" b="1" spc="-15">
-                <a:solidFill>
-                  <a:srgbClr val="020302"/>
-                </a:solidFill>
-                <a:latin typeface="Adobe Clean"/>
-                <a:cs typeface="Adobe Clean"/>
-              </a:rPr>
-              <a:t>o</a:t>
-            </a:r>
-            <a:r>
-              <a:rPr lang="en-US" sz="1200" b="1" spc="-20">
-                <a:solidFill>
-                  <a:srgbClr val="020302"/>
-                </a:solidFill>
-                <a:latin typeface="Adobe Clean"/>
-                <a:cs typeface="Adobe Clean"/>
-              </a:rPr>
-              <a:t>u</a:t>
-            </a:r>
-            <a:r>
-              <a:rPr lang="en-US" sz="1200" b="1">
-                <a:solidFill>
-                  <a:srgbClr val="020302"/>
-                </a:solidFill>
-                <a:latin typeface="Adobe Clean"/>
-                <a:cs typeface="Adobe Clean"/>
-              </a:rPr>
-              <a:t>d</a:t>
-            </a:r>
-            <a:r>
-              <a:rPr lang="en-US" sz="1200" b="1" spc="-50">
-                <a:solidFill>
-                  <a:srgbClr val="020302"/>
-                </a:solidFill>
-                <a:latin typeface="Adobe Clean"/>
-                <a:cs typeface="Adobe Clean"/>
-              </a:rPr>
-              <a:t> </a:t>
-            </a:r>
-            <a:r>
-              <a:rPr lang="en-US" sz="1200" b="1" spc="-20">
-                <a:solidFill>
-                  <a:srgbClr val="020302"/>
-                </a:solidFill>
-                <a:latin typeface="Adobe Clean"/>
-                <a:cs typeface="Adobe Clean"/>
-              </a:rPr>
-              <a:t>S</a:t>
-            </a:r>
-            <a:r>
-              <a:rPr lang="en-US" sz="1200" b="1" spc="-25">
-                <a:solidFill>
-                  <a:srgbClr val="020302"/>
-                </a:solidFill>
-                <a:latin typeface="Adobe Clean"/>
-                <a:cs typeface="Adobe Clean"/>
-              </a:rPr>
-              <a:t>e</a:t>
-            </a:r>
-            <a:r>
-              <a:rPr lang="en-US" sz="1200" b="1" spc="-20">
-                <a:solidFill>
-                  <a:srgbClr val="020302"/>
-                </a:solidFill>
-                <a:latin typeface="Adobe Clean"/>
-                <a:cs typeface="Adobe Clean"/>
-              </a:rPr>
-              <a:t>r</a:t>
-            </a:r>
-            <a:r>
-              <a:rPr lang="en-US" sz="1200" b="1" spc="-30">
-                <a:solidFill>
-                  <a:srgbClr val="020302"/>
-                </a:solidFill>
-                <a:latin typeface="Adobe Clean"/>
-                <a:cs typeface="Adobe Clean"/>
-              </a:rPr>
-              <a:t>v</a:t>
-            </a:r>
-            <a:r>
-              <a:rPr lang="en-US" sz="1200" b="1" spc="-20">
-                <a:solidFill>
-                  <a:srgbClr val="020302"/>
-                </a:solidFill>
-                <a:latin typeface="Adobe Clean"/>
-                <a:cs typeface="Adobe Clean"/>
-              </a:rPr>
-              <a:t>i</a:t>
-            </a:r>
-            <a:r>
-              <a:rPr lang="en-US" sz="1200" b="1" spc="-30">
-                <a:solidFill>
-                  <a:srgbClr val="020302"/>
-                </a:solidFill>
-                <a:latin typeface="Adobe Clean"/>
-                <a:cs typeface="Adobe Clean"/>
-              </a:rPr>
-              <a:t>c</a:t>
-            </a:r>
-            <a:r>
-              <a:rPr lang="en-US" sz="1200" b="1">
-                <a:solidFill>
-                  <a:srgbClr val="020302"/>
-                </a:solidFill>
-                <a:latin typeface="Adobe Clean"/>
-                <a:cs typeface="Adobe Clean"/>
-              </a:rPr>
-              <a:t>e</a:t>
-            </a:r>
-            <a:endParaRPr lang="en-US" sz="1200">
+              <a:t>的自訂最佳實務</a:t>
+            </a:r>
+            <a:endParaRPr lang="en-US" sz="1200" b="1" spc="-25" dirty="0">
+              <a:solidFill>
+                <a:srgbClr val="020302"/>
+              </a:solidFill>
               <a:latin typeface="Adobe Clean"/>
-              <a:cs typeface="Adobe Clean"/>
             </a:endParaRPr>
           </a:p>
         </p:txBody>
@@ -11395,16 +9664,16 @@
               </a:spcBef>
             </a:pPr>
             <a:r>
-              <a:rPr lang="en-US" sz="1200" b="1" spc="-25">
+              <a:rPr lang="de-de" sz="1200" b="1" spc="-25" dirty="0">
                 <a:solidFill>
                   <a:srgbClr val="020302"/>
                 </a:solidFill>
                 <a:latin typeface="Adobe Clean"/>
                 <a:cs typeface="Adobe Clean"/>
               </a:rPr>
-              <a:t>Value-added Services for AEM as a Cloud Service</a:t>
-            </a:r>
-            <a:endParaRPr lang="en-US" sz="1200">
+              <a:t>AEM as a Cloud Service 的增值服務</a:t>
+            </a:r>
+            <a:endParaRPr lang="en-US" sz="1200" dirty="0">
               <a:latin typeface="Adobe Clean"/>
               <a:cs typeface="Adobe Clean"/>
             </a:endParaRPr>
@@ -11426,7 +9695,7 @@
         <p:spPr>
           <a:xfrm>
             <a:off x="381000" y="4438394"/>
-            <a:ext cx="1998943" cy="461665"/>
+            <a:ext cx="2119971" cy="276999"/>
           </a:xfrm>
           <a:prstGeom prst="rect">
             <a:avLst/>
@@ -11439,373 +9708,49 @@
           <a:lstStyle/>
           <a:p>
             <a:pPr marL="12700">
-              <a:lnSpc>
-                <a:spcPct val="100000"/>
-              </a:lnSpc>
               <a:spcBef>
                 <a:spcPts val="100"/>
               </a:spcBef>
             </a:pPr>
             <a:r>
-              <a:rPr lang="en-US" sz="1200" b="1" spc="-20">
+              <a:rPr lang="de-de" sz="1200" b="1" spc="-25" dirty="0">
                 <a:solidFill>
                   <a:srgbClr val="020302"/>
                 </a:solidFill>
                 <a:latin typeface="Adobe Clean"/>
-                <a:cs typeface="Adobe Clean"/>
-              </a:rPr>
-              <a:t>G</a:t>
-            </a:r>
-            <a:r>
-              <a:rPr lang="en-US" sz="1200" b="1" spc="-15">
-                <a:solidFill>
-                  <a:srgbClr val="020302"/>
-                </a:solidFill>
-                <a:latin typeface="Adobe Clean"/>
-                <a:cs typeface="Adobe Clean"/>
-              </a:rPr>
-              <a:t>o</a:t>
-            </a:r>
-            <a:r>
-              <a:rPr lang="en-US" sz="1200" b="1" spc="-25">
-                <a:solidFill>
-                  <a:srgbClr val="020302"/>
-                </a:solidFill>
-                <a:latin typeface="Adobe Clean"/>
-                <a:cs typeface="Adobe Clean"/>
-              </a:rPr>
-              <a:t>ve</a:t>
-            </a:r>
-            <a:r>
-              <a:rPr lang="en-US" sz="1200" b="1" spc="-20">
-                <a:solidFill>
-                  <a:srgbClr val="020302"/>
-                </a:solidFill>
-                <a:latin typeface="Adobe Clean"/>
-                <a:cs typeface="Adobe Clean"/>
-              </a:rPr>
-              <a:t>r</a:t>
-            </a:r>
-            <a:r>
-              <a:rPr lang="en-US" sz="1200" b="1" spc="-25">
-                <a:solidFill>
-                  <a:srgbClr val="020302"/>
-                </a:solidFill>
-                <a:latin typeface="Adobe Clean"/>
-                <a:cs typeface="Adobe Clean"/>
-              </a:rPr>
-              <a:t>n</a:t>
-            </a:r>
-            <a:r>
-              <a:rPr lang="en-US" sz="1200" b="1" spc="-20">
-                <a:solidFill>
-                  <a:srgbClr val="020302"/>
-                </a:solidFill>
-                <a:latin typeface="Adobe Clean"/>
-                <a:cs typeface="Adobe Clean"/>
-              </a:rPr>
-              <a:t>a</a:t>
-            </a:r>
-            <a:r>
-              <a:rPr lang="en-US" sz="1200" b="1" spc="-25">
-                <a:solidFill>
-                  <a:srgbClr val="020302"/>
-                </a:solidFill>
-                <a:latin typeface="Adobe Clean"/>
-                <a:cs typeface="Adobe Clean"/>
-              </a:rPr>
-              <a:t>n</a:t>
-            </a:r>
-            <a:r>
-              <a:rPr lang="en-US" sz="1200" b="1" spc="-30">
-                <a:solidFill>
-                  <a:srgbClr val="020302"/>
-                </a:solidFill>
-                <a:latin typeface="Adobe Clean"/>
-                <a:cs typeface="Adobe Clean"/>
-              </a:rPr>
-              <a:t>c</a:t>
-            </a:r>
-            <a:r>
-              <a:rPr lang="en-US" sz="1200" b="1">
-                <a:solidFill>
-                  <a:srgbClr val="020302"/>
-                </a:solidFill>
-                <a:latin typeface="Adobe Clean"/>
-                <a:cs typeface="Adobe Clean"/>
-              </a:rPr>
-              <a:t>e</a:t>
-            </a:r>
-            <a:r>
-              <a:rPr lang="en-US" sz="1200" b="1" spc="-50">
-                <a:solidFill>
-                  <a:srgbClr val="020302"/>
-                </a:solidFill>
-                <a:latin typeface="Adobe Clean"/>
-                <a:cs typeface="Adobe Clean"/>
               </a:rPr>
               <a:t> </a:t>
             </a:r>
             <a:r>
-              <a:rPr lang="en-US" sz="1200" b="1" spc="-25">
+              <a:rPr lang="pt-BR" altLang="zh-TW" sz="1200" b="1" spc="-25" dirty="0">
                 <a:solidFill>
                   <a:srgbClr val="020302"/>
                 </a:solidFill>
                 <a:latin typeface="Adobe Clean"/>
-                <a:cs typeface="Adobe Clean"/>
               </a:rPr>
-              <a:t>f</a:t>
-            </a:r>
-            <a:r>
-              <a:rPr lang="en-US" sz="1200" b="1" spc="-15">
+              <a:t>AEM as a Cloud Service </a:t>
+            </a:r>
+            <a:r>
+              <a:rPr lang="zh-TW" altLang="pt-BR" sz="1200" b="1" spc="-25" dirty="0">
                 <a:solidFill>
                   <a:srgbClr val="020302"/>
                 </a:solidFill>
                 <a:latin typeface="Adobe Clean"/>
-                <a:cs typeface="Adobe Clean"/>
               </a:rPr>
-              <a:t>o</a:t>
-            </a:r>
-            <a:r>
-              <a:rPr lang="en-US" sz="1200" b="1">
-                <a:solidFill>
-                  <a:srgbClr val="020302"/>
-                </a:solidFill>
-                <a:latin typeface="Adobe Clean"/>
-                <a:cs typeface="Adobe Clean"/>
-              </a:rPr>
-              <a:t>r</a:t>
-            </a:r>
-            <a:r>
-              <a:rPr lang="en-US" sz="1200" b="1" spc="-45">
-                <a:solidFill>
-                  <a:srgbClr val="020302"/>
-                </a:solidFill>
-                <a:latin typeface="Adobe Clean"/>
-                <a:cs typeface="Adobe Clean"/>
-              </a:rPr>
-              <a:t> </a:t>
-            </a:r>
-            <a:r>
-              <a:rPr lang="en-US" sz="1200" b="1" spc="-30">
-                <a:solidFill>
-                  <a:srgbClr val="020302"/>
-                </a:solidFill>
-                <a:latin typeface="Adobe Clean"/>
-                <a:cs typeface="Adobe Clean"/>
-              </a:rPr>
-              <a:t>A</a:t>
-            </a:r>
-            <a:r>
-              <a:rPr lang="en-US" sz="1200" b="1" spc="-25">
-                <a:solidFill>
-                  <a:srgbClr val="020302"/>
-                </a:solidFill>
-                <a:latin typeface="Adobe Clean"/>
-                <a:cs typeface="Adobe Clean"/>
-              </a:rPr>
-              <a:t>E</a:t>
-            </a:r>
-            <a:r>
-              <a:rPr lang="en-US" sz="1200" b="1">
-                <a:solidFill>
-                  <a:srgbClr val="020302"/>
-                </a:solidFill>
-                <a:latin typeface="Adobe Clean"/>
-                <a:cs typeface="Adobe Clean"/>
-              </a:rPr>
-              <a:t>M</a:t>
-            </a:r>
-            <a:r>
-              <a:rPr lang="en-US" sz="1200" b="1" spc="-50">
-                <a:solidFill>
-                  <a:srgbClr val="020302"/>
-                </a:solidFill>
-                <a:latin typeface="Adobe Clean"/>
-                <a:cs typeface="Adobe Clean"/>
-              </a:rPr>
-              <a:t> </a:t>
-            </a:r>
-            <a:r>
-              <a:rPr lang="en-US" sz="1200" b="1" spc="-20">
-                <a:solidFill>
-                  <a:srgbClr val="020302"/>
-                </a:solidFill>
-                <a:latin typeface="Adobe Clean"/>
-                <a:cs typeface="Adobe Clean"/>
-              </a:rPr>
-              <a:t>a</a:t>
-            </a:r>
-            <a:r>
-              <a:rPr lang="en-US" sz="1200" b="1">
-                <a:solidFill>
-                  <a:srgbClr val="020302"/>
-                </a:solidFill>
-                <a:latin typeface="Adobe Clean"/>
-                <a:cs typeface="Adobe Clean"/>
-              </a:rPr>
-              <a:t>s</a:t>
-            </a:r>
-            <a:r>
-              <a:rPr lang="en-US" sz="1200" b="1" spc="-45">
-                <a:solidFill>
-                  <a:srgbClr val="020302"/>
-                </a:solidFill>
-                <a:latin typeface="Adobe Clean"/>
-                <a:cs typeface="Adobe Clean"/>
-              </a:rPr>
-              <a:t> </a:t>
-            </a:r>
-            <a:r>
-              <a:rPr lang="en-US" sz="1200" b="1">
-                <a:solidFill>
-                  <a:srgbClr val="020302"/>
-                </a:solidFill>
-                <a:latin typeface="Adobe Clean"/>
-                <a:cs typeface="Adobe Clean"/>
-              </a:rPr>
-              <a:t>a</a:t>
-            </a:r>
-            <a:r>
-              <a:rPr lang="en-US" sz="1200" b="1" spc="-40">
-                <a:solidFill>
-                  <a:srgbClr val="020302"/>
-                </a:solidFill>
-                <a:latin typeface="Adobe Clean"/>
-                <a:cs typeface="Adobe Clean"/>
-              </a:rPr>
-              <a:t> </a:t>
-            </a:r>
-            <a:r>
-              <a:rPr lang="en-US" sz="1200" b="1" spc="-15">
-                <a:solidFill>
-                  <a:srgbClr val="020302"/>
-                </a:solidFill>
-                <a:latin typeface="Adobe Clean"/>
-                <a:cs typeface="Adobe Clean"/>
-              </a:rPr>
-              <a:t>C</a:t>
-            </a:r>
-            <a:r>
-              <a:rPr lang="en-US" sz="1200" b="1" spc="-25">
-                <a:solidFill>
-                  <a:srgbClr val="020302"/>
-                </a:solidFill>
-                <a:latin typeface="Adobe Clean"/>
-                <a:cs typeface="Adobe Clean"/>
-              </a:rPr>
-              <a:t>l</a:t>
-            </a:r>
-            <a:r>
-              <a:rPr lang="en-US" sz="1200" b="1" spc="-15">
-                <a:solidFill>
-                  <a:srgbClr val="020302"/>
-                </a:solidFill>
-                <a:latin typeface="Adobe Clean"/>
-                <a:cs typeface="Adobe Clean"/>
-              </a:rPr>
-              <a:t>ou</a:t>
-            </a:r>
-            <a:r>
-              <a:rPr lang="en-US" sz="1200" b="1">
-                <a:solidFill>
-                  <a:srgbClr val="020302"/>
-                </a:solidFill>
-                <a:latin typeface="Adobe Clean"/>
-                <a:cs typeface="Adobe Clean"/>
-              </a:rPr>
-              <a:t>d</a:t>
-            </a:r>
-            <a:r>
-              <a:rPr lang="en-US" sz="1200" b="1" spc="-50">
-                <a:solidFill>
-                  <a:srgbClr val="020302"/>
-                </a:solidFill>
-                <a:latin typeface="Adobe Clean"/>
-                <a:cs typeface="Adobe Clean"/>
-              </a:rPr>
-              <a:t> </a:t>
-            </a:r>
-            <a:r>
-              <a:rPr lang="en-US" sz="1200" b="1" spc="-20">
-                <a:solidFill>
-                  <a:srgbClr val="020302"/>
-                </a:solidFill>
-                <a:latin typeface="Adobe Clean"/>
-                <a:cs typeface="Adobe Clean"/>
-              </a:rPr>
-              <a:t>S</a:t>
-            </a:r>
-            <a:r>
-              <a:rPr lang="en-US" sz="1200" b="1" spc="-25">
-                <a:solidFill>
-                  <a:srgbClr val="020302"/>
-                </a:solidFill>
-                <a:latin typeface="Adobe Clean"/>
-                <a:cs typeface="Adobe Clean"/>
-              </a:rPr>
-              <a:t>e</a:t>
-            </a:r>
-            <a:r>
-              <a:rPr lang="en-US" sz="1200" b="1" spc="-20">
-                <a:solidFill>
-                  <a:srgbClr val="020302"/>
-                </a:solidFill>
-                <a:latin typeface="Adobe Clean"/>
-                <a:cs typeface="Adobe Clean"/>
-              </a:rPr>
-              <a:t>r</a:t>
-            </a:r>
-            <a:r>
-              <a:rPr lang="en-US" sz="1200" b="1" spc="-25">
-                <a:solidFill>
-                  <a:srgbClr val="020302"/>
-                </a:solidFill>
-                <a:latin typeface="Adobe Clean"/>
-                <a:cs typeface="Adobe Clean"/>
-              </a:rPr>
-              <a:t>v</a:t>
-            </a:r>
-            <a:r>
-              <a:rPr lang="en-US" sz="1200" b="1" spc="-20">
-                <a:solidFill>
-                  <a:srgbClr val="020302"/>
-                </a:solidFill>
-                <a:latin typeface="Adobe Clean"/>
-                <a:cs typeface="Adobe Clean"/>
-              </a:rPr>
-              <a:t>i</a:t>
-            </a:r>
-            <a:r>
-              <a:rPr lang="en-US" sz="1200" b="1" spc="-30">
-                <a:solidFill>
-                  <a:srgbClr val="020302"/>
-                </a:solidFill>
-                <a:latin typeface="Adobe Clean"/>
-                <a:cs typeface="Adobe Clean"/>
-              </a:rPr>
-              <a:t>c</a:t>
-            </a:r>
-            <a:r>
-              <a:rPr lang="en-US" sz="1200" b="1">
-                <a:solidFill>
-                  <a:srgbClr val="020302"/>
-                </a:solidFill>
-                <a:latin typeface="Adobe Clean"/>
-                <a:cs typeface="Adobe Clean"/>
-              </a:rPr>
-              <a:t>e</a:t>
-            </a:r>
-            <a:endParaRPr lang="en-US" sz="1200">
+              <a:t>的控管</a:t>
+            </a:r>
+            <a:endParaRPr lang="en-US" sz="1200" b="1" spc="-25" dirty="0">
+              <a:solidFill>
+                <a:srgbClr val="020302"/>
+              </a:solidFill>
               <a:latin typeface="Adobe Clean"/>
-              <a:cs typeface="Adobe Clean"/>
             </a:endParaRPr>
           </a:p>
         </p:txBody>
       </p:sp>
       <p:pic>
         <p:nvPicPr>
-          <p:cNvPr id="151" name="Graphic 150" descr="Director's Chair outline">
+          <p:cNvPr id="151" name="Graphic 150" descr="Director's Chair 大綱">
             <a:extLst>
               <a:ext uri="{FF2B5EF4-FFF2-40B4-BE49-F238E27FC236}">
                 <a16:creationId xmlns:a16="http://schemas.microsoft.com/office/drawing/2014/main" id="{921858E2-75CF-3B40-8734-4CE41782FC9B}"/>
@@ -11844,7 +9789,7 @@
       </p:pic>
       <p:pic>
         <p:nvPicPr>
-          <p:cNvPr id="153" name="Graphic 152" descr="Rating 3 Star with solid fill">
+          <p:cNvPr id="153" name="Graphic 152" descr="評等 3 個星 (實心)">
             <a:extLst>
               <a:ext uri="{FF2B5EF4-FFF2-40B4-BE49-F238E27FC236}">
                 <a16:creationId xmlns:a16="http://schemas.microsoft.com/office/drawing/2014/main" id="{D5B000DA-4203-6A40-88BA-0E899DF2822C}"/>
@@ -11917,94 +9862,14 @@
               </a:spcBef>
             </a:pPr>
             <a:r>
-              <a:rPr lang="en-US" sz="1200" b="1" spc="-20">
+              <a:rPr lang="de-de" sz="1200" b="1" spc="-20">
                 <a:solidFill>
                   <a:srgbClr val="020302"/>
                 </a:solidFill>
                 <a:latin typeface="Adobe Clean"/>
                 <a:cs typeface="Adobe Clean"/>
               </a:rPr>
-              <a:t>Cas</a:t>
-            </a:r>
-            <a:r>
-              <a:rPr sz="1200" b="1">
-                <a:solidFill>
-                  <a:srgbClr val="020302"/>
-                </a:solidFill>
-                <a:latin typeface="Adobe Clean"/>
-                <a:cs typeface="Adobe Clean"/>
-              </a:rPr>
-              <a:t>e</a:t>
-            </a:r>
-            <a:r>
-              <a:rPr sz="1200" b="1" spc="-80">
-                <a:solidFill>
-                  <a:srgbClr val="020302"/>
-                </a:solidFill>
-                <a:latin typeface="Adobe Clean"/>
-                <a:cs typeface="Adobe Clean"/>
-              </a:rPr>
-              <a:t> </a:t>
-            </a:r>
-            <a:r>
-              <a:rPr sz="1200" b="1" spc="-20">
-                <a:solidFill>
-                  <a:srgbClr val="020302"/>
-                </a:solidFill>
-                <a:latin typeface="Adobe Clean"/>
-                <a:cs typeface="Adobe Clean"/>
-              </a:rPr>
-              <a:t>R</a:t>
-            </a:r>
-            <a:r>
-              <a:rPr sz="1200" b="1" spc="-25">
-                <a:solidFill>
-                  <a:srgbClr val="020302"/>
-                </a:solidFill>
-                <a:latin typeface="Adobe Clean"/>
-                <a:cs typeface="Adobe Clean"/>
-              </a:rPr>
-              <a:t>e</a:t>
-            </a:r>
-            <a:r>
-              <a:rPr sz="1200" b="1" spc="-30">
-                <a:solidFill>
-                  <a:srgbClr val="020302"/>
-                </a:solidFill>
-                <a:latin typeface="Adobe Clean"/>
-                <a:cs typeface="Adobe Clean"/>
-              </a:rPr>
-              <a:t>v</a:t>
-            </a:r>
-            <a:r>
-              <a:rPr sz="1200" b="1" spc="-20">
-                <a:solidFill>
-                  <a:srgbClr val="020302"/>
-                </a:solidFill>
-                <a:latin typeface="Adobe Clean"/>
-                <a:cs typeface="Adobe Clean"/>
-              </a:rPr>
-              <a:t>i</a:t>
-            </a:r>
-            <a:r>
-              <a:rPr sz="1200" b="1" spc="-25">
-                <a:solidFill>
-                  <a:srgbClr val="020302"/>
-                </a:solidFill>
-                <a:latin typeface="Adobe Clean"/>
-                <a:cs typeface="Adobe Clean"/>
-              </a:rPr>
-              <a:t>ew</a:t>
-            </a:r>
-            <a:r>
-              <a:rPr sz="1200" b="1">
-                <a:solidFill>
-                  <a:srgbClr val="020302"/>
-                </a:solidFill>
-                <a:latin typeface="Adobe Clean"/>
-                <a:cs typeface="Adobe Clean"/>
-              </a:rPr>
-              <a:t>s</a:t>
+              <a:t>案件審查</a:t>
             </a:r>
             <a:endParaRPr sz="1200">
               <a:latin typeface="Adobe Clean"/>
@@ -12015,7 +9880,7 @@
       </p:sp>
       <p:pic>
         <p:nvPicPr>
-          <p:cNvPr id="5" name="Graphic 4" descr="Customer review outline">
+          <p:cNvPr id="5" name="Graphic 4" descr="客戶審查大綱">
             <a:extLst>
               <a:ext uri="{FF2B5EF4-FFF2-40B4-BE49-F238E27FC236}">
                 <a16:creationId xmlns:a16="http://schemas.microsoft.com/office/drawing/2014/main" id="{8CCEB8E9-4EDC-FD45-900B-6151B8F604B7}"/>
@@ -12088,13 +9953,13 @@
               </a:spcBef>
             </a:pPr>
             <a:r>
-              <a:rPr lang="en-US" sz="1000">
+              <a:rPr lang="de-de" sz="1000">
                 <a:solidFill>
                   <a:srgbClr val="4B4B4B"/>
                 </a:solidFill>
                 <a:latin typeface="Adobe Clean Light" panose="020B0303020404020204" pitchFamily="34" charset="0"/>
               </a:rPr>
-              <a:t>Regular scheduled review of open support requests, ensuring customer alignment on case description, business impact, status, priority and agreement on next steps required to ensure an expedient resolution.</a:t>
+              <a:t>定期審查未解決的支援請求，以確保客戶在案件描述、業務影響、狀態、優先順序及確保快速解決所需的後續步驟方面都達成一致。</a:t>
             </a:r>
             <a:endParaRPr sz="1000">
               <a:latin typeface="Adobe Clean Light" panose="020B0303020404020204" pitchFamily="34" charset="0"/>
@@ -12139,14 +10004,14 @@
               </a:spcBef>
             </a:pPr>
             <a:r>
-              <a:rPr lang="en-US" sz="1400" b="1" spc="-10">
+              <a:rPr lang="de-de" sz="1400" b="1" spc="-10">
                 <a:solidFill>
                   <a:srgbClr val="020302"/>
                 </a:solidFill>
                 <a:latin typeface="Adobe Clean"/>
                 <a:cs typeface="Adobe Clean"/>
               </a:rPr>
-              <a:t>Cloud Support Activities - AEM</a:t>
+              <a:t>雲端支援活動 - AEM</a:t>
             </a:r>
             <a:endParaRPr lang="en-US" sz="1400">
               <a:latin typeface="Adobe Clean"/>
@@ -12205,7 +10070,7 @@
       </p:sp>
       <p:pic>
         <p:nvPicPr>
-          <p:cNvPr id="9" name="Graphic 8" descr="Syncing cloud outline">
+          <p:cNvPr id="9" name="Graphic 8" descr="同步雲端大綱">
             <a:extLst>
               <a:ext uri="{FF2B5EF4-FFF2-40B4-BE49-F238E27FC236}">
                 <a16:creationId xmlns:a16="http://schemas.microsoft.com/office/drawing/2014/main" id="{ABD4F6D3-5974-B843-8E65-3F7D52C02A1E}"/>
@@ -12244,7 +10109,7 @@
       </p:pic>
       <p:pic>
         <p:nvPicPr>
-          <p:cNvPr id="67" name="Graphic 66" descr="Speaker phone outline">
+          <p:cNvPr id="67" name="Graphic 66" descr="揚聲器大綱">
             <a:extLst>
               <a:ext uri="{FF2B5EF4-FFF2-40B4-BE49-F238E27FC236}">
                 <a16:creationId xmlns:a16="http://schemas.microsoft.com/office/drawing/2014/main" id="{9CF25698-88B0-EB4D-88EB-74AEDE37DB92}"/>
@@ -12283,7 +10148,7 @@
       </p:pic>
       <p:pic>
         <p:nvPicPr>
-          <p:cNvPr id="70" name="Graphic 69" descr="Remote learning language outline">
+          <p:cNvPr id="70" name="Graphic 69" descr="遠端學習語言大綱">
             <a:extLst>
               <a:ext uri="{FF2B5EF4-FFF2-40B4-BE49-F238E27FC236}">
                 <a16:creationId xmlns:a16="http://schemas.microsoft.com/office/drawing/2014/main" id="{AAC2DE22-688A-D04D-BBF0-41B971602471}"/>
@@ -12322,7 +10187,7 @@
       </p:pic>
       <p:pic>
         <p:nvPicPr>
-          <p:cNvPr id="72" name="Graphic 71" descr="Customer review outline">
+          <p:cNvPr id="72" name="Graphic 71" descr="客戶審查大綱">
             <a:extLst>
               <a:ext uri="{FF2B5EF4-FFF2-40B4-BE49-F238E27FC236}">
                 <a16:creationId xmlns:a16="http://schemas.microsoft.com/office/drawing/2014/main" id="{21B3E732-0813-BE43-B793-4BD9034C6B18}"/>
@@ -12361,7 +10226,7 @@
       </p:pic>
       <p:pic>
         <p:nvPicPr>
-          <p:cNvPr id="73" name="Graphic 72" descr="Signpost outline">
+          <p:cNvPr id="73" name="Graphic 72" descr="路標大綱">
             <a:extLst>
               <a:ext uri="{FF2B5EF4-FFF2-40B4-BE49-F238E27FC236}">
                 <a16:creationId xmlns:a16="http://schemas.microsoft.com/office/drawing/2014/main" id="{1F982738-B503-9740-BDCB-05ED93867DE3}"/>
@@ -12400,7 +10265,7 @@
       </p:pic>
       <p:pic>
         <p:nvPicPr>
-          <p:cNvPr id="76" name="Graphic 75" descr="Internet outline">
+          <p:cNvPr id="76" name="Graphic 75" descr="網際網路大綱">
             <a:extLst>
               <a:ext uri="{FF2B5EF4-FFF2-40B4-BE49-F238E27FC236}">
                 <a16:creationId xmlns:a16="http://schemas.microsoft.com/office/drawing/2014/main" id="{F6C8836B-077B-BC4F-9C12-02BE56023684}"/>
@@ -12439,7 +10304,7 @@
       </p:pic>
       <p:pic>
         <p:nvPicPr>
-          <p:cNvPr id="77" name="Graphic 76" descr="Chat bubble outline">
+          <p:cNvPr id="77" name="Graphic 76" descr="聊天泡泡大綱">
             <a:extLst>
               <a:ext uri="{FF2B5EF4-FFF2-40B4-BE49-F238E27FC236}">
                 <a16:creationId xmlns:a16="http://schemas.microsoft.com/office/drawing/2014/main" id="{B6F9981D-CBCE-514B-8F7F-0F0CAFEDBE44}"/>
@@ -12478,7 +10343,7 @@
       </p:pic>
       <p:pic>
         <p:nvPicPr>
-          <p:cNvPr id="78" name="Graphic 77" descr="Playbook outline">
+          <p:cNvPr id="78" name="Graphic 77" descr="Playbook 大綱">
             <a:extLst>
               <a:ext uri="{FF2B5EF4-FFF2-40B4-BE49-F238E27FC236}">
                 <a16:creationId xmlns:a16="http://schemas.microsoft.com/office/drawing/2014/main" id="{C027C0A6-1CBA-8A4F-819C-F6A9FD0038FD}"/>
@@ -12625,6 +10490,133 @@
           </a:p>
         </p:txBody>
       </p:sp>
+      <p:grpSp>
+        <p:nvGrpSpPr>
+          <p:cNvPr id="62" name="object 3">
+            <a:extLst>
+              <a:ext uri="{FF2B5EF4-FFF2-40B4-BE49-F238E27FC236}">
+                <a16:creationId xmlns:a16="http://schemas.microsoft.com/office/drawing/2014/main" id="{C539739D-1D3E-204D-9819-C44D9AE36DE8}"/>
+              </a:ext>
+            </a:extLst>
+          </p:cNvPr>
+          <p:cNvGrpSpPr/>
+          <p:nvPr/>
+        </p:nvGrpSpPr>
+        <p:grpSpPr>
+          <a:xfrm rot="5400000">
+            <a:off x="1134964" y="-868526"/>
+            <a:ext cx="5661921" cy="7931849"/>
+            <a:chOff x="-247019" y="421767"/>
+            <a:chExt cx="3875281" cy="7641336"/>
+          </a:xfrm>
+        </p:grpSpPr>
+        <p:sp>
+          <p:nvSpPr>
+            <p:cNvPr id="63" name="object 4">
+              <a:extLst>
+                <a:ext uri="{FF2B5EF4-FFF2-40B4-BE49-F238E27FC236}">
+                  <a16:creationId xmlns:a16="http://schemas.microsoft.com/office/drawing/2014/main" id="{F41DD51E-EC9C-7B44-BE42-FA9C42B94675}"/>
+                </a:ext>
+              </a:extLst>
+            </p:cNvPr>
+            <p:cNvSpPr/>
+            <p:nvPr/>
+          </p:nvSpPr>
+          <p:spPr>
+            <a:xfrm>
+              <a:off x="3628262" y="576453"/>
+              <a:ext cx="0" cy="7486650"/>
+            </a:xfrm>
+            <a:custGeom>
+              <a:avLst/>
+              <a:gdLst/>
+              <a:ahLst/>
+              <a:cxnLst/>
+              <a:rect l="l" t="t" r="r" b="b"/>
+              <a:pathLst>
+                <a:path h="7486650">
+                  <a:moveTo>
+                    <a:pt x="0" y="0"/>
+                  </a:moveTo>
+                  <a:lnTo>
+                    <a:pt x="0" y="7486408"/>
+                  </a:lnTo>
+                </a:path>
+              </a:pathLst>
+            </a:custGeom>
+            <a:ln w="61722">
+              <a:solidFill>
+                <a:srgbClr val="EAEAEB"/>
+              </a:solidFill>
+            </a:ln>
+          </p:spPr>
+          <p:txBody>
+            <a:bodyPr wrap="square" lIns="0" tIns="0" rIns="0" bIns="0" rtlCol="0"/>
+            <a:lstStyle/>
+            <a:p>
+              <a:endParaRPr/>
+            </a:p>
+          </p:txBody>
+        </p:sp>
+        <p:sp>
+          <p:nvSpPr>
+            <p:cNvPr id="64" name="object 5">
+              <a:extLst>
+                <a:ext uri="{FF2B5EF4-FFF2-40B4-BE49-F238E27FC236}">
+                  <a16:creationId xmlns:a16="http://schemas.microsoft.com/office/drawing/2014/main" id="{6E97A2E1-56BC-2B46-9873-F675D66FF621}"/>
+                </a:ext>
+              </a:extLst>
+            </p:cNvPr>
+            <p:cNvSpPr/>
+            <p:nvPr/>
+          </p:nvSpPr>
+          <p:spPr>
+            <a:xfrm>
+              <a:off x="-247019" y="421767"/>
+              <a:ext cx="3844040" cy="7600950"/>
+            </a:xfrm>
+            <a:custGeom>
+              <a:avLst/>
+              <a:gdLst/>
+              <a:ahLst/>
+              <a:cxnLst/>
+              <a:rect l="l" t="t" r="r" b="b"/>
+              <a:pathLst>
+                <a:path w="3409950" h="7600950">
+                  <a:moveTo>
+                    <a:pt x="0" y="7600569"/>
+                  </a:moveTo>
+                  <a:lnTo>
+                    <a:pt x="3409492" y="7600569"/>
+                  </a:lnTo>
+                  <a:lnTo>
+                    <a:pt x="3409492" y="0"/>
+                  </a:lnTo>
+                  <a:lnTo>
+                    <a:pt x="0" y="0"/>
+                  </a:lnTo>
+                  <a:lnTo>
+                    <a:pt x="0" y="7600569"/>
+                  </a:lnTo>
+                  <a:close/>
+                </a:path>
+              </a:pathLst>
+            </a:custGeom>
+            <a:ln w="12954">
+              <a:solidFill>
+                <a:srgbClr val="EBEBEB"/>
+              </a:solidFill>
+            </a:ln>
+          </p:spPr>
+          <p:txBody>
+            <a:bodyPr wrap="square" lIns="0" tIns="0" rIns="0" bIns="0" rtlCol="0"/>
+            <a:lstStyle/>
+            <a:p>
+              <a:endParaRPr/>
+            </a:p>
+          </p:txBody>
+        </p:sp>
+      </p:grpSp>
     </p:spTree>
     <p:extLst>
       <p:ext uri="{BB962C8B-B14F-4D97-AF65-F5344CB8AC3E}">
@@ -12903,37 +10895,27 @@
               </a:lnSpc>
             </a:pPr>
             <a:r>
-              <a:rPr sz="800" spc="-10">
+              <a:rPr lang="de-de" sz="800" spc="-10">
                 <a:solidFill>
                   <a:srgbClr val="6D6D6D"/>
                 </a:solidFill>
                 <a:latin typeface="Adobe Clean"/>
                 <a:cs typeface="Adobe Clean"/>
               </a:rPr>
-              <a:t>©202</a:t>
-            </a:r>
-            <a:r>
-              <a:rPr lang="en-US" sz="800" spc="-10">
+              <a:t>©2021</a:t>
+            </a:r>
+            <a:r>
+              <a:rPr lang="de-de" sz="800" spc="-5">
                 <a:solidFill>
                   <a:srgbClr val="6D6D6D"/>
                 </a:solidFill>
                 <a:latin typeface="Adobe Clean"/>
                 <a:cs typeface="Adobe Clean"/>
               </a:rPr>
-              <a:t>1</a:t>
-            </a:r>
-            <a:r>
-              <a:rPr sz="800" spc="-5">
-                <a:solidFill>
-                  <a:srgbClr val="6D6D6D"/>
-                </a:solidFill>
-                <a:latin typeface="Adobe Clean"/>
-                <a:cs typeface="Adobe Clean"/>
-              </a:rPr>
-              <a:t> Adobe. All</a:t>
-            </a:r>
-            <a:r>
-              <a:rPr sz="800" spc="-15">
+              <a:t> Adobe。All</a:t>
+            </a:r>
+            <a:r>
+              <a:rPr lang="de-de" sz="800" spc="-15">
                 <a:solidFill>
                   <a:srgbClr val="6D6D6D"/>
                 </a:solidFill>
@@ -12943,7 +10925,7 @@
               <a:t> </a:t>
             </a:r>
             <a:r>
-              <a:rPr sz="800" spc="-10">
+              <a:rPr lang="de-de" sz="800" spc="-10">
                 <a:solidFill>
                   <a:srgbClr val="6D6D6D"/>
                 </a:solidFill>
@@ -12953,7 +10935,7 @@
               <a:t>Rights</a:t>
             </a:r>
             <a:r>
-              <a:rPr sz="800" spc="-5">
+              <a:rPr lang="de-de" sz="800" spc="-5">
                 <a:solidFill>
                   <a:srgbClr val="6D6D6D"/>
                 </a:solidFill>
@@ -12963,27 +10945,27 @@
               <a:t> </a:t>
             </a:r>
             <a:r>
-              <a:rPr sz="800" spc="-10">
+              <a:rPr lang="de-de" sz="800" spc="-10">
                 <a:solidFill>
                   <a:srgbClr val="6D6D6D"/>
                 </a:solidFill>
                 <a:latin typeface="Adobe Clean"/>
                 <a:cs typeface="Adobe Clean"/>
               </a:rPr>
-              <a:t>Reserved.</a:t>
-            </a:r>
-            <a:r>
-              <a:rPr sz="800" spc="-5">
+              <a:t>Reserved。</a:t>
+            </a:r>
+            <a:r>
+              <a:rPr lang="de-de" sz="800" spc="-5">
                 <a:solidFill>
                   <a:srgbClr val="6D6D6D"/>
                 </a:solidFill>
                 <a:latin typeface="Adobe Clean"/>
                 <a:cs typeface="Adobe Clean"/>
               </a:rPr>
-              <a:t> Adobe</a:t>
-            </a:r>
-            <a:r>
-              <a:rPr sz="800" spc="75">
+              <a:t>Adobe</a:t>
+            </a:r>
+            <a:r>
+              <a:rPr lang="de-de" sz="800" spc="75">
                 <a:solidFill>
                   <a:srgbClr val="6D6D6D"/>
                 </a:solidFill>
@@ -12993,14 +10975,14 @@
               <a:t> </a:t>
             </a:r>
             <a:r>
-              <a:rPr sz="800" spc="-10">
+              <a:rPr lang="de-de" sz="800" spc="-10">
                 <a:solidFill>
                   <a:srgbClr val="6D6D6D"/>
                 </a:solidFill>
                 <a:latin typeface="Adobe Clean"/>
                 <a:cs typeface="Adobe Clean"/>
               </a:rPr>
-              <a:t>Confidential.</a:t>
+              <a:t>機密資訊。</a:t>
             </a:r>
             <a:endParaRPr sz="800">
               <a:latin typeface="Adobe Clean"/>
@@ -13059,7 +11041,7 @@
         </p:nvSpPr>
         <p:spPr>
           <a:xfrm>
-            <a:off x="4843270" y="589788"/>
+            <a:off x="4440314" y="589788"/>
             <a:ext cx="2588260" cy="228268"/>
           </a:xfrm>
           <a:prstGeom prst="rect">
@@ -13067,58 +11049,31 @@
           </a:prstGeom>
         </p:spPr>
         <p:txBody>
-          <a:bodyPr vert="horz" wrap="square" lIns="0" tIns="12700" rIns="0" bIns="0" rtlCol="0" anchor="t">
+          <a:bodyPr vert="horz" wrap="square" lIns="0" tIns="12700" rIns="0" bIns="0" rtlCol="0">
             <a:spAutoFit/>
           </a:bodyPr>
           <a:lstStyle/>
           <a:p>
-            <a:pPr marL="12700">
+            <a:pPr marL="12700" algn="ctr">
+              <a:lnSpc>
+                <a:spcPct val="100000"/>
+              </a:lnSpc>
               <a:spcBef>
                 <a:spcPts val="100"/>
               </a:spcBef>
             </a:pPr>
             <a:r>
-              <a:rPr sz="1400" b="1" spc="-25" dirty="0">
+              <a:rPr lang="de-de" sz="1400" b="1" spc="-25" dirty="0" err="1">
                 <a:solidFill>
                   <a:srgbClr val="020302"/>
                 </a:solidFill>
                 <a:latin typeface="Adobe Clean"/>
                 <a:cs typeface="Adobe Clean"/>
               </a:rPr>
-              <a:t>Fi</a:t>
-            </a:r>
-            <a:r>
-              <a:rPr sz="1400" b="1" spc="-30" dirty="0">
-                <a:solidFill>
-                  <a:srgbClr val="020302"/>
-                </a:solidFill>
-                <a:latin typeface="Adobe Clean"/>
-                <a:cs typeface="Adobe Clean"/>
-              </a:rPr>
-              <a:t>e</a:t>
-            </a:r>
-            <a:r>
-              <a:rPr sz="1400" b="1" spc="-25" dirty="0">
-                <a:solidFill>
-                  <a:srgbClr val="020302"/>
-                </a:solidFill>
-                <a:latin typeface="Adobe Clean"/>
-                <a:cs typeface="Adobe Clean"/>
-              </a:rPr>
-              <a:t>l</a:t>
-            </a:r>
-            <a:r>
-              <a:rPr sz="1400" b="1" dirty="0">
-                <a:solidFill>
-                  <a:srgbClr val="020302"/>
-                </a:solidFill>
-                <a:latin typeface="Adobe Clean"/>
-                <a:cs typeface="Adobe Clean"/>
-              </a:rPr>
-              <a:t>d</a:t>
-            </a:r>
-            <a:r>
-              <a:rPr sz="1400" b="1" spc="-45" dirty="0">
+              <a:t>現場服務活動</a:t>
+            </a:r>
+            <a:r>
+              <a:rPr lang="de-de" sz="1400" b="1" spc="-190" dirty="0">
                 <a:solidFill>
                   <a:srgbClr val="020302"/>
                 </a:solidFill>
@@ -13126,126 +11081,6 @@
                 <a:cs typeface="Adobe Clean"/>
               </a:rPr>
               <a:t> </a:t>
-            </a:r>
-            <a:r>
-              <a:rPr sz="1400" b="1" spc="20" dirty="0">
-                <a:solidFill>
-                  <a:srgbClr val="020302"/>
-                </a:solidFill>
-                <a:latin typeface="Adobe Clean"/>
-                <a:cs typeface="Adobe Clean"/>
-              </a:rPr>
-              <a:t>S</a:t>
-            </a:r>
-            <a:r>
-              <a:rPr sz="1400" b="1" spc="10" dirty="0">
-                <a:solidFill>
-                  <a:srgbClr val="020302"/>
-                </a:solidFill>
-                <a:latin typeface="Adobe Clean"/>
-                <a:cs typeface="Adobe Clean"/>
-              </a:rPr>
-              <a:t>e</a:t>
-            </a:r>
-            <a:r>
-              <a:rPr sz="1400" b="1" spc="15" dirty="0">
-                <a:solidFill>
-                  <a:srgbClr val="020302"/>
-                </a:solidFill>
-                <a:latin typeface="Adobe Clean"/>
-                <a:cs typeface="Adobe Clean"/>
-              </a:rPr>
-              <a:t>rvi</a:t>
-            </a:r>
-            <a:r>
-              <a:rPr sz="1400" b="1" spc="10" dirty="0">
-                <a:solidFill>
-                  <a:srgbClr val="020302"/>
-                </a:solidFill>
-                <a:latin typeface="Adobe Clean"/>
-                <a:cs typeface="Adobe Clean"/>
-              </a:rPr>
-              <a:t>c</a:t>
-            </a:r>
-            <a:r>
-              <a:rPr sz="1400" b="1" dirty="0">
-                <a:solidFill>
-                  <a:srgbClr val="020302"/>
-                </a:solidFill>
-                <a:latin typeface="Adobe Clean"/>
-                <a:cs typeface="Adobe Clean"/>
-              </a:rPr>
-              <a:t>e</a:t>
-            </a:r>
-            <a:r>
-              <a:rPr lang="en-US" sz="1400" b="1" dirty="0">
-                <a:solidFill>
-                  <a:srgbClr val="020302"/>
-                </a:solidFill>
-                <a:latin typeface="Adobe Clean"/>
-                <a:cs typeface="Adobe Clean"/>
-              </a:rPr>
-              <a:t> </a:t>
-            </a:r>
-            <a:r>
-              <a:rPr sz="1400" b="1" spc="5" dirty="0">
-                <a:solidFill>
-                  <a:srgbClr val="020302"/>
-                </a:solidFill>
-                <a:latin typeface="Adobe Clean"/>
-                <a:cs typeface="Adobe Clean"/>
-              </a:rPr>
-              <a:t>A</a:t>
-            </a:r>
-            <a:r>
-              <a:rPr sz="1400" b="1" dirty="0">
-                <a:solidFill>
-                  <a:srgbClr val="020302"/>
-                </a:solidFill>
-                <a:latin typeface="Adobe Clean"/>
-                <a:cs typeface="Adobe Clean"/>
-              </a:rPr>
-              <a:t>ct</a:t>
-            </a:r>
-            <a:r>
-              <a:rPr sz="1400" b="1" spc="5" dirty="0">
-                <a:solidFill>
-                  <a:srgbClr val="020302"/>
-                </a:solidFill>
-                <a:latin typeface="Adobe Clean"/>
-                <a:cs typeface="Adobe Clean"/>
-              </a:rPr>
-              <a:t>ivi</a:t>
-            </a:r>
-            <a:r>
-              <a:rPr sz="1400" b="1" dirty="0">
-                <a:solidFill>
-                  <a:srgbClr val="020302"/>
-                </a:solidFill>
-                <a:latin typeface="Adobe Clean"/>
-                <a:cs typeface="Adobe Clean"/>
-              </a:rPr>
-              <a:t>t</a:t>
-            </a:r>
-            <a:r>
-              <a:rPr sz="1400" b="1" spc="5" dirty="0">
-                <a:solidFill>
-                  <a:srgbClr val="020302"/>
-                </a:solidFill>
-                <a:latin typeface="Adobe Clean"/>
-                <a:cs typeface="Adobe Clean"/>
-              </a:rPr>
-              <a:t>i</a:t>
-            </a:r>
-            <a:r>
-              <a:rPr sz="1400" b="1" dirty="0">
-                <a:solidFill>
-                  <a:srgbClr val="020302"/>
-                </a:solidFill>
-                <a:latin typeface="Adobe Clean"/>
-                <a:cs typeface="Adobe Clean"/>
-              </a:rPr>
-              <a:t>es</a:t>
             </a:r>
             <a:endParaRPr sz="1400" dirty="0">
               <a:latin typeface="Adobe Clean"/>
@@ -13262,7 +11097,7 @@
         </p:nvSpPr>
         <p:spPr>
           <a:xfrm>
-            <a:off x="914399" y="589788"/>
+            <a:off x="588933" y="589788"/>
             <a:ext cx="1937004" cy="228268"/>
           </a:xfrm>
           <a:prstGeom prst="rect">
@@ -13275,7 +11110,7 @@
           </a:bodyPr>
           <a:lstStyle/>
           <a:p>
-            <a:pPr marL="12700">
+            <a:pPr marL="12700" algn="ctr">
               <a:lnSpc>
                 <a:spcPct val="100000"/>
               </a:lnSpc>
@@ -13284,96 +11119,16 @@
               </a:spcBef>
             </a:pPr>
             <a:r>
-              <a:rPr sz="1400" b="1" spc="-20">
+              <a:rPr lang="de-de" sz="1400" b="1" spc="-20" dirty="0" err="1">
                 <a:solidFill>
                   <a:srgbClr val="020302"/>
                 </a:solidFill>
                 <a:latin typeface="Adobe Clean"/>
                 <a:cs typeface="Adobe Clean"/>
               </a:rPr>
-              <a:t>L</a:t>
-            </a:r>
-            <a:r>
-              <a:rPr sz="1400" b="1" spc="-10">
-                <a:solidFill>
-                  <a:srgbClr val="020302"/>
-                </a:solidFill>
-                <a:latin typeface="Adobe Clean"/>
-                <a:cs typeface="Adobe Clean"/>
-              </a:rPr>
-              <a:t>a</a:t>
-            </a:r>
-            <a:r>
-              <a:rPr sz="1400" b="1" spc="-15">
-                <a:solidFill>
-                  <a:srgbClr val="020302"/>
-                </a:solidFill>
-                <a:latin typeface="Adobe Clean"/>
-                <a:cs typeface="Adobe Clean"/>
-              </a:rPr>
-              <a:t>un</a:t>
-            </a:r>
-            <a:r>
-              <a:rPr sz="1400" b="1" spc="-20">
-                <a:solidFill>
-                  <a:srgbClr val="020302"/>
-                </a:solidFill>
-                <a:latin typeface="Adobe Clean"/>
-                <a:cs typeface="Adobe Clean"/>
-              </a:rPr>
-              <a:t>c</a:t>
-            </a:r>
-            <a:r>
-              <a:rPr sz="1400" b="1">
-                <a:solidFill>
-                  <a:srgbClr val="020302"/>
-                </a:solidFill>
-                <a:latin typeface="Adobe Clean"/>
-                <a:cs typeface="Adobe Clean"/>
-              </a:rPr>
-              <a:t>h</a:t>
-            </a:r>
-            <a:r>
-              <a:rPr sz="1400" b="1" spc="-30">
-                <a:solidFill>
-                  <a:srgbClr val="020302"/>
-                </a:solidFill>
-                <a:latin typeface="Adobe Clean"/>
-                <a:cs typeface="Adobe Clean"/>
-              </a:rPr>
-              <a:t> </a:t>
-            </a:r>
-            <a:r>
-              <a:rPr sz="1400" b="1" spc="-10">
-                <a:solidFill>
-                  <a:srgbClr val="020302"/>
-                </a:solidFill>
-                <a:latin typeface="Adobe Clean"/>
-                <a:cs typeface="Adobe Clean"/>
-              </a:rPr>
-              <a:t>Advisor</a:t>
-            </a:r>
-            <a:r>
-              <a:rPr sz="1400" b="1">
-                <a:solidFill>
-                  <a:srgbClr val="020302"/>
-                </a:solidFill>
-                <a:latin typeface="Adobe Clean"/>
-                <a:cs typeface="Adobe Clean"/>
-              </a:rPr>
-              <a:t>y</a:t>
-            </a:r>
-            <a:r>
-              <a:rPr sz="1400" b="1" spc="-60">
-                <a:solidFill>
-                  <a:srgbClr val="020302"/>
-                </a:solidFill>
-                <a:latin typeface="Adobe Clean"/>
-                <a:cs typeface="Adobe Clean"/>
-              </a:rPr>
-              <a:t> </a:t>
-            </a:r>
-            <a:endParaRPr sz="1400">
+              <a:t>上市諮詢</a:t>
+            </a:r>
+            <a:endParaRPr sz="1400" dirty="0">
               <a:latin typeface="Adobe Clean"/>
               <a:cs typeface="Adobe Clean"/>
             </a:endParaRPr>
@@ -13407,108 +11162,36 @@
               </a:spcBef>
             </a:pPr>
             <a:r>
-              <a:rPr lang="en-US" sz="1000">
+              <a:rPr lang="de-de" sz="1000">
                 <a:solidFill>
                   <a:srgbClr val="1F1F1F"/>
                 </a:solidFill>
                 <a:latin typeface="AdobeClean-Light"/>
                 <a:cs typeface="AdobeClean-Light"/>
               </a:rPr>
-              <a:t>For customers </a:t>
-            </a:r>
-            <a:r>
-              <a:rPr sz="1000">
-                <a:solidFill>
-                  <a:srgbClr val="1F1F1F"/>
-                </a:solidFill>
-                <a:latin typeface="AdobeClean-Light"/>
-                <a:cs typeface="AdobeClean-Light"/>
-              </a:rPr>
-              <a:t>implementing a </a:t>
-            </a:r>
-            <a:r>
-              <a:rPr sz="1000" b="1">
+              <a:t>對於正在實作新的</a:t>
+            </a:r>
+            <a:r>
+              <a:rPr lang="de-de" sz="1000" b="1">
                 <a:solidFill>
                   <a:srgbClr val="1F1F1F"/>
                 </a:solidFill>
                 <a:latin typeface="Adobe Clean"/>
                 <a:cs typeface="Adobe Clean"/>
               </a:rPr>
-              <a:t>new Adobe Experience Cloud solution</a:t>
-            </a:r>
-            <a:r>
-              <a:rPr lang="en-US" sz="1000" b="1">
-                <a:solidFill>
-                  <a:srgbClr val="1F1F1F"/>
-                </a:solidFill>
-                <a:latin typeface="Adobe Clean"/>
-                <a:cs typeface="Adobe Clean"/>
-              </a:rPr>
-              <a:t>, </a:t>
-            </a:r>
-            <a:r>
-              <a:rPr lang="en-US" sz="1000">
-                <a:latin typeface="Adobe Clean Light" charset="0"/>
-                <a:ea typeface="Adobe Clean Light" charset="0"/>
-                <a:cs typeface="Adobe Clean Light" charset="0"/>
-              </a:rPr>
-              <a:t>Launch Advisory </a:t>
-            </a:r>
-            <a:r>
-              <a:rPr lang="en-US" sz="1000">
-                <a:solidFill>
-                  <a:srgbClr val="000000"/>
-                </a:solidFill>
-                <a:latin typeface="Adobe Clean SemiLight" panose="020B0403020404020204" pitchFamily="34" charset="0"/>
-              </a:rPr>
-              <a:t>is a </a:t>
-            </a:r>
-            <a:r>
-              <a:rPr lang="en-US" sz="1000" b="1">
-                <a:solidFill>
-                  <a:srgbClr val="000000"/>
-                </a:solidFill>
-                <a:latin typeface="Adobe Clean SemiLight" panose="020B0403020404020204" pitchFamily="34" charset="0"/>
-              </a:rPr>
-              <a:t>core set of advisory services </a:t>
-            </a:r>
-            <a:r>
-              <a:rPr lang="en-US" sz="1000">
-                <a:latin typeface="Adobe Clean Light" charset="0"/>
-                <a:ea typeface="Adobe Clean Light" charset="0"/>
-                <a:cs typeface="Adobe Clean Light" charset="0"/>
-              </a:rPr>
-              <a:t>and recommendations that </a:t>
-            </a:r>
-            <a:r>
-              <a:rPr lang="en-US" sz="1000">
+              <a:t> Adobe Experience Cloud 解決方案的客戶，</a:t>
+            </a:r>
+            <a:r>
+              <a:rPr lang="de-de" sz="1000" b="1">
                 <a:latin typeface="Adobe Clean Light" charset="0"/>
               </a:rPr>
-              <a:t>are proven to </a:t>
-            </a:r>
-            <a:r>
-              <a:rPr lang="en-US" sz="1000" b="1">
+              <a:t>上市諮詢服務是一組核心諮詢服務與建議，這些服務與建議已被證明可支援成功部署及加快實現價值</a:t>
+            </a:r>
+            <a:r>
+              <a:rPr lang="de-de" sz="1000">
                 <a:latin typeface="Adobe Clean Light" charset="0"/>
               </a:rPr>
-              <a:t>support successful deployments </a:t>
-            </a:r>
-            <a:r>
-              <a:rPr lang="en-US" sz="1000">
-                <a:latin typeface="Adobe Clean Light" charset="0"/>
-              </a:rPr>
-              <a:t>and </a:t>
-            </a:r>
-            <a:r>
-              <a:rPr lang="en-US" sz="1000" b="1">
-                <a:latin typeface="Adobe Clean Light" charset="0"/>
-              </a:rPr>
-              <a:t>accelerate time-to-value</a:t>
-            </a:r>
-            <a:r>
-              <a:rPr lang="en-US" sz="1000">
-                <a:latin typeface="Adobe Clean Light" charset="0"/>
-              </a:rPr>
-              <a:t>.</a:t>
+              <a:t>。</a:t>
             </a:r>
           </a:p>
         </p:txBody>
@@ -13567,67 +11250,58 @@
               </a:spcBef>
             </a:pPr>
             <a:r>
-              <a:rPr lang="en-US" sz="1000">
+              <a:rPr lang="de-de" sz="1000">
                 <a:solidFill>
                   <a:srgbClr val="4B4B4B"/>
                 </a:solidFill>
                 <a:latin typeface="Adobe Clean Light" panose="020B0303020404020204" pitchFamily="34" charset="0"/>
               </a:rPr>
-              <a:t>Field Services are used for </a:t>
-            </a:r>
-            <a:r>
-              <a:rPr lang="en-US" sz="1000" b="1">
+              <a:t>現場服務是用於</a:t>
+            </a:r>
+            <a:r>
+              <a:rPr lang="de-de" sz="1000" b="1">
                 <a:solidFill>
                   <a:srgbClr val="4B4B4B"/>
                 </a:solidFill>
                 <a:latin typeface="Adobe Clean" panose="020B0503020404020204" pitchFamily="34" charset="0"/>
               </a:rPr>
-              <a:t>quick resolution</a:t>
-            </a:r>
-            <a:r>
-              <a:rPr lang="en-US" sz="1000">
+              <a:t>快速解決問題</a:t>
+            </a:r>
+            <a:r>
+              <a:rPr lang="de-de" sz="1000">
                 <a:solidFill>
                   <a:srgbClr val="4B4B4B"/>
                 </a:solidFill>
                 <a:latin typeface="Adobe Clean Light" panose="020B0303020404020204" pitchFamily="34" charset="0"/>
               </a:rPr>
-              <a:t>, focused customer success and accelerated</a:t>
-            </a:r>
-            <a:r>
-              <a:rPr lang="en-US" sz="1000" b="1">
+              <a:t>，聚焦於客戶成功及加快</a:t>
+            </a:r>
+            <a:r>
+              <a:rPr lang="de-de" sz="1000" b="1">
                 <a:solidFill>
                   <a:srgbClr val="4B4B4B"/>
                 </a:solidFill>
                 <a:latin typeface="Adobe Clean" panose="020B0503020404020204" pitchFamily="34" charset="0"/>
               </a:rPr>
-              <a:t> time-to-value</a:t>
-            </a:r>
-            <a:r>
-              <a:rPr lang="en-US" sz="1000">
+              <a:t>價值實現</a:t>
+            </a:r>
+            <a:r>
+              <a:rPr lang="de-de" sz="1000">
                 <a:solidFill>
                   <a:srgbClr val="4B4B4B"/>
                 </a:solidFill>
                 <a:latin typeface="Adobe Clean Light" panose="020B0303020404020204" pitchFamily="34" charset="0"/>
               </a:rPr>
-              <a:t>. If Launch advisory is active there will be </a:t>
-            </a:r>
-            <a:r>
-              <a:rPr lang="en-US" sz="1000" b="1">
+              <a:t>。對於 Adobe 支援合約涵蓋的任何解決方案產品而言，</a:t>
+            </a:r>
+            <a:r>
+              <a:rPr lang="de-de" sz="1000" b="1">
                 <a:solidFill>
                   <a:srgbClr val="4B4B4B"/>
                 </a:solidFill>
                 <a:latin typeface="Adobe Clean" panose="020B0503020404020204" pitchFamily="34" charset="0"/>
               </a:rPr>
-              <a:t>no Field Services in year 1 </a:t>
-            </a:r>
-            <a:r>
-              <a:rPr lang="en-US" sz="1000">
-                <a:solidFill>
-                  <a:srgbClr val="4B4B4B"/>
-                </a:solidFill>
-                <a:latin typeface="Adobe Clean Light" panose="020B0303020404020204" pitchFamily="34" charset="0"/>
-              </a:rPr>
-              <a:t>for any solution product covered by an Adobe Support contract. </a:t>
+              <a:t>如果上市諮詢服務作用中，第 1 年將不會有現場服務。</a:t>
             </a:r>
             <a:endParaRPr lang="en-US" sz="1000">
               <a:solidFill>
@@ -13830,37 +11504,52 @@
               </a:spcBef>
             </a:pPr>
             <a:r>
-              <a:rPr lang="en-US" sz="1000">
+              <a:rPr lang="de-de" sz="1000" dirty="0">
                 <a:latin typeface="Adobe Clean Light" charset="0"/>
               </a:rPr>
-              <a:t>Adobe solution experts help validate requirements, architecture, development process, and launch readiness reviews </a:t>
-            </a:r>
-            <a:r>
-              <a:rPr lang="en-US" sz="1000">
+              <a:t>Adobe </a:t>
+            </a:r>
+            <a:r>
+              <a:rPr lang="de-de" sz="1000" dirty="0" err="1">
+                <a:latin typeface="Adobe Clean Light" charset="0"/>
+              </a:rPr>
+              <a:t>解決方案專家可向客戶</a:t>
+            </a:r>
+            <a:r>
+              <a:rPr lang="de-de" sz="1000" dirty="0" err="1">
                 <a:solidFill>
                   <a:srgbClr val="000000"/>
                 </a:solidFill>
                 <a:latin typeface="Adobe Clean SemiLight" panose="020B0403020404020204" pitchFamily="34" charset="0"/>
               </a:rPr>
-              <a:t>with </a:t>
-            </a:r>
-            <a:r>
-              <a:rPr lang="en-US" sz="1000" b="1">
+              <a:t>和實作</a:t>
+            </a:r>
+            <a:r>
+              <a:rPr lang="de-de" sz="1000" b="1" dirty="0" err="1">
                 <a:solidFill>
                   <a:srgbClr val="000000"/>
                 </a:solidFill>
                 <a:latin typeface="Adobe Clean SemiLight" panose="020B0403020404020204" pitchFamily="34" charset="0"/>
               </a:rPr>
-              <a:t>best practice-based guidance </a:t>
-            </a:r>
-            <a:r>
-              <a:rPr lang="en-US" sz="1000">
+              <a:t>合作夥伴</a:t>
+            </a:r>
+            <a:r>
+              <a:rPr lang="de-de" sz="1000" dirty="0" err="1">
                 <a:solidFill>
                   <a:srgbClr val="000000"/>
                 </a:solidFill>
                 <a:latin typeface="Adobe Clean SemiLight" panose="020B0403020404020204" pitchFamily="34" charset="0"/>
               </a:rPr>
-              <a:t>to customers and implementation partners.</a:t>
+              <a:t>提供以最佳實務為根據的指引，以協助驗證需求、架構、開發流程和上市整備情況審查</a:t>
+            </a:r>
+            <a:r>
+              <a:rPr lang="de-de" sz="1000" dirty="0">
+                <a:solidFill>
+                  <a:srgbClr val="000000"/>
+                </a:solidFill>
+                <a:latin typeface="Adobe Clean SemiLight" panose="020B0403020404020204" pitchFamily="34" charset="0"/>
+              </a:rPr>
+              <a:t>。</a:t>
             </a:r>
           </a:p>
           <a:p>
@@ -13869,7 +11558,7 @@
                 <a:spcPts val="100"/>
               </a:spcBef>
             </a:pPr>
-            <a:endParaRPr lang="en-US" sz="1000">
+            <a:endParaRPr lang="en-US" sz="1000" dirty="0">
               <a:solidFill>
                 <a:srgbClr val="1F1F1F"/>
               </a:solidFill>
@@ -13884,22 +11573,40 @@
               </a:spcBef>
             </a:pPr>
             <a:r>
-              <a:rPr lang="en-US" sz="1000">
+              <a:rPr lang="de-de" sz="1000" dirty="0" err="1">
                 <a:latin typeface="Adobe Clean Light" charset="0"/>
               </a:rPr>
-              <a:t>Launch Advisory will align with your project schedule through common milestones (</a:t>
-            </a:r>
-            <a:r>
-              <a:rPr lang="en-US" sz="1000" b="1">
+              <a:t>上市諮詢服務將透過常見的里程碑</a:t>
+            </a:r>
+            <a:r>
+              <a:rPr lang="de-de" sz="1000" dirty="0">
                 <a:latin typeface="Adobe Clean Light" charset="0"/>
               </a:rPr>
-              <a:t>Kickoff, Define, Design, Go-live and Post Launch</a:t>
-            </a:r>
-            <a:r>
-              <a:rPr lang="en-US" sz="1000">
+              <a:t> (</a:t>
+            </a:r>
+            <a:r>
+              <a:rPr lang="de-de" sz="1000" b="1" dirty="0" err="1">
                 <a:latin typeface="Adobe Clean Light" charset="0"/>
               </a:rPr>
-              <a:t>) to guide, validate, assess and make recommendations.</a:t>
+              <a:t>開展、定義、設計、上線和上市後</a:t>
+            </a:r>
+            <a:r>
+              <a:rPr lang="de-de" sz="1000" dirty="0">
+                <a:latin typeface="Adobe Clean Light" charset="0"/>
+              </a:rPr>
+              <a:t>) </a:t>
+            </a:r>
+            <a:r>
+              <a:rPr lang="de-de" sz="1000" dirty="0" err="1">
+                <a:latin typeface="Adobe Clean Light" charset="0"/>
+              </a:rPr>
+              <a:t>與您的專案時間表保持一致，以便指導、驗證、評估及提出建議</a:t>
+            </a:r>
+            <a:r>
+              <a:rPr lang="de-de" sz="1000" dirty="0">
+                <a:latin typeface="Adobe Clean Light" charset="0"/>
+              </a:rPr>
+              <a:t>。</a:t>
             </a:r>
           </a:p>
           <a:p>
@@ -13908,7 +11615,7 @@
                 <a:spcPts val="100"/>
               </a:spcBef>
             </a:pPr>
-            <a:endParaRPr lang="en-US" sz="1000">
+            <a:endParaRPr lang="en-US" sz="1000" dirty="0">
               <a:latin typeface="Adobe Clean Light" charset="0"/>
             </a:endParaRPr>
           </a:p>
@@ -13919,10 +11626,16 @@
               </a:spcBef>
             </a:pPr>
             <a:r>
-              <a:rPr lang="en-US" sz="1000">
+              <a:rPr lang="de-de" sz="1000" dirty="0" err="1">
                 <a:latin typeface="Adobe Clean Light" charset="0"/>
               </a:rPr>
-              <a:t>Key Deliverables include:</a:t>
+              <a:t>主要交付成果包括</a:t>
+            </a:r>
+            <a:r>
+              <a:rPr lang="de-de" sz="1000" dirty="0">
+                <a:latin typeface="Adobe Clean Light" charset="0"/>
+              </a:rPr>
+              <a:t>：</a:t>
             </a:r>
           </a:p>
           <a:p>
@@ -13934,9 +11647,26 @@
               <a:buChar char="•"/>
             </a:pPr>
             <a:r>
-              <a:rPr lang="en-US" sz="1000"/>
-              <a:t>Kickoff (including project collaboration plan) deck</a:t>
-            </a:r>
+              <a:rPr lang="de-de" sz="1000" dirty="0" err="1"/>
+              <a:t>專案啟動</a:t>
+            </a:r>
+            <a:r>
+              <a:rPr lang="de-de" sz="1000" dirty="0"/>
+              <a:t> (</a:t>
+            </a:r>
+            <a:r>
+              <a:rPr lang="de-de" sz="1000" dirty="0" err="1"/>
+              <a:t>包括專案共同作業計劃</a:t>
+            </a:r>
+            <a:r>
+              <a:rPr lang="de-de" sz="1000" dirty="0"/>
+              <a:t>) </a:t>
+            </a:r>
+            <a:r>
+              <a:rPr lang="de-de" sz="1000" dirty="0" err="1"/>
+              <a:t>投影片組</a:t>
+            </a:r>
+            <a:endParaRPr lang="de-de" sz="1000" dirty="0"/>
           </a:p>
           <a:p>
             <a:pPr marL="184150" marR="5080" indent="-171450">
@@ -13947,8 +11677,8 @@
               <a:buChar char="•"/>
             </a:pPr>
             <a:r>
-              <a:rPr lang="en-US" sz="1000"/>
-              <a:t>Assessment &amp; recommendations document(s)</a:t>
+              <a:rPr lang="de-de" sz="1000"/>
+              <a:t>評估與建議文件</a:t>
             </a:r>
           </a:p>
           <a:p>
@@ -13960,9 +11690,10 @@
               <a:buChar char="•"/>
             </a:pPr>
             <a:r>
-              <a:rPr lang="en-US" sz="1000"/>
-              <a:t>Engagement summary</a:t>
-            </a:r>
+              <a:rPr lang="de-de" sz="1000" dirty="0" err="1"/>
+              <a:t>投入摘要</a:t>
+            </a:r>
+            <a:endParaRPr lang="de-de" sz="1000" dirty="0"/>
           </a:p>
         </p:txBody>
       </p:sp>
@@ -14065,8 +11796,8 @@
           <a:p>
             <a:pPr algn="ctr"/>
             <a:r>
-              <a:rPr lang="en-US" sz="1600"/>
-              <a:t>Run &amp; Operate</a:t>
+              <a:rPr lang="de-de" sz="1600"/>
+              <a:t>執行與營運</a:t>
             </a:r>
           </a:p>
         </p:txBody>
@@ -14171,8 +11902,8 @@
           <a:p>
             <a:pPr algn="ctr"/>
             <a:r>
-              <a:rPr lang="en-US" sz="1600"/>
-              <a:t>Implementation</a:t>
+              <a:rPr lang="de-de" sz="1600"/>
+              <a:t>實作</a:t>
             </a:r>
           </a:p>
         </p:txBody>
@@ -14207,8 +11938,8 @@
           <a:p>
             <a:pPr algn="ctr"/>
             <a:r>
-              <a:rPr lang="en-US" sz="1100"/>
-              <a:t>Post Launch</a:t>
+              <a:rPr lang="de-de" sz="1100"/>
+              <a:t>上市後</a:t>
             </a:r>
           </a:p>
         </p:txBody>
@@ -14312,14 +12043,14 @@
         <p:spPr>
           <a:xfrm>
             <a:off x="3855907" y="4694431"/>
-            <a:ext cx="3525469" cy="2464777"/>
+            <a:ext cx="3525469" cy="2310889"/>
           </a:xfrm>
           <a:prstGeom prst="rect">
             <a:avLst/>
           </a:prstGeom>
         </p:spPr>
         <p:txBody>
-          <a:bodyPr wrap="square" lIns="91440" tIns="45720" rIns="91440" bIns="45720" anchor="t">
+          <a:bodyPr wrap="square">
             <a:spAutoFit/>
           </a:bodyPr>
           <a:lstStyle/>
@@ -14330,29 +12061,23 @@
               </a:spcBef>
             </a:pPr>
             <a:r>
-              <a:rPr lang="en-US" sz="1000" b="1" dirty="0">
+              <a:rPr lang="de-de" sz="1000" b="1">
                 <a:solidFill>
                   <a:srgbClr val="000000"/>
                 </a:solidFill>
                 <a:latin typeface="+mj-lt"/>
               </a:rPr>
-              <a:t>Technical Track Activities </a:t>
-            </a:r>
-            <a:r>
-              <a:rPr lang="en-US" sz="1000" dirty="0">
+              <a:t>技術路徑活動可確保客戶擁有健全的技術，</a:t>
+            </a:r>
+            <a:r>
+              <a:rPr lang="de-de" sz="1000">
                 <a:solidFill>
                   <a:srgbClr val="000000"/>
                 </a:solidFill>
-                <a:latin typeface="Adobe Clean Light"/>
+                <a:latin typeface="Adobe Clean Light" panose="020B0303020404020204" pitchFamily="34" charset="0"/>
               </a:rPr>
-              <a:t>ensure customers are technically sound and maximizing their tool adoption. Specifically, these types of activities include support and recommendations related to platform configurations, integrations and troubleshooting.</a:t>
-            </a:r>
-            <a:endParaRPr lang="en-US" sz="1000" dirty="0">
-              <a:solidFill>
-                <a:srgbClr val="000000"/>
-              </a:solidFill>
-              <a:latin typeface="Adobe Clean Light" panose="020B0303020404020204" pitchFamily="34" charset="0"/>
-            </a:endParaRPr>
+              <a:t>並且最大限度地採用他們的工具。具體而言，這些類型的活動包含與平台組態設定、整合和疑難排解有關的支援和建議</a:t>
+            </a:r>
           </a:p>
           <a:p>
             <a:pPr marL="12700" marR="5080">
@@ -14371,10 +12096,10 @@
               </a:spcBef>
             </a:pPr>
             <a:r>
-              <a:rPr lang="en-US" sz="1000" dirty="0">
-                <a:latin typeface="Adobe Clean Light"/>
+              <a:rPr lang="de-de" sz="1000">
+                <a:latin typeface="Adobe Clean Light" charset="0"/>
               </a:rPr>
-              <a:t>Types of technical activities available::</a:t>
+              <a:t>可用的技術活動類型：</a:t>
             </a:r>
           </a:p>
           <a:p>
@@ -14389,12 +12114,9 @@
               <a:buChar char="ü"/>
             </a:pPr>
             <a:r>
-              <a:rPr lang="en-US" sz="1000" dirty="0"/>
-              <a:t>Health audit</a:t>
-            </a:r>
-            <a:endParaRPr lang="en-US" sz="1000" dirty="0">
-              <a:cs typeface="Calibri"/>
-            </a:endParaRPr>
+              <a:rPr lang="de-de" sz="1000"/>
+              <a:t>健康稽核</a:t>
+            </a:r>
           </a:p>
           <a:p>
             <a:pPr marL="184150" marR="5080" indent="-171450">
@@ -14408,12 +12130,9 @@
               <a:buChar char="ü"/>
             </a:pPr>
             <a:r>
-              <a:rPr lang="en-US" sz="1000" dirty="0"/>
-              <a:t>Platform audit</a:t>
-            </a:r>
-            <a:endParaRPr lang="en-US" sz="1000" dirty="0">
-              <a:cs typeface="Calibri"/>
-            </a:endParaRPr>
+              <a:rPr lang="de-de" sz="1000"/>
+              <a:t>平台稽核</a:t>
+            </a:r>
           </a:p>
           <a:p>
             <a:pPr marL="184150" marR="5080" indent="-171450">
@@ -14427,12 +12146,9 @@
               <a:buChar char="ü"/>
             </a:pPr>
             <a:r>
-              <a:rPr lang="en-US" sz="1000" dirty="0"/>
-              <a:t>Feature set enablement</a:t>
-            </a:r>
-            <a:endParaRPr lang="en-US" sz="1000" dirty="0">
-              <a:cs typeface="Calibri"/>
-            </a:endParaRPr>
+              <a:rPr lang="de-de" sz="1000"/>
+              <a:t>功能集啟用</a:t>
+            </a:r>
           </a:p>
           <a:p>
             <a:pPr marL="184150" marR="5080" indent="-171450">
@@ -14446,12 +12162,9 @@
               <a:buChar char="ü"/>
             </a:pPr>
             <a:r>
-              <a:rPr lang="en-US" sz="1000" dirty="0"/>
-              <a:t>Basic integrations and configurations</a:t>
-            </a:r>
-            <a:endParaRPr lang="en-US" sz="1000" dirty="0">
-              <a:cs typeface="Calibri"/>
-            </a:endParaRPr>
+              <a:rPr lang="de-de" sz="1000"/>
+              <a:t>基本整合與組態設定</a:t>
+            </a:r>
           </a:p>
           <a:p>
             <a:pPr marL="184150" marR="5080" indent="-171450">
@@ -14465,12 +12178,9 @@
               <a:buChar char="ü"/>
             </a:pPr>
             <a:r>
-              <a:rPr lang="en-US" sz="1000" dirty="0"/>
-              <a:t>Customer solution troubleshooting</a:t>
-            </a:r>
-            <a:endParaRPr lang="en-US" sz="1000" dirty="0">
-              <a:cs typeface="Calibri"/>
-            </a:endParaRPr>
+              <a:rPr lang="de-de" sz="1000"/>
+              <a:t>客戶解決方案疑難排解</a:t>
+            </a:r>
           </a:p>
           <a:p>
             <a:pPr marL="184150" marR="5080" indent="-171450">
@@ -14484,12 +12194,9 @@
               <a:buChar char="ü"/>
             </a:pPr>
             <a:r>
-              <a:rPr lang="en-US" sz="1000" dirty="0"/>
-              <a:t>Cloud service support</a:t>
-            </a:r>
-            <a:endParaRPr lang="en-US" sz="1000" dirty="0">
-              <a:cs typeface="Calibri"/>
-            </a:endParaRPr>
+              <a:rPr lang="de-de" sz="1000"/>
+              <a:t>雲端服務支援</a:t>
+            </a:r>
           </a:p>
         </p:txBody>
       </p:sp>
@@ -14507,7 +12214,7 @@
         </p:nvSpPr>
         <p:spPr>
           <a:xfrm>
-            <a:off x="3851397" y="7249456"/>
+            <a:off x="3851397" y="7048896"/>
             <a:ext cx="3525469" cy="2054409"/>
           </a:xfrm>
           <a:prstGeom prst="rect">
@@ -14515,7 +12222,7 @@
           </a:prstGeom>
         </p:spPr>
         <p:txBody>
-          <a:bodyPr wrap="square" lIns="91440" tIns="45720" rIns="91440" bIns="45720" anchor="t">
+          <a:bodyPr wrap="square">
             <a:spAutoFit/>
           </a:bodyPr>
           <a:lstStyle/>
@@ -14526,22 +12233,22 @@
               </a:spcBef>
             </a:pPr>
             <a:r>
-              <a:rPr lang="en-US" sz="1000" b="1" dirty="0">
+              <a:rPr lang="de-de" sz="1000" b="1">
                 <a:solidFill>
                   <a:srgbClr val="000000"/>
                 </a:solidFill>
                 <a:latin typeface="+mj-lt"/>
               </a:rPr>
-              <a:t>Strategic Track Activities </a:t>
-            </a:r>
-            <a:r>
-              <a:rPr lang="en-US" sz="1000" dirty="0">
+              <a:t>策略路徑活動可尋找機會</a:t>
+            </a:r>
+            <a:r>
+              <a:rPr lang="de-de" sz="1000">
                 <a:solidFill>
                   <a:srgbClr val="000000"/>
                 </a:solidFill>
-                <a:latin typeface="Adobe Clean Light"/>
+                <a:latin typeface="Adobe Clean Light" panose="020B0303020404020204" pitchFamily="34" charset="0"/>
               </a:rPr>
-              <a:t>locate opportunities to ensure value is being realized from a customer’s Adobe solutions. They include support recommendations related to strategy, measurement and maturity to drive value realization across one or more Adobe solutions.</a:t>
+              <a:t>，以確保可從客戶的 Adobe 解決方案實現價值。這類活動包括與策略、衡量和成熟度有關的支援建議，以推動一個或多個 Adobe 解決方案的價值實現。</a:t>
             </a:r>
           </a:p>
           <a:p>
@@ -14561,14 +12268,11 @@
               </a:spcBef>
             </a:pPr>
             <a:r>
-              <a:rPr lang="en-US" sz="1000" dirty="0">
-                <a:latin typeface="Adobe Clean Light"/>
+              <a:rPr lang="de-de" sz="1000">
+                <a:latin typeface="Adobe Clean Light" charset="0"/>
               </a:rPr>
-              <a:t>Types of strategic activities available:</a:t>
-            </a:r>
-            <a:endParaRPr lang="en-US" sz="1000" dirty="0">
-              <a:latin typeface="Adobe Clean Light" charset="0"/>
-            </a:endParaRPr>
+              <a:t>可用的策略活動類型：</a:t>
+            </a:r>
           </a:p>
           <a:p>
             <a:pPr marL="241300" marR="5080" indent="-228600">
@@ -14582,12 +12286,9 @@
               <a:buChar char="ü"/>
             </a:pPr>
             <a:r>
-              <a:rPr lang="en-US" sz="1000" dirty="0"/>
-              <a:t>Maturity Roadmap</a:t>
-            </a:r>
-            <a:endParaRPr lang="en-US" sz="1000" dirty="0">
-              <a:cs typeface="Calibri"/>
-            </a:endParaRPr>
+              <a:rPr lang="de-de" sz="1000"/>
+              <a:t>成熟度藍圖</a:t>
+            </a:r>
           </a:p>
           <a:p>
             <a:pPr marL="241300" marR="5080" indent="-228600">
@@ -14601,12 +12302,9 @@
               <a:buChar char="ü"/>
             </a:pPr>
             <a:r>
-              <a:rPr lang="en-US" sz="1000" dirty="0"/>
-              <a:t>Use case development/measurement</a:t>
-            </a:r>
-            <a:endParaRPr lang="en-US" sz="1000" dirty="0">
-              <a:cs typeface="Calibri"/>
-            </a:endParaRPr>
+              <a:rPr lang="de-de" sz="1000"/>
+              <a:t>使用案例開發/衡量</a:t>
+            </a:r>
           </a:p>
           <a:p>
             <a:pPr marL="241300" marR="5080" indent="-228600">
@@ -14620,12 +12318,9 @@
               <a:buChar char="ü"/>
             </a:pPr>
             <a:r>
-              <a:rPr lang="en-US" sz="1000" dirty="0"/>
-              <a:t>Reporting &amp; analysis</a:t>
-            </a:r>
-            <a:endParaRPr lang="en-US" sz="1000" dirty="0">
-              <a:cs typeface="Calibri"/>
-            </a:endParaRPr>
+              <a:rPr lang="de-de" sz="1000"/>
+              <a:t>報告與分析</a:t>
+            </a:r>
           </a:p>
           <a:p>
             <a:pPr marL="241300" marR="5080" indent="-228600">
@@ -14639,12 +12334,9 @@
               <a:buChar char="ü"/>
             </a:pPr>
             <a:r>
-              <a:rPr lang="en-US" sz="1000" dirty="0"/>
-              <a:t>Best practices enablement</a:t>
-            </a:r>
-            <a:endParaRPr lang="en-US" sz="1000" dirty="0">
-              <a:cs typeface="Calibri"/>
-            </a:endParaRPr>
+              <a:rPr lang="de-de" sz="1000"/>
+              <a:t>啟用最佳實務</a:t>
+            </a:r>
           </a:p>
         </p:txBody>
       </p:sp>
@@ -14682,80 +12374,80 @@
               </a:spcBef>
             </a:pPr>
             <a:r>
-              <a:rPr lang="en-US" sz="1000">
+              <a:rPr lang="de-de" sz="1000">
                 <a:solidFill>
                   <a:srgbClr val="1F1F1F"/>
                 </a:solidFill>
                 <a:latin typeface="Adobe Clean" panose="020B0503020404020204" pitchFamily="34" charset="0"/>
                 <a:cs typeface="AdobeClean-Light"/>
               </a:rPr>
-              <a:t>As an Enterprise customer, you are eligible for</a:t>
-            </a:r>
-            <a:r>
-              <a:rPr lang="en-US" sz="1200" b="1" u="sng">
+              <a:t>您身為企業客戶，有資格透過以下兩個路徑每年參與 </a:t>
+            </a:r>
+            <a:r>
+              <a:rPr lang="de-de" sz="1200" b="1" u="sng">
                 <a:solidFill>
                   <a:srgbClr val="1F1F1F"/>
                 </a:solidFill>
                 <a:cs typeface="AdobeClean-Light"/>
               </a:rPr>
-              <a:t> 2 </a:t>
-            </a:r>
-            <a:r>
-              <a:rPr lang="en-US" sz="1000" b="1" u="sng">
+              <a:t>2</a:t>
+            </a:r>
+            <a:r>
+              <a:rPr lang="de-de" sz="1000" b="1" u="sng">
                 <a:solidFill>
                   <a:srgbClr val="1F1F1F"/>
                 </a:solidFill>
                 <a:cs typeface="AdobeClean-Light"/>
               </a:rPr>
-              <a:t>activities per year </a:t>
-            </a:r>
-            <a:r>
-              <a:rPr lang="en-US" sz="1000">
+              <a:t> 項活動</a:t>
+            </a:r>
+            <a:r>
+              <a:rPr lang="de-de" sz="1000">
                 <a:solidFill>
                   <a:srgbClr val="1F1F1F"/>
                 </a:solidFill>
                 <a:latin typeface="Adobe Clean" panose="020B0503020404020204" pitchFamily="34" charset="0"/>
                 <a:cs typeface="AdobeClean-Light"/>
               </a:rPr>
-              <a:t>from the following two tracks:</a:t>
-            </a:r>
-            <a:r>
-              <a:rPr lang="en-US" sz="1000" b="1">
+              <a:t>：</a:t>
+            </a:r>
+            <a:r>
+              <a:rPr lang="de-de" sz="1000" b="1">
                 <a:solidFill>
                   <a:srgbClr val="1F1F1F"/>
                 </a:solidFill>
                 <a:cs typeface="AdobeClean-Light"/>
               </a:rPr>
-              <a:t> Technical </a:t>
-            </a:r>
-            <a:r>
-              <a:rPr lang="en-US" sz="1000">
+              <a:t>技術</a:t>
+            </a:r>
+            <a:r>
+              <a:rPr lang="de-de" sz="1000">
                 <a:solidFill>
                   <a:srgbClr val="1F1F1F"/>
                 </a:solidFill>
                 <a:latin typeface="Adobe Clean" panose="020B0503020404020204" pitchFamily="34" charset="0"/>
                 <a:cs typeface="AdobeClean-Light"/>
               </a:rPr>
-              <a:t>and/or </a:t>
-            </a:r>
-            <a:r>
-              <a:rPr lang="en-US" sz="1000" b="1">
+              <a:t>及/或</a:t>
+            </a:r>
+            <a:r>
+              <a:rPr lang="de-de" sz="1000" b="1">
                 <a:solidFill>
                   <a:srgbClr val="1F1F1F"/>
                 </a:solidFill>
                 <a:cs typeface="AdobeClean-Light"/>
               </a:rPr>
-              <a:t>Strategic</a:t>
-            </a:r>
-            <a:r>
-              <a:rPr lang="en-US" sz="1000">
+              <a:t>策略</a:t>
+            </a:r>
+            <a:r>
+              <a:rPr lang="de-de" sz="1000">
                 <a:solidFill>
                   <a:srgbClr val="1F1F1F"/>
                 </a:solidFill>
                 <a:latin typeface="Adobe Clean Light" panose="020B0303020404020204" pitchFamily="34" charset="0"/>
                 <a:cs typeface="AdobeClean-Light"/>
               </a:rPr>
-              <a:t>.</a:t>
+              <a:t>。</a:t>
             </a:r>
             <a:endParaRPr lang="en-US" sz="1000" b="1">
               <a:solidFill>
@@ -14796,8 +12488,8 @@
           <a:p>
             <a:pPr algn="ctr"/>
             <a:r>
-              <a:rPr lang="en-US" sz="1100"/>
-              <a:t>Go-Live</a:t>
+              <a:rPr lang="de-de" sz="1100"/>
+              <a:t>上線</a:t>
             </a:r>
           </a:p>
         </p:txBody>
@@ -14832,8 +12524,8 @@
           <a:p>
             <a:pPr algn="ctr"/>
             <a:r>
-              <a:rPr lang="en-US" sz="1100"/>
-              <a:t>Define</a:t>
+              <a:rPr lang="de-de" sz="1100"/>
+              <a:t>定義</a:t>
             </a:r>
           </a:p>
         </p:txBody>
@@ -14868,8 +12560,8 @@
           <a:p>
             <a:pPr algn="ctr"/>
             <a:r>
-              <a:rPr lang="en-US" sz="1100"/>
-              <a:t>Kickoff</a:t>
+              <a:rPr lang="de-de" sz="1100"/>
+              <a:t>開展</a:t>
             </a:r>
           </a:p>
         </p:txBody>
@@ -14904,8 +12596,8 @@
           <a:p>
             <a:pPr algn="ctr"/>
             <a:r>
-              <a:rPr lang="en-US" sz="1100"/>
-              <a:t>Design</a:t>
+              <a:rPr lang="de-de" sz="1100"/>
+              <a:t>設計</a:t>
             </a:r>
           </a:p>
         </p:txBody>
@@ -14962,18 +12654,746 @@
           <a:p>
             <a:pPr algn="ctr"/>
             <a:r>
-              <a:rPr lang="en-US">
+              <a:rPr lang="de-de">
                 <a:solidFill>
                   <a:schemeClr val="accent1">
                     <a:lumMod val="50000"/>
                   </a:schemeClr>
                 </a:solidFill>
               </a:rPr>
-              <a:t>2 Activities per Year</a:t>
+              <a:t>每年 2 個活動</a:t>
             </a:r>
           </a:p>
         </p:txBody>
       </p:sp>
+      <p:graphicFrame>
+        <p:nvGraphicFramePr>
+          <p:cNvPr id="43" name="Table 42">
+            <a:extLst>
+              <a:ext uri="{FF2B5EF4-FFF2-40B4-BE49-F238E27FC236}">
+                <a16:creationId xmlns:a16="http://schemas.microsoft.com/office/drawing/2014/main" id="{1D3ABED2-2902-5346-AD61-8791F4B24654}"/>
+              </a:ext>
+            </a:extLst>
+          </p:cNvPr>
+          <p:cNvGraphicFramePr>
+            <a:graphicFrameLocks noGrp="1"/>
+          </p:cNvGraphicFramePr>
+          <p:nvPr>
+            <p:extLst>
+              <p:ext uri="{D42A27DB-BD31-4B8C-83A1-F6EECF244321}">
+                <p14:modId xmlns:p14="http://schemas.microsoft.com/office/powerpoint/2010/main" val="3661084522"/>
+              </p:ext>
+            </p:extLst>
+          </p:nvPr>
+        </p:nvGraphicFramePr>
+        <p:xfrm>
+          <a:off x="1524000" y="7488265"/>
+          <a:ext cx="609600" cy="457200"/>
+        </p:xfrm>
+        <a:graphic>
+          <a:graphicData uri="http://schemas.openxmlformats.org/drawingml/2006/table">
+            <a:tbl>
+              <a:tblPr>
+                <a:tableStyleId>{5C22544A-7EE6-4342-B048-85BDC9FD1C3A}</a:tableStyleId>
+              </a:tblPr>
+              <a:tblGrid>
+                <a:gridCol w="609600">
+                  <a:extLst>
+                    <a:ext uri="{9D8B030D-6E8A-4147-A177-3AD203B41FA5}">
+                      <a16:colId xmlns:a16="http://schemas.microsoft.com/office/drawing/2014/main" val="1835503658"/>
+                    </a:ext>
+                  </a:extLst>
+                </a:gridCol>
+              </a:tblGrid>
+              <a:tr h="457200">
+                <a:tc>
+                  <a:txBody>
+                    <a:bodyPr/>
+                    <a:lstStyle/>
+                    <a:p>
+                      <a:pPr algn="ctr" fontAlgn="b"/>
+                      <a:r>
+                        <a:rPr lang="ko-KR" altLang="en-US" sz="1100" u="none" strike="noStrike" dirty="0" err="1">
+                          <a:effectLst/>
+                        </a:rPr>
+                        <a:t>上市諮詢</a:t>
+                      </a:r>
+                      <a:endParaRPr lang="ko-KR" altLang="en-US" sz="1100" b="0" i="0" u="none" strike="noStrike" dirty="0">
+                        <a:solidFill>
+                          <a:srgbClr val="000000"/>
+                        </a:solidFill>
+                        <a:effectLst/>
+                        <a:latin typeface="Calibri" panose="020F0502020204030204" pitchFamily="34" charset="0"/>
+                      </a:endParaRPr>
+                    </a:p>
+                  </a:txBody>
+                  <a:tcPr marL="9525" marR="9525" marT="9525" marB="0" anchor="ctr">
+                    <a:solidFill>
+                      <a:schemeClr val="bg1"/>
+                    </a:solidFill>
+                  </a:tcPr>
+                </a:tc>
+                <a:extLst>
+                  <a:ext uri="{0D108BD9-81ED-4DB2-BD59-A6C34878D82A}">
+                    <a16:rowId xmlns:a16="http://schemas.microsoft.com/office/drawing/2014/main" val="2771767287"/>
+                  </a:ext>
+                </a:extLst>
+              </a:tr>
+            </a:tbl>
+          </a:graphicData>
+        </a:graphic>
+      </p:graphicFrame>
+      <p:graphicFrame>
+        <p:nvGraphicFramePr>
+          <p:cNvPr id="44" name="Table 43">
+            <a:extLst>
+              <a:ext uri="{FF2B5EF4-FFF2-40B4-BE49-F238E27FC236}">
+                <a16:creationId xmlns:a16="http://schemas.microsoft.com/office/drawing/2014/main" id="{9FA2B8AA-2505-1046-B10D-83D9B1F93495}"/>
+              </a:ext>
+            </a:extLst>
+          </p:cNvPr>
+          <p:cNvGraphicFramePr>
+            <a:graphicFrameLocks noGrp="1"/>
+          </p:cNvGraphicFramePr>
+          <p:nvPr>
+            <p:extLst>
+              <p:ext uri="{D42A27DB-BD31-4B8C-83A1-F6EECF244321}">
+                <p14:modId xmlns:p14="http://schemas.microsoft.com/office/powerpoint/2010/main" val="736048030"/>
+              </p:ext>
+            </p:extLst>
+          </p:nvPr>
+        </p:nvGraphicFramePr>
+        <p:xfrm>
+          <a:off x="1524000" y="6345265"/>
+          <a:ext cx="609600" cy="457200"/>
+        </p:xfrm>
+        <a:graphic>
+          <a:graphicData uri="http://schemas.openxmlformats.org/drawingml/2006/table">
+            <a:tbl>
+              <a:tblPr>
+                <a:tableStyleId>{5C22544A-7EE6-4342-B048-85BDC9FD1C3A}</a:tableStyleId>
+              </a:tblPr>
+              <a:tblGrid>
+                <a:gridCol w="609600">
+                  <a:extLst>
+                    <a:ext uri="{9D8B030D-6E8A-4147-A177-3AD203B41FA5}">
+                      <a16:colId xmlns:a16="http://schemas.microsoft.com/office/drawing/2014/main" val="1835503658"/>
+                    </a:ext>
+                  </a:extLst>
+                </a:gridCol>
+              </a:tblGrid>
+              <a:tr h="457200">
+                <a:tc>
+                  <a:txBody>
+                    <a:bodyPr/>
+                    <a:lstStyle/>
+                    <a:p>
+                      <a:pPr algn="ctr" fontAlgn="b"/>
+                      <a:r>
+                        <a:rPr lang="ko-KR" altLang="en-US" sz="800" u="none" strike="noStrike" dirty="0" err="1">
+                          <a:effectLst/>
+                          <a:latin typeface="Adobe Clean" panose="020B0503020404020204" pitchFamily="34" charset="0"/>
+                        </a:rPr>
+                        <a:t>資深</a:t>
+                      </a:r>
+                      <a:r>
+                        <a:rPr lang="ko-KR" altLang="en-US" sz="800" u="none" strike="noStrike" dirty="0">
+                          <a:effectLst/>
+                          <a:latin typeface="Adobe Clean" panose="020B0503020404020204" pitchFamily="34" charset="0"/>
+                        </a:rPr>
+                        <a:t> </a:t>
+                      </a:r>
+                      <a:r>
+                        <a:rPr lang="en-US" altLang="ko-KR" sz="800" u="none" strike="noStrike" dirty="0">
+                          <a:effectLst/>
+                          <a:latin typeface="Adobe Clean" panose="020B0503020404020204" pitchFamily="34" charset="0"/>
+                        </a:rPr>
+                        <a:t>Adobe </a:t>
+                      </a:r>
+                      <a:r>
+                        <a:rPr lang="ko-KR" altLang="en-US" sz="800" u="none" strike="noStrike" dirty="0" err="1">
+                          <a:effectLst/>
+                          <a:latin typeface="Adobe Clean" panose="020B0503020404020204" pitchFamily="34" charset="0"/>
+                        </a:rPr>
+                        <a:t>專業知識</a:t>
+                      </a:r>
+                      <a:endParaRPr lang="ko-KR" altLang="en-US" sz="800" b="0" i="0" u="none" strike="noStrike" dirty="0">
+                        <a:solidFill>
+                          <a:srgbClr val="000000"/>
+                        </a:solidFill>
+                        <a:effectLst/>
+                        <a:latin typeface="Adobe Clean" panose="020B0503020404020204" pitchFamily="34" charset="0"/>
+                      </a:endParaRPr>
+                    </a:p>
+                  </a:txBody>
+                  <a:tcPr marL="9525" marR="9525" marT="9525" marB="0">
+                    <a:solidFill>
+                      <a:schemeClr val="bg1"/>
+                    </a:solidFill>
+                  </a:tcPr>
+                </a:tc>
+                <a:extLst>
+                  <a:ext uri="{0D108BD9-81ED-4DB2-BD59-A6C34878D82A}">
+                    <a16:rowId xmlns:a16="http://schemas.microsoft.com/office/drawing/2014/main" val="2771767287"/>
+                  </a:ext>
+                </a:extLst>
+              </a:tr>
+            </a:tbl>
+          </a:graphicData>
+        </a:graphic>
+      </p:graphicFrame>
+      <p:graphicFrame>
+        <p:nvGraphicFramePr>
+          <p:cNvPr id="45" name="Table 44">
+            <a:extLst>
+              <a:ext uri="{FF2B5EF4-FFF2-40B4-BE49-F238E27FC236}">
+                <a16:creationId xmlns:a16="http://schemas.microsoft.com/office/drawing/2014/main" id="{E731F3F0-095B-7147-AA58-BAFE19529903}"/>
+              </a:ext>
+            </a:extLst>
+          </p:cNvPr>
+          <p:cNvGraphicFramePr>
+            <a:graphicFrameLocks noGrp="1"/>
+          </p:cNvGraphicFramePr>
+          <p:nvPr>
+            <p:extLst>
+              <p:ext uri="{D42A27DB-BD31-4B8C-83A1-F6EECF244321}">
+                <p14:modId xmlns:p14="http://schemas.microsoft.com/office/powerpoint/2010/main" val="3469511024"/>
+              </p:ext>
+            </p:extLst>
+          </p:nvPr>
+        </p:nvGraphicFramePr>
+        <p:xfrm>
+          <a:off x="2514600" y="6650065"/>
+          <a:ext cx="609600" cy="457200"/>
+        </p:xfrm>
+        <a:graphic>
+          <a:graphicData uri="http://schemas.openxmlformats.org/drawingml/2006/table">
+            <a:tbl>
+              <a:tblPr>
+                <a:tableStyleId>{5C22544A-7EE6-4342-B048-85BDC9FD1C3A}</a:tableStyleId>
+              </a:tblPr>
+              <a:tblGrid>
+                <a:gridCol w="609600">
+                  <a:extLst>
+                    <a:ext uri="{9D8B030D-6E8A-4147-A177-3AD203B41FA5}">
+                      <a16:colId xmlns:a16="http://schemas.microsoft.com/office/drawing/2014/main" val="1835503658"/>
+                    </a:ext>
+                  </a:extLst>
+                </a:gridCol>
+              </a:tblGrid>
+              <a:tr h="457200">
+                <a:tc>
+                  <a:txBody>
+                    <a:bodyPr/>
+                    <a:lstStyle/>
+                    <a:p>
+                      <a:pPr algn="ctr" fontAlgn="b"/>
+                      <a:r>
+                        <a:rPr lang="ja-JP" altLang="en-US" sz="800" u="none" strike="noStrike">
+                          <a:effectLst/>
+                          <a:latin typeface="Adobe Clean" panose="020B0503020404020204" pitchFamily="34" charset="0"/>
+                        </a:rPr>
+                        <a:t>直接聯繫 </a:t>
+                      </a:r>
+                      <a:r>
+                        <a:rPr lang="en-US" altLang="ko-KR" sz="800" u="none" strike="noStrike" dirty="0">
+                          <a:effectLst/>
+                          <a:latin typeface="Adobe Clean" panose="020B0503020404020204" pitchFamily="34" charset="0"/>
+                        </a:rPr>
+                        <a:t>Adobe </a:t>
+                      </a:r>
+                      <a:r>
+                        <a:rPr lang="ja-JP" altLang="en-US" sz="800" u="none" strike="noStrike">
+                          <a:effectLst/>
+                          <a:latin typeface="Adobe Clean" panose="020B0503020404020204" pitchFamily="34" charset="0"/>
+                        </a:rPr>
+                        <a:t>工程部</a:t>
+                      </a:r>
+                      <a:endParaRPr lang="ko-KR" altLang="en-US" sz="800" b="0" i="0" u="none" strike="noStrike" dirty="0">
+                        <a:solidFill>
+                          <a:srgbClr val="000000"/>
+                        </a:solidFill>
+                        <a:effectLst/>
+                        <a:latin typeface="Adobe Clean" panose="020B0503020404020204" pitchFamily="34" charset="0"/>
+                      </a:endParaRPr>
+                    </a:p>
+                  </a:txBody>
+                  <a:tcPr marL="9525" marR="9525" marT="9525" marB="0">
+                    <a:solidFill>
+                      <a:schemeClr val="bg1"/>
+                    </a:solidFill>
+                  </a:tcPr>
+                </a:tc>
+                <a:extLst>
+                  <a:ext uri="{0D108BD9-81ED-4DB2-BD59-A6C34878D82A}">
+                    <a16:rowId xmlns:a16="http://schemas.microsoft.com/office/drawing/2014/main" val="2771767287"/>
+                  </a:ext>
+                </a:extLst>
+              </a:tr>
+            </a:tbl>
+          </a:graphicData>
+        </a:graphic>
+      </p:graphicFrame>
+      <p:graphicFrame>
+        <p:nvGraphicFramePr>
+          <p:cNvPr id="46" name="Table 45">
+            <a:extLst>
+              <a:ext uri="{FF2B5EF4-FFF2-40B4-BE49-F238E27FC236}">
+                <a16:creationId xmlns:a16="http://schemas.microsoft.com/office/drawing/2014/main" id="{59AD68C2-C0C9-B74C-87B5-56A08A7382DD}"/>
+              </a:ext>
+            </a:extLst>
+          </p:cNvPr>
+          <p:cNvGraphicFramePr>
+            <a:graphicFrameLocks noGrp="1"/>
+          </p:cNvGraphicFramePr>
+          <p:nvPr>
+            <p:extLst>
+              <p:ext uri="{D42A27DB-BD31-4B8C-83A1-F6EECF244321}">
+                <p14:modId xmlns:p14="http://schemas.microsoft.com/office/powerpoint/2010/main" val="477747724"/>
+              </p:ext>
+            </p:extLst>
+          </p:nvPr>
+        </p:nvGraphicFramePr>
+        <p:xfrm>
+          <a:off x="2819400" y="7793064"/>
+          <a:ext cx="609600" cy="665135"/>
+        </p:xfrm>
+        <a:graphic>
+          <a:graphicData uri="http://schemas.openxmlformats.org/drawingml/2006/table">
+            <a:tbl>
+              <a:tblPr>
+                <a:tableStyleId>{5C22544A-7EE6-4342-B048-85BDC9FD1C3A}</a:tableStyleId>
+              </a:tblPr>
+              <a:tblGrid>
+                <a:gridCol w="609600">
+                  <a:extLst>
+                    <a:ext uri="{9D8B030D-6E8A-4147-A177-3AD203B41FA5}">
+                      <a16:colId xmlns:a16="http://schemas.microsoft.com/office/drawing/2014/main" val="1835503658"/>
+                    </a:ext>
+                  </a:extLst>
+                </a:gridCol>
+              </a:tblGrid>
+              <a:tr h="665135">
+                <a:tc>
+                  <a:txBody>
+                    <a:bodyPr/>
+                    <a:lstStyle/>
+                    <a:p>
+                      <a:pPr algn="ctr" fontAlgn="b"/>
+                      <a:r>
+                        <a:rPr lang="ko-KR" altLang="en-US" sz="800" u="none" strike="noStrike" dirty="0" err="1">
+                          <a:effectLst/>
+                          <a:latin typeface="Adobe Clean" panose="020B0503020404020204" pitchFamily="34" charset="0"/>
+                        </a:rPr>
+                        <a:t>含建議後續步驟的上市後摘要</a:t>
+                      </a:r>
+                      <a:endParaRPr lang="ko-KR" altLang="en-US" sz="800" b="0" i="0" u="none" strike="noStrike" dirty="0">
+                        <a:solidFill>
+                          <a:srgbClr val="000000"/>
+                        </a:solidFill>
+                        <a:effectLst/>
+                        <a:latin typeface="Adobe Clean" panose="020B0503020404020204" pitchFamily="34" charset="0"/>
+                      </a:endParaRPr>
+                    </a:p>
+                  </a:txBody>
+                  <a:tcPr marL="9525" marR="9525" marT="9525" marB="0">
+                    <a:solidFill>
+                      <a:schemeClr val="bg1"/>
+                    </a:solidFill>
+                  </a:tcPr>
+                </a:tc>
+                <a:extLst>
+                  <a:ext uri="{0D108BD9-81ED-4DB2-BD59-A6C34878D82A}">
+                    <a16:rowId xmlns:a16="http://schemas.microsoft.com/office/drawing/2014/main" val="2771767287"/>
+                  </a:ext>
+                </a:extLst>
+              </a:tr>
+            </a:tbl>
+          </a:graphicData>
+        </a:graphic>
+      </p:graphicFrame>
+      <p:graphicFrame>
+        <p:nvGraphicFramePr>
+          <p:cNvPr id="47" name="Table 46">
+            <a:extLst>
+              <a:ext uri="{FF2B5EF4-FFF2-40B4-BE49-F238E27FC236}">
+                <a16:creationId xmlns:a16="http://schemas.microsoft.com/office/drawing/2014/main" id="{FFD4AA75-4372-D548-8A65-95953E5BB6E8}"/>
+              </a:ext>
+            </a:extLst>
+          </p:cNvPr>
+          <p:cNvGraphicFramePr>
+            <a:graphicFrameLocks noGrp="1"/>
+          </p:cNvGraphicFramePr>
+          <p:nvPr>
+            <p:extLst>
+              <p:ext uri="{D42A27DB-BD31-4B8C-83A1-F6EECF244321}">
+                <p14:modId xmlns:p14="http://schemas.microsoft.com/office/powerpoint/2010/main" val="2446713920"/>
+              </p:ext>
+            </p:extLst>
+          </p:nvPr>
+        </p:nvGraphicFramePr>
+        <p:xfrm>
+          <a:off x="2057400" y="8707464"/>
+          <a:ext cx="609600" cy="588935"/>
+        </p:xfrm>
+        <a:graphic>
+          <a:graphicData uri="http://schemas.openxmlformats.org/drawingml/2006/table">
+            <a:tbl>
+              <a:tblPr>
+                <a:tableStyleId>{5C22544A-7EE6-4342-B048-85BDC9FD1C3A}</a:tableStyleId>
+              </a:tblPr>
+              <a:tblGrid>
+                <a:gridCol w="609600">
+                  <a:extLst>
+                    <a:ext uri="{9D8B030D-6E8A-4147-A177-3AD203B41FA5}">
+                      <a16:colId xmlns:a16="http://schemas.microsoft.com/office/drawing/2014/main" val="1835503658"/>
+                    </a:ext>
+                  </a:extLst>
+                </a:gridCol>
+              </a:tblGrid>
+              <a:tr h="588935">
+                <a:tc>
+                  <a:txBody>
+                    <a:bodyPr/>
+                    <a:lstStyle/>
+                    <a:p>
+                      <a:pPr algn="ctr" fontAlgn="b"/>
+                      <a:r>
+                        <a:rPr lang="ko-KR" altLang="en-US" sz="800" u="none" strike="noStrike" dirty="0" err="1">
+                          <a:effectLst/>
+                          <a:latin typeface="Adobe Clean" panose="020B0503020404020204" pitchFamily="34" charset="0"/>
+                        </a:rPr>
+                        <a:t>上線整備</a:t>
+                      </a:r>
+                      <a:r>
+                        <a:rPr lang="ko-KR" altLang="en-US" sz="800" u="none" strike="noStrike" dirty="0">
+                          <a:effectLst/>
+                          <a:latin typeface="Adobe Clean" panose="020B0503020404020204" pitchFamily="34" charset="0"/>
+                        </a:rPr>
+                        <a:t> </a:t>
+                      </a:r>
+                      <a:r>
+                        <a:rPr lang="en-US" altLang="ko-KR" sz="800" u="none" strike="noStrike" dirty="0">
+                          <a:effectLst/>
+                          <a:latin typeface="Adobe Clean" panose="020B0503020404020204" pitchFamily="34" charset="0"/>
+                        </a:rPr>
+                        <a:t>+ </a:t>
+                      </a:r>
+                      <a:r>
+                        <a:rPr lang="ko-KR" altLang="en-US" sz="800" u="none" strike="noStrike" dirty="0" err="1">
+                          <a:effectLst/>
+                          <a:latin typeface="Adobe Clean" panose="020B0503020404020204" pitchFamily="34" charset="0"/>
+                        </a:rPr>
+                        <a:t>效能最佳化</a:t>
+                      </a:r>
+                      <a:endParaRPr lang="ko-KR" altLang="en-US" sz="800" b="0" i="0" u="none" strike="noStrike" dirty="0">
+                        <a:solidFill>
+                          <a:srgbClr val="000000"/>
+                        </a:solidFill>
+                        <a:effectLst/>
+                        <a:latin typeface="Adobe Clean" panose="020B0503020404020204" pitchFamily="34" charset="0"/>
+                      </a:endParaRPr>
+                    </a:p>
+                  </a:txBody>
+                  <a:tcPr marL="9525" marR="9525" marT="9525" marB="0">
+                    <a:solidFill>
+                      <a:schemeClr val="bg1"/>
+                    </a:solidFill>
+                  </a:tcPr>
+                </a:tc>
+                <a:extLst>
+                  <a:ext uri="{0D108BD9-81ED-4DB2-BD59-A6C34878D82A}">
+                    <a16:rowId xmlns:a16="http://schemas.microsoft.com/office/drawing/2014/main" val="2771767287"/>
+                  </a:ext>
+                </a:extLst>
+              </a:tr>
+            </a:tbl>
+          </a:graphicData>
+        </a:graphic>
+      </p:graphicFrame>
+      <p:graphicFrame>
+        <p:nvGraphicFramePr>
+          <p:cNvPr id="48" name="Table 47">
+            <a:extLst>
+              <a:ext uri="{FF2B5EF4-FFF2-40B4-BE49-F238E27FC236}">
+                <a16:creationId xmlns:a16="http://schemas.microsoft.com/office/drawing/2014/main" id="{B22514A3-F0CD-1F44-8671-55B836DC891A}"/>
+              </a:ext>
+            </a:extLst>
+          </p:cNvPr>
+          <p:cNvGraphicFramePr>
+            <a:graphicFrameLocks noGrp="1"/>
+          </p:cNvGraphicFramePr>
+          <p:nvPr>
+            <p:extLst>
+              <p:ext uri="{D42A27DB-BD31-4B8C-83A1-F6EECF244321}">
+                <p14:modId xmlns:p14="http://schemas.microsoft.com/office/powerpoint/2010/main" val="3387353005"/>
+              </p:ext>
+            </p:extLst>
+          </p:nvPr>
+        </p:nvGraphicFramePr>
+        <p:xfrm>
+          <a:off x="990600" y="8707465"/>
+          <a:ext cx="609600" cy="457200"/>
+        </p:xfrm>
+        <a:graphic>
+          <a:graphicData uri="http://schemas.openxmlformats.org/drawingml/2006/table">
+            <a:tbl>
+              <a:tblPr>
+                <a:tableStyleId>{5C22544A-7EE6-4342-B048-85BDC9FD1C3A}</a:tableStyleId>
+              </a:tblPr>
+              <a:tblGrid>
+                <a:gridCol w="609600">
+                  <a:extLst>
+                    <a:ext uri="{9D8B030D-6E8A-4147-A177-3AD203B41FA5}">
+                      <a16:colId xmlns:a16="http://schemas.microsoft.com/office/drawing/2014/main" val="1835503658"/>
+                    </a:ext>
+                  </a:extLst>
+                </a:gridCol>
+              </a:tblGrid>
+              <a:tr h="457200">
+                <a:tc>
+                  <a:txBody>
+                    <a:bodyPr/>
+                    <a:lstStyle/>
+                    <a:p>
+                      <a:pPr algn="ctr" fontAlgn="b"/>
+                      <a:r>
+                        <a:rPr lang="ko-KR" altLang="en-US" sz="800" u="none" strike="noStrike" dirty="0">
+                          <a:effectLst/>
+                          <a:latin typeface="Adobe Clean" panose="020B0503020404020204" pitchFamily="34" charset="0"/>
+                        </a:rPr>
+                        <a:t> </a:t>
+                      </a:r>
+                      <a:r>
+                        <a:rPr lang="ko-KR" altLang="en-US" sz="800" u="none" strike="noStrike" dirty="0" err="1">
+                          <a:effectLst/>
+                          <a:latin typeface="Adobe Clean" panose="020B0503020404020204" pitchFamily="34" charset="0"/>
+                        </a:rPr>
+                        <a:t>架構審核</a:t>
+                      </a:r>
+                      <a:r>
+                        <a:rPr lang="ko-KR" altLang="en-US" sz="800" u="none" strike="noStrike" dirty="0">
+                          <a:effectLst/>
+                          <a:latin typeface="Adobe Clean" panose="020B0503020404020204" pitchFamily="34" charset="0"/>
+                        </a:rPr>
+                        <a:t> </a:t>
+                      </a:r>
+                      <a:r>
+                        <a:rPr lang="en-US" altLang="ko-KR" sz="800" u="none" strike="noStrike" dirty="0">
+                          <a:effectLst/>
+                          <a:latin typeface="Adobe Clean" panose="020B0503020404020204" pitchFamily="34" charset="0"/>
+                        </a:rPr>
+                        <a:t>+ </a:t>
+                      </a:r>
+                      <a:r>
+                        <a:rPr lang="ko-KR" altLang="en-US" sz="800" u="none" strike="noStrike" dirty="0" err="1">
+                          <a:effectLst/>
+                          <a:latin typeface="Adobe Clean" panose="020B0503020404020204" pitchFamily="34" charset="0"/>
+                        </a:rPr>
+                        <a:t>指導方針</a:t>
+                      </a:r>
+                      <a:endParaRPr lang="ko-KR" altLang="en-US" sz="800" b="0" i="0" u="none" strike="noStrike" dirty="0">
+                        <a:solidFill>
+                          <a:srgbClr val="000000"/>
+                        </a:solidFill>
+                        <a:effectLst/>
+                        <a:latin typeface="Adobe Clean" panose="020B0503020404020204" pitchFamily="34" charset="0"/>
+                      </a:endParaRPr>
+                    </a:p>
+                  </a:txBody>
+                  <a:tcPr marL="9525" marR="9525" marT="9525" marB="0">
+                    <a:solidFill>
+                      <a:schemeClr val="bg1"/>
+                    </a:solidFill>
+                  </a:tcPr>
+                </a:tc>
+                <a:extLst>
+                  <a:ext uri="{0D108BD9-81ED-4DB2-BD59-A6C34878D82A}">
+                    <a16:rowId xmlns:a16="http://schemas.microsoft.com/office/drawing/2014/main" val="2771767287"/>
+                  </a:ext>
+                </a:extLst>
+              </a:tr>
+            </a:tbl>
+          </a:graphicData>
+        </a:graphic>
+      </p:graphicFrame>
+      <p:graphicFrame>
+        <p:nvGraphicFramePr>
+          <p:cNvPr id="49" name="Table 48">
+            <a:extLst>
+              <a:ext uri="{FF2B5EF4-FFF2-40B4-BE49-F238E27FC236}">
+                <a16:creationId xmlns:a16="http://schemas.microsoft.com/office/drawing/2014/main" id="{5E584A08-DDE5-0945-9EF0-308782D9FB34}"/>
+              </a:ext>
+            </a:extLst>
+          </p:cNvPr>
+          <p:cNvGraphicFramePr>
+            <a:graphicFrameLocks noGrp="1"/>
+          </p:cNvGraphicFramePr>
+          <p:nvPr>
+            <p:extLst>
+              <p:ext uri="{D42A27DB-BD31-4B8C-83A1-F6EECF244321}">
+                <p14:modId xmlns:p14="http://schemas.microsoft.com/office/powerpoint/2010/main" val="2632618095"/>
+              </p:ext>
+            </p:extLst>
+          </p:nvPr>
+        </p:nvGraphicFramePr>
+        <p:xfrm>
+          <a:off x="304800" y="7793065"/>
+          <a:ext cx="609600" cy="457200"/>
+        </p:xfrm>
+        <a:graphic>
+          <a:graphicData uri="http://schemas.openxmlformats.org/drawingml/2006/table">
+            <a:tbl>
+              <a:tblPr>
+                <a:tableStyleId>{5C22544A-7EE6-4342-B048-85BDC9FD1C3A}</a:tableStyleId>
+              </a:tblPr>
+              <a:tblGrid>
+                <a:gridCol w="609600">
+                  <a:extLst>
+                    <a:ext uri="{9D8B030D-6E8A-4147-A177-3AD203B41FA5}">
+                      <a16:colId xmlns:a16="http://schemas.microsoft.com/office/drawing/2014/main" val="1835503658"/>
+                    </a:ext>
+                  </a:extLst>
+                </a:gridCol>
+              </a:tblGrid>
+              <a:tr h="457200">
+                <a:tc>
+                  <a:txBody>
+                    <a:bodyPr/>
+                    <a:lstStyle/>
+                    <a:p>
+                      <a:pPr algn="ctr" fontAlgn="b"/>
+                      <a:r>
+                        <a:rPr lang="ko-KR" altLang="en-US" sz="800" u="none" strike="noStrike" dirty="0" err="1">
+                          <a:effectLst/>
+                          <a:latin typeface="Adobe Clean" panose="020B0503020404020204" pitchFamily="34" charset="0"/>
+                        </a:rPr>
+                        <a:t>專案藍圖</a:t>
+                      </a:r>
+                      <a:r>
+                        <a:rPr lang="ko-KR" altLang="en-US" sz="800" u="none" strike="noStrike" dirty="0">
+                          <a:effectLst/>
+                          <a:latin typeface="Adobe Clean" panose="020B0503020404020204" pitchFamily="34" charset="0"/>
+                        </a:rPr>
+                        <a:t> </a:t>
+                      </a:r>
+                      <a:r>
+                        <a:rPr lang="en-US" altLang="ko-KR" sz="800" u="none" strike="noStrike" dirty="0">
+                          <a:effectLst/>
+                          <a:latin typeface="Adobe Clean" panose="020B0503020404020204" pitchFamily="34" charset="0"/>
+                        </a:rPr>
+                        <a:t>+ </a:t>
+                      </a:r>
+                      <a:r>
+                        <a:rPr lang="ko-KR" altLang="en-US" sz="800" u="none" strike="noStrike" dirty="0" err="1">
+                          <a:effectLst/>
+                          <a:latin typeface="Adobe Clean" panose="020B0503020404020204" pitchFamily="34" charset="0"/>
+                        </a:rPr>
+                        <a:t>規劃</a:t>
+                      </a:r>
+                      <a:endParaRPr lang="ko-KR" altLang="en-US" sz="800" b="0" i="0" u="none" strike="noStrike" dirty="0">
+                        <a:solidFill>
+                          <a:srgbClr val="000000"/>
+                        </a:solidFill>
+                        <a:effectLst/>
+                        <a:latin typeface="Adobe Clean" panose="020B0503020404020204" pitchFamily="34" charset="0"/>
+                      </a:endParaRPr>
+                    </a:p>
+                  </a:txBody>
+                  <a:tcPr marL="9525" marR="9525" marT="9525" marB="0">
+                    <a:solidFill>
+                      <a:schemeClr val="bg1"/>
+                    </a:solidFill>
+                  </a:tcPr>
+                </a:tc>
+                <a:extLst>
+                  <a:ext uri="{0D108BD9-81ED-4DB2-BD59-A6C34878D82A}">
+                    <a16:rowId xmlns:a16="http://schemas.microsoft.com/office/drawing/2014/main" val="2771767287"/>
+                  </a:ext>
+                </a:extLst>
+              </a:tr>
+            </a:tbl>
+          </a:graphicData>
+        </a:graphic>
+      </p:graphicFrame>
+      <p:graphicFrame>
+        <p:nvGraphicFramePr>
+          <p:cNvPr id="50" name="Table 49">
+            <a:extLst>
+              <a:ext uri="{FF2B5EF4-FFF2-40B4-BE49-F238E27FC236}">
+                <a16:creationId xmlns:a16="http://schemas.microsoft.com/office/drawing/2014/main" id="{9F217B3A-90E1-5E44-B78A-AE1880016A64}"/>
+              </a:ext>
+            </a:extLst>
+          </p:cNvPr>
+          <p:cNvGraphicFramePr>
+            <a:graphicFrameLocks noGrp="1"/>
+          </p:cNvGraphicFramePr>
+          <p:nvPr>
+            <p:extLst>
+              <p:ext uri="{D42A27DB-BD31-4B8C-83A1-F6EECF244321}">
+                <p14:modId xmlns:p14="http://schemas.microsoft.com/office/powerpoint/2010/main" val="3488793164"/>
+              </p:ext>
+            </p:extLst>
+          </p:nvPr>
+        </p:nvGraphicFramePr>
+        <p:xfrm>
+          <a:off x="609600" y="6650065"/>
+          <a:ext cx="609600" cy="497205"/>
+        </p:xfrm>
+        <a:graphic>
+          <a:graphicData uri="http://schemas.openxmlformats.org/drawingml/2006/table">
+            <a:tbl>
+              <a:tblPr>
+                <a:tableStyleId>{5C22544A-7EE6-4342-B048-85BDC9FD1C3A}</a:tableStyleId>
+              </a:tblPr>
+              <a:tblGrid>
+                <a:gridCol w="609600">
+                  <a:extLst>
+                    <a:ext uri="{9D8B030D-6E8A-4147-A177-3AD203B41FA5}">
+                      <a16:colId xmlns:a16="http://schemas.microsoft.com/office/drawing/2014/main" val="1835503658"/>
+                    </a:ext>
+                  </a:extLst>
+                </a:gridCol>
+              </a:tblGrid>
+              <a:tr h="457200">
+                <a:tc>
+                  <a:txBody>
+                    <a:bodyPr/>
+                    <a:lstStyle/>
+                    <a:p>
+                      <a:pPr algn="ctr" fontAlgn="b"/>
+                      <a:r>
+                        <a:rPr lang="ko-KR" altLang="en-US" sz="800" u="none" strike="noStrike" dirty="0" err="1">
+                          <a:effectLst/>
+                          <a:latin typeface="Adobe Clean" panose="020B0503020404020204" pitchFamily="34" charset="0"/>
+                        </a:rPr>
+                        <a:t>從數以千計的部署和整合中獲得經驗</a:t>
+                      </a:r>
+                      <a:endParaRPr lang="ko-KR" altLang="en-US" sz="800" b="0" i="0" u="none" strike="noStrike" dirty="0">
+                        <a:solidFill>
+                          <a:srgbClr val="000000"/>
+                        </a:solidFill>
+                        <a:effectLst/>
+                        <a:latin typeface="Adobe Clean" panose="020B0503020404020204" pitchFamily="34" charset="0"/>
+                      </a:endParaRPr>
+                    </a:p>
+                  </a:txBody>
+                  <a:tcPr marL="9525" marR="9525" marT="9525" marB="0">
+                    <a:solidFill>
+                      <a:schemeClr val="bg1"/>
+                    </a:solidFill>
+                  </a:tcPr>
+                </a:tc>
+                <a:extLst>
+                  <a:ext uri="{0D108BD9-81ED-4DB2-BD59-A6C34878D82A}">
+                    <a16:rowId xmlns:a16="http://schemas.microsoft.com/office/drawing/2014/main" val="2771767287"/>
+                  </a:ext>
+                </a:extLst>
+              </a:tr>
+            </a:tbl>
+          </a:graphicData>
+        </a:graphic>
+      </p:graphicFrame>
     </p:spTree>
     <p:extLst>
       <p:ext uri="{BB962C8B-B14F-4D97-AF65-F5344CB8AC3E}">
@@ -15031,17 +13451,17 @@
               </a:lnSpc>
             </a:pPr>
             <a:r>
-              <a:rPr sz="500" spc="-5">
+              <a:rPr lang="de-de" sz="500" spc="-5">
                 <a:solidFill>
                   <a:srgbClr val="6C6C6C"/>
                 </a:solidFill>
                 <a:latin typeface="Adobe Clean"/>
                 <a:cs typeface="Adobe Clean"/>
               </a:rPr>
-              <a:t>©2020 Adobe. All Rights Reserved. </a:t>
-            </a:r>
-            <a:r>
-              <a:rPr sz="500">
+              <a:t>© 2020 Adobe. All rights reserved.</a:t>
+            </a:r>
+            <a:r>
+              <a:rPr lang="de-de" sz="500">
                 <a:solidFill>
                   <a:srgbClr val="6C6C6C"/>
                 </a:solidFill>
@@ -15051,7 +13471,7 @@
               <a:t>Adobe</a:t>
             </a:r>
             <a:r>
-              <a:rPr sz="500" spc="5">
+              <a:rPr lang="de-de" sz="500" spc="5">
                 <a:solidFill>
                   <a:srgbClr val="6C6C6C"/>
                 </a:solidFill>
@@ -15061,14 +13481,14 @@
               <a:t> </a:t>
             </a:r>
             <a:r>
-              <a:rPr sz="500" spc="-5">
+              <a:rPr lang="de-de" sz="500" spc="-5">
                 <a:solidFill>
                   <a:srgbClr val="6C6C6C"/>
                 </a:solidFill>
                 <a:latin typeface="Adobe Clean"/>
                 <a:cs typeface="Adobe Clean"/>
               </a:rPr>
-              <a:t>Confidential.</a:t>
+              <a:t> 機密資訊。</a:t>
             </a:r>
             <a:endParaRPr sz="500">
               <a:latin typeface="Adobe Clean"/>
@@ -15099,17 +13519,17 @@
               </a:spcBef>
             </a:pPr>
             <a:r>
-              <a:rPr sz="800" spc="-5">
+              <a:rPr lang="de-de" sz="800" spc="-5">
                 <a:solidFill>
                   <a:srgbClr val="6D6D6D"/>
                 </a:solidFill>
                 <a:latin typeface="Adobe Clean"/>
                 <a:cs typeface="Adobe Clean"/>
               </a:rPr>
-              <a:t>©2020 Adobe. All Rights Reserved. Adobe</a:t>
-            </a:r>
-            <a:r>
-              <a:rPr sz="800" spc="75">
+              <a:t>© 2020 Adobe. All rights reserved.Adobe</a:t>
+            </a:r>
+            <a:r>
+              <a:rPr lang="de-de" sz="800" spc="75">
                 <a:solidFill>
                   <a:srgbClr val="6D6D6D"/>
                 </a:solidFill>
@@ -15119,14 +13539,14 @@
               <a:t> </a:t>
             </a:r>
             <a:r>
-              <a:rPr sz="800" spc="-5">
+              <a:rPr lang="de-de" sz="800" spc="-5">
                 <a:solidFill>
                   <a:srgbClr val="6D6D6D"/>
                 </a:solidFill>
                 <a:latin typeface="Adobe Clean"/>
                 <a:cs typeface="Adobe Clean"/>
               </a:rPr>
-              <a:t>Confidential.</a:t>
+              <a:t>機密資訊。</a:t>
             </a:r>
             <a:endParaRPr sz="800">
               <a:latin typeface="Adobe Clean"/>
@@ -15193,7 +13613,7 @@
         </p:nvSpPr>
         <p:spPr>
           <a:xfrm>
-            <a:off x="170410" y="575594"/>
+            <a:off x="1070991" y="562540"/>
             <a:ext cx="3476626" cy="332783"/>
           </a:xfrm>
           <a:prstGeom prst="rect">
@@ -15215,14 +13635,14 @@
               </a:spcBef>
             </a:pPr>
             <a:r>
-              <a:rPr lang="en-US" sz="1400" b="1" spc="-15">
+              <a:rPr lang="de-de" sz="1400" b="1" spc="-15">
                 <a:solidFill>
                   <a:srgbClr val="020302"/>
                 </a:solidFill>
                 <a:latin typeface="Adobe Clean"/>
                 <a:cs typeface="Adobe Clean"/>
               </a:rPr>
-              <a:t>Resources</a:t>
+              <a:t>資源</a:t>
             </a:r>
             <a:endParaRPr sz="1400">
               <a:latin typeface="Adobe Clean"/>
@@ -15261,7 +13681,7 @@
               </a:spcBef>
             </a:pPr>
             <a:r>
-              <a:rPr sz="800" spc="-15">
+              <a:rPr lang="de-de" sz="800" spc="-15">
                 <a:solidFill>
                   <a:srgbClr val="777879"/>
                 </a:solidFill>
@@ -15282,7 +13702,7 @@
               </a:lnSpc>
             </a:pPr>
             <a:r>
-              <a:rPr sz="800" spc="-15">
+              <a:rPr lang="de-de" sz="800" spc="-15">
                 <a:solidFill>
                   <a:srgbClr val="777879"/>
                 </a:solidFill>
@@ -15292,7 +13712,7 @@
               <a:t>345 Park</a:t>
             </a:r>
             <a:r>
-              <a:rPr sz="800" spc="-100">
+              <a:rPr lang="de-de" sz="800" spc="-100">
                 <a:solidFill>
                   <a:srgbClr val="777879"/>
                 </a:solidFill>
@@ -15302,7 +13722,7 @@
               <a:t> </a:t>
             </a:r>
             <a:r>
-              <a:rPr sz="800" spc="-15">
+              <a:rPr lang="de-de" sz="800" spc="-15">
                 <a:solidFill>
                   <a:srgbClr val="777879"/>
                 </a:solidFill>
@@ -15323,7 +13743,7 @@
               </a:lnSpc>
             </a:pPr>
             <a:r>
-              <a:rPr sz="800" spc="-10">
+              <a:rPr lang="de-de" sz="800" spc="-10">
                 <a:solidFill>
                   <a:srgbClr val="777879"/>
                 </a:solidFill>
@@ -15333,7 +13753,7 @@
               <a:t>San </a:t>
             </a:r>
             <a:r>
-              <a:rPr sz="800" spc="-15">
+              <a:rPr lang="de-de" sz="800" spc="-15">
                 <a:solidFill>
                   <a:srgbClr val="777879"/>
                 </a:solidFill>
@@ -15343,7 +13763,7 @@
               <a:t>Jose,</a:t>
             </a:r>
             <a:r>
-              <a:rPr sz="800" spc="-140">
+              <a:rPr lang="de-de" sz="800" spc="-140">
                 <a:solidFill>
                   <a:srgbClr val="777879"/>
                 </a:solidFill>
@@ -15353,7 +13773,7 @@
               <a:t> </a:t>
             </a:r>
             <a:r>
-              <a:rPr sz="800" spc="-20">
+              <a:rPr lang="de-de" sz="800" spc="-20">
                 <a:solidFill>
                   <a:srgbClr val="777879"/>
                 </a:solidFill>
@@ -15377,7 +13797,7 @@
               </a:spcBef>
             </a:pPr>
             <a:r>
-              <a:rPr sz="800" spc="-10">
+              <a:rPr lang="de-de" sz="800" spc="-10">
                 <a:solidFill>
                   <a:srgbClr val="777879"/>
                 </a:solidFill>
@@ -15401,7 +13821,7 @@
               </a:spcBef>
             </a:pPr>
             <a:r>
-              <a:rPr sz="800" u="sng" spc="-25">
+              <a:rPr lang="de-de" sz="800" u="sng" spc="-25">
                 <a:solidFill>
                   <a:srgbClr val="5F5F5F"/>
                 </a:solidFill>
@@ -15414,7 +13834,7 @@
                 <a:cs typeface="Adobe Clean"/>
                 <a:hlinkClick r:id="rId3"/>
               </a:rPr>
-              <a:t>www.adobe.com</a:t>
+              <a:t>www.adobe.com/tw/</a:t>
             </a:r>
             <a:endParaRPr sz="800">
               <a:latin typeface="Adobe Clean"/>
@@ -15580,7 +14000,7 @@
           </a:prstGeom>
         </p:spPr>
         <p:txBody>
-          <a:bodyPr vert="horz" wrap="square" lIns="0" tIns="29845" rIns="0" bIns="0" rtlCol="0" anchor="t">
+          <a:bodyPr vert="horz" wrap="square" lIns="0" tIns="29845" rIns="0" bIns="0" rtlCol="0">
             <a:spAutoFit/>
           </a:bodyPr>
           <a:lstStyle/>
@@ -15594,17 +14014,27 @@
               </a:spcBef>
             </a:pPr>
             <a:r>
-              <a:rPr sz="1100" i="1" spc="-10" dirty="0">
+              <a:rPr lang="de-de" sz="1100" i="1" spc="-10">
                 <a:solidFill>
                   <a:srgbClr val="777879"/>
                 </a:solidFill>
                 <a:latin typeface="AdobeClean-LightIt"/>
                 <a:cs typeface="AdobeClean-LightIt"/>
               </a:rPr>
-              <a:t>To</a:t>
-            </a:r>
-            <a:r>
-              <a:rPr sz="1100" i="1" spc="-50" dirty="0">
+              <a:t>如需</a:t>
+            </a:r>
+            <a:r>
+              <a:rPr lang="de-de" sz="1100" i="1" spc="-15">
+                <a:solidFill>
+                  <a:srgbClr val="777879"/>
+                </a:solidFill>
+                <a:latin typeface="AdobeClean-LightIt"/>
+                <a:cs typeface="AdobeClean-LightIt"/>
+              </a:rPr>
+              <a:t>了解</a:t>
+            </a:r>
+            <a:r>
+              <a:rPr lang="de-de" sz="1100" i="1" spc="-40">
                 <a:solidFill>
                   <a:srgbClr val="777879"/>
                 </a:solidFill>
@@ -15614,17 +14044,7 @@
               <a:t> </a:t>
             </a:r>
             <a:r>
-              <a:rPr sz="1100" i="1" spc="-15" dirty="0">
-                <a:solidFill>
-                  <a:srgbClr val="777879"/>
-                </a:solidFill>
-                <a:latin typeface="AdobeClean-LightIt"/>
-                <a:cs typeface="AdobeClean-LightIt"/>
-              </a:rPr>
-              <a:t>learn</a:t>
-            </a:r>
-            <a:r>
-              <a:rPr sz="1100" i="1" spc="-40" dirty="0">
+              <a:rPr lang="de-de" sz="1100" i="1" spc="-45">
                 <a:solidFill>
                   <a:srgbClr val="777879"/>
                 </a:solidFill>
@@ -15634,17 +14054,17 @@
               <a:t> </a:t>
             </a:r>
             <a:r>
-              <a:rPr sz="1100" i="1" spc="-15" dirty="0">
+              <a:rPr lang="de-de" sz="1100" i="1" spc="-15">
                 <a:solidFill>
                   <a:srgbClr val="777879"/>
                 </a:solidFill>
                 <a:latin typeface="AdobeClean-LightIt"/>
                 <a:cs typeface="AdobeClean-LightIt"/>
               </a:rPr>
-              <a:t>more</a:t>
-            </a:r>
-            <a:r>
-              <a:rPr sz="1100" i="1" spc="-45" dirty="0">
+              <a:t>Adobe</a:t>
+            </a:r>
+            <a:r>
+              <a:rPr lang="de-de" sz="1100" i="1" spc="-50">
                 <a:solidFill>
                   <a:srgbClr val="777879"/>
                 </a:solidFill>
@@ -15654,307 +14074,57 @@
               <a:t> </a:t>
             </a:r>
             <a:r>
-              <a:rPr sz="1100" i="1" spc="-15" dirty="0">
+              <a:rPr lang="de-de" sz="1100" i="1" spc="-15">
                 <a:solidFill>
                   <a:srgbClr val="777879"/>
                 </a:solidFill>
                 <a:latin typeface="AdobeClean-LightIt"/>
                 <a:cs typeface="AdobeClean-LightIt"/>
               </a:rPr>
-              <a:t>about</a:t>
-            </a:r>
-            <a:r>
-              <a:rPr sz="1100" i="1" spc="-45" dirty="0">
+              <a:t>支援方案</a:t>
+            </a:r>
+            <a:r>
+              <a:rPr lang="de-de" sz="1100" i="1" spc="-75">
                 <a:solidFill>
                   <a:srgbClr val="777879"/>
                 </a:solidFill>
                 <a:latin typeface="AdobeClean-LightIt"/>
                 <a:cs typeface="AdobeClean-LightIt"/>
               </a:rPr>
-              <a:t> </a:t>
-            </a:r>
-            <a:r>
-              <a:rPr sz="1100" i="1" spc="-15" dirty="0">
+              <a:t>的詳細資訊</a:t>
+            </a:r>
+            <a:r>
+              <a:rPr lang="de-de" sz="1100" i="1" spc="-15">
                 <a:solidFill>
                   <a:srgbClr val="777879"/>
                 </a:solidFill>
                 <a:latin typeface="AdobeClean-LightIt"/>
                 <a:cs typeface="AdobeClean-LightIt"/>
               </a:rPr>
-              <a:t>Adobe</a:t>
-            </a:r>
-            <a:r>
-              <a:rPr sz="1100" i="1" spc="-50" dirty="0">
+              <a:t>以及適合您的層級，請聯絡您指定的</a:t>
+            </a:r>
+            <a:r>
+              <a:rPr lang="de-de" sz="1100" i="1" spc="-25">
                 <a:solidFill>
                   <a:srgbClr val="777879"/>
                 </a:solidFill>
                 <a:latin typeface="AdobeClean-LightIt"/>
                 <a:cs typeface="AdobeClean-LightIt"/>
               </a:rPr>
-              <a:t> </a:t>
-            </a:r>
-            <a:r>
-              <a:rPr sz="1100" i="1" spc="-15" dirty="0">
+              <a:t>帳戶</a:t>
+            </a:r>
+            <a:r>
+              <a:rPr lang="de-de" sz="1100" i="1" spc="-20">
                 <a:solidFill>
                   <a:srgbClr val="777879"/>
                 </a:solidFill>
                 <a:latin typeface="AdobeClean-LightIt"/>
                 <a:cs typeface="AdobeClean-LightIt"/>
               </a:rPr>
-              <a:t>Support</a:t>
-            </a:r>
-            <a:r>
-              <a:rPr lang="en-US" sz="1100" i="1" spc="-15" dirty="0">
-                <a:solidFill>
-                  <a:srgbClr val="777879"/>
-                </a:solidFill>
-                <a:latin typeface="AdobeClean-LightIt"/>
-                <a:cs typeface="AdobeClean-LightIt"/>
-              </a:rPr>
-              <a:t> Offerings</a:t>
-            </a:r>
-            <a:r>
-              <a:rPr sz="1100" i="1" spc="-75" dirty="0">
-                <a:solidFill>
-                  <a:srgbClr val="777879"/>
-                </a:solidFill>
-                <a:latin typeface="AdobeClean-LightIt"/>
-                <a:cs typeface="AdobeClean-LightIt"/>
-              </a:rPr>
-              <a:t> </a:t>
-            </a:r>
-            <a:r>
-              <a:rPr sz="1100" i="1" spc="-15" dirty="0">
-                <a:solidFill>
-                  <a:srgbClr val="777879"/>
-                </a:solidFill>
-                <a:latin typeface="AdobeClean-LightIt"/>
-                <a:cs typeface="AdobeClean-LightIt"/>
-              </a:rPr>
-              <a:t>and</a:t>
-            </a:r>
-            <a:r>
-              <a:rPr sz="1100" i="1" spc="-50" dirty="0">
-                <a:solidFill>
-                  <a:srgbClr val="777879"/>
-                </a:solidFill>
-                <a:latin typeface="AdobeClean-LightIt"/>
-                <a:cs typeface="AdobeClean-LightIt"/>
-              </a:rPr>
-              <a:t> </a:t>
-            </a:r>
-            <a:r>
-              <a:rPr sz="1100" i="1" spc="-15" dirty="0">
-                <a:solidFill>
-                  <a:srgbClr val="777879"/>
-                </a:solidFill>
-                <a:latin typeface="AdobeClean-LightIt"/>
-                <a:cs typeface="AdobeClean-LightIt"/>
-              </a:rPr>
-              <a:t>the</a:t>
-            </a:r>
-            <a:r>
-              <a:rPr sz="1100" i="1" spc="-55" dirty="0">
-                <a:solidFill>
-                  <a:srgbClr val="777879"/>
-                </a:solidFill>
-                <a:latin typeface="AdobeClean-LightIt"/>
-                <a:cs typeface="AdobeClean-LightIt"/>
-              </a:rPr>
-              <a:t> </a:t>
-            </a:r>
-            <a:r>
-              <a:rPr sz="1100" i="1" spc="-15" dirty="0">
-                <a:solidFill>
-                  <a:srgbClr val="777879"/>
-                </a:solidFill>
-                <a:latin typeface="AdobeClean-LightIt"/>
-                <a:cs typeface="AdobeClean-LightIt"/>
-              </a:rPr>
-              <a:t>right</a:t>
-            </a:r>
-            <a:r>
-              <a:rPr sz="1100" i="1" spc="-95" dirty="0">
-                <a:solidFill>
-                  <a:srgbClr val="777879"/>
-                </a:solidFill>
-                <a:latin typeface="AdobeClean-LightIt"/>
-                <a:cs typeface="AdobeClean-LightIt"/>
-              </a:rPr>
-              <a:t> </a:t>
-            </a:r>
-            <a:r>
-              <a:rPr sz="1100" i="1" spc="-15" dirty="0">
-                <a:solidFill>
-                  <a:srgbClr val="777879"/>
-                </a:solidFill>
-                <a:latin typeface="AdobeClean-LightIt"/>
-                <a:cs typeface="AdobeClean-LightIt"/>
-              </a:rPr>
-              <a:t>level</a:t>
-            </a:r>
-            <a:r>
-              <a:rPr sz="1100" i="1" spc="-55" dirty="0">
-                <a:solidFill>
-                  <a:srgbClr val="777879"/>
-                </a:solidFill>
-                <a:latin typeface="AdobeClean-LightIt"/>
-                <a:cs typeface="AdobeClean-LightIt"/>
-              </a:rPr>
-              <a:t> </a:t>
-            </a:r>
-            <a:r>
-              <a:rPr sz="1100" i="1" spc="-15" dirty="0">
-                <a:solidFill>
-                  <a:srgbClr val="777879"/>
-                </a:solidFill>
-                <a:latin typeface="AdobeClean-LightIt"/>
-                <a:cs typeface="AdobeClean-LightIt"/>
-              </a:rPr>
-              <a:t>for</a:t>
-            </a:r>
-            <a:r>
-              <a:rPr sz="1100" i="1" spc="-85" dirty="0">
-                <a:solidFill>
-                  <a:srgbClr val="777879"/>
-                </a:solidFill>
-                <a:latin typeface="AdobeClean-LightIt"/>
-                <a:cs typeface="AdobeClean-LightIt"/>
-              </a:rPr>
-              <a:t> </a:t>
-            </a:r>
-            <a:r>
-              <a:rPr sz="1100" i="1" spc="-15" dirty="0">
-                <a:solidFill>
-                  <a:srgbClr val="777879"/>
-                </a:solidFill>
-                <a:latin typeface="AdobeClean-LightIt"/>
-                <a:cs typeface="AdobeClean-LightIt"/>
-              </a:rPr>
-              <a:t>you,</a:t>
-            </a:r>
-            <a:r>
-              <a:rPr sz="1100" i="1" spc="-65" dirty="0">
-                <a:solidFill>
-                  <a:srgbClr val="777879"/>
-                </a:solidFill>
-                <a:latin typeface="AdobeClean-LightIt"/>
-                <a:cs typeface="AdobeClean-LightIt"/>
-              </a:rPr>
-              <a:t> </a:t>
-            </a:r>
-            <a:r>
-              <a:rPr sz="1100" i="1" spc="-15" dirty="0">
-                <a:solidFill>
-                  <a:srgbClr val="777879"/>
-                </a:solidFill>
-                <a:latin typeface="AdobeClean-LightIt"/>
-                <a:cs typeface="AdobeClean-LightIt"/>
-              </a:rPr>
-              <a:t>contact</a:t>
-            </a:r>
-            <a:r>
-              <a:rPr sz="1100" i="1" spc="-85" dirty="0">
-                <a:solidFill>
-                  <a:srgbClr val="777879"/>
-                </a:solidFill>
-                <a:latin typeface="AdobeClean-LightIt"/>
-                <a:cs typeface="AdobeClean-LightIt"/>
-              </a:rPr>
-              <a:t> </a:t>
-            </a:r>
-            <a:r>
-              <a:rPr sz="1100" i="1" spc="-15" dirty="0">
-                <a:solidFill>
-                  <a:srgbClr val="777879"/>
-                </a:solidFill>
-                <a:latin typeface="AdobeClean-LightIt"/>
-                <a:cs typeface="AdobeClean-LightIt"/>
-              </a:rPr>
-              <a:t>your</a:t>
-            </a:r>
-            <a:r>
-              <a:rPr sz="1100" i="1" spc="-70" dirty="0">
-                <a:solidFill>
-                  <a:srgbClr val="777879"/>
-                </a:solidFill>
-                <a:latin typeface="AdobeClean-LightIt"/>
-                <a:cs typeface="AdobeClean-LightIt"/>
-              </a:rPr>
-              <a:t> </a:t>
-            </a:r>
-            <a:r>
-              <a:rPr sz="1100" i="1" spc="-15" dirty="0">
-                <a:solidFill>
-                  <a:srgbClr val="777879"/>
-                </a:solidFill>
-                <a:latin typeface="AdobeClean-LightIt"/>
-                <a:cs typeface="AdobeClean-LightIt"/>
-              </a:rPr>
-              <a:t>Named</a:t>
-            </a:r>
-            <a:r>
-              <a:rPr sz="1100" i="1" spc="-55" dirty="0">
-                <a:solidFill>
-                  <a:srgbClr val="777879"/>
-                </a:solidFill>
-                <a:latin typeface="AdobeClean-LightIt"/>
-                <a:cs typeface="AdobeClean-LightIt"/>
-              </a:rPr>
-              <a:t> </a:t>
-            </a:r>
-            <a:r>
-              <a:rPr sz="1100" i="1" spc="-25" dirty="0">
-                <a:solidFill>
-                  <a:srgbClr val="777879"/>
-                </a:solidFill>
-                <a:latin typeface="AdobeClean-LightIt"/>
-                <a:cs typeface="AdobeClean-LightIt"/>
-              </a:rPr>
-              <a:t>Account</a:t>
-            </a:r>
-            <a:r>
-              <a:rPr sz="1100" i="1" spc="-120" dirty="0">
-                <a:solidFill>
-                  <a:srgbClr val="777879"/>
-                </a:solidFill>
-                <a:latin typeface="AdobeClean-LightIt"/>
-                <a:cs typeface="AdobeClean-LightIt"/>
-              </a:rPr>
-              <a:t> </a:t>
-            </a:r>
-            <a:r>
-              <a:rPr sz="1100" i="1" spc="-20" dirty="0">
-                <a:solidFill>
-                  <a:srgbClr val="777879"/>
-                </a:solidFill>
-                <a:latin typeface="AdobeClean-LightIt"/>
-                <a:cs typeface="AdobeClean-LightIt"/>
-              </a:rPr>
-              <a:t>Manager</a:t>
-            </a:r>
-            <a:r>
-              <a:rPr lang="en-US" sz="1100" i="1" spc="-20" dirty="0">
-                <a:solidFill>
-                  <a:srgbClr val="777879"/>
-                </a:solidFill>
-                <a:latin typeface="AdobeClean-LightIt"/>
-                <a:cs typeface="AdobeClean-LightIt"/>
-              </a:rPr>
-              <a:t> </a:t>
-            </a:r>
-            <a:r>
-              <a:rPr sz="1100" i="1" spc="-20" dirty="0">
-                <a:solidFill>
-                  <a:srgbClr val="777879"/>
-                </a:solidFill>
-                <a:latin typeface="AdobeClean-LightIt"/>
-                <a:cs typeface="AdobeClean-LightIt"/>
-              </a:rPr>
-              <a:t> </a:t>
-            </a:r>
-            <a:r>
-              <a:rPr sz="1100" i="1" spc="-15" dirty="0">
+              <a:t>經理 </a:t>
+            </a:r>
+            <a:r>
+              <a:rPr lang="de-de" sz="1100" i="1" spc="-15">
                 <a:solidFill>
                   <a:srgbClr val="777879"/>
                 </a:solidFill>
@@ -15964,74 +14134,44 @@
               <a:t>(NAM) </a:t>
             </a:r>
             <a:r>
-              <a:rPr sz="1100" i="1" spc="-10" dirty="0">
+              <a:rPr lang="de-de" sz="1100" i="1" spc="-10">
                 <a:solidFill>
                   <a:srgbClr val="777879"/>
                 </a:solidFill>
                 <a:latin typeface="AdobeClean-LightIt"/>
                 <a:cs typeface="AdobeClean-LightIt"/>
               </a:rPr>
-              <a:t>or </a:t>
-            </a:r>
-            <a:r>
-              <a:rPr sz="1100" i="1" spc="-15" dirty="0">
+              <a:t>或</a:t>
+            </a:r>
+            <a:r>
+              <a:rPr lang="de-de" sz="1100" i="1" spc="-15">
                 <a:solidFill>
                   <a:srgbClr val="777879"/>
                 </a:solidFill>
                 <a:latin typeface="AdobeClean-LightIt"/>
                 <a:cs typeface="AdobeClean-LightIt"/>
               </a:rPr>
-              <a:t>Customer </a:t>
-            </a:r>
-            <a:r>
-              <a:rPr sz="1100" i="1" spc="-20" dirty="0">
+              <a:t>客戶</a:t>
+            </a:r>
+            <a:r>
+              <a:rPr lang="de-de" sz="1100" i="1" spc="-20">
                 <a:solidFill>
                   <a:srgbClr val="777879"/>
                 </a:solidFill>
                 <a:latin typeface="AdobeClean-LightIt"/>
                 <a:cs typeface="AdobeClean-LightIt"/>
               </a:rPr>
-              <a:t>Success</a:t>
-            </a:r>
-            <a:r>
-              <a:rPr sz="1100" i="1" spc="-180" dirty="0">
+              <a:t>成功</a:t>
+            </a:r>
+            <a:r>
+              <a:rPr lang="de-de" sz="1100" i="1" spc="-15">
                 <a:solidFill>
                   <a:srgbClr val="777879"/>
                 </a:solidFill>
                 <a:latin typeface="AdobeClean-LightIt"/>
                 <a:cs typeface="AdobeClean-LightIt"/>
               </a:rPr>
-              <a:t> </a:t>
-            </a:r>
-            <a:r>
-              <a:rPr sz="1100" i="1" spc="-15" dirty="0">
-                <a:solidFill>
-                  <a:srgbClr val="777879"/>
-                </a:solidFill>
-                <a:latin typeface="AdobeClean-LightIt"/>
-                <a:cs typeface="AdobeClean-LightIt"/>
-              </a:rPr>
-              <a:t>Manager</a:t>
-            </a:r>
-            <a:r>
-              <a:rPr lang="en-US" sz="1100" i="1" spc="-15" dirty="0">
-                <a:solidFill>
-                  <a:srgbClr val="777879"/>
-                </a:solidFill>
-                <a:latin typeface="AdobeClean-LightIt"/>
-                <a:cs typeface="AdobeClean-LightIt"/>
-              </a:rPr>
-              <a:t> </a:t>
-            </a:r>
-            <a:r>
-              <a:rPr sz="1100" i="1" spc="-15" dirty="0">
-                <a:solidFill>
-                  <a:srgbClr val="777879"/>
-                </a:solidFill>
-                <a:latin typeface="AdobeClean-LightIt"/>
-                <a:cs typeface="AdobeClean-LightIt"/>
-              </a:rPr>
-              <a:t>(CSM)</a:t>
+              <a:t>經理 (CSM)</a:t>
             </a:r>
             <a:endParaRPr sz="1100" dirty="0">
               <a:latin typeface="AdobeClean-LightIt"/>
@@ -16048,37 +14188,17 @@
               </a:spcBef>
             </a:pPr>
             <a:r>
-              <a:rPr sz="800" spc="-5" dirty="0">
+              <a:rPr lang="de-de" sz="800" spc="-5" dirty="0">
                 <a:solidFill>
                   <a:srgbClr val="6D6D6D"/>
                 </a:solidFill>
                 <a:latin typeface="Adobe Clean"/>
                 <a:cs typeface="Adobe Clean"/>
               </a:rPr>
-              <a:t>©202</a:t>
-            </a:r>
-            <a:r>
-              <a:rPr lang="en-US" sz="800" spc="-5" dirty="0">
-                <a:solidFill>
-                  <a:srgbClr val="6D6D6D"/>
-                </a:solidFill>
-                <a:latin typeface="Adobe Clean"/>
-                <a:cs typeface="Adobe Clean"/>
-              </a:rPr>
-              <a:t>1</a:t>
-            </a:r>
-            <a:r>
-              <a:rPr sz="800" spc="-5" dirty="0">
-                <a:solidFill>
-                  <a:srgbClr val="6D6D6D"/>
-                </a:solidFill>
-                <a:latin typeface="Adobe Clean"/>
-                <a:cs typeface="Adobe Clean"/>
-              </a:rPr>
-              <a:t> Adobe. All Rights Reserved. Adobe</a:t>
-            </a:r>
-            <a:r>
-              <a:rPr sz="800" spc="75" dirty="0">
+              <a:t>©2021 Adobe。All rights reserved.Adobe</a:t>
+            </a:r>
+            <a:r>
+              <a:rPr lang="de-de" sz="800" spc="75" dirty="0">
                 <a:solidFill>
                   <a:srgbClr val="6D6D6D"/>
                 </a:solidFill>
@@ -16088,14 +14208,14 @@
               <a:t> </a:t>
             </a:r>
             <a:r>
-              <a:rPr sz="800" spc="-5" dirty="0">
+              <a:rPr lang="de-de" sz="800" spc="-5" dirty="0">
                 <a:solidFill>
                   <a:srgbClr val="6D6D6D"/>
                 </a:solidFill>
                 <a:latin typeface="Adobe Clean"/>
                 <a:cs typeface="Adobe Clean"/>
               </a:rPr>
-              <a:t>Confidential.</a:t>
+              <a:t>機密資訊。</a:t>
             </a:r>
             <a:endParaRPr sz="800" dirty="0">
               <a:latin typeface="Adobe Clean"/>
@@ -16118,7 +14238,7 @@
         </p:nvSpPr>
         <p:spPr>
           <a:xfrm>
-            <a:off x="190707" y="4913781"/>
+            <a:off x="171129" y="5057379"/>
             <a:ext cx="6476646" cy="755976"/>
           </a:xfrm>
           <a:prstGeom prst="rect">
@@ -16126,47 +14246,126 @@
           </a:prstGeom>
         </p:spPr>
         <p:txBody>
-          <a:bodyPr vert="horz" wrap="square" lIns="0" tIns="116205" rIns="0" bIns="0" rtlCol="0" anchor="t">
+          <a:bodyPr vert="horz" wrap="square" lIns="0" tIns="116205" rIns="0" bIns="0" rtlCol="0">
             <a:spAutoFit/>
           </a:bodyPr>
           <a:lstStyle/>
           <a:p>
-            <a:pPr>
+            <a:pPr lvl="0">
               <a:spcBef>
                 <a:spcPts val="915"/>
               </a:spcBef>
             </a:pPr>
             <a:r>
-              <a:rPr lang="en-US" sz="1400" b="1" spc="-15">
+              <a:rPr lang="en-US" altLang="zh-TW" sz="1400" b="1" spc="-15" dirty="0">
                 <a:solidFill>
                   <a:srgbClr val="020302"/>
                 </a:solidFill>
                 <a:latin typeface="Adobe Clean"/>
                 <a:cs typeface="Adobe Clean"/>
               </a:rPr>
-              <a:t>Regional scope of Adobe Support, Local Hours Of Operation And Language Support</a:t>
-            </a:r>
-            <a:endParaRPr lang="en-US" sz="1400" spc="-15">
-              <a:ea typeface="+mn-lt"/>
-              <a:cs typeface="+mn-lt"/>
+              <a:t>Adobe </a:t>
+            </a:r>
+            <a:r>
+              <a:rPr lang="zh-TW" altLang="en-US" sz="1400" b="1" spc="-15" dirty="0">
+                <a:solidFill>
+                  <a:srgbClr val="020302"/>
+                </a:solidFill>
+                <a:latin typeface="Adobe Clean"/>
+                <a:cs typeface="Adobe Clean"/>
+              </a:rPr>
+              <a:t>支援的區域範圍、當地營業時間和語言支援</a:t>
+            </a:r>
+            <a:endParaRPr lang="pl-PL" altLang="zh-TW" sz="1400" b="1" spc="-15" dirty="0">
+              <a:solidFill>
+                <a:srgbClr val="020302"/>
+              </a:solidFill>
+              <a:latin typeface="Adobe Clean"/>
+              <a:cs typeface="Adobe Clean"/>
             </a:endParaRPr>
           </a:p>
           <a:p>
-            <a:pPr>
+            <a:pPr lvl="0">
               <a:spcBef>
                 <a:spcPts val="915"/>
               </a:spcBef>
             </a:pPr>
             <a:r>
-              <a:rPr lang="en-US" sz="1000" spc="-15">
+              <a:rPr lang="en-US" altLang="zh-TW" sz="1000" spc="-15" dirty="0">
                 <a:solidFill>
                   <a:srgbClr val="1F1F1F"/>
                 </a:solidFill>
                 <a:latin typeface="AdobeClean-Light"/>
               </a:rPr>
-              <a:t>The regional scope of Adobe Support is established by aligning the customer's billing address (via the Sales Order or other Adobe Support purchasing document) to one of the following regions:</a:t>
-            </a:r>
-            <a:endParaRPr lang="en-US" sz="1000">
+              <a:t>Adobe </a:t>
+            </a:r>
+            <a:r>
+              <a:rPr lang="zh-TW" altLang="en-US" sz="1000" spc="-15" dirty="0">
+                <a:solidFill>
+                  <a:srgbClr val="1F1F1F"/>
+                </a:solidFill>
+                <a:latin typeface="AdobeClean-Light"/>
+              </a:rPr>
+              <a:t>支援的區域範圍是透過將客戶的帳單地址 </a:t>
+            </a:r>
+            <a:r>
+              <a:rPr lang="en-US" altLang="zh-TW" sz="1000" spc="-15" dirty="0">
+                <a:solidFill>
+                  <a:srgbClr val="1F1F1F"/>
+                </a:solidFill>
+                <a:latin typeface="AdobeClean-Light"/>
+              </a:rPr>
+              <a:t>(</a:t>
+            </a:r>
+            <a:r>
+              <a:rPr lang="zh-TW" altLang="en-US" sz="1000" spc="-15" dirty="0">
+                <a:solidFill>
+                  <a:srgbClr val="1F1F1F"/>
+                </a:solidFill>
+                <a:latin typeface="AdobeClean-Light"/>
+              </a:rPr>
+              <a:t>通過銷售訂單或其他 </a:t>
+            </a:r>
+            <a:r>
+              <a:rPr lang="en-US" altLang="zh-TW" sz="1000" spc="-15" dirty="0">
+                <a:solidFill>
+                  <a:srgbClr val="1F1F1F"/>
+                </a:solidFill>
+                <a:latin typeface="AdobeClean-Light"/>
+              </a:rPr>
+              <a:t>Adobe </a:t>
+            </a:r>
+            <a:r>
+              <a:rPr lang="zh-TW" altLang="en-US" sz="1000" spc="-15" dirty="0">
+                <a:solidFill>
+                  <a:srgbClr val="1F1F1F"/>
+                </a:solidFill>
+                <a:latin typeface="AdobeClean-Light"/>
+              </a:rPr>
+              <a:t>支援採購文件</a:t>
+            </a:r>
+            <a:r>
+              <a:rPr lang="en-US" altLang="zh-TW" sz="1000" spc="-15" dirty="0">
+                <a:solidFill>
+                  <a:srgbClr val="1F1F1F"/>
+                </a:solidFill>
+                <a:latin typeface="AdobeClean-Light"/>
+              </a:rPr>
+              <a:t>) </a:t>
+            </a:r>
+            <a:r>
+              <a:rPr lang="zh-TW" altLang="en-US" sz="1000" spc="-15" dirty="0">
+                <a:solidFill>
+                  <a:srgbClr val="1F1F1F"/>
+                </a:solidFill>
+                <a:latin typeface="AdobeClean-Light"/>
+              </a:rPr>
+              <a:t>歸納於以下區域之一來建立的：</a:t>
+            </a:r>
+            <a:endParaRPr lang="de-de" sz="1000" spc="-15" dirty="0">
+              <a:solidFill>
+                <a:srgbClr val="1F1F1F"/>
+              </a:solidFill>
               <a:latin typeface="AdobeClean-Light"/>
             </a:endParaRPr>
           </a:p>
@@ -16187,14 +14386,14 @@
           <p:nvPr>
             <p:extLst>
               <p:ext uri="{D42A27DB-BD31-4B8C-83A1-F6EECF244321}">
-                <p14:modId xmlns:p14="http://schemas.microsoft.com/office/powerpoint/2010/main" val="1291534283"/>
+                <p14:modId xmlns:p14="http://schemas.microsoft.com/office/powerpoint/2010/main" val="3866538785"/>
               </p:ext>
             </p:extLst>
           </p:nvPr>
         </p:nvGraphicFramePr>
         <p:xfrm>
           <a:off x="171128" y="5907213"/>
-          <a:ext cx="7391400" cy="1391920"/>
+          <a:ext cx="7391400" cy="1336040"/>
         </p:xfrm>
         <a:graphic>
           <a:graphicData uri="http://schemas.openxmlformats.org/drawingml/2006/table">
@@ -16240,13 +14439,13 @@
                     <a:p>
                       <a:pPr algn="ctr"/>
                       <a:r>
-                        <a:rPr lang="en-US" sz="1100">
+                        <a:rPr lang="de-de" sz="1100">
                           <a:solidFill>
                             <a:schemeClr val="tx1"/>
                           </a:solidFill>
-                          <a:latin typeface="Adobe Clean"/>
+                          <a:latin typeface="Adobe Clean" panose="020B0503020404020204" pitchFamily="34" charset="0"/>
                         </a:rPr>
-                        <a:t>Americas</a:t>
+                        <a:t>美洲</a:t>
                       </a:r>
                     </a:p>
                   </a:txBody>
@@ -16305,13 +14504,13 @@
                     <a:p>
                       <a:pPr algn="ctr"/>
                       <a:r>
-                        <a:rPr lang="en-US" sz="1100">
+                        <a:rPr lang="de-de" sz="1100">
                           <a:solidFill>
                             <a:schemeClr val="tx1"/>
                           </a:solidFill>
-                          <a:latin typeface="Adobe Clean"/>
+                          <a:latin typeface="Adobe Clean" panose="020B0503020404020204" pitchFamily="34" charset="0"/>
                         </a:rPr>
-                        <a:t>Europe, Middle East &amp; Africa</a:t>
+                        <a:t>歐洲、中東與非洲</a:t>
                       </a:r>
                     </a:p>
                   </a:txBody>
@@ -16370,13 +14569,13 @@
                     <a:p>
                       <a:pPr algn="ctr"/>
                       <a:r>
-                        <a:rPr lang="en-US" sz="1100">
+                        <a:rPr lang="de-de" sz="1100">
                           <a:solidFill>
                             <a:schemeClr val="tx1"/>
                           </a:solidFill>
-                          <a:latin typeface="Adobe Clean"/>
+                          <a:latin typeface="Adobe Clean" panose="020B0503020404020204" pitchFamily="34" charset="0"/>
                         </a:rPr>
-                        <a:t>Asia Pacific</a:t>
+                        <a:t>亞太地區</a:t>
                       </a:r>
                     </a:p>
                   </a:txBody>
@@ -16435,22 +14634,22 @@
                     <a:p>
                       <a:pPr algn="ctr"/>
                       <a:r>
-                        <a:rPr lang="en-US" sz="1100">
+                        <a:rPr lang="de-de" sz="1100">
                           <a:solidFill>
                             <a:schemeClr val="tx1"/>
                           </a:solidFill>
                           <a:latin typeface="Adobe Clean"/>
                         </a:rPr>
-                        <a:t>Japan </a:t>
+                        <a:t>日本 </a:t>
                       </a:r>
                       <a:r>
-                        <a:rPr lang="en-US" sz="1100" baseline="30000">
+                        <a:rPr lang="de-de" sz="1100" baseline="30000">
                           <a:solidFill>
                             <a:schemeClr val="tx1"/>
                           </a:solidFill>
                           <a:latin typeface="Adobe Clean"/>
                         </a:rPr>
-                        <a:t>1 </a:t>
+                        <a:t>1</a:t>
                       </a:r>
                       <a:endParaRPr lang="en-US" sz="1100">
                         <a:solidFill>
@@ -16522,13 +14721,13 @@
                     <a:p>
                       <a:pPr algn="ctr"/>
                       <a:r>
-                        <a:rPr lang="en-US" sz="1100">
+                        <a:rPr lang="de-de" sz="1100">
                           <a:solidFill>
                             <a:schemeClr val="tx1"/>
                           </a:solidFill>
-                          <a:latin typeface="Adobe Clean"/>
+                          <a:latin typeface="Adobe Clean" panose="020B0503020404020204" pitchFamily="34" charset="0"/>
                         </a:rPr>
-                        <a:t>6 am – 5:30 pm</a:t>
+                        <a:t>上午 6 點 – 下午 5:30</a:t>
                       </a:r>
                     </a:p>
                   </a:txBody>
@@ -16587,13 +14786,13 @@
                     <a:p>
                       <a:pPr algn="ctr"/>
                       <a:r>
-                        <a:rPr lang="en-US" sz="1100">
+                        <a:rPr lang="de-de" sz="1100">
                           <a:solidFill>
                             <a:schemeClr val="tx1"/>
                           </a:solidFill>
-                          <a:latin typeface="Adobe Clean"/>
+                          <a:latin typeface="Adobe Clean" panose="020B0503020404020204" pitchFamily="34" charset="0"/>
                         </a:rPr>
-                        <a:t>9 am – 5 pm</a:t>
+                        <a:t>上午 9 點 – 下午 5 點</a:t>
                       </a:r>
                     </a:p>
                   </a:txBody>
@@ -16652,13 +14851,13 @@
                     <a:p>
                       <a:pPr algn="ctr"/>
                       <a:r>
-                        <a:rPr lang="en-US" sz="1100">
+                        <a:rPr lang="de-de" sz="1100">
                           <a:solidFill>
                             <a:schemeClr val="tx1"/>
                           </a:solidFill>
-                          <a:latin typeface="Adobe Clean"/>
+                          <a:latin typeface="Adobe Clean" panose="020B0503020404020204" pitchFamily="34" charset="0"/>
                         </a:rPr>
-                        <a:t>9 am – 5 pm</a:t>
+                        <a:t>上午 9 點 – 下午 5 點</a:t>
                       </a:r>
                     </a:p>
                   </a:txBody>
@@ -16717,13 +14916,13 @@
                     <a:p>
                       <a:pPr algn="ctr"/>
                       <a:r>
-                        <a:rPr lang="en-US" sz="1100">
+                        <a:rPr lang="de-de" sz="1100">
                           <a:solidFill>
                             <a:schemeClr val="tx1"/>
                           </a:solidFill>
-                          <a:latin typeface="Adobe Clean"/>
+                          <a:latin typeface="Adobe Clean" panose="020B0503020404020204" pitchFamily="34" charset="0"/>
                         </a:rPr>
-                        <a:t>9 am – 5:30 pm</a:t>
+                        <a:t>上午 9 點 – 下午 5:30</a:t>
                       </a:r>
                     </a:p>
                   </a:txBody>
@@ -16800,9 +14999,10 @@
                         <a:buNone/>
                       </a:pPr>
                       <a:r>
-                        <a:rPr lang="en-US" sz="1100" b="0" i="0" u="none" strike="noStrike" noProof="0"/>
-                        <a:t>Language support is only available in English and Japanese.</a:t>
+                        <a:rPr lang="de-de" sz="1100" b="0" i="0" u="none" strike="noStrike" noProof="0" dirty="0"/>
+                        <a:t>僅提供英文和日文的語言支援</a:t>
                       </a:r>
+                      <a:endParaRPr lang="en-US" dirty="0"/>
                     </a:p>
                     <a:p>
                       <a:pPr lvl="0" algn="ctr">
@@ -16817,7 +15017,7 @@
                         </a:spcAft>
                         <a:buNone/>
                       </a:pPr>
-                      <a:endParaRPr lang="en-US" sz="1100" b="0" i="0" u="none" strike="noStrike" noProof="0"/>
+                      <a:endParaRPr lang="en-US" sz="1100" b="0" i="0" u="none" strike="noStrike" noProof="0" dirty="0"/>
                     </a:p>
                     <a:p>
                       <a:pPr lvl="0" algn="ctr">
@@ -16833,18 +15033,22 @@
                         <a:buNone/>
                       </a:pPr>
                       <a:r>
-                        <a:rPr lang="en-US" sz="1100" b="0" i="0" u="none" strike="noStrike" noProof="0"/>
-                        <a:t> </a:t>
+                        <a:rPr lang="de-de" sz="1100" b="0" i="0" u="none" strike="noStrike" noProof="0" dirty="0"/>
+                        <a:t> </a:t>
                       </a:r>
                       <a:r>
-                        <a:rPr lang="en-US" sz="1100" b="0" i="0" u="none" strike="noStrike" baseline="30000" noProof="0"/>
+                        <a:rPr lang="de-de" sz="1100" b="0" i="0" u="none" strike="noStrike" baseline="30000" noProof="0" dirty="0"/>
                         <a:t>1 </a:t>
                       </a:r>
                       <a:r>
-                        <a:rPr lang="en-US" sz="1100" b="0" i="0" u="none" strike="noStrike" noProof="0"/>
-                        <a:t>P2, P3, P4 cases are limited to business hours only in Japan.</a:t>
+                        <a:rPr lang="de-de" sz="1100" b="0" i="0" u="none" strike="noStrike" noProof="0" dirty="0"/>
+                        <a:t>P2、P3、P4 </a:t>
                       </a:r>
-                      <a:endParaRPr lang="en-US" sz="1100" b="1" i="0" u="none" strike="noStrike" noProof="0"/>
+                      <a:r>
+                        <a:rPr lang="zh-TW" altLang="en-US" sz="1100" b="0" i="0" u="none" strike="noStrike" noProof="0"/>
+                        <a:t> 案件僅限於在日本的營業時間提交。</a:t>
+                      </a:r>
+                      <a:endParaRPr lang="en-US" dirty="0"/>
                     </a:p>
                   </a:txBody>
                   <a:tcPr anchor="ctr">
@@ -17208,124 +15412,34 @@
               </a:spcBef>
             </a:pPr>
             <a:r>
-              <a:rPr sz="1200" b="1" spc="-15">
+              <a:rPr lang="de-de" sz="1200" b="1" spc="-15">
                 <a:solidFill>
                   <a:srgbClr val="FFFFFF"/>
                 </a:solidFill>
                 <a:latin typeface="Adobe Clean"/>
                 <a:cs typeface="Adobe Clean"/>
               </a:rPr>
-              <a:t>U</a:t>
-            </a:r>
-            <a:r>
-              <a:rPr sz="1200" b="1" spc="-20">
+              <a:t>無與倫比的</a:t>
+            </a:r>
+            <a:r>
+              <a:rPr lang="de-de" sz="1200" b="1" spc="-20">
                 <a:solidFill>
                   <a:srgbClr val="FFFFFF"/>
                 </a:solidFill>
                 <a:latin typeface="Adobe Clean"/>
                 <a:cs typeface="Adobe Clean"/>
               </a:rPr>
-              <a:t>n</a:t>
-            </a:r>
-            <a:r>
-              <a:rPr sz="1200" b="1" spc="-25">
+              <a:t>專業知識</a:t>
+            </a:r>
+            <a:r>
+              <a:rPr lang="de-de" sz="1200" b="1">
                 <a:solidFill>
                   <a:srgbClr val="FFFFFF"/>
                 </a:solidFill>
                 <a:latin typeface="Adobe Clean"/>
                 <a:cs typeface="Adobe Clean"/>
               </a:rPr>
-              <a:t>p</a:t>
-            </a:r>
-            <a:r>
-              <a:rPr sz="1200" b="1" spc="-15">
-                <a:solidFill>
-                  <a:srgbClr val="FFFFFF"/>
-                </a:solidFill>
-                <a:latin typeface="Adobe Clean"/>
-                <a:cs typeface="Adobe Clean"/>
-              </a:rPr>
-              <a:t>a</a:t>
-            </a:r>
-            <a:r>
-              <a:rPr sz="1200" b="1" spc="-25">
-                <a:solidFill>
-                  <a:srgbClr val="FFFFFF"/>
-                </a:solidFill>
-                <a:latin typeface="Adobe Clean"/>
-                <a:cs typeface="Adobe Clean"/>
-              </a:rPr>
-              <a:t>r</a:t>
-            </a:r>
-            <a:r>
-              <a:rPr sz="1200" b="1" spc="-15">
-                <a:solidFill>
-                  <a:srgbClr val="FFFFFF"/>
-                </a:solidFill>
-                <a:latin typeface="Adobe Clean"/>
-                <a:cs typeface="Adobe Clean"/>
-              </a:rPr>
-              <a:t>a</a:t>
-            </a:r>
-            <a:r>
-              <a:rPr sz="1200" b="1" spc="-30">
-                <a:solidFill>
-                  <a:srgbClr val="FFFFFF"/>
-                </a:solidFill>
-                <a:latin typeface="Adobe Clean"/>
-                <a:cs typeface="Adobe Clean"/>
-              </a:rPr>
-              <a:t>ll</a:t>
-            </a:r>
-            <a:r>
-              <a:rPr sz="1200" b="1" spc="-25">
-                <a:solidFill>
-                  <a:srgbClr val="FFFFFF"/>
-                </a:solidFill>
-                <a:latin typeface="Adobe Clean"/>
-                <a:cs typeface="Adobe Clean"/>
-              </a:rPr>
-              <a:t>e</a:t>
-            </a:r>
-            <a:r>
-              <a:rPr sz="1200" b="1" spc="-30">
-                <a:solidFill>
-                  <a:srgbClr val="FFFFFF"/>
-                </a:solidFill>
-                <a:latin typeface="Adobe Clean"/>
-                <a:cs typeface="Adobe Clean"/>
-              </a:rPr>
-              <a:t>l</a:t>
-            </a:r>
-            <a:r>
-              <a:rPr sz="1200" b="1" spc="-25">
-                <a:solidFill>
-                  <a:srgbClr val="FFFFFF"/>
-                </a:solidFill>
-                <a:latin typeface="Adobe Clean"/>
-                <a:cs typeface="Adobe Clean"/>
-              </a:rPr>
-              <a:t>e</a:t>
-            </a:r>
-            <a:r>
-              <a:rPr sz="1200" b="1">
-                <a:solidFill>
-                  <a:srgbClr val="FFFFFF"/>
-                </a:solidFill>
-                <a:latin typeface="Adobe Clean"/>
-                <a:cs typeface="Adobe Clean"/>
-              </a:rPr>
-              <a:t>d  </a:t>
-            </a:r>
-            <a:r>
-              <a:rPr sz="1200" b="1" spc="-25">
-                <a:solidFill>
-                  <a:srgbClr val="FFFFFF"/>
-                </a:solidFill>
-                <a:latin typeface="Adobe Clean"/>
-                <a:cs typeface="Adobe Clean"/>
-              </a:rPr>
-              <a:t>Expertise</a:t>
+              <a:t> </a:t>
             </a:r>
             <a:endParaRPr sz="1200">
               <a:latin typeface="Adobe Clean"/>
@@ -17370,14 +15484,14 @@
               </a:spcBef>
             </a:pPr>
             <a:r>
-              <a:rPr lang="en-US" sz="1200" b="1" spc="-15">
+              <a:rPr lang="de-de" sz="1200" b="1" spc="-15">
                 <a:solidFill>
                   <a:srgbClr val="FFFFFF"/>
                 </a:solidFill>
                 <a:latin typeface="Adobe Clean"/>
                 <a:cs typeface="Adobe Clean"/>
               </a:rPr>
-              <a:t>Accelerated Support</a:t>
+              <a:t>加速支援</a:t>
             </a:r>
             <a:endParaRPr sz="1200">
               <a:latin typeface="Adobe Clean"/>
@@ -17422,104 +15536,44 @@
               </a:spcBef>
             </a:pPr>
             <a:r>
-              <a:rPr sz="1200" b="1" spc="-50">
+              <a:rPr lang="de-de" sz="1200" b="1" spc="-50">
                 <a:solidFill>
                   <a:srgbClr val="FFFFFF"/>
                 </a:solidFill>
                 <a:latin typeface="Adobe Clean"/>
                 <a:cs typeface="Adobe Clean"/>
               </a:rPr>
-              <a:t>S</a:t>
-            </a:r>
-            <a:r>
-              <a:rPr sz="1200" b="1" spc="-20">
+              <a:t>策</a:t>
+            </a:r>
+            <a:r>
+              <a:rPr lang="de-de" sz="1200" b="1" spc="-20">
                 <a:solidFill>
                   <a:srgbClr val="FFFFFF"/>
                 </a:solidFill>
                 <a:latin typeface="Adobe Clean"/>
                 <a:cs typeface="Adobe Clean"/>
               </a:rPr>
-              <a:t>t</a:t>
-            </a:r>
-            <a:r>
-              <a:rPr sz="1200" b="1" spc="-75">
+              <a:t>略</a:t>
+            </a:r>
+            <a:r>
+              <a:rPr lang="de-de" sz="1200" b="1" spc="-75">
                 <a:solidFill>
                   <a:srgbClr val="FFFFFF"/>
                 </a:solidFill>
                 <a:latin typeface="Adobe Clean"/>
                 <a:cs typeface="Adobe Clean"/>
               </a:rPr>
-              <a:t>r</a:t>
-            </a:r>
-            <a:r>
-              <a:rPr sz="1200" b="1" spc="-90">
+              <a:t>性</a:t>
+            </a:r>
+            <a:r>
+              <a:rPr lang="de-de" sz="1200" b="1" spc="-45">
                 <a:solidFill>
                   <a:srgbClr val="FFFFFF"/>
                 </a:solidFill>
                 <a:latin typeface="Adobe Clean"/>
                 <a:cs typeface="Adobe Clean"/>
               </a:rPr>
-              <a:t>a</a:t>
-            </a:r>
-            <a:r>
-              <a:rPr sz="1200" b="1" spc="-55">
-                <a:solidFill>
-                  <a:srgbClr val="FFFFFF"/>
-                </a:solidFill>
-                <a:latin typeface="Adobe Clean"/>
-                <a:cs typeface="Adobe Clean"/>
-              </a:rPr>
-              <a:t>t</a:t>
-            </a:r>
-            <a:r>
-              <a:rPr sz="1200" b="1" spc="-100">
-                <a:solidFill>
-                  <a:srgbClr val="FFFFFF"/>
-                </a:solidFill>
-                <a:latin typeface="Adobe Clean"/>
-                <a:cs typeface="Adobe Clean"/>
-              </a:rPr>
-              <a:t>e</a:t>
-            </a:r>
-            <a:r>
-              <a:rPr sz="1200" b="1" spc="-80">
-                <a:solidFill>
-                  <a:srgbClr val="FFFFFF"/>
-                </a:solidFill>
-                <a:latin typeface="Adobe Clean"/>
-                <a:cs typeface="Adobe Clean"/>
-              </a:rPr>
-              <a:t>g</a:t>
-            </a:r>
-            <a:r>
-              <a:rPr sz="1200" b="1" spc="-35">
-                <a:solidFill>
-                  <a:srgbClr val="FFFFFF"/>
-                </a:solidFill>
-                <a:latin typeface="Adobe Clean"/>
-                <a:cs typeface="Adobe Clean"/>
-              </a:rPr>
-              <a:t>i</a:t>
-            </a:r>
-            <a:r>
-              <a:rPr sz="1200" b="1">
-                <a:solidFill>
-                  <a:srgbClr val="FFFFFF"/>
-                </a:solidFill>
-                <a:latin typeface="Adobe Clean"/>
-                <a:cs typeface="Adobe Clean"/>
-              </a:rPr>
-              <a:t>c  </a:t>
-            </a:r>
-            <a:r>
-              <a:rPr sz="1200" b="1" spc="-45">
-                <a:solidFill>
-                  <a:srgbClr val="FFFFFF"/>
-                </a:solidFill>
-                <a:latin typeface="Adobe Clean"/>
-                <a:cs typeface="Adobe Clean"/>
-              </a:rPr>
-              <a:t>Advice</a:t>
+              <a:t>建議</a:t>
             </a:r>
             <a:endParaRPr sz="1200">
               <a:latin typeface="Adobe Clean"/>
@@ -17543,14 +15597,14 @@
           <p:nvPr>
             <p:extLst>
               <p:ext uri="{D42A27DB-BD31-4B8C-83A1-F6EECF244321}">
-                <p14:modId xmlns:p14="http://schemas.microsoft.com/office/powerpoint/2010/main" val="4232335107"/>
+                <p14:modId xmlns:p14="http://schemas.microsoft.com/office/powerpoint/2010/main" val="1502969284"/>
               </p:ext>
             </p:extLst>
           </p:nvPr>
         </p:nvGraphicFramePr>
         <p:xfrm>
           <a:off x="194237" y="1272353"/>
-          <a:ext cx="7368291" cy="2931160"/>
+          <a:ext cx="7368291" cy="2473960"/>
         </p:xfrm>
         <a:graphic>
           <a:graphicData uri="http://schemas.openxmlformats.org/drawingml/2006/table">
@@ -17581,22 +15635,22 @@
                     <a:lstStyle/>
                     <a:p>
                       <a:r>
-                        <a:rPr lang="en-US" sz="1100" b="0" dirty="0">
+                        <a:rPr lang="de-de" sz="1100" b="0">
                           <a:solidFill>
                             <a:schemeClr val="tx1"/>
                           </a:solidFill>
-                          <a:latin typeface="Adobe Clean"/>
+                          <a:latin typeface="Adobe Clean" panose="020B0503020404020204" pitchFamily="34" charset="0"/>
                           <a:ea typeface="+mn-ea"/>
                           <a:cs typeface="+mn-cs"/>
                           <a:hlinkClick r:id="rId7"/>
                         </a:rPr>
                         <a:t>Experience League</a:t>
                       </a:r>
-                      <a:endParaRPr lang="en-US" sz="1100" b="0" dirty="0">
+                      <a:endParaRPr lang="en-US" sz="1100" b="0">
                         <a:solidFill>
                           <a:schemeClr val="tx1"/>
                         </a:solidFill>
-                        <a:latin typeface="Adobe Clean"/>
+                        <a:latin typeface="Adobe Clean" panose="020B0503020404020204" pitchFamily="34" charset="0"/>
                         <a:ea typeface="+mn-ea"/>
                         <a:cs typeface="+mn-cs"/>
                       </a:endParaRPr>
@@ -17655,7 +15709,7 @@
                     <a:bodyPr/>
                     <a:lstStyle/>
                     <a:p>
-                      <a:pPr marL="0" marR="0" lvl="0" indent="0" eaLnBrk="1" fontAlgn="auto" latinLnBrk="0" hangingPunct="1">
+                      <a:pPr marL="0" marR="0" lvl="0" indent="0" defTabSz="914400" eaLnBrk="1" fontAlgn="auto" latinLnBrk="0" hangingPunct="1">
                         <a:lnSpc>
                           <a:spcPct val="100000"/>
                         </a:lnSpc>
@@ -17669,26 +15723,20 @@
                         <a:buSzTx/>
                         <a:buFontTx/>
                         <a:buNone/>
+                        <a:tabLst/>
+                        <a:defRPr/>
                       </a:pPr>
                       <a:r>
-                        <a:rPr lang="en-US" sz="1000" b="0" kern="1200" dirty="0">
+                        <a:rPr lang="de-de" sz="1000" b="0" kern="1200">
                           <a:solidFill>
                             <a:srgbClr val="000000"/>
                           </a:solidFill>
-                          <a:latin typeface="Adobe Clean Light"/>
+                          <a:latin typeface="Adobe Clean Light" panose="020B0303020404020204" pitchFamily="34" charset="0"/>
                           <a:ea typeface="+mn-ea"/>
                           <a:cs typeface="+mn-cs"/>
                         </a:rPr>
-                        <a:t>Experience League is how Adobe helps businesses achieve the value they expect from their Adobe investment. It’s the unified place where customers can learn, connect, and grow along a personalized path to success that includes self-help tutorials, product documentation, instructor-led training, community and technical support. </a:t>
+                        <a:t>Experience League 是 Adobe 幫助企業經由其所做的 Adobe 投資來實現預期價值的方式。這是一個統一的位置，客戶可以在這裡學習、交流並沿著個人化的成功路徑而成長，這裡有提供自助式教學課程、產品文件、由講師授課的培訓課程、社群及技術支援。</a:t>
                       </a:r>
-                      <a:endParaRPr lang="en-US" sz="1000" b="0" kern="1200">
-                        <a:solidFill>
-                          <a:srgbClr val="000000"/>
-                        </a:solidFill>
-                        <a:latin typeface="Adobe Clean Light" panose="020B0303020404020204" pitchFamily="34" charset="0"/>
-                        <a:ea typeface="+mn-ea"/>
-                        <a:cs typeface="+mn-cs"/>
-                      </a:endParaRPr>
                     </a:p>
                   </a:txBody>
                   <a:tcPr anchor="ctr">
@@ -17769,36 +15817,24 @@
                         <a:defRPr/>
                       </a:pPr>
                       <a:r>
-                        <a:rPr lang="en-US" sz="1100" dirty="0">
+                        <a:rPr lang="de-de" sz="1100">
                           <a:solidFill>
                             <a:schemeClr val="dk1"/>
                           </a:solidFill>
                           <a:effectLst/>
-                          <a:latin typeface="Adobe Clean"/>
+                          <a:latin typeface="Adobe Clean" panose="020B0503020404020204" pitchFamily="34" charset="0"/>
                           <a:ea typeface="+mn-ea"/>
                           <a:cs typeface="+mn-cs"/>
                           <a:hlinkClick r:id="rId8"/>
                         </a:rPr>
-                        <a:t>Training</a:t>
+                        <a:t>培訓</a:t>
                       </a:r>
-                      <a:r>
-                        <a:rPr lang="en-US" sz="1100" dirty="0">
-                          <a:solidFill>
-                            <a:schemeClr val="dk1"/>
-                          </a:solidFill>
-                          <a:effectLst/>
-                          <a:latin typeface="Adobe Clean"/>
-                          <a:ea typeface="+mn-ea"/>
-                          <a:cs typeface="+mn-cs"/>
-                        </a:rPr>
-                        <a:t> </a:t>
-                      </a:r>
-                      <a:endParaRPr lang="en-US" sz="1100" dirty="0">
+                      <a:endParaRPr lang="en-US" sz="1100">
                         <a:solidFill>
                           <a:schemeClr val="tx1"/>
                         </a:solidFill>
                         <a:effectLst/>
-                        <a:latin typeface="Adobe Clean"/>
+                        <a:latin typeface="Adobe Clean" panose="020B0503020404020204" pitchFamily="34" charset="0"/>
                         <a:ea typeface="+mn-ea"/>
                         <a:cs typeface="+mn-cs"/>
                       </a:endParaRPr>
@@ -17875,15 +15911,15 @@
                         <a:defRPr/>
                       </a:pPr>
                       <a:r>
-                        <a:rPr lang="en-US" sz="1000" kern="1200" dirty="0">
+                        <a:rPr lang="de-de" sz="1000" kern="1200">
                           <a:solidFill>
                             <a:srgbClr val="000000"/>
                           </a:solidFill>
-                          <a:latin typeface="Adobe Clean Light"/>
+                          <a:latin typeface="Adobe Clean Light" panose="020B0303020404020204" pitchFamily="34" charset="0"/>
                           <a:ea typeface="+mn-ea"/>
                           <a:cs typeface="+mn-cs"/>
                         </a:rPr>
-                        <a:t>Adobe Digital Learning Services courses are accessible from Experience League. Learning courses integrate both on-demand and instructor-led lessons.  Here you can accrue skills that have recognized market value and position them to drive success in your organizations.</a:t>
+                        <a:t>您可以從 Experience League 存取 Adobe 數位學習服務課程。學習課程整合了隨需和教師指導的課程。在這裡，您可以習取市場公認價值的技能，並將其定位以促進貴組織獲致成功。</a:t>
                       </a:r>
                     </a:p>
                   </a:txBody>
@@ -17965,24 +16001,24 @@
                         <a:defRPr/>
                       </a:pPr>
                       <a:r>
-                        <a:rPr lang="en-US" sz="1100" dirty="0">
+                        <a:rPr lang="de-de" sz="1100">
                           <a:solidFill>
                             <a:schemeClr val="tx1"/>
                           </a:solidFill>
                           <a:effectLst/>
-                          <a:latin typeface="Adobe Clean"/>
+                          <a:latin typeface="Adobe Clean" panose="020B0503020404020204" pitchFamily="34" charset="0"/>
                           <a:ea typeface="+mn-ea"/>
                           <a:cs typeface="+mn-cs"/>
                           <a:hlinkClick r:id="rId9"/>
                         </a:rPr>
-                        <a:t>Production Issues &amp; System Outages</a:t>
+                        <a:t>生產問題與系統中斷</a:t>
                       </a:r>
-                      <a:endParaRPr lang="en-US" sz="1100" dirty="0">
+                      <a:endParaRPr lang="en-US" sz="1100">
                         <a:solidFill>
                           <a:schemeClr val="tx1"/>
                         </a:solidFill>
                         <a:effectLst/>
-                        <a:latin typeface="Adobe Clean"/>
+                        <a:latin typeface="Adobe Clean" panose="020B0503020404020204" pitchFamily="34" charset="0"/>
                         <a:ea typeface="+mn-ea"/>
                         <a:cs typeface="+mn-cs"/>
                       </a:endParaRPr>
@@ -18041,7 +16077,7 @@
                     <a:bodyPr/>
                     <a:lstStyle/>
                     <a:p>
-                      <a:pPr marL="0" marR="0" lvl="0" indent="0" eaLnBrk="1" fontAlgn="auto" latinLnBrk="0" hangingPunct="1">
+                      <a:pPr marL="0" marR="0" lvl="0" indent="0" defTabSz="914400" eaLnBrk="1" fontAlgn="auto" latinLnBrk="0" hangingPunct="1">
                         <a:lnSpc>
                           <a:spcPct val="100000"/>
                         </a:lnSpc>
@@ -18055,26 +16091,20 @@
                         <a:buSzTx/>
                         <a:buFontTx/>
                         <a:buNone/>
+                        <a:tabLst/>
+                        <a:defRPr/>
                       </a:pPr>
                       <a:r>
-                        <a:rPr lang="en-US" sz="1000" kern="1200" dirty="0">
+                        <a:rPr lang="de-de" sz="1000" kern="1200">
                           <a:solidFill>
                             <a:srgbClr val="000000"/>
                           </a:solidFill>
-                          <a:latin typeface="Adobe Clean Light"/>
+                          <a:latin typeface="Adobe Clean Light" panose="020B0303020404020204" pitchFamily="34" charset="0"/>
                           <a:ea typeface="+mn-ea"/>
                           <a:cs typeface="+mn-cs"/>
                         </a:rPr>
-                        <a:t>Status.adobe.com conveys the health information of all Adobe products and services that are deployed in multi-tenant environments. Customers can choose their subscription preferences to get email notifications whenever Adobe creates, updates or resolves a product event. This can include scheduled maintenance or service issues of varying levels of severity. </a:t>
+                        <a:t>Status.adobe.com 會傳達所有在多租用戶環境中部署的 Adobe 產品與服務的健康資訊。客戶可以選擇其訂閱偏好設定，以便在 Adobe 建立、更新或解決產品事件時收到電子郵件通知。這可以包括預定的維護或是不同嚴重性等級的服務問題。</a:t>
                       </a:r>
-                      <a:endParaRPr lang="en-US" sz="1000" kern="1200">
-                        <a:solidFill>
-                          <a:srgbClr val="000000"/>
-                        </a:solidFill>
-                        <a:latin typeface="Adobe Clean Light" panose="020B0303020404020204" pitchFamily="34" charset="0"/>
-                        <a:ea typeface="+mn-ea"/>
-                        <a:cs typeface="+mn-cs"/>
-                      </a:endParaRPr>
                     </a:p>
                   </a:txBody>
                   <a:tcPr anchor="ctr">
@@ -18155,24 +16185,24 @@
                         <a:defRPr/>
                       </a:pPr>
                       <a:r>
-                        <a:rPr lang="en-US" sz="1100" dirty="0">
+                        <a:rPr lang="de-de" sz="1100">
                           <a:solidFill>
                             <a:schemeClr val="tx1"/>
                           </a:solidFill>
                           <a:effectLst/>
-                          <a:latin typeface="Adobe Clean"/>
+                          <a:latin typeface="Adobe Clean" panose="020B0503020404020204" pitchFamily="34" charset="0"/>
                           <a:ea typeface="+mn-ea"/>
                           <a:cs typeface="+mn-cs"/>
                           <a:hlinkClick r:id="rId10"/>
                         </a:rPr>
-                        <a:t>Terms and Conditions</a:t>
+                        <a:t>條款與條件</a:t>
                       </a:r>
-                      <a:endParaRPr lang="en-US" sz="1100" dirty="0">
+                      <a:endParaRPr lang="en-US" sz="1100">
                         <a:solidFill>
                           <a:schemeClr val="tx1"/>
                         </a:solidFill>
                         <a:effectLst/>
-                        <a:latin typeface="Adobe Clean"/>
+                        <a:latin typeface="Adobe Clean" panose="020B0503020404020204" pitchFamily="34" charset="0"/>
                         <a:ea typeface="+mn-ea"/>
                         <a:cs typeface="+mn-cs"/>
                       </a:endParaRPr>
@@ -18232,24 +16262,16 @@
                     <a:lstStyle/>
                     <a:p>
                       <a:r>
-                        <a:rPr lang="en-US" sz="1000" kern="1200" dirty="0">
+                        <a:rPr lang="de-de" sz="1000" kern="1200">
                           <a:solidFill>
                             <a:srgbClr val="000000"/>
                           </a:solidFill>
-                          <a:latin typeface="Adobe Clean Light"/>
+                          <a:latin typeface="Adobe Clean Light" panose="020B0303020404020204" pitchFamily="34" charset="0"/>
                           <a:ea typeface="+mn-ea"/>
                           <a:cs typeface="+mn-cs"/>
                         </a:rPr>
-                        <a:t>Terms and conditions detailing Support Services offerings.</a:t>
+                        <a:t>詳述支援服務方案的條款與條件</a:t>
                       </a:r>
-                      <a:endParaRPr lang="en-US" sz="1000" kern="1200" dirty="0">
-                        <a:solidFill>
-                          <a:srgbClr val="000000"/>
-                        </a:solidFill>
-                        <a:latin typeface="Adobe Clean Light" panose="020B0303020404020204" pitchFamily="34" charset="0"/>
-                        <a:ea typeface="+mn-ea"/>
-                        <a:cs typeface="+mn-cs"/>
-                      </a:endParaRPr>
                     </a:p>
                   </a:txBody>
                   <a:tcPr anchor="ctr">
@@ -18312,7 +16334,7 @@
       </p:graphicFrame>
       <p:pic>
         <p:nvPicPr>
-          <p:cNvPr id="8" name="Graphic 7" descr="Target outline">
+          <p:cNvPr id="8" name="Graphic 7" descr="目標大綱">
             <a:extLst>
               <a:ext uri="{FF2B5EF4-FFF2-40B4-BE49-F238E27FC236}">
                 <a16:creationId xmlns:a16="http://schemas.microsoft.com/office/drawing/2014/main" id="{1EAA263E-04A7-0D46-952E-EA3033B45116}"/>
@@ -18351,7 +16373,7 @@
       </p:pic>
       <p:pic>
         <p:nvPicPr>
-          <p:cNvPr id="10" name="Graphic 9" descr="Rocket outline">
+          <p:cNvPr id="10" name="Graphic 9" descr="火箭大綱">
             <a:extLst>
               <a:ext uri="{FF2B5EF4-FFF2-40B4-BE49-F238E27FC236}">
                 <a16:creationId xmlns:a16="http://schemas.microsoft.com/office/drawing/2014/main" id="{A068EBC3-B418-4E4A-A520-101CA4B39F23}"/>
@@ -18390,7 +16412,7 @@
       </p:pic>
       <p:pic>
         <p:nvPicPr>
-          <p:cNvPr id="12" name="Graphic 11" descr="Medal outline">
+          <p:cNvPr id="12" name="Graphic 11" descr="獎章概述">
             <a:extLst>
               <a:ext uri="{FF2B5EF4-FFF2-40B4-BE49-F238E27FC236}">
                 <a16:creationId xmlns:a16="http://schemas.microsoft.com/office/drawing/2014/main" id="{C7BEFC2D-0CA6-0448-B9FA-6E1581CA6D36}"/>
@@ -19224,18 +17246,18 @@
 </file>
 
 <file path=customXml/item2.xml><?xml version="1.0" encoding="utf-8"?>
+<p:properties xmlns:p="http://schemas.microsoft.com/office/2006/metadata/properties" xmlns:xsi="http://www.w3.org/2001/XMLSchema-instance" xmlns:pc="http://schemas.microsoft.com/office/infopath/2007/PartnerControls">
+  <documentManagement/>
+</p:properties>
+</file>
+
+<file path=customXml/item3.xml><?xml version="1.0" encoding="utf-8"?>
 <?mso-contentType ?>
 <FormTemplates xmlns="http://schemas.microsoft.com/sharepoint/v3/contenttype/forms">
   <Display>DocumentLibraryForm</Display>
   <Edit>DocumentLibraryForm</Edit>
   <New>DocumentLibraryForm</New>
 </FormTemplates>
-</file>
-
-<file path=customXml/item3.xml><?xml version="1.0" encoding="utf-8"?>
-<p:properties xmlns:p="http://schemas.microsoft.com/office/2006/metadata/properties" xmlns:xsi="http://www.w3.org/2001/XMLSchema-instance" xmlns:pc="http://schemas.microsoft.com/office/infopath/2007/PartnerControls">
-  <documentManagement/>
-</p:properties>
 </file>
 
 <file path=customXml/itemProps1.xml><?xml version="1.0" encoding="utf-8"?>
@@ -19258,26 +17280,18 @@
 </file>
 
 <file path=customXml/itemProps2.xml><?xml version="1.0" encoding="utf-8"?>
+<ds:datastoreItem xmlns:ds="http://schemas.openxmlformats.org/officeDocument/2006/customXml" ds:itemID="{ED4099BE-EDEC-4FF1-8378-446617236015}">
+  <ds:schemaRefs>
+    <ds:schemaRef ds:uri="http://schemas.microsoft.com/office/2006/metadata/properties"/>
+    <ds:schemaRef ds:uri="http://schemas.microsoft.com/office/infopath/2007/PartnerControls"/>
+  </ds:schemaRefs>
+</ds:datastoreItem>
+</file>
+
+<file path=customXml/itemProps3.xml><?xml version="1.0" encoding="utf-8"?>
 <ds:datastoreItem xmlns:ds="http://schemas.openxmlformats.org/officeDocument/2006/customXml" ds:itemID="{941989CE-20BB-4A6A-A33F-71A1AE469C3E}">
   <ds:schemaRefs>
     <ds:schemaRef ds:uri="http://schemas.microsoft.com/sharepoint/v3/contenttype/forms"/>
   </ds:schemaRefs>
 </ds:datastoreItem>
-</file>
-
-<file path=customXml/itemProps3.xml><?xml version="1.0" encoding="utf-8"?>
-<ds:datastoreItem xmlns:ds="http://schemas.openxmlformats.org/officeDocument/2006/customXml" ds:itemID="{ED4099BE-EDEC-4FF1-8378-446617236015}">
-  <ds:schemaRefs>
-    <ds:schemaRef ds:uri="6c8368ec-3776-49b5-a5bb-90648cf9530f"/>
-    <ds:schemaRef ds:uri="8a053bff-88be-49e4-9a87-e748e18b8b62"/>
-    <ds:schemaRef ds:uri="http://purl.org/dc/dcmitype/"/>
-    <ds:schemaRef ds:uri="http://purl.org/dc/elements/1.1/"/>
-    <ds:schemaRef ds:uri="http://purl.org/dc/terms/"/>
-    <ds:schemaRef ds:uri="http://schemas.microsoft.com/office/2006/documentManagement/types"/>
-    <ds:schemaRef ds:uri="http://schemas.microsoft.com/office/2006/metadata/properties"/>
-    <ds:schemaRef ds:uri="http://schemas.microsoft.com/office/infopath/2007/PartnerControls"/>
-    <ds:schemaRef ds:uri="http://schemas.openxmlformats.org/package/2006/metadata/core-properties"/>
-    <ds:schemaRef ds:uri="http://www.w3.org/XML/1998/namespace"/>
-  </ds:schemaRefs>
-</ds:datastoreItem>
 </file>
--- a/help/data-sheets/assets/EnterpriseSupportDatasheet.pptx
+++ b/help/data-sheets/assets/EnterpriseSupportDatasheet.pptx
@@ -144,14 +144,197 @@
 <file path=ppt/revisionInfo.xml><?xml version="1.0" encoding="utf-8"?>
 <p1510:revInfo xmlns:a="http://schemas.openxmlformats.org/drawingml/2006/main" xmlns:r="http://schemas.openxmlformats.org/officeDocument/2006/relationships" xmlns:p1510="http://schemas.microsoft.com/office/powerpoint/2015/10/main">
   <p1510:revLst>
-    <p1510:client id="{3F02B349-0406-AE51-D438-E7A0BE890230}" v="20" dt="2021-08-25T18:45:08.206"/>
-    <p1510:client id="{BAC4F85F-6423-7248-85C4-44132DA97563}" v="77" dt="2021-08-07T08:51:03.454"/>
+    <p1510:client id="{DC554207-FA81-638A-220E-C39F63BF408A}" v="13" dt="2021-11-23T23:51:45.093"/>
   </p1510:revLst>
 </p1510:revInfo>
 </file>
 
 <file path=ppt/changesInfos/changesInfo1.xml><?xml version="1.0" encoding="utf-8"?>
 <pc:chgInfo xmlns:a="http://schemas.openxmlformats.org/drawingml/2006/main" xmlns:r="http://schemas.openxmlformats.org/officeDocument/2006/relationships" xmlns:ac="http://schemas.microsoft.com/office/drawing/2013/main/command" xmlns:pc="http://schemas.microsoft.com/office/powerpoint/2013/main/command">
+  <pc:docChgLst>
+    <pc:chgData name="Akilah Johnson" userId="S::akjohnso@adobe.com::2fa3aa60-0c9c-4d06-bae2-795983241227" providerId="AD" clId="Web-{A40C3D7D-993B-38B2-2DDA-C562505A1054}"/>
+    <pc:docChg chg="modSld">
+      <pc:chgData name="Akilah Johnson" userId="S::akjohnso@adobe.com::2fa3aa60-0c9c-4d06-bae2-795983241227" providerId="AD" clId="Web-{A40C3D7D-993B-38B2-2DDA-C562505A1054}" dt="2021-09-22T23:00:46.860" v="3"/>
+      <pc:docMkLst>
+        <pc:docMk/>
+      </pc:docMkLst>
+      <pc:sldChg chg="modSp">
+        <pc:chgData name="Akilah Johnson" userId="S::akjohnso@adobe.com::2fa3aa60-0c9c-4d06-bae2-795983241227" providerId="AD" clId="Web-{A40C3D7D-993B-38B2-2DDA-C562505A1054}" dt="2021-09-22T23:00:46.860" v="3"/>
+        <pc:sldMkLst>
+          <pc:docMk/>
+          <pc:sldMk cId="1050037809" sldId="261"/>
+        </pc:sldMkLst>
+        <pc:graphicFrameChg chg="mod modGraphic">
+          <ac:chgData name="Akilah Johnson" userId="S::akjohnso@adobe.com::2fa3aa60-0c9c-4d06-bae2-795983241227" providerId="AD" clId="Web-{A40C3D7D-993B-38B2-2DDA-C562505A1054}" dt="2021-09-22T23:00:46.860" v="3"/>
+          <ac:graphicFrameMkLst>
+            <pc:docMk/>
+            <pc:sldMk cId="1050037809" sldId="261"/>
+            <ac:graphicFrameMk id="25" creationId="{3A91F5B0-3974-A14D-A146-FB590F2AAD18}"/>
+          </ac:graphicFrameMkLst>
+        </pc:graphicFrameChg>
+      </pc:sldChg>
+    </pc:docChg>
+  </pc:docChgLst>
+  <pc:docChgLst>
+    <pc:chgData name="Akilah Johnson" userId="S::akjohnso@adobe.com::2fa3aa60-0c9c-4d06-bae2-795983241227" providerId="AD" clId="Web-{112231ED-4F38-A856-2EFF-9D0F88AC9BDF}"/>
+    <pc:docChg chg="modSld">
+      <pc:chgData name="Akilah Johnson" userId="S::akjohnso@adobe.com::2fa3aa60-0c9c-4d06-bae2-795983241227" providerId="AD" clId="Web-{112231ED-4F38-A856-2EFF-9D0F88AC9BDF}" dt="2021-09-22T19:11:31.474" v="2" actId="1076"/>
+      <pc:docMkLst>
+        <pc:docMk/>
+      </pc:docMkLst>
+      <pc:sldChg chg="modSp">
+        <pc:chgData name="Akilah Johnson" userId="S::akjohnso@adobe.com::2fa3aa60-0c9c-4d06-bae2-795983241227" providerId="AD" clId="Web-{112231ED-4F38-A856-2EFF-9D0F88AC9BDF}" dt="2021-09-22T19:11:31.474" v="2" actId="1076"/>
+        <pc:sldMkLst>
+          <pc:docMk/>
+          <pc:sldMk cId="1050037809" sldId="261"/>
+        </pc:sldMkLst>
+        <pc:spChg chg="mod">
+          <ac:chgData name="Akilah Johnson" userId="S::akjohnso@adobe.com::2fa3aa60-0c9c-4d06-bae2-795983241227" providerId="AD" clId="Web-{112231ED-4F38-A856-2EFF-9D0F88AC9BDF}" dt="2021-09-22T19:11:31.474" v="2" actId="1076"/>
+          <ac:spMkLst>
+            <pc:docMk/>
+            <pc:sldMk cId="1050037809" sldId="261"/>
+            <ac:spMk id="23" creationId="{00000000-0000-0000-0000-000000000000}"/>
+          </ac:spMkLst>
+        </pc:spChg>
+        <pc:spChg chg="mod">
+          <ac:chgData name="Akilah Johnson" userId="S::akjohnso@adobe.com::2fa3aa60-0c9c-4d06-bae2-795983241227" providerId="AD" clId="Web-{112231ED-4F38-A856-2EFF-9D0F88AC9BDF}" dt="2021-09-22T19:08:28.879" v="0" actId="1076"/>
+          <ac:spMkLst>
+            <pc:docMk/>
+            <pc:sldMk cId="1050037809" sldId="261"/>
+            <ac:spMk id="64" creationId="{41467BDC-3D83-D844-B922-CD07E94E5AAB}"/>
+          </ac:spMkLst>
+        </pc:spChg>
+      </pc:sldChg>
+    </pc:docChg>
+  </pc:docChgLst>
+  <pc:docChgLst>
+    <pc:chgData name="Akilah Johnson" userId="S::akjohnso@adobe.com::2fa3aa60-0c9c-4d06-bae2-795983241227" providerId="AD" clId="Web-{0AC6A3A1-0788-C69A-5EFD-279F3FA2CF0F}"/>
+    <pc:docChg chg="modSld">
+      <pc:chgData name="Akilah Johnson" userId="S::akjohnso@adobe.com::2fa3aa60-0c9c-4d06-bae2-795983241227" providerId="AD" clId="Web-{0AC6A3A1-0788-C69A-5EFD-279F3FA2CF0F}" dt="2021-09-22T18:56:17.553" v="29"/>
+      <pc:docMkLst>
+        <pc:docMk/>
+      </pc:docMkLst>
+      <pc:sldChg chg="modSp delCm">
+        <pc:chgData name="Akilah Johnson" userId="S::akjohnso@adobe.com::2fa3aa60-0c9c-4d06-bae2-795983241227" providerId="AD" clId="Web-{0AC6A3A1-0788-C69A-5EFD-279F3FA2CF0F}" dt="2021-09-22T18:56:17.553" v="29"/>
+        <pc:sldMkLst>
+          <pc:docMk/>
+          <pc:sldMk cId="1050037809" sldId="261"/>
+        </pc:sldMkLst>
+        <pc:spChg chg="mod">
+          <ac:chgData name="Akilah Johnson" userId="S::akjohnso@adobe.com::2fa3aa60-0c9c-4d06-bae2-795983241227" providerId="AD" clId="Web-{0AC6A3A1-0788-C69A-5EFD-279F3FA2CF0F}" dt="2021-09-22T18:55:46.585" v="16" actId="20577"/>
+          <ac:spMkLst>
+            <pc:docMk/>
+            <pc:sldMk cId="1050037809" sldId="261"/>
+            <ac:spMk id="64" creationId="{41467BDC-3D83-D844-B922-CD07E94E5AAB}"/>
+          </ac:spMkLst>
+        </pc:spChg>
+        <pc:graphicFrameChg chg="mod modGraphic">
+          <ac:chgData name="Akilah Johnson" userId="S::akjohnso@adobe.com::2fa3aa60-0c9c-4d06-bae2-795983241227" providerId="AD" clId="Web-{0AC6A3A1-0788-C69A-5EFD-279F3FA2CF0F}" dt="2021-09-22T18:55:59.928" v="28"/>
+          <ac:graphicFrameMkLst>
+            <pc:docMk/>
+            <pc:sldMk cId="1050037809" sldId="261"/>
+            <ac:graphicFrameMk id="25" creationId="{3A91F5B0-3974-A14D-A146-FB590F2AAD18}"/>
+          </ac:graphicFrameMkLst>
+        </pc:graphicFrameChg>
+      </pc:sldChg>
+    </pc:docChg>
+  </pc:docChgLst>
+  <pc:docChgLst>
+    <pc:chgData name="Akilah Johnson" userId="S::akjohnso@adobe.com::2fa3aa60-0c9c-4d06-bae2-795983241227" providerId="AD" clId="Web-{DC554207-FA81-638A-220E-C39F63BF408A}"/>
+    <pc:docChg chg="modSld">
+      <pc:chgData name="Akilah Johnson" userId="S::akjohnso@adobe.com::2fa3aa60-0c9c-4d06-bae2-795983241227" providerId="AD" clId="Web-{DC554207-FA81-638A-220E-C39F63BF408A}" dt="2021-11-23T23:50:17.249" v="7"/>
+      <pc:docMkLst>
+        <pc:docMk/>
+      </pc:docMkLst>
+      <pc:sldChg chg="modSp">
+        <pc:chgData name="Akilah Johnson" userId="S::akjohnso@adobe.com::2fa3aa60-0c9c-4d06-bae2-795983241227" providerId="AD" clId="Web-{DC554207-FA81-638A-220E-C39F63BF408A}" dt="2021-11-23T23:50:17.249" v="7"/>
+        <pc:sldMkLst>
+          <pc:docMk/>
+          <pc:sldMk cId="2161849182" sldId="267"/>
+        </pc:sldMkLst>
+        <pc:graphicFrameChg chg="mod modGraphic">
+          <ac:chgData name="Akilah Johnson" userId="S::akjohnso@adobe.com::2fa3aa60-0c9c-4d06-bae2-795983241227" providerId="AD" clId="Web-{DC554207-FA81-638A-220E-C39F63BF408A}" dt="2021-11-23T23:50:17.249" v="7"/>
+          <ac:graphicFrameMkLst>
+            <pc:docMk/>
+            <pc:sldMk cId="2161849182" sldId="267"/>
+            <ac:graphicFrameMk id="9" creationId="{00000000-0000-0000-0000-000000000000}"/>
+          </ac:graphicFrameMkLst>
+        </pc:graphicFrameChg>
+      </pc:sldChg>
+    </pc:docChg>
+  </pc:docChgLst>
+  <pc:docChgLst>
+    <pc:chgData name="Akilah Johnson" userId="S::akjohnso@adobe.com::2fa3aa60-0c9c-4d06-bae2-795983241227" providerId="AD" clId="Web-{D02E726A-82A5-CF13-9EBE-9B674D878D37}"/>
+    <pc:docChg chg="modSld">
+      <pc:chgData name="Akilah Johnson" userId="S::akjohnso@adobe.com::2fa3aa60-0c9c-4d06-bae2-795983241227" providerId="AD" clId="Web-{D02E726A-82A5-CF13-9EBE-9B674D878D37}" dt="2021-10-12T19:51:27.470" v="10"/>
+      <pc:docMkLst>
+        <pc:docMk/>
+      </pc:docMkLst>
+      <pc:sldChg chg="modSp delCm">
+        <pc:chgData name="Akilah Johnson" userId="S::akjohnso@adobe.com::2fa3aa60-0c9c-4d06-bae2-795983241227" providerId="AD" clId="Web-{D02E726A-82A5-CF13-9EBE-9B674D878D37}" dt="2021-10-12T19:51:27.470" v="10"/>
+        <pc:sldMkLst>
+          <pc:docMk/>
+          <pc:sldMk cId="2161849182" sldId="267"/>
+        </pc:sldMkLst>
+        <pc:spChg chg="mod">
+          <ac:chgData name="Akilah Johnson" userId="S::akjohnso@adobe.com::2fa3aa60-0c9c-4d06-bae2-795983241227" providerId="AD" clId="Web-{D02E726A-82A5-CF13-9EBE-9B674D878D37}" dt="2021-10-12T19:51:04.127" v="8" actId="20577"/>
+          <ac:spMkLst>
+            <pc:docMk/>
+            <pc:sldMk cId="2161849182" sldId="267"/>
+            <ac:spMk id="2" creationId="{00000000-0000-0000-0000-000000000000}"/>
+          </ac:spMkLst>
+        </pc:spChg>
+      </pc:sldChg>
+    </pc:docChg>
+  </pc:docChgLst>
+  <pc:docChgLst>
+    <pc:chgData name="Akilah Johnson" userId="S::akjohnso@adobe.com::2fa3aa60-0c9c-4d06-bae2-795983241227" providerId="AD" clId="Web-{0AB2EF93-BE08-D205-D43E-3B568BB37DAA}"/>
+    <pc:docChg chg="modSld">
+      <pc:chgData name="Akilah Johnson" userId="S::akjohnso@adobe.com::2fa3aa60-0c9c-4d06-bae2-795983241227" providerId="AD" clId="Web-{0AB2EF93-BE08-D205-D43E-3B568BB37DAA}" dt="2021-09-22T23:01:45.877" v="13"/>
+      <pc:docMkLst>
+        <pc:docMk/>
+      </pc:docMkLst>
+      <pc:sldChg chg="modSp">
+        <pc:chgData name="Akilah Johnson" userId="S::akjohnso@adobe.com::2fa3aa60-0c9c-4d06-bae2-795983241227" providerId="AD" clId="Web-{0AB2EF93-BE08-D205-D43E-3B568BB37DAA}" dt="2021-09-22T23:01:45.877" v="13"/>
+        <pc:sldMkLst>
+          <pc:docMk/>
+          <pc:sldMk cId="1050037809" sldId="261"/>
+        </pc:sldMkLst>
+        <pc:graphicFrameChg chg="mod modGraphic">
+          <ac:chgData name="Akilah Johnson" userId="S::akjohnso@adobe.com::2fa3aa60-0c9c-4d06-bae2-795983241227" providerId="AD" clId="Web-{0AB2EF93-BE08-D205-D43E-3B568BB37DAA}" dt="2021-09-22T23:01:45.877" v="13"/>
+          <ac:graphicFrameMkLst>
+            <pc:docMk/>
+            <pc:sldMk cId="1050037809" sldId="261"/>
+            <ac:graphicFrameMk id="25" creationId="{3A91F5B0-3974-A14D-A146-FB590F2AAD18}"/>
+          </ac:graphicFrameMkLst>
+        </pc:graphicFrameChg>
+      </pc:sldChg>
+    </pc:docChg>
+  </pc:docChgLst>
+  <pc:docChgLst>
+    <pc:chgData name="Akilah Johnson" userId="2fa3aa60-0c9c-4d06-bae2-795983241227" providerId="ADAL" clId="{7598C71F-6B67-2947-B18A-AD3AFAF83B9E}"/>
+    <pc:docChg chg="modSld">
+      <pc:chgData name="Akilah Johnson" userId="2fa3aa60-0c9c-4d06-bae2-795983241227" providerId="ADAL" clId="{7598C71F-6B67-2947-B18A-AD3AFAF83B9E}" dt="2021-11-24T00:03:04.956" v="14" actId="20577"/>
+      <pc:docMkLst>
+        <pc:docMk/>
+      </pc:docMkLst>
+      <pc:sldChg chg="modSp mod">
+        <pc:chgData name="Akilah Johnson" userId="2fa3aa60-0c9c-4d06-bae2-795983241227" providerId="ADAL" clId="{7598C71F-6B67-2947-B18A-AD3AFAF83B9E}" dt="2021-11-24T00:03:04.956" v="14" actId="20577"/>
+        <pc:sldMkLst>
+          <pc:docMk/>
+          <pc:sldMk cId="2161849182" sldId="267"/>
+        </pc:sldMkLst>
+        <pc:graphicFrameChg chg="modGraphic">
+          <ac:chgData name="Akilah Johnson" userId="2fa3aa60-0c9c-4d06-bae2-795983241227" providerId="ADAL" clId="{7598C71F-6B67-2947-B18A-AD3AFAF83B9E}" dt="2021-11-24T00:03:04.956" v="14" actId="20577"/>
+          <ac:graphicFrameMkLst>
+            <pc:docMk/>
+            <pc:sldMk cId="2161849182" sldId="267"/>
+            <ac:graphicFrameMk id="9" creationId="{00000000-0000-0000-0000-000000000000}"/>
+          </ac:graphicFrameMkLst>
+        </pc:graphicFrameChg>
+      </pc:sldChg>
+    </pc:docChg>
+  </pc:docChgLst>
   <pc:docChgLst>
     <pc:chgData name="Andy Witt" userId="S::awitt@adobe.com::e9157bdf-53b2-40e4-9459-936793d75696" providerId="AD" clId="Web-{3F02B349-0406-AE51-D438-E7A0BE890230}"/>
     <pc:docChg chg="modSld">
@@ -171,6 +354,218 @@
             <pc:docMk/>
             <pc:sldMk cId="1050037809" sldId="261"/>
             <ac:graphicFrameMk id="25" creationId="{3A91F5B0-3974-A14D-A146-FB590F2AAD18}"/>
+          </ac:graphicFrameMkLst>
+        </pc:graphicFrameChg>
+      </pc:sldChg>
+    </pc:docChg>
+  </pc:docChgLst>
+  <pc:docChgLst>
+    <pc:chgData name="Lauren Schutte" userId="6e08b2d3-447a-4d66-86be-444d50df187f" providerId="ADAL" clId="{1A3D389F-0E00-444F-BDF7-5C174E20EEC2}"/>
+    <pc:docChg chg="undo custSel modSld">
+      <pc:chgData name="Lauren Schutte" userId="6e08b2d3-447a-4d66-86be-444d50df187f" providerId="ADAL" clId="{1A3D389F-0E00-444F-BDF7-5C174E20EEC2}" dt="2021-10-13T19:40:59.066" v="67" actId="20577"/>
+      <pc:docMkLst>
+        <pc:docMk/>
+      </pc:docMkLst>
+      <pc:sldChg chg="delSp modSp mod">
+        <pc:chgData name="Lauren Schutte" userId="6e08b2d3-447a-4d66-86be-444d50df187f" providerId="ADAL" clId="{1A3D389F-0E00-444F-BDF7-5C174E20EEC2}" dt="2021-10-13T19:40:25.578" v="61" actId="478"/>
+        <pc:sldMkLst>
+          <pc:docMk/>
+          <pc:sldMk cId="5960377" sldId="259"/>
+        </pc:sldMkLst>
+        <pc:spChg chg="mod">
+          <ac:chgData name="Lauren Schutte" userId="6e08b2d3-447a-4d66-86be-444d50df187f" providerId="ADAL" clId="{1A3D389F-0E00-444F-BDF7-5C174E20EEC2}" dt="2021-10-13T19:33:45.182" v="59" actId="20577"/>
+          <ac:spMkLst>
+            <pc:docMk/>
+            <pc:sldMk cId="5960377" sldId="259"/>
+            <ac:spMk id="127" creationId="{BB896A03-8E7E-344F-BDE1-37C49461FF04}"/>
+          </ac:spMkLst>
+        </pc:spChg>
+        <pc:grpChg chg="del mod">
+          <ac:chgData name="Lauren Schutte" userId="6e08b2d3-447a-4d66-86be-444d50df187f" providerId="ADAL" clId="{1A3D389F-0E00-444F-BDF7-5C174E20EEC2}" dt="2021-10-13T19:40:25.578" v="61" actId="478"/>
+          <ac:grpSpMkLst>
+            <pc:docMk/>
+            <pc:sldMk cId="5960377" sldId="259"/>
+            <ac:grpSpMk id="62" creationId="{C539739D-1D3E-204D-9819-C44D9AE36DE8}"/>
+          </ac:grpSpMkLst>
+        </pc:grpChg>
+      </pc:sldChg>
+      <pc:sldChg chg="modSp mod">
+        <pc:chgData name="Lauren Schutte" userId="6e08b2d3-447a-4d66-86be-444d50df187f" providerId="ADAL" clId="{1A3D389F-0E00-444F-BDF7-5C174E20EEC2}" dt="2021-10-13T19:40:59.066" v="67" actId="20577"/>
+        <pc:sldMkLst>
+          <pc:docMk/>
+          <pc:sldMk cId="2161849182" sldId="267"/>
+        </pc:sldMkLst>
+        <pc:spChg chg="mod">
+          <ac:chgData name="Lauren Schutte" userId="6e08b2d3-447a-4d66-86be-444d50df187f" providerId="ADAL" clId="{1A3D389F-0E00-444F-BDF7-5C174E20EEC2}" dt="2021-10-13T19:40:59.066" v="67" actId="20577"/>
+          <ac:spMkLst>
+            <pc:docMk/>
+            <pc:sldMk cId="2161849182" sldId="267"/>
+            <ac:spMk id="2" creationId="{00000000-0000-0000-0000-000000000000}"/>
+          </ac:spMkLst>
+        </pc:spChg>
+        <pc:graphicFrameChg chg="mod modGraphic">
+          <ac:chgData name="Lauren Schutte" userId="6e08b2d3-447a-4d66-86be-444d50df187f" providerId="ADAL" clId="{1A3D389F-0E00-444F-BDF7-5C174E20EEC2}" dt="2021-10-13T19:33:05.183" v="58"/>
+          <ac:graphicFrameMkLst>
+            <pc:docMk/>
+            <pc:sldMk cId="2161849182" sldId="267"/>
+            <ac:graphicFrameMk id="9" creationId="{00000000-0000-0000-0000-000000000000}"/>
+          </ac:graphicFrameMkLst>
+        </pc:graphicFrameChg>
+      </pc:sldChg>
+    </pc:docChg>
+  </pc:docChgLst>
+  <pc:docChgLst>
+    <pc:chgData name="Akilah Johnson" userId="S::akjohnso@adobe.com::2fa3aa60-0c9c-4d06-bae2-795983241227" providerId="AD" clId="Web-{3CA2F123-FAC9-2CDD-7937-C83283BA7837}"/>
+    <pc:docChg chg="modSld">
+      <pc:chgData name="Akilah Johnson" userId="S::akjohnso@adobe.com::2fa3aa60-0c9c-4d06-bae2-795983241227" providerId="AD" clId="Web-{3CA2F123-FAC9-2CDD-7937-C83283BA7837}" dt="2021-09-16T20:58:19.458" v="0" actId="1076"/>
+      <pc:docMkLst>
+        <pc:docMk/>
+      </pc:docMkLst>
+      <pc:sldChg chg="modSp">
+        <pc:chgData name="Akilah Johnson" userId="S::akjohnso@adobe.com::2fa3aa60-0c9c-4d06-bae2-795983241227" providerId="AD" clId="Web-{3CA2F123-FAC9-2CDD-7937-C83283BA7837}" dt="2021-09-16T20:58:19.458" v="0" actId="1076"/>
+        <pc:sldMkLst>
+          <pc:docMk/>
+          <pc:sldMk cId="717026355" sldId="266"/>
+        </pc:sldMkLst>
+        <pc:spChg chg="mod">
+          <ac:chgData name="Akilah Johnson" userId="S::akjohnso@adobe.com::2fa3aa60-0c9c-4d06-bae2-795983241227" providerId="AD" clId="Web-{3CA2F123-FAC9-2CDD-7937-C83283BA7837}" dt="2021-09-16T20:58:19.458" v="0" actId="1076"/>
+          <ac:spMkLst>
+            <pc:docMk/>
+            <pc:sldMk cId="717026355" sldId="266"/>
+            <ac:spMk id="83" creationId="{BB34E685-A734-974B-A33A-BE51D1A8BC0D}"/>
+          </ac:spMkLst>
+        </pc:spChg>
+      </pc:sldChg>
+    </pc:docChg>
+  </pc:docChgLst>
+  <pc:docChgLst>
+    <pc:chgData name="Akilah Johnson" userId="S::akjohnso@adobe.com::2fa3aa60-0c9c-4d06-bae2-795983241227" providerId="AD" clId="Web-{19826C17-B3F5-53A1-AAFF-C7771804C7A7}"/>
+    <pc:docChg chg="modSld">
+      <pc:chgData name="Akilah Johnson" userId="S::akjohnso@adobe.com::2fa3aa60-0c9c-4d06-bae2-795983241227" providerId="AD" clId="Web-{19826C17-B3F5-53A1-AAFF-C7771804C7A7}" dt="2021-10-13T18:50:21.160" v="67"/>
+      <pc:docMkLst>
+        <pc:docMk/>
+      </pc:docMkLst>
+      <pc:sldChg chg="modSp">
+        <pc:chgData name="Akilah Johnson" userId="S::akjohnso@adobe.com::2fa3aa60-0c9c-4d06-bae2-795983241227" providerId="AD" clId="Web-{19826C17-B3F5-53A1-AAFF-C7771804C7A7}" dt="2021-10-13T18:38:26.810" v="9" actId="20577"/>
+        <pc:sldMkLst>
+          <pc:docMk/>
+          <pc:sldMk cId="5960377" sldId="259"/>
+        </pc:sldMkLst>
+        <pc:spChg chg="mod">
+          <ac:chgData name="Akilah Johnson" userId="S::akjohnso@adobe.com::2fa3aa60-0c9c-4d06-bae2-795983241227" providerId="AD" clId="Web-{19826C17-B3F5-53A1-AAFF-C7771804C7A7}" dt="2021-10-13T18:38:26.810" v="9" actId="20577"/>
+          <ac:spMkLst>
+            <pc:docMk/>
+            <pc:sldMk cId="5960377" sldId="259"/>
+            <ac:spMk id="75" creationId="{4602CC83-B0C7-8445-9007-87E67CDDD9D0}"/>
+          </ac:spMkLst>
+        </pc:spChg>
+        <pc:spChg chg="mod">
+          <ac:chgData name="Akilah Johnson" userId="S::akjohnso@adobe.com::2fa3aa60-0c9c-4d06-bae2-795983241227" providerId="AD" clId="Web-{19826C17-B3F5-53A1-AAFF-C7771804C7A7}" dt="2021-10-13T18:38:17.716" v="5" actId="20577"/>
+          <ac:spMkLst>
+            <pc:docMk/>
+            <pc:sldMk cId="5960377" sldId="259"/>
+            <ac:spMk id="83" creationId="{7A016ADC-2A30-8A4B-BE07-A9AB6C1898A7}"/>
+          </ac:spMkLst>
+        </pc:spChg>
+        <pc:spChg chg="mod">
+          <ac:chgData name="Akilah Johnson" userId="S::akjohnso@adobe.com::2fa3aa60-0c9c-4d06-bae2-795983241227" providerId="AD" clId="Web-{19826C17-B3F5-53A1-AAFF-C7771804C7A7}" dt="2021-10-13T18:38:19.654" v="6" actId="20577"/>
+          <ac:spMkLst>
+            <pc:docMk/>
+            <pc:sldMk cId="5960377" sldId="259"/>
+            <ac:spMk id="87" creationId="{57C0C871-6516-F145-97DA-27A143E6185C}"/>
+          </ac:spMkLst>
+        </pc:spChg>
+        <pc:spChg chg="mod">
+          <ac:chgData name="Akilah Johnson" userId="S::akjohnso@adobe.com::2fa3aa60-0c9c-4d06-bae2-795983241227" providerId="AD" clId="Web-{19826C17-B3F5-53A1-AAFF-C7771804C7A7}" dt="2021-10-13T18:38:14.044" v="4" actId="20577"/>
+          <ac:spMkLst>
+            <pc:docMk/>
+            <pc:sldMk cId="5960377" sldId="259"/>
+            <ac:spMk id="124" creationId="{14AAF776-9013-4C40-92F9-FFFE22C4038F}"/>
+          </ac:spMkLst>
+        </pc:spChg>
+        <pc:spChg chg="mod">
+          <ac:chgData name="Akilah Johnson" userId="S::akjohnso@adobe.com::2fa3aa60-0c9c-4d06-bae2-795983241227" providerId="AD" clId="Web-{19826C17-B3F5-53A1-AAFF-C7771804C7A7}" dt="2021-10-13T18:38:10.013" v="2" actId="20577"/>
+          <ac:spMkLst>
+            <pc:docMk/>
+            <pc:sldMk cId="5960377" sldId="259"/>
+            <ac:spMk id="125" creationId="{AF4EBBF5-5438-A043-B9AA-3822381D52EE}"/>
+          </ac:spMkLst>
+        </pc:spChg>
+        <pc:spChg chg="mod">
+          <ac:chgData name="Akilah Johnson" userId="S::akjohnso@adobe.com::2fa3aa60-0c9c-4d06-bae2-795983241227" providerId="AD" clId="Web-{19826C17-B3F5-53A1-AAFF-C7771804C7A7}" dt="2021-10-13T18:38:12.263" v="3" actId="20577"/>
+          <ac:spMkLst>
+            <pc:docMk/>
+            <pc:sldMk cId="5960377" sldId="259"/>
+            <ac:spMk id="126" creationId="{7F65676D-32E4-7B4B-BB85-4D504B5882BD}"/>
+          </ac:spMkLst>
+        </pc:spChg>
+      </pc:sldChg>
+      <pc:sldChg chg="modSp">
+        <pc:chgData name="Akilah Johnson" userId="S::akjohnso@adobe.com::2fa3aa60-0c9c-4d06-bae2-795983241227" providerId="AD" clId="Web-{19826C17-B3F5-53A1-AAFF-C7771804C7A7}" dt="2021-10-13T18:40:23.717" v="19" actId="20577"/>
+        <pc:sldMkLst>
+          <pc:docMk/>
+          <pc:sldMk cId="1050037809" sldId="261"/>
+        </pc:sldMkLst>
+        <pc:spChg chg="mod">
+          <ac:chgData name="Akilah Johnson" userId="S::akjohnso@adobe.com::2fa3aa60-0c9c-4d06-bae2-795983241227" providerId="AD" clId="Web-{19826C17-B3F5-53A1-AAFF-C7771804C7A7}" dt="2021-10-13T18:40:23.717" v="19" actId="20577"/>
+          <ac:spMkLst>
+            <pc:docMk/>
+            <pc:sldMk cId="1050037809" sldId="261"/>
+            <ac:spMk id="56" creationId="{00000000-0000-0000-0000-000000000000}"/>
+          </ac:spMkLst>
+        </pc:spChg>
+        <pc:graphicFrameChg chg="mod modGraphic">
+          <ac:chgData name="Akilah Johnson" userId="S::akjohnso@adobe.com::2fa3aa60-0c9c-4d06-bae2-795983241227" providerId="AD" clId="Web-{19826C17-B3F5-53A1-AAFF-C7771804C7A7}" dt="2021-10-13T18:39:38.154" v="17"/>
+          <ac:graphicFrameMkLst>
+            <pc:docMk/>
+            <pc:sldMk cId="1050037809" sldId="261"/>
+            <ac:graphicFrameMk id="111" creationId="{D8653CEC-4213-DE40-9BAF-D1E3318FF89C}"/>
+          </ac:graphicFrameMkLst>
+        </pc:graphicFrameChg>
+      </pc:sldChg>
+      <pc:sldChg chg="modSp">
+        <pc:chgData name="Akilah Johnson" userId="S::akjohnso@adobe.com::2fa3aa60-0c9c-4d06-bae2-795983241227" providerId="AD" clId="Web-{19826C17-B3F5-53A1-AAFF-C7771804C7A7}" dt="2021-10-13T18:39:10.373" v="15" actId="20577"/>
+        <pc:sldMkLst>
+          <pc:docMk/>
+          <pc:sldMk cId="717026355" sldId="266"/>
+        </pc:sldMkLst>
+        <pc:spChg chg="mod">
+          <ac:chgData name="Akilah Johnson" userId="S::akjohnso@adobe.com::2fa3aa60-0c9c-4d06-bae2-795983241227" providerId="AD" clId="Web-{19826C17-B3F5-53A1-AAFF-C7771804C7A7}" dt="2021-10-13T18:39:10.373" v="15" actId="20577"/>
+          <ac:spMkLst>
+            <pc:docMk/>
+            <pc:sldMk cId="717026355" sldId="266"/>
+            <ac:spMk id="9" creationId="{00000000-0000-0000-0000-000000000000}"/>
+          </ac:spMkLst>
+        </pc:spChg>
+        <pc:spChg chg="mod">
+          <ac:chgData name="Akilah Johnson" userId="S::akjohnso@adobe.com::2fa3aa60-0c9c-4d06-bae2-795983241227" providerId="AD" clId="Web-{19826C17-B3F5-53A1-AAFF-C7771804C7A7}" dt="2021-10-13T18:38:44.029" v="11" actId="20577"/>
+          <ac:spMkLst>
+            <pc:docMk/>
+            <pc:sldMk cId="717026355" sldId="266"/>
+            <ac:spMk id="82" creationId="{F6061E8D-9723-464D-AA49-7A3A3A02BE92}"/>
+          </ac:spMkLst>
+        </pc:spChg>
+        <pc:spChg chg="mod">
+          <ac:chgData name="Akilah Johnson" userId="S::akjohnso@adobe.com::2fa3aa60-0c9c-4d06-bae2-795983241227" providerId="AD" clId="Web-{19826C17-B3F5-53A1-AAFF-C7771804C7A7}" dt="2021-10-13T18:39:00.638" v="13" actId="20577"/>
+          <ac:spMkLst>
+            <pc:docMk/>
+            <pc:sldMk cId="717026355" sldId="266"/>
+            <ac:spMk id="83" creationId="{BB34E685-A734-974B-A33A-BE51D1A8BC0D}"/>
+          </ac:spMkLst>
+        </pc:spChg>
+      </pc:sldChg>
+      <pc:sldChg chg="modSp">
+        <pc:chgData name="Akilah Johnson" userId="S::akjohnso@adobe.com::2fa3aa60-0c9c-4d06-bae2-795983241227" providerId="AD" clId="Web-{19826C17-B3F5-53A1-AAFF-C7771804C7A7}" dt="2021-10-13T18:50:21.160" v="67"/>
+        <pc:sldMkLst>
+          <pc:docMk/>
+          <pc:sldMk cId="2161849182" sldId="267"/>
+        </pc:sldMkLst>
+        <pc:graphicFrameChg chg="mod modGraphic">
+          <ac:chgData name="Akilah Johnson" userId="S::akjohnso@adobe.com::2fa3aa60-0c9c-4d06-bae2-795983241227" providerId="AD" clId="Web-{19826C17-B3F5-53A1-AAFF-C7771804C7A7}" dt="2021-10-13T18:50:21.160" v="67"/>
+          <ac:graphicFrameMkLst>
+            <pc:docMk/>
+            <pc:sldMk cId="2161849182" sldId="267"/>
+            <ac:graphicFrameMk id="9" creationId="{00000000-0000-0000-0000-000000000000}"/>
           </ac:graphicFrameMkLst>
         </pc:graphicFrameChg>
       </pc:sldChg>
@@ -275,7 +670,7 @@
           <a:p>
             <a:fld id="{CCB2A597-803A-C244-97E2-A01066125D19}" type="datetimeFigureOut">
               <a:rPr lang="en-US" smtClean="0"/>
-              <a:t>10/11/21</a:t>
+              <a:t>11/23/21</a:t>
             </a:fld>
             <a:endParaRPr lang="en-US"/>
           </a:p>
@@ -1056,7 +1451,7 @@
           <a:p>
             <a:fld id="{1D8BD707-D9CF-40AE-B4C6-C98DA3205C09}" type="datetimeFigureOut">
               <a:rPr lang="en-US"/>
-              <a:t>10/11/21</a:t>
+              <a:t>11/23/21</a:t>
             </a:fld>
             <a:endParaRPr lang="en-US"/>
           </a:p>
@@ -1296,7 +1691,7 @@
           <a:p>
             <a:fld id="{1D8BD707-D9CF-40AE-B4C6-C98DA3205C09}" type="datetimeFigureOut">
               <a:rPr lang="en-US"/>
-              <a:t>10/11/21</a:t>
+              <a:t>11/23/21</a:t>
             </a:fld>
             <a:endParaRPr lang="en-US"/>
           </a:p>
@@ -1549,7 +1944,7 @@
           <a:p>
             <a:fld id="{1D8BD707-D9CF-40AE-B4C6-C98DA3205C09}" type="datetimeFigureOut">
               <a:rPr lang="en-US"/>
-              <a:t>10/11/21</a:t>
+              <a:t>11/23/21</a:t>
             </a:fld>
             <a:endParaRPr lang="en-US"/>
           </a:p>
@@ -1736,7 +2131,7 @@
           <a:p>
             <a:fld id="{1D8BD707-D9CF-40AE-B4C6-C98DA3205C09}" type="datetimeFigureOut">
               <a:rPr lang="en-US"/>
-              <a:t>10/11/21</a:t>
+              <a:t>11/23/21</a:t>
             </a:fld>
             <a:endParaRPr lang="en-US"/>
           </a:p>
@@ -1894,7 +2289,7 @@
           <a:p>
             <a:fld id="{1D8BD707-D9CF-40AE-B4C6-C98DA3205C09}" type="datetimeFigureOut">
               <a:rPr lang="en-US"/>
-              <a:t>10/11/21</a:t>
+              <a:t>11/23/21</a:t>
             </a:fld>
             <a:endParaRPr lang="en-US"/>
           </a:p>
@@ -2152,7 +2547,7 @@
           <a:p>
             <a:fld id="{1D8BD707-D9CF-40AE-B4C6-C98DA3205C09}" type="datetimeFigureOut">
               <a:rPr lang="en-US"/>
-              <a:t>10/11/21</a:t>
+              <a:t>11/23/21</a:t>
             </a:fld>
             <a:endParaRPr lang="en-US"/>
           </a:p>
@@ -2391,26 +2786,41 @@
           </a:prstGeom>
         </p:spPr>
         <p:txBody>
-          <a:bodyPr vert="horz" wrap="square" lIns="0" tIns="12700" rIns="0" bIns="0" rtlCol="0">
+          <a:bodyPr vert="horz" wrap="square" lIns="0" tIns="12700" rIns="0" bIns="0" rtlCol="0" anchor="t">
             <a:spAutoFit/>
           </a:bodyPr>
           <a:lstStyle/>
           <a:p>
             <a:pPr marL="12700">
-              <a:lnSpc>
-                <a:spcPct val="100000"/>
-              </a:lnSpc>
               <a:spcBef>
                 <a:spcPts val="100"/>
               </a:spcBef>
             </a:pPr>
             <a:r>
-              <a:rPr lang="de-de" sz="2300" spc="-229">
-                <a:latin typeface="Adobe Clean" panose="020B0503020404020204" pitchFamily="34" charset="0"/>
-              </a:rPr>
-              <a:t>Adobe 支援方案</a:t>
-            </a:r>
-            <a:endParaRPr sz="2300" spc="-229">
+              <a:rPr sz="2300" dirty="0">
+                <a:latin typeface="Adobe Clean"/>
+              </a:rPr>
+              <a:t>ADOBE</a:t>
+            </a:r>
+            <a:r>
+              <a:rPr lang="en-US" sz="2300" dirty="0">
+                <a:latin typeface="Adobe Clean"/>
+              </a:rPr>
+              <a:t> </a:t>
+            </a:r>
+            <a:r>
+              <a:rPr sz="2300" dirty="0">
+                <a:latin typeface="Adobe Clean"/>
+              </a:rPr>
+              <a:t>SUPPORT</a:t>
+            </a:r>
+            <a:r>
+              <a:rPr lang="en-US" sz="2300" dirty="0">
+                <a:latin typeface="Adobe Clean"/>
+              </a:rPr>
+              <a:t> PLANS</a:t>
+            </a:r>
+            <a:endParaRPr sz="2300" dirty="0">
               <a:latin typeface="Adobe Clean" panose="020B0503020404020204" pitchFamily="34" charset="0"/>
             </a:endParaRPr>
           </a:p>
@@ -2425,7 +2835,7 @@
         <p:spPr>
           <a:xfrm>
             <a:off x="125148" y="7013546"/>
-            <a:ext cx="5246952" cy="228268"/>
+            <a:ext cx="2785110" cy="228268"/>
           </a:xfrm>
           <a:prstGeom prst="rect">
             <a:avLst/>
@@ -2446,7 +2856,7 @@
               </a:spcBef>
             </a:pPr>
             <a:r>
-              <a:rPr lang="de-de" sz="1400" b="1" u="sng" spc="15" dirty="0">
+              <a:rPr sz="1400" b="1" u="sng" spc="15">
                 <a:solidFill>
                   <a:srgbClr val="020302"/>
                 </a:solidFill>
@@ -2458,10 +2868,10 @@
                 <a:latin typeface="Adobe Clean"/>
                 <a:cs typeface="Adobe Clean"/>
               </a:rPr>
-              <a:t>服務層級目標：初始回應</a:t>
-            </a:r>
-            <a:r>
-              <a:rPr lang="de-de" sz="1400" b="1" u="sng" spc="-15" dirty="0">
+              <a:t>S</a:t>
+            </a:r>
+            <a:r>
+              <a:rPr sz="1400" b="1" u="sng" spc="5">
                 <a:solidFill>
                   <a:srgbClr val="020302"/>
                 </a:solidFill>
@@ -2473,10 +2883,10 @@
                 <a:latin typeface="Adobe Clean"/>
                 <a:cs typeface="Adobe Clean"/>
               </a:rPr>
-              <a:t> </a:t>
-            </a:r>
-            <a:r>
-              <a:rPr lang="de-de" sz="1400" b="1" u="sng" spc="-85" dirty="0">
+              <a:t>er</a:t>
+            </a:r>
+            <a:r>
+              <a:rPr sz="1400" b="1" u="sng" spc="10">
                 <a:solidFill>
                   <a:srgbClr val="020302"/>
                 </a:solidFill>
@@ -2488,10 +2898,10 @@
                 <a:latin typeface="Adobe Clean"/>
                 <a:cs typeface="Adobe Clean"/>
               </a:rPr>
-              <a:t> </a:t>
-            </a:r>
-            <a:r>
-              <a:rPr lang="de-de" sz="1400" b="1" u="sng" spc="-145" dirty="0">
+              <a:t>vi</a:t>
+            </a:r>
+            <a:r>
+              <a:rPr sz="1400" b="1" u="sng" spc="5">
                 <a:solidFill>
                   <a:srgbClr val="020302"/>
                 </a:solidFill>
@@ -2503,9 +2913,429 @@
                 <a:latin typeface="Adobe Clean"/>
                 <a:cs typeface="Adobe Clean"/>
               </a:rPr>
+              <a:t>c</a:t>
+            </a:r>
+            <a:r>
+              <a:rPr sz="1400" b="1" u="sng">
+                <a:solidFill>
+                  <a:srgbClr val="020302"/>
+                </a:solidFill>
+                <a:uFill>
+                  <a:solidFill>
+                    <a:srgbClr val="020302"/>
+                  </a:solidFill>
+                </a:uFill>
+                <a:latin typeface="Adobe Clean"/>
+                <a:cs typeface="Adobe Clean"/>
+              </a:rPr>
+              <a:t>e</a:t>
+            </a:r>
+            <a:r>
+              <a:rPr sz="1400" b="1" u="sng" spc="20">
+                <a:solidFill>
+                  <a:srgbClr val="020302"/>
+                </a:solidFill>
+                <a:uFill>
+                  <a:solidFill>
+                    <a:srgbClr val="020302"/>
+                  </a:solidFill>
+                </a:uFill>
+                <a:latin typeface="Adobe Clean"/>
+                <a:cs typeface="Adobe Clean"/>
+              </a:rPr>
               <a:t> </a:t>
             </a:r>
-            <a:endParaRPr sz="1400" u="sng" dirty="0">
+            <a:r>
+              <a:rPr sz="1400" b="1" u="sng" spc="-15">
+                <a:solidFill>
+                  <a:srgbClr val="020302"/>
+                </a:solidFill>
+                <a:uFill>
+                  <a:solidFill>
+                    <a:srgbClr val="020302"/>
+                  </a:solidFill>
+                </a:uFill>
+                <a:latin typeface="Adobe Clean"/>
+                <a:cs typeface="Adobe Clean"/>
+              </a:rPr>
+              <a:t>Le</a:t>
+            </a:r>
+            <a:r>
+              <a:rPr sz="1400" b="1" u="sng" spc="-10">
+                <a:solidFill>
+                  <a:srgbClr val="020302"/>
+                </a:solidFill>
+                <a:uFill>
+                  <a:solidFill>
+                    <a:srgbClr val="020302"/>
+                  </a:solidFill>
+                </a:uFill>
+                <a:latin typeface="Adobe Clean"/>
+                <a:cs typeface="Adobe Clean"/>
+              </a:rPr>
+              <a:t>v</a:t>
+            </a:r>
+            <a:r>
+              <a:rPr sz="1400" b="1" u="sng" spc="-15">
+                <a:solidFill>
+                  <a:srgbClr val="020302"/>
+                </a:solidFill>
+                <a:uFill>
+                  <a:solidFill>
+                    <a:srgbClr val="020302"/>
+                  </a:solidFill>
+                </a:uFill>
+                <a:latin typeface="Adobe Clean"/>
+                <a:cs typeface="Adobe Clean"/>
+              </a:rPr>
+              <a:t>e</a:t>
+            </a:r>
+            <a:r>
+              <a:rPr sz="1400" b="1" u="sng">
+                <a:solidFill>
+                  <a:srgbClr val="020302"/>
+                </a:solidFill>
+                <a:uFill>
+                  <a:solidFill>
+                    <a:srgbClr val="020302"/>
+                  </a:solidFill>
+                </a:uFill>
+                <a:latin typeface="Adobe Clean"/>
+                <a:cs typeface="Adobe Clean"/>
+              </a:rPr>
+              <a:t>l</a:t>
+            </a:r>
+            <a:r>
+              <a:rPr sz="1400" b="1" u="sng" spc="-15">
+                <a:solidFill>
+                  <a:srgbClr val="020302"/>
+                </a:solidFill>
+                <a:uFill>
+                  <a:solidFill>
+                    <a:srgbClr val="020302"/>
+                  </a:solidFill>
+                </a:uFill>
+                <a:latin typeface="Adobe Clean"/>
+                <a:cs typeface="Adobe Clean"/>
+              </a:rPr>
+              <a:t> </a:t>
+            </a:r>
+            <a:r>
+              <a:rPr sz="1400" b="1" u="sng" spc="-55">
+                <a:solidFill>
+                  <a:srgbClr val="020302"/>
+                </a:solidFill>
+                <a:uFill>
+                  <a:solidFill>
+                    <a:srgbClr val="020302"/>
+                  </a:solidFill>
+                </a:uFill>
+                <a:latin typeface="Adobe Clean"/>
+                <a:cs typeface="Adobe Clean"/>
+              </a:rPr>
+              <a:t>T</a:t>
+            </a:r>
+            <a:r>
+              <a:rPr sz="1400" b="1" u="sng" spc="-40">
+                <a:solidFill>
+                  <a:srgbClr val="020302"/>
+                </a:solidFill>
+                <a:uFill>
+                  <a:solidFill>
+                    <a:srgbClr val="020302"/>
+                  </a:solidFill>
+                </a:uFill>
+                <a:latin typeface="Adobe Clean"/>
+                <a:cs typeface="Adobe Clean"/>
+              </a:rPr>
+              <a:t>a</a:t>
+            </a:r>
+            <a:r>
+              <a:rPr sz="1400" b="1" u="sng" spc="-45">
+                <a:solidFill>
+                  <a:srgbClr val="020302"/>
+                </a:solidFill>
+                <a:uFill>
+                  <a:solidFill>
+                    <a:srgbClr val="020302"/>
+                  </a:solidFill>
+                </a:uFill>
+                <a:latin typeface="Adobe Clean"/>
+                <a:cs typeface="Adobe Clean"/>
+              </a:rPr>
+              <a:t>r</a:t>
+            </a:r>
+            <a:r>
+              <a:rPr sz="1400" b="1" u="sng" spc="-40">
+                <a:solidFill>
+                  <a:srgbClr val="020302"/>
+                </a:solidFill>
+                <a:uFill>
+                  <a:solidFill>
+                    <a:srgbClr val="020302"/>
+                  </a:solidFill>
+                </a:uFill>
+                <a:latin typeface="Adobe Clean"/>
+                <a:cs typeface="Adobe Clean"/>
+              </a:rPr>
+              <a:t>g</a:t>
+            </a:r>
+            <a:r>
+              <a:rPr sz="1400" b="1" u="sng" spc="-50">
+                <a:solidFill>
+                  <a:srgbClr val="020302"/>
+                </a:solidFill>
+                <a:uFill>
+                  <a:solidFill>
+                    <a:srgbClr val="020302"/>
+                  </a:solidFill>
+                </a:uFill>
+                <a:latin typeface="Adobe Clean"/>
+                <a:cs typeface="Adobe Clean"/>
+              </a:rPr>
+              <a:t>et</a:t>
+            </a:r>
+            <a:r>
+              <a:rPr sz="1400" b="1" u="sng" spc="-45">
+                <a:solidFill>
+                  <a:srgbClr val="020302"/>
+                </a:solidFill>
+                <a:uFill>
+                  <a:solidFill>
+                    <a:srgbClr val="020302"/>
+                  </a:solidFill>
+                </a:uFill>
+                <a:latin typeface="Adobe Clean"/>
+                <a:cs typeface="Adobe Clean"/>
+              </a:rPr>
+              <a:t>s</a:t>
+            </a:r>
+            <a:r>
+              <a:rPr sz="1400" b="1" u="sng">
+                <a:solidFill>
+                  <a:srgbClr val="020302"/>
+                </a:solidFill>
+                <a:uFill>
+                  <a:solidFill>
+                    <a:srgbClr val="020302"/>
+                  </a:solidFill>
+                </a:uFill>
+                <a:latin typeface="Adobe Clean"/>
+                <a:cs typeface="Adobe Clean"/>
+              </a:rPr>
+              <a:t>:</a:t>
+            </a:r>
+            <a:r>
+              <a:rPr sz="1400" b="1" u="sng" spc="-85">
+                <a:solidFill>
+                  <a:srgbClr val="020302"/>
+                </a:solidFill>
+                <a:uFill>
+                  <a:solidFill>
+                    <a:srgbClr val="020302"/>
+                  </a:solidFill>
+                </a:uFill>
+                <a:latin typeface="Adobe Clean"/>
+                <a:cs typeface="Adobe Clean"/>
+              </a:rPr>
+              <a:t> </a:t>
+            </a:r>
+            <a:r>
+              <a:rPr sz="1400" b="1" u="sng" spc="-15">
+                <a:solidFill>
+                  <a:srgbClr val="020302"/>
+                </a:solidFill>
+                <a:uFill>
+                  <a:solidFill>
+                    <a:srgbClr val="020302"/>
+                  </a:solidFill>
+                </a:uFill>
+                <a:latin typeface="Adobe Clean"/>
+                <a:cs typeface="Adobe Clean"/>
+              </a:rPr>
+              <a:t>I</a:t>
+            </a:r>
+            <a:r>
+              <a:rPr sz="1400" b="1" u="sng" spc="-10">
+                <a:solidFill>
+                  <a:srgbClr val="020302"/>
+                </a:solidFill>
+                <a:uFill>
+                  <a:solidFill>
+                    <a:srgbClr val="020302"/>
+                  </a:solidFill>
+                </a:uFill>
+                <a:latin typeface="Adobe Clean"/>
+                <a:cs typeface="Adobe Clean"/>
+              </a:rPr>
+              <a:t>ni</a:t>
+            </a:r>
+            <a:r>
+              <a:rPr sz="1400" b="1" u="sng" spc="-15">
+                <a:solidFill>
+                  <a:srgbClr val="020302"/>
+                </a:solidFill>
+                <a:uFill>
+                  <a:solidFill>
+                    <a:srgbClr val="020302"/>
+                  </a:solidFill>
+                </a:uFill>
+                <a:latin typeface="Adobe Clean"/>
+                <a:cs typeface="Adobe Clean"/>
+              </a:rPr>
+              <a:t>t</a:t>
+            </a:r>
+            <a:r>
+              <a:rPr sz="1400" b="1" u="sng" spc="-10">
+                <a:solidFill>
+                  <a:srgbClr val="020302"/>
+                </a:solidFill>
+                <a:uFill>
+                  <a:solidFill>
+                    <a:srgbClr val="020302"/>
+                  </a:solidFill>
+                </a:uFill>
+                <a:latin typeface="Adobe Clean"/>
+                <a:cs typeface="Adobe Clean"/>
+              </a:rPr>
+              <a:t>i</a:t>
+            </a:r>
+            <a:r>
+              <a:rPr sz="1400" b="1" u="sng" spc="-5">
+                <a:solidFill>
+                  <a:srgbClr val="020302"/>
+                </a:solidFill>
+                <a:uFill>
+                  <a:solidFill>
+                    <a:srgbClr val="020302"/>
+                  </a:solidFill>
+                </a:uFill>
+                <a:latin typeface="Adobe Clean"/>
+                <a:cs typeface="Adobe Clean"/>
+              </a:rPr>
+              <a:t>a</a:t>
+            </a:r>
+            <a:r>
+              <a:rPr sz="1400" b="1" u="sng">
+                <a:solidFill>
+                  <a:srgbClr val="020302"/>
+                </a:solidFill>
+                <a:uFill>
+                  <a:solidFill>
+                    <a:srgbClr val="020302"/>
+                  </a:solidFill>
+                </a:uFill>
+                <a:latin typeface="Adobe Clean"/>
+                <a:cs typeface="Adobe Clean"/>
+              </a:rPr>
+              <a:t>l</a:t>
+            </a:r>
+            <a:r>
+              <a:rPr sz="1400" b="1" u="sng" spc="-145">
+                <a:solidFill>
+                  <a:srgbClr val="020302"/>
+                </a:solidFill>
+                <a:uFill>
+                  <a:solidFill>
+                    <a:srgbClr val="020302"/>
+                  </a:solidFill>
+                </a:uFill>
+                <a:latin typeface="Adobe Clean"/>
+                <a:cs typeface="Adobe Clean"/>
+              </a:rPr>
+              <a:t> </a:t>
+            </a:r>
+            <a:r>
+              <a:rPr sz="1400" b="1" u="sng" spc="-15">
+                <a:solidFill>
+                  <a:srgbClr val="020302"/>
+                </a:solidFill>
+                <a:uFill>
+                  <a:solidFill>
+                    <a:srgbClr val="020302"/>
+                  </a:solidFill>
+                </a:uFill>
+                <a:latin typeface="Adobe Clean"/>
+                <a:cs typeface="Adobe Clean"/>
+              </a:rPr>
+              <a:t>R</a:t>
+            </a:r>
+            <a:r>
+              <a:rPr sz="1400" b="1" u="sng" spc="-20">
+                <a:solidFill>
+                  <a:srgbClr val="020302"/>
+                </a:solidFill>
+                <a:uFill>
+                  <a:solidFill>
+                    <a:srgbClr val="020302"/>
+                  </a:solidFill>
+                </a:uFill>
+                <a:latin typeface="Adobe Clean"/>
+                <a:cs typeface="Adobe Clean"/>
+              </a:rPr>
+              <a:t>e</a:t>
+            </a:r>
+            <a:r>
+              <a:rPr sz="1400" b="1" u="sng" spc="-15">
+                <a:solidFill>
+                  <a:srgbClr val="020302"/>
+                </a:solidFill>
+                <a:uFill>
+                  <a:solidFill>
+                    <a:srgbClr val="020302"/>
+                  </a:solidFill>
+                </a:uFill>
+                <a:latin typeface="Adobe Clean"/>
+                <a:cs typeface="Adobe Clean"/>
+              </a:rPr>
+              <a:t>s</a:t>
+            </a:r>
+            <a:r>
+              <a:rPr sz="1400" b="1" u="sng" spc="-20">
+                <a:solidFill>
+                  <a:srgbClr val="020302"/>
+                </a:solidFill>
+                <a:uFill>
+                  <a:solidFill>
+                    <a:srgbClr val="020302"/>
+                  </a:solidFill>
+                </a:uFill>
+                <a:latin typeface="Adobe Clean"/>
+                <a:cs typeface="Adobe Clean"/>
+              </a:rPr>
+              <a:t>p</a:t>
+            </a:r>
+            <a:r>
+              <a:rPr sz="1400" b="1" u="sng" spc="-15">
+                <a:solidFill>
+                  <a:srgbClr val="020302"/>
+                </a:solidFill>
+                <a:uFill>
+                  <a:solidFill>
+                    <a:srgbClr val="020302"/>
+                  </a:solidFill>
+                </a:uFill>
+                <a:latin typeface="Adobe Clean"/>
+                <a:cs typeface="Adobe Clean"/>
+              </a:rPr>
+              <a:t>ons</a:t>
+            </a:r>
+            <a:r>
+              <a:rPr sz="1400" b="1" u="sng">
+                <a:solidFill>
+                  <a:srgbClr val="020302"/>
+                </a:solidFill>
+                <a:uFill>
+                  <a:solidFill>
+                    <a:srgbClr val="020302"/>
+                  </a:solidFill>
+                </a:uFill>
+                <a:latin typeface="Adobe Clean"/>
+                <a:cs typeface="Adobe Clean"/>
+              </a:rPr>
+              <a:t>e</a:t>
+            </a:r>
+            <a:endParaRPr sz="1400" u="sng">
               <a:latin typeface="Adobe Clean"/>
               <a:cs typeface="Adobe Clean"/>
             </a:endParaRPr>
@@ -2521,14 +3351,14 @@
           <p:nvPr>
             <p:extLst>
               <p:ext uri="{D42A27DB-BD31-4B8C-83A1-F6EECF244321}">
-                <p14:modId xmlns:p14="http://schemas.microsoft.com/office/powerpoint/2010/main" val="1256728540"/>
+                <p14:modId xmlns:p14="http://schemas.microsoft.com/office/powerpoint/2010/main" val="2035938553"/>
               </p:ext>
             </p:extLst>
           </p:nvPr>
         </p:nvGraphicFramePr>
         <p:xfrm>
           <a:off x="146919" y="7473158"/>
-          <a:ext cx="7477080" cy="2307249"/>
+          <a:ext cx="7477080" cy="2190409"/>
         </p:xfrm>
         <a:graphic>
           <a:graphicData uri="http://schemas.openxmlformats.org/drawingml/2006/table">
@@ -2574,16 +3404,16 @@
                         </a:spcBef>
                       </a:pPr>
                       <a:r>
-                        <a:rPr lang="de-de" sz="900" spc="-20">
+                        <a:rPr sz="900" spc="-20" dirty="0">
                           <a:solidFill>
                             <a:srgbClr val="020302"/>
                           </a:solidFill>
                           <a:latin typeface="Adobe Clean"/>
                           <a:cs typeface="Adobe Clean"/>
                         </a:rPr>
-                        <a:t>優先順序</a:t>
+                        <a:t>Priority</a:t>
                       </a:r>
-                      <a:endParaRPr sz="900">
+                      <a:endParaRPr sz="900" dirty="0">
                         <a:latin typeface="Adobe Clean"/>
                         <a:cs typeface="Adobe Clean"/>
                       </a:endParaRPr>
@@ -2624,7 +3454,7 @@
                     <a:bodyPr/>
                     <a:lstStyle/>
                     <a:p>
-                      <a:pPr marL="381000" algn="ctr">
+                      <a:pPr marL="381000">
                         <a:lnSpc>
                           <a:spcPct val="100000"/>
                         </a:lnSpc>
@@ -2633,14 +3463,14 @@
                         </a:spcBef>
                       </a:pPr>
                       <a:r>
-                        <a:rPr lang="de-de" sz="900" spc="0" dirty="0" err="1">
+                        <a:rPr sz="900" spc="0" dirty="0">
                           <a:solidFill>
                             <a:srgbClr val="020302"/>
                           </a:solidFill>
                           <a:latin typeface="Adobe Clean"/>
                           <a:cs typeface="Adobe Clean"/>
                         </a:rPr>
-                        <a:t>線上支援</a:t>
+                        <a:t>Online Support</a:t>
                       </a:r>
                       <a:endParaRPr sz="900" spc="0" dirty="0">
                         <a:latin typeface="Adobe Clean"/>
@@ -2648,7 +3478,7 @@
                       </a:endParaRPr>
                     </a:p>
                   </a:txBody>
-                  <a:tcPr marL="0" marR="0" marT="6985" marB="0" anchor="ctr">
+                  <a:tcPr marL="0" marR="0" marT="0" marB="0" anchor="ctr">
                     <a:lnL w="6350">
                       <a:solidFill>
                         <a:srgbClr val="B7B8B8"/>
@@ -2667,11 +3497,14 @@
                       </a:solidFill>
                       <a:prstDash val="solid"/>
                     </a:lnT>
-                    <a:lnB w="76200">
+                    <a:lnB w="76200" cap="flat" cmpd="sng" algn="ctr">
                       <a:solidFill>
                         <a:srgbClr val="B3B3B3"/>
                       </a:solidFill>
                       <a:prstDash val="solid"/>
+                      <a:round/>
+                      <a:headEnd type="none" w="med" len="med"/>
+                      <a:tailEnd type="none" w="med" len="med"/>
                     </a:lnB>
                     <a:solidFill>
                       <a:srgbClr val="D9D9D9"/>
@@ -2683,7 +3516,7 @@
                     <a:bodyPr/>
                     <a:lstStyle/>
                     <a:p>
-                      <a:pPr marL="260985" algn="ctr">
+                      <a:pPr marL="260985">
                         <a:lnSpc>
                           <a:spcPct val="100000"/>
                         </a:lnSpc>
@@ -2692,14 +3525,14 @@
                         </a:spcBef>
                       </a:pPr>
                       <a:r>
-                        <a:rPr lang="de-de" sz="900" spc="0" dirty="0" err="1">
+                        <a:rPr sz="900" spc="0" dirty="0">
                           <a:solidFill>
                             <a:srgbClr val="FFFFFF"/>
                           </a:solidFill>
                           <a:latin typeface="Adobe Clean"/>
                           <a:cs typeface="Adobe Clean"/>
                         </a:rPr>
-                        <a:t>企業支援</a:t>
+                        <a:t>Enterprise Support</a:t>
                       </a:r>
                       <a:endParaRPr sz="900" spc="0" dirty="0">
                         <a:latin typeface="Adobe Clean"/>
@@ -2707,7 +3540,7 @@
                       </a:endParaRPr>
                     </a:p>
                   </a:txBody>
-                  <a:tcPr marL="0" marR="0" marT="10160" marB="0" anchor="ctr">
+                  <a:tcPr marL="0" marR="0" marT="0" marB="0" anchor="ctr">
                     <a:lnL w="6350">
                       <a:solidFill>
                         <a:srgbClr val="B7B8B8"/>
@@ -2764,17 +3597,87 @@
                         </a:spcBef>
                       </a:pPr>
                       <a:r>
-                        <a:rPr lang="de-de" sz="900" b="1" spc="-15">
+                        <a:rPr sz="900" b="1" spc="-15" dirty="0">
                           <a:solidFill>
                             <a:srgbClr val="020302"/>
                           </a:solidFill>
                           <a:latin typeface="Adobe Clean"/>
                           <a:cs typeface="Adobe Clean"/>
                         </a:rPr>
-                        <a:t>優先順序</a:t>
+                        <a:t>P</a:t>
                       </a:r>
                       <a:r>
-                        <a:rPr lang="de-de" sz="900" b="1" spc="-40">
+                        <a:rPr sz="900" b="1" spc="-20" dirty="0">
+                          <a:solidFill>
+                            <a:srgbClr val="020302"/>
+                          </a:solidFill>
+                          <a:latin typeface="Adobe Clean"/>
+                          <a:cs typeface="Adobe Clean"/>
+                        </a:rPr>
+                        <a:t>R</a:t>
+                      </a:r>
+                      <a:r>
+                        <a:rPr sz="900" b="1" spc="-25" dirty="0">
+                          <a:solidFill>
+                            <a:srgbClr val="020302"/>
+                          </a:solidFill>
+                          <a:latin typeface="Adobe Clean"/>
+                          <a:cs typeface="Adobe Clean"/>
+                        </a:rPr>
+                        <a:t>I</a:t>
+                      </a:r>
+                      <a:r>
+                        <a:rPr sz="900" b="1" spc="-15" dirty="0">
+                          <a:solidFill>
+                            <a:srgbClr val="020302"/>
+                          </a:solidFill>
+                          <a:latin typeface="Adobe Clean"/>
+                          <a:cs typeface="Adobe Clean"/>
+                        </a:rPr>
+                        <a:t>O</a:t>
+                      </a:r>
+                      <a:r>
+                        <a:rPr sz="900" b="1" spc="-20" dirty="0">
+                          <a:solidFill>
+                            <a:srgbClr val="020302"/>
+                          </a:solidFill>
+                          <a:latin typeface="Adobe Clean"/>
+                          <a:cs typeface="Adobe Clean"/>
+                        </a:rPr>
+                        <a:t>R</a:t>
+                      </a:r>
+                      <a:r>
+                        <a:rPr sz="900" b="1" spc="-25" dirty="0">
+                          <a:solidFill>
+                            <a:srgbClr val="020302"/>
+                          </a:solidFill>
+                          <a:latin typeface="Adobe Clean"/>
+                          <a:cs typeface="Adobe Clean"/>
+                        </a:rPr>
+                        <a:t>I</a:t>
+                      </a:r>
+                      <a:r>
+                        <a:rPr sz="900" b="1" spc="-15" dirty="0">
+                          <a:solidFill>
+                            <a:srgbClr val="020302"/>
+                          </a:solidFill>
+                          <a:latin typeface="Adobe Clean"/>
+                          <a:cs typeface="Adobe Clean"/>
+                        </a:rPr>
+                        <a:t>T</a:t>
+                      </a:r>
+                      <a:r>
+                        <a:rPr sz="900" b="1" dirty="0">
+                          <a:solidFill>
+                            <a:srgbClr val="020302"/>
+                          </a:solidFill>
+                          <a:latin typeface="Adobe Clean"/>
+                          <a:cs typeface="Adobe Clean"/>
+                        </a:rPr>
+                        <a:t>Y</a:t>
+                      </a:r>
+                      <a:r>
+                        <a:rPr sz="900" b="1" spc="-40" dirty="0">
                           <a:solidFill>
                             <a:srgbClr val="020302"/>
                           </a:solidFill>
@@ -2784,7 +3687,7 @@
                         <a:t> </a:t>
                       </a:r>
                       <a:r>
-                        <a:rPr lang="de-de" sz="900" b="1">
+                        <a:rPr sz="900" b="1" dirty="0">
                           <a:solidFill>
                             <a:srgbClr val="020302"/>
                           </a:solidFill>
@@ -2793,13 +3696,13 @@
                         </a:rPr>
                         <a:t>1</a:t>
                       </a:r>
-                      <a:endParaRPr sz="900">
+                      <a:endParaRPr sz="900" dirty="0">
                         <a:latin typeface="Adobe Clean"/>
                         <a:cs typeface="Adobe Clean"/>
                       </a:endParaRPr>
                     </a:p>
                     <a:p>
-                      <a:pPr marL="50800" marR="387985" lvl="0" indent="0" defTabSz="914400" eaLnBrk="1" fontAlgn="auto" latinLnBrk="0" hangingPunct="1">
+                      <a:pPr marL="50800" marR="387985" lvl="0" indent="0" eaLnBrk="1" fontAlgn="auto" latinLnBrk="0" hangingPunct="1">
                         <a:lnSpc>
                           <a:spcPts val="1000"/>
                         </a:lnSpc>
@@ -2813,33 +3716,31 @@
                         <a:buSzTx/>
                         <a:buFontTx/>
                         <a:buNone/>
-                        <a:tabLst/>
-                        <a:defRPr/>
                       </a:pPr>
                       <a:r>
-                        <a:rPr lang="de-de" sz="900" b="0" i="0" spc="-130">
+                        <a:rPr lang="en-US" sz="900" b="0" i="0" spc="-130" dirty="0">
                           <a:solidFill>
                             <a:srgbClr val="020302"/>
                           </a:solidFill>
-                          <a:latin typeface="Adobe Clean Light" panose="020B0303020404020204" pitchFamily="34" charset="0"/>
-                          <a:cs typeface="Adobe Clean"/>
+                          <a:latin typeface="Adobe Clean Light"/>
+                          <a:cs typeface="+mn-cs"/>
                         </a:rPr>
-                        <a:t> </a:t>
+                        <a:t> </a:t>
                       </a:r>
                       <a:r>
-                        <a:rPr lang="de-de" sz="900" b="0" i="0" u="none" strike="noStrike">
+                        <a:rPr lang="en-US" sz="900" b="0" i="0" u="none" strike="noStrike" dirty="0">
                           <a:solidFill>
                             <a:schemeClr val="tx1"/>
                           </a:solidFill>
                           <a:effectLst/>
-                          <a:latin typeface="Adobe Clean Light" panose="020B0303020404020204" pitchFamily="34" charset="0"/>
+                          <a:latin typeface="Adobe Clean Light"/>
                           <a:ea typeface="+mn-ea"/>
                           <a:cs typeface="+mn-cs"/>
                         </a:rPr>
-                        <a:t>客戶的生產業務功能已停止或發生重大資料遺失或服務降級狀況，需要立即關注以恢復功能與可用性</a:t>
+                        <a:t>Customer's production business functions are down or have significant data loss or degradation of services and immediate attention is required to restore functionality and usability</a:t>
                       </a:r>
-                      <a:endParaRPr lang="en-US" sz="900" b="0" i="0">
-                        <a:latin typeface="Adobe Clean Light" panose="020B0303020404020204" pitchFamily="34" charset="0"/>
+                      <a:endParaRPr lang="en-US" sz="900" b="0" i="0" dirty="0">
+                        <a:latin typeface="Adobe Clean Light"/>
                         <a:cs typeface="AdobeClean-Light"/>
                       </a:endParaRPr>
                     </a:p>
@@ -2851,11 +3752,14 @@
                       </a:solidFill>
                       <a:prstDash val="solid"/>
                     </a:lnL>
-                    <a:lnR w="6350">
+                    <a:lnR w="6350" cap="flat" cmpd="sng" algn="ctr">
                       <a:solidFill>
                         <a:srgbClr val="B7B8B8"/>
                       </a:solidFill>
                       <a:prstDash val="solid"/>
+                      <a:round/>
+                      <a:headEnd type="none" w="med" len="med"/>
+                      <a:tailEnd type="none" w="med" len="med"/>
                     </a:lnR>
                     <a:lnT w="6350">
                       <a:solidFill>
@@ -2876,79 +3780,34 @@
                     <a:bodyPr/>
                     <a:lstStyle/>
                     <a:p>
-                      <a:pPr marL="542925" marR="492125" algn="ctr">
-                        <a:lnSpc>
-                          <a:spcPct val="102200"/>
-                        </a:lnSpc>
-                      </a:pPr>
+                      <a:pPr algn="ctr" fontAlgn="ctr"/>
                       <a:r>
-                        <a:rPr lang="de-de" sz="900" spc="-15" dirty="0">
+                        <a:rPr lang="en-US" sz="900" b="0" i="0" u="none" strike="noStrike" dirty="0">
                           <a:solidFill>
                             <a:srgbClr val="020302"/>
                           </a:solidFill>
-                          <a:latin typeface="AdobeClean-Light"/>
-                          <a:cs typeface="AdobeClean-Light"/>
+                          <a:effectLst/>
+                          <a:latin typeface="AdobeClean-Light" panose="020B0503020404020204" pitchFamily="34" charset="0"/>
                         </a:rPr>
-                        <a:t>全年無休 / </a:t>
+                        <a:t>24x7 /  1 hour</a:t>
                       </a:r>
-                      <a:r>
-                        <a:rPr lang="de-de" sz="900" spc="-200" dirty="0">
-                          <a:solidFill>
-                            <a:srgbClr val="020302"/>
-                          </a:solidFill>
-                          <a:latin typeface="AdobeClean-Light"/>
-                          <a:cs typeface="AdobeClean-Light"/>
-                        </a:rPr>
-                        <a:t> </a:t>
-                      </a:r>
-                      <a:r>
-                        <a:rPr lang="de-de" sz="900" dirty="0">
-                          <a:solidFill>
-                            <a:srgbClr val="020302"/>
-                          </a:solidFill>
-                          <a:latin typeface="AdobeClean-Light"/>
-                          <a:cs typeface="AdobeClean-Light"/>
-                        </a:rPr>
-                        <a:t>1</a:t>
-                      </a:r>
-                      <a:r>
-                        <a:rPr lang="de-de" sz="900" spc="-90" dirty="0">
-                          <a:solidFill>
-                            <a:srgbClr val="020302"/>
-                          </a:solidFill>
-                          <a:latin typeface="AdobeClean-Light"/>
-                          <a:cs typeface="AdobeClean-Light"/>
-                        </a:rPr>
-                        <a:t> </a:t>
-                      </a:r>
-                      <a:r>
-                        <a:rPr lang="de-de" sz="900" spc="-15" dirty="0">
-                          <a:solidFill>
-                            <a:srgbClr val="020302"/>
-                          </a:solidFill>
-                          <a:latin typeface="AdobeClean-Light"/>
-                          <a:cs typeface="AdobeClean-Light"/>
-                        </a:rPr>
-                        <a:t>小時</a:t>
-                      </a:r>
-                      <a:endParaRPr sz="900" dirty="0">
-                        <a:latin typeface="AdobeClean-Light"/>
-                        <a:cs typeface="AdobeClean-Light"/>
-                      </a:endParaRPr>
                     </a:p>
                   </a:txBody>
-                  <a:tcPr marL="0" marR="0" marT="0" marB="0" anchor="ctr">
+                  <a:tcPr marL="9525" marR="9525" marT="9525" marB="0" anchor="ctr">
                     <a:lnL w="6350">
                       <a:solidFill>
                         <a:srgbClr val="B7B8B8"/>
                       </a:solidFill>
                       <a:prstDash val="solid"/>
                     </a:lnL>
-                    <a:lnR w="6350">
+                    <a:lnR w="6350" cap="flat" cmpd="sng" algn="ctr">
                       <a:solidFill>
                         <a:srgbClr val="B7B8B8"/>
                       </a:solidFill>
                       <a:prstDash val="solid"/>
+                      <a:round/>
+                      <a:headEnd type="none" w="med" len="med"/>
+                      <a:tailEnd type="none" w="med" len="med"/>
                     </a:lnR>
                     <a:lnT w="76200">
                       <a:solidFill>
@@ -2969,86 +3828,28 @@
                     <a:bodyPr/>
                     <a:lstStyle/>
                     <a:p>
-                      <a:pPr marL="352425" marR="476250" indent="111125" algn="ctr">
-                        <a:lnSpc>
-                          <a:spcPct val="100000"/>
-                        </a:lnSpc>
-                        <a:spcBef>
-                          <a:spcPts val="700"/>
-                        </a:spcBef>
-                      </a:pPr>
+                      <a:pPr algn="ctr" fontAlgn="ctr"/>
                       <a:r>
-                        <a:rPr lang="de-de" sz="900" spc="-25" dirty="0">
+                        <a:rPr lang="en-US" sz="900" b="0" i="0" u="none" strike="noStrike" dirty="0">
                           <a:solidFill>
                             <a:srgbClr val="020302"/>
                           </a:solidFill>
+                          <a:effectLst/>
                           <a:latin typeface="AdobeClean-Light"/>
-                          <a:cs typeface="AdobeClean-Light"/>
                         </a:rPr>
-                        <a:t>全年無休</a:t>
+                        <a:t>24x7 / 30 minutes</a:t>
                       </a:r>
-                      <a:r>
-                        <a:rPr lang="de-de" sz="900" spc="-35" dirty="0">
-                          <a:solidFill>
-                            <a:srgbClr val="020302"/>
-                          </a:solidFill>
-                          <a:latin typeface="AdobeClean-Light"/>
-                          <a:cs typeface="AdobeClean-Light"/>
-                        </a:rPr>
-                        <a:t> </a:t>
-                      </a:r>
-                      <a:r>
-                        <a:rPr lang="de-de" sz="900" dirty="0">
-                          <a:solidFill>
-                            <a:srgbClr val="020302"/>
-                          </a:solidFill>
-                          <a:latin typeface="AdobeClean-Light"/>
-                          <a:cs typeface="AdobeClean-Light"/>
-                        </a:rPr>
-                        <a:t>/ </a:t>
-                      </a:r>
-                      <a:r>
-                        <a:rPr lang="de-de" sz="900" spc="-20" dirty="0">
-                          <a:solidFill>
-                            <a:srgbClr val="020302"/>
-                          </a:solidFill>
-                          <a:latin typeface="AdobeClean-Light"/>
-                          <a:cs typeface="AdobeClean-Light"/>
-                        </a:rPr>
-                        <a:t>3</a:t>
-                      </a:r>
-                      <a:r>
-                        <a:rPr lang="de-de" sz="900" spc="50" dirty="0">
-                          <a:solidFill>
-                            <a:srgbClr val="020302"/>
-                          </a:solidFill>
-                          <a:latin typeface="AdobeClean-Light"/>
-                          <a:cs typeface="AdobeClean-Light"/>
-                        </a:rPr>
-                        <a:t>0</a:t>
-                      </a:r>
-                      <a:r>
-                        <a:rPr lang="de-de" sz="900" spc="-20" dirty="0">
-                          <a:solidFill>
-                            <a:srgbClr val="020302"/>
-                          </a:solidFill>
-                          <a:latin typeface="AdobeClean-Light"/>
-                          <a:cs typeface="AdobeClean-Light"/>
-                        </a:rPr>
-                        <a:t> 分鐘</a:t>
-                      </a:r>
-                      <a:endParaRPr sz="900" dirty="0">
-                        <a:latin typeface="AdobeClean-Light"/>
-                        <a:cs typeface="AdobeClean-Light"/>
-                      </a:endParaRPr>
                     </a:p>
                   </a:txBody>
-                  <a:tcPr marL="0" marR="0" marT="0" marB="0" anchor="ctr">
-                    <a:lnL w="6350">
+                  <a:tcPr marL="9525" marR="9525" marT="9525" marB="0" anchor="ctr">
+                    <a:lnL w="6350" cap="flat" cmpd="sng" algn="ctr">
                       <a:solidFill>
                         <a:srgbClr val="B7B8B8"/>
                       </a:solidFill>
                       <a:prstDash val="solid"/>
+                      <a:round/>
+                      <a:headEnd type="none" w="med" len="med"/>
+                      <a:tailEnd type="none" w="med" len="med"/>
                     </a:lnL>
                     <a:lnR w="6350" cap="flat" cmpd="sng" algn="ctr">
                       <a:solidFill>
@@ -3087,7 +3888,7 @@
                   </a:ext>
                 </a:extLst>
               </a:tr>
-              <a:tr h="484755">
+              <a:tr h="0">
                 <a:tc>
                   <a:txBody>
                     <a:bodyPr/>
@@ -3102,17 +3903,87 @@
                         </a:spcBef>
                       </a:pPr>
                       <a:r>
-                        <a:rPr lang="de-de" sz="900" b="1" spc="-15">
+                        <a:rPr sz="900" b="1" spc="-15" dirty="0">
                           <a:solidFill>
                             <a:srgbClr val="020302"/>
                           </a:solidFill>
                           <a:latin typeface="Adobe Clean"/>
                           <a:cs typeface="Adobe Clean"/>
                         </a:rPr>
-                        <a:t>優先順序</a:t>
+                        <a:t>P</a:t>
                       </a:r>
                       <a:r>
-                        <a:rPr lang="de-de" sz="900" b="1" spc="-40">
+                        <a:rPr sz="900" b="1" spc="-20" dirty="0">
+                          <a:solidFill>
+                            <a:srgbClr val="020302"/>
+                          </a:solidFill>
+                          <a:latin typeface="Adobe Clean"/>
+                          <a:cs typeface="Adobe Clean"/>
+                        </a:rPr>
+                        <a:t>R</a:t>
+                      </a:r>
+                      <a:r>
+                        <a:rPr sz="900" b="1" spc="-25" dirty="0">
+                          <a:solidFill>
+                            <a:srgbClr val="020302"/>
+                          </a:solidFill>
+                          <a:latin typeface="Adobe Clean"/>
+                          <a:cs typeface="Adobe Clean"/>
+                        </a:rPr>
+                        <a:t>I</a:t>
+                      </a:r>
+                      <a:r>
+                        <a:rPr sz="900" b="1" spc="-15" dirty="0">
+                          <a:solidFill>
+                            <a:srgbClr val="020302"/>
+                          </a:solidFill>
+                          <a:latin typeface="Adobe Clean"/>
+                          <a:cs typeface="Adobe Clean"/>
+                        </a:rPr>
+                        <a:t>O</a:t>
+                      </a:r>
+                      <a:r>
+                        <a:rPr sz="900" b="1" spc="-20" dirty="0">
+                          <a:solidFill>
+                            <a:srgbClr val="020302"/>
+                          </a:solidFill>
+                          <a:latin typeface="Adobe Clean"/>
+                          <a:cs typeface="Adobe Clean"/>
+                        </a:rPr>
+                        <a:t>R</a:t>
+                      </a:r>
+                      <a:r>
+                        <a:rPr sz="900" b="1" spc="-25" dirty="0">
+                          <a:solidFill>
+                            <a:srgbClr val="020302"/>
+                          </a:solidFill>
+                          <a:latin typeface="Adobe Clean"/>
+                          <a:cs typeface="Adobe Clean"/>
+                        </a:rPr>
+                        <a:t>I</a:t>
+                      </a:r>
+                      <a:r>
+                        <a:rPr sz="900" b="1" spc="-15" dirty="0">
+                          <a:solidFill>
+                            <a:srgbClr val="020302"/>
+                          </a:solidFill>
+                          <a:latin typeface="Adobe Clean"/>
+                          <a:cs typeface="Adobe Clean"/>
+                        </a:rPr>
+                        <a:t>T</a:t>
+                      </a:r>
+                      <a:r>
+                        <a:rPr sz="900" b="1" dirty="0">
+                          <a:solidFill>
+                            <a:srgbClr val="020302"/>
+                          </a:solidFill>
+                          <a:latin typeface="Adobe Clean"/>
+                          <a:cs typeface="Adobe Clean"/>
+                        </a:rPr>
+                        <a:t>Y</a:t>
+                      </a:r>
+                      <a:r>
+                        <a:rPr sz="900" b="1" spc="-40" dirty="0">
                           <a:solidFill>
                             <a:srgbClr val="020302"/>
                           </a:solidFill>
@@ -3122,7 +3993,7 @@
                         <a:t> </a:t>
                       </a:r>
                       <a:r>
-                        <a:rPr lang="de-de" sz="900" b="1">
+                        <a:rPr sz="900" b="1" dirty="0">
                           <a:solidFill>
                             <a:srgbClr val="020302"/>
                           </a:solidFill>
@@ -3131,7 +4002,7 @@
                         </a:rPr>
                         <a:t>2</a:t>
                       </a:r>
-                      <a:endParaRPr sz="900">
+                      <a:endParaRPr sz="900" dirty="0">
                         <a:latin typeface="Adobe Clean"/>
                         <a:cs typeface="Adobe Clean"/>
                       </a:endParaRPr>
@@ -3146,19 +4017,19 @@
                         </a:spcBef>
                       </a:pPr>
                       <a:r>
-                        <a:rPr lang="de-de" sz="900" b="0" i="0" u="none" strike="noStrike">
+                        <a:rPr lang="en-US" sz="900" b="0" i="0" u="none" strike="noStrike" dirty="0">
                           <a:solidFill>
                             <a:schemeClr val="tx1"/>
                           </a:solidFill>
                           <a:effectLst/>
-                          <a:latin typeface="Adobe Clean Light" panose="020B0303020404020204" pitchFamily="34" charset="0"/>
+                          <a:latin typeface="Adobe Clean Light"/>
                           <a:ea typeface="+mn-ea"/>
                           <a:cs typeface="+mn-cs"/>
                         </a:rPr>
-                        <a:t>客戶的業務功能發生嚴重的服務降級狀況，或是可能發生資料遺失或服務無法使用的狀況，或是主要功能受到了影響</a:t>
+                        <a:t>Customer's business functions have major degradation of services, or potential of data loss or a major feature is impacted</a:t>
                       </a:r>
-                      <a:endParaRPr lang="en-US" sz="900" b="0" i="0">
-                        <a:latin typeface="Adobe Clean Light" panose="020B0303020404020204" pitchFamily="34" charset="0"/>
+                      <a:endParaRPr lang="en-US" sz="900" b="0" i="0" dirty="0">
+                        <a:latin typeface="Adobe Clean Light"/>
                         <a:cs typeface="AdobeClean-Light"/>
                       </a:endParaRPr>
                     </a:p>
@@ -3170,11 +4041,14 @@
                       </a:solidFill>
                       <a:prstDash val="solid"/>
                     </a:lnL>
-                    <a:lnR w="6350">
+                    <a:lnR w="6350" cap="flat" cmpd="sng" algn="ctr">
                       <a:solidFill>
                         <a:srgbClr val="B7B8B8"/>
                       </a:solidFill>
                       <a:prstDash val="solid"/>
+                      <a:round/>
+                      <a:headEnd type="none" w="med" len="med"/>
+                      <a:tailEnd type="none" w="med" len="med"/>
                     </a:lnR>
                     <a:lnT w="6350">
                       <a:solidFill>
@@ -3195,69 +4069,34 @@
                     <a:bodyPr/>
                     <a:lstStyle/>
                     <a:p>
-                      <a:pPr marL="473709" marR="343535" indent="-175895" algn="ctr">
-                        <a:lnSpc>
-                          <a:spcPct val="102200"/>
-                        </a:lnSpc>
-                      </a:pPr>
+                      <a:pPr algn="ctr" fontAlgn="ctr"/>
                       <a:r>
-                        <a:rPr lang="de-de" sz="900" spc="-30" dirty="0">
+                        <a:rPr lang="en-US" sz="900" b="0" i="0" u="none" strike="noStrike" dirty="0">
                           <a:solidFill>
                             <a:srgbClr val="020302"/>
                           </a:solidFill>
-                          <a:latin typeface="AdobeClean-Light"/>
-                          <a:cs typeface="AdobeClean-Light"/>
+                          <a:effectLst/>
+                          <a:latin typeface="AdobeClean-Light" panose="020B0503020404020204" pitchFamily="34" charset="0"/>
                         </a:rPr>
-                        <a:t>營業時間 </a:t>
+                        <a:t>Business hours / 4 hours</a:t>
                       </a:r>
-                      <a:r>
-                        <a:rPr lang="de-de" sz="900" dirty="0">
-                          <a:solidFill>
-                            <a:srgbClr val="020302"/>
-                          </a:solidFill>
-                          <a:latin typeface="AdobeClean-Light"/>
-                          <a:cs typeface="AdobeClean-Light"/>
-                        </a:rPr>
-                        <a:t>/ 4</a:t>
-                      </a:r>
-                      <a:r>
-                        <a:rPr lang="de-de" sz="900" spc="-100" dirty="0">
-                          <a:solidFill>
-                            <a:srgbClr val="020302"/>
-                          </a:solidFill>
-                          <a:latin typeface="AdobeClean-Light"/>
-                          <a:cs typeface="AdobeClean-Light"/>
-                        </a:rPr>
-                        <a:t> </a:t>
-                      </a:r>
-                      <a:r>
-                        <a:rPr lang="de-de" sz="900" spc="-15" dirty="0">
-                          <a:solidFill>
-                            <a:srgbClr val="020302"/>
-                          </a:solidFill>
-                          <a:latin typeface="AdobeClean-Light"/>
-                          <a:cs typeface="AdobeClean-Light"/>
-                        </a:rPr>
-                        <a:t>小時</a:t>
-                      </a:r>
-                      <a:endParaRPr sz="900" dirty="0">
-                        <a:latin typeface="AdobeClean-Light"/>
-                        <a:cs typeface="AdobeClean-Light"/>
-                      </a:endParaRPr>
                     </a:p>
                   </a:txBody>
-                  <a:tcPr marL="0" marR="0" marT="0" marB="0" anchor="ctr">
+                  <a:tcPr marL="9525" marR="9525" marT="9525" marB="0" anchor="ctr">
                     <a:lnL w="6350">
                       <a:solidFill>
                         <a:srgbClr val="B7B8B8"/>
                       </a:solidFill>
                       <a:prstDash val="solid"/>
                     </a:lnL>
-                    <a:lnR w="6350">
+                    <a:lnR w="6350" cap="flat" cmpd="sng" algn="ctr">
                       <a:solidFill>
                         <a:srgbClr val="B7B8B8"/>
                       </a:solidFill>
                       <a:prstDash val="solid"/>
+                      <a:round/>
+                      <a:headEnd type="none" w="med" len="med"/>
+                      <a:tailEnd type="none" w="med" len="med"/>
                     </a:lnR>
                     <a:lnT w="6350">
                       <a:solidFill>
@@ -3278,30 +4117,28 @@
                     <a:bodyPr/>
                     <a:lstStyle/>
                     <a:p>
-                      <a:pPr marL="542925" marR="492125" algn="ctr">
-                        <a:lnSpc>
-                          <a:spcPct val="102200"/>
-                        </a:lnSpc>
-                      </a:pPr>
+                      <a:pPr algn="ctr" fontAlgn="ctr"/>
                       <a:r>
-                        <a:rPr lang="de-de" sz="900" spc="-15" dirty="0">
+                        <a:rPr lang="en-US" sz="900" b="0" i="0" u="none" strike="noStrike" dirty="0">
                           <a:solidFill>
                             <a:srgbClr val="020302"/>
                           </a:solidFill>
+                          <a:effectLst/>
                           <a:latin typeface="AdobeClean-Light"/>
-                          <a:ea typeface="+mn-ea"/>
-                          <a:cs typeface="AdobeClean-Light"/>
                         </a:rPr>
-                        <a:t>24x5 /         1 小時</a:t>
+                        <a:t>24x5 / 1 hour</a:t>
                       </a:r>
                     </a:p>
                   </a:txBody>
-                  <a:tcPr marL="0" marR="0" marT="0" marB="0" anchor="ctr">
-                    <a:lnL w="6350">
+                  <a:tcPr marL="9525" marR="9525" marT="9525" marB="0" anchor="ctr">
+                    <a:lnL w="6350" cap="flat" cmpd="sng" algn="ctr">
                       <a:solidFill>
                         <a:srgbClr val="B7B8B8"/>
                       </a:solidFill>
                       <a:prstDash val="solid"/>
+                      <a:round/>
+                      <a:headEnd type="none" w="med" len="med"/>
+                      <a:tailEnd type="none" w="med" len="med"/>
                     </a:lnL>
                     <a:lnR w="6350" cap="flat" cmpd="sng" algn="ctr">
                       <a:solidFill>
@@ -3352,17 +4189,87 @@
                         </a:spcBef>
                       </a:pPr>
                       <a:r>
-                        <a:rPr lang="de-de" sz="900" b="1" spc="-15">
+                        <a:rPr sz="900" b="1" spc="-15" dirty="0">
                           <a:solidFill>
                             <a:srgbClr val="020302"/>
                           </a:solidFill>
                           <a:latin typeface="Adobe Clean"/>
                           <a:cs typeface="Adobe Clean"/>
                         </a:rPr>
-                        <a:t>優先順序</a:t>
+                        <a:t>P</a:t>
                       </a:r>
                       <a:r>
-                        <a:rPr lang="de-de" sz="900" b="1" spc="-40">
+                        <a:rPr sz="900" b="1" spc="-20" dirty="0">
+                          <a:solidFill>
+                            <a:srgbClr val="020302"/>
+                          </a:solidFill>
+                          <a:latin typeface="Adobe Clean"/>
+                          <a:cs typeface="Adobe Clean"/>
+                        </a:rPr>
+                        <a:t>R</a:t>
+                      </a:r>
+                      <a:r>
+                        <a:rPr sz="900" b="1" spc="-25" dirty="0">
+                          <a:solidFill>
+                            <a:srgbClr val="020302"/>
+                          </a:solidFill>
+                          <a:latin typeface="Adobe Clean"/>
+                          <a:cs typeface="Adobe Clean"/>
+                        </a:rPr>
+                        <a:t>I</a:t>
+                      </a:r>
+                      <a:r>
+                        <a:rPr sz="900" b="1" spc="-15" dirty="0">
+                          <a:solidFill>
+                            <a:srgbClr val="020302"/>
+                          </a:solidFill>
+                          <a:latin typeface="Adobe Clean"/>
+                          <a:cs typeface="Adobe Clean"/>
+                        </a:rPr>
+                        <a:t>O</a:t>
+                      </a:r>
+                      <a:r>
+                        <a:rPr sz="900" b="1" spc="-20" dirty="0">
+                          <a:solidFill>
+                            <a:srgbClr val="020302"/>
+                          </a:solidFill>
+                          <a:latin typeface="Adobe Clean"/>
+                          <a:cs typeface="Adobe Clean"/>
+                        </a:rPr>
+                        <a:t>R</a:t>
+                      </a:r>
+                      <a:r>
+                        <a:rPr sz="900" b="1" spc="-25" dirty="0">
+                          <a:solidFill>
+                            <a:srgbClr val="020302"/>
+                          </a:solidFill>
+                          <a:latin typeface="Adobe Clean"/>
+                          <a:cs typeface="Adobe Clean"/>
+                        </a:rPr>
+                        <a:t>I</a:t>
+                      </a:r>
+                      <a:r>
+                        <a:rPr sz="900" b="1" spc="-15" dirty="0">
+                          <a:solidFill>
+                            <a:srgbClr val="020302"/>
+                          </a:solidFill>
+                          <a:latin typeface="Adobe Clean"/>
+                          <a:cs typeface="Adobe Clean"/>
+                        </a:rPr>
+                        <a:t>T</a:t>
+                      </a:r>
+                      <a:r>
+                        <a:rPr sz="900" b="1" dirty="0">
+                          <a:solidFill>
+                            <a:srgbClr val="020302"/>
+                          </a:solidFill>
+                          <a:latin typeface="Adobe Clean"/>
+                          <a:cs typeface="Adobe Clean"/>
+                        </a:rPr>
+                        <a:t>Y</a:t>
+                      </a:r>
+                      <a:r>
+                        <a:rPr sz="900" b="1" spc="-40" dirty="0">
                           <a:solidFill>
                             <a:srgbClr val="020302"/>
                           </a:solidFill>
@@ -3372,7 +4279,7 @@
                         <a:t> </a:t>
                       </a:r>
                       <a:r>
-                        <a:rPr lang="de-de" sz="900" b="1">
+                        <a:rPr sz="900" b="1" dirty="0">
                           <a:solidFill>
                             <a:srgbClr val="020302"/>
                           </a:solidFill>
@@ -3381,7 +4288,7 @@
                         </a:rPr>
                         <a:t>3</a:t>
                       </a:r>
-                      <a:endParaRPr sz="900">
+                      <a:endParaRPr sz="900" dirty="0">
                         <a:latin typeface="Adobe Clean"/>
                         <a:cs typeface="Adobe Clean"/>
                       </a:endParaRPr>
@@ -3396,19 +4303,43 @@
                         </a:spcBef>
                       </a:pPr>
                       <a:r>
-                        <a:rPr lang="de-de" sz="900" b="0" i="0" u="none" strike="noStrike">
+                        <a:rPr lang="en-US" sz="900" b="0" i="0" u="none" strike="noStrike" dirty="0">
                           <a:solidFill>
                             <a:schemeClr val="tx1"/>
                           </a:solidFill>
                           <a:effectLst/>
-                          <a:latin typeface="Adobe Clean Light" panose="020B0303020404020204" pitchFamily="34" charset="0"/>
+                          <a:latin typeface="Adobe Clean Light"/>
                           <a:ea typeface="+mn-ea"/>
                           <a:cs typeface="+mn-cs"/>
                         </a:rPr>
-                        <a:t>優先順序 3客戶的業務功能發生了輕微服務降級狀況或沒有降級，但有解決/變通方法讓業務功能得以繼續運作。</a:t>
+                        <a:t>Customer's business </a:t>
                       </a:r>
-                      <a:endParaRPr lang="en-US" sz="900" b="0" i="0">
-                        <a:latin typeface="Adobe Clean Light" panose="020B0303020404020204" pitchFamily="34" charset="0"/>
+                      <a:r>
+                        <a:rPr lang="en-US" sz="900" b="0" i="0" u="none" strike="noStrike">
+                          <a:solidFill>
+                            <a:schemeClr val="tx1"/>
+                          </a:solidFill>
+                          <a:effectLst/>
+                          <a:latin typeface="Adobe Clean Light"/>
+                          <a:ea typeface="+mn-ea"/>
+                          <a:cs typeface="+mn-cs"/>
+                        </a:rPr>
+                        <a:t>functions have </a:t>
+                      </a:r>
+                      <a:r>
+                        <a:rPr lang="en-US" sz="900" b="0" i="0" u="none" strike="noStrike" dirty="0">
+                          <a:solidFill>
+                            <a:schemeClr val="tx1"/>
+                          </a:solidFill>
+                          <a:effectLst/>
+                          <a:latin typeface="Adobe Clean Light"/>
+                          <a:ea typeface="+mn-ea"/>
+                          <a:cs typeface="+mn-cs"/>
+                        </a:rPr>
+                        <a:t>minor to no degradation of services with a solution/workaround allowing business functions to continue </a:t>
+                      </a:r>
+                      <a:endParaRPr lang="en-US" sz="900" b="0" i="0" dirty="0">
+                        <a:latin typeface="Adobe Clean Light"/>
                         <a:cs typeface="AdobeClean-Light"/>
                       </a:endParaRPr>
                     </a:p>
@@ -3420,11 +4351,14 @@
                       </a:solidFill>
                       <a:prstDash val="solid"/>
                     </a:lnL>
-                    <a:lnR w="6350">
+                    <a:lnR w="6350" cap="flat" cmpd="sng" algn="ctr">
                       <a:solidFill>
                         <a:srgbClr val="B7B8B8"/>
                       </a:solidFill>
                       <a:prstDash val="solid"/>
+                      <a:round/>
+                      <a:headEnd type="none" w="med" len="med"/>
+                      <a:tailEnd type="none" w="med" len="med"/>
                     </a:lnR>
                     <a:lnT w="6350">
                       <a:solidFill>
@@ -3445,69 +4379,34 @@
                     <a:bodyPr/>
                     <a:lstStyle/>
                     <a:p>
-                      <a:pPr marL="473709" marR="343535" indent="-175895" algn="ctr">
-                        <a:lnSpc>
-                          <a:spcPct val="102200"/>
-                        </a:lnSpc>
-                      </a:pPr>
+                      <a:pPr algn="ctr" fontAlgn="ctr"/>
                       <a:r>
-                        <a:rPr lang="de-de" sz="900" spc="-30" dirty="0">
+                        <a:rPr lang="en-US" sz="900" b="0" i="0" u="none" strike="noStrike" dirty="0">
                           <a:solidFill>
                             <a:srgbClr val="020302"/>
                           </a:solidFill>
-                          <a:latin typeface="AdobeClean-Light"/>
-                          <a:cs typeface="AdobeClean-Light"/>
+                          <a:effectLst/>
+                          <a:latin typeface="AdobeClean-Light" panose="020B0503020404020204" pitchFamily="34" charset="0"/>
                         </a:rPr>
-                        <a:t>營業時間</a:t>
+                        <a:t>Business hours / 6 hours</a:t>
                       </a:r>
-                      <a:r>
-                        <a:rPr lang="de-de" sz="900" dirty="0">
-                          <a:solidFill>
-                            <a:srgbClr val="020302"/>
-                          </a:solidFill>
-                          <a:latin typeface="AdobeClean-Light"/>
-                          <a:cs typeface="AdobeClean-Light"/>
-                        </a:rPr>
-                        <a:t>/ 6</a:t>
-                      </a:r>
-                      <a:r>
-                        <a:rPr lang="de-de" sz="900" spc="-100" dirty="0">
-                          <a:solidFill>
-                            <a:srgbClr val="020302"/>
-                          </a:solidFill>
-                          <a:latin typeface="AdobeClean-Light"/>
-                          <a:cs typeface="AdobeClean-Light"/>
-                        </a:rPr>
-                        <a:t> </a:t>
-                      </a:r>
-                      <a:r>
-                        <a:rPr lang="de-de" sz="900" spc="-15" dirty="0">
-                          <a:solidFill>
-                            <a:srgbClr val="020302"/>
-                          </a:solidFill>
-                          <a:latin typeface="AdobeClean-Light"/>
-                          <a:cs typeface="AdobeClean-Light"/>
-                        </a:rPr>
-                        <a:t>小時</a:t>
-                      </a:r>
-                      <a:endParaRPr lang="en-US" sz="900" dirty="0">
-                        <a:latin typeface="AdobeClean-Light"/>
-                        <a:cs typeface="AdobeClean-Light"/>
-                      </a:endParaRPr>
                     </a:p>
                   </a:txBody>
-                  <a:tcPr marL="0" marR="0" marT="0" marB="0" anchor="ctr">
+                  <a:tcPr marL="9525" marR="9525" marT="9525" marB="0" anchor="ctr">
                     <a:lnL w="6350">
                       <a:solidFill>
                         <a:srgbClr val="B7B8B8"/>
                       </a:solidFill>
                       <a:prstDash val="solid"/>
                     </a:lnL>
-                    <a:lnR w="6350">
+                    <a:lnR w="6350" cap="flat" cmpd="sng" algn="ctr">
                       <a:solidFill>
                         <a:srgbClr val="B7B8B8"/>
                       </a:solidFill>
                       <a:prstDash val="solid"/>
+                      <a:round/>
+                      <a:headEnd type="none" w="med" len="med"/>
+                      <a:tailEnd type="none" w="med" len="med"/>
                     </a:lnR>
                     <a:lnT w="6350">
                       <a:solidFill>
@@ -3528,86 +4427,28 @@
                     <a:bodyPr/>
                     <a:lstStyle/>
                     <a:p>
-                      <a:pPr marL="428625" marR="398780" indent="-198120" algn="ctr">
-                        <a:lnSpc>
-                          <a:spcPct val="102200"/>
-                        </a:lnSpc>
-                        <a:spcBef>
-                          <a:spcPts val="675"/>
-                        </a:spcBef>
-                      </a:pPr>
+                      <a:pPr algn="ctr" fontAlgn="ctr"/>
                       <a:r>
-                        <a:rPr lang="de-de" sz="900" spc="-30" dirty="0">
+                        <a:rPr lang="en-US" sz="900" b="0" i="0" u="none" strike="noStrike" dirty="0">
                           <a:solidFill>
                             <a:srgbClr val="020302"/>
                           </a:solidFill>
+                          <a:effectLst/>
                           <a:latin typeface="AdobeClean-Light"/>
-                          <a:cs typeface="AdobeClean-Light"/>
                         </a:rPr>
-                        <a:t>營業時間</a:t>
+                        <a:t>Business hours / 2 hours</a:t>
                       </a:r>
-                      <a:r>
-                        <a:rPr lang="de-de" sz="900" spc="-120" dirty="0">
-                          <a:solidFill>
-                            <a:srgbClr val="020302"/>
-                          </a:solidFill>
-                          <a:latin typeface="AdobeClean-Light"/>
-                          <a:cs typeface="AdobeClean-Light"/>
-                        </a:rPr>
-                        <a:t> </a:t>
-                      </a:r>
-                      <a:r>
-                        <a:rPr lang="de-de" sz="900" spc="-5" dirty="0">
-                          <a:solidFill>
-                            <a:srgbClr val="020302"/>
-                          </a:solidFill>
-                          <a:latin typeface="AdobeClean-Light"/>
-                          <a:cs typeface="AdobeClean-Light"/>
-                        </a:rPr>
-                        <a:t> </a:t>
-                      </a:r>
-                      <a:r>
-                        <a:rPr lang="de-de" sz="900" dirty="0">
-                          <a:solidFill>
-                            <a:srgbClr val="020302"/>
-                          </a:solidFill>
-                          <a:latin typeface="AdobeClean-Light"/>
-                          <a:cs typeface="AdobeClean-Light"/>
-                        </a:rPr>
-                        <a:t>/ 2</a:t>
-                      </a:r>
-                      <a:r>
-                        <a:rPr lang="de-de" sz="900" spc="-100" dirty="0">
-                          <a:solidFill>
-                            <a:srgbClr val="020302"/>
-                          </a:solidFill>
-                          <a:latin typeface="AdobeClean-Light"/>
-                          <a:cs typeface="AdobeClean-Light"/>
-                        </a:rPr>
-                        <a:t> </a:t>
-                      </a:r>
-                      <a:r>
-                        <a:rPr lang="de-de" sz="900" spc="-15" dirty="0">
-                          <a:solidFill>
-                            <a:srgbClr val="020302"/>
-                          </a:solidFill>
-                          <a:latin typeface="AdobeClean-Light"/>
-                          <a:cs typeface="AdobeClean-Light"/>
-                        </a:rPr>
-                        <a:t>小時</a:t>
-                      </a:r>
-                      <a:endParaRPr sz="900" dirty="0">
-                        <a:latin typeface="AdobeClean-Light"/>
-                        <a:cs typeface="AdobeClean-Light"/>
-                      </a:endParaRPr>
                     </a:p>
                   </a:txBody>
-                  <a:tcPr marL="0" marR="0" marT="0" marB="0" anchor="ctr">
-                    <a:lnL w="6350">
+                  <a:tcPr marL="9525" marR="9525" marT="9525" marB="0" anchor="ctr">
+                    <a:lnL w="6350" cap="flat" cmpd="sng" algn="ctr">
                       <a:solidFill>
                         <a:srgbClr val="B7B8B8"/>
                       </a:solidFill>
                       <a:prstDash val="solid"/>
+                      <a:round/>
+                      <a:headEnd type="none" w="med" len="med"/>
+                      <a:tailEnd type="none" w="med" len="med"/>
                     </a:lnL>
                     <a:lnR w="6350" cap="flat" cmpd="sng" algn="ctr">
                       <a:solidFill>
@@ -3658,17 +4499,87 @@
                         </a:spcBef>
                       </a:pPr>
                       <a:r>
-                        <a:rPr lang="de-de" sz="900" b="1" spc="-15">
+                        <a:rPr sz="900" b="1" spc="-15" dirty="0">
                           <a:solidFill>
                             <a:srgbClr val="020302"/>
                           </a:solidFill>
                           <a:latin typeface="Adobe Clean"/>
                           <a:cs typeface="Adobe Clean"/>
                         </a:rPr>
-                        <a:t>優先順序</a:t>
+                        <a:t>P</a:t>
                       </a:r>
                       <a:r>
-                        <a:rPr lang="de-de" sz="900" b="1" spc="-40">
+                        <a:rPr sz="900" b="1" spc="-20" dirty="0">
+                          <a:solidFill>
+                            <a:srgbClr val="020302"/>
+                          </a:solidFill>
+                          <a:latin typeface="Adobe Clean"/>
+                          <a:cs typeface="Adobe Clean"/>
+                        </a:rPr>
+                        <a:t>R</a:t>
+                      </a:r>
+                      <a:r>
+                        <a:rPr sz="900" b="1" spc="-25" dirty="0">
+                          <a:solidFill>
+                            <a:srgbClr val="020302"/>
+                          </a:solidFill>
+                          <a:latin typeface="Adobe Clean"/>
+                          <a:cs typeface="Adobe Clean"/>
+                        </a:rPr>
+                        <a:t>I</a:t>
+                      </a:r>
+                      <a:r>
+                        <a:rPr sz="900" b="1" spc="-15" dirty="0">
+                          <a:solidFill>
+                            <a:srgbClr val="020302"/>
+                          </a:solidFill>
+                          <a:latin typeface="Adobe Clean"/>
+                          <a:cs typeface="Adobe Clean"/>
+                        </a:rPr>
+                        <a:t>O</a:t>
+                      </a:r>
+                      <a:r>
+                        <a:rPr sz="900" b="1" spc="-20" dirty="0">
+                          <a:solidFill>
+                            <a:srgbClr val="020302"/>
+                          </a:solidFill>
+                          <a:latin typeface="Adobe Clean"/>
+                          <a:cs typeface="Adobe Clean"/>
+                        </a:rPr>
+                        <a:t>R</a:t>
+                      </a:r>
+                      <a:r>
+                        <a:rPr sz="900" b="1" spc="-25" dirty="0">
+                          <a:solidFill>
+                            <a:srgbClr val="020302"/>
+                          </a:solidFill>
+                          <a:latin typeface="Adobe Clean"/>
+                          <a:cs typeface="Adobe Clean"/>
+                        </a:rPr>
+                        <a:t>I</a:t>
+                      </a:r>
+                      <a:r>
+                        <a:rPr sz="900" b="1" spc="-15" dirty="0">
+                          <a:solidFill>
+                            <a:srgbClr val="020302"/>
+                          </a:solidFill>
+                          <a:latin typeface="Adobe Clean"/>
+                          <a:cs typeface="Adobe Clean"/>
+                        </a:rPr>
+                        <a:t>T</a:t>
+                      </a:r>
+                      <a:r>
+                        <a:rPr sz="900" b="1" dirty="0">
+                          <a:solidFill>
+                            <a:srgbClr val="020302"/>
+                          </a:solidFill>
+                          <a:latin typeface="Adobe Clean"/>
+                          <a:cs typeface="Adobe Clean"/>
+                        </a:rPr>
+                        <a:t>Y</a:t>
+                      </a:r>
+                      <a:r>
+                        <a:rPr sz="900" b="1" spc="-40" dirty="0">
                           <a:solidFill>
                             <a:srgbClr val="020302"/>
                           </a:solidFill>
@@ -3678,7 +4589,7 @@
                         <a:t> </a:t>
                       </a:r>
                       <a:r>
-                        <a:rPr lang="de-de" sz="900" b="1">
+                        <a:rPr sz="900" b="1" dirty="0">
                           <a:solidFill>
                             <a:srgbClr val="020302"/>
                           </a:solidFill>
@@ -3687,7 +4598,7 @@
                         </a:rPr>
                         <a:t>4</a:t>
                       </a:r>
-                      <a:endParaRPr sz="900">
+                      <a:endParaRPr sz="900" dirty="0">
                         <a:latin typeface="Adobe Clean"/>
                         <a:cs typeface="Adobe Clean"/>
                       </a:endParaRPr>
@@ -3702,29 +4613,29 @@
                         </a:spcBef>
                       </a:pPr>
                       <a:r>
-                        <a:rPr lang="de-de" sz="900" b="1" spc="-90">
+                        <a:rPr lang="en-US" sz="900" b="1" spc="-90" dirty="0">
                           <a:solidFill>
                             <a:srgbClr val="020302"/>
                           </a:solidFill>
                           <a:latin typeface="Adobe Clean"/>
-                          <a:cs typeface="Adobe Clean"/>
+                          <a:cs typeface="+mn-cs"/>
                         </a:rPr>
-                        <a:t> </a:t>
+                        <a:t> </a:t>
                       </a:r>
                       <a:r>
-                        <a:rPr lang="de-de" sz="900" b="0" i="0" u="none" strike="noStrike">
+                        <a:rPr lang="en-US" sz="900" b="0" i="0" u="none" strike="noStrike" dirty="0">
                           <a:solidFill>
                             <a:schemeClr val="tx1"/>
                           </a:solidFill>
                           <a:effectLst/>
-                          <a:latin typeface="Adobe Clean Light" panose="020B0303020404020204" pitchFamily="34" charset="0"/>
+                          <a:latin typeface="Adobe Clean Light"/>
                           <a:ea typeface="+mn-ea"/>
                           <a:cs typeface="+mn-cs"/>
                         </a:rPr>
-                        <a:t>有關目前產品功能或增強要求的一般性問題</a:t>
+                        <a:t>General question regarding current product functionality or an enhancement request</a:t>
                       </a:r>
-                      <a:endParaRPr lang="en-US" sz="900" b="0" i="0">
-                        <a:latin typeface="Adobe Clean Light" panose="020B0303020404020204" pitchFamily="34" charset="0"/>
+                      <a:endParaRPr lang="en-US" sz="900" b="0" i="0" dirty="0">
+                        <a:latin typeface="Adobe Clean Light"/>
                         <a:cs typeface="AdobeClean-Light"/>
                       </a:endParaRPr>
                     </a:p>
@@ -3736,11 +4647,14 @@
                       </a:solidFill>
                       <a:prstDash val="solid"/>
                     </a:lnL>
-                    <a:lnR w="6350">
+                    <a:lnR w="6350" cap="flat" cmpd="sng" algn="ctr">
                       <a:solidFill>
                         <a:srgbClr val="B7B8B8"/>
                       </a:solidFill>
                       <a:prstDash val="solid"/>
+                      <a:round/>
+                      <a:headEnd type="none" w="med" len="med"/>
+                      <a:tailEnd type="none" w="med" len="med"/>
                     </a:lnR>
                     <a:lnT w="6350">
                       <a:solidFill>
@@ -3761,69 +4675,34 @@
                     <a:bodyPr/>
                     <a:lstStyle/>
                     <a:p>
-                      <a:pPr marL="473709" marR="343535" indent="-175895" algn="ctr">
-                        <a:lnSpc>
-                          <a:spcPct val="102200"/>
-                        </a:lnSpc>
-                      </a:pPr>
+                      <a:pPr algn="ctr" fontAlgn="ctr"/>
                       <a:r>
-                        <a:rPr lang="de-de" sz="900" spc="-30" dirty="0">
+                        <a:rPr lang="en-US" sz="900" b="0" i="0" u="none" strike="noStrike" dirty="0">
                           <a:solidFill>
                             <a:srgbClr val="020302"/>
                           </a:solidFill>
-                          <a:latin typeface="AdobeClean-Light"/>
-                          <a:cs typeface="AdobeClean-Light"/>
+                          <a:effectLst/>
+                          <a:latin typeface="AdobeClean-Light" panose="020B0503020404020204" pitchFamily="34" charset="0"/>
                         </a:rPr>
-                        <a:t>營業日 </a:t>
+                        <a:t>Business days / 3 days</a:t>
                       </a:r>
-                      <a:r>
-                        <a:rPr lang="de-de" sz="900" dirty="0">
-                          <a:solidFill>
-                            <a:srgbClr val="020302"/>
-                          </a:solidFill>
-                          <a:latin typeface="AdobeClean-Light"/>
-                          <a:cs typeface="AdobeClean-Light"/>
-                        </a:rPr>
-                        <a:t>/ 3</a:t>
-                      </a:r>
-                      <a:r>
-                        <a:rPr lang="de-de" sz="900" spc="-100" dirty="0">
-                          <a:solidFill>
-                            <a:srgbClr val="020302"/>
-                          </a:solidFill>
-                          <a:latin typeface="AdobeClean-Light"/>
-                          <a:cs typeface="AdobeClean-Light"/>
-                        </a:rPr>
-                        <a:t> </a:t>
-                      </a:r>
-                      <a:r>
-                        <a:rPr lang="de-de" sz="900" spc="-15" dirty="0">
-                          <a:solidFill>
-                            <a:srgbClr val="020302"/>
-                          </a:solidFill>
-                          <a:latin typeface="AdobeClean-Light"/>
-                          <a:cs typeface="AdobeClean-Light"/>
-                        </a:rPr>
-                        <a:t>天</a:t>
-                      </a:r>
-                      <a:endParaRPr lang="en-US" sz="900" dirty="0">
-                        <a:latin typeface="AdobeClean-Light"/>
-                        <a:cs typeface="AdobeClean-Light"/>
-                      </a:endParaRPr>
                     </a:p>
                   </a:txBody>
-                  <a:tcPr marL="0" marR="0" marT="0" marB="0" anchor="ctr">
+                  <a:tcPr marL="9525" marR="9525" marT="9525" marB="0" anchor="ctr">
                     <a:lnL w="6350">
                       <a:solidFill>
                         <a:srgbClr val="B7B8B8"/>
                       </a:solidFill>
                       <a:prstDash val="solid"/>
                     </a:lnL>
-                    <a:lnR w="6350">
+                    <a:lnR w="6350" cap="flat" cmpd="sng" algn="ctr">
                       <a:solidFill>
                         <a:srgbClr val="B7B8B8"/>
                       </a:solidFill>
                       <a:prstDash val="solid"/>
+                      <a:round/>
+                      <a:headEnd type="none" w="med" len="med"/>
+                      <a:tailEnd type="none" w="med" len="med"/>
                     </a:lnR>
                     <a:lnT w="6350">
                       <a:solidFill>
@@ -3844,63 +4723,28 @@
                     <a:bodyPr/>
                     <a:lstStyle/>
                     <a:p>
-                      <a:pPr marL="473709" marR="343535" indent="-175895" algn="ctr">
-                        <a:lnSpc>
-                          <a:spcPct val="102200"/>
-                        </a:lnSpc>
-                      </a:pPr>
+                      <a:pPr algn="ctr" fontAlgn="ctr"/>
                       <a:r>
-                        <a:rPr lang="de-de" sz="900" spc="-30" dirty="0">
+                        <a:rPr lang="en-US" sz="900" b="0" i="0" u="none" strike="noStrike" dirty="0">
                           <a:solidFill>
                             <a:srgbClr val="020302"/>
                           </a:solidFill>
-                          <a:latin typeface="AdobeClean-Light"/>
-                          <a:cs typeface="AdobeClean-Light"/>
+                          <a:effectLst/>
+                          <a:latin typeface="AdobeClean-Light" panose="020B0503020404020204" pitchFamily="34" charset="0"/>
                         </a:rPr>
-                        <a:t>營業日 </a:t>
+                        <a:t>Business days / 1 day</a:t>
                       </a:r>
-                      <a:r>
-                        <a:rPr lang="de-de" sz="900" dirty="0">
-                          <a:solidFill>
-                            <a:srgbClr val="020302"/>
-                          </a:solidFill>
-                          <a:latin typeface="AdobeClean-Light"/>
-                          <a:cs typeface="AdobeClean-Light"/>
-                        </a:rPr>
-                        <a:t>/ 1</a:t>
-                      </a:r>
-                      <a:r>
-                        <a:rPr lang="de-de" sz="900" spc="-100" dirty="0">
-                          <a:solidFill>
-                            <a:srgbClr val="020302"/>
-                          </a:solidFill>
-                          <a:latin typeface="AdobeClean-Light"/>
-                          <a:cs typeface="AdobeClean-Light"/>
-                        </a:rPr>
-                        <a:t> </a:t>
-                      </a:r>
-                      <a:r>
-                        <a:rPr lang="de-de" sz="900" spc="-15" dirty="0">
-                          <a:solidFill>
-                            <a:srgbClr val="020302"/>
-                          </a:solidFill>
-                          <a:latin typeface="AdobeClean-Light"/>
-                          <a:cs typeface="AdobeClean-Light"/>
-                        </a:rPr>
-                        <a:t>天</a:t>
-                      </a:r>
-                      <a:endParaRPr lang="en-US" sz="900" dirty="0">
-                        <a:latin typeface="AdobeClean-Light"/>
-                        <a:cs typeface="AdobeClean-Light"/>
-                      </a:endParaRPr>
                     </a:p>
                   </a:txBody>
-                  <a:tcPr marL="0" marR="0" marT="0" marB="0" anchor="ctr">
-                    <a:lnL w="6350">
+                  <a:tcPr marL="9525" marR="9525" marT="9525" marB="0" anchor="ctr">
+                    <a:lnL w="6350" cap="flat" cmpd="sng" algn="ctr">
                       <a:solidFill>
                         <a:srgbClr val="B7B8B8"/>
                       </a:solidFill>
                       <a:prstDash val="solid"/>
+                      <a:round/>
+                      <a:headEnd type="none" w="med" len="med"/>
+                      <a:tailEnd type="none" w="med" len="med"/>
                     </a:lnL>
                     <a:lnR w="6350" cap="flat" cmpd="sng" algn="ctr">
                       <a:solidFill>
@@ -3975,7 +4819,7 @@
         <p:spPr>
           <a:xfrm>
             <a:off x="97788" y="9888626"/>
-            <a:ext cx="5437598" cy="133370"/>
+            <a:ext cx="2245360" cy="133370"/>
           </a:xfrm>
           <a:prstGeom prst="rect">
             <a:avLst/>
@@ -3996,36 +4840,40 @@
               </a:spcBef>
             </a:pPr>
             <a:r>
-              <a:rPr lang="de-de" spc="-10" dirty="0"/>
-              <a:t>©2021</a:t>
-            </a:r>
-            <a:r>
-              <a:rPr lang="de-de" spc="-5" dirty="0"/>
-              <a:t> Adobe。All</a:t>
-            </a:r>
-            <a:r>
-              <a:rPr lang="de-de" spc="-10" dirty="0"/>
+              <a:rPr spc="-10"/>
+              <a:t>©202</a:t>
+            </a:r>
+            <a:r>
+              <a:rPr lang="en-US" spc="-10"/>
+              <a:t>1</a:t>
+            </a:r>
+            <a:r>
+              <a:rPr spc="-5"/>
+              <a:t> Adobe. All</a:t>
+            </a:r>
+            <a:r>
+              <a:rPr spc="-10"/>
               <a:t> Rights</a:t>
             </a:r>
             <a:r>
-              <a:rPr lang="de-de" spc="-5" dirty="0"/>
+              <a:rPr spc="-5"/>
               <a:t> </a:t>
             </a:r>
             <a:r>
-              <a:rPr lang="de-de" spc="-10" dirty="0"/>
-              <a:t>Reserved。</a:t>
-            </a:r>
-            <a:r>
-              <a:rPr lang="de-de" spc="-5" dirty="0"/>
-              <a:t>Adobe</a:t>
-            </a:r>
-            <a:r>
-              <a:rPr lang="de-de" spc="60" dirty="0"/>
+              <a:rPr spc="-10"/>
+              <a:t>Reserved.</a:t>
+            </a:r>
+            <a:r>
+              <a:rPr spc="-5"/>
+              <a:t> Adobe</a:t>
+            </a:r>
+            <a:r>
+              <a:rPr spc="60"/>
               <a:t> </a:t>
             </a:r>
             <a:r>
-              <a:rPr lang="de-de" spc="-10" dirty="0"/>
-              <a:t>機密資訊。</a:t>
+              <a:rPr spc="-10"/>
+              <a:t>Confidential.</a:t>
             </a:r>
           </a:p>
         </p:txBody>
@@ -4059,7 +4907,7 @@
           <a:lstStyle/>
           <a:p>
             <a:r>
-              <a:rPr lang="de-de" sz="700" i="1">
+              <a:rPr lang="en-US" sz="700" i="1">
                 <a:solidFill>
                   <a:schemeClr val="bg1"/>
                 </a:solidFill>
@@ -4105,16 +4953,16 @@
               </a:spcBef>
             </a:pPr>
             <a:r>
-              <a:rPr lang="de-de" sz="1200">
+              <a:rPr lang="en-US" sz="1200" dirty="0">
                 <a:solidFill>
                   <a:schemeClr val="bg1"/>
                 </a:solidFill>
                 <a:latin typeface="Adobe Clean Light" panose="020B0303020404020204" pitchFamily="34" charset="0"/>
               </a:rPr>
-              <a:t>線上 | 商務 |</a:t>
-            </a:r>
-            <a:r>
-              <a:rPr lang="de-de" sz="1200" b="1">
+              <a:t>Online | Business |</a:t>
+            </a:r>
+            <a:r>
+              <a:rPr lang="en-US" sz="1200" b="1" dirty="0">
                 <a:solidFill>
                   <a:schemeClr val="bg1"/>
                 </a:solidFill>
@@ -4123,15 +4971,15 @@
               <a:t> </a:t>
             </a:r>
             <a:r>
-              <a:rPr lang="de-de" sz="1200" b="1">
+              <a:rPr lang="en-US" sz="1200" b="1" dirty="0">
                 <a:solidFill>
                   <a:schemeClr val="bg1"/>
                 </a:solidFill>
               </a:rPr>
-              <a:t>企業</a:t>
-            </a:r>
-            <a:r>
-              <a:rPr lang="de-de" sz="1200" b="1">
+              <a:t>Enterprise</a:t>
+            </a:r>
+            <a:r>
+              <a:rPr lang="en-US" sz="1200" b="1" dirty="0">
                 <a:solidFill>
                   <a:schemeClr val="bg1"/>
                 </a:solidFill>
@@ -4140,25 +4988,32 @@
               <a:t> </a:t>
             </a:r>
             <a:r>
-              <a:rPr lang="de-de" sz="1200">
+              <a:rPr lang="en-US" sz="1200" dirty="0">
                 <a:solidFill>
                   <a:schemeClr val="bg1"/>
                 </a:solidFill>
                 <a:latin typeface="Adobe Clean Light" panose="020B0303020404020204" pitchFamily="34" charset="0"/>
               </a:rPr>
-              <a:t>| 菁英</a:t>
-            </a:r>
-            <a:br/>
-            <a:r>
-              <a:rPr lang="de-de" sz="900">
+              <a:t>| Elite</a:t>
+            </a:r>
+            <a:br>
+              <a:rPr lang="en-US" sz="900" dirty="0">
                 <a:solidFill>
                   <a:schemeClr val="bg1"/>
                 </a:solidFill>
+                <a:latin typeface="Adobe Clean Light" panose="020B0303020404020204" pitchFamily="34" charset="0"/>
+              </a:rPr>
+            </a:br>
+            <a:r>
+              <a:rPr lang="en-US" sz="900" dirty="0">
+                <a:solidFill>
+                  <a:schemeClr val="bg1"/>
+                </a:solidFill>
                 <a:latin typeface="Adobe Clean SemiLight" panose="020B0403020404020204" pitchFamily="34" charset="0"/>
               </a:rPr>
-              <a:t>企業支援包括透過 Adobe Experience League 存取個人化的學習路徑和監控的社群論壇。您還可以利用我們詳細和深入的技術產品文件和目前的版本注意事項。企業客戶還將得到一個指定的支援工程師，他是您在 Adobe 支援團隊中的指定技術聯絡人。憑藉對您指定的 Experience Cloud 解決方案的深厚經驗，您的支援團隊將與您和您的技術團隊合作，確保及時解決所有支援請求。您的支援團隊還可以幫助協調和安排交付額外的企業利益，確保在最關鍵的時刻對您的業務造成最小的干擾。</a:t>
-            </a:r>
-            <a:endParaRPr lang="en-US" sz="900">
+              <a:t>ENTERPRISE support includes access to personalized learning paths and monitored community forums via the Adobe Experience League. You can also take advantage of our detailed and in-depth technical product documentation and current release notes. ENTERPRISE customers will also be provided with a Named Support Engineer who acts as your designated technical contact in the Adobe Support Team. With deep experience in your designated Experience Cloud solution, your support team will work in partnership with you and your technical teams to ensure timely resolution of all support requests. Your support team can also help coordinate and arrange delivery of the additional ENTERPRISE benefits ensuring minimal disruption to your business at the most critical time. </a:t>
+            </a:r>
+            <a:endParaRPr lang="en-US" sz="900" dirty="0">
               <a:solidFill>
                 <a:schemeClr val="bg1"/>
               </a:solidFill>
@@ -4234,7 +5089,7 @@
                     <a:bodyPr/>
                     <a:lstStyle/>
                     <a:p>
-                      <a:endParaRPr lang="en-US" dirty="0"/>
+                      <a:endParaRPr lang="en-US"/>
                     </a:p>
                   </a:txBody>
                   <a:tcPr/>
@@ -4272,14 +5127,14 @@
                         <a:defRPr/>
                       </a:pPr>
                       <a:r>
-                        <a:rPr lang="de-de" sz="900" spc="0">
+                        <a:rPr lang="en-US" sz="900" spc="0">
                           <a:solidFill>
                             <a:srgbClr val="404040"/>
                           </a:solidFill>
                           <a:latin typeface="Adobe Clean"/>
                           <a:cs typeface="Adobe Clean"/>
                         </a:rPr>
-                        <a:t>線上支援</a:t>
+                        <a:t>Online  Support</a:t>
                       </a:r>
                       <a:endParaRPr lang="en-US" sz="900" spc="0">
                         <a:latin typeface="Adobe Clean"/>
@@ -4325,14 +5180,24 @@
                         </a:spcBef>
                       </a:pPr>
                       <a:r>
-                        <a:rPr lang="de-de" sz="900" spc="0">
+                        <a:rPr lang="en-US" sz="900" spc="0">
                           <a:solidFill>
                             <a:srgbClr val="FFFFFF"/>
                           </a:solidFill>
                           <a:latin typeface="Adobe Clean"/>
                           <a:cs typeface="Adobe Clean"/>
                         </a:rPr>
-                        <a:t>企業支援</a:t>
+                        <a:t>Enterprise </a:t>
+                      </a:r>
+                      <a:r>
+                        <a:rPr sz="900" spc="0">
+                          <a:solidFill>
+                            <a:srgbClr val="FFFFFF"/>
+                          </a:solidFill>
+                          <a:latin typeface="Adobe Clean"/>
+                          <a:cs typeface="Adobe Clean"/>
+                        </a:rPr>
+                        <a:t>Support</a:t>
                       </a:r>
                       <a:endParaRPr sz="900" spc="0">
                         <a:latin typeface="Adobe Clean"/>
@@ -4422,7 +5287,7 @@
                         <a:tabLst/>
                         <a:defRPr/>
                       </a:pPr>
-                      <a:endParaRPr lang="en-US" sz="800" i="1" dirty="0">
+                      <a:endParaRPr lang="en-US" sz="800" i="1">
                         <a:solidFill>
                           <a:sysClr val="windowText" lastClr="000000"/>
                         </a:solidFill>
@@ -4486,13 +5351,13 @@
                         <a:defRPr/>
                       </a:pPr>
                       <a:r>
-                        <a:rPr lang="de-de" sz="800" i="1">
+                        <a:rPr lang="en-US" sz="800" i="1">
                           <a:solidFill>
                             <a:schemeClr val="bg1"/>
                           </a:solidFill>
                           <a:latin typeface="Adobe Clean Light" panose="020B0303020404020204" pitchFamily="34" charset="0"/>
                         </a:rPr>
-                        <a:t>付費支援 ($)</a:t>
+                        <a:t>Paid Support ($)</a:t>
                       </a:r>
                     </a:p>
                   </a:txBody>
@@ -4556,14 +5421,14 @@
                         </a:spcBef>
                       </a:pPr>
                       <a:r>
-                        <a:rPr lang="de-de" sz="1000" b="1" i="0" spc="0">
+                        <a:rPr lang="en-US" sz="1000" b="1" i="0" spc="0">
                           <a:solidFill>
                             <a:schemeClr val="bg1"/>
                           </a:solidFill>
                           <a:latin typeface="Adobe Clean" panose="020B0503020404020204" pitchFamily="34" charset="0"/>
                           <a:cs typeface="AdobeClean-Light"/>
                         </a:rPr>
-                        <a:t>指派的專家</a:t>
+                        <a:t>Assigned Experts</a:t>
                       </a:r>
                       <a:endParaRPr sz="1000" b="1" i="0" spc="0">
                         <a:solidFill>
@@ -4618,14 +5483,14 @@
                         </a:spcBef>
                       </a:pPr>
                       <a:r>
-                        <a:rPr lang="de-de" sz="900" spc="0">
+                        <a:rPr sz="900" spc="0">
                           <a:solidFill>
                             <a:srgbClr val="020302"/>
                           </a:solidFill>
                           <a:latin typeface="AdobeClean-Light"/>
                           <a:cs typeface="AdobeClean-Light"/>
                         </a:rPr>
-                        <a:t>帳戶支援負責人</a:t>
+                        <a:t>Account Support Lead</a:t>
                       </a:r>
                       <a:endParaRPr sz="900" spc="0">
                         <a:latin typeface="AdobeClean-Light"/>
@@ -4795,14 +5660,14 @@
                         </a:spcBef>
                       </a:pPr>
                       <a:r>
-                        <a:rPr lang="de-de" sz="900" spc="0">
+                        <a:rPr sz="900" spc="0">
                           <a:solidFill>
                             <a:srgbClr val="020302"/>
                           </a:solidFill>
                           <a:latin typeface="AdobeClean-Light"/>
                           <a:cs typeface="AdobeClean-Light"/>
                         </a:rPr>
-                        <a:t>指定的支援工程師</a:t>
+                        <a:t>Named Support Engineer</a:t>
                       </a:r>
                       <a:endParaRPr sz="900" spc="0">
                         <a:latin typeface="AdobeClean-Light"/>
@@ -4877,7 +5742,7 @@
                         <a:defRPr/>
                       </a:pPr>
                       <a:r>
-                        <a:rPr lang="de-de" sz="900">
+                        <a:rPr lang="en-US" sz="900">
                           <a:solidFill>
                             <a:srgbClr val="020302"/>
                           </a:solidFill>
@@ -4970,14 +5835,14 @@
                         </a:spcBef>
                       </a:pPr>
                       <a:r>
-                        <a:rPr lang="de-de" sz="900" spc="0">
+                        <a:rPr sz="900" spc="0">
                           <a:solidFill>
                             <a:srgbClr val="020302"/>
                           </a:solidFill>
                           <a:latin typeface="AdobeClean-Light"/>
                           <a:cs typeface="AdobeClean-Light"/>
                         </a:rPr>
-                        <a:t>技術客戶經理</a:t>
+                        <a:t>Technical Account Manager</a:t>
                       </a:r>
                       <a:endParaRPr sz="900" spc="0">
                         <a:latin typeface="AdobeClean-Light"/>
@@ -5100,16 +5965,16 @@
                         </a:spcBef>
                       </a:pPr>
                       <a:r>
-                        <a:rPr lang="de-de" sz="1000" b="1" i="0" spc="0" dirty="0">
+                        <a:rPr lang="en-US" sz="1000" b="1" i="0" spc="0">
                           <a:solidFill>
                             <a:schemeClr val="bg1"/>
                           </a:solidFill>
                           <a:latin typeface="Adobe Clean" panose="020B0503020404020204" pitchFamily="34" charset="0"/>
                           <a:cs typeface="AdobeClean-Light"/>
                         </a:rPr>
-                        <a:t>支援服務</a:t>
+                        <a:t>Support Services</a:t>
                       </a:r>
-                      <a:endParaRPr sz="1000" b="1" i="0" spc="0" dirty="0">
+                      <a:endParaRPr sz="1000" b="1" i="0" spc="0">
                         <a:solidFill>
                           <a:schemeClr val="bg1"/>
                         </a:solidFill>
@@ -5171,14 +6036,24 @@
                         </a:spcBef>
                       </a:pPr>
                       <a:r>
-                        <a:rPr lang="de-de" sz="900" spc="0">
+                        <a:rPr lang="en-US" sz="900" spc="0">
                           <a:solidFill>
                             <a:srgbClr val="020302"/>
                           </a:solidFill>
                           <a:latin typeface="AdobeClean-Light"/>
                           <a:cs typeface="AdobeClean-Light"/>
                         </a:rPr>
-                        <a:t>線上支援</a:t>
+                        <a:t>Online</a:t>
+                      </a:r>
+                      <a:r>
+                        <a:rPr sz="900" spc="0">
+                          <a:solidFill>
+                            <a:srgbClr val="020302"/>
+                          </a:solidFill>
+                          <a:latin typeface="AdobeClean-Light"/>
+                          <a:cs typeface="AdobeClean-Light"/>
+                        </a:rPr>
+                        <a:t> Support</a:t>
                       </a:r>
                       <a:endParaRPr sz="900" spc="0">
                         <a:latin typeface="AdobeClean-Light"/>
@@ -5221,14 +6096,34 @@
                         </a:spcBef>
                       </a:pPr>
                       <a:r>
-                        <a:rPr lang="de-de" sz="900" spc="-25">
+                        <a:rPr sz="900" spc="-25">
                           <a:solidFill>
                             <a:srgbClr val="020302"/>
                           </a:solidFill>
                           <a:latin typeface="AdobeClean-Light"/>
                           <a:cs typeface="AdobeClean-Light"/>
                         </a:rPr>
-                        <a:t>營業時間</a:t>
+                        <a:t>Business</a:t>
+                      </a:r>
+                      <a:r>
+                        <a:rPr sz="900" spc="-15">
+                          <a:solidFill>
+                            <a:srgbClr val="020302"/>
+                          </a:solidFill>
+                          <a:latin typeface="AdobeClean-Light"/>
+                          <a:cs typeface="AdobeClean-Light"/>
+                        </a:rPr>
+                        <a:t> </a:t>
+                      </a:r>
+                      <a:r>
+                        <a:rPr sz="900" spc="-30">
+                          <a:solidFill>
+                            <a:srgbClr val="020302"/>
+                          </a:solidFill>
+                          <a:latin typeface="AdobeClean-Light"/>
+                          <a:cs typeface="AdobeClean-Light"/>
+                        </a:rPr>
+                        <a:t>hours</a:t>
                       </a:r>
                       <a:endParaRPr sz="900">
                         <a:latin typeface="AdobeClean-Light"/>
@@ -5272,7 +6167,7 @@
                         </a:spcBef>
                       </a:pPr>
                       <a:r>
-                        <a:rPr lang="de-de" sz="900" spc="-25">
+                        <a:rPr lang="en-US" sz="900" spc="-25">
                           <a:solidFill>
                             <a:srgbClr val="020302"/>
                           </a:solidFill>
@@ -5367,14 +6262,34 @@
                         </a:spcBef>
                       </a:pPr>
                       <a:r>
-                        <a:rPr lang="de-de" sz="900" spc="0">
+                        <a:rPr sz="900" spc="0">
                           <a:solidFill>
                             <a:srgbClr val="020302"/>
                           </a:solidFill>
                           <a:latin typeface="AdobeClean-Light"/>
                           <a:cs typeface="AdobeClean-Light"/>
                         </a:rPr>
-                        <a:t>全年無休 P1 問題支援</a:t>
+                        <a:t>24x7</a:t>
+                      </a:r>
+                      <a:r>
+                        <a:rPr lang="en-US" sz="900" spc="0">
+                          <a:solidFill>
+                            <a:srgbClr val="020302"/>
+                          </a:solidFill>
+                          <a:latin typeface="AdobeClean-Light"/>
+                          <a:cs typeface="AdobeClean-Light"/>
+                        </a:rPr>
+                        <a:t>x365</a:t>
+                      </a:r>
+                      <a:r>
+                        <a:rPr sz="900" spc="0">
+                          <a:solidFill>
+                            <a:srgbClr val="020302"/>
+                          </a:solidFill>
+                          <a:latin typeface="AdobeClean-Light"/>
+                          <a:cs typeface="AdobeClean-Light"/>
+                        </a:rPr>
+                        <a:t> P1 Issue Support</a:t>
                       </a:r>
                       <a:endParaRPr sz="900" spc="0">
                         <a:latin typeface="AdobeClean-Light"/>
@@ -5411,7 +6326,7 @@
                         </a:spcBef>
                       </a:pPr>
                       <a:r>
-                        <a:rPr lang="de-de" sz="900">
+                        <a:rPr sz="900">
                           <a:solidFill>
                             <a:srgbClr val="020302"/>
                           </a:solidFill>
@@ -5453,7 +6368,7 @@
                         </a:spcBef>
                       </a:pPr>
                       <a:r>
-                        <a:rPr lang="de-de" sz="900">
+                        <a:rPr sz="900">
                           <a:solidFill>
                             <a:srgbClr val="020302"/>
                           </a:solidFill>
@@ -5546,14 +6461,14 @@
                         </a:spcBef>
                       </a:pPr>
                       <a:r>
-                        <a:rPr lang="de-de" sz="900" spc="0">
+                        <a:rPr lang="en-US" sz="900" spc="0">
                           <a:solidFill>
                             <a:srgbClr val="020302"/>
                           </a:solidFill>
                           <a:latin typeface="AdobeClean-Light"/>
                           <a:cs typeface="AdobeClean-Light"/>
                         </a:rPr>
-                        <a:t>指定的支援聯絡人 (依據產品)</a:t>
+                        <a:t>Named Support Contacts (per product)</a:t>
                       </a:r>
                       <a:endParaRPr sz="900" spc="0">
                         <a:latin typeface="AdobeClean-Light"/>
@@ -5596,7 +6511,7 @@
                         </a:spcBef>
                       </a:pPr>
                       <a:r>
-                        <a:rPr lang="de-de" sz="900">
+                        <a:rPr sz="900">
                           <a:solidFill>
                             <a:srgbClr val="020302"/>
                           </a:solidFill>
@@ -5638,7 +6553,7 @@
                         </a:spcBef>
                       </a:pPr>
                       <a:r>
-                        <a:rPr lang="de-de" sz="900">
+                        <a:rPr lang="en-US" sz="900">
                           <a:solidFill>
                             <a:srgbClr val="020302"/>
                           </a:solidFill>
@@ -5722,14 +6637,14 @@
                         </a:spcBef>
                       </a:pPr>
                       <a:r>
-                        <a:rPr lang="de-de" sz="900" spc="0">
+                        <a:rPr lang="en-US" sz="900" spc="0">
                           <a:solidFill>
                             <a:srgbClr val="020302"/>
                           </a:solidFill>
                           <a:latin typeface="AdobeClean-Light"/>
                           <a:cs typeface="AdobeClean-Light"/>
                         </a:rPr>
-                        <a:t>即時電話支援</a:t>
+                        <a:t>Live Telephone Support</a:t>
                       </a:r>
                       <a:endParaRPr sz="900" spc="0">
                         <a:latin typeface="AdobeClean-Light"/>
@@ -5798,7 +6713,7 @@
                         </a:spcBef>
                       </a:pPr>
                       <a:r>
-                        <a:rPr lang="de-de" sz="900">
+                        <a:rPr sz="900">
                           <a:solidFill>
                             <a:srgbClr val="020302"/>
                           </a:solidFill>
@@ -5882,14 +6797,14 @@
                         </a:spcBef>
                       </a:pPr>
                       <a:r>
-                        <a:rPr lang="de-de" sz="900" spc="0">
+                        <a:rPr sz="900" spc="0">
                           <a:solidFill>
                             <a:srgbClr val="020302"/>
                           </a:solidFill>
                           <a:latin typeface="AdobeClean-Light"/>
                           <a:cs typeface="AdobeClean-Light"/>
                         </a:rPr>
-                        <a:t>向上呈報管理</a:t>
+                        <a:t>Escalation Management</a:t>
                       </a:r>
                       <a:endParaRPr sz="900" spc="0">
                         <a:latin typeface="AdobeClean-Light"/>
@@ -5958,7 +6873,7 @@
                         </a:spcBef>
                       </a:pPr>
                       <a:r>
-                        <a:rPr lang="de-de" sz="900">
+                        <a:rPr sz="900">
                           <a:solidFill>
                             <a:srgbClr val="020302"/>
                           </a:solidFill>
@@ -6042,14 +6957,24 @@
                         </a:spcBef>
                       </a:pPr>
                       <a:r>
-                        <a:rPr lang="de-de" sz="900" spc="0">
+                        <a:rPr sz="900" spc="0">
                           <a:solidFill>
                             <a:srgbClr val="020302"/>
                           </a:solidFill>
                           <a:latin typeface="AdobeClean-Light"/>
                           <a:cs typeface="AdobeClean-Light"/>
                         </a:rPr>
-                        <a:t>每年的服務審查</a:t>
+                        <a:t>Service Reviews </a:t>
+                      </a:r>
+                      <a:r>
+                        <a:rPr lang="en-US" sz="900" spc="0">
+                          <a:solidFill>
+                            <a:srgbClr val="020302"/>
+                          </a:solidFill>
+                          <a:latin typeface="AdobeClean-Light"/>
+                          <a:cs typeface="AdobeClean-Light"/>
+                        </a:rPr>
+                        <a:t>per Year</a:t>
                       </a:r>
                       <a:endParaRPr sz="900" spc="0">
                         <a:latin typeface="AdobeClean-Light"/>
@@ -6112,7 +7037,7 @@
                         </a:lnSpc>
                       </a:pPr>
                       <a:r>
-                        <a:rPr lang="de-de" sz="900">
+                        <a:rPr lang="en-US" sz="900">
                           <a:latin typeface="Times New Roman"/>
                           <a:cs typeface="Times New Roman"/>
                         </a:rPr>
@@ -6163,13 +7088,13 @@
                         </a:spcBef>
                       </a:pPr>
                       <a:r>
-                        <a:rPr lang="de-de" sz="900" spc="0" dirty="0">
+                        <a:rPr lang="en-US" sz="900" spc="0">
                           <a:latin typeface="AdobeClean-Light"/>
                           <a:cs typeface="AdobeClean-Light"/>
                         </a:rPr>
-                        <a:t>每年的專家諮詢</a:t>
+                        <a:t>Expert Sessions per Year</a:t>
                       </a:r>
-                      <a:endParaRPr sz="900" spc="0" dirty="0">
+                      <a:endParaRPr sz="900" spc="0">
                         <a:latin typeface="AdobeClean-Light"/>
                         <a:cs typeface="AdobeClean-Light"/>
                       </a:endParaRPr>
@@ -6236,7 +7161,7 @@
                         </a:lnSpc>
                       </a:pPr>
                       <a:r>
-                        <a:rPr lang="de-de" sz="900">
+                        <a:rPr lang="en-US" sz="900">
                           <a:latin typeface="Times New Roman"/>
                           <a:cs typeface="Times New Roman"/>
                         </a:rPr>
@@ -6287,13 +7212,13 @@
                         </a:spcBef>
                       </a:pPr>
                       <a:r>
-                        <a:rPr lang="de-de" sz="900" spc="0" dirty="0">
+                        <a:rPr lang="en-US" sz="900" spc="0">
                           <a:latin typeface="AdobeClean-Light"/>
                           <a:cs typeface="AdobeClean-Light"/>
                         </a:rPr>
-                        <a:t>案件審查</a:t>
+                        <a:t>Case Reviews</a:t>
                       </a:r>
-                      <a:endParaRPr sz="900" spc="0" dirty="0">
+                      <a:endParaRPr sz="900" spc="0">
                         <a:latin typeface="AdobeClean-Light"/>
                         <a:cs typeface="AdobeClean-Light"/>
                       </a:endParaRPr>
@@ -6330,7 +7255,7 @@
                           <a:spcPct val="100000"/>
                         </a:lnSpc>
                       </a:pPr>
-                      <a:endParaRPr sz="900" dirty="0">
+                      <a:endParaRPr sz="900">
                         <a:latin typeface="Times New Roman"/>
                         <a:cs typeface="Times New Roman"/>
                       </a:endParaRPr>
@@ -6372,7 +7297,7 @@
                         <a:defRPr/>
                       </a:pPr>
                       <a:r>
-                        <a:rPr lang="de-de" sz="900" dirty="0">
+                        <a:rPr lang="en-US" sz="900">
                           <a:solidFill>
                             <a:srgbClr val="020302"/>
                           </a:solidFill>
@@ -6381,7 +7306,7 @@
                         </a:rPr>
                         <a:t></a:t>
                       </a:r>
-                      <a:endParaRPr lang="en-US" sz="900" dirty="0">
+                      <a:endParaRPr lang="en-US" sz="900">
                         <a:latin typeface="Wingdings"/>
                         <a:cs typeface="Wingdings"/>
                       </a:endParaRPr>
@@ -6465,14 +7390,24 @@
                         </a:spcBef>
                       </a:pPr>
                       <a:r>
-                        <a:rPr lang="de-de" sz="900" spc="0">
+                        <a:rPr sz="900" spc="0">
                           <a:solidFill>
                             <a:srgbClr val="020302"/>
                           </a:solidFill>
                           <a:latin typeface="AdobeClean-Light"/>
                           <a:cs typeface="AdobeClean-Light"/>
                         </a:rPr>
-                        <a:t>事件管理</a:t>
+                        <a:t>Event </a:t>
+                      </a:r>
+                      <a:r>
+                        <a:rPr lang="en-US" sz="900" spc="0">
+                          <a:solidFill>
+                            <a:srgbClr val="020302"/>
+                          </a:solidFill>
+                          <a:latin typeface="AdobeClean-Light"/>
+                          <a:cs typeface="AdobeClean-Light"/>
+                        </a:rPr>
+                        <a:t>Management</a:t>
                       </a:r>
                       <a:endParaRPr sz="900" spc="0">
                         <a:latin typeface="AdobeClean-Light"/>
@@ -6615,14 +7550,34 @@
                         </a:spcBef>
                       </a:pPr>
                       <a:r>
-                        <a:rPr lang="de-de" sz="900" spc="0">
+                        <a:rPr sz="900" spc="0">
                           <a:solidFill>
                             <a:srgbClr val="020302"/>
                           </a:solidFill>
                           <a:latin typeface="AdobeClean-Light"/>
                           <a:cs typeface="AdobeClean-Light"/>
                         </a:rPr>
-                        <a:t>環境審查、維護與監控</a:t>
+                        <a:t>Environment</a:t>
+                      </a:r>
+                      <a:r>
+                        <a:rPr lang="en-US" sz="900" spc="0">
+                          <a:solidFill>
+                            <a:srgbClr val="020302"/>
+                          </a:solidFill>
+                          <a:latin typeface="AdobeClean-Light"/>
+                          <a:cs typeface="AdobeClean-Light"/>
+                        </a:rPr>
+                        <a:t> </a:t>
+                      </a:r>
+                      <a:r>
+                        <a:rPr sz="900" spc="0">
+                          <a:solidFill>
+                            <a:srgbClr val="020302"/>
+                          </a:solidFill>
+                          <a:latin typeface="AdobeClean-Light"/>
+                          <a:cs typeface="AdobeClean-Light"/>
+                        </a:rPr>
+                        <a:t>Review, Maintenance &amp; Monitoring</a:t>
                       </a:r>
                       <a:endParaRPr sz="900" spc="0">
                         <a:latin typeface="AdobeClean-Light"/>
@@ -6759,14 +7714,14 @@
                         </a:spcBef>
                       </a:pPr>
                       <a:r>
-                        <a:rPr lang="de-de" sz="900" spc="0">
+                        <a:rPr sz="900" spc="0">
                           <a:solidFill>
                             <a:srgbClr val="020302"/>
                           </a:solidFill>
                           <a:latin typeface="AdobeClean-Light"/>
                           <a:cs typeface="AdobeClean-Light"/>
                         </a:rPr>
-                        <a:t>發行、遷移、升級及產品藍圖審查</a:t>
+                        <a:t>Release, Migration, Upgrade &amp; Product Roadmap Review</a:t>
                       </a:r>
                       <a:endParaRPr sz="900" spc="0">
                         <a:latin typeface="AdobeClean-Light"/>
@@ -6912,11 +7867,11 @@
                         </a:spcBef>
                       </a:pPr>
                       <a:r>
-                        <a:rPr lang="de-de" sz="900" spc="0">
+                        <a:rPr sz="900" spc="0">
                           <a:latin typeface="AdobeClean-Light"/>
                           <a:cs typeface="AdobeClean-Light"/>
                         </a:rPr>
-                        <a:t>雲端支援活動 – 雲端形式的 Experience Manager</a:t>
+                        <a:t>Cloud Support Activities – Experience Manager as Cloud</a:t>
                       </a:r>
                     </a:p>
                   </a:txBody>
@@ -7002,7 +7957,7 @@
                         <a:defRPr/>
                       </a:pPr>
                       <a:r>
-                        <a:rPr lang="de-de" sz="900" dirty="0">
+                        <a:rPr lang="en-US" sz="900">
                           <a:solidFill>
                             <a:srgbClr val="020302"/>
                           </a:solidFill>
@@ -7011,7 +7966,7 @@
                         </a:rPr>
                         <a:t></a:t>
                       </a:r>
-                      <a:endParaRPr lang="en-US" sz="900" dirty="0">
+                      <a:endParaRPr lang="en-US" sz="900">
                         <a:latin typeface="Wingdings"/>
                         <a:cs typeface="Wingdings"/>
                       </a:endParaRPr>
@@ -7034,7 +7989,7 @@
                         <a:tabLst/>
                         <a:defRPr/>
                       </a:pPr>
-                      <a:endParaRPr lang="en-US" sz="900" dirty="0">
+                      <a:endParaRPr lang="en-US" sz="900">
                         <a:latin typeface="Wingdings"/>
                         <a:cs typeface="Wingdings"/>
                       </a:endParaRPr>
@@ -7080,16 +8035,16 @@
                         </a:spcBef>
                       </a:pPr>
                       <a:r>
-                        <a:rPr lang="de-de" sz="1000" b="1" i="0" spc="0" dirty="0">
+                        <a:rPr lang="en-US" sz="1000" b="1" i="0" spc="0">
                           <a:solidFill>
                             <a:schemeClr val="bg1"/>
                           </a:solidFill>
                           <a:latin typeface="Adobe Clean" panose="020B0503020404020204" pitchFamily="34" charset="0"/>
                           <a:cs typeface="AdobeClean-Light"/>
                         </a:rPr>
-                        <a:t>現場服務</a:t>
+                        <a:t>Field Services</a:t>
                       </a:r>
-                      <a:endParaRPr sz="1000" b="1" i="0" spc="0" dirty="0">
+                      <a:endParaRPr sz="1000" b="1" i="0" spc="0">
                         <a:solidFill>
                           <a:schemeClr val="bg1"/>
                         </a:solidFill>
@@ -7148,14 +8103,14 @@
                         </a:spcBef>
                       </a:pPr>
                       <a:r>
-                        <a:rPr lang="de-de" sz="900" spc="0">
+                        <a:rPr sz="900" spc="0">
                           <a:solidFill>
                             <a:srgbClr val="020302"/>
                           </a:solidFill>
                           <a:latin typeface="AdobeClean-Light"/>
                           <a:cs typeface="AdobeClean-Light"/>
                         </a:rPr>
-                        <a:t>上市諮詢服務 – 新解決方案的第一年</a:t>
+                        <a:t>Launch Advisory Services – First Year of new solution</a:t>
                       </a:r>
                     </a:p>
                   </a:txBody>
@@ -7251,7 +8206,7 @@
                         <a:defRPr/>
                       </a:pPr>
                       <a:r>
-                        <a:rPr lang="de-de" sz="900">
+                        <a:rPr lang="en-US" sz="900">
                           <a:solidFill>
                             <a:srgbClr val="020302"/>
                           </a:solidFill>
@@ -7384,7 +8339,7 @@
                         <a:defRPr/>
                       </a:pPr>
                       <a:r>
-                        <a:rPr lang="de-de" sz="900">
+                        <a:rPr lang="en-US" sz="900">
                           <a:solidFill>
                             <a:srgbClr val="020302"/>
                           </a:solidFill>
@@ -7453,11 +8408,11 @@
                         <a:defRPr/>
                       </a:pPr>
                       <a:r>
-                        <a:rPr lang="de-de" sz="900" spc="0" dirty="0">
+                        <a:rPr lang="en-US" sz="900" spc="0">
                           <a:latin typeface="AdobeClean-Light"/>
                           <a:cs typeface="AdobeClean-Light"/>
                         </a:rPr>
-                        <a:t>現場服務活動</a:t>
+                        <a:t>Field Service Activities </a:t>
                       </a:r>
                     </a:p>
                   </a:txBody>
@@ -7592,14 +8547,14 @@
         <p:spPr>
           <a:xfrm>
             <a:off x="2835999" y="9021041"/>
-            <a:ext cx="2194560" cy="487313"/>
+            <a:ext cx="2194560" cy="641201"/>
           </a:xfrm>
           <a:prstGeom prst="rect">
             <a:avLst/>
           </a:prstGeom>
         </p:spPr>
         <p:txBody>
-          <a:bodyPr vert="horz" wrap="square" lIns="0" tIns="12700" rIns="0" bIns="0" rtlCol="0">
+          <a:bodyPr vert="horz" wrap="square" lIns="0" tIns="12700" rIns="0" bIns="0" rtlCol="0" anchor="t">
             <a:spAutoFit/>
           </a:bodyPr>
           <a:lstStyle/>
@@ -7616,98 +8571,158 @@
               </a:tabLst>
             </a:pPr>
             <a:r>
-              <a:rPr lang="de-de" sz="1000" spc="-20">
+              <a:rPr sz="1000" spc="-20" dirty="0">
                 <a:solidFill>
                   <a:srgbClr val="020302"/>
                 </a:solidFill>
                 <a:latin typeface="AdobeClean-Light"/>
                 <a:cs typeface="AdobeClean-Light"/>
               </a:rPr>
-              <a:t>開始</a:t>
-            </a:r>
-            <a:r>
-              <a:rPr lang="de-de" sz="1000" spc="-15">
+              <a:t>Start </a:t>
+            </a:r>
+            <a:r>
+              <a:rPr sz="1000" dirty="0">
                 <a:solidFill>
                   <a:srgbClr val="020302"/>
                 </a:solidFill>
                 <a:latin typeface="AdobeClean-Light"/>
                 <a:cs typeface="AdobeClean-Light"/>
               </a:rPr>
-              <a:t>聊天式</a:t>
-            </a:r>
-            <a:r>
-              <a:rPr lang="de-de" sz="1000" spc="-10">
+              <a:t>a </a:t>
+            </a:r>
+            <a:r>
+              <a:rPr sz="1000" spc="-15" dirty="0">
                 <a:solidFill>
                   <a:srgbClr val="020302"/>
                 </a:solidFill>
                 <a:latin typeface="AdobeClean-Light"/>
                 <a:cs typeface="AdobeClean-Light"/>
               </a:rPr>
-              <a:t>諮詢，</a:t>
-            </a:r>
-            <a:r>
-              <a:rPr lang="de-de" sz="1000" spc="-5">
+              <a:t>chat </a:t>
+            </a:r>
+            <a:r>
+              <a:rPr sz="1000" spc="-10" dirty="0">
                 <a:solidFill>
                   <a:srgbClr val="020302"/>
                 </a:solidFill>
                 <a:latin typeface="AdobeClean-Light"/>
                 <a:cs typeface="AdobeClean-Light"/>
               </a:rPr>
-              <a:t>以獲得</a:t>
-            </a:r>
-            <a:r>
-              <a:rPr lang="de-de" sz="1000" spc="-10">
+              <a:t>session </a:t>
+            </a:r>
+            <a:r>
+              <a:rPr sz="1000" spc="-5" dirty="0">
                 <a:solidFill>
                   <a:srgbClr val="020302"/>
                 </a:solidFill>
                 <a:latin typeface="AdobeClean-Light"/>
                 <a:cs typeface="AdobeClean-Light"/>
               </a:rPr>
-              <a:t>案件提交的</a:t>
-            </a:r>
-            <a:r>
-              <a:rPr lang="de-de" sz="1000" spc="-20">
+              <a:t>to </a:t>
+            </a:r>
+            <a:r>
+              <a:rPr sz="1000" spc="-10" dirty="0">
                 <a:solidFill>
                   <a:srgbClr val="020302"/>
                 </a:solidFill>
                 <a:latin typeface="AdobeClean-Light"/>
                 <a:cs typeface="AdobeClean-Light"/>
               </a:rPr>
-              <a:t>解答</a:t>
-            </a:r>
-            <a:r>
-              <a:rPr lang="de-de" sz="1000">
+              <a:t>get </a:t>
+            </a:r>
+            <a:r>
+              <a:rPr sz="1000" spc="-20" dirty="0">
                 <a:solidFill>
                   <a:srgbClr val="020302"/>
                 </a:solidFill>
                 <a:latin typeface="AdobeClean-Light"/>
                 <a:cs typeface="AdobeClean-Light"/>
               </a:rPr>
-              <a:t>與</a:t>
-            </a:r>
-            <a:r>
-              <a:rPr lang="de-de" sz="1000" spc="-15">
+              <a:t>answers</a:t>
+            </a:r>
+            <a:r>
+              <a:rPr lang="en-US" sz="1000" spc="-45" dirty="0">
                 <a:solidFill>
                   <a:srgbClr val="020302"/>
                 </a:solidFill>
                 <a:latin typeface="AdobeClean-Light"/>
                 <a:cs typeface="AdobeClean-Light"/>
               </a:rPr>
-              <a:t>協助</a:t>
-            </a:r>
-            <a:endParaRPr lang="en-US" sz="1000" spc="-20">
-              <a:solidFill>
-                <a:srgbClr val="020302"/>
-              </a:solidFill>
-              <a:latin typeface="AdobeClean-Light"/>
-              <a:cs typeface="AdobeClean-Light"/>
-            </a:endParaRPr>
+              <a:t> </a:t>
+            </a:r>
+            <a:r>
+              <a:rPr lang="en-US" sz="1000" dirty="0">
+                <a:solidFill>
+                  <a:srgbClr val="020302"/>
+                </a:solidFill>
+                <a:latin typeface="AdobeClean-Light"/>
+                <a:cs typeface="AdobeClean-Light"/>
+              </a:rPr>
+              <a:t>&amp; </a:t>
+            </a:r>
+            <a:r>
+              <a:rPr sz="1000" spc="-15" dirty="0">
+                <a:solidFill>
+                  <a:srgbClr val="020302"/>
+                </a:solidFill>
+                <a:latin typeface="AdobeClean-Light"/>
+                <a:cs typeface="AdobeClean-Light"/>
+              </a:rPr>
+              <a:t>help </a:t>
+            </a:r>
+            <a:r>
+              <a:rPr sz="1000" spc="-10" dirty="0">
+                <a:solidFill>
+                  <a:srgbClr val="020302"/>
+                </a:solidFill>
+                <a:latin typeface="AdobeClean-Light"/>
+                <a:cs typeface="AdobeClean-Light"/>
+              </a:rPr>
+              <a:t>with</a:t>
+            </a:r>
+            <a:r>
+              <a:rPr sz="1000" spc="85" dirty="0">
+                <a:solidFill>
+                  <a:srgbClr val="020302"/>
+                </a:solidFill>
+                <a:latin typeface="AdobeClean-Light"/>
+                <a:cs typeface="AdobeClean-Light"/>
+              </a:rPr>
+              <a:t> </a:t>
+            </a:r>
+            <a:r>
+              <a:rPr sz="1000" spc="-10" dirty="0">
+                <a:solidFill>
+                  <a:srgbClr val="020302"/>
+                </a:solidFill>
+                <a:latin typeface="AdobeClean-Light"/>
+                <a:cs typeface="AdobeClean-Light"/>
+              </a:rPr>
+              <a:t>case </a:t>
+            </a:r>
+            <a:r>
+              <a:rPr sz="1000" spc="-20">
+                <a:solidFill>
+                  <a:srgbClr val="020302"/>
+                </a:solidFill>
+                <a:latin typeface="AdobeClean-Light"/>
+                <a:cs typeface="AdobeClean-Light"/>
+              </a:rPr>
+              <a:t>submission</a:t>
+            </a:r>
+            <a:r>
+              <a:rPr lang="en-US" sz="1000" spc="-20">
+                <a:solidFill>
+                  <a:srgbClr val="020302"/>
+                </a:solidFill>
+                <a:latin typeface="AdobeClean-Light"/>
+                <a:cs typeface="AdobeClean-Light"/>
+              </a:rPr>
+              <a:t>.</a:t>
+            </a:r>
           </a:p>
           <a:p>
             <a:pPr marL="33020" marR="159385">
-              <a:lnSpc>
-                <a:spcPct val="100000"/>
-              </a:lnSpc>
               <a:spcBef>
                 <a:spcPts val="100"/>
               </a:spcBef>
@@ -7716,34 +8731,44 @@
               </a:tabLst>
             </a:pPr>
             <a:r>
-              <a:rPr lang="de-de" sz="1000" i="1" spc="-10">
+              <a:rPr sz="1000" i="1" spc="-10" dirty="0">
                 <a:solidFill>
                   <a:srgbClr val="7A7A7A"/>
                 </a:solidFill>
                 <a:latin typeface="AdobeClean-LightIt"/>
                 <a:cs typeface="AdobeClean-LightIt"/>
               </a:rPr>
-              <a:t>*並非</a:t>
-            </a:r>
-            <a:r>
-              <a:rPr lang="de-de" sz="1000" i="1" spc="-20">
+              <a:t>*Not all </a:t>
+            </a:r>
+            <a:r>
+              <a:rPr sz="1000" i="1" spc="-20" dirty="0">
                 <a:solidFill>
                   <a:srgbClr val="7A7A7A"/>
                 </a:solidFill>
                 <a:latin typeface="AdobeClean-LightIt"/>
                 <a:cs typeface="AdobeClean-LightIt"/>
               </a:rPr>
-              <a:t>所有產品都有提供即時聊天支援</a:t>
-            </a:r>
-            <a:r>
-              <a:rPr lang="de-de" sz="900" i="1" spc="-20">
+              <a:t>products have live chat support</a:t>
+            </a:r>
+            <a:r>
+              <a:rPr sz="900" i="1" spc="-20" dirty="0">
                 <a:solidFill>
                   <a:srgbClr val="7A7A7A"/>
                 </a:solidFill>
                 <a:latin typeface="AdobeClean-LightIt"/>
                 <a:cs typeface="AdobeClean-LightIt"/>
               </a:rPr>
-              <a:t>。</a:t>
+              <a:t>.</a:t>
+            </a:r>
+            <a:r>
+              <a:rPr lang="en-US" sz="900" i="1" spc="-20" dirty="0">
+                <a:solidFill>
+                  <a:srgbClr val="7A7A7A"/>
+                </a:solidFill>
+                <a:latin typeface="AdobeClean-LightIt"/>
+                <a:cs typeface="AdobeClean-LightIt"/>
+              </a:rPr>
+              <a:t>  </a:t>
             </a:r>
             <a:endParaRPr sz="900">
               <a:latin typeface="AdobeClean-Light"/>
@@ -7795,12 +8820,12 @@
               <a:defRPr/>
             </a:pPr>
             <a:r>
-              <a:rPr lang="de-de" sz="1200">
+              <a:rPr lang="en-US" sz="1200">
                 <a:solidFill>
                   <a:srgbClr val="000000"/>
                 </a:solidFill>
               </a:rPr>
-              <a:t>社群論壇</a:t>
+              <a:t>Community Forums</a:t>
             </a:r>
           </a:p>
         </p:txBody>
@@ -7843,12 +8868,12 @@
               </a:spcAft>
             </a:pPr>
             <a:r>
-              <a:rPr lang="de-de" sz="1200" b="1">
+              <a:rPr lang="en-US" sz="1200" b="1">
                 <a:latin typeface="+mj-lt"/>
                 <a:ea typeface="Open Sans" pitchFamily="34" charset="0"/>
                 <a:cs typeface="Open Sans" pitchFamily="34" charset="0"/>
               </a:rPr>
-              <a:t>線上論壇</a:t>
+              <a:t>Online Forums</a:t>
             </a:r>
           </a:p>
         </p:txBody>
@@ -7875,20 +8900,26 @@
           </a:prstGeom>
         </p:spPr>
         <p:txBody>
-          <a:bodyPr vert="horz" wrap="square" lIns="0" tIns="35560" rIns="0" bIns="0" rtlCol="0">
+          <a:bodyPr vert="horz" wrap="square" lIns="0" tIns="35560" rIns="0" bIns="0" rtlCol="0" anchor="t">
             <a:spAutoFit/>
           </a:bodyPr>
           <a:lstStyle/>
           <a:p>
             <a:r>
-              <a:rPr lang="de-de" sz="1000">
+              <a:rPr lang="en-US" sz="1000" dirty="0">
                 <a:solidFill>
                   <a:srgbClr val="4B4B4B"/>
                 </a:solidFill>
-                <a:latin typeface="Adobe Clean Light" panose="020B0303020404020204" pitchFamily="34" charset="0"/>
-              </a:rPr>
-              <a:t>可持續在線上存取不斷增加的技術解決方案、產品文件、常見問答等內容的資料庫。與 Adobe 社群上的從業人員和其他客戶交流，彼此分享學到的最佳實務和經驗教訓</a:t>
-            </a:r>
+                <a:latin typeface="Adobe Clean Light"/>
+              </a:rPr>
+              <a:t>Continuous online access to a growing database of technical solutions, product documentation, FAQs and more. Connect with practitioners and other customers on Adobe Community to share best practices and lessons learned.</a:t>
+            </a:r>
+            <a:endParaRPr lang="en-US" sz="1000" dirty="0">
+              <a:solidFill>
+                <a:srgbClr val="4B4B4B"/>
+              </a:solidFill>
+              <a:latin typeface="Adobe Clean Light" panose="020B0303020404020204" pitchFamily="34" charset="0"/>
+            </a:endParaRPr>
           </a:p>
         </p:txBody>
       </p:sp>
@@ -7935,7 +8966,7 @@
               <a:defRPr/>
             </a:pPr>
             <a:r>
-              <a:rPr lang="de-de" sz="1200">
+              <a:rPr lang="en-US" sz="1200">
                 <a:solidFill>
                   <a:srgbClr val="000000"/>
                 </a:solidFill>
@@ -7983,12 +9014,12 @@
               </a:spcAft>
             </a:pPr>
             <a:r>
-              <a:rPr lang="de-de" sz="1200" b="1">
+              <a:rPr lang="en-US" sz="1200" b="1">
                 <a:latin typeface="+mj-lt"/>
                 <a:ea typeface="Open Sans" pitchFamily="34" charset="0"/>
                 <a:cs typeface="Open Sans" pitchFamily="34" charset="0"/>
               </a:rPr>
-              <a:t>自我引導式旅程</a:t>
+              <a:t>Self-guided Journeys</a:t>
             </a:r>
           </a:p>
         </p:txBody>
@@ -8015,20 +9046,26 @@
           </a:prstGeom>
         </p:spPr>
         <p:txBody>
-          <a:bodyPr vert="horz" wrap="square" lIns="0" tIns="35560" rIns="0" bIns="0" rtlCol="0">
+          <a:bodyPr vert="horz" wrap="square" lIns="0" tIns="35560" rIns="0" bIns="0" rtlCol="0" anchor="t">
             <a:spAutoFit/>
           </a:bodyPr>
           <a:lstStyle/>
           <a:p>
             <a:r>
-              <a:rPr lang="de-de" sz="1000">
+              <a:rPr lang="en-US" sz="1000" dirty="0">
                 <a:solidFill>
                   <a:srgbClr val="4B4B4B"/>
                 </a:solidFill>
-                <a:latin typeface="Adobe Clean Light" panose="020B0303020404020204" pitchFamily="34" charset="0"/>
-              </a:rPr>
-              <a:t>Experience League 賦予體驗製作者強大的功能。客戶可以透過個人化學習來開始培養自己的客戶體驗管理能力，以發展各項技能、與全球的同行社群互動，並獲得職業提升的認可</a:t>
-            </a:r>
+                <a:latin typeface="Adobe Clean Light"/>
+              </a:rPr>
+              <a:t>Experience Makers are made with Experience League. Customers can kickstart their Customer Experience Management abilities with personalized learning to develop skills, engage with a global community of peers, and earn career advancing recognition.</a:t>
+            </a:r>
+            <a:endParaRPr lang="en-US" sz="1000" dirty="0">
+              <a:solidFill>
+                <a:srgbClr val="4B4B4B"/>
+              </a:solidFill>
+              <a:latin typeface="Adobe Clean Light" panose="020B0303020404020204" pitchFamily="34" charset="0"/>
+            </a:endParaRPr>
           </a:p>
         </p:txBody>
       </p:sp>
@@ -8075,12 +9112,12 @@
               <a:defRPr/>
             </a:pPr>
             <a:r>
-              <a:rPr lang="de-de" sz="1200">
+              <a:rPr lang="en-US" sz="1200">
                 <a:solidFill>
                   <a:srgbClr val="000000"/>
                 </a:solidFill>
               </a:rPr>
-              <a:t>即時聊天支援*</a:t>
+              <a:t>Live Chat  Support*</a:t>
             </a:r>
           </a:p>
         </p:txBody>
@@ -8123,12 +9160,12 @@
               </a:spcAft>
             </a:pPr>
             <a:r>
-              <a:rPr lang="de-de" sz="1200" b="1">
+              <a:rPr lang="en-US" sz="1200" b="1">
                 <a:latin typeface="+mj-lt"/>
                 <a:ea typeface="Open Sans" pitchFamily="34" charset="0"/>
                 <a:cs typeface="Open Sans" pitchFamily="34" charset="0"/>
               </a:rPr>
-              <a:t>聊天支援</a:t>
+              <a:t>Chat Support</a:t>
             </a:r>
           </a:p>
         </p:txBody>
@@ -8176,12 +9213,12 @@
               <a:defRPr/>
             </a:pPr>
             <a:r>
-              <a:rPr lang="de-de" sz="1200">
+              <a:rPr lang="en-US" sz="1200">
                 <a:solidFill>
                   <a:srgbClr val="000000"/>
                 </a:solidFill>
               </a:rPr>
-              <a:t>全年無休 P1 </a:t>
+              <a:t>24X7 P1 </a:t>
             </a:r>
           </a:p>
         </p:txBody>
@@ -8224,12 +9261,12 @@
               </a:spcAft>
             </a:pPr>
             <a:r>
-              <a:rPr lang="de-de" sz="1200" b="1">
+              <a:rPr lang="en-US" sz="1200" b="1">
                 <a:latin typeface="+mj-lt"/>
                 <a:ea typeface="Open Sans" pitchFamily="34" charset="0"/>
                 <a:cs typeface="Open Sans" pitchFamily="34" charset="0"/>
               </a:rPr>
-              <a:t>電話支援</a:t>
+              <a:t>Phone  Support</a:t>
             </a:r>
           </a:p>
         </p:txBody>
@@ -8262,28 +9299,28 @@
           <a:lstStyle/>
           <a:p>
             <a:r>
-              <a:rPr lang="de-de" sz="1000">
+              <a:rPr lang="en-US" sz="1000">
                 <a:solidFill>
                   <a:srgbClr val="020302"/>
                 </a:solidFill>
                 <a:latin typeface="AdobeClean-Light"/>
               </a:rPr>
-              <a:t>授權的使用者或</a:t>
-            </a:r>
-            <a:r>
-              <a:rPr lang="de-de" sz="1000" b="1">
+              <a:t>Authorized users or </a:t>
+            </a:r>
+            <a:r>
+              <a:rPr lang="en-US" sz="1000" b="1">
                 <a:solidFill>
                   <a:srgbClr val="020302"/>
                 </a:solidFill>
                 <a:latin typeface="AdobeClean-Light"/>
               </a:rPr>
-              <a:t>指定的支援聯絡人</a:t>
-            </a:r>
-            <a:r>
-              <a:rPr lang="de-de" sz="1000">
+              <a:t>Named Support Contacts </a:t>
+            </a:r>
+            <a:r>
+              <a:rPr lang="en-US" sz="1000">
                 <a:latin typeface="Adobe Clean Light" panose="020B0303020404020204" pitchFamily="34" charset="0"/>
               </a:rPr>
-              <a:t>可透過所有可用管道 (包括 P1 適用的電話) 來提交問題，並代表貴公司與我們的技術支援團隊互動。</a:t>
+              <a:t>can submit issues through all available  channels (including phone for P1) and interact with our technical support team on behalf of your company. </a:t>
             </a:r>
             <a:endParaRPr lang="en-US" sz="1000">
               <a:solidFill>
@@ -8378,14 +9415,14 @@
               </a:spcBef>
             </a:pPr>
             <a:r>
-              <a:rPr lang="de-de" sz="1400" b="1" spc="-10">
-                <a:solidFill>
-                  <a:srgbClr val="020302"/>
-                </a:solidFill>
-                <a:latin typeface="Adobe Clean"/>
-                <a:cs typeface="Adobe Clean"/>
-              </a:rPr>
-              <a:t>線上支援特色</a:t>
+              <a:rPr lang="en-US" sz="1400" b="1" spc="-10">
+                <a:solidFill>
+                  <a:srgbClr val="020302"/>
+                </a:solidFill>
+                <a:latin typeface="Adobe Clean"/>
+                <a:cs typeface="Adobe Clean"/>
+              </a:rPr>
+              <a:t>Online Support Features</a:t>
             </a:r>
             <a:endParaRPr lang="en-US" sz="1400">
               <a:latin typeface="Adobe Clean"/>
@@ -8437,12 +9474,12 @@
               <a:defRPr/>
             </a:pPr>
             <a:r>
-              <a:rPr lang="de-de" sz="1200">
+              <a:rPr lang="en-US" sz="1200">
                 <a:solidFill>
                   <a:srgbClr val="000000"/>
                 </a:solidFill>
               </a:rPr>
-              <a:t>諮詢時間</a:t>
+              <a:t>Office Hours</a:t>
             </a:r>
           </a:p>
         </p:txBody>
@@ -8485,12 +9522,12 @@
               </a:spcAft>
             </a:pPr>
             <a:r>
-              <a:rPr lang="de-de" sz="1200" b="1">
+              <a:rPr lang="en-US" sz="1200" b="1">
                 <a:latin typeface="+mj-lt"/>
                 <a:ea typeface="Open Sans" pitchFamily="34" charset="0"/>
                 <a:cs typeface="Open Sans" pitchFamily="34" charset="0"/>
               </a:rPr>
-              <a:t>網路研討會</a:t>
+              <a:t>Webinars</a:t>
             </a:r>
           </a:p>
         </p:txBody>
@@ -8523,13 +9560,13 @@
           <a:lstStyle/>
           <a:p>
             <a:r>
-              <a:rPr lang="de-de" sz="1000">
+              <a:rPr lang="en-US" sz="1000">
                 <a:solidFill>
                   <a:srgbClr val="4B4B4B"/>
                 </a:solidFill>
                 <a:latin typeface="Adobe Clean Light" panose="020B0303020404020204" pitchFamily="34" charset="0"/>
               </a:rPr>
-              <a:t>「諮詢時間」是由 Adobe 客戶支援團隊主導的一項計劃，其中的研討會的設計目的是為了提供資訊以及協助參與者排除問題，並提供成功使用 Adobe 解決方案的秘訣與技巧。</a:t>
+              <a:t>Office Hours led by the Adobe Customer Support team includes sessions designed to inform as well as help participants troubleshoot problems and provide tips and tricks for success with Adobe solutions. </a:t>
             </a:r>
           </a:p>
         </p:txBody>
@@ -8577,12 +9614,12 @@
               <a:defRPr/>
             </a:pPr>
             <a:r>
-              <a:rPr lang="de-de" sz="1200">
+              <a:rPr lang="en-US" sz="1200">
                 <a:solidFill>
                   <a:srgbClr val="000000"/>
                 </a:solidFill>
               </a:rPr>
-              <a:t>自助式入口網站</a:t>
+              <a:t>Self-help Portals</a:t>
             </a:r>
           </a:p>
         </p:txBody>
@@ -8625,12 +9662,12 @@
               </a:spcAft>
             </a:pPr>
             <a:r>
-              <a:rPr lang="de-de" sz="1200" b="1">
+              <a:rPr lang="en-US" sz="1200" b="1">
                 <a:latin typeface="+mj-lt"/>
                 <a:ea typeface="Open Sans" pitchFamily="34" charset="0"/>
                 <a:cs typeface="Open Sans" pitchFamily="34" charset="0"/>
               </a:rPr>
-              <a:t>24/7 支援入口網站</a:t>
+              <a:t>24/7 Support Portal</a:t>
             </a:r>
           </a:p>
         </p:txBody>
@@ -8663,23 +9700,30 @@
           <a:lstStyle/>
           <a:p>
             <a:r>
-              <a:rPr lang="de-de" sz="1000">
+              <a:rPr lang="en-US" sz="1000">
                 <a:solidFill>
                   <a:srgbClr val="4B4B4B"/>
                 </a:solidFill>
                 <a:latin typeface="Adobe Clean Light" panose="020B0303020404020204" pitchFamily="34" charset="0"/>
               </a:rPr>
-              <a:t>隨需存取線上</a:t>
-            </a:r>
-            <a:br/>
-            <a:r>
-              <a:rPr lang="de-de" sz="1000">
+              <a:t>On-demand access to the online </a:t>
+            </a:r>
+            <a:br>
+              <a:rPr lang="en-US" sz="1000">
                 <a:solidFill>
                   <a:srgbClr val="4B4B4B"/>
                 </a:solidFill>
                 <a:latin typeface="Adobe Clean Light" panose="020B0303020404020204" pitchFamily="34" charset="0"/>
               </a:rPr>
-              <a:t>自助式支援入口網站，以提交支援請求、檢閱案件狀態，並瀏覽其他資源，像是我們的知識庫、新聞與提醒、特定的提示等。</a:t>
+            </a:br>
+            <a:r>
+              <a:rPr lang="en-US" sz="1000">
+                <a:solidFill>
+                  <a:srgbClr val="4B4B4B"/>
+                </a:solidFill>
+                <a:latin typeface="Adobe Clean Light" panose="020B0303020404020204" pitchFamily="34" charset="0"/>
+              </a:rPr>
+              <a:t>Self-help Support Portal to submit support requests, review case status, and browse other resources, like our knowledgebase, news and alerts, featured tips, and more.</a:t>
             </a:r>
           </a:p>
         </p:txBody>
@@ -8700,8 +9744,8 @@
         </p:nvSpPr>
         <p:spPr>
           <a:xfrm>
-            <a:off x="97788" y="9888625"/>
-            <a:ext cx="6254026" cy="133370"/>
+            <a:off x="97788" y="9888626"/>
+            <a:ext cx="2245360" cy="133370"/>
           </a:xfrm>
           <a:prstGeom prst="rect">
             <a:avLst/>
@@ -8813,36 +9857,36 @@
               </a:spcBef>
             </a:pPr>
             <a:r>
-              <a:rPr lang="de-de" spc="-10"/>
+              <a:rPr lang="en-US" spc="-10"/>
               <a:t>©2021</a:t>
             </a:r>
             <a:r>
-              <a:rPr lang="de-de" spc="-5"/>
-              <a:t> Adobe。All</a:t>
-            </a:r>
-            <a:r>
-              <a:rPr lang="de-de" spc="-10"/>
+              <a:rPr lang="en-US" spc="-5"/>
+              <a:t> Adobe. All</a:t>
+            </a:r>
+            <a:r>
+              <a:rPr lang="en-US" spc="-10"/>
               <a:t> Rights</a:t>
             </a:r>
             <a:r>
-              <a:rPr lang="de-de" spc="-5"/>
+              <a:rPr lang="en-US" spc="-5"/>
               <a:t> </a:t>
             </a:r>
             <a:r>
-              <a:rPr lang="de-de" spc="-10"/>
-              <a:t>Reserved。</a:t>
-            </a:r>
-            <a:r>
-              <a:rPr lang="de-de" spc="-5"/>
-              <a:t>Adobe</a:t>
-            </a:r>
-            <a:r>
-              <a:rPr lang="de-de" spc="60"/>
+              <a:rPr lang="en-US" spc="-10"/>
+              <a:t>Reserved.</a:t>
+            </a:r>
+            <a:r>
+              <a:rPr lang="en-US" spc="-5"/>
+              <a:t> Adobe</a:t>
+            </a:r>
+            <a:r>
+              <a:rPr lang="en-US" spc="60"/>
               <a:t> </a:t>
             </a:r>
             <a:r>
-              <a:rPr lang="de-de" spc="-10"/>
-              <a:t>機密資訊。</a:t>
+              <a:rPr lang="en-US" spc="-10"/>
+              <a:t>Confidential.</a:t>
             </a:r>
           </a:p>
         </p:txBody>
@@ -8931,14 +9975,14 @@
               </a:spcBef>
             </a:pPr>
             <a:r>
-              <a:rPr lang="de-de" sz="1400" b="1" spc="-10">
-                <a:solidFill>
-                  <a:srgbClr val="020302"/>
-                </a:solidFill>
-                <a:latin typeface="Adobe Clean"/>
-                <a:cs typeface="Adobe Clean"/>
-              </a:rPr>
-              <a:t>企業支援特色</a:t>
+              <a:rPr lang="en-US" sz="1400" b="1" spc="-10">
+                <a:solidFill>
+                  <a:srgbClr val="020302"/>
+                </a:solidFill>
+                <a:latin typeface="Adobe Clean"/>
+                <a:cs typeface="Adobe Clean"/>
+              </a:rPr>
+              <a:t>Enterprise Support Features</a:t>
             </a:r>
             <a:endParaRPr lang="en-US" sz="1400">
               <a:latin typeface="Adobe Clean"/>
@@ -8983,17 +10027,107 @@
               </a:spcBef>
             </a:pPr>
             <a:r>
-              <a:rPr lang="de-de" sz="1200" b="1" spc="-25">
-                <a:solidFill>
-                  <a:srgbClr val="020302"/>
-                </a:solidFill>
-                <a:latin typeface="Adobe Clean"/>
-                <a:cs typeface="Adobe Clean"/>
-              </a:rPr>
-              <a:t>向上呈報管理</a:t>
-            </a:r>
-            <a:r>
-              <a:rPr lang="de-de" sz="1200" b="1" spc="-55">
+              <a:rPr sz="1200" b="1" spc="-25">
+                <a:solidFill>
+                  <a:srgbClr val="020302"/>
+                </a:solidFill>
+                <a:latin typeface="Adobe Clean"/>
+                <a:cs typeface="Adobe Clean"/>
+              </a:rPr>
+              <a:t>E</a:t>
+            </a:r>
+            <a:r>
+              <a:rPr sz="1200" b="1" spc="-20">
+                <a:solidFill>
+                  <a:srgbClr val="020302"/>
+                </a:solidFill>
+                <a:latin typeface="Adobe Clean"/>
+                <a:cs typeface="Adobe Clean"/>
+              </a:rPr>
+              <a:t>s</a:t>
+            </a:r>
+            <a:r>
+              <a:rPr sz="1200" b="1" spc="-30">
+                <a:solidFill>
+                  <a:srgbClr val="020302"/>
+                </a:solidFill>
+                <a:latin typeface="Adobe Clean"/>
+                <a:cs typeface="Adobe Clean"/>
+              </a:rPr>
+              <a:t>c</a:t>
+            </a:r>
+            <a:r>
+              <a:rPr sz="1200" b="1" spc="-20">
+                <a:solidFill>
+                  <a:srgbClr val="020302"/>
+                </a:solidFill>
+                <a:latin typeface="Adobe Clean"/>
+                <a:cs typeface="Adobe Clean"/>
+              </a:rPr>
+              <a:t>a</a:t>
+            </a:r>
+            <a:r>
+              <a:rPr sz="1200" b="1" spc="-25">
+                <a:solidFill>
+                  <a:srgbClr val="020302"/>
+                </a:solidFill>
+                <a:latin typeface="Adobe Clean"/>
+                <a:cs typeface="Adobe Clean"/>
+              </a:rPr>
+              <a:t>l</a:t>
+            </a:r>
+            <a:r>
+              <a:rPr sz="1200" b="1" spc="-20">
+                <a:solidFill>
+                  <a:srgbClr val="020302"/>
+                </a:solidFill>
+                <a:latin typeface="Adobe Clean"/>
+                <a:cs typeface="Adobe Clean"/>
+              </a:rPr>
+              <a:t>a</a:t>
+            </a:r>
+            <a:r>
+              <a:rPr sz="1200" b="1" spc="-25">
+                <a:solidFill>
+                  <a:srgbClr val="020302"/>
+                </a:solidFill>
+                <a:latin typeface="Adobe Clean"/>
+                <a:cs typeface="Adobe Clean"/>
+              </a:rPr>
+              <a:t>t</a:t>
+            </a:r>
+            <a:r>
+              <a:rPr sz="1200" b="1" spc="-20">
+                <a:solidFill>
+                  <a:srgbClr val="020302"/>
+                </a:solidFill>
+                <a:latin typeface="Adobe Clean"/>
+                <a:cs typeface="Adobe Clean"/>
+              </a:rPr>
+              <a:t>i</a:t>
+            </a:r>
+            <a:r>
+              <a:rPr sz="1200" b="1" spc="-15">
+                <a:solidFill>
+                  <a:srgbClr val="020302"/>
+                </a:solidFill>
+                <a:latin typeface="Adobe Clean"/>
+                <a:cs typeface="Adobe Clean"/>
+              </a:rPr>
+              <a:t>o</a:t>
+            </a:r>
+            <a:r>
+              <a:rPr sz="1200" b="1">
+                <a:solidFill>
+                  <a:srgbClr val="020302"/>
+                </a:solidFill>
+                <a:latin typeface="Adobe Clean"/>
+                <a:cs typeface="Adobe Clean"/>
+              </a:rPr>
+              <a:t>n</a:t>
+            </a:r>
+            <a:r>
+              <a:rPr sz="1200" b="1" spc="-55">
                 <a:solidFill>
                   <a:srgbClr val="020302"/>
                 </a:solidFill>
@@ -9001,6 +10135,86 @@
                 <a:cs typeface="Adobe Clean"/>
               </a:rPr>
               <a:t> </a:t>
+            </a:r>
+            <a:r>
+              <a:rPr sz="1200" b="1" spc="-35">
+                <a:solidFill>
+                  <a:srgbClr val="020302"/>
+                </a:solidFill>
+                <a:latin typeface="Adobe Clean"/>
+                <a:cs typeface="Adobe Clean"/>
+              </a:rPr>
+              <a:t>M</a:t>
+            </a:r>
+            <a:r>
+              <a:rPr sz="1200" b="1" spc="-25">
+                <a:solidFill>
+                  <a:srgbClr val="020302"/>
+                </a:solidFill>
+                <a:latin typeface="Adobe Clean"/>
+                <a:cs typeface="Adobe Clean"/>
+              </a:rPr>
+              <a:t>a</a:t>
+            </a:r>
+            <a:r>
+              <a:rPr sz="1200" b="1" spc="-30">
+                <a:solidFill>
+                  <a:srgbClr val="020302"/>
+                </a:solidFill>
+                <a:latin typeface="Adobe Clean"/>
+                <a:cs typeface="Adobe Clean"/>
+              </a:rPr>
+              <a:t>n</a:t>
+            </a:r>
+            <a:r>
+              <a:rPr sz="1200" b="1" spc="-25">
+                <a:solidFill>
+                  <a:srgbClr val="020302"/>
+                </a:solidFill>
+                <a:latin typeface="Adobe Clean"/>
+                <a:cs typeface="Adobe Clean"/>
+              </a:rPr>
+              <a:t>a</a:t>
+            </a:r>
+            <a:r>
+              <a:rPr sz="1200" b="1" spc="-30">
+                <a:solidFill>
+                  <a:srgbClr val="020302"/>
+                </a:solidFill>
+                <a:latin typeface="Adobe Clean"/>
+                <a:cs typeface="Adobe Clean"/>
+              </a:rPr>
+              <a:t>ge</a:t>
+            </a:r>
+            <a:r>
+              <a:rPr sz="1200" b="1" spc="-25">
+                <a:solidFill>
+                  <a:srgbClr val="020302"/>
+                </a:solidFill>
+                <a:latin typeface="Adobe Clean"/>
+                <a:cs typeface="Adobe Clean"/>
+              </a:rPr>
+              <a:t>m</a:t>
+            </a:r>
+            <a:r>
+              <a:rPr sz="1200" b="1" spc="-30">
+                <a:solidFill>
+                  <a:srgbClr val="020302"/>
+                </a:solidFill>
+                <a:latin typeface="Adobe Clean"/>
+                <a:cs typeface="Adobe Clean"/>
+              </a:rPr>
+              <a:t>en</a:t>
+            </a:r>
+            <a:r>
+              <a:rPr sz="1200" b="1">
+                <a:solidFill>
+                  <a:srgbClr val="020302"/>
+                </a:solidFill>
+                <a:latin typeface="Adobe Clean"/>
+                <a:cs typeface="Adobe Clean"/>
+              </a:rPr>
+              <a:t>t</a:t>
             </a:r>
             <a:endParaRPr sz="1200">
               <a:latin typeface="Adobe Clean"/>
@@ -9045,13 +10259,13 @@
               </a:spcBef>
             </a:pPr>
             <a:r>
-              <a:rPr lang="de-de" sz="1000">
+              <a:rPr lang="en-US" sz="1000">
                 <a:solidFill>
                   <a:srgbClr val="4B4B4B"/>
                 </a:solidFill>
                 <a:latin typeface="Adobe Clean Light" panose="020B0303020404020204" pitchFamily="34" charset="0"/>
               </a:rPr>
-              <a:t>Adobe 內的指定聯絡人，他可提供向上呈報協助、定期更新，並確保優先處理您最緊急且未解決的支援請求。</a:t>
+              <a:t>A designated point of contact within Adobe who can provide escalation assistance, regular updates and ensure priority is given to your most critical open support requests.</a:t>
             </a:r>
             <a:endParaRPr sz="1000">
               <a:latin typeface="Adobe Clean Light" panose="020B0303020404020204" pitchFamily="34" charset="0"/>
@@ -9096,17 +10310,77 @@
               </a:spcBef>
             </a:pPr>
             <a:r>
-              <a:rPr lang="de-de" sz="1200" b="1" spc="-20">
-                <a:solidFill>
-                  <a:srgbClr val="020302"/>
-                </a:solidFill>
-                <a:latin typeface="Adobe Clean"/>
-                <a:cs typeface="Adobe Clean"/>
-              </a:rPr>
-              <a:t>服務審查</a:t>
-            </a:r>
-            <a:r>
-              <a:rPr lang="de-de" sz="1200" b="1" spc="-80">
+              <a:rPr sz="1200" b="1" spc="-20">
+                <a:solidFill>
+                  <a:srgbClr val="020302"/>
+                </a:solidFill>
+                <a:latin typeface="Adobe Clean"/>
+                <a:cs typeface="Adobe Clean"/>
+              </a:rPr>
+              <a:t>S</a:t>
+            </a:r>
+            <a:r>
+              <a:rPr sz="1200" b="1" spc="-25">
+                <a:solidFill>
+                  <a:srgbClr val="020302"/>
+                </a:solidFill>
+                <a:latin typeface="Adobe Clean"/>
+                <a:cs typeface="Adobe Clean"/>
+              </a:rPr>
+              <a:t>e</a:t>
+            </a:r>
+            <a:r>
+              <a:rPr sz="1200" b="1" spc="-20">
+                <a:solidFill>
+                  <a:srgbClr val="020302"/>
+                </a:solidFill>
+                <a:latin typeface="Adobe Clean"/>
+                <a:cs typeface="Adobe Clean"/>
+              </a:rPr>
+              <a:t>r</a:t>
+            </a:r>
+            <a:r>
+              <a:rPr sz="1200" b="1" spc="-25">
+                <a:solidFill>
+                  <a:srgbClr val="020302"/>
+                </a:solidFill>
+                <a:latin typeface="Adobe Clean"/>
+                <a:cs typeface="Adobe Clean"/>
+              </a:rPr>
+              <a:t>v</a:t>
+            </a:r>
+            <a:r>
+              <a:rPr sz="1200" b="1" spc="-20">
+                <a:solidFill>
+                  <a:srgbClr val="020302"/>
+                </a:solidFill>
+                <a:latin typeface="Adobe Clean"/>
+                <a:cs typeface="Adobe Clean"/>
+              </a:rPr>
+              <a:t>i</a:t>
+            </a:r>
+            <a:r>
+              <a:rPr sz="1200" b="1" spc="-30">
+                <a:solidFill>
+                  <a:srgbClr val="020302"/>
+                </a:solidFill>
+                <a:latin typeface="Adobe Clean"/>
+                <a:cs typeface="Adobe Clean"/>
+              </a:rPr>
+              <a:t>c</a:t>
+            </a:r>
+            <a:r>
+              <a:rPr sz="1200" b="1">
+                <a:solidFill>
+                  <a:srgbClr val="020302"/>
+                </a:solidFill>
+                <a:latin typeface="Adobe Clean"/>
+                <a:cs typeface="Adobe Clean"/>
+              </a:rPr>
+              <a:t>e</a:t>
+            </a:r>
+            <a:r>
+              <a:rPr sz="1200" b="1" spc="-80">
                 <a:solidFill>
                   <a:srgbClr val="020302"/>
                 </a:solidFill>
@@ -9114,6 +10388,66 @@
                 <a:cs typeface="Adobe Clean"/>
               </a:rPr>
               <a:t> </a:t>
+            </a:r>
+            <a:r>
+              <a:rPr sz="1200" b="1" spc="-20">
+                <a:solidFill>
+                  <a:srgbClr val="020302"/>
+                </a:solidFill>
+                <a:latin typeface="Adobe Clean"/>
+                <a:cs typeface="Adobe Clean"/>
+              </a:rPr>
+              <a:t>R</a:t>
+            </a:r>
+            <a:r>
+              <a:rPr sz="1200" b="1" spc="-25">
+                <a:solidFill>
+                  <a:srgbClr val="020302"/>
+                </a:solidFill>
+                <a:latin typeface="Adobe Clean"/>
+                <a:cs typeface="Adobe Clean"/>
+              </a:rPr>
+              <a:t>e</a:t>
+            </a:r>
+            <a:r>
+              <a:rPr sz="1200" b="1" spc="-30">
+                <a:solidFill>
+                  <a:srgbClr val="020302"/>
+                </a:solidFill>
+                <a:latin typeface="Adobe Clean"/>
+                <a:cs typeface="Adobe Clean"/>
+              </a:rPr>
+              <a:t>v</a:t>
+            </a:r>
+            <a:r>
+              <a:rPr sz="1200" b="1" spc="-20">
+                <a:solidFill>
+                  <a:srgbClr val="020302"/>
+                </a:solidFill>
+                <a:latin typeface="Adobe Clean"/>
+                <a:cs typeface="Adobe Clean"/>
+              </a:rPr>
+              <a:t>i</a:t>
+            </a:r>
+            <a:r>
+              <a:rPr sz="1200" b="1" spc="-25">
+                <a:solidFill>
+                  <a:srgbClr val="020302"/>
+                </a:solidFill>
+                <a:latin typeface="Adobe Clean"/>
+                <a:cs typeface="Adobe Clean"/>
+              </a:rPr>
+              <a:t>ew</a:t>
+            </a:r>
+            <a:r>
+              <a:rPr sz="1200" b="1">
+                <a:solidFill>
+                  <a:srgbClr val="020302"/>
+                </a:solidFill>
+                <a:latin typeface="Adobe Clean"/>
+                <a:cs typeface="Adobe Clean"/>
+              </a:rPr>
+              <a:t>s</a:t>
             </a:r>
             <a:endParaRPr sz="1200">
               <a:latin typeface="Adobe Clean"/>
@@ -9158,13 +10492,13 @@
               </a:spcBef>
             </a:pPr>
             <a:r>
-              <a:rPr lang="de-de" sz="1000">
+              <a:rPr lang="en-US" sz="1000">
                 <a:solidFill>
                   <a:srgbClr val="4B4B4B"/>
                 </a:solidFill>
                 <a:latin typeface="Adobe Clean Light" panose="020B0303020404020204" pitchFamily="34" charset="0"/>
               </a:rPr>
-              <a:t>每兩年對企業計劃服務、權益和支援指標進行一次全面審查。</a:t>
+              <a:t>A bi-annual comprehensive review of  Enterprise program services, benefits and support metrics.</a:t>
             </a:r>
             <a:endParaRPr sz="1000">
               <a:latin typeface="Adobe Clean Light" panose="020B0303020404020204" pitchFamily="34" charset="0"/>
@@ -9209,13 +10543,13 @@
               </a:spcBef>
             </a:pPr>
             <a:r>
-              <a:rPr lang="de-de" sz="1000">
+              <a:rPr lang="en-US" sz="1000">
                 <a:solidFill>
                   <a:srgbClr val="4B4B4B"/>
                 </a:solidFill>
                 <a:latin typeface="Adobe Clean Light" panose="020B0303020404020204" pitchFamily="34" charset="0"/>
               </a:rPr>
-              <a:t>60 分鐘的諮詢，聚焦於特定產品功能以及如何利用它來解決常見的業務問題。</a:t>
+              <a:t>A 60-minute session focusing on a specific product feature and how it can be utilized to solve common business problems.</a:t>
             </a:r>
             <a:endParaRPr sz="1000">
               <a:latin typeface="Adobe Clean Light" panose="020B0303020404020204" pitchFamily="34" charset="0"/>
@@ -9246,7 +10580,7 @@
           </a:prstGeom>
         </p:spPr>
         <p:txBody>
-          <a:bodyPr vert="horz" wrap="square" lIns="0" tIns="12700" rIns="0" bIns="0" rtlCol="0">
+          <a:bodyPr vert="horz" wrap="square" lIns="0" tIns="12700" rIns="0" bIns="0" rtlCol="0" anchor="t">
             <a:spAutoFit/>
           </a:bodyPr>
           <a:lstStyle/>
@@ -9260,15 +10594,15 @@
               </a:spcBef>
             </a:pPr>
             <a:r>
-              <a:rPr lang="de-de" sz="1000">
+              <a:rPr lang="en-US" sz="1000" dirty="0">
                 <a:solidFill>
                   <a:srgbClr val="4B4B4B"/>
                 </a:solidFill>
-                <a:latin typeface="Adobe Clean Light" panose="020B0303020404020204" pitchFamily="34" charset="0"/>
-              </a:rPr>
-              <a:t>推動採用 AEM as a Cloud Service 中的自訂最佳實務和核心元件</a:t>
-            </a:r>
-            <a:endParaRPr sz="1000">
+                <a:latin typeface="Adobe Clean Light"/>
+              </a:rPr>
+              <a:t>Drive adoption of customization best practices and core components in AEM as a Cloud Service.</a:t>
+            </a:r>
+            <a:endParaRPr sz="1000" dirty="0">
               <a:solidFill>
                 <a:srgbClr val="4B4B4B"/>
               </a:solidFill>
@@ -9299,12 +10633,12 @@
           </a:prstGeom>
         </p:spPr>
         <p:txBody>
-          <a:bodyPr vert="horz" wrap="square" lIns="0" tIns="12700" rIns="0" bIns="0" rtlCol="0">
+          <a:bodyPr vert="horz" wrap="square" lIns="0" tIns="12700" rIns="0" bIns="0" rtlCol="0" anchor="t">
             <a:spAutoFit/>
           </a:bodyPr>
           <a:lstStyle/>
           <a:p>
-            <a:pPr marL="14604" marR="5080" indent="-1905">
+            <a:pPr marL="13970" marR="5080" indent="-1905">
               <a:lnSpc>
                 <a:spcPct val="117000"/>
               </a:lnSpc>
@@ -9313,15 +10647,15 @@
               </a:spcBef>
             </a:pPr>
             <a:r>
-              <a:rPr lang="de-de" sz="1000">
+              <a:rPr lang="en-US" sz="1000" dirty="0">
                 <a:solidFill>
                   <a:srgbClr val="4B4B4B"/>
                 </a:solidFill>
-                <a:latin typeface="Adobe Clean Light" panose="020B0303020404020204" pitchFamily="34" charset="0"/>
-              </a:rPr>
-              <a:t>識別、審查有機會最佳化的自訂解決方案採用領域，並提供相關建議</a:t>
-            </a:r>
-            <a:endParaRPr sz="1000">
+                <a:latin typeface="Adobe Clean Light"/>
+              </a:rPr>
+              <a:t>Identify, review and provide recommendations on customized solution adoption areas that have opportunities for optimization.</a:t>
+            </a:r>
+            <a:endParaRPr lang="en-US" sz="1000" dirty="0">
               <a:solidFill>
                 <a:srgbClr val="4B4B4B"/>
               </a:solidFill>
@@ -9352,7 +10686,7 @@
           </a:prstGeom>
         </p:spPr>
         <p:txBody>
-          <a:bodyPr vert="horz" wrap="square" lIns="0" tIns="12700" rIns="0" bIns="0" rtlCol="0">
+          <a:bodyPr vert="horz" wrap="square" lIns="0" tIns="12700" rIns="0" bIns="0" rtlCol="0" anchor="t">
             <a:spAutoFit/>
           </a:bodyPr>
           <a:lstStyle/>
@@ -9366,15 +10700,15 @@
               </a:spcBef>
             </a:pPr>
             <a:r>
-              <a:rPr lang="de-de" sz="1000">
+              <a:rPr lang="en-US" sz="1000" dirty="0">
                 <a:solidFill>
                   <a:srgbClr val="4B4B4B"/>
                 </a:solidFill>
-                <a:latin typeface="Adobe Clean Light" panose="020B0303020404020204" pitchFamily="34" charset="0"/>
-              </a:rPr>
-              <a:t>為了協助 AEM as a Cloud Service 客戶遵守 AEM as a Cloud Service 的產業標準和最佳實務所進行的技術與營運控管</a:t>
-            </a:r>
-            <a:endParaRPr sz="1000">
+                <a:latin typeface="Adobe Clean Light"/>
+              </a:rPr>
+              <a:t>Technical &amp; operational governance to assist AEM as a Cloud Service Customers in adhering to industry standards and best practices for AEM as a Cloud Service.</a:t>
+            </a:r>
+            <a:endParaRPr sz="1000" dirty="0">
               <a:solidFill>
                 <a:srgbClr val="4B4B4B"/>
               </a:solidFill>
@@ -9416,15 +10750,15 @@
               </a:spcBef>
             </a:pPr>
             <a:r>
-              <a:rPr lang="de-de" sz="1000">
+              <a:rPr lang="en-US" sz="1000" dirty="0">
                 <a:solidFill>
                   <a:srgbClr val="4B4B4B"/>
                 </a:solidFill>
                 <a:latin typeface="Adobe Clean Light" panose="020B0303020404020204" pitchFamily="34" charset="0"/>
               </a:rPr>
-              <a:t>已熟悉您的解決方案環境與業務目標的指定支援工程師。NSE 是經驗豐富的支援工程師，可幫忙協調您的企業支援體驗。</a:t>
-            </a:r>
-            <a:endParaRPr lang="en-US" sz="1000">
+              <a:t>A designated support engineer who becomes familiar with your solution environment and business goals. The NSE is an experienced support engineer that helps coordinate your Enterprise Support experience.</a:t>
+            </a:r>
+            <a:endParaRPr lang="en-US" sz="1000" dirty="0">
               <a:solidFill>
                 <a:srgbClr val="000000"/>
               </a:solidFill>
@@ -9471,20 +10805,20 @@
               </a:spcAft>
             </a:pPr>
             <a:r>
-              <a:rPr lang="de-de" sz="1200" b="1" spc="-10">
+              <a:rPr lang="en-US" sz="1200" b="1" spc="-10">
                 <a:solidFill>
                   <a:srgbClr val="020302"/>
                 </a:solidFill>
                 <a:latin typeface="+mj-lt"/>
               </a:rPr>
-              <a:t>指定的支援工程師</a:t>
+              <a:t>Named Support Engineer</a:t>
             </a:r>
           </a:p>
         </p:txBody>
       </p:sp>
       <p:pic>
         <p:nvPicPr>
-          <p:cNvPr id="142" name="Graphic 141" descr="使用者大綱">
+          <p:cNvPr id="142" name="Graphic 141" descr="User outline">
             <a:extLst>
               <a:ext uri="{FF2B5EF4-FFF2-40B4-BE49-F238E27FC236}">
                 <a16:creationId xmlns:a16="http://schemas.microsoft.com/office/drawing/2014/main" id="{D810B7C8-EC8A-8D4D-9EEC-977E8C8AB016}"/>
@@ -9557,14 +10891,14 @@
               </a:spcBef>
             </a:pPr>
             <a:r>
-              <a:rPr lang="de-de" sz="1200" b="1" spc="-20">
-                <a:solidFill>
-                  <a:srgbClr val="020302"/>
-                </a:solidFill>
-                <a:latin typeface="Adobe Clean"/>
-                <a:cs typeface="Adobe Clean"/>
-              </a:rPr>
-              <a:t>專家諮詢</a:t>
+              <a:rPr lang="en-US" sz="1200" b="1" spc="-20">
+                <a:solidFill>
+                  <a:srgbClr val="020302"/>
+                </a:solidFill>
+                <a:latin typeface="Adobe Clean"/>
+                <a:cs typeface="Adobe Clean"/>
+              </a:rPr>
+              <a:t>Expert Sessions</a:t>
             </a:r>
             <a:endParaRPr sz="1200">
               <a:latin typeface="Adobe Clean"/>
@@ -9600,30 +10934,497 @@
           </a:bodyPr>
           <a:lstStyle/>
           <a:p>
-            <a:pPr algn="l"/>
-            <a:r>
-              <a:rPr lang="en-US" altLang="zh-TW" sz="1200" b="1" spc="-25" dirty="0">
-                <a:solidFill>
-                  <a:srgbClr val="020302"/>
-                </a:solidFill>
-                <a:latin typeface="Adobe Clean"/>
-              </a:rPr>
-              <a:t>AEM as a Cloud Service </a:t>
-            </a:r>
-            <a:r>
-              <a:rPr lang="zh-TW" altLang="en-US" sz="1200" b="1" spc="-25" dirty="0">
-                <a:solidFill>
-                  <a:srgbClr val="020302"/>
-                </a:solidFill>
-                <a:latin typeface="Adobe Clean"/>
-              </a:rPr>
-              <a:t>的自訂最佳實務</a:t>
-            </a:r>
-            <a:endParaRPr lang="en-US" sz="1200" b="1" spc="-25" dirty="0">
-              <a:solidFill>
-                <a:srgbClr val="020302"/>
-              </a:solidFill>
+            <a:pPr marL="12700">
+              <a:lnSpc>
+                <a:spcPct val="100000"/>
+              </a:lnSpc>
+              <a:spcBef>
+                <a:spcPts val="100"/>
+              </a:spcBef>
+            </a:pPr>
+            <a:r>
+              <a:rPr lang="en-US" sz="1200" b="1" spc="-15">
+                <a:solidFill>
+                  <a:srgbClr val="020302"/>
+                </a:solidFill>
+                <a:latin typeface="Adobe Clean"/>
+                <a:cs typeface="Adobe Clean"/>
+              </a:rPr>
+              <a:t>C</a:t>
+            </a:r>
+            <a:r>
+              <a:rPr lang="en-US" sz="1200" b="1" spc="-20">
+                <a:solidFill>
+                  <a:srgbClr val="020302"/>
+                </a:solidFill>
+                <a:latin typeface="Adobe Clean"/>
+                <a:cs typeface="Adobe Clean"/>
+              </a:rPr>
+              <a:t>u</a:t>
+            </a:r>
+            <a:r>
+              <a:rPr lang="en-US" sz="1200" b="1" spc="-25">
+                <a:solidFill>
+                  <a:srgbClr val="020302"/>
+                </a:solidFill>
+                <a:latin typeface="Adobe Clean"/>
+                <a:cs typeface="Adobe Clean"/>
+              </a:rPr>
+              <a:t>st</a:t>
+            </a:r>
+            <a:r>
+              <a:rPr lang="en-US" sz="1200" b="1" spc="-15">
+                <a:solidFill>
+                  <a:srgbClr val="020302"/>
+                </a:solidFill>
+                <a:latin typeface="Adobe Clean"/>
+                <a:cs typeface="Adobe Clean"/>
+              </a:rPr>
+              <a:t>o</a:t>
+            </a:r>
+            <a:r>
+              <a:rPr lang="en-US" sz="1200" b="1" spc="-20">
+                <a:solidFill>
+                  <a:srgbClr val="020302"/>
+                </a:solidFill>
+                <a:latin typeface="Adobe Clean"/>
+                <a:cs typeface="Adobe Clean"/>
+              </a:rPr>
+              <a:t>miza</a:t>
+            </a:r>
+            <a:r>
+              <a:rPr lang="en-US" sz="1200" b="1" spc="-25">
+                <a:solidFill>
+                  <a:srgbClr val="020302"/>
+                </a:solidFill>
+                <a:latin typeface="Adobe Clean"/>
+                <a:cs typeface="Adobe Clean"/>
+              </a:rPr>
+              <a:t>t</a:t>
+            </a:r>
+            <a:r>
+              <a:rPr lang="en-US" sz="1200" b="1" spc="-20">
+                <a:solidFill>
+                  <a:srgbClr val="020302"/>
+                </a:solidFill>
+                <a:latin typeface="Adobe Clean"/>
+                <a:cs typeface="Adobe Clean"/>
+              </a:rPr>
+              <a:t>i</a:t>
+            </a:r>
+            <a:r>
+              <a:rPr lang="en-US" sz="1200" b="1" spc="-15">
+                <a:solidFill>
+                  <a:srgbClr val="020302"/>
+                </a:solidFill>
+                <a:latin typeface="Adobe Clean"/>
+                <a:cs typeface="Adobe Clean"/>
+              </a:rPr>
+              <a:t>o</a:t>
+            </a:r>
+            <a:r>
+              <a:rPr lang="en-US" sz="1200" b="1">
+                <a:solidFill>
+                  <a:srgbClr val="020302"/>
+                </a:solidFill>
+                <a:latin typeface="Adobe Clean"/>
+                <a:cs typeface="Adobe Clean"/>
+              </a:rPr>
+              <a:t>n</a:t>
+            </a:r>
+            <a:r>
+              <a:rPr lang="en-US" sz="1200" b="1" spc="-50">
+                <a:solidFill>
+                  <a:srgbClr val="020302"/>
+                </a:solidFill>
+                <a:latin typeface="Adobe Clean"/>
+                <a:cs typeface="Adobe Clean"/>
+              </a:rPr>
+              <a:t> </a:t>
+            </a:r>
+            <a:r>
+              <a:rPr lang="en-US" sz="1200" b="1" spc="-20">
+                <a:solidFill>
+                  <a:srgbClr val="020302"/>
+                </a:solidFill>
+                <a:latin typeface="Adobe Clean"/>
+                <a:cs typeface="Adobe Clean"/>
+              </a:rPr>
+              <a:t>B</a:t>
+            </a:r>
+            <a:r>
+              <a:rPr lang="en-US" sz="1200" b="1" spc="-25">
+                <a:solidFill>
+                  <a:srgbClr val="020302"/>
+                </a:solidFill>
+                <a:latin typeface="Adobe Clean"/>
+                <a:cs typeface="Adobe Clean"/>
+              </a:rPr>
+              <a:t>es</a:t>
+            </a:r>
+            <a:r>
+              <a:rPr lang="en-US" sz="1200" b="1">
+                <a:solidFill>
+                  <a:srgbClr val="020302"/>
+                </a:solidFill>
+                <a:latin typeface="Adobe Clean"/>
+                <a:cs typeface="Adobe Clean"/>
+              </a:rPr>
+              <a:t>t</a:t>
+            </a:r>
+            <a:r>
+              <a:rPr lang="en-US" sz="1200" b="1" spc="-50">
+                <a:solidFill>
+                  <a:srgbClr val="020302"/>
+                </a:solidFill>
+                <a:latin typeface="Adobe Clean"/>
+                <a:cs typeface="Adobe Clean"/>
+              </a:rPr>
+              <a:t> </a:t>
+            </a:r>
+            <a:r>
+              <a:rPr lang="en-US" sz="1200" b="1" spc="-25">
+                <a:solidFill>
+                  <a:srgbClr val="020302"/>
+                </a:solidFill>
+                <a:latin typeface="Adobe Clean"/>
+                <a:cs typeface="Adobe Clean"/>
+              </a:rPr>
+              <a:t>P</a:t>
+            </a:r>
+            <a:r>
+              <a:rPr lang="en-US" sz="1200" b="1" spc="-20">
+                <a:solidFill>
+                  <a:srgbClr val="020302"/>
+                </a:solidFill>
+                <a:latin typeface="Adobe Clean"/>
+                <a:cs typeface="Adobe Clean"/>
+              </a:rPr>
+              <a:t>ra</a:t>
+            </a:r>
+            <a:r>
+              <a:rPr lang="en-US" sz="1200" b="1" spc="-30">
+                <a:solidFill>
+                  <a:srgbClr val="020302"/>
+                </a:solidFill>
+                <a:latin typeface="Adobe Clean"/>
+                <a:cs typeface="Adobe Clean"/>
+              </a:rPr>
+              <a:t>c</a:t>
+            </a:r>
+            <a:r>
+              <a:rPr lang="en-US" sz="1200" b="1" spc="-25">
+                <a:solidFill>
+                  <a:srgbClr val="020302"/>
+                </a:solidFill>
+                <a:latin typeface="Adobe Clean"/>
+                <a:cs typeface="Adobe Clean"/>
+              </a:rPr>
+              <a:t>t</a:t>
+            </a:r>
+            <a:r>
+              <a:rPr lang="en-US" sz="1200" b="1" spc="-20">
+                <a:solidFill>
+                  <a:srgbClr val="020302"/>
+                </a:solidFill>
+                <a:latin typeface="Adobe Clean"/>
+                <a:cs typeface="Adobe Clean"/>
+              </a:rPr>
+              <a:t>i</a:t>
+            </a:r>
+            <a:r>
+              <a:rPr lang="en-US" sz="1200" b="1" spc="-30">
+                <a:solidFill>
+                  <a:srgbClr val="020302"/>
+                </a:solidFill>
+                <a:latin typeface="Adobe Clean"/>
+                <a:cs typeface="Adobe Clean"/>
+              </a:rPr>
+              <a:t>c</a:t>
+            </a:r>
+            <a:r>
+              <a:rPr lang="en-US" sz="1200" b="1" spc="-25">
+                <a:solidFill>
+                  <a:srgbClr val="020302"/>
+                </a:solidFill>
+                <a:latin typeface="Adobe Clean"/>
+                <a:cs typeface="Adobe Clean"/>
+              </a:rPr>
+              <a:t>e</a:t>
+            </a:r>
+            <a:r>
+              <a:rPr lang="en-US" sz="1200" b="1">
+                <a:solidFill>
+                  <a:srgbClr val="020302"/>
+                </a:solidFill>
+                <a:latin typeface="Adobe Clean"/>
+                <a:cs typeface="Adobe Clean"/>
+              </a:rPr>
+              <a:t>s</a:t>
+            </a:r>
+            <a:r>
+              <a:rPr lang="en-US" sz="1200" b="1" spc="-45">
+                <a:solidFill>
+                  <a:srgbClr val="020302"/>
+                </a:solidFill>
+                <a:latin typeface="Adobe Clean"/>
+                <a:cs typeface="Adobe Clean"/>
+              </a:rPr>
+              <a:t> </a:t>
+            </a:r>
+            <a:r>
+              <a:rPr lang="en-US" sz="1200" b="1" spc="-25">
+                <a:solidFill>
+                  <a:srgbClr val="020302"/>
+                </a:solidFill>
+                <a:latin typeface="Adobe Clean"/>
+                <a:cs typeface="Adobe Clean"/>
+              </a:rPr>
+              <a:t>f</a:t>
+            </a:r>
+            <a:r>
+              <a:rPr lang="en-US" sz="1200" b="1" spc="-15">
+                <a:solidFill>
+                  <a:srgbClr val="020302"/>
+                </a:solidFill>
+                <a:latin typeface="Adobe Clean"/>
+                <a:cs typeface="Adobe Clean"/>
+              </a:rPr>
+              <a:t>o</a:t>
+            </a:r>
+            <a:r>
+              <a:rPr lang="en-US" sz="1200" b="1">
+                <a:solidFill>
+                  <a:srgbClr val="020302"/>
+                </a:solidFill>
+                <a:latin typeface="Adobe Clean"/>
+                <a:cs typeface="Adobe Clean"/>
+              </a:rPr>
+              <a:t>r</a:t>
+            </a:r>
+            <a:r>
+              <a:rPr lang="en-US" sz="1200" b="1" spc="-45">
+                <a:solidFill>
+                  <a:srgbClr val="020302"/>
+                </a:solidFill>
+                <a:latin typeface="Adobe Clean"/>
+                <a:cs typeface="Adobe Clean"/>
+              </a:rPr>
+              <a:t> </a:t>
+            </a:r>
+            <a:r>
+              <a:rPr lang="en-US" sz="1200" b="1" spc="-30">
+                <a:solidFill>
+                  <a:srgbClr val="020302"/>
+                </a:solidFill>
+                <a:latin typeface="Adobe Clean"/>
+                <a:cs typeface="Adobe Clean"/>
+              </a:rPr>
+              <a:t>AE</a:t>
+            </a:r>
+            <a:r>
+              <a:rPr lang="en-US" sz="1200" b="1">
+                <a:solidFill>
+                  <a:srgbClr val="020302"/>
+                </a:solidFill>
+                <a:latin typeface="Adobe Clean"/>
+                <a:cs typeface="Adobe Clean"/>
+              </a:rPr>
+              <a:t>M</a:t>
+            </a:r>
+            <a:r>
+              <a:rPr lang="en-US" sz="1200" b="1" spc="-55">
+                <a:solidFill>
+                  <a:srgbClr val="020302"/>
+                </a:solidFill>
+                <a:latin typeface="Adobe Clean"/>
+                <a:cs typeface="Adobe Clean"/>
+              </a:rPr>
+              <a:t> </a:t>
+            </a:r>
+            <a:r>
+              <a:rPr lang="en-US" sz="1200" b="1" spc="-20">
+                <a:solidFill>
+                  <a:srgbClr val="020302"/>
+                </a:solidFill>
+                <a:latin typeface="Adobe Clean"/>
+                <a:cs typeface="Adobe Clean"/>
+              </a:rPr>
+              <a:t>a</a:t>
+            </a:r>
+            <a:r>
+              <a:rPr lang="en-US" sz="1200" b="1">
+                <a:solidFill>
+                  <a:srgbClr val="020302"/>
+                </a:solidFill>
+                <a:latin typeface="Adobe Clean"/>
+                <a:cs typeface="Adobe Clean"/>
+              </a:rPr>
+              <a:t>s</a:t>
+            </a:r>
+            <a:r>
+              <a:rPr lang="en-US" sz="1200" b="1" spc="-45">
+                <a:solidFill>
+                  <a:srgbClr val="020302"/>
+                </a:solidFill>
+                <a:latin typeface="Adobe Clean"/>
+                <a:cs typeface="Adobe Clean"/>
+              </a:rPr>
+              <a:t> </a:t>
+            </a:r>
+            <a:r>
+              <a:rPr lang="en-US" sz="1200" b="1">
+                <a:solidFill>
+                  <a:srgbClr val="020302"/>
+                </a:solidFill>
+                <a:latin typeface="Adobe Clean"/>
+                <a:cs typeface="Adobe Clean"/>
+              </a:rPr>
+              <a:t>a</a:t>
+            </a:r>
+            <a:r>
+              <a:rPr lang="en-US" sz="1200" b="1" spc="-45">
+                <a:solidFill>
+                  <a:srgbClr val="020302"/>
+                </a:solidFill>
+                <a:latin typeface="Adobe Clean"/>
+                <a:cs typeface="Adobe Clean"/>
+              </a:rPr>
+              <a:t> </a:t>
+            </a:r>
+            <a:r>
+              <a:rPr lang="en-US" sz="1200" b="1" spc="-15">
+                <a:solidFill>
+                  <a:srgbClr val="020302"/>
+                </a:solidFill>
+                <a:latin typeface="Adobe Clean"/>
+                <a:cs typeface="Adobe Clean"/>
+              </a:rPr>
+              <a:t>C</a:t>
+            </a:r>
+            <a:r>
+              <a:rPr lang="en-US" sz="1200" b="1" spc="-25">
+                <a:solidFill>
+                  <a:srgbClr val="020302"/>
+                </a:solidFill>
+                <a:latin typeface="Adobe Clean"/>
+                <a:cs typeface="Adobe Clean"/>
+              </a:rPr>
+              <a:t>l</a:t>
+            </a:r>
+            <a:r>
+              <a:rPr lang="en-US" sz="1200" b="1" spc="-15">
+                <a:solidFill>
+                  <a:srgbClr val="020302"/>
+                </a:solidFill>
+                <a:latin typeface="Adobe Clean"/>
+                <a:cs typeface="Adobe Clean"/>
+              </a:rPr>
+              <a:t>o</a:t>
+            </a:r>
+            <a:r>
+              <a:rPr lang="en-US" sz="1200" b="1" spc="-20">
+                <a:solidFill>
+                  <a:srgbClr val="020302"/>
+                </a:solidFill>
+                <a:latin typeface="Adobe Clean"/>
+                <a:cs typeface="Adobe Clean"/>
+              </a:rPr>
+              <a:t>u</a:t>
+            </a:r>
+            <a:r>
+              <a:rPr lang="en-US" sz="1200" b="1">
+                <a:solidFill>
+                  <a:srgbClr val="020302"/>
+                </a:solidFill>
+                <a:latin typeface="Adobe Clean"/>
+                <a:cs typeface="Adobe Clean"/>
+              </a:rPr>
+              <a:t>d</a:t>
+            </a:r>
+            <a:r>
+              <a:rPr lang="en-US" sz="1200" b="1" spc="-50">
+                <a:solidFill>
+                  <a:srgbClr val="020302"/>
+                </a:solidFill>
+                <a:latin typeface="Adobe Clean"/>
+                <a:cs typeface="Adobe Clean"/>
+              </a:rPr>
+              <a:t> </a:t>
+            </a:r>
+            <a:r>
+              <a:rPr lang="en-US" sz="1200" b="1" spc="-20">
+                <a:solidFill>
+                  <a:srgbClr val="020302"/>
+                </a:solidFill>
+                <a:latin typeface="Adobe Clean"/>
+                <a:cs typeface="Adobe Clean"/>
+              </a:rPr>
+              <a:t>S</a:t>
+            </a:r>
+            <a:r>
+              <a:rPr lang="en-US" sz="1200" b="1" spc="-25">
+                <a:solidFill>
+                  <a:srgbClr val="020302"/>
+                </a:solidFill>
+                <a:latin typeface="Adobe Clean"/>
+                <a:cs typeface="Adobe Clean"/>
+              </a:rPr>
+              <a:t>e</a:t>
+            </a:r>
+            <a:r>
+              <a:rPr lang="en-US" sz="1200" b="1" spc="-20">
+                <a:solidFill>
+                  <a:srgbClr val="020302"/>
+                </a:solidFill>
+                <a:latin typeface="Adobe Clean"/>
+                <a:cs typeface="Adobe Clean"/>
+              </a:rPr>
+              <a:t>r</a:t>
+            </a:r>
+            <a:r>
+              <a:rPr lang="en-US" sz="1200" b="1" spc="-30">
+                <a:solidFill>
+                  <a:srgbClr val="020302"/>
+                </a:solidFill>
+                <a:latin typeface="Adobe Clean"/>
+                <a:cs typeface="Adobe Clean"/>
+              </a:rPr>
+              <a:t>v</a:t>
+            </a:r>
+            <a:r>
+              <a:rPr lang="en-US" sz="1200" b="1" spc="-20">
+                <a:solidFill>
+                  <a:srgbClr val="020302"/>
+                </a:solidFill>
+                <a:latin typeface="Adobe Clean"/>
+                <a:cs typeface="Adobe Clean"/>
+              </a:rPr>
+              <a:t>i</a:t>
+            </a:r>
+            <a:r>
+              <a:rPr lang="en-US" sz="1200" b="1" spc="-30">
+                <a:solidFill>
+                  <a:srgbClr val="020302"/>
+                </a:solidFill>
+                <a:latin typeface="Adobe Clean"/>
+                <a:cs typeface="Adobe Clean"/>
+              </a:rPr>
+              <a:t>c</a:t>
+            </a:r>
+            <a:r>
+              <a:rPr lang="en-US" sz="1200" b="1">
+                <a:solidFill>
+                  <a:srgbClr val="020302"/>
+                </a:solidFill>
+                <a:latin typeface="Adobe Clean"/>
+                <a:cs typeface="Adobe Clean"/>
+              </a:rPr>
+              <a:t>e</a:t>
+            </a:r>
+            <a:endParaRPr lang="en-US" sz="1200">
               <a:latin typeface="Adobe Clean"/>
+              <a:cs typeface="Adobe Clean"/>
             </a:endParaRPr>
           </a:p>
         </p:txBody>
@@ -9664,16 +11465,16 @@
               </a:spcBef>
             </a:pPr>
             <a:r>
-              <a:rPr lang="de-de" sz="1200" b="1" spc="-25" dirty="0">
-                <a:solidFill>
-                  <a:srgbClr val="020302"/>
-                </a:solidFill>
-                <a:latin typeface="Adobe Clean"/>
-                <a:cs typeface="Adobe Clean"/>
-              </a:rPr>
-              <a:t>AEM as a Cloud Service 的增值服務</a:t>
-            </a:r>
-            <a:endParaRPr lang="en-US" sz="1200" dirty="0">
+              <a:rPr lang="en-US" sz="1200" b="1" spc="-25">
+                <a:solidFill>
+                  <a:srgbClr val="020302"/>
+                </a:solidFill>
+                <a:latin typeface="Adobe Clean"/>
+                <a:cs typeface="Adobe Clean"/>
+              </a:rPr>
+              <a:t>Value-added Services for AEM as a Cloud Service</a:t>
+            </a:r>
+            <a:endParaRPr lang="en-US" sz="1200">
               <a:latin typeface="Adobe Clean"/>
               <a:cs typeface="Adobe Clean"/>
             </a:endParaRPr>
@@ -9695,7 +11496,7 @@
         <p:spPr>
           <a:xfrm>
             <a:off x="381000" y="4438394"/>
-            <a:ext cx="2119971" cy="276999"/>
+            <a:ext cx="1998943" cy="461665"/>
           </a:xfrm>
           <a:prstGeom prst="rect">
             <a:avLst/>
@@ -9708,49 +11509,373 @@
           <a:lstStyle/>
           <a:p>
             <a:pPr marL="12700">
+              <a:lnSpc>
+                <a:spcPct val="100000"/>
+              </a:lnSpc>
               <a:spcBef>
                 <a:spcPts val="100"/>
               </a:spcBef>
             </a:pPr>
             <a:r>
-              <a:rPr lang="de-de" sz="1200" b="1" spc="-25" dirty="0">
-                <a:solidFill>
-                  <a:srgbClr val="020302"/>
-                </a:solidFill>
-                <a:latin typeface="Adobe Clean"/>
+              <a:rPr lang="en-US" sz="1200" b="1" spc="-20">
+                <a:solidFill>
+                  <a:srgbClr val="020302"/>
+                </a:solidFill>
+                <a:latin typeface="Adobe Clean"/>
+                <a:cs typeface="Adobe Clean"/>
+              </a:rPr>
+              <a:t>G</a:t>
+            </a:r>
+            <a:r>
+              <a:rPr lang="en-US" sz="1200" b="1" spc="-15">
+                <a:solidFill>
+                  <a:srgbClr val="020302"/>
+                </a:solidFill>
+                <a:latin typeface="Adobe Clean"/>
+                <a:cs typeface="Adobe Clean"/>
+              </a:rPr>
+              <a:t>o</a:t>
+            </a:r>
+            <a:r>
+              <a:rPr lang="en-US" sz="1200" b="1" spc="-25">
+                <a:solidFill>
+                  <a:srgbClr val="020302"/>
+                </a:solidFill>
+                <a:latin typeface="Adobe Clean"/>
+                <a:cs typeface="Adobe Clean"/>
+              </a:rPr>
+              <a:t>ve</a:t>
+            </a:r>
+            <a:r>
+              <a:rPr lang="en-US" sz="1200" b="1" spc="-20">
+                <a:solidFill>
+                  <a:srgbClr val="020302"/>
+                </a:solidFill>
+                <a:latin typeface="Adobe Clean"/>
+                <a:cs typeface="Adobe Clean"/>
+              </a:rPr>
+              <a:t>r</a:t>
+            </a:r>
+            <a:r>
+              <a:rPr lang="en-US" sz="1200" b="1" spc="-25">
+                <a:solidFill>
+                  <a:srgbClr val="020302"/>
+                </a:solidFill>
+                <a:latin typeface="Adobe Clean"/>
+                <a:cs typeface="Adobe Clean"/>
+              </a:rPr>
+              <a:t>n</a:t>
+            </a:r>
+            <a:r>
+              <a:rPr lang="en-US" sz="1200" b="1" spc="-20">
+                <a:solidFill>
+                  <a:srgbClr val="020302"/>
+                </a:solidFill>
+                <a:latin typeface="Adobe Clean"/>
+                <a:cs typeface="Adobe Clean"/>
+              </a:rPr>
+              <a:t>a</a:t>
+            </a:r>
+            <a:r>
+              <a:rPr lang="en-US" sz="1200" b="1" spc="-25">
+                <a:solidFill>
+                  <a:srgbClr val="020302"/>
+                </a:solidFill>
+                <a:latin typeface="Adobe Clean"/>
+                <a:cs typeface="Adobe Clean"/>
+              </a:rPr>
+              <a:t>n</a:t>
+            </a:r>
+            <a:r>
+              <a:rPr lang="en-US" sz="1200" b="1" spc="-30">
+                <a:solidFill>
+                  <a:srgbClr val="020302"/>
+                </a:solidFill>
+                <a:latin typeface="Adobe Clean"/>
+                <a:cs typeface="Adobe Clean"/>
+              </a:rPr>
+              <a:t>c</a:t>
+            </a:r>
+            <a:r>
+              <a:rPr lang="en-US" sz="1200" b="1">
+                <a:solidFill>
+                  <a:srgbClr val="020302"/>
+                </a:solidFill>
+                <a:latin typeface="Adobe Clean"/>
+                <a:cs typeface="Adobe Clean"/>
+              </a:rPr>
+              <a:t>e</a:t>
+            </a:r>
+            <a:r>
+              <a:rPr lang="en-US" sz="1200" b="1" spc="-50">
+                <a:solidFill>
+                  <a:srgbClr val="020302"/>
+                </a:solidFill>
+                <a:latin typeface="Adobe Clean"/>
+                <a:cs typeface="Adobe Clean"/>
               </a:rPr>
               <a:t> </a:t>
             </a:r>
             <a:r>
-              <a:rPr lang="pt-BR" altLang="zh-TW" sz="1200" b="1" spc="-25" dirty="0">
-                <a:solidFill>
-                  <a:srgbClr val="020302"/>
-                </a:solidFill>
-                <a:latin typeface="Adobe Clean"/>
-              </a:rPr>
-              <a:t>AEM as a Cloud Service </a:t>
-            </a:r>
-            <a:r>
-              <a:rPr lang="zh-TW" altLang="pt-BR" sz="1200" b="1" spc="-25" dirty="0">
-                <a:solidFill>
-                  <a:srgbClr val="020302"/>
-                </a:solidFill>
-                <a:latin typeface="Adobe Clean"/>
-              </a:rPr>
-              <a:t>的控管</a:t>
-            </a:r>
-            <a:endParaRPr lang="en-US" sz="1200" b="1" spc="-25" dirty="0">
-              <a:solidFill>
-                <a:srgbClr val="020302"/>
-              </a:solidFill>
+              <a:rPr lang="en-US" sz="1200" b="1" spc="-25">
+                <a:solidFill>
+                  <a:srgbClr val="020302"/>
+                </a:solidFill>
+                <a:latin typeface="Adobe Clean"/>
+                <a:cs typeface="Adobe Clean"/>
+              </a:rPr>
+              <a:t>f</a:t>
+            </a:r>
+            <a:r>
+              <a:rPr lang="en-US" sz="1200" b="1" spc="-15">
+                <a:solidFill>
+                  <a:srgbClr val="020302"/>
+                </a:solidFill>
+                <a:latin typeface="Adobe Clean"/>
+                <a:cs typeface="Adobe Clean"/>
+              </a:rPr>
+              <a:t>o</a:t>
+            </a:r>
+            <a:r>
+              <a:rPr lang="en-US" sz="1200" b="1">
+                <a:solidFill>
+                  <a:srgbClr val="020302"/>
+                </a:solidFill>
+                <a:latin typeface="Adobe Clean"/>
+                <a:cs typeface="Adobe Clean"/>
+              </a:rPr>
+              <a:t>r</a:t>
+            </a:r>
+            <a:r>
+              <a:rPr lang="en-US" sz="1200" b="1" spc="-45">
+                <a:solidFill>
+                  <a:srgbClr val="020302"/>
+                </a:solidFill>
+                <a:latin typeface="Adobe Clean"/>
+                <a:cs typeface="Adobe Clean"/>
+              </a:rPr>
+              <a:t> </a:t>
+            </a:r>
+            <a:r>
+              <a:rPr lang="en-US" sz="1200" b="1" spc="-30">
+                <a:solidFill>
+                  <a:srgbClr val="020302"/>
+                </a:solidFill>
+                <a:latin typeface="Adobe Clean"/>
+                <a:cs typeface="Adobe Clean"/>
+              </a:rPr>
+              <a:t>A</a:t>
+            </a:r>
+            <a:r>
+              <a:rPr lang="en-US" sz="1200" b="1" spc="-25">
+                <a:solidFill>
+                  <a:srgbClr val="020302"/>
+                </a:solidFill>
+                <a:latin typeface="Adobe Clean"/>
+                <a:cs typeface="Adobe Clean"/>
+              </a:rPr>
+              <a:t>E</a:t>
+            </a:r>
+            <a:r>
+              <a:rPr lang="en-US" sz="1200" b="1">
+                <a:solidFill>
+                  <a:srgbClr val="020302"/>
+                </a:solidFill>
+                <a:latin typeface="Adobe Clean"/>
+                <a:cs typeface="Adobe Clean"/>
+              </a:rPr>
+              <a:t>M</a:t>
+            </a:r>
+            <a:r>
+              <a:rPr lang="en-US" sz="1200" b="1" spc="-50">
+                <a:solidFill>
+                  <a:srgbClr val="020302"/>
+                </a:solidFill>
+                <a:latin typeface="Adobe Clean"/>
+                <a:cs typeface="Adobe Clean"/>
+              </a:rPr>
+              <a:t> </a:t>
+            </a:r>
+            <a:r>
+              <a:rPr lang="en-US" sz="1200" b="1" spc="-20">
+                <a:solidFill>
+                  <a:srgbClr val="020302"/>
+                </a:solidFill>
+                <a:latin typeface="Adobe Clean"/>
+                <a:cs typeface="Adobe Clean"/>
+              </a:rPr>
+              <a:t>a</a:t>
+            </a:r>
+            <a:r>
+              <a:rPr lang="en-US" sz="1200" b="1">
+                <a:solidFill>
+                  <a:srgbClr val="020302"/>
+                </a:solidFill>
+                <a:latin typeface="Adobe Clean"/>
+                <a:cs typeface="Adobe Clean"/>
+              </a:rPr>
+              <a:t>s</a:t>
+            </a:r>
+            <a:r>
+              <a:rPr lang="en-US" sz="1200" b="1" spc="-45">
+                <a:solidFill>
+                  <a:srgbClr val="020302"/>
+                </a:solidFill>
+                <a:latin typeface="Adobe Clean"/>
+                <a:cs typeface="Adobe Clean"/>
+              </a:rPr>
+              <a:t> </a:t>
+            </a:r>
+            <a:r>
+              <a:rPr lang="en-US" sz="1200" b="1">
+                <a:solidFill>
+                  <a:srgbClr val="020302"/>
+                </a:solidFill>
+                <a:latin typeface="Adobe Clean"/>
+                <a:cs typeface="Adobe Clean"/>
+              </a:rPr>
+              <a:t>a</a:t>
+            </a:r>
+            <a:r>
+              <a:rPr lang="en-US" sz="1200" b="1" spc="-40">
+                <a:solidFill>
+                  <a:srgbClr val="020302"/>
+                </a:solidFill>
+                <a:latin typeface="Adobe Clean"/>
+                <a:cs typeface="Adobe Clean"/>
+              </a:rPr>
+              <a:t> </a:t>
+            </a:r>
+            <a:r>
+              <a:rPr lang="en-US" sz="1200" b="1" spc="-15">
+                <a:solidFill>
+                  <a:srgbClr val="020302"/>
+                </a:solidFill>
+                <a:latin typeface="Adobe Clean"/>
+                <a:cs typeface="Adobe Clean"/>
+              </a:rPr>
+              <a:t>C</a:t>
+            </a:r>
+            <a:r>
+              <a:rPr lang="en-US" sz="1200" b="1" spc="-25">
+                <a:solidFill>
+                  <a:srgbClr val="020302"/>
+                </a:solidFill>
+                <a:latin typeface="Adobe Clean"/>
+                <a:cs typeface="Adobe Clean"/>
+              </a:rPr>
+              <a:t>l</a:t>
+            </a:r>
+            <a:r>
+              <a:rPr lang="en-US" sz="1200" b="1" spc="-15">
+                <a:solidFill>
+                  <a:srgbClr val="020302"/>
+                </a:solidFill>
+                <a:latin typeface="Adobe Clean"/>
+                <a:cs typeface="Adobe Clean"/>
+              </a:rPr>
+              <a:t>ou</a:t>
+            </a:r>
+            <a:r>
+              <a:rPr lang="en-US" sz="1200" b="1">
+                <a:solidFill>
+                  <a:srgbClr val="020302"/>
+                </a:solidFill>
+                <a:latin typeface="Adobe Clean"/>
+                <a:cs typeface="Adobe Clean"/>
+              </a:rPr>
+              <a:t>d</a:t>
+            </a:r>
+            <a:r>
+              <a:rPr lang="en-US" sz="1200" b="1" spc="-50">
+                <a:solidFill>
+                  <a:srgbClr val="020302"/>
+                </a:solidFill>
+                <a:latin typeface="Adobe Clean"/>
+                <a:cs typeface="Adobe Clean"/>
+              </a:rPr>
+              <a:t> </a:t>
+            </a:r>
+            <a:r>
+              <a:rPr lang="en-US" sz="1200" b="1" spc="-20">
+                <a:solidFill>
+                  <a:srgbClr val="020302"/>
+                </a:solidFill>
+                <a:latin typeface="Adobe Clean"/>
+                <a:cs typeface="Adobe Clean"/>
+              </a:rPr>
+              <a:t>S</a:t>
+            </a:r>
+            <a:r>
+              <a:rPr lang="en-US" sz="1200" b="1" spc="-25">
+                <a:solidFill>
+                  <a:srgbClr val="020302"/>
+                </a:solidFill>
+                <a:latin typeface="Adobe Clean"/>
+                <a:cs typeface="Adobe Clean"/>
+              </a:rPr>
+              <a:t>e</a:t>
+            </a:r>
+            <a:r>
+              <a:rPr lang="en-US" sz="1200" b="1" spc="-20">
+                <a:solidFill>
+                  <a:srgbClr val="020302"/>
+                </a:solidFill>
+                <a:latin typeface="Adobe Clean"/>
+                <a:cs typeface="Adobe Clean"/>
+              </a:rPr>
+              <a:t>r</a:t>
+            </a:r>
+            <a:r>
+              <a:rPr lang="en-US" sz="1200" b="1" spc="-25">
+                <a:solidFill>
+                  <a:srgbClr val="020302"/>
+                </a:solidFill>
+                <a:latin typeface="Adobe Clean"/>
+                <a:cs typeface="Adobe Clean"/>
+              </a:rPr>
+              <a:t>v</a:t>
+            </a:r>
+            <a:r>
+              <a:rPr lang="en-US" sz="1200" b="1" spc="-20">
+                <a:solidFill>
+                  <a:srgbClr val="020302"/>
+                </a:solidFill>
+                <a:latin typeface="Adobe Clean"/>
+                <a:cs typeface="Adobe Clean"/>
+              </a:rPr>
+              <a:t>i</a:t>
+            </a:r>
+            <a:r>
+              <a:rPr lang="en-US" sz="1200" b="1" spc="-30">
+                <a:solidFill>
+                  <a:srgbClr val="020302"/>
+                </a:solidFill>
+                <a:latin typeface="Adobe Clean"/>
+                <a:cs typeface="Adobe Clean"/>
+              </a:rPr>
+              <a:t>c</a:t>
+            </a:r>
+            <a:r>
+              <a:rPr lang="en-US" sz="1200" b="1">
+                <a:solidFill>
+                  <a:srgbClr val="020302"/>
+                </a:solidFill>
+                <a:latin typeface="Adobe Clean"/>
+                <a:cs typeface="Adobe Clean"/>
+              </a:rPr>
+              <a:t>e</a:t>
+            </a:r>
+            <a:endParaRPr lang="en-US" sz="1200">
               <a:latin typeface="Adobe Clean"/>
+              <a:cs typeface="Adobe Clean"/>
             </a:endParaRPr>
           </a:p>
         </p:txBody>
       </p:sp>
       <p:pic>
         <p:nvPicPr>
-          <p:cNvPr id="151" name="Graphic 150" descr="Director's Chair 大綱">
+          <p:cNvPr id="151" name="Graphic 150" descr="Director's Chair outline">
             <a:extLst>
               <a:ext uri="{FF2B5EF4-FFF2-40B4-BE49-F238E27FC236}">
                 <a16:creationId xmlns:a16="http://schemas.microsoft.com/office/drawing/2014/main" id="{921858E2-75CF-3B40-8734-4CE41782FC9B}"/>
@@ -9789,7 +11914,7 @@
       </p:pic>
       <p:pic>
         <p:nvPicPr>
-          <p:cNvPr id="153" name="Graphic 152" descr="評等 3 個星 (實心)">
+          <p:cNvPr id="153" name="Graphic 152" descr="Rating 3 Star with solid fill">
             <a:extLst>
               <a:ext uri="{FF2B5EF4-FFF2-40B4-BE49-F238E27FC236}">
                 <a16:creationId xmlns:a16="http://schemas.microsoft.com/office/drawing/2014/main" id="{D5B000DA-4203-6A40-88BA-0E899DF2822C}"/>
@@ -9862,14 +11987,94 @@
               </a:spcBef>
             </a:pPr>
             <a:r>
-              <a:rPr lang="de-de" sz="1200" b="1" spc="-20">
-                <a:solidFill>
-                  <a:srgbClr val="020302"/>
-                </a:solidFill>
-                <a:latin typeface="Adobe Clean"/>
-                <a:cs typeface="Adobe Clean"/>
-              </a:rPr>
-              <a:t>案件審查</a:t>
+              <a:rPr lang="en-US" sz="1200" b="1" spc="-20">
+                <a:solidFill>
+                  <a:srgbClr val="020302"/>
+                </a:solidFill>
+                <a:latin typeface="Adobe Clean"/>
+                <a:cs typeface="Adobe Clean"/>
+              </a:rPr>
+              <a:t>Cas</a:t>
+            </a:r>
+            <a:r>
+              <a:rPr sz="1200" b="1">
+                <a:solidFill>
+                  <a:srgbClr val="020302"/>
+                </a:solidFill>
+                <a:latin typeface="Adobe Clean"/>
+                <a:cs typeface="Adobe Clean"/>
+              </a:rPr>
+              <a:t>e</a:t>
+            </a:r>
+            <a:r>
+              <a:rPr sz="1200" b="1" spc="-80">
+                <a:solidFill>
+                  <a:srgbClr val="020302"/>
+                </a:solidFill>
+                <a:latin typeface="Adobe Clean"/>
+                <a:cs typeface="Adobe Clean"/>
+              </a:rPr>
+              <a:t> </a:t>
+            </a:r>
+            <a:r>
+              <a:rPr sz="1200" b="1" spc="-20">
+                <a:solidFill>
+                  <a:srgbClr val="020302"/>
+                </a:solidFill>
+                <a:latin typeface="Adobe Clean"/>
+                <a:cs typeface="Adobe Clean"/>
+              </a:rPr>
+              <a:t>R</a:t>
+            </a:r>
+            <a:r>
+              <a:rPr sz="1200" b="1" spc="-25">
+                <a:solidFill>
+                  <a:srgbClr val="020302"/>
+                </a:solidFill>
+                <a:latin typeface="Adobe Clean"/>
+                <a:cs typeface="Adobe Clean"/>
+              </a:rPr>
+              <a:t>e</a:t>
+            </a:r>
+            <a:r>
+              <a:rPr sz="1200" b="1" spc="-30">
+                <a:solidFill>
+                  <a:srgbClr val="020302"/>
+                </a:solidFill>
+                <a:latin typeface="Adobe Clean"/>
+                <a:cs typeface="Adobe Clean"/>
+              </a:rPr>
+              <a:t>v</a:t>
+            </a:r>
+            <a:r>
+              <a:rPr sz="1200" b="1" spc="-20">
+                <a:solidFill>
+                  <a:srgbClr val="020302"/>
+                </a:solidFill>
+                <a:latin typeface="Adobe Clean"/>
+                <a:cs typeface="Adobe Clean"/>
+              </a:rPr>
+              <a:t>i</a:t>
+            </a:r>
+            <a:r>
+              <a:rPr sz="1200" b="1" spc="-25">
+                <a:solidFill>
+                  <a:srgbClr val="020302"/>
+                </a:solidFill>
+                <a:latin typeface="Adobe Clean"/>
+                <a:cs typeface="Adobe Clean"/>
+              </a:rPr>
+              <a:t>ew</a:t>
+            </a:r>
+            <a:r>
+              <a:rPr sz="1200" b="1">
+                <a:solidFill>
+                  <a:srgbClr val="020302"/>
+                </a:solidFill>
+                <a:latin typeface="Adobe Clean"/>
+                <a:cs typeface="Adobe Clean"/>
+              </a:rPr>
+              <a:t>s</a:t>
             </a:r>
             <a:endParaRPr sz="1200">
               <a:latin typeface="Adobe Clean"/>
@@ -9880,7 +12085,7 @@
       </p:sp>
       <p:pic>
         <p:nvPicPr>
-          <p:cNvPr id="5" name="Graphic 4" descr="客戶審查大綱">
+          <p:cNvPr id="5" name="Graphic 4" descr="Customer review outline">
             <a:extLst>
               <a:ext uri="{FF2B5EF4-FFF2-40B4-BE49-F238E27FC236}">
                 <a16:creationId xmlns:a16="http://schemas.microsoft.com/office/drawing/2014/main" id="{8CCEB8E9-4EDC-FD45-900B-6151B8F604B7}"/>
@@ -9953,13 +12158,13 @@
               </a:spcBef>
             </a:pPr>
             <a:r>
-              <a:rPr lang="de-de" sz="1000">
+              <a:rPr lang="en-US" sz="1000">
                 <a:solidFill>
                   <a:srgbClr val="4B4B4B"/>
                 </a:solidFill>
                 <a:latin typeface="Adobe Clean Light" panose="020B0303020404020204" pitchFamily="34" charset="0"/>
               </a:rPr>
-              <a:t>定期審查未解決的支援請求，以確保客戶在案件描述、業務影響、狀態、優先順序及確保快速解決所需的後續步驟方面都達成一致。</a:t>
+              <a:t>Regular scheduled review of open support requests, ensuring customer alignment on case description, business impact, status, priority and agreement on next steps required to ensure an expedient resolution.</a:t>
             </a:r>
             <a:endParaRPr sz="1000">
               <a:latin typeface="Adobe Clean Light" panose="020B0303020404020204" pitchFamily="34" charset="0"/>
@@ -10004,14 +12209,14 @@
               </a:spcBef>
             </a:pPr>
             <a:r>
-              <a:rPr lang="de-de" sz="1400" b="1" spc="-10">
-                <a:solidFill>
-                  <a:srgbClr val="020302"/>
-                </a:solidFill>
-                <a:latin typeface="Adobe Clean"/>
-                <a:cs typeface="Adobe Clean"/>
-              </a:rPr>
-              <a:t>雲端支援活動 - AEM</a:t>
+              <a:rPr lang="en-US" sz="1400" b="1" spc="-10">
+                <a:solidFill>
+                  <a:srgbClr val="020302"/>
+                </a:solidFill>
+                <a:latin typeface="Adobe Clean"/>
+                <a:cs typeface="Adobe Clean"/>
+              </a:rPr>
+              <a:t>Cloud Support Activities - AEM</a:t>
             </a:r>
             <a:endParaRPr lang="en-US" sz="1400">
               <a:latin typeface="Adobe Clean"/>
@@ -10070,7 +12275,7 @@
       </p:sp>
       <p:pic>
         <p:nvPicPr>
-          <p:cNvPr id="9" name="Graphic 8" descr="同步雲端大綱">
+          <p:cNvPr id="9" name="Graphic 8" descr="Syncing cloud outline">
             <a:extLst>
               <a:ext uri="{FF2B5EF4-FFF2-40B4-BE49-F238E27FC236}">
                 <a16:creationId xmlns:a16="http://schemas.microsoft.com/office/drawing/2014/main" id="{ABD4F6D3-5974-B843-8E65-3F7D52C02A1E}"/>
@@ -10109,7 +12314,7 @@
       </p:pic>
       <p:pic>
         <p:nvPicPr>
-          <p:cNvPr id="67" name="Graphic 66" descr="揚聲器大綱">
+          <p:cNvPr id="67" name="Graphic 66" descr="Speaker phone outline">
             <a:extLst>
               <a:ext uri="{FF2B5EF4-FFF2-40B4-BE49-F238E27FC236}">
                 <a16:creationId xmlns:a16="http://schemas.microsoft.com/office/drawing/2014/main" id="{9CF25698-88B0-EB4D-88EB-74AEDE37DB92}"/>
@@ -10148,7 +12353,7 @@
       </p:pic>
       <p:pic>
         <p:nvPicPr>
-          <p:cNvPr id="70" name="Graphic 69" descr="遠端學習語言大綱">
+          <p:cNvPr id="70" name="Graphic 69" descr="Remote learning language outline">
             <a:extLst>
               <a:ext uri="{FF2B5EF4-FFF2-40B4-BE49-F238E27FC236}">
                 <a16:creationId xmlns:a16="http://schemas.microsoft.com/office/drawing/2014/main" id="{AAC2DE22-688A-D04D-BBF0-41B971602471}"/>
@@ -10187,7 +12392,7 @@
       </p:pic>
       <p:pic>
         <p:nvPicPr>
-          <p:cNvPr id="72" name="Graphic 71" descr="客戶審查大綱">
+          <p:cNvPr id="72" name="Graphic 71" descr="Customer review outline">
             <a:extLst>
               <a:ext uri="{FF2B5EF4-FFF2-40B4-BE49-F238E27FC236}">
                 <a16:creationId xmlns:a16="http://schemas.microsoft.com/office/drawing/2014/main" id="{21B3E732-0813-BE43-B793-4BD9034C6B18}"/>
@@ -10226,7 +12431,7 @@
       </p:pic>
       <p:pic>
         <p:nvPicPr>
-          <p:cNvPr id="73" name="Graphic 72" descr="路標大綱">
+          <p:cNvPr id="73" name="Graphic 72" descr="Signpost outline">
             <a:extLst>
               <a:ext uri="{FF2B5EF4-FFF2-40B4-BE49-F238E27FC236}">
                 <a16:creationId xmlns:a16="http://schemas.microsoft.com/office/drawing/2014/main" id="{1F982738-B503-9740-BDCB-05ED93867DE3}"/>
@@ -10265,7 +12470,7 @@
       </p:pic>
       <p:pic>
         <p:nvPicPr>
-          <p:cNvPr id="76" name="Graphic 75" descr="網際網路大綱">
+          <p:cNvPr id="76" name="Graphic 75" descr="Internet outline">
             <a:extLst>
               <a:ext uri="{FF2B5EF4-FFF2-40B4-BE49-F238E27FC236}">
                 <a16:creationId xmlns:a16="http://schemas.microsoft.com/office/drawing/2014/main" id="{F6C8836B-077B-BC4F-9C12-02BE56023684}"/>
@@ -10304,7 +12509,7 @@
       </p:pic>
       <p:pic>
         <p:nvPicPr>
-          <p:cNvPr id="77" name="Graphic 76" descr="聊天泡泡大綱">
+          <p:cNvPr id="77" name="Graphic 76" descr="Chat bubble outline">
             <a:extLst>
               <a:ext uri="{FF2B5EF4-FFF2-40B4-BE49-F238E27FC236}">
                 <a16:creationId xmlns:a16="http://schemas.microsoft.com/office/drawing/2014/main" id="{B6F9981D-CBCE-514B-8F7F-0F0CAFEDBE44}"/>
@@ -10343,7 +12548,7 @@
       </p:pic>
       <p:pic>
         <p:nvPicPr>
-          <p:cNvPr id="78" name="Graphic 77" descr="Playbook 大綱">
+          <p:cNvPr id="78" name="Graphic 77" descr="Playbook outline">
             <a:extLst>
               <a:ext uri="{FF2B5EF4-FFF2-40B4-BE49-F238E27FC236}">
                 <a16:creationId xmlns:a16="http://schemas.microsoft.com/office/drawing/2014/main" id="{C027C0A6-1CBA-8A4F-819C-F6A9FD0038FD}"/>
@@ -10490,133 +12695,6 @@
           </a:p>
         </p:txBody>
       </p:sp>
-      <p:grpSp>
-        <p:nvGrpSpPr>
-          <p:cNvPr id="62" name="object 3">
-            <a:extLst>
-              <a:ext uri="{FF2B5EF4-FFF2-40B4-BE49-F238E27FC236}">
-                <a16:creationId xmlns:a16="http://schemas.microsoft.com/office/drawing/2014/main" id="{C539739D-1D3E-204D-9819-C44D9AE36DE8}"/>
-              </a:ext>
-            </a:extLst>
-          </p:cNvPr>
-          <p:cNvGrpSpPr/>
-          <p:nvPr/>
-        </p:nvGrpSpPr>
-        <p:grpSpPr>
-          <a:xfrm rot="5400000">
-            <a:off x="1134964" y="-868526"/>
-            <a:ext cx="5661921" cy="7931849"/>
-            <a:chOff x="-247019" y="421767"/>
-            <a:chExt cx="3875281" cy="7641336"/>
-          </a:xfrm>
-        </p:grpSpPr>
-        <p:sp>
-          <p:nvSpPr>
-            <p:cNvPr id="63" name="object 4">
-              <a:extLst>
-                <a:ext uri="{FF2B5EF4-FFF2-40B4-BE49-F238E27FC236}">
-                  <a16:creationId xmlns:a16="http://schemas.microsoft.com/office/drawing/2014/main" id="{F41DD51E-EC9C-7B44-BE42-FA9C42B94675}"/>
-                </a:ext>
-              </a:extLst>
-            </p:cNvPr>
-            <p:cNvSpPr/>
-            <p:nvPr/>
-          </p:nvSpPr>
-          <p:spPr>
-            <a:xfrm>
-              <a:off x="3628262" y="576453"/>
-              <a:ext cx="0" cy="7486650"/>
-            </a:xfrm>
-            <a:custGeom>
-              <a:avLst/>
-              <a:gdLst/>
-              <a:ahLst/>
-              <a:cxnLst/>
-              <a:rect l="l" t="t" r="r" b="b"/>
-              <a:pathLst>
-                <a:path h="7486650">
-                  <a:moveTo>
-                    <a:pt x="0" y="0"/>
-                  </a:moveTo>
-                  <a:lnTo>
-                    <a:pt x="0" y="7486408"/>
-                  </a:lnTo>
-                </a:path>
-              </a:pathLst>
-            </a:custGeom>
-            <a:ln w="61722">
-              <a:solidFill>
-                <a:srgbClr val="EAEAEB"/>
-              </a:solidFill>
-            </a:ln>
-          </p:spPr>
-          <p:txBody>
-            <a:bodyPr wrap="square" lIns="0" tIns="0" rIns="0" bIns="0" rtlCol="0"/>
-            <a:lstStyle/>
-            <a:p>
-              <a:endParaRPr/>
-            </a:p>
-          </p:txBody>
-        </p:sp>
-        <p:sp>
-          <p:nvSpPr>
-            <p:cNvPr id="64" name="object 5">
-              <a:extLst>
-                <a:ext uri="{FF2B5EF4-FFF2-40B4-BE49-F238E27FC236}">
-                  <a16:creationId xmlns:a16="http://schemas.microsoft.com/office/drawing/2014/main" id="{6E97A2E1-56BC-2B46-9873-F675D66FF621}"/>
-                </a:ext>
-              </a:extLst>
-            </p:cNvPr>
-            <p:cNvSpPr/>
-            <p:nvPr/>
-          </p:nvSpPr>
-          <p:spPr>
-            <a:xfrm>
-              <a:off x="-247019" y="421767"/>
-              <a:ext cx="3844040" cy="7600950"/>
-            </a:xfrm>
-            <a:custGeom>
-              <a:avLst/>
-              <a:gdLst/>
-              <a:ahLst/>
-              <a:cxnLst/>
-              <a:rect l="l" t="t" r="r" b="b"/>
-              <a:pathLst>
-                <a:path w="3409950" h="7600950">
-                  <a:moveTo>
-                    <a:pt x="0" y="7600569"/>
-                  </a:moveTo>
-                  <a:lnTo>
-                    <a:pt x="3409492" y="7600569"/>
-                  </a:lnTo>
-                  <a:lnTo>
-                    <a:pt x="3409492" y="0"/>
-                  </a:lnTo>
-                  <a:lnTo>
-                    <a:pt x="0" y="0"/>
-                  </a:lnTo>
-                  <a:lnTo>
-                    <a:pt x="0" y="7600569"/>
-                  </a:lnTo>
-                  <a:close/>
-                </a:path>
-              </a:pathLst>
-            </a:custGeom>
-            <a:ln w="12954">
-              <a:solidFill>
-                <a:srgbClr val="EBEBEB"/>
-              </a:solidFill>
-            </a:ln>
-          </p:spPr>
-          <p:txBody>
-            <a:bodyPr wrap="square" lIns="0" tIns="0" rIns="0" bIns="0" rtlCol="0"/>
-            <a:lstStyle/>
-            <a:p>
-              <a:endParaRPr/>
-            </a:p>
-          </p:txBody>
-        </p:sp>
-      </p:grpSp>
     </p:spTree>
     <p:extLst>
       <p:ext uri="{BB962C8B-B14F-4D97-AF65-F5344CB8AC3E}">
@@ -10895,37 +12973,47 @@
               </a:lnSpc>
             </a:pPr>
             <a:r>
-              <a:rPr lang="de-de" sz="800" spc="-10">
+              <a:rPr sz="800" spc="-10">
                 <a:solidFill>
                   <a:srgbClr val="6D6D6D"/>
                 </a:solidFill>
                 <a:latin typeface="Adobe Clean"/>
                 <a:cs typeface="Adobe Clean"/>
               </a:rPr>
-              <a:t>©2021</a:t>
-            </a:r>
-            <a:r>
-              <a:rPr lang="de-de" sz="800" spc="-5">
+              <a:t>©202</a:t>
+            </a:r>
+            <a:r>
+              <a:rPr lang="en-US" sz="800" spc="-10">
                 <a:solidFill>
                   <a:srgbClr val="6D6D6D"/>
                 </a:solidFill>
                 <a:latin typeface="Adobe Clean"/>
                 <a:cs typeface="Adobe Clean"/>
               </a:rPr>
-              <a:t> Adobe。All</a:t>
-            </a:r>
-            <a:r>
-              <a:rPr lang="de-de" sz="800" spc="-15">
+              <a:t>1</a:t>
+            </a:r>
+            <a:r>
+              <a:rPr sz="800" spc="-5">
                 <a:solidFill>
                   <a:srgbClr val="6D6D6D"/>
                 </a:solidFill>
                 <a:latin typeface="Adobe Clean"/>
                 <a:cs typeface="Adobe Clean"/>
               </a:rPr>
+              <a:t> Adobe. All</a:t>
+            </a:r>
+            <a:r>
+              <a:rPr sz="800" spc="-15">
+                <a:solidFill>
+                  <a:srgbClr val="6D6D6D"/>
+                </a:solidFill>
+                <a:latin typeface="Adobe Clean"/>
+                <a:cs typeface="Adobe Clean"/>
+              </a:rPr>
               <a:t> </a:t>
             </a:r>
             <a:r>
-              <a:rPr lang="de-de" sz="800" spc="-10">
+              <a:rPr sz="800" spc="-10">
                 <a:solidFill>
                   <a:srgbClr val="6D6D6D"/>
                 </a:solidFill>
@@ -10935,7 +13023,7 @@
               <a:t>Rights</a:t>
             </a:r>
             <a:r>
-              <a:rPr lang="de-de" sz="800" spc="-5">
+              <a:rPr sz="800" spc="-5">
                 <a:solidFill>
                   <a:srgbClr val="6D6D6D"/>
                 </a:solidFill>
@@ -10945,27 +13033,27 @@
               <a:t> </a:t>
             </a:r>
             <a:r>
-              <a:rPr lang="de-de" sz="800" spc="-10">
+              <a:rPr sz="800" spc="-10">
                 <a:solidFill>
                   <a:srgbClr val="6D6D6D"/>
                 </a:solidFill>
                 <a:latin typeface="Adobe Clean"/>
                 <a:cs typeface="Adobe Clean"/>
               </a:rPr>
-              <a:t>Reserved。</a:t>
-            </a:r>
-            <a:r>
-              <a:rPr lang="de-de" sz="800" spc="-5">
+              <a:t>Reserved.</a:t>
+            </a:r>
+            <a:r>
+              <a:rPr sz="800" spc="-5">
                 <a:solidFill>
                   <a:srgbClr val="6D6D6D"/>
                 </a:solidFill>
                 <a:latin typeface="Adobe Clean"/>
                 <a:cs typeface="Adobe Clean"/>
               </a:rPr>
-              <a:t>Adobe</a:t>
-            </a:r>
-            <a:r>
-              <a:rPr lang="de-de" sz="800" spc="75">
+              <a:t> Adobe</a:t>
+            </a:r>
+            <a:r>
+              <a:rPr sz="800" spc="75">
                 <a:solidFill>
                   <a:srgbClr val="6D6D6D"/>
                 </a:solidFill>
@@ -10975,14 +13063,14 @@
               <a:t> </a:t>
             </a:r>
             <a:r>
-              <a:rPr lang="de-de" sz="800" spc="-10">
+              <a:rPr sz="800" spc="-10">
                 <a:solidFill>
                   <a:srgbClr val="6D6D6D"/>
                 </a:solidFill>
                 <a:latin typeface="Adobe Clean"/>
                 <a:cs typeface="Adobe Clean"/>
               </a:rPr>
-              <a:t>機密資訊。</a:t>
+              <a:t>Confidential.</a:t>
             </a:r>
             <a:endParaRPr sz="800">
               <a:latin typeface="Adobe Clean"/>
@@ -11041,7 +13129,7 @@
         </p:nvSpPr>
         <p:spPr>
           <a:xfrm>
-            <a:off x="4440314" y="589788"/>
+            <a:off x="4843270" y="589788"/>
             <a:ext cx="2588260" cy="228268"/>
           </a:xfrm>
           <a:prstGeom prst="rect">
@@ -11049,31 +13137,58 @@
           </a:prstGeom>
         </p:spPr>
         <p:txBody>
-          <a:bodyPr vert="horz" wrap="square" lIns="0" tIns="12700" rIns="0" bIns="0" rtlCol="0">
+          <a:bodyPr vert="horz" wrap="square" lIns="0" tIns="12700" rIns="0" bIns="0" rtlCol="0" anchor="t">
             <a:spAutoFit/>
           </a:bodyPr>
           <a:lstStyle/>
           <a:p>
-            <a:pPr marL="12700" algn="ctr">
-              <a:lnSpc>
-                <a:spcPct val="100000"/>
-              </a:lnSpc>
+            <a:pPr marL="12700">
               <a:spcBef>
                 <a:spcPts val="100"/>
               </a:spcBef>
             </a:pPr>
             <a:r>
-              <a:rPr lang="de-de" sz="1400" b="1" spc="-25" dirty="0" err="1">
-                <a:solidFill>
-                  <a:srgbClr val="020302"/>
-                </a:solidFill>
-                <a:latin typeface="Adobe Clean"/>
-                <a:cs typeface="Adobe Clean"/>
-              </a:rPr>
-              <a:t>現場服務活動</a:t>
-            </a:r>
-            <a:r>
-              <a:rPr lang="de-de" sz="1400" b="1" spc="-190" dirty="0">
+              <a:rPr sz="1400" b="1" spc="-25" dirty="0">
+                <a:solidFill>
+                  <a:srgbClr val="020302"/>
+                </a:solidFill>
+                <a:latin typeface="Adobe Clean"/>
+                <a:cs typeface="Adobe Clean"/>
+              </a:rPr>
+              <a:t>Fi</a:t>
+            </a:r>
+            <a:r>
+              <a:rPr sz="1400" b="1" spc="-30" dirty="0">
+                <a:solidFill>
+                  <a:srgbClr val="020302"/>
+                </a:solidFill>
+                <a:latin typeface="Adobe Clean"/>
+                <a:cs typeface="Adobe Clean"/>
+              </a:rPr>
+              <a:t>e</a:t>
+            </a:r>
+            <a:r>
+              <a:rPr sz="1400" b="1" spc="-25" dirty="0">
+                <a:solidFill>
+                  <a:srgbClr val="020302"/>
+                </a:solidFill>
+                <a:latin typeface="Adobe Clean"/>
+                <a:cs typeface="Adobe Clean"/>
+              </a:rPr>
+              <a:t>l</a:t>
+            </a:r>
+            <a:r>
+              <a:rPr sz="1400" b="1" dirty="0">
+                <a:solidFill>
+                  <a:srgbClr val="020302"/>
+                </a:solidFill>
+                <a:latin typeface="Adobe Clean"/>
+                <a:cs typeface="Adobe Clean"/>
+              </a:rPr>
+              <a:t>d</a:t>
+            </a:r>
+            <a:r>
+              <a:rPr sz="1400" b="1" spc="-45" dirty="0">
                 <a:solidFill>
                   <a:srgbClr val="020302"/>
                 </a:solidFill>
@@ -11081,6 +13196,126 @@
                 <a:cs typeface="Adobe Clean"/>
               </a:rPr>
               <a:t> </a:t>
+            </a:r>
+            <a:r>
+              <a:rPr sz="1400" b="1" spc="20" dirty="0">
+                <a:solidFill>
+                  <a:srgbClr val="020302"/>
+                </a:solidFill>
+                <a:latin typeface="Adobe Clean"/>
+                <a:cs typeface="Adobe Clean"/>
+              </a:rPr>
+              <a:t>S</a:t>
+            </a:r>
+            <a:r>
+              <a:rPr sz="1400" b="1" spc="10" dirty="0">
+                <a:solidFill>
+                  <a:srgbClr val="020302"/>
+                </a:solidFill>
+                <a:latin typeface="Adobe Clean"/>
+                <a:cs typeface="Adobe Clean"/>
+              </a:rPr>
+              <a:t>e</a:t>
+            </a:r>
+            <a:r>
+              <a:rPr sz="1400" b="1" spc="15" dirty="0">
+                <a:solidFill>
+                  <a:srgbClr val="020302"/>
+                </a:solidFill>
+                <a:latin typeface="Adobe Clean"/>
+                <a:cs typeface="Adobe Clean"/>
+              </a:rPr>
+              <a:t>rvi</a:t>
+            </a:r>
+            <a:r>
+              <a:rPr sz="1400" b="1" spc="10" dirty="0">
+                <a:solidFill>
+                  <a:srgbClr val="020302"/>
+                </a:solidFill>
+                <a:latin typeface="Adobe Clean"/>
+                <a:cs typeface="Adobe Clean"/>
+              </a:rPr>
+              <a:t>c</a:t>
+            </a:r>
+            <a:r>
+              <a:rPr sz="1400" b="1" dirty="0">
+                <a:solidFill>
+                  <a:srgbClr val="020302"/>
+                </a:solidFill>
+                <a:latin typeface="Adobe Clean"/>
+                <a:cs typeface="Adobe Clean"/>
+              </a:rPr>
+              <a:t>e</a:t>
+            </a:r>
+            <a:r>
+              <a:rPr lang="en-US" sz="1400" b="1" dirty="0">
+                <a:solidFill>
+                  <a:srgbClr val="020302"/>
+                </a:solidFill>
+                <a:latin typeface="Adobe Clean"/>
+                <a:cs typeface="Adobe Clean"/>
+              </a:rPr>
+              <a:t> </a:t>
+            </a:r>
+            <a:r>
+              <a:rPr sz="1400" b="1" spc="5" dirty="0">
+                <a:solidFill>
+                  <a:srgbClr val="020302"/>
+                </a:solidFill>
+                <a:latin typeface="Adobe Clean"/>
+                <a:cs typeface="Adobe Clean"/>
+              </a:rPr>
+              <a:t>A</a:t>
+            </a:r>
+            <a:r>
+              <a:rPr sz="1400" b="1" dirty="0">
+                <a:solidFill>
+                  <a:srgbClr val="020302"/>
+                </a:solidFill>
+                <a:latin typeface="Adobe Clean"/>
+                <a:cs typeface="Adobe Clean"/>
+              </a:rPr>
+              <a:t>ct</a:t>
+            </a:r>
+            <a:r>
+              <a:rPr sz="1400" b="1" spc="5" dirty="0">
+                <a:solidFill>
+                  <a:srgbClr val="020302"/>
+                </a:solidFill>
+                <a:latin typeface="Adobe Clean"/>
+                <a:cs typeface="Adobe Clean"/>
+              </a:rPr>
+              <a:t>ivi</a:t>
+            </a:r>
+            <a:r>
+              <a:rPr sz="1400" b="1" dirty="0">
+                <a:solidFill>
+                  <a:srgbClr val="020302"/>
+                </a:solidFill>
+                <a:latin typeface="Adobe Clean"/>
+                <a:cs typeface="Adobe Clean"/>
+              </a:rPr>
+              <a:t>t</a:t>
+            </a:r>
+            <a:r>
+              <a:rPr sz="1400" b="1" spc="5" dirty="0">
+                <a:solidFill>
+                  <a:srgbClr val="020302"/>
+                </a:solidFill>
+                <a:latin typeface="Adobe Clean"/>
+                <a:cs typeface="Adobe Clean"/>
+              </a:rPr>
+              <a:t>i</a:t>
+            </a:r>
+            <a:r>
+              <a:rPr sz="1400" b="1" dirty="0">
+                <a:solidFill>
+                  <a:srgbClr val="020302"/>
+                </a:solidFill>
+                <a:latin typeface="Adobe Clean"/>
+                <a:cs typeface="Adobe Clean"/>
+              </a:rPr>
+              <a:t>es</a:t>
             </a:r>
             <a:endParaRPr sz="1400" dirty="0">
               <a:latin typeface="Adobe Clean"/>
@@ -11097,7 +13332,7 @@
         </p:nvSpPr>
         <p:spPr>
           <a:xfrm>
-            <a:off x="588933" y="589788"/>
+            <a:off x="914399" y="589788"/>
             <a:ext cx="1937004" cy="228268"/>
           </a:xfrm>
           <a:prstGeom prst="rect">
@@ -11110,7 +13345,7 @@
           </a:bodyPr>
           <a:lstStyle/>
           <a:p>
-            <a:pPr marL="12700" algn="ctr">
+            <a:pPr marL="12700">
               <a:lnSpc>
                 <a:spcPct val="100000"/>
               </a:lnSpc>
@@ -11119,16 +13354,96 @@
               </a:spcBef>
             </a:pPr>
             <a:r>
-              <a:rPr lang="de-de" sz="1400" b="1" spc="-20" dirty="0" err="1">
-                <a:solidFill>
-                  <a:srgbClr val="020302"/>
-                </a:solidFill>
-                <a:latin typeface="Adobe Clean"/>
-                <a:cs typeface="Adobe Clean"/>
-              </a:rPr>
-              <a:t>上市諮詢</a:t>
-            </a:r>
-            <a:endParaRPr sz="1400" dirty="0">
+              <a:rPr sz="1400" b="1" spc="-20">
+                <a:solidFill>
+                  <a:srgbClr val="020302"/>
+                </a:solidFill>
+                <a:latin typeface="Adobe Clean"/>
+                <a:cs typeface="Adobe Clean"/>
+              </a:rPr>
+              <a:t>L</a:t>
+            </a:r>
+            <a:r>
+              <a:rPr sz="1400" b="1" spc="-10">
+                <a:solidFill>
+                  <a:srgbClr val="020302"/>
+                </a:solidFill>
+                <a:latin typeface="Adobe Clean"/>
+                <a:cs typeface="Adobe Clean"/>
+              </a:rPr>
+              <a:t>a</a:t>
+            </a:r>
+            <a:r>
+              <a:rPr sz="1400" b="1" spc="-15">
+                <a:solidFill>
+                  <a:srgbClr val="020302"/>
+                </a:solidFill>
+                <a:latin typeface="Adobe Clean"/>
+                <a:cs typeface="Adobe Clean"/>
+              </a:rPr>
+              <a:t>un</a:t>
+            </a:r>
+            <a:r>
+              <a:rPr sz="1400" b="1" spc="-20">
+                <a:solidFill>
+                  <a:srgbClr val="020302"/>
+                </a:solidFill>
+                <a:latin typeface="Adobe Clean"/>
+                <a:cs typeface="Adobe Clean"/>
+              </a:rPr>
+              <a:t>c</a:t>
+            </a:r>
+            <a:r>
+              <a:rPr sz="1400" b="1">
+                <a:solidFill>
+                  <a:srgbClr val="020302"/>
+                </a:solidFill>
+                <a:latin typeface="Adobe Clean"/>
+                <a:cs typeface="Adobe Clean"/>
+              </a:rPr>
+              <a:t>h</a:t>
+            </a:r>
+            <a:r>
+              <a:rPr sz="1400" b="1" spc="-30">
+                <a:solidFill>
+                  <a:srgbClr val="020302"/>
+                </a:solidFill>
+                <a:latin typeface="Adobe Clean"/>
+                <a:cs typeface="Adobe Clean"/>
+              </a:rPr>
+              <a:t> </a:t>
+            </a:r>
+            <a:r>
+              <a:rPr sz="1400" b="1" spc="-10">
+                <a:solidFill>
+                  <a:srgbClr val="020302"/>
+                </a:solidFill>
+                <a:latin typeface="Adobe Clean"/>
+                <a:cs typeface="Adobe Clean"/>
+              </a:rPr>
+              <a:t>Advisor</a:t>
+            </a:r>
+            <a:r>
+              <a:rPr sz="1400" b="1">
+                <a:solidFill>
+                  <a:srgbClr val="020302"/>
+                </a:solidFill>
+                <a:latin typeface="Adobe Clean"/>
+                <a:cs typeface="Adobe Clean"/>
+              </a:rPr>
+              <a:t>y</a:t>
+            </a:r>
+            <a:r>
+              <a:rPr sz="1400" b="1" spc="-60">
+                <a:solidFill>
+                  <a:srgbClr val="020302"/>
+                </a:solidFill>
+                <a:latin typeface="Adobe Clean"/>
+                <a:cs typeface="Adobe Clean"/>
+              </a:rPr>
+              <a:t> </a:t>
+            </a:r>
+            <a:endParaRPr sz="1400">
               <a:latin typeface="Adobe Clean"/>
               <a:cs typeface="Adobe Clean"/>
             </a:endParaRPr>
@@ -11162,36 +13477,108 @@
               </a:spcBef>
             </a:pPr>
             <a:r>
-              <a:rPr lang="de-de" sz="1000">
+              <a:rPr lang="en-US" sz="1000">
                 <a:solidFill>
                   <a:srgbClr val="1F1F1F"/>
                 </a:solidFill>
                 <a:latin typeface="AdobeClean-Light"/>
                 <a:cs typeface="AdobeClean-Light"/>
               </a:rPr>
-              <a:t>對於正在實作新的</a:t>
-            </a:r>
-            <a:r>
-              <a:rPr lang="de-de" sz="1000" b="1">
+              <a:t>For customers </a:t>
+            </a:r>
+            <a:r>
+              <a:rPr sz="1000">
                 <a:solidFill>
                   <a:srgbClr val="1F1F1F"/>
                 </a:solidFill>
-                <a:latin typeface="Adobe Clean"/>
-                <a:cs typeface="Adobe Clean"/>
-              </a:rPr>
-              <a:t> Adobe Experience Cloud 解決方案的客戶，</a:t>
-            </a:r>
-            <a:r>
-              <a:rPr lang="de-de" sz="1000" b="1">
+                <a:latin typeface="AdobeClean-Light"/>
+                <a:cs typeface="AdobeClean-Light"/>
+              </a:rPr>
+              <a:t>implementing a </a:t>
+            </a:r>
+            <a:r>
+              <a:rPr sz="1000" b="1">
+                <a:solidFill>
+                  <a:srgbClr val="1F1F1F"/>
+                </a:solidFill>
+                <a:latin typeface="Adobe Clean"/>
+                <a:cs typeface="Adobe Clean"/>
+              </a:rPr>
+              <a:t>new Adobe Experience Cloud solution</a:t>
+            </a:r>
+            <a:r>
+              <a:rPr lang="en-US" sz="1000" b="1">
+                <a:solidFill>
+                  <a:srgbClr val="1F1F1F"/>
+                </a:solidFill>
+                <a:latin typeface="Adobe Clean"/>
+                <a:cs typeface="Adobe Clean"/>
+              </a:rPr>
+              <a:t>, </a:t>
+            </a:r>
+            <a:r>
+              <a:rPr lang="en-US" sz="1000">
                 <a:latin typeface="Adobe Clean Light" charset="0"/>
-              </a:rPr>
-              <a:t>上市諮詢服務是一組核心諮詢服務與建議，這些服務與建議已被證明可支援成功部署及加快實現價值</a:t>
-            </a:r>
-            <a:r>
-              <a:rPr lang="de-de" sz="1000">
+                <a:ea typeface="Adobe Clean Light" charset="0"/>
+                <a:cs typeface="Adobe Clean Light" charset="0"/>
+              </a:rPr>
+              <a:t>Launch Advisory </a:t>
+            </a:r>
+            <a:r>
+              <a:rPr lang="en-US" sz="1000">
+                <a:solidFill>
+                  <a:srgbClr val="000000"/>
+                </a:solidFill>
+                <a:latin typeface="Adobe Clean SemiLight" panose="020B0403020404020204" pitchFamily="34" charset="0"/>
+              </a:rPr>
+              <a:t>is a </a:t>
+            </a:r>
+            <a:r>
+              <a:rPr lang="en-US" sz="1000" b="1">
+                <a:solidFill>
+                  <a:srgbClr val="000000"/>
+                </a:solidFill>
+                <a:latin typeface="Adobe Clean SemiLight" panose="020B0403020404020204" pitchFamily="34" charset="0"/>
+              </a:rPr>
+              <a:t>core set of advisory services </a:t>
+            </a:r>
+            <a:r>
+              <a:rPr lang="en-US" sz="1000">
                 <a:latin typeface="Adobe Clean Light" charset="0"/>
-              </a:rPr>
-              <a:t>。</a:t>
+                <a:ea typeface="Adobe Clean Light" charset="0"/>
+                <a:cs typeface="Adobe Clean Light" charset="0"/>
+              </a:rPr>
+              <a:t>and recommendations that </a:t>
+            </a:r>
+            <a:r>
+              <a:rPr lang="en-US" sz="1000">
+                <a:latin typeface="Adobe Clean Light" charset="0"/>
+              </a:rPr>
+              <a:t>are proven to </a:t>
+            </a:r>
+            <a:r>
+              <a:rPr lang="en-US" sz="1000" b="1">
+                <a:latin typeface="Adobe Clean Light" charset="0"/>
+              </a:rPr>
+              <a:t>support successful deployments </a:t>
+            </a:r>
+            <a:r>
+              <a:rPr lang="en-US" sz="1000">
+                <a:latin typeface="Adobe Clean Light" charset="0"/>
+              </a:rPr>
+              <a:t>and </a:t>
+            </a:r>
+            <a:r>
+              <a:rPr lang="en-US" sz="1000" b="1">
+                <a:latin typeface="Adobe Clean Light" charset="0"/>
+              </a:rPr>
+              <a:t>accelerate time-to-value</a:t>
+            </a:r>
+            <a:r>
+              <a:rPr lang="en-US" sz="1000">
+                <a:latin typeface="Adobe Clean Light" charset="0"/>
+              </a:rPr>
+              <a:t>.</a:t>
             </a:r>
           </a:p>
         </p:txBody>
@@ -11250,58 +13637,67 @@
               </a:spcBef>
             </a:pPr>
             <a:r>
-              <a:rPr lang="de-de" sz="1000">
+              <a:rPr lang="en-US" sz="1000">
                 <a:solidFill>
                   <a:srgbClr val="4B4B4B"/>
                 </a:solidFill>
                 <a:latin typeface="Adobe Clean Light" panose="020B0303020404020204" pitchFamily="34" charset="0"/>
               </a:rPr>
-              <a:t>現場服務是用於</a:t>
-            </a:r>
-            <a:r>
-              <a:rPr lang="de-de" sz="1000" b="1">
+              <a:t>Field Services are used for </a:t>
+            </a:r>
+            <a:r>
+              <a:rPr lang="en-US" sz="1000" b="1">
                 <a:solidFill>
                   <a:srgbClr val="4B4B4B"/>
                 </a:solidFill>
                 <a:latin typeface="Adobe Clean" panose="020B0503020404020204" pitchFamily="34" charset="0"/>
               </a:rPr>
-              <a:t>快速解決問題</a:t>
-            </a:r>
-            <a:r>
-              <a:rPr lang="de-de" sz="1000">
+              <a:t>quick resolution</a:t>
+            </a:r>
+            <a:r>
+              <a:rPr lang="en-US" sz="1000">
                 <a:solidFill>
                   <a:srgbClr val="4B4B4B"/>
                 </a:solidFill>
                 <a:latin typeface="Adobe Clean Light" panose="020B0303020404020204" pitchFamily="34" charset="0"/>
               </a:rPr>
-              <a:t>，聚焦於客戶成功及加快</a:t>
-            </a:r>
-            <a:r>
-              <a:rPr lang="de-de" sz="1000" b="1">
+              <a:t>, focused customer success and accelerated</a:t>
+            </a:r>
+            <a:r>
+              <a:rPr lang="en-US" sz="1000" b="1">
                 <a:solidFill>
                   <a:srgbClr val="4B4B4B"/>
                 </a:solidFill>
                 <a:latin typeface="Adobe Clean" panose="020B0503020404020204" pitchFamily="34" charset="0"/>
               </a:rPr>
-              <a:t>價值實現</a:t>
-            </a:r>
-            <a:r>
-              <a:rPr lang="de-de" sz="1000">
+              <a:t> time-to-value</a:t>
+            </a:r>
+            <a:r>
+              <a:rPr lang="en-US" sz="1000">
                 <a:solidFill>
                   <a:srgbClr val="4B4B4B"/>
                 </a:solidFill>
                 <a:latin typeface="Adobe Clean Light" panose="020B0303020404020204" pitchFamily="34" charset="0"/>
               </a:rPr>
-              <a:t>。對於 Adobe 支援合約涵蓋的任何解決方案產品而言，</a:t>
-            </a:r>
-            <a:r>
-              <a:rPr lang="de-de" sz="1000" b="1">
+              <a:t>. If Launch advisory is active there will be </a:t>
+            </a:r>
+            <a:r>
+              <a:rPr lang="en-US" sz="1000" b="1">
                 <a:solidFill>
                   <a:srgbClr val="4B4B4B"/>
                 </a:solidFill>
                 <a:latin typeface="Adobe Clean" panose="020B0503020404020204" pitchFamily="34" charset="0"/>
               </a:rPr>
-              <a:t>如果上市諮詢服務作用中，第 1 年將不會有現場服務。</a:t>
+              <a:t>no Field Services in year 1 </a:t>
+            </a:r>
+            <a:r>
+              <a:rPr lang="en-US" sz="1000">
+                <a:solidFill>
+                  <a:srgbClr val="4B4B4B"/>
+                </a:solidFill>
+                <a:latin typeface="Adobe Clean Light" panose="020B0303020404020204" pitchFamily="34" charset="0"/>
+              </a:rPr>
+              <a:t>for any solution product covered by an Adobe Support contract. </a:t>
             </a:r>
             <a:endParaRPr lang="en-US" sz="1000">
               <a:solidFill>
@@ -11504,52 +13900,37 @@
               </a:spcBef>
             </a:pPr>
             <a:r>
-              <a:rPr lang="de-de" sz="1000" dirty="0">
+              <a:rPr lang="en-US" sz="1000">
                 <a:latin typeface="Adobe Clean Light" charset="0"/>
               </a:rPr>
-              <a:t>Adobe </a:t>
-            </a:r>
-            <a:r>
-              <a:rPr lang="de-de" sz="1000" dirty="0" err="1">
-                <a:latin typeface="Adobe Clean Light" charset="0"/>
-              </a:rPr>
-              <a:t>解決方案專家可向客戶</a:t>
-            </a:r>
-            <a:r>
-              <a:rPr lang="de-de" sz="1000" dirty="0" err="1">
+              <a:t>Adobe solution experts help validate requirements, architecture, development process, and launch readiness reviews </a:t>
+            </a:r>
+            <a:r>
+              <a:rPr lang="en-US" sz="1000">
                 <a:solidFill>
                   <a:srgbClr val="000000"/>
                 </a:solidFill>
                 <a:latin typeface="Adobe Clean SemiLight" panose="020B0403020404020204" pitchFamily="34" charset="0"/>
               </a:rPr>
-              <a:t>和實作</a:t>
-            </a:r>
-            <a:r>
-              <a:rPr lang="de-de" sz="1000" b="1" dirty="0" err="1">
+              <a:t>with </a:t>
+            </a:r>
+            <a:r>
+              <a:rPr lang="en-US" sz="1000" b="1">
                 <a:solidFill>
                   <a:srgbClr val="000000"/>
                 </a:solidFill>
                 <a:latin typeface="Adobe Clean SemiLight" panose="020B0403020404020204" pitchFamily="34" charset="0"/>
               </a:rPr>
-              <a:t>合作夥伴</a:t>
-            </a:r>
-            <a:r>
-              <a:rPr lang="de-de" sz="1000" dirty="0" err="1">
+              <a:t>best practice-based guidance </a:t>
+            </a:r>
+            <a:r>
+              <a:rPr lang="en-US" sz="1000">
                 <a:solidFill>
                   <a:srgbClr val="000000"/>
                 </a:solidFill>
                 <a:latin typeface="Adobe Clean SemiLight" panose="020B0403020404020204" pitchFamily="34" charset="0"/>
               </a:rPr>
-              <a:t>提供以最佳實務為根據的指引，以協助驗證需求、架構、開發流程和上市整備情況審查</a:t>
-            </a:r>
-            <a:r>
-              <a:rPr lang="de-de" sz="1000" dirty="0">
-                <a:solidFill>
-                  <a:srgbClr val="000000"/>
-                </a:solidFill>
-                <a:latin typeface="Adobe Clean SemiLight" panose="020B0403020404020204" pitchFamily="34" charset="0"/>
-              </a:rPr>
-              <a:t>。</a:t>
+              <a:t>to customers and implementation partners.</a:t>
             </a:r>
           </a:p>
           <a:p>
@@ -11558,7 +13939,7 @@
                 <a:spcPts val="100"/>
               </a:spcBef>
             </a:pPr>
-            <a:endParaRPr lang="en-US" sz="1000" dirty="0">
+            <a:endParaRPr lang="en-US" sz="1000">
               <a:solidFill>
                 <a:srgbClr val="1F1F1F"/>
               </a:solidFill>
@@ -11573,40 +13954,22 @@
               </a:spcBef>
             </a:pPr>
             <a:r>
-              <a:rPr lang="de-de" sz="1000" dirty="0" err="1">
+              <a:rPr lang="en-US" sz="1000">
                 <a:latin typeface="Adobe Clean Light" charset="0"/>
               </a:rPr>
-              <a:t>上市諮詢服務將透過常見的里程碑</a:t>
-            </a:r>
-            <a:r>
-              <a:rPr lang="de-de" sz="1000" dirty="0">
+              <a:t>Launch Advisory will align with your project schedule through common milestones (</a:t>
+            </a:r>
+            <a:r>
+              <a:rPr lang="en-US" sz="1000" b="1">
                 <a:latin typeface="Adobe Clean Light" charset="0"/>
               </a:rPr>
-              <a:t> (</a:t>
-            </a:r>
-            <a:r>
-              <a:rPr lang="de-de" sz="1000" b="1" dirty="0" err="1">
+              <a:t>Kickoff, Define, Design, Go-live and Post Launch</a:t>
+            </a:r>
+            <a:r>
+              <a:rPr lang="en-US" sz="1000">
                 <a:latin typeface="Adobe Clean Light" charset="0"/>
               </a:rPr>
-              <a:t>開展、定義、設計、上線和上市後</a:t>
-            </a:r>
-            <a:r>
-              <a:rPr lang="de-de" sz="1000" dirty="0">
-                <a:latin typeface="Adobe Clean Light" charset="0"/>
-              </a:rPr>
-              <a:t>) </a:t>
-            </a:r>
-            <a:r>
-              <a:rPr lang="de-de" sz="1000" dirty="0" err="1">
-                <a:latin typeface="Adobe Clean Light" charset="0"/>
-              </a:rPr>
-              <a:t>與您的專案時間表保持一致，以便指導、驗證、評估及提出建議</a:t>
-            </a:r>
-            <a:r>
-              <a:rPr lang="de-de" sz="1000" dirty="0">
-                <a:latin typeface="Adobe Clean Light" charset="0"/>
-              </a:rPr>
-              <a:t>。</a:t>
+              <a:t>) to guide, validate, assess and make recommendations.</a:t>
             </a:r>
           </a:p>
           <a:p>
@@ -11615,7 +13978,7 @@
                 <a:spcPts val="100"/>
               </a:spcBef>
             </a:pPr>
-            <a:endParaRPr lang="en-US" sz="1000" dirty="0">
+            <a:endParaRPr lang="en-US" sz="1000">
               <a:latin typeface="Adobe Clean Light" charset="0"/>
             </a:endParaRPr>
           </a:p>
@@ -11626,16 +13989,10 @@
               </a:spcBef>
             </a:pPr>
             <a:r>
-              <a:rPr lang="de-de" sz="1000" dirty="0" err="1">
+              <a:rPr lang="en-US" sz="1000">
                 <a:latin typeface="Adobe Clean Light" charset="0"/>
               </a:rPr>
-              <a:t>主要交付成果包括</a:t>
-            </a:r>
-            <a:r>
-              <a:rPr lang="de-de" sz="1000" dirty="0">
-                <a:latin typeface="Adobe Clean Light" charset="0"/>
-              </a:rPr>
-              <a:t>：</a:t>
+              <a:t>Key Deliverables include:</a:t>
             </a:r>
           </a:p>
           <a:p>
@@ -11647,26 +14004,9 @@
               <a:buChar char="•"/>
             </a:pPr>
             <a:r>
-              <a:rPr lang="de-de" sz="1000" dirty="0" err="1"/>
-              <a:t>專案啟動</a:t>
-            </a:r>
-            <a:r>
-              <a:rPr lang="de-de" sz="1000" dirty="0"/>
-              <a:t> (</a:t>
-            </a:r>
-            <a:r>
-              <a:rPr lang="de-de" sz="1000" dirty="0" err="1"/>
-              <a:t>包括專案共同作業計劃</a:t>
-            </a:r>
-            <a:r>
-              <a:rPr lang="de-de" sz="1000" dirty="0"/>
-              <a:t>) </a:t>
-            </a:r>
-            <a:r>
-              <a:rPr lang="de-de" sz="1000" dirty="0" err="1"/>
-              <a:t>投影片組</a:t>
-            </a:r>
-            <a:endParaRPr lang="de-de" sz="1000" dirty="0"/>
+              <a:rPr lang="en-US" sz="1000"/>
+              <a:t>Kickoff (including project collaboration plan) deck</a:t>
+            </a:r>
           </a:p>
           <a:p>
             <a:pPr marL="184150" marR="5080" indent="-171450">
@@ -11677,8 +14017,8 @@
               <a:buChar char="•"/>
             </a:pPr>
             <a:r>
-              <a:rPr lang="de-de" sz="1000"/>
-              <a:t>評估與建議文件</a:t>
+              <a:rPr lang="en-US" sz="1000"/>
+              <a:t>Assessment &amp; recommendations document(s)</a:t>
             </a:r>
           </a:p>
           <a:p>
@@ -11690,10 +14030,9 @@
               <a:buChar char="•"/>
             </a:pPr>
             <a:r>
-              <a:rPr lang="de-de" sz="1000" dirty="0" err="1"/>
-              <a:t>投入摘要</a:t>
-            </a:r>
-            <a:endParaRPr lang="de-de" sz="1000" dirty="0"/>
+              <a:rPr lang="en-US" sz="1000"/>
+              <a:t>Engagement summary</a:t>
+            </a:r>
           </a:p>
         </p:txBody>
       </p:sp>
@@ -11796,8 +14135,8 @@
           <a:p>
             <a:pPr algn="ctr"/>
             <a:r>
-              <a:rPr lang="de-de" sz="1600"/>
-              <a:t>執行與營運</a:t>
+              <a:rPr lang="en-US" sz="1600"/>
+              <a:t>Run &amp; Operate</a:t>
             </a:r>
           </a:p>
         </p:txBody>
@@ -11902,8 +14241,8 @@
           <a:p>
             <a:pPr algn="ctr"/>
             <a:r>
-              <a:rPr lang="de-de" sz="1600"/>
-              <a:t>實作</a:t>
+              <a:rPr lang="en-US" sz="1600"/>
+              <a:t>Implementation</a:t>
             </a:r>
           </a:p>
         </p:txBody>
@@ -11938,8 +14277,8 @@
           <a:p>
             <a:pPr algn="ctr"/>
             <a:r>
-              <a:rPr lang="de-de" sz="1100"/>
-              <a:t>上市後</a:t>
+              <a:rPr lang="en-US" sz="1100"/>
+              <a:t>Post Launch</a:t>
             </a:r>
           </a:p>
         </p:txBody>
@@ -12043,14 +14382,14 @@
         <p:spPr>
           <a:xfrm>
             <a:off x="3855907" y="4694431"/>
-            <a:ext cx="3525469" cy="2310889"/>
+            <a:ext cx="3525469" cy="2464777"/>
           </a:xfrm>
           <a:prstGeom prst="rect">
             <a:avLst/>
           </a:prstGeom>
         </p:spPr>
         <p:txBody>
-          <a:bodyPr wrap="square">
+          <a:bodyPr wrap="square" lIns="91440" tIns="45720" rIns="91440" bIns="45720" anchor="t">
             <a:spAutoFit/>
           </a:bodyPr>
           <a:lstStyle/>
@@ -12061,23 +14400,29 @@
               </a:spcBef>
             </a:pPr>
             <a:r>
-              <a:rPr lang="de-de" sz="1000" b="1">
+              <a:rPr lang="en-US" sz="1000" b="1" dirty="0">
                 <a:solidFill>
                   <a:srgbClr val="000000"/>
                 </a:solidFill>
                 <a:latin typeface="+mj-lt"/>
               </a:rPr>
-              <a:t>技術路徑活動可確保客戶擁有健全的技術，</a:t>
-            </a:r>
-            <a:r>
-              <a:rPr lang="de-de" sz="1000">
+              <a:t>Technical Track Activities </a:t>
+            </a:r>
+            <a:r>
+              <a:rPr lang="en-US" sz="1000" dirty="0">
                 <a:solidFill>
                   <a:srgbClr val="000000"/>
                 </a:solidFill>
-                <a:latin typeface="Adobe Clean Light" panose="020B0303020404020204" pitchFamily="34" charset="0"/>
-              </a:rPr>
-              <a:t>並且最大限度地採用他們的工具。具體而言，這些類型的活動包含與平台組態設定、整合和疑難排解有關的支援和建議</a:t>
-            </a:r>
+                <a:latin typeface="Adobe Clean Light"/>
+              </a:rPr>
+              <a:t>ensure customers are technically sound and maximizing their tool adoption. Specifically, these types of activities include support and recommendations related to platform configurations, integrations and troubleshooting.</a:t>
+            </a:r>
+            <a:endParaRPr lang="en-US" sz="1000" dirty="0">
+              <a:solidFill>
+                <a:srgbClr val="000000"/>
+              </a:solidFill>
+              <a:latin typeface="Adobe Clean Light" panose="020B0303020404020204" pitchFamily="34" charset="0"/>
+            </a:endParaRPr>
           </a:p>
           <a:p>
             <a:pPr marL="12700" marR="5080">
@@ -12096,10 +14441,10 @@
               </a:spcBef>
             </a:pPr>
             <a:r>
-              <a:rPr lang="de-de" sz="1000">
-                <a:latin typeface="Adobe Clean Light" charset="0"/>
-              </a:rPr>
-              <a:t>可用的技術活動類型：</a:t>
+              <a:rPr lang="en-US" sz="1000" dirty="0">
+                <a:latin typeface="Adobe Clean Light"/>
+              </a:rPr>
+              <a:t>Types of technical activities available::</a:t>
             </a:r>
           </a:p>
           <a:p>
@@ -12114,9 +14459,12 @@
               <a:buChar char="ü"/>
             </a:pPr>
             <a:r>
-              <a:rPr lang="de-de" sz="1000"/>
-              <a:t>健康稽核</a:t>
-            </a:r>
+              <a:rPr lang="en-US" sz="1000" dirty="0"/>
+              <a:t>Health audit</a:t>
+            </a:r>
+            <a:endParaRPr lang="en-US" sz="1000" dirty="0">
+              <a:cs typeface="Calibri"/>
+            </a:endParaRPr>
           </a:p>
           <a:p>
             <a:pPr marL="184150" marR="5080" indent="-171450">
@@ -12130,9 +14478,12 @@
               <a:buChar char="ü"/>
             </a:pPr>
             <a:r>
-              <a:rPr lang="de-de" sz="1000"/>
-              <a:t>平台稽核</a:t>
-            </a:r>
+              <a:rPr lang="en-US" sz="1000" dirty="0"/>
+              <a:t>Platform audit</a:t>
+            </a:r>
+            <a:endParaRPr lang="en-US" sz="1000" dirty="0">
+              <a:cs typeface="Calibri"/>
+            </a:endParaRPr>
           </a:p>
           <a:p>
             <a:pPr marL="184150" marR="5080" indent="-171450">
@@ -12146,9 +14497,12 @@
               <a:buChar char="ü"/>
             </a:pPr>
             <a:r>
-              <a:rPr lang="de-de" sz="1000"/>
-              <a:t>功能集啟用</a:t>
-            </a:r>
+              <a:rPr lang="en-US" sz="1000" dirty="0"/>
+              <a:t>Feature set enablement</a:t>
+            </a:r>
+            <a:endParaRPr lang="en-US" sz="1000" dirty="0">
+              <a:cs typeface="Calibri"/>
+            </a:endParaRPr>
           </a:p>
           <a:p>
             <a:pPr marL="184150" marR="5080" indent="-171450">
@@ -12162,9 +14516,12 @@
               <a:buChar char="ü"/>
             </a:pPr>
             <a:r>
-              <a:rPr lang="de-de" sz="1000"/>
-              <a:t>基本整合與組態設定</a:t>
-            </a:r>
+              <a:rPr lang="en-US" sz="1000" dirty="0"/>
+              <a:t>Basic integrations and configurations</a:t>
+            </a:r>
+            <a:endParaRPr lang="en-US" sz="1000" dirty="0">
+              <a:cs typeface="Calibri"/>
+            </a:endParaRPr>
           </a:p>
           <a:p>
             <a:pPr marL="184150" marR="5080" indent="-171450">
@@ -12178,9 +14535,12 @@
               <a:buChar char="ü"/>
             </a:pPr>
             <a:r>
-              <a:rPr lang="de-de" sz="1000"/>
-              <a:t>客戶解決方案疑難排解</a:t>
-            </a:r>
+              <a:rPr lang="en-US" sz="1000" dirty="0"/>
+              <a:t>Customer solution troubleshooting</a:t>
+            </a:r>
+            <a:endParaRPr lang="en-US" sz="1000" dirty="0">
+              <a:cs typeface="Calibri"/>
+            </a:endParaRPr>
           </a:p>
           <a:p>
             <a:pPr marL="184150" marR="5080" indent="-171450">
@@ -12194,9 +14554,12 @@
               <a:buChar char="ü"/>
             </a:pPr>
             <a:r>
-              <a:rPr lang="de-de" sz="1000"/>
-              <a:t>雲端服務支援</a:t>
-            </a:r>
+              <a:rPr lang="en-US" sz="1000" dirty="0"/>
+              <a:t>Cloud service support</a:t>
+            </a:r>
+            <a:endParaRPr lang="en-US" sz="1000" dirty="0">
+              <a:cs typeface="Calibri"/>
+            </a:endParaRPr>
           </a:p>
         </p:txBody>
       </p:sp>
@@ -12214,7 +14577,7 @@
         </p:nvSpPr>
         <p:spPr>
           <a:xfrm>
-            <a:off x="3851397" y="7048896"/>
+            <a:off x="3851397" y="7249456"/>
             <a:ext cx="3525469" cy="2054409"/>
           </a:xfrm>
           <a:prstGeom prst="rect">
@@ -12222,7 +14585,7 @@
           </a:prstGeom>
         </p:spPr>
         <p:txBody>
-          <a:bodyPr wrap="square">
+          <a:bodyPr wrap="square" lIns="91440" tIns="45720" rIns="91440" bIns="45720" anchor="t">
             <a:spAutoFit/>
           </a:bodyPr>
           <a:lstStyle/>
@@ -12233,22 +14596,22 @@
               </a:spcBef>
             </a:pPr>
             <a:r>
-              <a:rPr lang="de-de" sz="1000" b="1">
+              <a:rPr lang="en-US" sz="1000" b="1" dirty="0">
                 <a:solidFill>
                   <a:srgbClr val="000000"/>
                 </a:solidFill>
                 <a:latin typeface="+mj-lt"/>
               </a:rPr>
-              <a:t>策略路徑活動可尋找機會</a:t>
-            </a:r>
-            <a:r>
-              <a:rPr lang="de-de" sz="1000">
+              <a:t>Strategic Track Activities </a:t>
+            </a:r>
+            <a:r>
+              <a:rPr lang="en-US" sz="1000" dirty="0">
                 <a:solidFill>
                   <a:srgbClr val="000000"/>
                 </a:solidFill>
-                <a:latin typeface="Adobe Clean Light" panose="020B0303020404020204" pitchFamily="34" charset="0"/>
-              </a:rPr>
-              <a:t>，以確保可從客戶的 Adobe 解決方案實現價值。這類活動包括與策略、衡量和成熟度有關的支援建議，以推動一個或多個 Adobe 解決方案的價值實現。</a:t>
+                <a:latin typeface="Adobe Clean Light"/>
+              </a:rPr>
+              <a:t>locate opportunities to ensure value is being realized from a customer’s Adobe solutions. They include support recommendations related to strategy, measurement and maturity to drive value realization across one or more Adobe solutions.</a:t>
             </a:r>
           </a:p>
           <a:p>
@@ -12268,11 +14631,14 @@
               </a:spcBef>
             </a:pPr>
             <a:r>
-              <a:rPr lang="de-de" sz="1000">
-                <a:latin typeface="Adobe Clean Light" charset="0"/>
-              </a:rPr>
-              <a:t>可用的策略活動類型：</a:t>
-            </a:r>
+              <a:rPr lang="en-US" sz="1000" dirty="0">
+                <a:latin typeface="Adobe Clean Light"/>
+              </a:rPr>
+              <a:t>Types of strategic activities available:</a:t>
+            </a:r>
+            <a:endParaRPr lang="en-US" sz="1000" dirty="0">
+              <a:latin typeface="Adobe Clean Light" charset="0"/>
+            </a:endParaRPr>
           </a:p>
           <a:p>
             <a:pPr marL="241300" marR="5080" indent="-228600">
@@ -12286,9 +14652,12 @@
               <a:buChar char="ü"/>
             </a:pPr>
             <a:r>
-              <a:rPr lang="de-de" sz="1000"/>
-              <a:t>成熟度藍圖</a:t>
-            </a:r>
+              <a:rPr lang="en-US" sz="1000" dirty="0"/>
+              <a:t>Maturity Roadmap</a:t>
+            </a:r>
+            <a:endParaRPr lang="en-US" sz="1000" dirty="0">
+              <a:cs typeface="Calibri"/>
+            </a:endParaRPr>
           </a:p>
           <a:p>
             <a:pPr marL="241300" marR="5080" indent="-228600">
@@ -12302,9 +14671,12 @@
               <a:buChar char="ü"/>
             </a:pPr>
             <a:r>
-              <a:rPr lang="de-de" sz="1000"/>
-              <a:t>使用案例開發/衡量</a:t>
-            </a:r>
+              <a:rPr lang="en-US" sz="1000" dirty="0"/>
+              <a:t>Use case development/measurement</a:t>
+            </a:r>
+            <a:endParaRPr lang="en-US" sz="1000" dirty="0">
+              <a:cs typeface="Calibri"/>
+            </a:endParaRPr>
           </a:p>
           <a:p>
             <a:pPr marL="241300" marR="5080" indent="-228600">
@@ -12318,9 +14690,12 @@
               <a:buChar char="ü"/>
             </a:pPr>
             <a:r>
-              <a:rPr lang="de-de" sz="1000"/>
-              <a:t>報告與分析</a:t>
-            </a:r>
+              <a:rPr lang="en-US" sz="1000" dirty="0"/>
+              <a:t>Reporting &amp; analysis</a:t>
+            </a:r>
+            <a:endParaRPr lang="en-US" sz="1000" dirty="0">
+              <a:cs typeface="Calibri"/>
+            </a:endParaRPr>
           </a:p>
           <a:p>
             <a:pPr marL="241300" marR="5080" indent="-228600">
@@ -12334,9 +14709,12 @@
               <a:buChar char="ü"/>
             </a:pPr>
             <a:r>
-              <a:rPr lang="de-de" sz="1000"/>
-              <a:t>啟用最佳實務</a:t>
-            </a:r>
+              <a:rPr lang="en-US" sz="1000" dirty="0"/>
+              <a:t>Best practices enablement</a:t>
+            </a:r>
+            <a:endParaRPr lang="en-US" sz="1000" dirty="0">
+              <a:cs typeface="Calibri"/>
+            </a:endParaRPr>
           </a:p>
         </p:txBody>
       </p:sp>
@@ -12374,80 +14752,80 @@
               </a:spcBef>
             </a:pPr>
             <a:r>
-              <a:rPr lang="de-de" sz="1000">
+              <a:rPr lang="en-US" sz="1000">
                 <a:solidFill>
                   <a:srgbClr val="1F1F1F"/>
                 </a:solidFill>
                 <a:latin typeface="Adobe Clean" panose="020B0503020404020204" pitchFamily="34" charset="0"/>
                 <a:cs typeface="AdobeClean-Light"/>
               </a:rPr>
-              <a:t>您身為企業客戶，有資格透過以下兩個路徑每年參與 </a:t>
-            </a:r>
-            <a:r>
-              <a:rPr lang="de-de" sz="1200" b="1" u="sng">
+              <a:t>As an Enterprise customer, you are eligible for</a:t>
+            </a:r>
+            <a:r>
+              <a:rPr lang="en-US" sz="1200" b="1" u="sng">
                 <a:solidFill>
                   <a:srgbClr val="1F1F1F"/>
                 </a:solidFill>
                 <a:cs typeface="AdobeClean-Light"/>
               </a:rPr>
-              <a:t>2</a:t>
-            </a:r>
-            <a:r>
-              <a:rPr lang="de-de" sz="1000" b="1" u="sng">
+              <a:t> 2 </a:t>
+            </a:r>
+            <a:r>
+              <a:rPr lang="en-US" sz="1000" b="1" u="sng">
                 <a:solidFill>
                   <a:srgbClr val="1F1F1F"/>
                 </a:solidFill>
                 <a:cs typeface="AdobeClean-Light"/>
               </a:rPr>
-              <a:t> 項活動</a:t>
-            </a:r>
-            <a:r>
-              <a:rPr lang="de-de" sz="1000">
+              <a:t>activities per year </a:t>
+            </a:r>
+            <a:r>
+              <a:rPr lang="en-US" sz="1000">
                 <a:solidFill>
                   <a:srgbClr val="1F1F1F"/>
                 </a:solidFill>
                 <a:latin typeface="Adobe Clean" panose="020B0503020404020204" pitchFamily="34" charset="0"/>
                 <a:cs typeface="AdobeClean-Light"/>
               </a:rPr>
-              <a:t>：</a:t>
-            </a:r>
-            <a:r>
-              <a:rPr lang="de-de" sz="1000" b="1">
+              <a:t>from the following two tracks:</a:t>
+            </a:r>
+            <a:r>
+              <a:rPr lang="en-US" sz="1000" b="1">
                 <a:solidFill>
                   <a:srgbClr val="1F1F1F"/>
                 </a:solidFill>
                 <a:cs typeface="AdobeClean-Light"/>
               </a:rPr>
-              <a:t>技術</a:t>
-            </a:r>
-            <a:r>
-              <a:rPr lang="de-de" sz="1000">
+              <a:t> Technical </a:t>
+            </a:r>
+            <a:r>
+              <a:rPr lang="en-US" sz="1000">
                 <a:solidFill>
                   <a:srgbClr val="1F1F1F"/>
                 </a:solidFill>
                 <a:latin typeface="Adobe Clean" panose="020B0503020404020204" pitchFamily="34" charset="0"/>
                 <a:cs typeface="AdobeClean-Light"/>
               </a:rPr>
-              <a:t>及/或</a:t>
-            </a:r>
-            <a:r>
-              <a:rPr lang="de-de" sz="1000" b="1">
+              <a:t>and/or </a:t>
+            </a:r>
+            <a:r>
+              <a:rPr lang="en-US" sz="1000" b="1">
                 <a:solidFill>
                   <a:srgbClr val="1F1F1F"/>
                 </a:solidFill>
                 <a:cs typeface="AdobeClean-Light"/>
               </a:rPr>
-              <a:t>策略</a:t>
-            </a:r>
-            <a:r>
-              <a:rPr lang="de-de" sz="1000">
+              <a:t>Strategic</a:t>
+            </a:r>
+            <a:r>
+              <a:rPr lang="en-US" sz="1000">
                 <a:solidFill>
                   <a:srgbClr val="1F1F1F"/>
                 </a:solidFill>
                 <a:latin typeface="Adobe Clean Light" panose="020B0303020404020204" pitchFamily="34" charset="0"/>
                 <a:cs typeface="AdobeClean-Light"/>
               </a:rPr>
-              <a:t>。</a:t>
+              <a:t>.</a:t>
             </a:r>
             <a:endParaRPr lang="en-US" sz="1000" b="1">
               <a:solidFill>
@@ -12488,8 +14866,8 @@
           <a:p>
             <a:pPr algn="ctr"/>
             <a:r>
-              <a:rPr lang="de-de" sz="1100"/>
-              <a:t>上線</a:t>
+              <a:rPr lang="en-US" sz="1100"/>
+              <a:t>Go-Live</a:t>
             </a:r>
           </a:p>
         </p:txBody>
@@ -12524,8 +14902,8 @@
           <a:p>
             <a:pPr algn="ctr"/>
             <a:r>
-              <a:rPr lang="de-de" sz="1100"/>
-              <a:t>定義</a:t>
+              <a:rPr lang="en-US" sz="1100"/>
+              <a:t>Define</a:t>
             </a:r>
           </a:p>
         </p:txBody>
@@ -12560,8 +14938,8 @@
           <a:p>
             <a:pPr algn="ctr"/>
             <a:r>
-              <a:rPr lang="de-de" sz="1100"/>
-              <a:t>開展</a:t>
+              <a:rPr lang="en-US" sz="1100"/>
+              <a:t>Kickoff</a:t>
             </a:r>
           </a:p>
         </p:txBody>
@@ -12596,8 +14974,8 @@
           <a:p>
             <a:pPr algn="ctr"/>
             <a:r>
-              <a:rPr lang="de-de" sz="1100"/>
-              <a:t>設計</a:t>
+              <a:rPr lang="en-US" sz="1100"/>
+              <a:t>Design</a:t>
             </a:r>
           </a:p>
         </p:txBody>
@@ -12654,746 +15032,18 @@
           <a:p>
             <a:pPr algn="ctr"/>
             <a:r>
-              <a:rPr lang="de-de">
+              <a:rPr lang="en-US">
                 <a:solidFill>
                   <a:schemeClr val="accent1">
                     <a:lumMod val="50000"/>
                   </a:schemeClr>
                 </a:solidFill>
               </a:rPr>
-              <a:t>每年 2 個活動</a:t>
+              <a:t>2 Activities per Year</a:t>
             </a:r>
           </a:p>
         </p:txBody>
       </p:sp>
-      <p:graphicFrame>
-        <p:nvGraphicFramePr>
-          <p:cNvPr id="43" name="Table 42">
-            <a:extLst>
-              <a:ext uri="{FF2B5EF4-FFF2-40B4-BE49-F238E27FC236}">
-                <a16:creationId xmlns:a16="http://schemas.microsoft.com/office/drawing/2014/main" id="{1D3ABED2-2902-5346-AD61-8791F4B24654}"/>
-              </a:ext>
-            </a:extLst>
-          </p:cNvPr>
-          <p:cNvGraphicFramePr>
-            <a:graphicFrameLocks noGrp="1"/>
-          </p:cNvGraphicFramePr>
-          <p:nvPr>
-            <p:extLst>
-              <p:ext uri="{D42A27DB-BD31-4B8C-83A1-F6EECF244321}">
-                <p14:modId xmlns:p14="http://schemas.microsoft.com/office/powerpoint/2010/main" val="3661084522"/>
-              </p:ext>
-            </p:extLst>
-          </p:nvPr>
-        </p:nvGraphicFramePr>
-        <p:xfrm>
-          <a:off x="1524000" y="7488265"/>
-          <a:ext cx="609600" cy="457200"/>
-        </p:xfrm>
-        <a:graphic>
-          <a:graphicData uri="http://schemas.openxmlformats.org/drawingml/2006/table">
-            <a:tbl>
-              <a:tblPr>
-                <a:tableStyleId>{5C22544A-7EE6-4342-B048-85BDC9FD1C3A}</a:tableStyleId>
-              </a:tblPr>
-              <a:tblGrid>
-                <a:gridCol w="609600">
-                  <a:extLst>
-                    <a:ext uri="{9D8B030D-6E8A-4147-A177-3AD203B41FA5}">
-                      <a16:colId xmlns:a16="http://schemas.microsoft.com/office/drawing/2014/main" val="1835503658"/>
-                    </a:ext>
-                  </a:extLst>
-                </a:gridCol>
-              </a:tblGrid>
-              <a:tr h="457200">
-                <a:tc>
-                  <a:txBody>
-                    <a:bodyPr/>
-                    <a:lstStyle/>
-                    <a:p>
-                      <a:pPr algn="ctr" fontAlgn="b"/>
-                      <a:r>
-                        <a:rPr lang="ko-KR" altLang="en-US" sz="1100" u="none" strike="noStrike" dirty="0" err="1">
-                          <a:effectLst/>
-                        </a:rPr>
-                        <a:t>上市諮詢</a:t>
-                      </a:r>
-                      <a:endParaRPr lang="ko-KR" altLang="en-US" sz="1100" b="0" i="0" u="none" strike="noStrike" dirty="0">
-                        <a:solidFill>
-                          <a:srgbClr val="000000"/>
-                        </a:solidFill>
-                        <a:effectLst/>
-                        <a:latin typeface="Calibri" panose="020F0502020204030204" pitchFamily="34" charset="0"/>
-                      </a:endParaRPr>
-                    </a:p>
-                  </a:txBody>
-                  <a:tcPr marL="9525" marR="9525" marT="9525" marB="0" anchor="ctr">
-                    <a:solidFill>
-                      <a:schemeClr val="bg1"/>
-                    </a:solidFill>
-                  </a:tcPr>
-                </a:tc>
-                <a:extLst>
-                  <a:ext uri="{0D108BD9-81ED-4DB2-BD59-A6C34878D82A}">
-                    <a16:rowId xmlns:a16="http://schemas.microsoft.com/office/drawing/2014/main" val="2771767287"/>
-                  </a:ext>
-                </a:extLst>
-              </a:tr>
-            </a:tbl>
-          </a:graphicData>
-        </a:graphic>
-      </p:graphicFrame>
-      <p:graphicFrame>
-        <p:nvGraphicFramePr>
-          <p:cNvPr id="44" name="Table 43">
-            <a:extLst>
-              <a:ext uri="{FF2B5EF4-FFF2-40B4-BE49-F238E27FC236}">
-                <a16:creationId xmlns:a16="http://schemas.microsoft.com/office/drawing/2014/main" id="{9FA2B8AA-2505-1046-B10D-83D9B1F93495}"/>
-              </a:ext>
-            </a:extLst>
-          </p:cNvPr>
-          <p:cNvGraphicFramePr>
-            <a:graphicFrameLocks noGrp="1"/>
-          </p:cNvGraphicFramePr>
-          <p:nvPr>
-            <p:extLst>
-              <p:ext uri="{D42A27DB-BD31-4B8C-83A1-F6EECF244321}">
-                <p14:modId xmlns:p14="http://schemas.microsoft.com/office/powerpoint/2010/main" val="736048030"/>
-              </p:ext>
-            </p:extLst>
-          </p:nvPr>
-        </p:nvGraphicFramePr>
-        <p:xfrm>
-          <a:off x="1524000" y="6345265"/>
-          <a:ext cx="609600" cy="457200"/>
-        </p:xfrm>
-        <a:graphic>
-          <a:graphicData uri="http://schemas.openxmlformats.org/drawingml/2006/table">
-            <a:tbl>
-              <a:tblPr>
-                <a:tableStyleId>{5C22544A-7EE6-4342-B048-85BDC9FD1C3A}</a:tableStyleId>
-              </a:tblPr>
-              <a:tblGrid>
-                <a:gridCol w="609600">
-                  <a:extLst>
-                    <a:ext uri="{9D8B030D-6E8A-4147-A177-3AD203B41FA5}">
-                      <a16:colId xmlns:a16="http://schemas.microsoft.com/office/drawing/2014/main" val="1835503658"/>
-                    </a:ext>
-                  </a:extLst>
-                </a:gridCol>
-              </a:tblGrid>
-              <a:tr h="457200">
-                <a:tc>
-                  <a:txBody>
-                    <a:bodyPr/>
-                    <a:lstStyle/>
-                    <a:p>
-                      <a:pPr algn="ctr" fontAlgn="b"/>
-                      <a:r>
-                        <a:rPr lang="ko-KR" altLang="en-US" sz="800" u="none" strike="noStrike" dirty="0" err="1">
-                          <a:effectLst/>
-                          <a:latin typeface="Adobe Clean" panose="020B0503020404020204" pitchFamily="34" charset="0"/>
-                        </a:rPr>
-                        <a:t>資深</a:t>
-                      </a:r>
-                      <a:r>
-                        <a:rPr lang="ko-KR" altLang="en-US" sz="800" u="none" strike="noStrike" dirty="0">
-                          <a:effectLst/>
-                          <a:latin typeface="Adobe Clean" panose="020B0503020404020204" pitchFamily="34" charset="0"/>
-                        </a:rPr>
-                        <a:t> </a:t>
-                      </a:r>
-                      <a:r>
-                        <a:rPr lang="en-US" altLang="ko-KR" sz="800" u="none" strike="noStrike" dirty="0">
-                          <a:effectLst/>
-                          <a:latin typeface="Adobe Clean" panose="020B0503020404020204" pitchFamily="34" charset="0"/>
-                        </a:rPr>
-                        <a:t>Adobe </a:t>
-                      </a:r>
-                      <a:r>
-                        <a:rPr lang="ko-KR" altLang="en-US" sz="800" u="none" strike="noStrike" dirty="0" err="1">
-                          <a:effectLst/>
-                          <a:latin typeface="Adobe Clean" panose="020B0503020404020204" pitchFamily="34" charset="0"/>
-                        </a:rPr>
-                        <a:t>專業知識</a:t>
-                      </a:r>
-                      <a:endParaRPr lang="ko-KR" altLang="en-US" sz="800" b="0" i="0" u="none" strike="noStrike" dirty="0">
-                        <a:solidFill>
-                          <a:srgbClr val="000000"/>
-                        </a:solidFill>
-                        <a:effectLst/>
-                        <a:latin typeface="Adobe Clean" panose="020B0503020404020204" pitchFamily="34" charset="0"/>
-                      </a:endParaRPr>
-                    </a:p>
-                  </a:txBody>
-                  <a:tcPr marL="9525" marR="9525" marT="9525" marB="0">
-                    <a:solidFill>
-                      <a:schemeClr val="bg1"/>
-                    </a:solidFill>
-                  </a:tcPr>
-                </a:tc>
-                <a:extLst>
-                  <a:ext uri="{0D108BD9-81ED-4DB2-BD59-A6C34878D82A}">
-                    <a16:rowId xmlns:a16="http://schemas.microsoft.com/office/drawing/2014/main" val="2771767287"/>
-                  </a:ext>
-                </a:extLst>
-              </a:tr>
-            </a:tbl>
-          </a:graphicData>
-        </a:graphic>
-      </p:graphicFrame>
-      <p:graphicFrame>
-        <p:nvGraphicFramePr>
-          <p:cNvPr id="45" name="Table 44">
-            <a:extLst>
-              <a:ext uri="{FF2B5EF4-FFF2-40B4-BE49-F238E27FC236}">
-                <a16:creationId xmlns:a16="http://schemas.microsoft.com/office/drawing/2014/main" id="{E731F3F0-095B-7147-AA58-BAFE19529903}"/>
-              </a:ext>
-            </a:extLst>
-          </p:cNvPr>
-          <p:cNvGraphicFramePr>
-            <a:graphicFrameLocks noGrp="1"/>
-          </p:cNvGraphicFramePr>
-          <p:nvPr>
-            <p:extLst>
-              <p:ext uri="{D42A27DB-BD31-4B8C-83A1-F6EECF244321}">
-                <p14:modId xmlns:p14="http://schemas.microsoft.com/office/powerpoint/2010/main" val="3469511024"/>
-              </p:ext>
-            </p:extLst>
-          </p:nvPr>
-        </p:nvGraphicFramePr>
-        <p:xfrm>
-          <a:off x="2514600" y="6650065"/>
-          <a:ext cx="609600" cy="457200"/>
-        </p:xfrm>
-        <a:graphic>
-          <a:graphicData uri="http://schemas.openxmlformats.org/drawingml/2006/table">
-            <a:tbl>
-              <a:tblPr>
-                <a:tableStyleId>{5C22544A-7EE6-4342-B048-85BDC9FD1C3A}</a:tableStyleId>
-              </a:tblPr>
-              <a:tblGrid>
-                <a:gridCol w="609600">
-                  <a:extLst>
-                    <a:ext uri="{9D8B030D-6E8A-4147-A177-3AD203B41FA5}">
-                      <a16:colId xmlns:a16="http://schemas.microsoft.com/office/drawing/2014/main" val="1835503658"/>
-                    </a:ext>
-                  </a:extLst>
-                </a:gridCol>
-              </a:tblGrid>
-              <a:tr h="457200">
-                <a:tc>
-                  <a:txBody>
-                    <a:bodyPr/>
-                    <a:lstStyle/>
-                    <a:p>
-                      <a:pPr algn="ctr" fontAlgn="b"/>
-                      <a:r>
-                        <a:rPr lang="ja-JP" altLang="en-US" sz="800" u="none" strike="noStrike">
-                          <a:effectLst/>
-                          <a:latin typeface="Adobe Clean" panose="020B0503020404020204" pitchFamily="34" charset="0"/>
-                        </a:rPr>
-                        <a:t>直接聯繫 </a:t>
-                      </a:r>
-                      <a:r>
-                        <a:rPr lang="en-US" altLang="ko-KR" sz="800" u="none" strike="noStrike" dirty="0">
-                          <a:effectLst/>
-                          <a:latin typeface="Adobe Clean" panose="020B0503020404020204" pitchFamily="34" charset="0"/>
-                        </a:rPr>
-                        <a:t>Adobe </a:t>
-                      </a:r>
-                      <a:r>
-                        <a:rPr lang="ja-JP" altLang="en-US" sz="800" u="none" strike="noStrike">
-                          <a:effectLst/>
-                          <a:latin typeface="Adobe Clean" panose="020B0503020404020204" pitchFamily="34" charset="0"/>
-                        </a:rPr>
-                        <a:t>工程部</a:t>
-                      </a:r>
-                      <a:endParaRPr lang="ko-KR" altLang="en-US" sz="800" b="0" i="0" u="none" strike="noStrike" dirty="0">
-                        <a:solidFill>
-                          <a:srgbClr val="000000"/>
-                        </a:solidFill>
-                        <a:effectLst/>
-                        <a:latin typeface="Adobe Clean" panose="020B0503020404020204" pitchFamily="34" charset="0"/>
-                      </a:endParaRPr>
-                    </a:p>
-                  </a:txBody>
-                  <a:tcPr marL="9525" marR="9525" marT="9525" marB="0">
-                    <a:solidFill>
-                      <a:schemeClr val="bg1"/>
-                    </a:solidFill>
-                  </a:tcPr>
-                </a:tc>
-                <a:extLst>
-                  <a:ext uri="{0D108BD9-81ED-4DB2-BD59-A6C34878D82A}">
-                    <a16:rowId xmlns:a16="http://schemas.microsoft.com/office/drawing/2014/main" val="2771767287"/>
-                  </a:ext>
-                </a:extLst>
-              </a:tr>
-            </a:tbl>
-          </a:graphicData>
-        </a:graphic>
-      </p:graphicFrame>
-      <p:graphicFrame>
-        <p:nvGraphicFramePr>
-          <p:cNvPr id="46" name="Table 45">
-            <a:extLst>
-              <a:ext uri="{FF2B5EF4-FFF2-40B4-BE49-F238E27FC236}">
-                <a16:creationId xmlns:a16="http://schemas.microsoft.com/office/drawing/2014/main" id="{59AD68C2-C0C9-B74C-87B5-56A08A7382DD}"/>
-              </a:ext>
-            </a:extLst>
-          </p:cNvPr>
-          <p:cNvGraphicFramePr>
-            <a:graphicFrameLocks noGrp="1"/>
-          </p:cNvGraphicFramePr>
-          <p:nvPr>
-            <p:extLst>
-              <p:ext uri="{D42A27DB-BD31-4B8C-83A1-F6EECF244321}">
-                <p14:modId xmlns:p14="http://schemas.microsoft.com/office/powerpoint/2010/main" val="477747724"/>
-              </p:ext>
-            </p:extLst>
-          </p:nvPr>
-        </p:nvGraphicFramePr>
-        <p:xfrm>
-          <a:off x="2819400" y="7793064"/>
-          <a:ext cx="609600" cy="665135"/>
-        </p:xfrm>
-        <a:graphic>
-          <a:graphicData uri="http://schemas.openxmlformats.org/drawingml/2006/table">
-            <a:tbl>
-              <a:tblPr>
-                <a:tableStyleId>{5C22544A-7EE6-4342-B048-85BDC9FD1C3A}</a:tableStyleId>
-              </a:tblPr>
-              <a:tblGrid>
-                <a:gridCol w="609600">
-                  <a:extLst>
-                    <a:ext uri="{9D8B030D-6E8A-4147-A177-3AD203B41FA5}">
-                      <a16:colId xmlns:a16="http://schemas.microsoft.com/office/drawing/2014/main" val="1835503658"/>
-                    </a:ext>
-                  </a:extLst>
-                </a:gridCol>
-              </a:tblGrid>
-              <a:tr h="665135">
-                <a:tc>
-                  <a:txBody>
-                    <a:bodyPr/>
-                    <a:lstStyle/>
-                    <a:p>
-                      <a:pPr algn="ctr" fontAlgn="b"/>
-                      <a:r>
-                        <a:rPr lang="ko-KR" altLang="en-US" sz="800" u="none" strike="noStrike" dirty="0" err="1">
-                          <a:effectLst/>
-                          <a:latin typeface="Adobe Clean" panose="020B0503020404020204" pitchFamily="34" charset="0"/>
-                        </a:rPr>
-                        <a:t>含建議後續步驟的上市後摘要</a:t>
-                      </a:r>
-                      <a:endParaRPr lang="ko-KR" altLang="en-US" sz="800" b="0" i="0" u="none" strike="noStrike" dirty="0">
-                        <a:solidFill>
-                          <a:srgbClr val="000000"/>
-                        </a:solidFill>
-                        <a:effectLst/>
-                        <a:latin typeface="Adobe Clean" panose="020B0503020404020204" pitchFamily="34" charset="0"/>
-                      </a:endParaRPr>
-                    </a:p>
-                  </a:txBody>
-                  <a:tcPr marL="9525" marR="9525" marT="9525" marB="0">
-                    <a:solidFill>
-                      <a:schemeClr val="bg1"/>
-                    </a:solidFill>
-                  </a:tcPr>
-                </a:tc>
-                <a:extLst>
-                  <a:ext uri="{0D108BD9-81ED-4DB2-BD59-A6C34878D82A}">
-                    <a16:rowId xmlns:a16="http://schemas.microsoft.com/office/drawing/2014/main" val="2771767287"/>
-                  </a:ext>
-                </a:extLst>
-              </a:tr>
-            </a:tbl>
-          </a:graphicData>
-        </a:graphic>
-      </p:graphicFrame>
-      <p:graphicFrame>
-        <p:nvGraphicFramePr>
-          <p:cNvPr id="47" name="Table 46">
-            <a:extLst>
-              <a:ext uri="{FF2B5EF4-FFF2-40B4-BE49-F238E27FC236}">
-                <a16:creationId xmlns:a16="http://schemas.microsoft.com/office/drawing/2014/main" id="{FFD4AA75-4372-D548-8A65-95953E5BB6E8}"/>
-              </a:ext>
-            </a:extLst>
-          </p:cNvPr>
-          <p:cNvGraphicFramePr>
-            <a:graphicFrameLocks noGrp="1"/>
-          </p:cNvGraphicFramePr>
-          <p:nvPr>
-            <p:extLst>
-              <p:ext uri="{D42A27DB-BD31-4B8C-83A1-F6EECF244321}">
-                <p14:modId xmlns:p14="http://schemas.microsoft.com/office/powerpoint/2010/main" val="2446713920"/>
-              </p:ext>
-            </p:extLst>
-          </p:nvPr>
-        </p:nvGraphicFramePr>
-        <p:xfrm>
-          <a:off x="2057400" y="8707464"/>
-          <a:ext cx="609600" cy="588935"/>
-        </p:xfrm>
-        <a:graphic>
-          <a:graphicData uri="http://schemas.openxmlformats.org/drawingml/2006/table">
-            <a:tbl>
-              <a:tblPr>
-                <a:tableStyleId>{5C22544A-7EE6-4342-B048-85BDC9FD1C3A}</a:tableStyleId>
-              </a:tblPr>
-              <a:tblGrid>
-                <a:gridCol w="609600">
-                  <a:extLst>
-                    <a:ext uri="{9D8B030D-6E8A-4147-A177-3AD203B41FA5}">
-                      <a16:colId xmlns:a16="http://schemas.microsoft.com/office/drawing/2014/main" val="1835503658"/>
-                    </a:ext>
-                  </a:extLst>
-                </a:gridCol>
-              </a:tblGrid>
-              <a:tr h="588935">
-                <a:tc>
-                  <a:txBody>
-                    <a:bodyPr/>
-                    <a:lstStyle/>
-                    <a:p>
-                      <a:pPr algn="ctr" fontAlgn="b"/>
-                      <a:r>
-                        <a:rPr lang="ko-KR" altLang="en-US" sz="800" u="none" strike="noStrike" dirty="0" err="1">
-                          <a:effectLst/>
-                          <a:latin typeface="Adobe Clean" panose="020B0503020404020204" pitchFamily="34" charset="0"/>
-                        </a:rPr>
-                        <a:t>上線整備</a:t>
-                      </a:r>
-                      <a:r>
-                        <a:rPr lang="ko-KR" altLang="en-US" sz="800" u="none" strike="noStrike" dirty="0">
-                          <a:effectLst/>
-                          <a:latin typeface="Adobe Clean" panose="020B0503020404020204" pitchFamily="34" charset="0"/>
-                        </a:rPr>
-                        <a:t> </a:t>
-                      </a:r>
-                      <a:r>
-                        <a:rPr lang="en-US" altLang="ko-KR" sz="800" u="none" strike="noStrike" dirty="0">
-                          <a:effectLst/>
-                          <a:latin typeface="Adobe Clean" panose="020B0503020404020204" pitchFamily="34" charset="0"/>
-                        </a:rPr>
-                        <a:t>+ </a:t>
-                      </a:r>
-                      <a:r>
-                        <a:rPr lang="ko-KR" altLang="en-US" sz="800" u="none" strike="noStrike" dirty="0" err="1">
-                          <a:effectLst/>
-                          <a:latin typeface="Adobe Clean" panose="020B0503020404020204" pitchFamily="34" charset="0"/>
-                        </a:rPr>
-                        <a:t>效能最佳化</a:t>
-                      </a:r>
-                      <a:endParaRPr lang="ko-KR" altLang="en-US" sz="800" b="0" i="0" u="none" strike="noStrike" dirty="0">
-                        <a:solidFill>
-                          <a:srgbClr val="000000"/>
-                        </a:solidFill>
-                        <a:effectLst/>
-                        <a:latin typeface="Adobe Clean" panose="020B0503020404020204" pitchFamily="34" charset="0"/>
-                      </a:endParaRPr>
-                    </a:p>
-                  </a:txBody>
-                  <a:tcPr marL="9525" marR="9525" marT="9525" marB="0">
-                    <a:solidFill>
-                      <a:schemeClr val="bg1"/>
-                    </a:solidFill>
-                  </a:tcPr>
-                </a:tc>
-                <a:extLst>
-                  <a:ext uri="{0D108BD9-81ED-4DB2-BD59-A6C34878D82A}">
-                    <a16:rowId xmlns:a16="http://schemas.microsoft.com/office/drawing/2014/main" val="2771767287"/>
-                  </a:ext>
-                </a:extLst>
-              </a:tr>
-            </a:tbl>
-          </a:graphicData>
-        </a:graphic>
-      </p:graphicFrame>
-      <p:graphicFrame>
-        <p:nvGraphicFramePr>
-          <p:cNvPr id="48" name="Table 47">
-            <a:extLst>
-              <a:ext uri="{FF2B5EF4-FFF2-40B4-BE49-F238E27FC236}">
-                <a16:creationId xmlns:a16="http://schemas.microsoft.com/office/drawing/2014/main" id="{B22514A3-F0CD-1F44-8671-55B836DC891A}"/>
-              </a:ext>
-            </a:extLst>
-          </p:cNvPr>
-          <p:cNvGraphicFramePr>
-            <a:graphicFrameLocks noGrp="1"/>
-          </p:cNvGraphicFramePr>
-          <p:nvPr>
-            <p:extLst>
-              <p:ext uri="{D42A27DB-BD31-4B8C-83A1-F6EECF244321}">
-                <p14:modId xmlns:p14="http://schemas.microsoft.com/office/powerpoint/2010/main" val="3387353005"/>
-              </p:ext>
-            </p:extLst>
-          </p:nvPr>
-        </p:nvGraphicFramePr>
-        <p:xfrm>
-          <a:off x="990600" y="8707465"/>
-          <a:ext cx="609600" cy="457200"/>
-        </p:xfrm>
-        <a:graphic>
-          <a:graphicData uri="http://schemas.openxmlformats.org/drawingml/2006/table">
-            <a:tbl>
-              <a:tblPr>
-                <a:tableStyleId>{5C22544A-7EE6-4342-B048-85BDC9FD1C3A}</a:tableStyleId>
-              </a:tblPr>
-              <a:tblGrid>
-                <a:gridCol w="609600">
-                  <a:extLst>
-                    <a:ext uri="{9D8B030D-6E8A-4147-A177-3AD203B41FA5}">
-                      <a16:colId xmlns:a16="http://schemas.microsoft.com/office/drawing/2014/main" val="1835503658"/>
-                    </a:ext>
-                  </a:extLst>
-                </a:gridCol>
-              </a:tblGrid>
-              <a:tr h="457200">
-                <a:tc>
-                  <a:txBody>
-                    <a:bodyPr/>
-                    <a:lstStyle/>
-                    <a:p>
-                      <a:pPr algn="ctr" fontAlgn="b"/>
-                      <a:r>
-                        <a:rPr lang="ko-KR" altLang="en-US" sz="800" u="none" strike="noStrike" dirty="0">
-                          <a:effectLst/>
-                          <a:latin typeface="Adobe Clean" panose="020B0503020404020204" pitchFamily="34" charset="0"/>
-                        </a:rPr>
-                        <a:t> </a:t>
-                      </a:r>
-                      <a:r>
-                        <a:rPr lang="ko-KR" altLang="en-US" sz="800" u="none" strike="noStrike" dirty="0" err="1">
-                          <a:effectLst/>
-                          <a:latin typeface="Adobe Clean" panose="020B0503020404020204" pitchFamily="34" charset="0"/>
-                        </a:rPr>
-                        <a:t>架構審核</a:t>
-                      </a:r>
-                      <a:r>
-                        <a:rPr lang="ko-KR" altLang="en-US" sz="800" u="none" strike="noStrike" dirty="0">
-                          <a:effectLst/>
-                          <a:latin typeface="Adobe Clean" panose="020B0503020404020204" pitchFamily="34" charset="0"/>
-                        </a:rPr>
-                        <a:t> </a:t>
-                      </a:r>
-                      <a:r>
-                        <a:rPr lang="en-US" altLang="ko-KR" sz="800" u="none" strike="noStrike" dirty="0">
-                          <a:effectLst/>
-                          <a:latin typeface="Adobe Clean" panose="020B0503020404020204" pitchFamily="34" charset="0"/>
-                        </a:rPr>
-                        <a:t>+ </a:t>
-                      </a:r>
-                      <a:r>
-                        <a:rPr lang="ko-KR" altLang="en-US" sz="800" u="none" strike="noStrike" dirty="0" err="1">
-                          <a:effectLst/>
-                          <a:latin typeface="Adobe Clean" panose="020B0503020404020204" pitchFamily="34" charset="0"/>
-                        </a:rPr>
-                        <a:t>指導方針</a:t>
-                      </a:r>
-                      <a:endParaRPr lang="ko-KR" altLang="en-US" sz="800" b="0" i="0" u="none" strike="noStrike" dirty="0">
-                        <a:solidFill>
-                          <a:srgbClr val="000000"/>
-                        </a:solidFill>
-                        <a:effectLst/>
-                        <a:latin typeface="Adobe Clean" panose="020B0503020404020204" pitchFamily="34" charset="0"/>
-                      </a:endParaRPr>
-                    </a:p>
-                  </a:txBody>
-                  <a:tcPr marL="9525" marR="9525" marT="9525" marB="0">
-                    <a:solidFill>
-                      <a:schemeClr val="bg1"/>
-                    </a:solidFill>
-                  </a:tcPr>
-                </a:tc>
-                <a:extLst>
-                  <a:ext uri="{0D108BD9-81ED-4DB2-BD59-A6C34878D82A}">
-                    <a16:rowId xmlns:a16="http://schemas.microsoft.com/office/drawing/2014/main" val="2771767287"/>
-                  </a:ext>
-                </a:extLst>
-              </a:tr>
-            </a:tbl>
-          </a:graphicData>
-        </a:graphic>
-      </p:graphicFrame>
-      <p:graphicFrame>
-        <p:nvGraphicFramePr>
-          <p:cNvPr id="49" name="Table 48">
-            <a:extLst>
-              <a:ext uri="{FF2B5EF4-FFF2-40B4-BE49-F238E27FC236}">
-                <a16:creationId xmlns:a16="http://schemas.microsoft.com/office/drawing/2014/main" id="{5E584A08-DDE5-0945-9EF0-308782D9FB34}"/>
-              </a:ext>
-            </a:extLst>
-          </p:cNvPr>
-          <p:cNvGraphicFramePr>
-            <a:graphicFrameLocks noGrp="1"/>
-          </p:cNvGraphicFramePr>
-          <p:nvPr>
-            <p:extLst>
-              <p:ext uri="{D42A27DB-BD31-4B8C-83A1-F6EECF244321}">
-                <p14:modId xmlns:p14="http://schemas.microsoft.com/office/powerpoint/2010/main" val="2632618095"/>
-              </p:ext>
-            </p:extLst>
-          </p:nvPr>
-        </p:nvGraphicFramePr>
-        <p:xfrm>
-          <a:off x="304800" y="7793065"/>
-          <a:ext cx="609600" cy="457200"/>
-        </p:xfrm>
-        <a:graphic>
-          <a:graphicData uri="http://schemas.openxmlformats.org/drawingml/2006/table">
-            <a:tbl>
-              <a:tblPr>
-                <a:tableStyleId>{5C22544A-7EE6-4342-B048-85BDC9FD1C3A}</a:tableStyleId>
-              </a:tblPr>
-              <a:tblGrid>
-                <a:gridCol w="609600">
-                  <a:extLst>
-                    <a:ext uri="{9D8B030D-6E8A-4147-A177-3AD203B41FA5}">
-                      <a16:colId xmlns:a16="http://schemas.microsoft.com/office/drawing/2014/main" val="1835503658"/>
-                    </a:ext>
-                  </a:extLst>
-                </a:gridCol>
-              </a:tblGrid>
-              <a:tr h="457200">
-                <a:tc>
-                  <a:txBody>
-                    <a:bodyPr/>
-                    <a:lstStyle/>
-                    <a:p>
-                      <a:pPr algn="ctr" fontAlgn="b"/>
-                      <a:r>
-                        <a:rPr lang="ko-KR" altLang="en-US" sz="800" u="none" strike="noStrike" dirty="0" err="1">
-                          <a:effectLst/>
-                          <a:latin typeface="Adobe Clean" panose="020B0503020404020204" pitchFamily="34" charset="0"/>
-                        </a:rPr>
-                        <a:t>專案藍圖</a:t>
-                      </a:r>
-                      <a:r>
-                        <a:rPr lang="ko-KR" altLang="en-US" sz="800" u="none" strike="noStrike" dirty="0">
-                          <a:effectLst/>
-                          <a:latin typeface="Adobe Clean" panose="020B0503020404020204" pitchFamily="34" charset="0"/>
-                        </a:rPr>
-                        <a:t> </a:t>
-                      </a:r>
-                      <a:r>
-                        <a:rPr lang="en-US" altLang="ko-KR" sz="800" u="none" strike="noStrike" dirty="0">
-                          <a:effectLst/>
-                          <a:latin typeface="Adobe Clean" panose="020B0503020404020204" pitchFamily="34" charset="0"/>
-                        </a:rPr>
-                        <a:t>+ </a:t>
-                      </a:r>
-                      <a:r>
-                        <a:rPr lang="ko-KR" altLang="en-US" sz="800" u="none" strike="noStrike" dirty="0" err="1">
-                          <a:effectLst/>
-                          <a:latin typeface="Adobe Clean" panose="020B0503020404020204" pitchFamily="34" charset="0"/>
-                        </a:rPr>
-                        <a:t>規劃</a:t>
-                      </a:r>
-                      <a:endParaRPr lang="ko-KR" altLang="en-US" sz="800" b="0" i="0" u="none" strike="noStrike" dirty="0">
-                        <a:solidFill>
-                          <a:srgbClr val="000000"/>
-                        </a:solidFill>
-                        <a:effectLst/>
-                        <a:latin typeface="Adobe Clean" panose="020B0503020404020204" pitchFamily="34" charset="0"/>
-                      </a:endParaRPr>
-                    </a:p>
-                  </a:txBody>
-                  <a:tcPr marL="9525" marR="9525" marT="9525" marB="0">
-                    <a:solidFill>
-                      <a:schemeClr val="bg1"/>
-                    </a:solidFill>
-                  </a:tcPr>
-                </a:tc>
-                <a:extLst>
-                  <a:ext uri="{0D108BD9-81ED-4DB2-BD59-A6C34878D82A}">
-                    <a16:rowId xmlns:a16="http://schemas.microsoft.com/office/drawing/2014/main" val="2771767287"/>
-                  </a:ext>
-                </a:extLst>
-              </a:tr>
-            </a:tbl>
-          </a:graphicData>
-        </a:graphic>
-      </p:graphicFrame>
-      <p:graphicFrame>
-        <p:nvGraphicFramePr>
-          <p:cNvPr id="50" name="Table 49">
-            <a:extLst>
-              <a:ext uri="{FF2B5EF4-FFF2-40B4-BE49-F238E27FC236}">
-                <a16:creationId xmlns:a16="http://schemas.microsoft.com/office/drawing/2014/main" id="{9F217B3A-90E1-5E44-B78A-AE1880016A64}"/>
-              </a:ext>
-            </a:extLst>
-          </p:cNvPr>
-          <p:cNvGraphicFramePr>
-            <a:graphicFrameLocks noGrp="1"/>
-          </p:cNvGraphicFramePr>
-          <p:nvPr>
-            <p:extLst>
-              <p:ext uri="{D42A27DB-BD31-4B8C-83A1-F6EECF244321}">
-                <p14:modId xmlns:p14="http://schemas.microsoft.com/office/powerpoint/2010/main" val="3488793164"/>
-              </p:ext>
-            </p:extLst>
-          </p:nvPr>
-        </p:nvGraphicFramePr>
-        <p:xfrm>
-          <a:off x="609600" y="6650065"/>
-          <a:ext cx="609600" cy="497205"/>
-        </p:xfrm>
-        <a:graphic>
-          <a:graphicData uri="http://schemas.openxmlformats.org/drawingml/2006/table">
-            <a:tbl>
-              <a:tblPr>
-                <a:tableStyleId>{5C22544A-7EE6-4342-B048-85BDC9FD1C3A}</a:tableStyleId>
-              </a:tblPr>
-              <a:tblGrid>
-                <a:gridCol w="609600">
-                  <a:extLst>
-                    <a:ext uri="{9D8B030D-6E8A-4147-A177-3AD203B41FA5}">
-                      <a16:colId xmlns:a16="http://schemas.microsoft.com/office/drawing/2014/main" val="1835503658"/>
-                    </a:ext>
-                  </a:extLst>
-                </a:gridCol>
-              </a:tblGrid>
-              <a:tr h="457200">
-                <a:tc>
-                  <a:txBody>
-                    <a:bodyPr/>
-                    <a:lstStyle/>
-                    <a:p>
-                      <a:pPr algn="ctr" fontAlgn="b"/>
-                      <a:r>
-                        <a:rPr lang="ko-KR" altLang="en-US" sz="800" u="none" strike="noStrike" dirty="0" err="1">
-                          <a:effectLst/>
-                          <a:latin typeface="Adobe Clean" panose="020B0503020404020204" pitchFamily="34" charset="0"/>
-                        </a:rPr>
-                        <a:t>從數以千計的部署和整合中獲得經驗</a:t>
-                      </a:r>
-                      <a:endParaRPr lang="ko-KR" altLang="en-US" sz="800" b="0" i="0" u="none" strike="noStrike" dirty="0">
-                        <a:solidFill>
-                          <a:srgbClr val="000000"/>
-                        </a:solidFill>
-                        <a:effectLst/>
-                        <a:latin typeface="Adobe Clean" panose="020B0503020404020204" pitchFamily="34" charset="0"/>
-                      </a:endParaRPr>
-                    </a:p>
-                  </a:txBody>
-                  <a:tcPr marL="9525" marR="9525" marT="9525" marB="0">
-                    <a:solidFill>
-                      <a:schemeClr val="bg1"/>
-                    </a:solidFill>
-                  </a:tcPr>
-                </a:tc>
-                <a:extLst>
-                  <a:ext uri="{0D108BD9-81ED-4DB2-BD59-A6C34878D82A}">
-                    <a16:rowId xmlns:a16="http://schemas.microsoft.com/office/drawing/2014/main" val="2771767287"/>
-                  </a:ext>
-                </a:extLst>
-              </a:tr>
-            </a:tbl>
-          </a:graphicData>
-        </a:graphic>
-      </p:graphicFrame>
     </p:spTree>
     <p:extLst>
       <p:ext uri="{BB962C8B-B14F-4D97-AF65-F5344CB8AC3E}">
@@ -13451,17 +15101,17 @@
               </a:lnSpc>
             </a:pPr>
             <a:r>
-              <a:rPr lang="de-de" sz="500" spc="-5">
+              <a:rPr sz="500" spc="-5">
                 <a:solidFill>
                   <a:srgbClr val="6C6C6C"/>
                 </a:solidFill>
                 <a:latin typeface="Adobe Clean"/>
                 <a:cs typeface="Adobe Clean"/>
               </a:rPr>
-              <a:t>© 2020 Adobe. All rights reserved.</a:t>
-            </a:r>
-            <a:r>
-              <a:rPr lang="de-de" sz="500">
+              <a:t>©2020 Adobe. All Rights Reserved. </a:t>
+            </a:r>
+            <a:r>
+              <a:rPr sz="500">
                 <a:solidFill>
                   <a:srgbClr val="6C6C6C"/>
                 </a:solidFill>
@@ -13471,7 +15121,7 @@
               <a:t>Adobe</a:t>
             </a:r>
             <a:r>
-              <a:rPr lang="de-de" sz="500" spc="5">
+              <a:rPr sz="500" spc="5">
                 <a:solidFill>
                   <a:srgbClr val="6C6C6C"/>
                 </a:solidFill>
@@ -13481,14 +15131,14 @@
               <a:t> </a:t>
             </a:r>
             <a:r>
-              <a:rPr lang="de-de" sz="500" spc="-5">
+              <a:rPr sz="500" spc="-5">
                 <a:solidFill>
                   <a:srgbClr val="6C6C6C"/>
                 </a:solidFill>
                 <a:latin typeface="Adobe Clean"/>
                 <a:cs typeface="Adobe Clean"/>
               </a:rPr>
-              <a:t> 機密資訊。</a:t>
+              <a:t>Confidential.</a:t>
             </a:r>
             <a:endParaRPr sz="500">
               <a:latin typeface="Adobe Clean"/>
@@ -13519,17 +15169,17 @@
               </a:spcBef>
             </a:pPr>
             <a:r>
-              <a:rPr lang="de-de" sz="800" spc="-5">
+              <a:rPr sz="800" spc="-5">
                 <a:solidFill>
                   <a:srgbClr val="6D6D6D"/>
                 </a:solidFill>
                 <a:latin typeface="Adobe Clean"/>
                 <a:cs typeface="Adobe Clean"/>
               </a:rPr>
-              <a:t>© 2020 Adobe. All rights reserved.Adobe</a:t>
-            </a:r>
-            <a:r>
-              <a:rPr lang="de-de" sz="800" spc="75">
+              <a:t>©2020 Adobe. All Rights Reserved. Adobe</a:t>
+            </a:r>
+            <a:r>
+              <a:rPr sz="800" spc="75">
                 <a:solidFill>
                   <a:srgbClr val="6D6D6D"/>
                 </a:solidFill>
@@ -13539,14 +15189,14 @@
               <a:t> </a:t>
             </a:r>
             <a:r>
-              <a:rPr lang="de-de" sz="800" spc="-5">
+              <a:rPr sz="800" spc="-5">
                 <a:solidFill>
                   <a:srgbClr val="6D6D6D"/>
                 </a:solidFill>
                 <a:latin typeface="Adobe Clean"/>
                 <a:cs typeface="Adobe Clean"/>
               </a:rPr>
-              <a:t>機密資訊。</a:t>
+              <a:t>Confidential.</a:t>
             </a:r>
             <a:endParaRPr sz="800">
               <a:latin typeface="Adobe Clean"/>
@@ -13613,7 +15263,7 @@
         </p:nvSpPr>
         <p:spPr>
           <a:xfrm>
-            <a:off x="1070991" y="562540"/>
+            <a:off x="170410" y="575594"/>
             <a:ext cx="3476626" cy="332783"/>
           </a:xfrm>
           <a:prstGeom prst="rect">
@@ -13635,14 +15285,14 @@
               </a:spcBef>
             </a:pPr>
             <a:r>
-              <a:rPr lang="de-de" sz="1400" b="1" spc="-15">
-                <a:solidFill>
-                  <a:srgbClr val="020302"/>
-                </a:solidFill>
-                <a:latin typeface="Adobe Clean"/>
-                <a:cs typeface="Adobe Clean"/>
-              </a:rPr>
-              <a:t>資源</a:t>
+              <a:rPr lang="en-US" sz="1400" b="1" spc="-15">
+                <a:solidFill>
+                  <a:srgbClr val="020302"/>
+                </a:solidFill>
+                <a:latin typeface="Adobe Clean"/>
+                <a:cs typeface="Adobe Clean"/>
+              </a:rPr>
+              <a:t>Resources</a:t>
             </a:r>
             <a:endParaRPr sz="1400">
               <a:latin typeface="Adobe Clean"/>
@@ -13681,7 +15331,7 @@
               </a:spcBef>
             </a:pPr>
             <a:r>
-              <a:rPr lang="de-de" sz="800" spc="-15">
+              <a:rPr sz="800" spc="-15">
                 <a:solidFill>
                   <a:srgbClr val="777879"/>
                 </a:solidFill>
@@ -13702,7 +15352,7 @@
               </a:lnSpc>
             </a:pPr>
             <a:r>
-              <a:rPr lang="de-de" sz="800" spc="-15">
+              <a:rPr sz="800" spc="-15">
                 <a:solidFill>
                   <a:srgbClr val="777879"/>
                 </a:solidFill>
@@ -13712,7 +15362,7 @@
               <a:t>345 Park</a:t>
             </a:r>
             <a:r>
-              <a:rPr lang="de-de" sz="800" spc="-100">
+              <a:rPr sz="800" spc="-100">
                 <a:solidFill>
                   <a:srgbClr val="777879"/>
                 </a:solidFill>
@@ -13722,7 +15372,7 @@
               <a:t> </a:t>
             </a:r>
             <a:r>
-              <a:rPr lang="de-de" sz="800" spc="-15">
+              <a:rPr sz="800" spc="-15">
                 <a:solidFill>
                   <a:srgbClr val="777879"/>
                 </a:solidFill>
@@ -13743,7 +15393,7 @@
               </a:lnSpc>
             </a:pPr>
             <a:r>
-              <a:rPr lang="de-de" sz="800" spc="-10">
+              <a:rPr sz="800" spc="-10">
                 <a:solidFill>
                   <a:srgbClr val="777879"/>
                 </a:solidFill>
@@ -13753,7 +15403,7 @@
               <a:t>San </a:t>
             </a:r>
             <a:r>
-              <a:rPr lang="de-de" sz="800" spc="-15">
+              <a:rPr sz="800" spc="-15">
                 <a:solidFill>
                   <a:srgbClr val="777879"/>
                 </a:solidFill>
@@ -13763,7 +15413,7 @@
               <a:t>Jose,</a:t>
             </a:r>
             <a:r>
-              <a:rPr lang="de-de" sz="800" spc="-140">
+              <a:rPr sz="800" spc="-140">
                 <a:solidFill>
                   <a:srgbClr val="777879"/>
                 </a:solidFill>
@@ -13773,7 +15423,7 @@
               <a:t> </a:t>
             </a:r>
             <a:r>
-              <a:rPr lang="de-de" sz="800" spc="-20">
+              <a:rPr sz="800" spc="-20">
                 <a:solidFill>
                   <a:srgbClr val="777879"/>
                 </a:solidFill>
@@ -13797,7 +15447,7 @@
               </a:spcBef>
             </a:pPr>
             <a:r>
-              <a:rPr lang="de-de" sz="800" spc="-10">
+              <a:rPr sz="800" spc="-10">
                 <a:solidFill>
                   <a:srgbClr val="777879"/>
                 </a:solidFill>
@@ -13821,7 +15471,7 @@
               </a:spcBef>
             </a:pPr>
             <a:r>
-              <a:rPr lang="de-de" sz="800" u="sng" spc="-25">
+              <a:rPr sz="800" u="sng" spc="-25">
                 <a:solidFill>
                   <a:srgbClr val="5F5F5F"/>
                 </a:solidFill>
@@ -13834,7 +15484,7 @@
                 <a:cs typeface="Adobe Clean"/>
                 <a:hlinkClick r:id="rId3"/>
               </a:rPr>
-              <a:t>www.adobe.com/tw/</a:t>
+              <a:t>www.adobe.com</a:t>
             </a:r>
             <a:endParaRPr sz="800">
               <a:latin typeface="Adobe Clean"/>
@@ -14000,7 +15650,7 @@
           </a:prstGeom>
         </p:spPr>
         <p:txBody>
-          <a:bodyPr vert="horz" wrap="square" lIns="0" tIns="29845" rIns="0" bIns="0" rtlCol="0">
+          <a:bodyPr vert="horz" wrap="square" lIns="0" tIns="29845" rIns="0" bIns="0" rtlCol="0" anchor="t">
             <a:spAutoFit/>
           </a:bodyPr>
           <a:lstStyle/>
@@ -14014,37 +15664,37 @@
               </a:spcBef>
             </a:pPr>
             <a:r>
-              <a:rPr lang="de-de" sz="1100" i="1" spc="-10">
+              <a:rPr sz="1100" i="1" spc="-10" dirty="0">
                 <a:solidFill>
                   <a:srgbClr val="777879"/>
                 </a:solidFill>
                 <a:latin typeface="AdobeClean-LightIt"/>
                 <a:cs typeface="AdobeClean-LightIt"/>
               </a:rPr>
-              <a:t>如需</a:t>
-            </a:r>
-            <a:r>
-              <a:rPr lang="de-de" sz="1100" i="1" spc="-15">
+              <a:t>To</a:t>
+            </a:r>
+            <a:r>
+              <a:rPr sz="1100" i="1" spc="-50" dirty="0">
                 <a:solidFill>
                   <a:srgbClr val="777879"/>
                 </a:solidFill>
                 <a:latin typeface="AdobeClean-LightIt"/>
                 <a:cs typeface="AdobeClean-LightIt"/>
               </a:rPr>
-              <a:t>了解</a:t>
-            </a:r>
-            <a:r>
-              <a:rPr lang="de-de" sz="1100" i="1" spc="-40">
+              <a:t> </a:t>
+            </a:r>
+            <a:r>
+              <a:rPr sz="1100" i="1" spc="-15" dirty="0">
                 <a:solidFill>
                   <a:srgbClr val="777879"/>
                 </a:solidFill>
                 <a:latin typeface="AdobeClean-LightIt"/>
                 <a:cs typeface="AdobeClean-LightIt"/>
               </a:rPr>
-              <a:t> </a:t>
-            </a:r>
-            <a:r>
-              <a:rPr lang="de-de" sz="1100" i="1" spc="-45">
+              <a:t>learn</a:t>
+            </a:r>
+            <a:r>
+              <a:rPr sz="1100" i="1" spc="-40" dirty="0">
                 <a:solidFill>
                   <a:srgbClr val="777879"/>
                 </a:solidFill>
@@ -14054,17 +15704,17 @@
               <a:t> </a:t>
             </a:r>
             <a:r>
-              <a:rPr lang="de-de" sz="1100" i="1" spc="-15">
+              <a:rPr sz="1100" i="1" spc="-15" dirty="0">
                 <a:solidFill>
                   <a:srgbClr val="777879"/>
                 </a:solidFill>
                 <a:latin typeface="AdobeClean-LightIt"/>
                 <a:cs typeface="AdobeClean-LightIt"/>
               </a:rPr>
-              <a:t>Adobe</a:t>
-            </a:r>
-            <a:r>
-              <a:rPr lang="de-de" sz="1100" i="1" spc="-50">
+              <a:t>more</a:t>
+            </a:r>
+            <a:r>
+              <a:rPr sz="1100" i="1" spc="-45" dirty="0">
                 <a:solidFill>
                   <a:srgbClr val="777879"/>
                 </a:solidFill>
@@ -14074,104 +15724,384 @@
               <a:t> </a:t>
             </a:r>
             <a:r>
-              <a:rPr lang="de-de" sz="1100" i="1" spc="-15">
+              <a:rPr sz="1100" i="1" spc="-15" dirty="0">
                 <a:solidFill>
                   <a:srgbClr val="777879"/>
                 </a:solidFill>
                 <a:latin typeface="AdobeClean-LightIt"/>
                 <a:cs typeface="AdobeClean-LightIt"/>
               </a:rPr>
-              <a:t>支援方案</a:t>
-            </a:r>
-            <a:r>
-              <a:rPr lang="de-de" sz="1100" i="1" spc="-75">
+              <a:t>about</a:t>
+            </a:r>
+            <a:r>
+              <a:rPr sz="1100" i="1" spc="-45" dirty="0">
                 <a:solidFill>
                   <a:srgbClr val="777879"/>
                 </a:solidFill>
                 <a:latin typeface="AdobeClean-LightIt"/>
                 <a:cs typeface="AdobeClean-LightIt"/>
               </a:rPr>
-              <a:t>的詳細資訊</a:t>
-            </a:r>
-            <a:r>
-              <a:rPr lang="de-de" sz="1100" i="1" spc="-15">
+              <a:t> </a:t>
+            </a:r>
+            <a:r>
+              <a:rPr sz="1100" i="1" spc="-15" dirty="0">
                 <a:solidFill>
                   <a:srgbClr val="777879"/>
                 </a:solidFill>
                 <a:latin typeface="AdobeClean-LightIt"/>
                 <a:cs typeface="AdobeClean-LightIt"/>
               </a:rPr>
-              <a:t>以及適合您的層級，請聯絡您指定的</a:t>
-            </a:r>
-            <a:r>
-              <a:rPr lang="de-de" sz="1100" i="1" spc="-25">
+              <a:t>Adobe</a:t>
+            </a:r>
+            <a:r>
+              <a:rPr sz="1100" i="1" spc="-50" dirty="0">
                 <a:solidFill>
                   <a:srgbClr val="777879"/>
                 </a:solidFill>
                 <a:latin typeface="AdobeClean-LightIt"/>
                 <a:cs typeface="AdobeClean-LightIt"/>
               </a:rPr>
-              <a:t>帳戶</a:t>
-            </a:r>
-            <a:r>
-              <a:rPr lang="de-de" sz="1100" i="1" spc="-20">
+              <a:t> </a:t>
+            </a:r>
+            <a:r>
+              <a:rPr sz="1100" i="1" spc="-15" dirty="0">
                 <a:solidFill>
                   <a:srgbClr val="777879"/>
                 </a:solidFill>
                 <a:latin typeface="AdobeClean-LightIt"/>
                 <a:cs typeface="AdobeClean-LightIt"/>
               </a:rPr>
-              <a:t>經理 </a:t>
-            </a:r>
-            <a:r>
-              <a:rPr lang="de-de" sz="1100" i="1" spc="-15">
+              <a:t>Support</a:t>
+            </a:r>
+            <a:r>
+              <a:rPr lang="en-US" sz="1100" i="1" spc="-15" dirty="0">
                 <a:solidFill>
                   <a:srgbClr val="777879"/>
                 </a:solidFill>
                 <a:latin typeface="AdobeClean-LightIt"/>
                 <a:cs typeface="AdobeClean-LightIt"/>
               </a:rPr>
-              <a:t>(NAM) </a:t>
-            </a:r>
-            <a:r>
-              <a:rPr lang="de-de" sz="1100" i="1" spc="-10">
+              <a:t> Offerings</a:t>
+            </a:r>
+            <a:r>
+              <a:rPr sz="1100" i="1" spc="-75" dirty="0">
                 <a:solidFill>
                   <a:srgbClr val="777879"/>
                 </a:solidFill>
                 <a:latin typeface="AdobeClean-LightIt"/>
                 <a:cs typeface="AdobeClean-LightIt"/>
               </a:rPr>
-              <a:t>或</a:t>
-            </a:r>
-            <a:r>
-              <a:rPr lang="de-de" sz="1100" i="1" spc="-15">
+              <a:t> </a:t>
+            </a:r>
+            <a:r>
+              <a:rPr sz="1100" i="1" spc="-15" dirty="0">
                 <a:solidFill>
                   <a:srgbClr val="777879"/>
                 </a:solidFill>
                 <a:latin typeface="AdobeClean-LightIt"/>
                 <a:cs typeface="AdobeClean-LightIt"/>
               </a:rPr>
-              <a:t>客戶</a:t>
-            </a:r>
-            <a:r>
-              <a:rPr lang="de-de" sz="1100" i="1" spc="-20">
+              <a:t>and</a:t>
+            </a:r>
+            <a:r>
+              <a:rPr sz="1100" i="1" spc="-50" dirty="0">
                 <a:solidFill>
                   <a:srgbClr val="777879"/>
                 </a:solidFill>
                 <a:latin typeface="AdobeClean-LightIt"/>
                 <a:cs typeface="AdobeClean-LightIt"/>
               </a:rPr>
-              <a:t>成功</a:t>
-            </a:r>
-            <a:r>
-              <a:rPr lang="de-de" sz="1100" i="1" spc="-15">
+              <a:t> </a:t>
+            </a:r>
+            <a:r>
+              <a:rPr sz="1100" i="1" spc="-15" dirty="0">
                 <a:solidFill>
                   <a:srgbClr val="777879"/>
                 </a:solidFill>
                 <a:latin typeface="AdobeClean-LightIt"/>
                 <a:cs typeface="AdobeClean-LightIt"/>
               </a:rPr>
-              <a:t>經理 (CSM)</a:t>
+              <a:t>the</a:t>
+            </a:r>
+            <a:r>
+              <a:rPr sz="1100" i="1" spc="-55" dirty="0">
+                <a:solidFill>
+                  <a:srgbClr val="777879"/>
+                </a:solidFill>
+                <a:latin typeface="AdobeClean-LightIt"/>
+                <a:cs typeface="AdobeClean-LightIt"/>
+              </a:rPr>
+              <a:t> </a:t>
+            </a:r>
+            <a:r>
+              <a:rPr sz="1100" i="1" spc="-15" dirty="0">
+                <a:solidFill>
+                  <a:srgbClr val="777879"/>
+                </a:solidFill>
+                <a:latin typeface="AdobeClean-LightIt"/>
+                <a:cs typeface="AdobeClean-LightIt"/>
+              </a:rPr>
+              <a:t>right</a:t>
+            </a:r>
+            <a:r>
+              <a:rPr sz="1100" i="1" spc="-95" dirty="0">
+                <a:solidFill>
+                  <a:srgbClr val="777879"/>
+                </a:solidFill>
+                <a:latin typeface="AdobeClean-LightIt"/>
+                <a:cs typeface="AdobeClean-LightIt"/>
+              </a:rPr>
+              <a:t> </a:t>
+            </a:r>
+            <a:r>
+              <a:rPr sz="1100" i="1" spc="-15" dirty="0">
+                <a:solidFill>
+                  <a:srgbClr val="777879"/>
+                </a:solidFill>
+                <a:latin typeface="AdobeClean-LightIt"/>
+                <a:cs typeface="AdobeClean-LightIt"/>
+              </a:rPr>
+              <a:t>level</a:t>
+            </a:r>
+            <a:r>
+              <a:rPr sz="1100" i="1" spc="-55" dirty="0">
+                <a:solidFill>
+                  <a:srgbClr val="777879"/>
+                </a:solidFill>
+                <a:latin typeface="AdobeClean-LightIt"/>
+                <a:cs typeface="AdobeClean-LightIt"/>
+              </a:rPr>
+              <a:t> </a:t>
+            </a:r>
+            <a:r>
+              <a:rPr sz="1100" i="1" spc="-15" dirty="0">
+                <a:solidFill>
+                  <a:srgbClr val="777879"/>
+                </a:solidFill>
+                <a:latin typeface="AdobeClean-LightIt"/>
+                <a:cs typeface="AdobeClean-LightIt"/>
+              </a:rPr>
+              <a:t>for</a:t>
+            </a:r>
+            <a:r>
+              <a:rPr sz="1100" i="1" spc="-85" dirty="0">
+                <a:solidFill>
+                  <a:srgbClr val="777879"/>
+                </a:solidFill>
+                <a:latin typeface="AdobeClean-LightIt"/>
+                <a:cs typeface="AdobeClean-LightIt"/>
+              </a:rPr>
+              <a:t> </a:t>
+            </a:r>
+            <a:r>
+              <a:rPr sz="1100" i="1" spc="-15" dirty="0">
+                <a:solidFill>
+                  <a:srgbClr val="777879"/>
+                </a:solidFill>
+                <a:latin typeface="AdobeClean-LightIt"/>
+                <a:cs typeface="AdobeClean-LightIt"/>
+              </a:rPr>
+              <a:t>you,</a:t>
+            </a:r>
+            <a:r>
+              <a:rPr sz="1100" i="1" spc="-65" dirty="0">
+                <a:solidFill>
+                  <a:srgbClr val="777879"/>
+                </a:solidFill>
+                <a:latin typeface="AdobeClean-LightIt"/>
+                <a:cs typeface="AdobeClean-LightIt"/>
+              </a:rPr>
+              <a:t> </a:t>
+            </a:r>
+            <a:r>
+              <a:rPr sz="1100" i="1" spc="-15" dirty="0">
+                <a:solidFill>
+                  <a:srgbClr val="777879"/>
+                </a:solidFill>
+                <a:latin typeface="AdobeClean-LightIt"/>
+                <a:cs typeface="AdobeClean-LightIt"/>
+              </a:rPr>
+              <a:t>contact</a:t>
+            </a:r>
+            <a:r>
+              <a:rPr sz="1100" i="1" spc="-85" dirty="0">
+                <a:solidFill>
+                  <a:srgbClr val="777879"/>
+                </a:solidFill>
+                <a:latin typeface="AdobeClean-LightIt"/>
+                <a:cs typeface="AdobeClean-LightIt"/>
+              </a:rPr>
+              <a:t> </a:t>
+            </a:r>
+            <a:r>
+              <a:rPr sz="1100" i="1" spc="-15" dirty="0">
+                <a:solidFill>
+                  <a:srgbClr val="777879"/>
+                </a:solidFill>
+                <a:latin typeface="AdobeClean-LightIt"/>
+                <a:cs typeface="AdobeClean-LightIt"/>
+              </a:rPr>
+              <a:t>your</a:t>
+            </a:r>
+            <a:r>
+              <a:rPr sz="1100" i="1" spc="-70" dirty="0">
+                <a:solidFill>
+                  <a:srgbClr val="777879"/>
+                </a:solidFill>
+                <a:latin typeface="AdobeClean-LightIt"/>
+                <a:cs typeface="AdobeClean-LightIt"/>
+              </a:rPr>
+              <a:t> </a:t>
+            </a:r>
+            <a:r>
+              <a:rPr sz="1100" i="1" spc="-15" dirty="0">
+                <a:solidFill>
+                  <a:srgbClr val="777879"/>
+                </a:solidFill>
+                <a:latin typeface="AdobeClean-LightIt"/>
+                <a:cs typeface="AdobeClean-LightIt"/>
+              </a:rPr>
+              <a:t>Named</a:t>
+            </a:r>
+            <a:r>
+              <a:rPr sz="1100" i="1" spc="-55" dirty="0">
+                <a:solidFill>
+                  <a:srgbClr val="777879"/>
+                </a:solidFill>
+                <a:latin typeface="AdobeClean-LightIt"/>
+                <a:cs typeface="AdobeClean-LightIt"/>
+              </a:rPr>
+              <a:t> </a:t>
+            </a:r>
+            <a:r>
+              <a:rPr sz="1100" i="1" spc="-25" dirty="0">
+                <a:solidFill>
+                  <a:srgbClr val="777879"/>
+                </a:solidFill>
+                <a:latin typeface="AdobeClean-LightIt"/>
+                <a:cs typeface="AdobeClean-LightIt"/>
+              </a:rPr>
+              <a:t>Account</a:t>
+            </a:r>
+            <a:r>
+              <a:rPr sz="1100" i="1" spc="-120" dirty="0">
+                <a:solidFill>
+                  <a:srgbClr val="777879"/>
+                </a:solidFill>
+                <a:latin typeface="AdobeClean-LightIt"/>
+                <a:cs typeface="AdobeClean-LightIt"/>
+              </a:rPr>
+              <a:t> </a:t>
+            </a:r>
+            <a:r>
+              <a:rPr sz="1100" i="1" spc="-20" dirty="0">
+                <a:solidFill>
+                  <a:srgbClr val="777879"/>
+                </a:solidFill>
+                <a:latin typeface="AdobeClean-LightIt"/>
+                <a:cs typeface="AdobeClean-LightIt"/>
+              </a:rPr>
+              <a:t>Manager</a:t>
+            </a:r>
+            <a:r>
+              <a:rPr lang="en-US" sz="1100" i="1" spc="-20" dirty="0">
+                <a:solidFill>
+                  <a:srgbClr val="777879"/>
+                </a:solidFill>
+                <a:latin typeface="AdobeClean-LightIt"/>
+                <a:cs typeface="AdobeClean-LightIt"/>
+              </a:rPr>
+              <a:t> </a:t>
+            </a:r>
+            <a:r>
+              <a:rPr sz="1100" i="1" spc="-20" dirty="0">
+                <a:solidFill>
+                  <a:srgbClr val="777879"/>
+                </a:solidFill>
+                <a:latin typeface="AdobeClean-LightIt"/>
+                <a:cs typeface="AdobeClean-LightIt"/>
+              </a:rPr>
+              <a:t> </a:t>
+            </a:r>
+            <a:r>
+              <a:rPr sz="1100" i="1" spc="-15" dirty="0">
+                <a:solidFill>
+                  <a:srgbClr val="777879"/>
+                </a:solidFill>
+                <a:latin typeface="AdobeClean-LightIt"/>
+                <a:cs typeface="AdobeClean-LightIt"/>
+              </a:rPr>
+              <a:t>(NAM) </a:t>
+            </a:r>
+            <a:r>
+              <a:rPr sz="1100" i="1" spc="-10" dirty="0">
+                <a:solidFill>
+                  <a:srgbClr val="777879"/>
+                </a:solidFill>
+                <a:latin typeface="AdobeClean-LightIt"/>
+                <a:cs typeface="AdobeClean-LightIt"/>
+              </a:rPr>
+              <a:t>or </a:t>
+            </a:r>
+            <a:r>
+              <a:rPr sz="1100" i="1" spc="-15" dirty="0">
+                <a:solidFill>
+                  <a:srgbClr val="777879"/>
+                </a:solidFill>
+                <a:latin typeface="AdobeClean-LightIt"/>
+                <a:cs typeface="AdobeClean-LightIt"/>
+              </a:rPr>
+              <a:t>Customer </a:t>
+            </a:r>
+            <a:r>
+              <a:rPr sz="1100" i="1" spc="-20" dirty="0">
+                <a:solidFill>
+                  <a:srgbClr val="777879"/>
+                </a:solidFill>
+                <a:latin typeface="AdobeClean-LightIt"/>
+                <a:cs typeface="AdobeClean-LightIt"/>
+              </a:rPr>
+              <a:t>Success</a:t>
+            </a:r>
+            <a:r>
+              <a:rPr sz="1100" i="1" spc="-180" dirty="0">
+                <a:solidFill>
+                  <a:srgbClr val="777879"/>
+                </a:solidFill>
+                <a:latin typeface="AdobeClean-LightIt"/>
+                <a:cs typeface="AdobeClean-LightIt"/>
+              </a:rPr>
+              <a:t> </a:t>
+            </a:r>
+            <a:r>
+              <a:rPr sz="1100" i="1" spc="-15" dirty="0">
+                <a:solidFill>
+                  <a:srgbClr val="777879"/>
+                </a:solidFill>
+                <a:latin typeface="AdobeClean-LightIt"/>
+                <a:cs typeface="AdobeClean-LightIt"/>
+              </a:rPr>
+              <a:t>Manager</a:t>
+            </a:r>
+            <a:r>
+              <a:rPr lang="en-US" sz="1100" i="1" spc="-15" dirty="0">
+                <a:solidFill>
+                  <a:srgbClr val="777879"/>
+                </a:solidFill>
+                <a:latin typeface="AdobeClean-LightIt"/>
+                <a:cs typeface="AdobeClean-LightIt"/>
+              </a:rPr>
+              <a:t> </a:t>
+            </a:r>
+            <a:r>
+              <a:rPr sz="1100" i="1" spc="-15" dirty="0">
+                <a:solidFill>
+                  <a:srgbClr val="777879"/>
+                </a:solidFill>
+                <a:latin typeface="AdobeClean-LightIt"/>
+                <a:cs typeface="AdobeClean-LightIt"/>
+              </a:rPr>
+              <a:t>(CSM)</a:t>
             </a:r>
             <a:endParaRPr sz="1100" dirty="0">
               <a:latin typeface="AdobeClean-LightIt"/>
@@ -14188,34 +16118,54 @@
               </a:spcBef>
             </a:pPr>
             <a:r>
-              <a:rPr lang="de-de" sz="800" spc="-5" dirty="0">
+              <a:rPr sz="800" spc="-5" dirty="0">
                 <a:solidFill>
                   <a:srgbClr val="6D6D6D"/>
                 </a:solidFill>
                 <a:latin typeface="Adobe Clean"/>
                 <a:cs typeface="Adobe Clean"/>
               </a:rPr>
-              <a:t>©2021 Adobe。All rights reserved.Adobe</a:t>
-            </a:r>
-            <a:r>
-              <a:rPr lang="de-de" sz="800" spc="75" dirty="0">
+              <a:t>©202</a:t>
+            </a:r>
+            <a:r>
+              <a:rPr lang="en-US" sz="800" spc="-5" dirty="0">
                 <a:solidFill>
                   <a:srgbClr val="6D6D6D"/>
                 </a:solidFill>
                 <a:latin typeface="Adobe Clean"/>
                 <a:cs typeface="Adobe Clean"/>
               </a:rPr>
+              <a:t>1</a:t>
+            </a:r>
+            <a:r>
+              <a:rPr sz="800" spc="-5" dirty="0">
+                <a:solidFill>
+                  <a:srgbClr val="6D6D6D"/>
+                </a:solidFill>
+                <a:latin typeface="Adobe Clean"/>
+                <a:cs typeface="Adobe Clean"/>
+              </a:rPr>
+              <a:t> Adobe. All Rights Reserved. Adobe</a:t>
+            </a:r>
+            <a:r>
+              <a:rPr sz="800" spc="75" dirty="0">
+                <a:solidFill>
+                  <a:srgbClr val="6D6D6D"/>
+                </a:solidFill>
+                <a:latin typeface="Adobe Clean"/>
+                <a:cs typeface="Adobe Clean"/>
+              </a:rPr>
               <a:t> </a:t>
             </a:r>
             <a:r>
-              <a:rPr lang="de-de" sz="800" spc="-5" dirty="0">
+              <a:rPr sz="800" spc="-5" dirty="0">
                 <a:solidFill>
                   <a:srgbClr val="6D6D6D"/>
                 </a:solidFill>
                 <a:latin typeface="Adobe Clean"/>
                 <a:cs typeface="Adobe Clean"/>
               </a:rPr>
-              <a:t>機密資訊。</a:t>
+              <a:t>Confidential.</a:t>
             </a:r>
             <a:endParaRPr sz="800" dirty="0">
               <a:latin typeface="Adobe Clean"/>
@@ -14238,7 +16188,7 @@
         </p:nvSpPr>
         <p:spPr>
           <a:xfrm>
-            <a:off x="171129" y="5057379"/>
+            <a:off x="190707" y="4913781"/>
             <a:ext cx="6476646" cy="755976"/>
           </a:xfrm>
           <a:prstGeom prst="rect">
@@ -14246,126 +16196,47 @@
           </a:prstGeom>
         </p:spPr>
         <p:txBody>
-          <a:bodyPr vert="horz" wrap="square" lIns="0" tIns="116205" rIns="0" bIns="0" rtlCol="0">
+          <a:bodyPr vert="horz" wrap="square" lIns="0" tIns="116205" rIns="0" bIns="0" rtlCol="0" anchor="t">
             <a:spAutoFit/>
           </a:bodyPr>
           <a:lstStyle/>
           <a:p>
-            <a:pPr lvl="0">
+            <a:pPr>
               <a:spcBef>
                 <a:spcPts val="915"/>
               </a:spcBef>
             </a:pPr>
             <a:r>
-              <a:rPr lang="en-US" altLang="zh-TW" sz="1400" b="1" spc="-15" dirty="0">
-                <a:solidFill>
-                  <a:srgbClr val="020302"/>
-                </a:solidFill>
-                <a:latin typeface="Adobe Clean"/>
-                <a:cs typeface="Adobe Clean"/>
-              </a:rPr>
-              <a:t>Adobe </a:t>
-            </a:r>
-            <a:r>
-              <a:rPr lang="zh-TW" altLang="en-US" sz="1400" b="1" spc="-15" dirty="0">
-                <a:solidFill>
-                  <a:srgbClr val="020302"/>
-                </a:solidFill>
-                <a:latin typeface="Adobe Clean"/>
-                <a:cs typeface="Adobe Clean"/>
-              </a:rPr>
-              <a:t>支援的區域範圍、當地營業時間和語言支援</a:t>
-            </a:r>
-            <a:endParaRPr lang="pl-PL" altLang="zh-TW" sz="1400" b="1" spc="-15" dirty="0">
-              <a:solidFill>
-                <a:srgbClr val="020302"/>
-              </a:solidFill>
-              <a:latin typeface="Adobe Clean"/>
-              <a:cs typeface="Adobe Clean"/>
+              <a:rPr lang="en-US" sz="1400" b="1" spc="-15">
+                <a:solidFill>
+                  <a:srgbClr val="020302"/>
+                </a:solidFill>
+                <a:latin typeface="Adobe Clean"/>
+                <a:cs typeface="Adobe Clean"/>
+              </a:rPr>
+              <a:t>Regional scope of Adobe Support, Local Hours Of Operation And Language Support</a:t>
+            </a:r>
+            <a:endParaRPr lang="en-US" sz="1400" spc="-15">
+              <a:ea typeface="+mn-lt"/>
+              <a:cs typeface="+mn-lt"/>
             </a:endParaRPr>
           </a:p>
           <a:p>
-            <a:pPr lvl="0">
+            <a:pPr>
               <a:spcBef>
                 <a:spcPts val="915"/>
               </a:spcBef>
             </a:pPr>
             <a:r>
-              <a:rPr lang="en-US" altLang="zh-TW" sz="1000" spc="-15" dirty="0">
+              <a:rPr lang="en-US" sz="1000" spc="-15">
                 <a:solidFill>
                   <a:srgbClr val="1F1F1F"/>
                 </a:solidFill>
                 <a:latin typeface="AdobeClean-Light"/>
               </a:rPr>
-              <a:t>Adobe </a:t>
-            </a:r>
-            <a:r>
-              <a:rPr lang="zh-TW" altLang="en-US" sz="1000" spc="-15" dirty="0">
-                <a:solidFill>
-                  <a:srgbClr val="1F1F1F"/>
-                </a:solidFill>
-                <a:latin typeface="AdobeClean-Light"/>
-              </a:rPr>
-              <a:t>支援的區域範圍是透過將客戶的帳單地址 </a:t>
-            </a:r>
-            <a:r>
-              <a:rPr lang="en-US" altLang="zh-TW" sz="1000" spc="-15" dirty="0">
-                <a:solidFill>
-                  <a:srgbClr val="1F1F1F"/>
-                </a:solidFill>
-                <a:latin typeface="AdobeClean-Light"/>
-              </a:rPr>
-              <a:t>(</a:t>
-            </a:r>
-            <a:r>
-              <a:rPr lang="zh-TW" altLang="en-US" sz="1000" spc="-15" dirty="0">
-                <a:solidFill>
-                  <a:srgbClr val="1F1F1F"/>
-                </a:solidFill>
-                <a:latin typeface="AdobeClean-Light"/>
-              </a:rPr>
-              <a:t>通過銷售訂單或其他 </a:t>
-            </a:r>
-            <a:r>
-              <a:rPr lang="en-US" altLang="zh-TW" sz="1000" spc="-15" dirty="0">
-                <a:solidFill>
-                  <a:srgbClr val="1F1F1F"/>
-                </a:solidFill>
-                <a:latin typeface="AdobeClean-Light"/>
-              </a:rPr>
-              <a:t>Adobe </a:t>
-            </a:r>
-            <a:r>
-              <a:rPr lang="zh-TW" altLang="en-US" sz="1000" spc="-15" dirty="0">
-                <a:solidFill>
-                  <a:srgbClr val="1F1F1F"/>
-                </a:solidFill>
-                <a:latin typeface="AdobeClean-Light"/>
-              </a:rPr>
-              <a:t>支援採購文件</a:t>
-            </a:r>
-            <a:r>
-              <a:rPr lang="en-US" altLang="zh-TW" sz="1000" spc="-15" dirty="0">
-                <a:solidFill>
-                  <a:srgbClr val="1F1F1F"/>
-                </a:solidFill>
-                <a:latin typeface="AdobeClean-Light"/>
-              </a:rPr>
-              <a:t>) </a:t>
-            </a:r>
-            <a:r>
-              <a:rPr lang="zh-TW" altLang="en-US" sz="1000" spc="-15" dirty="0">
-                <a:solidFill>
-                  <a:srgbClr val="1F1F1F"/>
-                </a:solidFill>
-                <a:latin typeface="AdobeClean-Light"/>
-              </a:rPr>
-              <a:t>歸納於以下區域之一來建立的：</a:t>
-            </a:r>
-            <a:endParaRPr lang="de-de" sz="1000" spc="-15" dirty="0">
-              <a:solidFill>
-                <a:srgbClr val="1F1F1F"/>
-              </a:solidFill>
+              <a:t>The regional scope of Adobe Support is established by aligning the customer's billing address (via the Sales Order or other Adobe Support purchasing document) to one of the following regions:</a:t>
+            </a:r>
+            <a:endParaRPr lang="en-US" sz="1000">
               <a:latin typeface="AdobeClean-Light"/>
             </a:endParaRPr>
           </a:p>
@@ -14386,14 +16257,14 @@
           <p:nvPr>
             <p:extLst>
               <p:ext uri="{D42A27DB-BD31-4B8C-83A1-F6EECF244321}">
-                <p14:modId xmlns:p14="http://schemas.microsoft.com/office/powerpoint/2010/main" val="3866538785"/>
+                <p14:modId xmlns:p14="http://schemas.microsoft.com/office/powerpoint/2010/main" val="1291534283"/>
               </p:ext>
             </p:extLst>
           </p:nvPr>
         </p:nvGraphicFramePr>
         <p:xfrm>
           <a:off x="171128" y="5907213"/>
-          <a:ext cx="7391400" cy="1336040"/>
+          <a:ext cx="7391400" cy="1391920"/>
         </p:xfrm>
         <a:graphic>
           <a:graphicData uri="http://schemas.openxmlformats.org/drawingml/2006/table">
@@ -14439,13 +16310,13 @@
                     <a:p>
                       <a:pPr algn="ctr"/>
                       <a:r>
-                        <a:rPr lang="de-de" sz="1100">
+                        <a:rPr lang="en-US" sz="1100">
                           <a:solidFill>
                             <a:schemeClr val="tx1"/>
                           </a:solidFill>
-                          <a:latin typeface="Adobe Clean" panose="020B0503020404020204" pitchFamily="34" charset="0"/>
+                          <a:latin typeface="Adobe Clean"/>
                         </a:rPr>
-                        <a:t>美洲</a:t>
+                        <a:t>Americas</a:t>
                       </a:r>
                     </a:p>
                   </a:txBody>
@@ -14504,13 +16375,13 @@
                     <a:p>
                       <a:pPr algn="ctr"/>
                       <a:r>
-                        <a:rPr lang="de-de" sz="1100">
+                        <a:rPr lang="en-US" sz="1100">
                           <a:solidFill>
                             <a:schemeClr val="tx1"/>
                           </a:solidFill>
-                          <a:latin typeface="Adobe Clean" panose="020B0503020404020204" pitchFamily="34" charset="0"/>
+                          <a:latin typeface="Adobe Clean"/>
                         </a:rPr>
-                        <a:t>歐洲、中東與非洲</a:t>
+                        <a:t>Europe, Middle East &amp; Africa</a:t>
                       </a:r>
                     </a:p>
                   </a:txBody>
@@ -14569,13 +16440,13 @@
                     <a:p>
                       <a:pPr algn="ctr"/>
                       <a:r>
-                        <a:rPr lang="de-de" sz="1100">
+                        <a:rPr lang="en-US" sz="1100">
                           <a:solidFill>
                             <a:schemeClr val="tx1"/>
                           </a:solidFill>
-                          <a:latin typeface="Adobe Clean" panose="020B0503020404020204" pitchFamily="34" charset="0"/>
+                          <a:latin typeface="Adobe Clean"/>
                         </a:rPr>
-                        <a:t>亞太地區</a:t>
+                        <a:t>Asia Pacific</a:t>
                       </a:r>
                     </a:p>
                   </a:txBody>
@@ -14634,22 +16505,22 @@
                     <a:p>
                       <a:pPr algn="ctr"/>
                       <a:r>
-                        <a:rPr lang="de-de" sz="1100">
+                        <a:rPr lang="en-US" sz="1100">
                           <a:solidFill>
                             <a:schemeClr val="tx1"/>
                           </a:solidFill>
                           <a:latin typeface="Adobe Clean"/>
                         </a:rPr>
-                        <a:t>日本 </a:t>
+                        <a:t>Japan </a:t>
                       </a:r>
                       <a:r>
-                        <a:rPr lang="de-de" sz="1100" baseline="30000">
+                        <a:rPr lang="en-US" sz="1100" baseline="30000">
                           <a:solidFill>
                             <a:schemeClr val="tx1"/>
                           </a:solidFill>
                           <a:latin typeface="Adobe Clean"/>
                         </a:rPr>
-                        <a:t>1</a:t>
+                        <a:t>1 </a:t>
                       </a:r>
                       <a:endParaRPr lang="en-US" sz="1100">
                         <a:solidFill>
@@ -14721,13 +16592,13 @@
                     <a:p>
                       <a:pPr algn="ctr"/>
                       <a:r>
-                        <a:rPr lang="de-de" sz="1100">
+                        <a:rPr lang="en-US" sz="1100">
                           <a:solidFill>
                             <a:schemeClr val="tx1"/>
                           </a:solidFill>
-                          <a:latin typeface="Adobe Clean" panose="020B0503020404020204" pitchFamily="34" charset="0"/>
+                          <a:latin typeface="Adobe Clean"/>
                         </a:rPr>
-                        <a:t>上午 6 點 – 下午 5:30</a:t>
+                        <a:t>6 am – 5:30 pm</a:t>
                       </a:r>
                     </a:p>
                   </a:txBody>
@@ -14786,13 +16657,13 @@
                     <a:p>
                       <a:pPr algn="ctr"/>
                       <a:r>
-                        <a:rPr lang="de-de" sz="1100">
+                        <a:rPr lang="en-US" sz="1100">
                           <a:solidFill>
                             <a:schemeClr val="tx1"/>
                           </a:solidFill>
-                          <a:latin typeface="Adobe Clean" panose="020B0503020404020204" pitchFamily="34" charset="0"/>
+                          <a:latin typeface="Adobe Clean"/>
                         </a:rPr>
-                        <a:t>上午 9 點 – 下午 5 點</a:t>
+                        <a:t>9 am – 5 pm</a:t>
                       </a:r>
                     </a:p>
                   </a:txBody>
@@ -14851,13 +16722,13 @@
                     <a:p>
                       <a:pPr algn="ctr"/>
                       <a:r>
-                        <a:rPr lang="de-de" sz="1100">
+                        <a:rPr lang="en-US" sz="1100">
                           <a:solidFill>
                             <a:schemeClr val="tx1"/>
                           </a:solidFill>
-                          <a:latin typeface="Adobe Clean" panose="020B0503020404020204" pitchFamily="34" charset="0"/>
+                          <a:latin typeface="Adobe Clean"/>
                         </a:rPr>
-                        <a:t>上午 9 點 – 下午 5 點</a:t>
+                        <a:t>9 am – 5 pm</a:t>
                       </a:r>
                     </a:p>
                   </a:txBody>
@@ -14916,13 +16787,13 @@
                     <a:p>
                       <a:pPr algn="ctr"/>
                       <a:r>
-                        <a:rPr lang="de-de" sz="1100">
+                        <a:rPr lang="en-US" sz="1100">
                           <a:solidFill>
                             <a:schemeClr val="tx1"/>
                           </a:solidFill>
-                          <a:latin typeface="Adobe Clean" panose="020B0503020404020204" pitchFamily="34" charset="0"/>
+                          <a:latin typeface="Adobe Clean"/>
                         </a:rPr>
-                        <a:t>上午 9 點 – 下午 5:30</a:t>
+                        <a:t>9 am – 5:30 pm</a:t>
                       </a:r>
                     </a:p>
                   </a:txBody>
@@ -14999,10 +16870,9 @@
                         <a:buNone/>
                       </a:pPr>
                       <a:r>
-                        <a:rPr lang="de-de" sz="1100" b="0" i="0" u="none" strike="noStrike" noProof="0" dirty="0"/>
-                        <a:t>僅提供英文和日文的語言支援</a:t>
+                        <a:rPr lang="en-US" sz="1100" b="0" i="0" u="none" strike="noStrike" noProof="0"/>
+                        <a:t>Language support is only available in English and Japanese.</a:t>
                       </a:r>
-                      <a:endParaRPr lang="en-US" dirty="0"/>
                     </a:p>
                     <a:p>
                       <a:pPr lvl="0" algn="ctr">
@@ -15017,7 +16887,7 @@
                         </a:spcAft>
                         <a:buNone/>
                       </a:pPr>
-                      <a:endParaRPr lang="en-US" sz="1100" b="0" i="0" u="none" strike="noStrike" noProof="0" dirty="0"/>
+                      <a:endParaRPr lang="en-US" sz="1100" b="0" i="0" u="none" strike="noStrike" noProof="0"/>
                     </a:p>
                     <a:p>
                       <a:pPr lvl="0" algn="ctr">
@@ -15033,22 +16903,18 @@
                         <a:buNone/>
                       </a:pPr>
                       <a:r>
-                        <a:rPr lang="de-de" sz="1100" b="0" i="0" u="none" strike="noStrike" noProof="0" dirty="0"/>
-                        <a:t> </a:t>
+                        <a:rPr lang="en-US" sz="1100" b="0" i="0" u="none" strike="noStrike" noProof="0"/>
+                        <a:t> </a:t>
                       </a:r>
                       <a:r>
-                        <a:rPr lang="de-de" sz="1100" b="0" i="0" u="none" strike="noStrike" baseline="30000" noProof="0" dirty="0"/>
+                        <a:rPr lang="en-US" sz="1100" b="0" i="0" u="none" strike="noStrike" baseline="30000" noProof="0"/>
                         <a:t>1 </a:t>
                       </a:r>
                       <a:r>
-                        <a:rPr lang="de-de" sz="1100" b="0" i="0" u="none" strike="noStrike" noProof="0" dirty="0"/>
-                        <a:t>P2、P3、P4 </a:t>
+                        <a:rPr lang="en-US" sz="1100" b="0" i="0" u="none" strike="noStrike" noProof="0"/>
+                        <a:t>P2, P3, P4 cases are limited to business hours only in Japan.</a:t>
                       </a:r>
-                      <a:r>
-                        <a:rPr lang="zh-TW" altLang="en-US" sz="1100" b="0" i="0" u="none" strike="noStrike" noProof="0"/>
-                        <a:t> 案件僅限於在日本的營業時間提交。</a:t>
-                      </a:r>
-                      <a:endParaRPr lang="en-US" dirty="0"/>
+                      <a:endParaRPr lang="en-US" sz="1100" b="1" i="0" u="none" strike="noStrike" noProof="0"/>
                     </a:p>
                   </a:txBody>
                   <a:tcPr anchor="ctr">
@@ -15412,34 +17278,124 @@
               </a:spcBef>
             </a:pPr>
             <a:r>
-              <a:rPr lang="de-de" sz="1200" b="1" spc="-15">
+              <a:rPr sz="1200" b="1" spc="-15">
                 <a:solidFill>
                   <a:srgbClr val="FFFFFF"/>
                 </a:solidFill>
                 <a:latin typeface="Adobe Clean"/>
                 <a:cs typeface="Adobe Clean"/>
               </a:rPr>
-              <a:t>無與倫比的</a:t>
-            </a:r>
-            <a:r>
-              <a:rPr lang="de-de" sz="1200" b="1" spc="-20">
+              <a:t>U</a:t>
+            </a:r>
+            <a:r>
+              <a:rPr sz="1200" b="1" spc="-20">
                 <a:solidFill>
                   <a:srgbClr val="FFFFFF"/>
                 </a:solidFill>
                 <a:latin typeface="Adobe Clean"/>
                 <a:cs typeface="Adobe Clean"/>
               </a:rPr>
-              <a:t>專業知識</a:t>
-            </a:r>
-            <a:r>
-              <a:rPr lang="de-de" sz="1200" b="1">
+              <a:t>n</a:t>
+            </a:r>
+            <a:r>
+              <a:rPr sz="1200" b="1" spc="-25">
                 <a:solidFill>
                   <a:srgbClr val="FFFFFF"/>
                 </a:solidFill>
                 <a:latin typeface="Adobe Clean"/>
                 <a:cs typeface="Adobe Clean"/>
               </a:rPr>
-              <a:t> </a:t>
+              <a:t>p</a:t>
+            </a:r>
+            <a:r>
+              <a:rPr sz="1200" b="1" spc="-15">
+                <a:solidFill>
+                  <a:srgbClr val="FFFFFF"/>
+                </a:solidFill>
+                <a:latin typeface="Adobe Clean"/>
+                <a:cs typeface="Adobe Clean"/>
+              </a:rPr>
+              <a:t>a</a:t>
+            </a:r>
+            <a:r>
+              <a:rPr sz="1200" b="1" spc="-25">
+                <a:solidFill>
+                  <a:srgbClr val="FFFFFF"/>
+                </a:solidFill>
+                <a:latin typeface="Adobe Clean"/>
+                <a:cs typeface="Adobe Clean"/>
+              </a:rPr>
+              <a:t>r</a:t>
+            </a:r>
+            <a:r>
+              <a:rPr sz="1200" b="1" spc="-15">
+                <a:solidFill>
+                  <a:srgbClr val="FFFFFF"/>
+                </a:solidFill>
+                <a:latin typeface="Adobe Clean"/>
+                <a:cs typeface="Adobe Clean"/>
+              </a:rPr>
+              <a:t>a</a:t>
+            </a:r>
+            <a:r>
+              <a:rPr sz="1200" b="1" spc="-30">
+                <a:solidFill>
+                  <a:srgbClr val="FFFFFF"/>
+                </a:solidFill>
+                <a:latin typeface="Adobe Clean"/>
+                <a:cs typeface="Adobe Clean"/>
+              </a:rPr>
+              <a:t>ll</a:t>
+            </a:r>
+            <a:r>
+              <a:rPr sz="1200" b="1" spc="-25">
+                <a:solidFill>
+                  <a:srgbClr val="FFFFFF"/>
+                </a:solidFill>
+                <a:latin typeface="Adobe Clean"/>
+                <a:cs typeface="Adobe Clean"/>
+              </a:rPr>
+              <a:t>e</a:t>
+            </a:r>
+            <a:r>
+              <a:rPr sz="1200" b="1" spc="-30">
+                <a:solidFill>
+                  <a:srgbClr val="FFFFFF"/>
+                </a:solidFill>
+                <a:latin typeface="Adobe Clean"/>
+                <a:cs typeface="Adobe Clean"/>
+              </a:rPr>
+              <a:t>l</a:t>
+            </a:r>
+            <a:r>
+              <a:rPr sz="1200" b="1" spc="-25">
+                <a:solidFill>
+                  <a:srgbClr val="FFFFFF"/>
+                </a:solidFill>
+                <a:latin typeface="Adobe Clean"/>
+                <a:cs typeface="Adobe Clean"/>
+              </a:rPr>
+              <a:t>e</a:t>
+            </a:r>
+            <a:r>
+              <a:rPr sz="1200" b="1">
+                <a:solidFill>
+                  <a:srgbClr val="FFFFFF"/>
+                </a:solidFill>
+                <a:latin typeface="Adobe Clean"/>
+                <a:cs typeface="Adobe Clean"/>
+              </a:rPr>
+              <a:t>d  </a:t>
+            </a:r>
+            <a:r>
+              <a:rPr sz="1200" b="1" spc="-25">
+                <a:solidFill>
+                  <a:srgbClr val="FFFFFF"/>
+                </a:solidFill>
+                <a:latin typeface="Adobe Clean"/>
+                <a:cs typeface="Adobe Clean"/>
+              </a:rPr>
+              <a:t>Expertise</a:t>
             </a:r>
             <a:endParaRPr sz="1200">
               <a:latin typeface="Adobe Clean"/>
@@ -15484,14 +17440,14 @@
               </a:spcBef>
             </a:pPr>
             <a:r>
-              <a:rPr lang="de-de" sz="1200" b="1" spc="-15">
+              <a:rPr lang="en-US" sz="1200" b="1" spc="-15">
                 <a:solidFill>
                   <a:srgbClr val="FFFFFF"/>
                 </a:solidFill>
                 <a:latin typeface="Adobe Clean"/>
                 <a:cs typeface="Adobe Clean"/>
               </a:rPr>
-              <a:t>加速支援</a:t>
+              <a:t>Accelerated Support</a:t>
             </a:r>
             <a:endParaRPr sz="1200">
               <a:latin typeface="Adobe Clean"/>
@@ -15536,44 +17492,104 @@
               </a:spcBef>
             </a:pPr>
             <a:r>
-              <a:rPr lang="de-de" sz="1200" b="1" spc="-50">
+              <a:rPr sz="1200" b="1" spc="-50">
                 <a:solidFill>
                   <a:srgbClr val="FFFFFF"/>
                 </a:solidFill>
                 <a:latin typeface="Adobe Clean"/>
                 <a:cs typeface="Adobe Clean"/>
               </a:rPr>
-              <a:t>策</a:t>
-            </a:r>
-            <a:r>
-              <a:rPr lang="de-de" sz="1200" b="1" spc="-20">
+              <a:t>S</a:t>
+            </a:r>
+            <a:r>
+              <a:rPr sz="1200" b="1" spc="-20">
                 <a:solidFill>
                   <a:srgbClr val="FFFFFF"/>
                 </a:solidFill>
                 <a:latin typeface="Adobe Clean"/>
                 <a:cs typeface="Adobe Clean"/>
               </a:rPr>
-              <a:t>略</a:t>
-            </a:r>
-            <a:r>
-              <a:rPr lang="de-de" sz="1200" b="1" spc="-75">
+              <a:t>t</a:t>
+            </a:r>
+            <a:r>
+              <a:rPr sz="1200" b="1" spc="-75">
                 <a:solidFill>
                   <a:srgbClr val="FFFFFF"/>
                 </a:solidFill>
                 <a:latin typeface="Adobe Clean"/>
                 <a:cs typeface="Adobe Clean"/>
               </a:rPr>
-              <a:t>性</a:t>
-            </a:r>
-            <a:r>
-              <a:rPr lang="de-de" sz="1200" b="1" spc="-45">
+              <a:t>r</a:t>
+            </a:r>
+            <a:r>
+              <a:rPr sz="1200" b="1" spc="-90">
                 <a:solidFill>
                   <a:srgbClr val="FFFFFF"/>
                 </a:solidFill>
                 <a:latin typeface="Adobe Clean"/>
                 <a:cs typeface="Adobe Clean"/>
               </a:rPr>
-              <a:t>建議</a:t>
+              <a:t>a</a:t>
+            </a:r>
+            <a:r>
+              <a:rPr sz="1200" b="1" spc="-55">
+                <a:solidFill>
+                  <a:srgbClr val="FFFFFF"/>
+                </a:solidFill>
+                <a:latin typeface="Adobe Clean"/>
+                <a:cs typeface="Adobe Clean"/>
+              </a:rPr>
+              <a:t>t</a:t>
+            </a:r>
+            <a:r>
+              <a:rPr sz="1200" b="1" spc="-100">
+                <a:solidFill>
+                  <a:srgbClr val="FFFFFF"/>
+                </a:solidFill>
+                <a:latin typeface="Adobe Clean"/>
+                <a:cs typeface="Adobe Clean"/>
+              </a:rPr>
+              <a:t>e</a:t>
+            </a:r>
+            <a:r>
+              <a:rPr sz="1200" b="1" spc="-80">
+                <a:solidFill>
+                  <a:srgbClr val="FFFFFF"/>
+                </a:solidFill>
+                <a:latin typeface="Adobe Clean"/>
+                <a:cs typeface="Adobe Clean"/>
+              </a:rPr>
+              <a:t>g</a:t>
+            </a:r>
+            <a:r>
+              <a:rPr sz="1200" b="1" spc="-35">
+                <a:solidFill>
+                  <a:srgbClr val="FFFFFF"/>
+                </a:solidFill>
+                <a:latin typeface="Adobe Clean"/>
+                <a:cs typeface="Adobe Clean"/>
+              </a:rPr>
+              <a:t>i</a:t>
+            </a:r>
+            <a:r>
+              <a:rPr sz="1200" b="1">
+                <a:solidFill>
+                  <a:srgbClr val="FFFFFF"/>
+                </a:solidFill>
+                <a:latin typeface="Adobe Clean"/>
+                <a:cs typeface="Adobe Clean"/>
+              </a:rPr>
+              <a:t>c  </a:t>
+            </a:r>
+            <a:r>
+              <a:rPr sz="1200" b="1" spc="-45">
+                <a:solidFill>
+                  <a:srgbClr val="FFFFFF"/>
+                </a:solidFill>
+                <a:latin typeface="Adobe Clean"/>
+                <a:cs typeface="Adobe Clean"/>
+              </a:rPr>
+              <a:t>Advice</a:t>
             </a:r>
             <a:endParaRPr sz="1200">
               <a:latin typeface="Adobe Clean"/>
@@ -15597,14 +17613,14 @@
           <p:nvPr>
             <p:extLst>
               <p:ext uri="{D42A27DB-BD31-4B8C-83A1-F6EECF244321}">
-                <p14:modId xmlns:p14="http://schemas.microsoft.com/office/powerpoint/2010/main" val="1502969284"/>
+                <p14:modId xmlns:p14="http://schemas.microsoft.com/office/powerpoint/2010/main" val="4232335107"/>
               </p:ext>
             </p:extLst>
           </p:nvPr>
         </p:nvGraphicFramePr>
         <p:xfrm>
           <a:off x="194237" y="1272353"/>
-          <a:ext cx="7368291" cy="2473960"/>
+          <a:ext cx="7368291" cy="2931160"/>
         </p:xfrm>
         <a:graphic>
           <a:graphicData uri="http://schemas.openxmlformats.org/drawingml/2006/table">
@@ -15635,22 +17651,22 @@
                     <a:lstStyle/>
                     <a:p>
                       <a:r>
-                        <a:rPr lang="de-de" sz="1100" b="0">
+                        <a:rPr lang="en-US" sz="1100" b="0" dirty="0">
                           <a:solidFill>
                             <a:schemeClr val="tx1"/>
                           </a:solidFill>
-                          <a:latin typeface="Adobe Clean" panose="020B0503020404020204" pitchFamily="34" charset="0"/>
+                          <a:latin typeface="Adobe Clean"/>
                           <a:ea typeface="+mn-ea"/>
                           <a:cs typeface="+mn-cs"/>
                           <a:hlinkClick r:id="rId7"/>
                         </a:rPr>
                         <a:t>Experience League</a:t>
                       </a:r>
-                      <a:endParaRPr lang="en-US" sz="1100" b="0">
+                      <a:endParaRPr lang="en-US" sz="1100" b="0" dirty="0">
                         <a:solidFill>
                           <a:schemeClr val="tx1"/>
                         </a:solidFill>
-                        <a:latin typeface="Adobe Clean" panose="020B0503020404020204" pitchFamily="34" charset="0"/>
+                        <a:latin typeface="Adobe Clean"/>
                         <a:ea typeface="+mn-ea"/>
                         <a:cs typeface="+mn-cs"/>
                       </a:endParaRPr>
@@ -15709,7 +17725,7 @@
                     <a:bodyPr/>
                     <a:lstStyle/>
                     <a:p>
-                      <a:pPr marL="0" marR="0" lvl="0" indent="0" defTabSz="914400" eaLnBrk="1" fontAlgn="auto" latinLnBrk="0" hangingPunct="1">
+                      <a:pPr marL="0" marR="0" lvl="0" indent="0" eaLnBrk="1" fontAlgn="auto" latinLnBrk="0" hangingPunct="1">
                         <a:lnSpc>
                           <a:spcPct val="100000"/>
                         </a:lnSpc>
@@ -15723,20 +17739,26 @@
                         <a:buSzTx/>
                         <a:buFontTx/>
                         <a:buNone/>
-                        <a:tabLst/>
-                        <a:defRPr/>
                       </a:pPr>
                       <a:r>
-                        <a:rPr lang="de-de" sz="1000" b="0" kern="1200">
+                        <a:rPr lang="en-US" sz="1000" b="0" kern="1200" dirty="0">
                           <a:solidFill>
                             <a:srgbClr val="000000"/>
                           </a:solidFill>
-                          <a:latin typeface="Adobe Clean Light" panose="020B0303020404020204" pitchFamily="34" charset="0"/>
+                          <a:latin typeface="Adobe Clean Light"/>
                           <a:ea typeface="+mn-ea"/>
                           <a:cs typeface="+mn-cs"/>
                         </a:rPr>
-                        <a:t>Experience League 是 Adobe 幫助企業經由其所做的 Adobe 投資來實現預期價值的方式。這是一個統一的位置，客戶可以在這裡學習、交流並沿著個人化的成功路徑而成長，這裡有提供自助式教學課程、產品文件、由講師授課的培訓課程、社群及技術支援。</a:t>
+                        <a:t>Experience League is how Adobe helps businesses achieve the value they expect from their Adobe investment. It’s the unified place where customers can learn, connect, and grow along a personalized path to success that includes self-help tutorials, product documentation, instructor-led training, community and technical support. </a:t>
                       </a:r>
+                      <a:endParaRPr lang="en-US" sz="1000" b="0" kern="1200">
+                        <a:solidFill>
+                          <a:srgbClr val="000000"/>
+                        </a:solidFill>
+                        <a:latin typeface="Adobe Clean Light" panose="020B0303020404020204" pitchFamily="34" charset="0"/>
+                        <a:ea typeface="+mn-ea"/>
+                        <a:cs typeface="+mn-cs"/>
+                      </a:endParaRPr>
                     </a:p>
                   </a:txBody>
                   <a:tcPr anchor="ctr">
@@ -15817,24 +17839,36 @@
                         <a:defRPr/>
                       </a:pPr>
                       <a:r>
-                        <a:rPr lang="de-de" sz="1100">
+                        <a:rPr lang="en-US" sz="1100" dirty="0">
                           <a:solidFill>
                             <a:schemeClr val="dk1"/>
                           </a:solidFill>
                           <a:effectLst/>
-                          <a:latin typeface="Adobe Clean" panose="020B0503020404020204" pitchFamily="34" charset="0"/>
+                          <a:latin typeface="Adobe Clean"/>
                           <a:ea typeface="+mn-ea"/>
                           <a:cs typeface="+mn-cs"/>
                           <a:hlinkClick r:id="rId8"/>
                         </a:rPr>
-                        <a:t>培訓</a:t>
+                        <a:t>Training</a:t>
                       </a:r>
-                      <a:endParaRPr lang="en-US" sz="1100">
+                      <a:r>
+                        <a:rPr lang="en-US" sz="1100" dirty="0">
+                          <a:solidFill>
+                            <a:schemeClr val="dk1"/>
+                          </a:solidFill>
+                          <a:effectLst/>
+                          <a:latin typeface="Adobe Clean"/>
+                          <a:ea typeface="+mn-ea"/>
+                          <a:cs typeface="+mn-cs"/>
+                        </a:rPr>
+                        <a:t> </a:t>
+                      </a:r>
+                      <a:endParaRPr lang="en-US" sz="1100" dirty="0">
                         <a:solidFill>
                           <a:schemeClr val="tx1"/>
                         </a:solidFill>
                         <a:effectLst/>
-                        <a:latin typeface="Adobe Clean" panose="020B0503020404020204" pitchFamily="34" charset="0"/>
+                        <a:latin typeface="Adobe Clean"/>
                         <a:ea typeface="+mn-ea"/>
                         <a:cs typeface="+mn-cs"/>
                       </a:endParaRPr>
@@ -15911,15 +17945,15 @@
                         <a:defRPr/>
                       </a:pPr>
                       <a:r>
-                        <a:rPr lang="de-de" sz="1000" kern="1200">
+                        <a:rPr lang="en-US" sz="1000" kern="1200" dirty="0">
                           <a:solidFill>
                             <a:srgbClr val="000000"/>
                           </a:solidFill>
-                          <a:latin typeface="Adobe Clean Light" panose="020B0303020404020204" pitchFamily="34" charset="0"/>
+                          <a:latin typeface="Adobe Clean Light"/>
                           <a:ea typeface="+mn-ea"/>
                           <a:cs typeface="+mn-cs"/>
                         </a:rPr>
-                        <a:t>您可以從 Experience League 存取 Adobe 數位學習服務課程。學習課程整合了隨需和教師指導的課程。在這裡，您可以習取市場公認價值的技能，並將其定位以促進貴組織獲致成功。</a:t>
+                        <a:t>Adobe Digital Learning Services courses are accessible from Experience League. Learning courses integrate both on-demand and instructor-led lessons.  Here you can accrue skills that have recognized market value and position them to drive success in your organizations.</a:t>
                       </a:r>
                     </a:p>
                   </a:txBody>
@@ -16001,24 +18035,24 @@
                         <a:defRPr/>
                       </a:pPr>
                       <a:r>
-                        <a:rPr lang="de-de" sz="1100">
+                        <a:rPr lang="en-US" sz="1100" dirty="0">
                           <a:solidFill>
                             <a:schemeClr val="tx1"/>
                           </a:solidFill>
                           <a:effectLst/>
-                          <a:latin typeface="Adobe Clean" panose="020B0503020404020204" pitchFamily="34" charset="0"/>
+                          <a:latin typeface="Adobe Clean"/>
                           <a:ea typeface="+mn-ea"/>
                           <a:cs typeface="+mn-cs"/>
                           <a:hlinkClick r:id="rId9"/>
                         </a:rPr>
-                        <a:t>生產問題與系統中斷</a:t>
+                        <a:t>Production Issues &amp; System Outages</a:t>
                       </a:r>
-                      <a:endParaRPr lang="en-US" sz="1100">
+                      <a:endParaRPr lang="en-US" sz="1100" dirty="0">
                         <a:solidFill>
                           <a:schemeClr val="tx1"/>
                         </a:solidFill>
                         <a:effectLst/>
-                        <a:latin typeface="Adobe Clean" panose="020B0503020404020204" pitchFamily="34" charset="0"/>
+                        <a:latin typeface="Adobe Clean"/>
                         <a:ea typeface="+mn-ea"/>
                         <a:cs typeface="+mn-cs"/>
                       </a:endParaRPr>
@@ -16077,7 +18111,7 @@
                     <a:bodyPr/>
                     <a:lstStyle/>
                     <a:p>
-                      <a:pPr marL="0" marR="0" lvl="0" indent="0" defTabSz="914400" eaLnBrk="1" fontAlgn="auto" latinLnBrk="0" hangingPunct="1">
+                      <a:pPr marL="0" marR="0" lvl="0" indent="0" eaLnBrk="1" fontAlgn="auto" latinLnBrk="0" hangingPunct="1">
                         <a:lnSpc>
                           <a:spcPct val="100000"/>
                         </a:lnSpc>
@@ -16091,20 +18125,26 @@
                         <a:buSzTx/>
                         <a:buFontTx/>
                         <a:buNone/>
-                        <a:tabLst/>
-                        <a:defRPr/>
                       </a:pPr>
                       <a:r>
-                        <a:rPr lang="de-de" sz="1000" kern="1200">
+                        <a:rPr lang="en-US" sz="1000" kern="1200" dirty="0">
                           <a:solidFill>
                             <a:srgbClr val="000000"/>
                           </a:solidFill>
-                          <a:latin typeface="Adobe Clean Light" panose="020B0303020404020204" pitchFamily="34" charset="0"/>
+                          <a:latin typeface="Adobe Clean Light"/>
                           <a:ea typeface="+mn-ea"/>
                           <a:cs typeface="+mn-cs"/>
                         </a:rPr>
-                        <a:t>Status.adobe.com 會傳達所有在多租用戶環境中部署的 Adobe 產品與服務的健康資訊。客戶可以選擇其訂閱偏好設定，以便在 Adobe 建立、更新或解決產品事件時收到電子郵件通知。這可以包括預定的維護或是不同嚴重性等級的服務問題。</a:t>
+                        <a:t>Status.adobe.com conveys the health information of all Adobe products and services that are deployed in multi-tenant environments. Customers can choose their subscription preferences to get email notifications whenever Adobe creates, updates or resolves a product event. This can include scheduled maintenance or service issues of varying levels of severity. </a:t>
                       </a:r>
+                      <a:endParaRPr lang="en-US" sz="1000" kern="1200">
+                        <a:solidFill>
+                          <a:srgbClr val="000000"/>
+                        </a:solidFill>
+                        <a:latin typeface="Adobe Clean Light" panose="020B0303020404020204" pitchFamily="34" charset="0"/>
+                        <a:ea typeface="+mn-ea"/>
+                        <a:cs typeface="+mn-cs"/>
+                      </a:endParaRPr>
                     </a:p>
                   </a:txBody>
                   <a:tcPr anchor="ctr">
@@ -16185,24 +18225,24 @@
                         <a:defRPr/>
                       </a:pPr>
                       <a:r>
-                        <a:rPr lang="de-de" sz="1100">
+                        <a:rPr lang="en-US" sz="1100" dirty="0">
                           <a:solidFill>
                             <a:schemeClr val="tx1"/>
                           </a:solidFill>
                           <a:effectLst/>
-                          <a:latin typeface="Adobe Clean" panose="020B0503020404020204" pitchFamily="34" charset="0"/>
+                          <a:latin typeface="Adobe Clean"/>
                           <a:ea typeface="+mn-ea"/>
                           <a:cs typeface="+mn-cs"/>
                           <a:hlinkClick r:id="rId10"/>
                         </a:rPr>
-                        <a:t>條款與條件</a:t>
+                        <a:t>Terms and Conditions</a:t>
                       </a:r>
-                      <a:endParaRPr lang="en-US" sz="1100">
+                      <a:endParaRPr lang="en-US" sz="1100" dirty="0">
                         <a:solidFill>
                           <a:schemeClr val="tx1"/>
                         </a:solidFill>
                         <a:effectLst/>
-                        <a:latin typeface="Adobe Clean" panose="020B0503020404020204" pitchFamily="34" charset="0"/>
+                        <a:latin typeface="Adobe Clean"/>
                         <a:ea typeface="+mn-ea"/>
                         <a:cs typeface="+mn-cs"/>
                       </a:endParaRPr>
@@ -16262,16 +18302,24 @@
                     <a:lstStyle/>
                     <a:p>
                       <a:r>
-                        <a:rPr lang="de-de" sz="1000" kern="1200">
+                        <a:rPr lang="en-US" sz="1000" kern="1200" dirty="0">
                           <a:solidFill>
                             <a:srgbClr val="000000"/>
                           </a:solidFill>
-                          <a:latin typeface="Adobe Clean Light" panose="020B0303020404020204" pitchFamily="34" charset="0"/>
+                          <a:latin typeface="Adobe Clean Light"/>
                           <a:ea typeface="+mn-ea"/>
                           <a:cs typeface="+mn-cs"/>
                         </a:rPr>
-                        <a:t>詳述支援服務方案的條款與條件</a:t>
+                        <a:t>Terms and conditions detailing Support Services offerings.</a:t>
                       </a:r>
+                      <a:endParaRPr lang="en-US" sz="1000" kern="1200" dirty="0">
+                        <a:solidFill>
+                          <a:srgbClr val="000000"/>
+                        </a:solidFill>
+                        <a:latin typeface="Adobe Clean Light" panose="020B0303020404020204" pitchFamily="34" charset="0"/>
+                        <a:ea typeface="+mn-ea"/>
+                        <a:cs typeface="+mn-cs"/>
+                      </a:endParaRPr>
                     </a:p>
                   </a:txBody>
                   <a:tcPr anchor="ctr">
@@ -16334,7 +18382,7 @@
       </p:graphicFrame>
       <p:pic>
         <p:nvPicPr>
-          <p:cNvPr id="8" name="Graphic 7" descr="目標大綱">
+          <p:cNvPr id="8" name="Graphic 7" descr="Target outline">
             <a:extLst>
               <a:ext uri="{FF2B5EF4-FFF2-40B4-BE49-F238E27FC236}">
                 <a16:creationId xmlns:a16="http://schemas.microsoft.com/office/drawing/2014/main" id="{1EAA263E-04A7-0D46-952E-EA3033B45116}"/>
@@ -16373,7 +18421,7 @@
       </p:pic>
       <p:pic>
         <p:nvPicPr>
-          <p:cNvPr id="10" name="Graphic 9" descr="火箭大綱">
+          <p:cNvPr id="10" name="Graphic 9" descr="Rocket outline">
             <a:extLst>
               <a:ext uri="{FF2B5EF4-FFF2-40B4-BE49-F238E27FC236}">
                 <a16:creationId xmlns:a16="http://schemas.microsoft.com/office/drawing/2014/main" id="{A068EBC3-B418-4E4A-A520-101CA4B39F23}"/>
@@ -16412,7 +18460,7 @@
       </p:pic>
       <p:pic>
         <p:nvPicPr>
-          <p:cNvPr id="12" name="Graphic 11" descr="獎章概述">
+          <p:cNvPr id="12" name="Graphic 11" descr="Medal outline">
             <a:extLst>
               <a:ext uri="{FF2B5EF4-FFF2-40B4-BE49-F238E27FC236}">
                 <a16:creationId xmlns:a16="http://schemas.microsoft.com/office/drawing/2014/main" id="{C7BEFC2D-0CA6-0448-B9FA-6E1581CA6D36}"/>
@@ -17041,6 +19089,12 @@
 </file>
 
 <file path=customXml/item1.xml><?xml version="1.0" encoding="utf-8"?>
+<p:properties xmlns:p="http://schemas.microsoft.com/office/2006/metadata/properties" xmlns:xsi="http://www.w3.org/2001/XMLSchema-instance" xmlns:pc="http://schemas.microsoft.com/office/infopath/2007/PartnerControls">
+  <documentManagement/>
+</p:properties>
+</file>
+
+<file path=customXml/item2.xml><?xml version="1.0" encoding="utf-8"?>
 <ct:contentTypeSchema xmlns:ct="http://schemas.microsoft.com/office/2006/metadata/contentType" xmlns:ma="http://schemas.microsoft.com/office/2006/metadata/properties/metaAttributes" ct:_="" ma:_="" ma:contentTypeName="Document" ma:contentTypeID="0x010100E783BF6876BCC646A459363AF21A7736" ma:contentTypeVersion="10" ma:contentTypeDescription="Create a new document." ma:contentTypeScope="" ma:versionID="c4ffda7f4f415767600769e454c2ea87">
   <xsd:schema xmlns:xsd="http://www.w3.org/2001/XMLSchema" xmlns:xs="http://www.w3.org/2001/XMLSchema" xmlns:p="http://schemas.microsoft.com/office/2006/metadata/properties" xmlns:ns2="8a053bff-88be-49e4-9a87-e748e18b8b62" xmlns:ns3="6c8368ec-3776-49b5-a5bb-90648cf9530f" targetNamespace="http://schemas.microsoft.com/office/2006/metadata/properties" ma:root="true" ma:fieldsID="df3ec33bccc23e23bce7bc897fad43d1" ns2:_="" ns3:_="">
     <xsd:import namespace="8a053bff-88be-49e4-9a87-e748e18b8b62"/>
@@ -17245,12 +19299,6 @@
 </ct:contentTypeSchema>
 </file>
 
-<file path=customXml/item2.xml><?xml version="1.0" encoding="utf-8"?>
-<p:properties xmlns:p="http://schemas.microsoft.com/office/2006/metadata/properties" xmlns:xsi="http://www.w3.org/2001/XMLSchema-instance" xmlns:pc="http://schemas.microsoft.com/office/infopath/2007/PartnerControls">
-  <documentManagement/>
-</p:properties>
-</file>
-
 <file path=customXml/item3.xml><?xml version="1.0" encoding="utf-8"?>
 <?mso-contentType ?>
 <FormTemplates xmlns="http://schemas.microsoft.com/sharepoint/v3/contenttype/forms">
@@ -17261,6 +19309,23 @@
 </file>
 
 <file path=customXml/itemProps1.xml><?xml version="1.0" encoding="utf-8"?>
+<ds:datastoreItem xmlns:ds="http://schemas.openxmlformats.org/officeDocument/2006/customXml" ds:itemID="{ED4099BE-EDEC-4FF1-8378-446617236015}">
+  <ds:schemaRefs>
+    <ds:schemaRef ds:uri="8a053bff-88be-49e4-9a87-e748e18b8b62"/>
+    <ds:schemaRef ds:uri="http://purl.org/dc/elements/1.1/"/>
+    <ds:schemaRef ds:uri="http://schemas.microsoft.com/office/2006/metadata/properties"/>
+    <ds:schemaRef ds:uri="http://www.w3.org/XML/1998/namespace"/>
+    <ds:schemaRef ds:uri="http://purl.org/dc/dcmitype/"/>
+    <ds:schemaRef ds:uri="http://schemas.microsoft.com/office/2006/documentManagement/types"/>
+    <ds:schemaRef ds:uri="http://schemas.openxmlformats.org/package/2006/metadata/core-properties"/>
+    <ds:schemaRef ds:uri="http://schemas.microsoft.com/office/infopath/2007/PartnerControls"/>
+    <ds:schemaRef ds:uri="6c8368ec-3776-49b5-a5bb-90648cf9530f"/>
+    <ds:schemaRef ds:uri="http://purl.org/dc/terms/"/>
+  </ds:schemaRefs>
+</ds:datastoreItem>
+</file>
+
+<file path=customXml/itemProps2.xml><?xml version="1.0" encoding="utf-8"?>
 <ds:datastoreItem xmlns:ds="http://schemas.openxmlformats.org/officeDocument/2006/customXml" ds:itemID="{FB2EBF8D-136B-48EC-8FC0-F70C0583664B}">
   <ds:schemaRefs>
     <ds:schemaRef ds:uri="6c8368ec-3776-49b5-a5bb-90648cf9530f"/>
@@ -17279,15 +19344,6 @@
 </ds:datastoreItem>
 </file>
 
-<file path=customXml/itemProps2.xml><?xml version="1.0" encoding="utf-8"?>
-<ds:datastoreItem xmlns:ds="http://schemas.openxmlformats.org/officeDocument/2006/customXml" ds:itemID="{ED4099BE-EDEC-4FF1-8378-446617236015}">
-  <ds:schemaRefs>
-    <ds:schemaRef ds:uri="http://schemas.microsoft.com/office/2006/metadata/properties"/>
-    <ds:schemaRef ds:uri="http://schemas.microsoft.com/office/infopath/2007/PartnerControls"/>
-  </ds:schemaRefs>
-</ds:datastoreItem>
-</file>
-
 <file path=customXml/itemProps3.xml><?xml version="1.0" encoding="utf-8"?>
 <ds:datastoreItem xmlns:ds="http://schemas.openxmlformats.org/officeDocument/2006/customXml" ds:itemID="{941989CE-20BB-4A6A-A33F-71A1AE469C3E}">
   <ds:schemaRefs>

--- a/help/data-sheets/assets/EnterpriseSupportDatasheet.pptx
+++ b/help/data-sheets/assets/EnterpriseSupportDatasheet.pptx
@@ -144,197 +144,14 @@
 <file path=ppt/revisionInfo.xml><?xml version="1.0" encoding="utf-8"?>
 <p1510:revInfo xmlns:a="http://schemas.openxmlformats.org/drawingml/2006/main" xmlns:r="http://schemas.openxmlformats.org/officeDocument/2006/relationships" xmlns:p1510="http://schemas.microsoft.com/office/powerpoint/2015/10/main">
   <p1510:revLst>
-    <p1510:client id="{DC554207-FA81-638A-220E-C39F63BF408A}" v="13" dt="2021-11-23T23:51:45.093"/>
+    <p1510:client id="{3F02B349-0406-AE51-D438-E7A0BE890230}" v="20" dt="2021-08-25T18:45:08.206"/>
+    <p1510:client id="{BAC4F85F-6423-7248-85C4-44132DA97563}" v="77" dt="2021-08-07T08:51:03.454"/>
   </p1510:revLst>
 </p1510:revInfo>
 </file>
 
 <file path=ppt/changesInfos/changesInfo1.xml><?xml version="1.0" encoding="utf-8"?>
 <pc:chgInfo xmlns:a="http://schemas.openxmlformats.org/drawingml/2006/main" xmlns:r="http://schemas.openxmlformats.org/officeDocument/2006/relationships" xmlns:ac="http://schemas.microsoft.com/office/drawing/2013/main/command" xmlns:pc="http://schemas.microsoft.com/office/powerpoint/2013/main/command">
-  <pc:docChgLst>
-    <pc:chgData name="Akilah Johnson" userId="S::akjohnso@adobe.com::2fa3aa60-0c9c-4d06-bae2-795983241227" providerId="AD" clId="Web-{A40C3D7D-993B-38B2-2DDA-C562505A1054}"/>
-    <pc:docChg chg="modSld">
-      <pc:chgData name="Akilah Johnson" userId="S::akjohnso@adobe.com::2fa3aa60-0c9c-4d06-bae2-795983241227" providerId="AD" clId="Web-{A40C3D7D-993B-38B2-2DDA-C562505A1054}" dt="2021-09-22T23:00:46.860" v="3"/>
-      <pc:docMkLst>
-        <pc:docMk/>
-      </pc:docMkLst>
-      <pc:sldChg chg="modSp">
-        <pc:chgData name="Akilah Johnson" userId="S::akjohnso@adobe.com::2fa3aa60-0c9c-4d06-bae2-795983241227" providerId="AD" clId="Web-{A40C3D7D-993B-38B2-2DDA-C562505A1054}" dt="2021-09-22T23:00:46.860" v="3"/>
-        <pc:sldMkLst>
-          <pc:docMk/>
-          <pc:sldMk cId="1050037809" sldId="261"/>
-        </pc:sldMkLst>
-        <pc:graphicFrameChg chg="mod modGraphic">
-          <ac:chgData name="Akilah Johnson" userId="S::akjohnso@adobe.com::2fa3aa60-0c9c-4d06-bae2-795983241227" providerId="AD" clId="Web-{A40C3D7D-993B-38B2-2DDA-C562505A1054}" dt="2021-09-22T23:00:46.860" v="3"/>
-          <ac:graphicFrameMkLst>
-            <pc:docMk/>
-            <pc:sldMk cId="1050037809" sldId="261"/>
-            <ac:graphicFrameMk id="25" creationId="{3A91F5B0-3974-A14D-A146-FB590F2AAD18}"/>
-          </ac:graphicFrameMkLst>
-        </pc:graphicFrameChg>
-      </pc:sldChg>
-    </pc:docChg>
-  </pc:docChgLst>
-  <pc:docChgLst>
-    <pc:chgData name="Akilah Johnson" userId="S::akjohnso@adobe.com::2fa3aa60-0c9c-4d06-bae2-795983241227" providerId="AD" clId="Web-{112231ED-4F38-A856-2EFF-9D0F88AC9BDF}"/>
-    <pc:docChg chg="modSld">
-      <pc:chgData name="Akilah Johnson" userId="S::akjohnso@adobe.com::2fa3aa60-0c9c-4d06-bae2-795983241227" providerId="AD" clId="Web-{112231ED-4F38-A856-2EFF-9D0F88AC9BDF}" dt="2021-09-22T19:11:31.474" v="2" actId="1076"/>
-      <pc:docMkLst>
-        <pc:docMk/>
-      </pc:docMkLst>
-      <pc:sldChg chg="modSp">
-        <pc:chgData name="Akilah Johnson" userId="S::akjohnso@adobe.com::2fa3aa60-0c9c-4d06-bae2-795983241227" providerId="AD" clId="Web-{112231ED-4F38-A856-2EFF-9D0F88AC9BDF}" dt="2021-09-22T19:11:31.474" v="2" actId="1076"/>
-        <pc:sldMkLst>
-          <pc:docMk/>
-          <pc:sldMk cId="1050037809" sldId="261"/>
-        </pc:sldMkLst>
-        <pc:spChg chg="mod">
-          <ac:chgData name="Akilah Johnson" userId="S::akjohnso@adobe.com::2fa3aa60-0c9c-4d06-bae2-795983241227" providerId="AD" clId="Web-{112231ED-4F38-A856-2EFF-9D0F88AC9BDF}" dt="2021-09-22T19:11:31.474" v="2" actId="1076"/>
-          <ac:spMkLst>
-            <pc:docMk/>
-            <pc:sldMk cId="1050037809" sldId="261"/>
-            <ac:spMk id="23" creationId="{00000000-0000-0000-0000-000000000000}"/>
-          </ac:spMkLst>
-        </pc:spChg>
-        <pc:spChg chg="mod">
-          <ac:chgData name="Akilah Johnson" userId="S::akjohnso@adobe.com::2fa3aa60-0c9c-4d06-bae2-795983241227" providerId="AD" clId="Web-{112231ED-4F38-A856-2EFF-9D0F88AC9BDF}" dt="2021-09-22T19:08:28.879" v="0" actId="1076"/>
-          <ac:spMkLst>
-            <pc:docMk/>
-            <pc:sldMk cId="1050037809" sldId="261"/>
-            <ac:spMk id="64" creationId="{41467BDC-3D83-D844-B922-CD07E94E5AAB}"/>
-          </ac:spMkLst>
-        </pc:spChg>
-      </pc:sldChg>
-    </pc:docChg>
-  </pc:docChgLst>
-  <pc:docChgLst>
-    <pc:chgData name="Akilah Johnson" userId="S::akjohnso@adobe.com::2fa3aa60-0c9c-4d06-bae2-795983241227" providerId="AD" clId="Web-{0AC6A3A1-0788-C69A-5EFD-279F3FA2CF0F}"/>
-    <pc:docChg chg="modSld">
-      <pc:chgData name="Akilah Johnson" userId="S::akjohnso@adobe.com::2fa3aa60-0c9c-4d06-bae2-795983241227" providerId="AD" clId="Web-{0AC6A3A1-0788-C69A-5EFD-279F3FA2CF0F}" dt="2021-09-22T18:56:17.553" v="29"/>
-      <pc:docMkLst>
-        <pc:docMk/>
-      </pc:docMkLst>
-      <pc:sldChg chg="modSp delCm">
-        <pc:chgData name="Akilah Johnson" userId="S::akjohnso@adobe.com::2fa3aa60-0c9c-4d06-bae2-795983241227" providerId="AD" clId="Web-{0AC6A3A1-0788-C69A-5EFD-279F3FA2CF0F}" dt="2021-09-22T18:56:17.553" v="29"/>
-        <pc:sldMkLst>
-          <pc:docMk/>
-          <pc:sldMk cId="1050037809" sldId="261"/>
-        </pc:sldMkLst>
-        <pc:spChg chg="mod">
-          <ac:chgData name="Akilah Johnson" userId="S::akjohnso@adobe.com::2fa3aa60-0c9c-4d06-bae2-795983241227" providerId="AD" clId="Web-{0AC6A3A1-0788-C69A-5EFD-279F3FA2CF0F}" dt="2021-09-22T18:55:46.585" v="16" actId="20577"/>
-          <ac:spMkLst>
-            <pc:docMk/>
-            <pc:sldMk cId="1050037809" sldId="261"/>
-            <ac:spMk id="64" creationId="{41467BDC-3D83-D844-B922-CD07E94E5AAB}"/>
-          </ac:spMkLst>
-        </pc:spChg>
-        <pc:graphicFrameChg chg="mod modGraphic">
-          <ac:chgData name="Akilah Johnson" userId="S::akjohnso@adobe.com::2fa3aa60-0c9c-4d06-bae2-795983241227" providerId="AD" clId="Web-{0AC6A3A1-0788-C69A-5EFD-279F3FA2CF0F}" dt="2021-09-22T18:55:59.928" v="28"/>
-          <ac:graphicFrameMkLst>
-            <pc:docMk/>
-            <pc:sldMk cId="1050037809" sldId="261"/>
-            <ac:graphicFrameMk id="25" creationId="{3A91F5B0-3974-A14D-A146-FB590F2AAD18}"/>
-          </ac:graphicFrameMkLst>
-        </pc:graphicFrameChg>
-      </pc:sldChg>
-    </pc:docChg>
-  </pc:docChgLst>
-  <pc:docChgLst>
-    <pc:chgData name="Akilah Johnson" userId="S::akjohnso@adobe.com::2fa3aa60-0c9c-4d06-bae2-795983241227" providerId="AD" clId="Web-{DC554207-FA81-638A-220E-C39F63BF408A}"/>
-    <pc:docChg chg="modSld">
-      <pc:chgData name="Akilah Johnson" userId="S::akjohnso@adobe.com::2fa3aa60-0c9c-4d06-bae2-795983241227" providerId="AD" clId="Web-{DC554207-FA81-638A-220E-C39F63BF408A}" dt="2021-11-23T23:50:17.249" v="7"/>
-      <pc:docMkLst>
-        <pc:docMk/>
-      </pc:docMkLst>
-      <pc:sldChg chg="modSp">
-        <pc:chgData name="Akilah Johnson" userId="S::akjohnso@adobe.com::2fa3aa60-0c9c-4d06-bae2-795983241227" providerId="AD" clId="Web-{DC554207-FA81-638A-220E-C39F63BF408A}" dt="2021-11-23T23:50:17.249" v="7"/>
-        <pc:sldMkLst>
-          <pc:docMk/>
-          <pc:sldMk cId="2161849182" sldId="267"/>
-        </pc:sldMkLst>
-        <pc:graphicFrameChg chg="mod modGraphic">
-          <ac:chgData name="Akilah Johnson" userId="S::akjohnso@adobe.com::2fa3aa60-0c9c-4d06-bae2-795983241227" providerId="AD" clId="Web-{DC554207-FA81-638A-220E-C39F63BF408A}" dt="2021-11-23T23:50:17.249" v="7"/>
-          <ac:graphicFrameMkLst>
-            <pc:docMk/>
-            <pc:sldMk cId="2161849182" sldId="267"/>
-            <ac:graphicFrameMk id="9" creationId="{00000000-0000-0000-0000-000000000000}"/>
-          </ac:graphicFrameMkLst>
-        </pc:graphicFrameChg>
-      </pc:sldChg>
-    </pc:docChg>
-  </pc:docChgLst>
-  <pc:docChgLst>
-    <pc:chgData name="Akilah Johnson" userId="S::akjohnso@adobe.com::2fa3aa60-0c9c-4d06-bae2-795983241227" providerId="AD" clId="Web-{D02E726A-82A5-CF13-9EBE-9B674D878D37}"/>
-    <pc:docChg chg="modSld">
-      <pc:chgData name="Akilah Johnson" userId="S::akjohnso@adobe.com::2fa3aa60-0c9c-4d06-bae2-795983241227" providerId="AD" clId="Web-{D02E726A-82A5-CF13-9EBE-9B674D878D37}" dt="2021-10-12T19:51:27.470" v="10"/>
-      <pc:docMkLst>
-        <pc:docMk/>
-      </pc:docMkLst>
-      <pc:sldChg chg="modSp delCm">
-        <pc:chgData name="Akilah Johnson" userId="S::akjohnso@adobe.com::2fa3aa60-0c9c-4d06-bae2-795983241227" providerId="AD" clId="Web-{D02E726A-82A5-CF13-9EBE-9B674D878D37}" dt="2021-10-12T19:51:27.470" v="10"/>
-        <pc:sldMkLst>
-          <pc:docMk/>
-          <pc:sldMk cId="2161849182" sldId="267"/>
-        </pc:sldMkLst>
-        <pc:spChg chg="mod">
-          <ac:chgData name="Akilah Johnson" userId="S::akjohnso@adobe.com::2fa3aa60-0c9c-4d06-bae2-795983241227" providerId="AD" clId="Web-{D02E726A-82A5-CF13-9EBE-9B674D878D37}" dt="2021-10-12T19:51:04.127" v="8" actId="20577"/>
-          <ac:spMkLst>
-            <pc:docMk/>
-            <pc:sldMk cId="2161849182" sldId="267"/>
-            <ac:spMk id="2" creationId="{00000000-0000-0000-0000-000000000000}"/>
-          </ac:spMkLst>
-        </pc:spChg>
-      </pc:sldChg>
-    </pc:docChg>
-  </pc:docChgLst>
-  <pc:docChgLst>
-    <pc:chgData name="Akilah Johnson" userId="S::akjohnso@adobe.com::2fa3aa60-0c9c-4d06-bae2-795983241227" providerId="AD" clId="Web-{0AB2EF93-BE08-D205-D43E-3B568BB37DAA}"/>
-    <pc:docChg chg="modSld">
-      <pc:chgData name="Akilah Johnson" userId="S::akjohnso@adobe.com::2fa3aa60-0c9c-4d06-bae2-795983241227" providerId="AD" clId="Web-{0AB2EF93-BE08-D205-D43E-3B568BB37DAA}" dt="2021-09-22T23:01:45.877" v="13"/>
-      <pc:docMkLst>
-        <pc:docMk/>
-      </pc:docMkLst>
-      <pc:sldChg chg="modSp">
-        <pc:chgData name="Akilah Johnson" userId="S::akjohnso@adobe.com::2fa3aa60-0c9c-4d06-bae2-795983241227" providerId="AD" clId="Web-{0AB2EF93-BE08-D205-D43E-3B568BB37DAA}" dt="2021-09-22T23:01:45.877" v="13"/>
-        <pc:sldMkLst>
-          <pc:docMk/>
-          <pc:sldMk cId="1050037809" sldId="261"/>
-        </pc:sldMkLst>
-        <pc:graphicFrameChg chg="mod modGraphic">
-          <ac:chgData name="Akilah Johnson" userId="S::akjohnso@adobe.com::2fa3aa60-0c9c-4d06-bae2-795983241227" providerId="AD" clId="Web-{0AB2EF93-BE08-D205-D43E-3B568BB37DAA}" dt="2021-09-22T23:01:45.877" v="13"/>
-          <ac:graphicFrameMkLst>
-            <pc:docMk/>
-            <pc:sldMk cId="1050037809" sldId="261"/>
-            <ac:graphicFrameMk id="25" creationId="{3A91F5B0-3974-A14D-A146-FB590F2AAD18}"/>
-          </ac:graphicFrameMkLst>
-        </pc:graphicFrameChg>
-      </pc:sldChg>
-    </pc:docChg>
-  </pc:docChgLst>
-  <pc:docChgLst>
-    <pc:chgData name="Akilah Johnson" userId="2fa3aa60-0c9c-4d06-bae2-795983241227" providerId="ADAL" clId="{7598C71F-6B67-2947-B18A-AD3AFAF83B9E}"/>
-    <pc:docChg chg="modSld">
-      <pc:chgData name="Akilah Johnson" userId="2fa3aa60-0c9c-4d06-bae2-795983241227" providerId="ADAL" clId="{7598C71F-6B67-2947-B18A-AD3AFAF83B9E}" dt="2021-11-24T00:03:04.956" v="14" actId="20577"/>
-      <pc:docMkLst>
-        <pc:docMk/>
-      </pc:docMkLst>
-      <pc:sldChg chg="modSp mod">
-        <pc:chgData name="Akilah Johnson" userId="2fa3aa60-0c9c-4d06-bae2-795983241227" providerId="ADAL" clId="{7598C71F-6B67-2947-B18A-AD3AFAF83B9E}" dt="2021-11-24T00:03:04.956" v="14" actId="20577"/>
-        <pc:sldMkLst>
-          <pc:docMk/>
-          <pc:sldMk cId="2161849182" sldId="267"/>
-        </pc:sldMkLst>
-        <pc:graphicFrameChg chg="modGraphic">
-          <ac:chgData name="Akilah Johnson" userId="2fa3aa60-0c9c-4d06-bae2-795983241227" providerId="ADAL" clId="{7598C71F-6B67-2947-B18A-AD3AFAF83B9E}" dt="2021-11-24T00:03:04.956" v="14" actId="20577"/>
-          <ac:graphicFrameMkLst>
-            <pc:docMk/>
-            <pc:sldMk cId="2161849182" sldId="267"/>
-            <ac:graphicFrameMk id="9" creationId="{00000000-0000-0000-0000-000000000000}"/>
-          </ac:graphicFrameMkLst>
-        </pc:graphicFrameChg>
-      </pc:sldChg>
-    </pc:docChg>
-  </pc:docChgLst>
   <pc:docChgLst>
     <pc:chgData name="Andy Witt" userId="S::awitt@adobe.com::e9157bdf-53b2-40e4-9459-936793d75696" providerId="AD" clId="Web-{3F02B349-0406-AE51-D438-E7A0BE890230}"/>
     <pc:docChg chg="modSld">
@@ -354,218 +171,6 @@
             <pc:docMk/>
             <pc:sldMk cId="1050037809" sldId="261"/>
             <ac:graphicFrameMk id="25" creationId="{3A91F5B0-3974-A14D-A146-FB590F2AAD18}"/>
-          </ac:graphicFrameMkLst>
-        </pc:graphicFrameChg>
-      </pc:sldChg>
-    </pc:docChg>
-  </pc:docChgLst>
-  <pc:docChgLst>
-    <pc:chgData name="Lauren Schutte" userId="6e08b2d3-447a-4d66-86be-444d50df187f" providerId="ADAL" clId="{1A3D389F-0E00-444F-BDF7-5C174E20EEC2}"/>
-    <pc:docChg chg="undo custSel modSld">
-      <pc:chgData name="Lauren Schutte" userId="6e08b2d3-447a-4d66-86be-444d50df187f" providerId="ADAL" clId="{1A3D389F-0E00-444F-BDF7-5C174E20EEC2}" dt="2021-10-13T19:40:59.066" v="67" actId="20577"/>
-      <pc:docMkLst>
-        <pc:docMk/>
-      </pc:docMkLst>
-      <pc:sldChg chg="delSp modSp mod">
-        <pc:chgData name="Lauren Schutte" userId="6e08b2d3-447a-4d66-86be-444d50df187f" providerId="ADAL" clId="{1A3D389F-0E00-444F-BDF7-5C174E20EEC2}" dt="2021-10-13T19:40:25.578" v="61" actId="478"/>
-        <pc:sldMkLst>
-          <pc:docMk/>
-          <pc:sldMk cId="5960377" sldId="259"/>
-        </pc:sldMkLst>
-        <pc:spChg chg="mod">
-          <ac:chgData name="Lauren Schutte" userId="6e08b2d3-447a-4d66-86be-444d50df187f" providerId="ADAL" clId="{1A3D389F-0E00-444F-BDF7-5C174E20EEC2}" dt="2021-10-13T19:33:45.182" v="59" actId="20577"/>
-          <ac:spMkLst>
-            <pc:docMk/>
-            <pc:sldMk cId="5960377" sldId="259"/>
-            <ac:spMk id="127" creationId="{BB896A03-8E7E-344F-BDE1-37C49461FF04}"/>
-          </ac:spMkLst>
-        </pc:spChg>
-        <pc:grpChg chg="del mod">
-          <ac:chgData name="Lauren Schutte" userId="6e08b2d3-447a-4d66-86be-444d50df187f" providerId="ADAL" clId="{1A3D389F-0E00-444F-BDF7-5C174E20EEC2}" dt="2021-10-13T19:40:25.578" v="61" actId="478"/>
-          <ac:grpSpMkLst>
-            <pc:docMk/>
-            <pc:sldMk cId="5960377" sldId="259"/>
-            <ac:grpSpMk id="62" creationId="{C539739D-1D3E-204D-9819-C44D9AE36DE8}"/>
-          </ac:grpSpMkLst>
-        </pc:grpChg>
-      </pc:sldChg>
-      <pc:sldChg chg="modSp mod">
-        <pc:chgData name="Lauren Schutte" userId="6e08b2d3-447a-4d66-86be-444d50df187f" providerId="ADAL" clId="{1A3D389F-0E00-444F-BDF7-5C174E20EEC2}" dt="2021-10-13T19:40:59.066" v="67" actId="20577"/>
-        <pc:sldMkLst>
-          <pc:docMk/>
-          <pc:sldMk cId="2161849182" sldId="267"/>
-        </pc:sldMkLst>
-        <pc:spChg chg="mod">
-          <ac:chgData name="Lauren Schutte" userId="6e08b2d3-447a-4d66-86be-444d50df187f" providerId="ADAL" clId="{1A3D389F-0E00-444F-BDF7-5C174E20EEC2}" dt="2021-10-13T19:40:59.066" v="67" actId="20577"/>
-          <ac:spMkLst>
-            <pc:docMk/>
-            <pc:sldMk cId="2161849182" sldId="267"/>
-            <ac:spMk id="2" creationId="{00000000-0000-0000-0000-000000000000}"/>
-          </ac:spMkLst>
-        </pc:spChg>
-        <pc:graphicFrameChg chg="mod modGraphic">
-          <ac:chgData name="Lauren Schutte" userId="6e08b2d3-447a-4d66-86be-444d50df187f" providerId="ADAL" clId="{1A3D389F-0E00-444F-BDF7-5C174E20EEC2}" dt="2021-10-13T19:33:05.183" v="58"/>
-          <ac:graphicFrameMkLst>
-            <pc:docMk/>
-            <pc:sldMk cId="2161849182" sldId="267"/>
-            <ac:graphicFrameMk id="9" creationId="{00000000-0000-0000-0000-000000000000}"/>
-          </ac:graphicFrameMkLst>
-        </pc:graphicFrameChg>
-      </pc:sldChg>
-    </pc:docChg>
-  </pc:docChgLst>
-  <pc:docChgLst>
-    <pc:chgData name="Akilah Johnson" userId="S::akjohnso@adobe.com::2fa3aa60-0c9c-4d06-bae2-795983241227" providerId="AD" clId="Web-{3CA2F123-FAC9-2CDD-7937-C83283BA7837}"/>
-    <pc:docChg chg="modSld">
-      <pc:chgData name="Akilah Johnson" userId="S::akjohnso@adobe.com::2fa3aa60-0c9c-4d06-bae2-795983241227" providerId="AD" clId="Web-{3CA2F123-FAC9-2CDD-7937-C83283BA7837}" dt="2021-09-16T20:58:19.458" v="0" actId="1076"/>
-      <pc:docMkLst>
-        <pc:docMk/>
-      </pc:docMkLst>
-      <pc:sldChg chg="modSp">
-        <pc:chgData name="Akilah Johnson" userId="S::akjohnso@adobe.com::2fa3aa60-0c9c-4d06-bae2-795983241227" providerId="AD" clId="Web-{3CA2F123-FAC9-2CDD-7937-C83283BA7837}" dt="2021-09-16T20:58:19.458" v="0" actId="1076"/>
-        <pc:sldMkLst>
-          <pc:docMk/>
-          <pc:sldMk cId="717026355" sldId="266"/>
-        </pc:sldMkLst>
-        <pc:spChg chg="mod">
-          <ac:chgData name="Akilah Johnson" userId="S::akjohnso@adobe.com::2fa3aa60-0c9c-4d06-bae2-795983241227" providerId="AD" clId="Web-{3CA2F123-FAC9-2CDD-7937-C83283BA7837}" dt="2021-09-16T20:58:19.458" v="0" actId="1076"/>
-          <ac:spMkLst>
-            <pc:docMk/>
-            <pc:sldMk cId="717026355" sldId="266"/>
-            <ac:spMk id="83" creationId="{BB34E685-A734-974B-A33A-BE51D1A8BC0D}"/>
-          </ac:spMkLst>
-        </pc:spChg>
-      </pc:sldChg>
-    </pc:docChg>
-  </pc:docChgLst>
-  <pc:docChgLst>
-    <pc:chgData name="Akilah Johnson" userId="S::akjohnso@adobe.com::2fa3aa60-0c9c-4d06-bae2-795983241227" providerId="AD" clId="Web-{19826C17-B3F5-53A1-AAFF-C7771804C7A7}"/>
-    <pc:docChg chg="modSld">
-      <pc:chgData name="Akilah Johnson" userId="S::akjohnso@adobe.com::2fa3aa60-0c9c-4d06-bae2-795983241227" providerId="AD" clId="Web-{19826C17-B3F5-53A1-AAFF-C7771804C7A7}" dt="2021-10-13T18:50:21.160" v="67"/>
-      <pc:docMkLst>
-        <pc:docMk/>
-      </pc:docMkLst>
-      <pc:sldChg chg="modSp">
-        <pc:chgData name="Akilah Johnson" userId="S::akjohnso@adobe.com::2fa3aa60-0c9c-4d06-bae2-795983241227" providerId="AD" clId="Web-{19826C17-B3F5-53A1-AAFF-C7771804C7A7}" dt="2021-10-13T18:38:26.810" v="9" actId="20577"/>
-        <pc:sldMkLst>
-          <pc:docMk/>
-          <pc:sldMk cId="5960377" sldId="259"/>
-        </pc:sldMkLst>
-        <pc:spChg chg="mod">
-          <ac:chgData name="Akilah Johnson" userId="S::akjohnso@adobe.com::2fa3aa60-0c9c-4d06-bae2-795983241227" providerId="AD" clId="Web-{19826C17-B3F5-53A1-AAFF-C7771804C7A7}" dt="2021-10-13T18:38:26.810" v="9" actId="20577"/>
-          <ac:spMkLst>
-            <pc:docMk/>
-            <pc:sldMk cId="5960377" sldId="259"/>
-            <ac:spMk id="75" creationId="{4602CC83-B0C7-8445-9007-87E67CDDD9D0}"/>
-          </ac:spMkLst>
-        </pc:spChg>
-        <pc:spChg chg="mod">
-          <ac:chgData name="Akilah Johnson" userId="S::akjohnso@adobe.com::2fa3aa60-0c9c-4d06-bae2-795983241227" providerId="AD" clId="Web-{19826C17-B3F5-53A1-AAFF-C7771804C7A7}" dt="2021-10-13T18:38:17.716" v="5" actId="20577"/>
-          <ac:spMkLst>
-            <pc:docMk/>
-            <pc:sldMk cId="5960377" sldId="259"/>
-            <ac:spMk id="83" creationId="{7A016ADC-2A30-8A4B-BE07-A9AB6C1898A7}"/>
-          </ac:spMkLst>
-        </pc:spChg>
-        <pc:spChg chg="mod">
-          <ac:chgData name="Akilah Johnson" userId="S::akjohnso@adobe.com::2fa3aa60-0c9c-4d06-bae2-795983241227" providerId="AD" clId="Web-{19826C17-B3F5-53A1-AAFF-C7771804C7A7}" dt="2021-10-13T18:38:19.654" v="6" actId="20577"/>
-          <ac:spMkLst>
-            <pc:docMk/>
-            <pc:sldMk cId="5960377" sldId="259"/>
-            <ac:spMk id="87" creationId="{57C0C871-6516-F145-97DA-27A143E6185C}"/>
-          </ac:spMkLst>
-        </pc:spChg>
-        <pc:spChg chg="mod">
-          <ac:chgData name="Akilah Johnson" userId="S::akjohnso@adobe.com::2fa3aa60-0c9c-4d06-bae2-795983241227" providerId="AD" clId="Web-{19826C17-B3F5-53A1-AAFF-C7771804C7A7}" dt="2021-10-13T18:38:14.044" v="4" actId="20577"/>
-          <ac:spMkLst>
-            <pc:docMk/>
-            <pc:sldMk cId="5960377" sldId="259"/>
-            <ac:spMk id="124" creationId="{14AAF776-9013-4C40-92F9-FFFE22C4038F}"/>
-          </ac:spMkLst>
-        </pc:spChg>
-        <pc:spChg chg="mod">
-          <ac:chgData name="Akilah Johnson" userId="S::akjohnso@adobe.com::2fa3aa60-0c9c-4d06-bae2-795983241227" providerId="AD" clId="Web-{19826C17-B3F5-53A1-AAFF-C7771804C7A7}" dt="2021-10-13T18:38:10.013" v="2" actId="20577"/>
-          <ac:spMkLst>
-            <pc:docMk/>
-            <pc:sldMk cId="5960377" sldId="259"/>
-            <ac:spMk id="125" creationId="{AF4EBBF5-5438-A043-B9AA-3822381D52EE}"/>
-          </ac:spMkLst>
-        </pc:spChg>
-        <pc:spChg chg="mod">
-          <ac:chgData name="Akilah Johnson" userId="S::akjohnso@adobe.com::2fa3aa60-0c9c-4d06-bae2-795983241227" providerId="AD" clId="Web-{19826C17-B3F5-53A1-AAFF-C7771804C7A7}" dt="2021-10-13T18:38:12.263" v="3" actId="20577"/>
-          <ac:spMkLst>
-            <pc:docMk/>
-            <pc:sldMk cId="5960377" sldId="259"/>
-            <ac:spMk id="126" creationId="{7F65676D-32E4-7B4B-BB85-4D504B5882BD}"/>
-          </ac:spMkLst>
-        </pc:spChg>
-      </pc:sldChg>
-      <pc:sldChg chg="modSp">
-        <pc:chgData name="Akilah Johnson" userId="S::akjohnso@adobe.com::2fa3aa60-0c9c-4d06-bae2-795983241227" providerId="AD" clId="Web-{19826C17-B3F5-53A1-AAFF-C7771804C7A7}" dt="2021-10-13T18:40:23.717" v="19" actId="20577"/>
-        <pc:sldMkLst>
-          <pc:docMk/>
-          <pc:sldMk cId="1050037809" sldId="261"/>
-        </pc:sldMkLst>
-        <pc:spChg chg="mod">
-          <ac:chgData name="Akilah Johnson" userId="S::akjohnso@adobe.com::2fa3aa60-0c9c-4d06-bae2-795983241227" providerId="AD" clId="Web-{19826C17-B3F5-53A1-AAFF-C7771804C7A7}" dt="2021-10-13T18:40:23.717" v="19" actId="20577"/>
-          <ac:spMkLst>
-            <pc:docMk/>
-            <pc:sldMk cId="1050037809" sldId="261"/>
-            <ac:spMk id="56" creationId="{00000000-0000-0000-0000-000000000000}"/>
-          </ac:spMkLst>
-        </pc:spChg>
-        <pc:graphicFrameChg chg="mod modGraphic">
-          <ac:chgData name="Akilah Johnson" userId="S::akjohnso@adobe.com::2fa3aa60-0c9c-4d06-bae2-795983241227" providerId="AD" clId="Web-{19826C17-B3F5-53A1-AAFF-C7771804C7A7}" dt="2021-10-13T18:39:38.154" v="17"/>
-          <ac:graphicFrameMkLst>
-            <pc:docMk/>
-            <pc:sldMk cId="1050037809" sldId="261"/>
-            <ac:graphicFrameMk id="111" creationId="{D8653CEC-4213-DE40-9BAF-D1E3318FF89C}"/>
-          </ac:graphicFrameMkLst>
-        </pc:graphicFrameChg>
-      </pc:sldChg>
-      <pc:sldChg chg="modSp">
-        <pc:chgData name="Akilah Johnson" userId="S::akjohnso@adobe.com::2fa3aa60-0c9c-4d06-bae2-795983241227" providerId="AD" clId="Web-{19826C17-B3F5-53A1-AAFF-C7771804C7A7}" dt="2021-10-13T18:39:10.373" v="15" actId="20577"/>
-        <pc:sldMkLst>
-          <pc:docMk/>
-          <pc:sldMk cId="717026355" sldId="266"/>
-        </pc:sldMkLst>
-        <pc:spChg chg="mod">
-          <ac:chgData name="Akilah Johnson" userId="S::akjohnso@adobe.com::2fa3aa60-0c9c-4d06-bae2-795983241227" providerId="AD" clId="Web-{19826C17-B3F5-53A1-AAFF-C7771804C7A7}" dt="2021-10-13T18:39:10.373" v="15" actId="20577"/>
-          <ac:spMkLst>
-            <pc:docMk/>
-            <pc:sldMk cId="717026355" sldId="266"/>
-            <ac:spMk id="9" creationId="{00000000-0000-0000-0000-000000000000}"/>
-          </ac:spMkLst>
-        </pc:spChg>
-        <pc:spChg chg="mod">
-          <ac:chgData name="Akilah Johnson" userId="S::akjohnso@adobe.com::2fa3aa60-0c9c-4d06-bae2-795983241227" providerId="AD" clId="Web-{19826C17-B3F5-53A1-AAFF-C7771804C7A7}" dt="2021-10-13T18:38:44.029" v="11" actId="20577"/>
-          <ac:spMkLst>
-            <pc:docMk/>
-            <pc:sldMk cId="717026355" sldId="266"/>
-            <ac:spMk id="82" creationId="{F6061E8D-9723-464D-AA49-7A3A3A02BE92}"/>
-          </ac:spMkLst>
-        </pc:spChg>
-        <pc:spChg chg="mod">
-          <ac:chgData name="Akilah Johnson" userId="S::akjohnso@adobe.com::2fa3aa60-0c9c-4d06-bae2-795983241227" providerId="AD" clId="Web-{19826C17-B3F5-53A1-AAFF-C7771804C7A7}" dt="2021-10-13T18:39:00.638" v="13" actId="20577"/>
-          <ac:spMkLst>
-            <pc:docMk/>
-            <pc:sldMk cId="717026355" sldId="266"/>
-            <ac:spMk id="83" creationId="{BB34E685-A734-974B-A33A-BE51D1A8BC0D}"/>
-          </ac:spMkLst>
-        </pc:spChg>
-      </pc:sldChg>
-      <pc:sldChg chg="modSp">
-        <pc:chgData name="Akilah Johnson" userId="S::akjohnso@adobe.com::2fa3aa60-0c9c-4d06-bae2-795983241227" providerId="AD" clId="Web-{19826C17-B3F5-53A1-AAFF-C7771804C7A7}" dt="2021-10-13T18:50:21.160" v="67"/>
-        <pc:sldMkLst>
-          <pc:docMk/>
-          <pc:sldMk cId="2161849182" sldId="267"/>
-        </pc:sldMkLst>
-        <pc:graphicFrameChg chg="mod modGraphic">
-          <ac:chgData name="Akilah Johnson" userId="S::akjohnso@adobe.com::2fa3aa60-0c9c-4d06-bae2-795983241227" providerId="AD" clId="Web-{19826C17-B3F5-53A1-AAFF-C7771804C7A7}" dt="2021-10-13T18:50:21.160" v="67"/>
-          <ac:graphicFrameMkLst>
-            <pc:docMk/>
-            <pc:sldMk cId="2161849182" sldId="267"/>
-            <ac:graphicFrameMk id="9" creationId="{00000000-0000-0000-0000-000000000000}"/>
           </ac:graphicFrameMkLst>
         </pc:graphicFrameChg>
       </pc:sldChg>
@@ -670,7 +275,7 @@
           <a:p>
             <a:fld id="{CCB2A597-803A-C244-97E2-A01066125D19}" type="datetimeFigureOut">
               <a:rPr lang="en-US" smtClean="0"/>
-              <a:t>11/23/21</a:t>
+              <a:t>11/18/21</a:t>
             </a:fld>
             <a:endParaRPr lang="en-US"/>
           </a:p>
@@ -1451,7 +1056,7 @@
           <a:p>
             <a:fld id="{1D8BD707-D9CF-40AE-B4C6-C98DA3205C09}" type="datetimeFigureOut">
               <a:rPr lang="en-US"/>
-              <a:t>11/23/21</a:t>
+              <a:t>11/18/21</a:t>
             </a:fld>
             <a:endParaRPr lang="en-US"/>
           </a:p>
@@ -1691,7 +1296,7 @@
           <a:p>
             <a:fld id="{1D8BD707-D9CF-40AE-B4C6-C98DA3205C09}" type="datetimeFigureOut">
               <a:rPr lang="en-US"/>
-              <a:t>11/23/21</a:t>
+              <a:t>11/18/21</a:t>
             </a:fld>
             <a:endParaRPr lang="en-US"/>
           </a:p>
@@ -1944,7 +1549,7 @@
           <a:p>
             <a:fld id="{1D8BD707-D9CF-40AE-B4C6-C98DA3205C09}" type="datetimeFigureOut">
               <a:rPr lang="en-US"/>
-              <a:t>11/23/21</a:t>
+              <a:t>11/18/21</a:t>
             </a:fld>
             <a:endParaRPr lang="en-US"/>
           </a:p>
@@ -2131,7 +1736,7 @@
           <a:p>
             <a:fld id="{1D8BD707-D9CF-40AE-B4C6-C98DA3205C09}" type="datetimeFigureOut">
               <a:rPr lang="en-US"/>
-              <a:t>11/23/21</a:t>
+              <a:t>11/18/21</a:t>
             </a:fld>
             <a:endParaRPr lang="en-US"/>
           </a:p>
@@ -2289,7 +1894,7 @@
           <a:p>
             <a:fld id="{1D8BD707-D9CF-40AE-B4C6-C98DA3205C09}" type="datetimeFigureOut">
               <a:rPr lang="en-US"/>
-              <a:t>11/23/21</a:t>
+              <a:t>11/18/21</a:t>
             </a:fld>
             <a:endParaRPr lang="en-US"/>
           </a:p>
@@ -2547,7 +2152,7 @@
           <a:p>
             <a:fld id="{1D8BD707-D9CF-40AE-B4C6-C98DA3205C09}" type="datetimeFigureOut">
               <a:rPr lang="en-US"/>
-              <a:t>11/23/21</a:t>
+              <a:t>11/18/21</a:t>
             </a:fld>
             <a:endParaRPr lang="en-US"/>
           </a:p>
@@ -2786,41 +2391,32 @@
           </a:prstGeom>
         </p:spPr>
         <p:txBody>
-          <a:bodyPr vert="horz" wrap="square" lIns="0" tIns="12700" rIns="0" bIns="0" rtlCol="0" anchor="t">
+          <a:bodyPr vert="horz" wrap="square" lIns="0" tIns="12700" rIns="0" bIns="0" rtlCol="0">
             <a:spAutoFit/>
           </a:bodyPr>
           <a:lstStyle/>
           <a:p>
             <a:pPr marL="12700">
+              <a:lnSpc>
+                <a:spcPct val="100000"/>
+              </a:lnSpc>
               <a:spcBef>
                 <a:spcPts val="100"/>
               </a:spcBef>
             </a:pPr>
             <a:r>
-              <a:rPr sz="2300" dirty="0">
-                <a:latin typeface="Adobe Clean"/>
+              <a:rPr lang="de-de" sz="2300" dirty="0">
+                <a:latin typeface="Adobe Clean" panose="020B0503020404020204" pitchFamily="34" charset="0"/>
               </a:rPr>
-              <a:t>ADOBE</a:t>
-            </a:r>
-            <a:r>
-              <a:rPr lang="en-US" sz="2300" dirty="0">
-                <a:latin typeface="Adobe Clean"/>
+              <a:t>Adobe </a:t>
+            </a:r>
+            <a:r>
+              <a:rPr lang="ja-JP" altLang="en-US" sz="2300">
+                <a:latin typeface="Adobe Clean" panose="020B0503020404020204" pitchFamily="34" charset="0"/>
               </a:rPr>
-              <a:t> </a:t>
-            </a:r>
-            <a:r>
-              <a:rPr sz="2300" dirty="0">
-                <a:latin typeface="Adobe Clean"/>
-              </a:rPr>
-              <a:t>SUPPORT</a:t>
-            </a:r>
-            <a:r>
-              <a:rPr lang="en-US" sz="2300" dirty="0">
-                <a:latin typeface="Adobe Clean"/>
-              </a:rPr>
-              <a:t> PLANS</a:t>
-            </a:r>
-            <a:endParaRPr sz="2300" dirty="0">
+              <a:t>支援計劃</a:t>
+            </a:r>
+            <a:endParaRPr sz="2300" spc="-229" dirty="0">
               <a:latin typeface="Adobe Clean" panose="020B0503020404020204" pitchFamily="34" charset="0"/>
             </a:endParaRPr>
           </a:p>
@@ -2835,7 +2431,7 @@
         <p:spPr>
           <a:xfrm>
             <a:off x="125148" y="7013546"/>
-            <a:ext cx="2785110" cy="228268"/>
+            <a:ext cx="5246952" cy="228268"/>
           </a:xfrm>
           <a:prstGeom prst="rect">
             <a:avLst/>
@@ -2856,7 +2452,7 @@
               </a:spcBef>
             </a:pPr>
             <a:r>
-              <a:rPr sz="1400" b="1" u="sng" spc="15">
+              <a:rPr lang="de-de" sz="1400" b="1" u="sng" spc="15" dirty="0">
                 <a:solidFill>
                   <a:srgbClr val="020302"/>
                 </a:solidFill>
@@ -2868,70 +2464,10 @@
                 <a:latin typeface="Adobe Clean"/>
                 <a:cs typeface="Adobe Clean"/>
               </a:rPr>
-              <a:t>S</a:t>
-            </a:r>
-            <a:r>
-              <a:rPr sz="1400" b="1" u="sng" spc="5">
-                <a:solidFill>
-                  <a:srgbClr val="020302"/>
-                </a:solidFill>
-                <a:uFill>
-                  <a:solidFill>
-                    <a:srgbClr val="020302"/>
-                  </a:solidFill>
-                </a:uFill>
-                <a:latin typeface="Adobe Clean"/>
-                <a:cs typeface="Adobe Clean"/>
-              </a:rPr>
-              <a:t>er</a:t>
-            </a:r>
-            <a:r>
-              <a:rPr sz="1400" b="1" u="sng" spc="10">
-                <a:solidFill>
-                  <a:srgbClr val="020302"/>
-                </a:solidFill>
-                <a:uFill>
-                  <a:solidFill>
-                    <a:srgbClr val="020302"/>
-                  </a:solidFill>
-                </a:uFill>
-                <a:latin typeface="Adobe Clean"/>
-                <a:cs typeface="Adobe Clean"/>
-              </a:rPr>
-              <a:t>vi</a:t>
-            </a:r>
-            <a:r>
-              <a:rPr sz="1400" b="1" u="sng" spc="5">
-                <a:solidFill>
-                  <a:srgbClr val="020302"/>
-                </a:solidFill>
-                <a:uFill>
-                  <a:solidFill>
-                    <a:srgbClr val="020302"/>
-                  </a:solidFill>
-                </a:uFill>
-                <a:latin typeface="Adobe Clean"/>
-                <a:cs typeface="Adobe Clean"/>
-              </a:rPr>
-              <a:t>c</a:t>
-            </a:r>
-            <a:r>
-              <a:rPr sz="1400" b="1" u="sng">
-                <a:solidFill>
-                  <a:srgbClr val="020302"/>
-                </a:solidFill>
-                <a:uFill>
-                  <a:solidFill>
-                    <a:srgbClr val="020302"/>
-                  </a:solidFill>
-                </a:uFill>
-                <a:latin typeface="Adobe Clean"/>
-                <a:cs typeface="Adobe Clean"/>
-              </a:rPr>
-              <a:t>e</a:t>
-            </a:r>
-            <a:r>
-              <a:rPr sz="1400" b="1" u="sng" spc="20">
+              <a:t>服務層級目標：初始回應</a:t>
+            </a:r>
+            <a:r>
+              <a:rPr lang="de-de" sz="1400" b="1" u="sng" spc="-15" dirty="0">
                 <a:solidFill>
                   <a:srgbClr val="020302"/>
                 </a:solidFill>
@@ -2946,67 +2482,7 @@
               <a:t> </a:t>
             </a:r>
             <a:r>
-              <a:rPr sz="1400" b="1" u="sng" spc="-15">
-                <a:solidFill>
-                  <a:srgbClr val="020302"/>
-                </a:solidFill>
-                <a:uFill>
-                  <a:solidFill>
-                    <a:srgbClr val="020302"/>
-                  </a:solidFill>
-                </a:uFill>
-                <a:latin typeface="Adobe Clean"/>
-                <a:cs typeface="Adobe Clean"/>
-              </a:rPr>
-              <a:t>Le</a:t>
-            </a:r>
-            <a:r>
-              <a:rPr sz="1400" b="1" u="sng" spc="-10">
-                <a:solidFill>
-                  <a:srgbClr val="020302"/>
-                </a:solidFill>
-                <a:uFill>
-                  <a:solidFill>
-                    <a:srgbClr val="020302"/>
-                  </a:solidFill>
-                </a:uFill>
-                <a:latin typeface="Adobe Clean"/>
-                <a:cs typeface="Adobe Clean"/>
-              </a:rPr>
-              <a:t>v</a:t>
-            </a:r>
-            <a:r>
-              <a:rPr sz="1400" b="1" u="sng" spc="-15">
-                <a:solidFill>
-                  <a:srgbClr val="020302"/>
-                </a:solidFill>
-                <a:uFill>
-                  <a:solidFill>
-                    <a:srgbClr val="020302"/>
-                  </a:solidFill>
-                </a:uFill>
-                <a:latin typeface="Adobe Clean"/>
-                <a:cs typeface="Adobe Clean"/>
-              </a:rPr>
-              <a:t>e</a:t>
-            </a:r>
-            <a:r>
-              <a:rPr sz="1400" b="1" u="sng">
-                <a:solidFill>
-                  <a:srgbClr val="020302"/>
-                </a:solidFill>
-                <a:uFill>
-                  <a:solidFill>
-                    <a:srgbClr val="020302"/>
-                  </a:solidFill>
-                </a:uFill>
-                <a:latin typeface="Adobe Clean"/>
-                <a:cs typeface="Adobe Clean"/>
-              </a:rPr>
-              <a:t>l</a:t>
-            </a:r>
-            <a:r>
-              <a:rPr sz="1400" b="1" u="sng" spc="-15">
+              <a:rPr lang="de-de" sz="1400" b="1" u="sng" spc="-85" dirty="0">
                 <a:solidFill>
                   <a:srgbClr val="020302"/>
                 </a:solidFill>
@@ -3021,112 +2497,7 @@
               <a:t> </a:t>
             </a:r>
             <a:r>
-              <a:rPr sz="1400" b="1" u="sng" spc="-55">
-                <a:solidFill>
-                  <a:srgbClr val="020302"/>
-                </a:solidFill>
-                <a:uFill>
-                  <a:solidFill>
-                    <a:srgbClr val="020302"/>
-                  </a:solidFill>
-                </a:uFill>
-                <a:latin typeface="Adobe Clean"/>
-                <a:cs typeface="Adobe Clean"/>
-              </a:rPr>
-              <a:t>T</a:t>
-            </a:r>
-            <a:r>
-              <a:rPr sz="1400" b="1" u="sng" spc="-40">
-                <a:solidFill>
-                  <a:srgbClr val="020302"/>
-                </a:solidFill>
-                <a:uFill>
-                  <a:solidFill>
-                    <a:srgbClr val="020302"/>
-                  </a:solidFill>
-                </a:uFill>
-                <a:latin typeface="Adobe Clean"/>
-                <a:cs typeface="Adobe Clean"/>
-              </a:rPr>
-              <a:t>a</a:t>
-            </a:r>
-            <a:r>
-              <a:rPr sz="1400" b="1" u="sng" spc="-45">
-                <a:solidFill>
-                  <a:srgbClr val="020302"/>
-                </a:solidFill>
-                <a:uFill>
-                  <a:solidFill>
-                    <a:srgbClr val="020302"/>
-                  </a:solidFill>
-                </a:uFill>
-                <a:latin typeface="Adobe Clean"/>
-                <a:cs typeface="Adobe Clean"/>
-              </a:rPr>
-              <a:t>r</a:t>
-            </a:r>
-            <a:r>
-              <a:rPr sz="1400" b="1" u="sng" spc="-40">
-                <a:solidFill>
-                  <a:srgbClr val="020302"/>
-                </a:solidFill>
-                <a:uFill>
-                  <a:solidFill>
-                    <a:srgbClr val="020302"/>
-                  </a:solidFill>
-                </a:uFill>
-                <a:latin typeface="Adobe Clean"/>
-                <a:cs typeface="Adobe Clean"/>
-              </a:rPr>
-              <a:t>g</a:t>
-            </a:r>
-            <a:r>
-              <a:rPr sz="1400" b="1" u="sng" spc="-50">
-                <a:solidFill>
-                  <a:srgbClr val="020302"/>
-                </a:solidFill>
-                <a:uFill>
-                  <a:solidFill>
-                    <a:srgbClr val="020302"/>
-                  </a:solidFill>
-                </a:uFill>
-                <a:latin typeface="Adobe Clean"/>
-                <a:cs typeface="Adobe Clean"/>
-              </a:rPr>
-              <a:t>et</a:t>
-            </a:r>
-            <a:r>
-              <a:rPr sz="1400" b="1" u="sng" spc="-45">
-                <a:solidFill>
-                  <a:srgbClr val="020302"/>
-                </a:solidFill>
-                <a:uFill>
-                  <a:solidFill>
-                    <a:srgbClr val="020302"/>
-                  </a:solidFill>
-                </a:uFill>
-                <a:latin typeface="Adobe Clean"/>
-                <a:cs typeface="Adobe Clean"/>
-              </a:rPr>
-              <a:t>s</a:t>
-            </a:r>
-            <a:r>
-              <a:rPr sz="1400" b="1" u="sng">
-                <a:solidFill>
-                  <a:srgbClr val="020302"/>
-                </a:solidFill>
-                <a:uFill>
-                  <a:solidFill>
-                    <a:srgbClr val="020302"/>
-                  </a:solidFill>
-                </a:uFill>
-                <a:latin typeface="Adobe Clean"/>
-                <a:cs typeface="Adobe Clean"/>
-              </a:rPr>
-              <a:t>:</a:t>
-            </a:r>
-            <a:r>
-              <a:rPr sz="1400" b="1" u="sng" spc="-85">
+              <a:rPr lang="de-de" sz="1400" b="1" u="sng" spc="-145" dirty="0">
                 <a:solidFill>
                   <a:srgbClr val="020302"/>
                 </a:solidFill>
@@ -3140,202 +2511,7 @@
               </a:rPr>
               <a:t> </a:t>
             </a:r>
-            <a:r>
-              <a:rPr sz="1400" b="1" u="sng" spc="-15">
-                <a:solidFill>
-                  <a:srgbClr val="020302"/>
-                </a:solidFill>
-                <a:uFill>
-                  <a:solidFill>
-                    <a:srgbClr val="020302"/>
-                  </a:solidFill>
-                </a:uFill>
-                <a:latin typeface="Adobe Clean"/>
-                <a:cs typeface="Adobe Clean"/>
-              </a:rPr>
-              <a:t>I</a:t>
-            </a:r>
-            <a:r>
-              <a:rPr sz="1400" b="1" u="sng" spc="-10">
-                <a:solidFill>
-                  <a:srgbClr val="020302"/>
-                </a:solidFill>
-                <a:uFill>
-                  <a:solidFill>
-                    <a:srgbClr val="020302"/>
-                  </a:solidFill>
-                </a:uFill>
-                <a:latin typeface="Adobe Clean"/>
-                <a:cs typeface="Adobe Clean"/>
-              </a:rPr>
-              <a:t>ni</a:t>
-            </a:r>
-            <a:r>
-              <a:rPr sz="1400" b="1" u="sng" spc="-15">
-                <a:solidFill>
-                  <a:srgbClr val="020302"/>
-                </a:solidFill>
-                <a:uFill>
-                  <a:solidFill>
-                    <a:srgbClr val="020302"/>
-                  </a:solidFill>
-                </a:uFill>
-                <a:latin typeface="Adobe Clean"/>
-                <a:cs typeface="Adobe Clean"/>
-              </a:rPr>
-              <a:t>t</a:t>
-            </a:r>
-            <a:r>
-              <a:rPr sz="1400" b="1" u="sng" spc="-10">
-                <a:solidFill>
-                  <a:srgbClr val="020302"/>
-                </a:solidFill>
-                <a:uFill>
-                  <a:solidFill>
-                    <a:srgbClr val="020302"/>
-                  </a:solidFill>
-                </a:uFill>
-                <a:latin typeface="Adobe Clean"/>
-                <a:cs typeface="Adobe Clean"/>
-              </a:rPr>
-              <a:t>i</a:t>
-            </a:r>
-            <a:r>
-              <a:rPr sz="1400" b="1" u="sng" spc="-5">
-                <a:solidFill>
-                  <a:srgbClr val="020302"/>
-                </a:solidFill>
-                <a:uFill>
-                  <a:solidFill>
-                    <a:srgbClr val="020302"/>
-                  </a:solidFill>
-                </a:uFill>
-                <a:latin typeface="Adobe Clean"/>
-                <a:cs typeface="Adobe Clean"/>
-              </a:rPr>
-              <a:t>a</a:t>
-            </a:r>
-            <a:r>
-              <a:rPr sz="1400" b="1" u="sng">
-                <a:solidFill>
-                  <a:srgbClr val="020302"/>
-                </a:solidFill>
-                <a:uFill>
-                  <a:solidFill>
-                    <a:srgbClr val="020302"/>
-                  </a:solidFill>
-                </a:uFill>
-                <a:latin typeface="Adobe Clean"/>
-                <a:cs typeface="Adobe Clean"/>
-              </a:rPr>
-              <a:t>l</a:t>
-            </a:r>
-            <a:r>
-              <a:rPr sz="1400" b="1" u="sng" spc="-145">
-                <a:solidFill>
-                  <a:srgbClr val="020302"/>
-                </a:solidFill>
-                <a:uFill>
-                  <a:solidFill>
-                    <a:srgbClr val="020302"/>
-                  </a:solidFill>
-                </a:uFill>
-                <a:latin typeface="Adobe Clean"/>
-                <a:cs typeface="Adobe Clean"/>
-              </a:rPr>
-              <a:t> </a:t>
-            </a:r>
-            <a:r>
-              <a:rPr sz="1400" b="1" u="sng" spc="-15">
-                <a:solidFill>
-                  <a:srgbClr val="020302"/>
-                </a:solidFill>
-                <a:uFill>
-                  <a:solidFill>
-                    <a:srgbClr val="020302"/>
-                  </a:solidFill>
-                </a:uFill>
-                <a:latin typeface="Adobe Clean"/>
-                <a:cs typeface="Adobe Clean"/>
-              </a:rPr>
-              <a:t>R</a:t>
-            </a:r>
-            <a:r>
-              <a:rPr sz="1400" b="1" u="sng" spc="-20">
-                <a:solidFill>
-                  <a:srgbClr val="020302"/>
-                </a:solidFill>
-                <a:uFill>
-                  <a:solidFill>
-                    <a:srgbClr val="020302"/>
-                  </a:solidFill>
-                </a:uFill>
-                <a:latin typeface="Adobe Clean"/>
-                <a:cs typeface="Adobe Clean"/>
-              </a:rPr>
-              <a:t>e</a:t>
-            </a:r>
-            <a:r>
-              <a:rPr sz="1400" b="1" u="sng" spc="-15">
-                <a:solidFill>
-                  <a:srgbClr val="020302"/>
-                </a:solidFill>
-                <a:uFill>
-                  <a:solidFill>
-                    <a:srgbClr val="020302"/>
-                  </a:solidFill>
-                </a:uFill>
-                <a:latin typeface="Adobe Clean"/>
-                <a:cs typeface="Adobe Clean"/>
-              </a:rPr>
-              <a:t>s</a:t>
-            </a:r>
-            <a:r>
-              <a:rPr sz="1400" b="1" u="sng" spc="-20">
-                <a:solidFill>
-                  <a:srgbClr val="020302"/>
-                </a:solidFill>
-                <a:uFill>
-                  <a:solidFill>
-                    <a:srgbClr val="020302"/>
-                  </a:solidFill>
-                </a:uFill>
-                <a:latin typeface="Adobe Clean"/>
-                <a:cs typeface="Adobe Clean"/>
-              </a:rPr>
-              <a:t>p</a:t>
-            </a:r>
-            <a:r>
-              <a:rPr sz="1400" b="1" u="sng" spc="-15">
-                <a:solidFill>
-                  <a:srgbClr val="020302"/>
-                </a:solidFill>
-                <a:uFill>
-                  <a:solidFill>
-                    <a:srgbClr val="020302"/>
-                  </a:solidFill>
-                </a:uFill>
-                <a:latin typeface="Adobe Clean"/>
-                <a:cs typeface="Adobe Clean"/>
-              </a:rPr>
-              <a:t>ons</a:t>
-            </a:r>
-            <a:r>
-              <a:rPr sz="1400" b="1" u="sng">
-                <a:solidFill>
-                  <a:srgbClr val="020302"/>
-                </a:solidFill>
-                <a:uFill>
-                  <a:solidFill>
-                    <a:srgbClr val="020302"/>
-                  </a:solidFill>
-                </a:uFill>
-                <a:latin typeface="Adobe Clean"/>
-                <a:cs typeface="Adobe Clean"/>
-              </a:rPr>
-              <a:t>e</a:t>
-            </a:r>
-            <a:endParaRPr sz="1400" u="sng">
+            <a:endParaRPr sz="1400" u="sng" dirty="0">
               <a:latin typeface="Adobe Clean"/>
               <a:cs typeface="Adobe Clean"/>
             </a:endParaRPr>
@@ -3351,14 +2527,14 @@
           <p:nvPr>
             <p:extLst>
               <p:ext uri="{D42A27DB-BD31-4B8C-83A1-F6EECF244321}">
-                <p14:modId xmlns:p14="http://schemas.microsoft.com/office/powerpoint/2010/main" val="2035938553"/>
+                <p14:modId xmlns:p14="http://schemas.microsoft.com/office/powerpoint/2010/main" val="3214024063"/>
               </p:ext>
             </p:extLst>
           </p:nvPr>
         </p:nvGraphicFramePr>
         <p:xfrm>
           <a:off x="146919" y="7473158"/>
-          <a:ext cx="7477080" cy="2190409"/>
+          <a:ext cx="7477080" cy="2233204"/>
         </p:xfrm>
         <a:graphic>
           <a:graphicData uri="http://schemas.openxmlformats.org/drawingml/2006/table">
@@ -3404,16 +2580,16 @@
                         </a:spcBef>
                       </a:pPr>
                       <a:r>
-                        <a:rPr sz="900" spc="-20" dirty="0">
+                        <a:rPr lang="de-de" sz="900" spc="-20">
                           <a:solidFill>
                             <a:srgbClr val="020302"/>
                           </a:solidFill>
                           <a:latin typeface="Adobe Clean"/>
                           <a:cs typeface="Adobe Clean"/>
                         </a:rPr>
-                        <a:t>Priority</a:t>
+                        <a:t>優先順序</a:t>
                       </a:r>
-                      <a:endParaRPr sz="900" dirty="0">
+                      <a:endParaRPr sz="900">
                         <a:latin typeface="Adobe Clean"/>
                         <a:cs typeface="Adobe Clean"/>
                       </a:endParaRPr>
@@ -3454,23 +2630,24 @@
                     <a:bodyPr/>
                     <a:lstStyle/>
                     <a:p>
-                      <a:pPr marL="381000">
+                      <a:pPr marL="15875" indent="0" algn="ctr">
                         <a:lnSpc>
                           <a:spcPct val="100000"/>
                         </a:lnSpc>
                         <a:spcBef>
                           <a:spcPts val="55"/>
                         </a:spcBef>
+                        <a:tabLst/>
                       </a:pPr>
                       <a:r>
-                        <a:rPr sz="900" spc="0" dirty="0">
+                        <a:rPr lang="de-de" sz="900" spc="0" dirty="0" err="1">
                           <a:solidFill>
                             <a:srgbClr val="020302"/>
                           </a:solidFill>
                           <a:latin typeface="Adobe Clean"/>
                           <a:cs typeface="Adobe Clean"/>
                         </a:rPr>
-                        <a:t>Online Support</a:t>
+                        <a:t>線上支援</a:t>
                       </a:r>
                       <a:endParaRPr sz="900" spc="0" dirty="0">
                         <a:latin typeface="Adobe Clean"/>
@@ -3478,7 +2655,7 @@
                       </a:endParaRPr>
                     </a:p>
                   </a:txBody>
-                  <a:tcPr marL="0" marR="0" marT="0" marB="0" anchor="ctr">
+                  <a:tcPr marL="0" marR="0" marT="6985" marB="0" anchor="ctr">
                     <a:lnL w="6350">
                       <a:solidFill>
                         <a:srgbClr val="B7B8B8"/>
@@ -3497,14 +2674,11 @@
                       </a:solidFill>
                       <a:prstDash val="solid"/>
                     </a:lnT>
-                    <a:lnB w="76200" cap="flat" cmpd="sng" algn="ctr">
+                    <a:lnB w="76200">
                       <a:solidFill>
                         <a:srgbClr val="B3B3B3"/>
                       </a:solidFill>
                       <a:prstDash val="solid"/>
-                      <a:round/>
-                      <a:headEnd type="none" w="med" len="med"/>
-                      <a:tailEnd type="none" w="med" len="med"/>
                     </a:lnB>
                     <a:solidFill>
                       <a:srgbClr val="D9D9D9"/>
@@ -3516,23 +2690,24 @@
                     <a:bodyPr/>
                     <a:lstStyle/>
                     <a:p>
-                      <a:pPr marL="260985">
+                      <a:pPr marL="15875" indent="0" algn="ctr">
                         <a:lnSpc>
                           <a:spcPct val="100000"/>
                         </a:lnSpc>
                         <a:spcBef>
                           <a:spcPts val="80"/>
                         </a:spcBef>
+                        <a:tabLst/>
                       </a:pPr>
                       <a:r>
-                        <a:rPr sz="900" spc="0" dirty="0">
+                        <a:rPr lang="de-de" sz="900" spc="0" dirty="0" err="1">
                           <a:solidFill>
                             <a:srgbClr val="FFFFFF"/>
                           </a:solidFill>
                           <a:latin typeface="Adobe Clean"/>
                           <a:cs typeface="Adobe Clean"/>
                         </a:rPr>
-                        <a:t>Enterprise Support</a:t>
+                        <a:t>企業支援</a:t>
                       </a:r>
                       <a:endParaRPr sz="900" spc="0" dirty="0">
                         <a:latin typeface="Adobe Clean"/>
@@ -3540,7 +2715,7 @@
                       </a:endParaRPr>
                     </a:p>
                   </a:txBody>
-                  <a:tcPr marL="0" marR="0" marT="0" marB="0" anchor="ctr">
+                  <a:tcPr marL="0" marR="0" marT="10160" marB="0" anchor="ctr">
                     <a:lnL w="6350">
                       <a:solidFill>
                         <a:srgbClr val="B7B8B8"/>
@@ -3597,87 +2772,17 @@
                         </a:spcBef>
                       </a:pPr>
                       <a:r>
-                        <a:rPr sz="900" b="1" spc="-15" dirty="0">
+                        <a:rPr lang="de-de" sz="900" b="1" spc="-15">
                           <a:solidFill>
                             <a:srgbClr val="020302"/>
                           </a:solidFill>
                           <a:latin typeface="Adobe Clean"/>
                           <a:cs typeface="Adobe Clean"/>
                         </a:rPr>
-                        <a:t>P</a:t>
+                        <a:t>優先順序</a:t>
                       </a:r>
                       <a:r>
-                        <a:rPr sz="900" b="1" spc="-20" dirty="0">
-                          <a:solidFill>
-                            <a:srgbClr val="020302"/>
-                          </a:solidFill>
-                          <a:latin typeface="Adobe Clean"/>
-                          <a:cs typeface="Adobe Clean"/>
-                        </a:rPr>
-                        <a:t>R</a:t>
-                      </a:r>
-                      <a:r>
-                        <a:rPr sz="900" b="1" spc="-25" dirty="0">
-                          <a:solidFill>
-                            <a:srgbClr val="020302"/>
-                          </a:solidFill>
-                          <a:latin typeface="Adobe Clean"/>
-                          <a:cs typeface="Adobe Clean"/>
-                        </a:rPr>
-                        <a:t>I</a:t>
-                      </a:r>
-                      <a:r>
-                        <a:rPr sz="900" b="1" spc="-15" dirty="0">
-                          <a:solidFill>
-                            <a:srgbClr val="020302"/>
-                          </a:solidFill>
-                          <a:latin typeface="Adobe Clean"/>
-                          <a:cs typeface="Adobe Clean"/>
-                        </a:rPr>
-                        <a:t>O</a:t>
-                      </a:r>
-                      <a:r>
-                        <a:rPr sz="900" b="1" spc="-20" dirty="0">
-                          <a:solidFill>
-                            <a:srgbClr val="020302"/>
-                          </a:solidFill>
-                          <a:latin typeface="Adobe Clean"/>
-                          <a:cs typeface="Adobe Clean"/>
-                        </a:rPr>
-                        <a:t>R</a:t>
-                      </a:r>
-                      <a:r>
-                        <a:rPr sz="900" b="1" spc="-25" dirty="0">
-                          <a:solidFill>
-                            <a:srgbClr val="020302"/>
-                          </a:solidFill>
-                          <a:latin typeface="Adobe Clean"/>
-                          <a:cs typeface="Adobe Clean"/>
-                        </a:rPr>
-                        <a:t>I</a:t>
-                      </a:r>
-                      <a:r>
-                        <a:rPr sz="900" b="1" spc="-15" dirty="0">
-                          <a:solidFill>
-                            <a:srgbClr val="020302"/>
-                          </a:solidFill>
-                          <a:latin typeface="Adobe Clean"/>
-                          <a:cs typeface="Adobe Clean"/>
-                        </a:rPr>
-                        <a:t>T</a:t>
-                      </a:r>
-                      <a:r>
-                        <a:rPr sz="900" b="1" dirty="0">
-                          <a:solidFill>
-                            <a:srgbClr val="020302"/>
-                          </a:solidFill>
-                          <a:latin typeface="Adobe Clean"/>
-                          <a:cs typeface="Adobe Clean"/>
-                        </a:rPr>
-                        <a:t>Y</a:t>
-                      </a:r>
-                      <a:r>
-                        <a:rPr sz="900" b="1" spc="-40" dirty="0">
+                        <a:rPr lang="de-de" sz="900" b="1" spc="-40">
                           <a:solidFill>
                             <a:srgbClr val="020302"/>
                           </a:solidFill>
@@ -3687,7 +2792,7 @@
                         <a:t> </a:t>
                       </a:r>
                       <a:r>
-                        <a:rPr sz="900" b="1" dirty="0">
+                        <a:rPr lang="de-de" sz="900" b="1">
                           <a:solidFill>
                             <a:srgbClr val="020302"/>
                           </a:solidFill>
@@ -3696,13 +2801,13 @@
                         </a:rPr>
                         <a:t>1</a:t>
                       </a:r>
-                      <a:endParaRPr sz="900" dirty="0">
+                      <a:endParaRPr sz="900">
                         <a:latin typeface="Adobe Clean"/>
                         <a:cs typeface="Adobe Clean"/>
                       </a:endParaRPr>
                     </a:p>
                     <a:p>
-                      <a:pPr marL="50800" marR="387985" lvl="0" indent="0" eaLnBrk="1" fontAlgn="auto" latinLnBrk="0" hangingPunct="1">
+                      <a:pPr marL="50800" marR="387985" lvl="0" indent="0" defTabSz="914400" eaLnBrk="1" fontAlgn="auto" latinLnBrk="0" hangingPunct="1">
                         <a:lnSpc>
                           <a:spcPts val="1000"/>
                         </a:lnSpc>
@@ -3716,31 +2821,33 @@
                         <a:buSzTx/>
                         <a:buFontTx/>
                         <a:buNone/>
+                        <a:tabLst/>
+                        <a:defRPr/>
                       </a:pPr>
                       <a:r>
-                        <a:rPr lang="en-US" sz="900" b="0" i="0" spc="-130" dirty="0">
+                        <a:rPr lang="de-de" sz="900" b="0" i="0" spc="-130">
                           <a:solidFill>
                             <a:srgbClr val="020302"/>
                           </a:solidFill>
-                          <a:latin typeface="Adobe Clean Light"/>
-                          <a:cs typeface="+mn-cs"/>
+                          <a:latin typeface="Adobe Clean Light" panose="020B0303020404020204" pitchFamily="34" charset="0"/>
+                          <a:cs typeface="Adobe Clean"/>
                         </a:rPr>
-                        <a:t> </a:t>
+                        <a:t> </a:t>
                       </a:r>
                       <a:r>
-                        <a:rPr lang="en-US" sz="900" b="0" i="0" u="none" strike="noStrike" dirty="0">
+                        <a:rPr lang="de-de" sz="900" b="0" i="0" u="none" strike="noStrike">
                           <a:solidFill>
                             <a:schemeClr val="tx1"/>
                           </a:solidFill>
                           <a:effectLst/>
-                          <a:latin typeface="Adobe Clean Light"/>
+                          <a:latin typeface="Adobe Clean Light" panose="020B0303020404020204" pitchFamily="34" charset="0"/>
                           <a:ea typeface="+mn-ea"/>
                           <a:cs typeface="+mn-cs"/>
                         </a:rPr>
-                        <a:t>Customer's production business functions are down or have significant data loss or degradation of services and immediate attention is required to restore functionality and usability</a:t>
+                        <a:t>客戶的生產業務功能已停止或發生重大資料遺失或服務降級狀況，需要立即關注以恢復功能與可用性</a:t>
                       </a:r>
-                      <a:endParaRPr lang="en-US" sz="900" b="0" i="0" dirty="0">
-                        <a:latin typeface="Adobe Clean Light"/>
+                      <a:endParaRPr lang="en-US" sz="900" b="0" i="0">
+                        <a:latin typeface="Adobe Clean Light" panose="020B0303020404020204" pitchFamily="34" charset="0"/>
                         <a:cs typeface="AdobeClean-Light"/>
                       </a:endParaRPr>
                     </a:p>
@@ -3752,14 +2859,11 @@
                       </a:solidFill>
                       <a:prstDash val="solid"/>
                     </a:lnL>
-                    <a:lnR w="6350" cap="flat" cmpd="sng" algn="ctr">
+                    <a:lnR w="6350">
                       <a:solidFill>
                         <a:srgbClr val="B7B8B8"/>
                       </a:solidFill>
                       <a:prstDash val="solid"/>
-                      <a:round/>
-                      <a:headEnd type="none" w="med" len="med"/>
-                      <a:tailEnd type="none" w="med" len="med"/>
                     </a:lnR>
                     <a:lnT w="6350">
                       <a:solidFill>
@@ -3780,34 +2884,80 @@
                     <a:bodyPr/>
                     <a:lstStyle/>
                     <a:p>
-                      <a:pPr algn="ctr" fontAlgn="ctr"/>
+                      <a:pPr marL="449263" marR="492125" indent="0" algn="ctr">
+                        <a:lnSpc>
+                          <a:spcPct val="102200"/>
+                        </a:lnSpc>
+                        <a:tabLst/>
+                      </a:pPr>
                       <a:r>
-                        <a:rPr lang="en-US" sz="900" b="0" i="0" u="none" strike="noStrike" dirty="0">
+                        <a:rPr lang="de-de" sz="900" spc="-15" dirty="0">
                           <a:solidFill>
                             <a:srgbClr val="020302"/>
                           </a:solidFill>
-                          <a:effectLst/>
-                          <a:latin typeface="AdobeClean-Light" panose="020B0503020404020204" pitchFamily="34" charset="0"/>
+                          <a:latin typeface="AdobeClean-Light"/>
+                          <a:cs typeface="AdobeClean-Light"/>
                         </a:rPr>
-                        <a:t>24x7 /  1 hour</a:t>
+                        <a:t>全年無休 / </a:t>
                       </a:r>
+                      <a:r>
+                        <a:rPr lang="de-de" sz="900" spc="-200" dirty="0">
+                          <a:solidFill>
+                            <a:srgbClr val="020302"/>
+                          </a:solidFill>
+                          <a:latin typeface="AdobeClean-Light"/>
+                          <a:cs typeface="AdobeClean-Light"/>
+                        </a:rPr>
+                        <a:t> </a:t>
+                      </a:r>
+                      <a:r>
+                        <a:rPr lang="de-de" sz="900" dirty="0">
+                          <a:solidFill>
+                            <a:srgbClr val="020302"/>
+                          </a:solidFill>
+                          <a:latin typeface="AdobeClean-Light"/>
+                          <a:cs typeface="AdobeClean-Light"/>
+                        </a:rPr>
+                        <a:t>1</a:t>
+                      </a:r>
+                      <a:r>
+                        <a:rPr lang="de-de" sz="900" spc="-90" dirty="0">
+                          <a:solidFill>
+                            <a:srgbClr val="020302"/>
+                          </a:solidFill>
+                          <a:latin typeface="AdobeClean-Light"/>
+                          <a:cs typeface="AdobeClean-Light"/>
+                        </a:rPr>
+                        <a:t> </a:t>
+                      </a:r>
+                      <a:r>
+                        <a:rPr lang="de-de" sz="900" spc="-15" dirty="0">
+                          <a:solidFill>
+                            <a:srgbClr val="020302"/>
+                          </a:solidFill>
+                          <a:latin typeface="AdobeClean-Light"/>
+                          <a:cs typeface="AdobeClean-Light"/>
+                        </a:rPr>
+                        <a:t>小時</a:t>
+                      </a:r>
+                      <a:endParaRPr sz="900" dirty="0">
+                        <a:latin typeface="AdobeClean-Light"/>
+                        <a:cs typeface="AdobeClean-Light"/>
+                      </a:endParaRPr>
                     </a:p>
                   </a:txBody>
-                  <a:tcPr marL="9525" marR="9525" marT="9525" marB="0" anchor="ctr">
+                  <a:tcPr marL="0" marR="0" marT="0" marB="0" anchor="ctr">
                     <a:lnL w="6350">
                       <a:solidFill>
                         <a:srgbClr val="B7B8B8"/>
                       </a:solidFill>
                       <a:prstDash val="solid"/>
                     </a:lnL>
-                    <a:lnR w="6350" cap="flat" cmpd="sng" algn="ctr">
+                    <a:lnR w="6350">
                       <a:solidFill>
                         <a:srgbClr val="B7B8B8"/>
                       </a:solidFill>
                       <a:prstDash val="solid"/>
-                      <a:round/>
-                      <a:headEnd type="none" w="med" len="med"/>
-                      <a:tailEnd type="none" w="med" len="med"/>
                     </a:lnR>
                     <a:lnT w="76200">
                       <a:solidFill>
@@ -3828,28 +2978,87 @@
                     <a:bodyPr/>
                     <a:lstStyle/>
                     <a:p>
-                      <a:pPr algn="ctr" fontAlgn="ctr"/>
+                      <a:pPr marL="360363" marR="476250" indent="0" algn="ctr">
+                        <a:lnSpc>
+                          <a:spcPct val="100000"/>
+                        </a:lnSpc>
+                        <a:spcBef>
+                          <a:spcPts val="700"/>
+                        </a:spcBef>
+                        <a:tabLst/>
+                      </a:pPr>
                       <a:r>
-                        <a:rPr lang="en-US" sz="900" b="0" i="0" u="none" strike="noStrike" dirty="0">
+                        <a:rPr lang="de-de" sz="900" spc="-25" dirty="0">
                           <a:solidFill>
                             <a:srgbClr val="020302"/>
                           </a:solidFill>
-                          <a:effectLst/>
                           <a:latin typeface="AdobeClean-Light"/>
+                          <a:cs typeface="AdobeClean-Light"/>
                         </a:rPr>
-                        <a:t>24x7 / 30 minutes</a:t>
+                        <a:t>全年無休</a:t>
                       </a:r>
+                      <a:r>
+                        <a:rPr lang="de-de" sz="900" spc="-35" dirty="0">
+                          <a:solidFill>
+                            <a:srgbClr val="020302"/>
+                          </a:solidFill>
+                          <a:latin typeface="AdobeClean-Light"/>
+                          <a:cs typeface="AdobeClean-Light"/>
+                        </a:rPr>
+                        <a:t> </a:t>
+                      </a:r>
+                      <a:r>
+                        <a:rPr lang="de-de" sz="900" dirty="0">
+                          <a:solidFill>
+                            <a:srgbClr val="020302"/>
+                          </a:solidFill>
+                          <a:latin typeface="AdobeClean-Light"/>
+                          <a:cs typeface="AdobeClean-Light"/>
+                        </a:rPr>
+                        <a:t>/ </a:t>
+                      </a:r>
+                      <a:r>
+                        <a:rPr lang="de-de" sz="900" spc="-20" dirty="0">
+                          <a:solidFill>
+                            <a:srgbClr val="020302"/>
+                          </a:solidFill>
+                          <a:latin typeface="AdobeClean-Light"/>
+                          <a:cs typeface="AdobeClean-Light"/>
+                        </a:rPr>
+                        <a:t>3</a:t>
+                      </a:r>
+                      <a:r>
+                        <a:rPr lang="de-de" sz="900" spc="50" dirty="0">
+                          <a:solidFill>
+                            <a:srgbClr val="020302"/>
+                          </a:solidFill>
+                          <a:latin typeface="AdobeClean-Light"/>
+                          <a:cs typeface="AdobeClean-Light"/>
+                        </a:rPr>
+                        <a:t>0</a:t>
+                      </a:r>
+                      <a:r>
+                        <a:rPr lang="de-de" sz="900" spc="-20" dirty="0">
+                          <a:solidFill>
+                            <a:srgbClr val="020302"/>
+                          </a:solidFill>
+                          <a:latin typeface="AdobeClean-Light"/>
+                          <a:cs typeface="AdobeClean-Light"/>
+                        </a:rPr>
+                        <a:t> 分鐘</a:t>
+                      </a:r>
+                      <a:endParaRPr sz="900" dirty="0">
+                        <a:latin typeface="AdobeClean-Light"/>
+                        <a:cs typeface="AdobeClean-Light"/>
+                      </a:endParaRPr>
                     </a:p>
                   </a:txBody>
-                  <a:tcPr marL="9525" marR="9525" marT="9525" marB="0" anchor="ctr">
-                    <a:lnL w="6350" cap="flat" cmpd="sng" algn="ctr">
+                  <a:tcPr marL="0" marR="0" marT="0" marB="0" anchor="ctr">
+                    <a:lnL w="6350">
                       <a:solidFill>
                         <a:srgbClr val="B7B8B8"/>
                       </a:solidFill>
                       <a:prstDash val="solid"/>
-                      <a:round/>
-                      <a:headEnd type="none" w="med" len="med"/>
-                      <a:tailEnd type="none" w="med" len="med"/>
                     </a:lnL>
                     <a:lnR w="6350" cap="flat" cmpd="sng" algn="ctr">
                       <a:solidFill>
@@ -3888,7 +3097,7 @@
                   </a:ext>
                 </a:extLst>
               </a:tr>
-              <a:tr h="0">
+              <a:tr h="484755">
                 <a:tc>
                   <a:txBody>
                     <a:bodyPr/>
@@ -3903,87 +3112,17 @@
                         </a:spcBef>
                       </a:pPr>
                       <a:r>
-                        <a:rPr sz="900" b="1" spc="-15" dirty="0">
+                        <a:rPr lang="de-de" sz="900" b="1" spc="-15">
                           <a:solidFill>
                             <a:srgbClr val="020302"/>
                           </a:solidFill>
                           <a:latin typeface="Adobe Clean"/>
                           <a:cs typeface="Adobe Clean"/>
                         </a:rPr>
-                        <a:t>P</a:t>
+                        <a:t>優先順序</a:t>
                       </a:r>
                       <a:r>
-                        <a:rPr sz="900" b="1" spc="-20" dirty="0">
-                          <a:solidFill>
-                            <a:srgbClr val="020302"/>
-                          </a:solidFill>
-                          <a:latin typeface="Adobe Clean"/>
-                          <a:cs typeface="Adobe Clean"/>
-                        </a:rPr>
-                        <a:t>R</a:t>
-                      </a:r>
-                      <a:r>
-                        <a:rPr sz="900" b="1" spc="-25" dirty="0">
-                          <a:solidFill>
-                            <a:srgbClr val="020302"/>
-                          </a:solidFill>
-                          <a:latin typeface="Adobe Clean"/>
-                          <a:cs typeface="Adobe Clean"/>
-                        </a:rPr>
-                        <a:t>I</a:t>
-                      </a:r>
-                      <a:r>
-                        <a:rPr sz="900" b="1" spc="-15" dirty="0">
-                          <a:solidFill>
-                            <a:srgbClr val="020302"/>
-                          </a:solidFill>
-                          <a:latin typeface="Adobe Clean"/>
-                          <a:cs typeface="Adobe Clean"/>
-                        </a:rPr>
-                        <a:t>O</a:t>
-                      </a:r>
-                      <a:r>
-                        <a:rPr sz="900" b="1" spc="-20" dirty="0">
-                          <a:solidFill>
-                            <a:srgbClr val="020302"/>
-                          </a:solidFill>
-                          <a:latin typeface="Adobe Clean"/>
-                          <a:cs typeface="Adobe Clean"/>
-                        </a:rPr>
-                        <a:t>R</a:t>
-                      </a:r>
-                      <a:r>
-                        <a:rPr sz="900" b="1" spc="-25" dirty="0">
-                          <a:solidFill>
-                            <a:srgbClr val="020302"/>
-                          </a:solidFill>
-                          <a:latin typeface="Adobe Clean"/>
-                          <a:cs typeface="Adobe Clean"/>
-                        </a:rPr>
-                        <a:t>I</a:t>
-                      </a:r>
-                      <a:r>
-                        <a:rPr sz="900" b="1" spc="-15" dirty="0">
-                          <a:solidFill>
-                            <a:srgbClr val="020302"/>
-                          </a:solidFill>
-                          <a:latin typeface="Adobe Clean"/>
-                          <a:cs typeface="Adobe Clean"/>
-                        </a:rPr>
-                        <a:t>T</a:t>
-                      </a:r>
-                      <a:r>
-                        <a:rPr sz="900" b="1" dirty="0">
-                          <a:solidFill>
-                            <a:srgbClr val="020302"/>
-                          </a:solidFill>
-                          <a:latin typeface="Adobe Clean"/>
-                          <a:cs typeface="Adobe Clean"/>
-                        </a:rPr>
-                        <a:t>Y</a:t>
-                      </a:r>
-                      <a:r>
-                        <a:rPr sz="900" b="1" spc="-40" dirty="0">
+                        <a:rPr lang="de-de" sz="900" b="1" spc="-40">
                           <a:solidFill>
                             <a:srgbClr val="020302"/>
                           </a:solidFill>
@@ -3993,7 +3132,7 @@
                         <a:t> </a:t>
                       </a:r>
                       <a:r>
-                        <a:rPr sz="900" b="1" dirty="0">
+                        <a:rPr lang="de-de" sz="900" b="1">
                           <a:solidFill>
                             <a:srgbClr val="020302"/>
                           </a:solidFill>
@@ -4002,7 +3141,7 @@
                         </a:rPr>
                         <a:t>2</a:t>
                       </a:r>
-                      <a:endParaRPr sz="900" dirty="0">
+                      <a:endParaRPr sz="900">
                         <a:latin typeface="Adobe Clean"/>
                         <a:cs typeface="Adobe Clean"/>
                       </a:endParaRPr>
@@ -4017,19 +3156,19 @@
                         </a:spcBef>
                       </a:pPr>
                       <a:r>
-                        <a:rPr lang="en-US" sz="900" b="0" i="0" u="none" strike="noStrike" dirty="0">
+                        <a:rPr lang="de-de" sz="900" b="0" i="0" u="none" strike="noStrike">
                           <a:solidFill>
                             <a:schemeClr val="tx1"/>
                           </a:solidFill>
                           <a:effectLst/>
-                          <a:latin typeface="Adobe Clean Light"/>
+                          <a:latin typeface="Adobe Clean Light" panose="020B0303020404020204" pitchFamily="34" charset="0"/>
                           <a:ea typeface="+mn-ea"/>
                           <a:cs typeface="+mn-cs"/>
                         </a:rPr>
-                        <a:t>Customer's business functions have major degradation of services, or potential of data loss or a major feature is impacted</a:t>
+                        <a:t>客戶的業務功能發生嚴重的服務降級狀況，或是可能發生資料遺失或服務無法使用的狀況，或是主要功能受到了影響</a:t>
                       </a:r>
-                      <a:endParaRPr lang="en-US" sz="900" b="0" i="0" dirty="0">
-                        <a:latin typeface="Adobe Clean Light"/>
+                      <a:endParaRPr lang="en-US" sz="900" b="0" i="0">
+                        <a:latin typeface="Adobe Clean Light" panose="020B0303020404020204" pitchFamily="34" charset="0"/>
                         <a:cs typeface="AdobeClean-Light"/>
                       </a:endParaRPr>
                     </a:p>
@@ -4041,14 +3180,11 @@
                       </a:solidFill>
                       <a:prstDash val="solid"/>
                     </a:lnL>
-                    <a:lnR w="6350" cap="flat" cmpd="sng" algn="ctr">
+                    <a:lnR w="6350">
                       <a:solidFill>
                         <a:srgbClr val="B7B8B8"/>
                       </a:solidFill>
                       <a:prstDash val="solid"/>
-                      <a:round/>
-                      <a:headEnd type="none" w="med" len="med"/>
-                      <a:tailEnd type="none" w="med" len="med"/>
                     </a:lnR>
                     <a:lnT w="6350">
                       <a:solidFill>
@@ -4069,34 +3205,69 @@
                     <a:bodyPr/>
                     <a:lstStyle/>
                     <a:p>
-                      <a:pPr algn="ctr" fontAlgn="ctr"/>
+                      <a:pPr marL="473709" marR="343535" indent="-175895" algn="ctr">
+                        <a:lnSpc>
+                          <a:spcPct val="102200"/>
+                        </a:lnSpc>
+                      </a:pPr>
                       <a:r>
-                        <a:rPr lang="en-US" sz="900" b="0" i="0" u="none" strike="noStrike" dirty="0">
+                        <a:rPr lang="de-de" sz="900" spc="-30" dirty="0">
                           <a:solidFill>
                             <a:srgbClr val="020302"/>
                           </a:solidFill>
-                          <a:effectLst/>
-                          <a:latin typeface="AdobeClean-Light" panose="020B0503020404020204" pitchFamily="34" charset="0"/>
+                          <a:latin typeface="AdobeClean-Light"/>
+                          <a:cs typeface="AdobeClean-Light"/>
                         </a:rPr>
-                        <a:t>Business hours / 4 hours</a:t>
+                        <a:t>營業時間 </a:t>
                       </a:r>
+                      <a:r>
+                        <a:rPr lang="de-de" sz="900" dirty="0">
+                          <a:solidFill>
+                            <a:srgbClr val="020302"/>
+                          </a:solidFill>
+                          <a:latin typeface="AdobeClean-Light"/>
+                          <a:cs typeface="AdobeClean-Light"/>
+                        </a:rPr>
+                        <a:t>/ 4</a:t>
+                      </a:r>
+                      <a:r>
+                        <a:rPr lang="de-de" sz="900" spc="-100" dirty="0">
+                          <a:solidFill>
+                            <a:srgbClr val="020302"/>
+                          </a:solidFill>
+                          <a:latin typeface="AdobeClean-Light"/>
+                          <a:cs typeface="AdobeClean-Light"/>
+                        </a:rPr>
+                        <a:t> </a:t>
+                      </a:r>
+                      <a:r>
+                        <a:rPr lang="de-de" sz="900" spc="-15" dirty="0">
+                          <a:solidFill>
+                            <a:srgbClr val="020302"/>
+                          </a:solidFill>
+                          <a:latin typeface="AdobeClean-Light"/>
+                          <a:cs typeface="AdobeClean-Light"/>
+                        </a:rPr>
+                        <a:t>小時</a:t>
+                      </a:r>
+                      <a:endParaRPr sz="900" dirty="0">
+                        <a:latin typeface="AdobeClean-Light"/>
+                        <a:cs typeface="AdobeClean-Light"/>
+                      </a:endParaRPr>
                     </a:p>
                   </a:txBody>
-                  <a:tcPr marL="9525" marR="9525" marT="9525" marB="0" anchor="ctr">
+                  <a:tcPr marL="0" marR="0" marT="0" marB="0" anchor="ctr">
                     <a:lnL w="6350">
                       <a:solidFill>
                         <a:srgbClr val="B7B8B8"/>
                       </a:solidFill>
                       <a:prstDash val="solid"/>
                     </a:lnL>
-                    <a:lnR w="6350" cap="flat" cmpd="sng" algn="ctr">
+                    <a:lnR w="6350">
                       <a:solidFill>
                         <a:srgbClr val="B7B8B8"/>
                       </a:solidFill>
                       <a:prstDash val="solid"/>
-                      <a:round/>
-                      <a:headEnd type="none" w="med" len="med"/>
-                      <a:tailEnd type="none" w="med" len="med"/>
                     </a:lnR>
                     <a:lnT w="6350">
                       <a:solidFill>
@@ -4117,28 +3288,31 @@
                     <a:bodyPr/>
                     <a:lstStyle/>
                     <a:p>
-                      <a:pPr algn="ctr" fontAlgn="ctr"/>
+                      <a:pPr marL="360363" marR="492125" indent="0" algn="ctr">
+                        <a:lnSpc>
+                          <a:spcPct val="102200"/>
+                        </a:lnSpc>
+                        <a:tabLst/>
+                      </a:pPr>
                       <a:r>
-                        <a:rPr lang="en-US" sz="900" b="0" i="0" u="none" strike="noStrike" dirty="0">
+                        <a:rPr lang="de-de" sz="900" spc="-15" dirty="0">
                           <a:solidFill>
                             <a:srgbClr val="020302"/>
                           </a:solidFill>
-                          <a:effectLst/>
                           <a:latin typeface="AdobeClean-Light"/>
+                          <a:ea typeface="+mn-ea"/>
+                          <a:cs typeface="AdobeClean-Light"/>
                         </a:rPr>
-                        <a:t>24x5 / 1 hour</a:t>
+                        <a:t>24x5 /         1 小時</a:t>
                       </a:r>
                     </a:p>
                   </a:txBody>
-                  <a:tcPr marL="9525" marR="9525" marT="9525" marB="0" anchor="ctr">
-                    <a:lnL w="6350" cap="flat" cmpd="sng" algn="ctr">
+                  <a:tcPr marL="0" marR="0" marT="0" marB="0" anchor="ctr">
+                    <a:lnL w="6350">
                       <a:solidFill>
                         <a:srgbClr val="B7B8B8"/>
                       </a:solidFill>
                       <a:prstDash val="solid"/>
-                      <a:round/>
-                      <a:headEnd type="none" w="med" len="med"/>
-                      <a:tailEnd type="none" w="med" len="med"/>
                     </a:lnL>
                     <a:lnR w="6350" cap="flat" cmpd="sng" algn="ctr">
                       <a:solidFill>
@@ -4189,87 +3363,17 @@
                         </a:spcBef>
                       </a:pPr>
                       <a:r>
-                        <a:rPr sz="900" b="1" spc="-15" dirty="0">
+                        <a:rPr lang="de-de" sz="900" b="1" spc="-15">
                           <a:solidFill>
                             <a:srgbClr val="020302"/>
                           </a:solidFill>
                           <a:latin typeface="Adobe Clean"/>
                           <a:cs typeface="Adobe Clean"/>
                         </a:rPr>
-                        <a:t>P</a:t>
+                        <a:t>優先順序</a:t>
                       </a:r>
                       <a:r>
-                        <a:rPr sz="900" b="1" spc="-20" dirty="0">
-                          <a:solidFill>
-                            <a:srgbClr val="020302"/>
-                          </a:solidFill>
-                          <a:latin typeface="Adobe Clean"/>
-                          <a:cs typeface="Adobe Clean"/>
-                        </a:rPr>
-                        <a:t>R</a:t>
-                      </a:r>
-                      <a:r>
-                        <a:rPr sz="900" b="1" spc="-25" dirty="0">
-                          <a:solidFill>
-                            <a:srgbClr val="020302"/>
-                          </a:solidFill>
-                          <a:latin typeface="Adobe Clean"/>
-                          <a:cs typeface="Adobe Clean"/>
-                        </a:rPr>
-                        <a:t>I</a:t>
-                      </a:r>
-                      <a:r>
-                        <a:rPr sz="900" b="1" spc="-15" dirty="0">
-                          <a:solidFill>
-                            <a:srgbClr val="020302"/>
-                          </a:solidFill>
-                          <a:latin typeface="Adobe Clean"/>
-                          <a:cs typeface="Adobe Clean"/>
-                        </a:rPr>
-                        <a:t>O</a:t>
-                      </a:r>
-                      <a:r>
-                        <a:rPr sz="900" b="1" spc="-20" dirty="0">
-                          <a:solidFill>
-                            <a:srgbClr val="020302"/>
-                          </a:solidFill>
-                          <a:latin typeface="Adobe Clean"/>
-                          <a:cs typeface="Adobe Clean"/>
-                        </a:rPr>
-                        <a:t>R</a:t>
-                      </a:r>
-                      <a:r>
-                        <a:rPr sz="900" b="1" spc="-25" dirty="0">
-                          <a:solidFill>
-                            <a:srgbClr val="020302"/>
-                          </a:solidFill>
-                          <a:latin typeface="Adobe Clean"/>
-                          <a:cs typeface="Adobe Clean"/>
-                        </a:rPr>
-                        <a:t>I</a:t>
-                      </a:r>
-                      <a:r>
-                        <a:rPr sz="900" b="1" spc="-15" dirty="0">
-                          <a:solidFill>
-                            <a:srgbClr val="020302"/>
-                          </a:solidFill>
-                          <a:latin typeface="Adobe Clean"/>
-                          <a:cs typeface="Adobe Clean"/>
-                        </a:rPr>
-                        <a:t>T</a:t>
-                      </a:r>
-                      <a:r>
-                        <a:rPr sz="900" b="1" dirty="0">
-                          <a:solidFill>
-                            <a:srgbClr val="020302"/>
-                          </a:solidFill>
-                          <a:latin typeface="Adobe Clean"/>
-                          <a:cs typeface="Adobe Clean"/>
-                        </a:rPr>
-                        <a:t>Y</a:t>
-                      </a:r>
-                      <a:r>
-                        <a:rPr sz="900" b="1" spc="-40" dirty="0">
+                        <a:rPr lang="de-de" sz="900" b="1" spc="-40">
                           <a:solidFill>
                             <a:srgbClr val="020302"/>
                           </a:solidFill>
@@ -4279,7 +3383,7 @@
                         <a:t> </a:t>
                       </a:r>
                       <a:r>
-                        <a:rPr sz="900" b="1" dirty="0">
+                        <a:rPr lang="de-de" sz="900" b="1">
                           <a:solidFill>
                             <a:srgbClr val="020302"/>
                           </a:solidFill>
@@ -4288,7 +3392,7 @@
                         </a:rPr>
                         <a:t>3</a:t>
                       </a:r>
-                      <a:endParaRPr sz="900" dirty="0">
+                      <a:endParaRPr sz="900">
                         <a:latin typeface="Adobe Clean"/>
                         <a:cs typeface="Adobe Clean"/>
                       </a:endParaRPr>
@@ -4303,43 +3407,19 @@
                         </a:spcBef>
                       </a:pPr>
                       <a:r>
-                        <a:rPr lang="en-US" sz="900" b="0" i="0" u="none" strike="noStrike" dirty="0">
+                        <a:rPr lang="de-de" sz="900" b="0" i="0" u="none" strike="noStrike">
                           <a:solidFill>
                             <a:schemeClr val="tx1"/>
                           </a:solidFill>
                           <a:effectLst/>
-                          <a:latin typeface="Adobe Clean Light"/>
+                          <a:latin typeface="Adobe Clean Light" panose="020B0303020404020204" pitchFamily="34" charset="0"/>
                           <a:ea typeface="+mn-ea"/>
                           <a:cs typeface="+mn-cs"/>
                         </a:rPr>
-                        <a:t>Customer's business </a:t>
+                        <a:t>優先順序 3客戶的業務功能發生了輕微服務降級狀況或沒有降級，但有解決/變通方法讓業務功能得以繼續運作。</a:t>
                       </a:r>
-                      <a:r>
-                        <a:rPr lang="en-US" sz="900" b="0" i="0" u="none" strike="noStrike">
-                          <a:solidFill>
-                            <a:schemeClr val="tx1"/>
-                          </a:solidFill>
-                          <a:effectLst/>
-                          <a:latin typeface="Adobe Clean Light"/>
-                          <a:ea typeface="+mn-ea"/>
-                          <a:cs typeface="+mn-cs"/>
-                        </a:rPr>
-                        <a:t>functions have </a:t>
-                      </a:r>
-                      <a:r>
-                        <a:rPr lang="en-US" sz="900" b="0" i="0" u="none" strike="noStrike" dirty="0">
-                          <a:solidFill>
-                            <a:schemeClr val="tx1"/>
-                          </a:solidFill>
-                          <a:effectLst/>
-                          <a:latin typeface="Adobe Clean Light"/>
-                          <a:ea typeface="+mn-ea"/>
-                          <a:cs typeface="+mn-cs"/>
-                        </a:rPr>
-                        <a:t>minor to no degradation of services with a solution/workaround allowing business functions to continue </a:t>
-                      </a:r>
-                      <a:endParaRPr lang="en-US" sz="900" b="0" i="0" dirty="0">
-                        <a:latin typeface="Adobe Clean Light"/>
+                      <a:endParaRPr lang="en-US" sz="900" b="0" i="0">
+                        <a:latin typeface="Adobe Clean Light" panose="020B0303020404020204" pitchFamily="34" charset="0"/>
                         <a:cs typeface="AdobeClean-Light"/>
                       </a:endParaRPr>
                     </a:p>
@@ -4351,14 +3431,11 @@
                       </a:solidFill>
                       <a:prstDash val="solid"/>
                     </a:lnL>
-                    <a:lnR w="6350" cap="flat" cmpd="sng" algn="ctr">
+                    <a:lnR w="6350">
                       <a:solidFill>
                         <a:srgbClr val="B7B8B8"/>
                       </a:solidFill>
                       <a:prstDash val="solid"/>
-                      <a:round/>
-                      <a:headEnd type="none" w="med" len="med"/>
-                      <a:tailEnd type="none" w="med" len="med"/>
                     </a:lnR>
                     <a:lnT w="6350">
                       <a:solidFill>
@@ -4379,34 +3456,69 @@
                     <a:bodyPr/>
                     <a:lstStyle/>
                     <a:p>
-                      <a:pPr algn="ctr" fontAlgn="ctr"/>
+                      <a:pPr marL="473709" marR="343535" indent="-175895" algn="ctr">
+                        <a:lnSpc>
+                          <a:spcPct val="102200"/>
+                        </a:lnSpc>
+                      </a:pPr>
                       <a:r>
-                        <a:rPr lang="en-US" sz="900" b="0" i="0" u="none" strike="noStrike" dirty="0">
+                        <a:rPr lang="de-de" sz="900" spc="-30" dirty="0">
                           <a:solidFill>
                             <a:srgbClr val="020302"/>
                           </a:solidFill>
-                          <a:effectLst/>
-                          <a:latin typeface="AdobeClean-Light" panose="020B0503020404020204" pitchFamily="34" charset="0"/>
+                          <a:latin typeface="AdobeClean-Light"/>
+                          <a:cs typeface="AdobeClean-Light"/>
                         </a:rPr>
-                        <a:t>Business hours / 6 hours</a:t>
+                        <a:t>營業時間</a:t>
                       </a:r>
+                      <a:r>
+                        <a:rPr lang="de-de" sz="900" dirty="0">
+                          <a:solidFill>
+                            <a:srgbClr val="020302"/>
+                          </a:solidFill>
+                          <a:latin typeface="AdobeClean-Light"/>
+                          <a:cs typeface="AdobeClean-Light"/>
+                        </a:rPr>
+                        <a:t>/ 6</a:t>
+                      </a:r>
+                      <a:r>
+                        <a:rPr lang="de-de" sz="900" spc="-100" dirty="0">
+                          <a:solidFill>
+                            <a:srgbClr val="020302"/>
+                          </a:solidFill>
+                          <a:latin typeface="AdobeClean-Light"/>
+                          <a:cs typeface="AdobeClean-Light"/>
+                        </a:rPr>
+                        <a:t> </a:t>
+                      </a:r>
+                      <a:r>
+                        <a:rPr lang="de-de" sz="900" spc="-15" dirty="0">
+                          <a:solidFill>
+                            <a:srgbClr val="020302"/>
+                          </a:solidFill>
+                          <a:latin typeface="AdobeClean-Light"/>
+                          <a:cs typeface="AdobeClean-Light"/>
+                        </a:rPr>
+                        <a:t>小時</a:t>
+                      </a:r>
+                      <a:endParaRPr lang="en-US" sz="900" dirty="0">
+                        <a:latin typeface="AdobeClean-Light"/>
+                        <a:cs typeface="AdobeClean-Light"/>
+                      </a:endParaRPr>
                     </a:p>
                   </a:txBody>
-                  <a:tcPr marL="9525" marR="9525" marT="9525" marB="0" anchor="ctr">
+                  <a:tcPr marL="0" marR="0" marT="0" marB="0" anchor="ctr">
                     <a:lnL w="6350">
                       <a:solidFill>
                         <a:srgbClr val="B7B8B8"/>
                       </a:solidFill>
                       <a:prstDash val="solid"/>
                     </a:lnL>
-                    <a:lnR w="6350" cap="flat" cmpd="sng" algn="ctr">
+                    <a:lnR w="6350">
                       <a:solidFill>
                         <a:srgbClr val="B7B8B8"/>
                       </a:solidFill>
                       <a:prstDash val="solid"/>
-                      <a:round/>
-                      <a:headEnd type="none" w="med" len="med"/>
-                      <a:tailEnd type="none" w="med" len="med"/>
                     </a:lnR>
                     <a:lnT w="6350">
                       <a:solidFill>
@@ -4427,28 +3539,106 @@
                     <a:bodyPr/>
                     <a:lstStyle/>
                     <a:p>
-                      <a:pPr algn="ctr" fontAlgn="ctr"/>
+                      <a:pPr marL="360363" marR="398780" indent="15875" algn="ctr">
+                        <a:lnSpc>
+                          <a:spcPct val="102200"/>
+                        </a:lnSpc>
+                        <a:spcBef>
+                          <a:spcPts val="675"/>
+                        </a:spcBef>
+                        <a:tabLst/>
+                      </a:pPr>
                       <a:r>
-                        <a:rPr lang="en-US" sz="900" b="0" i="0" u="none" strike="noStrike" dirty="0">
+                        <a:rPr lang="de-de" sz="900" spc="-30" dirty="0">
                           <a:solidFill>
                             <a:srgbClr val="020302"/>
                           </a:solidFill>
-                          <a:effectLst/>
                           <a:latin typeface="AdobeClean-Light"/>
+                          <a:cs typeface="AdobeClean-Light"/>
                         </a:rPr>
-                        <a:t>Business hours / 2 hours</a:t>
+                        <a:t>營業時間</a:t>
                       </a:r>
+                      <a:r>
+                        <a:rPr lang="de-de" sz="900" spc="-120" dirty="0">
+                          <a:solidFill>
+                            <a:srgbClr val="020302"/>
+                          </a:solidFill>
+                          <a:latin typeface="AdobeClean-Light"/>
+                          <a:cs typeface="AdobeClean-Light"/>
+                        </a:rPr>
+                        <a:t> </a:t>
+                      </a:r>
+                      <a:r>
+                        <a:rPr lang="de-de" sz="900" spc="-5" dirty="0">
+                          <a:solidFill>
+                            <a:srgbClr val="020302"/>
+                          </a:solidFill>
+                          <a:latin typeface="AdobeClean-Light"/>
+                          <a:cs typeface="AdobeClean-Light"/>
+                        </a:rPr>
+                        <a:t> </a:t>
+                      </a:r>
+                      <a:r>
+                        <a:rPr lang="de-de" sz="900" dirty="0">
+                          <a:solidFill>
+                            <a:srgbClr val="020302"/>
+                          </a:solidFill>
+                          <a:latin typeface="AdobeClean-Light"/>
+                          <a:cs typeface="AdobeClean-Light"/>
+                        </a:rPr>
+                        <a:t>/ </a:t>
+                      </a:r>
+                      <a:br>
+                        <a:rPr lang="de-DE" sz="900" dirty="0">
+                          <a:solidFill>
+                            <a:srgbClr val="020302"/>
+                          </a:solidFill>
+                          <a:latin typeface="AdobeClean-Light"/>
+                          <a:cs typeface="AdobeClean-Light"/>
+                        </a:rPr>
+                      </a:br>
+                      <a:r>
+                        <a:rPr lang="de-de" sz="900" dirty="0">
+                          <a:solidFill>
+                            <a:srgbClr val="020302"/>
+                          </a:solidFill>
+                          <a:latin typeface="AdobeClean-Light"/>
+                          <a:cs typeface="AdobeClean-Light"/>
+                        </a:rPr>
+                        <a:t>2</a:t>
+                      </a:r>
+                      <a:r>
+                        <a:rPr lang="de-de" sz="900" spc="-100" dirty="0">
+                          <a:solidFill>
+                            <a:srgbClr val="020302"/>
+                          </a:solidFill>
+                          <a:latin typeface="AdobeClean-Light"/>
+                          <a:cs typeface="AdobeClean-Light"/>
+                        </a:rPr>
+                        <a:t> </a:t>
+                      </a:r>
+                      <a:r>
+                        <a:rPr lang="de-de" sz="900" spc="-15" dirty="0">
+                          <a:solidFill>
+                            <a:srgbClr val="020302"/>
+                          </a:solidFill>
+                          <a:latin typeface="AdobeClean-Light"/>
+                          <a:cs typeface="AdobeClean-Light"/>
+                        </a:rPr>
+                        <a:t>小時</a:t>
+                      </a:r>
+                      <a:endParaRPr sz="900" dirty="0">
+                        <a:latin typeface="AdobeClean-Light"/>
+                        <a:cs typeface="AdobeClean-Light"/>
+                      </a:endParaRPr>
                     </a:p>
                   </a:txBody>
-                  <a:tcPr marL="9525" marR="9525" marT="9525" marB="0" anchor="ctr">
-                    <a:lnL w="6350" cap="flat" cmpd="sng" algn="ctr">
+                  <a:tcPr marL="0" marR="0" marT="0" marB="0" anchor="ctr">
+                    <a:lnL w="6350">
                       <a:solidFill>
                         <a:srgbClr val="B7B8B8"/>
                       </a:solidFill>
                       <a:prstDash val="solid"/>
-                      <a:round/>
-                      <a:headEnd type="none" w="med" len="med"/>
-                      <a:tailEnd type="none" w="med" len="med"/>
                     </a:lnL>
                     <a:lnR w="6350" cap="flat" cmpd="sng" algn="ctr">
                       <a:solidFill>
@@ -4499,87 +3689,17 @@
                         </a:spcBef>
                       </a:pPr>
                       <a:r>
-                        <a:rPr sz="900" b="1" spc="-15" dirty="0">
+                        <a:rPr lang="de-de" sz="900" b="1" spc="-15">
                           <a:solidFill>
                             <a:srgbClr val="020302"/>
                           </a:solidFill>
                           <a:latin typeface="Adobe Clean"/>
                           <a:cs typeface="Adobe Clean"/>
                         </a:rPr>
-                        <a:t>P</a:t>
+                        <a:t>優先順序</a:t>
                       </a:r>
                       <a:r>
-                        <a:rPr sz="900" b="1" spc="-20" dirty="0">
-                          <a:solidFill>
-                            <a:srgbClr val="020302"/>
-                          </a:solidFill>
-                          <a:latin typeface="Adobe Clean"/>
-                          <a:cs typeface="Adobe Clean"/>
-                        </a:rPr>
-                        <a:t>R</a:t>
-                      </a:r>
-                      <a:r>
-                        <a:rPr sz="900" b="1" spc="-25" dirty="0">
-                          <a:solidFill>
-                            <a:srgbClr val="020302"/>
-                          </a:solidFill>
-                          <a:latin typeface="Adobe Clean"/>
-                          <a:cs typeface="Adobe Clean"/>
-                        </a:rPr>
-                        <a:t>I</a:t>
-                      </a:r>
-                      <a:r>
-                        <a:rPr sz="900" b="1" spc="-15" dirty="0">
-                          <a:solidFill>
-                            <a:srgbClr val="020302"/>
-                          </a:solidFill>
-                          <a:latin typeface="Adobe Clean"/>
-                          <a:cs typeface="Adobe Clean"/>
-                        </a:rPr>
-                        <a:t>O</a:t>
-                      </a:r>
-                      <a:r>
-                        <a:rPr sz="900" b="1" spc="-20" dirty="0">
-                          <a:solidFill>
-                            <a:srgbClr val="020302"/>
-                          </a:solidFill>
-                          <a:latin typeface="Adobe Clean"/>
-                          <a:cs typeface="Adobe Clean"/>
-                        </a:rPr>
-                        <a:t>R</a:t>
-                      </a:r>
-                      <a:r>
-                        <a:rPr sz="900" b="1" spc="-25" dirty="0">
-                          <a:solidFill>
-                            <a:srgbClr val="020302"/>
-                          </a:solidFill>
-                          <a:latin typeface="Adobe Clean"/>
-                          <a:cs typeface="Adobe Clean"/>
-                        </a:rPr>
-                        <a:t>I</a:t>
-                      </a:r>
-                      <a:r>
-                        <a:rPr sz="900" b="1" spc="-15" dirty="0">
-                          <a:solidFill>
-                            <a:srgbClr val="020302"/>
-                          </a:solidFill>
-                          <a:latin typeface="Adobe Clean"/>
-                          <a:cs typeface="Adobe Clean"/>
-                        </a:rPr>
-                        <a:t>T</a:t>
-                      </a:r>
-                      <a:r>
-                        <a:rPr sz="900" b="1" dirty="0">
-                          <a:solidFill>
-                            <a:srgbClr val="020302"/>
-                          </a:solidFill>
-                          <a:latin typeface="Adobe Clean"/>
-                          <a:cs typeface="Adobe Clean"/>
-                        </a:rPr>
-                        <a:t>Y</a:t>
-                      </a:r>
-                      <a:r>
-                        <a:rPr sz="900" b="1" spc="-40" dirty="0">
+                        <a:rPr lang="de-de" sz="900" b="1" spc="-40">
                           <a:solidFill>
                             <a:srgbClr val="020302"/>
                           </a:solidFill>
@@ -4589,7 +3709,7 @@
                         <a:t> </a:t>
                       </a:r>
                       <a:r>
-                        <a:rPr sz="900" b="1" dirty="0">
+                        <a:rPr lang="de-de" sz="900" b="1">
                           <a:solidFill>
                             <a:srgbClr val="020302"/>
                           </a:solidFill>
@@ -4598,7 +3718,7 @@
                         </a:rPr>
                         <a:t>4</a:t>
                       </a:r>
-                      <a:endParaRPr sz="900" dirty="0">
+                      <a:endParaRPr sz="900">
                         <a:latin typeface="Adobe Clean"/>
                         <a:cs typeface="Adobe Clean"/>
                       </a:endParaRPr>
@@ -4613,29 +3733,29 @@
                         </a:spcBef>
                       </a:pPr>
                       <a:r>
-                        <a:rPr lang="en-US" sz="900" b="1" spc="-90" dirty="0">
+                        <a:rPr lang="de-de" sz="900" b="1" spc="-90">
                           <a:solidFill>
                             <a:srgbClr val="020302"/>
                           </a:solidFill>
                           <a:latin typeface="Adobe Clean"/>
-                          <a:cs typeface="+mn-cs"/>
+                          <a:cs typeface="Adobe Clean"/>
                         </a:rPr>
-                        <a:t> </a:t>
+                        <a:t> </a:t>
                       </a:r>
                       <a:r>
-                        <a:rPr lang="en-US" sz="900" b="0" i="0" u="none" strike="noStrike" dirty="0">
+                        <a:rPr lang="de-de" sz="900" b="0" i="0" u="none" strike="noStrike">
                           <a:solidFill>
                             <a:schemeClr val="tx1"/>
                           </a:solidFill>
                           <a:effectLst/>
-                          <a:latin typeface="Adobe Clean Light"/>
+                          <a:latin typeface="Adobe Clean Light" panose="020B0303020404020204" pitchFamily="34" charset="0"/>
                           <a:ea typeface="+mn-ea"/>
                           <a:cs typeface="+mn-cs"/>
                         </a:rPr>
-                        <a:t>General question regarding current product functionality or an enhancement request</a:t>
+                        <a:t>有關目前產品功能或增強要求的一般性問題</a:t>
                       </a:r>
-                      <a:endParaRPr lang="en-US" sz="900" b="0" i="0" dirty="0">
-                        <a:latin typeface="Adobe Clean Light"/>
+                      <a:endParaRPr lang="en-US" sz="900" b="0" i="0">
+                        <a:latin typeface="Adobe Clean Light" panose="020B0303020404020204" pitchFamily="34" charset="0"/>
                         <a:cs typeface="AdobeClean-Light"/>
                       </a:endParaRPr>
                     </a:p>
@@ -4647,14 +3767,11 @@
                       </a:solidFill>
                       <a:prstDash val="solid"/>
                     </a:lnL>
-                    <a:lnR w="6350" cap="flat" cmpd="sng" algn="ctr">
+                    <a:lnR w="6350">
                       <a:solidFill>
                         <a:srgbClr val="B7B8B8"/>
                       </a:solidFill>
                       <a:prstDash val="solid"/>
-                      <a:round/>
-                      <a:headEnd type="none" w="med" len="med"/>
-                      <a:tailEnd type="none" w="med" len="med"/>
                     </a:lnR>
                     <a:lnT w="6350">
                       <a:solidFill>
@@ -4675,34 +3792,69 @@
                     <a:bodyPr/>
                     <a:lstStyle/>
                     <a:p>
-                      <a:pPr algn="ctr" fontAlgn="ctr"/>
+                      <a:pPr marL="473709" marR="343535" indent="-175895" algn="ctr">
+                        <a:lnSpc>
+                          <a:spcPct val="102200"/>
+                        </a:lnSpc>
+                      </a:pPr>
                       <a:r>
-                        <a:rPr lang="en-US" sz="900" b="0" i="0" u="none" strike="noStrike" dirty="0">
+                        <a:rPr lang="de-de" sz="900" spc="-30" dirty="0">
                           <a:solidFill>
                             <a:srgbClr val="020302"/>
                           </a:solidFill>
-                          <a:effectLst/>
-                          <a:latin typeface="AdobeClean-Light" panose="020B0503020404020204" pitchFamily="34" charset="0"/>
+                          <a:latin typeface="AdobeClean-Light"/>
+                          <a:cs typeface="AdobeClean-Light"/>
                         </a:rPr>
-                        <a:t>Business days / 3 days</a:t>
+                        <a:t>營業日 </a:t>
                       </a:r>
+                      <a:r>
+                        <a:rPr lang="de-de" sz="900" dirty="0">
+                          <a:solidFill>
+                            <a:srgbClr val="020302"/>
+                          </a:solidFill>
+                          <a:latin typeface="AdobeClean-Light"/>
+                          <a:cs typeface="AdobeClean-Light"/>
+                        </a:rPr>
+                        <a:t>/ 3</a:t>
+                      </a:r>
+                      <a:r>
+                        <a:rPr lang="de-de" sz="900" spc="-100" dirty="0">
+                          <a:solidFill>
+                            <a:srgbClr val="020302"/>
+                          </a:solidFill>
+                          <a:latin typeface="AdobeClean-Light"/>
+                          <a:cs typeface="AdobeClean-Light"/>
+                        </a:rPr>
+                        <a:t> </a:t>
+                      </a:r>
+                      <a:r>
+                        <a:rPr lang="de-de" sz="900" spc="-15" dirty="0">
+                          <a:solidFill>
+                            <a:srgbClr val="020302"/>
+                          </a:solidFill>
+                          <a:latin typeface="AdobeClean-Light"/>
+                          <a:cs typeface="AdobeClean-Light"/>
+                        </a:rPr>
+                        <a:t>天</a:t>
+                      </a:r>
+                      <a:endParaRPr lang="en-US" sz="900" dirty="0">
+                        <a:latin typeface="AdobeClean-Light"/>
+                        <a:cs typeface="AdobeClean-Light"/>
+                      </a:endParaRPr>
                     </a:p>
                   </a:txBody>
-                  <a:tcPr marL="9525" marR="9525" marT="9525" marB="0" anchor="ctr">
+                  <a:tcPr marL="0" marR="0" marT="0" marB="0" anchor="ctr">
                     <a:lnL w="6350">
                       <a:solidFill>
                         <a:srgbClr val="B7B8B8"/>
                       </a:solidFill>
                       <a:prstDash val="solid"/>
                     </a:lnL>
-                    <a:lnR w="6350" cap="flat" cmpd="sng" algn="ctr">
+                    <a:lnR w="6350">
                       <a:solidFill>
                         <a:srgbClr val="B7B8B8"/>
                       </a:solidFill>
                       <a:prstDash val="solid"/>
-                      <a:round/>
-                      <a:headEnd type="none" w="med" len="med"/>
-                      <a:tailEnd type="none" w="med" len="med"/>
                     </a:lnR>
                     <a:lnT w="6350">
                       <a:solidFill>
@@ -4723,28 +3875,63 @@
                     <a:bodyPr/>
                     <a:lstStyle/>
                     <a:p>
-                      <a:pPr algn="ctr" fontAlgn="ctr"/>
+                      <a:pPr marL="473709" marR="343535" indent="-175895" algn="ctr">
+                        <a:lnSpc>
+                          <a:spcPct val="102200"/>
+                        </a:lnSpc>
+                      </a:pPr>
                       <a:r>
-                        <a:rPr lang="en-US" sz="900" b="0" i="0" u="none" strike="noStrike" dirty="0">
+                        <a:rPr lang="de-de" sz="900" spc="-30" dirty="0">
                           <a:solidFill>
                             <a:srgbClr val="020302"/>
                           </a:solidFill>
-                          <a:effectLst/>
-                          <a:latin typeface="AdobeClean-Light" panose="020B0503020404020204" pitchFamily="34" charset="0"/>
+                          <a:latin typeface="AdobeClean-Light"/>
+                          <a:cs typeface="AdobeClean-Light"/>
                         </a:rPr>
-                        <a:t>Business days / 1 day</a:t>
+                        <a:t>營業日 </a:t>
                       </a:r>
+                      <a:r>
+                        <a:rPr lang="de-de" sz="900" dirty="0">
+                          <a:solidFill>
+                            <a:srgbClr val="020302"/>
+                          </a:solidFill>
+                          <a:latin typeface="AdobeClean-Light"/>
+                          <a:cs typeface="AdobeClean-Light"/>
+                        </a:rPr>
+                        <a:t>/ 1</a:t>
+                      </a:r>
+                      <a:r>
+                        <a:rPr lang="de-de" sz="900" spc="-100" dirty="0">
+                          <a:solidFill>
+                            <a:srgbClr val="020302"/>
+                          </a:solidFill>
+                          <a:latin typeface="AdobeClean-Light"/>
+                          <a:cs typeface="AdobeClean-Light"/>
+                        </a:rPr>
+                        <a:t> </a:t>
+                      </a:r>
+                      <a:r>
+                        <a:rPr lang="de-de" sz="900" spc="-15" dirty="0">
+                          <a:solidFill>
+                            <a:srgbClr val="020302"/>
+                          </a:solidFill>
+                          <a:latin typeface="AdobeClean-Light"/>
+                          <a:cs typeface="AdobeClean-Light"/>
+                        </a:rPr>
+                        <a:t>天</a:t>
+                      </a:r>
+                      <a:endParaRPr lang="en-US" sz="900" dirty="0">
+                        <a:latin typeface="AdobeClean-Light"/>
+                        <a:cs typeface="AdobeClean-Light"/>
+                      </a:endParaRPr>
                     </a:p>
                   </a:txBody>
-                  <a:tcPr marL="9525" marR="9525" marT="9525" marB="0" anchor="ctr">
-                    <a:lnL w="6350" cap="flat" cmpd="sng" algn="ctr">
+                  <a:tcPr marL="0" marR="0" marT="0" marB="0" anchor="ctr">
+                    <a:lnL w="6350">
                       <a:solidFill>
                         <a:srgbClr val="B7B8B8"/>
                       </a:solidFill>
                       <a:prstDash val="solid"/>
-                      <a:round/>
-                      <a:headEnd type="none" w="med" len="med"/>
-                      <a:tailEnd type="none" w="med" len="med"/>
                     </a:lnL>
                     <a:lnR w="6350" cap="flat" cmpd="sng" algn="ctr">
                       <a:solidFill>
@@ -4819,7 +4006,7 @@
         <p:spPr>
           <a:xfrm>
             <a:off x="97788" y="9888626"/>
-            <a:ext cx="2245360" cy="133370"/>
+            <a:ext cx="5437598" cy="133370"/>
           </a:xfrm>
           <a:prstGeom prst="rect">
             <a:avLst/>
@@ -4840,40 +4027,36 @@
               </a:spcBef>
             </a:pPr>
             <a:r>
-              <a:rPr spc="-10"/>
-              <a:t>©202</a:t>
-            </a:r>
-            <a:r>
-              <a:rPr lang="en-US" spc="-10"/>
-              <a:t>1</a:t>
-            </a:r>
-            <a:r>
-              <a:rPr spc="-5"/>
-              <a:t> Adobe. All</a:t>
-            </a:r>
-            <a:r>
-              <a:rPr spc="-10"/>
+              <a:rPr lang="de-de" spc="-10" dirty="0"/>
+              <a:t>©2021</a:t>
+            </a:r>
+            <a:r>
+              <a:rPr lang="de-de" spc="-5" dirty="0"/>
+              <a:t> Adobe。All</a:t>
+            </a:r>
+            <a:r>
+              <a:rPr lang="de-de" spc="-10" dirty="0"/>
               <a:t> Rights</a:t>
             </a:r>
             <a:r>
-              <a:rPr spc="-5"/>
+              <a:rPr lang="de-de" spc="-5" dirty="0"/>
               <a:t> </a:t>
             </a:r>
             <a:r>
-              <a:rPr spc="-10"/>
-              <a:t>Reserved.</a:t>
-            </a:r>
-            <a:r>
-              <a:rPr spc="-5"/>
-              <a:t> Adobe</a:t>
-            </a:r>
-            <a:r>
-              <a:rPr spc="60"/>
+              <a:rPr lang="de-de" spc="-10" dirty="0"/>
+              <a:t>Reserved。</a:t>
+            </a:r>
+            <a:r>
+              <a:rPr lang="de-de" spc="-5" dirty="0"/>
+              <a:t>Adobe</a:t>
+            </a:r>
+            <a:r>
+              <a:rPr lang="de-de" spc="60" dirty="0"/>
               <a:t> </a:t>
             </a:r>
             <a:r>
-              <a:rPr spc="-10"/>
-              <a:t>Confidential.</a:t>
+              <a:rPr lang="de-de" spc="-10" dirty="0"/>
+              <a:t>機密資訊。</a:t>
             </a:r>
           </a:p>
         </p:txBody>
@@ -4907,7 +4090,7 @@
           <a:lstStyle/>
           <a:p>
             <a:r>
-              <a:rPr lang="en-US" sz="700" i="1">
+              <a:rPr lang="de-de" sz="700" i="1">
                 <a:solidFill>
                   <a:schemeClr val="bg1"/>
                 </a:solidFill>
@@ -4953,16 +4136,16 @@
               </a:spcBef>
             </a:pPr>
             <a:r>
-              <a:rPr lang="en-US" sz="1200" dirty="0">
+              <a:rPr lang="de-de" sz="1200">
                 <a:solidFill>
                   <a:schemeClr val="bg1"/>
                 </a:solidFill>
                 <a:latin typeface="Adobe Clean Light" panose="020B0303020404020204" pitchFamily="34" charset="0"/>
               </a:rPr>
-              <a:t>Online | Business |</a:t>
-            </a:r>
-            <a:r>
-              <a:rPr lang="en-US" sz="1200" b="1" dirty="0">
+              <a:t>線上 | 商務 |</a:t>
+            </a:r>
+            <a:r>
+              <a:rPr lang="de-de" sz="1200" b="1">
                 <a:solidFill>
                   <a:schemeClr val="bg1"/>
                 </a:solidFill>
@@ -4971,15 +4154,15 @@
               <a:t> </a:t>
             </a:r>
             <a:r>
-              <a:rPr lang="en-US" sz="1200" b="1" dirty="0">
+              <a:rPr lang="de-de" sz="1200" b="1">
                 <a:solidFill>
                   <a:schemeClr val="bg1"/>
                 </a:solidFill>
               </a:rPr>
-              <a:t>Enterprise</a:t>
-            </a:r>
-            <a:r>
-              <a:rPr lang="en-US" sz="1200" b="1" dirty="0">
+              <a:t>企業</a:t>
+            </a:r>
+            <a:r>
+              <a:rPr lang="de-de" sz="1200" b="1">
                 <a:solidFill>
                   <a:schemeClr val="bg1"/>
                 </a:solidFill>
@@ -4988,32 +4171,25 @@
               <a:t> </a:t>
             </a:r>
             <a:r>
-              <a:rPr lang="en-US" sz="1200" dirty="0">
+              <a:rPr lang="de-de" sz="1200">
                 <a:solidFill>
                   <a:schemeClr val="bg1"/>
                 </a:solidFill>
                 <a:latin typeface="Adobe Clean Light" panose="020B0303020404020204" pitchFamily="34" charset="0"/>
               </a:rPr>
-              <a:t>| Elite</a:t>
-            </a:r>
-            <a:br>
-              <a:rPr lang="en-US" sz="900" dirty="0">
-                <a:solidFill>
-                  <a:schemeClr val="bg1"/>
-                </a:solidFill>
-                <a:latin typeface="Adobe Clean Light" panose="020B0303020404020204" pitchFamily="34" charset="0"/>
-              </a:rPr>
-            </a:br>
-            <a:r>
-              <a:rPr lang="en-US" sz="900" dirty="0">
+              <a:t>| 菁英</a:t>
+            </a:r>
+            <a:br/>
+            <a:r>
+              <a:rPr lang="de-de" sz="900">
                 <a:solidFill>
                   <a:schemeClr val="bg1"/>
                 </a:solidFill>
                 <a:latin typeface="Adobe Clean SemiLight" panose="020B0403020404020204" pitchFamily="34" charset="0"/>
               </a:rPr>
-              <a:t>ENTERPRISE support includes access to personalized learning paths and monitored community forums via the Adobe Experience League. You can also take advantage of our detailed and in-depth technical product documentation and current release notes. ENTERPRISE customers will also be provided with a Named Support Engineer who acts as your designated technical contact in the Adobe Support Team. With deep experience in your designated Experience Cloud solution, your support team will work in partnership with you and your technical teams to ensure timely resolution of all support requests. Your support team can also help coordinate and arrange delivery of the additional ENTERPRISE benefits ensuring minimal disruption to your business at the most critical time. </a:t>
-            </a:r>
-            <a:endParaRPr lang="en-US" sz="900" dirty="0">
+              <a:t>企業支援包括透過 Adobe Experience League 存取個人化的學習路徑和監控的社群論壇。您還可以利用我們詳細和深入的技術產品文件和目前的版本注意事項。企業客戶還將得到一個指定的支援工程師，他是您在 Adobe 支援團隊中的指定技術聯絡人。憑藉對您指定的 Experience Cloud 解決方案的深厚經驗，您的支援團隊將與您和您的技術團隊合作，確保及時解決所有支援請求。您的支援團隊還可以幫助協調和安排交付額外的企業利益，確保在最關鍵的時刻對您的業務造成最小的干擾。</a:t>
+            </a:r>
+            <a:endParaRPr lang="en-US" sz="900">
               <a:solidFill>
                 <a:schemeClr val="bg1"/>
               </a:solidFill>
@@ -5089,7 +4265,7 @@
                     <a:bodyPr/>
                     <a:lstStyle/>
                     <a:p>
-                      <a:endParaRPr lang="en-US"/>
+                      <a:endParaRPr lang="en-US" dirty="0"/>
                     </a:p>
                   </a:txBody>
                   <a:tcPr/>
@@ -5127,14 +4303,14 @@
                         <a:defRPr/>
                       </a:pPr>
                       <a:r>
-                        <a:rPr lang="en-US" sz="900" spc="0">
+                        <a:rPr lang="de-de" sz="900" spc="0">
                           <a:solidFill>
                             <a:srgbClr val="404040"/>
                           </a:solidFill>
                           <a:latin typeface="Adobe Clean"/>
                           <a:cs typeface="Adobe Clean"/>
                         </a:rPr>
-                        <a:t>Online  Support</a:t>
+                        <a:t>線上支援</a:t>
                       </a:r>
                       <a:endParaRPr lang="en-US" sz="900" spc="0">
                         <a:latin typeface="Adobe Clean"/>
@@ -5180,24 +4356,14 @@
                         </a:spcBef>
                       </a:pPr>
                       <a:r>
-                        <a:rPr lang="en-US" sz="900" spc="0">
+                        <a:rPr lang="de-de" sz="900" spc="0">
                           <a:solidFill>
                             <a:srgbClr val="FFFFFF"/>
                           </a:solidFill>
                           <a:latin typeface="Adobe Clean"/>
                           <a:cs typeface="Adobe Clean"/>
                         </a:rPr>
-                        <a:t>Enterprise </a:t>
-                      </a:r>
-                      <a:r>
-                        <a:rPr sz="900" spc="0">
-                          <a:solidFill>
-                            <a:srgbClr val="FFFFFF"/>
-                          </a:solidFill>
-                          <a:latin typeface="Adobe Clean"/>
-                          <a:cs typeface="Adobe Clean"/>
-                        </a:rPr>
-                        <a:t>Support</a:t>
+                        <a:t>企業支援</a:t>
                       </a:r>
                       <a:endParaRPr sz="900" spc="0">
                         <a:latin typeface="Adobe Clean"/>
@@ -5287,7 +4453,7 @@
                         <a:tabLst/>
                         <a:defRPr/>
                       </a:pPr>
-                      <a:endParaRPr lang="en-US" sz="800" i="1">
+                      <a:endParaRPr lang="en-US" sz="800" i="1" dirty="0">
                         <a:solidFill>
                           <a:sysClr val="windowText" lastClr="000000"/>
                         </a:solidFill>
@@ -5351,13 +4517,13 @@
                         <a:defRPr/>
                       </a:pPr>
                       <a:r>
-                        <a:rPr lang="en-US" sz="800" i="1">
+                        <a:rPr lang="de-de" sz="800" i="1">
                           <a:solidFill>
                             <a:schemeClr val="bg1"/>
                           </a:solidFill>
                           <a:latin typeface="Adobe Clean Light" panose="020B0303020404020204" pitchFamily="34" charset="0"/>
                         </a:rPr>
-                        <a:t>Paid Support ($)</a:t>
+                        <a:t>付費支援 ($)</a:t>
                       </a:r>
                     </a:p>
                   </a:txBody>
@@ -5421,14 +4587,14 @@
                         </a:spcBef>
                       </a:pPr>
                       <a:r>
-                        <a:rPr lang="en-US" sz="1000" b="1" i="0" spc="0">
+                        <a:rPr lang="de-de" sz="1000" b="1" i="0" spc="0">
                           <a:solidFill>
                             <a:schemeClr val="bg1"/>
                           </a:solidFill>
                           <a:latin typeface="Adobe Clean" panose="020B0503020404020204" pitchFamily="34" charset="0"/>
                           <a:cs typeface="AdobeClean-Light"/>
                         </a:rPr>
-                        <a:t>Assigned Experts</a:t>
+                        <a:t>指派的專家</a:t>
                       </a:r>
                       <a:endParaRPr sz="1000" b="1" i="0" spc="0">
                         <a:solidFill>
@@ -5483,14 +4649,14 @@
                         </a:spcBef>
                       </a:pPr>
                       <a:r>
-                        <a:rPr sz="900" spc="0">
+                        <a:rPr lang="de-de" sz="900" spc="0">
                           <a:solidFill>
                             <a:srgbClr val="020302"/>
                           </a:solidFill>
                           <a:latin typeface="AdobeClean-Light"/>
                           <a:cs typeface="AdobeClean-Light"/>
                         </a:rPr>
-                        <a:t>Account Support Lead</a:t>
+                        <a:t>帳戶支援負責人</a:t>
                       </a:r>
                       <a:endParaRPr sz="900" spc="0">
                         <a:latin typeface="AdobeClean-Light"/>
@@ -5660,14 +4826,14 @@
                         </a:spcBef>
                       </a:pPr>
                       <a:r>
-                        <a:rPr sz="900" spc="0">
+                        <a:rPr lang="de-de" sz="900" spc="0">
                           <a:solidFill>
                             <a:srgbClr val="020302"/>
                           </a:solidFill>
                           <a:latin typeface="AdobeClean-Light"/>
                           <a:cs typeface="AdobeClean-Light"/>
                         </a:rPr>
-                        <a:t>Named Support Engineer</a:t>
+                        <a:t>指定的支援工程師</a:t>
                       </a:r>
                       <a:endParaRPr sz="900" spc="0">
                         <a:latin typeface="AdobeClean-Light"/>
@@ -5742,7 +4908,7 @@
                         <a:defRPr/>
                       </a:pPr>
                       <a:r>
-                        <a:rPr lang="en-US" sz="900">
+                        <a:rPr lang="de-de" sz="900">
                           <a:solidFill>
                             <a:srgbClr val="020302"/>
                           </a:solidFill>
@@ -5835,14 +5001,14 @@
                         </a:spcBef>
                       </a:pPr>
                       <a:r>
-                        <a:rPr sz="900" spc="0">
+                        <a:rPr lang="de-de" sz="900" spc="0">
                           <a:solidFill>
                             <a:srgbClr val="020302"/>
                           </a:solidFill>
                           <a:latin typeface="AdobeClean-Light"/>
                           <a:cs typeface="AdobeClean-Light"/>
                         </a:rPr>
-                        <a:t>Technical Account Manager</a:t>
+                        <a:t>技術客戶經理</a:t>
                       </a:r>
                       <a:endParaRPr sz="900" spc="0">
                         <a:latin typeface="AdobeClean-Light"/>
@@ -5965,16 +5131,16 @@
                         </a:spcBef>
                       </a:pPr>
                       <a:r>
-                        <a:rPr lang="en-US" sz="1000" b="1" i="0" spc="0">
+                        <a:rPr lang="de-de" sz="1000" b="1" i="0" spc="0" dirty="0">
                           <a:solidFill>
                             <a:schemeClr val="bg1"/>
                           </a:solidFill>
                           <a:latin typeface="Adobe Clean" panose="020B0503020404020204" pitchFamily="34" charset="0"/>
                           <a:cs typeface="AdobeClean-Light"/>
                         </a:rPr>
-                        <a:t>Support Services</a:t>
+                        <a:t>支援服務</a:t>
                       </a:r>
-                      <a:endParaRPr sz="1000" b="1" i="0" spc="0">
+                      <a:endParaRPr sz="1000" b="1" i="0" spc="0" dirty="0">
                         <a:solidFill>
                           <a:schemeClr val="bg1"/>
                         </a:solidFill>
@@ -6036,24 +5202,14 @@
                         </a:spcBef>
                       </a:pPr>
                       <a:r>
-                        <a:rPr lang="en-US" sz="900" spc="0">
+                        <a:rPr lang="de-de" sz="900" spc="0">
                           <a:solidFill>
                             <a:srgbClr val="020302"/>
                           </a:solidFill>
                           <a:latin typeface="AdobeClean-Light"/>
                           <a:cs typeface="AdobeClean-Light"/>
                         </a:rPr>
-                        <a:t>Online</a:t>
-                      </a:r>
-                      <a:r>
-                        <a:rPr sz="900" spc="0">
-                          <a:solidFill>
-                            <a:srgbClr val="020302"/>
-                          </a:solidFill>
-                          <a:latin typeface="AdobeClean-Light"/>
-                          <a:cs typeface="AdobeClean-Light"/>
-                        </a:rPr>
-                        <a:t> Support</a:t>
+                        <a:t>線上支援</a:t>
                       </a:r>
                       <a:endParaRPr sz="900" spc="0">
                         <a:latin typeface="AdobeClean-Light"/>
@@ -6096,34 +5252,14 @@
                         </a:spcBef>
                       </a:pPr>
                       <a:r>
-                        <a:rPr sz="900" spc="-25">
+                        <a:rPr lang="de-de" sz="900" spc="-25">
                           <a:solidFill>
                             <a:srgbClr val="020302"/>
                           </a:solidFill>
                           <a:latin typeface="AdobeClean-Light"/>
                           <a:cs typeface="AdobeClean-Light"/>
                         </a:rPr>
-                        <a:t>Business</a:t>
-                      </a:r>
-                      <a:r>
-                        <a:rPr sz="900" spc="-15">
-                          <a:solidFill>
-                            <a:srgbClr val="020302"/>
-                          </a:solidFill>
-                          <a:latin typeface="AdobeClean-Light"/>
-                          <a:cs typeface="AdobeClean-Light"/>
-                        </a:rPr>
-                        <a:t> </a:t>
-                      </a:r>
-                      <a:r>
-                        <a:rPr sz="900" spc="-30">
-                          <a:solidFill>
-                            <a:srgbClr val="020302"/>
-                          </a:solidFill>
-                          <a:latin typeface="AdobeClean-Light"/>
-                          <a:cs typeface="AdobeClean-Light"/>
-                        </a:rPr>
-                        <a:t>hours</a:t>
+                        <a:t>營業時間</a:t>
                       </a:r>
                       <a:endParaRPr sz="900">
                         <a:latin typeface="AdobeClean-Light"/>
@@ -6167,7 +5303,7 @@
                         </a:spcBef>
                       </a:pPr>
                       <a:r>
-                        <a:rPr lang="en-US" sz="900" spc="-25">
+                        <a:rPr lang="de-de" sz="900" spc="-25">
                           <a:solidFill>
                             <a:srgbClr val="020302"/>
                           </a:solidFill>
@@ -6262,34 +5398,14 @@
                         </a:spcBef>
                       </a:pPr>
                       <a:r>
-                        <a:rPr sz="900" spc="0">
+                        <a:rPr lang="de-de" sz="900" spc="0">
                           <a:solidFill>
                             <a:srgbClr val="020302"/>
                           </a:solidFill>
                           <a:latin typeface="AdobeClean-Light"/>
                           <a:cs typeface="AdobeClean-Light"/>
                         </a:rPr>
-                        <a:t>24x7</a:t>
-                      </a:r>
-                      <a:r>
-                        <a:rPr lang="en-US" sz="900" spc="0">
-                          <a:solidFill>
-                            <a:srgbClr val="020302"/>
-                          </a:solidFill>
-                          <a:latin typeface="AdobeClean-Light"/>
-                          <a:cs typeface="AdobeClean-Light"/>
-                        </a:rPr>
-                        <a:t>x365</a:t>
-                      </a:r>
-                      <a:r>
-                        <a:rPr sz="900" spc="0">
-                          <a:solidFill>
-                            <a:srgbClr val="020302"/>
-                          </a:solidFill>
-                          <a:latin typeface="AdobeClean-Light"/>
-                          <a:cs typeface="AdobeClean-Light"/>
-                        </a:rPr>
-                        <a:t> P1 Issue Support</a:t>
+                        <a:t>全年無休 P1 問題支援</a:t>
                       </a:r>
                       <a:endParaRPr sz="900" spc="0">
                         <a:latin typeface="AdobeClean-Light"/>
@@ -6326,7 +5442,7 @@
                         </a:spcBef>
                       </a:pPr>
                       <a:r>
-                        <a:rPr sz="900">
+                        <a:rPr lang="de-de" sz="900">
                           <a:solidFill>
                             <a:srgbClr val="020302"/>
                           </a:solidFill>
@@ -6368,7 +5484,7 @@
                         </a:spcBef>
                       </a:pPr>
                       <a:r>
-                        <a:rPr sz="900">
+                        <a:rPr lang="de-de" sz="900">
                           <a:solidFill>
                             <a:srgbClr val="020302"/>
                           </a:solidFill>
@@ -6461,14 +5577,14 @@
                         </a:spcBef>
                       </a:pPr>
                       <a:r>
-                        <a:rPr lang="en-US" sz="900" spc="0">
+                        <a:rPr lang="de-de" sz="900" spc="0">
                           <a:solidFill>
                             <a:srgbClr val="020302"/>
                           </a:solidFill>
                           <a:latin typeface="AdobeClean-Light"/>
                           <a:cs typeface="AdobeClean-Light"/>
                         </a:rPr>
-                        <a:t>Named Support Contacts (per product)</a:t>
+                        <a:t>指定的支援聯絡人 (依據產品)</a:t>
                       </a:r>
                       <a:endParaRPr sz="900" spc="0">
                         <a:latin typeface="AdobeClean-Light"/>
@@ -6511,7 +5627,7 @@
                         </a:spcBef>
                       </a:pPr>
                       <a:r>
-                        <a:rPr sz="900">
+                        <a:rPr lang="de-de" sz="900">
                           <a:solidFill>
                             <a:srgbClr val="020302"/>
                           </a:solidFill>
@@ -6553,7 +5669,7 @@
                         </a:spcBef>
                       </a:pPr>
                       <a:r>
-                        <a:rPr lang="en-US" sz="900">
+                        <a:rPr lang="de-de" sz="900">
                           <a:solidFill>
                             <a:srgbClr val="020302"/>
                           </a:solidFill>
@@ -6637,14 +5753,14 @@
                         </a:spcBef>
                       </a:pPr>
                       <a:r>
-                        <a:rPr lang="en-US" sz="900" spc="0">
+                        <a:rPr lang="de-de" sz="900" spc="0">
                           <a:solidFill>
                             <a:srgbClr val="020302"/>
                           </a:solidFill>
                           <a:latin typeface="AdobeClean-Light"/>
                           <a:cs typeface="AdobeClean-Light"/>
                         </a:rPr>
-                        <a:t>Live Telephone Support</a:t>
+                        <a:t>即時電話支援</a:t>
                       </a:r>
                       <a:endParaRPr sz="900" spc="0">
                         <a:latin typeface="AdobeClean-Light"/>
@@ -6713,7 +5829,7 @@
                         </a:spcBef>
                       </a:pPr>
                       <a:r>
-                        <a:rPr sz="900">
+                        <a:rPr lang="de-de" sz="900">
                           <a:solidFill>
                             <a:srgbClr val="020302"/>
                           </a:solidFill>
@@ -6797,14 +5913,14 @@
                         </a:spcBef>
                       </a:pPr>
                       <a:r>
-                        <a:rPr sz="900" spc="0">
+                        <a:rPr lang="de-de" sz="900" spc="0">
                           <a:solidFill>
                             <a:srgbClr val="020302"/>
                           </a:solidFill>
                           <a:latin typeface="AdobeClean-Light"/>
                           <a:cs typeface="AdobeClean-Light"/>
                         </a:rPr>
-                        <a:t>Escalation Management</a:t>
+                        <a:t>向上呈報管理</a:t>
                       </a:r>
                       <a:endParaRPr sz="900" spc="0">
                         <a:latin typeface="AdobeClean-Light"/>
@@ -6873,7 +5989,7 @@
                         </a:spcBef>
                       </a:pPr>
                       <a:r>
-                        <a:rPr sz="900">
+                        <a:rPr lang="de-de" sz="900">
                           <a:solidFill>
                             <a:srgbClr val="020302"/>
                           </a:solidFill>
@@ -6957,24 +6073,14 @@
                         </a:spcBef>
                       </a:pPr>
                       <a:r>
-                        <a:rPr sz="900" spc="0">
+                        <a:rPr lang="de-de" sz="900" spc="0">
                           <a:solidFill>
                             <a:srgbClr val="020302"/>
                           </a:solidFill>
                           <a:latin typeface="AdobeClean-Light"/>
                           <a:cs typeface="AdobeClean-Light"/>
                         </a:rPr>
-                        <a:t>Service Reviews </a:t>
-                      </a:r>
-                      <a:r>
-                        <a:rPr lang="en-US" sz="900" spc="0">
-                          <a:solidFill>
-                            <a:srgbClr val="020302"/>
-                          </a:solidFill>
-                          <a:latin typeface="AdobeClean-Light"/>
-                          <a:cs typeface="AdobeClean-Light"/>
-                        </a:rPr>
-                        <a:t>per Year</a:t>
+                        <a:t>每年的服務審查</a:t>
                       </a:r>
                       <a:endParaRPr sz="900" spc="0">
                         <a:latin typeface="AdobeClean-Light"/>
@@ -7037,7 +6143,7 @@
                         </a:lnSpc>
                       </a:pPr>
                       <a:r>
-                        <a:rPr lang="en-US" sz="900">
+                        <a:rPr lang="de-de" sz="900">
                           <a:latin typeface="Times New Roman"/>
                           <a:cs typeface="Times New Roman"/>
                         </a:rPr>
@@ -7088,13 +6194,13 @@
                         </a:spcBef>
                       </a:pPr>
                       <a:r>
-                        <a:rPr lang="en-US" sz="900" spc="0">
+                        <a:rPr lang="de-de" sz="900" spc="0" dirty="0">
                           <a:latin typeface="AdobeClean-Light"/>
                           <a:cs typeface="AdobeClean-Light"/>
                         </a:rPr>
-                        <a:t>Expert Sessions per Year</a:t>
+                        <a:t>每年的專家諮詢</a:t>
                       </a:r>
-                      <a:endParaRPr sz="900" spc="0">
+                      <a:endParaRPr sz="900" spc="0" dirty="0">
                         <a:latin typeface="AdobeClean-Light"/>
                         <a:cs typeface="AdobeClean-Light"/>
                       </a:endParaRPr>
@@ -7161,7 +6267,7 @@
                         </a:lnSpc>
                       </a:pPr>
                       <a:r>
-                        <a:rPr lang="en-US" sz="900">
+                        <a:rPr lang="de-de" sz="900">
                           <a:latin typeface="Times New Roman"/>
                           <a:cs typeface="Times New Roman"/>
                         </a:rPr>
@@ -7212,13 +6318,13 @@
                         </a:spcBef>
                       </a:pPr>
                       <a:r>
-                        <a:rPr lang="en-US" sz="900" spc="0">
+                        <a:rPr lang="de-de" sz="900" spc="0" dirty="0">
                           <a:latin typeface="AdobeClean-Light"/>
                           <a:cs typeface="AdobeClean-Light"/>
                         </a:rPr>
-                        <a:t>Case Reviews</a:t>
+                        <a:t>案件審查</a:t>
                       </a:r>
-                      <a:endParaRPr sz="900" spc="0">
+                      <a:endParaRPr sz="900" spc="0" dirty="0">
                         <a:latin typeface="AdobeClean-Light"/>
                         <a:cs typeface="AdobeClean-Light"/>
                       </a:endParaRPr>
@@ -7255,7 +6361,7 @@
                           <a:spcPct val="100000"/>
                         </a:lnSpc>
                       </a:pPr>
-                      <a:endParaRPr sz="900">
+                      <a:endParaRPr sz="900" dirty="0">
                         <a:latin typeface="Times New Roman"/>
                         <a:cs typeface="Times New Roman"/>
                       </a:endParaRPr>
@@ -7297,7 +6403,7 @@
                         <a:defRPr/>
                       </a:pPr>
                       <a:r>
-                        <a:rPr lang="en-US" sz="900">
+                        <a:rPr lang="de-de" sz="900" dirty="0">
                           <a:solidFill>
                             <a:srgbClr val="020302"/>
                           </a:solidFill>
@@ -7306,7 +6412,7 @@
                         </a:rPr>
                         <a:t></a:t>
                       </a:r>
-                      <a:endParaRPr lang="en-US" sz="900">
+                      <a:endParaRPr lang="en-US" sz="900" dirty="0">
                         <a:latin typeface="Wingdings"/>
                         <a:cs typeface="Wingdings"/>
                       </a:endParaRPr>
@@ -7390,24 +6496,14 @@
                         </a:spcBef>
                       </a:pPr>
                       <a:r>
-                        <a:rPr sz="900" spc="0">
+                        <a:rPr lang="de-de" sz="900" spc="0">
                           <a:solidFill>
                             <a:srgbClr val="020302"/>
                           </a:solidFill>
                           <a:latin typeface="AdobeClean-Light"/>
                           <a:cs typeface="AdobeClean-Light"/>
                         </a:rPr>
-                        <a:t>Event </a:t>
-                      </a:r>
-                      <a:r>
-                        <a:rPr lang="en-US" sz="900" spc="0">
-                          <a:solidFill>
-                            <a:srgbClr val="020302"/>
-                          </a:solidFill>
-                          <a:latin typeface="AdobeClean-Light"/>
-                          <a:cs typeface="AdobeClean-Light"/>
-                        </a:rPr>
-                        <a:t>Management</a:t>
+                        <a:t>事件管理</a:t>
                       </a:r>
                       <a:endParaRPr sz="900" spc="0">
                         <a:latin typeface="AdobeClean-Light"/>
@@ -7550,34 +6646,14 @@
                         </a:spcBef>
                       </a:pPr>
                       <a:r>
-                        <a:rPr sz="900" spc="0">
+                        <a:rPr lang="de-de" sz="900" spc="0">
                           <a:solidFill>
                             <a:srgbClr val="020302"/>
                           </a:solidFill>
                           <a:latin typeface="AdobeClean-Light"/>
                           <a:cs typeface="AdobeClean-Light"/>
                         </a:rPr>
-                        <a:t>Environment</a:t>
-                      </a:r>
-                      <a:r>
-                        <a:rPr lang="en-US" sz="900" spc="0">
-                          <a:solidFill>
-                            <a:srgbClr val="020302"/>
-                          </a:solidFill>
-                          <a:latin typeface="AdobeClean-Light"/>
-                          <a:cs typeface="AdobeClean-Light"/>
-                        </a:rPr>
-                        <a:t> </a:t>
-                      </a:r>
-                      <a:r>
-                        <a:rPr sz="900" spc="0">
-                          <a:solidFill>
-                            <a:srgbClr val="020302"/>
-                          </a:solidFill>
-                          <a:latin typeface="AdobeClean-Light"/>
-                          <a:cs typeface="AdobeClean-Light"/>
-                        </a:rPr>
-                        <a:t>Review, Maintenance &amp; Monitoring</a:t>
+                        <a:t>環境審查、維護與監控</a:t>
                       </a:r>
                       <a:endParaRPr sz="900" spc="0">
                         <a:latin typeface="AdobeClean-Light"/>
@@ -7714,14 +6790,14 @@
                         </a:spcBef>
                       </a:pPr>
                       <a:r>
-                        <a:rPr sz="900" spc="0">
+                        <a:rPr lang="de-de" sz="900" spc="0">
                           <a:solidFill>
                             <a:srgbClr val="020302"/>
                           </a:solidFill>
                           <a:latin typeface="AdobeClean-Light"/>
                           <a:cs typeface="AdobeClean-Light"/>
                         </a:rPr>
-                        <a:t>Release, Migration, Upgrade &amp; Product Roadmap Review</a:t>
+                        <a:t>發行、遷移、升級及產品藍圖審查</a:t>
                       </a:r>
                       <a:endParaRPr sz="900" spc="0">
                         <a:latin typeface="AdobeClean-Light"/>
@@ -7867,11 +6943,11 @@
                         </a:spcBef>
                       </a:pPr>
                       <a:r>
-                        <a:rPr sz="900" spc="0">
+                        <a:rPr lang="de-de" sz="900" spc="0">
                           <a:latin typeface="AdobeClean-Light"/>
                           <a:cs typeface="AdobeClean-Light"/>
                         </a:rPr>
-                        <a:t>Cloud Support Activities – Experience Manager as Cloud</a:t>
+                        <a:t>雲端支援活動 – 雲端形式的 Experience Manager</a:t>
                       </a:r>
                     </a:p>
                   </a:txBody>
@@ -7957,7 +7033,7 @@
                         <a:defRPr/>
                       </a:pPr>
                       <a:r>
-                        <a:rPr lang="en-US" sz="900">
+                        <a:rPr lang="de-de" sz="900" dirty="0">
                           <a:solidFill>
                             <a:srgbClr val="020302"/>
                           </a:solidFill>
@@ -7966,7 +7042,7 @@
                         </a:rPr>
                         <a:t></a:t>
                       </a:r>
-                      <a:endParaRPr lang="en-US" sz="900">
+                      <a:endParaRPr lang="en-US" sz="900" dirty="0">
                         <a:latin typeface="Wingdings"/>
                         <a:cs typeface="Wingdings"/>
                       </a:endParaRPr>
@@ -7989,7 +7065,7 @@
                         <a:tabLst/>
                         <a:defRPr/>
                       </a:pPr>
-                      <a:endParaRPr lang="en-US" sz="900">
+                      <a:endParaRPr lang="en-US" sz="900" dirty="0">
                         <a:latin typeface="Wingdings"/>
                         <a:cs typeface="Wingdings"/>
                       </a:endParaRPr>
@@ -8035,16 +7111,16 @@
                         </a:spcBef>
                       </a:pPr>
                       <a:r>
-                        <a:rPr lang="en-US" sz="1000" b="1" i="0" spc="0">
+                        <a:rPr lang="de-de" sz="1000" b="1" i="0" spc="0" dirty="0">
                           <a:solidFill>
                             <a:schemeClr val="bg1"/>
                           </a:solidFill>
                           <a:latin typeface="Adobe Clean" panose="020B0503020404020204" pitchFamily="34" charset="0"/>
                           <a:cs typeface="AdobeClean-Light"/>
                         </a:rPr>
-                        <a:t>Field Services</a:t>
+                        <a:t>現場服務</a:t>
                       </a:r>
-                      <a:endParaRPr sz="1000" b="1" i="0" spc="0">
+                      <a:endParaRPr sz="1000" b="1" i="0" spc="0" dirty="0">
                         <a:solidFill>
                           <a:schemeClr val="bg1"/>
                         </a:solidFill>
@@ -8103,14 +7179,14 @@
                         </a:spcBef>
                       </a:pPr>
                       <a:r>
-                        <a:rPr sz="900" spc="0">
+                        <a:rPr lang="de-de" sz="900" spc="0">
                           <a:solidFill>
                             <a:srgbClr val="020302"/>
                           </a:solidFill>
                           <a:latin typeface="AdobeClean-Light"/>
                           <a:cs typeface="AdobeClean-Light"/>
                         </a:rPr>
-                        <a:t>Launch Advisory Services – First Year of new solution</a:t>
+                        <a:t>上市諮詢服務 – 新解決方案的第一年</a:t>
                       </a:r>
                     </a:p>
                   </a:txBody>
@@ -8206,7 +7282,7 @@
                         <a:defRPr/>
                       </a:pPr>
                       <a:r>
-                        <a:rPr lang="en-US" sz="900">
+                        <a:rPr lang="de-de" sz="900">
                           <a:solidFill>
                             <a:srgbClr val="020302"/>
                           </a:solidFill>
@@ -8339,7 +7415,7 @@
                         <a:defRPr/>
                       </a:pPr>
                       <a:r>
-                        <a:rPr lang="en-US" sz="900">
+                        <a:rPr lang="de-de" sz="900">
                           <a:solidFill>
                             <a:srgbClr val="020302"/>
                           </a:solidFill>
@@ -8408,11 +7484,11 @@
                         <a:defRPr/>
                       </a:pPr>
                       <a:r>
-                        <a:rPr lang="en-US" sz="900" spc="0">
+                        <a:rPr lang="de-de" sz="900" spc="0" dirty="0">
                           <a:latin typeface="AdobeClean-Light"/>
                           <a:cs typeface="AdobeClean-Light"/>
                         </a:rPr>
-                        <a:t>Field Service Activities </a:t>
+                        <a:t>現場服務活動</a:t>
                       </a:r>
                     </a:p>
                   </a:txBody>
@@ -8547,14 +7623,14 @@
         <p:spPr>
           <a:xfrm>
             <a:off x="2835999" y="9021041"/>
-            <a:ext cx="2194560" cy="641201"/>
+            <a:ext cx="2194560" cy="487313"/>
           </a:xfrm>
           <a:prstGeom prst="rect">
             <a:avLst/>
           </a:prstGeom>
         </p:spPr>
         <p:txBody>
-          <a:bodyPr vert="horz" wrap="square" lIns="0" tIns="12700" rIns="0" bIns="0" rtlCol="0" anchor="t">
+          <a:bodyPr vert="horz" wrap="square" lIns="0" tIns="12700" rIns="0" bIns="0" rtlCol="0">
             <a:spAutoFit/>
           </a:bodyPr>
           <a:lstStyle/>
@@ -8571,158 +7647,98 @@
               </a:tabLst>
             </a:pPr>
             <a:r>
-              <a:rPr sz="1000" spc="-20" dirty="0">
+              <a:rPr lang="de-de" sz="1000" spc="-20">
                 <a:solidFill>
                   <a:srgbClr val="020302"/>
                 </a:solidFill>
                 <a:latin typeface="AdobeClean-Light"/>
                 <a:cs typeface="AdobeClean-Light"/>
               </a:rPr>
-              <a:t>Start </a:t>
-            </a:r>
-            <a:r>
-              <a:rPr sz="1000" dirty="0">
+              <a:t>開始</a:t>
+            </a:r>
+            <a:r>
+              <a:rPr lang="de-de" sz="1000" spc="-15">
                 <a:solidFill>
                   <a:srgbClr val="020302"/>
                 </a:solidFill>
                 <a:latin typeface="AdobeClean-Light"/>
                 <a:cs typeface="AdobeClean-Light"/>
               </a:rPr>
-              <a:t>a </a:t>
-            </a:r>
-            <a:r>
-              <a:rPr sz="1000" spc="-15" dirty="0">
+              <a:t>聊天式</a:t>
+            </a:r>
+            <a:r>
+              <a:rPr lang="de-de" sz="1000" spc="-10">
                 <a:solidFill>
                   <a:srgbClr val="020302"/>
                 </a:solidFill>
                 <a:latin typeface="AdobeClean-Light"/>
                 <a:cs typeface="AdobeClean-Light"/>
               </a:rPr>
-              <a:t>chat </a:t>
-            </a:r>
-            <a:r>
-              <a:rPr sz="1000" spc="-10" dirty="0">
+              <a:t>諮詢，</a:t>
+            </a:r>
+            <a:r>
+              <a:rPr lang="de-de" sz="1000" spc="-5">
                 <a:solidFill>
                   <a:srgbClr val="020302"/>
                 </a:solidFill>
                 <a:latin typeface="AdobeClean-Light"/>
                 <a:cs typeface="AdobeClean-Light"/>
               </a:rPr>
-              <a:t>session </a:t>
-            </a:r>
-            <a:r>
-              <a:rPr sz="1000" spc="-5" dirty="0">
+              <a:t>以獲得</a:t>
+            </a:r>
+            <a:r>
+              <a:rPr lang="de-de" sz="1000" spc="-10">
                 <a:solidFill>
                   <a:srgbClr val="020302"/>
                 </a:solidFill>
                 <a:latin typeface="AdobeClean-Light"/>
                 <a:cs typeface="AdobeClean-Light"/>
               </a:rPr>
-              <a:t>to </a:t>
-            </a:r>
-            <a:r>
-              <a:rPr sz="1000" spc="-10" dirty="0">
+              <a:t>案件提交的</a:t>
+            </a:r>
+            <a:r>
+              <a:rPr lang="de-de" sz="1000" spc="-20">
                 <a:solidFill>
                   <a:srgbClr val="020302"/>
                 </a:solidFill>
                 <a:latin typeface="AdobeClean-Light"/>
                 <a:cs typeface="AdobeClean-Light"/>
               </a:rPr>
-              <a:t>get </a:t>
-            </a:r>
-            <a:r>
-              <a:rPr sz="1000" spc="-20" dirty="0">
+              <a:t>解答</a:t>
+            </a:r>
+            <a:r>
+              <a:rPr lang="de-de" sz="1000">
                 <a:solidFill>
                   <a:srgbClr val="020302"/>
                 </a:solidFill>
                 <a:latin typeface="AdobeClean-Light"/>
                 <a:cs typeface="AdobeClean-Light"/>
               </a:rPr>
-              <a:t>answers</a:t>
-            </a:r>
-            <a:r>
-              <a:rPr lang="en-US" sz="1000" spc="-45" dirty="0">
+              <a:t>與</a:t>
+            </a:r>
+            <a:r>
+              <a:rPr lang="de-de" sz="1000" spc="-15">
                 <a:solidFill>
                   <a:srgbClr val="020302"/>
                 </a:solidFill>
                 <a:latin typeface="AdobeClean-Light"/>
                 <a:cs typeface="AdobeClean-Light"/>
               </a:rPr>
-              <a:t> </a:t>
-            </a:r>
-            <a:r>
-              <a:rPr lang="en-US" sz="1000" dirty="0">
-                <a:solidFill>
-                  <a:srgbClr val="020302"/>
-                </a:solidFill>
-                <a:latin typeface="AdobeClean-Light"/>
-                <a:cs typeface="AdobeClean-Light"/>
-              </a:rPr>
-              <a:t>&amp; </a:t>
-            </a:r>
-            <a:r>
-              <a:rPr sz="1000" spc="-15" dirty="0">
-                <a:solidFill>
-                  <a:srgbClr val="020302"/>
-                </a:solidFill>
-                <a:latin typeface="AdobeClean-Light"/>
-                <a:cs typeface="AdobeClean-Light"/>
-              </a:rPr>
-              <a:t>help </a:t>
-            </a:r>
-            <a:r>
-              <a:rPr sz="1000" spc="-10" dirty="0">
-                <a:solidFill>
-                  <a:srgbClr val="020302"/>
-                </a:solidFill>
-                <a:latin typeface="AdobeClean-Light"/>
-                <a:cs typeface="AdobeClean-Light"/>
-              </a:rPr>
-              <a:t>with</a:t>
-            </a:r>
-            <a:r>
-              <a:rPr sz="1000" spc="85" dirty="0">
-                <a:solidFill>
-                  <a:srgbClr val="020302"/>
-                </a:solidFill>
-                <a:latin typeface="AdobeClean-Light"/>
-                <a:cs typeface="AdobeClean-Light"/>
-              </a:rPr>
-              <a:t> </a:t>
-            </a:r>
-            <a:r>
-              <a:rPr sz="1000" spc="-10" dirty="0">
-                <a:solidFill>
-                  <a:srgbClr val="020302"/>
-                </a:solidFill>
-                <a:latin typeface="AdobeClean-Light"/>
-                <a:cs typeface="AdobeClean-Light"/>
-              </a:rPr>
-              <a:t>case </a:t>
-            </a:r>
-            <a:r>
-              <a:rPr sz="1000" spc="-20">
-                <a:solidFill>
-                  <a:srgbClr val="020302"/>
-                </a:solidFill>
-                <a:latin typeface="AdobeClean-Light"/>
-                <a:cs typeface="AdobeClean-Light"/>
-              </a:rPr>
-              <a:t>submission</a:t>
-            </a:r>
-            <a:r>
-              <a:rPr lang="en-US" sz="1000" spc="-20">
-                <a:solidFill>
-                  <a:srgbClr val="020302"/>
-                </a:solidFill>
-                <a:latin typeface="AdobeClean-Light"/>
-                <a:cs typeface="AdobeClean-Light"/>
-              </a:rPr>
-              <a:t>.</a:t>
-            </a:r>
+              <a:t>協助</a:t>
+            </a:r>
+            <a:endParaRPr lang="en-US" sz="1000" spc="-20">
+              <a:solidFill>
+                <a:srgbClr val="020302"/>
+              </a:solidFill>
+              <a:latin typeface="AdobeClean-Light"/>
+              <a:cs typeface="AdobeClean-Light"/>
+            </a:endParaRPr>
           </a:p>
           <a:p>
             <a:pPr marL="33020" marR="159385">
+              <a:lnSpc>
+                <a:spcPct val="100000"/>
+              </a:lnSpc>
               <a:spcBef>
                 <a:spcPts val="100"/>
               </a:spcBef>
@@ -8731,44 +7747,34 @@
               </a:tabLst>
             </a:pPr>
             <a:r>
-              <a:rPr sz="1000" i="1" spc="-10" dirty="0">
+              <a:rPr lang="de-de" sz="1000" i="1" spc="-10">
                 <a:solidFill>
                   <a:srgbClr val="7A7A7A"/>
                 </a:solidFill>
                 <a:latin typeface="AdobeClean-LightIt"/>
                 <a:cs typeface="AdobeClean-LightIt"/>
               </a:rPr>
-              <a:t>*Not all </a:t>
-            </a:r>
-            <a:r>
-              <a:rPr sz="1000" i="1" spc="-20" dirty="0">
+              <a:t>*並非</a:t>
+            </a:r>
+            <a:r>
+              <a:rPr lang="de-de" sz="1000" i="1" spc="-20">
                 <a:solidFill>
                   <a:srgbClr val="7A7A7A"/>
                 </a:solidFill>
                 <a:latin typeface="AdobeClean-LightIt"/>
                 <a:cs typeface="AdobeClean-LightIt"/>
               </a:rPr>
-              <a:t>products have live chat support</a:t>
-            </a:r>
-            <a:r>
-              <a:rPr sz="900" i="1" spc="-20" dirty="0">
+              <a:t>所有產品都有提供即時聊天支援</a:t>
+            </a:r>
+            <a:r>
+              <a:rPr lang="de-de" sz="900" i="1" spc="-20">
                 <a:solidFill>
                   <a:srgbClr val="7A7A7A"/>
                 </a:solidFill>
                 <a:latin typeface="AdobeClean-LightIt"/>
                 <a:cs typeface="AdobeClean-LightIt"/>
               </a:rPr>
-              <a:t>.</a:t>
-            </a:r>
-            <a:r>
-              <a:rPr lang="en-US" sz="900" i="1" spc="-20" dirty="0">
-                <a:solidFill>
-                  <a:srgbClr val="7A7A7A"/>
-                </a:solidFill>
-                <a:latin typeface="AdobeClean-LightIt"/>
-                <a:cs typeface="AdobeClean-LightIt"/>
-              </a:rPr>
-              <a:t>  </a:t>
+              <a:t>。</a:t>
             </a:r>
             <a:endParaRPr sz="900">
               <a:latin typeface="AdobeClean-Light"/>
@@ -8820,12 +7826,12 @@
               <a:defRPr/>
             </a:pPr>
             <a:r>
-              <a:rPr lang="en-US" sz="1200">
+              <a:rPr lang="de-de" sz="1200">
                 <a:solidFill>
                   <a:srgbClr val="000000"/>
                 </a:solidFill>
               </a:rPr>
-              <a:t>Community Forums</a:t>
+              <a:t>社群論壇</a:t>
             </a:r>
           </a:p>
         </p:txBody>
@@ -8868,12 +7874,12 @@
               </a:spcAft>
             </a:pPr>
             <a:r>
-              <a:rPr lang="en-US" sz="1200" b="1">
+              <a:rPr lang="de-de" sz="1200" b="1">
                 <a:latin typeface="+mj-lt"/>
                 <a:ea typeface="Open Sans" pitchFamily="34" charset="0"/>
                 <a:cs typeface="Open Sans" pitchFamily="34" charset="0"/>
               </a:rPr>
-              <a:t>Online Forums</a:t>
+              <a:t>線上論壇</a:t>
             </a:r>
           </a:p>
         </p:txBody>
@@ -8900,26 +7906,20 @@
           </a:prstGeom>
         </p:spPr>
         <p:txBody>
-          <a:bodyPr vert="horz" wrap="square" lIns="0" tIns="35560" rIns="0" bIns="0" rtlCol="0" anchor="t">
+          <a:bodyPr vert="horz" wrap="square" lIns="0" tIns="35560" rIns="0" bIns="0" rtlCol="0">
             <a:spAutoFit/>
           </a:bodyPr>
           <a:lstStyle/>
           <a:p>
             <a:r>
-              <a:rPr lang="en-US" sz="1000" dirty="0">
+              <a:rPr lang="de-de" sz="1000">
                 <a:solidFill>
                   <a:srgbClr val="4B4B4B"/>
                 </a:solidFill>
-                <a:latin typeface="Adobe Clean Light"/>
+                <a:latin typeface="Adobe Clean Light" panose="020B0303020404020204" pitchFamily="34" charset="0"/>
               </a:rPr>
-              <a:t>Continuous online access to a growing database of technical solutions, product documentation, FAQs and more. Connect with practitioners and other customers on Adobe Community to share best practices and lessons learned.</a:t>
-            </a:r>
-            <a:endParaRPr lang="en-US" sz="1000" dirty="0">
-              <a:solidFill>
-                <a:srgbClr val="4B4B4B"/>
-              </a:solidFill>
-              <a:latin typeface="Adobe Clean Light" panose="020B0303020404020204" pitchFamily="34" charset="0"/>
-            </a:endParaRPr>
+              <a:t>可持續在線上存取不斷增加的技術解決方案、產品文件、常見問答等內容的資料庫。與 Adobe 社群上的從業人員和其他客戶交流，彼此分享學到的最佳實務和經驗教訓</a:t>
+            </a:r>
           </a:p>
         </p:txBody>
       </p:sp>
@@ -8966,7 +7966,7 @@
               <a:defRPr/>
             </a:pPr>
             <a:r>
-              <a:rPr lang="en-US" sz="1200">
+              <a:rPr lang="de-de" sz="1200">
                 <a:solidFill>
                   <a:srgbClr val="000000"/>
                 </a:solidFill>
@@ -9014,12 +8014,12 @@
               </a:spcAft>
             </a:pPr>
             <a:r>
-              <a:rPr lang="en-US" sz="1200" b="1">
+              <a:rPr lang="de-de" sz="1200" b="1">
                 <a:latin typeface="+mj-lt"/>
                 <a:ea typeface="Open Sans" pitchFamily="34" charset="0"/>
                 <a:cs typeface="Open Sans" pitchFamily="34" charset="0"/>
               </a:rPr>
-              <a:t>Self-guided Journeys</a:t>
+              <a:t>自我引導式旅程</a:t>
             </a:r>
           </a:p>
         </p:txBody>
@@ -9046,26 +8046,20 @@
           </a:prstGeom>
         </p:spPr>
         <p:txBody>
-          <a:bodyPr vert="horz" wrap="square" lIns="0" tIns="35560" rIns="0" bIns="0" rtlCol="0" anchor="t">
+          <a:bodyPr vert="horz" wrap="square" lIns="0" tIns="35560" rIns="0" bIns="0" rtlCol="0">
             <a:spAutoFit/>
           </a:bodyPr>
           <a:lstStyle/>
           <a:p>
             <a:r>
-              <a:rPr lang="en-US" sz="1000" dirty="0">
+              <a:rPr lang="de-de" sz="1000">
                 <a:solidFill>
                   <a:srgbClr val="4B4B4B"/>
                 </a:solidFill>
-                <a:latin typeface="Adobe Clean Light"/>
+                <a:latin typeface="Adobe Clean Light" panose="020B0303020404020204" pitchFamily="34" charset="0"/>
               </a:rPr>
-              <a:t>Experience Makers are made with Experience League. Customers can kickstart their Customer Experience Management abilities with personalized learning to develop skills, engage with a global community of peers, and earn career advancing recognition.</a:t>
-            </a:r>
-            <a:endParaRPr lang="en-US" sz="1000" dirty="0">
-              <a:solidFill>
-                <a:srgbClr val="4B4B4B"/>
-              </a:solidFill>
-              <a:latin typeface="Adobe Clean Light" panose="020B0303020404020204" pitchFamily="34" charset="0"/>
-            </a:endParaRPr>
+              <a:t>Experience League 賦予體驗製作者強大的功能。客戶可以透過個人化學習來開始培養自己的客戶體驗管理能力，以發展各項技能、與全球的同行社群互動，並獲得職業提升的認可</a:t>
+            </a:r>
           </a:p>
         </p:txBody>
       </p:sp>
@@ -9112,12 +8106,12 @@
               <a:defRPr/>
             </a:pPr>
             <a:r>
-              <a:rPr lang="en-US" sz="1200">
+              <a:rPr lang="de-de" sz="1200">
                 <a:solidFill>
                   <a:srgbClr val="000000"/>
                 </a:solidFill>
               </a:rPr>
-              <a:t>Live Chat  Support*</a:t>
+              <a:t>即時聊天支援*</a:t>
             </a:r>
           </a:p>
         </p:txBody>
@@ -9160,12 +8154,12 @@
               </a:spcAft>
             </a:pPr>
             <a:r>
-              <a:rPr lang="en-US" sz="1200" b="1">
+              <a:rPr lang="de-de" sz="1200" b="1">
                 <a:latin typeface="+mj-lt"/>
                 <a:ea typeface="Open Sans" pitchFamily="34" charset="0"/>
                 <a:cs typeface="Open Sans" pitchFamily="34" charset="0"/>
               </a:rPr>
-              <a:t>Chat Support</a:t>
+              <a:t>聊天支援</a:t>
             </a:r>
           </a:p>
         </p:txBody>
@@ -9213,12 +8207,12 @@
               <a:defRPr/>
             </a:pPr>
             <a:r>
-              <a:rPr lang="en-US" sz="1200">
+              <a:rPr lang="de-de" sz="1200">
                 <a:solidFill>
                   <a:srgbClr val="000000"/>
                 </a:solidFill>
               </a:rPr>
-              <a:t>24X7 P1 </a:t>
+              <a:t>全年無休 P1 </a:t>
             </a:r>
           </a:p>
         </p:txBody>
@@ -9261,12 +8255,12 @@
               </a:spcAft>
             </a:pPr>
             <a:r>
-              <a:rPr lang="en-US" sz="1200" b="1">
+              <a:rPr lang="de-de" sz="1200" b="1">
                 <a:latin typeface="+mj-lt"/>
                 <a:ea typeface="Open Sans" pitchFamily="34" charset="0"/>
                 <a:cs typeface="Open Sans" pitchFamily="34" charset="0"/>
               </a:rPr>
-              <a:t>Phone  Support</a:t>
+              <a:t>電話支援</a:t>
             </a:r>
           </a:p>
         </p:txBody>
@@ -9299,28 +8293,28 @@
           <a:lstStyle/>
           <a:p>
             <a:r>
-              <a:rPr lang="en-US" sz="1000">
+              <a:rPr lang="de-de" sz="1000">
                 <a:solidFill>
                   <a:srgbClr val="020302"/>
                 </a:solidFill>
                 <a:latin typeface="AdobeClean-Light"/>
               </a:rPr>
-              <a:t>Authorized users or </a:t>
-            </a:r>
-            <a:r>
-              <a:rPr lang="en-US" sz="1000" b="1">
+              <a:t>授權的使用者或</a:t>
+            </a:r>
+            <a:r>
+              <a:rPr lang="de-de" sz="1000" b="1">
                 <a:solidFill>
                   <a:srgbClr val="020302"/>
                 </a:solidFill>
                 <a:latin typeface="AdobeClean-Light"/>
               </a:rPr>
-              <a:t>Named Support Contacts </a:t>
-            </a:r>
-            <a:r>
-              <a:rPr lang="en-US" sz="1000">
+              <a:t>指定的支援聯絡人</a:t>
+            </a:r>
+            <a:r>
+              <a:rPr lang="de-de" sz="1000">
                 <a:latin typeface="Adobe Clean Light" panose="020B0303020404020204" pitchFamily="34" charset="0"/>
               </a:rPr>
-              <a:t>can submit issues through all available  channels (including phone for P1) and interact with our technical support team on behalf of your company. </a:t>
+              <a:t>可透過所有可用管道 (包括 P1 適用的電話) 來提交問題，並代表貴公司與我們的技術支援團隊互動。</a:t>
             </a:r>
             <a:endParaRPr lang="en-US" sz="1000">
               <a:solidFill>
@@ -9415,14 +8409,14 @@
               </a:spcBef>
             </a:pPr>
             <a:r>
-              <a:rPr lang="en-US" sz="1400" b="1" spc="-10">
+              <a:rPr lang="de-de" sz="1400" b="1" spc="-10">
                 <a:solidFill>
                   <a:srgbClr val="020302"/>
                 </a:solidFill>
                 <a:latin typeface="Adobe Clean"/>
                 <a:cs typeface="Adobe Clean"/>
               </a:rPr>
-              <a:t>Online Support Features</a:t>
+              <a:t>線上支援特色</a:t>
             </a:r>
             <a:endParaRPr lang="en-US" sz="1400">
               <a:latin typeface="Adobe Clean"/>
@@ -9474,12 +8468,12 @@
               <a:defRPr/>
             </a:pPr>
             <a:r>
-              <a:rPr lang="en-US" sz="1200">
+              <a:rPr lang="de-de" sz="1200">
                 <a:solidFill>
                   <a:srgbClr val="000000"/>
                 </a:solidFill>
               </a:rPr>
-              <a:t>Office Hours</a:t>
+              <a:t>諮詢時間</a:t>
             </a:r>
           </a:p>
         </p:txBody>
@@ -9522,12 +8516,12 @@
               </a:spcAft>
             </a:pPr>
             <a:r>
-              <a:rPr lang="en-US" sz="1200" b="1">
+              <a:rPr lang="de-de" sz="1200" b="1">
                 <a:latin typeface="+mj-lt"/>
                 <a:ea typeface="Open Sans" pitchFamily="34" charset="0"/>
                 <a:cs typeface="Open Sans" pitchFamily="34" charset="0"/>
               </a:rPr>
-              <a:t>Webinars</a:t>
+              <a:t>網路研討會</a:t>
             </a:r>
           </a:p>
         </p:txBody>
@@ -9560,13 +8554,13 @@
           <a:lstStyle/>
           <a:p>
             <a:r>
-              <a:rPr lang="en-US" sz="1000">
+              <a:rPr lang="de-de" sz="1000">
                 <a:solidFill>
                   <a:srgbClr val="4B4B4B"/>
                 </a:solidFill>
                 <a:latin typeface="Adobe Clean Light" panose="020B0303020404020204" pitchFamily="34" charset="0"/>
               </a:rPr>
-              <a:t>Office Hours led by the Adobe Customer Support team includes sessions designed to inform as well as help participants troubleshoot problems and provide tips and tricks for success with Adobe solutions. </a:t>
+              <a:t>「諮詢時間」是由 Adobe 客戶支援團隊主導的一項計劃，其中的研討會的設計目的是為了提供資訊以及協助參與者排除問題，並提供成功使用 Adobe 解決方案的秘訣與技巧。</a:t>
             </a:r>
           </a:p>
         </p:txBody>
@@ -9614,12 +8608,12 @@
               <a:defRPr/>
             </a:pPr>
             <a:r>
-              <a:rPr lang="en-US" sz="1200">
+              <a:rPr lang="de-de" sz="1200">
                 <a:solidFill>
                   <a:srgbClr val="000000"/>
                 </a:solidFill>
               </a:rPr>
-              <a:t>Self-help Portals</a:t>
+              <a:t>自助式入口網站</a:t>
             </a:r>
           </a:p>
         </p:txBody>
@@ -9662,12 +8656,12 @@
               </a:spcAft>
             </a:pPr>
             <a:r>
-              <a:rPr lang="en-US" sz="1200" b="1">
+              <a:rPr lang="de-de" sz="1200" b="1">
                 <a:latin typeface="+mj-lt"/>
                 <a:ea typeface="Open Sans" pitchFamily="34" charset="0"/>
                 <a:cs typeface="Open Sans" pitchFamily="34" charset="0"/>
               </a:rPr>
-              <a:t>24/7 Support Portal</a:t>
+              <a:t>24/7 支援入口網站</a:t>
             </a:r>
           </a:p>
         </p:txBody>
@@ -9700,30 +8694,23 @@
           <a:lstStyle/>
           <a:p>
             <a:r>
-              <a:rPr lang="en-US" sz="1000">
+              <a:rPr lang="de-de" sz="1000">
                 <a:solidFill>
                   <a:srgbClr val="4B4B4B"/>
                 </a:solidFill>
                 <a:latin typeface="Adobe Clean Light" panose="020B0303020404020204" pitchFamily="34" charset="0"/>
               </a:rPr>
-              <a:t>On-demand access to the online </a:t>
-            </a:r>
-            <a:br>
-              <a:rPr lang="en-US" sz="1000">
+              <a:t>隨需存取線上</a:t>
+            </a:r>
+            <a:br/>
+            <a:r>
+              <a:rPr lang="de-de" sz="1000">
                 <a:solidFill>
                   <a:srgbClr val="4B4B4B"/>
                 </a:solidFill>
                 <a:latin typeface="Adobe Clean Light" panose="020B0303020404020204" pitchFamily="34" charset="0"/>
               </a:rPr>
-            </a:br>
-            <a:r>
-              <a:rPr lang="en-US" sz="1000">
-                <a:solidFill>
-                  <a:srgbClr val="4B4B4B"/>
-                </a:solidFill>
-                <a:latin typeface="Adobe Clean Light" panose="020B0303020404020204" pitchFamily="34" charset="0"/>
-              </a:rPr>
-              <a:t>Self-help Support Portal to submit support requests, review case status, and browse other resources, like our knowledgebase, news and alerts, featured tips, and more.</a:t>
+              <a:t>自助式支援入口網站，以提交支援請求、檢閱案件狀態，並瀏覽其他資源，像是我們的知識庫、新聞與提醒、特定的提示等。</a:t>
             </a:r>
           </a:p>
         </p:txBody>
@@ -9744,8 +8731,8 @@
         </p:nvSpPr>
         <p:spPr>
           <a:xfrm>
-            <a:off x="97788" y="9888626"/>
-            <a:ext cx="2245360" cy="133370"/>
+            <a:off x="97788" y="9888625"/>
+            <a:ext cx="6254026" cy="133370"/>
           </a:xfrm>
           <a:prstGeom prst="rect">
             <a:avLst/>
@@ -9857,36 +8844,36 @@
               </a:spcBef>
             </a:pPr>
             <a:r>
-              <a:rPr lang="en-US" spc="-10"/>
+              <a:rPr lang="de-de" spc="-10"/>
               <a:t>©2021</a:t>
             </a:r>
             <a:r>
-              <a:rPr lang="en-US" spc="-5"/>
-              <a:t> Adobe. All</a:t>
-            </a:r>
-            <a:r>
-              <a:rPr lang="en-US" spc="-10"/>
+              <a:rPr lang="de-de" spc="-5"/>
+              <a:t> Adobe。All</a:t>
+            </a:r>
+            <a:r>
+              <a:rPr lang="de-de" spc="-10"/>
               <a:t> Rights</a:t>
             </a:r>
             <a:r>
-              <a:rPr lang="en-US" spc="-5"/>
+              <a:rPr lang="de-de" spc="-5"/>
               <a:t> </a:t>
             </a:r>
             <a:r>
-              <a:rPr lang="en-US" spc="-10"/>
-              <a:t>Reserved.</a:t>
-            </a:r>
-            <a:r>
-              <a:rPr lang="en-US" spc="-5"/>
-              <a:t> Adobe</a:t>
-            </a:r>
-            <a:r>
-              <a:rPr lang="en-US" spc="60"/>
+              <a:rPr lang="de-de" spc="-10"/>
+              <a:t>Reserved。</a:t>
+            </a:r>
+            <a:r>
+              <a:rPr lang="de-de" spc="-5"/>
+              <a:t>Adobe</a:t>
+            </a:r>
+            <a:r>
+              <a:rPr lang="de-de" spc="60"/>
               <a:t> </a:t>
             </a:r>
             <a:r>
-              <a:rPr lang="en-US" spc="-10"/>
-              <a:t>Confidential.</a:t>
+              <a:rPr lang="de-de" spc="-10"/>
+              <a:t>機密資訊。</a:t>
             </a:r>
           </a:p>
         </p:txBody>
@@ -9975,14 +8962,14 @@
               </a:spcBef>
             </a:pPr>
             <a:r>
-              <a:rPr lang="en-US" sz="1400" b="1" spc="-10">
+              <a:rPr lang="de-de" sz="1400" b="1" spc="-10">
                 <a:solidFill>
                   <a:srgbClr val="020302"/>
                 </a:solidFill>
                 <a:latin typeface="Adobe Clean"/>
                 <a:cs typeface="Adobe Clean"/>
               </a:rPr>
-              <a:t>Enterprise Support Features</a:t>
+              <a:t>企業支援特色</a:t>
             </a:r>
             <a:endParaRPr lang="en-US" sz="1400">
               <a:latin typeface="Adobe Clean"/>
@@ -10027,107 +9014,17 @@
               </a:spcBef>
             </a:pPr>
             <a:r>
-              <a:rPr sz="1200" b="1" spc="-25">
+              <a:rPr lang="de-de" sz="1200" b="1" spc="-25">
                 <a:solidFill>
                   <a:srgbClr val="020302"/>
                 </a:solidFill>
                 <a:latin typeface="Adobe Clean"/>
                 <a:cs typeface="Adobe Clean"/>
               </a:rPr>
-              <a:t>E</a:t>
-            </a:r>
-            <a:r>
-              <a:rPr sz="1200" b="1" spc="-20">
-                <a:solidFill>
-                  <a:srgbClr val="020302"/>
-                </a:solidFill>
-                <a:latin typeface="Adobe Clean"/>
-                <a:cs typeface="Adobe Clean"/>
-              </a:rPr>
-              <a:t>s</a:t>
-            </a:r>
-            <a:r>
-              <a:rPr sz="1200" b="1" spc="-30">
-                <a:solidFill>
-                  <a:srgbClr val="020302"/>
-                </a:solidFill>
-                <a:latin typeface="Adobe Clean"/>
-                <a:cs typeface="Adobe Clean"/>
-              </a:rPr>
-              <a:t>c</a:t>
-            </a:r>
-            <a:r>
-              <a:rPr sz="1200" b="1" spc="-20">
-                <a:solidFill>
-                  <a:srgbClr val="020302"/>
-                </a:solidFill>
-                <a:latin typeface="Adobe Clean"/>
-                <a:cs typeface="Adobe Clean"/>
-              </a:rPr>
-              <a:t>a</a:t>
-            </a:r>
-            <a:r>
-              <a:rPr sz="1200" b="1" spc="-25">
-                <a:solidFill>
-                  <a:srgbClr val="020302"/>
-                </a:solidFill>
-                <a:latin typeface="Adobe Clean"/>
-                <a:cs typeface="Adobe Clean"/>
-              </a:rPr>
-              <a:t>l</a:t>
-            </a:r>
-            <a:r>
-              <a:rPr sz="1200" b="1" spc="-20">
-                <a:solidFill>
-                  <a:srgbClr val="020302"/>
-                </a:solidFill>
-                <a:latin typeface="Adobe Clean"/>
-                <a:cs typeface="Adobe Clean"/>
-              </a:rPr>
-              <a:t>a</a:t>
-            </a:r>
-            <a:r>
-              <a:rPr sz="1200" b="1" spc="-25">
-                <a:solidFill>
-                  <a:srgbClr val="020302"/>
-                </a:solidFill>
-                <a:latin typeface="Adobe Clean"/>
-                <a:cs typeface="Adobe Clean"/>
-              </a:rPr>
-              <a:t>t</a:t>
-            </a:r>
-            <a:r>
-              <a:rPr sz="1200" b="1" spc="-20">
-                <a:solidFill>
-                  <a:srgbClr val="020302"/>
-                </a:solidFill>
-                <a:latin typeface="Adobe Clean"/>
-                <a:cs typeface="Adobe Clean"/>
-              </a:rPr>
-              <a:t>i</a:t>
-            </a:r>
-            <a:r>
-              <a:rPr sz="1200" b="1" spc="-15">
-                <a:solidFill>
-                  <a:srgbClr val="020302"/>
-                </a:solidFill>
-                <a:latin typeface="Adobe Clean"/>
-                <a:cs typeface="Adobe Clean"/>
-              </a:rPr>
-              <a:t>o</a:t>
-            </a:r>
-            <a:r>
-              <a:rPr sz="1200" b="1">
-                <a:solidFill>
-                  <a:srgbClr val="020302"/>
-                </a:solidFill>
-                <a:latin typeface="Adobe Clean"/>
-                <a:cs typeface="Adobe Clean"/>
-              </a:rPr>
-              <a:t>n</a:t>
-            </a:r>
-            <a:r>
-              <a:rPr sz="1200" b="1" spc="-55">
+              <a:t>向上呈報管理</a:t>
+            </a:r>
+            <a:r>
+              <a:rPr lang="de-de" sz="1200" b="1" spc="-55">
                 <a:solidFill>
                   <a:srgbClr val="020302"/>
                 </a:solidFill>
@@ -10135,86 +9032,6 @@
                 <a:cs typeface="Adobe Clean"/>
               </a:rPr>
               <a:t> </a:t>
-            </a:r>
-            <a:r>
-              <a:rPr sz="1200" b="1" spc="-35">
-                <a:solidFill>
-                  <a:srgbClr val="020302"/>
-                </a:solidFill>
-                <a:latin typeface="Adobe Clean"/>
-                <a:cs typeface="Adobe Clean"/>
-              </a:rPr>
-              <a:t>M</a:t>
-            </a:r>
-            <a:r>
-              <a:rPr sz="1200" b="1" spc="-25">
-                <a:solidFill>
-                  <a:srgbClr val="020302"/>
-                </a:solidFill>
-                <a:latin typeface="Adobe Clean"/>
-                <a:cs typeface="Adobe Clean"/>
-              </a:rPr>
-              <a:t>a</a:t>
-            </a:r>
-            <a:r>
-              <a:rPr sz="1200" b="1" spc="-30">
-                <a:solidFill>
-                  <a:srgbClr val="020302"/>
-                </a:solidFill>
-                <a:latin typeface="Adobe Clean"/>
-                <a:cs typeface="Adobe Clean"/>
-              </a:rPr>
-              <a:t>n</a:t>
-            </a:r>
-            <a:r>
-              <a:rPr sz="1200" b="1" spc="-25">
-                <a:solidFill>
-                  <a:srgbClr val="020302"/>
-                </a:solidFill>
-                <a:latin typeface="Adobe Clean"/>
-                <a:cs typeface="Adobe Clean"/>
-              </a:rPr>
-              <a:t>a</a:t>
-            </a:r>
-            <a:r>
-              <a:rPr sz="1200" b="1" spc="-30">
-                <a:solidFill>
-                  <a:srgbClr val="020302"/>
-                </a:solidFill>
-                <a:latin typeface="Adobe Clean"/>
-                <a:cs typeface="Adobe Clean"/>
-              </a:rPr>
-              <a:t>ge</a:t>
-            </a:r>
-            <a:r>
-              <a:rPr sz="1200" b="1" spc="-25">
-                <a:solidFill>
-                  <a:srgbClr val="020302"/>
-                </a:solidFill>
-                <a:latin typeface="Adobe Clean"/>
-                <a:cs typeface="Adobe Clean"/>
-              </a:rPr>
-              <a:t>m</a:t>
-            </a:r>
-            <a:r>
-              <a:rPr sz="1200" b="1" spc="-30">
-                <a:solidFill>
-                  <a:srgbClr val="020302"/>
-                </a:solidFill>
-                <a:latin typeface="Adobe Clean"/>
-                <a:cs typeface="Adobe Clean"/>
-              </a:rPr>
-              <a:t>en</a:t>
-            </a:r>
-            <a:r>
-              <a:rPr sz="1200" b="1">
-                <a:solidFill>
-                  <a:srgbClr val="020302"/>
-                </a:solidFill>
-                <a:latin typeface="Adobe Clean"/>
-                <a:cs typeface="Adobe Clean"/>
-              </a:rPr>
-              <a:t>t</a:t>
             </a:r>
             <a:endParaRPr sz="1200">
               <a:latin typeface="Adobe Clean"/>
@@ -10259,13 +9076,13 @@
               </a:spcBef>
             </a:pPr>
             <a:r>
-              <a:rPr lang="en-US" sz="1000">
+              <a:rPr lang="de-de" sz="1000">
                 <a:solidFill>
                   <a:srgbClr val="4B4B4B"/>
                 </a:solidFill>
                 <a:latin typeface="Adobe Clean Light" panose="020B0303020404020204" pitchFamily="34" charset="0"/>
               </a:rPr>
-              <a:t>A designated point of contact within Adobe who can provide escalation assistance, regular updates and ensure priority is given to your most critical open support requests.</a:t>
+              <a:t>Adobe 內的指定聯絡人，他可提供向上呈報協助、定期更新，並確保優先處理您最緊急且未解決的支援請求。</a:t>
             </a:r>
             <a:endParaRPr sz="1000">
               <a:latin typeface="Adobe Clean Light" panose="020B0303020404020204" pitchFamily="34" charset="0"/>
@@ -10310,77 +9127,17 @@
               </a:spcBef>
             </a:pPr>
             <a:r>
-              <a:rPr sz="1200" b="1" spc="-20">
+              <a:rPr lang="de-de" sz="1200" b="1" spc="-20">
                 <a:solidFill>
                   <a:srgbClr val="020302"/>
                 </a:solidFill>
                 <a:latin typeface="Adobe Clean"/>
                 <a:cs typeface="Adobe Clean"/>
               </a:rPr>
-              <a:t>S</a:t>
-            </a:r>
-            <a:r>
-              <a:rPr sz="1200" b="1" spc="-25">
-                <a:solidFill>
-                  <a:srgbClr val="020302"/>
-                </a:solidFill>
-                <a:latin typeface="Adobe Clean"/>
-                <a:cs typeface="Adobe Clean"/>
-              </a:rPr>
-              <a:t>e</a:t>
-            </a:r>
-            <a:r>
-              <a:rPr sz="1200" b="1" spc="-20">
-                <a:solidFill>
-                  <a:srgbClr val="020302"/>
-                </a:solidFill>
-                <a:latin typeface="Adobe Clean"/>
-                <a:cs typeface="Adobe Clean"/>
-              </a:rPr>
-              <a:t>r</a:t>
-            </a:r>
-            <a:r>
-              <a:rPr sz="1200" b="1" spc="-25">
-                <a:solidFill>
-                  <a:srgbClr val="020302"/>
-                </a:solidFill>
-                <a:latin typeface="Adobe Clean"/>
-                <a:cs typeface="Adobe Clean"/>
-              </a:rPr>
-              <a:t>v</a:t>
-            </a:r>
-            <a:r>
-              <a:rPr sz="1200" b="1" spc="-20">
-                <a:solidFill>
-                  <a:srgbClr val="020302"/>
-                </a:solidFill>
-                <a:latin typeface="Adobe Clean"/>
-                <a:cs typeface="Adobe Clean"/>
-              </a:rPr>
-              <a:t>i</a:t>
-            </a:r>
-            <a:r>
-              <a:rPr sz="1200" b="1" spc="-30">
-                <a:solidFill>
-                  <a:srgbClr val="020302"/>
-                </a:solidFill>
-                <a:latin typeface="Adobe Clean"/>
-                <a:cs typeface="Adobe Clean"/>
-              </a:rPr>
-              <a:t>c</a:t>
-            </a:r>
-            <a:r>
-              <a:rPr sz="1200" b="1">
-                <a:solidFill>
-                  <a:srgbClr val="020302"/>
-                </a:solidFill>
-                <a:latin typeface="Adobe Clean"/>
-                <a:cs typeface="Adobe Clean"/>
-              </a:rPr>
-              <a:t>e</a:t>
-            </a:r>
-            <a:r>
-              <a:rPr sz="1200" b="1" spc="-80">
+              <a:t>服務審查</a:t>
+            </a:r>
+            <a:r>
+              <a:rPr lang="de-de" sz="1200" b="1" spc="-80">
                 <a:solidFill>
                   <a:srgbClr val="020302"/>
                 </a:solidFill>
@@ -10388,66 +9145,6 @@
                 <a:cs typeface="Adobe Clean"/>
               </a:rPr>
               <a:t> </a:t>
-            </a:r>
-            <a:r>
-              <a:rPr sz="1200" b="1" spc="-20">
-                <a:solidFill>
-                  <a:srgbClr val="020302"/>
-                </a:solidFill>
-                <a:latin typeface="Adobe Clean"/>
-                <a:cs typeface="Adobe Clean"/>
-              </a:rPr>
-              <a:t>R</a:t>
-            </a:r>
-            <a:r>
-              <a:rPr sz="1200" b="1" spc="-25">
-                <a:solidFill>
-                  <a:srgbClr val="020302"/>
-                </a:solidFill>
-                <a:latin typeface="Adobe Clean"/>
-                <a:cs typeface="Adobe Clean"/>
-              </a:rPr>
-              <a:t>e</a:t>
-            </a:r>
-            <a:r>
-              <a:rPr sz="1200" b="1" spc="-30">
-                <a:solidFill>
-                  <a:srgbClr val="020302"/>
-                </a:solidFill>
-                <a:latin typeface="Adobe Clean"/>
-                <a:cs typeface="Adobe Clean"/>
-              </a:rPr>
-              <a:t>v</a:t>
-            </a:r>
-            <a:r>
-              <a:rPr sz="1200" b="1" spc="-20">
-                <a:solidFill>
-                  <a:srgbClr val="020302"/>
-                </a:solidFill>
-                <a:latin typeface="Adobe Clean"/>
-                <a:cs typeface="Adobe Clean"/>
-              </a:rPr>
-              <a:t>i</a:t>
-            </a:r>
-            <a:r>
-              <a:rPr sz="1200" b="1" spc="-25">
-                <a:solidFill>
-                  <a:srgbClr val="020302"/>
-                </a:solidFill>
-                <a:latin typeface="Adobe Clean"/>
-                <a:cs typeface="Adobe Clean"/>
-              </a:rPr>
-              <a:t>ew</a:t>
-            </a:r>
-            <a:r>
-              <a:rPr sz="1200" b="1">
-                <a:solidFill>
-                  <a:srgbClr val="020302"/>
-                </a:solidFill>
-                <a:latin typeface="Adobe Clean"/>
-                <a:cs typeface="Adobe Clean"/>
-              </a:rPr>
-              <a:t>s</a:t>
             </a:r>
             <a:endParaRPr sz="1200">
               <a:latin typeface="Adobe Clean"/>
@@ -10492,13 +9189,13 @@
               </a:spcBef>
             </a:pPr>
             <a:r>
-              <a:rPr lang="en-US" sz="1000">
+              <a:rPr lang="de-de" sz="1000">
                 <a:solidFill>
                   <a:srgbClr val="4B4B4B"/>
                 </a:solidFill>
                 <a:latin typeface="Adobe Clean Light" panose="020B0303020404020204" pitchFamily="34" charset="0"/>
               </a:rPr>
-              <a:t>A bi-annual comprehensive review of  Enterprise program services, benefits and support metrics.</a:t>
+              <a:t>每兩年對企業計劃服務、權益和支援指標進行一次全面審查。</a:t>
             </a:r>
             <a:endParaRPr sz="1000">
               <a:latin typeface="Adobe Clean Light" panose="020B0303020404020204" pitchFamily="34" charset="0"/>
@@ -10543,13 +9240,13 @@
               </a:spcBef>
             </a:pPr>
             <a:r>
-              <a:rPr lang="en-US" sz="1000">
+              <a:rPr lang="de-de" sz="1000">
                 <a:solidFill>
                   <a:srgbClr val="4B4B4B"/>
                 </a:solidFill>
                 <a:latin typeface="Adobe Clean Light" panose="020B0303020404020204" pitchFamily="34" charset="0"/>
               </a:rPr>
-              <a:t>A 60-minute session focusing on a specific product feature and how it can be utilized to solve common business problems.</a:t>
+              <a:t>60 分鐘的諮詢，聚焦於特定產品功能以及如何利用它來解決常見的業務問題。</a:t>
             </a:r>
             <a:endParaRPr sz="1000">
               <a:latin typeface="Adobe Clean Light" panose="020B0303020404020204" pitchFamily="34" charset="0"/>
@@ -10580,7 +9277,7 @@
           </a:prstGeom>
         </p:spPr>
         <p:txBody>
-          <a:bodyPr vert="horz" wrap="square" lIns="0" tIns="12700" rIns="0" bIns="0" rtlCol="0" anchor="t">
+          <a:bodyPr vert="horz" wrap="square" lIns="0" tIns="12700" rIns="0" bIns="0" rtlCol="0">
             <a:spAutoFit/>
           </a:bodyPr>
           <a:lstStyle/>
@@ -10594,15 +9291,15 @@
               </a:spcBef>
             </a:pPr>
             <a:r>
-              <a:rPr lang="en-US" sz="1000" dirty="0">
+              <a:rPr lang="de-de" sz="1000">
                 <a:solidFill>
                   <a:srgbClr val="4B4B4B"/>
                 </a:solidFill>
-                <a:latin typeface="Adobe Clean Light"/>
+                <a:latin typeface="Adobe Clean Light" panose="020B0303020404020204" pitchFamily="34" charset="0"/>
               </a:rPr>
-              <a:t>Drive adoption of customization best practices and core components in AEM as a Cloud Service.</a:t>
-            </a:r>
-            <a:endParaRPr sz="1000" dirty="0">
+              <a:t>推動採用 AEM as a Cloud Service 中的自訂最佳實務和核心元件</a:t>
+            </a:r>
+            <a:endParaRPr sz="1000">
               <a:solidFill>
                 <a:srgbClr val="4B4B4B"/>
               </a:solidFill>
@@ -10633,12 +9330,12 @@
           </a:prstGeom>
         </p:spPr>
         <p:txBody>
-          <a:bodyPr vert="horz" wrap="square" lIns="0" tIns="12700" rIns="0" bIns="0" rtlCol="0" anchor="t">
+          <a:bodyPr vert="horz" wrap="square" lIns="0" tIns="12700" rIns="0" bIns="0" rtlCol="0">
             <a:spAutoFit/>
           </a:bodyPr>
           <a:lstStyle/>
           <a:p>
-            <a:pPr marL="13970" marR="5080" indent="-1905">
+            <a:pPr marL="14604" marR="5080" indent="-1905">
               <a:lnSpc>
                 <a:spcPct val="117000"/>
               </a:lnSpc>
@@ -10647,15 +9344,15 @@
               </a:spcBef>
             </a:pPr>
             <a:r>
-              <a:rPr lang="en-US" sz="1000" dirty="0">
+              <a:rPr lang="de-de" sz="1000">
                 <a:solidFill>
                   <a:srgbClr val="4B4B4B"/>
                 </a:solidFill>
-                <a:latin typeface="Adobe Clean Light"/>
+                <a:latin typeface="Adobe Clean Light" panose="020B0303020404020204" pitchFamily="34" charset="0"/>
               </a:rPr>
-              <a:t>Identify, review and provide recommendations on customized solution adoption areas that have opportunities for optimization.</a:t>
-            </a:r>
-            <a:endParaRPr lang="en-US" sz="1000" dirty="0">
+              <a:t>識別、審查有機會最佳化的自訂解決方案採用領域，並提供相關建議</a:t>
+            </a:r>
+            <a:endParaRPr sz="1000">
               <a:solidFill>
                 <a:srgbClr val="4B4B4B"/>
               </a:solidFill>
@@ -10686,7 +9383,7 @@
           </a:prstGeom>
         </p:spPr>
         <p:txBody>
-          <a:bodyPr vert="horz" wrap="square" lIns="0" tIns="12700" rIns="0" bIns="0" rtlCol="0" anchor="t">
+          <a:bodyPr vert="horz" wrap="square" lIns="0" tIns="12700" rIns="0" bIns="0" rtlCol="0">
             <a:spAutoFit/>
           </a:bodyPr>
           <a:lstStyle/>
@@ -10700,15 +9397,15 @@
               </a:spcBef>
             </a:pPr>
             <a:r>
-              <a:rPr lang="en-US" sz="1000" dirty="0">
+              <a:rPr lang="de-de" sz="1000">
                 <a:solidFill>
                   <a:srgbClr val="4B4B4B"/>
                 </a:solidFill>
-                <a:latin typeface="Adobe Clean Light"/>
+                <a:latin typeface="Adobe Clean Light" panose="020B0303020404020204" pitchFamily="34" charset="0"/>
               </a:rPr>
-              <a:t>Technical &amp; operational governance to assist AEM as a Cloud Service Customers in adhering to industry standards and best practices for AEM as a Cloud Service.</a:t>
-            </a:r>
-            <a:endParaRPr sz="1000" dirty="0">
+              <a:t>為了協助 AEM as a Cloud Service 客戶遵守 AEM as a Cloud Service 的產業標準和最佳實務所進行的技術與營運控管</a:t>
+            </a:r>
+            <a:endParaRPr sz="1000">
               <a:solidFill>
                 <a:srgbClr val="4B4B4B"/>
               </a:solidFill>
@@ -10750,15 +9447,15 @@
               </a:spcBef>
             </a:pPr>
             <a:r>
-              <a:rPr lang="en-US" sz="1000" dirty="0">
+              <a:rPr lang="de-de" sz="1000">
                 <a:solidFill>
                   <a:srgbClr val="4B4B4B"/>
                 </a:solidFill>
                 <a:latin typeface="Adobe Clean Light" panose="020B0303020404020204" pitchFamily="34" charset="0"/>
               </a:rPr>
-              <a:t>A designated support engineer who becomes familiar with your solution environment and business goals. The NSE is an experienced support engineer that helps coordinate your Enterprise Support experience.</a:t>
-            </a:r>
-            <a:endParaRPr lang="en-US" sz="1000" dirty="0">
+              <a:t>已熟悉您的解決方案環境與業務目標的指定支援工程師。NSE 是經驗豐富的支援工程師，可幫忙協調您的企業支援體驗。</a:t>
+            </a:r>
+            <a:endParaRPr lang="en-US" sz="1000">
               <a:solidFill>
                 <a:srgbClr val="000000"/>
               </a:solidFill>
@@ -10805,20 +9502,20 @@
               </a:spcAft>
             </a:pPr>
             <a:r>
-              <a:rPr lang="en-US" sz="1200" b="1" spc="-10">
+              <a:rPr lang="de-de" sz="1200" b="1" spc="-10">
                 <a:solidFill>
                   <a:srgbClr val="020302"/>
                 </a:solidFill>
                 <a:latin typeface="+mj-lt"/>
               </a:rPr>
-              <a:t>Named Support Engineer</a:t>
+              <a:t>指定的支援工程師</a:t>
             </a:r>
           </a:p>
         </p:txBody>
       </p:sp>
       <p:pic>
         <p:nvPicPr>
-          <p:cNvPr id="142" name="Graphic 141" descr="User outline">
+          <p:cNvPr id="142" name="Graphic 141" descr="使用者大綱">
             <a:extLst>
               <a:ext uri="{FF2B5EF4-FFF2-40B4-BE49-F238E27FC236}">
                 <a16:creationId xmlns:a16="http://schemas.microsoft.com/office/drawing/2014/main" id="{D810B7C8-EC8A-8D4D-9EEC-977E8C8AB016}"/>
@@ -10891,14 +9588,14 @@
               </a:spcBef>
             </a:pPr>
             <a:r>
-              <a:rPr lang="en-US" sz="1200" b="1" spc="-20">
+              <a:rPr lang="de-de" sz="1200" b="1" spc="-20">
                 <a:solidFill>
                   <a:srgbClr val="020302"/>
                 </a:solidFill>
                 <a:latin typeface="Adobe Clean"/>
                 <a:cs typeface="Adobe Clean"/>
               </a:rPr>
-              <a:t>Expert Sessions</a:t>
+              <a:t>專家諮詢</a:t>
             </a:r>
             <a:endParaRPr sz="1200">
               <a:latin typeface="Adobe Clean"/>
@@ -10934,497 +9631,30 @@
           </a:bodyPr>
           <a:lstStyle/>
           <a:p>
-            <a:pPr marL="12700">
-              <a:lnSpc>
-                <a:spcPct val="100000"/>
-              </a:lnSpc>
-              <a:spcBef>
-                <a:spcPts val="100"/>
-              </a:spcBef>
-            </a:pPr>
-            <a:r>
-              <a:rPr lang="en-US" sz="1200" b="1" spc="-15">
+            <a:pPr algn="l"/>
+            <a:r>
+              <a:rPr lang="en-US" altLang="zh-TW" sz="1200" b="1" spc="-25" dirty="0">
                 <a:solidFill>
                   <a:srgbClr val="020302"/>
                 </a:solidFill>
                 <a:latin typeface="Adobe Clean"/>
-                <a:cs typeface="Adobe Clean"/>
               </a:rPr>
-              <a:t>C</a:t>
-            </a:r>
-            <a:r>
-              <a:rPr lang="en-US" sz="1200" b="1" spc="-20">
+              <a:t>AEM as a Cloud Service </a:t>
+            </a:r>
+            <a:r>
+              <a:rPr lang="zh-TW" altLang="en-US" sz="1200" b="1" spc="-25" dirty="0">
                 <a:solidFill>
                   <a:srgbClr val="020302"/>
                 </a:solidFill>
                 <a:latin typeface="Adobe Clean"/>
-                <a:cs typeface="Adobe Clean"/>
               </a:rPr>
-              <a:t>u</a:t>
-            </a:r>
-            <a:r>
-              <a:rPr lang="en-US" sz="1200" b="1" spc="-25">
-                <a:solidFill>
-                  <a:srgbClr val="020302"/>
-                </a:solidFill>
-                <a:latin typeface="Adobe Clean"/>
-                <a:cs typeface="Adobe Clean"/>
-              </a:rPr>
-              <a:t>st</a:t>
-            </a:r>
-            <a:r>
-              <a:rPr lang="en-US" sz="1200" b="1" spc="-15">
-                <a:solidFill>
-                  <a:srgbClr val="020302"/>
-                </a:solidFill>
-                <a:latin typeface="Adobe Clean"/>
-                <a:cs typeface="Adobe Clean"/>
-              </a:rPr>
-              <a:t>o</a:t>
-            </a:r>
-            <a:r>
-              <a:rPr lang="en-US" sz="1200" b="1" spc="-20">
-                <a:solidFill>
-                  <a:srgbClr val="020302"/>
-                </a:solidFill>
-                <a:latin typeface="Adobe Clean"/>
-                <a:cs typeface="Adobe Clean"/>
-              </a:rPr>
-              <a:t>miza</a:t>
-            </a:r>
-            <a:r>
-              <a:rPr lang="en-US" sz="1200" b="1" spc="-25">
-                <a:solidFill>
-                  <a:srgbClr val="020302"/>
-                </a:solidFill>
-                <a:latin typeface="Adobe Clean"/>
-                <a:cs typeface="Adobe Clean"/>
-              </a:rPr>
-              <a:t>t</a:t>
-            </a:r>
-            <a:r>
-              <a:rPr lang="en-US" sz="1200" b="1" spc="-20">
-                <a:solidFill>
-                  <a:srgbClr val="020302"/>
-                </a:solidFill>
-                <a:latin typeface="Adobe Clean"/>
-                <a:cs typeface="Adobe Clean"/>
-              </a:rPr>
-              <a:t>i</a:t>
-            </a:r>
-            <a:r>
-              <a:rPr lang="en-US" sz="1200" b="1" spc="-15">
-                <a:solidFill>
-                  <a:srgbClr val="020302"/>
-                </a:solidFill>
-                <a:latin typeface="Adobe Clean"/>
-                <a:cs typeface="Adobe Clean"/>
-              </a:rPr>
-              <a:t>o</a:t>
-            </a:r>
-            <a:r>
-              <a:rPr lang="en-US" sz="1200" b="1">
-                <a:solidFill>
-                  <a:srgbClr val="020302"/>
-                </a:solidFill>
-                <a:latin typeface="Adobe Clean"/>
-                <a:cs typeface="Adobe Clean"/>
-              </a:rPr>
-              <a:t>n</a:t>
-            </a:r>
-            <a:r>
-              <a:rPr lang="en-US" sz="1200" b="1" spc="-50">
-                <a:solidFill>
-                  <a:srgbClr val="020302"/>
-                </a:solidFill>
-                <a:latin typeface="Adobe Clean"/>
-                <a:cs typeface="Adobe Clean"/>
-              </a:rPr>
-              <a:t> </a:t>
-            </a:r>
-            <a:r>
-              <a:rPr lang="en-US" sz="1200" b="1" spc="-20">
-                <a:solidFill>
-                  <a:srgbClr val="020302"/>
-                </a:solidFill>
-                <a:latin typeface="Adobe Clean"/>
-                <a:cs typeface="Adobe Clean"/>
-              </a:rPr>
-              <a:t>B</a:t>
-            </a:r>
-            <a:r>
-              <a:rPr lang="en-US" sz="1200" b="1" spc="-25">
-                <a:solidFill>
-                  <a:srgbClr val="020302"/>
-                </a:solidFill>
-                <a:latin typeface="Adobe Clean"/>
-                <a:cs typeface="Adobe Clean"/>
-              </a:rPr>
-              <a:t>es</a:t>
-            </a:r>
-            <a:r>
-              <a:rPr lang="en-US" sz="1200" b="1">
-                <a:solidFill>
-                  <a:srgbClr val="020302"/>
-                </a:solidFill>
-                <a:latin typeface="Adobe Clean"/>
-                <a:cs typeface="Adobe Clean"/>
-              </a:rPr>
-              <a:t>t</a:t>
-            </a:r>
-            <a:r>
-              <a:rPr lang="en-US" sz="1200" b="1" spc="-50">
-                <a:solidFill>
-                  <a:srgbClr val="020302"/>
-                </a:solidFill>
-                <a:latin typeface="Adobe Clean"/>
-                <a:cs typeface="Adobe Clean"/>
-              </a:rPr>
-              <a:t> </a:t>
-            </a:r>
-            <a:r>
-              <a:rPr lang="en-US" sz="1200" b="1" spc="-25">
-                <a:solidFill>
-                  <a:srgbClr val="020302"/>
-                </a:solidFill>
-                <a:latin typeface="Adobe Clean"/>
-                <a:cs typeface="Adobe Clean"/>
-              </a:rPr>
-              <a:t>P</a:t>
-            </a:r>
-            <a:r>
-              <a:rPr lang="en-US" sz="1200" b="1" spc="-20">
-                <a:solidFill>
-                  <a:srgbClr val="020302"/>
-                </a:solidFill>
-                <a:latin typeface="Adobe Clean"/>
-                <a:cs typeface="Adobe Clean"/>
-              </a:rPr>
-              <a:t>ra</a:t>
-            </a:r>
-            <a:r>
-              <a:rPr lang="en-US" sz="1200" b="1" spc="-30">
-                <a:solidFill>
-                  <a:srgbClr val="020302"/>
-                </a:solidFill>
-                <a:latin typeface="Adobe Clean"/>
-                <a:cs typeface="Adobe Clean"/>
-              </a:rPr>
-              <a:t>c</a:t>
-            </a:r>
-            <a:r>
-              <a:rPr lang="en-US" sz="1200" b="1" spc="-25">
-                <a:solidFill>
-                  <a:srgbClr val="020302"/>
-                </a:solidFill>
-                <a:latin typeface="Adobe Clean"/>
-                <a:cs typeface="Adobe Clean"/>
-              </a:rPr>
-              <a:t>t</a:t>
-            </a:r>
-            <a:r>
-              <a:rPr lang="en-US" sz="1200" b="1" spc="-20">
-                <a:solidFill>
-                  <a:srgbClr val="020302"/>
-                </a:solidFill>
-                <a:latin typeface="Adobe Clean"/>
-                <a:cs typeface="Adobe Clean"/>
-              </a:rPr>
-              <a:t>i</a:t>
-            </a:r>
-            <a:r>
-              <a:rPr lang="en-US" sz="1200" b="1" spc="-30">
-                <a:solidFill>
-                  <a:srgbClr val="020302"/>
-                </a:solidFill>
-                <a:latin typeface="Adobe Clean"/>
-                <a:cs typeface="Adobe Clean"/>
-              </a:rPr>
-              <a:t>c</a:t>
-            </a:r>
-            <a:r>
-              <a:rPr lang="en-US" sz="1200" b="1" spc="-25">
-                <a:solidFill>
-                  <a:srgbClr val="020302"/>
-                </a:solidFill>
-                <a:latin typeface="Adobe Clean"/>
-                <a:cs typeface="Adobe Clean"/>
-              </a:rPr>
-              <a:t>e</a:t>
-            </a:r>
-            <a:r>
-              <a:rPr lang="en-US" sz="1200" b="1">
-                <a:solidFill>
-                  <a:srgbClr val="020302"/>
-                </a:solidFill>
-                <a:latin typeface="Adobe Clean"/>
-                <a:cs typeface="Adobe Clean"/>
-              </a:rPr>
-              <a:t>s</a:t>
-            </a:r>
-            <a:r>
-              <a:rPr lang="en-US" sz="1200" b="1" spc="-45">
-                <a:solidFill>
-                  <a:srgbClr val="020302"/>
-                </a:solidFill>
-                <a:latin typeface="Adobe Clean"/>
-                <a:cs typeface="Adobe Clean"/>
-              </a:rPr>
-              <a:t> </a:t>
-            </a:r>
-            <a:r>
-              <a:rPr lang="en-US" sz="1200" b="1" spc="-25">
-                <a:solidFill>
-                  <a:srgbClr val="020302"/>
-                </a:solidFill>
-                <a:latin typeface="Adobe Clean"/>
-                <a:cs typeface="Adobe Clean"/>
-              </a:rPr>
-              <a:t>f</a:t>
-            </a:r>
-            <a:r>
-              <a:rPr lang="en-US" sz="1200" b="1" spc="-15">
-                <a:solidFill>
-                  <a:srgbClr val="020302"/>
-                </a:solidFill>
-                <a:latin typeface="Adobe Clean"/>
-                <a:cs typeface="Adobe Clean"/>
-              </a:rPr>
-              <a:t>o</a:t>
-            </a:r>
-            <a:r>
-              <a:rPr lang="en-US" sz="1200" b="1">
-                <a:solidFill>
-                  <a:srgbClr val="020302"/>
-                </a:solidFill>
-                <a:latin typeface="Adobe Clean"/>
-                <a:cs typeface="Adobe Clean"/>
-              </a:rPr>
-              <a:t>r</a:t>
-            </a:r>
-            <a:r>
-              <a:rPr lang="en-US" sz="1200" b="1" spc="-45">
-                <a:solidFill>
-                  <a:srgbClr val="020302"/>
-                </a:solidFill>
-                <a:latin typeface="Adobe Clean"/>
-                <a:cs typeface="Adobe Clean"/>
-              </a:rPr>
-              <a:t> </a:t>
-            </a:r>
-            <a:r>
-              <a:rPr lang="en-US" sz="1200" b="1" spc="-30">
-                <a:solidFill>
-                  <a:srgbClr val="020302"/>
-                </a:solidFill>
-                <a:latin typeface="Adobe Clean"/>
-                <a:cs typeface="Adobe Clean"/>
-              </a:rPr>
-              <a:t>AE</a:t>
-            </a:r>
-            <a:r>
-              <a:rPr lang="en-US" sz="1200" b="1">
-                <a:solidFill>
-                  <a:srgbClr val="020302"/>
-                </a:solidFill>
-                <a:latin typeface="Adobe Clean"/>
-                <a:cs typeface="Adobe Clean"/>
-              </a:rPr>
-              <a:t>M</a:t>
-            </a:r>
-            <a:r>
-              <a:rPr lang="en-US" sz="1200" b="1" spc="-55">
-                <a:solidFill>
-                  <a:srgbClr val="020302"/>
-                </a:solidFill>
-                <a:latin typeface="Adobe Clean"/>
-                <a:cs typeface="Adobe Clean"/>
-              </a:rPr>
-              <a:t> </a:t>
-            </a:r>
-            <a:r>
-              <a:rPr lang="en-US" sz="1200" b="1" spc="-20">
-                <a:solidFill>
-                  <a:srgbClr val="020302"/>
-                </a:solidFill>
-                <a:latin typeface="Adobe Clean"/>
-                <a:cs typeface="Adobe Clean"/>
-              </a:rPr>
-              <a:t>a</a:t>
-            </a:r>
-            <a:r>
-              <a:rPr lang="en-US" sz="1200" b="1">
-                <a:solidFill>
-                  <a:srgbClr val="020302"/>
-                </a:solidFill>
-                <a:latin typeface="Adobe Clean"/>
-                <a:cs typeface="Adobe Clean"/>
-              </a:rPr>
-              <a:t>s</a:t>
-            </a:r>
-            <a:r>
-              <a:rPr lang="en-US" sz="1200" b="1" spc="-45">
-                <a:solidFill>
-                  <a:srgbClr val="020302"/>
-                </a:solidFill>
-                <a:latin typeface="Adobe Clean"/>
-                <a:cs typeface="Adobe Clean"/>
-              </a:rPr>
-              <a:t> </a:t>
-            </a:r>
-            <a:r>
-              <a:rPr lang="en-US" sz="1200" b="1">
-                <a:solidFill>
-                  <a:srgbClr val="020302"/>
-                </a:solidFill>
-                <a:latin typeface="Adobe Clean"/>
-                <a:cs typeface="Adobe Clean"/>
-              </a:rPr>
-              <a:t>a</a:t>
-            </a:r>
-            <a:r>
-              <a:rPr lang="en-US" sz="1200" b="1" spc="-45">
-                <a:solidFill>
-                  <a:srgbClr val="020302"/>
-                </a:solidFill>
-                <a:latin typeface="Adobe Clean"/>
-                <a:cs typeface="Adobe Clean"/>
-              </a:rPr>
-              <a:t> </a:t>
-            </a:r>
-            <a:r>
-              <a:rPr lang="en-US" sz="1200" b="1" spc="-15">
-                <a:solidFill>
-                  <a:srgbClr val="020302"/>
-                </a:solidFill>
-                <a:latin typeface="Adobe Clean"/>
-                <a:cs typeface="Adobe Clean"/>
-              </a:rPr>
-              <a:t>C</a:t>
-            </a:r>
-            <a:r>
-              <a:rPr lang="en-US" sz="1200" b="1" spc="-25">
-                <a:solidFill>
-                  <a:srgbClr val="020302"/>
-                </a:solidFill>
-                <a:latin typeface="Adobe Clean"/>
-                <a:cs typeface="Adobe Clean"/>
-              </a:rPr>
-              <a:t>l</a:t>
-            </a:r>
-            <a:r>
-              <a:rPr lang="en-US" sz="1200" b="1" spc="-15">
-                <a:solidFill>
-                  <a:srgbClr val="020302"/>
-                </a:solidFill>
-                <a:latin typeface="Adobe Clean"/>
-                <a:cs typeface="Adobe Clean"/>
-              </a:rPr>
-              <a:t>o</a:t>
-            </a:r>
-            <a:r>
-              <a:rPr lang="en-US" sz="1200" b="1" spc="-20">
-                <a:solidFill>
-                  <a:srgbClr val="020302"/>
-                </a:solidFill>
-                <a:latin typeface="Adobe Clean"/>
-                <a:cs typeface="Adobe Clean"/>
-              </a:rPr>
-              <a:t>u</a:t>
-            </a:r>
-            <a:r>
-              <a:rPr lang="en-US" sz="1200" b="1">
-                <a:solidFill>
-                  <a:srgbClr val="020302"/>
-                </a:solidFill>
-                <a:latin typeface="Adobe Clean"/>
-                <a:cs typeface="Adobe Clean"/>
-              </a:rPr>
-              <a:t>d</a:t>
-            </a:r>
-            <a:r>
-              <a:rPr lang="en-US" sz="1200" b="1" spc="-50">
-                <a:solidFill>
-                  <a:srgbClr val="020302"/>
-                </a:solidFill>
-                <a:latin typeface="Adobe Clean"/>
-                <a:cs typeface="Adobe Clean"/>
-              </a:rPr>
-              <a:t> </a:t>
-            </a:r>
-            <a:r>
-              <a:rPr lang="en-US" sz="1200" b="1" spc="-20">
-                <a:solidFill>
-                  <a:srgbClr val="020302"/>
-                </a:solidFill>
-                <a:latin typeface="Adobe Clean"/>
-                <a:cs typeface="Adobe Clean"/>
-              </a:rPr>
-              <a:t>S</a:t>
-            </a:r>
-            <a:r>
-              <a:rPr lang="en-US" sz="1200" b="1" spc="-25">
-                <a:solidFill>
-                  <a:srgbClr val="020302"/>
-                </a:solidFill>
-                <a:latin typeface="Adobe Clean"/>
-                <a:cs typeface="Adobe Clean"/>
-              </a:rPr>
-              <a:t>e</a:t>
-            </a:r>
-            <a:r>
-              <a:rPr lang="en-US" sz="1200" b="1" spc="-20">
-                <a:solidFill>
-                  <a:srgbClr val="020302"/>
-                </a:solidFill>
-                <a:latin typeface="Adobe Clean"/>
-                <a:cs typeface="Adobe Clean"/>
-              </a:rPr>
-              <a:t>r</a:t>
-            </a:r>
-            <a:r>
-              <a:rPr lang="en-US" sz="1200" b="1" spc="-30">
-                <a:solidFill>
-                  <a:srgbClr val="020302"/>
-                </a:solidFill>
-                <a:latin typeface="Adobe Clean"/>
-                <a:cs typeface="Adobe Clean"/>
-              </a:rPr>
-              <a:t>v</a:t>
-            </a:r>
-            <a:r>
-              <a:rPr lang="en-US" sz="1200" b="1" spc="-20">
-                <a:solidFill>
-                  <a:srgbClr val="020302"/>
-                </a:solidFill>
-                <a:latin typeface="Adobe Clean"/>
-                <a:cs typeface="Adobe Clean"/>
-              </a:rPr>
-              <a:t>i</a:t>
-            </a:r>
-            <a:r>
-              <a:rPr lang="en-US" sz="1200" b="1" spc="-30">
-                <a:solidFill>
-                  <a:srgbClr val="020302"/>
-                </a:solidFill>
-                <a:latin typeface="Adobe Clean"/>
-                <a:cs typeface="Adobe Clean"/>
-              </a:rPr>
-              <a:t>c</a:t>
-            </a:r>
-            <a:r>
-              <a:rPr lang="en-US" sz="1200" b="1">
-                <a:solidFill>
-                  <a:srgbClr val="020302"/>
-                </a:solidFill>
-                <a:latin typeface="Adobe Clean"/>
-                <a:cs typeface="Adobe Clean"/>
-              </a:rPr>
-              <a:t>e</a:t>
-            </a:r>
-            <a:endParaRPr lang="en-US" sz="1200">
+              <a:t>的自訂最佳實務</a:t>
+            </a:r>
+            <a:endParaRPr lang="en-US" sz="1200" b="1" spc="-25" dirty="0">
+              <a:solidFill>
+                <a:srgbClr val="020302"/>
+              </a:solidFill>
               <a:latin typeface="Adobe Clean"/>
-              <a:cs typeface="Adobe Clean"/>
             </a:endParaRPr>
           </a:p>
         </p:txBody>
@@ -11465,16 +9695,16 @@
               </a:spcBef>
             </a:pPr>
             <a:r>
-              <a:rPr lang="en-US" sz="1200" b="1" spc="-25">
+              <a:rPr lang="de-de" sz="1200" b="1" spc="-25" dirty="0">
                 <a:solidFill>
                   <a:srgbClr val="020302"/>
                 </a:solidFill>
                 <a:latin typeface="Adobe Clean"/>
                 <a:cs typeface="Adobe Clean"/>
               </a:rPr>
-              <a:t>Value-added Services for AEM as a Cloud Service</a:t>
-            </a:r>
-            <a:endParaRPr lang="en-US" sz="1200">
+              <a:t>AEM as a Cloud Service 的增值服務</a:t>
+            </a:r>
+            <a:endParaRPr lang="en-US" sz="1200" dirty="0">
               <a:latin typeface="Adobe Clean"/>
               <a:cs typeface="Adobe Clean"/>
             </a:endParaRPr>
@@ -11496,7 +9726,7 @@
         <p:spPr>
           <a:xfrm>
             <a:off x="381000" y="4438394"/>
-            <a:ext cx="1998943" cy="461665"/>
+            <a:ext cx="2119971" cy="276999"/>
           </a:xfrm>
           <a:prstGeom prst="rect">
             <a:avLst/>
@@ -11509,373 +9739,49 @@
           <a:lstStyle/>
           <a:p>
             <a:pPr marL="12700">
-              <a:lnSpc>
-                <a:spcPct val="100000"/>
-              </a:lnSpc>
               <a:spcBef>
                 <a:spcPts val="100"/>
               </a:spcBef>
             </a:pPr>
             <a:r>
-              <a:rPr lang="en-US" sz="1200" b="1" spc="-20">
+              <a:rPr lang="de-de" sz="1200" b="1" spc="-25" dirty="0">
                 <a:solidFill>
                   <a:srgbClr val="020302"/>
                 </a:solidFill>
                 <a:latin typeface="Adobe Clean"/>
-                <a:cs typeface="Adobe Clean"/>
-              </a:rPr>
-              <a:t>G</a:t>
-            </a:r>
-            <a:r>
-              <a:rPr lang="en-US" sz="1200" b="1" spc="-15">
-                <a:solidFill>
-                  <a:srgbClr val="020302"/>
-                </a:solidFill>
-                <a:latin typeface="Adobe Clean"/>
-                <a:cs typeface="Adobe Clean"/>
-              </a:rPr>
-              <a:t>o</a:t>
-            </a:r>
-            <a:r>
-              <a:rPr lang="en-US" sz="1200" b="1" spc="-25">
-                <a:solidFill>
-                  <a:srgbClr val="020302"/>
-                </a:solidFill>
-                <a:latin typeface="Adobe Clean"/>
-                <a:cs typeface="Adobe Clean"/>
-              </a:rPr>
-              <a:t>ve</a:t>
-            </a:r>
-            <a:r>
-              <a:rPr lang="en-US" sz="1200" b="1" spc="-20">
-                <a:solidFill>
-                  <a:srgbClr val="020302"/>
-                </a:solidFill>
-                <a:latin typeface="Adobe Clean"/>
-                <a:cs typeface="Adobe Clean"/>
-              </a:rPr>
-              <a:t>r</a:t>
-            </a:r>
-            <a:r>
-              <a:rPr lang="en-US" sz="1200" b="1" spc="-25">
-                <a:solidFill>
-                  <a:srgbClr val="020302"/>
-                </a:solidFill>
-                <a:latin typeface="Adobe Clean"/>
-                <a:cs typeface="Adobe Clean"/>
-              </a:rPr>
-              <a:t>n</a:t>
-            </a:r>
-            <a:r>
-              <a:rPr lang="en-US" sz="1200" b="1" spc="-20">
-                <a:solidFill>
-                  <a:srgbClr val="020302"/>
-                </a:solidFill>
-                <a:latin typeface="Adobe Clean"/>
-                <a:cs typeface="Adobe Clean"/>
-              </a:rPr>
-              <a:t>a</a:t>
-            </a:r>
-            <a:r>
-              <a:rPr lang="en-US" sz="1200" b="1" spc="-25">
-                <a:solidFill>
-                  <a:srgbClr val="020302"/>
-                </a:solidFill>
-                <a:latin typeface="Adobe Clean"/>
-                <a:cs typeface="Adobe Clean"/>
-              </a:rPr>
-              <a:t>n</a:t>
-            </a:r>
-            <a:r>
-              <a:rPr lang="en-US" sz="1200" b="1" spc="-30">
-                <a:solidFill>
-                  <a:srgbClr val="020302"/>
-                </a:solidFill>
-                <a:latin typeface="Adobe Clean"/>
-                <a:cs typeface="Adobe Clean"/>
-              </a:rPr>
-              <a:t>c</a:t>
-            </a:r>
-            <a:r>
-              <a:rPr lang="en-US" sz="1200" b="1">
-                <a:solidFill>
-                  <a:srgbClr val="020302"/>
-                </a:solidFill>
-                <a:latin typeface="Adobe Clean"/>
-                <a:cs typeface="Adobe Clean"/>
-              </a:rPr>
-              <a:t>e</a:t>
-            </a:r>
-            <a:r>
-              <a:rPr lang="en-US" sz="1200" b="1" spc="-50">
-                <a:solidFill>
-                  <a:srgbClr val="020302"/>
-                </a:solidFill>
-                <a:latin typeface="Adobe Clean"/>
-                <a:cs typeface="Adobe Clean"/>
               </a:rPr>
               <a:t> </a:t>
             </a:r>
             <a:r>
-              <a:rPr lang="en-US" sz="1200" b="1" spc="-25">
+              <a:rPr lang="pt-BR" altLang="zh-TW" sz="1200" b="1" spc="-25" dirty="0">
                 <a:solidFill>
                   <a:srgbClr val="020302"/>
                 </a:solidFill>
                 <a:latin typeface="Adobe Clean"/>
-                <a:cs typeface="Adobe Clean"/>
               </a:rPr>
-              <a:t>f</a:t>
-            </a:r>
-            <a:r>
-              <a:rPr lang="en-US" sz="1200" b="1" spc="-15">
+              <a:t>AEM as a Cloud Service </a:t>
+            </a:r>
+            <a:r>
+              <a:rPr lang="zh-TW" altLang="pt-BR" sz="1200" b="1" spc="-25" dirty="0">
                 <a:solidFill>
                   <a:srgbClr val="020302"/>
                 </a:solidFill>
                 <a:latin typeface="Adobe Clean"/>
-                <a:cs typeface="Adobe Clean"/>
               </a:rPr>
-              <a:t>o</a:t>
-            </a:r>
-            <a:r>
-              <a:rPr lang="en-US" sz="1200" b="1">
-                <a:solidFill>
-                  <a:srgbClr val="020302"/>
-                </a:solidFill>
-                <a:latin typeface="Adobe Clean"/>
-                <a:cs typeface="Adobe Clean"/>
-              </a:rPr>
-              <a:t>r</a:t>
-            </a:r>
-            <a:r>
-              <a:rPr lang="en-US" sz="1200" b="1" spc="-45">
-                <a:solidFill>
-                  <a:srgbClr val="020302"/>
-                </a:solidFill>
-                <a:latin typeface="Adobe Clean"/>
-                <a:cs typeface="Adobe Clean"/>
-              </a:rPr>
-              <a:t> </a:t>
-            </a:r>
-            <a:r>
-              <a:rPr lang="en-US" sz="1200" b="1" spc="-30">
-                <a:solidFill>
-                  <a:srgbClr val="020302"/>
-                </a:solidFill>
-                <a:latin typeface="Adobe Clean"/>
-                <a:cs typeface="Adobe Clean"/>
-              </a:rPr>
-              <a:t>A</a:t>
-            </a:r>
-            <a:r>
-              <a:rPr lang="en-US" sz="1200" b="1" spc="-25">
-                <a:solidFill>
-                  <a:srgbClr val="020302"/>
-                </a:solidFill>
-                <a:latin typeface="Adobe Clean"/>
-                <a:cs typeface="Adobe Clean"/>
-              </a:rPr>
-              <a:t>E</a:t>
-            </a:r>
-            <a:r>
-              <a:rPr lang="en-US" sz="1200" b="1">
-                <a:solidFill>
-                  <a:srgbClr val="020302"/>
-                </a:solidFill>
-                <a:latin typeface="Adobe Clean"/>
-                <a:cs typeface="Adobe Clean"/>
-              </a:rPr>
-              <a:t>M</a:t>
-            </a:r>
-            <a:r>
-              <a:rPr lang="en-US" sz="1200" b="1" spc="-50">
-                <a:solidFill>
-                  <a:srgbClr val="020302"/>
-                </a:solidFill>
-                <a:latin typeface="Adobe Clean"/>
-                <a:cs typeface="Adobe Clean"/>
-              </a:rPr>
-              <a:t> </a:t>
-            </a:r>
-            <a:r>
-              <a:rPr lang="en-US" sz="1200" b="1" spc="-20">
-                <a:solidFill>
-                  <a:srgbClr val="020302"/>
-                </a:solidFill>
-                <a:latin typeface="Adobe Clean"/>
-                <a:cs typeface="Adobe Clean"/>
-              </a:rPr>
-              <a:t>a</a:t>
-            </a:r>
-            <a:r>
-              <a:rPr lang="en-US" sz="1200" b="1">
-                <a:solidFill>
-                  <a:srgbClr val="020302"/>
-                </a:solidFill>
-                <a:latin typeface="Adobe Clean"/>
-                <a:cs typeface="Adobe Clean"/>
-              </a:rPr>
-              <a:t>s</a:t>
-            </a:r>
-            <a:r>
-              <a:rPr lang="en-US" sz="1200" b="1" spc="-45">
-                <a:solidFill>
-                  <a:srgbClr val="020302"/>
-                </a:solidFill>
-                <a:latin typeface="Adobe Clean"/>
-                <a:cs typeface="Adobe Clean"/>
-              </a:rPr>
-              <a:t> </a:t>
-            </a:r>
-            <a:r>
-              <a:rPr lang="en-US" sz="1200" b="1">
-                <a:solidFill>
-                  <a:srgbClr val="020302"/>
-                </a:solidFill>
-                <a:latin typeface="Adobe Clean"/>
-                <a:cs typeface="Adobe Clean"/>
-              </a:rPr>
-              <a:t>a</a:t>
-            </a:r>
-            <a:r>
-              <a:rPr lang="en-US" sz="1200" b="1" spc="-40">
-                <a:solidFill>
-                  <a:srgbClr val="020302"/>
-                </a:solidFill>
-                <a:latin typeface="Adobe Clean"/>
-                <a:cs typeface="Adobe Clean"/>
-              </a:rPr>
-              <a:t> </a:t>
-            </a:r>
-            <a:r>
-              <a:rPr lang="en-US" sz="1200" b="1" spc="-15">
-                <a:solidFill>
-                  <a:srgbClr val="020302"/>
-                </a:solidFill>
-                <a:latin typeface="Adobe Clean"/>
-                <a:cs typeface="Adobe Clean"/>
-              </a:rPr>
-              <a:t>C</a:t>
-            </a:r>
-            <a:r>
-              <a:rPr lang="en-US" sz="1200" b="1" spc="-25">
-                <a:solidFill>
-                  <a:srgbClr val="020302"/>
-                </a:solidFill>
-                <a:latin typeface="Adobe Clean"/>
-                <a:cs typeface="Adobe Clean"/>
-              </a:rPr>
-              <a:t>l</a:t>
-            </a:r>
-            <a:r>
-              <a:rPr lang="en-US" sz="1200" b="1" spc="-15">
-                <a:solidFill>
-                  <a:srgbClr val="020302"/>
-                </a:solidFill>
-                <a:latin typeface="Adobe Clean"/>
-                <a:cs typeface="Adobe Clean"/>
-              </a:rPr>
-              <a:t>ou</a:t>
-            </a:r>
-            <a:r>
-              <a:rPr lang="en-US" sz="1200" b="1">
-                <a:solidFill>
-                  <a:srgbClr val="020302"/>
-                </a:solidFill>
-                <a:latin typeface="Adobe Clean"/>
-                <a:cs typeface="Adobe Clean"/>
-              </a:rPr>
-              <a:t>d</a:t>
-            </a:r>
-            <a:r>
-              <a:rPr lang="en-US" sz="1200" b="1" spc="-50">
-                <a:solidFill>
-                  <a:srgbClr val="020302"/>
-                </a:solidFill>
-                <a:latin typeface="Adobe Clean"/>
-                <a:cs typeface="Adobe Clean"/>
-              </a:rPr>
-              <a:t> </a:t>
-            </a:r>
-            <a:r>
-              <a:rPr lang="en-US" sz="1200" b="1" spc="-20">
-                <a:solidFill>
-                  <a:srgbClr val="020302"/>
-                </a:solidFill>
-                <a:latin typeface="Adobe Clean"/>
-                <a:cs typeface="Adobe Clean"/>
-              </a:rPr>
-              <a:t>S</a:t>
-            </a:r>
-            <a:r>
-              <a:rPr lang="en-US" sz="1200" b="1" spc="-25">
-                <a:solidFill>
-                  <a:srgbClr val="020302"/>
-                </a:solidFill>
-                <a:latin typeface="Adobe Clean"/>
-                <a:cs typeface="Adobe Clean"/>
-              </a:rPr>
-              <a:t>e</a:t>
-            </a:r>
-            <a:r>
-              <a:rPr lang="en-US" sz="1200" b="1" spc="-20">
-                <a:solidFill>
-                  <a:srgbClr val="020302"/>
-                </a:solidFill>
-                <a:latin typeface="Adobe Clean"/>
-                <a:cs typeface="Adobe Clean"/>
-              </a:rPr>
-              <a:t>r</a:t>
-            </a:r>
-            <a:r>
-              <a:rPr lang="en-US" sz="1200" b="1" spc="-25">
-                <a:solidFill>
-                  <a:srgbClr val="020302"/>
-                </a:solidFill>
-                <a:latin typeface="Adobe Clean"/>
-                <a:cs typeface="Adobe Clean"/>
-              </a:rPr>
-              <a:t>v</a:t>
-            </a:r>
-            <a:r>
-              <a:rPr lang="en-US" sz="1200" b="1" spc="-20">
-                <a:solidFill>
-                  <a:srgbClr val="020302"/>
-                </a:solidFill>
-                <a:latin typeface="Adobe Clean"/>
-                <a:cs typeface="Adobe Clean"/>
-              </a:rPr>
-              <a:t>i</a:t>
-            </a:r>
-            <a:r>
-              <a:rPr lang="en-US" sz="1200" b="1" spc="-30">
-                <a:solidFill>
-                  <a:srgbClr val="020302"/>
-                </a:solidFill>
-                <a:latin typeface="Adobe Clean"/>
-                <a:cs typeface="Adobe Clean"/>
-              </a:rPr>
-              <a:t>c</a:t>
-            </a:r>
-            <a:r>
-              <a:rPr lang="en-US" sz="1200" b="1">
-                <a:solidFill>
-                  <a:srgbClr val="020302"/>
-                </a:solidFill>
-                <a:latin typeface="Adobe Clean"/>
-                <a:cs typeface="Adobe Clean"/>
-              </a:rPr>
-              <a:t>e</a:t>
-            </a:r>
-            <a:endParaRPr lang="en-US" sz="1200">
+              <a:t>的控管</a:t>
+            </a:r>
+            <a:endParaRPr lang="en-US" sz="1200" b="1" spc="-25" dirty="0">
+              <a:solidFill>
+                <a:srgbClr val="020302"/>
+              </a:solidFill>
               <a:latin typeface="Adobe Clean"/>
-              <a:cs typeface="Adobe Clean"/>
             </a:endParaRPr>
           </a:p>
         </p:txBody>
       </p:sp>
       <p:pic>
         <p:nvPicPr>
-          <p:cNvPr id="151" name="Graphic 150" descr="Director's Chair outline">
+          <p:cNvPr id="151" name="Graphic 150" descr="Director's Chair 大綱">
             <a:extLst>
               <a:ext uri="{FF2B5EF4-FFF2-40B4-BE49-F238E27FC236}">
                 <a16:creationId xmlns:a16="http://schemas.microsoft.com/office/drawing/2014/main" id="{921858E2-75CF-3B40-8734-4CE41782FC9B}"/>
@@ -11914,7 +9820,7 @@
       </p:pic>
       <p:pic>
         <p:nvPicPr>
-          <p:cNvPr id="153" name="Graphic 152" descr="Rating 3 Star with solid fill">
+          <p:cNvPr id="153" name="Graphic 152" descr="評等 3 個星 (實心)">
             <a:extLst>
               <a:ext uri="{FF2B5EF4-FFF2-40B4-BE49-F238E27FC236}">
                 <a16:creationId xmlns:a16="http://schemas.microsoft.com/office/drawing/2014/main" id="{D5B000DA-4203-6A40-88BA-0E899DF2822C}"/>
@@ -11987,94 +9893,14 @@
               </a:spcBef>
             </a:pPr>
             <a:r>
-              <a:rPr lang="en-US" sz="1200" b="1" spc="-20">
+              <a:rPr lang="de-de" sz="1200" b="1" spc="-20">
                 <a:solidFill>
                   <a:srgbClr val="020302"/>
                 </a:solidFill>
                 <a:latin typeface="Adobe Clean"/>
                 <a:cs typeface="Adobe Clean"/>
               </a:rPr>
-              <a:t>Cas</a:t>
-            </a:r>
-            <a:r>
-              <a:rPr sz="1200" b="1">
-                <a:solidFill>
-                  <a:srgbClr val="020302"/>
-                </a:solidFill>
-                <a:latin typeface="Adobe Clean"/>
-                <a:cs typeface="Adobe Clean"/>
-              </a:rPr>
-              <a:t>e</a:t>
-            </a:r>
-            <a:r>
-              <a:rPr sz="1200" b="1" spc="-80">
-                <a:solidFill>
-                  <a:srgbClr val="020302"/>
-                </a:solidFill>
-                <a:latin typeface="Adobe Clean"/>
-                <a:cs typeface="Adobe Clean"/>
-              </a:rPr>
-              <a:t> </a:t>
-            </a:r>
-            <a:r>
-              <a:rPr sz="1200" b="1" spc="-20">
-                <a:solidFill>
-                  <a:srgbClr val="020302"/>
-                </a:solidFill>
-                <a:latin typeface="Adobe Clean"/>
-                <a:cs typeface="Adobe Clean"/>
-              </a:rPr>
-              <a:t>R</a:t>
-            </a:r>
-            <a:r>
-              <a:rPr sz="1200" b="1" spc="-25">
-                <a:solidFill>
-                  <a:srgbClr val="020302"/>
-                </a:solidFill>
-                <a:latin typeface="Adobe Clean"/>
-                <a:cs typeface="Adobe Clean"/>
-              </a:rPr>
-              <a:t>e</a:t>
-            </a:r>
-            <a:r>
-              <a:rPr sz="1200" b="1" spc="-30">
-                <a:solidFill>
-                  <a:srgbClr val="020302"/>
-                </a:solidFill>
-                <a:latin typeface="Adobe Clean"/>
-                <a:cs typeface="Adobe Clean"/>
-              </a:rPr>
-              <a:t>v</a:t>
-            </a:r>
-            <a:r>
-              <a:rPr sz="1200" b="1" spc="-20">
-                <a:solidFill>
-                  <a:srgbClr val="020302"/>
-                </a:solidFill>
-                <a:latin typeface="Adobe Clean"/>
-                <a:cs typeface="Adobe Clean"/>
-              </a:rPr>
-              <a:t>i</a:t>
-            </a:r>
-            <a:r>
-              <a:rPr sz="1200" b="1" spc="-25">
-                <a:solidFill>
-                  <a:srgbClr val="020302"/>
-                </a:solidFill>
-                <a:latin typeface="Adobe Clean"/>
-                <a:cs typeface="Adobe Clean"/>
-              </a:rPr>
-              <a:t>ew</a:t>
-            </a:r>
-            <a:r>
-              <a:rPr sz="1200" b="1">
-                <a:solidFill>
-                  <a:srgbClr val="020302"/>
-                </a:solidFill>
-                <a:latin typeface="Adobe Clean"/>
-                <a:cs typeface="Adobe Clean"/>
-              </a:rPr>
-              <a:t>s</a:t>
+              <a:t>案件審查</a:t>
             </a:r>
             <a:endParaRPr sz="1200">
               <a:latin typeface="Adobe Clean"/>
@@ -12085,7 +9911,7 @@
       </p:sp>
       <p:pic>
         <p:nvPicPr>
-          <p:cNvPr id="5" name="Graphic 4" descr="Customer review outline">
+          <p:cNvPr id="5" name="Graphic 4" descr="客戶審查大綱">
             <a:extLst>
               <a:ext uri="{FF2B5EF4-FFF2-40B4-BE49-F238E27FC236}">
                 <a16:creationId xmlns:a16="http://schemas.microsoft.com/office/drawing/2014/main" id="{8CCEB8E9-4EDC-FD45-900B-6151B8F604B7}"/>
@@ -12158,13 +9984,13 @@
               </a:spcBef>
             </a:pPr>
             <a:r>
-              <a:rPr lang="en-US" sz="1000">
+              <a:rPr lang="de-de" sz="1000">
                 <a:solidFill>
                   <a:srgbClr val="4B4B4B"/>
                 </a:solidFill>
                 <a:latin typeface="Adobe Clean Light" panose="020B0303020404020204" pitchFamily="34" charset="0"/>
               </a:rPr>
-              <a:t>Regular scheduled review of open support requests, ensuring customer alignment on case description, business impact, status, priority and agreement on next steps required to ensure an expedient resolution.</a:t>
+              <a:t>定期審查未解決的支援請求，以確保客戶在案件描述、業務影響、狀態、優先順序及確保快速解決所需的後續步驟方面都達成一致。</a:t>
             </a:r>
             <a:endParaRPr sz="1000">
               <a:latin typeface="Adobe Clean Light" panose="020B0303020404020204" pitchFamily="34" charset="0"/>
@@ -12209,14 +10035,14 @@
               </a:spcBef>
             </a:pPr>
             <a:r>
-              <a:rPr lang="en-US" sz="1400" b="1" spc="-10">
+              <a:rPr lang="de-de" sz="1400" b="1" spc="-10">
                 <a:solidFill>
                   <a:srgbClr val="020302"/>
                 </a:solidFill>
                 <a:latin typeface="Adobe Clean"/>
                 <a:cs typeface="Adobe Clean"/>
               </a:rPr>
-              <a:t>Cloud Support Activities - AEM</a:t>
+              <a:t>雲端支援活動 - AEM</a:t>
             </a:r>
             <a:endParaRPr lang="en-US" sz="1400">
               <a:latin typeface="Adobe Clean"/>
@@ -12275,7 +10101,7 @@
       </p:sp>
       <p:pic>
         <p:nvPicPr>
-          <p:cNvPr id="9" name="Graphic 8" descr="Syncing cloud outline">
+          <p:cNvPr id="9" name="Graphic 8" descr="同步雲端大綱">
             <a:extLst>
               <a:ext uri="{FF2B5EF4-FFF2-40B4-BE49-F238E27FC236}">
                 <a16:creationId xmlns:a16="http://schemas.microsoft.com/office/drawing/2014/main" id="{ABD4F6D3-5974-B843-8E65-3F7D52C02A1E}"/>
@@ -12314,7 +10140,7 @@
       </p:pic>
       <p:pic>
         <p:nvPicPr>
-          <p:cNvPr id="67" name="Graphic 66" descr="Speaker phone outline">
+          <p:cNvPr id="67" name="Graphic 66" descr="揚聲器大綱">
             <a:extLst>
               <a:ext uri="{FF2B5EF4-FFF2-40B4-BE49-F238E27FC236}">
                 <a16:creationId xmlns:a16="http://schemas.microsoft.com/office/drawing/2014/main" id="{9CF25698-88B0-EB4D-88EB-74AEDE37DB92}"/>
@@ -12353,7 +10179,7 @@
       </p:pic>
       <p:pic>
         <p:nvPicPr>
-          <p:cNvPr id="70" name="Graphic 69" descr="Remote learning language outline">
+          <p:cNvPr id="70" name="Graphic 69" descr="遠端學習語言大綱">
             <a:extLst>
               <a:ext uri="{FF2B5EF4-FFF2-40B4-BE49-F238E27FC236}">
                 <a16:creationId xmlns:a16="http://schemas.microsoft.com/office/drawing/2014/main" id="{AAC2DE22-688A-D04D-BBF0-41B971602471}"/>
@@ -12392,7 +10218,7 @@
       </p:pic>
       <p:pic>
         <p:nvPicPr>
-          <p:cNvPr id="72" name="Graphic 71" descr="Customer review outline">
+          <p:cNvPr id="72" name="Graphic 71" descr="客戶審查大綱">
             <a:extLst>
               <a:ext uri="{FF2B5EF4-FFF2-40B4-BE49-F238E27FC236}">
                 <a16:creationId xmlns:a16="http://schemas.microsoft.com/office/drawing/2014/main" id="{21B3E732-0813-BE43-B793-4BD9034C6B18}"/>
@@ -12431,7 +10257,7 @@
       </p:pic>
       <p:pic>
         <p:nvPicPr>
-          <p:cNvPr id="73" name="Graphic 72" descr="Signpost outline">
+          <p:cNvPr id="73" name="Graphic 72" descr="路標大綱">
             <a:extLst>
               <a:ext uri="{FF2B5EF4-FFF2-40B4-BE49-F238E27FC236}">
                 <a16:creationId xmlns:a16="http://schemas.microsoft.com/office/drawing/2014/main" id="{1F982738-B503-9740-BDCB-05ED93867DE3}"/>
@@ -12470,7 +10296,7 @@
       </p:pic>
       <p:pic>
         <p:nvPicPr>
-          <p:cNvPr id="76" name="Graphic 75" descr="Internet outline">
+          <p:cNvPr id="76" name="Graphic 75" descr="網際網路大綱">
             <a:extLst>
               <a:ext uri="{FF2B5EF4-FFF2-40B4-BE49-F238E27FC236}">
                 <a16:creationId xmlns:a16="http://schemas.microsoft.com/office/drawing/2014/main" id="{F6C8836B-077B-BC4F-9C12-02BE56023684}"/>
@@ -12509,7 +10335,7 @@
       </p:pic>
       <p:pic>
         <p:nvPicPr>
-          <p:cNvPr id="77" name="Graphic 76" descr="Chat bubble outline">
+          <p:cNvPr id="77" name="Graphic 76" descr="聊天泡泡大綱">
             <a:extLst>
               <a:ext uri="{FF2B5EF4-FFF2-40B4-BE49-F238E27FC236}">
                 <a16:creationId xmlns:a16="http://schemas.microsoft.com/office/drawing/2014/main" id="{B6F9981D-CBCE-514B-8F7F-0F0CAFEDBE44}"/>
@@ -12548,7 +10374,7 @@
       </p:pic>
       <p:pic>
         <p:nvPicPr>
-          <p:cNvPr id="78" name="Graphic 77" descr="Playbook outline">
+          <p:cNvPr id="78" name="Graphic 77" descr="Playbook 大綱">
             <a:extLst>
               <a:ext uri="{FF2B5EF4-FFF2-40B4-BE49-F238E27FC236}">
                 <a16:creationId xmlns:a16="http://schemas.microsoft.com/office/drawing/2014/main" id="{C027C0A6-1CBA-8A4F-819C-F6A9FD0038FD}"/>
@@ -12695,6 +10521,133 @@
           </a:p>
         </p:txBody>
       </p:sp>
+      <p:grpSp>
+        <p:nvGrpSpPr>
+          <p:cNvPr id="62" name="object 3">
+            <a:extLst>
+              <a:ext uri="{FF2B5EF4-FFF2-40B4-BE49-F238E27FC236}">
+                <a16:creationId xmlns:a16="http://schemas.microsoft.com/office/drawing/2014/main" id="{C539739D-1D3E-204D-9819-C44D9AE36DE8}"/>
+              </a:ext>
+            </a:extLst>
+          </p:cNvPr>
+          <p:cNvGrpSpPr/>
+          <p:nvPr/>
+        </p:nvGrpSpPr>
+        <p:grpSpPr>
+          <a:xfrm rot="5400000">
+            <a:off x="1134964" y="-868526"/>
+            <a:ext cx="5661921" cy="7931849"/>
+            <a:chOff x="-247019" y="421767"/>
+            <a:chExt cx="3875281" cy="7641336"/>
+          </a:xfrm>
+        </p:grpSpPr>
+        <p:sp>
+          <p:nvSpPr>
+            <p:cNvPr id="63" name="object 4">
+              <a:extLst>
+                <a:ext uri="{FF2B5EF4-FFF2-40B4-BE49-F238E27FC236}">
+                  <a16:creationId xmlns:a16="http://schemas.microsoft.com/office/drawing/2014/main" id="{F41DD51E-EC9C-7B44-BE42-FA9C42B94675}"/>
+                </a:ext>
+              </a:extLst>
+            </p:cNvPr>
+            <p:cNvSpPr/>
+            <p:nvPr/>
+          </p:nvSpPr>
+          <p:spPr>
+            <a:xfrm>
+              <a:off x="3628262" y="576453"/>
+              <a:ext cx="0" cy="7486650"/>
+            </a:xfrm>
+            <a:custGeom>
+              <a:avLst/>
+              <a:gdLst/>
+              <a:ahLst/>
+              <a:cxnLst/>
+              <a:rect l="l" t="t" r="r" b="b"/>
+              <a:pathLst>
+                <a:path h="7486650">
+                  <a:moveTo>
+                    <a:pt x="0" y="0"/>
+                  </a:moveTo>
+                  <a:lnTo>
+                    <a:pt x="0" y="7486408"/>
+                  </a:lnTo>
+                </a:path>
+              </a:pathLst>
+            </a:custGeom>
+            <a:ln w="61722">
+              <a:solidFill>
+                <a:srgbClr val="EAEAEB"/>
+              </a:solidFill>
+            </a:ln>
+          </p:spPr>
+          <p:txBody>
+            <a:bodyPr wrap="square" lIns="0" tIns="0" rIns="0" bIns="0" rtlCol="0"/>
+            <a:lstStyle/>
+            <a:p>
+              <a:endParaRPr/>
+            </a:p>
+          </p:txBody>
+        </p:sp>
+        <p:sp>
+          <p:nvSpPr>
+            <p:cNvPr id="64" name="object 5">
+              <a:extLst>
+                <a:ext uri="{FF2B5EF4-FFF2-40B4-BE49-F238E27FC236}">
+                  <a16:creationId xmlns:a16="http://schemas.microsoft.com/office/drawing/2014/main" id="{6E97A2E1-56BC-2B46-9873-F675D66FF621}"/>
+                </a:ext>
+              </a:extLst>
+            </p:cNvPr>
+            <p:cNvSpPr/>
+            <p:nvPr/>
+          </p:nvSpPr>
+          <p:spPr>
+            <a:xfrm>
+              <a:off x="-247019" y="421767"/>
+              <a:ext cx="3844040" cy="7600950"/>
+            </a:xfrm>
+            <a:custGeom>
+              <a:avLst/>
+              <a:gdLst/>
+              <a:ahLst/>
+              <a:cxnLst/>
+              <a:rect l="l" t="t" r="r" b="b"/>
+              <a:pathLst>
+                <a:path w="3409950" h="7600950">
+                  <a:moveTo>
+                    <a:pt x="0" y="7600569"/>
+                  </a:moveTo>
+                  <a:lnTo>
+                    <a:pt x="3409492" y="7600569"/>
+                  </a:lnTo>
+                  <a:lnTo>
+                    <a:pt x="3409492" y="0"/>
+                  </a:lnTo>
+                  <a:lnTo>
+                    <a:pt x="0" y="0"/>
+                  </a:lnTo>
+                  <a:lnTo>
+                    <a:pt x="0" y="7600569"/>
+                  </a:lnTo>
+                  <a:close/>
+                </a:path>
+              </a:pathLst>
+            </a:custGeom>
+            <a:ln w="12954">
+              <a:solidFill>
+                <a:srgbClr val="EBEBEB"/>
+              </a:solidFill>
+            </a:ln>
+          </p:spPr>
+          <p:txBody>
+            <a:bodyPr wrap="square" lIns="0" tIns="0" rIns="0" bIns="0" rtlCol="0"/>
+            <a:lstStyle/>
+            <a:p>
+              <a:endParaRPr/>
+            </a:p>
+          </p:txBody>
+        </p:sp>
+      </p:grpSp>
     </p:spTree>
     <p:extLst>
       <p:ext uri="{BB962C8B-B14F-4D97-AF65-F5344CB8AC3E}">
@@ -12973,37 +10926,27 @@
               </a:lnSpc>
             </a:pPr>
             <a:r>
-              <a:rPr sz="800" spc="-10">
+              <a:rPr lang="de-de" sz="800" spc="-10">
                 <a:solidFill>
                   <a:srgbClr val="6D6D6D"/>
                 </a:solidFill>
                 <a:latin typeface="Adobe Clean"/>
                 <a:cs typeface="Adobe Clean"/>
               </a:rPr>
-              <a:t>©202</a:t>
-            </a:r>
-            <a:r>
-              <a:rPr lang="en-US" sz="800" spc="-10">
+              <a:t>©2021</a:t>
+            </a:r>
+            <a:r>
+              <a:rPr lang="de-de" sz="800" spc="-5">
                 <a:solidFill>
                   <a:srgbClr val="6D6D6D"/>
                 </a:solidFill>
                 <a:latin typeface="Adobe Clean"/>
                 <a:cs typeface="Adobe Clean"/>
               </a:rPr>
-              <a:t>1</a:t>
-            </a:r>
-            <a:r>
-              <a:rPr sz="800" spc="-5">
-                <a:solidFill>
-                  <a:srgbClr val="6D6D6D"/>
-                </a:solidFill>
-                <a:latin typeface="Adobe Clean"/>
-                <a:cs typeface="Adobe Clean"/>
-              </a:rPr>
-              <a:t> Adobe. All</a:t>
-            </a:r>
-            <a:r>
-              <a:rPr sz="800" spc="-15">
+              <a:t> Adobe。All</a:t>
+            </a:r>
+            <a:r>
+              <a:rPr lang="de-de" sz="800" spc="-15">
                 <a:solidFill>
                   <a:srgbClr val="6D6D6D"/>
                 </a:solidFill>
@@ -13013,7 +10956,7 @@
               <a:t> </a:t>
             </a:r>
             <a:r>
-              <a:rPr sz="800" spc="-10">
+              <a:rPr lang="de-de" sz="800" spc="-10">
                 <a:solidFill>
                   <a:srgbClr val="6D6D6D"/>
                 </a:solidFill>
@@ -13023,7 +10966,7 @@
               <a:t>Rights</a:t>
             </a:r>
             <a:r>
-              <a:rPr sz="800" spc="-5">
+              <a:rPr lang="de-de" sz="800" spc="-5">
                 <a:solidFill>
                   <a:srgbClr val="6D6D6D"/>
                 </a:solidFill>
@@ -13033,27 +10976,27 @@
               <a:t> </a:t>
             </a:r>
             <a:r>
-              <a:rPr sz="800" spc="-10">
+              <a:rPr lang="de-de" sz="800" spc="-10">
                 <a:solidFill>
                   <a:srgbClr val="6D6D6D"/>
                 </a:solidFill>
                 <a:latin typeface="Adobe Clean"/>
                 <a:cs typeface="Adobe Clean"/>
               </a:rPr>
-              <a:t>Reserved.</a:t>
-            </a:r>
-            <a:r>
-              <a:rPr sz="800" spc="-5">
+              <a:t>Reserved。</a:t>
+            </a:r>
+            <a:r>
+              <a:rPr lang="de-de" sz="800" spc="-5">
                 <a:solidFill>
                   <a:srgbClr val="6D6D6D"/>
                 </a:solidFill>
                 <a:latin typeface="Adobe Clean"/>
                 <a:cs typeface="Adobe Clean"/>
               </a:rPr>
-              <a:t> Adobe</a:t>
-            </a:r>
-            <a:r>
-              <a:rPr sz="800" spc="75">
+              <a:t>Adobe</a:t>
+            </a:r>
+            <a:r>
+              <a:rPr lang="de-de" sz="800" spc="75">
                 <a:solidFill>
                   <a:srgbClr val="6D6D6D"/>
                 </a:solidFill>
@@ -13063,14 +11006,14 @@
               <a:t> </a:t>
             </a:r>
             <a:r>
-              <a:rPr sz="800" spc="-10">
+              <a:rPr lang="de-de" sz="800" spc="-10">
                 <a:solidFill>
                   <a:srgbClr val="6D6D6D"/>
                 </a:solidFill>
                 <a:latin typeface="Adobe Clean"/>
                 <a:cs typeface="Adobe Clean"/>
               </a:rPr>
-              <a:t>Confidential.</a:t>
+              <a:t>機密資訊。</a:t>
             </a:r>
             <a:endParaRPr sz="800">
               <a:latin typeface="Adobe Clean"/>
@@ -13129,7 +11072,7 @@
         </p:nvSpPr>
         <p:spPr>
           <a:xfrm>
-            <a:off x="4843270" y="589788"/>
+            <a:off x="4440314" y="589788"/>
             <a:ext cx="2588260" cy="228268"/>
           </a:xfrm>
           <a:prstGeom prst="rect">
@@ -13137,58 +11080,31 @@
           </a:prstGeom>
         </p:spPr>
         <p:txBody>
-          <a:bodyPr vert="horz" wrap="square" lIns="0" tIns="12700" rIns="0" bIns="0" rtlCol="0" anchor="t">
+          <a:bodyPr vert="horz" wrap="square" lIns="0" tIns="12700" rIns="0" bIns="0" rtlCol="0">
             <a:spAutoFit/>
           </a:bodyPr>
           <a:lstStyle/>
           <a:p>
-            <a:pPr marL="12700">
+            <a:pPr marL="12700" algn="ctr">
+              <a:lnSpc>
+                <a:spcPct val="100000"/>
+              </a:lnSpc>
               <a:spcBef>
                 <a:spcPts val="100"/>
               </a:spcBef>
             </a:pPr>
             <a:r>
-              <a:rPr sz="1400" b="1" spc="-25" dirty="0">
+              <a:rPr lang="de-de" sz="1400" b="1" spc="-25" dirty="0" err="1">
                 <a:solidFill>
                   <a:srgbClr val="020302"/>
                 </a:solidFill>
                 <a:latin typeface="Adobe Clean"/>
                 <a:cs typeface="Adobe Clean"/>
               </a:rPr>
-              <a:t>Fi</a:t>
-            </a:r>
-            <a:r>
-              <a:rPr sz="1400" b="1" spc="-30" dirty="0">
-                <a:solidFill>
-                  <a:srgbClr val="020302"/>
-                </a:solidFill>
-                <a:latin typeface="Adobe Clean"/>
-                <a:cs typeface="Adobe Clean"/>
-              </a:rPr>
-              <a:t>e</a:t>
-            </a:r>
-            <a:r>
-              <a:rPr sz="1400" b="1" spc="-25" dirty="0">
-                <a:solidFill>
-                  <a:srgbClr val="020302"/>
-                </a:solidFill>
-                <a:latin typeface="Adobe Clean"/>
-                <a:cs typeface="Adobe Clean"/>
-              </a:rPr>
-              <a:t>l</a:t>
-            </a:r>
-            <a:r>
-              <a:rPr sz="1400" b="1" dirty="0">
-                <a:solidFill>
-                  <a:srgbClr val="020302"/>
-                </a:solidFill>
-                <a:latin typeface="Adobe Clean"/>
-                <a:cs typeface="Adobe Clean"/>
-              </a:rPr>
-              <a:t>d</a:t>
-            </a:r>
-            <a:r>
-              <a:rPr sz="1400" b="1" spc="-45" dirty="0">
+              <a:t>現場服務活動</a:t>
+            </a:r>
+            <a:r>
+              <a:rPr lang="de-de" sz="1400" b="1" spc="-190" dirty="0">
                 <a:solidFill>
                   <a:srgbClr val="020302"/>
                 </a:solidFill>
@@ -13196,126 +11112,6 @@
                 <a:cs typeface="Adobe Clean"/>
               </a:rPr>
               <a:t> </a:t>
-            </a:r>
-            <a:r>
-              <a:rPr sz="1400" b="1" spc="20" dirty="0">
-                <a:solidFill>
-                  <a:srgbClr val="020302"/>
-                </a:solidFill>
-                <a:latin typeface="Adobe Clean"/>
-                <a:cs typeface="Adobe Clean"/>
-              </a:rPr>
-              <a:t>S</a:t>
-            </a:r>
-            <a:r>
-              <a:rPr sz="1400" b="1" spc="10" dirty="0">
-                <a:solidFill>
-                  <a:srgbClr val="020302"/>
-                </a:solidFill>
-                <a:latin typeface="Adobe Clean"/>
-                <a:cs typeface="Adobe Clean"/>
-              </a:rPr>
-              <a:t>e</a:t>
-            </a:r>
-            <a:r>
-              <a:rPr sz="1400" b="1" spc="15" dirty="0">
-                <a:solidFill>
-                  <a:srgbClr val="020302"/>
-                </a:solidFill>
-                <a:latin typeface="Adobe Clean"/>
-                <a:cs typeface="Adobe Clean"/>
-              </a:rPr>
-              <a:t>rvi</a:t>
-            </a:r>
-            <a:r>
-              <a:rPr sz="1400" b="1" spc="10" dirty="0">
-                <a:solidFill>
-                  <a:srgbClr val="020302"/>
-                </a:solidFill>
-                <a:latin typeface="Adobe Clean"/>
-                <a:cs typeface="Adobe Clean"/>
-              </a:rPr>
-              <a:t>c</a:t>
-            </a:r>
-            <a:r>
-              <a:rPr sz="1400" b="1" dirty="0">
-                <a:solidFill>
-                  <a:srgbClr val="020302"/>
-                </a:solidFill>
-                <a:latin typeface="Adobe Clean"/>
-                <a:cs typeface="Adobe Clean"/>
-              </a:rPr>
-              <a:t>e</a:t>
-            </a:r>
-            <a:r>
-              <a:rPr lang="en-US" sz="1400" b="1" dirty="0">
-                <a:solidFill>
-                  <a:srgbClr val="020302"/>
-                </a:solidFill>
-                <a:latin typeface="Adobe Clean"/>
-                <a:cs typeface="Adobe Clean"/>
-              </a:rPr>
-              <a:t> </a:t>
-            </a:r>
-            <a:r>
-              <a:rPr sz="1400" b="1" spc="5" dirty="0">
-                <a:solidFill>
-                  <a:srgbClr val="020302"/>
-                </a:solidFill>
-                <a:latin typeface="Adobe Clean"/>
-                <a:cs typeface="Adobe Clean"/>
-              </a:rPr>
-              <a:t>A</a:t>
-            </a:r>
-            <a:r>
-              <a:rPr sz="1400" b="1" dirty="0">
-                <a:solidFill>
-                  <a:srgbClr val="020302"/>
-                </a:solidFill>
-                <a:latin typeface="Adobe Clean"/>
-                <a:cs typeface="Adobe Clean"/>
-              </a:rPr>
-              <a:t>ct</a:t>
-            </a:r>
-            <a:r>
-              <a:rPr sz="1400" b="1" spc="5" dirty="0">
-                <a:solidFill>
-                  <a:srgbClr val="020302"/>
-                </a:solidFill>
-                <a:latin typeface="Adobe Clean"/>
-                <a:cs typeface="Adobe Clean"/>
-              </a:rPr>
-              <a:t>ivi</a:t>
-            </a:r>
-            <a:r>
-              <a:rPr sz="1400" b="1" dirty="0">
-                <a:solidFill>
-                  <a:srgbClr val="020302"/>
-                </a:solidFill>
-                <a:latin typeface="Adobe Clean"/>
-                <a:cs typeface="Adobe Clean"/>
-              </a:rPr>
-              <a:t>t</a:t>
-            </a:r>
-            <a:r>
-              <a:rPr sz="1400" b="1" spc="5" dirty="0">
-                <a:solidFill>
-                  <a:srgbClr val="020302"/>
-                </a:solidFill>
-                <a:latin typeface="Adobe Clean"/>
-                <a:cs typeface="Adobe Clean"/>
-              </a:rPr>
-              <a:t>i</a:t>
-            </a:r>
-            <a:r>
-              <a:rPr sz="1400" b="1" dirty="0">
-                <a:solidFill>
-                  <a:srgbClr val="020302"/>
-                </a:solidFill>
-                <a:latin typeface="Adobe Clean"/>
-                <a:cs typeface="Adobe Clean"/>
-              </a:rPr>
-              <a:t>es</a:t>
             </a:r>
             <a:endParaRPr sz="1400" dirty="0">
               <a:latin typeface="Adobe Clean"/>
@@ -13332,7 +11128,7 @@
         </p:nvSpPr>
         <p:spPr>
           <a:xfrm>
-            <a:off x="914399" y="589788"/>
+            <a:off x="588933" y="589788"/>
             <a:ext cx="1937004" cy="228268"/>
           </a:xfrm>
           <a:prstGeom prst="rect">
@@ -13345,7 +11141,7 @@
           </a:bodyPr>
           <a:lstStyle/>
           <a:p>
-            <a:pPr marL="12700">
+            <a:pPr marL="12700" algn="ctr">
               <a:lnSpc>
                 <a:spcPct val="100000"/>
               </a:lnSpc>
@@ -13354,96 +11150,16 @@
               </a:spcBef>
             </a:pPr>
             <a:r>
-              <a:rPr sz="1400" b="1" spc="-20">
+              <a:rPr lang="de-de" sz="1400" b="1" spc="-20" dirty="0" err="1">
                 <a:solidFill>
                   <a:srgbClr val="020302"/>
                 </a:solidFill>
                 <a:latin typeface="Adobe Clean"/>
                 <a:cs typeface="Adobe Clean"/>
               </a:rPr>
-              <a:t>L</a:t>
-            </a:r>
-            <a:r>
-              <a:rPr sz="1400" b="1" spc="-10">
-                <a:solidFill>
-                  <a:srgbClr val="020302"/>
-                </a:solidFill>
-                <a:latin typeface="Adobe Clean"/>
-                <a:cs typeface="Adobe Clean"/>
-              </a:rPr>
-              <a:t>a</a:t>
-            </a:r>
-            <a:r>
-              <a:rPr sz="1400" b="1" spc="-15">
-                <a:solidFill>
-                  <a:srgbClr val="020302"/>
-                </a:solidFill>
-                <a:latin typeface="Adobe Clean"/>
-                <a:cs typeface="Adobe Clean"/>
-              </a:rPr>
-              <a:t>un</a:t>
-            </a:r>
-            <a:r>
-              <a:rPr sz="1400" b="1" spc="-20">
-                <a:solidFill>
-                  <a:srgbClr val="020302"/>
-                </a:solidFill>
-                <a:latin typeface="Adobe Clean"/>
-                <a:cs typeface="Adobe Clean"/>
-              </a:rPr>
-              <a:t>c</a:t>
-            </a:r>
-            <a:r>
-              <a:rPr sz="1400" b="1">
-                <a:solidFill>
-                  <a:srgbClr val="020302"/>
-                </a:solidFill>
-                <a:latin typeface="Adobe Clean"/>
-                <a:cs typeface="Adobe Clean"/>
-              </a:rPr>
-              <a:t>h</a:t>
-            </a:r>
-            <a:r>
-              <a:rPr sz="1400" b="1" spc="-30">
-                <a:solidFill>
-                  <a:srgbClr val="020302"/>
-                </a:solidFill>
-                <a:latin typeface="Adobe Clean"/>
-                <a:cs typeface="Adobe Clean"/>
-              </a:rPr>
-              <a:t> </a:t>
-            </a:r>
-            <a:r>
-              <a:rPr sz="1400" b="1" spc="-10">
-                <a:solidFill>
-                  <a:srgbClr val="020302"/>
-                </a:solidFill>
-                <a:latin typeface="Adobe Clean"/>
-                <a:cs typeface="Adobe Clean"/>
-              </a:rPr>
-              <a:t>Advisor</a:t>
-            </a:r>
-            <a:r>
-              <a:rPr sz="1400" b="1">
-                <a:solidFill>
-                  <a:srgbClr val="020302"/>
-                </a:solidFill>
-                <a:latin typeface="Adobe Clean"/>
-                <a:cs typeface="Adobe Clean"/>
-              </a:rPr>
-              <a:t>y</a:t>
-            </a:r>
-            <a:r>
-              <a:rPr sz="1400" b="1" spc="-60">
-                <a:solidFill>
-                  <a:srgbClr val="020302"/>
-                </a:solidFill>
-                <a:latin typeface="Adobe Clean"/>
-                <a:cs typeface="Adobe Clean"/>
-              </a:rPr>
-              <a:t> </a:t>
-            </a:r>
-            <a:endParaRPr sz="1400">
+              <a:t>上市諮詢</a:t>
+            </a:r>
+            <a:endParaRPr sz="1400" dirty="0">
               <a:latin typeface="Adobe Clean"/>
               <a:cs typeface="Adobe Clean"/>
             </a:endParaRPr>
@@ -13477,108 +11193,36 @@
               </a:spcBef>
             </a:pPr>
             <a:r>
-              <a:rPr lang="en-US" sz="1000">
+              <a:rPr lang="de-de" sz="1000">
                 <a:solidFill>
                   <a:srgbClr val="1F1F1F"/>
                 </a:solidFill>
                 <a:latin typeface="AdobeClean-Light"/>
                 <a:cs typeface="AdobeClean-Light"/>
               </a:rPr>
-              <a:t>For customers </a:t>
-            </a:r>
-            <a:r>
-              <a:rPr sz="1000">
-                <a:solidFill>
-                  <a:srgbClr val="1F1F1F"/>
-                </a:solidFill>
-                <a:latin typeface="AdobeClean-Light"/>
-                <a:cs typeface="AdobeClean-Light"/>
-              </a:rPr>
-              <a:t>implementing a </a:t>
-            </a:r>
-            <a:r>
-              <a:rPr sz="1000" b="1">
+              <a:t>對於正在實作新的</a:t>
+            </a:r>
+            <a:r>
+              <a:rPr lang="de-de" sz="1000" b="1">
                 <a:solidFill>
                   <a:srgbClr val="1F1F1F"/>
                 </a:solidFill>
                 <a:latin typeface="Adobe Clean"/>
                 <a:cs typeface="Adobe Clean"/>
               </a:rPr>
-              <a:t>new Adobe Experience Cloud solution</a:t>
-            </a:r>
-            <a:r>
-              <a:rPr lang="en-US" sz="1000" b="1">
-                <a:solidFill>
-                  <a:srgbClr val="1F1F1F"/>
-                </a:solidFill>
-                <a:latin typeface="Adobe Clean"/>
-                <a:cs typeface="Adobe Clean"/>
-              </a:rPr>
-              <a:t>, </a:t>
-            </a:r>
-            <a:r>
-              <a:rPr lang="en-US" sz="1000">
-                <a:latin typeface="Adobe Clean Light" charset="0"/>
-                <a:ea typeface="Adobe Clean Light" charset="0"/>
-                <a:cs typeface="Adobe Clean Light" charset="0"/>
-              </a:rPr>
-              <a:t>Launch Advisory </a:t>
-            </a:r>
-            <a:r>
-              <a:rPr lang="en-US" sz="1000">
-                <a:solidFill>
-                  <a:srgbClr val="000000"/>
-                </a:solidFill>
-                <a:latin typeface="Adobe Clean SemiLight" panose="020B0403020404020204" pitchFamily="34" charset="0"/>
-              </a:rPr>
-              <a:t>is a </a:t>
-            </a:r>
-            <a:r>
-              <a:rPr lang="en-US" sz="1000" b="1">
-                <a:solidFill>
-                  <a:srgbClr val="000000"/>
-                </a:solidFill>
-                <a:latin typeface="Adobe Clean SemiLight" panose="020B0403020404020204" pitchFamily="34" charset="0"/>
-              </a:rPr>
-              <a:t>core set of advisory services </a:t>
-            </a:r>
-            <a:r>
-              <a:rPr lang="en-US" sz="1000">
-                <a:latin typeface="Adobe Clean Light" charset="0"/>
-                <a:ea typeface="Adobe Clean Light" charset="0"/>
-                <a:cs typeface="Adobe Clean Light" charset="0"/>
-              </a:rPr>
-              <a:t>and recommendations that </a:t>
-            </a:r>
-            <a:r>
-              <a:rPr lang="en-US" sz="1000">
+              <a:t> Adobe Experience Cloud 解決方案的客戶，</a:t>
+            </a:r>
+            <a:r>
+              <a:rPr lang="de-de" sz="1000" b="1">
                 <a:latin typeface="Adobe Clean Light" charset="0"/>
               </a:rPr>
-              <a:t>are proven to </a:t>
-            </a:r>
-            <a:r>
-              <a:rPr lang="en-US" sz="1000" b="1">
+              <a:t>上市諮詢服務是一組核心諮詢服務與建議，這些服務與建議已被證明可支援成功部署及加快實現價值</a:t>
+            </a:r>
+            <a:r>
+              <a:rPr lang="de-de" sz="1000">
                 <a:latin typeface="Adobe Clean Light" charset="0"/>
               </a:rPr>
-              <a:t>support successful deployments </a:t>
-            </a:r>
-            <a:r>
-              <a:rPr lang="en-US" sz="1000">
-                <a:latin typeface="Adobe Clean Light" charset="0"/>
-              </a:rPr>
-              <a:t>and </a:t>
-            </a:r>
-            <a:r>
-              <a:rPr lang="en-US" sz="1000" b="1">
-                <a:latin typeface="Adobe Clean Light" charset="0"/>
-              </a:rPr>
-              <a:t>accelerate time-to-value</a:t>
-            </a:r>
-            <a:r>
-              <a:rPr lang="en-US" sz="1000">
-                <a:latin typeface="Adobe Clean Light" charset="0"/>
-              </a:rPr>
-              <a:t>.</a:t>
+              <a:t>。</a:t>
             </a:r>
           </a:p>
         </p:txBody>
@@ -13637,67 +11281,58 @@
               </a:spcBef>
             </a:pPr>
             <a:r>
-              <a:rPr lang="en-US" sz="1000">
+              <a:rPr lang="de-de" sz="1000">
                 <a:solidFill>
                   <a:srgbClr val="4B4B4B"/>
                 </a:solidFill>
                 <a:latin typeface="Adobe Clean Light" panose="020B0303020404020204" pitchFamily="34" charset="0"/>
               </a:rPr>
-              <a:t>Field Services are used for </a:t>
-            </a:r>
-            <a:r>
-              <a:rPr lang="en-US" sz="1000" b="1">
+              <a:t>現場服務是用於</a:t>
+            </a:r>
+            <a:r>
+              <a:rPr lang="de-de" sz="1000" b="1">
                 <a:solidFill>
                   <a:srgbClr val="4B4B4B"/>
                 </a:solidFill>
                 <a:latin typeface="Adobe Clean" panose="020B0503020404020204" pitchFamily="34" charset="0"/>
               </a:rPr>
-              <a:t>quick resolution</a:t>
-            </a:r>
-            <a:r>
-              <a:rPr lang="en-US" sz="1000">
+              <a:t>快速解決問題</a:t>
+            </a:r>
+            <a:r>
+              <a:rPr lang="de-de" sz="1000">
                 <a:solidFill>
                   <a:srgbClr val="4B4B4B"/>
                 </a:solidFill>
                 <a:latin typeface="Adobe Clean Light" panose="020B0303020404020204" pitchFamily="34" charset="0"/>
               </a:rPr>
-              <a:t>, focused customer success and accelerated</a:t>
-            </a:r>
-            <a:r>
-              <a:rPr lang="en-US" sz="1000" b="1">
+              <a:t>，聚焦於客戶成功及加快</a:t>
+            </a:r>
+            <a:r>
+              <a:rPr lang="de-de" sz="1000" b="1">
                 <a:solidFill>
                   <a:srgbClr val="4B4B4B"/>
                 </a:solidFill>
                 <a:latin typeface="Adobe Clean" panose="020B0503020404020204" pitchFamily="34" charset="0"/>
               </a:rPr>
-              <a:t> time-to-value</a:t>
-            </a:r>
-            <a:r>
-              <a:rPr lang="en-US" sz="1000">
+              <a:t>價值實現</a:t>
+            </a:r>
+            <a:r>
+              <a:rPr lang="de-de" sz="1000">
                 <a:solidFill>
                   <a:srgbClr val="4B4B4B"/>
                 </a:solidFill>
                 <a:latin typeface="Adobe Clean Light" panose="020B0303020404020204" pitchFamily="34" charset="0"/>
               </a:rPr>
-              <a:t>. If Launch advisory is active there will be </a:t>
-            </a:r>
-            <a:r>
-              <a:rPr lang="en-US" sz="1000" b="1">
+              <a:t>。對於 Adobe 支援合約涵蓋的任何解決方案產品而言，</a:t>
+            </a:r>
+            <a:r>
+              <a:rPr lang="de-de" sz="1000" b="1">
                 <a:solidFill>
                   <a:srgbClr val="4B4B4B"/>
                 </a:solidFill>
                 <a:latin typeface="Adobe Clean" panose="020B0503020404020204" pitchFamily="34" charset="0"/>
               </a:rPr>
-              <a:t>no Field Services in year 1 </a:t>
-            </a:r>
-            <a:r>
-              <a:rPr lang="en-US" sz="1000">
-                <a:solidFill>
-                  <a:srgbClr val="4B4B4B"/>
-                </a:solidFill>
-                <a:latin typeface="Adobe Clean Light" panose="020B0303020404020204" pitchFamily="34" charset="0"/>
-              </a:rPr>
-              <a:t>for any solution product covered by an Adobe Support contract. </a:t>
+              <a:t>如果上市諮詢服務作用中，第 1 年將不會有現場服務。</a:t>
             </a:r>
             <a:endParaRPr lang="en-US" sz="1000">
               <a:solidFill>
@@ -13900,37 +11535,52 @@
               </a:spcBef>
             </a:pPr>
             <a:r>
-              <a:rPr lang="en-US" sz="1000">
+              <a:rPr lang="de-de" sz="1000" dirty="0">
                 <a:latin typeface="Adobe Clean Light" charset="0"/>
               </a:rPr>
-              <a:t>Adobe solution experts help validate requirements, architecture, development process, and launch readiness reviews </a:t>
-            </a:r>
-            <a:r>
-              <a:rPr lang="en-US" sz="1000">
+              <a:t>Adobe </a:t>
+            </a:r>
+            <a:r>
+              <a:rPr lang="de-de" sz="1000" dirty="0" err="1">
+                <a:latin typeface="Adobe Clean Light" charset="0"/>
+              </a:rPr>
+              <a:t>解決方案專家可向客戶</a:t>
+            </a:r>
+            <a:r>
+              <a:rPr lang="de-de" sz="1000" dirty="0" err="1">
                 <a:solidFill>
                   <a:srgbClr val="000000"/>
                 </a:solidFill>
                 <a:latin typeface="Adobe Clean SemiLight" panose="020B0403020404020204" pitchFamily="34" charset="0"/>
               </a:rPr>
-              <a:t>with </a:t>
-            </a:r>
-            <a:r>
-              <a:rPr lang="en-US" sz="1000" b="1">
+              <a:t>和實作</a:t>
+            </a:r>
+            <a:r>
+              <a:rPr lang="de-de" sz="1000" b="1" dirty="0" err="1">
                 <a:solidFill>
                   <a:srgbClr val="000000"/>
                 </a:solidFill>
                 <a:latin typeface="Adobe Clean SemiLight" panose="020B0403020404020204" pitchFamily="34" charset="0"/>
               </a:rPr>
-              <a:t>best practice-based guidance </a:t>
-            </a:r>
-            <a:r>
-              <a:rPr lang="en-US" sz="1000">
+              <a:t>合作夥伴</a:t>
+            </a:r>
+            <a:r>
+              <a:rPr lang="de-de" sz="1000" dirty="0" err="1">
                 <a:solidFill>
                   <a:srgbClr val="000000"/>
                 </a:solidFill>
                 <a:latin typeface="Adobe Clean SemiLight" panose="020B0403020404020204" pitchFamily="34" charset="0"/>
               </a:rPr>
-              <a:t>to customers and implementation partners.</a:t>
+              <a:t>提供以最佳實務為根據的指引，以協助驗證需求、架構、開發流程和上市整備情況審查</a:t>
+            </a:r>
+            <a:r>
+              <a:rPr lang="de-de" sz="1000" dirty="0">
+                <a:solidFill>
+                  <a:srgbClr val="000000"/>
+                </a:solidFill>
+                <a:latin typeface="Adobe Clean SemiLight" panose="020B0403020404020204" pitchFamily="34" charset="0"/>
+              </a:rPr>
+              <a:t>。</a:t>
             </a:r>
           </a:p>
           <a:p>
@@ -13939,7 +11589,7 @@
                 <a:spcPts val="100"/>
               </a:spcBef>
             </a:pPr>
-            <a:endParaRPr lang="en-US" sz="1000">
+            <a:endParaRPr lang="en-US" sz="1000" dirty="0">
               <a:solidFill>
                 <a:srgbClr val="1F1F1F"/>
               </a:solidFill>
@@ -13954,22 +11604,40 @@
               </a:spcBef>
             </a:pPr>
             <a:r>
-              <a:rPr lang="en-US" sz="1000">
+              <a:rPr lang="de-de" sz="1000" dirty="0" err="1">
                 <a:latin typeface="Adobe Clean Light" charset="0"/>
               </a:rPr>
-              <a:t>Launch Advisory will align with your project schedule through common milestones (</a:t>
-            </a:r>
-            <a:r>
-              <a:rPr lang="en-US" sz="1000" b="1">
+              <a:t>上市諮詢服務將透過常見的里程碑</a:t>
+            </a:r>
+            <a:r>
+              <a:rPr lang="de-de" sz="1000" dirty="0">
                 <a:latin typeface="Adobe Clean Light" charset="0"/>
               </a:rPr>
-              <a:t>Kickoff, Define, Design, Go-live and Post Launch</a:t>
-            </a:r>
-            <a:r>
-              <a:rPr lang="en-US" sz="1000">
+              <a:t> (</a:t>
+            </a:r>
+            <a:r>
+              <a:rPr lang="de-de" sz="1000" b="1" dirty="0" err="1">
                 <a:latin typeface="Adobe Clean Light" charset="0"/>
               </a:rPr>
-              <a:t>) to guide, validate, assess and make recommendations.</a:t>
+              <a:t>開展、定義、設計、上線和上市後</a:t>
+            </a:r>
+            <a:r>
+              <a:rPr lang="de-de" sz="1000" dirty="0">
+                <a:latin typeface="Adobe Clean Light" charset="0"/>
+              </a:rPr>
+              <a:t>) </a:t>
+            </a:r>
+            <a:r>
+              <a:rPr lang="de-de" sz="1000" dirty="0" err="1">
+                <a:latin typeface="Adobe Clean Light" charset="0"/>
+              </a:rPr>
+              <a:t>與您的專案時間表保持一致，以便指導、驗證、評估及提出建議</a:t>
+            </a:r>
+            <a:r>
+              <a:rPr lang="de-de" sz="1000" dirty="0">
+                <a:latin typeface="Adobe Clean Light" charset="0"/>
+              </a:rPr>
+              <a:t>。</a:t>
             </a:r>
           </a:p>
           <a:p>
@@ -13978,7 +11646,7 @@
                 <a:spcPts val="100"/>
               </a:spcBef>
             </a:pPr>
-            <a:endParaRPr lang="en-US" sz="1000">
+            <a:endParaRPr lang="en-US" sz="1000" dirty="0">
               <a:latin typeface="Adobe Clean Light" charset="0"/>
             </a:endParaRPr>
           </a:p>
@@ -13989,10 +11657,16 @@
               </a:spcBef>
             </a:pPr>
             <a:r>
-              <a:rPr lang="en-US" sz="1000">
+              <a:rPr lang="de-de" sz="1000" dirty="0" err="1">
                 <a:latin typeface="Adobe Clean Light" charset="0"/>
               </a:rPr>
-              <a:t>Key Deliverables include:</a:t>
+              <a:t>主要交付成果包括</a:t>
+            </a:r>
+            <a:r>
+              <a:rPr lang="de-de" sz="1000" dirty="0">
+                <a:latin typeface="Adobe Clean Light" charset="0"/>
+              </a:rPr>
+              <a:t>：</a:t>
             </a:r>
           </a:p>
           <a:p>
@@ -14004,9 +11678,26 @@
               <a:buChar char="•"/>
             </a:pPr>
             <a:r>
-              <a:rPr lang="en-US" sz="1000"/>
-              <a:t>Kickoff (including project collaboration plan) deck</a:t>
-            </a:r>
+              <a:rPr lang="de-de" sz="1000" dirty="0" err="1"/>
+              <a:t>專案啟動</a:t>
+            </a:r>
+            <a:r>
+              <a:rPr lang="de-de" sz="1000" dirty="0"/>
+              <a:t> (</a:t>
+            </a:r>
+            <a:r>
+              <a:rPr lang="de-de" sz="1000" dirty="0" err="1"/>
+              <a:t>包括專案共同作業計劃</a:t>
+            </a:r>
+            <a:r>
+              <a:rPr lang="de-de" sz="1000" dirty="0"/>
+              <a:t>) </a:t>
+            </a:r>
+            <a:r>
+              <a:rPr lang="de-de" sz="1000" dirty="0" err="1"/>
+              <a:t>投影片組</a:t>
+            </a:r>
+            <a:endParaRPr lang="de-de" sz="1000" dirty="0"/>
           </a:p>
           <a:p>
             <a:pPr marL="184150" marR="5080" indent="-171450">
@@ -14017,8 +11708,8 @@
               <a:buChar char="•"/>
             </a:pPr>
             <a:r>
-              <a:rPr lang="en-US" sz="1000"/>
-              <a:t>Assessment &amp; recommendations document(s)</a:t>
+              <a:rPr lang="de-de" sz="1000"/>
+              <a:t>評估與建議文件</a:t>
             </a:r>
           </a:p>
           <a:p>
@@ -14030,9 +11721,10 @@
               <a:buChar char="•"/>
             </a:pPr>
             <a:r>
-              <a:rPr lang="en-US" sz="1000"/>
-              <a:t>Engagement summary</a:t>
-            </a:r>
+              <a:rPr lang="de-de" sz="1000" dirty="0" err="1"/>
+              <a:t>投入摘要</a:t>
+            </a:r>
+            <a:endParaRPr lang="de-de" sz="1000" dirty="0"/>
           </a:p>
         </p:txBody>
       </p:sp>
@@ -14135,8 +11827,8 @@
           <a:p>
             <a:pPr algn="ctr"/>
             <a:r>
-              <a:rPr lang="en-US" sz="1600"/>
-              <a:t>Run &amp; Operate</a:t>
+              <a:rPr lang="de-de" sz="1600"/>
+              <a:t>執行與營運</a:t>
             </a:r>
           </a:p>
         </p:txBody>
@@ -14241,8 +11933,8 @@
           <a:p>
             <a:pPr algn="ctr"/>
             <a:r>
-              <a:rPr lang="en-US" sz="1600"/>
-              <a:t>Implementation</a:t>
+              <a:rPr lang="de-de" sz="1600"/>
+              <a:t>實作</a:t>
             </a:r>
           </a:p>
         </p:txBody>
@@ -14277,8 +11969,8 @@
           <a:p>
             <a:pPr algn="ctr"/>
             <a:r>
-              <a:rPr lang="en-US" sz="1100"/>
-              <a:t>Post Launch</a:t>
+              <a:rPr lang="de-de" sz="1100"/>
+              <a:t>上市後</a:t>
             </a:r>
           </a:p>
         </p:txBody>
@@ -14382,14 +12074,14 @@
         <p:spPr>
           <a:xfrm>
             <a:off x="3855907" y="4694431"/>
-            <a:ext cx="3525469" cy="2464777"/>
+            <a:ext cx="3525469" cy="2310889"/>
           </a:xfrm>
           <a:prstGeom prst="rect">
             <a:avLst/>
           </a:prstGeom>
         </p:spPr>
         <p:txBody>
-          <a:bodyPr wrap="square" lIns="91440" tIns="45720" rIns="91440" bIns="45720" anchor="t">
+          <a:bodyPr wrap="square">
             <a:spAutoFit/>
           </a:bodyPr>
           <a:lstStyle/>
@@ -14400,29 +12092,23 @@
               </a:spcBef>
             </a:pPr>
             <a:r>
-              <a:rPr lang="en-US" sz="1000" b="1" dirty="0">
+              <a:rPr lang="de-de" sz="1000" b="1">
                 <a:solidFill>
                   <a:srgbClr val="000000"/>
                 </a:solidFill>
                 <a:latin typeface="+mj-lt"/>
               </a:rPr>
-              <a:t>Technical Track Activities </a:t>
-            </a:r>
-            <a:r>
-              <a:rPr lang="en-US" sz="1000" dirty="0">
+              <a:t>技術路徑活動可確保客戶擁有健全的技術，</a:t>
+            </a:r>
+            <a:r>
+              <a:rPr lang="de-de" sz="1000">
                 <a:solidFill>
                   <a:srgbClr val="000000"/>
                 </a:solidFill>
-                <a:latin typeface="Adobe Clean Light"/>
+                <a:latin typeface="Adobe Clean Light" panose="020B0303020404020204" pitchFamily="34" charset="0"/>
               </a:rPr>
-              <a:t>ensure customers are technically sound and maximizing their tool adoption. Specifically, these types of activities include support and recommendations related to platform configurations, integrations and troubleshooting.</a:t>
-            </a:r>
-            <a:endParaRPr lang="en-US" sz="1000" dirty="0">
-              <a:solidFill>
-                <a:srgbClr val="000000"/>
-              </a:solidFill>
-              <a:latin typeface="Adobe Clean Light" panose="020B0303020404020204" pitchFamily="34" charset="0"/>
-            </a:endParaRPr>
+              <a:t>並且最大限度地採用他們的工具。具體而言，這些類型的活動包含與平台組態設定、整合和疑難排解有關的支援和建議</a:t>
+            </a:r>
           </a:p>
           <a:p>
             <a:pPr marL="12700" marR="5080">
@@ -14441,10 +12127,10 @@
               </a:spcBef>
             </a:pPr>
             <a:r>
-              <a:rPr lang="en-US" sz="1000" dirty="0">
-                <a:latin typeface="Adobe Clean Light"/>
+              <a:rPr lang="de-de" sz="1000">
+                <a:latin typeface="Adobe Clean Light" charset="0"/>
               </a:rPr>
-              <a:t>Types of technical activities available::</a:t>
+              <a:t>可用的技術活動類型：</a:t>
             </a:r>
           </a:p>
           <a:p>
@@ -14459,12 +12145,9 @@
               <a:buChar char="ü"/>
             </a:pPr>
             <a:r>
-              <a:rPr lang="en-US" sz="1000" dirty="0"/>
-              <a:t>Health audit</a:t>
-            </a:r>
-            <a:endParaRPr lang="en-US" sz="1000" dirty="0">
-              <a:cs typeface="Calibri"/>
-            </a:endParaRPr>
+              <a:rPr lang="de-de" sz="1000"/>
+              <a:t>健康稽核</a:t>
+            </a:r>
           </a:p>
           <a:p>
             <a:pPr marL="184150" marR="5080" indent="-171450">
@@ -14478,12 +12161,9 @@
               <a:buChar char="ü"/>
             </a:pPr>
             <a:r>
-              <a:rPr lang="en-US" sz="1000" dirty="0"/>
-              <a:t>Platform audit</a:t>
-            </a:r>
-            <a:endParaRPr lang="en-US" sz="1000" dirty="0">
-              <a:cs typeface="Calibri"/>
-            </a:endParaRPr>
+              <a:rPr lang="de-de" sz="1000"/>
+              <a:t>平台稽核</a:t>
+            </a:r>
           </a:p>
           <a:p>
             <a:pPr marL="184150" marR="5080" indent="-171450">
@@ -14497,12 +12177,9 @@
               <a:buChar char="ü"/>
             </a:pPr>
             <a:r>
-              <a:rPr lang="en-US" sz="1000" dirty="0"/>
-              <a:t>Feature set enablement</a:t>
-            </a:r>
-            <a:endParaRPr lang="en-US" sz="1000" dirty="0">
-              <a:cs typeface="Calibri"/>
-            </a:endParaRPr>
+              <a:rPr lang="de-de" sz="1000"/>
+              <a:t>功能集啟用</a:t>
+            </a:r>
           </a:p>
           <a:p>
             <a:pPr marL="184150" marR="5080" indent="-171450">
@@ -14516,12 +12193,9 @@
               <a:buChar char="ü"/>
             </a:pPr>
             <a:r>
-              <a:rPr lang="en-US" sz="1000" dirty="0"/>
-              <a:t>Basic integrations and configurations</a:t>
-            </a:r>
-            <a:endParaRPr lang="en-US" sz="1000" dirty="0">
-              <a:cs typeface="Calibri"/>
-            </a:endParaRPr>
+              <a:rPr lang="de-de" sz="1000"/>
+              <a:t>基本整合與組態設定</a:t>
+            </a:r>
           </a:p>
           <a:p>
             <a:pPr marL="184150" marR="5080" indent="-171450">
@@ -14535,12 +12209,9 @@
               <a:buChar char="ü"/>
             </a:pPr>
             <a:r>
-              <a:rPr lang="en-US" sz="1000" dirty="0"/>
-              <a:t>Customer solution troubleshooting</a:t>
-            </a:r>
-            <a:endParaRPr lang="en-US" sz="1000" dirty="0">
-              <a:cs typeface="Calibri"/>
-            </a:endParaRPr>
+              <a:rPr lang="de-de" sz="1000"/>
+              <a:t>客戶解決方案疑難排解</a:t>
+            </a:r>
           </a:p>
           <a:p>
             <a:pPr marL="184150" marR="5080" indent="-171450">
@@ -14554,12 +12225,9 @@
               <a:buChar char="ü"/>
             </a:pPr>
             <a:r>
-              <a:rPr lang="en-US" sz="1000" dirty="0"/>
-              <a:t>Cloud service support</a:t>
-            </a:r>
-            <a:endParaRPr lang="en-US" sz="1000" dirty="0">
-              <a:cs typeface="Calibri"/>
-            </a:endParaRPr>
+              <a:rPr lang="de-de" sz="1000"/>
+              <a:t>雲端服務支援</a:t>
+            </a:r>
           </a:p>
         </p:txBody>
       </p:sp>
@@ -14577,7 +12245,7 @@
         </p:nvSpPr>
         <p:spPr>
           <a:xfrm>
-            <a:off x="3851397" y="7249456"/>
+            <a:off x="3851397" y="7048896"/>
             <a:ext cx="3525469" cy="2054409"/>
           </a:xfrm>
           <a:prstGeom prst="rect">
@@ -14585,7 +12253,7 @@
           </a:prstGeom>
         </p:spPr>
         <p:txBody>
-          <a:bodyPr wrap="square" lIns="91440" tIns="45720" rIns="91440" bIns="45720" anchor="t">
+          <a:bodyPr wrap="square">
             <a:spAutoFit/>
           </a:bodyPr>
           <a:lstStyle/>
@@ -14596,22 +12264,22 @@
               </a:spcBef>
             </a:pPr>
             <a:r>
-              <a:rPr lang="en-US" sz="1000" b="1" dirty="0">
+              <a:rPr lang="de-de" sz="1000" b="1">
                 <a:solidFill>
                   <a:srgbClr val="000000"/>
                 </a:solidFill>
                 <a:latin typeface="+mj-lt"/>
               </a:rPr>
-              <a:t>Strategic Track Activities </a:t>
-            </a:r>
-            <a:r>
-              <a:rPr lang="en-US" sz="1000" dirty="0">
+              <a:t>策略路徑活動可尋找機會</a:t>
+            </a:r>
+            <a:r>
+              <a:rPr lang="de-de" sz="1000">
                 <a:solidFill>
                   <a:srgbClr val="000000"/>
                 </a:solidFill>
-                <a:latin typeface="Adobe Clean Light"/>
+                <a:latin typeface="Adobe Clean Light" panose="020B0303020404020204" pitchFamily="34" charset="0"/>
               </a:rPr>
-              <a:t>locate opportunities to ensure value is being realized from a customer’s Adobe solutions. They include support recommendations related to strategy, measurement and maturity to drive value realization across one or more Adobe solutions.</a:t>
+              <a:t>，以確保可從客戶的 Adobe 解決方案實現價值。這類活動包括與策略、衡量和成熟度有關的支援建議，以推動一個或多個 Adobe 解決方案的價值實現。</a:t>
             </a:r>
           </a:p>
           <a:p>
@@ -14631,14 +12299,11 @@
               </a:spcBef>
             </a:pPr>
             <a:r>
-              <a:rPr lang="en-US" sz="1000" dirty="0">
-                <a:latin typeface="Adobe Clean Light"/>
+              <a:rPr lang="de-de" sz="1000">
+                <a:latin typeface="Adobe Clean Light" charset="0"/>
               </a:rPr>
-              <a:t>Types of strategic activities available:</a:t>
-            </a:r>
-            <a:endParaRPr lang="en-US" sz="1000" dirty="0">
-              <a:latin typeface="Adobe Clean Light" charset="0"/>
-            </a:endParaRPr>
+              <a:t>可用的策略活動類型：</a:t>
+            </a:r>
           </a:p>
           <a:p>
             <a:pPr marL="241300" marR="5080" indent="-228600">
@@ -14652,12 +12317,9 @@
               <a:buChar char="ü"/>
             </a:pPr>
             <a:r>
-              <a:rPr lang="en-US" sz="1000" dirty="0"/>
-              <a:t>Maturity Roadmap</a:t>
-            </a:r>
-            <a:endParaRPr lang="en-US" sz="1000" dirty="0">
-              <a:cs typeface="Calibri"/>
-            </a:endParaRPr>
+              <a:rPr lang="de-de" sz="1000"/>
+              <a:t>成熟度藍圖</a:t>
+            </a:r>
           </a:p>
           <a:p>
             <a:pPr marL="241300" marR="5080" indent="-228600">
@@ -14671,12 +12333,9 @@
               <a:buChar char="ü"/>
             </a:pPr>
             <a:r>
-              <a:rPr lang="en-US" sz="1000" dirty="0"/>
-              <a:t>Use case development/measurement</a:t>
-            </a:r>
-            <a:endParaRPr lang="en-US" sz="1000" dirty="0">
-              <a:cs typeface="Calibri"/>
-            </a:endParaRPr>
+              <a:rPr lang="de-de" sz="1000"/>
+              <a:t>使用案例開發/衡量</a:t>
+            </a:r>
           </a:p>
           <a:p>
             <a:pPr marL="241300" marR="5080" indent="-228600">
@@ -14690,12 +12349,9 @@
               <a:buChar char="ü"/>
             </a:pPr>
             <a:r>
-              <a:rPr lang="en-US" sz="1000" dirty="0"/>
-              <a:t>Reporting &amp; analysis</a:t>
-            </a:r>
-            <a:endParaRPr lang="en-US" sz="1000" dirty="0">
-              <a:cs typeface="Calibri"/>
-            </a:endParaRPr>
+              <a:rPr lang="de-de" sz="1000"/>
+              <a:t>報告與分析</a:t>
+            </a:r>
           </a:p>
           <a:p>
             <a:pPr marL="241300" marR="5080" indent="-228600">
@@ -14709,12 +12365,9 @@
               <a:buChar char="ü"/>
             </a:pPr>
             <a:r>
-              <a:rPr lang="en-US" sz="1000" dirty="0"/>
-              <a:t>Best practices enablement</a:t>
-            </a:r>
-            <a:endParaRPr lang="en-US" sz="1000" dirty="0">
-              <a:cs typeface="Calibri"/>
-            </a:endParaRPr>
+              <a:rPr lang="de-de" sz="1000"/>
+              <a:t>啟用最佳實務</a:t>
+            </a:r>
           </a:p>
         </p:txBody>
       </p:sp>
@@ -14752,80 +12405,80 @@
               </a:spcBef>
             </a:pPr>
             <a:r>
-              <a:rPr lang="en-US" sz="1000">
+              <a:rPr lang="de-de" sz="1000">
                 <a:solidFill>
                   <a:srgbClr val="1F1F1F"/>
                 </a:solidFill>
                 <a:latin typeface="Adobe Clean" panose="020B0503020404020204" pitchFamily="34" charset="0"/>
                 <a:cs typeface="AdobeClean-Light"/>
               </a:rPr>
-              <a:t>As an Enterprise customer, you are eligible for</a:t>
-            </a:r>
-            <a:r>
-              <a:rPr lang="en-US" sz="1200" b="1" u="sng">
+              <a:t>您身為企業客戶，有資格透過以下兩個路徑每年參與 </a:t>
+            </a:r>
+            <a:r>
+              <a:rPr lang="de-de" sz="1200" b="1" u="sng">
                 <a:solidFill>
                   <a:srgbClr val="1F1F1F"/>
                 </a:solidFill>
                 <a:cs typeface="AdobeClean-Light"/>
               </a:rPr>
-              <a:t> 2 </a:t>
-            </a:r>
-            <a:r>
-              <a:rPr lang="en-US" sz="1000" b="1" u="sng">
+              <a:t>2</a:t>
+            </a:r>
+            <a:r>
+              <a:rPr lang="de-de" sz="1000" b="1" u="sng">
                 <a:solidFill>
                   <a:srgbClr val="1F1F1F"/>
                 </a:solidFill>
                 <a:cs typeface="AdobeClean-Light"/>
               </a:rPr>
-              <a:t>activities per year </a:t>
-            </a:r>
-            <a:r>
-              <a:rPr lang="en-US" sz="1000">
+              <a:t> 項活動</a:t>
+            </a:r>
+            <a:r>
+              <a:rPr lang="de-de" sz="1000">
                 <a:solidFill>
                   <a:srgbClr val="1F1F1F"/>
                 </a:solidFill>
                 <a:latin typeface="Adobe Clean" panose="020B0503020404020204" pitchFamily="34" charset="0"/>
                 <a:cs typeface="AdobeClean-Light"/>
               </a:rPr>
-              <a:t>from the following two tracks:</a:t>
-            </a:r>
-            <a:r>
-              <a:rPr lang="en-US" sz="1000" b="1">
+              <a:t>：</a:t>
+            </a:r>
+            <a:r>
+              <a:rPr lang="de-de" sz="1000" b="1">
                 <a:solidFill>
                   <a:srgbClr val="1F1F1F"/>
                 </a:solidFill>
                 <a:cs typeface="AdobeClean-Light"/>
               </a:rPr>
-              <a:t> Technical </a:t>
-            </a:r>
-            <a:r>
-              <a:rPr lang="en-US" sz="1000">
+              <a:t>技術</a:t>
+            </a:r>
+            <a:r>
+              <a:rPr lang="de-de" sz="1000">
                 <a:solidFill>
                   <a:srgbClr val="1F1F1F"/>
                 </a:solidFill>
                 <a:latin typeface="Adobe Clean" panose="020B0503020404020204" pitchFamily="34" charset="0"/>
                 <a:cs typeface="AdobeClean-Light"/>
               </a:rPr>
-              <a:t>and/or </a:t>
-            </a:r>
-            <a:r>
-              <a:rPr lang="en-US" sz="1000" b="1">
+              <a:t>及/或</a:t>
+            </a:r>
+            <a:r>
+              <a:rPr lang="de-de" sz="1000" b="1">
                 <a:solidFill>
                   <a:srgbClr val="1F1F1F"/>
                 </a:solidFill>
                 <a:cs typeface="AdobeClean-Light"/>
               </a:rPr>
-              <a:t>Strategic</a:t>
-            </a:r>
-            <a:r>
-              <a:rPr lang="en-US" sz="1000">
+              <a:t>策略</a:t>
+            </a:r>
+            <a:r>
+              <a:rPr lang="de-de" sz="1000">
                 <a:solidFill>
                   <a:srgbClr val="1F1F1F"/>
                 </a:solidFill>
                 <a:latin typeface="Adobe Clean Light" panose="020B0303020404020204" pitchFamily="34" charset="0"/>
                 <a:cs typeface="AdobeClean-Light"/>
               </a:rPr>
-              <a:t>.</a:t>
+              <a:t>。</a:t>
             </a:r>
             <a:endParaRPr lang="en-US" sz="1000" b="1">
               <a:solidFill>
@@ -14866,8 +12519,8 @@
           <a:p>
             <a:pPr algn="ctr"/>
             <a:r>
-              <a:rPr lang="en-US" sz="1100"/>
-              <a:t>Go-Live</a:t>
+              <a:rPr lang="de-de" sz="1100"/>
+              <a:t>上線</a:t>
             </a:r>
           </a:p>
         </p:txBody>
@@ -14902,8 +12555,8 @@
           <a:p>
             <a:pPr algn="ctr"/>
             <a:r>
-              <a:rPr lang="en-US" sz="1100"/>
-              <a:t>Define</a:t>
+              <a:rPr lang="de-de" sz="1100"/>
+              <a:t>定義</a:t>
             </a:r>
           </a:p>
         </p:txBody>
@@ -14938,8 +12591,8 @@
           <a:p>
             <a:pPr algn="ctr"/>
             <a:r>
-              <a:rPr lang="en-US" sz="1100"/>
-              <a:t>Kickoff</a:t>
+              <a:rPr lang="de-de" sz="1100"/>
+              <a:t>開展</a:t>
             </a:r>
           </a:p>
         </p:txBody>
@@ -14974,8 +12627,8 @@
           <a:p>
             <a:pPr algn="ctr"/>
             <a:r>
-              <a:rPr lang="en-US" sz="1100"/>
-              <a:t>Design</a:t>
+              <a:rPr lang="de-de" sz="1100"/>
+              <a:t>設計</a:t>
             </a:r>
           </a:p>
         </p:txBody>
@@ -15032,18 +12685,746 @@
           <a:p>
             <a:pPr algn="ctr"/>
             <a:r>
-              <a:rPr lang="en-US">
+              <a:rPr lang="de-de">
                 <a:solidFill>
                   <a:schemeClr val="accent1">
                     <a:lumMod val="50000"/>
                   </a:schemeClr>
                 </a:solidFill>
               </a:rPr>
-              <a:t>2 Activities per Year</a:t>
+              <a:t>每年 2 個活動</a:t>
             </a:r>
           </a:p>
         </p:txBody>
       </p:sp>
+      <p:graphicFrame>
+        <p:nvGraphicFramePr>
+          <p:cNvPr id="43" name="Table 42">
+            <a:extLst>
+              <a:ext uri="{FF2B5EF4-FFF2-40B4-BE49-F238E27FC236}">
+                <a16:creationId xmlns:a16="http://schemas.microsoft.com/office/drawing/2014/main" id="{1D3ABED2-2902-5346-AD61-8791F4B24654}"/>
+              </a:ext>
+            </a:extLst>
+          </p:cNvPr>
+          <p:cNvGraphicFramePr>
+            <a:graphicFrameLocks noGrp="1"/>
+          </p:cNvGraphicFramePr>
+          <p:nvPr>
+            <p:extLst>
+              <p:ext uri="{D42A27DB-BD31-4B8C-83A1-F6EECF244321}">
+                <p14:modId xmlns:p14="http://schemas.microsoft.com/office/powerpoint/2010/main" val="3661084522"/>
+              </p:ext>
+            </p:extLst>
+          </p:nvPr>
+        </p:nvGraphicFramePr>
+        <p:xfrm>
+          <a:off x="1524000" y="7488265"/>
+          <a:ext cx="609600" cy="457200"/>
+        </p:xfrm>
+        <a:graphic>
+          <a:graphicData uri="http://schemas.openxmlformats.org/drawingml/2006/table">
+            <a:tbl>
+              <a:tblPr>
+                <a:tableStyleId>{5C22544A-7EE6-4342-B048-85BDC9FD1C3A}</a:tableStyleId>
+              </a:tblPr>
+              <a:tblGrid>
+                <a:gridCol w="609600">
+                  <a:extLst>
+                    <a:ext uri="{9D8B030D-6E8A-4147-A177-3AD203B41FA5}">
+                      <a16:colId xmlns:a16="http://schemas.microsoft.com/office/drawing/2014/main" val="1835503658"/>
+                    </a:ext>
+                  </a:extLst>
+                </a:gridCol>
+              </a:tblGrid>
+              <a:tr h="457200">
+                <a:tc>
+                  <a:txBody>
+                    <a:bodyPr/>
+                    <a:lstStyle/>
+                    <a:p>
+                      <a:pPr algn="ctr" fontAlgn="b"/>
+                      <a:r>
+                        <a:rPr lang="ko-KR" altLang="en-US" sz="1100" u="none" strike="noStrike" dirty="0" err="1">
+                          <a:effectLst/>
+                        </a:rPr>
+                        <a:t>上市諮詢</a:t>
+                      </a:r>
+                      <a:endParaRPr lang="ko-KR" altLang="en-US" sz="1100" b="0" i="0" u="none" strike="noStrike" dirty="0">
+                        <a:solidFill>
+                          <a:srgbClr val="000000"/>
+                        </a:solidFill>
+                        <a:effectLst/>
+                        <a:latin typeface="Calibri" panose="020F0502020204030204" pitchFamily="34" charset="0"/>
+                      </a:endParaRPr>
+                    </a:p>
+                  </a:txBody>
+                  <a:tcPr marL="9525" marR="9525" marT="9525" marB="0" anchor="ctr">
+                    <a:solidFill>
+                      <a:schemeClr val="bg1"/>
+                    </a:solidFill>
+                  </a:tcPr>
+                </a:tc>
+                <a:extLst>
+                  <a:ext uri="{0D108BD9-81ED-4DB2-BD59-A6C34878D82A}">
+                    <a16:rowId xmlns:a16="http://schemas.microsoft.com/office/drawing/2014/main" val="2771767287"/>
+                  </a:ext>
+                </a:extLst>
+              </a:tr>
+            </a:tbl>
+          </a:graphicData>
+        </a:graphic>
+      </p:graphicFrame>
+      <p:graphicFrame>
+        <p:nvGraphicFramePr>
+          <p:cNvPr id="44" name="Table 43">
+            <a:extLst>
+              <a:ext uri="{FF2B5EF4-FFF2-40B4-BE49-F238E27FC236}">
+                <a16:creationId xmlns:a16="http://schemas.microsoft.com/office/drawing/2014/main" id="{9FA2B8AA-2505-1046-B10D-83D9B1F93495}"/>
+              </a:ext>
+            </a:extLst>
+          </p:cNvPr>
+          <p:cNvGraphicFramePr>
+            <a:graphicFrameLocks noGrp="1"/>
+          </p:cNvGraphicFramePr>
+          <p:nvPr>
+            <p:extLst>
+              <p:ext uri="{D42A27DB-BD31-4B8C-83A1-F6EECF244321}">
+                <p14:modId xmlns:p14="http://schemas.microsoft.com/office/powerpoint/2010/main" val="736048030"/>
+              </p:ext>
+            </p:extLst>
+          </p:nvPr>
+        </p:nvGraphicFramePr>
+        <p:xfrm>
+          <a:off x="1524000" y="6345265"/>
+          <a:ext cx="609600" cy="457200"/>
+        </p:xfrm>
+        <a:graphic>
+          <a:graphicData uri="http://schemas.openxmlformats.org/drawingml/2006/table">
+            <a:tbl>
+              <a:tblPr>
+                <a:tableStyleId>{5C22544A-7EE6-4342-B048-85BDC9FD1C3A}</a:tableStyleId>
+              </a:tblPr>
+              <a:tblGrid>
+                <a:gridCol w="609600">
+                  <a:extLst>
+                    <a:ext uri="{9D8B030D-6E8A-4147-A177-3AD203B41FA5}">
+                      <a16:colId xmlns:a16="http://schemas.microsoft.com/office/drawing/2014/main" val="1835503658"/>
+                    </a:ext>
+                  </a:extLst>
+                </a:gridCol>
+              </a:tblGrid>
+              <a:tr h="457200">
+                <a:tc>
+                  <a:txBody>
+                    <a:bodyPr/>
+                    <a:lstStyle/>
+                    <a:p>
+                      <a:pPr algn="ctr" fontAlgn="b"/>
+                      <a:r>
+                        <a:rPr lang="ko-KR" altLang="en-US" sz="800" u="none" strike="noStrike" dirty="0" err="1">
+                          <a:effectLst/>
+                          <a:latin typeface="Adobe Clean" panose="020B0503020404020204" pitchFamily="34" charset="0"/>
+                        </a:rPr>
+                        <a:t>資深</a:t>
+                      </a:r>
+                      <a:r>
+                        <a:rPr lang="ko-KR" altLang="en-US" sz="800" u="none" strike="noStrike" dirty="0">
+                          <a:effectLst/>
+                          <a:latin typeface="Adobe Clean" panose="020B0503020404020204" pitchFamily="34" charset="0"/>
+                        </a:rPr>
+                        <a:t> </a:t>
+                      </a:r>
+                      <a:r>
+                        <a:rPr lang="en-US" altLang="ko-KR" sz="800" u="none" strike="noStrike" dirty="0">
+                          <a:effectLst/>
+                          <a:latin typeface="Adobe Clean" panose="020B0503020404020204" pitchFamily="34" charset="0"/>
+                        </a:rPr>
+                        <a:t>Adobe </a:t>
+                      </a:r>
+                      <a:r>
+                        <a:rPr lang="ko-KR" altLang="en-US" sz="800" u="none" strike="noStrike" dirty="0" err="1">
+                          <a:effectLst/>
+                          <a:latin typeface="Adobe Clean" panose="020B0503020404020204" pitchFamily="34" charset="0"/>
+                        </a:rPr>
+                        <a:t>專業知識</a:t>
+                      </a:r>
+                      <a:endParaRPr lang="ko-KR" altLang="en-US" sz="800" b="0" i="0" u="none" strike="noStrike" dirty="0">
+                        <a:solidFill>
+                          <a:srgbClr val="000000"/>
+                        </a:solidFill>
+                        <a:effectLst/>
+                        <a:latin typeface="Adobe Clean" panose="020B0503020404020204" pitchFamily="34" charset="0"/>
+                      </a:endParaRPr>
+                    </a:p>
+                  </a:txBody>
+                  <a:tcPr marL="9525" marR="9525" marT="9525" marB="0">
+                    <a:solidFill>
+                      <a:schemeClr val="bg1"/>
+                    </a:solidFill>
+                  </a:tcPr>
+                </a:tc>
+                <a:extLst>
+                  <a:ext uri="{0D108BD9-81ED-4DB2-BD59-A6C34878D82A}">
+                    <a16:rowId xmlns:a16="http://schemas.microsoft.com/office/drawing/2014/main" val="2771767287"/>
+                  </a:ext>
+                </a:extLst>
+              </a:tr>
+            </a:tbl>
+          </a:graphicData>
+        </a:graphic>
+      </p:graphicFrame>
+      <p:graphicFrame>
+        <p:nvGraphicFramePr>
+          <p:cNvPr id="45" name="Table 44">
+            <a:extLst>
+              <a:ext uri="{FF2B5EF4-FFF2-40B4-BE49-F238E27FC236}">
+                <a16:creationId xmlns:a16="http://schemas.microsoft.com/office/drawing/2014/main" id="{E731F3F0-095B-7147-AA58-BAFE19529903}"/>
+              </a:ext>
+            </a:extLst>
+          </p:cNvPr>
+          <p:cNvGraphicFramePr>
+            <a:graphicFrameLocks noGrp="1"/>
+          </p:cNvGraphicFramePr>
+          <p:nvPr>
+            <p:extLst>
+              <p:ext uri="{D42A27DB-BD31-4B8C-83A1-F6EECF244321}">
+                <p14:modId xmlns:p14="http://schemas.microsoft.com/office/powerpoint/2010/main" val="3469511024"/>
+              </p:ext>
+            </p:extLst>
+          </p:nvPr>
+        </p:nvGraphicFramePr>
+        <p:xfrm>
+          <a:off x="2514600" y="6650065"/>
+          <a:ext cx="609600" cy="457200"/>
+        </p:xfrm>
+        <a:graphic>
+          <a:graphicData uri="http://schemas.openxmlformats.org/drawingml/2006/table">
+            <a:tbl>
+              <a:tblPr>
+                <a:tableStyleId>{5C22544A-7EE6-4342-B048-85BDC9FD1C3A}</a:tableStyleId>
+              </a:tblPr>
+              <a:tblGrid>
+                <a:gridCol w="609600">
+                  <a:extLst>
+                    <a:ext uri="{9D8B030D-6E8A-4147-A177-3AD203B41FA5}">
+                      <a16:colId xmlns:a16="http://schemas.microsoft.com/office/drawing/2014/main" val="1835503658"/>
+                    </a:ext>
+                  </a:extLst>
+                </a:gridCol>
+              </a:tblGrid>
+              <a:tr h="457200">
+                <a:tc>
+                  <a:txBody>
+                    <a:bodyPr/>
+                    <a:lstStyle/>
+                    <a:p>
+                      <a:pPr algn="ctr" fontAlgn="b"/>
+                      <a:r>
+                        <a:rPr lang="ja-JP" altLang="en-US" sz="800" u="none" strike="noStrike">
+                          <a:effectLst/>
+                          <a:latin typeface="Adobe Clean" panose="020B0503020404020204" pitchFamily="34" charset="0"/>
+                        </a:rPr>
+                        <a:t>直接聯繫 </a:t>
+                      </a:r>
+                      <a:r>
+                        <a:rPr lang="en-US" altLang="ko-KR" sz="800" u="none" strike="noStrike" dirty="0">
+                          <a:effectLst/>
+                          <a:latin typeface="Adobe Clean" panose="020B0503020404020204" pitchFamily="34" charset="0"/>
+                        </a:rPr>
+                        <a:t>Adobe </a:t>
+                      </a:r>
+                      <a:r>
+                        <a:rPr lang="ja-JP" altLang="en-US" sz="800" u="none" strike="noStrike">
+                          <a:effectLst/>
+                          <a:latin typeface="Adobe Clean" panose="020B0503020404020204" pitchFamily="34" charset="0"/>
+                        </a:rPr>
+                        <a:t>工程部</a:t>
+                      </a:r>
+                      <a:endParaRPr lang="ko-KR" altLang="en-US" sz="800" b="0" i="0" u="none" strike="noStrike" dirty="0">
+                        <a:solidFill>
+                          <a:srgbClr val="000000"/>
+                        </a:solidFill>
+                        <a:effectLst/>
+                        <a:latin typeface="Adobe Clean" panose="020B0503020404020204" pitchFamily="34" charset="0"/>
+                      </a:endParaRPr>
+                    </a:p>
+                  </a:txBody>
+                  <a:tcPr marL="9525" marR="9525" marT="9525" marB="0">
+                    <a:solidFill>
+                      <a:schemeClr val="bg1"/>
+                    </a:solidFill>
+                  </a:tcPr>
+                </a:tc>
+                <a:extLst>
+                  <a:ext uri="{0D108BD9-81ED-4DB2-BD59-A6C34878D82A}">
+                    <a16:rowId xmlns:a16="http://schemas.microsoft.com/office/drawing/2014/main" val="2771767287"/>
+                  </a:ext>
+                </a:extLst>
+              </a:tr>
+            </a:tbl>
+          </a:graphicData>
+        </a:graphic>
+      </p:graphicFrame>
+      <p:graphicFrame>
+        <p:nvGraphicFramePr>
+          <p:cNvPr id="46" name="Table 45">
+            <a:extLst>
+              <a:ext uri="{FF2B5EF4-FFF2-40B4-BE49-F238E27FC236}">
+                <a16:creationId xmlns:a16="http://schemas.microsoft.com/office/drawing/2014/main" id="{59AD68C2-C0C9-B74C-87B5-56A08A7382DD}"/>
+              </a:ext>
+            </a:extLst>
+          </p:cNvPr>
+          <p:cNvGraphicFramePr>
+            <a:graphicFrameLocks noGrp="1"/>
+          </p:cNvGraphicFramePr>
+          <p:nvPr>
+            <p:extLst>
+              <p:ext uri="{D42A27DB-BD31-4B8C-83A1-F6EECF244321}">
+                <p14:modId xmlns:p14="http://schemas.microsoft.com/office/powerpoint/2010/main" val="477747724"/>
+              </p:ext>
+            </p:extLst>
+          </p:nvPr>
+        </p:nvGraphicFramePr>
+        <p:xfrm>
+          <a:off x="2819400" y="7793064"/>
+          <a:ext cx="609600" cy="665135"/>
+        </p:xfrm>
+        <a:graphic>
+          <a:graphicData uri="http://schemas.openxmlformats.org/drawingml/2006/table">
+            <a:tbl>
+              <a:tblPr>
+                <a:tableStyleId>{5C22544A-7EE6-4342-B048-85BDC9FD1C3A}</a:tableStyleId>
+              </a:tblPr>
+              <a:tblGrid>
+                <a:gridCol w="609600">
+                  <a:extLst>
+                    <a:ext uri="{9D8B030D-6E8A-4147-A177-3AD203B41FA5}">
+                      <a16:colId xmlns:a16="http://schemas.microsoft.com/office/drawing/2014/main" val="1835503658"/>
+                    </a:ext>
+                  </a:extLst>
+                </a:gridCol>
+              </a:tblGrid>
+              <a:tr h="665135">
+                <a:tc>
+                  <a:txBody>
+                    <a:bodyPr/>
+                    <a:lstStyle/>
+                    <a:p>
+                      <a:pPr algn="ctr" fontAlgn="b"/>
+                      <a:r>
+                        <a:rPr lang="ko-KR" altLang="en-US" sz="800" u="none" strike="noStrike" dirty="0" err="1">
+                          <a:effectLst/>
+                          <a:latin typeface="Adobe Clean" panose="020B0503020404020204" pitchFamily="34" charset="0"/>
+                        </a:rPr>
+                        <a:t>含建議後續步驟的上市後摘要</a:t>
+                      </a:r>
+                      <a:endParaRPr lang="ko-KR" altLang="en-US" sz="800" b="0" i="0" u="none" strike="noStrike" dirty="0">
+                        <a:solidFill>
+                          <a:srgbClr val="000000"/>
+                        </a:solidFill>
+                        <a:effectLst/>
+                        <a:latin typeface="Adobe Clean" panose="020B0503020404020204" pitchFamily="34" charset="0"/>
+                      </a:endParaRPr>
+                    </a:p>
+                  </a:txBody>
+                  <a:tcPr marL="9525" marR="9525" marT="9525" marB="0">
+                    <a:solidFill>
+                      <a:schemeClr val="bg1"/>
+                    </a:solidFill>
+                  </a:tcPr>
+                </a:tc>
+                <a:extLst>
+                  <a:ext uri="{0D108BD9-81ED-4DB2-BD59-A6C34878D82A}">
+                    <a16:rowId xmlns:a16="http://schemas.microsoft.com/office/drawing/2014/main" val="2771767287"/>
+                  </a:ext>
+                </a:extLst>
+              </a:tr>
+            </a:tbl>
+          </a:graphicData>
+        </a:graphic>
+      </p:graphicFrame>
+      <p:graphicFrame>
+        <p:nvGraphicFramePr>
+          <p:cNvPr id="47" name="Table 46">
+            <a:extLst>
+              <a:ext uri="{FF2B5EF4-FFF2-40B4-BE49-F238E27FC236}">
+                <a16:creationId xmlns:a16="http://schemas.microsoft.com/office/drawing/2014/main" id="{FFD4AA75-4372-D548-8A65-95953E5BB6E8}"/>
+              </a:ext>
+            </a:extLst>
+          </p:cNvPr>
+          <p:cNvGraphicFramePr>
+            <a:graphicFrameLocks noGrp="1"/>
+          </p:cNvGraphicFramePr>
+          <p:nvPr>
+            <p:extLst>
+              <p:ext uri="{D42A27DB-BD31-4B8C-83A1-F6EECF244321}">
+                <p14:modId xmlns:p14="http://schemas.microsoft.com/office/powerpoint/2010/main" val="2446713920"/>
+              </p:ext>
+            </p:extLst>
+          </p:nvPr>
+        </p:nvGraphicFramePr>
+        <p:xfrm>
+          <a:off x="2057400" y="8707464"/>
+          <a:ext cx="609600" cy="588935"/>
+        </p:xfrm>
+        <a:graphic>
+          <a:graphicData uri="http://schemas.openxmlformats.org/drawingml/2006/table">
+            <a:tbl>
+              <a:tblPr>
+                <a:tableStyleId>{5C22544A-7EE6-4342-B048-85BDC9FD1C3A}</a:tableStyleId>
+              </a:tblPr>
+              <a:tblGrid>
+                <a:gridCol w="609600">
+                  <a:extLst>
+                    <a:ext uri="{9D8B030D-6E8A-4147-A177-3AD203B41FA5}">
+                      <a16:colId xmlns:a16="http://schemas.microsoft.com/office/drawing/2014/main" val="1835503658"/>
+                    </a:ext>
+                  </a:extLst>
+                </a:gridCol>
+              </a:tblGrid>
+              <a:tr h="588935">
+                <a:tc>
+                  <a:txBody>
+                    <a:bodyPr/>
+                    <a:lstStyle/>
+                    <a:p>
+                      <a:pPr algn="ctr" fontAlgn="b"/>
+                      <a:r>
+                        <a:rPr lang="ko-KR" altLang="en-US" sz="800" u="none" strike="noStrike" dirty="0" err="1">
+                          <a:effectLst/>
+                          <a:latin typeface="Adobe Clean" panose="020B0503020404020204" pitchFamily="34" charset="0"/>
+                        </a:rPr>
+                        <a:t>上線整備</a:t>
+                      </a:r>
+                      <a:r>
+                        <a:rPr lang="ko-KR" altLang="en-US" sz="800" u="none" strike="noStrike" dirty="0">
+                          <a:effectLst/>
+                          <a:latin typeface="Adobe Clean" panose="020B0503020404020204" pitchFamily="34" charset="0"/>
+                        </a:rPr>
+                        <a:t> </a:t>
+                      </a:r>
+                      <a:r>
+                        <a:rPr lang="en-US" altLang="ko-KR" sz="800" u="none" strike="noStrike" dirty="0">
+                          <a:effectLst/>
+                          <a:latin typeface="Adobe Clean" panose="020B0503020404020204" pitchFamily="34" charset="0"/>
+                        </a:rPr>
+                        <a:t>+ </a:t>
+                      </a:r>
+                      <a:r>
+                        <a:rPr lang="ko-KR" altLang="en-US" sz="800" u="none" strike="noStrike" dirty="0" err="1">
+                          <a:effectLst/>
+                          <a:latin typeface="Adobe Clean" panose="020B0503020404020204" pitchFamily="34" charset="0"/>
+                        </a:rPr>
+                        <a:t>效能最佳化</a:t>
+                      </a:r>
+                      <a:endParaRPr lang="ko-KR" altLang="en-US" sz="800" b="0" i="0" u="none" strike="noStrike" dirty="0">
+                        <a:solidFill>
+                          <a:srgbClr val="000000"/>
+                        </a:solidFill>
+                        <a:effectLst/>
+                        <a:latin typeface="Adobe Clean" panose="020B0503020404020204" pitchFamily="34" charset="0"/>
+                      </a:endParaRPr>
+                    </a:p>
+                  </a:txBody>
+                  <a:tcPr marL="9525" marR="9525" marT="9525" marB="0">
+                    <a:solidFill>
+                      <a:schemeClr val="bg1"/>
+                    </a:solidFill>
+                  </a:tcPr>
+                </a:tc>
+                <a:extLst>
+                  <a:ext uri="{0D108BD9-81ED-4DB2-BD59-A6C34878D82A}">
+                    <a16:rowId xmlns:a16="http://schemas.microsoft.com/office/drawing/2014/main" val="2771767287"/>
+                  </a:ext>
+                </a:extLst>
+              </a:tr>
+            </a:tbl>
+          </a:graphicData>
+        </a:graphic>
+      </p:graphicFrame>
+      <p:graphicFrame>
+        <p:nvGraphicFramePr>
+          <p:cNvPr id="48" name="Table 47">
+            <a:extLst>
+              <a:ext uri="{FF2B5EF4-FFF2-40B4-BE49-F238E27FC236}">
+                <a16:creationId xmlns:a16="http://schemas.microsoft.com/office/drawing/2014/main" id="{B22514A3-F0CD-1F44-8671-55B836DC891A}"/>
+              </a:ext>
+            </a:extLst>
+          </p:cNvPr>
+          <p:cNvGraphicFramePr>
+            <a:graphicFrameLocks noGrp="1"/>
+          </p:cNvGraphicFramePr>
+          <p:nvPr>
+            <p:extLst>
+              <p:ext uri="{D42A27DB-BD31-4B8C-83A1-F6EECF244321}">
+                <p14:modId xmlns:p14="http://schemas.microsoft.com/office/powerpoint/2010/main" val="3387353005"/>
+              </p:ext>
+            </p:extLst>
+          </p:nvPr>
+        </p:nvGraphicFramePr>
+        <p:xfrm>
+          <a:off x="990600" y="8707465"/>
+          <a:ext cx="609600" cy="457200"/>
+        </p:xfrm>
+        <a:graphic>
+          <a:graphicData uri="http://schemas.openxmlformats.org/drawingml/2006/table">
+            <a:tbl>
+              <a:tblPr>
+                <a:tableStyleId>{5C22544A-7EE6-4342-B048-85BDC9FD1C3A}</a:tableStyleId>
+              </a:tblPr>
+              <a:tblGrid>
+                <a:gridCol w="609600">
+                  <a:extLst>
+                    <a:ext uri="{9D8B030D-6E8A-4147-A177-3AD203B41FA5}">
+                      <a16:colId xmlns:a16="http://schemas.microsoft.com/office/drawing/2014/main" val="1835503658"/>
+                    </a:ext>
+                  </a:extLst>
+                </a:gridCol>
+              </a:tblGrid>
+              <a:tr h="457200">
+                <a:tc>
+                  <a:txBody>
+                    <a:bodyPr/>
+                    <a:lstStyle/>
+                    <a:p>
+                      <a:pPr algn="ctr" fontAlgn="b"/>
+                      <a:r>
+                        <a:rPr lang="ko-KR" altLang="en-US" sz="800" u="none" strike="noStrike" dirty="0">
+                          <a:effectLst/>
+                          <a:latin typeface="Adobe Clean" panose="020B0503020404020204" pitchFamily="34" charset="0"/>
+                        </a:rPr>
+                        <a:t> </a:t>
+                      </a:r>
+                      <a:r>
+                        <a:rPr lang="ko-KR" altLang="en-US" sz="800" u="none" strike="noStrike" dirty="0" err="1">
+                          <a:effectLst/>
+                          <a:latin typeface="Adobe Clean" panose="020B0503020404020204" pitchFamily="34" charset="0"/>
+                        </a:rPr>
+                        <a:t>架構審核</a:t>
+                      </a:r>
+                      <a:r>
+                        <a:rPr lang="ko-KR" altLang="en-US" sz="800" u="none" strike="noStrike" dirty="0">
+                          <a:effectLst/>
+                          <a:latin typeface="Adobe Clean" panose="020B0503020404020204" pitchFamily="34" charset="0"/>
+                        </a:rPr>
+                        <a:t> </a:t>
+                      </a:r>
+                      <a:r>
+                        <a:rPr lang="en-US" altLang="ko-KR" sz="800" u="none" strike="noStrike" dirty="0">
+                          <a:effectLst/>
+                          <a:latin typeface="Adobe Clean" panose="020B0503020404020204" pitchFamily="34" charset="0"/>
+                        </a:rPr>
+                        <a:t>+ </a:t>
+                      </a:r>
+                      <a:r>
+                        <a:rPr lang="ko-KR" altLang="en-US" sz="800" u="none" strike="noStrike" dirty="0" err="1">
+                          <a:effectLst/>
+                          <a:latin typeface="Adobe Clean" panose="020B0503020404020204" pitchFamily="34" charset="0"/>
+                        </a:rPr>
+                        <a:t>指導方針</a:t>
+                      </a:r>
+                      <a:endParaRPr lang="ko-KR" altLang="en-US" sz="800" b="0" i="0" u="none" strike="noStrike" dirty="0">
+                        <a:solidFill>
+                          <a:srgbClr val="000000"/>
+                        </a:solidFill>
+                        <a:effectLst/>
+                        <a:latin typeface="Adobe Clean" panose="020B0503020404020204" pitchFamily="34" charset="0"/>
+                      </a:endParaRPr>
+                    </a:p>
+                  </a:txBody>
+                  <a:tcPr marL="9525" marR="9525" marT="9525" marB="0">
+                    <a:solidFill>
+                      <a:schemeClr val="bg1"/>
+                    </a:solidFill>
+                  </a:tcPr>
+                </a:tc>
+                <a:extLst>
+                  <a:ext uri="{0D108BD9-81ED-4DB2-BD59-A6C34878D82A}">
+                    <a16:rowId xmlns:a16="http://schemas.microsoft.com/office/drawing/2014/main" val="2771767287"/>
+                  </a:ext>
+                </a:extLst>
+              </a:tr>
+            </a:tbl>
+          </a:graphicData>
+        </a:graphic>
+      </p:graphicFrame>
+      <p:graphicFrame>
+        <p:nvGraphicFramePr>
+          <p:cNvPr id="49" name="Table 48">
+            <a:extLst>
+              <a:ext uri="{FF2B5EF4-FFF2-40B4-BE49-F238E27FC236}">
+                <a16:creationId xmlns:a16="http://schemas.microsoft.com/office/drawing/2014/main" id="{5E584A08-DDE5-0945-9EF0-308782D9FB34}"/>
+              </a:ext>
+            </a:extLst>
+          </p:cNvPr>
+          <p:cNvGraphicFramePr>
+            <a:graphicFrameLocks noGrp="1"/>
+          </p:cNvGraphicFramePr>
+          <p:nvPr>
+            <p:extLst>
+              <p:ext uri="{D42A27DB-BD31-4B8C-83A1-F6EECF244321}">
+                <p14:modId xmlns:p14="http://schemas.microsoft.com/office/powerpoint/2010/main" val="2632618095"/>
+              </p:ext>
+            </p:extLst>
+          </p:nvPr>
+        </p:nvGraphicFramePr>
+        <p:xfrm>
+          <a:off x="304800" y="7793065"/>
+          <a:ext cx="609600" cy="457200"/>
+        </p:xfrm>
+        <a:graphic>
+          <a:graphicData uri="http://schemas.openxmlformats.org/drawingml/2006/table">
+            <a:tbl>
+              <a:tblPr>
+                <a:tableStyleId>{5C22544A-7EE6-4342-B048-85BDC9FD1C3A}</a:tableStyleId>
+              </a:tblPr>
+              <a:tblGrid>
+                <a:gridCol w="609600">
+                  <a:extLst>
+                    <a:ext uri="{9D8B030D-6E8A-4147-A177-3AD203B41FA5}">
+                      <a16:colId xmlns:a16="http://schemas.microsoft.com/office/drawing/2014/main" val="1835503658"/>
+                    </a:ext>
+                  </a:extLst>
+                </a:gridCol>
+              </a:tblGrid>
+              <a:tr h="457200">
+                <a:tc>
+                  <a:txBody>
+                    <a:bodyPr/>
+                    <a:lstStyle/>
+                    <a:p>
+                      <a:pPr algn="ctr" fontAlgn="b"/>
+                      <a:r>
+                        <a:rPr lang="ko-KR" altLang="en-US" sz="800" u="none" strike="noStrike" dirty="0" err="1">
+                          <a:effectLst/>
+                          <a:latin typeface="Adobe Clean" panose="020B0503020404020204" pitchFamily="34" charset="0"/>
+                        </a:rPr>
+                        <a:t>專案藍圖</a:t>
+                      </a:r>
+                      <a:r>
+                        <a:rPr lang="ko-KR" altLang="en-US" sz="800" u="none" strike="noStrike" dirty="0">
+                          <a:effectLst/>
+                          <a:latin typeface="Adobe Clean" panose="020B0503020404020204" pitchFamily="34" charset="0"/>
+                        </a:rPr>
+                        <a:t> </a:t>
+                      </a:r>
+                      <a:r>
+                        <a:rPr lang="en-US" altLang="ko-KR" sz="800" u="none" strike="noStrike" dirty="0">
+                          <a:effectLst/>
+                          <a:latin typeface="Adobe Clean" panose="020B0503020404020204" pitchFamily="34" charset="0"/>
+                        </a:rPr>
+                        <a:t>+ </a:t>
+                      </a:r>
+                      <a:r>
+                        <a:rPr lang="ko-KR" altLang="en-US" sz="800" u="none" strike="noStrike" dirty="0" err="1">
+                          <a:effectLst/>
+                          <a:latin typeface="Adobe Clean" panose="020B0503020404020204" pitchFamily="34" charset="0"/>
+                        </a:rPr>
+                        <a:t>規劃</a:t>
+                      </a:r>
+                      <a:endParaRPr lang="ko-KR" altLang="en-US" sz="800" b="0" i="0" u="none" strike="noStrike" dirty="0">
+                        <a:solidFill>
+                          <a:srgbClr val="000000"/>
+                        </a:solidFill>
+                        <a:effectLst/>
+                        <a:latin typeface="Adobe Clean" panose="020B0503020404020204" pitchFamily="34" charset="0"/>
+                      </a:endParaRPr>
+                    </a:p>
+                  </a:txBody>
+                  <a:tcPr marL="9525" marR="9525" marT="9525" marB="0">
+                    <a:solidFill>
+                      <a:schemeClr val="bg1"/>
+                    </a:solidFill>
+                  </a:tcPr>
+                </a:tc>
+                <a:extLst>
+                  <a:ext uri="{0D108BD9-81ED-4DB2-BD59-A6C34878D82A}">
+                    <a16:rowId xmlns:a16="http://schemas.microsoft.com/office/drawing/2014/main" val="2771767287"/>
+                  </a:ext>
+                </a:extLst>
+              </a:tr>
+            </a:tbl>
+          </a:graphicData>
+        </a:graphic>
+      </p:graphicFrame>
+      <p:graphicFrame>
+        <p:nvGraphicFramePr>
+          <p:cNvPr id="50" name="Table 49">
+            <a:extLst>
+              <a:ext uri="{FF2B5EF4-FFF2-40B4-BE49-F238E27FC236}">
+                <a16:creationId xmlns:a16="http://schemas.microsoft.com/office/drawing/2014/main" id="{9F217B3A-90E1-5E44-B78A-AE1880016A64}"/>
+              </a:ext>
+            </a:extLst>
+          </p:cNvPr>
+          <p:cNvGraphicFramePr>
+            <a:graphicFrameLocks noGrp="1"/>
+          </p:cNvGraphicFramePr>
+          <p:nvPr>
+            <p:extLst>
+              <p:ext uri="{D42A27DB-BD31-4B8C-83A1-F6EECF244321}">
+                <p14:modId xmlns:p14="http://schemas.microsoft.com/office/powerpoint/2010/main" val="3488793164"/>
+              </p:ext>
+            </p:extLst>
+          </p:nvPr>
+        </p:nvGraphicFramePr>
+        <p:xfrm>
+          <a:off x="609600" y="6650065"/>
+          <a:ext cx="609600" cy="497205"/>
+        </p:xfrm>
+        <a:graphic>
+          <a:graphicData uri="http://schemas.openxmlformats.org/drawingml/2006/table">
+            <a:tbl>
+              <a:tblPr>
+                <a:tableStyleId>{5C22544A-7EE6-4342-B048-85BDC9FD1C3A}</a:tableStyleId>
+              </a:tblPr>
+              <a:tblGrid>
+                <a:gridCol w="609600">
+                  <a:extLst>
+                    <a:ext uri="{9D8B030D-6E8A-4147-A177-3AD203B41FA5}">
+                      <a16:colId xmlns:a16="http://schemas.microsoft.com/office/drawing/2014/main" val="1835503658"/>
+                    </a:ext>
+                  </a:extLst>
+                </a:gridCol>
+              </a:tblGrid>
+              <a:tr h="457200">
+                <a:tc>
+                  <a:txBody>
+                    <a:bodyPr/>
+                    <a:lstStyle/>
+                    <a:p>
+                      <a:pPr algn="ctr" fontAlgn="b"/>
+                      <a:r>
+                        <a:rPr lang="ko-KR" altLang="en-US" sz="800" u="none" strike="noStrike" dirty="0" err="1">
+                          <a:effectLst/>
+                          <a:latin typeface="Adobe Clean" panose="020B0503020404020204" pitchFamily="34" charset="0"/>
+                        </a:rPr>
+                        <a:t>從數以千計的部署和整合中獲得經驗</a:t>
+                      </a:r>
+                      <a:endParaRPr lang="ko-KR" altLang="en-US" sz="800" b="0" i="0" u="none" strike="noStrike" dirty="0">
+                        <a:solidFill>
+                          <a:srgbClr val="000000"/>
+                        </a:solidFill>
+                        <a:effectLst/>
+                        <a:latin typeface="Adobe Clean" panose="020B0503020404020204" pitchFamily="34" charset="0"/>
+                      </a:endParaRPr>
+                    </a:p>
+                  </a:txBody>
+                  <a:tcPr marL="9525" marR="9525" marT="9525" marB="0">
+                    <a:solidFill>
+                      <a:schemeClr val="bg1"/>
+                    </a:solidFill>
+                  </a:tcPr>
+                </a:tc>
+                <a:extLst>
+                  <a:ext uri="{0D108BD9-81ED-4DB2-BD59-A6C34878D82A}">
+                    <a16:rowId xmlns:a16="http://schemas.microsoft.com/office/drawing/2014/main" val="2771767287"/>
+                  </a:ext>
+                </a:extLst>
+              </a:tr>
+            </a:tbl>
+          </a:graphicData>
+        </a:graphic>
+      </p:graphicFrame>
     </p:spTree>
     <p:extLst>
       <p:ext uri="{BB962C8B-B14F-4D97-AF65-F5344CB8AC3E}">
@@ -15101,17 +13482,17 @@
               </a:lnSpc>
             </a:pPr>
             <a:r>
-              <a:rPr sz="500" spc="-5">
+              <a:rPr lang="de-de" sz="500" spc="-5">
                 <a:solidFill>
                   <a:srgbClr val="6C6C6C"/>
                 </a:solidFill>
                 <a:latin typeface="Adobe Clean"/>
                 <a:cs typeface="Adobe Clean"/>
               </a:rPr>
-              <a:t>©2020 Adobe. All Rights Reserved. </a:t>
-            </a:r>
-            <a:r>
-              <a:rPr sz="500">
+              <a:t>© 2020 Adobe. All rights reserved.</a:t>
+            </a:r>
+            <a:r>
+              <a:rPr lang="de-de" sz="500">
                 <a:solidFill>
                   <a:srgbClr val="6C6C6C"/>
                 </a:solidFill>
@@ -15121,7 +13502,7 @@
               <a:t>Adobe</a:t>
             </a:r>
             <a:r>
-              <a:rPr sz="500" spc="5">
+              <a:rPr lang="de-de" sz="500" spc="5">
                 <a:solidFill>
                   <a:srgbClr val="6C6C6C"/>
                 </a:solidFill>
@@ -15131,14 +13512,14 @@
               <a:t> </a:t>
             </a:r>
             <a:r>
-              <a:rPr sz="500" spc="-5">
+              <a:rPr lang="de-de" sz="500" spc="-5">
                 <a:solidFill>
                   <a:srgbClr val="6C6C6C"/>
                 </a:solidFill>
                 <a:latin typeface="Adobe Clean"/>
                 <a:cs typeface="Adobe Clean"/>
               </a:rPr>
-              <a:t>Confidential.</a:t>
+              <a:t> 機密資訊。</a:t>
             </a:r>
             <a:endParaRPr sz="500">
               <a:latin typeface="Adobe Clean"/>
@@ -15169,17 +13550,17 @@
               </a:spcBef>
             </a:pPr>
             <a:r>
-              <a:rPr sz="800" spc="-5">
+              <a:rPr lang="de-de" sz="800" spc="-5">
                 <a:solidFill>
                   <a:srgbClr val="6D6D6D"/>
                 </a:solidFill>
                 <a:latin typeface="Adobe Clean"/>
                 <a:cs typeface="Adobe Clean"/>
               </a:rPr>
-              <a:t>©2020 Adobe. All Rights Reserved. Adobe</a:t>
-            </a:r>
-            <a:r>
-              <a:rPr sz="800" spc="75">
+              <a:t>© 2020 Adobe. All rights reserved.Adobe</a:t>
+            </a:r>
+            <a:r>
+              <a:rPr lang="de-de" sz="800" spc="75">
                 <a:solidFill>
                   <a:srgbClr val="6D6D6D"/>
                 </a:solidFill>
@@ -15189,14 +13570,14 @@
               <a:t> </a:t>
             </a:r>
             <a:r>
-              <a:rPr sz="800" spc="-5">
+              <a:rPr lang="de-de" sz="800" spc="-5">
                 <a:solidFill>
                   <a:srgbClr val="6D6D6D"/>
                 </a:solidFill>
                 <a:latin typeface="Adobe Clean"/>
                 <a:cs typeface="Adobe Clean"/>
               </a:rPr>
-              <a:t>Confidential.</a:t>
+              <a:t>機密資訊。</a:t>
             </a:r>
             <a:endParaRPr sz="800">
               <a:latin typeface="Adobe Clean"/>
@@ -15263,7 +13644,7 @@
         </p:nvSpPr>
         <p:spPr>
           <a:xfrm>
-            <a:off x="170410" y="575594"/>
+            <a:off x="1070991" y="562540"/>
             <a:ext cx="3476626" cy="332783"/>
           </a:xfrm>
           <a:prstGeom prst="rect">
@@ -15285,14 +13666,14 @@
               </a:spcBef>
             </a:pPr>
             <a:r>
-              <a:rPr lang="en-US" sz="1400" b="1" spc="-15">
+              <a:rPr lang="de-de" sz="1400" b="1" spc="-15">
                 <a:solidFill>
                   <a:srgbClr val="020302"/>
                 </a:solidFill>
                 <a:latin typeface="Adobe Clean"/>
                 <a:cs typeface="Adobe Clean"/>
               </a:rPr>
-              <a:t>Resources</a:t>
+              <a:t>資源</a:t>
             </a:r>
             <a:endParaRPr sz="1400">
               <a:latin typeface="Adobe Clean"/>
@@ -15331,7 +13712,7 @@
               </a:spcBef>
             </a:pPr>
             <a:r>
-              <a:rPr sz="800" spc="-15">
+              <a:rPr lang="de-de" sz="800" spc="-15">
                 <a:solidFill>
                   <a:srgbClr val="777879"/>
                 </a:solidFill>
@@ -15352,7 +13733,7 @@
               </a:lnSpc>
             </a:pPr>
             <a:r>
-              <a:rPr sz="800" spc="-15">
+              <a:rPr lang="de-de" sz="800" spc="-15">
                 <a:solidFill>
                   <a:srgbClr val="777879"/>
                 </a:solidFill>
@@ -15362,7 +13743,7 @@
               <a:t>345 Park</a:t>
             </a:r>
             <a:r>
-              <a:rPr sz="800" spc="-100">
+              <a:rPr lang="de-de" sz="800" spc="-100">
                 <a:solidFill>
                   <a:srgbClr val="777879"/>
                 </a:solidFill>
@@ -15372,7 +13753,7 @@
               <a:t> </a:t>
             </a:r>
             <a:r>
-              <a:rPr sz="800" spc="-15">
+              <a:rPr lang="de-de" sz="800" spc="-15">
                 <a:solidFill>
                   <a:srgbClr val="777879"/>
                 </a:solidFill>
@@ -15393,7 +13774,7 @@
               </a:lnSpc>
             </a:pPr>
             <a:r>
-              <a:rPr sz="800" spc="-10">
+              <a:rPr lang="de-de" sz="800" spc="-10">
                 <a:solidFill>
                   <a:srgbClr val="777879"/>
                 </a:solidFill>
@@ -15403,7 +13784,7 @@
               <a:t>San </a:t>
             </a:r>
             <a:r>
-              <a:rPr sz="800" spc="-15">
+              <a:rPr lang="de-de" sz="800" spc="-15">
                 <a:solidFill>
                   <a:srgbClr val="777879"/>
                 </a:solidFill>
@@ -15413,7 +13794,7 @@
               <a:t>Jose,</a:t>
             </a:r>
             <a:r>
-              <a:rPr sz="800" spc="-140">
+              <a:rPr lang="de-de" sz="800" spc="-140">
                 <a:solidFill>
                   <a:srgbClr val="777879"/>
                 </a:solidFill>
@@ -15423,7 +13804,7 @@
               <a:t> </a:t>
             </a:r>
             <a:r>
-              <a:rPr sz="800" spc="-20">
+              <a:rPr lang="de-de" sz="800" spc="-20">
                 <a:solidFill>
                   <a:srgbClr val="777879"/>
                 </a:solidFill>
@@ -15447,7 +13828,7 @@
               </a:spcBef>
             </a:pPr>
             <a:r>
-              <a:rPr sz="800" spc="-10">
+              <a:rPr lang="de-de" sz="800" spc="-10">
                 <a:solidFill>
                   <a:srgbClr val="777879"/>
                 </a:solidFill>
@@ -15471,7 +13852,7 @@
               </a:spcBef>
             </a:pPr>
             <a:r>
-              <a:rPr sz="800" u="sng" spc="-25">
+              <a:rPr lang="de-de" sz="800" u="sng" spc="-25">
                 <a:solidFill>
                   <a:srgbClr val="5F5F5F"/>
                 </a:solidFill>
@@ -15484,7 +13865,7 @@
                 <a:cs typeface="Adobe Clean"/>
                 <a:hlinkClick r:id="rId3"/>
               </a:rPr>
-              <a:t>www.adobe.com</a:t>
+              <a:t>www.adobe.com/tw/</a:t>
             </a:r>
             <a:endParaRPr sz="800">
               <a:latin typeface="Adobe Clean"/>
@@ -15650,7 +14031,7 @@
           </a:prstGeom>
         </p:spPr>
         <p:txBody>
-          <a:bodyPr vert="horz" wrap="square" lIns="0" tIns="29845" rIns="0" bIns="0" rtlCol="0" anchor="t">
+          <a:bodyPr vert="horz" wrap="square" lIns="0" tIns="29845" rIns="0" bIns="0" rtlCol="0">
             <a:spAutoFit/>
           </a:bodyPr>
           <a:lstStyle/>
@@ -15664,17 +14045,27 @@
               </a:spcBef>
             </a:pPr>
             <a:r>
-              <a:rPr sz="1100" i="1" spc="-10" dirty="0">
+              <a:rPr lang="de-de" sz="1100" i="1" spc="-10">
                 <a:solidFill>
                   <a:srgbClr val="777879"/>
                 </a:solidFill>
                 <a:latin typeface="AdobeClean-LightIt"/>
                 <a:cs typeface="AdobeClean-LightIt"/>
               </a:rPr>
-              <a:t>To</a:t>
-            </a:r>
-            <a:r>
-              <a:rPr sz="1100" i="1" spc="-50" dirty="0">
+              <a:t>如需</a:t>
+            </a:r>
+            <a:r>
+              <a:rPr lang="de-de" sz="1100" i="1" spc="-15">
+                <a:solidFill>
+                  <a:srgbClr val="777879"/>
+                </a:solidFill>
+                <a:latin typeface="AdobeClean-LightIt"/>
+                <a:cs typeface="AdobeClean-LightIt"/>
+              </a:rPr>
+              <a:t>了解</a:t>
+            </a:r>
+            <a:r>
+              <a:rPr lang="de-de" sz="1100" i="1" spc="-40">
                 <a:solidFill>
                   <a:srgbClr val="777879"/>
                 </a:solidFill>
@@ -15684,17 +14075,7 @@
               <a:t> </a:t>
             </a:r>
             <a:r>
-              <a:rPr sz="1100" i="1" spc="-15" dirty="0">
-                <a:solidFill>
-                  <a:srgbClr val="777879"/>
-                </a:solidFill>
-                <a:latin typeface="AdobeClean-LightIt"/>
-                <a:cs typeface="AdobeClean-LightIt"/>
-              </a:rPr>
-              <a:t>learn</a:t>
-            </a:r>
-            <a:r>
-              <a:rPr sz="1100" i="1" spc="-40" dirty="0">
+              <a:rPr lang="de-de" sz="1100" i="1" spc="-45">
                 <a:solidFill>
                   <a:srgbClr val="777879"/>
                 </a:solidFill>
@@ -15704,17 +14085,17 @@
               <a:t> </a:t>
             </a:r>
             <a:r>
-              <a:rPr sz="1100" i="1" spc="-15" dirty="0">
+              <a:rPr lang="de-de" sz="1100" i="1" spc="-15">
                 <a:solidFill>
                   <a:srgbClr val="777879"/>
                 </a:solidFill>
                 <a:latin typeface="AdobeClean-LightIt"/>
                 <a:cs typeface="AdobeClean-LightIt"/>
               </a:rPr>
-              <a:t>more</a:t>
-            </a:r>
-            <a:r>
-              <a:rPr sz="1100" i="1" spc="-45" dirty="0">
+              <a:t>Adobe</a:t>
+            </a:r>
+            <a:r>
+              <a:rPr lang="de-de" sz="1100" i="1" spc="-50">
                 <a:solidFill>
                   <a:srgbClr val="777879"/>
                 </a:solidFill>
@@ -15724,307 +14105,57 @@
               <a:t> </a:t>
             </a:r>
             <a:r>
-              <a:rPr sz="1100" i="1" spc="-15" dirty="0">
+              <a:rPr lang="de-de" sz="1100" i="1" spc="-15">
                 <a:solidFill>
                   <a:srgbClr val="777879"/>
                 </a:solidFill>
                 <a:latin typeface="AdobeClean-LightIt"/>
                 <a:cs typeface="AdobeClean-LightIt"/>
               </a:rPr>
-              <a:t>about</a:t>
-            </a:r>
-            <a:r>
-              <a:rPr sz="1100" i="1" spc="-45" dirty="0">
+              <a:t>支援方案</a:t>
+            </a:r>
+            <a:r>
+              <a:rPr lang="de-de" sz="1100" i="1" spc="-75">
                 <a:solidFill>
                   <a:srgbClr val="777879"/>
                 </a:solidFill>
                 <a:latin typeface="AdobeClean-LightIt"/>
                 <a:cs typeface="AdobeClean-LightIt"/>
               </a:rPr>
-              <a:t> </a:t>
-            </a:r>
-            <a:r>
-              <a:rPr sz="1100" i="1" spc="-15" dirty="0">
+              <a:t>的詳細資訊</a:t>
+            </a:r>
+            <a:r>
+              <a:rPr lang="de-de" sz="1100" i="1" spc="-15">
                 <a:solidFill>
                   <a:srgbClr val="777879"/>
                 </a:solidFill>
                 <a:latin typeface="AdobeClean-LightIt"/>
                 <a:cs typeface="AdobeClean-LightIt"/>
               </a:rPr>
-              <a:t>Adobe</a:t>
-            </a:r>
-            <a:r>
-              <a:rPr sz="1100" i="1" spc="-50" dirty="0">
+              <a:t>以及適合您的層級，請聯絡您指定的</a:t>
+            </a:r>
+            <a:r>
+              <a:rPr lang="de-de" sz="1100" i="1" spc="-25">
                 <a:solidFill>
                   <a:srgbClr val="777879"/>
                 </a:solidFill>
                 <a:latin typeface="AdobeClean-LightIt"/>
                 <a:cs typeface="AdobeClean-LightIt"/>
               </a:rPr>
-              <a:t> </a:t>
-            </a:r>
-            <a:r>
-              <a:rPr sz="1100" i="1" spc="-15" dirty="0">
+              <a:t>帳戶</a:t>
+            </a:r>
+            <a:r>
+              <a:rPr lang="de-de" sz="1100" i="1" spc="-20">
                 <a:solidFill>
                   <a:srgbClr val="777879"/>
                 </a:solidFill>
                 <a:latin typeface="AdobeClean-LightIt"/>
                 <a:cs typeface="AdobeClean-LightIt"/>
               </a:rPr>
-              <a:t>Support</a:t>
-            </a:r>
-            <a:r>
-              <a:rPr lang="en-US" sz="1100" i="1" spc="-15" dirty="0">
-                <a:solidFill>
-                  <a:srgbClr val="777879"/>
-                </a:solidFill>
-                <a:latin typeface="AdobeClean-LightIt"/>
-                <a:cs typeface="AdobeClean-LightIt"/>
-              </a:rPr>
-              <a:t> Offerings</a:t>
-            </a:r>
-            <a:r>
-              <a:rPr sz="1100" i="1" spc="-75" dirty="0">
-                <a:solidFill>
-                  <a:srgbClr val="777879"/>
-                </a:solidFill>
-                <a:latin typeface="AdobeClean-LightIt"/>
-                <a:cs typeface="AdobeClean-LightIt"/>
-              </a:rPr>
-              <a:t> </a:t>
-            </a:r>
-            <a:r>
-              <a:rPr sz="1100" i="1" spc="-15" dirty="0">
-                <a:solidFill>
-                  <a:srgbClr val="777879"/>
-                </a:solidFill>
-                <a:latin typeface="AdobeClean-LightIt"/>
-                <a:cs typeface="AdobeClean-LightIt"/>
-              </a:rPr>
-              <a:t>and</a:t>
-            </a:r>
-            <a:r>
-              <a:rPr sz="1100" i="1" spc="-50" dirty="0">
-                <a:solidFill>
-                  <a:srgbClr val="777879"/>
-                </a:solidFill>
-                <a:latin typeface="AdobeClean-LightIt"/>
-                <a:cs typeface="AdobeClean-LightIt"/>
-              </a:rPr>
-              <a:t> </a:t>
-            </a:r>
-            <a:r>
-              <a:rPr sz="1100" i="1" spc="-15" dirty="0">
-                <a:solidFill>
-                  <a:srgbClr val="777879"/>
-                </a:solidFill>
-                <a:latin typeface="AdobeClean-LightIt"/>
-                <a:cs typeface="AdobeClean-LightIt"/>
-              </a:rPr>
-              <a:t>the</a:t>
-            </a:r>
-            <a:r>
-              <a:rPr sz="1100" i="1" spc="-55" dirty="0">
-                <a:solidFill>
-                  <a:srgbClr val="777879"/>
-                </a:solidFill>
-                <a:latin typeface="AdobeClean-LightIt"/>
-                <a:cs typeface="AdobeClean-LightIt"/>
-              </a:rPr>
-              <a:t> </a:t>
-            </a:r>
-            <a:r>
-              <a:rPr sz="1100" i="1" spc="-15" dirty="0">
-                <a:solidFill>
-                  <a:srgbClr val="777879"/>
-                </a:solidFill>
-                <a:latin typeface="AdobeClean-LightIt"/>
-                <a:cs typeface="AdobeClean-LightIt"/>
-              </a:rPr>
-              <a:t>right</a:t>
-            </a:r>
-            <a:r>
-              <a:rPr sz="1100" i="1" spc="-95" dirty="0">
-                <a:solidFill>
-                  <a:srgbClr val="777879"/>
-                </a:solidFill>
-                <a:latin typeface="AdobeClean-LightIt"/>
-                <a:cs typeface="AdobeClean-LightIt"/>
-              </a:rPr>
-              <a:t> </a:t>
-            </a:r>
-            <a:r>
-              <a:rPr sz="1100" i="1" spc="-15" dirty="0">
-                <a:solidFill>
-                  <a:srgbClr val="777879"/>
-                </a:solidFill>
-                <a:latin typeface="AdobeClean-LightIt"/>
-                <a:cs typeface="AdobeClean-LightIt"/>
-              </a:rPr>
-              <a:t>level</a:t>
-            </a:r>
-            <a:r>
-              <a:rPr sz="1100" i="1" spc="-55" dirty="0">
-                <a:solidFill>
-                  <a:srgbClr val="777879"/>
-                </a:solidFill>
-                <a:latin typeface="AdobeClean-LightIt"/>
-                <a:cs typeface="AdobeClean-LightIt"/>
-              </a:rPr>
-              <a:t> </a:t>
-            </a:r>
-            <a:r>
-              <a:rPr sz="1100" i="1" spc="-15" dirty="0">
-                <a:solidFill>
-                  <a:srgbClr val="777879"/>
-                </a:solidFill>
-                <a:latin typeface="AdobeClean-LightIt"/>
-                <a:cs typeface="AdobeClean-LightIt"/>
-              </a:rPr>
-              <a:t>for</a:t>
-            </a:r>
-            <a:r>
-              <a:rPr sz="1100" i="1" spc="-85" dirty="0">
-                <a:solidFill>
-                  <a:srgbClr val="777879"/>
-                </a:solidFill>
-                <a:latin typeface="AdobeClean-LightIt"/>
-                <a:cs typeface="AdobeClean-LightIt"/>
-              </a:rPr>
-              <a:t> </a:t>
-            </a:r>
-            <a:r>
-              <a:rPr sz="1100" i="1" spc="-15" dirty="0">
-                <a:solidFill>
-                  <a:srgbClr val="777879"/>
-                </a:solidFill>
-                <a:latin typeface="AdobeClean-LightIt"/>
-                <a:cs typeface="AdobeClean-LightIt"/>
-              </a:rPr>
-              <a:t>you,</a:t>
-            </a:r>
-            <a:r>
-              <a:rPr sz="1100" i="1" spc="-65" dirty="0">
-                <a:solidFill>
-                  <a:srgbClr val="777879"/>
-                </a:solidFill>
-                <a:latin typeface="AdobeClean-LightIt"/>
-                <a:cs typeface="AdobeClean-LightIt"/>
-              </a:rPr>
-              <a:t> </a:t>
-            </a:r>
-            <a:r>
-              <a:rPr sz="1100" i="1" spc="-15" dirty="0">
-                <a:solidFill>
-                  <a:srgbClr val="777879"/>
-                </a:solidFill>
-                <a:latin typeface="AdobeClean-LightIt"/>
-                <a:cs typeface="AdobeClean-LightIt"/>
-              </a:rPr>
-              <a:t>contact</a:t>
-            </a:r>
-            <a:r>
-              <a:rPr sz="1100" i="1" spc="-85" dirty="0">
-                <a:solidFill>
-                  <a:srgbClr val="777879"/>
-                </a:solidFill>
-                <a:latin typeface="AdobeClean-LightIt"/>
-                <a:cs typeface="AdobeClean-LightIt"/>
-              </a:rPr>
-              <a:t> </a:t>
-            </a:r>
-            <a:r>
-              <a:rPr sz="1100" i="1" spc="-15" dirty="0">
-                <a:solidFill>
-                  <a:srgbClr val="777879"/>
-                </a:solidFill>
-                <a:latin typeface="AdobeClean-LightIt"/>
-                <a:cs typeface="AdobeClean-LightIt"/>
-              </a:rPr>
-              <a:t>your</a:t>
-            </a:r>
-            <a:r>
-              <a:rPr sz="1100" i="1" spc="-70" dirty="0">
-                <a:solidFill>
-                  <a:srgbClr val="777879"/>
-                </a:solidFill>
-                <a:latin typeface="AdobeClean-LightIt"/>
-                <a:cs typeface="AdobeClean-LightIt"/>
-              </a:rPr>
-              <a:t> </a:t>
-            </a:r>
-            <a:r>
-              <a:rPr sz="1100" i="1" spc="-15" dirty="0">
-                <a:solidFill>
-                  <a:srgbClr val="777879"/>
-                </a:solidFill>
-                <a:latin typeface="AdobeClean-LightIt"/>
-                <a:cs typeface="AdobeClean-LightIt"/>
-              </a:rPr>
-              <a:t>Named</a:t>
-            </a:r>
-            <a:r>
-              <a:rPr sz="1100" i="1" spc="-55" dirty="0">
-                <a:solidFill>
-                  <a:srgbClr val="777879"/>
-                </a:solidFill>
-                <a:latin typeface="AdobeClean-LightIt"/>
-                <a:cs typeface="AdobeClean-LightIt"/>
-              </a:rPr>
-              <a:t> </a:t>
-            </a:r>
-            <a:r>
-              <a:rPr sz="1100" i="1" spc="-25" dirty="0">
-                <a:solidFill>
-                  <a:srgbClr val="777879"/>
-                </a:solidFill>
-                <a:latin typeface="AdobeClean-LightIt"/>
-                <a:cs typeface="AdobeClean-LightIt"/>
-              </a:rPr>
-              <a:t>Account</a:t>
-            </a:r>
-            <a:r>
-              <a:rPr sz="1100" i="1" spc="-120" dirty="0">
-                <a:solidFill>
-                  <a:srgbClr val="777879"/>
-                </a:solidFill>
-                <a:latin typeface="AdobeClean-LightIt"/>
-                <a:cs typeface="AdobeClean-LightIt"/>
-              </a:rPr>
-              <a:t> </a:t>
-            </a:r>
-            <a:r>
-              <a:rPr sz="1100" i="1" spc="-20" dirty="0">
-                <a:solidFill>
-                  <a:srgbClr val="777879"/>
-                </a:solidFill>
-                <a:latin typeface="AdobeClean-LightIt"/>
-                <a:cs typeface="AdobeClean-LightIt"/>
-              </a:rPr>
-              <a:t>Manager</a:t>
-            </a:r>
-            <a:r>
-              <a:rPr lang="en-US" sz="1100" i="1" spc="-20" dirty="0">
-                <a:solidFill>
-                  <a:srgbClr val="777879"/>
-                </a:solidFill>
-                <a:latin typeface="AdobeClean-LightIt"/>
-                <a:cs typeface="AdobeClean-LightIt"/>
-              </a:rPr>
-              <a:t> </a:t>
-            </a:r>
-            <a:r>
-              <a:rPr sz="1100" i="1" spc="-20" dirty="0">
-                <a:solidFill>
-                  <a:srgbClr val="777879"/>
-                </a:solidFill>
-                <a:latin typeface="AdobeClean-LightIt"/>
-                <a:cs typeface="AdobeClean-LightIt"/>
-              </a:rPr>
-              <a:t> </a:t>
-            </a:r>
-            <a:r>
-              <a:rPr sz="1100" i="1" spc="-15" dirty="0">
+              <a:t>經理 </a:t>
+            </a:r>
+            <a:r>
+              <a:rPr lang="de-de" sz="1100" i="1" spc="-15">
                 <a:solidFill>
                   <a:srgbClr val="777879"/>
                 </a:solidFill>
@@ -16034,74 +14165,44 @@
               <a:t>(NAM) </a:t>
             </a:r>
             <a:r>
-              <a:rPr sz="1100" i="1" spc="-10" dirty="0">
+              <a:rPr lang="de-de" sz="1100" i="1" spc="-10">
                 <a:solidFill>
                   <a:srgbClr val="777879"/>
                 </a:solidFill>
                 <a:latin typeface="AdobeClean-LightIt"/>
                 <a:cs typeface="AdobeClean-LightIt"/>
               </a:rPr>
-              <a:t>or </a:t>
-            </a:r>
-            <a:r>
-              <a:rPr sz="1100" i="1" spc="-15" dirty="0">
+              <a:t>或</a:t>
+            </a:r>
+            <a:r>
+              <a:rPr lang="de-de" sz="1100" i="1" spc="-15">
                 <a:solidFill>
                   <a:srgbClr val="777879"/>
                 </a:solidFill>
                 <a:latin typeface="AdobeClean-LightIt"/>
                 <a:cs typeface="AdobeClean-LightIt"/>
               </a:rPr>
-              <a:t>Customer </a:t>
-            </a:r>
-            <a:r>
-              <a:rPr sz="1100" i="1" spc="-20" dirty="0">
+              <a:t>客戶</a:t>
+            </a:r>
+            <a:r>
+              <a:rPr lang="de-de" sz="1100" i="1" spc="-20">
                 <a:solidFill>
                   <a:srgbClr val="777879"/>
                 </a:solidFill>
                 <a:latin typeface="AdobeClean-LightIt"/>
                 <a:cs typeface="AdobeClean-LightIt"/>
               </a:rPr>
-              <a:t>Success</a:t>
-            </a:r>
-            <a:r>
-              <a:rPr sz="1100" i="1" spc="-180" dirty="0">
+              <a:t>成功</a:t>
+            </a:r>
+            <a:r>
+              <a:rPr lang="de-de" sz="1100" i="1" spc="-15">
                 <a:solidFill>
                   <a:srgbClr val="777879"/>
                 </a:solidFill>
                 <a:latin typeface="AdobeClean-LightIt"/>
                 <a:cs typeface="AdobeClean-LightIt"/>
               </a:rPr>
-              <a:t> </a:t>
-            </a:r>
-            <a:r>
-              <a:rPr sz="1100" i="1" spc="-15" dirty="0">
-                <a:solidFill>
-                  <a:srgbClr val="777879"/>
-                </a:solidFill>
-                <a:latin typeface="AdobeClean-LightIt"/>
-                <a:cs typeface="AdobeClean-LightIt"/>
-              </a:rPr>
-              <a:t>Manager</a:t>
-            </a:r>
-            <a:r>
-              <a:rPr lang="en-US" sz="1100" i="1" spc="-15" dirty="0">
-                <a:solidFill>
-                  <a:srgbClr val="777879"/>
-                </a:solidFill>
-                <a:latin typeface="AdobeClean-LightIt"/>
-                <a:cs typeface="AdobeClean-LightIt"/>
-              </a:rPr>
-              <a:t> </a:t>
-            </a:r>
-            <a:r>
-              <a:rPr sz="1100" i="1" spc="-15" dirty="0">
-                <a:solidFill>
-                  <a:srgbClr val="777879"/>
-                </a:solidFill>
-                <a:latin typeface="AdobeClean-LightIt"/>
-                <a:cs typeface="AdobeClean-LightIt"/>
-              </a:rPr>
-              <a:t>(CSM)</a:t>
+              <a:t>經理 (CSM)</a:t>
             </a:r>
             <a:endParaRPr sz="1100" dirty="0">
               <a:latin typeface="AdobeClean-LightIt"/>
@@ -16118,37 +14219,17 @@
               </a:spcBef>
             </a:pPr>
             <a:r>
-              <a:rPr sz="800" spc="-5" dirty="0">
+              <a:rPr lang="de-de" sz="800" spc="-5" dirty="0">
                 <a:solidFill>
                   <a:srgbClr val="6D6D6D"/>
                 </a:solidFill>
                 <a:latin typeface="Adobe Clean"/>
                 <a:cs typeface="Adobe Clean"/>
               </a:rPr>
-              <a:t>©202</a:t>
-            </a:r>
-            <a:r>
-              <a:rPr lang="en-US" sz="800" spc="-5" dirty="0">
-                <a:solidFill>
-                  <a:srgbClr val="6D6D6D"/>
-                </a:solidFill>
-                <a:latin typeface="Adobe Clean"/>
-                <a:cs typeface="Adobe Clean"/>
-              </a:rPr>
-              <a:t>1</a:t>
-            </a:r>
-            <a:r>
-              <a:rPr sz="800" spc="-5" dirty="0">
-                <a:solidFill>
-                  <a:srgbClr val="6D6D6D"/>
-                </a:solidFill>
-                <a:latin typeface="Adobe Clean"/>
-                <a:cs typeface="Adobe Clean"/>
-              </a:rPr>
-              <a:t> Adobe. All Rights Reserved. Adobe</a:t>
-            </a:r>
-            <a:r>
-              <a:rPr sz="800" spc="75" dirty="0">
+              <a:t>©2021 Adobe。All rights reserved.Adobe</a:t>
+            </a:r>
+            <a:r>
+              <a:rPr lang="de-de" sz="800" spc="75" dirty="0">
                 <a:solidFill>
                   <a:srgbClr val="6D6D6D"/>
                 </a:solidFill>
@@ -16158,14 +14239,14 @@
               <a:t> </a:t>
             </a:r>
             <a:r>
-              <a:rPr sz="800" spc="-5" dirty="0">
+              <a:rPr lang="de-de" sz="800" spc="-5" dirty="0">
                 <a:solidFill>
                   <a:srgbClr val="6D6D6D"/>
                 </a:solidFill>
                 <a:latin typeface="Adobe Clean"/>
                 <a:cs typeface="Adobe Clean"/>
               </a:rPr>
-              <a:t>Confidential.</a:t>
+              <a:t>機密資訊。</a:t>
             </a:r>
             <a:endParaRPr sz="800" dirty="0">
               <a:latin typeface="Adobe Clean"/>
@@ -16188,7 +14269,7 @@
         </p:nvSpPr>
         <p:spPr>
           <a:xfrm>
-            <a:off x="190707" y="4913781"/>
+            <a:off x="171129" y="5057379"/>
             <a:ext cx="6476646" cy="755976"/>
           </a:xfrm>
           <a:prstGeom prst="rect">
@@ -16196,47 +14277,126 @@
           </a:prstGeom>
         </p:spPr>
         <p:txBody>
-          <a:bodyPr vert="horz" wrap="square" lIns="0" tIns="116205" rIns="0" bIns="0" rtlCol="0" anchor="t">
+          <a:bodyPr vert="horz" wrap="square" lIns="0" tIns="116205" rIns="0" bIns="0" rtlCol="0">
             <a:spAutoFit/>
           </a:bodyPr>
           <a:lstStyle/>
           <a:p>
-            <a:pPr>
+            <a:pPr lvl="0">
               <a:spcBef>
                 <a:spcPts val="915"/>
               </a:spcBef>
             </a:pPr>
             <a:r>
-              <a:rPr lang="en-US" sz="1400" b="1" spc="-15">
+              <a:rPr lang="en-US" altLang="zh-TW" sz="1400" b="1" spc="-15" dirty="0">
                 <a:solidFill>
                   <a:srgbClr val="020302"/>
                 </a:solidFill>
                 <a:latin typeface="Adobe Clean"/>
                 <a:cs typeface="Adobe Clean"/>
               </a:rPr>
-              <a:t>Regional scope of Adobe Support, Local Hours Of Operation And Language Support</a:t>
-            </a:r>
-            <a:endParaRPr lang="en-US" sz="1400" spc="-15">
-              <a:ea typeface="+mn-lt"/>
-              <a:cs typeface="+mn-lt"/>
+              <a:t>Adobe </a:t>
+            </a:r>
+            <a:r>
+              <a:rPr lang="zh-TW" altLang="en-US" sz="1400" b="1" spc="-15" dirty="0">
+                <a:solidFill>
+                  <a:srgbClr val="020302"/>
+                </a:solidFill>
+                <a:latin typeface="Adobe Clean"/>
+                <a:cs typeface="Adobe Clean"/>
+              </a:rPr>
+              <a:t>支援的區域範圍、當地營業時間和語言支援</a:t>
+            </a:r>
+            <a:endParaRPr lang="pl-PL" altLang="zh-TW" sz="1400" b="1" spc="-15" dirty="0">
+              <a:solidFill>
+                <a:srgbClr val="020302"/>
+              </a:solidFill>
+              <a:latin typeface="Adobe Clean"/>
+              <a:cs typeface="Adobe Clean"/>
             </a:endParaRPr>
           </a:p>
           <a:p>
-            <a:pPr>
+            <a:pPr lvl="0">
               <a:spcBef>
                 <a:spcPts val="915"/>
               </a:spcBef>
             </a:pPr>
             <a:r>
-              <a:rPr lang="en-US" sz="1000" spc="-15">
+              <a:rPr lang="en-US" altLang="zh-TW" sz="1000" spc="-15" dirty="0">
                 <a:solidFill>
                   <a:srgbClr val="1F1F1F"/>
                 </a:solidFill>
                 <a:latin typeface="AdobeClean-Light"/>
               </a:rPr>
-              <a:t>The regional scope of Adobe Support is established by aligning the customer's billing address (via the Sales Order or other Adobe Support purchasing document) to one of the following regions:</a:t>
-            </a:r>
-            <a:endParaRPr lang="en-US" sz="1000">
+              <a:t>Adobe </a:t>
+            </a:r>
+            <a:r>
+              <a:rPr lang="zh-TW" altLang="en-US" sz="1000" spc="-15" dirty="0">
+                <a:solidFill>
+                  <a:srgbClr val="1F1F1F"/>
+                </a:solidFill>
+                <a:latin typeface="AdobeClean-Light"/>
+              </a:rPr>
+              <a:t>支援的區域範圍是透過將客戶的帳單地址 </a:t>
+            </a:r>
+            <a:r>
+              <a:rPr lang="en-US" altLang="zh-TW" sz="1000" spc="-15" dirty="0">
+                <a:solidFill>
+                  <a:srgbClr val="1F1F1F"/>
+                </a:solidFill>
+                <a:latin typeface="AdobeClean-Light"/>
+              </a:rPr>
+              <a:t>(</a:t>
+            </a:r>
+            <a:r>
+              <a:rPr lang="zh-TW" altLang="en-US" sz="1000" spc="-15" dirty="0">
+                <a:solidFill>
+                  <a:srgbClr val="1F1F1F"/>
+                </a:solidFill>
+                <a:latin typeface="AdobeClean-Light"/>
+              </a:rPr>
+              <a:t>通過銷售訂單或其他 </a:t>
+            </a:r>
+            <a:r>
+              <a:rPr lang="en-US" altLang="zh-TW" sz="1000" spc="-15" dirty="0">
+                <a:solidFill>
+                  <a:srgbClr val="1F1F1F"/>
+                </a:solidFill>
+                <a:latin typeface="AdobeClean-Light"/>
+              </a:rPr>
+              <a:t>Adobe </a:t>
+            </a:r>
+            <a:r>
+              <a:rPr lang="zh-TW" altLang="en-US" sz="1000" spc="-15" dirty="0">
+                <a:solidFill>
+                  <a:srgbClr val="1F1F1F"/>
+                </a:solidFill>
+                <a:latin typeface="AdobeClean-Light"/>
+              </a:rPr>
+              <a:t>支援採購文件</a:t>
+            </a:r>
+            <a:r>
+              <a:rPr lang="en-US" altLang="zh-TW" sz="1000" spc="-15" dirty="0">
+                <a:solidFill>
+                  <a:srgbClr val="1F1F1F"/>
+                </a:solidFill>
+                <a:latin typeface="AdobeClean-Light"/>
+              </a:rPr>
+              <a:t>) </a:t>
+            </a:r>
+            <a:r>
+              <a:rPr lang="zh-TW" altLang="en-US" sz="1000" spc="-15" dirty="0">
+                <a:solidFill>
+                  <a:srgbClr val="1F1F1F"/>
+                </a:solidFill>
+                <a:latin typeface="AdobeClean-Light"/>
+              </a:rPr>
+              <a:t>歸納於以下區域之一來建立的：</a:t>
+            </a:r>
+            <a:endParaRPr lang="de-de" sz="1000" spc="-15" dirty="0">
+              <a:solidFill>
+                <a:srgbClr val="1F1F1F"/>
+              </a:solidFill>
               <a:latin typeface="AdobeClean-Light"/>
             </a:endParaRPr>
           </a:p>
@@ -16257,14 +14417,14 @@
           <p:nvPr>
             <p:extLst>
               <p:ext uri="{D42A27DB-BD31-4B8C-83A1-F6EECF244321}">
-                <p14:modId xmlns:p14="http://schemas.microsoft.com/office/powerpoint/2010/main" val="1291534283"/>
+                <p14:modId xmlns:p14="http://schemas.microsoft.com/office/powerpoint/2010/main" val="3866538785"/>
               </p:ext>
             </p:extLst>
           </p:nvPr>
         </p:nvGraphicFramePr>
         <p:xfrm>
           <a:off x="171128" y="5907213"/>
-          <a:ext cx="7391400" cy="1391920"/>
+          <a:ext cx="7391400" cy="1336040"/>
         </p:xfrm>
         <a:graphic>
           <a:graphicData uri="http://schemas.openxmlformats.org/drawingml/2006/table">
@@ -16310,13 +14470,13 @@
                     <a:p>
                       <a:pPr algn="ctr"/>
                       <a:r>
-                        <a:rPr lang="en-US" sz="1100">
+                        <a:rPr lang="de-de" sz="1100">
                           <a:solidFill>
                             <a:schemeClr val="tx1"/>
                           </a:solidFill>
-                          <a:latin typeface="Adobe Clean"/>
+                          <a:latin typeface="Adobe Clean" panose="020B0503020404020204" pitchFamily="34" charset="0"/>
                         </a:rPr>
-                        <a:t>Americas</a:t>
+                        <a:t>美洲</a:t>
                       </a:r>
                     </a:p>
                   </a:txBody>
@@ -16375,13 +14535,13 @@
                     <a:p>
                       <a:pPr algn="ctr"/>
                       <a:r>
-                        <a:rPr lang="en-US" sz="1100">
+                        <a:rPr lang="de-de" sz="1100">
                           <a:solidFill>
                             <a:schemeClr val="tx1"/>
                           </a:solidFill>
-                          <a:latin typeface="Adobe Clean"/>
+                          <a:latin typeface="Adobe Clean" panose="020B0503020404020204" pitchFamily="34" charset="0"/>
                         </a:rPr>
-                        <a:t>Europe, Middle East &amp; Africa</a:t>
+                        <a:t>歐洲、中東與非洲</a:t>
                       </a:r>
                     </a:p>
                   </a:txBody>
@@ -16440,13 +14600,13 @@
                     <a:p>
                       <a:pPr algn="ctr"/>
                       <a:r>
-                        <a:rPr lang="en-US" sz="1100">
+                        <a:rPr lang="de-de" sz="1100">
                           <a:solidFill>
                             <a:schemeClr val="tx1"/>
                           </a:solidFill>
-                          <a:latin typeface="Adobe Clean"/>
+                          <a:latin typeface="Adobe Clean" panose="020B0503020404020204" pitchFamily="34" charset="0"/>
                         </a:rPr>
-                        <a:t>Asia Pacific</a:t>
+                        <a:t>亞太地區</a:t>
                       </a:r>
                     </a:p>
                   </a:txBody>
@@ -16505,22 +14665,22 @@
                     <a:p>
                       <a:pPr algn="ctr"/>
                       <a:r>
-                        <a:rPr lang="en-US" sz="1100">
+                        <a:rPr lang="de-de" sz="1100">
                           <a:solidFill>
                             <a:schemeClr val="tx1"/>
                           </a:solidFill>
                           <a:latin typeface="Adobe Clean"/>
                         </a:rPr>
-                        <a:t>Japan </a:t>
+                        <a:t>日本 </a:t>
                       </a:r>
                       <a:r>
-                        <a:rPr lang="en-US" sz="1100" baseline="30000">
+                        <a:rPr lang="de-de" sz="1100" baseline="30000">
                           <a:solidFill>
                             <a:schemeClr val="tx1"/>
                           </a:solidFill>
                           <a:latin typeface="Adobe Clean"/>
                         </a:rPr>
-                        <a:t>1 </a:t>
+                        <a:t>1</a:t>
                       </a:r>
                       <a:endParaRPr lang="en-US" sz="1100">
                         <a:solidFill>
@@ -16592,13 +14752,13 @@
                     <a:p>
                       <a:pPr algn="ctr"/>
                       <a:r>
-                        <a:rPr lang="en-US" sz="1100">
+                        <a:rPr lang="de-de" sz="1100">
                           <a:solidFill>
                             <a:schemeClr val="tx1"/>
                           </a:solidFill>
-                          <a:latin typeface="Adobe Clean"/>
+                          <a:latin typeface="Adobe Clean" panose="020B0503020404020204" pitchFamily="34" charset="0"/>
                         </a:rPr>
-                        <a:t>6 am – 5:30 pm</a:t>
+                        <a:t>上午 6 點 – 下午 5:30</a:t>
                       </a:r>
                     </a:p>
                   </a:txBody>
@@ -16657,13 +14817,13 @@
                     <a:p>
                       <a:pPr algn="ctr"/>
                       <a:r>
-                        <a:rPr lang="en-US" sz="1100">
+                        <a:rPr lang="de-de" sz="1100">
                           <a:solidFill>
                             <a:schemeClr val="tx1"/>
                           </a:solidFill>
-                          <a:latin typeface="Adobe Clean"/>
+                          <a:latin typeface="Adobe Clean" panose="020B0503020404020204" pitchFamily="34" charset="0"/>
                         </a:rPr>
-                        <a:t>9 am – 5 pm</a:t>
+                        <a:t>上午 9 點 – 下午 5 點</a:t>
                       </a:r>
                     </a:p>
                   </a:txBody>
@@ -16722,13 +14882,13 @@
                     <a:p>
                       <a:pPr algn="ctr"/>
                       <a:r>
-                        <a:rPr lang="en-US" sz="1100">
+                        <a:rPr lang="de-de" sz="1100">
                           <a:solidFill>
                             <a:schemeClr val="tx1"/>
                           </a:solidFill>
-                          <a:latin typeface="Adobe Clean"/>
+                          <a:latin typeface="Adobe Clean" panose="020B0503020404020204" pitchFamily="34" charset="0"/>
                         </a:rPr>
-                        <a:t>9 am – 5 pm</a:t>
+                        <a:t>上午 9 點 – 下午 5 點</a:t>
                       </a:r>
                     </a:p>
                   </a:txBody>
@@ -16787,13 +14947,13 @@
                     <a:p>
                       <a:pPr algn="ctr"/>
                       <a:r>
-                        <a:rPr lang="en-US" sz="1100">
+                        <a:rPr lang="de-de" sz="1100">
                           <a:solidFill>
                             <a:schemeClr val="tx1"/>
                           </a:solidFill>
-                          <a:latin typeface="Adobe Clean"/>
+                          <a:latin typeface="Adobe Clean" panose="020B0503020404020204" pitchFamily="34" charset="0"/>
                         </a:rPr>
-                        <a:t>9 am – 5:30 pm</a:t>
+                        <a:t>上午 9 點 – 下午 5:30</a:t>
                       </a:r>
                     </a:p>
                   </a:txBody>
@@ -16870,9 +15030,10 @@
                         <a:buNone/>
                       </a:pPr>
                       <a:r>
-                        <a:rPr lang="en-US" sz="1100" b="0" i="0" u="none" strike="noStrike" noProof="0"/>
-                        <a:t>Language support is only available in English and Japanese.</a:t>
+                        <a:rPr lang="de-de" sz="1100" b="0" i="0" u="none" strike="noStrike" noProof="0" dirty="0"/>
+                        <a:t>僅提供英文和日文的語言支援</a:t>
                       </a:r>
+                      <a:endParaRPr lang="en-US" dirty="0"/>
                     </a:p>
                     <a:p>
                       <a:pPr lvl="0" algn="ctr">
@@ -16887,7 +15048,7 @@
                         </a:spcAft>
                         <a:buNone/>
                       </a:pPr>
-                      <a:endParaRPr lang="en-US" sz="1100" b="0" i="0" u="none" strike="noStrike" noProof="0"/>
+                      <a:endParaRPr lang="en-US" sz="1100" b="0" i="0" u="none" strike="noStrike" noProof="0" dirty="0"/>
                     </a:p>
                     <a:p>
                       <a:pPr lvl="0" algn="ctr">
@@ -16903,18 +15064,22 @@
                         <a:buNone/>
                       </a:pPr>
                       <a:r>
-                        <a:rPr lang="en-US" sz="1100" b="0" i="0" u="none" strike="noStrike" noProof="0"/>
-                        <a:t> </a:t>
+                        <a:rPr lang="de-de" sz="1100" b="0" i="0" u="none" strike="noStrike" noProof="0" dirty="0"/>
+                        <a:t> </a:t>
                       </a:r>
                       <a:r>
-                        <a:rPr lang="en-US" sz="1100" b="0" i="0" u="none" strike="noStrike" baseline="30000" noProof="0"/>
+                        <a:rPr lang="de-de" sz="1100" b="0" i="0" u="none" strike="noStrike" baseline="30000" noProof="0" dirty="0"/>
                         <a:t>1 </a:t>
                       </a:r>
                       <a:r>
-                        <a:rPr lang="en-US" sz="1100" b="0" i="0" u="none" strike="noStrike" noProof="0"/>
-                        <a:t>P2, P3, P4 cases are limited to business hours only in Japan.</a:t>
+                        <a:rPr lang="de-de" sz="1100" b="0" i="0" u="none" strike="noStrike" noProof="0" dirty="0"/>
+                        <a:t>P2、P3、P4 </a:t>
                       </a:r>
-                      <a:endParaRPr lang="en-US" sz="1100" b="1" i="0" u="none" strike="noStrike" noProof="0"/>
+                      <a:r>
+                        <a:rPr lang="zh-TW" altLang="en-US" sz="1100" b="0" i="0" u="none" strike="noStrike" noProof="0"/>
+                        <a:t> 案件僅限於在日本的營業時間提交。</a:t>
+                      </a:r>
+                      <a:endParaRPr lang="en-US" dirty="0"/>
                     </a:p>
                   </a:txBody>
                   <a:tcPr anchor="ctr">
@@ -17278,124 +15443,34 @@
               </a:spcBef>
             </a:pPr>
             <a:r>
-              <a:rPr sz="1200" b="1" spc="-15">
+              <a:rPr lang="de-de" sz="1200" b="1" spc="-15">
                 <a:solidFill>
                   <a:srgbClr val="FFFFFF"/>
                 </a:solidFill>
                 <a:latin typeface="Adobe Clean"/>
                 <a:cs typeface="Adobe Clean"/>
               </a:rPr>
-              <a:t>U</a:t>
-            </a:r>
-            <a:r>
-              <a:rPr sz="1200" b="1" spc="-20">
+              <a:t>無與倫比的</a:t>
+            </a:r>
+            <a:r>
+              <a:rPr lang="de-de" sz="1200" b="1" spc="-20">
                 <a:solidFill>
                   <a:srgbClr val="FFFFFF"/>
                 </a:solidFill>
                 <a:latin typeface="Adobe Clean"/>
                 <a:cs typeface="Adobe Clean"/>
               </a:rPr>
-              <a:t>n</a:t>
-            </a:r>
-            <a:r>
-              <a:rPr sz="1200" b="1" spc="-25">
+              <a:t>專業知識</a:t>
+            </a:r>
+            <a:r>
+              <a:rPr lang="de-de" sz="1200" b="1">
                 <a:solidFill>
                   <a:srgbClr val="FFFFFF"/>
                 </a:solidFill>
                 <a:latin typeface="Adobe Clean"/>
                 <a:cs typeface="Adobe Clean"/>
               </a:rPr>
-              <a:t>p</a:t>
-            </a:r>
-            <a:r>
-              <a:rPr sz="1200" b="1" spc="-15">
-                <a:solidFill>
-                  <a:srgbClr val="FFFFFF"/>
-                </a:solidFill>
-                <a:latin typeface="Adobe Clean"/>
-                <a:cs typeface="Adobe Clean"/>
-              </a:rPr>
-              <a:t>a</a:t>
-            </a:r>
-            <a:r>
-              <a:rPr sz="1200" b="1" spc="-25">
-                <a:solidFill>
-                  <a:srgbClr val="FFFFFF"/>
-                </a:solidFill>
-                <a:latin typeface="Adobe Clean"/>
-                <a:cs typeface="Adobe Clean"/>
-              </a:rPr>
-              <a:t>r</a:t>
-            </a:r>
-            <a:r>
-              <a:rPr sz="1200" b="1" spc="-15">
-                <a:solidFill>
-                  <a:srgbClr val="FFFFFF"/>
-                </a:solidFill>
-                <a:latin typeface="Adobe Clean"/>
-                <a:cs typeface="Adobe Clean"/>
-              </a:rPr>
-              <a:t>a</a:t>
-            </a:r>
-            <a:r>
-              <a:rPr sz="1200" b="1" spc="-30">
-                <a:solidFill>
-                  <a:srgbClr val="FFFFFF"/>
-                </a:solidFill>
-                <a:latin typeface="Adobe Clean"/>
-                <a:cs typeface="Adobe Clean"/>
-              </a:rPr>
-              <a:t>ll</a:t>
-            </a:r>
-            <a:r>
-              <a:rPr sz="1200" b="1" spc="-25">
-                <a:solidFill>
-                  <a:srgbClr val="FFFFFF"/>
-                </a:solidFill>
-                <a:latin typeface="Adobe Clean"/>
-                <a:cs typeface="Adobe Clean"/>
-              </a:rPr>
-              <a:t>e</a:t>
-            </a:r>
-            <a:r>
-              <a:rPr sz="1200" b="1" spc="-30">
-                <a:solidFill>
-                  <a:srgbClr val="FFFFFF"/>
-                </a:solidFill>
-                <a:latin typeface="Adobe Clean"/>
-                <a:cs typeface="Adobe Clean"/>
-              </a:rPr>
-              <a:t>l</a:t>
-            </a:r>
-            <a:r>
-              <a:rPr sz="1200" b="1" spc="-25">
-                <a:solidFill>
-                  <a:srgbClr val="FFFFFF"/>
-                </a:solidFill>
-                <a:latin typeface="Adobe Clean"/>
-                <a:cs typeface="Adobe Clean"/>
-              </a:rPr>
-              <a:t>e</a:t>
-            </a:r>
-            <a:r>
-              <a:rPr sz="1200" b="1">
-                <a:solidFill>
-                  <a:srgbClr val="FFFFFF"/>
-                </a:solidFill>
-                <a:latin typeface="Adobe Clean"/>
-                <a:cs typeface="Adobe Clean"/>
-              </a:rPr>
-              <a:t>d  </a:t>
-            </a:r>
-            <a:r>
-              <a:rPr sz="1200" b="1" spc="-25">
-                <a:solidFill>
-                  <a:srgbClr val="FFFFFF"/>
-                </a:solidFill>
-                <a:latin typeface="Adobe Clean"/>
-                <a:cs typeface="Adobe Clean"/>
-              </a:rPr>
-              <a:t>Expertise</a:t>
+              <a:t> </a:t>
             </a:r>
             <a:endParaRPr sz="1200">
               <a:latin typeface="Adobe Clean"/>
@@ -17440,14 +15515,14 @@
               </a:spcBef>
             </a:pPr>
             <a:r>
-              <a:rPr lang="en-US" sz="1200" b="1" spc="-15">
+              <a:rPr lang="de-de" sz="1200" b="1" spc="-15">
                 <a:solidFill>
                   <a:srgbClr val="FFFFFF"/>
                 </a:solidFill>
                 <a:latin typeface="Adobe Clean"/>
                 <a:cs typeface="Adobe Clean"/>
               </a:rPr>
-              <a:t>Accelerated Support</a:t>
+              <a:t>加速支援</a:t>
             </a:r>
             <a:endParaRPr sz="1200">
               <a:latin typeface="Adobe Clean"/>
@@ -17492,104 +15567,44 @@
               </a:spcBef>
             </a:pPr>
             <a:r>
-              <a:rPr sz="1200" b="1" spc="-50">
+              <a:rPr lang="de-de" sz="1200" b="1" spc="-50">
                 <a:solidFill>
                   <a:srgbClr val="FFFFFF"/>
                 </a:solidFill>
                 <a:latin typeface="Adobe Clean"/>
                 <a:cs typeface="Adobe Clean"/>
               </a:rPr>
-              <a:t>S</a:t>
-            </a:r>
-            <a:r>
-              <a:rPr sz="1200" b="1" spc="-20">
+              <a:t>策</a:t>
+            </a:r>
+            <a:r>
+              <a:rPr lang="de-de" sz="1200" b="1" spc="-20">
                 <a:solidFill>
                   <a:srgbClr val="FFFFFF"/>
                 </a:solidFill>
                 <a:latin typeface="Adobe Clean"/>
                 <a:cs typeface="Adobe Clean"/>
               </a:rPr>
-              <a:t>t</a:t>
-            </a:r>
-            <a:r>
-              <a:rPr sz="1200" b="1" spc="-75">
+              <a:t>略</a:t>
+            </a:r>
+            <a:r>
+              <a:rPr lang="de-de" sz="1200" b="1" spc="-75">
                 <a:solidFill>
                   <a:srgbClr val="FFFFFF"/>
                 </a:solidFill>
                 <a:latin typeface="Adobe Clean"/>
                 <a:cs typeface="Adobe Clean"/>
               </a:rPr>
-              <a:t>r</a:t>
-            </a:r>
-            <a:r>
-              <a:rPr sz="1200" b="1" spc="-90">
+              <a:t>性</a:t>
+            </a:r>
+            <a:r>
+              <a:rPr lang="de-de" sz="1200" b="1" spc="-45">
                 <a:solidFill>
                   <a:srgbClr val="FFFFFF"/>
                 </a:solidFill>
                 <a:latin typeface="Adobe Clean"/>
                 <a:cs typeface="Adobe Clean"/>
               </a:rPr>
-              <a:t>a</a:t>
-            </a:r>
-            <a:r>
-              <a:rPr sz="1200" b="1" spc="-55">
-                <a:solidFill>
-                  <a:srgbClr val="FFFFFF"/>
-                </a:solidFill>
-                <a:latin typeface="Adobe Clean"/>
-                <a:cs typeface="Adobe Clean"/>
-              </a:rPr>
-              <a:t>t</a:t>
-            </a:r>
-            <a:r>
-              <a:rPr sz="1200" b="1" spc="-100">
-                <a:solidFill>
-                  <a:srgbClr val="FFFFFF"/>
-                </a:solidFill>
-                <a:latin typeface="Adobe Clean"/>
-                <a:cs typeface="Adobe Clean"/>
-              </a:rPr>
-              <a:t>e</a:t>
-            </a:r>
-            <a:r>
-              <a:rPr sz="1200" b="1" spc="-80">
-                <a:solidFill>
-                  <a:srgbClr val="FFFFFF"/>
-                </a:solidFill>
-                <a:latin typeface="Adobe Clean"/>
-                <a:cs typeface="Adobe Clean"/>
-              </a:rPr>
-              <a:t>g</a:t>
-            </a:r>
-            <a:r>
-              <a:rPr sz="1200" b="1" spc="-35">
-                <a:solidFill>
-                  <a:srgbClr val="FFFFFF"/>
-                </a:solidFill>
-                <a:latin typeface="Adobe Clean"/>
-                <a:cs typeface="Adobe Clean"/>
-              </a:rPr>
-              <a:t>i</a:t>
-            </a:r>
-            <a:r>
-              <a:rPr sz="1200" b="1">
-                <a:solidFill>
-                  <a:srgbClr val="FFFFFF"/>
-                </a:solidFill>
-                <a:latin typeface="Adobe Clean"/>
-                <a:cs typeface="Adobe Clean"/>
-              </a:rPr>
-              <a:t>c  </a:t>
-            </a:r>
-            <a:r>
-              <a:rPr sz="1200" b="1" spc="-45">
-                <a:solidFill>
-                  <a:srgbClr val="FFFFFF"/>
-                </a:solidFill>
-                <a:latin typeface="Adobe Clean"/>
-                <a:cs typeface="Adobe Clean"/>
-              </a:rPr>
-              <a:t>Advice</a:t>
+              <a:t>建議</a:t>
             </a:r>
             <a:endParaRPr sz="1200">
               <a:latin typeface="Adobe Clean"/>
@@ -17613,14 +15628,14 @@
           <p:nvPr>
             <p:extLst>
               <p:ext uri="{D42A27DB-BD31-4B8C-83A1-F6EECF244321}">
-                <p14:modId xmlns:p14="http://schemas.microsoft.com/office/powerpoint/2010/main" val="4232335107"/>
+                <p14:modId xmlns:p14="http://schemas.microsoft.com/office/powerpoint/2010/main" val="1502969284"/>
               </p:ext>
             </p:extLst>
           </p:nvPr>
         </p:nvGraphicFramePr>
         <p:xfrm>
           <a:off x="194237" y="1272353"/>
-          <a:ext cx="7368291" cy="2931160"/>
+          <a:ext cx="7368291" cy="2473960"/>
         </p:xfrm>
         <a:graphic>
           <a:graphicData uri="http://schemas.openxmlformats.org/drawingml/2006/table">
@@ -17651,22 +15666,22 @@
                     <a:lstStyle/>
                     <a:p>
                       <a:r>
-                        <a:rPr lang="en-US" sz="1100" b="0" dirty="0">
+                        <a:rPr lang="de-de" sz="1100" b="0">
                           <a:solidFill>
                             <a:schemeClr val="tx1"/>
                           </a:solidFill>
-                          <a:latin typeface="Adobe Clean"/>
+                          <a:latin typeface="Adobe Clean" panose="020B0503020404020204" pitchFamily="34" charset="0"/>
                           <a:ea typeface="+mn-ea"/>
                           <a:cs typeface="+mn-cs"/>
                           <a:hlinkClick r:id="rId7"/>
                         </a:rPr>
                         <a:t>Experience League</a:t>
                       </a:r>
-                      <a:endParaRPr lang="en-US" sz="1100" b="0" dirty="0">
+                      <a:endParaRPr lang="en-US" sz="1100" b="0">
                         <a:solidFill>
                           <a:schemeClr val="tx1"/>
                         </a:solidFill>
-                        <a:latin typeface="Adobe Clean"/>
+                        <a:latin typeface="Adobe Clean" panose="020B0503020404020204" pitchFamily="34" charset="0"/>
                         <a:ea typeface="+mn-ea"/>
                         <a:cs typeface="+mn-cs"/>
                       </a:endParaRPr>
@@ -17725,7 +15740,7 @@
                     <a:bodyPr/>
                     <a:lstStyle/>
                     <a:p>
-                      <a:pPr marL="0" marR="0" lvl="0" indent="0" eaLnBrk="1" fontAlgn="auto" latinLnBrk="0" hangingPunct="1">
+                      <a:pPr marL="0" marR="0" lvl="0" indent="0" defTabSz="914400" eaLnBrk="1" fontAlgn="auto" latinLnBrk="0" hangingPunct="1">
                         <a:lnSpc>
                           <a:spcPct val="100000"/>
                         </a:lnSpc>
@@ -17739,26 +15754,20 @@
                         <a:buSzTx/>
                         <a:buFontTx/>
                         <a:buNone/>
+                        <a:tabLst/>
+                        <a:defRPr/>
                       </a:pPr>
                       <a:r>
-                        <a:rPr lang="en-US" sz="1000" b="0" kern="1200" dirty="0">
+                        <a:rPr lang="de-de" sz="1000" b="0" kern="1200">
                           <a:solidFill>
                             <a:srgbClr val="000000"/>
                           </a:solidFill>
-                          <a:latin typeface="Adobe Clean Light"/>
+                          <a:latin typeface="Adobe Clean Light" panose="020B0303020404020204" pitchFamily="34" charset="0"/>
                           <a:ea typeface="+mn-ea"/>
                           <a:cs typeface="+mn-cs"/>
                         </a:rPr>
-                        <a:t>Experience League is how Adobe helps businesses achieve the value they expect from their Adobe investment. It’s the unified place where customers can learn, connect, and grow along a personalized path to success that includes self-help tutorials, product documentation, instructor-led training, community and technical support. </a:t>
+                        <a:t>Experience League 是 Adobe 幫助企業經由其所做的 Adobe 投資來實現預期價值的方式。這是一個統一的位置，客戶可以在這裡學習、交流並沿著個人化的成功路徑而成長，這裡有提供自助式教學課程、產品文件、由講師授課的培訓課程、社群及技術支援。</a:t>
                       </a:r>
-                      <a:endParaRPr lang="en-US" sz="1000" b="0" kern="1200">
-                        <a:solidFill>
-                          <a:srgbClr val="000000"/>
-                        </a:solidFill>
-                        <a:latin typeface="Adobe Clean Light" panose="020B0303020404020204" pitchFamily="34" charset="0"/>
-                        <a:ea typeface="+mn-ea"/>
-                        <a:cs typeface="+mn-cs"/>
-                      </a:endParaRPr>
                     </a:p>
                   </a:txBody>
                   <a:tcPr anchor="ctr">
@@ -17839,36 +15848,24 @@
                         <a:defRPr/>
                       </a:pPr>
                       <a:r>
-                        <a:rPr lang="en-US" sz="1100" dirty="0">
+                        <a:rPr lang="de-de" sz="1100">
                           <a:solidFill>
                             <a:schemeClr val="dk1"/>
                           </a:solidFill>
                           <a:effectLst/>
-                          <a:latin typeface="Adobe Clean"/>
+                          <a:latin typeface="Adobe Clean" panose="020B0503020404020204" pitchFamily="34" charset="0"/>
                           <a:ea typeface="+mn-ea"/>
                           <a:cs typeface="+mn-cs"/>
                           <a:hlinkClick r:id="rId8"/>
                         </a:rPr>
-                        <a:t>Training</a:t>
+                        <a:t>培訓</a:t>
                       </a:r>
-                      <a:r>
-                        <a:rPr lang="en-US" sz="1100" dirty="0">
-                          <a:solidFill>
-                            <a:schemeClr val="dk1"/>
-                          </a:solidFill>
-                          <a:effectLst/>
-                          <a:latin typeface="Adobe Clean"/>
-                          <a:ea typeface="+mn-ea"/>
-                          <a:cs typeface="+mn-cs"/>
-                        </a:rPr>
-                        <a:t> </a:t>
-                      </a:r>
-                      <a:endParaRPr lang="en-US" sz="1100" dirty="0">
+                      <a:endParaRPr lang="en-US" sz="1100">
                         <a:solidFill>
                           <a:schemeClr val="tx1"/>
                         </a:solidFill>
                         <a:effectLst/>
-                        <a:latin typeface="Adobe Clean"/>
+                        <a:latin typeface="Adobe Clean" panose="020B0503020404020204" pitchFamily="34" charset="0"/>
                         <a:ea typeface="+mn-ea"/>
                         <a:cs typeface="+mn-cs"/>
                       </a:endParaRPr>
@@ -17945,15 +15942,15 @@
                         <a:defRPr/>
                       </a:pPr>
                       <a:r>
-                        <a:rPr lang="en-US" sz="1000" kern="1200" dirty="0">
+                        <a:rPr lang="de-de" sz="1000" kern="1200">
                           <a:solidFill>
                             <a:srgbClr val="000000"/>
                           </a:solidFill>
-                          <a:latin typeface="Adobe Clean Light"/>
+                          <a:latin typeface="Adobe Clean Light" panose="020B0303020404020204" pitchFamily="34" charset="0"/>
                           <a:ea typeface="+mn-ea"/>
                           <a:cs typeface="+mn-cs"/>
                         </a:rPr>
-                        <a:t>Adobe Digital Learning Services courses are accessible from Experience League. Learning courses integrate both on-demand and instructor-led lessons.  Here you can accrue skills that have recognized market value and position them to drive success in your organizations.</a:t>
+                        <a:t>您可以從 Experience League 存取 Adobe 數位學習服務課程。學習課程整合了隨需和教師指導的課程。在這裡，您可以習取市場公認價值的技能，並將其定位以促進貴組織獲致成功。</a:t>
                       </a:r>
                     </a:p>
                   </a:txBody>
@@ -18035,24 +16032,24 @@
                         <a:defRPr/>
                       </a:pPr>
                       <a:r>
-                        <a:rPr lang="en-US" sz="1100" dirty="0">
+                        <a:rPr lang="de-de" sz="1100">
                           <a:solidFill>
                             <a:schemeClr val="tx1"/>
                           </a:solidFill>
                           <a:effectLst/>
-                          <a:latin typeface="Adobe Clean"/>
+                          <a:latin typeface="Adobe Clean" panose="020B0503020404020204" pitchFamily="34" charset="0"/>
                           <a:ea typeface="+mn-ea"/>
                           <a:cs typeface="+mn-cs"/>
                           <a:hlinkClick r:id="rId9"/>
                         </a:rPr>
-                        <a:t>Production Issues &amp; System Outages</a:t>
+                        <a:t>生產問題與系統中斷</a:t>
                       </a:r>
-                      <a:endParaRPr lang="en-US" sz="1100" dirty="0">
+                      <a:endParaRPr lang="en-US" sz="1100">
                         <a:solidFill>
                           <a:schemeClr val="tx1"/>
                         </a:solidFill>
                         <a:effectLst/>
-                        <a:latin typeface="Adobe Clean"/>
+                        <a:latin typeface="Adobe Clean" panose="020B0503020404020204" pitchFamily="34" charset="0"/>
                         <a:ea typeface="+mn-ea"/>
                         <a:cs typeface="+mn-cs"/>
                       </a:endParaRPr>
@@ -18111,7 +16108,7 @@
                     <a:bodyPr/>
                     <a:lstStyle/>
                     <a:p>
-                      <a:pPr marL="0" marR="0" lvl="0" indent="0" eaLnBrk="1" fontAlgn="auto" latinLnBrk="0" hangingPunct="1">
+                      <a:pPr marL="0" marR="0" lvl="0" indent="0" defTabSz="914400" eaLnBrk="1" fontAlgn="auto" latinLnBrk="0" hangingPunct="1">
                         <a:lnSpc>
                           <a:spcPct val="100000"/>
                         </a:lnSpc>
@@ -18125,26 +16122,20 @@
                         <a:buSzTx/>
                         <a:buFontTx/>
                         <a:buNone/>
+                        <a:tabLst/>
+                        <a:defRPr/>
                       </a:pPr>
                       <a:r>
-                        <a:rPr lang="en-US" sz="1000" kern="1200" dirty="0">
+                        <a:rPr lang="de-de" sz="1000" kern="1200">
                           <a:solidFill>
                             <a:srgbClr val="000000"/>
                           </a:solidFill>
-                          <a:latin typeface="Adobe Clean Light"/>
+                          <a:latin typeface="Adobe Clean Light" panose="020B0303020404020204" pitchFamily="34" charset="0"/>
                           <a:ea typeface="+mn-ea"/>
                           <a:cs typeface="+mn-cs"/>
                         </a:rPr>
-                        <a:t>Status.adobe.com conveys the health information of all Adobe products and services that are deployed in multi-tenant environments. Customers can choose their subscription preferences to get email notifications whenever Adobe creates, updates or resolves a product event. This can include scheduled maintenance or service issues of varying levels of severity. </a:t>
+                        <a:t>Status.adobe.com 會傳達所有在多租用戶環境中部署的 Adobe 產品與服務的健康資訊。客戶可以選擇其訂閱偏好設定，以便在 Adobe 建立、更新或解決產品事件時收到電子郵件通知。這可以包括預定的維護或是不同嚴重性等級的服務問題。</a:t>
                       </a:r>
-                      <a:endParaRPr lang="en-US" sz="1000" kern="1200">
-                        <a:solidFill>
-                          <a:srgbClr val="000000"/>
-                        </a:solidFill>
-                        <a:latin typeface="Adobe Clean Light" panose="020B0303020404020204" pitchFamily="34" charset="0"/>
-                        <a:ea typeface="+mn-ea"/>
-                        <a:cs typeface="+mn-cs"/>
-                      </a:endParaRPr>
                     </a:p>
                   </a:txBody>
                   <a:tcPr anchor="ctr">
@@ -18225,24 +16216,24 @@
                         <a:defRPr/>
                       </a:pPr>
                       <a:r>
-                        <a:rPr lang="en-US" sz="1100" dirty="0">
+                        <a:rPr lang="de-de" sz="1100">
                           <a:solidFill>
                             <a:schemeClr val="tx1"/>
                           </a:solidFill>
                           <a:effectLst/>
-                          <a:latin typeface="Adobe Clean"/>
+                          <a:latin typeface="Adobe Clean" panose="020B0503020404020204" pitchFamily="34" charset="0"/>
                           <a:ea typeface="+mn-ea"/>
                           <a:cs typeface="+mn-cs"/>
                           <a:hlinkClick r:id="rId10"/>
                         </a:rPr>
-                        <a:t>Terms and Conditions</a:t>
+                        <a:t>條款與條件</a:t>
                       </a:r>
-                      <a:endParaRPr lang="en-US" sz="1100" dirty="0">
+                      <a:endParaRPr lang="en-US" sz="1100">
                         <a:solidFill>
                           <a:schemeClr val="tx1"/>
                         </a:solidFill>
                         <a:effectLst/>
-                        <a:latin typeface="Adobe Clean"/>
+                        <a:latin typeface="Adobe Clean" panose="020B0503020404020204" pitchFamily="34" charset="0"/>
                         <a:ea typeface="+mn-ea"/>
                         <a:cs typeface="+mn-cs"/>
                       </a:endParaRPr>
@@ -18302,24 +16293,16 @@
                     <a:lstStyle/>
                     <a:p>
                       <a:r>
-                        <a:rPr lang="en-US" sz="1000" kern="1200" dirty="0">
+                        <a:rPr lang="de-de" sz="1000" kern="1200">
                           <a:solidFill>
                             <a:srgbClr val="000000"/>
                           </a:solidFill>
-                          <a:latin typeface="Adobe Clean Light"/>
+                          <a:latin typeface="Adobe Clean Light" panose="020B0303020404020204" pitchFamily="34" charset="0"/>
                           <a:ea typeface="+mn-ea"/>
                           <a:cs typeface="+mn-cs"/>
                         </a:rPr>
-                        <a:t>Terms and conditions detailing Support Services offerings.</a:t>
+                        <a:t>詳述支援服務方案的條款與條件</a:t>
                       </a:r>
-                      <a:endParaRPr lang="en-US" sz="1000" kern="1200" dirty="0">
-                        <a:solidFill>
-                          <a:srgbClr val="000000"/>
-                        </a:solidFill>
-                        <a:latin typeface="Adobe Clean Light" panose="020B0303020404020204" pitchFamily="34" charset="0"/>
-                        <a:ea typeface="+mn-ea"/>
-                        <a:cs typeface="+mn-cs"/>
-                      </a:endParaRPr>
                     </a:p>
                   </a:txBody>
                   <a:tcPr anchor="ctr">
@@ -18382,7 +16365,7 @@
       </p:graphicFrame>
       <p:pic>
         <p:nvPicPr>
-          <p:cNvPr id="8" name="Graphic 7" descr="Target outline">
+          <p:cNvPr id="8" name="Graphic 7" descr="目標大綱">
             <a:extLst>
               <a:ext uri="{FF2B5EF4-FFF2-40B4-BE49-F238E27FC236}">
                 <a16:creationId xmlns:a16="http://schemas.microsoft.com/office/drawing/2014/main" id="{1EAA263E-04A7-0D46-952E-EA3033B45116}"/>
@@ -18421,7 +16404,7 @@
       </p:pic>
       <p:pic>
         <p:nvPicPr>
-          <p:cNvPr id="10" name="Graphic 9" descr="Rocket outline">
+          <p:cNvPr id="10" name="Graphic 9" descr="火箭大綱">
             <a:extLst>
               <a:ext uri="{FF2B5EF4-FFF2-40B4-BE49-F238E27FC236}">
                 <a16:creationId xmlns:a16="http://schemas.microsoft.com/office/drawing/2014/main" id="{A068EBC3-B418-4E4A-A520-101CA4B39F23}"/>
@@ -18460,7 +16443,7 @@
       </p:pic>
       <p:pic>
         <p:nvPicPr>
-          <p:cNvPr id="12" name="Graphic 11" descr="Medal outline">
+          <p:cNvPr id="12" name="Graphic 11" descr="獎章概述">
             <a:extLst>
               <a:ext uri="{FF2B5EF4-FFF2-40B4-BE49-F238E27FC236}">
                 <a16:creationId xmlns:a16="http://schemas.microsoft.com/office/drawing/2014/main" id="{C7BEFC2D-0CA6-0448-B9FA-6E1581CA6D36}"/>
@@ -19095,6 +17078,15 @@
 </file>
 
 <file path=customXml/item2.xml><?xml version="1.0" encoding="utf-8"?>
+<?mso-contentType ?>
+<FormTemplates xmlns="http://schemas.microsoft.com/sharepoint/v3/contenttype/forms">
+  <Display>DocumentLibraryForm</Display>
+  <Edit>DocumentLibraryForm</Edit>
+  <New>DocumentLibraryForm</New>
+</FormTemplates>
+</file>
+
+<file path=customXml/item3.xml><?xml version="1.0" encoding="utf-8"?>
 <ct:contentTypeSchema xmlns:ct="http://schemas.microsoft.com/office/2006/metadata/contentType" xmlns:ma="http://schemas.microsoft.com/office/2006/metadata/properties/metaAttributes" ct:_="" ma:_="" ma:contentTypeName="Document" ma:contentTypeID="0x010100E783BF6876BCC646A459363AF21A7736" ma:contentTypeVersion="10" ma:contentTypeDescription="Create a new document." ma:contentTypeScope="" ma:versionID="c4ffda7f4f415767600769e454c2ea87">
   <xsd:schema xmlns:xsd="http://www.w3.org/2001/XMLSchema" xmlns:xs="http://www.w3.org/2001/XMLSchema" xmlns:p="http://schemas.microsoft.com/office/2006/metadata/properties" xmlns:ns2="8a053bff-88be-49e4-9a87-e748e18b8b62" xmlns:ns3="6c8368ec-3776-49b5-a5bb-90648cf9530f" targetNamespace="http://schemas.microsoft.com/office/2006/metadata/properties" ma:root="true" ma:fieldsID="df3ec33bccc23e23bce7bc897fad43d1" ns2:_="" ns3:_="">
     <xsd:import namespace="8a053bff-88be-49e4-9a87-e748e18b8b62"/>
@@ -19299,33 +17291,24 @@
 </ct:contentTypeSchema>
 </file>
 
-<file path=customXml/item3.xml><?xml version="1.0" encoding="utf-8"?>
-<?mso-contentType ?>
-<FormTemplates xmlns="http://schemas.microsoft.com/sharepoint/v3/contenttype/forms">
-  <Display>DocumentLibraryForm</Display>
-  <Edit>DocumentLibraryForm</Edit>
-  <New>DocumentLibraryForm</New>
-</FormTemplates>
-</file>
-
 <file path=customXml/itemProps1.xml><?xml version="1.0" encoding="utf-8"?>
 <ds:datastoreItem xmlns:ds="http://schemas.openxmlformats.org/officeDocument/2006/customXml" ds:itemID="{ED4099BE-EDEC-4FF1-8378-446617236015}">
   <ds:schemaRefs>
-    <ds:schemaRef ds:uri="8a053bff-88be-49e4-9a87-e748e18b8b62"/>
-    <ds:schemaRef ds:uri="http://purl.org/dc/elements/1.1/"/>
     <ds:schemaRef ds:uri="http://schemas.microsoft.com/office/2006/metadata/properties"/>
-    <ds:schemaRef ds:uri="http://www.w3.org/XML/1998/namespace"/>
-    <ds:schemaRef ds:uri="http://purl.org/dc/dcmitype/"/>
-    <ds:schemaRef ds:uri="http://schemas.microsoft.com/office/2006/documentManagement/types"/>
-    <ds:schemaRef ds:uri="http://schemas.openxmlformats.org/package/2006/metadata/core-properties"/>
     <ds:schemaRef ds:uri="http://schemas.microsoft.com/office/infopath/2007/PartnerControls"/>
-    <ds:schemaRef ds:uri="6c8368ec-3776-49b5-a5bb-90648cf9530f"/>
-    <ds:schemaRef ds:uri="http://purl.org/dc/terms/"/>
   </ds:schemaRefs>
 </ds:datastoreItem>
 </file>
 
 <file path=customXml/itemProps2.xml><?xml version="1.0" encoding="utf-8"?>
+<ds:datastoreItem xmlns:ds="http://schemas.openxmlformats.org/officeDocument/2006/customXml" ds:itemID="{941989CE-20BB-4A6A-A33F-71A1AE469C3E}">
+  <ds:schemaRefs>
+    <ds:schemaRef ds:uri="http://schemas.microsoft.com/sharepoint/v3/contenttype/forms"/>
+  </ds:schemaRefs>
+</ds:datastoreItem>
+</file>
+
+<file path=customXml/itemProps3.xml><?xml version="1.0" encoding="utf-8"?>
 <ds:datastoreItem xmlns:ds="http://schemas.openxmlformats.org/officeDocument/2006/customXml" ds:itemID="{FB2EBF8D-136B-48EC-8FC0-F70C0583664B}">
   <ds:schemaRefs>
     <ds:schemaRef ds:uri="6c8368ec-3776-49b5-a5bb-90648cf9530f"/>
@@ -19342,12 +17325,4 @@
     <ds:schemaRef ds:uri="http://www.w3.org/2001/XMLSchema"/>
   </ds:schemaRefs>
 </ds:datastoreItem>
-</file>
-
-<file path=customXml/itemProps3.xml><?xml version="1.0" encoding="utf-8"?>
-<ds:datastoreItem xmlns:ds="http://schemas.openxmlformats.org/officeDocument/2006/customXml" ds:itemID="{941989CE-20BB-4A6A-A33F-71A1AE469C3E}">
-  <ds:schemaRefs>
-    <ds:schemaRef ds:uri="http://schemas.microsoft.com/sharepoint/v3/contenttype/forms"/>
-  </ds:schemaRefs>
-</ds:datastoreItem>
 </file>
--- a/help/data-sheets/assets/EnterpriseSupportDatasheet.pptx
+++ b/help/data-sheets/assets/EnterpriseSupportDatasheet.pptx
@@ -144,39 +144,9 @@
 <file path=ppt/revisionInfo.xml><?xml version="1.0" encoding="utf-8"?>
 <p1510:revInfo xmlns:a="http://schemas.openxmlformats.org/drawingml/2006/main" xmlns:r="http://schemas.openxmlformats.org/officeDocument/2006/relationships" xmlns:p1510="http://schemas.microsoft.com/office/powerpoint/2015/10/main">
   <p1510:revLst>
-    <p1510:client id="{3F02B349-0406-AE51-D438-E7A0BE890230}" v="20" dt="2021-08-25T18:45:08.206"/>
-    <p1510:client id="{BAC4F85F-6423-7248-85C4-44132DA97563}" v="77" dt="2021-08-07T08:51:03.454"/>
+    <p1510:client id="{51054313-E3E9-A543-B651-B15A687DE6AB}" v="3" dt="2021-12-06T17:04:25.104"/>
   </p1510:revLst>
 </p1510:revInfo>
-</file>
-
-<file path=ppt/changesInfos/changesInfo1.xml><?xml version="1.0" encoding="utf-8"?>
-<pc:chgInfo xmlns:a="http://schemas.openxmlformats.org/drawingml/2006/main" xmlns:r="http://schemas.openxmlformats.org/officeDocument/2006/relationships" xmlns:ac="http://schemas.microsoft.com/office/drawing/2013/main/command" xmlns:pc="http://schemas.microsoft.com/office/powerpoint/2013/main/command">
-  <pc:docChgLst>
-    <pc:chgData name="Andy Witt" userId="S::awitt@adobe.com::e9157bdf-53b2-40e4-9459-936793d75696" providerId="AD" clId="Web-{3F02B349-0406-AE51-D438-E7A0BE890230}"/>
-    <pc:docChg chg="modSld">
-      <pc:chgData name="Andy Witt" userId="S::awitt@adobe.com::e9157bdf-53b2-40e4-9459-936793d75696" providerId="AD" clId="Web-{3F02B349-0406-AE51-D438-E7A0BE890230}" dt="2021-08-25T18:45:07.550" v="11"/>
-      <pc:docMkLst>
-        <pc:docMk/>
-      </pc:docMkLst>
-      <pc:sldChg chg="modSp">
-        <pc:chgData name="Andy Witt" userId="S::awitt@adobe.com::e9157bdf-53b2-40e4-9459-936793d75696" providerId="AD" clId="Web-{3F02B349-0406-AE51-D438-E7A0BE890230}" dt="2021-08-25T18:45:07.550" v="11"/>
-        <pc:sldMkLst>
-          <pc:docMk/>
-          <pc:sldMk cId="1050037809" sldId="261"/>
-        </pc:sldMkLst>
-        <pc:graphicFrameChg chg="mod modGraphic">
-          <ac:chgData name="Andy Witt" userId="S::awitt@adobe.com::e9157bdf-53b2-40e4-9459-936793d75696" providerId="AD" clId="Web-{3F02B349-0406-AE51-D438-E7A0BE890230}" dt="2021-08-25T18:45:07.550" v="11"/>
-          <ac:graphicFrameMkLst>
-            <pc:docMk/>
-            <pc:sldMk cId="1050037809" sldId="261"/>
-            <ac:graphicFrameMk id="25" creationId="{3A91F5B0-3974-A14D-A146-FB590F2AAD18}"/>
-          </ac:graphicFrameMkLst>
-        </pc:graphicFrameChg>
-      </pc:sldChg>
-    </pc:docChg>
-  </pc:docChgLst>
-</pc:chgInfo>
 </file>
 
 <file path=ppt/comments/comment1.xml><?xml version="1.0" encoding="utf-8"?>
@@ -275,7 +245,7 @@
           <a:p>
             <a:fld id="{CCB2A597-803A-C244-97E2-A01066125D19}" type="datetimeFigureOut">
               <a:rPr lang="en-US" smtClean="0"/>
-              <a:t>11/18/21</a:t>
+              <a:t>12/9/2021</a:t>
             </a:fld>
             <a:endParaRPr lang="en-US"/>
           </a:p>
@@ -1056,7 +1026,7 @@
           <a:p>
             <a:fld id="{1D8BD707-D9CF-40AE-B4C6-C98DA3205C09}" type="datetimeFigureOut">
               <a:rPr lang="en-US"/>
-              <a:t>11/18/21</a:t>
+              <a:t>12/9/2021</a:t>
             </a:fld>
             <a:endParaRPr lang="en-US"/>
           </a:p>
@@ -1296,7 +1266,7 @@
           <a:p>
             <a:fld id="{1D8BD707-D9CF-40AE-B4C6-C98DA3205C09}" type="datetimeFigureOut">
               <a:rPr lang="en-US"/>
-              <a:t>11/18/21</a:t>
+              <a:t>12/9/2021</a:t>
             </a:fld>
             <a:endParaRPr lang="en-US"/>
           </a:p>
@@ -1549,7 +1519,7 @@
           <a:p>
             <a:fld id="{1D8BD707-D9CF-40AE-B4C6-C98DA3205C09}" type="datetimeFigureOut">
               <a:rPr lang="en-US"/>
-              <a:t>11/18/21</a:t>
+              <a:t>12/9/2021</a:t>
             </a:fld>
             <a:endParaRPr lang="en-US"/>
           </a:p>
@@ -1736,7 +1706,7 @@
           <a:p>
             <a:fld id="{1D8BD707-D9CF-40AE-B4C6-C98DA3205C09}" type="datetimeFigureOut">
               <a:rPr lang="en-US"/>
-              <a:t>11/18/21</a:t>
+              <a:t>12/9/2021</a:t>
             </a:fld>
             <a:endParaRPr lang="en-US"/>
           </a:p>
@@ -1894,7 +1864,7 @@
           <a:p>
             <a:fld id="{1D8BD707-D9CF-40AE-B4C6-C98DA3205C09}" type="datetimeFigureOut">
               <a:rPr lang="en-US"/>
-              <a:t>11/18/21</a:t>
+              <a:t>12/9/2021</a:t>
             </a:fld>
             <a:endParaRPr lang="en-US"/>
           </a:p>
@@ -2152,7 +2122,7 @@
           <a:p>
             <a:fld id="{1D8BD707-D9CF-40AE-B4C6-C98DA3205C09}" type="datetimeFigureOut">
               <a:rPr lang="en-US"/>
-              <a:t>11/18/21</a:t>
+              <a:t>12/9/2021</a:t>
             </a:fld>
             <a:endParaRPr lang="en-US"/>
           </a:p>
@@ -2391,32 +2361,41 @@
           </a:prstGeom>
         </p:spPr>
         <p:txBody>
-          <a:bodyPr vert="horz" wrap="square" lIns="0" tIns="12700" rIns="0" bIns="0" rtlCol="0">
+          <a:bodyPr vert="horz" wrap="square" lIns="0" tIns="12700" rIns="0" bIns="0" rtlCol="0" anchor="t">
             <a:spAutoFit/>
           </a:bodyPr>
           <a:lstStyle/>
           <a:p>
             <a:pPr marL="12700">
-              <a:lnSpc>
-                <a:spcPct val="100000"/>
-              </a:lnSpc>
               <a:spcBef>
                 <a:spcPts val="100"/>
               </a:spcBef>
             </a:pPr>
             <a:r>
-              <a:rPr lang="de-de" sz="2300" dirty="0">
-                <a:latin typeface="Adobe Clean" panose="020B0503020404020204" pitchFamily="34" charset="0"/>
-              </a:rPr>
-              <a:t>Adobe </a:t>
-            </a:r>
-            <a:r>
-              <a:rPr lang="ja-JP" altLang="en-US" sz="2300">
-                <a:latin typeface="Adobe Clean" panose="020B0503020404020204" pitchFamily="34" charset="0"/>
-              </a:rPr>
-              <a:t>支援計劃</a:t>
-            </a:r>
-            <a:endParaRPr sz="2300" spc="-229" dirty="0">
+              <a:rPr sz="2300" dirty="0">
+                <a:latin typeface="Adobe Clean"/>
+              </a:rPr>
+              <a:t>ADOBE</a:t>
+            </a:r>
+            <a:r>
+              <a:rPr lang="en-US" sz="2300" dirty="0">
+                <a:latin typeface="Adobe Clean"/>
+              </a:rPr>
+              <a:t> </a:t>
+            </a:r>
+            <a:r>
+              <a:rPr sz="2300" dirty="0">
+                <a:latin typeface="Adobe Clean"/>
+              </a:rPr>
+              <a:t>SUPPORT</a:t>
+            </a:r>
+            <a:r>
+              <a:rPr lang="en-US" sz="2300" dirty="0">
+                <a:latin typeface="Adobe Clean"/>
+              </a:rPr>
+              <a:t> PLANS</a:t>
+            </a:r>
+            <a:endParaRPr sz="2300" dirty="0">
               <a:latin typeface="Adobe Clean" panose="020B0503020404020204" pitchFamily="34" charset="0"/>
             </a:endParaRPr>
           </a:p>
@@ -2431,7 +2410,7 @@
         <p:spPr>
           <a:xfrm>
             <a:off x="125148" y="7013546"/>
-            <a:ext cx="5246952" cy="228268"/>
+            <a:ext cx="2785110" cy="228268"/>
           </a:xfrm>
           <a:prstGeom prst="rect">
             <a:avLst/>
@@ -2452,7 +2431,7 @@
               </a:spcBef>
             </a:pPr>
             <a:r>
-              <a:rPr lang="de-de" sz="1400" b="1" u="sng" spc="15" dirty="0">
+              <a:rPr sz="1400" b="1" u="sng" spc="15">
                 <a:solidFill>
                   <a:srgbClr val="020302"/>
                 </a:solidFill>
@@ -2464,10 +2443,10 @@
                 <a:latin typeface="Adobe Clean"/>
                 <a:cs typeface="Adobe Clean"/>
               </a:rPr>
-              <a:t>服務層級目標：初始回應</a:t>
-            </a:r>
-            <a:r>
-              <a:rPr lang="de-de" sz="1400" b="1" u="sng" spc="-15" dirty="0">
+              <a:t>S</a:t>
+            </a:r>
+            <a:r>
+              <a:rPr sz="1400" b="1" u="sng" spc="5">
                 <a:solidFill>
                   <a:srgbClr val="020302"/>
                 </a:solidFill>
@@ -2479,10 +2458,10 @@
                 <a:latin typeface="Adobe Clean"/>
                 <a:cs typeface="Adobe Clean"/>
               </a:rPr>
-              <a:t> </a:t>
-            </a:r>
-            <a:r>
-              <a:rPr lang="de-de" sz="1400" b="1" u="sng" spc="-85" dirty="0">
+              <a:t>er</a:t>
+            </a:r>
+            <a:r>
+              <a:rPr sz="1400" b="1" u="sng" spc="10">
           